--- a/Training_Notes_PPTs.pptx
+++ b/Training_Notes_PPTs.pptx
@@ -5750,7 +5750,7 @@
         <p:spPr>
           <a:xfrm>
             <a:off x="0" y="513806"/>
-            <a:ext cx="12192000" cy="4801314"/>
+            <a:ext cx="12192000" cy="646331"/>
           </a:xfrm>
           <a:prstGeom prst="rect">
             <a:avLst/>
@@ -5769,178 +5769,510 @@
             </a:pPr>
             <a:r>
               <a:rPr lang="en-US" dirty="0"/>
-              <a:t>Types</a:t>
-            </a:r>
-          </a:p>
-          <a:p>
-            <a:pPr marL="800100" lvl="1" indent="-342900">
-              <a:buFont typeface="+mj-lt"/>
-              <a:buAutoNum type="arabicPeriod"/>
-            </a:pPr>
+              <a:t>JavaScript Object Equality</a:t>
+            </a:r>
+          </a:p>
+          <a:p>
+            <a:endParaRPr lang="en-US" dirty="0"/>
+          </a:p>
+        </p:txBody>
+      </p:sp>
+      <p:sp>
+        <p:nvSpPr>
+          <p:cNvPr id="4" name="Rectangle 3">
+            <a:extLst>
+              <a:ext uri="{FF2B5EF4-FFF2-40B4-BE49-F238E27FC236}">
+                <a16:creationId xmlns:a16="http://schemas.microsoft.com/office/drawing/2014/main" id="{468119A8-A19E-FD4C-9D6E-96B33FC9956D}"/>
+              </a:ext>
+            </a:extLst>
+          </p:cNvPr>
+          <p:cNvSpPr/>
+          <p:nvPr/>
+        </p:nvSpPr>
+        <p:spPr>
+          <a:xfrm>
+            <a:off x="124326" y="1304611"/>
+            <a:ext cx="2555508" cy="369332"/>
+          </a:xfrm>
+          <a:prstGeom prst="rect">
+            <a:avLst/>
+          </a:prstGeom>
+        </p:spPr>
+        <p:txBody>
+          <a:bodyPr wrap="none">
+            <a:spAutoFit/>
+          </a:bodyPr>
+          <a:lstStyle/>
+          <a:p>
+            <a:r>
+              <a:rPr lang="en-IN" dirty="0">
+                <a:solidFill>
+                  <a:srgbClr val="0000FF"/>
+                </a:solidFill>
+                <a:latin typeface="Menlo" panose="020B0609030804020204" pitchFamily="49" charset="0"/>
+              </a:rPr>
+              <a:t>var</a:t>
+            </a:r>
+            <a:r>
+              <a:rPr lang="en-IN" dirty="0">
+                <a:solidFill>
+                  <a:srgbClr val="000000"/>
+                </a:solidFill>
+                <a:latin typeface="Menlo" panose="020B0609030804020204" pitchFamily="49" charset="0"/>
+              </a:rPr>
+              <a:t> </a:t>
+            </a:r>
+            <a:r>
+              <a:rPr lang="en-IN" dirty="0" err="1">
+                <a:solidFill>
+                  <a:srgbClr val="000000"/>
+                </a:solidFill>
+                <a:latin typeface="Menlo" panose="020B0609030804020204" pitchFamily="49" charset="0"/>
+              </a:rPr>
+              <a:t>obj</a:t>
+            </a:r>
+            <a:r>
+              <a:rPr lang="en-IN" dirty="0">
+                <a:solidFill>
+                  <a:srgbClr val="000000"/>
+                </a:solidFill>
+                <a:latin typeface="Menlo" panose="020B0609030804020204" pitchFamily="49" charset="0"/>
+              </a:rPr>
+              <a:t> = {x:</a:t>
+            </a:r>
+            <a:r>
+              <a:rPr lang="en-IN" dirty="0">
+                <a:solidFill>
+                  <a:srgbClr val="098658"/>
+                </a:solidFill>
+                <a:latin typeface="Menlo" panose="020B0609030804020204" pitchFamily="49" charset="0"/>
+              </a:rPr>
+              <a:t>10</a:t>
+            </a:r>
+            <a:r>
+              <a:rPr lang="en-IN" dirty="0">
+                <a:solidFill>
+                  <a:srgbClr val="000000"/>
+                </a:solidFill>
+                <a:latin typeface="Menlo" panose="020B0609030804020204" pitchFamily="49" charset="0"/>
+              </a:rPr>
+              <a:t>};</a:t>
+            </a:r>
+            <a:endParaRPr lang="en-IN" b="0" dirty="0">
+              <a:solidFill>
+                <a:srgbClr val="000000"/>
+              </a:solidFill>
+              <a:effectLst/>
+              <a:latin typeface="Menlo" panose="020B0609030804020204" pitchFamily="49" charset="0"/>
+            </a:endParaRPr>
+          </a:p>
+        </p:txBody>
+      </p:sp>
+      <p:sp>
+        <p:nvSpPr>
+          <p:cNvPr id="5" name="Rectangle 4">
+            <a:extLst>
+              <a:ext uri="{FF2B5EF4-FFF2-40B4-BE49-F238E27FC236}">
+                <a16:creationId xmlns:a16="http://schemas.microsoft.com/office/drawing/2014/main" id="{3FAE99D1-0687-5245-87BF-46834766720D}"/>
+              </a:ext>
+            </a:extLst>
+          </p:cNvPr>
+          <p:cNvSpPr/>
+          <p:nvPr/>
+        </p:nvSpPr>
+        <p:spPr>
+          <a:xfrm>
+            <a:off x="9187543" y="1375954"/>
+            <a:ext cx="975360" cy="775063"/>
+          </a:xfrm>
+          <a:prstGeom prst="rect">
+            <a:avLst/>
+          </a:prstGeom>
+        </p:spPr>
+        <p:style>
+          <a:lnRef idx="2">
+            <a:schemeClr val="accent1">
+              <a:shade val="50000"/>
+            </a:schemeClr>
+          </a:lnRef>
+          <a:fillRef idx="1">
+            <a:schemeClr val="accent1"/>
+          </a:fillRef>
+          <a:effectRef idx="0">
+            <a:schemeClr val="accent1"/>
+          </a:effectRef>
+          <a:fontRef idx="minor">
+            <a:schemeClr val="lt1"/>
+          </a:fontRef>
+        </p:style>
+        <p:txBody>
+          <a:bodyPr rtlCol="0" anchor="ctr"/>
+          <a:lstStyle/>
+          <a:p>
+            <a:pPr algn="ctr"/>
             <a:r>
               <a:rPr lang="en-US" dirty="0"/>
-              <a:t>The ‘var’ aka variant datatypes is provided for accepting and storing any data entered by end-used using browser</a:t>
-            </a:r>
-          </a:p>
-          <a:p>
-            <a:pPr marL="800100" lvl="1" indent="-342900">
-              <a:buFont typeface="+mj-lt"/>
-              <a:buAutoNum type="arabicPeriod"/>
-            </a:pPr>
+              <a:t>X:10</a:t>
+            </a:r>
+          </a:p>
+        </p:txBody>
+      </p:sp>
+      <p:cxnSp>
+        <p:nvCxnSpPr>
+          <p:cNvPr id="7" name="Straight Arrow Connector 6">
+            <a:extLst>
+              <a:ext uri="{FF2B5EF4-FFF2-40B4-BE49-F238E27FC236}">
+                <a16:creationId xmlns:a16="http://schemas.microsoft.com/office/drawing/2014/main" id="{23C51448-D874-C44E-B546-DC47DA2E4B1F}"/>
+              </a:ext>
+            </a:extLst>
+          </p:cNvPr>
+          <p:cNvCxnSpPr>
+            <a:endCxn id="5" idx="1"/>
+          </p:cNvCxnSpPr>
+          <p:nvPr/>
+        </p:nvCxnSpPr>
+        <p:spPr>
+          <a:xfrm>
+            <a:off x="7280366" y="1763485"/>
+            <a:ext cx="1907177" cy="1"/>
+          </a:xfrm>
+          <a:prstGeom prst="straightConnector1">
+            <a:avLst/>
+          </a:prstGeom>
+          <a:ln>
+            <a:tailEnd type="triangle"/>
+          </a:ln>
+        </p:spPr>
+        <p:style>
+          <a:lnRef idx="1">
+            <a:schemeClr val="accent1"/>
+          </a:lnRef>
+          <a:fillRef idx="0">
+            <a:schemeClr val="accent1"/>
+          </a:fillRef>
+          <a:effectRef idx="0">
+            <a:schemeClr val="accent1"/>
+          </a:effectRef>
+          <a:fontRef idx="minor">
+            <a:schemeClr val="tx1"/>
+          </a:fontRef>
+        </p:style>
+      </p:cxnSp>
+      <p:sp>
+        <p:nvSpPr>
+          <p:cNvPr id="8" name="TextBox 7">
+            <a:extLst>
+              <a:ext uri="{FF2B5EF4-FFF2-40B4-BE49-F238E27FC236}">
+                <a16:creationId xmlns:a16="http://schemas.microsoft.com/office/drawing/2014/main" id="{E51751FC-E156-F842-8F1B-707CF54DCBE7}"/>
+              </a:ext>
+            </a:extLst>
+          </p:cNvPr>
+          <p:cNvSpPr txBox="1"/>
+          <p:nvPr/>
+        </p:nvSpPr>
+        <p:spPr>
+          <a:xfrm>
+            <a:off x="6775269" y="1673943"/>
+            <a:ext cx="505097" cy="369332"/>
+          </a:xfrm>
+          <a:prstGeom prst="rect">
+            <a:avLst/>
+          </a:prstGeom>
+          <a:noFill/>
+        </p:spPr>
+        <p:txBody>
+          <a:bodyPr wrap="square" rtlCol="0">
+            <a:spAutoFit/>
+          </a:bodyPr>
+          <a:lstStyle/>
+          <a:p>
             <a:r>
               <a:rPr lang="en-US" dirty="0"/>
-              <a:t>Value parsing for variant</a:t>
-            </a:r>
-          </a:p>
-          <a:p>
-            <a:pPr marL="1257300" lvl="2" indent="-342900">
-              <a:buFont typeface="+mj-lt"/>
-              <a:buAutoNum type="arabicPeriod"/>
-            </a:pPr>
-            <a:r>
-              <a:rPr lang="en-US" dirty="0" err="1"/>
-              <a:t>parseInt</a:t>
-            </a:r>
+              <a:t>obj</a:t>
+            </a:r>
+          </a:p>
+        </p:txBody>
+      </p:sp>
+      <p:sp>
+        <p:nvSpPr>
+          <p:cNvPr id="9" name="Rectangle 8">
+            <a:extLst>
+              <a:ext uri="{FF2B5EF4-FFF2-40B4-BE49-F238E27FC236}">
+                <a16:creationId xmlns:a16="http://schemas.microsoft.com/office/drawing/2014/main" id="{7FC8CCC5-505A-864A-805C-2C987628E132}"/>
+              </a:ext>
+            </a:extLst>
+          </p:cNvPr>
+          <p:cNvSpPr/>
+          <p:nvPr/>
+        </p:nvSpPr>
+        <p:spPr>
+          <a:xfrm>
+            <a:off x="0" y="2277682"/>
+            <a:ext cx="2276585" cy="369332"/>
+          </a:xfrm>
+          <a:prstGeom prst="rect">
+            <a:avLst/>
+          </a:prstGeom>
+        </p:spPr>
+        <p:txBody>
+          <a:bodyPr wrap="none">
+            <a:spAutoFit/>
+          </a:bodyPr>
+          <a:lstStyle/>
+          <a:p>
+            <a:r>
+              <a:rPr lang="en-IN" dirty="0">
+                <a:solidFill>
+                  <a:srgbClr val="0000FF"/>
+                </a:solidFill>
+                <a:latin typeface="Menlo" panose="020B0609030804020204" pitchFamily="49" charset="0"/>
+              </a:rPr>
+              <a:t>var</a:t>
+            </a:r>
+            <a:r>
+              <a:rPr lang="en-IN" dirty="0">
+                <a:solidFill>
+                  <a:srgbClr val="000000"/>
+                </a:solidFill>
+                <a:latin typeface="Menlo" panose="020B0609030804020204" pitchFamily="49" charset="0"/>
+              </a:rPr>
+              <a:t> obj1 = </a:t>
+            </a:r>
+            <a:r>
+              <a:rPr lang="en-IN" dirty="0" err="1">
+                <a:solidFill>
+                  <a:srgbClr val="000000"/>
+                </a:solidFill>
+                <a:latin typeface="Menlo" panose="020B0609030804020204" pitchFamily="49" charset="0"/>
+              </a:rPr>
+              <a:t>obj</a:t>
+            </a:r>
+            <a:r>
+              <a:rPr lang="en-IN" dirty="0">
+                <a:solidFill>
+                  <a:srgbClr val="000000"/>
+                </a:solidFill>
+                <a:latin typeface="Menlo" panose="020B0609030804020204" pitchFamily="49" charset="0"/>
+              </a:rPr>
+              <a:t>;</a:t>
+            </a:r>
+            <a:endParaRPr lang="en-IN" b="0" dirty="0">
+              <a:solidFill>
+                <a:srgbClr val="000000"/>
+              </a:solidFill>
+              <a:effectLst/>
+              <a:latin typeface="Menlo" panose="020B0609030804020204" pitchFamily="49" charset="0"/>
+            </a:endParaRPr>
+          </a:p>
+        </p:txBody>
+      </p:sp>
+      <p:sp>
+        <p:nvSpPr>
+          <p:cNvPr id="10" name="TextBox 9">
+            <a:extLst>
+              <a:ext uri="{FF2B5EF4-FFF2-40B4-BE49-F238E27FC236}">
+                <a16:creationId xmlns:a16="http://schemas.microsoft.com/office/drawing/2014/main" id="{21289E08-4137-3540-B113-06BD476D4F06}"/>
+              </a:ext>
+            </a:extLst>
+          </p:cNvPr>
+          <p:cNvSpPr txBox="1"/>
+          <p:nvPr/>
+        </p:nvSpPr>
+        <p:spPr>
+          <a:xfrm>
+            <a:off x="0" y="2795451"/>
+            <a:ext cx="3805646" cy="646331"/>
+          </a:xfrm>
+          <a:prstGeom prst="rect">
+            <a:avLst/>
+          </a:prstGeom>
+          <a:noFill/>
+        </p:spPr>
+        <p:txBody>
+          <a:bodyPr wrap="square" rtlCol="0">
+            <a:spAutoFit/>
+          </a:bodyPr>
+          <a:lstStyle/>
+          <a:p>
             <a:r>
               <a:rPr lang="en-US" dirty="0"/>
-              <a:t>() / </a:t>
-            </a:r>
-            <a:r>
-              <a:rPr lang="en-US" dirty="0" err="1"/>
-              <a:t>parseFloat</a:t>
-            </a:r>
+              <a:t>Obj1 will point to same location that is referenced by obj</a:t>
+            </a:r>
+          </a:p>
+        </p:txBody>
+      </p:sp>
+      <p:cxnSp>
+        <p:nvCxnSpPr>
+          <p:cNvPr id="14" name="Straight Arrow Connector 13">
+            <a:extLst>
+              <a:ext uri="{FF2B5EF4-FFF2-40B4-BE49-F238E27FC236}">
+                <a16:creationId xmlns:a16="http://schemas.microsoft.com/office/drawing/2014/main" id="{18E9E2E5-781F-B447-9C99-04D5769F0743}"/>
+              </a:ext>
+            </a:extLst>
+          </p:cNvPr>
+          <p:cNvCxnSpPr>
+            <a:endCxn id="5" idx="2"/>
+          </p:cNvCxnSpPr>
+          <p:nvPr/>
+        </p:nvCxnSpPr>
+        <p:spPr>
+          <a:xfrm flipV="1">
+            <a:off x="9675223" y="2151017"/>
+            <a:ext cx="0" cy="801189"/>
+          </a:xfrm>
+          <a:prstGeom prst="straightConnector1">
+            <a:avLst/>
+          </a:prstGeom>
+          <a:ln>
+            <a:tailEnd type="triangle"/>
+          </a:ln>
+        </p:spPr>
+        <p:style>
+          <a:lnRef idx="1">
+            <a:schemeClr val="accent1"/>
+          </a:lnRef>
+          <a:fillRef idx="0">
+            <a:schemeClr val="accent1"/>
+          </a:fillRef>
+          <a:effectRef idx="0">
+            <a:schemeClr val="accent1"/>
+          </a:effectRef>
+          <a:fontRef idx="minor">
+            <a:schemeClr val="tx1"/>
+          </a:fontRef>
+        </p:style>
+      </p:cxnSp>
+      <p:sp>
+        <p:nvSpPr>
+          <p:cNvPr id="15" name="TextBox 14">
+            <a:extLst>
+              <a:ext uri="{FF2B5EF4-FFF2-40B4-BE49-F238E27FC236}">
+                <a16:creationId xmlns:a16="http://schemas.microsoft.com/office/drawing/2014/main" id="{8689428D-E20B-1241-A616-03C765DA1248}"/>
+              </a:ext>
+            </a:extLst>
+          </p:cNvPr>
+          <p:cNvSpPr txBox="1"/>
+          <p:nvPr/>
+        </p:nvSpPr>
+        <p:spPr>
+          <a:xfrm>
+            <a:off x="9187543" y="2952206"/>
+            <a:ext cx="1184366" cy="369332"/>
+          </a:xfrm>
+          <a:prstGeom prst="rect">
+            <a:avLst/>
+          </a:prstGeom>
+          <a:noFill/>
+        </p:spPr>
+        <p:txBody>
+          <a:bodyPr wrap="square" rtlCol="0">
+            <a:spAutoFit/>
+          </a:bodyPr>
+          <a:lstStyle/>
+          <a:p>
             <a:r>
               <a:rPr lang="en-US" dirty="0"/>
-              <a:t>()</a:t>
-            </a:r>
-          </a:p>
-          <a:p>
-            <a:pPr marL="1257300" lvl="2" indent="-342900">
-              <a:buFont typeface="+mj-lt"/>
-              <a:buAutoNum type="arabicPeriod"/>
-            </a:pPr>
+              <a:t>obj1</a:t>
+            </a:r>
+          </a:p>
+        </p:txBody>
+      </p:sp>
+      <p:sp>
+        <p:nvSpPr>
+          <p:cNvPr id="16" name="Rectangle 15">
+            <a:extLst>
+              <a:ext uri="{FF2B5EF4-FFF2-40B4-BE49-F238E27FC236}">
+                <a16:creationId xmlns:a16="http://schemas.microsoft.com/office/drawing/2014/main" id="{7A8FAED0-8D84-F84D-8696-464566527046}"/>
+              </a:ext>
+            </a:extLst>
+          </p:cNvPr>
+          <p:cNvSpPr/>
+          <p:nvPr/>
+        </p:nvSpPr>
+        <p:spPr>
+          <a:xfrm>
+            <a:off x="139460" y="3646043"/>
+            <a:ext cx="1997663" cy="369332"/>
+          </a:xfrm>
+          <a:prstGeom prst="rect">
+            <a:avLst/>
+          </a:prstGeom>
+        </p:spPr>
+        <p:txBody>
+          <a:bodyPr wrap="none">
+            <a:spAutoFit/>
+          </a:bodyPr>
+          <a:lstStyle/>
+          <a:p>
+            <a:r>
+              <a:rPr lang="en-IN" dirty="0">
+                <a:solidFill>
+                  <a:srgbClr val="000000"/>
+                </a:solidFill>
+                <a:latin typeface="Menlo" panose="020B0609030804020204" pitchFamily="49" charset="0"/>
+              </a:rPr>
+              <a:t>obj1.x = </a:t>
+            </a:r>
+            <a:r>
+              <a:rPr lang="en-IN" dirty="0">
+                <a:solidFill>
+                  <a:srgbClr val="098658"/>
+                </a:solidFill>
+                <a:latin typeface="Menlo" panose="020B0609030804020204" pitchFamily="49" charset="0"/>
+              </a:rPr>
+              <a:t>900</a:t>
+            </a:r>
+            <a:r>
+              <a:rPr lang="en-IN" dirty="0">
+                <a:solidFill>
+                  <a:srgbClr val="000000"/>
+                </a:solidFill>
+                <a:latin typeface="Menlo" panose="020B0609030804020204" pitchFamily="49" charset="0"/>
+              </a:rPr>
+              <a:t>;</a:t>
+            </a:r>
+            <a:endParaRPr lang="en-IN" b="0" dirty="0">
+              <a:solidFill>
+                <a:srgbClr val="000000"/>
+              </a:solidFill>
+              <a:effectLst/>
+              <a:latin typeface="Menlo" panose="020B0609030804020204" pitchFamily="49" charset="0"/>
+            </a:endParaRPr>
+          </a:p>
+        </p:txBody>
+      </p:sp>
+      <p:sp>
+        <p:nvSpPr>
+          <p:cNvPr id="17" name="TextBox 16">
+            <a:extLst>
+              <a:ext uri="{FF2B5EF4-FFF2-40B4-BE49-F238E27FC236}">
+                <a16:creationId xmlns:a16="http://schemas.microsoft.com/office/drawing/2014/main" id="{C975A1B0-49CD-6C44-8BB7-0822A461491D}"/>
+              </a:ext>
+            </a:extLst>
+          </p:cNvPr>
+          <p:cNvSpPr txBox="1"/>
+          <p:nvPr/>
+        </p:nvSpPr>
+        <p:spPr>
+          <a:xfrm>
+            <a:off x="0" y="4188823"/>
+            <a:ext cx="4188823" cy="374467"/>
+          </a:xfrm>
+          <a:prstGeom prst="rect">
+            <a:avLst/>
+          </a:prstGeom>
+          <a:noFill/>
+        </p:spPr>
+        <p:txBody>
+          <a:bodyPr wrap="square" rtlCol="0">
+            <a:spAutoFit/>
+          </a:bodyPr>
+          <a:lstStyle/>
+          <a:p>
             <a:r>
               <a:rPr lang="en-US" dirty="0"/>
-              <a:t>String Types</a:t>
-            </a:r>
-          </a:p>
-          <a:p>
-            <a:pPr marL="1257300" lvl="2" indent="-342900">
-              <a:buFont typeface="+mj-lt"/>
-              <a:buAutoNum type="arabicPeriod"/>
-            </a:pPr>
-            <a:r>
-              <a:rPr lang="en-US" dirty="0"/>
-              <a:t>Number Type </a:t>
-            </a:r>
-          </a:p>
-          <a:p>
-            <a:pPr marL="1257300" lvl="2" indent="-342900">
-              <a:buFont typeface="+mj-lt"/>
-              <a:buAutoNum type="arabicPeriod"/>
-            </a:pPr>
-            <a:r>
-              <a:rPr lang="en-US" dirty="0"/>
-              <a:t>Object Type </a:t>
-            </a:r>
-          </a:p>
-          <a:p>
-            <a:pPr marL="1714500" lvl="3" indent="-342900">
-              <a:buFont typeface="+mj-lt"/>
-              <a:buAutoNum type="arabicPeriod"/>
-            </a:pPr>
-            <a:r>
-              <a:rPr lang="en-US" dirty="0"/>
-              <a:t>Date Type</a:t>
-            </a:r>
-          </a:p>
-          <a:p>
-            <a:pPr marL="342900" indent="-342900">
-              <a:buFont typeface="+mj-lt"/>
-              <a:buAutoNum type="arabicPeriod"/>
-            </a:pPr>
-            <a:r>
-              <a:rPr lang="en-US" dirty="0"/>
-              <a:t>Operators</a:t>
-            </a:r>
-          </a:p>
-          <a:p>
-            <a:pPr marL="800100" lvl="1" indent="-342900">
-              <a:buFont typeface="+mj-lt"/>
-              <a:buAutoNum type="arabicPeriod"/>
-            </a:pPr>
-            <a:r>
-              <a:rPr lang="en-US"/>
-              <a:t>+ , - , *, / , &gt;, &lt; , &gt;=, &lt;=, !==, ==, ===</a:t>
-            </a:r>
-            <a:endParaRPr lang="en-US" dirty="0"/>
-          </a:p>
-          <a:p>
-            <a:pPr marL="342900" indent="-342900">
-              <a:buFont typeface="+mj-lt"/>
-              <a:buAutoNum type="arabicPeriod"/>
-            </a:pPr>
-            <a:r>
-              <a:rPr lang="en-US" dirty="0"/>
-              <a:t>Objects</a:t>
-            </a:r>
-          </a:p>
-          <a:p>
-            <a:pPr marL="342900" indent="-342900">
-              <a:buFont typeface="+mj-lt"/>
-              <a:buAutoNum type="arabicPeriod"/>
-            </a:pPr>
-            <a:r>
-              <a:rPr lang="en-US" dirty="0"/>
-              <a:t>Functions</a:t>
-            </a:r>
-          </a:p>
-          <a:p>
-            <a:pPr marL="342900" indent="-342900">
-              <a:buFont typeface="+mj-lt"/>
-              <a:buAutoNum type="arabicPeriod"/>
-            </a:pPr>
-            <a:r>
-              <a:rPr lang="en-US" dirty="0"/>
-              <a:t>Iterations</a:t>
-            </a:r>
-          </a:p>
-          <a:p>
-            <a:pPr marL="342900" indent="-342900">
-              <a:buFont typeface="+mj-lt"/>
-              <a:buAutoNum type="arabicPeriod"/>
-            </a:pPr>
-            <a:r>
-              <a:rPr lang="en-US" dirty="0"/>
-              <a:t>Conditions</a:t>
-            </a:r>
-          </a:p>
-          <a:p>
-            <a:pPr marL="342900" indent="-342900">
-              <a:buFont typeface="+mj-lt"/>
-              <a:buAutoNum type="arabicPeriod"/>
-            </a:pPr>
-            <a:r>
-              <a:rPr lang="en-US" dirty="0"/>
-              <a:t>Collections</a:t>
-            </a:r>
-          </a:p>
-          <a:p>
-            <a:pPr marL="342900" indent="-342900">
-              <a:buFont typeface="+mj-lt"/>
-              <a:buAutoNum type="arabicPeriod"/>
-            </a:pPr>
-            <a:r>
-              <a:rPr lang="en-US" dirty="0"/>
-              <a:t>Evets</a:t>
-            </a:r>
-          </a:p>
-          <a:p>
-            <a:pPr marL="342900" indent="-342900">
-              <a:buFont typeface="+mj-lt"/>
-              <a:buAutoNum type="arabicPeriod"/>
-            </a:pPr>
-            <a:endParaRPr lang="en-US" dirty="0"/>
+              <a:t>Updates in obj1 will be reflected to obj</a:t>
+            </a:r>
           </a:p>
         </p:txBody>
       </p:sp>

--- a/Training_Notes_PPTs.pptx
+++ b/Training_Notes_PPTs.pptx
@@ -8,6 +8,7 @@
     <p:sldId id="256" r:id="rId2"/>
     <p:sldId id="257" r:id="rId3"/>
     <p:sldId id="258" r:id="rId4"/>
+    <p:sldId id="259" r:id="rId5"/>
   </p:sldIdLst>
   <p:sldSz cx="12192000" cy="6858000"/>
   <p:notesSz cx="6858000" cy="9144000"/>
@@ -106,6 +107,11 @@
       </a:defRPr>
     </a:lvl9pPr>
   </p:defaultTextStyle>
+  <p:extLst>
+    <p:ext uri="{EFAFB233-063F-42B5-8137-9DF3F51BA10A}">
+      <p15:sldGuideLst xmlns:p15="http://schemas.microsoft.com/office/powerpoint/2012/main"/>
+    </p:ext>
+  </p:extLst>
 </p:presentation>
 </file>
 
@@ -248,7 +254,7 @@
           <a:p>
             <a:fld id="{587FB2BA-09D0-1840-B49D-E4BDDD8ED284}" type="datetimeFigureOut">
               <a:rPr lang="en-US" smtClean="0"/>
-              <a:t>1/4/21</a:t>
+              <a:t>1/5/21</a:t>
             </a:fld>
             <a:endParaRPr lang="en-US"/>
           </a:p>
@@ -459,7 +465,7 @@
           <a:p>
             <a:fld id="{587FB2BA-09D0-1840-B49D-E4BDDD8ED284}" type="datetimeFigureOut">
               <a:rPr lang="en-US" smtClean="0"/>
-              <a:t>1/4/21</a:t>
+              <a:t>1/5/21</a:t>
             </a:fld>
             <a:endParaRPr lang="en-US"/>
           </a:p>
@@ -674,7 +680,7 @@
           <a:p>
             <a:fld id="{587FB2BA-09D0-1840-B49D-E4BDDD8ED284}" type="datetimeFigureOut">
               <a:rPr lang="en-US" smtClean="0"/>
-              <a:t>1/4/21</a:t>
+              <a:t>1/5/21</a:t>
             </a:fld>
             <a:endParaRPr lang="en-US"/>
           </a:p>
@@ -875,7 +881,7 @@
           <a:p>
             <a:fld id="{587FB2BA-09D0-1840-B49D-E4BDDD8ED284}" type="datetimeFigureOut">
               <a:rPr lang="en-US" smtClean="0"/>
-              <a:t>1/4/21</a:t>
+              <a:t>1/5/21</a:t>
             </a:fld>
             <a:endParaRPr lang="en-US"/>
           </a:p>
@@ -1154,7 +1160,7 @@
           <a:p>
             <a:fld id="{587FB2BA-09D0-1840-B49D-E4BDDD8ED284}" type="datetimeFigureOut">
               <a:rPr lang="en-US" smtClean="0"/>
-              <a:t>1/4/21</a:t>
+              <a:t>1/5/21</a:t>
             </a:fld>
             <a:endParaRPr lang="en-US"/>
           </a:p>
@@ -1422,7 +1428,7 @@
           <a:p>
             <a:fld id="{587FB2BA-09D0-1840-B49D-E4BDDD8ED284}" type="datetimeFigureOut">
               <a:rPr lang="en-US" smtClean="0"/>
-              <a:t>1/4/21</a:t>
+              <a:t>1/5/21</a:t>
             </a:fld>
             <a:endParaRPr lang="en-US"/>
           </a:p>
@@ -1838,7 +1844,7 @@
           <a:p>
             <a:fld id="{587FB2BA-09D0-1840-B49D-E4BDDD8ED284}" type="datetimeFigureOut">
               <a:rPr lang="en-US" smtClean="0"/>
-              <a:t>1/4/21</a:t>
+              <a:t>1/5/21</a:t>
             </a:fld>
             <a:endParaRPr lang="en-US"/>
           </a:p>
@@ -1987,7 +1993,7 @@
           <a:p>
             <a:fld id="{587FB2BA-09D0-1840-B49D-E4BDDD8ED284}" type="datetimeFigureOut">
               <a:rPr lang="en-US" smtClean="0"/>
-              <a:t>1/4/21</a:t>
+              <a:t>1/5/21</a:t>
             </a:fld>
             <a:endParaRPr lang="en-US"/>
           </a:p>
@@ -2113,7 +2119,7 @@
           <a:p>
             <a:fld id="{587FB2BA-09D0-1840-B49D-E4BDDD8ED284}" type="datetimeFigureOut">
               <a:rPr lang="en-US" smtClean="0"/>
-              <a:t>1/4/21</a:t>
+              <a:t>1/5/21</a:t>
             </a:fld>
             <a:endParaRPr lang="en-US"/>
           </a:p>
@@ -2364,7 +2370,7 @@
           <a:p>
             <a:fld id="{587FB2BA-09D0-1840-B49D-E4BDDD8ED284}" type="datetimeFigureOut">
               <a:rPr lang="en-US" smtClean="0"/>
-              <a:t>1/4/21</a:t>
+              <a:t>1/5/21</a:t>
             </a:fld>
             <a:endParaRPr lang="en-US"/>
           </a:p>
@@ -2809,7 +2815,7 @@
           <a:p>
             <a:fld id="{587FB2BA-09D0-1840-B49D-E4BDDD8ED284}" type="datetimeFigureOut">
               <a:rPr lang="en-US" smtClean="0"/>
-              <a:t>1/4/21</a:t>
+              <a:t>1/5/21</a:t>
             </a:fld>
             <a:endParaRPr lang="en-US"/>
           </a:p>
@@ -3136,7 +3142,7 @@
           <a:p>
             <a:fld id="{587FB2BA-09D0-1840-B49D-E4BDDD8ED284}" type="datetimeFigureOut">
               <a:rPr lang="en-US" smtClean="0"/>
-              <a:t>1/4/21</a:t>
+              <a:t>1/5/21</a:t>
             </a:fld>
             <a:endParaRPr lang="en-US"/>
           </a:p>
@@ -5278,6 +5284,38 @@
               <a:t>Utilities</a:t>
             </a:r>
           </a:p>
+          <a:p>
+            <a:pPr algn="ctr"/>
+            <a:r>
+              <a:rPr lang="en-US">
+                <a:ln w="0"/>
+                <a:solidFill>
+                  <a:schemeClr val="accent1"/>
+                </a:solidFill>
+                <a:effectLst>
+                  <a:outerShdw blurRad="38100" dist="25400" dir="5400000" algn="ctr" rotWithShape="0">
+                    <a:srgbClr val="6E747A">
+                      <a:alpha val="43000"/>
+                    </a:srgbClr>
+                  </a:outerShdw>
+                </a:effectLst>
+              </a:rPr>
+              <a:t>Re-usable Logic</a:t>
+            </a:r>
+            <a:endParaRPr lang="en-US" dirty="0">
+              <a:ln w="0"/>
+              <a:solidFill>
+                <a:schemeClr val="accent1"/>
+              </a:solidFill>
+              <a:effectLst>
+                <a:outerShdw blurRad="38100" dist="25400" dir="5400000" algn="ctr" rotWithShape="0">
+                  <a:srgbClr val="6E747A">
+                    <a:alpha val="43000"/>
+                  </a:srgbClr>
+                </a:outerShdw>
+              </a:effectLst>
+            </a:endParaRPr>
+          </a:p>
         </p:txBody>
       </p:sp>
       <p:sp>
@@ -6280,6 +6318,707 @@
     <p:extLst>
       <p:ext uri="{BB962C8B-B14F-4D97-AF65-F5344CB8AC3E}">
         <p14:creationId xmlns:p14="http://schemas.microsoft.com/office/powerpoint/2010/main" val="1312324701"/>
+      </p:ext>
+    </p:extLst>
+  </p:cSld>
+  <p:clrMapOvr>
+    <a:masterClrMapping/>
+  </p:clrMapOvr>
+</p:sld>
+</file>
+
+<file path=ppt/slides/slide4.xml><?xml version="1.0" encoding="utf-8"?>
+<p:sld xmlns:a="http://schemas.openxmlformats.org/drawingml/2006/main" xmlns:r="http://schemas.openxmlformats.org/officeDocument/2006/relationships" xmlns:p="http://schemas.openxmlformats.org/presentationml/2006/main">
+  <p:cSld>
+    <p:spTree>
+      <p:nvGrpSpPr>
+        <p:cNvPr id="1" name=""/>
+        <p:cNvGrpSpPr/>
+        <p:nvPr/>
+      </p:nvGrpSpPr>
+      <p:grpSpPr>
+        <a:xfrm>
+          <a:off x="0" y="0"/>
+          <a:ext cx="0" cy="0"/>
+          <a:chOff x="0" y="0"/>
+          <a:chExt cx="0" cy="0"/>
+        </a:xfrm>
+      </p:grpSpPr>
+      <p:sp>
+        <p:nvSpPr>
+          <p:cNvPr id="2" name="Rectangle 1">
+            <a:extLst>
+              <a:ext uri="{FF2B5EF4-FFF2-40B4-BE49-F238E27FC236}">
+                <a16:creationId xmlns:a16="http://schemas.microsoft.com/office/drawing/2014/main" id="{5CB35FAA-41E9-304B-B9D3-6E3656EF7206}"/>
+              </a:ext>
+            </a:extLst>
+          </p:cNvPr>
+          <p:cNvSpPr/>
+          <p:nvPr/>
+        </p:nvSpPr>
+        <p:spPr>
+          <a:xfrm>
+            <a:off x="95794" y="113211"/>
+            <a:ext cx="11982995" cy="5939246"/>
+          </a:xfrm>
+          <a:prstGeom prst="rect">
+            <a:avLst/>
+          </a:prstGeom>
+        </p:spPr>
+        <p:style>
+          <a:lnRef idx="2">
+            <a:schemeClr val="accent6"/>
+          </a:lnRef>
+          <a:fillRef idx="1">
+            <a:schemeClr val="lt1"/>
+          </a:fillRef>
+          <a:effectRef idx="0">
+            <a:schemeClr val="accent6"/>
+          </a:effectRef>
+          <a:fontRef idx="minor">
+            <a:schemeClr val="dk1"/>
+          </a:fontRef>
+        </p:style>
+        <p:txBody>
+          <a:bodyPr rtlCol="0" anchor="ctr"/>
+          <a:lstStyle/>
+          <a:p>
+            <a:pPr algn="ctr"/>
+            <a:endParaRPr lang="en-US"/>
+          </a:p>
+        </p:txBody>
+      </p:sp>
+      <p:sp>
+        <p:nvSpPr>
+          <p:cNvPr id="3" name="Rectangle 2">
+            <a:extLst>
+              <a:ext uri="{FF2B5EF4-FFF2-40B4-BE49-F238E27FC236}">
+                <a16:creationId xmlns:a16="http://schemas.microsoft.com/office/drawing/2014/main" id="{7295637D-10D8-6047-B651-C6BAB4CB62AA}"/>
+              </a:ext>
+            </a:extLst>
+          </p:cNvPr>
+          <p:cNvSpPr/>
+          <p:nvPr/>
+        </p:nvSpPr>
+        <p:spPr>
+          <a:xfrm>
+            <a:off x="200297" y="4345577"/>
+            <a:ext cx="11773989" cy="1611086"/>
+          </a:xfrm>
+          <a:prstGeom prst="rect">
+            <a:avLst/>
+          </a:prstGeom>
+        </p:spPr>
+        <p:style>
+          <a:lnRef idx="2">
+            <a:schemeClr val="accent1">
+              <a:shade val="50000"/>
+            </a:schemeClr>
+          </a:lnRef>
+          <a:fillRef idx="1">
+            <a:schemeClr val="accent1"/>
+          </a:fillRef>
+          <a:effectRef idx="0">
+            <a:schemeClr val="accent1"/>
+          </a:effectRef>
+          <a:fontRef idx="minor">
+            <a:schemeClr val="lt1"/>
+          </a:fontRef>
+        </p:style>
+        <p:txBody>
+          <a:bodyPr rtlCol="0" anchor="ctr"/>
+          <a:lstStyle/>
+          <a:p>
+            <a:pPr algn="ctr"/>
+            <a:endParaRPr lang="en-US"/>
+          </a:p>
+        </p:txBody>
+      </p:sp>
+      <p:sp>
+        <p:nvSpPr>
+          <p:cNvPr id="4" name="TextBox 3">
+            <a:extLst>
+              <a:ext uri="{FF2B5EF4-FFF2-40B4-BE49-F238E27FC236}">
+                <a16:creationId xmlns:a16="http://schemas.microsoft.com/office/drawing/2014/main" id="{03F34B88-3D87-CF46-A1B5-0D7B1E7F66CB}"/>
+              </a:ext>
+            </a:extLst>
+          </p:cNvPr>
+          <p:cNvSpPr txBox="1"/>
+          <p:nvPr/>
+        </p:nvSpPr>
+        <p:spPr>
+          <a:xfrm>
+            <a:off x="5643155" y="4410891"/>
+            <a:ext cx="4632959" cy="1477328"/>
+          </a:xfrm>
+          <a:prstGeom prst="rect">
+            <a:avLst/>
+          </a:prstGeom>
+          <a:noFill/>
+        </p:spPr>
+        <p:txBody>
+          <a:bodyPr wrap="square" rtlCol="0">
+            <a:spAutoFit/>
+          </a:bodyPr>
+          <a:lstStyle/>
+          <a:p>
+            <a:r>
+              <a:rPr lang="en-US" dirty="0">
+                <a:ln w="0"/>
+                <a:effectLst>
+                  <a:outerShdw blurRad="38100" dist="19050" dir="2700000" algn="tl" rotWithShape="0">
+                    <a:schemeClr val="dk1">
+                      <a:alpha val="40000"/>
+                    </a:schemeClr>
+                  </a:outerShdw>
+                </a:effectLst>
+              </a:rPr>
+              <a:t>JavaScript DOM Execution Engine (ES 3 </a:t>
+            </a:r>
+            <a:r>
+              <a:rPr lang="en-US" dirty="0">
+                <a:ln w="0"/>
+                <a:effectLst>
+                  <a:outerShdw blurRad="38100" dist="19050" dir="2700000" algn="tl" rotWithShape="0">
+                    <a:schemeClr val="dk1">
+                      <a:alpha val="40000"/>
+                    </a:schemeClr>
+                  </a:outerShdw>
+                </a:effectLst>
+                <a:sym typeface="Wingdings" pitchFamily="2" charset="2"/>
+              </a:rPr>
+              <a:t> ES 5</a:t>
+            </a:r>
+            <a:r>
+              <a:rPr lang="en-US" dirty="0">
+                <a:ln w="0"/>
+                <a:effectLst>
+                  <a:outerShdw blurRad="38100" dist="19050" dir="2700000" algn="tl" rotWithShape="0">
+                    <a:schemeClr val="dk1">
+                      <a:alpha val="40000"/>
+                    </a:schemeClr>
+                  </a:outerShdw>
+                </a:effectLst>
+              </a:rPr>
+              <a:t>)</a:t>
+            </a:r>
+          </a:p>
+          <a:p>
+            <a:endParaRPr lang="en-US" dirty="0">
+              <a:ln w="0"/>
+              <a:effectLst>
+                <a:outerShdw blurRad="38100" dist="19050" dir="2700000" algn="tl" rotWithShape="0">
+                  <a:schemeClr val="dk1">
+                    <a:alpha val="40000"/>
+                  </a:schemeClr>
+                </a:outerShdw>
+              </a:effectLst>
+            </a:endParaRPr>
+          </a:p>
+          <a:p>
+            <a:r>
+              <a:rPr lang="en-US" dirty="0">
+                <a:ln w="0"/>
+                <a:effectLst>
+                  <a:outerShdw blurRad="38100" dist="19050" dir="2700000" algn="tl" rotWithShape="0">
+                    <a:schemeClr val="dk1">
+                      <a:alpha val="40000"/>
+                    </a:schemeClr>
+                  </a:outerShdw>
+                </a:effectLst>
+              </a:rPr>
+              <a:t>Chromium (Chrome, Chromium, Edge, IE11)</a:t>
+            </a:r>
+          </a:p>
+          <a:p>
+            <a:r>
+              <a:rPr lang="en-US" dirty="0">
+                <a:ln w="0"/>
+                <a:effectLst>
+                  <a:outerShdw blurRad="38100" dist="19050" dir="2700000" algn="tl" rotWithShape="0">
+                    <a:schemeClr val="dk1">
+                      <a:alpha val="40000"/>
+                    </a:schemeClr>
+                  </a:outerShdw>
+                </a:effectLst>
+              </a:rPr>
+              <a:t>Spider (Firefox)</a:t>
+            </a:r>
+          </a:p>
+        </p:txBody>
+      </p:sp>
+      <p:sp>
+        <p:nvSpPr>
+          <p:cNvPr id="5" name="TextBox 4">
+            <a:extLst>
+              <a:ext uri="{FF2B5EF4-FFF2-40B4-BE49-F238E27FC236}">
+                <a16:creationId xmlns:a16="http://schemas.microsoft.com/office/drawing/2014/main" id="{666D09D6-8DA8-F74D-BE01-DF70165A1967}"/>
+              </a:ext>
+            </a:extLst>
+          </p:cNvPr>
+          <p:cNvSpPr txBox="1"/>
+          <p:nvPr/>
+        </p:nvSpPr>
+        <p:spPr>
+          <a:xfrm>
+            <a:off x="4188823" y="217714"/>
+            <a:ext cx="4336868" cy="369332"/>
+          </a:xfrm>
+          <a:prstGeom prst="rect">
+            <a:avLst/>
+          </a:prstGeom>
+          <a:noFill/>
+        </p:spPr>
+        <p:txBody>
+          <a:bodyPr wrap="square" rtlCol="0">
+            <a:spAutoFit/>
+          </a:bodyPr>
+          <a:lstStyle/>
+          <a:p>
+            <a:r>
+              <a:rPr lang="en-US" dirty="0"/>
+              <a:t>Browser, Desktop App OR DialogBox</a:t>
+            </a:r>
+          </a:p>
+        </p:txBody>
+      </p:sp>
+      <p:sp>
+        <p:nvSpPr>
+          <p:cNvPr id="6" name="Oval 5">
+            <a:extLst>
+              <a:ext uri="{FF2B5EF4-FFF2-40B4-BE49-F238E27FC236}">
+                <a16:creationId xmlns:a16="http://schemas.microsoft.com/office/drawing/2014/main" id="{FD8A4ABB-7A72-3741-9443-EB12CB52D82A}"/>
+              </a:ext>
+            </a:extLst>
+          </p:cNvPr>
+          <p:cNvSpPr/>
+          <p:nvPr/>
+        </p:nvSpPr>
+        <p:spPr>
+          <a:xfrm>
+            <a:off x="322217" y="4441371"/>
+            <a:ext cx="452846" cy="418012"/>
+          </a:xfrm>
+          <a:prstGeom prst="ellipse">
+            <a:avLst/>
+          </a:prstGeom>
+        </p:spPr>
+        <p:style>
+          <a:lnRef idx="2">
+            <a:schemeClr val="accent1">
+              <a:shade val="50000"/>
+            </a:schemeClr>
+          </a:lnRef>
+          <a:fillRef idx="1">
+            <a:schemeClr val="accent1"/>
+          </a:fillRef>
+          <a:effectRef idx="0">
+            <a:schemeClr val="accent1"/>
+          </a:effectRef>
+          <a:fontRef idx="minor">
+            <a:schemeClr val="lt1"/>
+          </a:fontRef>
+        </p:style>
+        <p:txBody>
+          <a:bodyPr rtlCol="0" anchor="ctr"/>
+          <a:lstStyle/>
+          <a:p>
+            <a:pPr algn="ctr"/>
+            <a:r>
+              <a:rPr lang="en-US" dirty="0"/>
+              <a:t>1</a:t>
+            </a:r>
+          </a:p>
+        </p:txBody>
+      </p:sp>
+      <p:sp>
+        <p:nvSpPr>
+          <p:cNvPr id="7" name="TextBox 6">
+            <a:extLst>
+              <a:ext uri="{FF2B5EF4-FFF2-40B4-BE49-F238E27FC236}">
+                <a16:creationId xmlns:a16="http://schemas.microsoft.com/office/drawing/2014/main" id="{8183DF10-BE63-FF46-9312-8FBAB991317D}"/>
+              </a:ext>
+            </a:extLst>
+          </p:cNvPr>
+          <p:cNvSpPr txBox="1"/>
+          <p:nvPr/>
+        </p:nvSpPr>
+        <p:spPr>
+          <a:xfrm>
+            <a:off x="853440" y="4450080"/>
+            <a:ext cx="2133600" cy="369332"/>
+          </a:xfrm>
+          <a:prstGeom prst="rect">
+            <a:avLst/>
+          </a:prstGeom>
+          <a:noFill/>
+        </p:spPr>
+        <p:txBody>
+          <a:bodyPr wrap="square" rtlCol="0">
+            <a:spAutoFit/>
+          </a:bodyPr>
+          <a:lstStyle/>
+          <a:p>
+            <a:r>
+              <a:rPr lang="en-US" dirty="0"/>
+              <a:t>DOM Initialization</a:t>
+            </a:r>
+          </a:p>
+        </p:txBody>
+      </p:sp>
+      <p:sp>
+        <p:nvSpPr>
+          <p:cNvPr id="8" name="TextBox 7">
+            <a:extLst>
+              <a:ext uri="{FF2B5EF4-FFF2-40B4-BE49-F238E27FC236}">
+                <a16:creationId xmlns:a16="http://schemas.microsoft.com/office/drawing/2014/main" id="{1A1A3D7E-8E1E-A44A-9138-38EB041A693F}"/>
+              </a:ext>
+            </a:extLst>
+          </p:cNvPr>
+          <p:cNvSpPr txBox="1"/>
+          <p:nvPr/>
+        </p:nvSpPr>
+        <p:spPr>
+          <a:xfrm>
+            <a:off x="574766" y="5007429"/>
+            <a:ext cx="3831771" cy="369332"/>
+          </a:xfrm>
+          <a:prstGeom prst="rect">
+            <a:avLst/>
+          </a:prstGeom>
+          <a:noFill/>
+        </p:spPr>
+        <p:txBody>
+          <a:bodyPr wrap="square" rtlCol="0">
+            <a:spAutoFit/>
+          </a:bodyPr>
+          <a:lstStyle/>
+          <a:p>
+            <a:r>
+              <a:rPr lang="en-US" dirty="0"/>
+              <a:t>Initialize JSOM and DOM </a:t>
+            </a:r>
+          </a:p>
+        </p:txBody>
+      </p:sp>
+      <p:sp>
+        <p:nvSpPr>
+          <p:cNvPr id="9" name="Bent Arrow 8">
+            <a:extLst>
+              <a:ext uri="{FF2B5EF4-FFF2-40B4-BE49-F238E27FC236}">
+                <a16:creationId xmlns:a16="http://schemas.microsoft.com/office/drawing/2014/main" id="{E1CEB9DA-7565-DE47-BB32-F79BF45ED989}"/>
+              </a:ext>
+            </a:extLst>
+          </p:cNvPr>
+          <p:cNvSpPr/>
+          <p:nvPr/>
+        </p:nvSpPr>
+        <p:spPr>
+          <a:xfrm rot="10800000">
+            <a:off x="3239589" y="4819412"/>
+            <a:ext cx="2412274" cy="484108"/>
+          </a:xfrm>
+          <a:prstGeom prst="bentArrow">
+            <a:avLst/>
+          </a:prstGeom>
+          <a:solidFill>
+            <a:srgbClr val="FFFF00"/>
+          </a:solidFill>
+        </p:spPr>
+        <p:style>
+          <a:lnRef idx="2">
+            <a:schemeClr val="accent1">
+              <a:shade val="50000"/>
+            </a:schemeClr>
+          </a:lnRef>
+          <a:fillRef idx="1">
+            <a:schemeClr val="accent1"/>
+          </a:fillRef>
+          <a:effectRef idx="0">
+            <a:schemeClr val="accent1"/>
+          </a:effectRef>
+          <a:fontRef idx="minor">
+            <a:schemeClr val="lt1"/>
+          </a:fontRef>
+        </p:style>
+        <p:txBody>
+          <a:bodyPr rtlCol="0" anchor="ctr"/>
+          <a:lstStyle/>
+          <a:p>
+            <a:pPr algn="ctr"/>
+            <a:endParaRPr lang="en-US">
+              <a:solidFill>
+                <a:schemeClr val="tx1"/>
+              </a:solidFill>
+            </a:endParaRPr>
+          </a:p>
+        </p:txBody>
+      </p:sp>
+      <p:sp>
+        <p:nvSpPr>
+          <p:cNvPr id="10" name="Rectangle 9">
+            <a:extLst>
+              <a:ext uri="{FF2B5EF4-FFF2-40B4-BE49-F238E27FC236}">
+                <a16:creationId xmlns:a16="http://schemas.microsoft.com/office/drawing/2014/main" id="{C337489E-D630-6E4F-A929-2A9615CFBDF7}"/>
+              </a:ext>
+            </a:extLst>
+          </p:cNvPr>
+          <p:cNvSpPr/>
+          <p:nvPr/>
+        </p:nvSpPr>
+        <p:spPr>
+          <a:xfrm>
+            <a:off x="200297" y="661851"/>
+            <a:ext cx="11773989" cy="3492138"/>
+          </a:xfrm>
+          <a:prstGeom prst="rect">
+            <a:avLst/>
+          </a:prstGeom>
+        </p:spPr>
+        <p:style>
+          <a:lnRef idx="1">
+            <a:schemeClr val="accent3"/>
+          </a:lnRef>
+          <a:fillRef idx="2">
+            <a:schemeClr val="accent3"/>
+          </a:fillRef>
+          <a:effectRef idx="1">
+            <a:schemeClr val="accent3"/>
+          </a:effectRef>
+          <a:fontRef idx="minor">
+            <a:schemeClr val="dk1"/>
+          </a:fontRef>
+        </p:style>
+        <p:txBody>
+          <a:bodyPr rtlCol="0" anchor="ctr"/>
+          <a:lstStyle/>
+          <a:p>
+            <a:pPr algn="ctr"/>
+            <a:endParaRPr lang="en-US"/>
+          </a:p>
+        </p:txBody>
+      </p:sp>
+      <p:sp>
+        <p:nvSpPr>
+          <p:cNvPr id="11" name="TextBox 10">
+            <a:extLst>
+              <a:ext uri="{FF2B5EF4-FFF2-40B4-BE49-F238E27FC236}">
+                <a16:creationId xmlns:a16="http://schemas.microsoft.com/office/drawing/2014/main" id="{4846B1CD-922F-B847-81E7-E7285547A370}"/>
+              </a:ext>
+            </a:extLst>
+          </p:cNvPr>
+          <p:cNvSpPr txBox="1"/>
+          <p:nvPr/>
+        </p:nvSpPr>
+        <p:spPr>
+          <a:xfrm>
+            <a:off x="4188823" y="805543"/>
+            <a:ext cx="3805646" cy="369332"/>
+          </a:xfrm>
+          <a:prstGeom prst="rect">
+            <a:avLst/>
+          </a:prstGeom>
+          <a:noFill/>
+        </p:spPr>
+        <p:txBody>
+          <a:bodyPr wrap="square" rtlCol="0">
+            <a:spAutoFit/>
+          </a:bodyPr>
+          <a:lstStyle/>
+          <a:p>
+            <a:r>
+              <a:rPr lang="en-US" dirty="0"/>
+              <a:t>STATIC DOM</a:t>
+            </a:r>
+          </a:p>
+        </p:txBody>
+      </p:sp>
+      <p:sp>
+        <p:nvSpPr>
+          <p:cNvPr id="12" name="Up Arrow 11">
+            <a:extLst>
+              <a:ext uri="{FF2B5EF4-FFF2-40B4-BE49-F238E27FC236}">
+                <a16:creationId xmlns:a16="http://schemas.microsoft.com/office/drawing/2014/main" id="{9D7DAD9D-A743-2C4C-9F67-AA87CBDDC12D}"/>
+              </a:ext>
+            </a:extLst>
+          </p:cNvPr>
+          <p:cNvSpPr/>
+          <p:nvPr/>
+        </p:nvSpPr>
+        <p:spPr>
+          <a:xfrm>
+            <a:off x="2751909" y="3814354"/>
+            <a:ext cx="113211" cy="1193075"/>
+          </a:xfrm>
+          <a:prstGeom prst="upArrow">
+            <a:avLst/>
+          </a:prstGeom>
+          <a:solidFill>
+            <a:srgbClr val="FFFF00"/>
+          </a:solidFill>
+        </p:spPr>
+        <p:style>
+          <a:lnRef idx="2">
+            <a:schemeClr val="accent1">
+              <a:shade val="50000"/>
+            </a:schemeClr>
+          </a:lnRef>
+          <a:fillRef idx="1">
+            <a:schemeClr val="accent1"/>
+          </a:fillRef>
+          <a:effectRef idx="0">
+            <a:schemeClr val="accent1"/>
+          </a:effectRef>
+          <a:fontRef idx="minor">
+            <a:schemeClr val="lt1"/>
+          </a:fontRef>
+        </p:style>
+        <p:txBody>
+          <a:bodyPr rtlCol="0" anchor="ctr"/>
+          <a:lstStyle/>
+          <a:p>
+            <a:pPr algn="ctr"/>
+            <a:endParaRPr lang="en-US"/>
+          </a:p>
+        </p:txBody>
+      </p:sp>
+      <p:sp>
+        <p:nvSpPr>
+          <p:cNvPr id="13" name="Up Arrow 12">
+            <a:extLst>
+              <a:ext uri="{FF2B5EF4-FFF2-40B4-BE49-F238E27FC236}">
+                <a16:creationId xmlns:a16="http://schemas.microsoft.com/office/drawing/2014/main" id="{2B5C4916-C481-0D4C-AE63-1EFAF82DCD80}"/>
+              </a:ext>
+            </a:extLst>
+          </p:cNvPr>
+          <p:cNvSpPr/>
+          <p:nvPr/>
+        </p:nvSpPr>
+        <p:spPr>
+          <a:xfrm>
+            <a:off x="6945086" y="3248296"/>
+            <a:ext cx="113211" cy="1193075"/>
+          </a:xfrm>
+          <a:prstGeom prst="upArrow">
+            <a:avLst/>
+          </a:prstGeom>
+          <a:solidFill>
+            <a:srgbClr val="FFFF00"/>
+          </a:solidFill>
+        </p:spPr>
+        <p:style>
+          <a:lnRef idx="2">
+            <a:schemeClr val="accent1">
+              <a:shade val="50000"/>
+            </a:schemeClr>
+          </a:lnRef>
+          <a:fillRef idx="1">
+            <a:schemeClr val="accent1"/>
+          </a:fillRef>
+          <a:effectRef idx="0">
+            <a:schemeClr val="accent1"/>
+          </a:effectRef>
+          <a:fontRef idx="minor">
+            <a:schemeClr val="lt1"/>
+          </a:fontRef>
+        </p:style>
+        <p:txBody>
+          <a:bodyPr rtlCol="0" anchor="ctr"/>
+          <a:lstStyle/>
+          <a:p>
+            <a:pPr algn="ctr"/>
+            <a:endParaRPr lang="en-US"/>
+          </a:p>
+        </p:txBody>
+      </p:sp>
+      <p:sp>
+        <p:nvSpPr>
+          <p:cNvPr id="14" name="TextBox 13">
+            <a:extLst>
+              <a:ext uri="{FF2B5EF4-FFF2-40B4-BE49-F238E27FC236}">
+                <a16:creationId xmlns:a16="http://schemas.microsoft.com/office/drawing/2014/main" id="{9DDFD9EF-D91A-3540-8E0C-9C4B0A327CFA}"/>
+              </a:ext>
+            </a:extLst>
+          </p:cNvPr>
+          <p:cNvSpPr txBox="1"/>
+          <p:nvPr/>
+        </p:nvSpPr>
+        <p:spPr>
+          <a:xfrm>
+            <a:off x="6087291" y="2512423"/>
+            <a:ext cx="3265715" cy="369332"/>
+          </a:xfrm>
+          <a:prstGeom prst="rect">
+            <a:avLst/>
+          </a:prstGeom>
+          <a:noFill/>
+        </p:spPr>
+        <p:txBody>
+          <a:bodyPr wrap="square" rtlCol="0">
+            <a:spAutoFit/>
+          </a:bodyPr>
+          <a:lstStyle/>
+          <a:p>
+            <a:r>
+              <a:rPr lang="en-US" dirty="0"/>
+              <a:t>Listen to events raised on DOM</a:t>
+            </a:r>
+          </a:p>
+        </p:txBody>
+      </p:sp>
+      <p:sp>
+        <p:nvSpPr>
+          <p:cNvPr id="15" name="Down Arrow 14">
+            <a:extLst>
+              <a:ext uri="{FF2B5EF4-FFF2-40B4-BE49-F238E27FC236}">
+                <a16:creationId xmlns:a16="http://schemas.microsoft.com/office/drawing/2014/main" id="{C53F271C-28E6-5149-8BD5-531B7D29CDCC}"/>
+              </a:ext>
+            </a:extLst>
+          </p:cNvPr>
+          <p:cNvSpPr/>
+          <p:nvPr/>
+        </p:nvSpPr>
+        <p:spPr>
+          <a:xfrm>
+            <a:off x="8456022" y="3082834"/>
+            <a:ext cx="113211" cy="1328057"/>
+          </a:xfrm>
+          <a:prstGeom prst="downArrow">
+            <a:avLst/>
+          </a:prstGeom>
+          <a:solidFill>
+            <a:srgbClr val="FFFF00"/>
+          </a:solidFill>
+        </p:spPr>
+        <p:style>
+          <a:lnRef idx="2">
+            <a:schemeClr val="accent1">
+              <a:shade val="50000"/>
+            </a:schemeClr>
+          </a:lnRef>
+          <a:fillRef idx="1">
+            <a:schemeClr val="accent1"/>
+          </a:fillRef>
+          <a:effectRef idx="0">
+            <a:schemeClr val="accent1"/>
+          </a:effectRef>
+          <a:fontRef idx="minor">
+            <a:schemeClr val="lt1"/>
+          </a:fontRef>
+        </p:style>
+        <p:txBody>
+          <a:bodyPr rtlCol="0" anchor="ctr"/>
+          <a:lstStyle/>
+          <a:p>
+            <a:pPr algn="ctr"/>
+            <a:endParaRPr lang="en-US"/>
+          </a:p>
+        </p:txBody>
+      </p:sp>
+    </p:spTree>
+    <p:extLst>
+      <p:ext uri="{BB962C8B-B14F-4D97-AF65-F5344CB8AC3E}">
+        <p14:creationId xmlns:p14="http://schemas.microsoft.com/office/powerpoint/2010/main" val="3196866986"/>
       </p:ext>
     </p:extLst>
   </p:cSld>

--- a/Training_Notes_PPTs.pptx
+++ b/Training_Notes_PPTs.pptx
@@ -9,6 +9,11 @@
     <p:sldId id="257" r:id="rId3"/>
     <p:sldId id="258" r:id="rId4"/>
     <p:sldId id="259" r:id="rId5"/>
+    <p:sldId id="260" r:id="rId6"/>
+    <p:sldId id="261" r:id="rId7"/>
+    <p:sldId id="262" r:id="rId8"/>
+    <p:sldId id="263" r:id="rId9"/>
+    <p:sldId id="264" r:id="rId10"/>
   </p:sldIdLst>
   <p:sldSz cx="12192000" cy="6858000"/>
   <p:notesSz cx="6858000" cy="9144000"/>
@@ -254,7 +259,7 @@
           <a:p>
             <a:fld id="{587FB2BA-09D0-1840-B49D-E4BDDD8ED284}" type="datetimeFigureOut">
               <a:rPr lang="en-US" smtClean="0"/>
-              <a:t>1/5/21</a:t>
+              <a:t>1/6/21</a:t>
             </a:fld>
             <a:endParaRPr lang="en-US"/>
           </a:p>
@@ -465,7 +470,7 @@
           <a:p>
             <a:fld id="{587FB2BA-09D0-1840-B49D-E4BDDD8ED284}" type="datetimeFigureOut">
               <a:rPr lang="en-US" smtClean="0"/>
-              <a:t>1/5/21</a:t>
+              <a:t>1/6/21</a:t>
             </a:fld>
             <a:endParaRPr lang="en-US"/>
           </a:p>
@@ -680,7 +685,7 @@
           <a:p>
             <a:fld id="{587FB2BA-09D0-1840-B49D-E4BDDD8ED284}" type="datetimeFigureOut">
               <a:rPr lang="en-US" smtClean="0"/>
-              <a:t>1/5/21</a:t>
+              <a:t>1/6/21</a:t>
             </a:fld>
             <a:endParaRPr lang="en-US"/>
           </a:p>
@@ -881,7 +886,7 @@
           <a:p>
             <a:fld id="{587FB2BA-09D0-1840-B49D-E4BDDD8ED284}" type="datetimeFigureOut">
               <a:rPr lang="en-US" smtClean="0"/>
-              <a:t>1/5/21</a:t>
+              <a:t>1/6/21</a:t>
             </a:fld>
             <a:endParaRPr lang="en-US"/>
           </a:p>
@@ -1160,7 +1165,7 @@
           <a:p>
             <a:fld id="{587FB2BA-09D0-1840-B49D-E4BDDD8ED284}" type="datetimeFigureOut">
               <a:rPr lang="en-US" smtClean="0"/>
-              <a:t>1/5/21</a:t>
+              <a:t>1/6/21</a:t>
             </a:fld>
             <a:endParaRPr lang="en-US"/>
           </a:p>
@@ -1428,7 +1433,7 @@
           <a:p>
             <a:fld id="{587FB2BA-09D0-1840-B49D-E4BDDD8ED284}" type="datetimeFigureOut">
               <a:rPr lang="en-US" smtClean="0"/>
-              <a:t>1/5/21</a:t>
+              <a:t>1/6/21</a:t>
             </a:fld>
             <a:endParaRPr lang="en-US"/>
           </a:p>
@@ -1844,7 +1849,7 @@
           <a:p>
             <a:fld id="{587FB2BA-09D0-1840-B49D-E4BDDD8ED284}" type="datetimeFigureOut">
               <a:rPr lang="en-US" smtClean="0"/>
-              <a:t>1/5/21</a:t>
+              <a:t>1/6/21</a:t>
             </a:fld>
             <a:endParaRPr lang="en-US"/>
           </a:p>
@@ -1993,7 +1998,7 @@
           <a:p>
             <a:fld id="{587FB2BA-09D0-1840-B49D-E4BDDD8ED284}" type="datetimeFigureOut">
               <a:rPr lang="en-US" smtClean="0"/>
-              <a:t>1/5/21</a:t>
+              <a:t>1/6/21</a:t>
             </a:fld>
             <a:endParaRPr lang="en-US"/>
           </a:p>
@@ -2119,7 +2124,7 @@
           <a:p>
             <a:fld id="{587FB2BA-09D0-1840-B49D-E4BDDD8ED284}" type="datetimeFigureOut">
               <a:rPr lang="en-US" smtClean="0"/>
-              <a:t>1/5/21</a:t>
+              <a:t>1/6/21</a:t>
             </a:fld>
             <a:endParaRPr lang="en-US"/>
           </a:p>
@@ -2370,7 +2375,7 @@
           <a:p>
             <a:fld id="{587FB2BA-09D0-1840-B49D-E4BDDD8ED284}" type="datetimeFigureOut">
               <a:rPr lang="en-US" smtClean="0"/>
-              <a:t>1/5/21</a:t>
+              <a:t>1/6/21</a:t>
             </a:fld>
             <a:endParaRPr lang="en-US"/>
           </a:p>
@@ -2815,7 +2820,7 @@
           <a:p>
             <a:fld id="{587FB2BA-09D0-1840-B49D-E4BDDD8ED284}" type="datetimeFigureOut">
               <a:rPr lang="en-US" smtClean="0"/>
-              <a:t>1/5/21</a:t>
+              <a:t>1/6/21</a:t>
             </a:fld>
             <a:endParaRPr lang="en-US"/>
           </a:p>
@@ -3142,7 +3147,7 @@
           <a:p>
             <a:fld id="{587FB2BA-09D0-1840-B49D-E4BDDD8ED284}" type="datetimeFigureOut">
               <a:rPr lang="en-US" smtClean="0"/>
-              <a:t>1/5/21</a:t>
+              <a:t>1/6/21</a:t>
             </a:fld>
             <a:endParaRPr lang="en-US"/>
           </a:p>
@@ -5287,7 +5292,7 @@
           <a:p>
             <a:pPr algn="ctr"/>
             <a:r>
-              <a:rPr lang="en-US">
+              <a:rPr lang="en-US" dirty="0">
                 <a:ln w="0"/>
                 <a:solidFill>
                   <a:schemeClr val="accent1"/>
@@ -5302,19 +5307,6 @@
               </a:rPr>
               <a:t>Re-usable Logic</a:t>
             </a:r>
-            <a:endParaRPr lang="en-US" dirty="0">
-              <a:ln w="0"/>
-              <a:solidFill>
-                <a:schemeClr val="accent1"/>
-              </a:solidFill>
-              <a:effectLst>
-                <a:outerShdw blurRad="38100" dist="25400" dir="5400000" algn="ctr" rotWithShape="0">
-                  <a:srgbClr val="6E747A">
-                    <a:alpha val="43000"/>
-                  </a:srgbClr>
-                </a:outerShdw>
-              </a:effectLst>
-            </a:endParaRPr>
           </a:p>
         </p:txBody>
       </p:sp>
@@ -7019,6 +7011,2256 @@
     <p:extLst>
       <p:ext uri="{BB962C8B-B14F-4D97-AF65-F5344CB8AC3E}">
         <p14:creationId xmlns:p14="http://schemas.microsoft.com/office/powerpoint/2010/main" val="3196866986"/>
+      </p:ext>
+    </p:extLst>
+  </p:cSld>
+  <p:clrMapOvr>
+    <a:masterClrMapping/>
+  </p:clrMapOvr>
+</p:sld>
+</file>
+
+<file path=ppt/slides/slide5.xml><?xml version="1.0" encoding="utf-8"?>
+<p:sld xmlns:a="http://schemas.openxmlformats.org/drawingml/2006/main" xmlns:r="http://schemas.openxmlformats.org/officeDocument/2006/relationships" xmlns:p="http://schemas.openxmlformats.org/presentationml/2006/main">
+  <p:cSld>
+    <p:spTree>
+      <p:nvGrpSpPr>
+        <p:cNvPr id="1" name=""/>
+        <p:cNvGrpSpPr/>
+        <p:nvPr/>
+      </p:nvGrpSpPr>
+      <p:grpSpPr>
+        <a:xfrm>
+          <a:off x="0" y="0"/>
+          <a:ext cx="0" cy="0"/>
+          <a:chOff x="0" y="0"/>
+          <a:chExt cx="0" cy="0"/>
+        </a:xfrm>
+      </p:grpSpPr>
+      <p:sp>
+        <p:nvSpPr>
+          <p:cNvPr id="2" name="Rectangle 1">
+            <a:extLst>
+              <a:ext uri="{FF2B5EF4-FFF2-40B4-BE49-F238E27FC236}">
+                <a16:creationId xmlns:a16="http://schemas.microsoft.com/office/drawing/2014/main" id="{A75A243A-E041-F947-9B9A-0355EA57D426}"/>
+              </a:ext>
+            </a:extLst>
+          </p:cNvPr>
+          <p:cNvSpPr/>
+          <p:nvPr/>
+        </p:nvSpPr>
+        <p:spPr>
+          <a:xfrm>
+            <a:off x="444136" y="156754"/>
+            <a:ext cx="2020389" cy="1828800"/>
+          </a:xfrm>
+          <a:prstGeom prst="rect">
+            <a:avLst/>
+          </a:prstGeom>
+        </p:spPr>
+        <p:style>
+          <a:lnRef idx="2">
+            <a:schemeClr val="accent1">
+              <a:shade val="50000"/>
+            </a:schemeClr>
+          </a:lnRef>
+          <a:fillRef idx="1">
+            <a:schemeClr val="accent1"/>
+          </a:fillRef>
+          <a:effectRef idx="0">
+            <a:schemeClr val="accent1"/>
+          </a:effectRef>
+          <a:fontRef idx="minor">
+            <a:schemeClr val="lt1"/>
+          </a:fontRef>
+        </p:style>
+        <p:txBody>
+          <a:bodyPr rtlCol="0" anchor="ctr"/>
+          <a:lstStyle/>
+          <a:p>
+            <a:pPr algn="ctr"/>
+            <a:r>
+              <a:rPr lang="en-US" dirty="0"/>
+              <a:t>Product Registration</a:t>
+            </a:r>
+          </a:p>
+          <a:p>
+            <a:pPr algn="ctr"/>
+            <a:r>
+              <a:rPr lang="en-US" dirty="0"/>
+              <a:t>App</a:t>
+            </a:r>
+          </a:p>
+        </p:txBody>
+      </p:sp>
+      <p:sp>
+        <p:nvSpPr>
+          <p:cNvPr id="3" name="Rectangle 2">
+            <a:extLst>
+              <a:ext uri="{FF2B5EF4-FFF2-40B4-BE49-F238E27FC236}">
+                <a16:creationId xmlns:a16="http://schemas.microsoft.com/office/drawing/2014/main" id="{813BFC19-2FB9-914E-A004-062B718511F1}"/>
+              </a:ext>
+            </a:extLst>
+          </p:cNvPr>
+          <p:cNvSpPr/>
+          <p:nvPr/>
+        </p:nvSpPr>
+        <p:spPr>
+          <a:xfrm>
+            <a:off x="444136" y="2164080"/>
+            <a:ext cx="2020389" cy="1828800"/>
+          </a:xfrm>
+          <a:prstGeom prst="rect">
+            <a:avLst/>
+          </a:prstGeom>
+        </p:spPr>
+        <p:style>
+          <a:lnRef idx="2">
+            <a:schemeClr val="accent1">
+              <a:shade val="50000"/>
+            </a:schemeClr>
+          </a:lnRef>
+          <a:fillRef idx="1">
+            <a:schemeClr val="accent1"/>
+          </a:fillRef>
+          <a:effectRef idx="0">
+            <a:schemeClr val="accent1"/>
+          </a:effectRef>
+          <a:fontRef idx="minor">
+            <a:schemeClr val="lt1"/>
+          </a:fontRef>
+        </p:style>
+        <p:txBody>
+          <a:bodyPr rtlCol="0" anchor="ctr"/>
+          <a:lstStyle/>
+          <a:p>
+            <a:pPr algn="ctr"/>
+            <a:r>
+              <a:rPr lang="en-US" dirty="0"/>
+              <a:t>Customer</a:t>
+            </a:r>
+          </a:p>
+          <a:p>
+            <a:pPr algn="ctr"/>
+            <a:r>
+              <a:rPr lang="en-US" dirty="0"/>
+              <a:t>Registration</a:t>
+            </a:r>
+          </a:p>
+          <a:p>
+            <a:pPr algn="ctr"/>
+            <a:r>
+              <a:rPr lang="en-US" dirty="0"/>
+              <a:t>App</a:t>
+            </a:r>
+          </a:p>
+        </p:txBody>
+      </p:sp>
+      <p:sp>
+        <p:nvSpPr>
+          <p:cNvPr id="4" name="Rectangle 3">
+            <a:extLst>
+              <a:ext uri="{FF2B5EF4-FFF2-40B4-BE49-F238E27FC236}">
+                <a16:creationId xmlns:a16="http://schemas.microsoft.com/office/drawing/2014/main" id="{8659452B-5DBA-D143-91DA-CF37A8579AF8}"/>
+              </a:ext>
+            </a:extLst>
+          </p:cNvPr>
+          <p:cNvSpPr/>
+          <p:nvPr/>
+        </p:nvSpPr>
+        <p:spPr>
+          <a:xfrm>
+            <a:off x="444135" y="4171406"/>
+            <a:ext cx="2020389" cy="1828800"/>
+          </a:xfrm>
+          <a:prstGeom prst="rect">
+            <a:avLst/>
+          </a:prstGeom>
+        </p:spPr>
+        <p:style>
+          <a:lnRef idx="2">
+            <a:schemeClr val="accent1">
+              <a:shade val="50000"/>
+            </a:schemeClr>
+          </a:lnRef>
+          <a:fillRef idx="1">
+            <a:schemeClr val="accent1"/>
+          </a:fillRef>
+          <a:effectRef idx="0">
+            <a:schemeClr val="accent1"/>
+          </a:effectRef>
+          <a:fontRef idx="minor">
+            <a:schemeClr val="lt1"/>
+          </a:fontRef>
+        </p:style>
+        <p:txBody>
+          <a:bodyPr rtlCol="0" anchor="ctr"/>
+          <a:lstStyle/>
+          <a:p>
+            <a:pPr algn="ctr"/>
+            <a:r>
+              <a:rPr lang="en-US" dirty="0"/>
+              <a:t>Order</a:t>
+            </a:r>
+          </a:p>
+          <a:p>
+            <a:pPr algn="ctr"/>
+            <a:r>
+              <a:rPr lang="en-US" dirty="0"/>
+              <a:t> Registration</a:t>
+            </a:r>
+          </a:p>
+          <a:p>
+            <a:pPr algn="ctr"/>
+            <a:r>
+              <a:rPr lang="en-US" dirty="0"/>
+              <a:t>App</a:t>
+            </a:r>
+          </a:p>
+        </p:txBody>
+      </p:sp>
+      <p:sp>
+        <p:nvSpPr>
+          <p:cNvPr id="5" name="Can 4">
+            <a:extLst>
+              <a:ext uri="{FF2B5EF4-FFF2-40B4-BE49-F238E27FC236}">
+                <a16:creationId xmlns:a16="http://schemas.microsoft.com/office/drawing/2014/main" id="{803674E9-00D2-2442-AF6D-3C36FB4B6A12}"/>
+              </a:ext>
+            </a:extLst>
+          </p:cNvPr>
+          <p:cNvSpPr/>
+          <p:nvPr/>
+        </p:nvSpPr>
+        <p:spPr>
+          <a:xfrm>
+            <a:off x="9771019" y="1160417"/>
+            <a:ext cx="2020388" cy="1190897"/>
+          </a:xfrm>
+          <a:prstGeom prst="can">
+            <a:avLst/>
+          </a:prstGeom>
+        </p:spPr>
+        <p:style>
+          <a:lnRef idx="2">
+            <a:schemeClr val="accent1">
+              <a:shade val="50000"/>
+            </a:schemeClr>
+          </a:lnRef>
+          <a:fillRef idx="1">
+            <a:schemeClr val="accent1"/>
+          </a:fillRef>
+          <a:effectRef idx="0">
+            <a:schemeClr val="accent1"/>
+          </a:effectRef>
+          <a:fontRef idx="minor">
+            <a:schemeClr val="lt1"/>
+          </a:fontRef>
+        </p:style>
+        <p:txBody>
+          <a:bodyPr rtlCol="0" anchor="ctr"/>
+          <a:lstStyle/>
+          <a:p>
+            <a:pPr algn="ctr"/>
+            <a:r>
+              <a:rPr lang="en-US" dirty="0" err="1"/>
+              <a:t>Product+Vendor</a:t>
+            </a:r>
+            <a:endParaRPr lang="en-US" dirty="0"/>
+          </a:p>
+        </p:txBody>
+      </p:sp>
+      <p:sp>
+        <p:nvSpPr>
+          <p:cNvPr id="6" name="Can 5">
+            <a:extLst>
+              <a:ext uri="{FF2B5EF4-FFF2-40B4-BE49-F238E27FC236}">
+                <a16:creationId xmlns:a16="http://schemas.microsoft.com/office/drawing/2014/main" id="{BBB4FF01-88C8-C64A-B520-F4660D0036E1}"/>
+              </a:ext>
+            </a:extLst>
+          </p:cNvPr>
+          <p:cNvSpPr/>
+          <p:nvPr/>
+        </p:nvSpPr>
+        <p:spPr>
+          <a:xfrm>
+            <a:off x="9771018" y="2732314"/>
+            <a:ext cx="2020388" cy="1190897"/>
+          </a:xfrm>
+          <a:prstGeom prst="can">
+            <a:avLst/>
+          </a:prstGeom>
+        </p:spPr>
+        <p:style>
+          <a:lnRef idx="2">
+            <a:schemeClr val="accent1">
+              <a:shade val="50000"/>
+            </a:schemeClr>
+          </a:lnRef>
+          <a:fillRef idx="1">
+            <a:schemeClr val="accent1"/>
+          </a:fillRef>
+          <a:effectRef idx="0">
+            <a:schemeClr val="accent1"/>
+          </a:effectRef>
+          <a:fontRef idx="minor">
+            <a:schemeClr val="lt1"/>
+          </a:fontRef>
+        </p:style>
+        <p:txBody>
+          <a:bodyPr rtlCol="0" anchor="ctr"/>
+          <a:lstStyle/>
+          <a:p>
+            <a:pPr algn="ctr"/>
+            <a:r>
+              <a:rPr lang="en-US" dirty="0"/>
+              <a:t>Customer + </a:t>
+            </a:r>
+            <a:r>
+              <a:rPr lang="en-US" dirty="0" err="1"/>
+              <a:t>Serarch</a:t>
+            </a:r>
+            <a:endParaRPr lang="en-US" dirty="0"/>
+          </a:p>
+        </p:txBody>
+      </p:sp>
+      <p:sp>
+        <p:nvSpPr>
+          <p:cNvPr id="7" name="Can 6">
+            <a:extLst>
+              <a:ext uri="{FF2B5EF4-FFF2-40B4-BE49-F238E27FC236}">
+                <a16:creationId xmlns:a16="http://schemas.microsoft.com/office/drawing/2014/main" id="{038EA43E-4774-BC40-BB6C-055148F7AC1A}"/>
+              </a:ext>
+            </a:extLst>
+          </p:cNvPr>
+          <p:cNvSpPr/>
+          <p:nvPr/>
+        </p:nvSpPr>
+        <p:spPr>
+          <a:xfrm>
+            <a:off x="9771018" y="4400005"/>
+            <a:ext cx="2020388" cy="1190897"/>
+          </a:xfrm>
+          <a:prstGeom prst="can">
+            <a:avLst/>
+          </a:prstGeom>
+        </p:spPr>
+        <p:style>
+          <a:lnRef idx="2">
+            <a:schemeClr val="accent1">
+              <a:shade val="50000"/>
+            </a:schemeClr>
+          </a:lnRef>
+          <a:fillRef idx="1">
+            <a:schemeClr val="accent1"/>
+          </a:fillRef>
+          <a:effectRef idx="0">
+            <a:schemeClr val="accent1"/>
+          </a:effectRef>
+          <a:fontRef idx="minor">
+            <a:schemeClr val="lt1"/>
+          </a:fontRef>
+        </p:style>
+        <p:txBody>
+          <a:bodyPr rtlCol="0" anchor="ctr"/>
+          <a:lstStyle/>
+          <a:p>
+            <a:pPr algn="ctr"/>
+            <a:r>
+              <a:rPr lang="en-US" dirty="0" err="1"/>
+              <a:t>OrderManager</a:t>
+            </a:r>
+            <a:r>
+              <a:rPr lang="en-US" dirty="0"/>
+              <a:t> + </a:t>
+            </a:r>
+            <a:r>
+              <a:rPr lang="en-US" dirty="0" err="1"/>
+              <a:t>OrderProcessing</a:t>
+            </a:r>
+            <a:r>
+              <a:rPr lang="en-US" dirty="0"/>
+              <a:t> + </a:t>
+            </a:r>
+          </a:p>
+          <a:p>
+            <a:pPr algn="ctr"/>
+            <a:r>
+              <a:rPr lang="en-US" dirty="0" err="1"/>
+              <a:t>OrderDispatch</a:t>
+            </a:r>
+            <a:endParaRPr lang="en-US" dirty="0"/>
+          </a:p>
+        </p:txBody>
+      </p:sp>
+      <p:sp>
+        <p:nvSpPr>
+          <p:cNvPr id="8" name="Rectangle 7">
+            <a:extLst>
+              <a:ext uri="{FF2B5EF4-FFF2-40B4-BE49-F238E27FC236}">
+                <a16:creationId xmlns:a16="http://schemas.microsoft.com/office/drawing/2014/main" id="{8377CADE-D8C1-E240-8955-258AC1408EBB}"/>
+              </a:ext>
+            </a:extLst>
+          </p:cNvPr>
+          <p:cNvSpPr/>
+          <p:nvPr/>
+        </p:nvSpPr>
+        <p:spPr>
+          <a:xfrm>
+            <a:off x="7750629" y="618309"/>
+            <a:ext cx="1637211" cy="5294811"/>
+          </a:xfrm>
+          <a:prstGeom prst="rect">
+            <a:avLst/>
+          </a:prstGeom>
+        </p:spPr>
+        <p:style>
+          <a:lnRef idx="2">
+            <a:schemeClr val="accent1">
+              <a:shade val="50000"/>
+            </a:schemeClr>
+          </a:lnRef>
+          <a:fillRef idx="1">
+            <a:schemeClr val="accent1"/>
+          </a:fillRef>
+          <a:effectRef idx="0">
+            <a:schemeClr val="accent1"/>
+          </a:effectRef>
+          <a:fontRef idx="minor">
+            <a:schemeClr val="lt1"/>
+          </a:fontRef>
+        </p:style>
+        <p:txBody>
+          <a:bodyPr rtlCol="0" anchor="ctr"/>
+          <a:lstStyle/>
+          <a:p>
+            <a:pPr algn="ctr"/>
+            <a:r>
+              <a:rPr lang="en-US" dirty="0"/>
+              <a:t>Hosting App</a:t>
+            </a:r>
+          </a:p>
+          <a:p>
+            <a:pPr algn="ctr"/>
+            <a:r>
+              <a:rPr lang="en-US" dirty="0" err="1"/>
+              <a:t>DataAccess</a:t>
+            </a:r>
+            <a:r>
+              <a:rPr lang="en-US" dirty="0"/>
+              <a:t> + Business Logic + Endpoints etc.</a:t>
+            </a:r>
+          </a:p>
+        </p:txBody>
+      </p:sp>
+      <p:sp>
+        <p:nvSpPr>
+          <p:cNvPr id="9" name="Can 8">
+            <a:extLst>
+              <a:ext uri="{FF2B5EF4-FFF2-40B4-BE49-F238E27FC236}">
+                <a16:creationId xmlns:a16="http://schemas.microsoft.com/office/drawing/2014/main" id="{E65D7D43-04E4-E044-A98B-C27BE30B6AAD}"/>
+              </a:ext>
+            </a:extLst>
+          </p:cNvPr>
+          <p:cNvSpPr/>
+          <p:nvPr/>
+        </p:nvSpPr>
+        <p:spPr>
+          <a:xfrm rot="16200000">
+            <a:off x="6505304" y="2316479"/>
+            <a:ext cx="670560" cy="1820093"/>
+          </a:xfrm>
+          <a:prstGeom prst="can">
+            <a:avLst/>
+          </a:prstGeom>
+        </p:spPr>
+        <p:style>
+          <a:lnRef idx="2">
+            <a:schemeClr val="accent1">
+              <a:shade val="50000"/>
+            </a:schemeClr>
+          </a:lnRef>
+          <a:fillRef idx="1">
+            <a:schemeClr val="accent1"/>
+          </a:fillRef>
+          <a:effectRef idx="0">
+            <a:schemeClr val="accent1"/>
+          </a:effectRef>
+          <a:fontRef idx="minor">
+            <a:schemeClr val="lt1"/>
+          </a:fontRef>
+        </p:style>
+        <p:txBody>
+          <a:bodyPr rtlCol="0" anchor="ctr"/>
+          <a:lstStyle/>
+          <a:p>
+            <a:pPr algn="ctr"/>
+            <a:endParaRPr lang="en-US"/>
+          </a:p>
+        </p:txBody>
+      </p:sp>
+      <p:sp>
+        <p:nvSpPr>
+          <p:cNvPr id="10" name="Rounded Rectangle 9">
+            <a:extLst>
+              <a:ext uri="{FF2B5EF4-FFF2-40B4-BE49-F238E27FC236}">
+                <a16:creationId xmlns:a16="http://schemas.microsoft.com/office/drawing/2014/main" id="{BB44848E-31E1-AD4C-97A3-FD062EBA5C2A}"/>
+              </a:ext>
+            </a:extLst>
+          </p:cNvPr>
+          <p:cNvSpPr/>
+          <p:nvPr/>
+        </p:nvSpPr>
+        <p:spPr>
+          <a:xfrm>
+            <a:off x="3579224" y="1881051"/>
+            <a:ext cx="1959428" cy="2673532"/>
+          </a:xfrm>
+          <a:prstGeom prst="roundRect">
+            <a:avLst/>
+          </a:prstGeom>
+        </p:spPr>
+        <p:style>
+          <a:lnRef idx="2">
+            <a:schemeClr val="accent1">
+              <a:shade val="50000"/>
+            </a:schemeClr>
+          </a:lnRef>
+          <a:fillRef idx="1">
+            <a:schemeClr val="accent1"/>
+          </a:fillRef>
+          <a:effectRef idx="0">
+            <a:schemeClr val="accent1"/>
+          </a:effectRef>
+          <a:fontRef idx="minor">
+            <a:schemeClr val="lt1"/>
+          </a:fontRef>
+        </p:style>
+        <p:txBody>
+          <a:bodyPr rtlCol="0" anchor="ctr"/>
+          <a:lstStyle/>
+          <a:p>
+            <a:pPr algn="ctr"/>
+            <a:r>
+              <a:rPr lang="en-US" dirty="0"/>
+              <a:t>Manage HTTP Calls</a:t>
+            </a:r>
+          </a:p>
+        </p:txBody>
+      </p:sp>
+      <p:sp>
+        <p:nvSpPr>
+          <p:cNvPr id="11" name="Bent Arrow 10">
+            <a:extLst>
+              <a:ext uri="{FF2B5EF4-FFF2-40B4-BE49-F238E27FC236}">
+                <a16:creationId xmlns:a16="http://schemas.microsoft.com/office/drawing/2014/main" id="{9FC44B15-2CD6-714B-935F-62C9A894E846}"/>
+              </a:ext>
+            </a:extLst>
+          </p:cNvPr>
+          <p:cNvSpPr/>
+          <p:nvPr/>
+        </p:nvSpPr>
+        <p:spPr>
+          <a:xfrm rot="5400000">
+            <a:off x="2905397" y="109946"/>
+            <a:ext cx="1247504" cy="2294710"/>
+          </a:xfrm>
+          <a:prstGeom prst="bentArrow">
+            <a:avLst/>
+          </a:prstGeom>
+        </p:spPr>
+        <p:style>
+          <a:lnRef idx="2">
+            <a:schemeClr val="accent1">
+              <a:shade val="50000"/>
+            </a:schemeClr>
+          </a:lnRef>
+          <a:fillRef idx="1">
+            <a:schemeClr val="accent1"/>
+          </a:fillRef>
+          <a:effectRef idx="0">
+            <a:schemeClr val="accent1"/>
+          </a:effectRef>
+          <a:fontRef idx="minor">
+            <a:schemeClr val="lt1"/>
+          </a:fontRef>
+        </p:style>
+        <p:txBody>
+          <a:bodyPr rtlCol="0" anchor="ctr"/>
+          <a:lstStyle/>
+          <a:p>
+            <a:pPr algn="ctr"/>
+            <a:endParaRPr lang="en-US">
+              <a:solidFill>
+                <a:schemeClr val="tx1"/>
+              </a:solidFill>
+            </a:endParaRPr>
+          </a:p>
+        </p:txBody>
+      </p:sp>
+      <p:sp>
+        <p:nvSpPr>
+          <p:cNvPr id="12" name="Right Arrow 11">
+            <a:extLst>
+              <a:ext uri="{FF2B5EF4-FFF2-40B4-BE49-F238E27FC236}">
+                <a16:creationId xmlns:a16="http://schemas.microsoft.com/office/drawing/2014/main" id="{77F78F31-D4C9-E444-BC6C-E0B3FF7678DD}"/>
+              </a:ext>
+            </a:extLst>
+          </p:cNvPr>
+          <p:cNvSpPr/>
+          <p:nvPr/>
+        </p:nvSpPr>
+        <p:spPr>
+          <a:xfrm>
+            <a:off x="2464524" y="2612571"/>
+            <a:ext cx="1114700" cy="383178"/>
+          </a:xfrm>
+          <a:prstGeom prst="rightArrow">
+            <a:avLst/>
+          </a:prstGeom>
+        </p:spPr>
+        <p:style>
+          <a:lnRef idx="2">
+            <a:schemeClr val="accent1">
+              <a:shade val="50000"/>
+            </a:schemeClr>
+          </a:lnRef>
+          <a:fillRef idx="1">
+            <a:schemeClr val="accent1"/>
+          </a:fillRef>
+          <a:effectRef idx="0">
+            <a:schemeClr val="accent1"/>
+          </a:effectRef>
+          <a:fontRef idx="minor">
+            <a:schemeClr val="lt1"/>
+          </a:fontRef>
+        </p:style>
+        <p:txBody>
+          <a:bodyPr rtlCol="0" anchor="ctr"/>
+          <a:lstStyle/>
+          <a:p>
+            <a:pPr algn="ctr"/>
+            <a:endParaRPr lang="en-US"/>
+          </a:p>
+        </p:txBody>
+      </p:sp>
+      <p:sp>
+        <p:nvSpPr>
+          <p:cNvPr id="13" name="Left Arrow 12">
+            <a:extLst>
+              <a:ext uri="{FF2B5EF4-FFF2-40B4-BE49-F238E27FC236}">
+                <a16:creationId xmlns:a16="http://schemas.microsoft.com/office/drawing/2014/main" id="{91EB3AF7-462A-BD4E-980F-70EC0D1BB784}"/>
+              </a:ext>
+            </a:extLst>
+          </p:cNvPr>
+          <p:cNvSpPr/>
+          <p:nvPr/>
+        </p:nvSpPr>
+        <p:spPr>
+          <a:xfrm>
+            <a:off x="2464524" y="3361509"/>
+            <a:ext cx="1114700" cy="409302"/>
+          </a:xfrm>
+          <a:prstGeom prst="leftArrow">
+            <a:avLst/>
+          </a:prstGeom>
+        </p:spPr>
+        <p:style>
+          <a:lnRef idx="2">
+            <a:schemeClr val="accent1">
+              <a:shade val="50000"/>
+            </a:schemeClr>
+          </a:lnRef>
+          <a:fillRef idx="1">
+            <a:schemeClr val="accent1"/>
+          </a:fillRef>
+          <a:effectRef idx="0">
+            <a:schemeClr val="accent1"/>
+          </a:effectRef>
+          <a:fontRef idx="minor">
+            <a:schemeClr val="lt1"/>
+          </a:fontRef>
+        </p:style>
+        <p:txBody>
+          <a:bodyPr rtlCol="0" anchor="ctr"/>
+          <a:lstStyle/>
+          <a:p>
+            <a:pPr algn="ctr"/>
+            <a:endParaRPr lang="en-US"/>
+          </a:p>
+        </p:txBody>
+      </p:sp>
+      <p:sp>
+        <p:nvSpPr>
+          <p:cNvPr id="14" name="Left-right Arrow 13">
+            <a:extLst>
+              <a:ext uri="{FF2B5EF4-FFF2-40B4-BE49-F238E27FC236}">
+                <a16:creationId xmlns:a16="http://schemas.microsoft.com/office/drawing/2014/main" id="{4A1DBD74-E1F4-A446-BF6F-FD01B84B2123}"/>
+              </a:ext>
+            </a:extLst>
+          </p:cNvPr>
+          <p:cNvSpPr/>
+          <p:nvPr/>
+        </p:nvSpPr>
+        <p:spPr>
+          <a:xfrm>
+            <a:off x="5538649" y="3128555"/>
+            <a:ext cx="487682" cy="178524"/>
+          </a:xfrm>
+          <a:prstGeom prst="leftRightArrow">
+            <a:avLst/>
+          </a:prstGeom>
+        </p:spPr>
+        <p:style>
+          <a:lnRef idx="2">
+            <a:schemeClr val="accent1">
+              <a:shade val="50000"/>
+            </a:schemeClr>
+          </a:lnRef>
+          <a:fillRef idx="1">
+            <a:schemeClr val="accent1"/>
+          </a:fillRef>
+          <a:effectRef idx="0">
+            <a:schemeClr val="accent1"/>
+          </a:effectRef>
+          <a:fontRef idx="minor">
+            <a:schemeClr val="lt1"/>
+          </a:fontRef>
+        </p:style>
+        <p:txBody>
+          <a:bodyPr rtlCol="0" anchor="ctr"/>
+          <a:lstStyle/>
+          <a:p>
+            <a:pPr algn="ctr"/>
+            <a:endParaRPr lang="en-US"/>
+          </a:p>
+        </p:txBody>
+      </p:sp>
+      <p:sp>
+        <p:nvSpPr>
+          <p:cNvPr id="15" name="Bent Arrow 14">
+            <a:extLst>
+              <a:ext uri="{FF2B5EF4-FFF2-40B4-BE49-F238E27FC236}">
+                <a16:creationId xmlns:a16="http://schemas.microsoft.com/office/drawing/2014/main" id="{996914FB-996D-1A41-842F-85611D4159CC}"/>
+              </a:ext>
+            </a:extLst>
+          </p:cNvPr>
+          <p:cNvSpPr/>
+          <p:nvPr/>
+        </p:nvSpPr>
+        <p:spPr>
+          <a:xfrm rot="5400000" flipH="1">
+            <a:off x="3050177" y="3925387"/>
+            <a:ext cx="1036319" cy="2294710"/>
+          </a:xfrm>
+          <a:prstGeom prst="bentArrow">
+            <a:avLst/>
+          </a:prstGeom>
+        </p:spPr>
+        <p:style>
+          <a:lnRef idx="2">
+            <a:schemeClr val="accent1">
+              <a:shade val="50000"/>
+            </a:schemeClr>
+          </a:lnRef>
+          <a:fillRef idx="1">
+            <a:schemeClr val="accent1"/>
+          </a:fillRef>
+          <a:effectRef idx="0">
+            <a:schemeClr val="accent1"/>
+          </a:effectRef>
+          <a:fontRef idx="minor">
+            <a:schemeClr val="lt1"/>
+          </a:fontRef>
+        </p:style>
+        <p:txBody>
+          <a:bodyPr rtlCol="0" anchor="ctr"/>
+          <a:lstStyle/>
+          <a:p>
+            <a:pPr algn="ctr"/>
+            <a:endParaRPr lang="en-US">
+              <a:solidFill>
+                <a:schemeClr val="tx1"/>
+              </a:solidFill>
+            </a:endParaRPr>
+          </a:p>
+        </p:txBody>
+      </p:sp>
+    </p:spTree>
+    <p:extLst>
+      <p:ext uri="{BB962C8B-B14F-4D97-AF65-F5344CB8AC3E}">
+        <p14:creationId xmlns:p14="http://schemas.microsoft.com/office/powerpoint/2010/main" val="2121965436"/>
+      </p:ext>
+    </p:extLst>
+  </p:cSld>
+  <p:clrMapOvr>
+    <a:masterClrMapping/>
+  </p:clrMapOvr>
+</p:sld>
+</file>
+
+<file path=ppt/slides/slide6.xml><?xml version="1.0" encoding="utf-8"?>
+<p:sld xmlns:a="http://schemas.openxmlformats.org/drawingml/2006/main" xmlns:r="http://schemas.openxmlformats.org/officeDocument/2006/relationships" xmlns:p="http://schemas.openxmlformats.org/presentationml/2006/main">
+  <p:cSld>
+    <p:spTree>
+      <p:nvGrpSpPr>
+        <p:cNvPr id="1" name=""/>
+        <p:cNvGrpSpPr/>
+        <p:nvPr/>
+      </p:nvGrpSpPr>
+      <p:grpSpPr>
+        <a:xfrm>
+          <a:off x="0" y="0"/>
+          <a:ext cx="0" cy="0"/>
+          <a:chOff x="0" y="0"/>
+          <a:chExt cx="0" cy="0"/>
+        </a:xfrm>
+      </p:grpSpPr>
+      <p:sp>
+        <p:nvSpPr>
+          <p:cNvPr id="2" name="Rounded Rectangle 1">
+            <a:extLst>
+              <a:ext uri="{FF2B5EF4-FFF2-40B4-BE49-F238E27FC236}">
+                <a16:creationId xmlns:a16="http://schemas.microsoft.com/office/drawing/2014/main" id="{DA9B4615-DF36-C141-B1F7-5AB5A6EF7624}"/>
+              </a:ext>
+            </a:extLst>
+          </p:cNvPr>
+          <p:cNvSpPr/>
+          <p:nvPr/>
+        </p:nvSpPr>
+        <p:spPr>
+          <a:xfrm>
+            <a:off x="7794171" y="1079863"/>
+            <a:ext cx="3631475" cy="3596640"/>
+          </a:xfrm>
+          <a:prstGeom prst="roundRect">
+            <a:avLst/>
+          </a:prstGeom>
+        </p:spPr>
+        <p:style>
+          <a:lnRef idx="2">
+            <a:schemeClr val="accent1">
+              <a:shade val="50000"/>
+            </a:schemeClr>
+          </a:lnRef>
+          <a:fillRef idx="1">
+            <a:schemeClr val="accent1"/>
+          </a:fillRef>
+          <a:effectRef idx="0">
+            <a:schemeClr val="accent1"/>
+          </a:effectRef>
+          <a:fontRef idx="minor">
+            <a:schemeClr val="lt1"/>
+          </a:fontRef>
+        </p:style>
+        <p:txBody>
+          <a:bodyPr rtlCol="0" anchor="ctr"/>
+          <a:lstStyle/>
+          <a:p>
+            <a:pPr algn="ctr"/>
+            <a:r>
+              <a:rPr lang="en-US" dirty="0"/>
+              <a:t>High Level JavaScript</a:t>
+            </a:r>
+          </a:p>
+        </p:txBody>
+      </p:sp>
+      <p:sp>
+        <p:nvSpPr>
+          <p:cNvPr id="3" name="Rounded Rectangle 2">
+            <a:extLst>
+              <a:ext uri="{FF2B5EF4-FFF2-40B4-BE49-F238E27FC236}">
+                <a16:creationId xmlns:a16="http://schemas.microsoft.com/office/drawing/2014/main" id="{A87B163E-117D-CD43-8BD7-8D22F4136CB7}"/>
+              </a:ext>
+            </a:extLst>
+          </p:cNvPr>
+          <p:cNvSpPr/>
+          <p:nvPr/>
+        </p:nvSpPr>
+        <p:spPr>
+          <a:xfrm>
+            <a:off x="465909" y="1079863"/>
+            <a:ext cx="3631475" cy="3596640"/>
+          </a:xfrm>
+          <a:prstGeom prst="roundRect">
+            <a:avLst/>
+          </a:prstGeom>
+        </p:spPr>
+        <p:style>
+          <a:lnRef idx="2">
+            <a:schemeClr val="accent1">
+              <a:shade val="50000"/>
+            </a:schemeClr>
+          </a:lnRef>
+          <a:fillRef idx="1">
+            <a:schemeClr val="accent1"/>
+          </a:fillRef>
+          <a:effectRef idx="0">
+            <a:schemeClr val="accent1"/>
+          </a:effectRef>
+          <a:fontRef idx="minor">
+            <a:schemeClr val="lt1"/>
+          </a:fontRef>
+        </p:style>
+        <p:txBody>
+          <a:bodyPr rtlCol="0" anchor="ctr"/>
+          <a:lstStyle/>
+          <a:p>
+            <a:pPr algn="ctr"/>
+            <a:r>
+              <a:rPr lang="en-US" dirty="0"/>
+              <a:t>Browser will load and execute</a:t>
+            </a:r>
+          </a:p>
+          <a:p>
+            <a:pPr algn="ctr"/>
+            <a:r>
+              <a:rPr lang="en-US" dirty="0"/>
+              <a:t>JavaScript Compatible to it</a:t>
+            </a:r>
+          </a:p>
+        </p:txBody>
+      </p:sp>
+      <p:sp>
+        <p:nvSpPr>
+          <p:cNvPr id="4" name="Can 3">
+            <a:extLst>
+              <a:ext uri="{FF2B5EF4-FFF2-40B4-BE49-F238E27FC236}">
+                <a16:creationId xmlns:a16="http://schemas.microsoft.com/office/drawing/2014/main" id="{27F0C7D1-79CF-1446-9F97-38877209E04F}"/>
+              </a:ext>
+            </a:extLst>
+          </p:cNvPr>
+          <p:cNvSpPr/>
+          <p:nvPr/>
+        </p:nvSpPr>
+        <p:spPr>
+          <a:xfrm rot="16200000">
+            <a:off x="5431972" y="1029788"/>
+            <a:ext cx="1027612" cy="3696790"/>
+          </a:xfrm>
+          <a:prstGeom prst="can">
+            <a:avLst/>
+          </a:prstGeom>
+        </p:spPr>
+        <p:style>
+          <a:lnRef idx="2">
+            <a:schemeClr val="accent1">
+              <a:shade val="50000"/>
+            </a:schemeClr>
+          </a:lnRef>
+          <a:fillRef idx="1">
+            <a:schemeClr val="accent1"/>
+          </a:fillRef>
+          <a:effectRef idx="0">
+            <a:schemeClr val="accent1"/>
+          </a:effectRef>
+          <a:fontRef idx="minor">
+            <a:schemeClr val="lt1"/>
+          </a:fontRef>
+        </p:style>
+        <p:txBody>
+          <a:bodyPr rtlCol="0" anchor="ctr"/>
+          <a:lstStyle/>
+          <a:p>
+            <a:pPr algn="ctr"/>
+            <a:endParaRPr lang="en-US" dirty="0"/>
+          </a:p>
+        </p:txBody>
+      </p:sp>
+      <p:sp>
+        <p:nvSpPr>
+          <p:cNvPr id="5" name="TextBox 4">
+            <a:extLst>
+              <a:ext uri="{FF2B5EF4-FFF2-40B4-BE49-F238E27FC236}">
+                <a16:creationId xmlns:a16="http://schemas.microsoft.com/office/drawing/2014/main" id="{7504AC89-53F9-754A-B795-63189C2AAA93}"/>
+              </a:ext>
+            </a:extLst>
+          </p:cNvPr>
+          <p:cNvSpPr txBox="1"/>
+          <p:nvPr/>
+        </p:nvSpPr>
+        <p:spPr>
+          <a:xfrm>
+            <a:off x="4772297" y="2499360"/>
+            <a:ext cx="2429692" cy="923330"/>
+          </a:xfrm>
+          <a:prstGeom prst="rect">
+            <a:avLst/>
+          </a:prstGeom>
+          <a:noFill/>
+        </p:spPr>
+        <p:txBody>
+          <a:bodyPr wrap="square" rtlCol="0">
+            <a:spAutoFit/>
+          </a:bodyPr>
+          <a:lstStyle/>
+          <a:p>
+            <a:pPr algn="ctr"/>
+            <a:r>
+              <a:rPr lang="en-US" dirty="0">
+                <a:highlight>
+                  <a:srgbClr val="FFFF00"/>
+                </a:highlight>
+              </a:rPr>
+              <a:t>JavaScript Compiled Transformation aka Transpiler</a:t>
+            </a:r>
+          </a:p>
+        </p:txBody>
+      </p:sp>
+    </p:spTree>
+    <p:extLst>
+      <p:ext uri="{BB962C8B-B14F-4D97-AF65-F5344CB8AC3E}">
+        <p14:creationId xmlns:p14="http://schemas.microsoft.com/office/powerpoint/2010/main" val="3863455875"/>
+      </p:ext>
+    </p:extLst>
+  </p:cSld>
+  <p:clrMapOvr>
+    <a:masterClrMapping/>
+  </p:clrMapOvr>
+</p:sld>
+</file>
+
+<file path=ppt/slides/slide7.xml><?xml version="1.0" encoding="utf-8"?>
+<p:sld xmlns:a="http://schemas.openxmlformats.org/drawingml/2006/main" xmlns:r="http://schemas.openxmlformats.org/officeDocument/2006/relationships" xmlns:p="http://schemas.openxmlformats.org/presentationml/2006/main">
+  <p:cSld>
+    <p:spTree>
+      <p:nvGrpSpPr>
+        <p:cNvPr id="1" name=""/>
+        <p:cNvGrpSpPr/>
+        <p:nvPr/>
+      </p:nvGrpSpPr>
+      <p:grpSpPr>
+        <a:xfrm>
+          <a:off x="0" y="0"/>
+          <a:ext cx="0" cy="0"/>
+          <a:chOff x="0" y="0"/>
+          <a:chExt cx="0" cy="0"/>
+        </a:xfrm>
+      </p:grpSpPr>
+      <p:sp>
+        <p:nvSpPr>
+          <p:cNvPr id="2" name="TextBox 1">
+            <a:extLst>
+              <a:ext uri="{FF2B5EF4-FFF2-40B4-BE49-F238E27FC236}">
+                <a16:creationId xmlns:a16="http://schemas.microsoft.com/office/drawing/2014/main" id="{4DAAED2C-CAA8-F549-B86B-6E07519B4E47}"/>
+              </a:ext>
+            </a:extLst>
+          </p:cNvPr>
+          <p:cNvSpPr txBox="1"/>
+          <p:nvPr/>
+        </p:nvSpPr>
+        <p:spPr>
+          <a:xfrm>
+            <a:off x="278674" y="365760"/>
+            <a:ext cx="11747863" cy="2862322"/>
+          </a:xfrm>
+          <a:prstGeom prst="rect">
+            <a:avLst/>
+          </a:prstGeom>
+          <a:noFill/>
+        </p:spPr>
+        <p:txBody>
+          <a:bodyPr wrap="square" rtlCol="0">
+            <a:spAutoFit/>
+          </a:bodyPr>
+          <a:lstStyle/>
+          <a:p>
+            <a:r>
+              <a:rPr lang="en-US" dirty="0"/>
+              <a:t>Languages supporting ES 6 and ES 7 Standard</a:t>
+            </a:r>
+          </a:p>
+          <a:p>
+            <a:endParaRPr lang="en-US" dirty="0"/>
+          </a:p>
+          <a:p>
+            <a:endParaRPr lang="en-US" dirty="0"/>
+          </a:p>
+          <a:p>
+            <a:pPr marL="342900" indent="-342900">
+              <a:buAutoNum type="arabicPeriod"/>
+            </a:pPr>
+            <a:r>
+              <a:rPr lang="en-US" dirty="0"/>
+              <a:t>TypeScript, language by Microsoft, Open Source, heavily used for Modern Apps</a:t>
+            </a:r>
+          </a:p>
+          <a:p>
+            <a:pPr marL="800100" lvl="1" indent="-342900">
+              <a:buAutoNum type="arabicPeriod"/>
+            </a:pPr>
+            <a:r>
+              <a:rPr lang="en-US" dirty="0"/>
+              <a:t>Angular </a:t>
+            </a:r>
+          </a:p>
+          <a:p>
+            <a:pPr marL="800100" lvl="1" indent="-342900">
+              <a:buAutoNum type="arabicPeriod"/>
+            </a:pPr>
+            <a:r>
+              <a:rPr lang="en-US" dirty="0"/>
+              <a:t>React 15.0+ TypeScript Support </a:t>
+            </a:r>
+          </a:p>
+          <a:p>
+            <a:pPr marL="342900" indent="-342900">
+              <a:buAutoNum type="arabicPeriod"/>
+            </a:pPr>
+            <a:r>
+              <a:rPr lang="en-US" dirty="0"/>
+              <a:t>High-Level JavaScript aka ES 6 / ES 7</a:t>
+            </a:r>
+          </a:p>
+          <a:p>
+            <a:pPr marL="800100" lvl="1" indent="-342900">
+              <a:buAutoNum type="arabicPeriod"/>
+            </a:pPr>
+            <a:r>
+              <a:rPr lang="en-US" dirty="0"/>
+              <a:t>Preferred language for React, Vue, Ember, </a:t>
+            </a:r>
+            <a:r>
+              <a:rPr lang="en-US" dirty="0" err="1"/>
+              <a:t>ExtJs</a:t>
+            </a:r>
+            <a:r>
+              <a:rPr lang="en-US" dirty="0"/>
+              <a:t>, etc.</a:t>
+            </a:r>
+          </a:p>
+          <a:p>
+            <a:pPr marL="342900" indent="-342900">
+              <a:buAutoNum type="arabicPeriod"/>
+            </a:pPr>
+            <a:r>
+              <a:rPr lang="en-US" dirty="0"/>
+              <a:t>Dart</a:t>
+            </a:r>
+          </a:p>
+          <a:p>
+            <a:pPr marL="800100" lvl="1" indent="-342900">
+              <a:buAutoNum type="arabicPeriod"/>
+            </a:pPr>
+            <a:r>
+              <a:rPr lang="en-US" dirty="0"/>
+              <a:t>Angular, etc.</a:t>
+            </a:r>
+          </a:p>
+        </p:txBody>
+      </p:sp>
+    </p:spTree>
+    <p:extLst>
+      <p:ext uri="{BB962C8B-B14F-4D97-AF65-F5344CB8AC3E}">
+        <p14:creationId xmlns:p14="http://schemas.microsoft.com/office/powerpoint/2010/main" val="110124225"/>
+      </p:ext>
+    </p:extLst>
+  </p:cSld>
+  <p:clrMapOvr>
+    <a:masterClrMapping/>
+  </p:clrMapOvr>
+</p:sld>
+</file>
+
+<file path=ppt/slides/slide8.xml><?xml version="1.0" encoding="utf-8"?>
+<p:sld xmlns:a="http://schemas.openxmlformats.org/drawingml/2006/main" xmlns:r="http://schemas.openxmlformats.org/officeDocument/2006/relationships" xmlns:p="http://schemas.openxmlformats.org/presentationml/2006/main">
+  <p:cSld>
+    <p:spTree>
+      <p:nvGrpSpPr>
+        <p:cNvPr id="1" name=""/>
+        <p:cNvGrpSpPr/>
+        <p:nvPr/>
+      </p:nvGrpSpPr>
+      <p:grpSpPr>
+        <a:xfrm>
+          <a:off x="0" y="0"/>
+          <a:ext cx="0" cy="0"/>
+          <a:chOff x="0" y="0"/>
+          <a:chExt cx="0" cy="0"/>
+        </a:xfrm>
+      </p:grpSpPr>
+      <p:sp>
+        <p:nvSpPr>
+          <p:cNvPr id="2" name="Rectangle 1">
+            <a:extLst>
+              <a:ext uri="{FF2B5EF4-FFF2-40B4-BE49-F238E27FC236}">
+                <a16:creationId xmlns:a16="http://schemas.microsoft.com/office/drawing/2014/main" id="{D52342D2-7364-5E46-A304-73A723F84AD5}"/>
+              </a:ext>
+            </a:extLst>
+          </p:cNvPr>
+          <p:cNvSpPr/>
+          <p:nvPr/>
+        </p:nvSpPr>
+        <p:spPr>
+          <a:xfrm>
+            <a:off x="6522720" y="844731"/>
+            <a:ext cx="4284617" cy="4878978"/>
+          </a:xfrm>
+          <a:prstGeom prst="rect">
+            <a:avLst/>
+          </a:prstGeom>
+        </p:spPr>
+        <p:style>
+          <a:lnRef idx="1">
+            <a:schemeClr val="accent6"/>
+          </a:lnRef>
+          <a:fillRef idx="2">
+            <a:schemeClr val="accent6"/>
+          </a:fillRef>
+          <a:effectRef idx="1">
+            <a:schemeClr val="accent6"/>
+          </a:effectRef>
+          <a:fontRef idx="minor">
+            <a:schemeClr val="dk1"/>
+          </a:fontRef>
+        </p:style>
+        <p:txBody>
+          <a:bodyPr rtlCol="0" anchor="ctr"/>
+          <a:lstStyle/>
+          <a:p>
+            <a:pPr algn="ctr"/>
+            <a:endParaRPr lang="en-US"/>
+          </a:p>
+        </p:txBody>
+      </p:sp>
+      <p:sp>
+        <p:nvSpPr>
+          <p:cNvPr id="3" name="TextBox 2">
+            <a:extLst>
+              <a:ext uri="{FF2B5EF4-FFF2-40B4-BE49-F238E27FC236}">
+                <a16:creationId xmlns:a16="http://schemas.microsoft.com/office/drawing/2014/main" id="{8DA29414-068D-3845-ABF3-2FADE69FE9A6}"/>
+              </a:ext>
+            </a:extLst>
+          </p:cNvPr>
+          <p:cNvSpPr txBox="1"/>
+          <p:nvPr/>
+        </p:nvSpPr>
+        <p:spPr>
+          <a:xfrm>
+            <a:off x="6871063" y="182880"/>
+            <a:ext cx="3143794" cy="646331"/>
+          </a:xfrm>
+          <a:prstGeom prst="rect">
+            <a:avLst/>
+          </a:prstGeom>
+          <a:noFill/>
+        </p:spPr>
+        <p:txBody>
+          <a:bodyPr wrap="square" rtlCol="0">
+            <a:spAutoFit/>
+          </a:bodyPr>
+          <a:lstStyle/>
+          <a:p>
+            <a:pPr algn="ctr"/>
+            <a:r>
+              <a:rPr lang="en-US" dirty="0"/>
+              <a:t>Web Server </a:t>
+            </a:r>
+          </a:p>
+          <a:p>
+            <a:pPr algn="ctr"/>
+            <a:r>
+              <a:rPr lang="en-US" dirty="0"/>
+              <a:t>Application Hosting</a:t>
+            </a:r>
+          </a:p>
+        </p:txBody>
+      </p:sp>
+      <p:sp>
+        <p:nvSpPr>
+          <p:cNvPr id="4" name="Rounded Rectangle 3">
+            <a:extLst>
+              <a:ext uri="{FF2B5EF4-FFF2-40B4-BE49-F238E27FC236}">
+                <a16:creationId xmlns:a16="http://schemas.microsoft.com/office/drawing/2014/main" id="{402DD3CC-33FF-0143-ABF2-A5AC1FB5D4E7}"/>
+              </a:ext>
+            </a:extLst>
+          </p:cNvPr>
+          <p:cNvSpPr/>
+          <p:nvPr/>
+        </p:nvSpPr>
+        <p:spPr>
+          <a:xfrm>
+            <a:off x="6696891" y="1132114"/>
+            <a:ext cx="4032069" cy="923109"/>
+          </a:xfrm>
+          <a:prstGeom prst="roundRect">
+            <a:avLst/>
+          </a:prstGeom>
+        </p:spPr>
+        <p:style>
+          <a:lnRef idx="2">
+            <a:schemeClr val="accent1">
+              <a:shade val="50000"/>
+            </a:schemeClr>
+          </a:lnRef>
+          <a:fillRef idx="1">
+            <a:schemeClr val="accent1"/>
+          </a:fillRef>
+          <a:effectRef idx="0">
+            <a:schemeClr val="accent1"/>
+          </a:effectRef>
+          <a:fontRef idx="minor">
+            <a:schemeClr val="lt1"/>
+          </a:fontRef>
+        </p:style>
+        <p:txBody>
+          <a:bodyPr rtlCol="0" anchor="ctr"/>
+          <a:lstStyle/>
+          <a:p>
+            <a:pPr algn="ctr"/>
+            <a:r>
+              <a:rPr lang="en-US" dirty="0"/>
+              <a:t>Request Listener</a:t>
+            </a:r>
+          </a:p>
+          <a:p>
+            <a:pPr algn="ctr"/>
+            <a:r>
+              <a:rPr lang="en-US" dirty="0"/>
+              <a:t>Reads HTTP Request and Map it with the Hosted Web App</a:t>
+            </a:r>
+          </a:p>
+        </p:txBody>
+      </p:sp>
+      <p:sp>
+        <p:nvSpPr>
+          <p:cNvPr id="5" name="Rounded Rectangle 4">
+            <a:extLst>
+              <a:ext uri="{FF2B5EF4-FFF2-40B4-BE49-F238E27FC236}">
+                <a16:creationId xmlns:a16="http://schemas.microsoft.com/office/drawing/2014/main" id="{17728879-33A1-A445-B8E3-E3DBECBFD876}"/>
+              </a:ext>
+            </a:extLst>
+          </p:cNvPr>
+          <p:cNvSpPr/>
+          <p:nvPr/>
+        </p:nvSpPr>
+        <p:spPr>
+          <a:xfrm>
+            <a:off x="6662057" y="2361111"/>
+            <a:ext cx="4032069" cy="2785655"/>
+          </a:xfrm>
+          <a:prstGeom prst="roundRect">
+            <a:avLst/>
+          </a:prstGeom>
+        </p:spPr>
+        <p:style>
+          <a:lnRef idx="1">
+            <a:schemeClr val="dk1"/>
+          </a:lnRef>
+          <a:fillRef idx="2">
+            <a:schemeClr val="dk1"/>
+          </a:fillRef>
+          <a:effectRef idx="1">
+            <a:schemeClr val="dk1"/>
+          </a:effectRef>
+          <a:fontRef idx="minor">
+            <a:schemeClr val="dk1"/>
+          </a:fontRef>
+        </p:style>
+        <p:txBody>
+          <a:bodyPr rtlCol="0" anchor="ctr"/>
+          <a:lstStyle/>
+          <a:p>
+            <a:pPr algn="ctr"/>
+            <a:endParaRPr lang="en-US" dirty="0"/>
+          </a:p>
+        </p:txBody>
+      </p:sp>
+      <p:sp>
+        <p:nvSpPr>
+          <p:cNvPr id="6" name="TextBox 5">
+            <a:extLst>
+              <a:ext uri="{FF2B5EF4-FFF2-40B4-BE49-F238E27FC236}">
+                <a16:creationId xmlns:a16="http://schemas.microsoft.com/office/drawing/2014/main" id="{79D8EB86-519A-5D4B-90A2-4B850669E26C}"/>
+              </a:ext>
+            </a:extLst>
+          </p:cNvPr>
+          <p:cNvSpPr txBox="1"/>
+          <p:nvPr/>
+        </p:nvSpPr>
+        <p:spPr>
+          <a:xfrm>
+            <a:off x="7445829" y="2447109"/>
+            <a:ext cx="2569028" cy="369332"/>
+          </a:xfrm>
+          <a:prstGeom prst="rect">
+            <a:avLst/>
+          </a:prstGeom>
+          <a:noFill/>
+        </p:spPr>
+        <p:txBody>
+          <a:bodyPr wrap="square" rtlCol="0">
+            <a:spAutoFit/>
+          </a:bodyPr>
+          <a:lstStyle/>
+          <a:p>
+            <a:r>
+              <a:rPr lang="en-US" dirty="0"/>
+              <a:t>Hosted Web Application</a:t>
+            </a:r>
+          </a:p>
+        </p:txBody>
+      </p:sp>
+      <p:sp>
+        <p:nvSpPr>
+          <p:cNvPr id="7" name="Rounded Rectangle 6">
+            <a:extLst>
+              <a:ext uri="{FF2B5EF4-FFF2-40B4-BE49-F238E27FC236}">
+                <a16:creationId xmlns:a16="http://schemas.microsoft.com/office/drawing/2014/main" id="{C0CBF753-F9D4-E94E-99A4-6554AC716223}"/>
+              </a:ext>
+            </a:extLst>
+          </p:cNvPr>
+          <p:cNvSpPr/>
+          <p:nvPr/>
+        </p:nvSpPr>
+        <p:spPr>
+          <a:xfrm>
+            <a:off x="6871063" y="3048000"/>
+            <a:ext cx="3718560" cy="583474"/>
+          </a:xfrm>
+          <a:prstGeom prst="roundRect">
+            <a:avLst/>
+          </a:prstGeom>
+        </p:spPr>
+        <p:style>
+          <a:lnRef idx="2">
+            <a:schemeClr val="accent1">
+              <a:shade val="50000"/>
+            </a:schemeClr>
+          </a:lnRef>
+          <a:fillRef idx="1">
+            <a:schemeClr val="accent1"/>
+          </a:fillRef>
+          <a:effectRef idx="0">
+            <a:schemeClr val="accent1"/>
+          </a:effectRef>
+          <a:fontRef idx="minor">
+            <a:schemeClr val="lt1"/>
+          </a:fontRef>
+        </p:style>
+        <p:txBody>
+          <a:bodyPr rtlCol="0" anchor="ctr"/>
+          <a:lstStyle/>
+          <a:p>
+            <a:pPr algn="ctr"/>
+            <a:r>
+              <a:rPr lang="en-US" dirty="0"/>
+              <a:t>Static and Dynamic Web Pages</a:t>
+            </a:r>
+          </a:p>
+          <a:p>
+            <a:pPr algn="ctr"/>
+            <a:r>
+              <a:rPr lang="en-US" dirty="0"/>
+              <a:t>.html/.</a:t>
+            </a:r>
+            <a:r>
+              <a:rPr lang="en-US" dirty="0" err="1"/>
+              <a:t>css</a:t>
+            </a:r>
+            <a:r>
+              <a:rPr lang="en-US" dirty="0"/>
+              <a:t>/.</a:t>
+            </a:r>
+            <a:r>
+              <a:rPr lang="en-US" dirty="0" err="1"/>
+              <a:t>js</a:t>
+            </a:r>
+            <a:endParaRPr lang="en-US" dirty="0"/>
+          </a:p>
+        </p:txBody>
+      </p:sp>
+      <p:sp>
+        <p:nvSpPr>
+          <p:cNvPr id="8" name="Rounded Rectangle 7">
+            <a:extLst>
+              <a:ext uri="{FF2B5EF4-FFF2-40B4-BE49-F238E27FC236}">
+                <a16:creationId xmlns:a16="http://schemas.microsoft.com/office/drawing/2014/main" id="{68250A71-4491-EA4F-82B1-2387478785AC}"/>
+              </a:ext>
+            </a:extLst>
+          </p:cNvPr>
+          <p:cNvSpPr/>
+          <p:nvPr/>
+        </p:nvSpPr>
+        <p:spPr>
+          <a:xfrm>
+            <a:off x="6853645" y="3805646"/>
+            <a:ext cx="3718560" cy="1132114"/>
+          </a:xfrm>
+          <a:prstGeom prst="roundRect">
+            <a:avLst/>
+          </a:prstGeom>
+        </p:spPr>
+        <p:style>
+          <a:lnRef idx="2">
+            <a:schemeClr val="accent1">
+              <a:shade val="50000"/>
+            </a:schemeClr>
+          </a:lnRef>
+          <a:fillRef idx="1">
+            <a:schemeClr val="accent1"/>
+          </a:fillRef>
+          <a:effectRef idx="0">
+            <a:schemeClr val="accent1"/>
+          </a:effectRef>
+          <a:fontRef idx="minor">
+            <a:schemeClr val="lt1"/>
+          </a:fontRef>
+        </p:style>
+        <p:txBody>
+          <a:bodyPr rtlCol="0" anchor="ctr"/>
+          <a:lstStyle/>
+          <a:p>
+            <a:pPr algn="ctr"/>
+            <a:r>
+              <a:rPr lang="en-US" dirty="0"/>
+              <a:t>Web Application Framework</a:t>
+            </a:r>
+          </a:p>
+          <a:p>
+            <a:pPr algn="ctr"/>
+            <a:r>
+              <a:rPr lang="en-US" dirty="0"/>
+              <a:t>Used to Execute Request, manipulate Pages, Generate HTTP Response</a:t>
+            </a:r>
+          </a:p>
+        </p:txBody>
+      </p:sp>
+      <p:sp>
+        <p:nvSpPr>
+          <p:cNvPr id="9" name="Right Arrow 8">
+            <a:extLst>
+              <a:ext uri="{FF2B5EF4-FFF2-40B4-BE49-F238E27FC236}">
+                <a16:creationId xmlns:a16="http://schemas.microsoft.com/office/drawing/2014/main" id="{552AF560-F7B1-9643-8DBC-4150126F3AF5}"/>
+              </a:ext>
+            </a:extLst>
+          </p:cNvPr>
+          <p:cNvSpPr/>
+          <p:nvPr/>
+        </p:nvSpPr>
+        <p:spPr>
+          <a:xfrm>
+            <a:off x="905691" y="1062446"/>
+            <a:ext cx="5556069" cy="818605"/>
+          </a:xfrm>
+          <a:prstGeom prst="rightArrow">
+            <a:avLst/>
+          </a:prstGeom>
+        </p:spPr>
+        <p:style>
+          <a:lnRef idx="2">
+            <a:schemeClr val="accent1">
+              <a:shade val="50000"/>
+            </a:schemeClr>
+          </a:lnRef>
+          <a:fillRef idx="1">
+            <a:schemeClr val="accent1"/>
+          </a:fillRef>
+          <a:effectRef idx="0">
+            <a:schemeClr val="accent1"/>
+          </a:effectRef>
+          <a:fontRef idx="minor">
+            <a:schemeClr val="lt1"/>
+          </a:fontRef>
+        </p:style>
+        <p:txBody>
+          <a:bodyPr rtlCol="0" anchor="ctr"/>
+          <a:lstStyle/>
+          <a:p>
+            <a:pPr algn="ctr"/>
+            <a:r>
+              <a:rPr lang="en-US" dirty="0"/>
+              <a:t>http://</a:t>
+            </a:r>
+            <a:r>
+              <a:rPr lang="en-US" dirty="0" err="1"/>
+              <a:t>MyServer</a:t>
+            </a:r>
+            <a:r>
+              <a:rPr lang="en-US" dirty="0"/>
+              <a:t>/</a:t>
+            </a:r>
+            <a:r>
+              <a:rPr lang="en-US" dirty="0" err="1"/>
+              <a:t>MyApp</a:t>
+            </a:r>
+            <a:r>
+              <a:rPr lang="en-US" dirty="0"/>
+              <a:t>/</a:t>
+            </a:r>
+            <a:r>
+              <a:rPr lang="en-US" dirty="0" err="1"/>
+              <a:t>MyPage.html</a:t>
+            </a:r>
+            <a:endParaRPr lang="en-US" dirty="0"/>
+          </a:p>
+        </p:txBody>
+      </p:sp>
+      <p:sp>
+        <p:nvSpPr>
+          <p:cNvPr id="10" name="Down Arrow 9">
+            <a:extLst>
+              <a:ext uri="{FF2B5EF4-FFF2-40B4-BE49-F238E27FC236}">
+                <a16:creationId xmlns:a16="http://schemas.microsoft.com/office/drawing/2014/main" id="{39299860-1AA0-8240-BCC6-22538ECC0108}"/>
+              </a:ext>
+            </a:extLst>
+          </p:cNvPr>
+          <p:cNvSpPr/>
+          <p:nvPr/>
+        </p:nvSpPr>
+        <p:spPr>
+          <a:xfrm>
+            <a:off x="7933509" y="2055223"/>
+            <a:ext cx="139337" cy="305888"/>
+          </a:xfrm>
+          <a:prstGeom prst="downArrow">
+            <a:avLst/>
+          </a:prstGeom>
+          <a:solidFill>
+            <a:srgbClr val="FFFF00"/>
+          </a:solidFill>
+        </p:spPr>
+        <p:style>
+          <a:lnRef idx="2">
+            <a:schemeClr val="accent1">
+              <a:shade val="50000"/>
+            </a:schemeClr>
+          </a:lnRef>
+          <a:fillRef idx="1">
+            <a:schemeClr val="accent1"/>
+          </a:fillRef>
+          <a:effectRef idx="0">
+            <a:schemeClr val="accent1"/>
+          </a:effectRef>
+          <a:fontRef idx="minor">
+            <a:schemeClr val="lt1"/>
+          </a:fontRef>
+        </p:style>
+        <p:txBody>
+          <a:bodyPr rtlCol="0" anchor="ctr"/>
+          <a:lstStyle/>
+          <a:p>
+            <a:pPr algn="ctr"/>
+            <a:endParaRPr lang="en-US"/>
+          </a:p>
+        </p:txBody>
+      </p:sp>
+      <p:sp>
+        <p:nvSpPr>
+          <p:cNvPr id="11" name="Down Arrow 10">
+            <a:extLst>
+              <a:ext uri="{FF2B5EF4-FFF2-40B4-BE49-F238E27FC236}">
+                <a16:creationId xmlns:a16="http://schemas.microsoft.com/office/drawing/2014/main" id="{3FB59DCE-D547-1843-931B-A8BE78F164FF}"/>
+              </a:ext>
+            </a:extLst>
+          </p:cNvPr>
+          <p:cNvSpPr/>
+          <p:nvPr/>
+        </p:nvSpPr>
+        <p:spPr>
+          <a:xfrm>
+            <a:off x="7794172" y="3565854"/>
+            <a:ext cx="139337" cy="305888"/>
+          </a:xfrm>
+          <a:prstGeom prst="downArrow">
+            <a:avLst/>
+          </a:prstGeom>
+          <a:solidFill>
+            <a:srgbClr val="FFFF00"/>
+          </a:solidFill>
+        </p:spPr>
+        <p:style>
+          <a:lnRef idx="2">
+            <a:schemeClr val="accent1">
+              <a:shade val="50000"/>
+            </a:schemeClr>
+          </a:lnRef>
+          <a:fillRef idx="1">
+            <a:schemeClr val="accent1"/>
+          </a:fillRef>
+          <a:effectRef idx="0">
+            <a:schemeClr val="accent1"/>
+          </a:effectRef>
+          <a:fontRef idx="minor">
+            <a:schemeClr val="lt1"/>
+          </a:fontRef>
+        </p:style>
+        <p:txBody>
+          <a:bodyPr rtlCol="0" anchor="ctr"/>
+          <a:lstStyle/>
+          <a:p>
+            <a:pPr algn="ctr"/>
+            <a:endParaRPr lang="en-US"/>
+          </a:p>
+        </p:txBody>
+      </p:sp>
+      <p:sp>
+        <p:nvSpPr>
+          <p:cNvPr id="12" name="Left Arrow 11">
+            <a:extLst>
+              <a:ext uri="{FF2B5EF4-FFF2-40B4-BE49-F238E27FC236}">
+                <a16:creationId xmlns:a16="http://schemas.microsoft.com/office/drawing/2014/main" id="{A9B1C370-44EB-E746-B675-D543BF94E006}"/>
+              </a:ext>
+            </a:extLst>
+          </p:cNvPr>
+          <p:cNvSpPr/>
+          <p:nvPr/>
+        </p:nvSpPr>
+        <p:spPr>
+          <a:xfrm>
+            <a:off x="905691" y="3936274"/>
+            <a:ext cx="5617029" cy="888275"/>
+          </a:xfrm>
+          <a:prstGeom prst="leftArrow">
+            <a:avLst/>
+          </a:prstGeom>
+        </p:spPr>
+        <p:style>
+          <a:lnRef idx="2">
+            <a:schemeClr val="accent1">
+              <a:shade val="50000"/>
+            </a:schemeClr>
+          </a:lnRef>
+          <a:fillRef idx="1">
+            <a:schemeClr val="accent1"/>
+          </a:fillRef>
+          <a:effectRef idx="0">
+            <a:schemeClr val="accent1"/>
+          </a:effectRef>
+          <a:fontRef idx="minor">
+            <a:schemeClr val="lt1"/>
+          </a:fontRef>
+        </p:style>
+        <p:txBody>
+          <a:bodyPr rtlCol="0" anchor="ctr"/>
+          <a:lstStyle/>
+          <a:p>
+            <a:pPr algn="ctr"/>
+            <a:r>
+              <a:rPr lang="en-US" dirty="0"/>
+              <a:t>http response with html page, </a:t>
+            </a:r>
+            <a:r>
+              <a:rPr lang="en-US" dirty="0" err="1"/>
+              <a:t>css</a:t>
+            </a:r>
+            <a:r>
+              <a:rPr lang="en-US" dirty="0"/>
+              <a:t> and JavaScript</a:t>
+            </a:r>
+          </a:p>
+        </p:txBody>
+      </p:sp>
+      <p:sp>
+        <p:nvSpPr>
+          <p:cNvPr id="13" name="TextBox 12">
+            <a:extLst>
+              <a:ext uri="{FF2B5EF4-FFF2-40B4-BE49-F238E27FC236}">
+                <a16:creationId xmlns:a16="http://schemas.microsoft.com/office/drawing/2014/main" id="{C1B33BD1-81A5-364B-858E-6BBC7B38D996}"/>
+              </a:ext>
+            </a:extLst>
+          </p:cNvPr>
+          <p:cNvSpPr txBox="1"/>
+          <p:nvPr/>
+        </p:nvSpPr>
+        <p:spPr>
+          <a:xfrm>
+            <a:off x="217714" y="5316277"/>
+            <a:ext cx="5608320" cy="646331"/>
+          </a:xfrm>
+          <a:prstGeom prst="rect">
+            <a:avLst/>
+          </a:prstGeom>
+          <a:noFill/>
+        </p:spPr>
+        <p:txBody>
+          <a:bodyPr wrap="square" rtlCol="0">
+            <a:spAutoFit/>
+          </a:bodyPr>
+          <a:lstStyle/>
+          <a:p>
+            <a:r>
+              <a:rPr lang="en-US" dirty="0"/>
+              <a:t>IIS, </a:t>
+            </a:r>
+            <a:r>
+              <a:rPr lang="en-US" dirty="0" err="1"/>
+              <a:t>NginX</a:t>
+            </a:r>
+            <a:r>
+              <a:rPr lang="en-US" dirty="0"/>
+              <a:t>, Apache, etc.</a:t>
+            </a:r>
+          </a:p>
+          <a:p>
+            <a:r>
+              <a:rPr lang="en-US" dirty="0"/>
+              <a:t>JAVA, .NET, PHP-Ruby, Node.js</a:t>
+            </a:r>
+          </a:p>
+        </p:txBody>
+      </p:sp>
+      <p:sp>
+        <p:nvSpPr>
+          <p:cNvPr id="14" name="Can 13">
+            <a:extLst>
+              <a:ext uri="{FF2B5EF4-FFF2-40B4-BE49-F238E27FC236}">
+                <a16:creationId xmlns:a16="http://schemas.microsoft.com/office/drawing/2014/main" id="{C283460F-57A4-DD4A-80DA-2A8620741EB6}"/>
+              </a:ext>
+            </a:extLst>
+          </p:cNvPr>
+          <p:cNvSpPr/>
+          <p:nvPr/>
+        </p:nvSpPr>
+        <p:spPr>
+          <a:xfrm>
+            <a:off x="11016343" y="3429000"/>
+            <a:ext cx="1001486" cy="855617"/>
+          </a:xfrm>
+          <a:prstGeom prst="can">
+            <a:avLst/>
+          </a:prstGeom>
+        </p:spPr>
+        <p:style>
+          <a:lnRef idx="2">
+            <a:schemeClr val="accent1">
+              <a:shade val="50000"/>
+            </a:schemeClr>
+          </a:lnRef>
+          <a:fillRef idx="1">
+            <a:schemeClr val="accent1"/>
+          </a:fillRef>
+          <a:effectRef idx="0">
+            <a:schemeClr val="accent1"/>
+          </a:effectRef>
+          <a:fontRef idx="minor">
+            <a:schemeClr val="lt1"/>
+          </a:fontRef>
+        </p:style>
+        <p:txBody>
+          <a:bodyPr rtlCol="0" anchor="ctr"/>
+          <a:lstStyle/>
+          <a:p>
+            <a:pPr algn="ctr"/>
+            <a:r>
+              <a:rPr lang="en-US" dirty="0"/>
+              <a:t>DB</a:t>
+            </a:r>
+          </a:p>
+        </p:txBody>
+      </p:sp>
+      <p:sp>
+        <p:nvSpPr>
+          <p:cNvPr id="15" name="Left-right Arrow 14">
+            <a:extLst>
+              <a:ext uri="{FF2B5EF4-FFF2-40B4-BE49-F238E27FC236}">
+                <a16:creationId xmlns:a16="http://schemas.microsoft.com/office/drawing/2014/main" id="{C157CDEA-D5F0-A247-97D0-2C3DD341377A}"/>
+              </a:ext>
+            </a:extLst>
+          </p:cNvPr>
+          <p:cNvSpPr/>
+          <p:nvPr/>
+        </p:nvSpPr>
+        <p:spPr>
+          <a:xfrm>
+            <a:off x="10694126" y="3805646"/>
+            <a:ext cx="322217" cy="130628"/>
+          </a:xfrm>
+          <a:prstGeom prst="leftRightArrow">
+            <a:avLst/>
+          </a:prstGeom>
+          <a:solidFill>
+            <a:srgbClr val="FFFF00"/>
+          </a:solidFill>
+        </p:spPr>
+        <p:style>
+          <a:lnRef idx="2">
+            <a:schemeClr val="accent1">
+              <a:shade val="50000"/>
+            </a:schemeClr>
+          </a:lnRef>
+          <a:fillRef idx="1">
+            <a:schemeClr val="accent1"/>
+          </a:fillRef>
+          <a:effectRef idx="0">
+            <a:schemeClr val="accent1"/>
+          </a:effectRef>
+          <a:fontRef idx="minor">
+            <a:schemeClr val="lt1"/>
+          </a:fontRef>
+        </p:style>
+        <p:txBody>
+          <a:bodyPr rtlCol="0" anchor="ctr"/>
+          <a:lstStyle/>
+          <a:p>
+            <a:pPr algn="ctr"/>
+            <a:endParaRPr lang="en-US"/>
+          </a:p>
+        </p:txBody>
+      </p:sp>
+    </p:spTree>
+    <p:extLst>
+      <p:ext uri="{BB962C8B-B14F-4D97-AF65-F5344CB8AC3E}">
+        <p14:creationId xmlns:p14="http://schemas.microsoft.com/office/powerpoint/2010/main" val="2863982150"/>
+      </p:ext>
+    </p:extLst>
+  </p:cSld>
+  <p:clrMapOvr>
+    <a:masterClrMapping/>
+  </p:clrMapOvr>
+</p:sld>
+</file>
+
+<file path=ppt/slides/slide9.xml><?xml version="1.0" encoding="utf-8"?>
+<p:sld xmlns:a="http://schemas.openxmlformats.org/drawingml/2006/main" xmlns:r="http://schemas.openxmlformats.org/officeDocument/2006/relationships" xmlns:p="http://schemas.openxmlformats.org/presentationml/2006/main">
+  <p:cSld>
+    <p:spTree>
+      <p:nvGrpSpPr>
+        <p:cNvPr id="1" name=""/>
+        <p:cNvGrpSpPr/>
+        <p:nvPr/>
+      </p:nvGrpSpPr>
+      <p:grpSpPr>
+        <a:xfrm>
+          <a:off x="0" y="0"/>
+          <a:ext cx="0" cy="0"/>
+          <a:chOff x="0" y="0"/>
+          <a:chExt cx="0" cy="0"/>
+        </a:xfrm>
+      </p:grpSpPr>
+      <p:sp>
+        <p:nvSpPr>
+          <p:cNvPr id="2" name="Rectangle 1">
+            <a:extLst>
+              <a:ext uri="{FF2B5EF4-FFF2-40B4-BE49-F238E27FC236}">
+                <a16:creationId xmlns:a16="http://schemas.microsoft.com/office/drawing/2014/main" id="{C75E36F6-28E7-8B45-B7CD-93356D7A4001}"/>
+              </a:ext>
+            </a:extLst>
+          </p:cNvPr>
+          <p:cNvSpPr/>
+          <p:nvPr/>
+        </p:nvSpPr>
+        <p:spPr>
+          <a:xfrm>
+            <a:off x="0" y="0"/>
+            <a:ext cx="12192000" cy="513806"/>
+          </a:xfrm>
+          <a:prstGeom prst="rect">
+            <a:avLst/>
+          </a:prstGeom>
+        </p:spPr>
+        <p:style>
+          <a:lnRef idx="2">
+            <a:schemeClr val="accent1">
+              <a:shade val="50000"/>
+            </a:schemeClr>
+          </a:lnRef>
+          <a:fillRef idx="1">
+            <a:schemeClr val="accent1"/>
+          </a:fillRef>
+          <a:effectRef idx="0">
+            <a:schemeClr val="accent1"/>
+          </a:effectRef>
+          <a:fontRef idx="minor">
+            <a:schemeClr val="lt1"/>
+          </a:fontRef>
+        </p:style>
+        <p:txBody>
+          <a:bodyPr rtlCol="0" anchor="ctr"/>
+          <a:lstStyle/>
+          <a:p>
+            <a:pPr algn="ctr"/>
+            <a:r>
+              <a:rPr lang="en-US" dirty="0"/>
+              <a:t>ES 6 Programming Model</a:t>
+            </a:r>
+          </a:p>
+        </p:txBody>
+      </p:sp>
+      <p:sp>
+        <p:nvSpPr>
+          <p:cNvPr id="3" name="TextBox 2">
+            <a:extLst>
+              <a:ext uri="{FF2B5EF4-FFF2-40B4-BE49-F238E27FC236}">
+                <a16:creationId xmlns:a16="http://schemas.microsoft.com/office/drawing/2014/main" id="{EC69CBB8-7CCF-6B45-A3AE-0E05492FDFFE}"/>
+              </a:ext>
+            </a:extLst>
+          </p:cNvPr>
+          <p:cNvSpPr txBox="1"/>
+          <p:nvPr/>
+        </p:nvSpPr>
+        <p:spPr>
+          <a:xfrm>
+            <a:off x="104503" y="653143"/>
+            <a:ext cx="12000411" cy="3693319"/>
+          </a:xfrm>
+          <a:prstGeom prst="rect">
+            <a:avLst/>
+          </a:prstGeom>
+          <a:noFill/>
+        </p:spPr>
+        <p:txBody>
+          <a:bodyPr wrap="square" rtlCol="0">
+            <a:spAutoFit/>
+          </a:bodyPr>
+          <a:lstStyle/>
+          <a:p>
+            <a:pPr marL="342900" indent="-342900">
+              <a:buAutoNum type="arabicPeriod"/>
+            </a:pPr>
+            <a:r>
+              <a:rPr lang="en-US" dirty="0"/>
+              <a:t>Variable scoping</a:t>
+            </a:r>
+          </a:p>
+          <a:p>
+            <a:pPr marL="342900" indent="-342900">
+              <a:buAutoNum type="arabicPeriod"/>
+            </a:pPr>
+            <a:r>
+              <a:rPr lang="en-US" dirty="0"/>
+              <a:t>String Interpolation</a:t>
+            </a:r>
+          </a:p>
+          <a:p>
+            <a:pPr marL="342900" indent="-342900">
+              <a:buAutoNum type="arabicPeriod"/>
+            </a:pPr>
+            <a:r>
+              <a:rPr lang="en-US" dirty="0"/>
+              <a:t>Array Enhancements</a:t>
+            </a:r>
+          </a:p>
+          <a:p>
+            <a:pPr marL="342900" indent="-342900">
+              <a:buAutoNum type="arabicPeriod"/>
+            </a:pPr>
+            <a:r>
+              <a:rPr lang="en-US" dirty="0"/>
+              <a:t>Collections</a:t>
+            </a:r>
+          </a:p>
+          <a:p>
+            <a:pPr marL="342900" indent="-342900">
+              <a:buAutoNum type="arabicPeriod"/>
+            </a:pPr>
+            <a:r>
+              <a:rPr lang="en-US" dirty="0"/>
+              <a:t>Arrow Operators</a:t>
+            </a:r>
+          </a:p>
+          <a:p>
+            <a:pPr marL="342900" indent="-342900">
+              <a:buAutoNum type="arabicPeriod"/>
+            </a:pPr>
+            <a:r>
+              <a:rPr lang="en-US" dirty="0"/>
+              <a:t>Object Oriented Programming</a:t>
+            </a:r>
+          </a:p>
+          <a:p>
+            <a:pPr marL="800100" lvl="1" indent="-342900">
+              <a:buAutoNum type="arabicPeriod"/>
+            </a:pPr>
+            <a:r>
+              <a:rPr lang="en-US" dirty="0"/>
+              <a:t>Class</a:t>
+            </a:r>
+          </a:p>
+          <a:p>
+            <a:pPr marL="800100" lvl="1" indent="-342900">
+              <a:buAutoNum type="arabicPeriod"/>
+            </a:pPr>
+            <a:r>
+              <a:rPr lang="en-US" dirty="0"/>
+              <a:t>Generics (Indirectly provided in High-Level-JavaScript but by syntax available in TypeScript)</a:t>
+            </a:r>
+          </a:p>
+          <a:p>
+            <a:pPr marL="800100" lvl="1" indent="-342900">
+              <a:buAutoNum type="arabicPeriod"/>
+            </a:pPr>
+            <a:r>
+              <a:rPr lang="en-US" dirty="0"/>
+              <a:t>Inheritance</a:t>
+            </a:r>
+          </a:p>
+          <a:p>
+            <a:pPr marL="342900" indent="-342900">
+              <a:buAutoNum type="arabicPeriod"/>
+            </a:pPr>
+            <a:r>
+              <a:rPr lang="en-US" dirty="0"/>
+              <a:t>Rest Parameters</a:t>
+            </a:r>
+          </a:p>
+          <a:p>
+            <a:pPr marL="342900" indent="-342900">
+              <a:buAutoNum type="arabicPeriod"/>
+            </a:pPr>
+            <a:r>
+              <a:rPr lang="en-US" dirty="0"/>
+              <a:t>Promises</a:t>
+            </a:r>
+          </a:p>
+          <a:p>
+            <a:pPr marL="342900" indent="-342900">
+              <a:buAutoNum type="arabicPeriod"/>
+            </a:pPr>
+            <a:r>
+              <a:rPr lang="en-US" dirty="0"/>
+              <a:t>Modules </a:t>
+            </a:r>
+          </a:p>
+          <a:p>
+            <a:pPr marL="342900" indent="-342900">
+              <a:buAutoNum type="arabicPeriod"/>
+            </a:pPr>
+            <a:endParaRPr lang="en-US" dirty="0"/>
+          </a:p>
+        </p:txBody>
+      </p:sp>
+      <p:sp>
+        <p:nvSpPr>
+          <p:cNvPr id="4" name="Right Brace 3">
+            <a:extLst>
+              <a:ext uri="{FF2B5EF4-FFF2-40B4-BE49-F238E27FC236}">
+                <a16:creationId xmlns:a16="http://schemas.microsoft.com/office/drawing/2014/main" id="{A372AC53-F4ED-8843-8718-28112786A8E8}"/>
+              </a:ext>
+            </a:extLst>
+          </p:cNvPr>
+          <p:cNvSpPr/>
+          <p:nvPr/>
+        </p:nvSpPr>
+        <p:spPr>
+          <a:xfrm>
+            <a:off x="9379131" y="757646"/>
+            <a:ext cx="583475" cy="3204754"/>
+          </a:xfrm>
+          <a:prstGeom prst="rightBrace">
+            <a:avLst/>
+          </a:prstGeom>
+          <a:ln w="76200"/>
+        </p:spPr>
+        <p:style>
+          <a:lnRef idx="1">
+            <a:schemeClr val="accent1"/>
+          </a:lnRef>
+          <a:fillRef idx="0">
+            <a:schemeClr val="accent1"/>
+          </a:fillRef>
+          <a:effectRef idx="0">
+            <a:schemeClr val="accent1"/>
+          </a:effectRef>
+          <a:fontRef idx="minor">
+            <a:schemeClr val="tx1"/>
+          </a:fontRef>
+        </p:style>
+        <p:txBody>
+          <a:bodyPr rtlCol="0" anchor="ctr"/>
+          <a:lstStyle/>
+          <a:p>
+            <a:pPr algn="ctr"/>
+            <a:endParaRPr lang="en-US"/>
+          </a:p>
+        </p:txBody>
+      </p:sp>
+      <p:sp>
+        <p:nvSpPr>
+          <p:cNvPr id="5" name="TextBox 4">
+            <a:extLst>
+              <a:ext uri="{FF2B5EF4-FFF2-40B4-BE49-F238E27FC236}">
+                <a16:creationId xmlns:a16="http://schemas.microsoft.com/office/drawing/2014/main" id="{7E14F451-A336-DE49-96E0-8E2DB676B395}"/>
+              </a:ext>
+            </a:extLst>
+          </p:cNvPr>
+          <p:cNvSpPr txBox="1"/>
+          <p:nvPr/>
+        </p:nvSpPr>
+        <p:spPr>
+          <a:xfrm>
+            <a:off x="10049691" y="1924594"/>
+            <a:ext cx="1933303" cy="646331"/>
+          </a:xfrm>
+          <a:prstGeom prst="rect">
+            <a:avLst/>
+          </a:prstGeom>
+          <a:noFill/>
+        </p:spPr>
+        <p:txBody>
+          <a:bodyPr wrap="square" rtlCol="0">
+            <a:spAutoFit/>
+          </a:bodyPr>
+          <a:lstStyle/>
+          <a:p>
+            <a:r>
+              <a:rPr lang="en-US" dirty="0"/>
+              <a:t>Transpilation using</a:t>
+            </a:r>
+          </a:p>
+          <a:p>
+            <a:r>
+              <a:rPr lang="en-US" dirty="0"/>
+              <a:t>Transpiler</a:t>
+            </a:r>
+          </a:p>
+        </p:txBody>
+      </p:sp>
+      <p:sp>
+        <p:nvSpPr>
+          <p:cNvPr id="6" name="TextBox 5">
+            <a:extLst>
+              <a:ext uri="{FF2B5EF4-FFF2-40B4-BE49-F238E27FC236}">
+                <a16:creationId xmlns:a16="http://schemas.microsoft.com/office/drawing/2014/main" id="{2DCD5C71-6615-EE45-9814-C97D43E79BF8}"/>
+              </a:ext>
+            </a:extLst>
+          </p:cNvPr>
+          <p:cNvSpPr txBox="1"/>
+          <p:nvPr/>
+        </p:nvSpPr>
+        <p:spPr>
+          <a:xfrm>
+            <a:off x="2255520" y="4981302"/>
+            <a:ext cx="7254240" cy="369332"/>
+          </a:xfrm>
+          <a:prstGeom prst="rect">
+            <a:avLst/>
+          </a:prstGeom>
+          <a:solidFill>
+            <a:srgbClr val="FFFF00"/>
+          </a:solidFill>
+        </p:spPr>
+        <p:txBody>
+          <a:bodyPr wrap="square" rtlCol="0">
+            <a:spAutoFit/>
+          </a:bodyPr>
+          <a:lstStyle/>
+          <a:p>
+            <a:r>
+              <a:rPr lang="en-US" dirty="0"/>
+              <a:t>ES 6 / ES 7 / </a:t>
+            </a:r>
+            <a:r>
+              <a:rPr lang="en-US" dirty="0" err="1"/>
+              <a:t>ESNext</a:t>
+            </a:r>
+            <a:r>
+              <a:rPr lang="en-US" dirty="0"/>
+              <a:t> </a:t>
+            </a:r>
+            <a:r>
+              <a:rPr lang="en-US" dirty="0">
+                <a:sym typeface="Wingdings" pitchFamily="2" charset="2"/>
+              </a:rPr>
+              <a:t> Transpiler  Browser Compatible ES 3 /ES 5 Code</a:t>
+            </a:r>
+            <a:endParaRPr lang="en-US" dirty="0"/>
+          </a:p>
+        </p:txBody>
+      </p:sp>
+    </p:spTree>
+    <p:extLst>
+      <p:ext uri="{BB962C8B-B14F-4D97-AF65-F5344CB8AC3E}">
+        <p14:creationId xmlns:p14="http://schemas.microsoft.com/office/powerpoint/2010/main" val="2441956849"/>
       </p:ext>
     </p:extLst>
   </p:cSld>

--- a/Training_Notes_PPTs.pptx
+++ b/Training_Notes_PPTs.pptx
@@ -14,6 +14,8 @@
     <p:sldId id="262" r:id="rId8"/>
     <p:sldId id="263" r:id="rId9"/>
     <p:sldId id="264" r:id="rId10"/>
+    <p:sldId id="265" r:id="rId11"/>
+    <p:sldId id="266" r:id="rId12"/>
   </p:sldIdLst>
   <p:sldSz cx="12192000" cy="6858000"/>
   <p:notesSz cx="6858000" cy="9144000"/>
@@ -259,7 +261,7 @@
           <a:p>
             <a:fld id="{587FB2BA-09D0-1840-B49D-E4BDDD8ED284}" type="datetimeFigureOut">
               <a:rPr lang="en-US" smtClean="0"/>
-              <a:t>1/6/21</a:t>
+              <a:t>1/7/21</a:t>
             </a:fld>
             <a:endParaRPr lang="en-US"/>
           </a:p>
@@ -470,7 +472,7 @@
           <a:p>
             <a:fld id="{587FB2BA-09D0-1840-B49D-E4BDDD8ED284}" type="datetimeFigureOut">
               <a:rPr lang="en-US" smtClean="0"/>
-              <a:t>1/6/21</a:t>
+              <a:t>1/7/21</a:t>
             </a:fld>
             <a:endParaRPr lang="en-US"/>
           </a:p>
@@ -685,7 +687,7 @@
           <a:p>
             <a:fld id="{587FB2BA-09D0-1840-B49D-E4BDDD8ED284}" type="datetimeFigureOut">
               <a:rPr lang="en-US" smtClean="0"/>
-              <a:t>1/6/21</a:t>
+              <a:t>1/7/21</a:t>
             </a:fld>
             <a:endParaRPr lang="en-US"/>
           </a:p>
@@ -886,7 +888,7 @@
           <a:p>
             <a:fld id="{587FB2BA-09D0-1840-B49D-E4BDDD8ED284}" type="datetimeFigureOut">
               <a:rPr lang="en-US" smtClean="0"/>
-              <a:t>1/6/21</a:t>
+              <a:t>1/7/21</a:t>
             </a:fld>
             <a:endParaRPr lang="en-US"/>
           </a:p>
@@ -1165,7 +1167,7 @@
           <a:p>
             <a:fld id="{587FB2BA-09D0-1840-B49D-E4BDDD8ED284}" type="datetimeFigureOut">
               <a:rPr lang="en-US" smtClean="0"/>
-              <a:t>1/6/21</a:t>
+              <a:t>1/7/21</a:t>
             </a:fld>
             <a:endParaRPr lang="en-US"/>
           </a:p>
@@ -1433,7 +1435,7 @@
           <a:p>
             <a:fld id="{587FB2BA-09D0-1840-B49D-E4BDDD8ED284}" type="datetimeFigureOut">
               <a:rPr lang="en-US" smtClean="0"/>
-              <a:t>1/6/21</a:t>
+              <a:t>1/7/21</a:t>
             </a:fld>
             <a:endParaRPr lang="en-US"/>
           </a:p>
@@ -1849,7 +1851,7 @@
           <a:p>
             <a:fld id="{587FB2BA-09D0-1840-B49D-E4BDDD8ED284}" type="datetimeFigureOut">
               <a:rPr lang="en-US" smtClean="0"/>
-              <a:t>1/6/21</a:t>
+              <a:t>1/7/21</a:t>
             </a:fld>
             <a:endParaRPr lang="en-US"/>
           </a:p>
@@ -1998,7 +2000,7 @@
           <a:p>
             <a:fld id="{587FB2BA-09D0-1840-B49D-E4BDDD8ED284}" type="datetimeFigureOut">
               <a:rPr lang="en-US" smtClean="0"/>
-              <a:t>1/6/21</a:t>
+              <a:t>1/7/21</a:t>
             </a:fld>
             <a:endParaRPr lang="en-US"/>
           </a:p>
@@ -2124,7 +2126,7 @@
           <a:p>
             <a:fld id="{587FB2BA-09D0-1840-B49D-E4BDDD8ED284}" type="datetimeFigureOut">
               <a:rPr lang="en-US" smtClean="0"/>
-              <a:t>1/6/21</a:t>
+              <a:t>1/7/21</a:t>
             </a:fld>
             <a:endParaRPr lang="en-US"/>
           </a:p>
@@ -2375,7 +2377,7 @@
           <a:p>
             <a:fld id="{587FB2BA-09D0-1840-B49D-E4BDDD8ED284}" type="datetimeFigureOut">
               <a:rPr lang="en-US" smtClean="0"/>
-              <a:t>1/6/21</a:t>
+              <a:t>1/7/21</a:t>
             </a:fld>
             <a:endParaRPr lang="en-US"/>
           </a:p>
@@ -2820,7 +2822,7 @@
           <a:p>
             <a:fld id="{587FB2BA-09D0-1840-B49D-E4BDDD8ED284}" type="datetimeFigureOut">
               <a:rPr lang="en-US" smtClean="0"/>
-              <a:t>1/6/21</a:t>
+              <a:t>1/7/21</a:t>
             </a:fld>
             <a:endParaRPr lang="en-US"/>
           </a:p>
@@ -3147,7 +3149,7 @@
           <a:p>
             <a:fld id="{587FB2BA-09D0-1840-B49D-E4BDDD8ED284}" type="datetimeFigureOut">
               <a:rPr lang="en-US" smtClean="0"/>
-              <a:t>1/6/21</a:t>
+              <a:t>1/7/21</a:t>
             </a:fld>
             <a:endParaRPr lang="en-US"/>
           </a:p>
@@ -3699,6 +3701,1038 @@
 </p:sld>
 </file>
 
+<file path=ppt/slides/slide10.xml><?xml version="1.0" encoding="utf-8"?>
+<p:sld xmlns:a="http://schemas.openxmlformats.org/drawingml/2006/main" xmlns:r="http://schemas.openxmlformats.org/officeDocument/2006/relationships" xmlns:p="http://schemas.openxmlformats.org/presentationml/2006/main">
+  <p:cSld>
+    <p:spTree>
+      <p:nvGrpSpPr>
+        <p:cNvPr id="1" name=""/>
+        <p:cNvGrpSpPr/>
+        <p:nvPr/>
+      </p:nvGrpSpPr>
+      <p:grpSpPr>
+        <a:xfrm>
+          <a:off x="0" y="0"/>
+          <a:ext cx="0" cy="0"/>
+          <a:chOff x="0" y="0"/>
+          <a:chExt cx="0" cy="0"/>
+        </a:xfrm>
+      </p:grpSpPr>
+      <p:sp>
+        <p:nvSpPr>
+          <p:cNvPr id="2" name="Rounded Rectangle 1">
+            <a:extLst>
+              <a:ext uri="{FF2B5EF4-FFF2-40B4-BE49-F238E27FC236}">
+                <a16:creationId xmlns:a16="http://schemas.microsoft.com/office/drawing/2014/main" id="{09639111-B0BB-C746-BE28-ED1DCD5B5C18}"/>
+              </a:ext>
+            </a:extLst>
+          </p:cNvPr>
+          <p:cNvSpPr/>
+          <p:nvPr/>
+        </p:nvSpPr>
+        <p:spPr>
+          <a:xfrm>
+            <a:off x="966651" y="862149"/>
+            <a:ext cx="2751909" cy="3378925"/>
+          </a:xfrm>
+          <a:prstGeom prst="roundRect">
+            <a:avLst/>
+          </a:prstGeom>
+        </p:spPr>
+        <p:style>
+          <a:lnRef idx="2">
+            <a:schemeClr val="accent1">
+              <a:shade val="50000"/>
+            </a:schemeClr>
+          </a:lnRef>
+          <a:fillRef idx="1">
+            <a:schemeClr val="accent1"/>
+          </a:fillRef>
+          <a:effectRef idx="0">
+            <a:schemeClr val="accent1"/>
+          </a:effectRef>
+          <a:fontRef idx="minor">
+            <a:schemeClr val="lt1"/>
+          </a:fontRef>
+        </p:style>
+        <p:txBody>
+          <a:bodyPr rtlCol="0" anchor="ctr"/>
+          <a:lstStyle/>
+          <a:p>
+            <a:pPr algn="ctr"/>
+            <a:r>
+              <a:rPr lang="en-US" dirty="0"/>
+              <a:t>Class</a:t>
+            </a:r>
+          </a:p>
+          <a:p>
+            <a:pPr algn="ctr"/>
+            <a:r>
+              <a:rPr lang="en-US" dirty="0"/>
+              <a:t>+data1</a:t>
+            </a:r>
+          </a:p>
+          <a:p>
+            <a:pPr algn="ctr"/>
+            <a:r>
+              <a:rPr lang="en-US" dirty="0"/>
+              <a:t>+data2</a:t>
+            </a:r>
+          </a:p>
+          <a:p>
+            <a:pPr algn="ctr"/>
+            <a:r>
+              <a:rPr lang="en-US" dirty="0"/>
+              <a:t>-data3</a:t>
+            </a:r>
+          </a:p>
+          <a:p>
+            <a:pPr algn="ctr"/>
+            <a:r>
+              <a:rPr lang="en-US" dirty="0"/>
+              <a:t>-data4</a:t>
+            </a:r>
+          </a:p>
+          <a:p>
+            <a:pPr algn="ctr"/>
+            <a:r>
+              <a:rPr lang="en-US" dirty="0"/>
+              <a:t>+fn1()</a:t>
+            </a:r>
+          </a:p>
+          <a:p>
+            <a:pPr algn="ctr"/>
+            <a:r>
+              <a:rPr lang="en-US" dirty="0"/>
+              <a:t>+fn2()</a:t>
+            </a:r>
+          </a:p>
+          <a:p>
+            <a:pPr algn="ctr"/>
+            <a:r>
+              <a:rPr lang="en-US" dirty="0"/>
+              <a:t>-fn3()</a:t>
+            </a:r>
+          </a:p>
+        </p:txBody>
+      </p:sp>
+      <p:sp>
+        <p:nvSpPr>
+          <p:cNvPr id="3" name="Right Brace 2">
+            <a:extLst>
+              <a:ext uri="{FF2B5EF4-FFF2-40B4-BE49-F238E27FC236}">
+                <a16:creationId xmlns:a16="http://schemas.microsoft.com/office/drawing/2014/main" id="{8EA53418-2BC1-A044-8C9B-F046FAE0E171}"/>
+              </a:ext>
+            </a:extLst>
+          </p:cNvPr>
+          <p:cNvSpPr/>
+          <p:nvPr/>
+        </p:nvSpPr>
+        <p:spPr>
+          <a:xfrm>
+            <a:off x="4267200" y="1071154"/>
+            <a:ext cx="1036320" cy="3108960"/>
+          </a:xfrm>
+          <a:prstGeom prst="rightBrace">
+            <a:avLst/>
+          </a:prstGeom>
+        </p:spPr>
+        <p:style>
+          <a:lnRef idx="1">
+            <a:schemeClr val="accent1"/>
+          </a:lnRef>
+          <a:fillRef idx="0">
+            <a:schemeClr val="accent1"/>
+          </a:fillRef>
+          <a:effectRef idx="0">
+            <a:schemeClr val="accent1"/>
+          </a:effectRef>
+          <a:fontRef idx="minor">
+            <a:schemeClr val="tx1"/>
+          </a:fontRef>
+        </p:style>
+        <p:txBody>
+          <a:bodyPr rtlCol="0" anchor="ctr"/>
+          <a:lstStyle/>
+          <a:p>
+            <a:pPr algn="ctr"/>
+            <a:endParaRPr lang="en-US"/>
+          </a:p>
+        </p:txBody>
+      </p:sp>
+      <p:sp>
+        <p:nvSpPr>
+          <p:cNvPr id="4" name="Right Arrow 3">
+            <a:extLst>
+              <a:ext uri="{FF2B5EF4-FFF2-40B4-BE49-F238E27FC236}">
+                <a16:creationId xmlns:a16="http://schemas.microsoft.com/office/drawing/2014/main" id="{040A2030-BDF0-4B47-BC11-34DBABAF3F0C}"/>
+              </a:ext>
+            </a:extLst>
+          </p:cNvPr>
+          <p:cNvSpPr/>
+          <p:nvPr/>
+        </p:nvSpPr>
+        <p:spPr>
+          <a:xfrm>
+            <a:off x="5442857" y="2464526"/>
+            <a:ext cx="1550126" cy="357051"/>
+          </a:xfrm>
+          <a:prstGeom prst="rightArrow">
+            <a:avLst/>
+          </a:prstGeom>
+        </p:spPr>
+        <p:style>
+          <a:lnRef idx="2">
+            <a:schemeClr val="accent1">
+              <a:shade val="50000"/>
+            </a:schemeClr>
+          </a:lnRef>
+          <a:fillRef idx="1">
+            <a:schemeClr val="accent1"/>
+          </a:fillRef>
+          <a:effectRef idx="0">
+            <a:schemeClr val="accent1"/>
+          </a:effectRef>
+          <a:fontRef idx="minor">
+            <a:schemeClr val="lt1"/>
+          </a:fontRef>
+        </p:style>
+        <p:txBody>
+          <a:bodyPr rtlCol="0" anchor="ctr"/>
+          <a:lstStyle/>
+          <a:p>
+            <a:pPr algn="ctr"/>
+            <a:endParaRPr lang="en-US"/>
+          </a:p>
+        </p:txBody>
+      </p:sp>
+      <p:sp>
+        <p:nvSpPr>
+          <p:cNvPr id="5" name="TextBox 4">
+            <a:extLst>
+              <a:ext uri="{FF2B5EF4-FFF2-40B4-BE49-F238E27FC236}">
+                <a16:creationId xmlns:a16="http://schemas.microsoft.com/office/drawing/2014/main" id="{18595C2C-3F11-C340-A75C-0C92D3EFCEF4}"/>
+              </a:ext>
+            </a:extLst>
+          </p:cNvPr>
+          <p:cNvSpPr txBox="1"/>
+          <p:nvPr/>
+        </p:nvSpPr>
+        <p:spPr>
+          <a:xfrm>
+            <a:off x="7132320" y="2133600"/>
+            <a:ext cx="4249783" cy="369332"/>
+          </a:xfrm>
+          <a:prstGeom prst="rect">
+            <a:avLst/>
+          </a:prstGeom>
+          <a:noFill/>
+        </p:spPr>
+        <p:txBody>
+          <a:bodyPr wrap="square" rtlCol="0">
+            <a:spAutoFit/>
+          </a:bodyPr>
+          <a:lstStyle/>
+          <a:p>
+            <a:r>
+              <a:rPr lang="en-US" dirty="0"/>
+              <a:t>Class1 obj =new Class1();</a:t>
+            </a:r>
+          </a:p>
+        </p:txBody>
+      </p:sp>
+      <p:sp>
+        <p:nvSpPr>
+          <p:cNvPr id="6" name="Rectangle 5">
+            <a:extLst>
+              <a:ext uri="{FF2B5EF4-FFF2-40B4-BE49-F238E27FC236}">
+                <a16:creationId xmlns:a16="http://schemas.microsoft.com/office/drawing/2014/main" id="{D9B8B294-ED5E-A149-8257-8B09B19D7A96}"/>
+              </a:ext>
+            </a:extLst>
+          </p:cNvPr>
+          <p:cNvSpPr/>
+          <p:nvPr/>
+        </p:nvSpPr>
+        <p:spPr>
+          <a:xfrm>
+            <a:off x="8116389" y="3300549"/>
+            <a:ext cx="1158240" cy="722811"/>
+          </a:xfrm>
+          <a:prstGeom prst="rect">
+            <a:avLst/>
+          </a:prstGeom>
+        </p:spPr>
+        <p:style>
+          <a:lnRef idx="2">
+            <a:schemeClr val="accent1">
+              <a:shade val="50000"/>
+            </a:schemeClr>
+          </a:lnRef>
+          <a:fillRef idx="1">
+            <a:schemeClr val="accent1"/>
+          </a:fillRef>
+          <a:effectRef idx="0">
+            <a:schemeClr val="accent1"/>
+          </a:effectRef>
+          <a:fontRef idx="minor">
+            <a:schemeClr val="lt1"/>
+          </a:fontRef>
+        </p:style>
+        <p:txBody>
+          <a:bodyPr rtlCol="0" anchor="ctr"/>
+          <a:lstStyle/>
+          <a:p>
+            <a:pPr algn="ctr"/>
+            <a:r>
+              <a:rPr lang="en-US" dirty="0"/>
+              <a:t>C1</a:t>
+            </a:r>
+          </a:p>
+        </p:txBody>
+      </p:sp>
+      <p:cxnSp>
+        <p:nvCxnSpPr>
+          <p:cNvPr id="8" name="Straight Arrow Connector 7">
+            <a:extLst>
+              <a:ext uri="{FF2B5EF4-FFF2-40B4-BE49-F238E27FC236}">
+                <a16:creationId xmlns:a16="http://schemas.microsoft.com/office/drawing/2014/main" id="{095B14EC-76D8-834D-9B0C-E3F06670C8F0}"/>
+              </a:ext>
+            </a:extLst>
+          </p:cNvPr>
+          <p:cNvCxnSpPr/>
+          <p:nvPr/>
+        </p:nvCxnSpPr>
+        <p:spPr>
+          <a:xfrm>
+            <a:off x="5303520" y="2629989"/>
+            <a:ext cx="2708366" cy="1071154"/>
+          </a:xfrm>
+          <a:prstGeom prst="straightConnector1">
+            <a:avLst/>
+          </a:prstGeom>
+          <a:ln>
+            <a:tailEnd type="triangle"/>
+          </a:ln>
+        </p:spPr>
+        <p:style>
+          <a:lnRef idx="1">
+            <a:schemeClr val="accent1"/>
+          </a:lnRef>
+          <a:fillRef idx="0">
+            <a:schemeClr val="accent1"/>
+          </a:fillRef>
+          <a:effectRef idx="0">
+            <a:schemeClr val="accent1"/>
+          </a:effectRef>
+          <a:fontRef idx="minor">
+            <a:schemeClr val="tx1"/>
+          </a:fontRef>
+        </p:style>
+      </p:cxnSp>
+      <p:sp>
+        <p:nvSpPr>
+          <p:cNvPr id="9" name="Rectangle 8">
+            <a:extLst>
+              <a:ext uri="{FF2B5EF4-FFF2-40B4-BE49-F238E27FC236}">
+                <a16:creationId xmlns:a16="http://schemas.microsoft.com/office/drawing/2014/main" id="{1952416F-400C-3E45-90CF-99BABE1BD51A}"/>
+              </a:ext>
+            </a:extLst>
+          </p:cNvPr>
+          <p:cNvSpPr/>
+          <p:nvPr/>
+        </p:nvSpPr>
+        <p:spPr>
+          <a:xfrm>
+            <a:off x="8116389" y="4254920"/>
+            <a:ext cx="1158240" cy="722811"/>
+          </a:xfrm>
+          <a:prstGeom prst="rect">
+            <a:avLst/>
+          </a:prstGeom>
+        </p:spPr>
+        <p:style>
+          <a:lnRef idx="2">
+            <a:schemeClr val="accent1">
+              <a:shade val="50000"/>
+            </a:schemeClr>
+          </a:lnRef>
+          <a:fillRef idx="1">
+            <a:schemeClr val="accent1"/>
+          </a:fillRef>
+          <a:effectRef idx="0">
+            <a:schemeClr val="accent1"/>
+          </a:effectRef>
+          <a:fontRef idx="minor">
+            <a:schemeClr val="lt1"/>
+          </a:fontRef>
+        </p:style>
+        <p:txBody>
+          <a:bodyPr rtlCol="0" anchor="ctr"/>
+          <a:lstStyle/>
+          <a:p>
+            <a:pPr algn="ctr"/>
+            <a:r>
+              <a:rPr lang="en-US" dirty="0"/>
+              <a:t>C2</a:t>
+            </a:r>
+          </a:p>
+        </p:txBody>
+      </p:sp>
+      <p:cxnSp>
+        <p:nvCxnSpPr>
+          <p:cNvPr id="10" name="Straight Arrow Connector 9">
+            <a:extLst>
+              <a:ext uri="{FF2B5EF4-FFF2-40B4-BE49-F238E27FC236}">
+                <a16:creationId xmlns:a16="http://schemas.microsoft.com/office/drawing/2014/main" id="{311D568C-5ABE-D543-A52D-8749FA6EF27A}"/>
+              </a:ext>
+            </a:extLst>
+          </p:cNvPr>
+          <p:cNvCxnSpPr/>
+          <p:nvPr/>
+        </p:nvCxnSpPr>
+        <p:spPr>
+          <a:xfrm>
+            <a:off x="5303520" y="3584360"/>
+            <a:ext cx="2708366" cy="1071154"/>
+          </a:xfrm>
+          <a:prstGeom prst="straightConnector1">
+            <a:avLst/>
+          </a:prstGeom>
+          <a:ln>
+            <a:tailEnd type="triangle"/>
+          </a:ln>
+        </p:spPr>
+        <p:style>
+          <a:lnRef idx="1">
+            <a:schemeClr val="accent1"/>
+          </a:lnRef>
+          <a:fillRef idx="0">
+            <a:schemeClr val="accent1"/>
+          </a:fillRef>
+          <a:effectRef idx="0">
+            <a:schemeClr val="accent1"/>
+          </a:effectRef>
+          <a:fontRef idx="minor">
+            <a:schemeClr val="tx1"/>
+          </a:fontRef>
+        </p:style>
+      </p:cxnSp>
+      <p:sp>
+        <p:nvSpPr>
+          <p:cNvPr id="11" name="TextBox 10">
+            <a:extLst>
+              <a:ext uri="{FF2B5EF4-FFF2-40B4-BE49-F238E27FC236}">
+                <a16:creationId xmlns:a16="http://schemas.microsoft.com/office/drawing/2014/main" id="{FA300D6D-EE15-8E4B-9335-D3D9FFE002AE}"/>
+              </a:ext>
+            </a:extLst>
+          </p:cNvPr>
+          <p:cNvSpPr txBox="1"/>
+          <p:nvPr/>
+        </p:nvSpPr>
+        <p:spPr>
+          <a:xfrm>
+            <a:off x="252549" y="4737463"/>
+            <a:ext cx="4589417" cy="369332"/>
+          </a:xfrm>
+          <a:prstGeom prst="rect">
+            <a:avLst/>
+          </a:prstGeom>
+          <a:noFill/>
+        </p:spPr>
+        <p:txBody>
+          <a:bodyPr wrap="square" rtlCol="0">
+            <a:spAutoFit/>
+          </a:bodyPr>
+          <a:lstStyle/>
+          <a:p>
+            <a:r>
+              <a:rPr lang="en-US" dirty="0"/>
+              <a:t>Private (default), public, protected</a:t>
+            </a:r>
+          </a:p>
+        </p:txBody>
+      </p:sp>
+      <p:sp>
+        <p:nvSpPr>
+          <p:cNvPr id="12" name="TextBox 11">
+            <a:extLst>
+              <a:ext uri="{FF2B5EF4-FFF2-40B4-BE49-F238E27FC236}">
+                <a16:creationId xmlns:a16="http://schemas.microsoft.com/office/drawing/2014/main" id="{5CD77889-71DC-474B-98CA-35F739F89607}"/>
+              </a:ext>
+            </a:extLst>
+          </p:cNvPr>
+          <p:cNvSpPr txBox="1"/>
+          <p:nvPr/>
+        </p:nvSpPr>
+        <p:spPr>
+          <a:xfrm>
+            <a:off x="165463" y="5212863"/>
+            <a:ext cx="5451566" cy="923330"/>
+          </a:xfrm>
+          <a:prstGeom prst="rect">
+            <a:avLst/>
+          </a:prstGeom>
+          <a:noFill/>
+        </p:spPr>
+        <p:txBody>
+          <a:bodyPr wrap="square" rtlCol="0">
+            <a:spAutoFit/>
+          </a:bodyPr>
+          <a:lstStyle/>
+          <a:p>
+            <a:r>
+              <a:rPr lang="en-US" dirty="0"/>
+              <a:t>C++, JAVA, C# compilers, uses parser tokens for Keywords and then define scope of class members declaration </a:t>
+            </a:r>
+          </a:p>
+        </p:txBody>
+      </p:sp>
+    </p:spTree>
+    <p:extLst>
+      <p:ext uri="{BB962C8B-B14F-4D97-AF65-F5344CB8AC3E}">
+        <p14:creationId xmlns:p14="http://schemas.microsoft.com/office/powerpoint/2010/main" val="1113235941"/>
+      </p:ext>
+    </p:extLst>
+  </p:cSld>
+  <p:clrMapOvr>
+    <a:masterClrMapping/>
+  </p:clrMapOvr>
+</p:sld>
+</file>
+
+<file path=ppt/slides/slide11.xml><?xml version="1.0" encoding="utf-8"?>
+<p:sld xmlns:a="http://schemas.openxmlformats.org/drawingml/2006/main" xmlns:r="http://schemas.openxmlformats.org/officeDocument/2006/relationships" xmlns:p="http://schemas.openxmlformats.org/presentationml/2006/main">
+  <p:cSld>
+    <p:spTree>
+      <p:nvGrpSpPr>
+        <p:cNvPr id="1" name=""/>
+        <p:cNvGrpSpPr/>
+        <p:nvPr/>
+      </p:nvGrpSpPr>
+      <p:grpSpPr>
+        <a:xfrm>
+          <a:off x="0" y="0"/>
+          <a:ext cx="0" cy="0"/>
+          <a:chOff x="0" y="0"/>
+          <a:chExt cx="0" cy="0"/>
+        </a:xfrm>
+      </p:grpSpPr>
+      <p:sp>
+        <p:nvSpPr>
+          <p:cNvPr id="2" name="Rounded Rectangle 1">
+            <a:extLst>
+              <a:ext uri="{FF2B5EF4-FFF2-40B4-BE49-F238E27FC236}">
+                <a16:creationId xmlns:a16="http://schemas.microsoft.com/office/drawing/2014/main" id="{1A9AEA11-789F-0344-B1B4-93D191428B7D}"/>
+              </a:ext>
+            </a:extLst>
+          </p:cNvPr>
+          <p:cNvSpPr/>
+          <p:nvPr/>
+        </p:nvSpPr>
+        <p:spPr>
+          <a:xfrm>
+            <a:off x="4336869" y="217714"/>
+            <a:ext cx="3161211" cy="1419497"/>
+          </a:xfrm>
+          <a:prstGeom prst="roundRect">
+            <a:avLst/>
+          </a:prstGeom>
+        </p:spPr>
+        <p:style>
+          <a:lnRef idx="2">
+            <a:schemeClr val="accent1">
+              <a:shade val="50000"/>
+            </a:schemeClr>
+          </a:lnRef>
+          <a:fillRef idx="1">
+            <a:schemeClr val="accent1"/>
+          </a:fillRef>
+          <a:effectRef idx="0">
+            <a:schemeClr val="accent1"/>
+          </a:effectRef>
+          <a:fontRef idx="minor">
+            <a:schemeClr val="lt1"/>
+          </a:fontRef>
+        </p:style>
+        <p:txBody>
+          <a:bodyPr rtlCol="0" anchor="ctr"/>
+          <a:lstStyle/>
+          <a:p>
+            <a:pPr algn="ctr"/>
+            <a:r>
+              <a:rPr lang="en-US" dirty="0"/>
+              <a:t>ES 6 Code</a:t>
+            </a:r>
+          </a:p>
+        </p:txBody>
+      </p:sp>
+      <p:sp>
+        <p:nvSpPr>
+          <p:cNvPr id="3" name="Down Arrow 2">
+            <a:extLst>
+              <a:ext uri="{FF2B5EF4-FFF2-40B4-BE49-F238E27FC236}">
+                <a16:creationId xmlns:a16="http://schemas.microsoft.com/office/drawing/2014/main" id="{C8BFF857-2A65-F14C-BF8F-5A9598A248BA}"/>
+              </a:ext>
+            </a:extLst>
+          </p:cNvPr>
+          <p:cNvSpPr/>
+          <p:nvPr/>
+        </p:nvSpPr>
+        <p:spPr>
+          <a:xfrm>
+            <a:off x="5817326" y="1637211"/>
+            <a:ext cx="278674" cy="1471749"/>
+          </a:xfrm>
+          <a:prstGeom prst="downArrow">
+            <a:avLst/>
+          </a:prstGeom>
+        </p:spPr>
+        <p:style>
+          <a:lnRef idx="2">
+            <a:schemeClr val="accent1">
+              <a:shade val="50000"/>
+            </a:schemeClr>
+          </a:lnRef>
+          <a:fillRef idx="1">
+            <a:schemeClr val="accent1"/>
+          </a:fillRef>
+          <a:effectRef idx="0">
+            <a:schemeClr val="accent1"/>
+          </a:effectRef>
+          <a:fontRef idx="minor">
+            <a:schemeClr val="lt1"/>
+          </a:fontRef>
+        </p:style>
+        <p:txBody>
+          <a:bodyPr rtlCol="0" anchor="ctr"/>
+          <a:lstStyle/>
+          <a:p>
+            <a:pPr algn="ctr"/>
+            <a:endParaRPr lang="en-US"/>
+          </a:p>
+        </p:txBody>
+      </p:sp>
+      <p:sp>
+        <p:nvSpPr>
+          <p:cNvPr id="4" name="TextBox 3">
+            <a:extLst>
+              <a:ext uri="{FF2B5EF4-FFF2-40B4-BE49-F238E27FC236}">
+                <a16:creationId xmlns:a16="http://schemas.microsoft.com/office/drawing/2014/main" id="{A98AE81D-57AD-2E47-8A34-F908916A685E}"/>
+              </a:ext>
+            </a:extLst>
+          </p:cNvPr>
+          <p:cNvSpPr txBox="1"/>
+          <p:nvPr/>
+        </p:nvSpPr>
+        <p:spPr>
+          <a:xfrm>
+            <a:off x="4336869" y="3117669"/>
+            <a:ext cx="3675017" cy="369332"/>
+          </a:xfrm>
+          <a:prstGeom prst="rect">
+            <a:avLst/>
+          </a:prstGeom>
+          <a:noFill/>
+        </p:spPr>
+        <p:txBody>
+          <a:bodyPr wrap="square" rtlCol="0">
+            <a:spAutoFit/>
+          </a:bodyPr>
+          <a:lstStyle/>
+          <a:p>
+            <a:pPr algn="ctr"/>
+            <a:r>
+              <a:rPr lang="en-US" dirty="0"/>
+              <a:t>ES 6 Transpiler Babel</a:t>
+            </a:r>
+          </a:p>
+        </p:txBody>
+      </p:sp>
+      <p:sp>
+        <p:nvSpPr>
+          <p:cNvPr id="5" name="Rounded Rectangle 4">
+            <a:extLst>
+              <a:ext uri="{FF2B5EF4-FFF2-40B4-BE49-F238E27FC236}">
+                <a16:creationId xmlns:a16="http://schemas.microsoft.com/office/drawing/2014/main" id="{E21E7884-AE60-4B4D-86A6-41E3ED5FE6C9}"/>
+              </a:ext>
+            </a:extLst>
+          </p:cNvPr>
+          <p:cNvSpPr/>
+          <p:nvPr/>
+        </p:nvSpPr>
+        <p:spPr>
+          <a:xfrm>
+            <a:off x="4376057" y="4511040"/>
+            <a:ext cx="3161211" cy="1419497"/>
+          </a:xfrm>
+          <a:prstGeom prst="roundRect">
+            <a:avLst/>
+          </a:prstGeom>
+        </p:spPr>
+        <p:style>
+          <a:lnRef idx="2">
+            <a:schemeClr val="accent1">
+              <a:shade val="50000"/>
+            </a:schemeClr>
+          </a:lnRef>
+          <a:fillRef idx="1">
+            <a:schemeClr val="accent1"/>
+          </a:fillRef>
+          <a:effectRef idx="0">
+            <a:schemeClr val="accent1"/>
+          </a:effectRef>
+          <a:fontRef idx="minor">
+            <a:schemeClr val="lt1"/>
+          </a:fontRef>
+        </p:style>
+        <p:txBody>
+          <a:bodyPr rtlCol="0" anchor="ctr"/>
+          <a:lstStyle/>
+          <a:p>
+            <a:pPr algn="ctr"/>
+            <a:r>
+              <a:rPr lang="en-US" dirty="0"/>
+              <a:t>Browser Compatible Code</a:t>
+            </a:r>
+          </a:p>
+        </p:txBody>
+      </p:sp>
+      <p:sp>
+        <p:nvSpPr>
+          <p:cNvPr id="6" name="Down Arrow 5">
+            <a:extLst>
+              <a:ext uri="{FF2B5EF4-FFF2-40B4-BE49-F238E27FC236}">
+                <a16:creationId xmlns:a16="http://schemas.microsoft.com/office/drawing/2014/main" id="{EE18E7BE-6A61-7C4B-BD3E-924718E1BC23}"/>
+              </a:ext>
+            </a:extLst>
+          </p:cNvPr>
+          <p:cNvSpPr/>
+          <p:nvPr/>
+        </p:nvSpPr>
+        <p:spPr>
+          <a:xfrm>
+            <a:off x="5808616" y="3495709"/>
+            <a:ext cx="287384" cy="1015331"/>
+          </a:xfrm>
+          <a:prstGeom prst="downArrow">
+            <a:avLst/>
+          </a:prstGeom>
+        </p:spPr>
+        <p:style>
+          <a:lnRef idx="2">
+            <a:schemeClr val="accent1">
+              <a:shade val="50000"/>
+            </a:schemeClr>
+          </a:lnRef>
+          <a:fillRef idx="1">
+            <a:schemeClr val="accent1"/>
+          </a:fillRef>
+          <a:effectRef idx="0">
+            <a:schemeClr val="accent1"/>
+          </a:effectRef>
+          <a:fontRef idx="minor">
+            <a:schemeClr val="lt1"/>
+          </a:fontRef>
+        </p:style>
+        <p:txBody>
+          <a:bodyPr rtlCol="0" anchor="ctr"/>
+          <a:lstStyle/>
+          <a:p>
+            <a:pPr algn="ctr"/>
+            <a:endParaRPr lang="en-US"/>
+          </a:p>
+        </p:txBody>
+      </p:sp>
+      <p:sp>
+        <p:nvSpPr>
+          <p:cNvPr id="7" name="TextBox 6">
+            <a:extLst>
+              <a:ext uri="{FF2B5EF4-FFF2-40B4-BE49-F238E27FC236}">
+                <a16:creationId xmlns:a16="http://schemas.microsoft.com/office/drawing/2014/main" id="{DC1DF058-64EE-5B4F-B2F7-C5302CF7F27D}"/>
+              </a:ext>
+            </a:extLst>
+          </p:cNvPr>
+          <p:cNvSpPr txBox="1"/>
+          <p:nvPr/>
+        </p:nvSpPr>
+        <p:spPr>
+          <a:xfrm>
+            <a:off x="8168640" y="365760"/>
+            <a:ext cx="3013166" cy="646331"/>
+          </a:xfrm>
+          <a:prstGeom prst="rect">
+            <a:avLst/>
+          </a:prstGeom>
+          <a:noFill/>
+        </p:spPr>
+        <p:txBody>
+          <a:bodyPr wrap="square" rtlCol="0">
+            <a:spAutoFit/>
+          </a:bodyPr>
+          <a:lstStyle/>
+          <a:p>
+            <a:r>
+              <a:rPr lang="en-US" dirty="0"/>
+              <a:t>Class with public /private / protected</a:t>
+            </a:r>
+          </a:p>
+        </p:txBody>
+      </p:sp>
+      <p:sp>
+        <p:nvSpPr>
+          <p:cNvPr id="8" name="Curved Left Arrow 7">
+            <a:extLst>
+              <a:ext uri="{FF2B5EF4-FFF2-40B4-BE49-F238E27FC236}">
+                <a16:creationId xmlns:a16="http://schemas.microsoft.com/office/drawing/2014/main" id="{92BD32A6-AB43-544F-AF5D-B0660DBEC100}"/>
+              </a:ext>
+            </a:extLst>
+          </p:cNvPr>
+          <p:cNvSpPr/>
+          <p:nvPr/>
+        </p:nvSpPr>
+        <p:spPr>
+          <a:xfrm>
+            <a:off x="7384870" y="1027611"/>
+            <a:ext cx="1323702" cy="2468098"/>
+          </a:xfrm>
+          <a:prstGeom prst="curvedLeftArrow">
+            <a:avLst/>
+          </a:prstGeom>
+        </p:spPr>
+        <p:style>
+          <a:lnRef idx="2">
+            <a:schemeClr val="accent1">
+              <a:shade val="50000"/>
+            </a:schemeClr>
+          </a:lnRef>
+          <a:fillRef idx="1">
+            <a:schemeClr val="accent1"/>
+          </a:fillRef>
+          <a:effectRef idx="0">
+            <a:schemeClr val="accent1"/>
+          </a:effectRef>
+          <a:fontRef idx="minor">
+            <a:schemeClr val="lt1"/>
+          </a:fontRef>
+        </p:style>
+        <p:txBody>
+          <a:bodyPr rtlCol="0" anchor="ctr"/>
+          <a:lstStyle/>
+          <a:p>
+            <a:pPr algn="ctr"/>
+            <a:endParaRPr lang="en-US">
+              <a:solidFill>
+                <a:schemeClr val="tx1"/>
+              </a:solidFill>
+            </a:endParaRPr>
+          </a:p>
+        </p:txBody>
+      </p:sp>
+      <p:sp>
+        <p:nvSpPr>
+          <p:cNvPr id="9" name="TextBox 8">
+            <a:extLst>
+              <a:ext uri="{FF2B5EF4-FFF2-40B4-BE49-F238E27FC236}">
+                <a16:creationId xmlns:a16="http://schemas.microsoft.com/office/drawing/2014/main" id="{4113B651-C02C-DD42-A5AE-5A0BC4016FBF}"/>
+              </a:ext>
+            </a:extLst>
+          </p:cNvPr>
+          <p:cNvSpPr txBox="1"/>
+          <p:nvPr/>
+        </p:nvSpPr>
+        <p:spPr>
+          <a:xfrm>
+            <a:off x="8969829" y="1741714"/>
+            <a:ext cx="2995748" cy="3139321"/>
+          </a:xfrm>
+          <a:prstGeom prst="rect">
+            <a:avLst/>
+          </a:prstGeom>
+          <a:noFill/>
+        </p:spPr>
+        <p:txBody>
+          <a:bodyPr wrap="square" rtlCol="0">
+            <a:spAutoFit/>
+          </a:bodyPr>
+          <a:lstStyle/>
+          <a:p>
+            <a:r>
+              <a:rPr lang="en-US" dirty="0"/>
+              <a:t>Class Map with IIFE</a:t>
+            </a:r>
+          </a:p>
+          <a:p>
+            <a:r>
+              <a:rPr lang="en-US" dirty="0"/>
+              <a:t>The class Name becomes as function Object inside IIFE</a:t>
+            </a:r>
+          </a:p>
+          <a:p>
+            <a:endParaRPr lang="en-US" dirty="0"/>
+          </a:p>
+          <a:p>
+            <a:r>
+              <a:rPr lang="en-US" dirty="0"/>
+              <a:t>The scope functions are mapped as prototype functions</a:t>
+            </a:r>
+          </a:p>
+          <a:p>
+            <a:endParaRPr lang="en-US" dirty="0"/>
+          </a:p>
+          <a:p>
+            <a:r>
+              <a:rPr lang="en-US" dirty="0"/>
+              <a:t>The class Constructor is mapped with the constructor function declaration</a:t>
+            </a:r>
+          </a:p>
+        </p:txBody>
+      </p:sp>
+      <p:sp>
+        <p:nvSpPr>
+          <p:cNvPr id="10" name="Curved Left Arrow 9">
+            <a:extLst>
+              <a:ext uri="{FF2B5EF4-FFF2-40B4-BE49-F238E27FC236}">
+                <a16:creationId xmlns:a16="http://schemas.microsoft.com/office/drawing/2014/main" id="{F03B5677-D7E7-2E40-B96B-47A2097EC27B}"/>
+              </a:ext>
+            </a:extLst>
+          </p:cNvPr>
+          <p:cNvSpPr/>
+          <p:nvPr/>
+        </p:nvSpPr>
+        <p:spPr>
+          <a:xfrm>
+            <a:off x="7663544" y="3429000"/>
+            <a:ext cx="1323702" cy="2468098"/>
+          </a:xfrm>
+          <a:prstGeom prst="curvedLeftArrow">
+            <a:avLst/>
+          </a:prstGeom>
+        </p:spPr>
+        <p:style>
+          <a:lnRef idx="2">
+            <a:schemeClr val="accent1">
+              <a:shade val="50000"/>
+            </a:schemeClr>
+          </a:lnRef>
+          <a:fillRef idx="1">
+            <a:schemeClr val="accent1"/>
+          </a:fillRef>
+          <a:effectRef idx="0">
+            <a:schemeClr val="accent1"/>
+          </a:effectRef>
+          <a:fontRef idx="minor">
+            <a:schemeClr val="lt1"/>
+          </a:fontRef>
+        </p:style>
+        <p:txBody>
+          <a:bodyPr rtlCol="0" anchor="ctr"/>
+          <a:lstStyle/>
+          <a:p>
+            <a:pPr algn="ctr"/>
+            <a:endParaRPr lang="en-US">
+              <a:solidFill>
+                <a:schemeClr val="tx1"/>
+              </a:solidFill>
+            </a:endParaRPr>
+          </a:p>
+        </p:txBody>
+      </p:sp>
+      <p:sp>
+        <p:nvSpPr>
+          <p:cNvPr id="11" name="TextBox 10">
+            <a:extLst>
+              <a:ext uri="{FF2B5EF4-FFF2-40B4-BE49-F238E27FC236}">
+                <a16:creationId xmlns:a16="http://schemas.microsoft.com/office/drawing/2014/main" id="{9BDDC80A-9090-0F41-B851-269539F6E4A8}"/>
+              </a:ext>
+            </a:extLst>
+          </p:cNvPr>
+          <p:cNvSpPr txBox="1"/>
+          <p:nvPr/>
+        </p:nvSpPr>
+        <p:spPr>
+          <a:xfrm>
+            <a:off x="357051" y="688925"/>
+            <a:ext cx="3091543" cy="2862322"/>
+          </a:xfrm>
+          <a:prstGeom prst="rect">
+            <a:avLst/>
+          </a:prstGeom>
+          <a:noFill/>
+        </p:spPr>
+        <p:txBody>
+          <a:bodyPr wrap="square" rtlCol="0">
+            <a:spAutoFit/>
+          </a:bodyPr>
+          <a:lstStyle/>
+          <a:p>
+            <a:pPr marL="342900" indent="-342900">
+              <a:buAutoNum type="arabicPeriod"/>
+            </a:pPr>
+            <a:r>
+              <a:rPr lang="en-US" dirty="0"/>
+              <a:t>Default is public for functions</a:t>
+            </a:r>
+          </a:p>
+          <a:p>
+            <a:pPr marL="342900" indent="-342900">
+              <a:buAutoNum type="arabicPeriod"/>
+            </a:pPr>
+            <a:r>
+              <a:rPr lang="en-US" dirty="0"/>
+              <a:t>The public data members must be declared through Constructor() functions</a:t>
+            </a:r>
+          </a:p>
+          <a:p>
+            <a:pPr marL="342900" indent="-342900">
+              <a:buAutoNum type="arabicPeriod"/>
+            </a:pPr>
+            <a:r>
+              <a:rPr lang="en-US" dirty="0"/>
+              <a:t>The public data members must be declared using ‘this’ prefix e.g. </a:t>
+            </a:r>
+            <a:r>
+              <a:rPr lang="en-US" dirty="0" err="1"/>
+              <a:t>this.x</a:t>
+            </a:r>
+            <a:endParaRPr lang="en-US" dirty="0"/>
+          </a:p>
+          <a:p>
+            <a:pPr marL="342900" indent="-342900">
+              <a:buAutoNum type="arabicPeriod"/>
+            </a:pPr>
+            <a:r>
+              <a:rPr lang="en-US" dirty="0"/>
+              <a:t>The </a:t>
+            </a:r>
+            <a:r>
+              <a:rPr lang="en-US" b="1" dirty="0"/>
+              <a:t>extends </a:t>
+            </a:r>
+            <a:r>
+              <a:rPr lang="en-US" dirty="0"/>
+              <a:t>keyword </a:t>
+            </a:r>
+            <a:r>
+              <a:rPr lang="en-US"/>
+              <a:t>for inheritance</a:t>
+            </a:r>
+            <a:endParaRPr lang="en-US" dirty="0"/>
+          </a:p>
+        </p:txBody>
+      </p:sp>
+    </p:spTree>
+    <p:extLst>
+      <p:ext uri="{BB962C8B-B14F-4D97-AF65-F5344CB8AC3E}">
+        <p14:creationId xmlns:p14="http://schemas.microsoft.com/office/powerpoint/2010/main" val="227740333"/>
+      </p:ext>
+    </p:extLst>
+  </p:cSld>
+  <p:clrMapOvr>
+    <a:masterClrMapping/>
+  </p:clrMapOvr>
+</p:sld>
+</file>
+
 <file path=ppt/slides/slide2.xml><?xml version="1.0" encoding="utf-8"?>
 <p:sld xmlns:a="http://schemas.openxmlformats.org/drawingml/2006/main" xmlns:r="http://schemas.openxmlformats.org/officeDocument/2006/relationships" xmlns:p="http://schemas.openxmlformats.org/presentationml/2006/main">
   <p:cSld>

--- a/Training_Notes_PPTs.pptx
+++ b/Training_Notes_PPTs.pptx
@@ -16,6 +16,10 @@
     <p:sldId id="264" r:id="rId10"/>
     <p:sldId id="265" r:id="rId11"/>
     <p:sldId id="266" r:id="rId12"/>
+    <p:sldId id="267" r:id="rId13"/>
+    <p:sldId id="268" r:id="rId14"/>
+    <p:sldId id="269" r:id="rId15"/>
+    <p:sldId id="270" r:id="rId16"/>
   </p:sldIdLst>
   <p:sldSz cx="12192000" cy="6858000"/>
   <p:notesSz cx="6858000" cy="9144000"/>
@@ -4652,7 +4656,7 @@
         <p:spPr>
           <a:xfrm>
             <a:off x="357051" y="688925"/>
-            <a:ext cx="3091543" cy="2862322"/>
+            <a:ext cx="3091543" cy="3970318"/>
           </a:xfrm>
           <a:prstGeom prst="rect">
             <a:avLst/>
@@ -4710,13 +4714,17 @@
             </a:r>
             <a:r>
               <a:rPr lang="en-US" dirty="0"/>
-              <a:t>keyword </a:t>
-            </a:r>
-            <a:r>
-              <a:rPr lang="en-US"/>
-              <a:t>for inheritance</a:t>
-            </a:r>
-            <a:endParaRPr lang="en-US" dirty="0"/>
+              <a:t>keyword for inheritance</a:t>
+            </a:r>
+          </a:p>
+          <a:p>
+            <a:pPr marL="342900" indent="-342900">
+              <a:buAutoNum type="arabicPeriod"/>
+            </a:pPr>
+            <a:r>
+              <a:rPr lang="en-US" dirty="0"/>
+              <a:t>The derived class constructor must have super(); call to access the base class constructor </a:t>
+            </a:r>
           </a:p>
         </p:txBody>
       </p:sp>
@@ -4724,6 +4732,4569 @@
     <p:extLst>
       <p:ext uri="{BB962C8B-B14F-4D97-AF65-F5344CB8AC3E}">
         <p14:creationId xmlns:p14="http://schemas.microsoft.com/office/powerpoint/2010/main" val="227740333"/>
+      </p:ext>
+    </p:extLst>
+  </p:cSld>
+  <p:clrMapOvr>
+    <a:masterClrMapping/>
+  </p:clrMapOvr>
+</p:sld>
+</file>
+
+<file path=ppt/slides/slide12.xml><?xml version="1.0" encoding="utf-8"?>
+<p:sld xmlns:a="http://schemas.openxmlformats.org/drawingml/2006/main" xmlns:r="http://schemas.openxmlformats.org/officeDocument/2006/relationships" xmlns:p="http://schemas.openxmlformats.org/presentationml/2006/main">
+  <p:cSld>
+    <p:spTree>
+      <p:nvGrpSpPr>
+        <p:cNvPr id="1" name=""/>
+        <p:cNvGrpSpPr/>
+        <p:nvPr/>
+      </p:nvGrpSpPr>
+      <p:grpSpPr>
+        <a:xfrm>
+          <a:off x="0" y="0"/>
+          <a:ext cx="0" cy="0"/>
+          <a:chOff x="0" y="0"/>
+          <a:chExt cx="0" cy="0"/>
+        </a:xfrm>
+      </p:grpSpPr>
+      <p:sp>
+        <p:nvSpPr>
+          <p:cNvPr id="2" name="Rectangle 1">
+            <a:extLst>
+              <a:ext uri="{FF2B5EF4-FFF2-40B4-BE49-F238E27FC236}">
+                <a16:creationId xmlns:a16="http://schemas.microsoft.com/office/drawing/2014/main" id="{ACFC097D-975B-7D4B-B028-E0A5898B66CB}"/>
+              </a:ext>
+            </a:extLst>
+          </p:cNvPr>
+          <p:cNvSpPr/>
+          <p:nvPr/>
+        </p:nvSpPr>
+        <p:spPr>
+          <a:xfrm>
+            <a:off x="0" y="0"/>
+            <a:ext cx="12192000" cy="513806"/>
+          </a:xfrm>
+          <a:prstGeom prst="rect">
+            <a:avLst/>
+          </a:prstGeom>
+        </p:spPr>
+        <p:style>
+          <a:lnRef idx="2">
+            <a:schemeClr val="accent1">
+              <a:shade val="50000"/>
+            </a:schemeClr>
+          </a:lnRef>
+          <a:fillRef idx="1">
+            <a:schemeClr val="accent1"/>
+          </a:fillRef>
+          <a:effectRef idx="0">
+            <a:schemeClr val="accent1"/>
+          </a:effectRef>
+          <a:fontRef idx="minor">
+            <a:schemeClr val="lt1"/>
+          </a:fontRef>
+        </p:style>
+        <p:txBody>
+          <a:bodyPr rtlCol="0" anchor="ctr"/>
+          <a:lstStyle/>
+          <a:p>
+            <a:pPr algn="ctr"/>
+            <a:r>
+              <a:rPr lang="en-US" dirty="0"/>
+              <a:t>JavaScript Modern Application Model With Async</a:t>
+            </a:r>
+          </a:p>
+        </p:txBody>
+      </p:sp>
+      <p:sp>
+        <p:nvSpPr>
+          <p:cNvPr id="3" name="Can 2">
+            <a:extLst>
+              <a:ext uri="{FF2B5EF4-FFF2-40B4-BE49-F238E27FC236}">
+                <a16:creationId xmlns:a16="http://schemas.microsoft.com/office/drawing/2014/main" id="{B95C41F7-8EE5-FA4B-BB4B-9C3094560282}"/>
+              </a:ext>
+            </a:extLst>
+          </p:cNvPr>
+          <p:cNvSpPr/>
+          <p:nvPr/>
+        </p:nvSpPr>
+        <p:spPr>
+          <a:xfrm>
+            <a:off x="10755085" y="2046515"/>
+            <a:ext cx="1236617" cy="1149532"/>
+          </a:xfrm>
+          <a:prstGeom prst="can">
+            <a:avLst/>
+          </a:prstGeom>
+        </p:spPr>
+        <p:style>
+          <a:lnRef idx="2">
+            <a:schemeClr val="accent1">
+              <a:shade val="50000"/>
+            </a:schemeClr>
+          </a:lnRef>
+          <a:fillRef idx="1">
+            <a:schemeClr val="accent1"/>
+          </a:fillRef>
+          <a:effectRef idx="0">
+            <a:schemeClr val="accent1"/>
+          </a:effectRef>
+          <a:fontRef idx="minor">
+            <a:schemeClr val="lt1"/>
+          </a:fontRef>
+        </p:style>
+        <p:txBody>
+          <a:bodyPr rtlCol="0" anchor="ctr"/>
+          <a:lstStyle/>
+          <a:p>
+            <a:pPr algn="ctr"/>
+            <a:r>
+              <a:rPr lang="en-US" dirty="0"/>
+              <a:t>Relational</a:t>
+            </a:r>
+          </a:p>
+          <a:p>
+            <a:pPr algn="ctr"/>
+            <a:r>
+              <a:rPr lang="en-US" dirty="0"/>
+              <a:t>DB</a:t>
+            </a:r>
+          </a:p>
+        </p:txBody>
+      </p:sp>
+      <p:sp>
+        <p:nvSpPr>
+          <p:cNvPr id="4" name="Multi-document 3">
+            <a:extLst>
+              <a:ext uri="{FF2B5EF4-FFF2-40B4-BE49-F238E27FC236}">
+                <a16:creationId xmlns:a16="http://schemas.microsoft.com/office/drawing/2014/main" id="{EB0D6C3C-24CF-CC4D-8A1B-0EFF5F01BC2A}"/>
+              </a:ext>
+            </a:extLst>
+          </p:cNvPr>
+          <p:cNvSpPr/>
+          <p:nvPr/>
+        </p:nvSpPr>
+        <p:spPr>
+          <a:xfrm>
+            <a:off x="10755085" y="3561806"/>
+            <a:ext cx="1236617" cy="1471748"/>
+          </a:xfrm>
+          <a:prstGeom prst="flowChartMultidocument">
+            <a:avLst/>
+          </a:prstGeom>
+        </p:spPr>
+        <p:style>
+          <a:lnRef idx="2">
+            <a:schemeClr val="accent1">
+              <a:shade val="50000"/>
+            </a:schemeClr>
+          </a:lnRef>
+          <a:fillRef idx="1">
+            <a:schemeClr val="accent1"/>
+          </a:fillRef>
+          <a:effectRef idx="0">
+            <a:schemeClr val="accent1"/>
+          </a:effectRef>
+          <a:fontRef idx="minor">
+            <a:schemeClr val="lt1"/>
+          </a:fontRef>
+        </p:style>
+        <p:txBody>
+          <a:bodyPr rtlCol="0" anchor="ctr"/>
+          <a:lstStyle/>
+          <a:p>
+            <a:pPr algn="ctr"/>
+            <a:r>
+              <a:rPr lang="en-US" dirty="0"/>
+              <a:t>NoSQL</a:t>
+            </a:r>
+          </a:p>
+          <a:p>
+            <a:pPr algn="ctr"/>
+            <a:r>
+              <a:rPr lang="en-US" dirty="0"/>
+              <a:t>DB</a:t>
+            </a:r>
+          </a:p>
+        </p:txBody>
+      </p:sp>
+      <p:sp>
+        <p:nvSpPr>
+          <p:cNvPr id="5" name="TextBox 4">
+            <a:extLst>
+              <a:ext uri="{FF2B5EF4-FFF2-40B4-BE49-F238E27FC236}">
+                <a16:creationId xmlns:a16="http://schemas.microsoft.com/office/drawing/2014/main" id="{7CDD3044-6839-9F42-8136-1FA52E2089FD}"/>
+              </a:ext>
+            </a:extLst>
+          </p:cNvPr>
+          <p:cNvSpPr txBox="1"/>
+          <p:nvPr/>
+        </p:nvSpPr>
+        <p:spPr>
+          <a:xfrm>
+            <a:off x="10580914" y="5285992"/>
+            <a:ext cx="1506583" cy="923330"/>
+          </a:xfrm>
+          <a:prstGeom prst="rect">
+            <a:avLst/>
+          </a:prstGeom>
+          <a:noFill/>
+        </p:spPr>
+        <p:txBody>
+          <a:bodyPr wrap="square" rtlCol="0">
+            <a:spAutoFit/>
+          </a:bodyPr>
+          <a:lstStyle/>
+          <a:p>
+            <a:r>
+              <a:rPr lang="en-US" dirty="0"/>
+              <a:t>Data Persistence layer</a:t>
+            </a:r>
+          </a:p>
+        </p:txBody>
+      </p:sp>
+      <p:sp>
+        <p:nvSpPr>
+          <p:cNvPr id="6" name="Rectangle 5">
+            <a:extLst>
+              <a:ext uri="{FF2B5EF4-FFF2-40B4-BE49-F238E27FC236}">
+                <a16:creationId xmlns:a16="http://schemas.microsoft.com/office/drawing/2014/main" id="{F5BD56E0-0290-7C4D-86F5-0B2C17F3EFAD}"/>
+              </a:ext>
+            </a:extLst>
+          </p:cNvPr>
+          <p:cNvSpPr/>
+          <p:nvPr/>
+        </p:nvSpPr>
+        <p:spPr>
+          <a:xfrm>
+            <a:off x="6836229" y="1027611"/>
+            <a:ext cx="3439885" cy="5077098"/>
+          </a:xfrm>
+          <a:prstGeom prst="rect">
+            <a:avLst/>
+          </a:prstGeom>
+        </p:spPr>
+        <p:style>
+          <a:lnRef idx="2">
+            <a:schemeClr val="accent6"/>
+          </a:lnRef>
+          <a:fillRef idx="1">
+            <a:schemeClr val="lt1"/>
+          </a:fillRef>
+          <a:effectRef idx="0">
+            <a:schemeClr val="accent6"/>
+          </a:effectRef>
+          <a:fontRef idx="minor">
+            <a:schemeClr val="dk1"/>
+          </a:fontRef>
+        </p:style>
+        <p:txBody>
+          <a:bodyPr rtlCol="0" anchor="ctr"/>
+          <a:lstStyle/>
+          <a:p>
+            <a:pPr algn="ctr"/>
+            <a:endParaRPr lang="en-US"/>
+          </a:p>
+        </p:txBody>
+      </p:sp>
+      <p:sp>
+        <p:nvSpPr>
+          <p:cNvPr id="7" name="TextBox 6">
+            <a:extLst>
+              <a:ext uri="{FF2B5EF4-FFF2-40B4-BE49-F238E27FC236}">
+                <a16:creationId xmlns:a16="http://schemas.microsoft.com/office/drawing/2014/main" id="{ADDE3B12-AD9F-484A-8074-A20355451CE3}"/>
+              </a:ext>
+            </a:extLst>
+          </p:cNvPr>
+          <p:cNvSpPr txBox="1"/>
+          <p:nvPr/>
+        </p:nvSpPr>
+        <p:spPr>
+          <a:xfrm>
+            <a:off x="6897189" y="609600"/>
+            <a:ext cx="3291840" cy="369332"/>
+          </a:xfrm>
+          <a:prstGeom prst="rect">
+            <a:avLst/>
+          </a:prstGeom>
+          <a:noFill/>
+        </p:spPr>
+        <p:txBody>
+          <a:bodyPr wrap="square" rtlCol="0">
+            <a:spAutoFit/>
+          </a:bodyPr>
+          <a:lstStyle/>
+          <a:p>
+            <a:r>
+              <a:rPr lang="en-US" dirty="0"/>
+              <a:t>Node.js Application Server</a:t>
+            </a:r>
+          </a:p>
+        </p:txBody>
+      </p:sp>
+      <p:sp>
+        <p:nvSpPr>
+          <p:cNvPr id="8" name="Rounded Rectangle 7">
+            <a:extLst>
+              <a:ext uri="{FF2B5EF4-FFF2-40B4-BE49-F238E27FC236}">
+                <a16:creationId xmlns:a16="http://schemas.microsoft.com/office/drawing/2014/main" id="{143EFCA9-A4EB-0343-AB96-765AD6FAABC0}"/>
+              </a:ext>
+            </a:extLst>
+          </p:cNvPr>
+          <p:cNvSpPr/>
+          <p:nvPr/>
+        </p:nvSpPr>
+        <p:spPr>
+          <a:xfrm>
+            <a:off x="6897189" y="5033554"/>
+            <a:ext cx="3291840" cy="914400"/>
+          </a:xfrm>
+          <a:prstGeom prst="roundRect">
+            <a:avLst/>
+          </a:prstGeom>
+        </p:spPr>
+        <p:style>
+          <a:lnRef idx="2">
+            <a:schemeClr val="accent1">
+              <a:shade val="50000"/>
+            </a:schemeClr>
+          </a:lnRef>
+          <a:fillRef idx="1">
+            <a:schemeClr val="accent1"/>
+          </a:fillRef>
+          <a:effectRef idx="0">
+            <a:schemeClr val="accent1"/>
+          </a:effectRef>
+          <a:fontRef idx="minor">
+            <a:schemeClr val="lt1"/>
+          </a:fontRef>
+        </p:style>
+        <p:txBody>
+          <a:bodyPr rtlCol="0" anchor="ctr"/>
+          <a:lstStyle/>
+          <a:p>
+            <a:pPr algn="ctr"/>
+            <a:r>
+              <a:rPr lang="en-US" dirty="0"/>
+              <a:t>Node.js Hosting OS</a:t>
+            </a:r>
+          </a:p>
+          <a:p>
+            <a:pPr algn="ctr"/>
+            <a:r>
+              <a:rPr lang="en-US" dirty="0"/>
+              <a:t>Windows / Linux / RedHat / Mac</a:t>
+            </a:r>
+          </a:p>
+        </p:txBody>
+      </p:sp>
+      <p:sp>
+        <p:nvSpPr>
+          <p:cNvPr id="9" name="Rounded Rectangle 8">
+            <a:extLst>
+              <a:ext uri="{FF2B5EF4-FFF2-40B4-BE49-F238E27FC236}">
+                <a16:creationId xmlns:a16="http://schemas.microsoft.com/office/drawing/2014/main" id="{5609CB2C-89F1-F647-B846-74A8EFAD1310}"/>
+              </a:ext>
+            </a:extLst>
+          </p:cNvPr>
+          <p:cNvSpPr/>
+          <p:nvPr/>
+        </p:nvSpPr>
+        <p:spPr>
+          <a:xfrm>
+            <a:off x="6897189" y="3862252"/>
+            <a:ext cx="3291840" cy="914400"/>
+          </a:xfrm>
+          <a:prstGeom prst="roundRect">
+            <a:avLst/>
+          </a:prstGeom>
+        </p:spPr>
+        <p:style>
+          <a:lnRef idx="2">
+            <a:schemeClr val="accent1">
+              <a:shade val="50000"/>
+            </a:schemeClr>
+          </a:lnRef>
+          <a:fillRef idx="1">
+            <a:schemeClr val="accent1"/>
+          </a:fillRef>
+          <a:effectRef idx="0">
+            <a:schemeClr val="accent1"/>
+          </a:effectRef>
+          <a:fontRef idx="minor">
+            <a:schemeClr val="lt1"/>
+          </a:fontRef>
+        </p:style>
+        <p:txBody>
+          <a:bodyPr rtlCol="0" anchor="ctr"/>
+          <a:lstStyle/>
+          <a:p>
+            <a:pPr algn="ctr"/>
+            <a:r>
+              <a:rPr lang="en-US" dirty="0"/>
+              <a:t>Node.js Runtime</a:t>
+            </a:r>
+          </a:p>
+          <a:p>
+            <a:pPr algn="ctr"/>
+            <a:endParaRPr lang="en-US" dirty="0"/>
+          </a:p>
+          <a:p>
+            <a:pPr algn="ctr"/>
+            <a:endParaRPr lang="en-US" dirty="0"/>
+          </a:p>
+        </p:txBody>
+      </p:sp>
+      <p:sp>
+        <p:nvSpPr>
+          <p:cNvPr id="10" name="Rectangle 9">
+            <a:extLst>
+              <a:ext uri="{FF2B5EF4-FFF2-40B4-BE49-F238E27FC236}">
+                <a16:creationId xmlns:a16="http://schemas.microsoft.com/office/drawing/2014/main" id="{96EDCA68-4C53-1846-AF7A-3E731FD6176E}"/>
+              </a:ext>
+            </a:extLst>
+          </p:cNvPr>
+          <p:cNvSpPr/>
+          <p:nvPr/>
+        </p:nvSpPr>
+        <p:spPr>
+          <a:xfrm>
+            <a:off x="7036526" y="4206240"/>
+            <a:ext cx="1402080" cy="444137"/>
+          </a:xfrm>
+          <a:prstGeom prst="rect">
+            <a:avLst/>
+          </a:prstGeom>
+        </p:spPr>
+        <p:style>
+          <a:lnRef idx="2">
+            <a:schemeClr val="dk1">
+              <a:shade val="50000"/>
+            </a:schemeClr>
+          </a:lnRef>
+          <a:fillRef idx="1">
+            <a:schemeClr val="dk1"/>
+          </a:fillRef>
+          <a:effectRef idx="0">
+            <a:schemeClr val="dk1"/>
+          </a:effectRef>
+          <a:fontRef idx="minor">
+            <a:schemeClr val="lt1"/>
+          </a:fontRef>
+        </p:style>
+        <p:txBody>
+          <a:bodyPr rtlCol="0" anchor="ctr"/>
+          <a:lstStyle/>
+          <a:p>
+            <a:pPr algn="ctr"/>
+            <a:r>
+              <a:rPr lang="en-US" dirty="0"/>
+              <a:t>Standard Modules</a:t>
+            </a:r>
+          </a:p>
+        </p:txBody>
+      </p:sp>
+      <p:sp>
+        <p:nvSpPr>
+          <p:cNvPr id="11" name="Rectangle 10">
+            <a:extLst>
+              <a:ext uri="{FF2B5EF4-FFF2-40B4-BE49-F238E27FC236}">
+                <a16:creationId xmlns:a16="http://schemas.microsoft.com/office/drawing/2014/main" id="{30C10AFA-F195-4044-8BA6-6D802A548217}"/>
+              </a:ext>
+            </a:extLst>
+          </p:cNvPr>
+          <p:cNvSpPr/>
+          <p:nvPr/>
+        </p:nvSpPr>
+        <p:spPr>
+          <a:xfrm>
+            <a:off x="8612777" y="4188824"/>
+            <a:ext cx="1402080" cy="444137"/>
+          </a:xfrm>
+          <a:prstGeom prst="rect">
+            <a:avLst/>
+          </a:prstGeom>
+        </p:spPr>
+        <p:style>
+          <a:lnRef idx="2">
+            <a:schemeClr val="dk1">
+              <a:shade val="50000"/>
+            </a:schemeClr>
+          </a:lnRef>
+          <a:fillRef idx="1">
+            <a:schemeClr val="dk1"/>
+          </a:fillRef>
+          <a:effectRef idx="0">
+            <a:schemeClr val="dk1"/>
+          </a:effectRef>
+          <a:fontRef idx="minor">
+            <a:schemeClr val="lt1"/>
+          </a:fontRef>
+        </p:style>
+        <p:txBody>
+          <a:bodyPr rtlCol="0" anchor="ctr"/>
+          <a:lstStyle/>
+          <a:p>
+            <a:pPr algn="ctr"/>
+            <a:r>
+              <a:rPr lang="en-US" dirty="0"/>
+              <a:t>Custom Modules</a:t>
+            </a:r>
+          </a:p>
+        </p:txBody>
+      </p:sp>
+      <p:sp>
+        <p:nvSpPr>
+          <p:cNvPr id="12" name="Rounded Rectangle 11">
+            <a:extLst>
+              <a:ext uri="{FF2B5EF4-FFF2-40B4-BE49-F238E27FC236}">
+                <a16:creationId xmlns:a16="http://schemas.microsoft.com/office/drawing/2014/main" id="{A646F465-8B57-2347-8AFD-94302BD5C37F}"/>
+              </a:ext>
+            </a:extLst>
+          </p:cNvPr>
+          <p:cNvSpPr/>
+          <p:nvPr/>
+        </p:nvSpPr>
+        <p:spPr>
+          <a:xfrm>
+            <a:off x="6897189" y="1351405"/>
+            <a:ext cx="3291840" cy="2384573"/>
+          </a:xfrm>
+          <a:prstGeom prst="roundRect">
+            <a:avLst/>
+          </a:prstGeom>
+        </p:spPr>
+        <p:style>
+          <a:lnRef idx="2">
+            <a:schemeClr val="accent1">
+              <a:shade val="50000"/>
+            </a:schemeClr>
+          </a:lnRef>
+          <a:fillRef idx="1">
+            <a:schemeClr val="accent1"/>
+          </a:fillRef>
+          <a:effectRef idx="0">
+            <a:schemeClr val="accent1"/>
+          </a:effectRef>
+          <a:fontRef idx="minor">
+            <a:schemeClr val="lt1"/>
+          </a:fontRef>
+        </p:style>
+        <p:txBody>
+          <a:bodyPr rtlCol="0" anchor="ctr"/>
+          <a:lstStyle/>
+          <a:p>
+            <a:pPr algn="ctr"/>
+            <a:endParaRPr lang="en-US"/>
+          </a:p>
+        </p:txBody>
+      </p:sp>
+      <p:sp>
+        <p:nvSpPr>
+          <p:cNvPr id="13" name="TextBox 12">
+            <a:extLst>
+              <a:ext uri="{FF2B5EF4-FFF2-40B4-BE49-F238E27FC236}">
+                <a16:creationId xmlns:a16="http://schemas.microsoft.com/office/drawing/2014/main" id="{297F5404-5CB5-3345-A766-7814325C199A}"/>
+              </a:ext>
+            </a:extLst>
+          </p:cNvPr>
+          <p:cNvSpPr txBox="1"/>
+          <p:nvPr/>
+        </p:nvSpPr>
+        <p:spPr>
+          <a:xfrm>
+            <a:off x="6810104" y="969009"/>
+            <a:ext cx="2978331" cy="369332"/>
+          </a:xfrm>
+          <a:prstGeom prst="rect">
+            <a:avLst/>
+          </a:prstGeom>
+          <a:noFill/>
+        </p:spPr>
+        <p:txBody>
+          <a:bodyPr wrap="square" rtlCol="0">
+            <a:spAutoFit/>
+          </a:bodyPr>
+          <a:lstStyle/>
+          <a:p>
+            <a:pPr algn="ctr"/>
+            <a:r>
+              <a:rPr lang="en-US" dirty="0">
+                <a:highlight>
+                  <a:srgbClr val="FFFF00"/>
+                </a:highlight>
+              </a:rPr>
+              <a:t>Node.js JavaScript App</a:t>
+            </a:r>
+          </a:p>
+        </p:txBody>
+      </p:sp>
+      <p:sp>
+        <p:nvSpPr>
+          <p:cNvPr id="14" name="Rectangle 13">
+            <a:extLst>
+              <a:ext uri="{FF2B5EF4-FFF2-40B4-BE49-F238E27FC236}">
+                <a16:creationId xmlns:a16="http://schemas.microsoft.com/office/drawing/2014/main" id="{3A937980-9CDC-B74C-89C4-F13541B73C04}"/>
+              </a:ext>
+            </a:extLst>
+          </p:cNvPr>
+          <p:cNvSpPr/>
+          <p:nvPr/>
+        </p:nvSpPr>
+        <p:spPr>
+          <a:xfrm>
+            <a:off x="7036526" y="3265714"/>
+            <a:ext cx="2978331" cy="374469"/>
+          </a:xfrm>
+          <a:prstGeom prst="rect">
+            <a:avLst/>
+          </a:prstGeom>
+          <a:solidFill>
+            <a:srgbClr val="FFFF00"/>
+          </a:solidFill>
+        </p:spPr>
+        <p:style>
+          <a:lnRef idx="2">
+            <a:schemeClr val="accent1">
+              <a:shade val="50000"/>
+            </a:schemeClr>
+          </a:lnRef>
+          <a:fillRef idx="1">
+            <a:schemeClr val="accent1"/>
+          </a:fillRef>
+          <a:effectRef idx="0">
+            <a:schemeClr val="accent1"/>
+          </a:effectRef>
+          <a:fontRef idx="minor">
+            <a:schemeClr val="lt1"/>
+          </a:fontRef>
+        </p:style>
+        <p:txBody>
+          <a:bodyPr rtlCol="0" anchor="ctr"/>
+          <a:lstStyle/>
+          <a:p>
+            <a:pPr algn="ctr"/>
+            <a:r>
+              <a:rPr lang="en-US" dirty="0">
+                <a:ln w="0"/>
+                <a:solidFill>
+                  <a:schemeClr val="accent1"/>
+                </a:solidFill>
+                <a:effectLst>
+                  <a:outerShdw blurRad="38100" dist="25400" dir="5400000" algn="ctr" rotWithShape="0">
+                    <a:srgbClr val="6E747A">
+                      <a:alpha val="43000"/>
+                    </a:srgbClr>
+                  </a:outerShdw>
+                </a:effectLst>
+              </a:rPr>
+              <a:t>Data Access Layer</a:t>
+            </a:r>
+          </a:p>
+        </p:txBody>
+      </p:sp>
+      <p:sp>
+        <p:nvSpPr>
+          <p:cNvPr id="15" name="Rectangle 14">
+            <a:extLst>
+              <a:ext uri="{FF2B5EF4-FFF2-40B4-BE49-F238E27FC236}">
+                <a16:creationId xmlns:a16="http://schemas.microsoft.com/office/drawing/2014/main" id="{94C8A782-2D75-EA46-8453-45BE19EA1792}"/>
+              </a:ext>
+            </a:extLst>
+          </p:cNvPr>
+          <p:cNvSpPr/>
+          <p:nvPr/>
+        </p:nvSpPr>
+        <p:spPr>
+          <a:xfrm>
+            <a:off x="7036525" y="2682630"/>
+            <a:ext cx="2978331" cy="374469"/>
+          </a:xfrm>
+          <a:prstGeom prst="rect">
+            <a:avLst/>
+          </a:prstGeom>
+          <a:solidFill>
+            <a:srgbClr val="FFFF00"/>
+          </a:solidFill>
+        </p:spPr>
+        <p:style>
+          <a:lnRef idx="2">
+            <a:schemeClr val="accent1">
+              <a:shade val="50000"/>
+            </a:schemeClr>
+          </a:lnRef>
+          <a:fillRef idx="1">
+            <a:schemeClr val="accent1"/>
+          </a:fillRef>
+          <a:effectRef idx="0">
+            <a:schemeClr val="accent1"/>
+          </a:effectRef>
+          <a:fontRef idx="minor">
+            <a:schemeClr val="lt1"/>
+          </a:fontRef>
+        </p:style>
+        <p:txBody>
+          <a:bodyPr rtlCol="0" anchor="ctr"/>
+          <a:lstStyle/>
+          <a:p>
+            <a:pPr algn="ctr"/>
+            <a:r>
+              <a:rPr lang="en-US" dirty="0">
+                <a:ln w="0"/>
+                <a:solidFill>
+                  <a:schemeClr val="accent1"/>
+                </a:solidFill>
+                <a:effectLst>
+                  <a:outerShdw blurRad="38100" dist="25400" dir="5400000" algn="ctr" rotWithShape="0">
+                    <a:srgbClr val="6E747A">
+                      <a:alpha val="43000"/>
+                    </a:srgbClr>
+                  </a:outerShdw>
+                </a:effectLst>
+              </a:rPr>
+              <a:t>Business Layer</a:t>
+            </a:r>
+          </a:p>
+        </p:txBody>
+      </p:sp>
+      <p:sp>
+        <p:nvSpPr>
+          <p:cNvPr id="16" name="Rectangle 15">
+            <a:extLst>
+              <a:ext uri="{FF2B5EF4-FFF2-40B4-BE49-F238E27FC236}">
+                <a16:creationId xmlns:a16="http://schemas.microsoft.com/office/drawing/2014/main" id="{2A2A17E7-25DB-9647-93AF-828013CD8385}"/>
+              </a:ext>
+            </a:extLst>
+          </p:cNvPr>
+          <p:cNvSpPr/>
+          <p:nvPr/>
+        </p:nvSpPr>
+        <p:spPr>
+          <a:xfrm>
+            <a:off x="7036525" y="1663336"/>
+            <a:ext cx="2978331" cy="374469"/>
+          </a:xfrm>
+          <a:prstGeom prst="rect">
+            <a:avLst/>
+          </a:prstGeom>
+          <a:solidFill>
+            <a:srgbClr val="FFFF00"/>
+          </a:solidFill>
+        </p:spPr>
+        <p:style>
+          <a:lnRef idx="2">
+            <a:schemeClr val="accent1">
+              <a:shade val="50000"/>
+            </a:schemeClr>
+          </a:lnRef>
+          <a:fillRef idx="1">
+            <a:schemeClr val="accent1"/>
+          </a:fillRef>
+          <a:effectRef idx="0">
+            <a:schemeClr val="accent1"/>
+          </a:effectRef>
+          <a:fontRef idx="minor">
+            <a:schemeClr val="lt1"/>
+          </a:fontRef>
+        </p:style>
+        <p:txBody>
+          <a:bodyPr rtlCol="0" anchor="ctr"/>
+          <a:lstStyle/>
+          <a:p>
+            <a:pPr algn="ctr"/>
+            <a:r>
+              <a:rPr lang="en-US" dirty="0">
+                <a:ln w="0"/>
+                <a:solidFill>
+                  <a:schemeClr val="accent1"/>
+                </a:solidFill>
+                <a:effectLst>
+                  <a:outerShdw blurRad="38100" dist="25400" dir="5400000" algn="ctr" rotWithShape="0">
+                    <a:srgbClr val="6E747A">
+                      <a:alpha val="43000"/>
+                    </a:srgbClr>
+                  </a:outerShdw>
+                </a:effectLst>
+              </a:rPr>
+              <a:t>Public HTTP Endpoints</a:t>
+            </a:r>
+          </a:p>
+        </p:txBody>
+      </p:sp>
+      <p:sp>
+        <p:nvSpPr>
+          <p:cNvPr id="17" name="Up-down Arrow 16">
+            <a:extLst>
+              <a:ext uri="{FF2B5EF4-FFF2-40B4-BE49-F238E27FC236}">
+                <a16:creationId xmlns:a16="http://schemas.microsoft.com/office/drawing/2014/main" id="{032431A0-2DCD-0145-9F27-622BB5635235}"/>
+              </a:ext>
+            </a:extLst>
+          </p:cNvPr>
+          <p:cNvSpPr/>
+          <p:nvPr/>
+        </p:nvSpPr>
+        <p:spPr>
+          <a:xfrm>
+            <a:off x="8525690" y="3653247"/>
+            <a:ext cx="87087" cy="237504"/>
+          </a:xfrm>
+          <a:prstGeom prst="upDownArrow">
+            <a:avLst/>
+          </a:prstGeom>
+          <a:solidFill>
+            <a:srgbClr val="FFFF00"/>
+          </a:solidFill>
+        </p:spPr>
+        <p:style>
+          <a:lnRef idx="2">
+            <a:schemeClr val="accent1">
+              <a:shade val="50000"/>
+            </a:schemeClr>
+          </a:lnRef>
+          <a:fillRef idx="1">
+            <a:schemeClr val="accent1"/>
+          </a:fillRef>
+          <a:effectRef idx="0">
+            <a:schemeClr val="accent1"/>
+          </a:effectRef>
+          <a:fontRef idx="minor">
+            <a:schemeClr val="lt1"/>
+          </a:fontRef>
+        </p:style>
+        <p:txBody>
+          <a:bodyPr rtlCol="0" anchor="ctr"/>
+          <a:lstStyle/>
+          <a:p>
+            <a:pPr algn="ctr"/>
+            <a:endParaRPr lang="en-US"/>
+          </a:p>
+        </p:txBody>
+      </p:sp>
+      <p:sp>
+        <p:nvSpPr>
+          <p:cNvPr id="18" name="Left-right Arrow 17">
+            <a:extLst>
+              <a:ext uri="{FF2B5EF4-FFF2-40B4-BE49-F238E27FC236}">
+                <a16:creationId xmlns:a16="http://schemas.microsoft.com/office/drawing/2014/main" id="{4BB8BAD7-FC28-6349-ACB3-54C70CAF10B0}"/>
+              </a:ext>
+            </a:extLst>
+          </p:cNvPr>
+          <p:cNvSpPr/>
+          <p:nvPr/>
+        </p:nvSpPr>
+        <p:spPr>
+          <a:xfrm>
+            <a:off x="10128069" y="2621281"/>
+            <a:ext cx="627016" cy="248583"/>
+          </a:xfrm>
+          <a:prstGeom prst="leftRightArrow">
+            <a:avLst/>
+          </a:prstGeom>
+          <a:solidFill>
+            <a:srgbClr val="FFFF00"/>
+          </a:solidFill>
+        </p:spPr>
+        <p:style>
+          <a:lnRef idx="2">
+            <a:schemeClr val="accent1">
+              <a:shade val="50000"/>
+            </a:schemeClr>
+          </a:lnRef>
+          <a:fillRef idx="1">
+            <a:schemeClr val="accent1"/>
+          </a:fillRef>
+          <a:effectRef idx="0">
+            <a:schemeClr val="accent1"/>
+          </a:effectRef>
+          <a:fontRef idx="minor">
+            <a:schemeClr val="lt1"/>
+          </a:fontRef>
+        </p:style>
+        <p:txBody>
+          <a:bodyPr rtlCol="0" anchor="ctr"/>
+          <a:lstStyle/>
+          <a:p>
+            <a:pPr algn="ctr"/>
+            <a:endParaRPr lang="en-US"/>
+          </a:p>
+        </p:txBody>
+      </p:sp>
+      <p:sp>
+        <p:nvSpPr>
+          <p:cNvPr id="19" name="Left-right Arrow 18">
+            <a:extLst>
+              <a:ext uri="{FF2B5EF4-FFF2-40B4-BE49-F238E27FC236}">
+                <a16:creationId xmlns:a16="http://schemas.microsoft.com/office/drawing/2014/main" id="{B2755212-A601-884D-A292-A21A9FA4860B}"/>
+              </a:ext>
+            </a:extLst>
+          </p:cNvPr>
+          <p:cNvSpPr/>
+          <p:nvPr/>
+        </p:nvSpPr>
+        <p:spPr>
+          <a:xfrm rot="2013438">
+            <a:off x="10060210" y="3389037"/>
+            <a:ext cx="963890" cy="248583"/>
+          </a:xfrm>
+          <a:prstGeom prst="leftRightArrow">
+            <a:avLst/>
+          </a:prstGeom>
+          <a:solidFill>
+            <a:srgbClr val="FFFF00"/>
+          </a:solidFill>
+        </p:spPr>
+        <p:style>
+          <a:lnRef idx="2">
+            <a:schemeClr val="accent1">
+              <a:shade val="50000"/>
+            </a:schemeClr>
+          </a:lnRef>
+          <a:fillRef idx="1">
+            <a:schemeClr val="accent1"/>
+          </a:fillRef>
+          <a:effectRef idx="0">
+            <a:schemeClr val="accent1"/>
+          </a:effectRef>
+          <a:fontRef idx="minor">
+            <a:schemeClr val="lt1"/>
+          </a:fontRef>
+        </p:style>
+        <p:txBody>
+          <a:bodyPr rtlCol="0" anchor="ctr"/>
+          <a:lstStyle/>
+          <a:p>
+            <a:pPr algn="ctr"/>
+            <a:endParaRPr lang="en-US"/>
+          </a:p>
+        </p:txBody>
+      </p:sp>
+      <p:sp>
+        <p:nvSpPr>
+          <p:cNvPr id="20" name="Rectangle 19">
+            <a:extLst>
+              <a:ext uri="{FF2B5EF4-FFF2-40B4-BE49-F238E27FC236}">
+                <a16:creationId xmlns:a16="http://schemas.microsoft.com/office/drawing/2014/main" id="{4CE505AF-808C-6D4C-A35E-7E34D55D2BF9}"/>
+              </a:ext>
+            </a:extLst>
+          </p:cNvPr>
+          <p:cNvSpPr/>
+          <p:nvPr/>
+        </p:nvSpPr>
+        <p:spPr>
+          <a:xfrm>
+            <a:off x="7036524" y="2172983"/>
+            <a:ext cx="2978331" cy="374469"/>
+          </a:xfrm>
+          <a:prstGeom prst="rect">
+            <a:avLst/>
+          </a:prstGeom>
+          <a:solidFill>
+            <a:srgbClr val="FFFF00"/>
+          </a:solidFill>
+        </p:spPr>
+        <p:style>
+          <a:lnRef idx="2">
+            <a:schemeClr val="accent1">
+              <a:shade val="50000"/>
+            </a:schemeClr>
+          </a:lnRef>
+          <a:fillRef idx="1">
+            <a:schemeClr val="accent1"/>
+          </a:fillRef>
+          <a:effectRef idx="0">
+            <a:schemeClr val="accent1"/>
+          </a:effectRef>
+          <a:fontRef idx="minor">
+            <a:schemeClr val="lt1"/>
+          </a:fontRef>
+        </p:style>
+        <p:txBody>
+          <a:bodyPr rtlCol="0" anchor="ctr"/>
+          <a:lstStyle/>
+          <a:p>
+            <a:pPr algn="ctr"/>
+            <a:r>
+              <a:rPr lang="en-US" dirty="0">
+                <a:ln w="0"/>
+                <a:solidFill>
+                  <a:schemeClr val="accent1"/>
+                </a:solidFill>
+                <a:effectLst>
+                  <a:outerShdw blurRad="38100" dist="25400" dir="5400000" algn="ctr" rotWithShape="0">
+                    <a:srgbClr val="6E747A">
+                      <a:alpha val="43000"/>
+                    </a:srgbClr>
+                  </a:outerShdw>
+                </a:effectLst>
+              </a:rPr>
+              <a:t>Web Application Framework</a:t>
+            </a:r>
+          </a:p>
+        </p:txBody>
+      </p:sp>
+      <p:sp>
+        <p:nvSpPr>
+          <p:cNvPr id="21" name="Up-down Arrow 20">
+            <a:extLst>
+              <a:ext uri="{FF2B5EF4-FFF2-40B4-BE49-F238E27FC236}">
+                <a16:creationId xmlns:a16="http://schemas.microsoft.com/office/drawing/2014/main" id="{E3AA5534-4A3C-A542-B0DC-DA7A60480B12}"/>
+              </a:ext>
+            </a:extLst>
+          </p:cNvPr>
+          <p:cNvSpPr/>
+          <p:nvPr/>
+        </p:nvSpPr>
+        <p:spPr>
+          <a:xfrm>
+            <a:off x="8512627" y="4766748"/>
+            <a:ext cx="100150" cy="336475"/>
+          </a:xfrm>
+          <a:prstGeom prst="upDownArrow">
+            <a:avLst/>
+          </a:prstGeom>
+          <a:solidFill>
+            <a:srgbClr val="FFFF00"/>
+          </a:solidFill>
+        </p:spPr>
+        <p:style>
+          <a:lnRef idx="2">
+            <a:schemeClr val="accent1">
+              <a:shade val="50000"/>
+            </a:schemeClr>
+          </a:lnRef>
+          <a:fillRef idx="1">
+            <a:schemeClr val="accent1"/>
+          </a:fillRef>
+          <a:effectRef idx="0">
+            <a:schemeClr val="accent1"/>
+          </a:effectRef>
+          <a:fontRef idx="minor">
+            <a:schemeClr val="lt1"/>
+          </a:fontRef>
+        </p:style>
+        <p:txBody>
+          <a:bodyPr rtlCol="0" anchor="ctr"/>
+          <a:lstStyle/>
+          <a:p>
+            <a:pPr algn="ctr"/>
+            <a:endParaRPr lang="en-US"/>
+          </a:p>
+        </p:txBody>
+      </p:sp>
+      <p:sp>
+        <p:nvSpPr>
+          <p:cNvPr id="22" name="Rounded Rectangle 21">
+            <a:extLst>
+              <a:ext uri="{FF2B5EF4-FFF2-40B4-BE49-F238E27FC236}">
+                <a16:creationId xmlns:a16="http://schemas.microsoft.com/office/drawing/2014/main" id="{0DBA6DB9-0CDB-5941-9373-026E3ABDBC53}"/>
+              </a:ext>
+            </a:extLst>
+          </p:cNvPr>
+          <p:cNvSpPr/>
+          <p:nvPr/>
+        </p:nvSpPr>
+        <p:spPr>
+          <a:xfrm>
+            <a:off x="343990" y="1132115"/>
+            <a:ext cx="4850674" cy="4153878"/>
+          </a:xfrm>
+          <a:prstGeom prst="roundRect">
+            <a:avLst>
+              <a:gd name="adj" fmla="val 6519"/>
+            </a:avLst>
+          </a:prstGeom>
+        </p:spPr>
+        <p:style>
+          <a:lnRef idx="2">
+            <a:schemeClr val="accent1">
+              <a:shade val="50000"/>
+            </a:schemeClr>
+          </a:lnRef>
+          <a:fillRef idx="1">
+            <a:schemeClr val="accent1"/>
+          </a:fillRef>
+          <a:effectRef idx="0">
+            <a:schemeClr val="accent1"/>
+          </a:effectRef>
+          <a:fontRef idx="minor">
+            <a:schemeClr val="lt1"/>
+          </a:fontRef>
+        </p:style>
+        <p:txBody>
+          <a:bodyPr rtlCol="0" anchor="ctr"/>
+          <a:lstStyle/>
+          <a:p>
+            <a:pPr algn="ctr"/>
+            <a:endParaRPr lang="en-US"/>
+          </a:p>
+        </p:txBody>
+      </p:sp>
+      <p:sp>
+        <p:nvSpPr>
+          <p:cNvPr id="23" name="TextBox 22">
+            <a:extLst>
+              <a:ext uri="{FF2B5EF4-FFF2-40B4-BE49-F238E27FC236}">
+                <a16:creationId xmlns:a16="http://schemas.microsoft.com/office/drawing/2014/main" id="{123BB2EF-FB7A-6647-B892-1145B6CDB22D}"/>
+              </a:ext>
+            </a:extLst>
+          </p:cNvPr>
+          <p:cNvSpPr txBox="1"/>
+          <p:nvPr/>
+        </p:nvSpPr>
+        <p:spPr>
+          <a:xfrm>
+            <a:off x="496389" y="5490754"/>
+            <a:ext cx="4432662" cy="646331"/>
+          </a:xfrm>
+          <a:prstGeom prst="rect">
+            <a:avLst/>
+          </a:prstGeom>
+          <a:noFill/>
+        </p:spPr>
+        <p:txBody>
+          <a:bodyPr wrap="square" rtlCol="0">
+            <a:spAutoFit/>
+          </a:bodyPr>
+          <a:lstStyle/>
+          <a:p>
+            <a:pPr algn="ctr"/>
+            <a:r>
+              <a:rPr lang="en-US" dirty="0">
+                <a:highlight>
+                  <a:srgbClr val="FFFF00"/>
+                </a:highlight>
+              </a:rPr>
+              <a:t>JavaScript Front End App React, Angular, Vue, Ember, </a:t>
+            </a:r>
+            <a:r>
+              <a:rPr lang="en-US" dirty="0" err="1">
+                <a:highlight>
+                  <a:srgbClr val="FFFF00"/>
+                </a:highlight>
+              </a:rPr>
+              <a:t>etc</a:t>
+            </a:r>
+            <a:endParaRPr lang="en-US" dirty="0">
+              <a:highlight>
+                <a:srgbClr val="FFFF00"/>
+              </a:highlight>
+            </a:endParaRPr>
+          </a:p>
+        </p:txBody>
+      </p:sp>
+      <p:sp>
+        <p:nvSpPr>
+          <p:cNvPr id="24" name="Rectangle 23">
+            <a:extLst>
+              <a:ext uri="{FF2B5EF4-FFF2-40B4-BE49-F238E27FC236}">
+                <a16:creationId xmlns:a16="http://schemas.microsoft.com/office/drawing/2014/main" id="{30325FAC-B816-E246-A57D-E9A303E9ED08}"/>
+              </a:ext>
+            </a:extLst>
+          </p:cNvPr>
+          <p:cNvSpPr/>
+          <p:nvPr/>
+        </p:nvSpPr>
+        <p:spPr>
+          <a:xfrm>
+            <a:off x="496389" y="2046515"/>
+            <a:ext cx="1175657" cy="2307771"/>
+          </a:xfrm>
+          <a:prstGeom prst="rect">
+            <a:avLst/>
+          </a:prstGeom>
+          <a:solidFill>
+            <a:srgbClr val="FFFF00"/>
+          </a:solidFill>
+          <a:ln>
+            <a:solidFill>
+              <a:schemeClr val="accent1"/>
+            </a:solidFill>
+          </a:ln>
+        </p:spPr>
+        <p:style>
+          <a:lnRef idx="2">
+            <a:schemeClr val="accent1">
+              <a:shade val="50000"/>
+            </a:schemeClr>
+          </a:lnRef>
+          <a:fillRef idx="1">
+            <a:schemeClr val="accent1"/>
+          </a:fillRef>
+          <a:effectRef idx="0">
+            <a:schemeClr val="accent1"/>
+          </a:effectRef>
+          <a:fontRef idx="minor">
+            <a:schemeClr val="lt1"/>
+          </a:fontRef>
+        </p:style>
+        <p:txBody>
+          <a:bodyPr rtlCol="0" anchor="ctr"/>
+          <a:lstStyle/>
+          <a:p>
+            <a:pPr algn="ctr"/>
+            <a:r>
+              <a:rPr lang="en-US" dirty="0">
+                <a:ln w="0"/>
+                <a:solidFill>
+                  <a:schemeClr val="accent1"/>
+                </a:solidFill>
+                <a:effectLst>
+                  <a:outerShdw blurRad="38100" dist="25400" dir="5400000" algn="ctr" rotWithShape="0">
+                    <a:srgbClr val="6E747A">
+                      <a:alpha val="43000"/>
+                    </a:srgbClr>
+                  </a:outerShdw>
+                </a:effectLst>
+              </a:rPr>
+              <a:t>UI / UX Layer</a:t>
+            </a:r>
+          </a:p>
+          <a:p>
+            <a:pPr algn="ctr"/>
+            <a:r>
+              <a:rPr lang="en-US" dirty="0">
+                <a:ln w="0"/>
+                <a:solidFill>
+                  <a:schemeClr val="accent1"/>
+                </a:solidFill>
+                <a:effectLst>
+                  <a:outerShdw blurRad="38100" dist="25400" dir="5400000" algn="ctr" rotWithShape="0">
+                    <a:srgbClr val="6E747A">
+                      <a:alpha val="43000"/>
+                    </a:srgbClr>
+                  </a:outerShdw>
+                </a:effectLst>
+              </a:rPr>
+              <a:t>HTML</a:t>
+            </a:r>
+          </a:p>
+        </p:txBody>
+      </p:sp>
+      <p:sp>
+        <p:nvSpPr>
+          <p:cNvPr id="25" name="Rectangle 24">
+            <a:extLst>
+              <a:ext uri="{FF2B5EF4-FFF2-40B4-BE49-F238E27FC236}">
+                <a16:creationId xmlns:a16="http://schemas.microsoft.com/office/drawing/2014/main" id="{2ACEBBBB-D072-304C-8540-C7DA1B2E0F7E}"/>
+              </a:ext>
+            </a:extLst>
+          </p:cNvPr>
+          <p:cNvSpPr/>
+          <p:nvPr/>
+        </p:nvSpPr>
+        <p:spPr>
+          <a:xfrm>
+            <a:off x="1955441" y="2055168"/>
+            <a:ext cx="1175657" cy="2307771"/>
+          </a:xfrm>
+          <a:prstGeom prst="rect">
+            <a:avLst/>
+          </a:prstGeom>
+          <a:solidFill>
+            <a:srgbClr val="FFFF00"/>
+          </a:solidFill>
+          <a:ln>
+            <a:solidFill>
+              <a:schemeClr val="accent1"/>
+            </a:solidFill>
+          </a:ln>
+        </p:spPr>
+        <p:style>
+          <a:lnRef idx="2">
+            <a:schemeClr val="accent1">
+              <a:shade val="50000"/>
+            </a:schemeClr>
+          </a:lnRef>
+          <a:fillRef idx="1">
+            <a:schemeClr val="accent1"/>
+          </a:fillRef>
+          <a:effectRef idx="0">
+            <a:schemeClr val="accent1"/>
+          </a:effectRef>
+          <a:fontRef idx="minor">
+            <a:schemeClr val="lt1"/>
+          </a:fontRef>
+        </p:style>
+        <p:txBody>
+          <a:bodyPr rtlCol="0" anchor="ctr"/>
+          <a:lstStyle/>
+          <a:p>
+            <a:pPr algn="ctr"/>
+            <a:r>
+              <a:rPr lang="en-US" dirty="0">
+                <a:ln w="0"/>
+                <a:solidFill>
+                  <a:schemeClr val="accent1"/>
+                </a:solidFill>
+                <a:effectLst>
+                  <a:outerShdw blurRad="38100" dist="25400" dir="5400000" algn="ctr" rotWithShape="0">
+                    <a:srgbClr val="6E747A">
+                      <a:alpha val="43000"/>
+                    </a:srgbClr>
+                  </a:outerShdw>
+                </a:effectLst>
+              </a:rPr>
+              <a:t>Presenter</a:t>
+            </a:r>
+          </a:p>
+          <a:p>
+            <a:pPr algn="ctr"/>
+            <a:r>
+              <a:rPr lang="en-US" dirty="0">
+                <a:ln w="0"/>
+                <a:solidFill>
+                  <a:schemeClr val="accent1"/>
+                </a:solidFill>
+                <a:effectLst>
+                  <a:outerShdw blurRad="38100" dist="25400" dir="5400000" algn="ctr" rotWithShape="0">
+                    <a:srgbClr val="6E747A">
+                      <a:alpha val="43000"/>
+                    </a:srgbClr>
+                  </a:outerShdw>
+                </a:effectLst>
+              </a:rPr>
+              <a:t>Layer</a:t>
+            </a:r>
+          </a:p>
+          <a:p>
+            <a:pPr algn="ctr"/>
+            <a:r>
+              <a:rPr lang="en-US" dirty="0">
+                <a:ln w="0"/>
+                <a:solidFill>
+                  <a:schemeClr val="accent1"/>
+                </a:solidFill>
+                <a:effectLst>
+                  <a:outerShdw blurRad="38100" dist="25400" dir="5400000" algn="ctr" rotWithShape="0">
+                    <a:srgbClr val="6E747A">
+                      <a:alpha val="43000"/>
+                    </a:srgbClr>
+                  </a:outerShdw>
+                </a:effectLst>
+              </a:rPr>
+              <a:t>Data, Events, Functions</a:t>
+            </a:r>
+          </a:p>
+        </p:txBody>
+      </p:sp>
+      <p:sp>
+        <p:nvSpPr>
+          <p:cNvPr id="26" name="Right Arrow 25">
+            <a:extLst>
+              <a:ext uri="{FF2B5EF4-FFF2-40B4-BE49-F238E27FC236}">
+                <a16:creationId xmlns:a16="http://schemas.microsoft.com/office/drawing/2014/main" id="{7AD18B20-AFB1-A549-BBA2-8A4D7521CEB7}"/>
+              </a:ext>
+            </a:extLst>
+          </p:cNvPr>
+          <p:cNvSpPr/>
+          <p:nvPr/>
+        </p:nvSpPr>
+        <p:spPr>
+          <a:xfrm>
+            <a:off x="1452401" y="2246811"/>
+            <a:ext cx="698616" cy="191589"/>
+          </a:xfrm>
+          <a:prstGeom prst="rightArrow">
+            <a:avLst/>
+          </a:prstGeom>
+          <a:solidFill>
+            <a:srgbClr val="002060"/>
+          </a:solidFill>
+        </p:spPr>
+        <p:style>
+          <a:lnRef idx="2">
+            <a:schemeClr val="accent1">
+              <a:shade val="50000"/>
+            </a:schemeClr>
+          </a:lnRef>
+          <a:fillRef idx="1">
+            <a:schemeClr val="accent1"/>
+          </a:fillRef>
+          <a:effectRef idx="0">
+            <a:schemeClr val="accent1"/>
+          </a:effectRef>
+          <a:fontRef idx="minor">
+            <a:schemeClr val="lt1"/>
+          </a:fontRef>
+        </p:style>
+        <p:txBody>
+          <a:bodyPr rtlCol="0" anchor="ctr"/>
+          <a:lstStyle/>
+          <a:p>
+            <a:pPr algn="ctr"/>
+            <a:endParaRPr lang="en-US"/>
+          </a:p>
+        </p:txBody>
+      </p:sp>
+      <p:sp>
+        <p:nvSpPr>
+          <p:cNvPr id="27" name="Right Arrow 26">
+            <a:extLst>
+              <a:ext uri="{FF2B5EF4-FFF2-40B4-BE49-F238E27FC236}">
+                <a16:creationId xmlns:a16="http://schemas.microsoft.com/office/drawing/2014/main" id="{2E832BDC-F8F2-284F-B80E-FDB7D8A16CB6}"/>
+              </a:ext>
+            </a:extLst>
+          </p:cNvPr>
+          <p:cNvSpPr/>
+          <p:nvPr/>
+        </p:nvSpPr>
+        <p:spPr>
+          <a:xfrm rot="10800000">
+            <a:off x="1412248" y="3890751"/>
+            <a:ext cx="698616" cy="191589"/>
+          </a:xfrm>
+          <a:prstGeom prst="rightArrow">
+            <a:avLst/>
+          </a:prstGeom>
+          <a:solidFill>
+            <a:srgbClr val="002060"/>
+          </a:solidFill>
+        </p:spPr>
+        <p:style>
+          <a:lnRef idx="2">
+            <a:schemeClr val="accent1">
+              <a:shade val="50000"/>
+            </a:schemeClr>
+          </a:lnRef>
+          <a:fillRef idx="1">
+            <a:schemeClr val="accent1"/>
+          </a:fillRef>
+          <a:effectRef idx="0">
+            <a:schemeClr val="accent1"/>
+          </a:effectRef>
+          <a:fontRef idx="minor">
+            <a:schemeClr val="lt1"/>
+          </a:fontRef>
+        </p:style>
+        <p:txBody>
+          <a:bodyPr rtlCol="0" anchor="ctr"/>
+          <a:lstStyle/>
+          <a:p>
+            <a:pPr algn="ctr"/>
+            <a:endParaRPr lang="en-US"/>
+          </a:p>
+        </p:txBody>
+      </p:sp>
+      <p:sp>
+        <p:nvSpPr>
+          <p:cNvPr id="28" name="Rectangle 27">
+            <a:extLst>
+              <a:ext uri="{FF2B5EF4-FFF2-40B4-BE49-F238E27FC236}">
+                <a16:creationId xmlns:a16="http://schemas.microsoft.com/office/drawing/2014/main" id="{71EC0793-8557-8542-A327-4BBB05E90820}"/>
+              </a:ext>
+            </a:extLst>
+          </p:cNvPr>
+          <p:cNvSpPr/>
+          <p:nvPr/>
+        </p:nvSpPr>
+        <p:spPr>
+          <a:xfrm>
+            <a:off x="3953691" y="1994406"/>
+            <a:ext cx="1175657" cy="805597"/>
+          </a:xfrm>
+          <a:prstGeom prst="rect">
+            <a:avLst/>
+          </a:prstGeom>
+          <a:solidFill>
+            <a:srgbClr val="FFFF00"/>
+          </a:solidFill>
+          <a:ln>
+            <a:solidFill>
+              <a:schemeClr val="accent1"/>
+            </a:solidFill>
+          </a:ln>
+        </p:spPr>
+        <p:style>
+          <a:lnRef idx="2">
+            <a:schemeClr val="accent1">
+              <a:shade val="50000"/>
+            </a:schemeClr>
+          </a:lnRef>
+          <a:fillRef idx="1">
+            <a:schemeClr val="accent1"/>
+          </a:fillRef>
+          <a:effectRef idx="0">
+            <a:schemeClr val="accent1"/>
+          </a:effectRef>
+          <a:fontRef idx="minor">
+            <a:schemeClr val="lt1"/>
+          </a:fontRef>
+        </p:style>
+        <p:txBody>
+          <a:bodyPr rtlCol="0" anchor="ctr"/>
+          <a:lstStyle/>
+          <a:p>
+            <a:pPr algn="ctr"/>
+            <a:r>
+              <a:rPr lang="en-US" dirty="0">
+                <a:ln w="0"/>
+                <a:solidFill>
+                  <a:schemeClr val="accent1"/>
+                </a:solidFill>
+                <a:effectLst>
+                  <a:outerShdw blurRad="38100" dist="25400" dir="5400000" algn="ctr" rotWithShape="0">
+                    <a:srgbClr val="6E747A">
+                      <a:alpha val="43000"/>
+                    </a:srgbClr>
+                  </a:outerShdw>
+                </a:effectLst>
+              </a:rPr>
+              <a:t>Front-End </a:t>
+            </a:r>
+          </a:p>
+          <a:p>
+            <a:pPr algn="ctr"/>
+            <a:r>
+              <a:rPr lang="en-US" dirty="0">
+                <a:ln w="0"/>
+                <a:solidFill>
+                  <a:schemeClr val="accent1"/>
+                </a:solidFill>
+                <a:effectLst>
+                  <a:outerShdw blurRad="38100" dist="25400" dir="5400000" algn="ctr" rotWithShape="0">
+                    <a:srgbClr val="6E747A">
+                      <a:alpha val="43000"/>
+                    </a:srgbClr>
+                  </a:outerShdw>
+                </a:effectLst>
+              </a:rPr>
+              <a:t>Logic</a:t>
+            </a:r>
+          </a:p>
+        </p:txBody>
+      </p:sp>
+      <p:sp>
+        <p:nvSpPr>
+          <p:cNvPr id="29" name="Rectangle 28">
+            <a:extLst>
+              <a:ext uri="{FF2B5EF4-FFF2-40B4-BE49-F238E27FC236}">
+                <a16:creationId xmlns:a16="http://schemas.microsoft.com/office/drawing/2014/main" id="{8D1907BF-71D3-EB46-8F6A-1512F73E45FB}"/>
+              </a:ext>
+            </a:extLst>
+          </p:cNvPr>
+          <p:cNvSpPr/>
+          <p:nvPr/>
+        </p:nvSpPr>
+        <p:spPr>
+          <a:xfrm>
+            <a:off x="2769327" y="1163010"/>
+            <a:ext cx="1680753" cy="805597"/>
+          </a:xfrm>
+          <a:prstGeom prst="rect">
+            <a:avLst/>
+          </a:prstGeom>
+          <a:solidFill>
+            <a:srgbClr val="FFFF00"/>
+          </a:solidFill>
+          <a:ln>
+            <a:solidFill>
+              <a:schemeClr val="accent1"/>
+            </a:solidFill>
+          </a:ln>
+        </p:spPr>
+        <p:style>
+          <a:lnRef idx="2">
+            <a:schemeClr val="accent1">
+              <a:shade val="50000"/>
+            </a:schemeClr>
+          </a:lnRef>
+          <a:fillRef idx="1">
+            <a:schemeClr val="accent1"/>
+          </a:fillRef>
+          <a:effectRef idx="0">
+            <a:schemeClr val="accent1"/>
+          </a:effectRef>
+          <a:fontRef idx="minor">
+            <a:schemeClr val="lt1"/>
+          </a:fontRef>
+        </p:style>
+        <p:txBody>
+          <a:bodyPr rtlCol="0" anchor="ctr"/>
+          <a:lstStyle/>
+          <a:p>
+            <a:pPr algn="ctr"/>
+            <a:r>
+              <a:rPr lang="en-US" dirty="0">
+                <a:ln w="0"/>
+                <a:solidFill>
+                  <a:schemeClr val="accent1"/>
+                </a:solidFill>
+                <a:effectLst>
+                  <a:outerShdw blurRad="38100" dist="25400" dir="5400000" algn="ctr" rotWithShape="0">
+                    <a:srgbClr val="6E747A">
+                      <a:alpha val="43000"/>
+                    </a:srgbClr>
+                  </a:outerShdw>
+                </a:effectLst>
+              </a:rPr>
+              <a:t>Utilities</a:t>
+            </a:r>
+          </a:p>
+          <a:p>
+            <a:pPr algn="ctr"/>
+            <a:r>
+              <a:rPr lang="en-US" dirty="0">
+                <a:ln w="0"/>
+                <a:solidFill>
+                  <a:schemeClr val="accent1"/>
+                </a:solidFill>
+                <a:effectLst>
+                  <a:outerShdw blurRad="38100" dist="25400" dir="5400000" algn="ctr" rotWithShape="0">
+                    <a:srgbClr val="6E747A">
+                      <a:alpha val="43000"/>
+                    </a:srgbClr>
+                  </a:outerShdw>
+                </a:effectLst>
+              </a:rPr>
+              <a:t>Re-usable Logic</a:t>
+            </a:r>
+          </a:p>
+        </p:txBody>
+      </p:sp>
+      <p:sp>
+        <p:nvSpPr>
+          <p:cNvPr id="30" name="Rectangle 29">
+            <a:extLst>
+              <a:ext uri="{FF2B5EF4-FFF2-40B4-BE49-F238E27FC236}">
+                <a16:creationId xmlns:a16="http://schemas.microsoft.com/office/drawing/2014/main" id="{F7D8A75A-127E-3744-98F5-D94400C2FC3D}"/>
+              </a:ext>
+            </a:extLst>
+          </p:cNvPr>
+          <p:cNvSpPr/>
+          <p:nvPr/>
+        </p:nvSpPr>
+        <p:spPr>
+          <a:xfrm>
+            <a:off x="3862619" y="3418312"/>
+            <a:ext cx="1175657" cy="805597"/>
+          </a:xfrm>
+          <a:prstGeom prst="rect">
+            <a:avLst/>
+          </a:prstGeom>
+          <a:solidFill>
+            <a:srgbClr val="FFFF00"/>
+          </a:solidFill>
+          <a:ln>
+            <a:solidFill>
+              <a:schemeClr val="accent1"/>
+            </a:solidFill>
+          </a:ln>
+        </p:spPr>
+        <p:style>
+          <a:lnRef idx="2">
+            <a:schemeClr val="accent1">
+              <a:shade val="50000"/>
+            </a:schemeClr>
+          </a:lnRef>
+          <a:fillRef idx="1">
+            <a:schemeClr val="accent1"/>
+          </a:fillRef>
+          <a:effectRef idx="0">
+            <a:schemeClr val="accent1"/>
+          </a:effectRef>
+          <a:fontRef idx="minor">
+            <a:schemeClr val="lt1"/>
+          </a:fontRef>
+        </p:style>
+        <p:txBody>
+          <a:bodyPr rtlCol="0" anchor="ctr"/>
+          <a:lstStyle/>
+          <a:p>
+            <a:pPr algn="ctr"/>
+            <a:r>
+              <a:rPr lang="en-US" dirty="0">
+                <a:ln w="0"/>
+                <a:solidFill>
+                  <a:schemeClr val="accent1"/>
+                </a:solidFill>
+                <a:effectLst>
+                  <a:outerShdw blurRad="38100" dist="25400" dir="5400000" algn="ctr" rotWithShape="0">
+                    <a:srgbClr val="6E747A">
+                      <a:alpha val="43000"/>
+                    </a:srgbClr>
+                  </a:outerShdw>
+                </a:effectLst>
+              </a:rPr>
+              <a:t>External HTTP </a:t>
+            </a:r>
+          </a:p>
+          <a:p>
+            <a:pPr algn="ctr"/>
+            <a:r>
+              <a:rPr lang="en-US" dirty="0">
+                <a:ln w="0"/>
+                <a:solidFill>
+                  <a:schemeClr val="accent1"/>
+                </a:solidFill>
+                <a:effectLst>
+                  <a:outerShdw blurRad="38100" dist="25400" dir="5400000" algn="ctr" rotWithShape="0">
+                    <a:srgbClr val="6E747A">
+                      <a:alpha val="43000"/>
+                    </a:srgbClr>
+                  </a:outerShdw>
+                </a:effectLst>
+              </a:rPr>
+              <a:t>Calls</a:t>
+            </a:r>
+          </a:p>
+        </p:txBody>
+      </p:sp>
+      <p:sp>
+        <p:nvSpPr>
+          <p:cNvPr id="31" name="Left-right Arrow 30">
+            <a:extLst>
+              <a:ext uri="{FF2B5EF4-FFF2-40B4-BE49-F238E27FC236}">
+                <a16:creationId xmlns:a16="http://schemas.microsoft.com/office/drawing/2014/main" id="{901FE78E-FE6F-0D4B-AAFE-8B0BE7792900}"/>
+              </a:ext>
+            </a:extLst>
+          </p:cNvPr>
+          <p:cNvSpPr/>
+          <p:nvPr/>
+        </p:nvSpPr>
+        <p:spPr>
+          <a:xfrm>
+            <a:off x="3004457" y="2303596"/>
+            <a:ext cx="949234" cy="243856"/>
+          </a:xfrm>
+          <a:prstGeom prst="leftRightArrow">
+            <a:avLst/>
+          </a:prstGeom>
+          <a:solidFill>
+            <a:srgbClr val="002060"/>
+          </a:solidFill>
+        </p:spPr>
+        <p:style>
+          <a:lnRef idx="2">
+            <a:schemeClr val="accent1">
+              <a:shade val="50000"/>
+            </a:schemeClr>
+          </a:lnRef>
+          <a:fillRef idx="1">
+            <a:schemeClr val="accent1"/>
+          </a:fillRef>
+          <a:effectRef idx="0">
+            <a:schemeClr val="accent1"/>
+          </a:effectRef>
+          <a:fontRef idx="minor">
+            <a:schemeClr val="lt1"/>
+          </a:fontRef>
+        </p:style>
+        <p:txBody>
+          <a:bodyPr rtlCol="0" anchor="ctr"/>
+          <a:lstStyle/>
+          <a:p>
+            <a:pPr algn="ctr"/>
+            <a:endParaRPr lang="en-US"/>
+          </a:p>
+        </p:txBody>
+      </p:sp>
+      <p:sp>
+        <p:nvSpPr>
+          <p:cNvPr id="32" name="Left-right Arrow 31">
+            <a:extLst>
+              <a:ext uri="{FF2B5EF4-FFF2-40B4-BE49-F238E27FC236}">
+                <a16:creationId xmlns:a16="http://schemas.microsoft.com/office/drawing/2014/main" id="{00C74556-EAF2-154B-8D04-3C832D344878}"/>
+              </a:ext>
+            </a:extLst>
+          </p:cNvPr>
+          <p:cNvSpPr/>
+          <p:nvPr/>
+        </p:nvSpPr>
+        <p:spPr>
+          <a:xfrm rot="16200000">
+            <a:off x="3977916" y="1886021"/>
+            <a:ext cx="235131" cy="134800"/>
+          </a:xfrm>
+          <a:prstGeom prst="leftRightArrow">
+            <a:avLst/>
+          </a:prstGeom>
+          <a:solidFill>
+            <a:srgbClr val="002060"/>
+          </a:solidFill>
+        </p:spPr>
+        <p:style>
+          <a:lnRef idx="2">
+            <a:schemeClr val="accent1">
+              <a:shade val="50000"/>
+            </a:schemeClr>
+          </a:lnRef>
+          <a:fillRef idx="1">
+            <a:schemeClr val="accent1"/>
+          </a:fillRef>
+          <a:effectRef idx="0">
+            <a:schemeClr val="accent1"/>
+          </a:effectRef>
+          <a:fontRef idx="minor">
+            <a:schemeClr val="lt1"/>
+          </a:fontRef>
+        </p:style>
+        <p:txBody>
+          <a:bodyPr rtlCol="0" anchor="ctr"/>
+          <a:lstStyle/>
+          <a:p>
+            <a:pPr algn="ctr"/>
+            <a:endParaRPr lang="en-US"/>
+          </a:p>
+        </p:txBody>
+      </p:sp>
+      <p:sp>
+        <p:nvSpPr>
+          <p:cNvPr id="33" name="Left-right Arrow 32">
+            <a:extLst>
+              <a:ext uri="{FF2B5EF4-FFF2-40B4-BE49-F238E27FC236}">
+                <a16:creationId xmlns:a16="http://schemas.microsoft.com/office/drawing/2014/main" id="{BC8B8C75-F801-3546-983B-5724669249C6}"/>
+              </a:ext>
+            </a:extLst>
+          </p:cNvPr>
+          <p:cNvSpPr/>
+          <p:nvPr/>
+        </p:nvSpPr>
+        <p:spPr>
+          <a:xfrm>
+            <a:off x="3026595" y="3727271"/>
+            <a:ext cx="836024" cy="243856"/>
+          </a:xfrm>
+          <a:prstGeom prst="leftRightArrow">
+            <a:avLst/>
+          </a:prstGeom>
+          <a:solidFill>
+            <a:srgbClr val="002060"/>
+          </a:solidFill>
+        </p:spPr>
+        <p:style>
+          <a:lnRef idx="2">
+            <a:schemeClr val="accent1">
+              <a:shade val="50000"/>
+            </a:schemeClr>
+          </a:lnRef>
+          <a:fillRef idx="1">
+            <a:schemeClr val="accent1"/>
+          </a:fillRef>
+          <a:effectRef idx="0">
+            <a:schemeClr val="accent1"/>
+          </a:effectRef>
+          <a:fontRef idx="minor">
+            <a:schemeClr val="lt1"/>
+          </a:fontRef>
+        </p:style>
+        <p:txBody>
+          <a:bodyPr rtlCol="0" anchor="ctr"/>
+          <a:lstStyle/>
+          <a:p>
+            <a:pPr algn="ctr"/>
+            <a:endParaRPr lang="en-US"/>
+          </a:p>
+        </p:txBody>
+      </p:sp>
+      <p:sp>
+        <p:nvSpPr>
+          <p:cNvPr id="34" name="Curved Down Arrow 33">
+            <a:extLst>
+              <a:ext uri="{FF2B5EF4-FFF2-40B4-BE49-F238E27FC236}">
+                <a16:creationId xmlns:a16="http://schemas.microsoft.com/office/drawing/2014/main" id="{FEE27713-42D1-6F40-88D0-9A185C928B63}"/>
+              </a:ext>
+            </a:extLst>
+          </p:cNvPr>
+          <p:cNvSpPr/>
+          <p:nvPr/>
+        </p:nvSpPr>
+        <p:spPr>
+          <a:xfrm>
+            <a:off x="4825408" y="2947851"/>
+            <a:ext cx="2171930" cy="481149"/>
+          </a:xfrm>
+          <a:prstGeom prst="curvedDownArrow">
+            <a:avLst/>
+          </a:prstGeom>
+          <a:solidFill>
+            <a:srgbClr val="002060"/>
+          </a:solidFill>
+        </p:spPr>
+        <p:style>
+          <a:lnRef idx="2">
+            <a:schemeClr val="accent1">
+              <a:shade val="50000"/>
+            </a:schemeClr>
+          </a:lnRef>
+          <a:fillRef idx="1">
+            <a:schemeClr val="accent1"/>
+          </a:fillRef>
+          <a:effectRef idx="0">
+            <a:schemeClr val="accent1"/>
+          </a:effectRef>
+          <a:fontRef idx="minor">
+            <a:schemeClr val="lt1"/>
+          </a:fontRef>
+        </p:style>
+        <p:txBody>
+          <a:bodyPr rtlCol="0" anchor="ctr"/>
+          <a:lstStyle/>
+          <a:p>
+            <a:pPr algn="ctr"/>
+            <a:endParaRPr lang="en-US">
+              <a:solidFill>
+                <a:schemeClr val="tx1"/>
+              </a:solidFill>
+            </a:endParaRPr>
+          </a:p>
+        </p:txBody>
+      </p:sp>
+      <p:sp>
+        <p:nvSpPr>
+          <p:cNvPr id="35" name="Curved Down Arrow 34">
+            <a:extLst>
+              <a:ext uri="{FF2B5EF4-FFF2-40B4-BE49-F238E27FC236}">
+                <a16:creationId xmlns:a16="http://schemas.microsoft.com/office/drawing/2014/main" id="{05F630FB-F78E-ED4F-84EE-B2827F532E89}"/>
+              </a:ext>
+            </a:extLst>
+          </p:cNvPr>
+          <p:cNvSpPr/>
+          <p:nvPr/>
+        </p:nvSpPr>
+        <p:spPr>
+          <a:xfrm rot="10800000">
+            <a:off x="4820559" y="3569330"/>
+            <a:ext cx="2171930" cy="481149"/>
+          </a:xfrm>
+          <a:prstGeom prst="curvedDownArrow">
+            <a:avLst/>
+          </a:prstGeom>
+          <a:solidFill>
+            <a:srgbClr val="002060"/>
+          </a:solidFill>
+        </p:spPr>
+        <p:style>
+          <a:lnRef idx="2">
+            <a:schemeClr val="accent1">
+              <a:shade val="50000"/>
+            </a:schemeClr>
+          </a:lnRef>
+          <a:fillRef idx="1">
+            <a:schemeClr val="accent1"/>
+          </a:fillRef>
+          <a:effectRef idx="0">
+            <a:schemeClr val="accent1"/>
+          </a:effectRef>
+          <a:fontRef idx="minor">
+            <a:schemeClr val="lt1"/>
+          </a:fontRef>
+        </p:style>
+        <p:txBody>
+          <a:bodyPr rtlCol="0" anchor="ctr"/>
+          <a:lstStyle/>
+          <a:p>
+            <a:pPr algn="ctr"/>
+            <a:endParaRPr lang="en-US">
+              <a:solidFill>
+                <a:schemeClr val="tx1"/>
+              </a:solidFill>
+            </a:endParaRPr>
+          </a:p>
+        </p:txBody>
+      </p:sp>
+      <p:sp>
+        <p:nvSpPr>
+          <p:cNvPr id="36" name="TextBox 35">
+            <a:extLst>
+              <a:ext uri="{FF2B5EF4-FFF2-40B4-BE49-F238E27FC236}">
+                <a16:creationId xmlns:a16="http://schemas.microsoft.com/office/drawing/2014/main" id="{E36A8A78-5B44-8248-A227-63C79341645A}"/>
+              </a:ext>
+            </a:extLst>
+          </p:cNvPr>
+          <p:cNvSpPr txBox="1"/>
+          <p:nvPr/>
+        </p:nvSpPr>
+        <p:spPr>
+          <a:xfrm>
+            <a:off x="5255624" y="3188425"/>
+            <a:ext cx="1350688" cy="646331"/>
+          </a:xfrm>
+          <a:prstGeom prst="rect">
+            <a:avLst/>
+          </a:prstGeom>
+          <a:noFill/>
+        </p:spPr>
+        <p:txBody>
+          <a:bodyPr wrap="square" rtlCol="0">
+            <a:spAutoFit/>
+          </a:bodyPr>
+          <a:lstStyle/>
+          <a:p>
+            <a:r>
+              <a:rPr lang="en-US" dirty="0"/>
+              <a:t>Async HTTP Calls</a:t>
+            </a:r>
+          </a:p>
+        </p:txBody>
+      </p:sp>
+    </p:spTree>
+    <p:extLst>
+      <p:ext uri="{BB962C8B-B14F-4D97-AF65-F5344CB8AC3E}">
+        <p14:creationId xmlns:p14="http://schemas.microsoft.com/office/powerpoint/2010/main" val="4180901649"/>
+      </p:ext>
+    </p:extLst>
+  </p:cSld>
+  <p:clrMapOvr>
+    <a:masterClrMapping/>
+  </p:clrMapOvr>
+</p:sld>
+</file>
+
+<file path=ppt/slides/slide13.xml><?xml version="1.0" encoding="utf-8"?>
+<p:sld xmlns:a="http://schemas.openxmlformats.org/drawingml/2006/main" xmlns:r="http://schemas.openxmlformats.org/officeDocument/2006/relationships" xmlns:p="http://schemas.openxmlformats.org/presentationml/2006/main">
+  <p:cSld>
+    <p:spTree>
+      <p:nvGrpSpPr>
+        <p:cNvPr id="1" name=""/>
+        <p:cNvGrpSpPr/>
+        <p:nvPr/>
+      </p:nvGrpSpPr>
+      <p:grpSpPr>
+        <a:xfrm>
+          <a:off x="0" y="0"/>
+          <a:ext cx="0" cy="0"/>
+          <a:chOff x="0" y="0"/>
+          <a:chExt cx="0" cy="0"/>
+        </a:xfrm>
+      </p:grpSpPr>
+      <p:sp>
+        <p:nvSpPr>
+          <p:cNvPr id="2" name="Rectangle 1">
+            <a:extLst>
+              <a:ext uri="{FF2B5EF4-FFF2-40B4-BE49-F238E27FC236}">
+                <a16:creationId xmlns:a16="http://schemas.microsoft.com/office/drawing/2014/main" id="{C796DCBE-2AAD-4C47-AFC6-BB9198FC6086}"/>
+              </a:ext>
+            </a:extLst>
+          </p:cNvPr>
+          <p:cNvSpPr/>
+          <p:nvPr/>
+        </p:nvSpPr>
+        <p:spPr>
+          <a:xfrm>
+            <a:off x="0" y="0"/>
+            <a:ext cx="12192000" cy="513806"/>
+          </a:xfrm>
+          <a:prstGeom prst="rect">
+            <a:avLst/>
+          </a:prstGeom>
+        </p:spPr>
+        <p:style>
+          <a:lnRef idx="2">
+            <a:schemeClr val="accent1">
+              <a:shade val="50000"/>
+            </a:schemeClr>
+          </a:lnRef>
+          <a:fillRef idx="1">
+            <a:schemeClr val="accent1"/>
+          </a:fillRef>
+          <a:effectRef idx="0">
+            <a:schemeClr val="accent1"/>
+          </a:effectRef>
+          <a:fontRef idx="minor">
+            <a:schemeClr val="lt1"/>
+          </a:fontRef>
+        </p:style>
+        <p:txBody>
+          <a:bodyPr rtlCol="0" anchor="ctr"/>
+          <a:lstStyle/>
+          <a:p>
+            <a:pPr algn="ctr"/>
+            <a:r>
+              <a:rPr lang="en-US" dirty="0"/>
+              <a:t>JavaScript Modern Application Model With Async</a:t>
+            </a:r>
+          </a:p>
+        </p:txBody>
+      </p:sp>
+      <p:sp>
+        <p:nvSpPr>
+          <p:cNvPr id="3" name="Rounded Rectangle 2">
+            <a:extLst>
+              <a:ext uri="{FF2B5EF4-FFF2-40B4-BE49-F238E27FC236}">
+                <a16:creationId xmlns:a16="http://schemas.microsoft.com/office/drawing/2014/main" id="{D508E136-8C1C-C140-98A6-12BB5CFDDB6E}"/>
+              </a:ext>
+            </a:extLst>
+          </p:cNvPr>
+          <p:cNvSpPr/>
+          <p:nvPr/>
+        </p:nvSpPr>
+        <p:spPr>
+          <a:xfrm>
+            <a:off x="8813074" y="1088571"/>
+            <a:ext cx="2952206" cy="4746172"/>
+          </a:xfrm>
+          <a:prstGeom prst="roundRect">
+            <a:avLst>
+              <a:gd name="adj" fmla="val 9587"/>
+            </a:avLst>
+          </a:prstGeom>
+        </p:spPr>
+        <p:style>
+          <a:lnRef idx="2">
+            <a:schemeClr val="accent1">
+              <a:shade val="50000"/>
+            </a:schemeClr>
+          </a:lnRef>
+          <a:fillRef idx="1">
+            <a:schemeClr val="accent1"/>
+          </a:fillRef>
+          <a:effectRef idx="0">
+            <a:schemeClr val="accent1"/>
+          </a:effectRef>
+          <a:fontRef idx="minor">
+            <a:schemeClr val="lt1"/>
+          </a:fontRef>
+        </p:style>
+        <p:txBody>
+          <a:bodyPr rtlCol="0" anchor="ctr"/>
+          <a:lstStyle/>
+          <a:p>
+            <a:pPr algn="ctr"/>
+            <a:r>
+              <a:rPr lang="en-US" dirty="0"/>
+              <a:t>Multi-Threaded. Request Processing</a:t>
+            </a:r>
+          </a:p>
+        </p:txBody>
+      </p:sp>
+      <p:sp>
+        <p:nvSpPr>
+          <p:cNvPr id="4" name="Right Arrow 3">
+            <a:extLst>
+              <a:ext uri="{FF2B5EF4-FFF2-40B4-BE49-F238E27FC236}">
+                <a16:creationId xmlns:a16="http://schemas.microsoft.com/office/drawing/2014/main" id="{AAE6FD67-B86A-0748-A76C-0068A5574ADC}"/>
+              </a:ext>
+            </a:extLst>
+          </p:cNvPr>
+          <p:cNvSpPr/>
+          <p:nvPr/>
+        </p:nvSpPr>
+        <p:spPr>
+          <a:xfrm>
+            <a:off x="6914606" y="1349828"/>
+            <a:ext cx="1924594" cy="731520"/>
+          </a:xfrm>
+          <a:prstGeom prst="rightArrow">
+            <a:avLst/>
+          </a:prstGeom>
+        </p:spPr>
+        <p:style>
+          <a:lnRef idx="2">
+            <a:schemeClr val="accent1">
+              <a:shade val="50000"/>
+            </a:schemeClr>
+          </a:lnRef>
+          <a:fillRef idx="1">
+            <a:schemeClr val="accent1"/>
+          </a:fillRef>
+          <a:effectRef idx="0">
+            <a:schemeClr val="accent1"/>
+          </a:effectRef>
+          <a:fontRef idx="minor">
+            <a:schemeClr val="lt1"/>
+          </a:fontRef>
+        </p:style>
+        <p:txBody>
+          <a:bodyPr rtlCol="0" anchor="ctr"/>
+          <a:lstStyle/>
+          <a:p>
+            <a:pPr algn="ctr"/>
+            <a:endParaRPr lang="en-US"/>
+          </a:p>
+        </p:txBody>
+      </p:sp>
+      <p:sp>
+        <p:nvSpPr>
+          <p:cNvPr id="5" name="Right Arrow 4">
+            <a:extLst>
+              <a:ext uri="{FF2B5EF4-FFF2-40B4-BE49-F238E27FC236}">
+                <a16:creationId xmlns:a16="http://schemas.microsoft.com/office/drawing/2014/main" id="{913862AD-A154-C240-94DA-7B8EB54D9A5B}"/>
+              </a:ext>
+            </a:extLst>
+          </p:cNvPr>
+          <p:cNvSpPr/>
+          <p:nvPr/>
+        </p:nvSpPr>
+        <p:spPr>
+          <a:xfrm>
+            <a:off x="6914606" y="2207623"/>
+            <a:ext cx="1924594" cy="731520"/>
+          </a:xfrm>
+          <a:prstGeom prst="rightArrow">
+            <a:avLst/>
+          </a:prstGeom>
+        </p:spPr>
+        <p:style>
+          <a:lnRef idx="2">
+            <a:schemeClr val="accent1">
+              <a:shade val="50000"/>
+            </a:schemeClr>
+          </a:lnRef>
+          <a:fillRef idx="1">
+            <a:schemeClr val="accent1"/>
+          </a:fillRef>
+          <a:effectRef idx="0">
+            <a:schemeClr val="accent1"/>
+          </a:effectRef>
+          <a:fontRef idx="minor">
+            <a:schemeClr val="lt1"/>
+          </a:fontRef>
+        </p:style>
+        <p:txBody>
+          <a:bodyPr rtlCol="0" anchor="ctr"/>
+          <a:lstStyle/>
+          <a:p>
+            <a:pPr algn="ctr"/>
+            <a:endParaRPr lang="en-US"/>
+          </a:p>
+        </p:txBody>
+      </p:sp>
+      <p:sp>
+        <p:nvSpPr>
+          <p:cNvPr id="6" name="Right Arrow 5">
+            <a:extLst>
+              <a:ext uri="{FF2B5EF4-FFF2-40B4-BE49-F238E27FC236}">
+                <a16:creationId xmlns:a16="http://schemas.microsoft.com/office/drawing/2014/main" id="{499D1D9A-5161-4440-BBCC-0E992970C452}"/>
+              </a:ext>
+            </a:extLst>
+          </p:cNvPr>
+          <p:cNvSpPr/>
+          <p:nvPr/>
+        </p:nvSpPr>
+        <p:spPr>
+          <a:xfrm>
+            <a:off x="6888480" y="3148148"/>
+            <a:ext cx="1924594" cy="731520"/>
+          </a:xfrm>
+          <a:prstGeom prst="rightArrow">
+            <a:avLst/>
+          </a:prstGeom>
+        </p:spPr>
+        <p:style>
+          <a:lnRef idx="2">
+            <a:schemeClr val="accent1">
+              <a:shade val="50000"/>
+            </a:schemeClr>
+          </a:lnRef>
+          <a:fillRef idx="1">
+            <a:schemeClr val="accent1"/>
+          </a:fillRef>
+          <a:effectRef idx="0">
+            <a:schemeClr val="accent1"/>
+          </a:effectRef>
+          <a:fontRef idx="minor">
+            <a:schemeClr val="lt1"/>
+          </a:fontRef>
+        </p:style>
+        <p:txBody>
+          <a:bodyPr rtlCol="0" anchor="ctr"/>
+          <a:lstStyle/>
+          <a:p>
+            <a:pPr algn="ctr"/>
+            <a:endParaRPr lang="en-US"/>
+          </a:p>
+        </p:txBody>
+      </p:sp>
+      <p:sp>
+        <p:nvSpPr>
+          <p:cNvPr id="7" name="Right Arrow 6">
+            <a:extLst>
+              <a:ext uri="{FF2B5EF4-FFF2-40B4-BE49-F238E27FC236}">
+                <a16:creationId xmlns:a16="http://schemas.microsoft.com/office/drawing/2014/main" id="{3B646992-D2DD-E448-BB6D-905243DAFD7F}"/>
+              </a:ext>
+            </a:extLst>
+          </p:cNvPr>
+          <p:cNvSpPr/>
+          <p:nvPr/>
+        </p:nvSpPr>
+        <p:spPr>
+          <a:xfrm>
+            <a:off x="6888480" y="4114799"/>
+            <a:ext cx="1924594" cy="731520"/>
+          </a:xfrm>
+          <a:prstGeom prst="rightArrow">
+            <a:avLst/>
+          </a:prstGeom>
+        </p:spPr>
+        <p:style>
+          <a:lnRef idx="2">
+            <a:schemeClr val="accent1">
+              <a:shade val="50000"/>
+            </a:schemeClr>
+          </a:lnRef>
+          <a:fillRef idx="1">
+            <a:schemeClr val="accent1"/>
+          </a:fillRef>
+          <a:effectRef idx="0">
+            <a:schemeClr val="accent1"/>
+          </a:effectRef>
+          <a:fontRef idx="minor">
+            <a:schemeClr val="lt1"/>
+          </a:fontRef>
+        </p:style>
+        <p:txBody>
+          <a:bodyPr rtlCol="0" anchor="ctr"/>
+          <a:lstStyle/>
+          <a:p>
+            <a:pPr algn="ctr"/>
+            <a:endParaRPr lang="en-US"/>
+          </a:p>
+        </p:txBody>
+      </p:sp>
+      <p:sp>
+        <p:nvSpPr>
+          <p:cNvPr id="8" name="Right Arrow 7">
+            <a:extLst>
+              <a:ext uri="{FF2B5EF4-FFF2-40B4-BE49-F238E27FC236}">
+                <a16:creationId xmlns:a16="http://schemas.microsoft.com/office/drawing/2014/main" id="{AA19625D-747D-D24E-89E6-8B4EB677B27E}"/>
+              </a:ext>
+            </a:extLst>
+          </p:cNvPr>
+          <p:cNvSpPr/>
+          <p:nvPr/>
+        </p:nvSpPr>
+        <p:spPr>
+          <a:xfrm>
+            <a:off x="6888480" y="4946468"/>
+            <a:ext cx="1924594" cy="731520"/>
+          </a:xfrm>
+          <a:prstGeom prst="rightArrow">
+            <a:avLst/>
+          </a:prstGeom>
+        </p:spPr>
+        <p:style>
+          <a:lnRef idx="2">
+            <a:schemeClr val="accent1">
+              <a:shade val="50000"/>
+            </a:schemeClr>
+          </a:lnRef>
+          <a:fillRef idx="1">
+            <a:schemeClr val="accent1"/>
+          </a:fillRef>
+          <a:effectRef idx="0">
+            <a:schemeClr val="accent1"/>
+          </a:effectRef>
+          <a:fontRef idx="minor">
+            <a:schemeClr val="lt1"/>
+          </a:fontRef>
+        </p:style>
+        <p:txBody>
+          <a:bodyPr rtlCol="0" anchor="ctr"/>
+          <a:lstStyle/>
+          <a:p>
+            <a:pPr algn="ctr"/>
+            <a:endParaRPr lang="en-US"/>
+          </a:p>
+        </p:txBody>
+      </p:sp>
+      <p:sp>
+        <p:nvSpPr>
+          <p:cNvPr id="9" name="Rectangle 8">
+            <a:extLst>
+              <a:ext uri="{FF2B5EF4-FFF2-40B4-BE49-F238E27FC236}">
+                <a16:creationId xmlns:a16="http://schemas.microsoft.com/office/drawing/2014/main" id="{93B6E1D2-8C61-1848-981D-EC455A7C6AC5}"/>
+              </a:ext>
+            </a:extLst>
+          </p:cNvPr>
+          <p:cNvSpPr/>
+          <p:nvPr/>
+        </p:nvSpPr>
+        <p:spPr>
+          <a:xfrm>
+            <a:off x="8987246" y="1524000"/>
+            <a:ext cx="2569028" cy="391886"/>
+          </a:xfrm>
+          <a:prstGeom prst="rect">
+            <a:avLst/>
+          </a:prstGeom>
+          <a:solidFill>
+            <a:srgbClr val="FFFF00"/>
+          </a:solidFill>
+        </p:spPr>
+        <p:style>
+          <a:lnRef idx="2">
+            <a:schemeClr val="accent1">
+              <a:shade val="50000"/>
+            </a:schemeClr>
+          </a:lnRef>
+          <a:fillRef idx="1">
+            <a:schemeClr val="accent1"/>
+          </a:fillRef>
+          <a:effectRef idx="0">
+            <a:schemeClr val="accent1"/>
+          </a:effectRef>
+          <a:fontRef idx="minor">
+            <a:schemeClr val="lt1"/>
+          </a:fontRef>
+        </p:style>
+        <p:txBody>
+          <a:bodyPr rtlCol="0" anchor="ctr"/>
+          <a:lstStyle/>
+          <a:p>
+            <a:pPr algn="ctr"/>
+            <a:r>
+              <a:rPr lang="en-US" dirty="0">
+                <a:ln w="0"/>
+                <a:solidFill>
+                  <a:schemeClr val="accent1"/>
+                </a:solidFill>
+                <a:effectLst>
+                  <a:outerShdw blurRad="38100" dist="25400" dir="5400000" algn="ctr" rotWithShape="0">
+                    <a:srgbClr val="6E747A">
+                      <a:alpha val="43000"/>
+                    </a:srgbClr>
+                  </a:outerShdw>
+                </a:effectLst>
+              </a:rPr>
+              <a:t>Request 1 Processing</a:t>
+            </a:r>
+          </a:p>
+        </p:txBody>
+      </p:sp>
+      <p:sp>
+        <p:nvSpPr>
+          <p:cNvPr id="10" name="Rectangle 9">
+            <a:extLst>
+              <a:ext uri="{FF2B5EF4-FFF2-40B4-BE49-F238E27FC236}">
+                <a16:creationId xmlns:a16="http://schemas.microsoft.com/office/drawing/2014/main" id="{3CC2945E-195B-0B44-A783-697DECE0DE7B}"/>
+              </a:ext>
+            </a:extLst>
+          </p:cNvPr>
+          <p:cNvSpPr/>
+          <p:nvPr/>
+        </p:nvSpPr>
+        <p:spPr>
+          <a:xfrm>
+            <a:off x="8987246" y="2351315"/>
+            <a:ext cx="2569028" cy="391886"/>
+          </a:xfrm>
+          <a:prstGeom prst="rect">
+            <a:avLst/>
+          </a:prstGeom>
+          <a:solidFill>
+            <a:srgbClr val="FFFF00"/>
+          </a:solidFill>
+        </p:spPr>
+        <p:style>
+          <a:lnRef idx="2">
+            <a:schemeClr val="accent1">
+              <a:shade val="50000"/>
+            </a:schemeClr>
+          </a:lnRef>
+          <a:fillRef idx="1">
+            <a:schemeClr val="accent1"/>
+          </a:fillRef>
+          <a:effectRef idx="0">
+            <a:schemeClr val="accent1"/>
+          </a:effectRef>
+          <a:fontRef idx="minor">
+            <a:schemeClr val="lt1"/>
+          </a:fontRef>
+        </p:style>
+        <p:txBody>
+          <a:bodyPr rtlCol="0" anchor="ctr"/>
+          <a:lstStyle/>
+          <a:p>
+            <a:pPr algn="ctr"/>
+            <a:r>
+              <a:rPr lang="en-US" dirty="0">
+                <a:ln w="0"/>
+                <a:solidFill>
+                  <a:schemeClr val="accent1"/>
+                </a:solidFill>
+                <a:effectLst>
+                  <a:outerShdw blurRad="38100" dist="25400" dir="5400000" algn="ctr" rotWithShape="0">
+                    <a:srgbClr val="6E747A">
+                      <a:alpha val="43000"/>
+                    </a:srgbClr>
+                  </a:outerShdw>
+                </a:effectLst>
+              </a:rPr>
+              <a:t>Request 2 Processing</a:t>
+            </a:r>
+          </a:p>
+        </p:txBody>
+      </p:sp>
+      <p:sp>
+        <p:nvSpPr>
+          <p:cNvPr id="11" name="Rounded Rectangle 10">
+            <a:extLst>
+              <a:ext uri="{FF2B5EF4-FFF2-40B4-BE49-F238E27FC236}">
+                <a16:creationId xmlns:a16="http://schemas.microsoft.com/office/drawing/2014/main" id="{96ACBB5D-E805-D043-958E-3B67C12126C2}"/>
+              </a:ext>
+            </a:extLst>
+          </p:cNvPr>
+          <p:cNvSpPr/>
+          <p:nvPr/>
+        </p:nvSpPr>
+        <p:spPr>
+          <a:xfrm>
+            <a:off x="4406537" y="1349828"/>
+            <a:ext cx="2360023" cy="731520"/>
+          </a:xfrm>
+          <a:prstGeom prst="roundRect">
+            <a:avLst/>
+          </a:prstGeom>
+        </p:spPr>
+        <p:style>
+          <a:lnRef idx="2">
+            <a:schemeClr val="accent1">
+              <a:shade val="50000"/>
+            </a:schemeClr>
+          </a:lnRef>
+          <a:fillRef idx="1">
+            <a:schemeClr val="accent1"/>
+          </a:fillRef>
+          <a:effectRef idx="0">
+            <a:schemeClr val="accent1"/>
+          </a:effectRef>
+          <a:fontRef idx="minor">
+            <a:schemeClr val="lt1"/>
+          </a:fontRef>
+        </p:style>
+        <p:txBody>
+          <a:bodyPr rtlCol="0" anchor="ctr"/>
+          <a:lstStyle/>
+          <a:p>
+            <a:pPr algn="ctr"/>
+            <a:r>
+              <a:rPr lang="en-US" dirty="0"/>
+              <a:t>Client 1</a:t>
+            </a:r>
+          </a:p>
+        </p:txBody>
+      </p:sp>
+      <p:sp>
+        <p:nvSpPr>
+          <p:cNvPr id="12" name="Rounded Rectangle 11">
+            <a:extLst>
+              <a:ext uri="{FF2B5EF4-FFF2-40B4-BE49-F238E27FC236}">
+                <a16:creationId xmlns:a16="http://schemas.microsoft.com/office/drawing/2014/main" id="{E8AFBC76-BD6B-244C-B67D-2D9FBCFAC49D}"/>
+              </a:ext>
+            </a:extLst>
+          </p:cNvPr>
+          <p:cNvSpPr/>
+          <p:nvPr/>
+        </p:nvSpPr>
+        <p:spPr>
+          <a:xfrm>
+            <a:off x="4345577" y="2264228"/>
+            <a:ext cx="2360023" cy="731520"/>
+          </a:xfrm>
+          <a:prstGeom prst="roundRect">
+            <a:avLst/>
+          </a:prstGeom>
+        </p:spPr>
+        <p:style>
+          <a:lnRef idx="2">
+            <a:schemeClr val="accent1">
+              <a:shade val="50000"/>
+            </a:schemeClr>
+          </a:lnRef>
+          <a:fillRef idx="1">
+            <a:schemeClr val="accent1"/>
+          </a:fillRef>
+          <a:effectRef idx="0">
+            <a:schemeClr val="accent1"/>
+          </a:effectRef>
+          <a:fontRef idx="minor">
+            <a:schemeClr val="lt1"/>
+          </a:fontRef>
+        </p:style>
+        <p:txBody>
+          <a:bodyPr rtlCol="0" anchor="ctr"/>
+          <a:lstStyle/>
+          <a:p>
+            <a:pPr algn="ctr"/>
+            <a:r>
+              <a:rPr lang="en-US" dirty="0"/>
+              <a:t>Client 2</a:t>
+            </a:r>
+          </a:p>
+        </p:txBody>
+      </p:sp>
+      <p:sp>
+        <p:nvSpPr>
+          <p:cNvPr id="13" name="Rounded Rectangle 12">
+            <a:extLst>
+              <a:ext uri="{FF2B5EF4-FFF2-40B4-BE49-F238E27FC236}">
+                <a16:creationId xmlns:a16="http://schemas.microsoft.com/office/drawing/2014/main" id="{A41FB227-04E1-2345-89AC-147AC0B4E281}"/>
+              </a:ext>
+            </a:extLst>
+          </p:cNvPr>
+          <p:cNvSpPr/>
+          <p:nvPr/>
+        </p:nvSpPr>
+        <p:spPr>
+          <a:xfrm>
+            <a:off x="4345577" y="3252651"/>
+            <a:ext cx="2360023" cy="731520"/>
+          </a:xfrm>
+          <a:prstGeom prst="roundRect">
+            <a:avLst/>
+          </a:prstGeom>
+        </p:spPr>
+        <p:style>
+          <a:lnRef idx="2">
+            <a:schemeClr val="accent1">
+              <a:shade val="50000"/>
+            </a:schemeClr>
+          </a:lnRef>
+          <a:fillRef idx="1">
+            <a:schemeClr val="accent1"/>
+          </a:fillRef>
+          <a:effectRef idx="0">
+            <a:schemeClr val="accent1"/>
+          </a:effectRef>
+          <a:fontRef idx="minor">
+            <a:schemeClr val="lt1"/>
+          </a:fontRef>
+        </p:style>
+        <p:txBody>
+          <a:bodyPr rtlCol="0" anchor="ctr"/>
+          <a:lstStyle/>
+          <a:p>
+            <a:pPr algn="ctr"/>
+            <a:r>
+              <a:rPr lang="en-US" dirty="0"/>
+              <a:t>Client 3</a:t>
+            </a:r>
+          </a:p>
+        </p:txBody>
+      </p:sp>
+      <p:sp>
+        <p:nvSpPr>
+          <p:cNvPr id="14" name="Rounded Rectangle 13">
+            <a:extLst>
+              <a:ext uri="{FF2B5EF4-FFF2-40B4-BE49-F238E27FC236}">
+                <a16:creationId xmlns:a16="http://schemas.microsoft.com/office/drawing/2014/main" id="{B32FF8A6-4214-9A41-97BF-1E5E8BD09C57}"/>
+              </a:ext>
+            </a:extLst>
+          </p:cNvPr>
+          <p:cNvSpPr/>
+          <p:nvPr/>
+        </p:nvSpPr>
+        <p:spPr>
+          <a:xfrm>
+            <a:off x="4345576" y="4136570"/>
+            <a:ext cx="2360023" cy="731520"/>
+          </a:xfrm>
+          <a:prstGeom prst="roundRect">
+            <a:avLst/>
+          </a:prstGeom>
+        </p:spPr>
+        <p:style>
+          <a:lnRef idx="2">
+            <a:schemeClr val="accent1">
+              <a:shade val="50000"/>
+            </a:schemeClr>
+          </a:lnRef>
+          <a:fillRef idx="1">
+            <a:schemeClr val="accent1"/>
+          </a:fillRef>
+          <a:effectRef idx="0">
+            <a:schemeClr val="accent1"/>
+          </a:effectRef>
+          <a:fontRef idx="minor">
+            <a:schemeClr val="lt1"/>
+          </a:fontRef>
+        </p:style>
+        <p:txBody>
+          <a:bodyPr rtlCol="0" anchor="ctr"/>
+          <a:lstStyle/>
+          <a:p>
+            <a:pPr algn="ctr"/>
+            <a:r>
+              <a:rPr lang="en-US" dirty="0"/>
+              <a:t>Client 4</a:t>
+            </a:r>
+          </a:p>
+        </p:txBody>
+      </p:sp>
+      <p:sp>
+        <p:nvSpPr>
+          <p:cNvPr id="15" name="Rounded Rectangle 14">
+            <a:extLst>
+              <a:ext uri="{FF2B5EF4-FFF2-40B4-BE49-F238E27FC236}">
+                <a16:creationId xmlns:a16="http://schemas.microsoft.com/office/drawing/2014/main" id="{D96404C8-3399-F045-8846-FEF4842A56AD}"/>
+              </a:ext>
+            </a:extLst>
+          </p:cNvPr>
+          <p:cNvSpPr/>
+          <p:nvPr/>
+        </p:nvSpPr>
+        <p:spPr>
+          <a:xfrm>
+            <a:off x="4345576" y="4955173"/>
+            <a:ext cx="2360023" cy="731520"/>
+          </a:xfrm>
+          <a:prstGeom prst="roundRect">
+            <a:avLst/>
+          </a:prstGeom>
+        </p:spPr>
+        <p:style>
+          <a:lnRef idx="2">
+            <a:schemeClr val="accent1">
+              <a:shade val="50000"/>
+            </a:schemeClr>
+          </a:lnRef>
+          <a:fillRef idx="1">
+            <a:schemeClr val="accent1"/>
+          </a:fillRef>
+          <a:effectRef idx="0">
+            <a:schemeClr val="accent1"/>
+          </a:effectRef>
+          <a:fontRef idx="minor">
+            <a:schemeClr val="lt1"/>
+          </a:fontRef>
+        </p:style>
+        <p:txBody>
+          <a:bodyPr rtlCol="0" anchor="ctr"/>
+          <a:lstStyle/>
+          <a:p>
+            <a:pPr algn="ctr"/>
+            <a:r>
+              <a:rPr lang="en-US" dirty="0"/>
+              <a:t>Client 5</a:t>
+            </a:r>
+          </a:p>
+        </p:txBody>
+      </p:sp>
+      <p:sp>
+        <p:nvSpPr>
+          <p:cNvPr id="16" name="TextBox 15">
+            <a:extLst>
+              <a:ext uri="{FF2B5EF4-FFF2-40B4-BE49-F238E27FC236}">
+                <a16:creationId xmlns:a16="http://schemas.microsoft.com/office/drawing/2014/main" id="{9FC19C7C-7555-EE4F-938B-6352AF205FB0}"/>
+              </a:ext>
+            </a:extLst>
+          </p:cNvPr>
+          <p:cNvSpPr txBox="1"/>
+          <p:nvPr/>
+        </p:nvSpPr>
+        <p:spPr>
+          <a:xfrm>
+            <a:off x="200298" y="1028343"/>
+            <a:ext cx="3570514" cy="4801314"/>
+          </a:xfrm>
+          <a:prstGeom prst="rect">
+            <a:avLst/>
+          </a:prstGeom>
+          <a:noFill/>
+        </p:spPr>
+        <p:txBody>
+          <a:bodyPr wrap="square" rtlCol="0">
+            <a:spAutoFit/>
+          </a:bodyPr>
+          <a:lstStyle/>
+          <a:p>
+            <a:r>
+              <a:rPr lang="en-US" dirty="0"/>
+              <a:t>Handling resource intensive operations</a:t>
+            </a:r>
+          </a:p>
+          <a:p>
+            <a:endParaRPr lang="en-US" dirty="0"/>
+          </a:p>
+          <a:p>
+            <a:pPr marL="342900" indent="-342900">
+              <a:buAutoNum type="arabicPeriod"/>
+            </a:pPr>
+            <a:r>
+              <a:rPr lang="en-US" dirty="0"/>
+              <a:t>Server  Allocates a thread to request</a:t>
+            </a:r>
+          </a:p>
+          <a:p>
+            <a:pPr marL="342900" indent="-342900">
+              <a:buAutoNum type="arabicPeriod"/>
+            </a:pPr>
+            <a:r>
+              <a:rPr lang="en-US" dirty="0"/>
+              <a:t>If the request has resource intensive operations</a:t>
+            </a:r>
+          </a:p>
+          <a:p>
+            <a:pPr marL="800100" lvl="1" indent="-342900">
+              <a:buAutoNum type="arabicPeriod"/>
+            </a:pPr>
+            <a:r>
+              <a:rPr lang="en-US" dirty="0"/>
+              <a:t>The Acknowledgement of the  operation is given to client instead client keep waiting.</a:t>
+            </a:r>
+          </a:p>
+          <a:p>
+            <a:pPr marL="800100" lvl="1" indent="-342900">
+              <a:buAutoNum type="arabicPeriod"/>
+            </a:pPr>
+            <a:r>
+              <a:rPr lang="en-US" dirty="0"/>
+              <a:t>Client is Free to perform other tasks</a:t>
+            </a:r>
+          </a:p>
+          <a:p>
+            <a:pPr marL="800100" lvl="1" indent="-342900">
+              <a:buAutoNum type="arabicPeriod"/>
+            </a:pPr>
+            <a:r>
+              <a:rPr lang="en-US" dirty="0"/>
+              <a:t>When the result is ready the client is notified</a:t>
+            </a:r>
+          </a:p>
+          <a:p>
+            <a:pPr marL="342900" indent="-342900">
+              <a:buAutoNum type="arabicPeriod"/>
+            </a:pPr>
+            <a:r>
+              <a:rPr lang="en-US" dirty="0"/>
+              <a:t>Client get the response and close the operation</a:t>
+            </a:r>
+          </a:p>
+        </p:txBody>
+      </p:sp>
+    </p:spTree>
+    <p:extLst>
+      <p:ext uri="{BB962C8B-B14F-4D97-AF65-F5344CB8AC3E}">
+        <p14:creationId xmlns:p14="http://schemas.microsoft.com/office/powerpoint/2010/main" val="1223627642"/>
+      </p:ext>
+    </p:extLst>
+  </p:cSld>
+  <p:clrMapOvr>
+    <a:masterClrMapping/>
+  </p:clrMapOvr>
+</p:sld>
+</file>
+
+<file path=ppt/slides/slide14.xml><?xml version="1.0" encoding="utf-8"?>
+<p:sld xmlns:a="http://schemas.openxmlformats.org/drawingml/2006/main" xmlns:r="http://schemas.openxmlformats.org/officeDocument/2006/relationships" xmlns:p="http://schemas.openxmlformats.org/presentationml/2006/main">
+  <p:cSld>
+    <p:spTree>
+      <p:nvGrpSpPr>
+        <p:cNvPr id="1" name=""/>
+        <p:cNvGrpSpPr/>
+        <p:nvPr/>
+      </p:nvGrpSpPr>
+      <p:grpSpPr>
+        <a:xfrm>
+          <a:off x="0" y="0"/>
+          <a:ext cx="0" cy="0"/>
+          <a:chOff x="0" y="0"/>
+          <a:chExt cx="0" cy="0"/>
+        </a:xfrm>
+      </p:grpSpPr>
+      <p:sp>
+        <p:nvSpPr>
+          <p:cNvPr id="2" name="Rectangle 1">
+            <a:extLst>
+              <a:ext uri="{FF2B5EF4-FFF2-40B4-BE49-F238E27FC236}">
+                <a16:creationId xmlns:a16="http://schemas.microsoft.com/office/drawing/2014/main" id="{06F27E5F-F7D8-8044-A1FA-85967ACC4E5F}"/>
+              </a:ext>
+            </a:extLst>
+          </p:cNvPr>
+          <p:cNvSpPr/>
+          <p:nvPr/>
+        </p:nvSpPr>
+        <p:spPr>
+          <a:xfrm>
+            <a:off x="0" y="0"/>
+            <a:ext cx="12192000" cy="513806"/>
+          </a:xfrm>
+          <a:prstGeom prst="rect">
+            <a:avLst/>
+          </a:prstGeom>
+        </p:spPr>
+        <p:style>
+          <a:lnRef idx="2">
+            <a:schemeClr val="accent1">
+              <a:shade val="50000"/>
+            </a:schemeClr>
+          </a:lnRef>
+          <a:fillRef idx="1">
+            <a:schemeClr val="accent1"/>
+          </a:fillRef>
+          <a:effectRef idx="0">
+            <a:schemeClr val="accent1"/>
+          </a:effectRef>
+          <a:fontRef idx="minor">
+            <a:schemeClr val="lt1"/>
+          </a:fontRef>
+        </p:style>
+        <p:txBody>
+          <a:bodyPr rtlCol="0" anchor="ctr"/>
+          <a:lstStyle/>
+          <a:p>
+            <a:pPr algn="ctr"/>
+            <a:r>
+              <a:rPr lang="en-US" dirty="0"/>
+              <a:t>JavaScript Modern Application Model With Promises</a:t>
+            </a:r>
+          </a:p>
+        </p:txBody>
+      </p:sp>
+      <p:sp>
+        <p:nvSpPr>
+          <p:cNvPr id="4" name="Rectangle 3">
+            <a:extLst>
+              <a:ext uri="{FF2B5EF4-FFF2-40B4-BE49-F238E27FC236}">
+                <a16:creationId xmlns:a16="http://schemas.microsoft.com/office/drawing/2014/main" id="{25726AA0-97A1-D04A-B5E4-F213150D9E2E}"/>
+              </a:ext>
+            </a:extLst>
+          </p:cNvPr>
+          <p:cNvSpPr/>
+          <p:nvPr/>
+        </p:nvSpPr>
+        <p:spPr>
+          <a:xfrm>
+            <a:off x="9988730" y="1114697"/>
+            <a:ext cx="1837509" cy="4841966"/>
+          </a:xfrm>
+          <a:prstGeom prst="rect">
+            <a:avLst/>
+          </a:prstGeom>
+        </p:spPr>
+        <p:style>
+          <a:lnRef idx="2">
+            <a:schemeClr val="accent1">
+              <a:shade val="50000"/>
+            </a:schemeClr>
+          </a:lnRef>
+          <a:fillRef idx="1">
+            <a:schemeClr val="accent1"/>
+          </a:fillRef>
+          <a:effectRef idx="0">
+            <a:schemeClr val="accent1"/>
+          </a:effectRef>
+          <a:fontRef idx="minor">
+            <a:schemeClr val="lt1"/>
+          </a:fontRef>
+        </p:style>
+        <p:txBody>
+          <a:bodyPr rtlCol="0" anchor="ctr"/>
+          <a:lstStyle/>
+          <a:p>
+            <a:pPr algn="ctr"/>
+            <a:endParaRPr lang="en-US"/>
+          </a:p>
+        </p:txBody>
+      </p:sp>
+      <p:sp>
+        <p:nvSpPr>
+          <p:cNvPr id="5" name="TextBox 4">
+            <a:extLst>
+              <a:ext uri="{FF2B5EF4-FFF2-40B4-BE49-F238E27FC236}">
+                <a16:creationId xmlns:a16="http://schemas.microsoft.com/office/drawing/2014/main" id="{2202750C-88B9-DE43-8046-4390261195D9}"/>
+              </a:ext>
+            </a:extLst>
+          </p:cNvPr>
+          <p:cNvSpPr txBox="1"/>
+          <p:nvPr/>
+        </p:nvSpPr>
+        <p:spPr>
+          <a:xfrm>
+            <a:off x="9910354" y="583474"/>
+            <a:ext cx="1898469" cy="369332"/>
+          </a:xfrm>
+          <a:prstGeom prst="rect">
+            <a:avLst/>
+          </a:prstGeom>
+          <a:noFill/>
+        </p:spPr>
+        <p:txBody>
+          <a:bodyPr wrap="square" rtlCol="0">
+            <a:spAutoFit/>
+          </a:bodyPr>
+          <a:lstStyle/>
+          <a:p>
+            <a:pPr algn="ctr"/>
+            <a:r>
+              <a:rPr lang="en-US" dirty="0"/>
+              <a:t>Server</a:t>
+            </a:r>
+          </a:p>
+        </p:txBody>
+      </p:sp>
+      <p:sp>
+        <p:nvSpPr>
+          <p:cNvPr id="6" name="Rectangle 5">
+            <a:extLst>
+              <a:ext uri="{FF2B5EF4-FFF2-40B4-BE49-F238E27FC236}">
+                <a16:creationId xmlns:a16="http://schemas.microsoft.com/office/drawing/2014/main" id="{626677F7-5E96-9741-8D4C-131E59414D50}"/>
+              </a:ext>
+            </a:extLst>
+          </p:cNvPr>
+          <p:cNvSpPr/>
+          <p:nvPr/>
+        </p:nvSpPr>
+        <p:spPr>
+          <a:xfrm>
+            <a:off x="304801" y="1114697"/>
+            <a:ext cx="1837509" cy="4841966"/>
+          </a:xfrm>
+          <a:prstGeom prst="rect">
+            <a:avLst/>
+          </a:prstGeom>
+        </p:spPr>
+        <p:style>
+          <a:lnRef idx="2">
+            <a:schemeClr val="accent1">
+              <a:shade val="50000"/>
+            </a:schemeClr>
+          </a:lnRef>
+          <a:fillRef idx="1">
+            <a:schemeClr val="accent1"/>
+          </a:fillRef>
+          <a:effectRef idx="0">
+            <a:schemeClr val="accent1"/>
+          </a:effectRef>
+          <a:fontRef idx="minor">
+            <a:schemeClr val="lt1"/>
+          </a:fontRef>
+        </p:style>
+        <p:txBody>
+          <a:bodyPr rtlCol="0" anchor="ctr"/>
+          <a:lstStyle/>
+          <a:p>
+            <a:pPr algn="ctr"/>
+            <a:endParaRPr lang="en-US"/>
+          </a:p>
+        </p:txBody>
+      </p:sp>
+      <p:sp>
+        <p:nvSpPr>
+          <p:cNvPr id="7" name="TextBox 6">
+            <a:extLst>
+              <a:ext uri="{FF2B5EF4-FFF2-40B4-BE49-F238E27FC236}">
+                <a16:creationId xmlns:a16="http://schemas.microsoft.com/office/drawing/2014/main" id="{FDCEA411-1017-3D47-91D1-816290A26F5E}"/>
+              </a:ext>
+            </a:extLst>
+          </p:cNvPr>
+          <p:cNvSpPr txBox="1"/>
+          <p:nvPr/>
+        </p:nvSpPr>
+        <p:spPr>
+          <a:xfrm>
+            <a:off x="8709" y="583474"/>
+            <a:ext cx="1898469" cy="369332"/>
+          </a:xfrm>
+          <a:prstGeom prst="rect">
+            <a:avLst/>
+          </a:prstGeom>
+          <a:noFill/>
+        </p:spPr>
+        <p:txBody>
+          <a:bodyPr wrap="square" rtlCol="0">
+            <a:spAutoFit/>
+          </a:bodyPr>
+          <a:lstStyle/>
+          <a:p>
+            <a:pPr algn="ctr"/>
+            <a:r>
+              <a:rPr lang="en-US" dirty="0"/>
+              <a:t>JavaScript Client</a:t>
+            </a:r>
+          </a:p>
+        </p:txBody>
+      </p:sp>
+      <p:sp>
+        <p:nvSpPr>
+          <p:cNvPr id="8" name="Right Arrow 7">
+            <a:extLst>
+              <a:ext uri="{FF2B5EF4-FFF2-40B4-BE49-F238E27FC236}">
+                <a16:creationId xmlns:a16="http://schemas.microsoft.com/office/drawing/2014/main" id="{2388E335-17CE-7740-A9FD-B3EA59DE8FD6}"/>
+              </a:ext>
+            </a:extLst>
+          </p:cNvPr>
+          <p:cNvSpPr/>
+          <p:nvPr/>
+        </p:nvSpPr>
+        <p:spPr>
+          <a:xfrm>
+            <a:off x="2142310" y="1114697"/>
+            <a:ext cx="7846420" cy="287383"/>
+          </a:xfrm>
+          <a:prstGeom prst="rightArrow">
+            <a:avLst/>
+          </a:prstGeom>
+        </p:spPr>
+        <p:style>
+          <a:lnRef idx="2">
+            <a:schemeClr val="accent1">
+              <a:shade val="50000"/>
+            </a:schemeClr>
+          </a:lnRef>
+          <a:fillRef idx="1">
+            <a:schemeClr val="accent1"/>
+          </a:fillRef>
+          <a:effectRef idx="0">
+            <a:schemeClr val="accent1"/>
+          </a:effectRef>
+          <a:fontRef idx="minor">
+            <a:schemeClr val="lt1"/>
+          </a:fontRef>
+        </p:style>
+        <p:txBody>
+          <a:bodyPr rtlCol="0" anchor="ctr"/>
+          <a:lstStyle/>
+          <a:p>
+            <a:pPr algn="ctr"/>
+            <a:endParaRPr lang="en-US"/>
+          </a:p>
+        </p:txBody>
+      </p:sp>
+      <p:sp>
+        <p:nvSpPr>
+          <p:cNvPr id="9" name="TextBox 8">
+            <a:extLst>
+              <a:ext uri="{FF2B5EF4-FFF2-40B4-BE49-F238E27FC236}">
+                <a16:creationId xmlns:a16="http://schemas.microsoft.com/office/drawing/2014/main" id="{67CD8BDB-B7D1-3246-B79F-E3EAED98DE6D}"/>
+              </a:ext>
+            </a:extLst>
+          </p:cNvPr>
+          <p:cNvSpPr txBox="1"/>
+          <p:nvPr/>
+        </p:nvSpPr>
+        <p:spPr>
+          <a:xfrm>
+            <a:off x="2560320" y="768140"/>
+            <a:ext cx="6696891" cy="276999"/>
+          </a:xfrm>
+          <a:prstGeom prst="rect">
+            <a:avLst/>
+          </a:prstGeom>
+          <a:noFill/>
+        </p:spPr>
+        <p:txBody>
+          <a:bodyPr wrap="square" rtlCol="0">
+            <a:spAutoFit/>
+          </a:bodyPr>
+          <a:lstStyle/>
+          <a:p>
+            <a:r>
+              <a:rPr lang="en-US" sz="1200" dirty="0"/>
+              <a:t>1. Request made by Client to Server, HTTP GET / POST /PUT /DELETE</a:t>
+            </a:r>
+          </a:p>
+        </p:txBody>
+      </p:sp>
+      <p:sp>
+        <p:nvSpPr>
+          <p:cNvPr id="10" name="TextBox 9">
+            <a:extLst>
+              <a:ext uri="{FF2B5EF4-FFF2-40B4-BE49-F238E27FC236}">
+                <a16:creationId xmlns:a16="http://schemas.microsoft.com/office/drawing/2014/main" id="{96A88446-F043-EF41-AAEA-15A0577D0FA2}"/>
+              </a:ext>
+            </a:extLst>
+          </p:cNvPr>
+          <p:cNvSpPr txBox="1"/>
+          <p:nvPr/>
+        </p:nvSpPr>
+        <p:spPr>
+          <a:xfrm>
+            <a:off x="10119360" y="1258388"/>
+            <a:ext cx="1584960" cy="646331"/>
+          </a:xfrm>
+          <a:prstGeom prst="rect">
+            <a:avLst/>
+          </a:prstGeom>
+          <a:noFill/>
+        </p:spPr>
+        <p:txBody>
+          <a:bodyPr wrap="square" rtlCol="0">
+            <a:spAutoFit/>
+          </a:bodyPr>
+          <a:lstStyle/>
+          <a:p>
+            <a:r>
+              <a:rPr lang="en-US" sz="1200" dirty="0">
+                <a:solidFill>
+                  <a:srgbClr val="FFFF00"/>
+                </a:solidFill>
+              </a:rPr>
+              <a:t>2. Server Accepts request and provides Acknowledgement</a:t>
+            </a:r>
+          </a:p>
+        </p:txBody>
+      </p:sp>
+      <p:sp>
+        <p:nvSpPr>
+          <p:cNvPr id="11" name="Left Arrow 10">
+            <a:extLst>
+              <a:ext uri="{FF2B5EF4-FFF2-40B4-BE49-F238E27FC236}">
+                <a16:creationId xmlns:a16="http://schemas.microsoft.com/office/drawing/2014/main" id="{A905D3E6-5047-9341-821D-47D71C9B7B91}"/>
+              </a:ext>
+            </a:extLst>
+          </p:cNvPr>
+          <p:cNvSpPr/>
+          <p:nvPr/>
+        </p:nvSpPr>
+        <p:spPr>
+          <a:xfrm>
+            <a:off x="4711337" y="1724296"/>
+            <a:ext cx="5277394" cy="646331"/>
+          </a:xfrm>
+          <a:prstGeom prst="leftArrow">
+            <a:avLst/>
+          </a:prstGeom>
+        </p:spPr>
+        <p:style>
+          <a:lnRef idx="2">
+            <a:schemeClr val="accent1">
+              <a:shade val="50000"/>
+            </a:schemeClr>
+          </a:lnRef>
+          <a:fillRef idx="1">
+            <a:schemeClr val="accent1"/>
+          </a:fillRef>
+          <a:effectRef idx="0">
+            <a:schemeClr val="accent1"/>
+          </a:effectRef>
+          <a:fontRef idx="minor">
+            <a:schemeClr val="lt1"/>
+          </a:fontRef>
+        </p:style>
+        <p:txBody>
+          <a:bodyPr rtlCol="0" anchor="ctr"/>
+          <a:lstStyle/>
+          <a:p>
+            <a:pPr algn="ctr"/>
+            <a:r>
+              <a:rPr lang="en-US" dirty="0"/>
+              <a:t>3. The Promise Acknowledgement</a:t>
+            </a:r>
+          </a:p>
+        </p:txBody>
+      </p:sp>
+      <p:sp>
+        <p:nvSpPr>
+          <p:cNvPr id="12" name="TextBox 11">
+            <a:extLst>
+              <a:ext uri="{FF2B5EF4-FFF2-40B4-BE49-F238E27FC236}">
+                <a16:creationId xmlns:a16="http://schemas.microsoft.com/office/drawing/2014/main" id="{944B5604-6A5A-2E45-9BE3-74125F1F9399}"/>
+              </a:ext>
+            </a:extLst>
+          </p:cNvPr>
+          <p:cNvSpPr txBox="1"/>
+          <p:nvPr/>
+        </p:nvSpPr>
+        <p:spPr>
+          <a:xfrm>
+            <a:off x="10106296" y="2332446"/>
+            <a:ext cx="1584960" cy="461665"/>
+          </a:xfrm>
+          <a:prstGeom prst="rect">
+            <a:avLst/>
+          </a:prstGeom>
+          <a:noFill/>
+        </p:spPr>
+        <p:txBody>
+          <a:bodyPr wrap="square" rtlCol="0">
+            <a:spAutoFit/>
+          </a:bodyPr>
+          <a:lstStyle/>
+          <a:p>
+            <a:r>
+              <a:rPr lang="en-US" sz="1200" dirty="0">
+                <a:solidFill>
+                  <a:srgbClr val="FFFF00"/>
+                </a:solidFill>
+              </a:rPr>
+              <a:t>4  Server Continue the execution</a:t>
+            </a:r>
+          </a:p>
+        </p:txBody>
+      </p:sp>
+      <p:sp>
+        <p:nvSpPr>
+          <p:cNvPr id="13" name="Right Arrow 12">
+            <a:extLst>
+              <a:ext uri="{FF2B5EF4-FFF2-40B4-BE49-F238E27FC236}">
+                <a16:creationId xmlns:a16="http://schemas.microsoft.com/office/drawing/2014/main" id="{C97A0CBD-4D98-3645-8279-D43E3BDCFC19}"/>
+              </a:ext>
+            </a:extLst>
+          </p:cNvPr>
+          <p:cNvSpPr/>
+          <p:nvPr/>
+        </p:nvSpPr>
+        <p:spPr>
+          <a:xfrm>
+            <a:off x="2142310" y="2047461"/>
+            <a:ext cx="2838993" cy="556402"/>
+          </a:xfrm>
+          <a:prstGeom prst="rightArrow">
+            <a:avLst/>
+          </a:prstGeom>
+        </p:spPr>
+        <p:style>
+          <a:lnRef idx="2">
+            <a:schemeClr val="accent1">
+              <a:shade val="50000"/>
+            </a:schemeClr>
+          </a:lnRef>
+          <a:fillRef idx="1">
+            <a:schemeClr val="accent1"/>
+          </a:fillRef>
+          <a:effectRef idx="0">
+            <a:schemeClr val="accent1"/>
+          </a:effectRef>
+          <a:fontRef idx="minor">
+            <a:schemeClr val="lt1"/>
+          </a:fontRef>
+        </p:style>
+        <p:txBody>
+          <a:bodyPr rtlCol="0" anchor="ctr"/>
+          <a:lstStyle/>
+          <a:p>
+            <a:pPr algn="ctr"/>
+            <a:r>
+              <a:rPr lang="en-US" sz="1200" dirty="0"/>
+              <a:t>5. Client Subscribe to Promise</a:t>
+            </a:r>
+          </a:p>
+        </p:txBody>
+      </p:sp>
+      <p:sp>
+        <p:nvSpPr>
+          <p:cNvPr id="14" name="TextBox 13">
+            <a:extLst>
+              <a:ext uri="{FF2B5EF4-FFF2-40B4-BE49-F238E27FC236}">
+                <a16:creationId xmlns:a16="http://schemas.microsoft.com/office/drawing/2014/main" id="{E76FB61E-3C63-7A48-8C86-F79F9DC38119}"/>
+              </a:ext>
+            </a:extLst>
+          </p:cNvPr>
+          <p:cNvSpPr txBox="1"/>
+          <p:nvPr/>
+        </p:nvSpPr>
+        <p:spPr>
+          <a:xfrm>
+            <a:off x="431076" y="2165865"/>
+            <a:ext cx="1584960" cy="461665"/>
+          </a:xfrm>
+          <a:prstGeom prst="rect">
+            <a:avLst/>
+          </a:prstGeom>
+          <a:noFill/>
+        </p:spPr>
+        <p:txBody>
+          <a:bodyPr wrap="square" rtlCol="0">
+            <a:spAutoFit/>
+          </a:bodyPr>
+          <a:lstStyle/>
+          <a:p>
+            <a:r>
+              <a:rPr lang="en-US" sz="1200" dirty="0">
+                <a:solidFill>
+                  <a:srgbClr val="FFFF00"/>
+                </a:solidFill>
+              </a:rPr>
+              <a:t>6  Client Continue the execution</a:t>
+            </a:r>
+          </a:p>
+        </p:txBody>
+      </p:sp>
+      <p:sp>
+        <p:nvSpPr>
+          <p:cNvPr id="15" name="Bent Up Arrow 14">
+            <a:extLst>
+              <a:ext uri="{FF2B5EF4-FFF2-40B4-BE49-F238E27FC236}">
+                <a16:creationId xmlns:a16="http://schemas.microsoft.com/office/drawing/2014/main" id="{6C4FD700-6712-1F4A-982F-6E69E7CBCFF6}"/>
+              </a:ext>
+            </a:extLst>
+          </p:cNvPr>
+          <p:cNvSpPr/>
+          <p:nvPr/>
+        </p:nvSpPr>
+        <p:spPr>
+          <a:xfrm rot="5400000">
+            <a:off x="7682466" y="785280"/>
+            <a:ext cx="872200" cy="3705498"/>
+          </a:xfrm>
+          <a:prstGeom prst="bentUpArrow">
+            <a:avLst/>
+          </a:prstGeom>
+        </p:spPr>
+        <p:style>
+          <a:lnRef idx="2">
+            <a:schemeClr val="accent1">
+              <a:shade val="50000"/>
+            </a:schemeClr>
+          </a:lnRef>
+          <a:fillRef idx="1">
+            <a:schemeClr val="accent1"/>
+          </a:fillRef>
+          <a:effectRef idx="0">
+            <a:schemeClr val="accent1"/>
+          </a:effectRef>
+          <a:fontRef idx="minor">
+            <a:schemeClr val="lt1"/>
+          </a:fontRef>
+        </p:style>
+        <p:txBody>
+          <a:bodyPr rtlCol="0" anchor="ctr"/>
+          <a:lstStyle/>
+          <a:p>
+            <a:pPr algn="ctr"/>
+            <a:endParaRPr lang="en-US"/>
+          </a:p>
+        </p:txBody>
+      </p:sp>
+      <p:sp>
+        <p:nvSpPr>
+          <p:cNvPr id="16" name="TextBox 15">
+            <a:extLst>
+              <a:ext uri="{FF2B5EF4-FFF2-40B4-BE49-F238E27FC236}">
+                <a16:creationId xmlns:a16="http://schemas.microsoft.com/office/drawing/2014/main" id="{B4D86A72-614D-9F4D-8279-8397C6901FFA}"/>
+              </a:ext>
+            </a:extLst>
+          </p:cNvPr>
+          <p:cNvSpPr txBox="1"/>
+          <p:nvPr/>
+        </p:nvSpPr>
+        <p:spPr>
+          <a:xfrm>
+            <a:off x="6633754" y="2645286"/>
+            <a:ext cx="2969623" cy="369332"/>
+          </a:xfrm>
+          <a:prstGeom prst="rect">
+            <a:avLst/>
+          </a:prstGeom>
+          <a:noFill/>
+        </p:spPr>
+        <p:txBody>
+          <a:bodyPr wrap="square" rtlCol="0">
+            <a:spAutoFit/>
+          </a:bodyPr>
+          <a:lstStyle/>
+          <a:p>
+            <a:r>
+              <a:rPr lang="en-US" dirty="0">
+                <a:highlight>
+                  <a:srgbClr val="FFFF00"/>
+                </a:highlight>
+              </a:rPr>
+              <a:t>7. Promise Wait for Response</a:t>
+            </a:r>
+          </a:p>
+        </p:txBody>
+      </p:sp>
+      <p:sp>
+        <p:nvSpPr>
+          <p:cNvPr id="17" name="Bent Up Arrow 16">
+            <a:extLst>
+              <a:ext uri="{FF2B5EF4-FFF2-40B4-BE49-F238E27FC236}">
+                <a16:creationId xmlns:a16="http://schemas.microsoft.com/office/drawing/2014/main" id="{278EB5C0-AC9A-1047-8152-5D8B2678E030}"/>
+              </a:ext>
+            </a:extLst>
+          </p:cNvPr>
+          <p:cNvSpPr/>
+          <p:nvPr/>
+        </p:nvSpPr>
+        <p:spPr>
+          <a:xfrm flipH="1">
+            <a:off x="5107577" y="2201930"/>
+            <a:ext cx="4881150" cy="1516630"/>
+          </a:xfrm>
+          <a:prstGeom prst="bentUpArrow">
+            <a:avLst/>
+          </a:prstGeom>
+        </p:spPr>
+        <p:style>
+          <a:lnRef idx="2">
+            <a:schemeClr val="accent1">
+              <a:shade val="50000"/>
+            </a:schemeClr>
+          </a:lnRef>
+          <a:fillRef idx="1">
+            <a:schemeClr val="accent1"/>
+          </a:fillRef>
+          <a:effectRef idx="0">
+            <a:schemeClr val="accent1"/>
+          </a:effectRef>
+          <a:fontRef idx="minor">
+            <a:schemeClr val="lt1"/>
+          </a:fontRef>
+        </p:style>
+        <p:txBody>
+          <a:bodyPr rtlCol="0" anchor="ctr"/>
+          <a:lstStyle/>
+          <a:p>
+            <a:pPr algn="ctr"/>
+            <a:endParaRPr lang="en-US"/>
+          </a:p>
+        </p:txBody>
+      </p:sp>
+      <p:sp>
+        <p:nvSpPr>
+          <p:cNvPr id="18" name="TextBox 17">
+            <a:extLst>
+              <a:ext uri="{FF2B5EF4-FFF2-40B4-BE49-F238E27FC236}">
+                <a16:creationId xmlns:a16="http://schemas.microsoft.com/office/drawing/2014/main" id="{3B40BC1B-8467-6D40-B2B8-A40D769DF07D}"/>
+              </a:ext>
+            </a:extLst>
+          </p:cNvPr>
+          <p:cNvSpPr txBox="1"/>
+          <p:nvPr/>
+        </p:nvSpPr>
+        <p:spPr>
+          <a:xfrm>
+            <a:off x="6065520" y="3378984"/>
+            <a:ext cx="3357153" cy="369332"/>
+          </a:xfrm>
+          <a:prstGeom prst="rect">
+            <a:avLst/>
+          </a:prstGeom>
+          <a:noFill/>
+        </p:spPr>
+        <p:txBody>
+          <a:bodyPr wrap="square" rtlCol="0">
+            <a:spAutoFit/>
+          </a:bodyPr>
+          <a:lstStyle/>
+          <a:p>
+            <a:r>
+              <a:rPr lang="en-US" dirty="0">
+                <a:highlight>
+                  <a:srgbClr val="FFFF00"/>
+                </a:highlight>
+              </a:rPr>
+              <a:t>8. Server Is ready with response</a:t>
+            </a:r>
+          </a:p>
+        </p:txBody>
+      </p:sp>
+      <p:sp>
+        <p:nvSpPr>
+          <p:cNvPr id="19" name="Rounded Rectangle 18">
+            <a:extLst>
+              <a:ext uri="{FF2B5EF4-FFF2-40B4-BE49-F238E27FC236}">
+                <a16:creationId xmlns:a16="http://schemas.microsoft.com/office/drawing/2014/main" id="{0606C399-7636-CD45-A542-26FDD6BFEC0E}"/>
+              </a:ext>
+            </a:extLst>
+          </p:cNvPr>
+          <p:cNvSpPr/>
+          <p:nvPr/>
+        </p:nvSpPr>
+        <p:spPr>
+          <a:xfrm>
+            <a:off x="3818709" y="3020595"/>
+            <a:ext cx="1480457" cy="1193074"/>
+          </a:xfrm>
+          <a:prstGeom prst="roundRect">
+            <a:avLst/>
+          </a:prstGeom>
+        </p:spPr>
+        <p:style>
+          <a:lnRef idx="2">
+            <a:schemeClr val="accent1">
+              <a:shade val="50000"/>
+            </a:schemeClr>
+          </a:lnRef>
+          <a:fillRef idx="1">
+            <a:schemeClr val="accent1"/>
+          </a:fillRef>
+          <a:effectRef idx="0">
+            <a:schemeClr val="accent1"/>
+          </a:effectRef>
+          <a:fontRef idx="minor">
+            <a:schemeClr val="lt1"/>
+          </a:fontRef>
+        </p:style>
+        <p:txBody>
+          <a:bodyPr rtlCol="0" anchor="ctr"/>
+          <a:lstStyle/>
+          <a:p>
+            <a:pPr algn="ctr"/>
+            <a:r>
+              <a:rPr lang="en-US" dirty="0"/>
+              <a:t>9. The Response</a:t>
+            </a:r>
+          </a:p>
+          <a:p>
+            <a:pPr algn="ctr"/>
+            <a:r>
+              <a:rPr lang="en-US" dirty="0"/>
+              <a:t>Success / Fail</a:t>
+            </a:r>
+          </a:p>
+        </p:txBody>
+      </p:sp>
+      <p:sp>
+        <p:nvSpPr>
+          <p:cNvPr id="20" name="Bent Up Arrow 19">
+            <a:extLst>
+              <a:ext uri="{FF2B5EF4-FFF2-40B4-BE49-F238E27FC236}">
+                <a16:creationId xmlns:a16="http://schemas.microsoft.com/office/drawing/2014/main" id="{5ECEAF36-7A6F-7D4A-BE90-9726B3043267}"/>
+              </a:ext>
+            </a:extLst>
+          </p:cNvPr>
+          <p:cNvSpPr/>
+          <p:nvPr/>
+        </p:nvSpPr>
+        <p:spPr>
+          <a:xfrm rot="5400000">
+            <a:off x="2431871" y="2349137"/>
+            <a:ext cx="1280157" cy="1458688"/>
+          </a:xfrm>
+          <a:prstGeom prst="bentUpArrow">
+            <a:avLst>
+              <a:gd name="adj1" fmla="val 25000"/>
+              <a:gd name="adj2" fmla="val 25000"/>
+              <a:gd name="adj3" fmla="val 30442"/>
+            </a:avLst>
+          </a:prstGeom>
+        </p:spPr>
+        <p:style>
+          <a:lnRef idx="2">
+            <a:schemeClr val="accent1">
+              <a:shade val="50000"/>
+            </a:schemeClr>
+          </a:lnRef>
+          <a:fillRef idx="1">
+            <a:schemeClr val="accent1"/>
+          </a:fillRef>
+          <a:effectRef idx="0">
+            <a:schemeClr val="accent1"/>
+          </a:effectRef>
+          <a:fontRef idx="minor">
+            <a:schemeClr val="lt1"/>
+          </a:fontRef>
+        </p:style>
+        <p:txBody>
+          <a:bodyPr rtlCol="0" anchor="ctr"/>
+          <a:lstStyle/>
+          <a:p>
+            <a:pPr algn="ctr"/>
+            <a:endParaRPr lang="en-US"/>
+          </a:p>
+        </p:txBody>
+      </p:sp>
+      <p:sp>
+        <p:nvSpPr>
+          <p:cNvPr id="21" name="TextBox 20">
+            <a:extLst>
+              <a:ext uri="{FF2B5EF4-FFF2-40B4-BE49-F238E27FC236}">
+                <a16:creationId xmlns:a16="http://schemas.microsoft.com/office/drawing/2014/main" id="{31D00A22-A8BA-5E41-8BF9-AE3C5A237D23}"/>
+              </a:ext>
+            </a:extLst>
+          </p:cNvPr>
+          <p:cNvSpPr txBox="1"/>
+          <p:nvPr/>
+        </p:nvSpPr>
+        <p:spPr>
+          <a:xfrm>
+            <a:off x="2229394" y="3748316"/>
+            <a:ext cx="1332412" cy="1015663"/>
+          </a:xfrm>
+          <a:prstGeom prst="rect">
+            <a:avLst/>
+          </a:prstGeom>
+          <a:noFill/>
+        </p:spPr>
+        <p:txBody>
+          <a:bodyPr wrap="square" rtlCol="0">
+            <a:spAutoFit/>
+          </a:bodyPr>
+          <a:lstStyle/>
+          <a:p>
+            <a:r>
+              <a:rPr lang="en-US" sz="1200" dirty="0"/>
+              <a:t>10. Client use the subscription to Unpack to the response and process it</a:t>
+            </a:r>
+          </a:p>
+        </p:txBody>
+      </p:sp>
+      <p:sp>
+        <p:nvSpPr>
+          <p:cNvPr id="22" name="TextBox 21">
+            <a:extLst>
+              <a:ext uri="{FF2B5EF4-FFF2-40B4-BE49-F238E27FC236}">
+                <a16:creationId xmlns:a16="http://schemas.microsoft.com/office/drawing/2014/main" id="{9427D90D-3016-A344-9BE1-6BD0F3C2F5D6}"/>
+              </a:ext>
+            </a:extLst>
+          </p:cNvPr>
+          <p:cNvSpPr txBox="1"/>
+          <p:nvPr/>
+        </p:nvSpPr>
+        <p:spPr>
+          <a:xfrm>
+            <a:off x="3239589" y="4456164"/>
+            <a:ext cx="3274423" cy="461665"/>
+          </a:xfrm>
+          <a:prstGeom prst="rect">
+            <a:avLst/>
+          </a:prstGeom>
+          <a:noFill/>
+        </p:spPr>
+        <p:txBody>
+          <a:bodyPr wrap="square" rtlCol="0">
+            <a:spAutoFit/>
+          </a:bodyPr>
+          <a:lstStyle/>
+          <a:p>
+            <a:r>
+              <a:rPr lang="en-US" sz="1200" dirty="0"/>
+              <a:t>10a. Either Resolve (Success) </a:t>
+            </a:r>
+          </a:p>
+          <a:p>
+            <a:r>
+              <a:rPr lang="en-US" sz="1200" dirty="0"/>
+              <a:t>10b. Or Rejected (Fail)</a:t>
+            </a:r>
+          </a:p>
+        </p:txBody>
+      </p:sp>
+      <p:sp>
+        <p:nvSpPr>
+          <p:cNvPr id="23" name="Left Arrow 22">
+            <a:extLst>
+              <a:ext uri="{FF2B5EF4-FFF2-40B4-BE49-F238E27FC236}">
+                <a16:creationId xmlns:a16="http://schemas.microsoft.com/office/drawing/2014/main" id="{4341BCE2-D1C1-B244-A5AD-D4D3E9642C10}"/>
+              </a:ext>
+            </a:extLst>
+          </p:cNvPr>
+          <p:cNvSpPr/>
+          <p:nvPr/>
+        </p:nvSpPr>
+        <p:spPr>
+          <a:xfrm>
+            <a:off x="1402080" y="4110446"/>
+            <a:ext cx="827314" cy="391885"/>
+          </a:xfrm>
+          <a:prstGeom prst="leftArrow">
+            <a:avLst/>
+          </a:prstGeom>
+          <a:solidFill>
+            <a:srgbClr val="FFFF00"/>
+          </a:solidFill>
+        </p:spPr>
+        <p:style>
+          <a:lnRef idx="2">
+            <a:schemeClr val="accent1">
+              <a:shade val="50000"/>
+            </a:schemeClr>
+          </a:lnRef>
+          <a:fillRef idx="1">
+            <a:schemeClr val="accent1"/>
+          </a:fillRef>
+          <a:effectRef idx="0">
+            <a:schemeClr val="accent1"/>
+          </a:effectRef>
+          <a:fontRef idx="minor">
+            <a:schemeClr val="lt1"/>
+          </a:fontRef>
+        </p:style>
+        <p:txBody>
+          <a:bodyPr rtlCol="0" anchor="ctr"/>
+          <a:lstStyle/>
+          <a:p>
+            <a:pPr algn="ctr"/>
+            <a:endParaRPr lang="en-US"/>
+          </a:p>
+        </p:txBody>
+      </p:sp>
+      <p:sp>
+        <p:nvSpPr>
+          <p:cNvPr id="24" name="TextBox 23">
+            <a:extLst>
+              <a:ext uri="{FF2B5EF4-FFF2-40B4-BE49-F238E27FC236}">
+                <a16:creationId xmlns:a16="http://schemas.microsoft.com/office/drawing/2014/main" id="{1E09F364-35F7-224A-9824-D7B28EFF5A5B}"/>
+              </a:ext>
+            </a:extLst>
+          </p:cNvPr>
+          <p:cNvSpPr txBox="1"/>
+          <p:nvPr/>
+        </p:nvSpPr>
+        <p:spPr>
+          <a:xfrm>
+            <a:off x="431076" y="4502331"/>
+            <a:ext cx="1345473" cy="1200329"/>
+          </a:xfrm>
+          <a:prstGeom prst="rect">
+            <a:avLst/>
+          </a:prstGeom>
+          <a:noFill/>
+        </p:spPr>
+        <p:txBody>
+          <a:bodyPr wrap="square" rtlCol="0">
+            <a:spAutoFit/>
+          </a:bodyPr>
+          <a:lstStyle/>
+          <a:p>
+            <a:r>
+              <a:rPr lang="en-US" dirty="0">
+                <a:solidFill>
+                  <a:srgbClr val="FFFF00"/>
+                </a:solidFill>
+              </a:rPr>
+              <a:t>11. Receive the Data from Response</a:t>
+            </a:r>
+          </a:p>
+        </p:txBody>
+      </p:sp>
+      <p:sp>
+        <p:nvSpPr>
+          <p:cNvPr id="25" name="Left-right Arrow 24">
+            <a:extLst>
+              <a:ext uri="{FF2B5EF4-FFF2-40B4-BE49-F238E27FC236}">
+                <a16:creationId xmlns:a16="http://schemas.microsoft.com/office/drawing/2014/main" id="{BE1B00BE-3AC3-A649-AAB9-2042EFEF98C4}"/>
+              </a:ext>
+            </a:extLst>
+          </p:cNvPr>
+          <p:cNvSpPr/>
+          <p:nvPr/>
+        </p:nvSpPr>
+        <p:spPr>
+          <a:xfrm>
+            <a:off x="2229394" y="5442857"/>
+            <a:ext cx="7680960" cy="583474"/>
+          </a:xfrm>
+          <a:prstGeom prst="leftRightArrow">
+            <a:avLst/>
+          </a:prstGeom>
+        </p:spPr>
+        <p:style>
+          <a:lnRef idx="2">
+            <a:schemeClr val="accent1">
+              <a:shade val="50000"/>
+            </a:schemeClr>
+          </a:lnRef>
+          <a:fillRef idx="1">
+            <a:schemeClr val="accent1"/>
+          </a:fillRef>
+          <a:effectRef idx="0">
+            <a:schemeClr val="accent1"/>
+          </a:effectRef>
+          <a:fontRef idx="minor">
+            <a:schemeClr val="lt1"/>
+          </a:fontRef>
+        </p:style>
+        <p:txBody>
+          <a:bodyPr rtlCol="0" anchor="ctr"/>
+          <a:lstStyle/>
+          <a:p>
+            <a:pPr algn="ctr"/>
+            <a:r>
+              <a:rPr lang="en-US" dirty="0"/>
+              <a:t>The Promise Bridge for Decoupling and Notifications</a:t>
+            </a:r>
+          </a:p>
+        </p:txBody>
+      </p:sp>
+    </p:spTree>
+    <p:extLst>
+      <p:ext uri="{BB962C8B-B14F-4D97-AF65-F5344CB8AC3E}">
+        <p14:creationId xmlns:p14="http://schemas.microsoft.com/office/powerpoint/2010/main" val="1815921530"/>
+      </p:ext>
+    </p:extLst>
+  </p:cSld>
+  <p:clrMapOvr>
+    <a:masterClrMapping/>
+  </p:clrMapOvr>
+</p:sld>
+</file>
+
+<file path=ppt/slides/slide15.xml><?xml version="1.0" encoding="utf-8"?>
+<p:sld xmlns:a="http://schemas.openxmlformats.org/drawingml/2006/main" xmlns:r="http://schemas.openxmlformats.org/officeDocument/2006/relationships" xmlns:p="http://schemas.openxmlformats.org/presentationml/2006/main">
+  <p:cSld>
+    <p:spTree>
+      <p:nvGrpSpPr>
+        <p:cNvPr id="1" name=""/>
+        <p:cNvGrpSpPr/>
+        <p:nvPr/>
+      </p:nvGrpSpPr>
+      <p:grpSpPr>
+        <a:xfrm>
+          <a:off x="0" y="0"/>
+          <a:ext cx="0" cy="0"/>
+          <a:chOff x="0" y="0"/>
+          <a:chExt cx="0" cy="0"/>
+        </a:xfrm>
+      </p:grpSpPr>
+      <p:sp>
+        <p:nvSpPr>
+          <p:cNvPr id="2" name="Rounded Rectangle 1">
+            <a:extLst>
+              <a:ext uri="{FF2B5EF4-FFF2-40B4-BE49-F238E27FC236}">
+                <a16:creationId xmlns:a16="http://schemas.microsoft.com/office/drawing/2014/main" id="{79CD8461-E4E7-9442-9598-C423F7BA9544}"/>
+              </a:ext>
+            </a:extLst>
+          </p:cNvPr>
+          <p:cNvSpPr/>
+          <p:nvPr/>
+        </p:nvSpPr>
+        <p:spPr>
+          <a:xfrm>
+            <a:off x="8917577" y="1706880"/>
+            <a:ext cx="2786743" cy="3082834"/>
+          </a:xfrm>
+          <a:prstGeom prst="roundRect">
+            <a:avLst/>
+          </a:prstGeom>
+        </p:spPr>
+        <p:style>
+          <a:lnRef idx="2">
+            <a:schemeClr val="accent1">
+              <a:shade val="50000"/>
+            </a:schemeClr>
+          </a:lnRef>
+          <a:fillRef idx="1">
+            <a:schemeClr val="accent1"/>
+          </a:fillRef>
+          <a:effectRef idx="0">
+            <a:schemeClr val="accent1"/>
+          </a:effectRef>
+          <a:fontRef idx="minor">
+            <a:schemeClr val="lt1"/>
+          </a:fontRef>
+        </p:style>
+        <p:txBody>
+          <a:bodyPr rtlCol="0" anchor="ctr"/>
+          <a:lstStyle/>
+          <a:p>
+            <a:pPr algn="ctr"/>
+            <a:r>
+              <a:rPr lang="en-US" dirty="0"/>
+              <a:t>Method Returning Promise</a:t>
+            </a:r>
+          </a:p>
+        </p:txBody>
+      </p:sp>
+      <p:sp>
+        <p:nvSpPr>
+          <p:cNvPr id="3" name="Rounded Rectangle 2">
+            <a:extLst>
+              <a:ext uri="{FF2B5EF4-FFF2-40B4-BE49-F238E27FC236}">
+                <a16:creationId xmlns:a16="http://schemas.microsoft.com/office/drawing/2014/main" id="{56E1E66A-C51F-0843-ABC5-8338DB520A6B}"/>
+              </a:ext>
+            </a:extLst>
+          </p:cNvPr>
+          <p:cNvSpPr/>
+          <p:nvPr/>
+        </p:nvSpPr>
+        <p:spPr>
+          <a:xfrm>
+            <a:off x="4968240" y="1706880"/>
+            <a:ext cx="2786743" cy="3082834"/>
+          </a:xfrm>
+          <a:prstGeom prst="roundRect">
+            <a:avLst/>
+          </a:prstGeom>
+        </p:spPr>
+        <p:style>
+          <a:lnRef idx="2">
+            <a:schemeClr val="accent1">
+              <a:shade val="50000"/>
+            </a:schemeClr>
+          </a:lnRef>
+          <a:fillRef idx="1">
+            <a:schemeClr val="accent1"/>
+          </a:fillRef>
+          <a:effectRef idx="0">
+            <a:schemeClr val="accent1"/>
+          </a:effectRef>
+          <a:fontRef idx="minor">
+            <a:schemeClr val="lt1"/>
+          </a:fontRef>
+        </p:style>
+        <p:txBody>
+          <a:bodyPr rtlCol="0" anchor="ctr"/>
+          <a:lstStyle/>
+          <a:p>
+            <a:pPr algn="ctr"/>
+            <a:r>
+              <a:rPr lang="en-US" dirty="0"/>
+              <a:t>Caller Method call method that returns Promise</a:t>
+            </a:r>
+          </a:p>
+          <a:p>
+            <a:pPr algn="ctr"/>
+            <a:endParaRPr lang="en-US" dirty="0"/>
+          </a:p>
+          <a:p>
+            <a:pPr algn="ctr"/>
+            <a:r>
+              <a:rPr lang="en-US" dirty="0"/>
+              <a:t>The caller method must be decorated with </a:t>
+            </a:r>
+            <a:r>
+              <a:rPr lang="en-US" b="1" dirty="0"/>
+              <a:t>‘async’ </a:t>
+            </a:r>
+            <a:r>
+              <a:rPr lang="en-US" dirty="0"/>
+              <a:t>keyword when the call is made, decorate call as ‘</a:t>
+            </a:r>
+            <a:r>
+              <a:rPr lang="en-US" b="1" dirty="0"/>
+              <a:t>await’ </a:t>
+            </a:r>
+            <a:r>
+              <a:rPr lang="en-US" dirty="0"/>
+              <a:t>aka </a:t>
+            </a:r>
+            <a:r>
+              <a:rPr lang="en-US" dirty="0" err="1"/>
+              <a:t>awaittable</a:t>
+            </a:r>
+            <a:r>
+              <a:rPr lang="en-US" dirty="0"/>
+              <a:t> call</a:t>
+            </a:r>
+          </a:p>
+        </p:txBody>
+      </p:sp>
+      <p:sp>
+        <p:nvSpPr>
+          <p:cNvPr id="4" name="Rounded Rectangle 3">
+            <a:extLst>
+              <a:ext uri="{FF2B5EF4-FFF2-40B4-BE49-F238E27FC236}">
+                <a16:creationId xmlns:a16="http://schemas.microsoft.com/office/drawing/2014/main" id="{1E2F0F3E-851A-384C-9A4F-C020AE8A837D}"/>
+              </a:ext>
+            </a:extLst>
+          </p:cNvPr>
+          <p:cNvSpPr/>
+          <p:nvPr/>
+        </p:nvSpPr>
+        <p:spPr>
+          <a:xfrm>
+            <a:off x="862149" y="1706880"/>
+            <a:ext cx="2786743" cy="3082834"/>
+          </a:xfrm>
+          <a:prstGeom prst="roundRect">
+            <a:avLst/>
+          </a:prstGeom>
+        </p:spPr>
+        <p:style>
+          <a:lnRef idx="2">
+            <a:schemeClr val="accent1">
+              <a:shade val="50000"/>
+            </a:schemeClr>
+          </a:lnRef>
+          <a:fillRef idx="1">
+            <a:schemeClr val="accent1"/>
+          </a:fillRef>
+          <a:effectRef idx="0">
+            <a:schemeClr val="accent1"/>
+          </a:effectRef>
+          <a:fontRef idx="minor">
+            <a:schemeClr val="lt1"/>
+          </a:fontRef>
+        </p:style>
+        <p:txBody>
+          <a:bodyPr rtlCol="0" anchor="ctr"/>
+          <a:lstStyle/>
+          <a:p>
+            <a:pPr algn="ctr"/>
+            <a:r>
+              <a:rPr lang="en-US" dirty="0"/>
+              <a:t>Client Application</a:t>
+            </a:r>
+          </a:p>
+        </p:txBody>
+      </p:sp>
+      <p:sp>
+        <p:nvSpPr>
+          <p:cNvPr id="5" name="Right Arrow 4">
+            <a:extLst>
+              <a:ext uri="{FF2B5EF4-FFF2-40B4-BE49-F238E27FC236}">
+                <a16:creationId xmlns:a16="http://schemas.microsoft.com/office/drawing/2014/main" id="{B399A3D5-6915-BD46-8AD8-652CA59A400A}"/>
+              </a:ext>
+            </a:extLst>
+          </p:cNvPr>
+          <p:cNvSpPr/>
+          <p:nvPr/>
+        </p:nvSpPr>
+        <p:spPr>
+          <a:xfrm>
+            <a:off x="3065417" y="2081349"/>
+            <a:ext cx="2290354" cy="235131"/>
+          </a:xfrm>
+          <a:prstGeom prst="rightArrow">
+            <a:avLst/>
+          </a:prstGeom>
+          <a:solidFill>
+            <a:srgbClr val="FFFF00"/>
+          </a:solidFill>
+        </p:spPr>
+        <p:style>
+          <a:lnRef idx="2">
+            <a:schemeClr val="accent1">
+              <a:shade val="50000"/>
+            </a:schemeClr>
+          </a:lnRef>
+          <a:fillRef idx="1">
+            <a:schemeClr val="accent1"/>
+          </a:fillRef>
+          <a:effectRef idx="0">
+            <a:schemeClr val="accent1"/>
+          </a:effectRef>
+          <a:fontRef idx="minor">
+            <a:schemeClr val="lt1"/>
+          </a:fontRef>
+        </p:style>
+        <p:txBody>
+          <a:bodyPr rtlCol="0" anchor="ctr"/>
+          <a:lstStyle/>
+          <a:p>
+            <a:pPr algn="ctr"/>
+            <a:endParaRPr lang="en-US"/>
+          </a:p>
+        </p:txBody>
+      </p:sp>
+      <p:sp>
+        <p:nvSpPr>
+          <p:cNvPr id="6" name="U-turn Arrow 5">
+            <a:extLst>
+              <a:ext uri="{FF2B5EF4-FFF2-40B4-BE49-F238E27FC236}">
+                <a16:creationId xmlns:a16="http://schemas.microsoft.com/office/drawing/2014/main" id="{5EAA01A6-7C37-B44D-9815-30B06F9AE269}"/>
+              </a:ext>
+            </a:extLst>
+          </p:cNvPr>
+          <p:cNvSpPr/>
+          <p:nvPr/>
+        </p:nvSpPr>
+        <p:spPr>
+          <a:xfrm>
+            <a:off x="6905897" y="609600"/>
+            <a:ext cx="3056709" cy="1489166"/>
+          </a:xfrm>
+          <a:prstGeom prst="uturnArrow">
+            <a:avLst/>
+          </a:prstGeom>
+          <a:solidFill>
+            <a:srgbClr val="FFFF00"/>
+          </a:solidFill>
+        </p:spPr>
+        <p:style>
+          <a:lnRef idx="2">
+            <a:schemeClr val="accent1">
+              <a:shade val="50000"/>
+            </a:schemeClr>
+          </a:lnRef>
+          <a:fillRef idx="1">
+            <a:schemeClr val="accent1"/>
+          </a:fillRef>
+          <a:effectRef idx="0">
+            <a:schemeClr val="accent1"/>
+          </a:effectRef>
+          <a:fontRef idx="minor">
+            <a:schemeClr val="lt1"/>
+          </a:fontRef>
+        </p:style>
+        <p:txBody>
+          <a:bodyPr rtlCol="0" anchor="ctr"/>
+          <a:lstStyle/>
+          <a:p>
+            <a:pPr algn="ctr"/>
+            <a:r>
+              <a:rPr lang="en-US" dirty="0">
+                <a:solidFill>
+                  <a:schemeClr val="tx1"/>
+                </a:solidFill>
+              </a:rPr>
+              <a:t>Call for Data and </a:t>
+            </a:r>
+          </a:p>
+          <a:p>
+            <a:pPr algn="ctr"/>
+            <a:r>
+              <a:rPr lang="en-US" dirty="0">
+                <a:solidFill>
+                  <a:schemeClr val="tx1"/>
+                </a:solidFill>
+              </a:rPr>
+              <a:t>Subscribe to promise</a:t>
+            </a:r>
+          </a:p>
+        </p:txBody>
+      </p:sp>
+      <p:sp>
+        <p:nvSpPr>
+          <p:cNvPr id="7" name="U-turn Arrow 6">
+            <a:extLst>
+              <a:ext uri="{FF2B5EF4-FFF2-40B4-BE49-F238E27FC236}">
+                <a16:creationId xmlns:a16="http://schemas.microsoft.com/office/drawing/2014/main" id="{564E5324-92CC-3F47-A72C-D87B75C9867E}"/>
+              </a:ext>
+            </a:extLst>
+          </p:cNvPr>
+          <p:cNvSpPr/>
+          <p:nvPr/>
+        </p:nvSpPr>
+        <p:spPr>
+          <a:xfrm rot="10800000">
+            <a:off x="6692537" y="4413736"/>
+            <a:ext cx="3056709" cy="1489166"/>
+          </a:xfrm>
+          <a:prstGeom prst="uturnArrow">
+            <a:avLst/>
+          </a:prstGeom>
+          <a:solidFill>
+            <a:srgbClr val="FFFF00"/>
+          </a:solidFill>
+        </p:spPr>
+        <p:style>
+          <a:lnRef idx="2">
+            <a:schemeClr val="accent1">
+              <a:shade val="50000"/>
+            </a:schemeClr>
+          </a:lnRef>
+          <a:fillRef idx="1">
+            <a:schemeClr val="accent1"/>
+          </a:fillRef>
+          <a:effectRef idx="0">
+            <a:schemeClr val="accent1"/>
+          </a:effectRef>
+          <a:fontRef idx="minor">
+            <a:schemeClr val="lt1"/>
+          </a:fontRef>
+        </p:style>
+        <p:txBody>
+          <a:bodyPr rtlCol="0" anchor="ctr"/>
+          <a:lstStyle/>
+          <a:p>
+            <a:pPr algn="ctr"/>
+            <a:endParaRPr lang="en-US">
+              <a:solidFill>
+                <a:schemeClr val="tx1"/>
+              </a:solidFill>
+            </a:endParaRPr>
+          </a:p>
+        </p:txBody>
+      </p:sp>
+      <p:sp>
+        <p:nvSpPr>
+          <p:cNvPr id="8" name="Left Arrow 7">
+            <a:extLst>
+              <a:ext uri="{FF2B5EF4-FFF2-40B4-BE49-F238E27FC236}">
+                <a16:creationId xmlns:a16="http://schemas.microsoft.com/office/drawing/2014/main" id="{049A594E-DCCC-4E4B-BBE5-99E50460BE87}"/>
+              </a:ext>
+            </a:extLst>
+          </p:cNvPr>
+          <p:cNvSpPr/>
+          <p:nvPr/>
+        </p:nvSpPr>
+        <p:spPr>
+          <a:xfrm>
+            <a:off x="3161211" y="4188823"/>
+            <a:ext cx="2194560" cy="261257"/>
+          </a:xfrm>
+          <a:prstGeom prst="leftArrow">
+            <a:avLst/>
+          </a:prstGeom>
+          <a:solidFill>
+            <a:srgbClr val="FFFF00"/>
+          </a:solidFill>
+        </p:spPr>
+        <p:style>
+          <a:lnRef idx="2">
+            <a:schemeClr val="accent1">
+              <a:shade val="50000"/>
+            </a:schemeClr>
+          </a:lnRef>
+          <a:fillRef idx="1">
+            <a:schemeClr val="accent1"/>
+          </a:fillRef>
+          <a:effectRef idx="0">
+            <a:schemeClr val="accent1"/>
+          </a:effectRef>
+          <a:fontRef idx="minor">
+            <a:schemeClr val="lt1"/>
+          </a:fontRef>
+        </p:style>
+        <p:txBody>
+          <a:bodyPr rtlCol="0" anchor="ctr"/>
+          <a:lstStyle/>
+          <a:p>
+            <a:pPr algn="ctr"/>
+            <a:endParaRPr lang="en-US"/>
+          </a:p>
+        </p:txBody>
+      </p:sp>
+      <p:sp>
+        <p:nvSpPr>
+          <p:cNvPr id="9" name="TextBox 8">
+            <a:extLst>
+              <a:ext uri="{FF2B5EF4-FFF2-40B4-BE49-F238E27FC236}">
+                <a16:creationId xmlns:a16="http://schemas.microsoft.com/office/drawing/2014/main" id="{8F49866E-353B-7E4A-83D6-F8A860E0D9DF}"/>
+              </a:ext>
+            </a:extLst>
+          </p:cNvPr>
+          <p:cNvSpPr txBox="1"/>
+          <p:nvPr/>
+        </p:nvSpPr>
+        <p:spPr>
+          <a:xfrm>
+            <a:off x="3648892" y="1271451"/>
+            <a:ext cx="1393371" cy="646331"/>
+          </a:xfrm>
+          <a:prstGeom prst="rect">
+            <a:avLst/>
+          </a:prstGeom>
+          <a:noFill/>
+        </p:spPr>
+        <p:txBody>
+          <a:bodyPr wrap="square" rtlCol="0">
+            <a:spAutoFit/>
+          </a:bodyPr>
+          <a:lstStyle/>
+          <a:p>
+            <a:r>
+              <a:rPr lang="en-US" dirty="0"/>
+              <a:t>Request for Data</a:t>
+            </a:r>
+          </a:p>
+        </p:txBody>
+      </p:sp>
+      <p:sp>
+        <p:nvSpPr>
+          <p:cNvPr id="10" name="TextBox 9">
+            <a:extLst>
+              <a:ext uri="{FF2B5EF4-FFF2-40B4-BE49-F238E27FC236}">
+                <a16:creationId xmlns:a16="http://schemas.microsoft.com/office/drawing/2014/main" id="{BE75321E-CAE1-E748-80F1-C09868867AF0}"/>
+              </a:ext>
+            </a:extLst>
+          </p:cNvPr>
+          <p:cNvSpPr txBox="1"/>
+          <p:nvPr/>
+        </p:nvSpPr>
+        <p:spPr>
+          <a:xfrm>
+            <a:off x="7754983" y="4901977"/>
+            <a:ext cx="1288868" cy="646331"/>
+          </a:xfrm>
+          <a:prstGeom prst="rect">
+            <a:avLst/>
+          </a:prstGeom>
+          <a:noFill/>
+        </p:spPr>
+        <p:txBody>
+          <a:bodyPr wrap="square" rtlCol="0">
+            <a:spAutoFit/>
+          </a:bodyPr>
+          <a:lstStyle/>
+          <a:p>
+            <a:r>
+              <a:rPr lang="en-US" dirty="0"/>
+              <a:t>Resolve / Reject</a:t>
+            </a:r>
+          </a:p>
+        </p:txBody>
+      </p:sp>
+      <p:sp>
+        <p:nvSpPr>
+          <p:cNvPr id="11" name="TextBox 10">
+            <a:extLst>
+              <a:ext uri="{FF2B5EF4-FFF2-40B4-BE49-F238E27FC236}">
+                <a16:creationId xmlns:a16="http://schemas.microsoft.com/office/drawing/2014/main" id="{07650CAF-E3DC-A841-9538-05D179FF62D4}"/>
+              </a:ext>
+            </a:extLst>
+          </p:cNvPr>
+          <p:cNvSpPr txBox="1"/>
+          <p:nvPr/>
+        </p:nvSpPr>
+        <p:spPr>
+          <a:xfrm>
+            <a:off x="3648892" y="4511988"/>
+            <a:ext cx="1393371" cy="646331"/>
+          </a:xfrm>
+          <a:prstGeom prst="rect">
+            <a:avLst/>
+          </a:prstGeom>
+          <a:noFill/>
+        </p:spPr>
+        <p:txBody>
+          <a:bodyPr wrap="square" rtlCol="0">
+            <a:spAutoFit/>
+          </a:bodyPr>
+          <a:lstStyle/>
+          <a:p>
+            <a:r>
+              <a:rPr lang="en-US" dirty="0"/>
+              <a:t>Return Data / Error</a:t>
+            </a:r>
+          </a:p>
+        </p:txBody>
+      </p:sp>
+      <p:sp>
+        <p:nvSpPr>
+          <p:cNvPr id="12" name="TextBox 11">
+            <a:extLst>
+              <a:ext uri="{FF2B5EF4-FFF2-40B4-BE49-F238E27FC236}">
+                <a16:creationId xmlns:a16="http://schemas.microsoft.com/office/drawing/2014/main" id="{FAD6ECD7-A545-B944-9721-E95AD5DB59BC}"/>
+              </a:ext>
+            </a:extLst>
+          </p:cNvPr>
+          <p:cNvSpPr txBox="1"/>
+          <p:nvPr/>
+        </p:nvSpPr>
+        <p:spPr>
+          <a:xfrm>
+            <a:off x="246017" y="121920"/>
+            <a:ext cx="5849983" cy="369332"/>
+          </a:xfrm>
+          <a:prstGeom prst="rect">
+            <a:avLst/>
+          </a:prstGeom>
+          <a:noFill/>
+        </p:spPr>
+        <p:txBody>
+          <a:bodyPr wrap="square" rtlCol="0">
+            <a:spAutoFit/>
+          </a:bodyPr>
+          <a:lstStyle/>
+          <a:p>
+            <a:r>
+              <a:rPr lang="en-US" dirty="0"/>
+              <a:t>Async / Await calls</a:t>
+            </a:r>
+          </a:p>
+        </p:txBody>
+      </p:sp>
+      <p:sp>
+        <p:nvSpPr>
+          <p:cNvPr id="13" name="TextBox 12">
+            <a:extLst>
+              <a:ext uri="{FF2B5EF4-FFF2-40B4-BE49-F238E27FC236}">
+                <a16:creationId xmlns:a16="http://schemas.microsoft.com/office/drawing/2014/main" id="{A6E8889E-3CE4-824C-8022-2A977AC754E5}"/>
+              </a:ext>
+            </a:extLst>
+          </p:cNvPr>
+          <p:cNvSpPr txBox="1"/>
+          <p:nvPr/>
+        </p:nvSpPr>
+        <p:spPr>
+          <a:xfrm>
+            <a:off x="1003663" y="5220227"/>
+            <a:ext cx="1565365" cy="369332"/>
+          </a:xfrm>
+          <a:prstGeom prst="rect">
+            <a:avLst/>
+          </a:prstGeom>
+          <a:noFill/>
+        </p:spPr>
+        <p:txBody>
+          <a:bodyPr wrap="square" rtlCol="0">
+            <a:spAutoFit/>
+          </a:bodyPr>
+          <a:lstStyle/>
+          <a:p>
+            <a:r>
+              <a:rPr lang="en-US" dirty="0"/>
+              <a:t>A</a:t>
+            </a:r>
+          </a:p>
+        </p:txBody>
+      </p:sp>
+      <p:sp>
+        <p:nvSpPr>
+          <p:cNvPr id="14" name="TextBox 13">
+            <a:extLst>
+              <a:ext uri="{FF2B5EF4-FFF2-40B4-BE49-F238E27FC236}">
+                <a16:creationId xmlns:a16="http://schemas.microsoft.com/office/drawing/2014/main" id="{671849AD-B9AB-8449-99EE-44CFC5E1D251}"/>
+              </a:ext>
+            </a:extLst>
+          </p:cNvPr>
+          <p:cNvSpPr txBox="1"/>
+          <p:nvPr/>
+        </p:nvSpPr>
+        <p:spPr>
+          <a:xfrm>
+            <a:off x="5364481" y="5363642"/>
+            <a:ext cx="1565365" cy="369332"/>
+          </a:xfrm>
+          <a:prstGeom prst="rect">
+            <a:avLst/>
+          </a:prstGeom>
+          <a:noFill/>
+        </p:spPr>
+        <p:txBody>
+          <a:bodyPr wrap="square" rtlCol="0">
+            <a:spAutoFit/>
+          </a:bodyPr>
+          <a:lstStyle/>
+          <a:p>
+            <a:r>
+              <a:rPr lang="en-US" dirty="0"/>
+              <a:t>B</a:t>
+            </a:r>
+          </a:p>
+        </p:txBody>
+      </p:sp>
+      <p:sp>
+        <p:nvSpPr>
+          <p:cNvPr id="15" name="TextBox 14">
+            <a:extLst>
+              <a:ext uri="{FF2B5EF4-FFF2-40B4-BE49-F238E27FC236}">
+                <a16:creationId xmlns:a16="http://schemas.microsoft.com/office/drawing/2014/main" id="{7A72B1BF-C126-CC4E-BEDB-A9D38E123791}"/>
+              </a:ext>
+            </a:extLst>
+          </p:cNvPr>
+          <p:cNvSpPr txBox="1"/>
+          <p:nvPr/>
+        </p:nvSpPr>
+        <p:spPr>
+          <a:xfrm>
+            <a:off x="10029009" y="5035561"/>
+            <a:ext cx="1565365" cy="369332"/>
+          </a:xfrm>
+          <a:prstGeom prst="rect">
+            <a:avLst/>
+          </a:prstGeom>
+          <a:noFill/>
+        </p:spPr>
+        <p:txBody>
+          <a:bodyPr wrap="square" rtlCol="0">
+            <a:spAutoFit/>
+          </a:bodyPr>
+          <a:lstStyle/>
+          <a:p>
+            <a:r>
+              <a:rPr lang="en-US" dirty="0"/>
+              <a:t>C</a:t>
+            </a:r>
+          </a:p>
+        </p:txBody>
+      </p:sp>
+      <p:sp>
+        <p:nvSpPr>
+          <p:cNvPr id="16" name="TextBox 15">
+            <a:extLst>
+              <a:ext uri="{FF2B5EF4-FFF2-40B4-BE49-F238E27FC236}">
+                <a16:creationId xmlns:a16="http://schemas.microsoft.com/office/drawing/2014/main" id="{EB8F8338-7DBC-864E-B707-58DC40912586}"/>
+              </a:ext>
+            </a:extLst>
+          </p:cNvPr>
+          <p:cNvSpPr txBox="1"/>
+          <p:nvPr/>
+        </p:nvSpPr>
+        <p:spPr>
+          <a:xfrm>
+            <a:off x="178526" y="593691"/>
+            <a:ext cx="2275115" cy="1200329"/>
+          </a:xfrm>
+          <a:prstGeom prst="rect">
+            <a:avLst/>
+          </a:prstGeom>
+          <a:noFill/>
+        </p:spPr>
+        <p:txBody>
+          <a:bodyPr wrap="square" rtlCol="0">
+            <a:spAutoFit/>
+          </a:bodyPr>
+          <a:lstStyle/>
+          <a:p>
+            <a:r>
+              <a:rPr lang="en-US" sz="1200" dirty="0"/>
+              <a:t>A Calls B, B Calls C, C returns promise,  B executes call C as asynchronous call using ‘async’ decorator and wait for C to complete using ‘await’ statement decorator</a:t>
+            </a:r>
+          </a:p>
+        </p:txBody>
+      </p:sp>
+    </p:spTree>
+    <p:extLst>
+      <p:ext uri="{BB962C8B-B14F-4D97-AF65-F5344CB8AC3E}">
+        <p14:creationId xmlns:p14="http://schemas.microsoft.com/office/powerpoint/2010/main" val="4127703233"/>
       </p:ext>
     </p:extLst>
   </p:cSld>

--- a/Training_Notes_PPTs.pptx
+++ b/Training_Notes_PPTs.pptx
@@ -20,6 +20,7 @@
     <p:sldId id="268" r:id="rId14"/>
     <p:sldId id="269" r:id="rId15"/>
     <p:sldId id="270" r:id="rId16"/>
+    <p:sldId id="271" r:id="rId17"/>
   </p:sldIdLst>
   <p:sldSz cx="12192000" cy="6858000"/>
   <p:notesSz cx="6858000" cy="9144000"/>
@@ -9304,6 +9305,731 @@
 </p:sld>
 </file>
 
+<file path=ppt/slides/slide16.xml><?xml version="1.0" encoding="utf-8"?>
+<p:sld xmlns:a="http://schemas.openxmlformats.org/drawingml/2006/main" xmlns:r="http://schemas.openxmlformats.org/officeDocument/2006/relationships" xmlns:p="http://schemas.openxmlformats.org/presentationml/2006/main">
+  <p:cSld>
+    <p:spTree>
+      <p:nvGrpSpPr>
+        <p:cNvPr id="1" name=""/>
+        <p:cNvGrpSpPr/>
+        <p:nvPr/>
+      </p:nvGrpSpPr>
+      <p:grpSpPr>
+        <a:xfrm>
+          <a:off x="0" y="0"/>
+          <a:ext cx="0" cy="0"/>
+          <a:chOff x="0" y="0"/>
+          <a:chExt cx="0" cy="0"/>
+        </a:xfrm>
+      </p:grpSpPr>
+      <p:sp>
+        <p:nvSpPr>
+          <p:cNvPr id="2" name="Rounded Rectangle 1">
+            <a:extLst>
+              <a:ext uri="{FF2B5EF4-FFF2-40B4-BE49-F238E27FC236}">
+                <a16:creationId xmlns:a16="http://schemas.microsoft.com/office/drawing/2014/main" id="{CC22CBB6-D41F-EC42-9F87-0E984FEF7B5C}"/>
+              </a:ext>
+            </a:extLst>
+          </p:cNvPr>
+          <p:cNvSpPr/>
+          <p:nvPr/>
+        </p:nvSpPr>
+        <p:spPr>
+          <a:xfrm>
+            <a:off x="7855131" y="1149531"/>
+            <a:ext cx="3814355" cy="3927566"/>
+          </a:xfrm>
+          <a:prstGeom prst="roundRect">
+            <a:avLst/>
+          </a:prstGeom>
+        </p:spPr>
+        <p:style>
+          <a:lnRef idx="2">
+            <a:schemeClr val="accent1">
+              <a:shade val="50000"/>
+            </a:schemeClr>
+          </a:lnRef>
+          <a:fillRef idx="1">
+            <a:schemeClr val="accent1"/>
+          </a:fillRef>
+          <a:effectRef idx="0">
+            <a:schemeClr val="accent1"/>
+          </a:effectRef>
+          <a:fontRef idx="minor">
+            <a:schemeClr val="lt1"/>
+          </a:fontRef>
+        </p:style>
+        <p:txBody>
+          <a:bodyPr rtlCol="0" anchor="ctr"/>
+          <a:lstStyle/>
+          <a:p>
+            <a:pPr algn="ctr"/>
+            <a:r>
+              <a:rPr lang="en-US" dirty="0"/>
+              <a:t>Id:1,</a:t>
+            </a:r>
+          </a:p>
+          <a:p>
+            <a:pPr algn="ctr"/>
+            <a:r>
+              <a:rPr lang="en-US" dirty="0" err="1"/>
+              <a:t>Name:’ABC</a:t>
+            </a:r>
+            <a:r>
+              <a:rPr lang="en-US" dirty="0"/>
+              <a:t>’,</a:t>
+            </a:r>
+          </a:p>
+          <a:p>
+            <a:pPr algn="ctr"/>
+            <a:r>
+              <a:rPr lang="en-US" dirty="0"/>
+              <a:t>Age:44</a:t>
+            </a:r>
+          </a:p>
+          <a:p>
+            <a:pPr algn="ctr"/>
+            <a:r>
+              <a:rPr lang="en-US" dirty="0"/>
+              <a:t>_username:’</a:t>
+            </a:r>
+            <a:r>
+              <a:rPr lang="en-US" dirty="0" err="1"/>
+              <a:t>abc@mymail.com</a:t>
+            </a:r>
+            <a:r>
+              <a:rPr lang="en-US" dirty="0"/>
+              <a:t>’,</a:t>
+            </a:r>
+          </a:p>
+          <a:p>
+            <a:pPr algn="ctr"/>
+            <a:r>
+              <a:rPr lang="en-US" dirty="0"/>
+              <a:t>_password:”P@ssw0rd”</a:t>
+            </a:r>
+          </a:p>
+          <a:p>
+            <a:pPr algn="ctr"/>
+            <a:endParaRPr lang="en-US" dirty="0"/>
+          </a:p>
+        </p:txBody>
+      </p:sp>
+      <p:sp>
+        <p:nvSpPr>
+          <p:cNvPr id="3" name="Double Brace 2">
+            <a:extLst>
+              <a:ext uri="{FF2B5EF4-FFF2-40B4-BE49-F238E27FC236}">
+                <a16:creationId xmlns:a16="http://schemas.microsoft.com/office/drawing/2014/main" id="{8A060CC3-D362-3546-B641-8B65EE60749F}"/>
+              </a:ext>
+            </a:extLst>
+          </p:cNvPr>
+          <p:cNvSpPr/>
+          <p:nvPr/>
+        </p:nvSpPr>
+        <p:spPr>
+          <a:xfrm>
+            <a:off x="8038011" y="1898469"/>
+            <a:ext cx="3352800" cy="2577737"/>
+          </a:xfrm>
+          <a:prstGeom prst="bracePair">
+            <a:avLst/>
+          </a:prstGeom>
+        </p:spPr>
+        <p:style>
+          <a:lnRef idx="3">
+            <a:schemeClr val="dk1"/>
+          </a:lnRef>
+          <a:fillRef idx="0">
+            <a:schemeClr val="dk1"/>
+          </a:fillRef>
+          <a:effectRef idx="2">
+            <a:schemeClr val="dk1"/>
+          </a:effectRef>
+          <a:fontRef idx="minor">
+            <a:schemeClr val="tx1"/>
+          </a:fontRef>
+        </p:style>
+        <p:txBody>
+          <a:bodyPr rtlCol="0" anchor="ctr"/>
+          <a:lstStyle/>
+          <a:p>
+            <a:pPr algn="ctr"/>
+            <a:endParaRPr lang="en-US"/>
+          </a:p>
+        </p:txBody>
+      </p:sp>
+      <p:sp>
+        <p:nvSpPr>
+          <p:cNvPr id="4" name="Rectangle 3">
+            <a:extLst>
+              <a:ext uri="{FF2B5EF4-FFF2-40B4-BE49-F238E27FC236}">
+                <a16:creationId xmlns:a16="http://schemas.microsoft.com/office/drawing/2014/main" id="{2A31EB8D-9274-DD45-8E83-8D79ECB3DD1D}"/>
+              </a:ext>
+            </a:extLst>
+          </p:cNvPr>
+          <p:cNvSpPr/>
+          <p:nvPr/>
+        </p:nvSpPr>
+        <p:spPr>
+          <a:xfrm>
+            <a:off x="243840" y="1071154"/>
+            <a:ext cx="2516777" cy="4005943"/>
+          </a:xfrm>
+          <a:prstGeom prst="rect">
+            <a:avLst/>
+          </a:prstGeom>
+        </p:spPr>
+        <p:style>
+          <a:lnRef idx="2">
+            <a:schemeClr val="accent1">
+              <a:shade val="50000"/>
+            </a:schemeClr>
+          </a:lnRef>
+          <a:fillRef idx="1">
+            <a:schemeClr val="accent1"/>
+          </a:fillRef>
+          <a:effectRef idx="0">
+            <a:schemeClr val="accent1"/>
+          </a:effectRef>
+          <a:fontRef idx="minor">
+            <a:schemeClr val="lt1"/>
+          </a:fontRef>
+        </p:style>
+        <p:txBody>
+          <a:bodyPr rtlCol="0" anchor="ctr"/>
+          <a:lstStyle/>
+          <a:p>
+            <a:pPr algn="ctr"/>
+            <a:r>
+              <a:rPr lang="en-US" dirty="0"/>
+              <a:t>Client App</a:t>
+            </a:r>
+          </a:p>
+          <a:p>
+            <a:pPr algn="ctr"/>
+            <a:r>
+              <a:rPr lang="en-US" dirty="0"/>
+              <a:t>var x = </a:t>
+            </a:r>
+            <a:r>
+              <a:rPr lang="en-US" dirty="0" err="1"/>
+              <a:t>myObj</a:t>
+            </a:r>
+            <a:r>
+              <a:rPr lang="en-US" dirty="0"/>
+              <a:t>;</a:t>
+            </a:r>
+          </a:p>
+          <a:p>
+            <a:pPr algn="ctr"/>
+            <a:r>
+              <a:rPr lang="en-US" dirty="0" err="1"/>
+              <a:t>x.Id</a:t>
+            </a:r>
+            <a:endParaRPr lang="en-US" dirty="0"/>
+          </a:p>
+          <a:p>
+            <a:pPr algn="ctr"/>
+            <a:r>
+              <a:rPr lang="en-US" dirty="0" err="1"/>
+              <a:t>x.Name</a:t>
+            </a:r>
+            <a:endParaRPr lang="en-US" dirty="0"/>
+          </a:p>
+          <a:p>
+            <a:pPr algn="ctr"/>
+            <a:r>
+              <a:rPr lang="en-US" dirty="0" err="1"/>
+              <a:t>x.Age</a:t>
+            </a:r>
+            <a:endParaRPr lang="en-US" dirty="0"/>
+          </a:p>
+          <a:p>
+            <a:pPr algn="ctr"/>
+            <a:r>
+              <a:rPr lang="en-US" dirty="0" err="1">
+                <a:ln w="0"/>
+                <a:solidFill>
+                  <a:schemeClr val="tx1"/>
+                </a:solidFill>
+                <a:effectLst>
+                  <a:outerShdw blurRad="38100" dist="19050" dir="2700000" algn="tl" rotWithShape="0">
+                    <a:schemeClr val="dk1">
+                      <a:alpha val="40000"/>
+                    </a:schemeClr>
+                  </a:outerShdw>
+                </a:effectLst>
+              </a:rPr>
+              <a:t>x._username</a:t>
+            </a:r>
+            <a:r>
+              <a:rPr lang="en-US" dirty="0">
+                <a:ln w="0"/>
+                <a:solidFill>
+                  <a:schemeClr val="tx1"/>
+                </a:solidFill>
+                <a:effectLst>
+                  <a:outerShdw blurRad="38100" dist="19050" dir="2700000" algn="tl" rotWithShape="0">
+                    <a:schemeClr val="dk1">
+                      <a:alpha val="40000"/>
+                    </a:schemeClr>
+                  </a:outerShdw>
+                </a:effectLst>
+              </a:rPr>
+              <a:t>,</a:t>
+            </a:r>
+          </a:p>
+          <a:p>
+            <a:pPr algn="ctr"/>
+            <a:r>
+              <a:rPr lang="en-US" dirty="0" err="1">
+                <a:ln w="0"/>
+                <a:solidFill>
+                  <a:schemeClr val="tx1"/>
+                </a:solidFill>
+                <a:effectLst>
+                  <a:outerShdw blurRad="38100" dist="19050" dir="2700000" algn="tl" rotWithShape="0">
+                    <a:schemeClr val="dk1">
+                      <a:alpha val="40000"/>
+                    </a:schemeClr>
+                  </a:outerShdw>
+                </a:effectLst>
+              </a:rPr>
+              <a:t>x._password</a:t>
+            </a:r>
+            <a:endParaRPr lang="en-US" dirty="0">
+              <a:ln w="0"/>
+              <a:solidFill>
+                <a:schemeClr val="tx1"/>
+              </a:solidFill>
+              <a:effectLst>
+                <a:outerShdw blurRad="38100" dist="19050" dir="2700000" algn="tl" rotWithShape="0">
+                  <a:schemeClr val="dk1">
+                    <a:alpha val="40000"/>
+                  </a:schemeClr>
+                </a:outerShdw>
+              </a:effectLst>
+            </a:endParaRPr>
+          </a:p>
+          <a:p>
+            <a:pPr algn="ctr"/>
+            <a:endParaRPr lang="en-US" dirty="0"/>
+          </a:p>
+        </p:txBody>
+      </p:sp>
+      <p:sp>
+        <p:nvSpPr>
+          <p:cNvPr id="5" name="TextBox 4">
+            <a:extLst>
+              <a:ext uri="{FF2B5EF4-FFF2-40B4-BE49-F238E27FC236}">
+                <a16:creationId xmlns:a16="http://schemas.microsoft.com/office/drawing/2014/main" id="{9D8A0407-D09A-634F-8795-13C9CD28BFFA}"/>
+              </a:ext>
+            </a:extLst>
+          </p:cNvPr>
+          <p:cNvSpPr txBox="1"/>
+          <p:nvPr/>
+        </p:nvSpPr>
+        <p:spPr>
+          <a:xfrm>
+            <a:off x="8673737" y="1384663"/>
+            <a:ext cx="2142309" cy="365760"/>
+          </a:xfrm>
+          <a:prstGeom prst="rect">
+            <a:avLst/>
+          </a:prstGeom>
+          <a:solidFill>
+            <a:srgbClr val="FFFF00"/>
+          </a:solidFill>
+        </p:spPr>
+        <p:txBody>
+          <a:bodyPr wrap="square" rtlCol="0">
+            <a:spAutoFit/>
+          </a:bodyPr>
+          <a:lstStyle/>
+          <a:p>
+            <a:r>
+              <a:rPr lang="en-US" dirty="0" err="1"/>
+              <a:t>myObj</a:t>
+            </a:r>
+            <a:endParaRPr lang="en-US" dirty="0"/>
+          </a:p>
+        </p:txBody>
+      </p:sp>
+      <p:sp>
+        <p:nvSpPr>
+          <p:cNvPr id="6" name="Rounded Rectangle 5">
+            <a:extLst>
+              <a:ext uri="{FF2B5EF4-FFF2-40B4-BE49-F238E27FC236}">
+                <a16:creationId xmlns:a16="http://schemas.microsoft.com/office/drawing/2014/main" id="{377C5205-3C4F-AC4F-BC67-E809EF26930B}"/>
+              </a:ext>
+            </a:extLst>
+          </p:cNvPr>
+          <p:cNvSpPr/>
+          <p:nvPr/>
+        </p:nvSpPr>
+        <p:spPr>
+          <a:xfrm>
+            <a:off x="3997234" y="2055224"/>
+            <a:ext cx="2717075" cy="2420982"/>
+          </a:xfrm>
+          <a:prstGeom prst="roundRect">
+            <a:avLst/>
+          </a:prstGeom>
+        </p:spPr>
+        <p:style>
+          <a:lnRef idx="2">
+            <a:schemeClr val="accent1">
+              <a:shade val="50000"/>
+            </a:schemeClr>
+          </a:lnRef>
+          <a:fillRef idx="1">
+            <a:schemeClr val="accent1"/>
+          </a:fillRef>
+          <a:effectRef idx="0">
+            <a:schemeClr val="accent1"/>
+          </a:effectRef>
+          <a:fontRef idx="minor">
+            <a:schemeClr val="lt1"/>
+          </a:fontRef>
+        </p:style>
+        <p:txBody>
+          <a:bodyPr rtlCol="0" anchor="ctr"/>
+          <a:lstStyle/>
+          <a:p>
+            <a:pPr algn="ctr"/>
+            <a:r>
+              <a:rPr lang="en-US" dirty="0"/>
+              <a:t>Rules to handle requests from client and then provide access of part of original object to client</a:t>
+            </a:r>
+          </a:p>
+          <a:p>
+            <a:pPr algn="ctr"/>
+            <a:r>
+              <a:rPr lang="en-US" dirty="0"/>
+              <a:t>Rule </a:t>
+            </a:r>
+            <a:r>
+              <a:rPr lang="en-US" dirty="0" err="1"/>
+              <a:t>Metods</a:t>
+            </a:r>
+            <a:endParaRPr lang="en-US" dirty="0"/>
+          </a:p>
+          <a:p>
+            <a:pPr algn="ctr"/>
+            <a:r>
+              <a:rPr lang="en-US" dirty="0"/>
+              <a:t>Get() / set() / </a:t>
+            </a:r>
+            <a:r>
+              <a:rPr lang="en-US"/>
+              <a:t>ownKeys, etc.</a:t>
+            </a:r>
+            <a:endParaRPr lang="en-US" dirty="0"/>
+          </a:p>
+        </p:txBody>
+      </p:sp>
+      <p:sp>
+        <p:nvSpPr>
+          <p:cNvPr id="7" name="TextBox 6">
+            <a:extLst>
+              <a:ext uri="{FF2B5EF4-FFF2-40B4-BE49-F238E27FC236}">
+                <a16:creationId xmlns:a16="http://schemas.microsoft.com/office/drawing/2014/main" id="{2C415F0A-1613-4644-9419-C322F48CE30E}"/>
+              </a:ext>
+            </a:extLst>
+          </p:cNvPr>
+          <p:cNvSpPr txBox="1"/>
+          <p:nvPr/>
+        </p:nvSpPr>
+        <p:spPr>
+          <a:xfrm>
+            <a:off x="4171406" y="1384663"/>
+            <a:ext cx="2316480" cy="369332"/>
+          </a:xfrm>
+          <a:prstGeom prst="rect">
+            <a:avLst/>
+          </a:prstGeom>
+          <a:noFill/>
+        </p:spPr>
+        <p:txBody>
+          <a:bodyPr wrap="square" rtlCol="0">
+            <a:spAutoFit/>
+          </a:bodyPr>
+          <a:lstStyle/>
+          <a:p>
+            <a:pPr algn="ctr"/>
+            <a:r>
+              <a:rPr lang="en-US" b="1" dirty="0"/>
+              <a:t>Proxy Object</a:t>
+            </a:r>
+          </a:p>
+        </p:txBody>
+      </p:sp>
+      <p:sp>
+        <p:nvSpPr>
+          <p:cNvPr id="8" name="Left-right Arrow 7">
+            <a:extLst>
+              <a:ext uri="{FF2B5EF4-FFF2-40B4-BE49-F238E27FC236}">
+                <a16:creationId xmlns:a16="http://schemas.microsoft.com/office/drawing/2014/main" id="{C55AC0C7-5A76-A34E-A745-10F835F9734A}"/>
+              </a:ext>
+            </a:extLst>
+          </p:cNvPr>
+          <p:cNvSpPr/>
+          <p:nvPr/>
+        </p:nvSpPr>
+        <p:spPr>
+          <a:xfrm>
+            <a:off x="2760617" y="3152503"/>
+            <a:ext cx="1245326" cy="276497"/>
+          </a:xfrm>
+          <a:prstGeom prst="leftRightArrow">
+            <a:avLst/>
+          </a:prstGeom>
+          <a:solidFill>
+            <a:srgbClr val="FFFF00"/>
+          </a:solidFill>
+        </p:spPr>
+        <p:style>
+          <a:lnRef idx="2">
+            <a:schemeClr val="accent1">
+              <a:shade val="50000"/>
+            </a:schemeClr>
+          </a:lnRef>
+          <a:fillRef idx="1">
+            <a:schemeClr val="accent1"/>
+          </a:fillRef>
+          <a:effectRef idx="0">
+            <a:schemeClr val="accent1"/>
+          </a:effectRef>
+          <a:fontRef idx="minor">
+            <a:schemeClr val="lt1"/>
+          </a:fontRef>
+        </p:style>
+        <p:txBody>
+          <a:bodyPr rtlCol="0" anchor="ctr"/>
+          <a:lstStyle/>
+          <a:p>
+            <a:pPr algn="ctr"/>
+            <a:endParaRPr lang="en-US"/>
+          </a:p>
+        </p:txBody>
+      </p:sp>
+      <p:sp>
+        <p:nvSpPr>
+          <p:cNvPr id="9" name="TextBox 8">
+            <a:extLst>
+              <a:ext uri="{FF2B5EF4-FFF2-40B4-BE49-F238E27FC236}">
+                <a16:creationId xmlns:a16="http://schemas.microsoft.com/office/drawing/2014/main" id="{1C772668-66D4-1348-B3CC-00BBA15EF996}"/>
+              </a:ext>
+            </a:extLst>
+          </p:cNvPr>
+          <p:cNvSpPr txBox="1"/>
+          <p:nvPr/>
+        </p:nvSpPr>
+        <p:spPr>
+          <a:xfrm>
+            <a:off x="2534194" y="104503"/>
+            <a:ext cx="2229395" cy="646331"/>
+          </a:xfrm>
+          <a:prstGeom prst="rect">
+            <a:avLst/>
+          </a:prstGeom>
+          <a:noFill/>
+        </p:spPr>
+        <p:txBody>
+          <a:bodyPr wrap="square" rtlCol="0">
+            <a:spAutoFit/>
+          </a:bodyPr>
+          <a:lstStyle/>
+          <a:p>
+            <a:r>
+              <a:rPr lang="en-US" dirty="0"/>
+              <a:t>Proxy is actual object for the client</a:t>
+            </a:r>
+          </a:p>
+        </p:txBody>
+      </p:sp>
+      <p:cxnSp>
+        <p:nvCxnSpPr>
+          <p:cNvPr id="11" name="Straight Arrow Connector 10">
+            <a:extLst>
+              <a:ext uri="{FF2B5EF4-FFF2-40B4-BE49-F238E27FC236}">
+                <a16:creationId xmlns:a16="http://schemas.microsoft.com/office/drawing/2014/main" id="{71D96CE6-E387-864A-89B2-880057C54FC2}"/>
+              </a:ext>
+            </a:extLst>
+          </p:cNvPr>
+          <p:cNvCxnSpPr>
+            <a:stCxn id="9" idx="2"/>
+            <a:endCxn id="8" idx="1"/>
+          </p:cNvCxnSpPr>
+          <p:nvPr/>
+        </p:nvCxnSpPr>
+        <p:spPr>
+          <a:xfrm flipH="1">
+            <a:off x="3383280" y="750834"/>
+            <a:ext cx="265612" cy="2470793"/>
+          </a:xfrm>
+          <a:prstGeom prst="straightConnector1">
+            <a:avLst/>
+          </a:prstGeom>
+          <a:ln>
+            <a:tailEnd type="triangle"/>
+          </a:ln>
+        </p:spPr>
+        <p:style>
+          <a:lnRef idx="1">
+            <a:schemeClr val="accent1"/>
+          </a:lnRef>
+          <a:fillRef idx="0">
+            <a:schemeClr val="accent1"/>
+          </a:fillRef>
+          <a:effectRef idx="0">
+            <a:schemeClr val="accent1"/>
+          </a:effectRef>
+          <a:fontRef idx="minor">
+            <a:schemeClr val="tx1"/>
+          </a:fontRef>
+        </p:style>
+      </p:cxnSp>
+      <p:sp>
+        <p:nvSpPr>
+          <p:cNvPr id="12" name="Left-right Arrow 11">
+            <a:extLst>
+              <a:ext uri="{FF2B5EF4-FFF2-40B4-BE49-F238E27FC236}">
+                <a16:creationId xmlns:a16="http://schemas.microsoft.com/office/drawing/2014/main" id="{5D9D2C3F-F211-2F4B-82C4-852BE4541AA0}"/>
+              </a:ext>
+            </a:extLst>
+          </p:cNvPr>
+          <p:cNvSpPr/>
+          <p:nvPr/>
+        </p:nvSpPr>
+        <p:spPr>
+          <a:xfrm>
+            <a:off x="6662057" y="3122021"/>
+            <a:ext cx="1245326" cy="276497"/>
+          </a:xfrm>
+          <a:prstGeom prst="leftRightArrow">
+            <a:avLst/>
+          </a:prstGeom>
+          <a:solidFill>
+            <a:srgbClr val="FFFF00"/>
+          </a:solidFill>
+        </p:spPr>
+        <p:style>
+          <a:lnRef idx="2">
+            <a:schemeClr val="accent1">
+              <a:shade val="50000"/>
+            </a:schemeClr>
+          </a:lnRef>
+          <a:fillRef idx="1">
+            <a:schemeClr val="accent1"/>
+          </a:fillRef>
+          <a:effectRef idx="0">
+            <a:schemeClr val="accent1"/>
+          </a:effectRef>
+          <a:fontRef idx="minor">
+            <a:schemeClr val="lt1"/>
+          </a:fontRef>
+        </p:style>
+        <p:txBody>
+          <a:bodyPr rtlCol="0" anchor="ctr"/>
+          <a:lstStyle/>
+          <a:p>
+            <a:pPr algn="ctr"/>
+            <a:endParaRPr lang="en-US"/>
+          </a:p>
+        </p:txBody>
+      </p:sp>
+      <p:sp>
+        <p:nvSpPr>
+          <p:cNvPr id="13" name="TextBox 12">
+            <a:extLst>
+              <a:ext uri="{FF2B5EF4-FFF2-40B4-BE49-F238E27FC236}">
+                <a16:creationId xmlns:a16="http://schemas.microsoft.com/office/drawing/2014/main" id="{6C9C13BB-42C9-1743-A8B4-12BA27BB6432}"/>
+              </a:ext>
+            </a:extLst>
+          </p:cNvPr>
+          <p:cNvSpPr txBox="1"/>
+          <p:nvPr/>
+        </p:nvSpPr>
+        <p:spPr>
+          <a:xfrm>
+            <a:off x="6313715" y="86137"/>
+            <a:ext cx="2229395" cy="646331"/>
+          </a:xfrm>
+          <a:prstGeom prst="rect">
+            <a:avLst/>
+          </a:prstGeom>
+          <a:noFill/>
+        </p:spPr>
+        <p:txBody>
+          <a:bodyPr wrap="square" rtlCol="0">
+            <a:spAutoFit/>
+          </a:bodyPr>
+          <a:lstStyle/>
+          <a:p>
+            <a:r>
+              <a:rPr lang="en-US" dirty="0"/>
+              <a:t>Proxy handle the actual object</a:t>
+            </a:r>
+          </a:p>
+        </p:txBody>
+      </p:sp>
+      <p:cxnSp>
+        <p:nvCxnSpPr>
+          <p:cNvPr id="15" name="Straight Arrow Connector 14">
+            <a:extLst>
+              <a:ext uri="{FF2B5EF4-FFF2-40B4-BE49-F238E27FC236}">
+                <a16:creationId xmlns:a16="http://schemas.microsoft.com/office/drawing/2014/main" id="{A2BDF29D-1ACE-6B43-97D0-6FECE5894D16}"/>
+              </a:ext>
+            </a:extLst>
+          </p:cNvPr>
+          <p:cNvCxnSpPr>
+            <a:stCxn id="13" idx="2"/>
+            <a:endCxn id="12" idx="1"/>
+          </p:cNvCxnSpPr>
+          <p:nvPr/>
+        </p:nvCxnSpPr>
+        <p:spPr>
+          <a:xfrm flipH="1">
+            <a:off x="7284720" y="732468"/>
+            <a:ext cx="143693" cy="2458677"/>
+          </a:xfrm>
+          <a:prstGeom prst="straightConnector1">
+            <a:avLst/>
+          </a:prstGeom>
+          <a:ln>
+            <a:tailEnd type="triangle"/>
+          </a:ln>
+        </p:spPr>
+        <p:style>
+          <a:lnRef idx="1">
+            <a:schemeClr val="accent1"/>
+          </a:lnRef>
+          <a:fillRef idx="0">
+            <a:schemeClr val="accent1"/>
+          </a:fillRef>
+          <a:effectRef idx="0">
+            <a:schemeClr val="accent1"/>
+          </a:effectRef>
+          <a:fontRef idx="minor">
+            <a:schemeClr val="tx1"/>
+          </a:fontRef>
+        </p:style>
+      </p:cxnSp>
+    </p:spTree>
+    <p:extLst>
+      <p:ext uri="{BB962C8B-B14F-4D97-AF65-F5344CB8AC3E}">
+        <p14:creationId xmlns:p14="http://schemas.microsoft.com/office/powerpoint/2010/main" val="1140651644"/>
+      </p:ext>
+    </p:extLst>
+  </p:cSld>
+  <p:clrMapOvr>
+    <a:masterClrMapping/>
+  </p:clrMapOvr>
+</p:sld>
+</file>
+
 <file path=ppt/slides/slide2.xml><?xml version="1.0" encoding="utf-8"?>
 <p:sld xmlns:a="http://schemas.openxmlformats.org/drawingml/2006/main" xmlns:r="http://schemas.openxmlformats.org/officeDocument/2006/relationships" xmlns:p="http://schemas.openxmlformats.org/presentationml/2006/main">
   <p:cSld>

--- a/Training_Notes_PPTs.pptx
+++ b/Training_Notes_PPTs.pptx
@@ -21,6 +21,15 @@
     <p:sldId id="269" r:id="rId15"/>
     <p:sldId id="270" r:id="rId16"/>
     <p:sldId id="271" r:id="rId17"/>
+    <p:sldId id="272" r:id="rId18"/>
+    <p:sldId id="273" r:id="rId19"/>
+    <p:sldId id="274" r:id="rId20"/>
+    <p:sldId id="275" r:id="rId21"/>
+    <p:sldId id="277" r:id="rId22"/>
+    <p:sldId id="276" r:id="rId23"/>
+    <p:sldId id="278" r:id="rId24"/>
+    <p:sldId id="279" r:id="rId25"/>
+    <p:sldId id="280" r:id="rId26"/>
   </p:sldIdLst>
   <p:sldSz cx="12192000" cy="6858000"/>
   <p:notesSz cx="6858000" cy="9144000"/>
@@ -266,7 +275,7 @@
           <a:p>
             <a:fld id="{587FB2BA-09D0-1840-B49D-E4BDDD8ED284}" type="datetimeFigureOut">
               <a:rPr lang="en-US" smtClean="0"/>
-              <a:t>1/7/21</a:t>
+              <a:t>1/11/21</a:t>
             </a:fld>
             <a:endParaRPr lang="en-US"/>
           </a:p>
@@ -477,7 +486,7 @@
           <a:p>
             <a:fld id="{587FB2BA-09D0-1840-B49D-E4BDDD8ED284}" type="datetimeFigureOut">
               <a:rPr lang="en-US" smtClean="0"/>
-              <a:t>1/7/21</a:t>
+              <a:t>1/11/21</a:t>
             </a:fld>
             <a:endParaRPr lang="en-US"/>
           </a:p>
@@ -692,7 +701,7 @@
           <a:p>
             <a:fld id="{587FB2BA-09D0-1840-B49D-E4BDDD8ED284}" type="datetimeFigureOut">
               <a:rPr lang="en-US" smtClean="0"/>
-              <a:t>1/7/21</a:t>
+              <a:t>1/11/21</a:t>
             </a:fld>
             <a:endParaRPr lang="en-US"/>
           </a:p>
@@ -893,7 +902,7 @@
           <a:p>
             <a:fld id="{587FB2BA-09D0-1840-B49D-E4BDDD8ED284}" type="datetimeFigureOut">
               <a:rPr lang="en-US" smtClean="0"/>
-              <a:t>1/7/21</a:t>
+              <a:t>1/11/21</a:t>
             </a:fld>
             <a:endParaRPr lang="en-US"/>
           </a:p>
@@ -1172,7 +1181,7 @@
           <a:p>
             <a:fld id="{587FB2BA-09D0-1840-B49D-E4BDDD8ED284}" type="datetimeFigureOut">
               <a:rPr lang="en-US" smtClean="0"/>
-              <a:t>1/7/21</a:t>
+              <a:t>1/11/21</a:t>
             </a:fld>
             <a:endParaRPr lang="en-US"/>
           </a:p>
@@ -1440,7 +1449,7 @@
           <a:p>
             <a:fld id="{587FB2BA-09D0-1840-B49D-E4BDDD8ED284}" type="datetimeFigureOut">
               <a:rPr lang="en-US" smtClean="0"/>
-              <a:t>1/7/21</a:t>
+              <a:t>1/11/21</a:t>
             </a:fld>
             <a:endParaRPr lang="en-US"/>
           </a:p>
@@ -1856,7 +1865,7 @@
           <a:p>
             <a:fld id="{587FB2BA-09D0-1840-B49D-E4BDDD8ED284}" type="datetimeFigureOut">
               <a:rPr lang="en-US" smtClean="0"/>
-              <a:t>1/7/21</a:t>
+              <a:t>1/11/21</a:t>
             </a:fld>
             <a:endParaRPr lang="en-US"/>
           </a:p>
@@ -2005,7 +2014,7 @@
           <a:p>
             <a:fld id="{587FB2BA-09D0-1840-B49D-E4BDDD8ED284}" type="datetimeFigureOut">
               <a:rPr lang="en-US" smtClean="0"/>
-              <a:t>1/7/21</a:t>
+              <a:t>1/11/21</a:t>
             </a:fld>
             <a:endParaRPr lang="en-US"/>
           </a:p>
@@ -2131,7 +2140,7 @@
           <a:p>
             <a:fld id="{587FB2BA-09D0-1840-B49D-E4BDDD8ED284}" type="datetimeFigureOut">
               <a:rPr lang="en-US" smtClean="0"/>
-              <a:t>1/7/21</a:t>
+              <a:t>1/11/21</a:t>
             </a:fld>
             <a:endParaRPr lang="en-US"/>
           </a:p>
@@ -2382,7 +2391,7 @@
           <a:p>
             <a:fld id="{587FB2BA-09D0-1840-B49D-E4BDDD8ED284}" type="datetimeFigureOut">
               <a:rPr lang="en-US" smtClean="0"/>
-              <a:t>1/7/21</a:t>
+              <a:t>1/11/21</a:t>
             </a:fld>
             <a:endParaRPr lang="en-US"/>
           </a:p>
@@ -2827,7 +2836,7 @@
           <a:p>
             <a:fld id="{587FB2BA-09D0-1840-B49D-E4BDDD8ED284}" type="datetimeFigureOut">
               <a:rPr lang="en-US" smtClean="0"/>
-              <a:t>1/7/21</a:t>
+              <a:t>1/11/21</a:t>
             </a:fld>
             <a:endParaRPr lang="en-US"/>
           </a:p>
@@ -3154,7 +3163,7 @@
           <a:p>
             <a:fld id="{587FB2BA-09D0-1840-B49D-E4BDDD8ED284}" type="datetimeFigureOut">
               <a:rPr lang="en-US" smtClean="0"/>
-              <a:t>1/7/21</a:t>
+              <a:t>1/11/21</a:t>
             </a:fld>
             <a:endParaRPr lang="en-US"/>
           </a:p>
@@ -10030,6 +10039,2386 @@
 </p:sld>
 </file>
 
+<file path=ppt/slides/slide17.xml><?xml version="1.0" encoding="utf-8"?>
+<p:sld xmlns:a="http://schemas.openxmlformats.org/drawingml/2006/main" xmlns:r="http://schemas.openxmlformats.org/officeDocument/2006/relationships" xmlns:p="http://schemas.openxmlformats.org/presentationml/2006/main">
+  <p:cSld>
+    <p:spTree>
+      <p:nvGrpSpPr>
+        <p:cNvPr id="1" name=""/>
+        <p:cNvGrpSpPr/>
+        <p:nvPr/>
+      </p:nvGrpSpPr>
+      <p:grpSpPr>
+        <a:xfrm>
+          <a:off x="0" y="0"/>
+          <a:ext cx="0" cy="0"/>
+          <a:chOff x="0" y="0"/>
+          <a:chExt cx="0" cy="0"/>
+        </a:xfrm>
+      </p:grpSpPr>
+      <p:sp>
+        <p:nvSpPr>
+          <p:cNvPr id="2" name="Title 1">
+            <a:extLst>
+              <a:ext uri="{FF2B5EF4-FFF2-40B4-BE49-F238E27FC236}">
+                <a16:creationId xmlns:a16="http://schemas.microsoft.com/office/drawing/2014/main" id="{9946046D-BCAA-A046-BB6D-941C3AFD0175}"/>
+              </a:ext>
+            </a:extLst>
+          </p:cNvPr>
+          <p:cNvSpPr>
+            <a:spLocks noGrp="1"/>
+          </p:cNvSpPr>
+          <p:nvPr>
+            <p:ph type="title"/>
+          </p:nvPr>
+        </p:nvSpPr>
+        <p:spPr/>
+        <p:txBody>
+          <a:bodyPr/>
+          <a:lstStyle/>
+          <a:p>
+            <a:r>
+              <a:rPr lang="en-US" dirty="0"/>
+              <a:t>Relational Database </a:t>
+            </a:r>
+          </a:p>
+        </p:txBody>
+      </p:sp>
+      <p:sp>
+        <p:nvSpPr>
+          <p:cNvPr id="3" name="Text Placeholder 2">
+            <a:extLst>
+              <a:ext uri="{FF2B5EF4-FFF2-40B4-BE49-F238E27FC236}">
+                <a16:creationId xmlns:a16="http://schemas.microsoft.com/office/drawing/2014/main" id="{EE94172E-A11A-4D4A-8FD0-4F623000EB39}"/>
+              </a:ext>
+            </a:extLst>
+          </p:cNvPr>
+          <p:cNvSpPr>
+            <a:spLocks noGrp="1"/>
+          </p:cNvSpPr>
+          <p:nvPr>
+            <p:ph type="body" idx="1"/>
+          </p:nvPr>
+        </p:nvSpPr>
+        <p:spPr/>
+        <p:txBody>
+          <a:bodyPr/>
+          <a:lstStyle/>
+          <a:p>
+            <a:endParaRPr lang="en-US"/>
+          </a:p>
+        </p:txBody>
+      </p:sp>
+    </p:spTree>
+    <p:extLst>
+      <p:ext uri="{BB962C8B-B14F-4D97-AF65-F5344CB8AC3E}">
+        <p14:creationId xmlns:p14="http://schemas.microsoft.com/office/powerpoint/2010/main" val="1161779761"/>
+      </p:ext>
+    </p:extLst>
+  </p:cSld>
+  <p:clrMapOvr>
+    <a:masterClrMapping/>
+  </p:clrMapOvr>
+</p:sld>
+</file>
+
+<file path=ppt/slides/slide18.xml><?xml version="1.0" encoding="utf-8"?>
+<p:sld xmlns:a="http://schemas.openxmlformats.org/drawingml/2006/main" xmlns:r="http://schemas.openxmlformats.org/officeDocument/2006/relationships" xmlns:p="http://schemas.openxmlformats.org/presentationml/2006/main">
+  <p:cSld>
+    <p:spTree>
+      <p:nvGrpSpPr>
+        <p:cNvPr id="1" name=""/>
+        <p:cNvGrpSpPr/>
+        <p:nvPr/>
+      </p:nvGrpSpPr>
+      <p:grpSpPr>
+        <a:xfrm>
+          <a:off x="0" y="0"/>
+          <a:ext cx="0" cy="0"/>
+          <a:chOff x="0" y="0"/>
+          <a:chExt cx="0" cy="0"/>
+        </a:xfrm>
+      </p:grpSpPr>
+      <p:sp>
+        <p:nvSpPr>
+          <p:cNvPr id="2" name="Rectangle 1">
+            <a:extLst>
+              <a:ext uri="{FF2B5EF4-FFF2-40B4-BE49-F238E27FC236}">
+                <a16:creationId xmlns:a16="http://schemas.microsoft.com/office/drawing/2014/main" id="{ACFC097D-975B-7D4B-B028-E0A5898B66CB}"/>
+              </a:ext>
+            </a:extLst>
+          </p:cNvPr>
+          <p:cNvSpPr/>
+          <p:nvPr/>
+        </p:nvSpPr>
+        <p:spPr>
+          <a:xfrm>
+            <a:off x="0" y="0"/>
+            <a:ext cx="12192000" cy="513806"/>
+          </a:xfrm>
+          <a:prstGeom prst="rect">
+            <a:avLst/>
+          </a:prstGeom>
+        </p:spPr>
+        <p:style>
+          <a:lnRef idx="2">
+            <a:schemeClr val="accent1">
+              <a:shade val="50000"/>
+            </a:schemeClr>
+          </a:lnRef>
+          <a:fillRef idx="1">
+            <a:schemeClr val="accent1"/>
+          </a:fillRef>
+          <a:effectRef idx="0">
+            <a:schemeClr val="accent1"/>
+          </a:effectRef>
+          <a:fontRef idx="minor">
+            <a:schemeClr val="lt1"/>
+          </a:fontRef>
+        </p:style>
+        <p:txBody>
+          <a:bodyPr rtlCol="0" anchor="ctr"/>
+          <a:lstStyle/>
+          <a:p>
+            <a:pPr algn="ctr"/>
+            <a:r>
+              <a:rPr lang="en-US" dirty="0"/>
+              <a:t>JAVASCRIPT </a:t>
+            </a:r>
+            <a:r>
+              <a:rPr lang="en-US" dirty="0" err="1"/>
+              <a:t>FullStack</a:t>
+            </a:r>
+            <a:r>
+              <a:rPr lang="en-US" dirty="0"/>
+              <a:t> App </a:t>
+            </a:r>
+            <a:r>
+              <a:rPr lang="en-US" dirty="0" err="1"/>
+              <a:t>Archirecture</a:t>
+            </a:r>
+            <a:endParaRPr lang="en-US" dirty="0"/>
+          </a:p>
+        </p:txBody>
+      </p:sp>
+      <p:sp>
+        <p:nvSpPr>
+          <p:cNvPr id="3" name="Can 2">
+            <a:extLst>
+              <a:ext uri="{FF2B5EF4-FFF2-40B4-BE49-F238E27FC236}">
+                <a16:creationId xmlns:a16="http://schemas.microsoft.com/office/drawing/2014/main" id="{B95C41F7-8EE5-FA4B-BB4B-9C3094560282}"/>
+              </a:ext>
+            </a:extLst>
+          </p:cNvPr>
+          <p:cNvSpPr/>
+          <p:nvPr/>
+        </p:nvSpPr>
+        <p:spPr>
+          <a:xfrm>
+            <a:off x="10755085" y="2046515"/>
+            <a:ext cx="1236617" cy="1149532"/>
+          </a:xfrm>
+          <a:prstGeom prst="can">
+            <a:avLst/>
+          </a:prstGeom>
+        </p:spPr>
+        <p:style>
+          <a:lnRef idx="2">
+            <a:schemeClr val="accent1">
+              <a:shade val="50000"/>
+            </a:schemeClr>
+          </a:lnRef>
+          <a:fillRef idx="1">
+            <a:schemeClr val="accent1"/>
+          </a:fillRef>
+          <a:effectRef idx="0">
+            <a:schemeClr val="accent1"/>
+          </a:effectRef>
+          <a:fontRef idx="minor">
+            <a:schemeClr val="lt1"/>
+          </a:fontRef>
+        </p:style>
+        <p:txBody>
+          <a:bodyPr rtlCol="0" anchor="ctr"/>
+          <a:lstStyle/>
+          <a:p>
+            <a:pPr algn="ctr"/>
+            <a:r>
+              <a:rPr lang="en-US" dirty="0"/>
+              <a:t>Relational</a:t>
+            </a:r>
+          </a:p>
+          <a:p>
+            <a:pPr algn="ctr"/>
+            <a:r>
+              <a:rPr lang="en-US" dirty="0"/>
+              <a:t>DB</a:t>
+            </a:r>
+          </a:p>
+        </p:txBody>
+      </p:sp>
+      <p:sp>
+        <p:nvSpPr>
+          <p:cNvPr id="4" name="Multi-document 3">
+            <a:extLst>
+              <a:ext uri="{FF2B5EF4-FFF2-40B4-BE49-F238E27FC236}">
+                <a16:creationId xmlns:a16="http://schemas.microsoft.com/office/drawing/2014/main" id="{EB0D6C3C-24CF-CC4D-8A1B-0EFF5F01BC2A}"/>
+              </a:ext>
+            </a:extLst>
+          </p:cNvPr>
+          <p:cNvSpPr/>
+          <p:nvPr/>
+        </p:nvSpPr>
+        <p:spPr>
+          <a:xfrm>
+            <a:off x="10755085" y="3561806"/>
+            <a:ext cx="1236617" cy="1471748"/>
+          </a:xfrm>
+          <a:prstGeom prst="flowChartMultidocument">
+            <a:avLst/>
+          </a:prstGeom>
+        </p:spPr>
+        <p:style>
+          <a:lnRef idx="2">
+            <a:schemeClr val="accent1">
+              <a:shade val="50000"/>
+            </a:schemeClr>
+          </a:lnRef>
+          <a:fillRef idx="1">
+            <a:schemeClr val="accent1"/>
+          </a:fillRef>
+          <a:effectRef idx="0">
+            <a:schemeClr val="accent1"/>
+          </a:effectRef>
+          <a:fontRef idx="minor">
+            <a:schemeClr val="lt1"/>
+          </a:fontRef>
+        </p:style>
+        <p:txBody>
+          <a:bodyPr rtlCol="0" anchor="ctr"/>
+          <a:lstStyle/>
+          <a:p>
+            <a:pPr algn="ctr"/>
+            <a:r>
+              <a:rPr lang="en-US" dirty="0"/>
+              <a:t>NoSQL</a:t>
+            </a:r>
+          </a:p>
+          <a:p>
+            <a:pPr algn="ctr"/>
+            <a:r>
+              <a:rPr lang="en-US" dirty="0"/>
+              <a:t>DB</a:t>
+            </a:r>
+          </a:p>
+        </p:txBody>
+      </p:sp>
+      <p:sp>
+        <p:nvSpPr>
+          <p:cNvPr id="5" name="TextBox 4">
+            <a:extLst>
+              <a:ext uri="{FF2B5EF4-FFF2-40B4-BE49-F238E27FC236}">
+                <a16:creationId xmlns:a16="http://schemas.microsoft.com/office/drawing/2014/main" id="{7CDD3044-6839-9F42-8136-1FA52E2089FD}"/>
+              </a:ext>
+            </a:extLst>
+          </p:cNvPr>
+          <p:cNvSpPr txBox="1"/>
+          <p:nvPr/>
+        </p:nvSpPr>
+        <p:spPr>
+          <a:xfrm>
+            <a:off x="10580914" y="5285992"/>
+            <a:ext cx="1506583" cy="923330"/>
+          </a:xfrm>
+          <a:prstGeom prst="rect">
+            <a:avLst/>
+          </a:prstGeom>
+          <a:noFill/>
+        </p:spPr>
+        <p:txBody>
+          <a:bodyPr wrap="square" rtlCol="0">
+            <a:spAutoFit/>
+          </a:bodyPr>
+          <a:lstStyle/>
+          <a:p>
+            <a:r>
+              <a:rPr lang="en-US" dirty="0"/>
+              <a:t>Data Persistence layer</a:t>
+            </a:r>
+          </a:p>
+        </p:txBody>
+      </p:sp>
+      <p:sp>
+        <p:nvSpPr>
+          <p:cNvPr id="6" name="Rectangle 5">
+            <a:extLst>
+              <a:ext uri="{FF2B5EF4-FFF2-40B4-BE49-F238E27FC236}">
+                <a16:creationId xmlns:a16="http://schemas.microsoft.com/office/drawing/2014/main" id="{F5BD56E0-0290-7C4D-86F5-0B2C17F3EFAD}"/>
+              </a:ext>
+            </a:extLst>
+          </p:cNvPr>
+          <p:cNvSpPr/>
+          <p:nvPr/>
+        </p:nvSpPr>
+        <p:spPr>
+          <a:xfrm>
+            <a:off x="6836229" y="1027611"/>
+            <a:ext cx="3439885" cy="5077098"/>
+          </a:xfrm>
+          <a:prstGeom prst="rect">
+            <a:avLst/>
+          </a:prstGeom>
+        </p:spPr>
+        <p:style>
+          <a:lnRef idx="2">
+            <a:schemeClr val="accent6"/>
+          </a:lnRef>
+          <a:fillRef idx="1">
+            <a:schemeClr val="lt1"/>
+          </a:fillRef>
+          <a:effectRef idx="0">
+            <a:schemeClr val="accent6"/>
+          </a:effectRef>
+          <a:fontRef idx="minor">
+            <a:schemeClr val="dk1"/>
+          </a:fontRef>
+        </p:style>
+        <p:txBody>
+          <a:bodyPr rtlCol="0" anchor="ctr"/>
+          <a:lstStyle/>
+          <a:p>
+            <a:pPr algn="ctr"/>
+            <a:endParaRPr lang="en-US"/>
+          </a:p>
+        </p:txBody>
+      </p:sp>
+      <p:sp>
+        <p:nvSpPr>
+          <p:cNvPr id="7" name="TextBox 6">
+            <a:extLst>
+              <a:ext uri="{FF2B5EF4-FFF2-40B4-BE49-F238E27FC236}">
+                <a16:creationId xmlns:a16="http://schemas.microsoft.com/office/drawing/2014/main" id="{ADDE3B12-AD9F-484A-8074-A20355451CE3}"/>
+              </a:ext>
+            </a:extLst>
+          </p:cNvPr>
+          <p:cNvSpPr txBox="1"/>
+          <p:nvPr/>
+        </p:nvSpPr>
+        <p:spPr>
+          <a:xfrm>
+            <a:off x="6897189" y="609600"/>
+            <a:ext cx="3291840" cy="369332"/>
+          </a:xfrm>
+          <a:prstGeom prst="rect">
+            <a:avLst/>
+          </a:prstGeom>
+          <a:noFill/>
+        </p:spPr>
+        <p:txBody>
+          <a:bodyPr wrap="square" rtlCol="0">
+            <a:spAutoFit/>
+          </a:bodyPr>
+          <a:lstStyle/>
+          <a:p>
+            <a:r>
+              <a:rPr lang="en-US" dirty="0"/>
+              <a:t>Node.js Application Server</a:t>
+            </a:r>
+          </a:p>
+        </p:txBody>
+      </p:sp>
+      <p:sp>
+        <p:nvSpPr>
+          <p:cNvPr id="8" name="Rounded Rectangle 7">
+            <a:extLst>
+              <a:ext uri="{FF2B5EF4-FFF2-40B4-BE49-F238E27FC236}">
+                <a16:creationId xmlns:a16="http://schemas.microsoft.com/office/drawing/2014/main" id="{143EFCA9-A4EB-0343-AB96-765AD6FAABC0}"/>
+              </a:ext>
+            </a:extLst>
+          </p:cNvPr>
+          <p:cNvSpPr/>
+          <p:nvPr/>
+        </p:nvSpPr>
+        <p:spPr>
+          <a:xfrm>
+            <a:off x="6897189" y="5033554"/>
+            <a:ext cx="3291840" cy="914400"/>
+          </a:xfrm>
+          <a:prstGeom prst="roundRect">
+            <a:avLst/>
+          </a:prstGeom>
+        </p:spPr>
+        <p:style>
+          <a:lnRef idx="2">
+            <a:schemeClr val="accent1">
+              <a:shade val="50000"/>
+            </a:schemeClr>
+          </a:lnRef>
+          <a:fillRef idx="1">
+            <a:schemeClr val="accent1"/>
+          </a:fillRef>
+          <a:effectRef idx="0">
+            <a:schemeClr val="accent1"/>
+          </a:effectRef>
+          <a:fontRef idx="minor">
+            <a:schemeClr val="lt1"/>
+          </a:fontRef>
+        </p:style>
+        <p:txBody>
+          <a:bodyPr rtlCol="0" anchor="ctr"/>
+          <a:lstStyle/>
+          <a:p>
+            <a:pPr algn="ctr"/>
+            <a:r>
+              <a:rPr lang="en-US" dirty="0"/>
+              <a:t>Node.js Hosting OS</a:t>
+            </a:r>
+          </a:p>
+          <a:p>
+            <a:pPr algn="ctr"/>
+            <a:r>
+              <a:rPr lang="en-US" dirty="0"/>
+              <a:t>Windows / Linux / RedHat / Mac</a:t>
+            </a:r>
+          </a:p>
+        </p:txBody>
+      </p:sp>
+      <p:sp>
+        <p:nvSpPr>
+          <p:cNvPr id="9" name="Rounded Rectangle 8">
+            <a:extLst>
+              <a:ext uri="{FF2B5EF4-FFF2-40B4-BE49-F238E27FC236}">
+                <a16:creationId xmlns:a16="http://schemas.microsoft.com/office/drawing/2014/main" id="{5609CB2C-89F1-F647-B846-74A8EFAD1310}"/>
+              </a:ext>
+            </a:extLst>
+          </p:cNvPr>
+          <p:cNvSpPr/>
+          <p:nvPr/>
+        </p:nvSpPr>
+        <p:spPr>
+          <a:xfrm>
+            <a:off x="6897189" y="3862252"/>
+            <a:ext cx="3291840" cy="914400"/>
+          </a:xfrm>
+          <a:prstGeom prst="roundRect">
+            <a:avLst/>
+          </a:prstGeom>
+        </p:spPr>
+        <p:style>
+          <a:lnRef idx="2">
+            <a:schemeClr val="accent1">
+              <a:shade val="50000"/>
+            </a:schemeClr>
+          </a:lnRef>
+          <a:fillRef idx="1">
+            <a:schemeClr val="accent1"/>
+          </a:fillRef>
+          <a:effectRef idx="0">
+            <a:schemeClr val="accent1"/>
+          </a:effectRef>
+          <a:fontRef idx="minor">
+            <a:schemeClr val="lt1"/>
+          </a:fontRef>
+        </p:style>
+        <p:txBody>
+          <a:bodyPr rtlCol="0" anchor="ctr"/>
+          <a:lstStyle/>
+          <a:p>
+            <a:pPr algn="ctr"/>
+            <a:r>
+              <a:rPr lang="en-US" dirty="0"/>
+              <a:t>Node.js Runtime</a:t>
+            </a:r>
+          </a:p>
+          <a:p>
+            <a:pPr algn="ctr"/>
+            <a:endParaRPr lang="en-US" dirty="0"/>
+          </a:p>
+          <a:p>
+            <a:pPr algn="ctr"/>
+            <a:endParaRPr lang="en-US" dirty="0"/>
+          </a:p>
+        </p:txBody>
+      </p:sp>
+      <p:sp>
+        <p:nvSpPr>
+          <p:cNvPr id="10" name="Rectangle 9">
+            <a:extLst>
+              <a:ext uri="{FF2B5EF4-FFF2-40B4-BE49-F238E27FC236}">
+                <a16:creationId xmlns:a16="http://schemas.microsoft.com/office/drawing/2014/main" id="{96EDCA68-4C53-1846-AF7A-3E731FD6176E}"/>
+              </a:ext>
+            </a:extLst>
+          </p:cNvPr>
+          <p:cNvSpPr/>
+          <p:nvPr/>
+        </p:nvSpPr>
+        <p:spPr>
+          <a:xfrm>
+            <a:off x="7036526" y="4206240"/>
+            <a:ext cx="1402080" cy="444137"/>
+          </a:xfrm>
+          <a:prstGeom prst="rect">
+            <a:avLst/>
+          </a:prstGeom>
+        </p:spPr>
+        <p:style>
+          <a:lnRef idx="2">
+            <a:schemeClr val="dk1">
+              <a:shade val="50000"/>
+            </a:schemeClr>
+          </a:lnRef>
+          <a:fillRef idx="1">
+            <a:schemeClr val="dk1"/>
+          </a:fillRef>
+          <a:effectRef idx="0">
+            <a:schemeClr val="dk1"/>
+          </a:effectRef>
+          <a:fontRef idx="minor">
+            <a:schemeClr val="lt1"/>
+          </a:fontRef>
+        </p:style>
+        <p:txBody>
+          <a:bodyPr rtlCol="0" anchor="ctr"/>
+          <a:lstStyle/>
+          <a:p>
+            <a:pPr algn="ctr"/>
+            <a:r>
+              <a:rPr lang="en-US" dirty="0"/>
+              <a:t>Standard Modules</a:t>
+            </a:r>
+          </a:p>
+        </p:txBody>
+      </p:sp>
+      <p:sp>
+        <p:nvSpPr>
+          <p:cNvPr id="11" name="Rectangle 10">
+            <a:extLst>
+              <a:ext uri="{FF2B5EF4-FFF2-40B4-BE49-F238E27FC236}">
+                <a16:creationId xmlns:a16="http://schemas.microsoft.com/office/drawing/2014/main" id="{30C10AFA-F195-4044-8BA6-6D802A548217}"/>
+              </a:ext>
+            </a:extLst>
+          </p:cNvPr>
+          <p:cNvSpPr/>
+          <p:nvPr/>
+        </p:nvSpPr>
+        <p:spPr>
+          <a:xfrm>
+            <a:off x="8612777" y="4188824"/>
+            <a:ext cx="1402080" cy="444137"/>
+          </a:xfrm>
+          <a:prstGeom prst="rect">
+            <a:avLst/>
+          </a:prstGeom>
+        </p:spPr>
+        <p:style>
+          <a:lnRef idx="2">
+            <a:schemeClr val="dk1">
+              <a:shade val="50000"/>
+            </a:schemeClr>
+          </a:lnRef>
+          <a:fillRef idx="1">
+            <a:schemeClr val="dk1"/>
+          </a:fillRef>
+          <a:effectRef idx="0">
+            <a:schemeClr val="dk1"/>
+          </a:effectRef>
+          <a:fontRef idx="minor">
+            <a:schemeClr val="lt1"/>
+          </a:fontRef>
+        </p:style>
+        <p:txBody>
+          <a:bodyPr rtlCol="0" anchor="ctr"/>
+          <a:lstStyle/>
+          <a:p>
+            <a:pPr algn="ctr"/>
+            <a:r>
+              <a:rPr lang="en-US" dirty="0"/>
+              <a:t>Custom Modules</a:t>
+            </a:r>
+          </a:p>
+        </p:txBody>
+      </p:sp>
+      <p:sp>
+        <p:nvSpPr>
+          <p:cNvPr id="12" name="Rounded Rectangle 11">
+            <a:extLst>
+              <a:ext uri="{FF2B5EF4-FFF2-40B4-BE49-F238E27FC236}">
+                <a16:creationId xmlns:a16="http://schemas.microsoft.com/office/drawing/2014/main" id="{A646F465-8B57-2347-8AFD-94302BD5C37F}"/>
+              </a:ext>
+            </a:extLst>
+          </p:cNvPr>
+          <p:cNvSpPr/>
+          <p:nvPr/>
+        </p:nvSpPr>
+        <p:spPr>
+          <a:xfrm>
+            <a:off x="6897189" y="1351405"/>
+            <a:ext cx="3291840" cy="2384573"/>
+          </a:xfrm>
+          <a:prstGeom prst="roundRect">
+            <a:avLst/>
+          </a:prstGeom>
+        </p:spPr>
+        <p:style>
+          <a:lnRef idx="2">
+            <a:schemeClr val="accent1">
+              <a:shade val="50000"/>
+            </a:schemeClr>
+          </a:lnRef>
+          <a:fillRef idx="1">
+            <a:schemeClr val="accent1"/>
+          </a:fillRef>
+          <a:effectRef idx="0">
+            <a:schemeClr val="accent1"/>
+          </a:effectRef>
+          <a:fontRef idx="minor">
+            <a:schemeClr val="lt1"/>
+          </a:fontRef>
+        </p:style>
+        <p:txBody>
+          <a:bodyPr rtlCol="0" anchor="ctr"/>
+          <a:lstStyle/>
+          <a:p>
+            <a:pPr algn="ctr"/>
+            <a:endParaRPr lang="en-US"/>
+          </a:p>
+        </p:txBody>
+      </p:sp>
+      <p:sp>
+        <p:nvSpPr>
+          <p:cNvPr id="13" name="TextBox 12">
+            <a:extLst>
+              <a:ext uri="{FF2B5EF4-FFF2-40B4-BE49-F238E27FC236}">
+                <a16:creationId xmlns:a16="http://schemas.microsoft.com/office/drawing/2014/main" id="{297F5404-5CB5-3345-A766-7814325C199A}"/>
+              </a:ext>
+            </a:extLst>
+          </p:cNvPr>
+          <p:cNvSpPr txBox="1"/>
+          <p:nvPr/>
+        </p:nvSpPr>
+        <p:spPr>
+          <a:xfrm>
+            <a:off x="6810104" y="969009"/>
+            <a:ext cx="2978331" cy="369332"/>
+          </a:xfrm>
+          <a:prstGeom prst="rect">
+            <a:avLst/>
+          </a:prstGeom>
+          <a:noFill/>
+        </p:spPr>
+        <p:txBody>
+          <a:bodyPr wrap="square" rtlCol="0">
+            <a:spAutoFit/>
+          </a:bodyPr>
+          <a:lstStyle/>
+          <a:p>
+            <a:pPr algn="ctr"/>
+            <a:r>
+              <a:rPr lang="en-US" dirty="0">
+                <a:highlight>
+                  <a:srgbClr val="FFFF00"/>
+                </a:highlight>
+              </a:rPr>
+              <a:t>Node.js JavaScript App</a:t>
+            </a:r>
+          </a:p>
+        </p:txBody>
+      </p:sp>
+      <p:sp>
+        <p:nvSpPr>
+          <p:cNvPr id="14" name="Rectangle 13">
+            <a:extLst>
+              <a:ext uri="{FF2B5EF4-FFF2-40B4-BE49-F238E27FC236}">
+                <a16:creationId xmlns:a16="http://schemas.microsoft.com/office/drawing/2014/main" id="{3A937980-9CDC-B74C-89C4-F13541B73C04}"/>
+              </a:ext>
+            </a:extLst>
+          </p:cNvPr>
+          <p:cNvSpPr/>
+          <p:nvPr/>
+        </p:nvSpPr>
+        <p:spPr>
+          <a:xfrm>
+            <a:off x="7036526" y="3265714"/>
+            <a:ext cx="2978331" cy="374469"/>
+          </a:xfrm>
+          <a:prstGeom prst="rect">
+            <a:avLst/>
+          </a:prstGeom>
+          <a:solidFill>
+            <a:srgbClr val="FFFF00"/>
+          </a:solidFill>
+        </p:spPr>
+        <p:style>
+          <a:lnRef idx="2">
+            <a:schemeClr val="accent1">
+              <a:shade val="50000"/>
+            </a:schemeClr>
+          </a:lnRef>
+          <a:fillRef idx="1">
+            <a:schemeClr val="accent1"/>
+          </a:fillRef>
+          <a:effectRef idx="0">
+            <a:schemeClr val="accent1"/>
+          </a:effectRef>
+          <a:fontRef idx="minor">
+            <a:schemeClr val="lt1"/>
+          </a:fontRef>
+        </p:style>
+        <p:txBody>
+          <a:bodyPr rtlCol="0" anchor="ctr"/>
+          <a:lstStyle/>
+          <a:p>
+            <a:pPr algn="ctr"/>
+            <a:r>
+              <a:rPr lang="en-US" dirty="0">
+                <a:ln w="0"/>
+                <a:solidFill>
+                  <a:schemeClr val="accent1"/>
+                </a:solidFill>
+                <a:effectLst>
+                  <a:outerShdw blurRad="38100" dist="25400" dir="5400000" algn="ctr" rotWithShape="0">
+                    <a:srgbClr val="6E747A">
+                      <a:alpha val="43000"/>
+                    </a:srgbClr>
+                  </a:outerShdw>
+                </a:effectLst>
+              </a:rPr>
+              <a:t>Data Access Layer</a:t>
+            </a:r>
+          </a:p>
+        </p:txBody>
+      </p:sp>
+      <p:sp>
+        <p:nvSpPr>
+          <p:cNvPr id="15" name="Rectangle 14">
+            <a:extLst>
+              <a:ext uri="{FF2B5EF4-FFF2-40B4-BE49-F238E27FC236}">
+                <a16:creationId xmlns:a16="http://schemas.microsoft.com/office/drawing/2014/main" id="{94C8A782-2D75-EA46-8453-45BE19EA1792}"/>
+              </a:ext>
+            </a:extLst>
+          </p:cNvPr>
+          <p:cNvSpPr/>
+          <p:nvPr/>
+        </p:nvSpPr>
+        <p:spPr>
+          <a:xfrm>
+            <a:off x="7036525" y="2682630"/>
+            <a:ext cx="2978331" cy="374469"/>
+          </a:xfrm>
+          <a:prstGeom prst="rect">
+            <a:avLst/>
+          </a:prstGeom>
+          <a:solidFill>
+            <a:srgbClr val="FFFF00"/>
+          </a:solidFill>
+        </p:spPr>
+        <p:style>
+          <a:lnRef idx="2">
+            <a:schemeClr val="accent1">
+              <a:shade val="50000"/>
+            </a:schemeClr>
+          </a:lnRef>
+          <a:fillRef idx="1">
+            <a:schemeClr val="accent1"/>
+          </a:fillRef>
+          <a:effectRef idx="0">
+            <a:schemeClr val="accent1"/>
+          </a:effectRef>
+          <a:fontRef idx="minor">
+            <a:schemeClr val="lt1"/>
+          </a:fontRef>
+        </p:style>
+        <p:txBody>
+          <a:bodyPr rtlCol="0" anchor="ctr"/>
+          <a:lstStyle/>
+          <a:p>
+            <a:pPr algn="ctr"/>
+            <a:r>
+              <a:rPr lang="en-US" dirty="0">
+                <a:ln w="0"/>
+                <a:solidFill>
+                  <a:schemeClr val="accent1"/>
+                </a:solidFill>
+                <a:effectLst>
+                  <a:outerShdw blurRad="38100" dist="25400" dir="5400000" algn="ctr" rotWithShape="0">
+                    <a:srgbClr val="6E747A">
+                      <a:alpha val="43000"/>
+                    </a:srgbClr>
+                  </a:outerShdw>
+                </a:effectLst>
+              </a:rPr>
+              <a:t>Business Layer</a:t>
+            </a:r>
+          </a:p>
+        </p:txBody>
+      </p:sp>
+      <p:sp>
+        <p:nvSpPr>
+          <p:cNvPr id="16" name="Rectangle 15">
+            <a:extLst>
+              <a:ext uri="{FF2B5EF4-FFF2-40B4-BE49-F238E27FC236}">
+                <a16:creationId xmlns:a16="http://schemas.microsoft.com/office/drawing/2014/main" id="{2A2A17E7-25DB-9647-93AF-828013CD8385}"/>
+              </a:ext>
+            </a:extLst>
+          </p:cNvPr>
+          <p:cNvSpPr/>
+          <p:nvPr/>
+        </p:nvSpPr>
+        <p:spPr>
+          <a:xfrm>
+            <a:off x="7036525" y="1663336"/>
+            <a:ext cx="2978331" cy="374469"/>
+          </a:xfrm>
+          <a:prstGeom prst="rect">
+            <a:avLst/>
+          </a:prstGeom>
+          <a:solidFill>
+            <a:srgbClr val="FFFF00"/>
+          </a:solidFill>
+        </p:spPr>
+        <p:style>
+          <a:lnRef idx="2">
+            <a:schemeClr val="accent1">
+              <a:shade val="50000"/>
+            </a:schemeClr>
+          </a:lnRef>
+          <a:fillRef idx="1">
+            <a:schemeClr val="accent1"/>
+          </a:fillRef>
+          <a:effectRef idx="0">
+            <a:schemeClr val="accent1"/>
+          </a:effectRef>
+          <a:fontRef idx="minor">
+            <a:schemeClr val="lt1"/>
+          </a:fontRef>
+        </p:style>
+        <p:txBody>
+          <a:bodyPr rtlCol="0" anchor="ctr"/>
+          <a:lstStyle/>
+          <a:p>
+            <a:pPr algn="ctr"/>
+            <a:r>
+              <a:rPr lang="en-US" dirty="0">
+                <a:ln w="0"/>
+                <a:solidFill>
+                  <a:schemeClr val="accent1"/>
+                </a:solidFill>
+                <a:effectLst>
+                  <a:outerShdw blurRad="38100" dist="25400" dir="5400000" algn="ctr" rotWithShape="0">
+                    <a:srgbClr val="6E747A">
+                      <a:alpha val="43000"/>
+                    </a:srgbClr>
+                  </a:outerShdw>
+                </a:effectLst>
+              </a:rPr>
+              <a:t>Public HTTP Endpoints</a:t>
+            </a:r>
+          </a:p>
+        </p:txBody>
+      </p:sp>
+      <p:sp>
+        <p:nvSpPr>
+          <p:cNvPr id="17" name="Up-down Arrow 16">
+            <a:extLst>
+              <a:ext uri="{FF2B5EF4-FFF2-40B4-BE49-F238E27FC236}">
+                <a16:creationId xmlns:a16="http://schemas.microsoft.com/office/drawing/2014/main" id="{032431A0-2DCD-0145-9F27-622BB5635235}"/>
+              </a:ext>
+            </a:extLst>
+          </p:cNvPr>
+          <p:cNvSpPr/>
+          <p:nvPr/>
+        </p:nvSpPr>
+        <p:spPr>
+          <a:xfrm>
+            <a:off x="8525690" y="3653247"/>
+            <a:ext cx="87087" cy="237504"/>
+          </a:xfrm>
+          <a:prstGeom prst="upDownArrow">
+            <a:avLst/>
+          </a:prstGeom>
+          <a:solidFill>
+            <a:srgbClr val="FFFF00"/>
+          </a:solidFill>
+        </p:spPr>
+        <p:style>
+          <a:lnRef idx="2">
+            <a:schemeClr val="accent1">
+              <a:shade val="50000"/>
+            </a:schemeClr>
+          </a:lnRef>
+          <a:fillRef idx="1">
+            <a:schemeClr val="accent1"/>
+          </a:fillRef>
+          <a:effectRef idx="0">
+            <a:schemeClr val="accent1"/>
+          </a:effectRef>
+          <a:fontRef idx="minor">
+            <a:schemeClr val="lt1"/>
+          </a:fontRef>
+        </p:style>
+        <p:txBody>
+          <a:bodyPr rtlCol="0" anchor="ctr"/>
+          <a:lstStyle/>
+          <a:p>
+            <a:pPr algn="ctr"/>
+            <a:endParaRPr lang="en-US"/>
+          </a:p>
+        </p:txBody>
+      </p:sp>
+      <p:sp>
+        <p:nvSpPr>
+          <p:cNvPr id="18" name="Left-right Arrow 17">
+            <a:extLst>
+              <a:ext uri="{FF2B5EF4-FFF2-40B4-BE49-F238E27FC236}">
+                <a16:creationId xmlns:a16="http://schemas.microsoft.com/office/drawing/2014/main" id="{4BB8BAD7-FC28-6349-ACB3-54C70CAF10B0}"/>
+              </a:ext>
+            </a:extLst>
+          </p:cNvPr>
+          <p:cNvSpPr/>
+          <p:nvPr/>
+        </p:nvSpPr>
+        <p:spPr>
+          <a:xfrm>
+            <a:off x="10128069" y="2621281"/>
+            <a:ext cx="627016" cy="248583"/>
+          </a:xfrm>
+          <a:prstGeom prst="leftRightArrow">
+            <a:avLst/>
+          </a:prstGeom>
+          <a:solidFill>
+            <a:srgbClr val="FFFF00"/>
+          </a:solidFill>
+        </p:spPr>
+        <p:style>
+          <a:lnRef idx="2">
+            <a:schemeClr val="accent1">
+              <a:shade val="50000"/>
+            </a:schemeClr>
+          </a:lnRef>
+          <a:fillRef idx="1">
+            <a:schemeClr val="accent1"/>
+          </a:fillRef>
+          <a:effectRef idx="0">
+            <a:schemeClr val="accent1"/>
+          </a:effectRef>
+          <a:fontRef idx="minor">
+            <a:schemeClr val="lt1"/>
+          </a:fontRef>
+        </p:style>
+        <p:txBody>
+          <a:bodyPr rtlCol="0" anchor="ctr"/>
+          <a:lstStyle/>
+          <a:p>
+            <a:pPr algn="ctr"/>
+            <a:endParaRPr lang="en-US"/>
+          </a:p>
+        </p:txBody>
+      </p:sp>
+      <p:sp>
+        <p:nvSpPr>
+          <p:cNvPr id="19" name="Left-right Arrow 18">
+            <a:extLst>
+              <a:ext uri="{FF2B5EF4-FFF2-40B4-BE49-F238E27FC236}">
+                <a16:creationId xmlns:a16="http://schemas.microsoft.com/office/drawing/2014/main" id="{B2755212-A601-884D-A292-A21A9FA4860B}"/>
+              </a:ext>
+            </a:extLst>
+          </p:cNvPr>
+          <p:cNvSpPr/>
+          <p:nvPr/>
+        </p:nvSpPr>
+        <p:spPr>
+          <a:xfrm rot="2013438">
+            <a:off x="10060210" y="3389037"/>
+            <a:ext cx="963890" cy="248583"/>
+          </a:xfrm>
+          <a:prstGeom prst="leftRightArrow">
+            <a:avLst/>
+          </a:prstGeom>
+          <a:solidFill>
+            <a:srgbClr val="FFFF00"/>
+          </a:solidFill>
+        </p:spPr>
+        <p:style>
+          <a:lnRef idx="2">
+            <a:schemeClr val="accent1">
+              <a:shade val="50000"/>
+            </a:schemeClr>
+          </a:lnRef>
+          <a:fillRef idx="1">
+            <a:schemeClr val="accent1"/>
+          </a:fillRef>
+          <a:effectRef idx="0">
+            <a:schemeClr val="accent1"/>
+          </a:effectRef>
+          <a:fontRef idx="minor">
+            <a:schemeClr val="lt1"/>
+          </a:fontRef>
+        </p:style>
+        <p:txBody>
+          <a:bodyPr rtlCol="0" anchor="ctr"/>
+          <a:lstStyle/>
+          <a:p>
+            <a:pPr algn="ctr"/>
+            <a:endParaRPr lang="en-US"/>
+          </a:p>
+        </p:txBody>
+      </p:sp>
+      <p:sp>
+        <p:nvSpPr>
+          <p:cNvPr id="20" name="Rectangle 19">
+            <a:extLst>
+              <a:ext uri="{FF2B5EF4-FFF2-40B4-BE49-F238E27FC236}">
+                <a16:creationId xmlns:a16="http://schemas.microsoft.com/office/drawing/2014/main" id="{4CE505AF-808C-6D4C-A35E-7E34D55D2BF9}"/>
+              </a:ext>
+            </a:extLst>
+          </p:cNvPr>
+          <p:cNvSpPr/>
+          <p:nvPr/>
+        </p:nvSpPr>
+        <p:spPr>
+          <a:xfrm>
+            <a:off x="7036524" y="2172983"/>
+            <a:ext cx="2978331" cy="374469"/>
+          </a:xfrm>
+          <a:prstGeom prst="rect">
+            <a:avLst/>
+          </a:prstGeom>
+          <a:solidFill>
+            <a:srgbClr val="FFFF00"/>
+          </a:solidFill>
+        </p:spPr>
+        <p:style>
+          <a:lnRef idx="2">
+            <a:schemeClr val="accent1">
+              <a:shade val="50000"/>
+            </a:schemeClr>
+          </a:lnRef>
+          <a:fillRef idx="1">
+            <a:schemeClr val="accent1"/>
+          </a:fillRef>
+          <a:effectRef idx="0">
+            <a:schemeClr val="accent1"/>
+          </a:effectRef>
+          <a:fontRef idx="minor">
+            <a:schemeClr val="lt1"/>
+          </a:fontRef>
+        </p:style>
+        <p:txBody>
+          <a:bodyPr rtlCol="0" anchor="ctr"/>
+          <a:lstStyle/>
+          <a:p>
+            <a:pPr algn="ctr"/>
+            <a:r>
+              <a:rPr lang="en-US" dirty="0">
+                <a:ln w="0"/>
+                <a:solidFill>
+                  <a:schemeClr val="accent1"/>
+                </a:solidFill>
+                <a:effectLst>
+                  <a:outerShdw blurRad="38100" dist="25400" dir="5400000" algn="ctr" rotWithShape="0">
+                    <a:srgbClr val="6E747A">
+                      <a:alpha val="43000"/>
+                    </a:srgbClr>
+                  </a:outerShdw>
+                </a:effectLst>
+              </a:rPr>
+              <a:t>Web Application Framework</a:t>
+            </a:r>
+          </a:p>
+        </p:txBody>
+      </p:sp>
+      <p:sp>
+        <p:nvSpPr>
+          <p:cNvPr id="21" name="Up-down Arrow 20">
+            <a:extLst>
+              <a:ext uri="{FF2B5EF4-FFF2-40B4-BE49-F238E27FC236}">
+                <a16:creationId xmlns:a16="http://schemas.microsoft.com/office/drawing/2014/main" id="{E3AA5534-4A3C-A542-B0DC-DA7A60480B12}"/>
+              </a:ext>
+            </a:extLst>
+          </p:cNvPr>
+          <p:cNvSpPr/>
+          <p:nvPr/>
+        </p:nvSpPr>
+        <p:spPr>
+          <a:xfrm>
+            <a:off x="8512627" y="4766748"/>
+            <a:ext cx="100150" cy="336475"/>
+          </a:xfrm>
+          <a:prstGeom prst="upDownArrow">
+            <a:avLst/>
+          </a:prstGeom>
+          <a:solidFill>
+            <a:srgbClr val="FFFF00"/>
+          </a:solidFill>
+        </p:spPr>
+        <p:style>
+          <a:lnRef idx="2">
+            <a:schemeClr val="accent1">
+              <a:shade val="50000"/>
+            </a:schemeClr>
+          </a:lnRef>
+          <a:fillRef idx="1">
+            <a:schemeClr val="accent1"/>
+          </a:fillRef>
+          <a:effectRef idx="0">
+            <a:schemeClr val="accent1"/>
+          </a:effectRef>
+          <a:fontRef idx="minor">
+            <a:schemeClr val="lt1"/>
+          </a:fontRef>
+        </p:style>
+        <p:txBody>
+          <a:bodyPr rtlCol="0" anchor="ctr"/>
+          <a:lstStyle/>
+          <a:p>
+            <a:pPr algn="ctr"/>
+            <a:endParaRPr lang="en-US"/>
+          </a:p>
+        </p:txBody>
+      </p:sp>
+      <p:sp>
+        <p:nvSpPr>
+          <p:cNvPr id="22" name="Rounded Rectangle 21">
+            <a:extLst>
+              <a:ext uri="{FF2B5EF4-FFF2-40B4-BE49-F238E27FC236}">
+                <a16:creationId xmlns:a16="http://schemas.microsoft.com/office/drawing/2014/main" id="{0DBA6DB9-0CDB-5941-9373-026E3ABDBC53}"/>
+              </a:ext>
+            </a:extLst>
+          </p:cNvPr>
+          <p:cNvSpPr/>
+          <p:nvPr/>
+        </p:nvSpPr>
+        <p:spPr>
+          <a:xfrm>
+            <a:off x="343990" y="1132115"/>
+            <a:ext cx="4850674" cy="4153878"/>
+          </a:xfrm>
+          <a:prstGeom prst="roundRect">
+            <a:avLst>
+              <a:gd name="adj" fmla="val 6519"/>
+            </a:avLst>
+          </a:prstGeom>
+        </p:spPr>
+        <p:style>
+          <a:lnRef idx="2">
+            <a:schemeClr val="accent1">
+              <a:shade val="50000"/>
+            </a:schemeClr>
+          </a:lnRef>
+          <a:fillRef idx="1">
+            <a:schemeClr val="accent1"/>
+          </a:fillRef>
+          <a:effectRef idx="0">
+            <a:schemeClr val="accent1"/>
+          </a:effectRef>
+          <a:fontRef idx="minor">
+            <a:schemeClr val="lt1"/>
+          </a:fontRef>
+        </p:style>
+        <p:txBody>
+          <a:bodyPr rtlCol="0" anchor="ctr"/>
+          <a:lstStyle/>
+          <a:p>
+            <a:pPr algn="ctr"/>
+            <a:endParaRPr lang="en-US"/>
+          </a:p>
+        </p:txBody>
+      </p:sp>
+      <p:sp>
+        <p:nvSpPr>
+          <p:cNvPr id="23" name="TextBox 22">
+            <a:extLst>
+              <a:ext uri="{FF2B5EF4-FFF2-40B4-BE49-F238E27FC236}">
+                <a16:creationId xmlns:a16="http://schemas.microsoft.com/office/drawing/2014/main" id="{123BB2EF-FB7A-6647-B892-1145B6CDB22D}"/>
+              </a:ext>
+            </a:extLst>
+          </p:cNvPr>
+          <p:cNvSpPr txBox="1"/>
+          <p:nvPr/>
+        </p:nvSpPr>
+        <p:spPr>
+          <a:xfrm>
+            <a:off x="496389" y="5490754"/>
+            <a:ext cx="4432662" cy="646331"/>
+          </a:xfrm>
+          <a:prstGeom prst="rect">
+            <a:avLst/>
+          </a:prstGeom>
+          <a:noFill/>
+        </p:spPr>
+        <p:txBody>
+          <a:bodyPr wrap="square" rtlCol="0">
+            <a:spAutoFit/>
+          </a:bodyPr>
+          <a:lstStyle/>
+          <a:p>
+            <a:pPr algn="ctr"/>
+            <a:r>
+              <a:rPr lang="en-US" dirty="0">
+                <a:highlight>
+                  <a:srgbClr val="FFFF00"/>
+                </a:highlight>
+              </a:rPr>
+              <a:t>JavaScript Front End App React, Angular, Vue, Ember, </a:t>
+            </a:r>
+            <a:r>
+              <a:rPr lang="en-US" dirty="0" err="1">
+                <a:highlight>
+                  <a:srgbClr val="FFFF00"/>
+                </a:highlight>
+              </a:rPr>
+              <a:t>etc</a:t>
+            </a:r>
+            <a:endParaRPr lang="en-US" dirty="0">
+              <a:highlight>
+                <a:srgbClr val="FFFF00"/>
+              </a:highlight>
+            </a:endParaRPr>
+          </a:p>
+        </p:txBody>
+      </p:sp>
+      <p:sp>
+        <p:nvSpPr>
+          <p:cNvPr id="24" name="Rectangle 23">
+            <a:extLst>
+              <a:ext uri="{FF2B5EF4-FFF2-40B4-BE49-F238E27FC236}">
+                <a16:creationId xmlns:a16="http://schemas.microsoft.com/office/drawing/2014/main" id="{30325FAC-B816-E246-A57D-E9A303E9ED08}"/>
+              </a:ext>
+            </a:extLst>
+          </p:cNvPr>
+          <p:cNvSpPr/>
+          <p:nvPr/>
+        </p:nvSpPr>
+        <p:spPr>
+          <a:xfrm>
+            <a:off x="496389" y="2046515"/>
+            <a:ext cx="1175657" cy="2307771"/>
+          </a:xfrm>
+          <a:prstGeom prst="rect">
+            <a:avLst/>
+          </a:prstGeom>
+          <a:solidFill>
+            <a:srgbClr val="FFFF00"/>
+          </a:solidFill>
+          <a:ln>
+            <a:solidFill>
+              <a:schemeClr val="accent1"/>
+            </a:solidFill>
+          </a:ln>
+        </p:spPr>
+        <p:style>
+          <a:lnRef idx="2">
+            <a:schemeClr val="accent1">
+              <a:shade val="50000"/>
+            </a:schemeClr>
+          </a:lnRef>
+          <a:fillRef idx="1">
+            <a:schemeClr val="accent1"/>
+          </a:fillRef>
+          <a:effectRef idx="0">
+            <a:schemeClr val="accent1"/>
+          </a:effectRef>
+          <a:fontRef idx="minor">
+            <a:schemeClr val="lt1"/>
+          </a:fontRef>
+        </p:style>
+        <p:txBody>
+          <a:bodyPr rtlCol="0" anchor="ctr"/>
+          <a:lstStyle/>
+          <a:p>
+            <a:pPr algn="ctr"/>
+            <a:r>
+              <a:rPr lang="en-US" dirty="0">
+                <a:ln w="0"/>
+                <a:solidFill>
+                  <a:schemeClr val="accent1"/>
+                </a:solidFill>
+                <a:effectLst>
+                  <a:outerShdw blurRad="38100" dist="25400" dir="5400000" algn="ctr" rotWithShape="0">
+                    <a:srgbClr val="6E747A">
+                      <a:alpha val="43000"/>
+                    </a:srgbClr>
+                  </a:outerShdw>
+                </a:effectLst>
+              </a:rPr>
+              <a:t>UI / UX Layer</a:t>
+            </a:r>
+          </a:p>
+          <a:p>
+            <a:pPr algn="ctr"/>
+            <a:r>
+              <a:rPr lang="en-US" dirty="0">
+                <a:ln w="0"/>
+                <a:solidFill>
+                  <a:schemeClr val="accent1"/>
+                </a:solidFill>
+                <a:effectLst>
+                  <a:outerShdw blurRad="38100" dist="25400" dir="5400000" algn="ctr" rotWithShape="0">
+                    <a:srgbClr val="6E747A">
+                      <a:alpha val="43000"/>
+                    </a:srgbClr>
+                  </a:outerShdw>
+                </a:effectLst>
+              </a:rPr>
+              <a:t>HTML</a:t>
+            </a:r>
+          </a:p>
+        </p:txBody>
+      </p:sp>
+      <p:sp>
+        <p:nvSpPr>
+          <p:cNvPr id="25" name="Rectangle 24">
+            <a:extLst>
+              <a:ext uri="{FF2B5EF4-FFF2-40B4-BE49-F238E27FC236}">
+                <a16:creationId xmlns:a16="http://schemas.microsoft.com/office/drawing/2014/main" id="{2ACEBBBB-D072-304C-8540-C7DA1B2E0F7E}"/>
+              </a:ext>
+            </a:extLst>
+          </p:cNvPr>
+          <p:cNvSpPr/>
+          <p:nvPr/>
+        </p:nvSpPr>
+        <p:spPr>
+          <a:xfrm>
+            <a:off x="1955441" y="2055168"/>
+            <a:ext cx="1175657" cy="2307771"/>
+          </a:xfrm>
+          <a:prstGeom prst="rect">
+            <a:avLst/>
+          </a:prstGeom>
+          <a:solidFill>
+            <a:srgbClr val="FFFF00"/>
+          </a:solidFill>
+          <a:ln>
+            <a:solidFill>
+              <a:schemeClr val="accent1"/>
+            </a:solidFill>
+          </a:ln>
+        </p:spPr>
+        <p:style>
+          <a:lnRef idx="2">
+            <a:schemeClr val="accent1">
+              <a:shade val="50000"/>
+            </a:schemeClr>
+          </a:lnRef>
+          <a:fillRef idx="1">
+            <a:schemeClr val="accent1"/>
+          </a:fillRef>
+          <a:effectRef idx="0">
+            <a:schemeClr val="accent1"/>
+          </a:effectRef>
+          <a:fontRef idx="minor">
+            <a:schemeClr val="lt1"/>
+          </a:fontRef>
+        </p:style>
+        <p:txBody>
+          <a:bodyPr rtlCol="0" anchor="ctr"/>
+          <a:lstStyle/>
+          <a:p>
+            <a:pPr algn="ctr"/>
+            <a:r>
+              <a:rPr lang="en-US" dirty="0">
+                <a:ln w="0"/>
+                <a:solidFill>
+                  <a:schemeClr val="accent1"/>
+                </a:solidFill>
+                <a:effectLst>
+                  <a:outerShdw blurRad="38100" dist="25400" dir="5400000" algn="ctr" rotWithShape="0">
+                    <a:srgbClr val="6E747A">
+                      <a:alpha val="43000"/>
+                    </a:srgbClr>
+                  </a:outerShdw>
+                </a:effectLst>
+              </a:rPr>
+              <a:t>Presenter</a:t>
+            </a:r>
+          </a:p>
+          <a:p>
+            <a:pPr algn="ctr"/>
+            <a:r>
+              <a:rPr lang="en-US" dirty="0">
+                <a:ln w="0"/>
+                <a:solidFill>
+                  <a:schemeClr val="accent1"/>
+                </a:solidFill>
+                <a:effectLst>
+                  <a:outerShdw blurRad="38100" dist="25400" dir="5400000" algn="ctr" rotWithShape="0">
+                    <a:srgbClr val="6E747A">
+                      <a:alpha val="43000"/>
+                    </a:srgbClr>
+                  </a:outerShdw>
+                </a:effectLst>
+              </a:rPr>
+              <a:t>Layer</a:t>
+            </a:r>
+          </a:p>
+          <a:p>
+            <a:pPr algn="ctr"/>
+            <a:r>
+              <a:rPr lang="en-US" dirty="0">
+                <a:ln w="0"/>
+                <a:solidFill>
+                  <a:schemeClr val="accent1"/>
+                </a:solidFill>
+                <a:effectLst>
+                  <a:outerShdw blurRad="38100" dist="25400" dir="5400000" algn="ctr" rotWithShape="0">
+                    <a:srgbClr val="6E747A">
+                      <a:alpha val="43000"/>
+                    </a:srgbClr>
+                  </a:outerShdw>
+                </a:effectLst>
+              </a:rPr>
+              <a:t>Data, Events, Functions</a:t>
+            </a:r>
+          </a:p>
+        </p:txBody>
+      </p:sp>
+      <p:sp>
+        <p:nvSpPr>
+          <p:cNvPr id="26" name="Right Arrow 25">
+            <a:extLst>
+              <a:ext uri="{FF2B5EF4-FFF2-40B4-BE49-F238E27FC236}">
+                <a16:creationId xmlns:a16="http://schemas.microsoft.com/office/drawing/2014/main" id="{7AD18B20-AFB1-A549-BBA2-8A4D7521CEB7}"/>
+              </a:ext>
+            </a:extLst>
+          </p:cNvPr>
+          <p:cNvSpPr/>
+          <p:nvPr/>
+        </p:nvSpPr>
+        <p:spPr>
+          <a:xfrm>
+            <a:off x="1452401" y="2246811"/>
+            <a:ext cx="698616" cy="191589"/>
+          </a:xfrm>
+          <a:prstGeom prst="rightArrow">
+            <a:avLst/>
+          </a:prstGeom>
+          <a:solidFill>
+            <a:srgbClr val="002060"/>
+          </a:solidFill>
+        </p:spPr>
+        <p:style>
+          <a:lnRef idx="2">
+            <a:schemeClr val="accent1">
+              <a:shade val="50000"/>
+            </a:schemeClr>
+          </a:lnRef>
+          <a:fillRef idx="1">
+            <a:schemeClr val="accent1"/>
+          </a:fillRef>
+          <a:effectRef idx="0">
+            <a:schemeClr val="accent1"/>
+          </a:effectRef>
+          <a:fontRef idx="minor">
+            <a:schemeClr val="lt1"/>
+          </a:fontRef>
+        </p:style>
+        <p:txBody>
+          <a:bodyPr rtlCol="0" anchor="ctr"/>
+          <a:lstStyle/>
+          <a:p>
+            <a:pPr algn="ctr"/>
+            <a:endParaRPr lang="en-US"/>
+          </a:p>
+        </p:txBody>
+      </p:sp>
+      <p:sp>
+        <p:nvSpPr>
+          <p:cNvPr id="27" name="Right Arrow 26">
+            <a:extLst>
+              <a:ext uri="{FF2B5EF4-FFF2-40B4-BE49-F238E27FC236}">
+                <a16:creationId xmlns:a16="http://schemas.microsoft.com/office/drawing/2014/main" id="{2E832BDC-F8F2-284F-B80E-FDB7D8A16CB6}"/>
+              </a:ext>
+            </a:extLst>
+          </p:cNvPr>
+          <p:cNvSpPr/>
+          <p:nvPr/>
+        </p:nvSpPr>
+        <p:spPr>
+          <a:xfrm rot="10800000">
+            <a:off x="1412248" y="3890751"/>
+            <a:ext cx="698616" cy="191589"/>
+          </a:xfrm>
+          <a:prstGeom prst="rightArrow">
+            <a:avLst/>
+          </a:prstGeom>
+          <a:solidFill>
+            <a:srgbClr val="002060"/>
+          </a:solidFill>
+        </p:spPr>
+        <p:style>
+          <a:lnRef idx="2">
+            <a:schemeClr val="accent1">
+              <a:shade val="50000"/>
+            </a:schemeClr>
+          </a:lnRef>
+          <a:fillRef idx="1">
+            <a:schemeClr val="accent1"/>
+          </a:fillRef>
+          <a:effectRef idx="0">
+            <a:schemeClr val="accent1"/>
+          </a:effectRef>
+          <a:fontRef idx="minor">
+            <a:schemeClr val="lt1"/>
+          </a:fontRef>
+        </p:style>
+        <p:txBody>
+          <a:bodyPr rtlCol="0" anchor="ctr"/>
+          <a:lstStyle/>
+          <a:p>
+            <a:pPr algn="ctr"/>
+            <a:endParaRPr lang="en-US"/>
+          </a:p>
+        </p:txBody>
+      </p:sp>
+      <p:sp>
+        <p:nvSpPr>
+          <p:cNvPr id="28" name="Rectangle 27">
+            <a:extLst>
+              <a:ext uri="{FF2B5EF4-FFF2-40B4-BE49-F238E27FC236}">
+                <a16:creationId xmlns:a16="http://schemas.microsoft.com/office/drawing/2014/main" id="{71EC0793-8557-8542-A327-4BBB05E90820}"/>
+              </a:ext>
+            </a:extLst>
+          </p:cNvPr>
+          <p:cNvSpPr/>
+          <p:nvPr/>
+        </p:nvSpPr>
+        <p:spPr>
+          <a:xfrm>
+            <a:off x="3953691" y="1994406"/>
+            <a:ext cx="1175657" cy="805597"/>
+          </a:xfrm>
+          <a:prstGeom prst="rect">
+            <a:avLst/>
+          </a:prstGeom>
+          <a:solidFill>
+            <a:srgbClr val="FFFF00"/>
+          </a:solidFill>
+          <a:ln>
+            <a:solidFill>
+              <a:schemeClr val="accent1"/>
+            </a:solidFill>
+          </a:ln>
+        </p:spPr>
+        <p:style>
+          <a:lnRef idx="2">
+            <a:schemeClr val="accent1">
+              <a:shade val="50000"/>
+            </a:schemeClr>
+          </a:lnRef>
+          <a:fillRef idx="1">
+            <a:schemeClr val="accent1"/>
+          </a:fillRef>
+          <a:effectRef idx="0">
+            <a:schemeClr val="accent1"/>
+          </a:effectRef>
+          <a:fontRef idx="minor">
+            <a:schemeClr val="lt1"/>
+          </a:fontRef>
+        </p:style>
+        <p:txBody>
+          <a:bodyPr rtlCol="0" anchor="ctr"/>
+          <a:lstStyle/>
+          <a:p>
+            <a:pPr algn="ctr"/>
+            <a:r>
+              <a:rPr lang="en-US" dirty="0">
+                <a:ln w="0"/>
+                <a:solidFill>
+                  <a:schemeClr val="accent1"/>
+                </a:solidFill>
+                <a:effectLst>
+                  <a:outerShdw blurRad="38100" dist="25400" dir="5400000" algn="ctr" rotWithShape="0">
+                    <a:srgbClr val="6E747A">
+                      <a:alpha val="43000"/>
+                    </a:srgbClr>
+                  </a:outerShdw>
+                </a:effectLst>
+              </a:rPr>
+              <a:t>Front-End </a:t>
+            </a:r>
+          </a:p>
+          <a:p>
+            <a:pPr algn="ctr"/>
+            <a:r>
+              <a:rPr lang="en-US" dirty="0">
+                <a:ln w="0"/>
+                <a:solidFill>
+                  <a:schemeClr val="accent1"/>
+                </a:solidFill>
+                <a:effectLst>
+                  <a:outerShdw blurRad="38100" dist="25400" dir="5400000" algn="ctr" rotWithShape="0">
+                    <a:srgbClr val="6E747A">
+                      <a:alpha val="43000"/>
+                    </a:srgbClr>
+                  </a:outerShdw>
+                </a:effectLst>
+              </a:rPr>
+              <a:t>Logic</a:t>
+            </a:r>
+          </a:p>
+        </p:txBody>
+      </p:sp>
+      <p:sp>
+        <p:nvSpPr>
+          <p:cNvPr id="29" name="Rectangle 28">
+            <a:extLst>
+              <a:ext uri="{FF2B5EF4-FFF2-40B4-BE49-F238E27FC236}">
+                <a16:creationId xmlns:a16="http://schemas.microsoft.com/office/drawing/2014/main" id="{8D1907BF-71D3-EB46-8F6A-1512F73E45FB}"/>
+              </a:ext>
+            </a:extLst>
+          </p:cNvPr>
+          <p:cNvSpPr/>
+          <p:nvPr/>
+        </p:nvSpPr>
+        <p:spPr>
+          <a:xfrm>
+            <a:off x="2769327" y="1163010"/>
+            <a:ext cx="1680753" cy="805597"/>
+          </a:xfrm>
+          <a:prstGeom prst="rect">
+            <a:avLst/>
+          </a:prstGeom>
+          <a:solidFill>
+            <a:srgbClr val="FFFF00"/>
+          </a:solidFill>
+          <a:ln>
+            <a:solidFill>
+              <a:schemeClr val="accent1"/>
+            </a:solidFill>
+          </a:ln>
+        </p:spPr>
+        <p:style>
+          <a:lnRef idx="2">
+            <a:schemeClr val="accent1">
+              <a:shade val="50000"/>
+            </a:schemeClr>
+          </a:lnRef>
+          <a:fillRef idx="1">
+            <a:schemeClr val="accent1"/>
+          </a:fillRef>
+          <a:effectRef idx="0">
+            <a:schemeClr val="accent1"/>
+          </a:effectRef>
+          <a:fontRef idx="minor">
+            <a:schemeClr val="lt1"/>
+          </a:fontRef>
+        </p:style>
+        <p:txBody>
+          <a:bodyPr rtlCol="0" anchor="ctr"/>
+          <a:lstStyle/>
+          <a:p>
+            <a:pPr algn="ctr"/>
+            <a:r>
+              <a:rPr lang="en-US" dirty="0">
+                <a:ln w="0"/>
+                <a:solidFill>
+                  <a:schemeClr val="accent1"/>
+                </a:solidFill>
+                <a:effectLst>
+                  <a:outerShdw blurRad="38100" dist="25400" dir="5400000" algn="ctr" rotWithShape="0">
+                    <a:srgbClr val="6E747A">
+                      <a:alpha val="43000"/>
+                    </a:srgbClr>
+                  </a:outerShdw>
+                </a:effectLst>
+              </a:rPr>
+              <a:t>Utilities</a:t>
+            </a:r>
+          </a:p>
+          <a:p>
+            <a:pPr algn="ctr"/>
+            <a:r>
+              <a:rPr lang="en-US" dirty="0">
+                <a:ln w="0"/>
+                <a:solidFill>
+                  <a:schemeClr val="accent1"/>
+                </a:solidFill>
+                <a:effectLst>
+                  <a:outerShdw blurRad="38100" dist="25400" dir="5400000" algn="ctr" rotWithShape="0">
+                    <a:srgbClr val="6E747A">
+                      <a:alpha val="43000"/>
+                    </a:srgbClr>
+                  </a:outerShdw>
+                </a:effectLst>
+              </a:rPr>
+              <a:t>Re-usable Logic</a:t>
+            </a:r>
+          </a:p>
+        </p:txBody>
+      </p:sp>
+      <p:sp>
+        <p:nvSpPr>
+          <p:cNvPr id="30" name="Rectangle 29">
+            <a:extLst>
+              <a:ext uri="{FF2B5EF4-FFF2-40B4-BE49-F238E27FC236}">
+                <a16:creationId xmlns:a16="http://schemas.microsoft.com/office/drawing/2014/main" id="{F7D8A75A-127E-3744-98F5-D94400C2FC3D}"/>
+              </a:ext>
+            </a:extLst>
+          </p:cNvPr>
+          <p:cNvSpPr/>
+          <p:nvPr/>
+        </p:nvSpPr>
+        <p:spPr>
+          <a:xfrm>
+            <a:off x="3862619" y="3418312"/>
+            <a:ext cx="1175657" cy="805597"/>
+          </a:xfrm>
+          <a:prstGeom prst="rect">
+            <a:avLst/>
+          </a:prstGeom>
+          <a:solidFill>
+            <a:srgbClr val="FFFF00"/>
+          </a:solidFill>
+          <a:ln>
+            <a:solidFill>
+              <a:schemeClr val="accent1"/>
+            </a:solidFill>
+          </a:ln>
+        </p:spPr>
+        <p:style>
+          <a:lnRef idx="2">
+            <a:schemeClr val="accent1">
+              <a:shade val="50000"/>
+            </a:schemeClr>
+          </a:lnRef>
+          <a:fillRef idx="1">
+            <a:schemeClr val="accent1"/>
+          </a:fillRef>
+          <a:effectRef idx="0">
+            <a:schemeClr val="accent1"/>
+          </a:effectRef>
+          <a:fontRef idx="minor">
+            <a:schemeClr val="lt1"/>
+          </a:fontRef>
+        </p:style>
+        <p:txBody>
+          <a:bodyPr rtlCol="0" anchor="ctr"/>
+          <a:lstStyle/>
+          <a:p>
+            <a:pPr algn="ctr"/>
+            <a:r>
+              <a:rPr lang="en-US" dirty="0">
+                <a:ln w="0"/>
+                <a:solidFill>
+                  <a:schemeClr val="accent1"/>
+                </a:solidFill>
+                <a:effectLst>
+                  <a:outerShdw blurRad="38100" dist="25400" dir="5400000" algn="ctr" rotWithShape="0">
+                    <a:srgbClr val="6E747A">
+                      <a:alpha val="43000"/>
+                    </a:srgbClr>
+                  </a:outerShdw>
+                </a:effectLst>
+              </a:rPr>
+              <a:t>External HTTP </a:t>
+            </a:r>
+          </a:p>
+          <a:p>
+            <a:pPr algn="ctr"/>
+            <a:r>
+              <a:rPr lang="en-US" dirty="0">
+                <a:ln w="0"/>
+                <a:solidFill>
+                  <a:schemeClr val="accent1"/>
+                </a:solidFill>
+                <a:effectLst>
+                  <a:outerShdw blurRad="38100" dist="25400" dir="5400000" algn="ctr" rotWithShape="0">
+                    <a:srgbClr val="6E747A">
+                      <a:alpha val="43000"/>
+                    </a:srgbClr>
+                  </a:outerShdw>
+                </a:effectLst>
+              </a:rPr>
+              <a:t>Calls</a:t>
+            </a:r>
+          </a:p>
+        </p:txBody>
+      </p:sp>
+      <p:sp>
+        <p:nvSpPr>
+          <p:cNvPr id="31" name="Left-right Arrow 30">
+            <a:extLst>
+              <a:ext uri="{FF2B5EF4-FFF2-40B4-BE49-F238E27FC236}">
+                <a16:creationId xmlns:a16="http://schemas.microsoft.com/office/drawing/2014/main" id="{901FE78E-FE6F-0D4B-AAFE-8B0BE7792900}"/>
+              </a:ext>
+            </a:extLst>
+          </p:cNvPr>
+          <p:cNvSpPr/>
+          <p:nvPr/>
+        </p:nvSpPr>
+        <p:spPr>
+          <a:xfrm>
+            <a:off x="3004457" y="2303596"/>
+            <a:ext cx="949234" cy="243856"/>
+          </a:xfrm>
+          <a:prstGeom prst="leftRightArrow">
+            <a:avLst/>
+          </a:prstGeom>
+          <a:solidFill>
+            <a:srgbClr val="002060"/>
+          </a:solidFill>
+        </p:spPr>
+        <p:style>
+          <a:lnRef idx="2">
+            <a:schemeClr val="accent1">
+              <a:shade val="50000"/>
+            </a:schemeClr>
+          </a:lnRef>
+          <a:fillRef idx="1">
+            <a:schemeClr val="accent1"/>
+          </a:fillRef>
+          <a:effectRef idx="0">
+            <a:schemeClr val="accent1"/>
+          </a:effectRef>
+          <a:fontRef idx="minor">
+            <a:schemeClr val="lt1"/>
+          </a:fontRef>
+        </p:style>
+        <p:txBody>
+          <a:bodyPr rtlCol="0" anchor="ctr"/>
+          <a:lstStyle/>
+          <a:p>
+            <a:pPr algn="ctr"/>
+            <a:endParaRPr lang="en-US"/>
+          </a:p>
+        </p:txBody>
+      </p:sp>
+      <p:sp>
+        <p:nvSpPr>
+          <p:cNvPr id="32" name="Left-right Arrow 31">
+            <a:extLst>
+              <a:ext uri="{FF2B5EF4-FFF2-40B4-BE49-F238E27FC236}">
+                <a16:creationId xmlns:a16="http://schemas.microsoft.com/office/drawing/2014/main" id="{00C74556-EAF2-154B-8D04-3C832D344878}"/>
+              </a:ext>
+            </a:extLst>
+          </p:cNvPr>
+          <p:cNvSpPr/>
+          <p:nvPr/>
+        </p:nvSpPr>
+        <p:spPr>
+          <a:xfrm rot="16200000">
+            <a:off x="3977916" y="1886021"/>
+            <a:ext cx="235131" cy="134800"/>
+          </a:xfrm>
+          <a:prstGeom prst="leftRightArrow">
+            <a:avLst/>
+          </a:prstGeom>
+          <a:solidFill>
+            <a:srgbClr val="002060"/>
+          </a:solidFill>
+        </p:spPr>
+        <p:style>
+          <a:lnRef idx="2">
+            <a:schemeClr val="accent1">
+              <a:shade val="50000"/>
+            </a:schemeClr>
+          </a:lnRef>
+          <a:fillRef idx="1">
+            <a:schemeClr val="accent1"/>
+          </a:fillRef>
+          <a:effectRef idx="0">
+            <a:schemeClr val="accent1"/>
+          </a:effectRef>
+          <a:fontRef idx="minor">
+            <a:schemeClr val="lt1"/>
+          </a:fontRef>
+        </p:style>
+        <p:txBody>
+          <a:bodyPr rtlCol="0" anchor="ctr"/>
+          <a:lstStyle/>
+          <a:p>
+            <a:pPr algn="ctr"/>
+            <a:endParaRPr lang="en-US"/>
+          </a:p>
+        </p:txBody>
+      </p:sp>
+      <p:sp>
+        <p:nvSpPr>
+          <p:cNvPr id="33" name="Left-right Arrow 32">
+            <a:extLst>
+              <a:ext uri="{FF2B5EF4-FFF2-40B4-BE49-F238E27FC236}">
+                <a16:creationId xmlns:a16="http://schemas.microsoft.com/office/drawing/2014/main" id="{BC8B8C75-F801-3546-983B-5724669249C6}"/>
+              </a:ext>
+            </a:extLst>
+          </p:cNvPr>
+          <p:cNvSpPr/>
+          <p:nvPr/>
+        </p:nvSpPr>
+        <p:spPr>
+          <a:xfrm>
+            <a:off x="3026595" y="3727271"/>
+            <a:ext cx="836024" cy="243856"/>
+          </a:xfrm>
+          <a:prstGeom prst="leftRightArrow">
+            <a:avLst/>
+          </a:prstGeom>
+          <a:solidFill>
+            <a:srgbClr val="002060"/>
+          </a:solidFill>
+        </p:spPr>
+        <p:style>
+          <a:lnRef idx="2">
+            <a:schemeClr val="accent1">
+              <a:shade val="50000"/>
+            </a:schemeClr>
+          </a:lnRef>
+          <a:fillRef idx="1">
+            <a:schemeClr val="accent1"/>
+          </a:fillRef>
+          <a:effectRef idx="0">
+            <a:schemeClr val="accent1"/>
+          </a:effectRef>
+          <a:fontRef idx="minor">
+            <a:schemeClr val="lt1"/>
+          </a:fontRef>
+        </p:style>
+        <p:txBody>
+          <a:bodyPr rtlCol="0" anchor="ctr"/>
+          <a:lstStyle/>
+          <a:p>
+            <a:pPr algn="ctr"/>
+            <a:endParaRPr lang="en-US"/>
+          </a:p>
+        </p:txBody>
+      </p:sp>
+      <p:sp>
+        <p:nvSpPr>
+          <p:cNvPr id="34" name="Curved Down Arrow 33">
+            <a:extLst>
+              <a:ext uri="{FF2B5EF4-FFF2-40B4-BE49-F238E27FC236}">
+                <a16:creationId xmlns:a16="http://schemas.microsoft.com/office/drawing/2014/main" id="{FEE27713-42D1-6F40-88D0-9A185C928B63}"/>
+              </a:ext>
+            </a:extLst>
+          </p:cNvPr>
+          <p:cNvSpPr/>
+          <p:nvPr/>
+        </p:nvSpPr>
+        <p:spPr>
+          <a:xfrm>
+            <a:off x="4825408" y="2947851"/>
+            <a:ext cx="2171930" cy="481149"/>
+          </a:xfrm>
+          <a:prstGeom prst="curvedDownArrow">
+            <a:avLst/>
+          </a:prstGeom>
+          <a:solidFill>
+            <a:srgbClr val="002060"/>
+          </a:solidFill>
+        </p:spPr>
+        <p:style>
+          <a:lnRef idx="2">
+            <a:schemeClr val="accent1">
+              <a:shade val="50000"/>
+            </a:schemeClr>
+          </a:lnRef>
+          <a:fillRef idx="1">
+            <a:schemeClr val="accent1"/>
+          </a:fillRef>
+          <a:effectRef idx="0">
+            <a:schemeClr val="accent1"/>
+          </a:effectRef>
+          <a:fontRef idx="minor">
+            <a:schemeClr val="lt1"/>
+          </a:fontRef>
+        </p:style>
+        <p:txBody>
+          <a:bodyPr rtlCol="0" anchor="ctr"/>
+          <a:lstStyle/>
+          <a:p>
+            <a:pPr algn="ctr"/>
+            <a:endParaRPr lang="en-US">
+              <a:solidFill>
+                <a:schemeClr val="tx1"/>
+              </a:solidFill>
+            </a:endParaRPr>
+          </a:p>
+        </p:txBody>
+      </p:sp>
+      <p:sp>
+        <p:nvSpPr>
+          <p:cNvPr id="35" name="Curved Down Arrow 34">
+            <a:extLst>
+              <a:ext uri="{FF2B5EF4-FFF2-40B4-BE49-F238E27FC236}">
+                <a16:creationId xmlns:a16="http://schemas.microsoft.com/office/drawing/2014/main" id="{05F630FB-F78E-ED4F-84EE-B2827F532E89}"/>
+              </a:ext>
+            </a:extLst>
+          </p:cNvPr>
+          <p:cNvSpPr/>
+          <p:nvPr/>
+        </p:nvSpPr>
+        <p:spPr>
+          <a:xfrm rot="10800000">
+            <a:off x="4820559" y="3569330"/>
+            <a:ext cx="2171930" cy="481149"/>
+          </a:xfrm>
+          <a:prstGeom prst="curvedDownArrow">
+            <a:avLst/>
+          </a:prstGeom>
+          <a:solidFill>
+            <a:srgbClr val="002060"/>
+          </a:solidFill>
+        </p:spPr>
+        <p:style>
+          <a:lnRef idx="2">
+            <a:schemeClr val="accent1">
+              <a:shade val="50000"/>
+            </a:schemeClr>
+          </a:lnRef>
+          <a:fillRef idx="1">
+            <a:schemeClr val="accent1"/>
+          </a:fillRef>
+          <a:effectRef idx="0">
+            <a:schemeClr val="accent1"/>
+          </a:effectRef>
+          <a:fontRef idx="minor">
+            <a:schemeClr val="lt1"/>
+          </a:fontRef>
+        </p:style>
+        <p:txBody>
+          <a:bodyPr rtlCol="0" anchor="ctr"/>
+          <a:lstStyle/>
+          <a:p>
+            <a:pPr algn="ctr"/>
+            <a:endParaRPr lang="en-US">
+              <a:solidFill>
+                <a:schemeClr val="tx1"/>
+              </a:solidFill>
+            </a:endParaRPr>
+          </a:p>
+        </p:txBody>
+      </p:sp>
+      <p:sp>
+        <p:nvSpPr>
+          <p:cNvPr id="36" name="TextBox 35">
+            <a:extLst>
+              <a:ext uri="{FF2B5EF4-FFF2-40B4-BE49-F238E27FC236}">
+                <a16:creationId xmlns:a16="http://schemas.microsoft.com/office/drawing/2014/main" id="{E36A8A78-5B44-8248-A227-63C79341645A}"/>
+              </a:ext>
+            </a:extLst>
+          </p:cNvPr>
+          <p:cNvSpPr txBox="1"/>
+          <p:nvPr/>
+        </p:nvSpPr>
+        <p:spPr>
+          <a:xfrm>
+            <a:off x="5255624" y="3188425"/>
+            <a:ext cx="1350688" cy="646331"/>
+          </a:xfrm>
+          <a:prstGeom prst="rect">
+            <a:avLst/>
+          </a:prstGeom>
+          <a:noFill/>
+        </p:spPr>
+        <p:txBody>
+          <a:bodyPr wrap="square" rtlCol="0">
+            <a:spAutoFit/>
+          </a:bodyPr>
+          <a:lstStyle/>
+          <a:p>
+            <a:r>
+              <a:rPr lang="en-US" dirty="0"/>
+              <a:t>Async HTTP Calls</a:t>
+            </a:r>
+          </a:p>
+        </p:txBody>
+      </p:sp>
+    </p:spTree>
+    <p:extLst>
+      <p:ext uri="{BB962C8B-B14F-4D97-AF65-F5344CB8AC3E}">
+        <p14:creationId xmlns:p14="http://schemas.microsoft.com/office/powerpoint/2010/main" val="418430230"/>
+      </p:ext>
+    </p:extLst>
+  </p:cSld>
+  <p:clrMapOvr>
+    <a:masterClrMapping/>
+  </p:clrMapOvr>
+</p:sld>
+</file>
+
+<file path=ppt/slides/slide19.xml><?xml version="1.0" encoding="utf-8"?>
+<p:sld xmlns:a="http://schemas.openxmlformats.org/drawingml/2006/main" xmlns:r="http://schemas.openxmlformats.org/officeDocument/2006/relationships" xmlns:p="http://schemas.openxmlformats.org/presentationml/2006/main">
+  <p:cSld>
+    <p:spTree>
+      <p:nvGrpSpPr>
+        <p:cNvPr id="1" name=""/>
+        <p:cNvGrpSpPr/>
+        <p:nvPr/>
+      </p:nvGrpSpPr>
+      <p:grpSpPr>
+        <a:xfrm>
+          <a:off x="0" y="0"/>
+          <a:ext cx="0" cy="0"/>
+          <a:chOff x="0" y="0"/>
+          <a:chExt cx="0" cy="0"/>
+        </a:xfrm>
+      </p:grpSpPr>
+      <p:sp>
+        <p:nvSpPr>
+          <p:cNvPr id="2" name="TextBox 1">
+            <a:extLst>
+              <a:ext uri="{FF2B5EF4-FFF2-40B4-BE49-F238E27FC236}">
+                <a16:creationId xmlns:a16="http://schemas.microsoft.com/office/drawing/2014/main" id="{F4E1B7D8-7E41-9B49-9BB8-1B324AA6CC3F}"/>
+              </a:ext>
+            </a:extLst>
+          </p:cNvPr>
+          <p:cNvSpPr txBox="1"/>
+          <p:nvPr/>
+        </p:nvSpPr>
+        <p:spPr>
+          <a:xfrm>
+            <a:off x="374469" y="287383"/>
+            <a:ext cx="11521440" cy="6463308"/>
+          </a:xfrm>
+          <a:prstGeom prst="rect">
+            <a:avLst/>
+          </a:prstGeom>
+          <a:noFill/>
+        </p:spPr>
+        <p:txBody>
+          <a:bodyPr wrap="square" rtlCol="0">
+            <a:spAutoFit/>
+          </a:bodyPr>
+          <a:lstStyle/>
+          <a:p>
+            <a:r>
+              <a:rPr lang="en-US" dirty="0"/>
+              <a:t>Data</a:t>
+            </a:r>
+          </a:p>
+          <a:p>
+            <a:pPr marL="342900" indent="-342900">
+              <a:buFont typeface="+mj-lt"/>
+              <a:buAutoNum type="arabicPeriod"/>
+            </a:pPr>
+            <a:r>
+              <a:rPr lang="en-US" dirty="0"/>
+              <a:t>Used for Processing</a:t>
+            </a:r>
+          </a:p>
+          <a:p>
+            <a:pPr marL="342900" indent="-342900">
+              <a:buFont typeface="+mj-lt"/>
+              <a:buAutoNum type="arabicPeriod"/>
+            </a:pPr>
+            <a:r>
+              <a:rPr lang="en-US" dirty="0"/>
+              <a:t>Captured from End-User</a:t>
+            </a:r>
+          </a:p>
+          <a:p>
+            <a:pPr marL="342900" indent="-342900">
+              <a:buFont typeface="+mj-lt"/>
+              <a:buAutoNum type="arabicPeriod"/>
+            </a:pPr>
+            <a:r>
+              <a:rPr lang="en-US" dirty="0"/>
+              <a:t>Used for Reporting</a:t>
+            </a:r>
+          </a:p>
+          <a:p>
+            <a:pPr marL="342900" indent="-342900">
+              <a:buFont typeface="+mj-lt"/>
+              <a:buAutoNum type="arabicPeriod"/>
+            </a:pPr>
+            <a:r>
+              <a:rPr lang="en-US" dirty="0"/>
+              <a:t>“More the data, more is the accuracy”, result into more ‘Accurate Sampling’</a:t>
+            </a:r>
+          </a:p>
+          <a:p>
+            <a:pPr marL="800100" lvl="1" indent="-342900">
+              <a:buFont typeface="+mj-lt"/>
+              <a:buAutoNum type="arabicPeriod"/>
+            </a:pPr>
+            <a:r>
+              <a:rPr lang="en-US" dirty="0"/>
+              <a:t>Easy Reporting Format for Customer’s / Vendor’s app, use </a:t>
+            </a:r>
+            <a:r>
+              <a:rPr lang="en-US" b="1" dirty="0"/>
+              <a:t>Relational Database </a:t>
+            </a:r>
+          </a:p>
+          <a:p>
+            <a:pPr marL="800100" lvl="1" indent="-342900">
+              <a:buFont typeface="+mj-lt"/>
+              <a:buAutoNum type="arabicPeriod"/>
+            </a:pPr>
+            <a:r>
+              <a:rPr lang="en-US" b="1" dirty="0"/>
+              <a:t>More focused to Analytic Reporting then use ‘NoSQL’ </a:t>
+            </a:r>
+            <a:endParaRPr lang="en-US" dirty="0"/>
+          </a:p>
+          <a:p>
+            <a:pPr marL="342900" indent="-342900">
+              <a:buFont typeface="+mj-lt"/>
+              <a:buAutoNum type="arabicPeriod"/>
+            </a:pPr>
+            <a:r>
+              <a:rPr lang="en-US" dirty="0"/>
+              <a:t>Persistent</a:t>
+            </a:r>
+          </a:p>
+          <a:p>
+            <a:pPr marL="800100" lvl="1" indent="-342900">
+              <a:buFont typeface="+mj-lt"/>
+              <a:buAutoNum type="arabicPeriod"/>
+            </a:pPr>
+            <a:r>
+              <a:rPr lang="en-US" dirty="0"/>
+              <a:t>Tabular Format</a:t>
+            </a:r>
+          </a:p>
+          <a:p>
+            <a:pPr marL="1257300" lvl="2" indent="-342900">
+              <a:buFont typeface="+mj-lt"/>
+              <a:buAutoNum type="arabicPeriod"/>
+            </a:pPr>
+            <a:r>
+              <a:rPr lang="en-US" dirty="0"/>
+              <a:t>Tuple</a:t>
+            </a:r>
+          </a:p>
+          <a:p>
+            <a:pPr marL="1714500" lvl="3" indent="-342900">
+              <a:buFont typeface="+mj-lt"/>
+              <a:buAutoNum type="arabicPeriod"/>
+            </a:pPr>
+            <a:r>
+              <a:rPr lang="en-US" dirty="0"/>
+              <a:t>Column</a:t>
+            </a:r>
+          </a:p>
+          <a:p>
+            <a:pPr marL="2171700" lvl="4" indent="-342900">
+              <a:buFont typeface="+mj-lt"/>
+              <a:buAutoNum type="arabicPeriod"/>
+            </a:pPr>
+            <a:r>
+              <a:rPr lang="en-US" dirty="0"/>
+              <a:t>Integrity</a:t>
+            </a:r>
+          </a:p>
+          <a:p>
+            <a:pPr marL="2171700" lvl="4" indent="-342900">
+              <a:buFont typeface="+mj-lt"/>
+              <a:buAutoNum type="arabicPeriod"/>
+            </a:pPr>
+            <a:r>
+              <a:rPr lang="en-US" dirty="0"/>
+              <a:t>Consistency </a:t>
+            </a:r>
+          </a:p>
+          <a:p>
+            <a:pPr marL="1714500" lvl="3" indent="-342900">
+              <a:buFont typeface="+mj-lt"/>
+              <a:buAutoNum type="arabicPeriod"/>
+            </a:pPr>
+            <a:r>
+              <a:rPr lang="en-US" dirty="0"/>
+              <a:t>Row</a:t>
+            </a:r>
+          </a:p>
+          <a:p>
+            <a:pPr marL="2171700" lvl="4" indent="-342900">
+              <a:buFont typeface="+mj-lt"/>
+              <a:buAutoNum type="arabicPeriod"/>
+            </a:pPr>
+            <a:r>
+              <a:rPr lang="en-US" dirty="0"/>
+              <a:t>Identity</a:t>
+            </a:r>
+          </a:p>
+          <a:p>
+            <a:pPr marL="2171700" lvl="4" indent="-342900">
+              <a:buFont typeface="+mj-lt"/>
+              <a:buAutoNum type="arabicPeriod"/>
+            </a:pPr>
+            <a:r>
+              <a:rPr lang="en-US" dirty="0"/>
+              <a:t>Uniqueness</a:t>
+            </a:r>
+          </a:p>
+          <a:p>
+            <a:pPr marL="2171700" lvl="4" indent="-342900">
+              <a:buFont typeface="+mj-lt"/>
+              <a:buAutoNum type="arabicPeriod"/>
+            </a:pPr>
+            <a:r>
+              <a:rPr lang="en-US" dirty="0"/>
+              <a:t>References</a:t>
+            </a:r>
+          </a:p>
+          <a:p>
+            <a:pPr marL="1714500" lvl="3" indent="-342900">
+              <a:buFont typeface="+mj-lt"/>
+              <a:buAutoNum type="arabicPeriod"/>
+            </a:pPr>
+            <a:endParaRPr lang="en-US" dirty="0"/>
+          </a:p>
+          <a:p>
+            <a:pPr marL="800100" lvl="1" indent="-342900">
+              <a:buFont typeface="+mj-lt"/>
+              <a:buAutoNum type="arabicPeriod"/>
+            </a:pPr>
+            <a:r>
+              <a:rPr lang="en-US" dirty="0"/>
+              <a:t>Constraints</a:t>
+            </a:r>
+          </a:p>
+          <a:p>
+            <a:pPr marL="800100" lvl="1" indent="-342900">
+              <a:buFont typeface="+mj-lt"/>
+              <a:buAutoNum type="arabicPeriod"/>
+            </a:pPr>
+            <a:r>
+              <a:rPr lang="en-US" dirty="0"/>
+              <a:t>Types</a:t>
+            </a:r>
+          </a:p>
+          <a:p>
+            <a:pPr marL="800100" lvl="1" indent="-342900">
+              <a:buFont typeface="+mj-lt"/>
+              <a:buAutoNum type="arabicPeriod"/>
+            </a:pPr>
+            <a:r>
+              <a:rPr lang="en-US" dirty="0"/>
+              <a:t>Length</a:t>
+            </a:r>
+          </a:p>
+          <a:p>
+            <a:pPr marL="800100" lvl="1" indent="-342900">
+              <a:buFont typeface="+mj-lt"/>
+              <a:buAutoNum type="arabicPeriod"/>
+            </a:pPr>
+            <a:r>
+              <a:rPr lang="en-US" dirty="0"/>
+              <a:t>Relations </a:t>
+            </a:r>
+          </a:p>
+          <a:p>
+            <a:pPr lvl="1"/>
+            <a:r>
+              <a:rPr lang="en-US" b="1" dirty="0"/>
+              <a:t> </a:t>
+            </a:r>
+          </a:p>
+        </p:txBody>
+      </p:sp>
+    </p:spTree>
+    <p:extLst>
+      <p:ext uri="{BB962C8B-B14F-4D97-AF65-F5344CB8AC3E}">
+        <p14:creationId xmlns:p14="http://schemas.microsoft.com/office/powerpoint/2010/main" val="2130184328"/>
+      </p:ext>
+    </p:extLst>
+  </p:cSld>
+  <p:clrMapOvr>
+    <a:masterClrMapping/>
+  </p:clrMapOvr>
+</p:sld>
+</file>
+
 <file path=ppt/slides/slide2.xml><?xml version="1.0" encoding="utf-8"?>
 <p:sld xmlns:a="http://schemas.openxmlformats.org/drawingml/2006/main" xmlns:r="http://schemas.openxmlformats.org/officeDocument/2006/relationships" xmlns:p="http://schemas.openxmlformats.org/presentationml/2006/main">
   <p:cSld>
@@ -12021,6 +14410,4493 @@
     <p:extLst>
       <p:ext uri="{BB962C8B-B14F-4D97-AF65-F5344CB8AC3E}">
         <p14:creationId xmlns:p14="http://schemas.microsoft.com/office/powerpoint/2010/main" val="1440112573"/>
+      </p:ext>
+    </p:extLst>
+  </p:cSld>
+  <p:clrMapOvr>
+    <a:masterClrMapping/>
+  </p:clrMapOvr>
+</p:sld>
+</file>
+
+<file path=ppt/slides/slide20.xml><?xml version="1.0" encoding="utf-8"?>
+<p:sld xmlns:a="http://schemas.openxmlformats.org/drawingml/2006/main" xmlns:r="http://schemas.openxmlformats.org/officeDocument/2006/relationships" xmlns:p="http://schemas.openxmlformats.org/presentationml/2006/main">
+  <p:cSld>
+    <p:spTree>
+      <p:nvGrpSpPr>
+        <p:cNvPr id="1" name=""/>
+        <p:cNvGrpSpPr/>
+        <p:nvPr/>
+      </p:nvGrpSpPr>
+      <p:grpSpPr>
+        <a:xfrm>
+          <a:off x="0" y="0"/>
+          <a:ext cx="0" cy="0"/>
+          <a:chOff x="0" y="0"/>
+          <a:chExt cx="0" cy="0"/>
+        </a:xfrm>
+      </p:grpSpPr>
+      <p:sp>
+        <p:nvSpPr>
+          <p:cNvPr id="2" name="TextBox 1">
+            <a:extLst>
+              <a:ext uri="{FF2B5EF4-FFF2-40B4-BE49-F238E27FC236}">
+                <a16:creationId xmlns:a16="http://schemas.microsoft.com/office/drawing/2014/main" id="{657C6669-1C9F-1C42-9CE0-5DF634EE0244}"/>
+              </a:ext>
+            </a:extLst>
+          </p:cNvPr>
+          <p:cNvSpPr txBox="1"/>
+          <p:nvPr/>
+        </p:nvSpPr>
+        <p:spPr>
+          <a:xfrm>
+            <a:off x="287383" y="200297"/>
+            <a:ext cx="11721737" cy="5632311"/>
+          </a:xfrm>
+          <a:prstGeom prst="rect">
+            <a:avLst/>
+          </a:prstGeom>
+          <a:noFill/>
+        </p:spPr>
+        <p:txBody>
+          <a:bodyPr wrap="square" rtlCol="0">
+            <a:spAutoFit/>
+          </a:bodyPr>
+          <a:lstStyle/>
+          <a:p>
+            <a:pPr marL="342900" indent="-342900">
+              <a:buFont typeface="+mj-lt"/>
+              <a:buAutoNum type="arabicPeriod"/>
+            </a:pPr>
+            <a:r>
+              <a:rPr lang="en-US" dirty="0"/>
+              <a:t>Persistent</a:t>
+            </a:r>
+          </a:p>
+          <a:p>
+            <a:pPr marL="800100" lvl="1" indent="-342900">
+              <a:buFont typeface="+mj-lt"/>
+              <a:buAutoNum type="arabicPeriod"/>
+            </a:pPr>
+            <a:r>
+              <a:rPr lang="en-US" dirty="0"/>
+              <a:t>Tabular Format</a:t>
+            </a:r>
+          </a:p>
+          <a:p>
+            <a:pPr marL="1257300" lvl="2" indent="-342900">
+              <a:buFont typeface="+mj-lt"/>
+              <a:buAutoNum type="arabicPeriod"/>
+            </a:pPr>
+            <a:r>
+              <a:rPr lang="en-US" dirty="0"/>
+              <a:t>Tuple</a:t>
+            </a:r>
+          </a:p>
+          <a:p>
+            <a:pPr marL="1714500" lvl="3" indent="-342900">
+              <a:buFont typeface="+mj-lt"/>
+              <a:buAutoNum type="arabicPeriod"/>
+            </a:pPr>
+            <a:r>
+              <a:rPr lang="en-US" dirty="0"/>
+              <a:t>Column</a:t>
+            </a:r>
+          </a:p>
+          <a:p>
+            <a:pPr marL="2171700" lvl="4" indent="-342900">
+              <a:buFont typeface="+mj-lt"/>
+              <a:buAutoNum type="arabicPeriod"/>
+            </a:pPr>
+            <a:r>
+              <a:rPr lang="en-US" dirty="0"/>
+              <a:t>Integrity</a:t>
+            </a:r>
+          </a:p>
+          <a:p>
+            <a:pPr marL="2171700" lvl="4" indent="-342900">
+              <a:buFont typeface="+mj-lt"/>
+              <a:buAutoNum type="arabicPeriod"/>
+            </a:pPr>
+            <a:r>
+              <a:rPr lang="en-US" dirty="0"/>
+              <a:t>Consistency </a:t>
+            </a:r>
+          </a:p>
+          <a:p>
+            <a:pPr marL="1714500" lvl="3" indent="-342900">
+              <a:buFont typeface="+mj-lt"/>
+              <a:buAutoNum type="arabicPeriod"/>
+            </a:pPr>
+            <a:r>
+              <a:rPr lang="en-US" dirty="0"/>
+              <a:t>Row</a:t>
+            </a:r>
+          </a:p>
+          <a:p>
+            <a:pPr marL="2171700" lvl="4" indent="-342900">
+              <a:buFont typeface="+mj-lt"/>
+              <a:buAutoNum type="arabicPeriod"/>
+            </a:pPr>
+            <a:r>
+              <a:rPr lang="en-US" dirty="0"/>
+              <a:t>Identity</a:t>
+            </a:r>
+          </a:p>
+          <a:p>
+            <a:pPr marL="2171700" lvl="4" indent="-342900">
+              <a:buFont typeface="+mj-lt"/>
+              <a:buAutoNum type="arabicPeriod"/>
+            </a:pPr>
+            <a:r>
+              <a:rPr lang="en-US" dirty="0"/>
+              <a:t>Uniqueness</a:t>
+            </a:r>
+          </a:p>
+          <a:p>
+            <a:pPr marL="2171700" lvl="4" indent="-342900">
+              <a:buFont typeface="+mj-lt"/>
+              <a:buAutoNum type="arabicPeriod"/>
+            </a:pPr>
+            <a:r>
+              <a:rPr lang="en-US" dirty="0"/>
+              <a:t>References</a:t>
+            </a:r>
+          </a:p>
+          <a:p>
+            <a:pPr marL="1714500" lvl="3" indent="-342900">
+              <a:buFont typeface="+mj-lt"/>
+              <a:buAutoNum type="arabicPeriod"/>
+            </a:pPr>
+            <a:endParaRPr lang="en-US" dirty="0"/>
+          </a:p>
+          <a:p>
+            <a:pPr marL="800100" lvl="1" indent="-342900">
+              <a:buFont typeface="+mj-lt"/>
+              <a:buAutoNum type="arabicPeriod"/>
+            </a:pPr>
+            <a:r>
+              <a:rPr lang="en-US" dirty="0"/>
+              <a:t>Constraints</a:t>
+            </a:r>
+          </a:p>
+          <a:p>
+            <a:pPr marL="1257300" lvl="2" indent="-342900">
+              <a:buFont typeface="+mj-lt"/>
+              <a:buAutoNum type="arabicPeriod"/>
+            </a:pPr>
+            <a:r>
+              <a:rPr lang="en-US" dirty="0"/>
+              <a:t>Rules for Columns and Rows</a:t>
+            </a:r>
+          </a:p>
+          <a:p>
+            <a:pPr marL="800100" lvl="1" indent="-342900">
+              <a:buFont typeface="+mj-lt"/>
+              <a:buAutoNum type="arabicPeriod"/>
+            </a:pPr>
+            <a:r>
+              <a:rPr lang="en-US" dirty="0"/>
+              <a:t>Types</a:t>
+            </a:r>
+          </a:p>
+          <a:p>
+            <a:pPr marL="1257300" lvl="2" indent="-342900">
+              <a:buFont typeface="+mj-lt"/>
+              <a:buAutoNum type="arabicPeriod"/>
+            </a:pPr>
+            <a:r>
+              <a:rPr lang="en-US" dirty="0"/>
+              <a:t>The Data Format for Columns and used by rows</a:t>
+            </a:r>
+          </a:p>
+          <a:p>
+            <a:pPr marL="800100" lvl="1" indent="-342900">
+              <a:buFont typeface="+mj-lt"/>
+              <a:buAutoNum type="arabicPeriod"/>
+            </a:pPr>
+            <a:r>
+              <a:rPr lang="en-US" dirty="0"/>
+              <a:t>Length</a:t>
+            </a:r>
+          </a:p>
+          <a:p>
+            <a:pPr marL="1257300" lvl="2" indent="-342900">
+              <a:buFont typeface="+mj-lt"/>
+              <a:buAutoNum type="arabicPeriod"/>
+            </a:pPr>
+            <a:r>
+              <a:rPr lang="en-US" dirty="0"/>
+              <a:t>Max limit for each column based on its Type</a:t>
+            </a:r>
+          </a:p>
+          <a:p>
+            <a:pPr marL="800100" lvl="1" indent="-342900">
+              <a:buFont typeface="+mj-lt"/>
+              <a:buAutoNum type="arabicPeriod"/>
+            </a:pPr>
+            <a:r>
+              <a:rPr lang="en-US" dirty="0"/>
+              <a:t>Relations </a:t>
+            </a:r>
+          </a:p>
+          <a:p>
+            <a:pPr marL="1257300" lvl="2" indent="-342900">
+              <a:buFont typeface="+mj-lt"/>
+              <a:buAutoNum type="arabicPeriod"/>
+            </a:pPr>
+            <a:r>
+              <a:rPr lang="en-US" dirty="0"/>
+              <a:t>References across Tables for Consistent Data Persistence </a:t>
+            </a:r>
+          </a:p>
+          <a:p>
+            <a:endParaRPr lang="en-US" dirty="0"/>
+          </a:p>
+        </p:txBody>
+      </p:sp>
+    </p:spTree>
+    <p:extLst>
+      <p:ext uri="{BB962C8B-B14F-4D97-AF65-F5344CB8AC3E}">
+        <p14:creationId xmlns:p14="http://schemas.microsoft.com/office/powerpoint/2010/main" val="2375286700"/>
+      </p:ext>
+    </p:extLst>
+  </p:cSld>
+  <p:clrMapOvr>
+    <a:masterClrMapping/>
+  </p:clrMapOvr>
+</p:sld>
+</file>
+
+<file path=ppt/slides/slide21.xml><?xml version="1.0" encoding="utf-8"?>
+<p:sld xmlns:a="http://schemas.openxmlformats.org/drawingml/2006/main" xmlns:r="http://schemas.openxmlformats.org/officeDocument/2006/relationships" xmlns:p="http://schemas.openxmlformats.org/presentationml/2006/main">
+  <p:cSld>
+    <p:spTree>
+      <p:nvGrpSpPr>
+        <p:cNvPr id="1" name=""/>
+        <p:cNvGrpSpPr/>
+        <p:nvPr/>
+      </p:nvGrpSpPr>
+      <p:grpSpPr>
+        <a:xfrm>
+          <a:off x="0" y="0"/>
+          <a:ext cx="0" cy="0"/>
+          <a:chOff x="0" y="0"/>
+          <a:chExt cx="0" cy="0"/>
+        </a:xfrm>
+      </p:grpSpPr>
+      <p:sp>
+        <p:nvSpPr>
+          <p:cNvPr id="2" name="Oval 1">
+            <a:extLst>
+              <a:ext uri="{FF2B5EF4-FFF2-40B4-BE49-F238E27FC236}">
+                <a16:creationId xmlns:a16="http://schemas.microsoft.com/office/drawing/2014/main" id="{E5B16680-9DAB-DA4B-90D9-1645C64A3D88}"/>
+              </a:ext>
+            </a:extLst>
+          </p:cNvPr>
+          <p:cNvSpPr/>
+          <p:nvPr/>
+        </p:nvSpPr>
+        <p:spPr>
+          <a:xfrm>
+            <a:off x="200297" y="322217"/>
+            <a:ext cx="679269" cy="705394"/>
+          </a:xfrm>
+          <a:prstGeom prst="ellipse">
+            <a:avLst/>
+          </a:prstGeom>
+        </p:spPr>
+        <p:style>
+          <a:lnRef idx="2">
+            <a:schemeClr val="accent1">
+              <a:shade val="50000"/>
+            </a:schemeClr>
+          </a:lnRef>
+          <a:fillRef idx="1">
+            <a:schemeClr val="accent1"/>
+          </a:fillRef>
+          <a:effectRef idx="0">
+            <a:schemeClr val="accent1"/>
+          </a:effectRef>
+          <a:fontRef idx="minor">
+            <a:schemeClr val="lt1"/>
+          </a:fontRef>
+        </p:style>
+        <p:txBody>
+          <a:bodyPr rtlCol="0" anchor="ctr"/>
+          <a:lstStyle/>
+          <a:p>
+            <a:pPr algn="ctr"/>
+            <a:r>
+              <a:rPr lang="en-US" dirty="0"/>
+              <a:t>Go</a:t>
+            </a:r>
+          </a:p>
+        </p:txBody>
+      </p:sp>
+      <p:sp>
+        <p:nvSpPr>
+          <p:cNvPr id="4" name="Rounded Rectangle 3">
+            <a:extLst>
+              <a:ext uri="{FF2B5EF4-FFF2-40B4-BE49-F238E27FC236}">
+                <a16:creationId xmlns:a16="http://schemas.microsoft.com/office/drawing/2014/main" id="{43AD2BE6-2FCA-124D-85DF-B424FA20FCFF}"/>
+              </a:ext>
+            </a:extLst>
+          </p:cNvPr>
+          <p:cNvSpPr/>
+          <p:nvPr/>
+        </p:nvSpPr>
+        <p:spPr>
+          <a:xfrm>
+            <a:off x="1759131" y="322217"/>
+            <a:ext cx="1576252" cy="801189"/>
+          </a:xfrm>
+          <a:prstGeom prst="roundRect">
+            <a:avLst/>
+          </a:prstGeom>
+        </p:spPr>
+        <p:style>
+          <a:lnRef idx="2">
+            <a:schemeClr val="accent1">
+              <a:shade val="50000"/>
+            </a:schemeClr>
+          </a:lnRef>
+          <a:fillRef idx="1">
+            <a:schemeClr val="accent1"/>
+          </a:fillRef>
+          <a:effectRef idx="0">
+            <a:schemeClr val="accent1"/>
+          </a:effectRef>
+          <a:fontRef idx="minor">
+            <a:schemeClr val="lt1"/>
+          </a:fontRef>
+        </p:style>
+        <p:txBody>
+          <a:bodyPr rtlCol="0" anchor="ctr"/>
+          <a:lstStyle/>
+          <a:p>
+            <a:pPr algn="ctr"/>
+            <a:r>
+              <a:rPr lang="en-US" dirty="0"/>
+              <a:t>Patient</a:t>
+            </a:r>
+          </a:p>
+          <a:p>
+            <a:pPr algn="ctr"/>
+            <a:r>
+              <a:rPr lang="en-US" dirty="0"/>
+              <a:t>Registration</a:t>
+            </a:r>
+          </a:p>
+          <a:p>
+            <a:pPr algn="ctr"/>
+            <a:r>
+              <a:rPr lang="en-US" dirty="0" err="1"/>
+              <a:t>PatientMaster</a:t>
+            </a:r>
+            <a:endParaRPr lang="en-US" dirty="0"/>
+          </a:p>
+        </p:txBody>
+      </p:sp>
+      <p:sp>
+        <p:nvSpPr>
+          <p:cNvPr id="5" name="Rounded Rectangle 4">
+            <a:extLst>
+              <a:ext uri="{FF2B5EF4-FFF2-40B4-BE49-F238E27FC236}">
+                <a16:creationId xmlns:a16="http://schemas.microsoft.com/office/drawing/2014/main" id="{869F3D9D-D900-D049-AC95-2AF589A89377}"/>
+              </a:ext>
+            </a:extLst>
+          </p:cNvPr>
+          <p:cNvSpPr/>
+          <p:nvPr/>
+        </p:nvSpPr>
+        <p:spPr>
+          <a:xfrm>
+            <a:off x="4214948" y="370114"/>
+            <a:ext cx="1576252" cy="801189"/>
+          </a:xfrm>
+          <a:prstGeom prst="roundRect">
+            <a:avLst/>
+          </a:prstGeom>
+        </p:spPr>
+        <p:style>
+          <a:lnRef idx="2">
+            <a:schemeClr val="accent1">
+              <a:shade val="50000"/>
+            </a:schemeClr>
+          </a:lnRef>
+          <a:fillRef idx="1">
+            <a:schemeClr val="accent1"/>
+          </a:fillRef>
+          <a:effectRef idx="0">
+            <a:schemeClr val="accent1"/>
+          </a:effectRef>
+          <a:fontRef idx="minor">
+            <a:schemeClr val="lt1"/>
+          </a:fontRef>
+        </p:style>
+        <p:txBody>
+          <a:bodyPr rtlCol="0" anchor="ctr"/>
+          <a:lstStyle/>
+          <a:p>
+            <a:pPr algn="ctr"/>
+            <a:r>
+              <a:rPr lang="en-US" sz="1600" dirty="0"/>
+              <a:t>Assign Doctor</a:t>
+            </a:r>
+          </a:p>
+          <a:p>
+            <a:pPr algn="ctr"/>
+            <a:r>
+              <a:rPr lang="en-US" sz="1600" dirty="0" err="1"/>
+              <a:t>DoctorMaster</a:t>
+            </a:r>
+            <a:endParaRPr lang="en-US" sz="1600" dirty="0"/>
+          </a:p>
+        </p:txBody>
+      </p:sp>
+      <p:sp>
+        <p:nvSpPr>
+          <p:cNvPr id="6" name="Rounded Rectangle 5">
+            <a:extLst>
+              <a:ext uri="{FF2B5EF4-FFF2-40B4-BE49-F238E27FC236}">
+                <a16:creationId xmlns:a16="http://schemas.microsoft.com/office/drawing/2014/main" id="{53655E7F-9809-064D-8ED7-5BA7E0E2696E}"/>
+              </a:ext>
+            </a:extLst>
+          </p:cNvPr>
+          <p:cNvSpPr/>
+          <p:nvPr/>
+        </p:nvSpPr>
+        <p:spPr>
+          <a:xfrm>
+            <a:off x="6474823" y="370114"/>
+            <a:ext cx="1576252" cy="801189"/>
+          </a:xfrm>
+          <a:prstGeom prst="roundRect">
+            <a:avLst/>
+          </a:prstGeom>
+        </p:spPr>
+        <p:style>
+          <a:lnRef idx="2">
+            <a:schemeClr val="accent1">
+              <a:shade val="50000"/>
+            </a:schemeClr>
+          </a:lnRef>
+          <a:fillRef idx="1">
+            <a:schemeClr val="accent1"/>
+          </a:fillRef>
+          <a:effectRef idx="0">
+            <a:schemeClr val="accent1"/>
+          </a:effectRef>
+          <a:fontRef idx="minor">
+            <a:schemeClr val="lt1"/>
+          </a:fontRef>
+        </p:style>
+        <p:txBody>
+          <a:bodyPr rtlCol="0" anchor="ctr"/>
+          <a:lstStyle/>
+          <a:p>
+            <a:pPr algn="ctr"/>
+            <a:r>
+              <a:rPr lang="en-US" dirty="0"/>
+              <a:t>Diagnose</a:t>
+            </a:r>
+          </a:p>
+          <a:p>
+            <a:pPr algn="ctr"/>
+            <a:r>
+              <a:rPr lang="en-US" dirty="0"/>
+              <a:t>Diagnose Master</a:t>
+            </a:r>
+          </a:p>
+        </p:txBody>
+      </p:sp>
+      <p:sp>
+        <p:nvSpPr>
+          <p:cNvPr id="7" name="Rounded Rectangle 6">
+            <a:extLst>
+              <a:ext uri="{FF2B5EF4-FFF2-40B4-BE49-F238E27FC236}">
+                <a16:creationId xmlns:a16="http://schemas.microsoft.com/office/drawing/2014/main" id="{77A37C19-39B3-B449-B723-A9DC5F15ED80}"/>
+              </a:ext>
+            </a:extLst>
+          </p:cNvPr>
+          <p:cNvSpPr/>
+          <p:nvPr/>
+        </p:nvSpPr>
+        <p:spPr>
+          <a:xfrm>
+            <a:off x="9392196" y="139336"/>
+            <a:ext cx="1576252" cy="801189"/>
+          </a:xfrm>
+          <a:prstGeom prst="roundRect">
+            <a:avLst/>
+          </a:prstGeom>
+        </p:spPr>
+        <p:style>
+          <a:lnRef idx="2">
+            <a:schemeClr val="accent1">
+              <a:shade val="50000"/>
+            </a:schemeClr>
+          </a:lnRef>
+          <a:fillRef idx="1">
+            <a:schemeClr val="accent1"/>
+          </a:fillRef>
+          <a:effectRef idx="0">
+            <a:schemeClr val="accent1"/>
+          </a:effectRef>
+          <a:fontRef idx="minor">
+            <a:schemeClr val="lt1"/>
+          </a:fontRef>
+        </p:style>
+        <p:txBody>
+          <a:bodyPr rtlCol="0" anchor="ctr"/>
+          <a:lstStyle/>
+          <a:p>
+            <a:pPr algn="ctr"/>
+            <a:r>
+              <a:rPr lang="en-US" dirty="0"/>
+              <a:t>OPD</a:t>
+            </a:r>
+          </a:p>
+        </p:txBody>
+      </p:sp>
+      <p:sp>
+        <p:nvSpPr>
+          <p:cNvPr id="8" name="Rounded Rectangle 7">
+            <a:extLst>
+              <a:ext uri="{FF2B5EF4-FFF2-40B4-BE49-F238E27FC236}">
+                <a16:creationId xmlns:a16="http://schemas.microsoft.com/office/drawing/2014/main" id="{7C36E772-B56D-B647-A327-6DF665FB1826}"/>
+              </a:ext>
+            </a:extLst>
+          </p:cNvPr>
+          <p:cNvSpPr/>
+          <p:nvPr/>
+        </p:nvSpPr>
+        <p:spPr>
+          <a:xfrm>
+            <a:off x="9392196" y="1685107"/>
+            <a:ext cx="1576252" cy="801189"/>
+          </a:xfrm>
+          <a:prstGeom prst="roundRect">
+            <a:avLst/>
+          </a:prstGeom>
+        </p:spPr>
+        <p:style>
+          <a:lnRef idx="2">
+            <a:schemeClr val="accent1">
+              <a:shade val="50000"/>
+            </a:schemeClr>
+          </a:lnRef>
+          <a:fillRef idx="1">
+            <a:schemeClr val="accent1"/>
+          </a:fillRef>
+          <a:effectRef idx="0">
+            <a:schemeClr val="accent1"/>
+          </a:effectRef>
+          <a:fontRef idx="minor">
+            <a:schemeClr val="lt1"/>
+          </a:fontRef>
+        </p:style>
+        <p:txBody>
+          <a:bodyPr rtlCol="0" anchor="ctr"/>
+          <a:lstStyle/>
+          <a:p>
+            <a:pPr algn="ctr"/>
+            <a:r>
+              <a:rPr lang="en-US" dirty="0"/>
+              <a:t>IPD</a:t>
+            </a:r>
+          </a:p>
+        </p:txBody>
+      </p:sp>
+      <p:sp>
+        <p:nvSpPr>
+          <p:cNvPr id="9" name="Rounded Rectangle 8">
+            <a:extLst>
+              <a:ext uri="{FF2B5EF4-FFF2-40B4-BE49-F238E27FC236}">
+                <a16:creationId xmlns:a16="http://schemas.microsoft.com/office/drawing/2014/main" id="{B3E0606B-96BD-0D40-8C81-1A22AB58F41B}"/>
+              </a:ext>
+            </a:extLst>
+          </p:cNvPr>
+          <p:cNvSpPr/>
+          <p:nvPr/>
+        </p:nvSpPr>
+        <p:spPr>
+          <a:xfrm>
+            <a:off x="6474823" y="1968135"/>
+            <a:ext cx="1576252" cy="801189"/>
+          </a:xfrm>
+          <a:prstGeom prst="roundRect">
+            <a:avLst/>
+          </a:prstGeom>
+        </p:spPr>
+        <p:style>
+          <a:lnRef idx="2">
+            <a:schemeClr val="accent1">
+              <a:shade val="50000"/>
+            </a:schemeClr>
+          </a:lnRef>
+          <a:fillRef idx="1">
+            <a:schemeClr val="accent1"/>
+          </a:fillRef>
+          <a:effectRef idx="0">
+            <a:schemeClr val="accent1"/>
+          </a:effectRef>
+          <a:fontRef idx="minor">
+            <a:schemeClr val="lt1"/>
+          </a:fontRef>
+        </p:style>
+        <p:txBody>
+          <a:bodyPr rtlCol="0" anchor="ctr"/>
+          <a:lstStyle/>
+          <a:p>
+            <a:pPr algn="ctr"/>
+            <a:r>
+              <a:rPr lang="en-US" dirty="0"/>
+              <a:t>Assign Room\</a:t>
+            </a:r>
+            <a:r>
+              <a:rPr lang="en-US" dirty="0" err="1"/>
+              <a:t>RoomMaster</a:t>
+            </a:r>
+            <a:endParaRPr lang="en-US" dirty="0"/>
+          </a:p>
+        </p:txBody>
+      </p:sp>
+      <p:sp>
+        <p:nvSpPr>
+          <p:cNvPr id="10" name="Rounded Rectangle 9">
+            <a:extLst>
+              <a:ext uri="{FF2B5EF4-FFF2-40B4-BE49-F238E27FC236}">
+                <a16:creationId xmlns:a16="http://schemas.microsoft.com/office/drawing/2014/main" id="{EAABDFF1-A4F9-4C4A-B7DA-66AB8F77ABCC}"/>
+              </a:ext>
+            </a:extLst>
+          </p:cNvPr>
+          <p:cNvSpPr/>
+          <p:nvPr/>
+        </p:nvSpPr>
+        <p:spPr>
+          <a:xfrm>
+            <a:off x="4214948" y="1968134"/>
+            <a:ext cx="1576252" cy="801189"/>
+          </a:xfrm>
+          <a:prstGeom prst="roundRect">
+            <a:avLst/>
+          </a:prstGeom>
+        </p:spPr>
+        <p:style>
+          <a:lnRef idx="2">
+            <a:schemeClr val="accent1">
+              <a:shade val="50000"/>
+            </a:schemeClr>
+          </a:lnRef>
+          <a:fillRef idx="1">
+            <a:schemeClr val="accent1"/>
+          </a:fillRef>
+          <a:effectRef idx="0">
+            <a:schemeClr val="accent1"/>
+          </a:effectRef>
+          <a:fontRef idx="minor">
+            <a:schemeClr val="lt1"/>
+          </a:fontRef>
+        </p:style>
+        <p:txBody>
+          <a:bodyPr rtlCol="0" anchor="ctr"/>
+          <a:lstStyle/>
+          <a:p>
+            <a:pPr algn="ctr"/>
+            <a:r>
+              <a:rPr lang="en-US" dirty="0"/>
+              <a:t>Nurse Allocation</a:t>
+            </a:r>
+          </a:p>
+          <a:p>
+            <a:pPr algn="ctr"/>
+            <a:r>
+              <a:rPr lang="en-US" dirty="0" err="1"/>
+              <a:t>NurseMaster</a:t>
+            </a:r>
+            <a:endParaRPr lang="en-US" dirty="0"/>
+          </a:p>
+        </p:txBody>
+      </p:sp>
+      <p:sp>
+        <p:nvSpPr>
+          <p:cNvPr id="11" name="Rounded Rectangle 10">
+            <a:extLst>
+              <a:ext uri="{FF2B5EF4-FFF2-40B4-BE49-F238E27FC236}">
+                <a16:creationId xmlns:a16="http://schemas.microsoft.com/office/drawing/2014/main" id="{D1C28181-E8B6-2B46-B674-E34435C8CFE0}"/>
+              </a:ext>
+            </a:extLst>
+          </p:cNvPr>
+          <p:cNvSpPr/>
+          <p:nvPr/>
+        </p:nvSpPr>
+        <p:spPr>
+          <a:xfrm>
+            <a:off x="1759131" y="1902820"/>
+            <a:ext cx="1576252" cy="801189"/>
+          </a:xfrm>
+          <a:prstGeom prst="roundRect">
+            <a:avLst/>
+          </a:prstGeom>
+        </p:spPr>
+        <p:style>
+          <a:lnRef idx="2">
+            <a:schemeClr val="accent1">
+              <a:shade val="50000"/>
+            </a:schemeClr>
+          </a:lnRef>
+          <a:fillRef idx="1">
+            <a:schemeClr val="accent1"/>
+          </a:fillRef>
+          <a:effectRef idx="0">
+            <a:schemeClr val="accent1"/>
+          </a:effectRef>
+          <a:fontRef idx="minor">
+            <a:schemeClr val="lt1"/>
+          </a:fontRef>
+        </p:style>
+        <p:txBody>
+          <a:bodyPr rtlCol="0" anchor="ctr"/>
+          <a:lstStyle/>
+          <a:p>
+            <a:pPr algn="ctr"/>
+            <a:r>
+              <a:rPr lang="en-US" dirty="0"/>
+              <a:t>Room Operations</a:t>
+            </a:r>
+          </a:p>
+        </p:txBody>
+      </p:sp>
+      <p:sp>
+        <p:nvSpPr>
+          <p:cNvPr id="12" name="Rounded Rectangle 11">
+            <a:extLst>
+              <a:ext uri="{FF2B5EF4-FFF2-40B4-BE49-F238E27FC236}">
+                <a16:creationId xmlns:a16="http://schemas.microsoft.com/office/drawing/2014/main" id="{7A0C9ED9-E497-334D-AF4A-90D151A9BD6A}"/>
+              </a:ext>
+            </a:extLst>
+          </p:cNvPr>
+          <p:cNvSpPr/>
+          <p:nvPr/>
+        </p:nvSpPr>
+        <p:spPr>
+          <a:xfrm>
+            <a:off x="165462" y="3148152"/>
+            <a:ext cx="1576252" cy="801189"/>
+          </a:xfrm>
+          <a:prstGeom prst="roundRect">
+            <a:avLst/>
+          </a:prstGeom>
+        </p:spPr>
+        <p:style>
+          <a:lnRef idx="2">
+            <a:schemeClr val="accent1">
+              <a:shade val="50000"/>
+            </a:schemeClr>
+          </a:lnRef>
+          <a:fillRef idx="1">
+            <a:schemeClr val="accent1"/>
+          </a:fillRef>
+          <a:effectRef idx="0">
+            <a:schemeClr val="accent1"/>
+          </a:effectRef>
+          <a:fontRef idx="minor">
+            <a:schemeClr val="lt1"/>
+          </a:fontRef>
+        </p:style>
+        <p:txBody>
+          <a:bodyPr rtlCol="0" anchor="ctr"/>
+          <a:lstStyle/>
+          <a:p>
+            <a:pPr algn="ctr"/>
+            <a:r>
+              <a:rPr lang="en-US" dirty="0"/>
+              <a:t>Doctor Visit</a:t>
+            </a:r>
+          </a:p>
+          <a:p>
+            <a:pPr algn="ctr"/>
+            <a:r>
+              <a:rPr lang="en-US" dirty="0" err="1"/>
+              <a:t>VisitMasterTx</a:t>
+            </a:r>
+            <a:endParaRPr lang="en-US" dirty="0"/>
+          </a:p>
+        </p:txBody>
+      </p:sp>
+      <p:sp>
+        <p:nvSpPr>
+          <p:cNvPr id="13" name="Rounded Rectangle 12">
+            <a:extLst>
+              <a:ext uri="{FF2B5EF4-FFF2-40B4-BE49-F238E27FC236}">
+                <a16:creationId xmlns:a16="http://schemas.microsoft.com/office/drawing/2014/main" id="{4D499392-E8CE-2943-8785-83FC94E58296}"/>
+              </a:ext>
+            </a:extLst>
+          </p:cNvPr>
+          <p:cNvSpPr/>
+          <p:nvPr/>
+        </p:nvSpPr>
+        <p:spPr>
+          <a:xfrm>
+            <a:off x="182878" y="4123512"/>
+            <a:ext cx="1802675" cy="801189"/>
+          </a:xfrm>
+          <a:prstGeom prst="roundRect">
+            <a:avLst/>
+          </a:prstGeom>
+        </p:spPr>
+        <p:style>
+          <a:lnRef idx="2">
+            <a:schemeClr val="accent1">
+              <a:shade val="50000"/>
+            </a:schemeClr>
+          </a:lnRef>
+          <a:fillRef idx="1">
+            <a:schemeClr val="accent1"/>
+          </a:fillRef>
+          <a:effectRef idx="0">
+            <a:schemeClr val="accent1"/>
+          </a:effectRef>
+          <a:fontRef idx="minor">
+            <a:schemeClr val="lt1"/>
+          </a:fontRef>
+        </p:style>
+        <p:txBody>
+          <a:bodyPr rtlCol="0" anchor="ctr"/>
+          <a:lstStyle/>
+          <a:p>
+            <a:pPr algn="ctr"/>
+            <a:r>
+              <a:rPr lang="en-US" dirty="0"/>
+              <a:t>Medicine Provided </a:t>
+            </a:r>
+            <a:r>
+              <a:rPr lang="en-US" dirty="0" err="1"/>
+              <a:t>PharmacyMaster</a:t>
+            </a:r>
+            <a:endParaRPr lang="en-US" dirty="0"/>
+          </a:p>
+        </p:txBody>
+      </p:sp>
+      <p:sp>
+        <p:nvSpPr>
+          <p:cNvPr id="14" name="Rounded Rectangle 13">
+            <a:extLst>
+              <a:ext uri="{FF2B5EF4-FFF2-40B4-BE49-F238E27FC236}">
+                <a16:creationId xmlns:a16="http://schemas.microsoft.com/office/drawing/2014/main" id="{16201492-607D-204B-A27C-A4CDB177F84D}"/>
+              </a:ext>
+            </a:extLst>
+          </p:cNvPr>
+          <p:cNvSpPr/>
+          <p:nvPr/>
+        </p:nvSpPr>
+        <p:spPr>
+          <a:xfrm>
+            <a:off x="165462" y="5098872"/>
+            <a:ext cx="1811384" cy="801189"/>
+          </a:xfrm>
+          <a:prstGeom prst="roundRect">
+            <a:avLst/>
+          </a:prstGeom>
+        </p:spPr>
+        <p:style>
+          <a:lnRef idx="2">
+            <a:schemeClr val="accent1">
+              <a:shade val="50000"/>
+            </a:schemeClr>
+          </a:lnRef>
+          <a:fillRef idx="1">
+            <a:schemeClr val="accent1"/>
+          </a:fillRef>
+          <a:effectRef idx="0">
+            <a:schemeClr val="accent1"/>
+          </a:effectRef>
+          <a:fontRef idx="minor">
+            <a:schemeClr val="lt1"/>
+          </a:fontRef>
+        </p:style>
+        <p:txBody>
+          <a:bodyPr rtlCol="0" anchor="ctr"/>
+          <a:lstStyle/>
+          <a:p>
+            <a:pPr algn="ctr"/>
+            <a:r>
+              <a:rPr lang="en-US" dirty="0"/>
+              <a:t>Housekeeping</a:t>
+            </a:r>
+          </a:p>
+          <a:p>
+            <a:pPr algn="ctr"/>
+            <a:r>
+              <a:rPr lang="en-US" dirty="0" err="1"/>
+              <a:t>WarbodyMaster</a:t>
+            </a:r>
+            <a:endParaRPr lang="en-US" dirty="0"/>
+          </a:p>
+        </p:txBody>
+      </p:sp>
+      <p:sp>
+        <p:nvSpPr>
+          <p:cNvPr id="15" name="Rounded Rectangle 14">
+            <a:extLst>
+              <a:ext uri="{FF2B5EF4-FFF2-40B4-BE49-F238E27FC236}">
+                <a16:creationId xmlns:a16="http://schemas.microsoft.com/office/drawing/2014/main" id="{D7D8D82E-A749-A148-ACAF-FE2BEDF4869E}"/>
+              </a:ext>
+            </a:extLst>
+          </p:cNvPr>
+          <p:cNvSpPr/>
+          <p:nvPr/>
+        </p:nvSpPr>
+        <p:spPr>
+          <a:xfrm>
+            <a:off x="4019006" y="3955872"/>
+            <a:ext cx="1894113" cy="801189"/>
+          </a:xfrm>
+          <a:prstGeom prst="roundRect">
+            <a:avLst/>
+          </a:prstGeom>
+        </p:spPr>
+        <p:style>
+          <a:lnRef idx="2">
+            <a:schemeClr val="accent1">
+              <a:shade val="50000"/>
+            </a:schemeClr>
+          </a:lnRef>
+          <a:fillRef idx="1">
+            <a:schemeClr val="accent1"/>
+          </a:fillRef>
+          <a:effectRef idx="0">
+            <a:schemeClr val="accent1"/>
+          </a:effectRef>
+          <a:fontRef idx="minor">
+            <a:schemeClr val="lt1"/>
+          </a:fontRef>
+        </p:style>
+        <p:txBody>
+          <a:bodyPr rtlCol="0" anchor="ctr"/>
+          <a:lstStyle/>
+          <a:p>
+            <a:pPr algn="ctr"/>
+            <a:r>
+              <a:rPr lang="en-US" dirty="0"/>
+              <a:t>Discharge</a:t>
+            </a:r>
+          </a:p>
+          <a:p>
+            <a:pPr algn="ctr"/>
+            <a:r>
+              <a:rPr lang="en-US" dirty="0" err="1"/>
+              <a:t>DiscthargeTx</a:t>
+            </a:r>
+            <a:endParaRPr lang="en-US" dirty="0"/>
+          </a:p>
+        </p:txBody>
+      </p:sp>
+      <p:sp>
+        <p:nvSpPr>
+          <p:cNvPr id="16" name="Rounded Rectangle 15">
+            <a:extLst>
+              <a:ext uri="{FF2B5EF4-FFF2-40B4-BE49-F238E27FC236}">
+                <a16:creationId xmlns:a16="http://schemas.microsoft.com/office/drawing/2014/main" id="{799AC2F3-B35E-7343-A222-0E5A8D9BE569}"/>
+              </a:ext>
+            </a:extLst>
+          </p:cNvPr>
+          <p:cNvSpPr/>
+          <p:nvPr/>
+        </p:nvSpPr>
+        <p:spPr>
+          <a:xfrm>
+            <a:off x="6474823" y="3955872"/>
+            <a:ext cx="1576252" cy="801189"/>
+          </a:xfrm>
+          <a:prstGeom prst="roundRect">
+            <a:avLst/>
+          </a:prstGeom>
+        </p:spPr>
+        <p:style>
+          <a:lnRef idx="2">
+            <a:schemeClr val="accent1">
+              <a:shade val="50000"/>
+            </a:schemeClr>
+          </a:lnRef>
+          <a:fillRef idx="1">
+            <a:schemeClr val="accent1"/>
+          </a:fillRef>
+          <a:effectRef idx="0">
+            <a:schemeClr val="accent1"/>
+          </a:effectRef>
+          <a:fontRef idx="minor">
+            <a:schemeClr val="lt1"/>
+          </a:fontRef>
+        </p:style>
+        <p:txBody>
+          <a:bodyPr rtlCol="0" anchor="ctr"/>
+          <a:lstStyle/>
+          <a:p>
+            <a:pPr algn="ctr"/>
+            <a:r>
+              <a:rPr lang="en-US" dirty="0"/>
+              <a:t>Billing</a:t>
+            </a:r>
+          </a:p>
+          <a:p>
+            <a:pPr algn="ctr"/>
+            <a:r>
+              <a:rPr lang="en-US" dirty="0"/>
+              <a:t>Accounting</a:t>
+            </a:r>
+          </a:p>
+        </p:txBody>
+      </p:sp>
+      <p:sp>
+        <p:nvSpPr>
+          <p:cNvPr id="17" name="Oval 16">
+            <a:extLst>
+              <a:ext uri="{FF2B5EF4-FFF2-40B4-BE49-F238E27FC236}">
+                <a16:creationId xmlns:a16="http://schemas.microsoft.com/office/drawing/2014/main" id="{E744652D-36DE-114A-B09E-9EBAEC800B4F}"/>
+              </a:ext>
+            </a:extLst>
+          </p:cNvPr>
+          <p:cNvSpPr/>
+          <p:nvPr/>
+        </p:nvSpPr>
+        <p:spPr>
+          <a:xfrm>
+            <a:off x="9840687" y="4003769"/>
+            <a:ext cx="879564" cy="705394"/>
+          </a:xfrm>
+          <a:prstGeom prst="ellipse">
+            <a:avLst/>
+          </a:prstGeom>
+        </p:spPr>
+        <p:style>
+          <a:lnRef idx="2">
+            <a:schemeClr val="accent1">
+              <a:shade val="50000"/>
+            </a:schemeClr>
+          </a:lnRef>
+          <a:fillRef idx="1">
+            <a:schemeClr val="accent1"/>
+          </a:fillRef>
+          <a:effectRef idx="0">
+            <a:schemeClr val="accent1"/>
+          </a:effectRef>
+          <a:fontRef idx="minor">
+            <a:schemeClr val="lt1"/>
+          </a:fontRef>
+        </p:style>
+        <p:txBody>
+          <a:bodyPr rtlCol="0" anchor="ctr"/>
+          <a:lstStyle/>
+          <a:p>
+            <a:pPr algn="ctr"/>
+            <a:r>
+              <a:rPr lang="en-US" dirty="0"/>
+              <a:t>Stop</a:t>
+            </a:r>
+          </a:p>
+        </p:txBody>
+      </p:sp>
+      <p:cxnSp>
+        <p:nvCxnSpPr>
+          <p:cNvPr id="19" name="Straight Arrow Connector 18">
+            <a:extLst>
+              <a:ext uri="{FF2B5EF4-FFF2-40B4-BE49-F238E27FC236}">
+                <a16:creationId xmlns:a16="http://schemas.microsoft.com/office/drawing/2014/main" id="{BB20093F-05C7-7C43-8375-6A15FB5F60E2}"/>
+              </a:ext>
+            </a:extLst>
+          </p:cNvPr>
+          <p:cNvCxnSpPr>
+            <a:stCxn id="2" idx="6"/>
+            <a:endCxn id="4" idx="1"/>
+          </p:cNvCxnSpPr>
+          <p:nvPr/>
+        </p:nvCxnSpPr>
+        <p:spPr>
+          <a:xfrm>
+            <a:off x="879566" y="674914"/>
+            <a:ext cx="879565" cy="47898"/>
+          </a:xfrm>
+          <a:prstGeom prst="straightConnector1">
+            <a:avLst/>
+          </a:prstGeom>
+          <a:ln>
+            <a:tailEnd type="triangle"/>
+          </a:ln>
+        </p:spPr>
+        <p:style>
+          <a:lnRef idx="1">
+            <a:schemeClr val="accent1"/>
+          </a:lnRef>
+          <a:fillRef idx="0">
+            <a:schemeClr val="accent1"/>
+          </a:fillRef>
+          <a:effectRef idx="0">
+            <a:schemeClr val="accent1"/>
+          </a:effectRef>
+          <a:fontRef idx="minor">
+            <a:schemeClr val="tx1"/>
+          </a:fontRef>
+        </p:style>
+      </p:cxnSp>
+      <p:cxnSp>
+        <p:nvCxnSpPr>
+          <p:cNvPr id="21" name="Straight Arrow Connector 20">
+            <a:extLst>
+              <a:ext uri="{FF2B5EF4-FFF2-40B4-BE49-F238E27FC236}">
+                <a16:creationId xmlns:a16="http://schemas.microsoft.com/office/drawing/2014/main" id="{87ADCE49-7876-9D40-80AF-D81E8FCC3A71}"/>
+              </a:ext>
+            </a:extLst>
+          </p:cNvPr>
+          <p:cNvCxnSpPr>
+            <a:stCxn id="4" idx="3"/>
+            <a:endCxn id="5" idx="1"/>
+          </p:cNvCxnSpPr>
+          <p:nvPr/>
+        </p:nvCxnSpPr>
+        <p:spPr>
+          <a:xfrm>
+            <a:off x="3335383" y="722812"/>
+            <a:ext cx="879565" cy="47897"/>
+          </a:xfrm>
+          <a:prstGeom prst="straightConnector1">
+            <a:avLst/>
+          </a:prstGeom>
+          <a:ln>
+            <a:tailEnd type="triangle"/>
+          </a:ln>
+        </p:spPr>
+        <p:style>
+          <a:lnRef idx="1">
+            <a:schemeClr val="accent1"/>
+          </a:lnRef>
+          <a:fillRef idx="0">
+            <a:schemeClr val="accent1"/>
+          </a:fillRef>
+          <a:effectRef idx="0">
+            <a:schemeClr val="accent1"/>
+          </a:effectRef>
+          <a:fontRef idx="minor">
+            <a:schemeClr val="tx1"/>
+          </a:fontRef>
+        </p:style>
+      </p:cxnSp>
+      <p:cxnSp>
+        <p:nvCxnSpPr>
+          <p:cNvPr id="23" name="Straight Arrow Connector 22">
+            <a:extLst>
+              <a:ext uri="{FF2B5EF4-FFF2-40B4-BE49-F238E27FC236}">
+                <a16:creationId xmlns:a16="http://schemas.microsoft.com/office/drawing/2014/main" id="{FBAF6B1B-762F-7F43-99F5-7451597AA612}"/>
+              </a:ext>
+            </a:extLst>
+          </p:cNvPr>
+          <p:cNvCxnSpPr>
+            <a:stCxn id="5" idx="3"/>
+            <a:endCxn id="6" idx="1"/>
+          </p:cNvCxnSpPr>
+          <p:nvPr/>
+        </p:nvCxnSpPr>
+        <p:spPr>
+          <a:xfrm>
+            <a:off x="5791200" y="770709"/>
+            <a:ext cx="683623" cy="0"/>
+          </a:xfrm>
+          <a:prstGeom prst="straightConnector1">
+            <a:avLst/>
+          </a:prstGeom>
+          <a:ln>
+            <a:tailEnd type="triangle"/>
+          </a:ln>
+        </p:spPr>
+        <p:style>
+          <a:lnRef idx="1">
+            <a:schemeClr val="accent1"/>
+          </a:lnRef>
+          <a:fillRef idx="0">
+            <a:schemeClr val="accent1"/>
+          </a:fillRef>
+          <a:effectRef idx="0">
+            <a:schemeClr val="accent1"/>
+          </a:effectRef>
+          <a:fontRef idx="minor">
+            <a:schemeClr val="tx1"/>
+          </a:fontRef>
+        </p:style>
+      </p:cxnSp>
+      <p:cxnSp>
+        <p:nvCxnSpPr>
+          <p:cNvPr id="25" name="Straight Arrow Connector 24">
+            <a:extLst>
+              <a:ext uri="{FF2B5EF4-FFF2-40B4-BE49-F238E27FC236}">
+                <a16:creationId xmlns:a16="http://schemas.microsoft.com/office/drawing/2014/main" id="{869B5C7B-3DDF-3544-BDF0-457AC93A8B3B}"/>
+              </a:ext>
+            </a:extLst>
+          </p:cNvPr>
+          <p:cNvCxnSpPr>
+            <a:stCxn id="6" idx="3"/>
+            <a:endCxn id="7" idx="1"/>
+          </p:cNvCxnSpPr>
+          <p:nvPr/>
+        </p:nvCxnSpPr>
+        <p:spPr>
+          <a:xfrm flipV="1">
+            <a:off x="8051075" y="539931"/>
+            <a:ext cx="1341121" cy="230778"/>
+          </a:xfrm>
+          <a:prstGeom prst="straightConnector1">
+            <a:avLst/>
+          </a:prstGeom>
+          <a:ln>
+            <a:tailEnd type="triangle"/>
+          </a:ln>
+        </p:spPr>
+        <p:style>
+          <a:lnRef idx="1">
+            <a:schemeClr val="accent1"/>
+          </a:lnRef>
+          <a:fillRef idx="0">
+            <a:schemeClr val="accent1"/>
+          </a:fillRef>
+          <a:effectRef idx="0">
+            <a:schemeClr val="accent1"/>
+          </a:effectRef>
+          <a:fontRef idx="minor">
+            <a:schemeClr val="tx1"/>
+          </a:fontRef>
+        </p:style>
+      </p:cxnSp>
+      <p:cxnSp>
+        <p:nvCxnSpPr>
+          <p:cNvPr id="27" name="Straight Arrow Connector 26">
+            <a:extLst>
+              <a:ext uri="{FF2B5EF4-FFF2-40B4-BE49-F238E27FC236}">
+                <a16:creationId xmlns:a16="http://schemas.microsoft.com/office/drawing/2014/main" id="{254C323F-3EF9-6949-BCA8-416130A47460}"/>
+              </a:ext>
+            </a:extLst>
+          </p:cNvPr>
+          <p:cNvCxnSpPr>
+            <a:stCxn id="6" idx="3"/>
+            <a:endCxn id="8" idx="1"/>
+          </p:cNvCxnSpPr>
+          <p:nvPr/>
+        </p:nvCxnSpPr>
+        <p:spPr>
+          <a:xfrm>
+            <a:off x="8051075" y="770709"/>
+            <a:ext cx="1341121" cy="1314993"/>
+          </a:xfrm>
+          <a:prstGeom prst="straightConnector1">
+            <a:avLst/>
+          </a:prstGeom>
+          <a:ln>
+            <a:tailEnd type="triangle"/>
+          </a:ln>
+        </p:spPr>
+        <p:style>
+          <a:lnRef idx="1">
+            <a:schemeClr val="accent1"/>
+          </a:lnRef>
+          <a:fillRef idx="0">
+            <a:schemeClr val="accent1"/>
+          </a:fillRef>
+          <a:effectRef idx="0">
+            <a:schemeClr val="accent1"/>
+          </a:effectRef>
+          <a:fontRef idx="minor">
+            <a:schemeClr val="tx1"/>
+          </a:fontRef>
+        </p:style>
+      </p:cxnSp>
+      <p:cxnSp>
+        <p:nvCxnSpPr>
+          <p:cNvPr id="29" name="Straight Arrow Connector 28">
+            <a:extLst>
+              <a:ext uri="{FF2B5EF4-FFF2-40B4-BE49-F238E27FC236}">
+                <a16:creationId xmlns:a16="http://schemas.microsoft.com/office/drawing/2014/main" id="{76946C73-DDB3-8C44-8276-F7AA34708EA2}"/>
+              </a:ext>
+            </a:extLst>
+          </p:cNvPr>
+          <p:cNvCxnSpPr>
+            <a:stCxn id="7" idx="2"/>
+            <a:endCxn id="16" idx="0"/>
+          </p:cNvCxnSpPr>
+          <p:nvPr/>
+        </p:nvCxnSpPr>
+        <p:spPr>
+          <a:xfrm flipH="1">
+            <a:off x="7262949" y="940525"/>
+            <a:ext cx="2917373" cy="3015347"/>
+          </a:xfrm>
+          <a:prstGeom prst="straightConnector1">
+            <a:avLst/>
+          </a:prstGeom>
+          <a:ln>
+            <a:tailEnd type="triangle"/>
+          </a:ln>
+        </p:spPr>
+        <p:style>
+          <a:lnRef idx="1">
+            <a:schemeClr val="accent1"/>
+          </a:lnRef>
+          <a:fillRef idx="0">
+            <a:schemeClr val="accent1"/>
+          </a:fillRef>
+          <a:effectRef idx="0">
+            <a:schemeClr val="accent1"/>
+          </a:effectRef>
+          <a:fontRef idx="minor">
+            <a:schemeClr val="tx1"/>
+          </a:fontRef>
+        </p:style>
+      </p:cxnSp>
+      <p:cxnSp>
+        <p:nvCxnSpPr>
+          <p:cNvPr id="31" name="Straight Arrow Connector 30">
+            <a:extLst>
+              <a:ext uri="{FF2B5EF4-FFF2-40B4-BE49-F238E27FC236}">
+                <a16:creationId xmlns:a16="http://schemas.microsoft.com/office/drawing/2014/main" id="{A0ECB5A7-4D1D-D14F-B34D-966F818D78F1}"/>
+              </a:ext>
+            </a:extLst>
+          </p:cNvPr>
+          <p:cNvCxnSpPr>
+            <a:cxnSpLocks/>
+            <a:stCxn id="16" idx="3"/>
+            <a:endCxn id="17" idx="2"/>
+          </p:cNvCxnSpPr>
+          <p:nvPr/>
+        </p:nvCxnSpPr>
+        <p:spPr>
+          <a:xfrm flipV="1">
+            <a:off x="8051075" y="4356466"/>
+            <a:ext cx="1789612" cy="1"/>
+          </a:xfrm>
+          <a:prstGeom prst="straightConnector1">
+            <a:avLst/>
+          </a:prstGeom>
+          <a:ln>
+            <a:tailEnd type="triangle"/>
+          </a:ln>
+        </p:spPr>
+        <p:style>
+          <a:lnRef idx="1">
+            <a:schemeClr val="accent1"/>
+          </a:lnRef>
+          <a:fillRef idx="0">
+            <a:schemeClr val="accent1"/>
+          </a:fillRef>
+          <a:effectRef idx="0">
+            <a:schemeClr val="accent1"/>
+          </a:effectRef>
+          <a:fontRef idx="minor">
+            <a:schemeClr val="tx1"/>
+          </a:fontRef>
+        </p:style>
+      </p:cxnSp>
+      <p:cxnSp>
+        <p:nvCxnSpPr>
+          <p:cNvPr id="34" name="Straight Arrow Connector 33">
+            <a:extLst>
+              <a:ext uri="{FF2B5EF4-FFF2-40B4-BE49-F238E27FC236}">
+                <a16:creationId xmlns:a16="http://schemas.microsoft.com/office/drawing/2014/main" id="{179E16E7-C11B-8E4B-8297-E68D26B0B85B}"/>
+              </a:ext>
+            </a:extLst>
+          </p:cNvPr>
+          <p:cNvCxnSpPr>
+            <a:stCxn id="8" idx="1"/>
+            <a:endCxn id="9" idx="3"/>
+          </p:cNvCxnSpPr>
+          <p:nvPr/>
+        </p:nvCxnSpPr>
+        <p:spPr>
+          <a:xfrm flipH="1">
+            <a:off x="8051075" y="2085702"/>
+            <a:ext cx="1341121" cy="283028"/>
+          </a:xfrm>
+          <a:prstGeom prst="straightConnector1">
+            <a:avLst/>
+          </a:prstGeom>
+          <a:ln>
+            <a:tailEnd type="triangle"/>
+          </a:ln>
+        </p:spPr>
+        <p:style>
+          <a:lnRef idx="1">
+            <a:schemeClr val="accent1"/>
+          </a:lnRef>
+          <a:fillRef idx="0">
+            <a:schemeClr val="accent1"/>
+          </a:fillRef>
+          <a:effectRef idx="0">
+            <a:schemeClr val="accent1"/>
+          </a:effectRef>
+          <a:fontRef idx="minor">
+            <a:schemeClr val="tx1"/>
+          </a:fontRef>
+        </p:style>
+      </p:cxnSp>
+      <p:cxnSp>
+        <p:nvCxnSpPr>
+          <p:cNvPr id="36" name="Straight Arrow Connector 35">
+            <a:extLst>
+              <a:ext uri="{FF2B5EF4-FFF2-40B4-BE49-F238E27FC236}">
+                <a16:creationId xmlns:a16="http://schemas.microsoft.com/office/drawing/2014/main" id="{4A17FB34-2539-3445-9C13-D6B5B5890CAF}"/>
+              </a:ext>
+            </a:extLst>
+          </p:cNvPr>
+          <p:cNvCxnSpPr>
+            <a:stCxn id="9" idx="1"/>
+            <a:endCxn id="10" idx="3"/>
+          </p:cNvCxnSpPr>
+          <p:nvPr/>
+        </p:nvCxnSpPr>
+        <p:spPr>
+          <a:xfrm flipH="1" flipV="1">
+            <a:off x="5791200" y="2368729"/>
+            <a:ext cx="683623" cy="1"/>
+          </a:xfrm>
+          <a:prstGeom prst="straightConnector1">
+            <a:avLst/>
+          </a:prstGeom>
+          <a:ln>
+            <a:tailEnd type="triangle"/>
+          </a:ln>
+        </p:spPr>
+        <p:style>
+          <a:lnRef idx="1">
+            <a:schemeClr val="accent1"/>
+          </a:lnRef>
+          <a:fillRef idx="0">
+            <a:schemeClr val="accent1"/>
+          </a:fillRef>
+          <a:effectRef idx="0">
+            <a:schemeClr val="accent1"/>
+          </a:effectRef>
+          <a:fontRef idx="minor">
+            <a:schemeClr val="tx1"/>
+          </a:fontRef>
+        </p:style>
+      </p:cxnSp>
+      <p:cxnSp>
+        <p:nvCxnSpPr>
+          <p:cNvPr id="38" name="Straight Arrow Connector 37">
+            <a:extLst>
+              <a:ext uri="{FF2B5EF4-FFF2-40B4-BE49-F238E27FC236}">
+                <a16:creationId xmlns:a16="http://schemas.microsoft.com/office/drawing/2014/main" id="{AE98EA2B-76C9-F148-8C44-8BF15C7D0AA3}"/>
+              </a:ext>
+            </a:extLst>
+          </p:cNvPr>
+          <p:cNvCxnSpPr>
+            <a:stCxn id="10" idx="1"/>
+            <a:endCxn id="11" idx="3"/>
+          </p:cNvCxnSpPr>
+          <p:nvPr/>
+        </p:nvCxnSpPr>
+        <p:spPr>
+          <a:xfrm flipH="1" flipV="1">
+            <a:off x="3335383" y="2303415"/>
+            <a:ext cx="879565" cy="65314"/>
+          </a:xfrm>
+          <a:prstGeom prst="straightConnector1">
+            <a:avLst/>
+          </a:prstGeom>
+          <a:ln>
+            <a:tailEnd type="triangle"/>
+          </a:ln>
+        </p:spPr>
+        <p:style>
+          <a:lnRef idx="1">
+            <a:schemeClr val="accent1"/>
+          </a:lnRef>
+          <a:fillRef idx="0">
+            <a:schemeClr val="accent1"/>
+          </a:fillRef>
+          <a:effectRef idx="0">
+            <a:schemeClr val="accent1"/>
+          </a:effectRef>
+          <a:fontRef idx="minor">
+            <a:schemeClr val="tx1"/>
+          </a:fontRef>
+        </p:style>
+      </p:cxnSp>
+      <p:cxnSp>
+        <p:nvCxnSpPr>
+          <p:cNvPr id="40" name="Straight Arrow Connector 39">
+            <a:extLst>
+              <a:ext uri="{FF2B5EF4-FFF2-40B4-BE49-F238E27FC236}">
+                <a16:creationId xmlns:a16="http://schemas.microsoft.com/office/drawing/2014/main" id="{20A06015-74B9-DD4A-B894-D6F3B559E4BD}"/>
+              </a:ext>
+            </a:extLst>
+          </p:cNvPr>
+          <p:cNvCxnSpPr>
+            <a:stCxn id="11" idx="2"/>
+            <a:endCxn id="12" idx="3"/>
+          </p:cNvCxnSpPr>
+          <p:nvPr/>
+        </p:nvCxnSpPr>
+        <p:spPr>
+          <a:xfrm flipH="1">
+            <a:off x="1741714" y="2704009"/>
+            <a:ext cx="805543" cy="844738"/>
+          </a:xfrm>
+          <a:prstGeom prst="straightConnector1">
+            <a:avLst/>
+          </a:prstGeom>
+          <a:ln>
+            <a:tailEnd type="triangle"/>
+          </a:ln>
+        </p:spPr>
+        <p:style>
+          <a:lnRef idx="1">
+            <a:schemeClr val="accent1"/>
+          </a:lnRef>
+          <a:fillRef idx="0">
+            <a:schemeClr val="accent1"/>
+          </a:fillRef>
+          <a:effectRef idx="0">
+            <a:schemeClr val="accent1"/>
+          </a:effectRef>
+          <a:fontRef idx="minor">
+            <a:schemeClr val="tx1"/>
+          </a:fontRef>
+        </p:style>
+      </p:cxnSp>
+      <p:cxnSp>
+        <p:nvCxnSpPr>
+          <p:cNvPr id="42" name="Straight Arrow Connector 41">
+            <a:extLst>
+              <a:ext uri="{FF2B5EF4-FFF2-40B4-BE49-F238E27FC236}">
+                <a16:creationId xmlns:a16="http://schemas.microsoft.com/office/drawing/2014/main" id="{D5D8841B-4758-D140-A58D-09DA2A1D48A3}"/>
+              </a:ext>
+            </a:extLst>
+          </p:cNvPr>
+          <p:cNvCxnSpPr>
+            <a:cxnSpLocks/>
+            <a:stCxn id="11" idx="2"/>
+            <a:endCxn id="13" idx="3"/>
+          </p:cNvCxnSpPr>
+          <p:nvPr/>
+        </p:nvCxnSpPr>
+        <p:spPr>
+          <a:xfrm flipH="1">
+            <a:off x="1985553" y="2704009"/>
+            <a:ext cx="561704" cy="1820098"/>
+          </a:xfrm>
+          <a:prstGeom prst="straightConnector1">
+            <a:avLst/>
+          </a:prstGeom>
+          <a:ln>
+            <a:tailEnd type="triangle"/>
+          </a:ln>
+        </p:spPr>
+        <p:style>
+          <a:lnRef idx="1">
+            <a:schemeClr val="accent1"/>
+          </a:lnRef>
+          <a:fillRef idx="0">
+            <a:schemeClr val="accent1"/>
+          </a:fillRef>
+          <a:effectRef idx="0">
+            <a:schemeClr val="accent1"/>
+          </a:effectRef>
+          <a:fontRef idx="minor">
+            <a:schemeClr val="tx1"/>
+          </a:fontRef>
+        </p:style>
+      </p:cxnSp>
+      <p:cxnSp>
+        <p:nvCxnSpPr>
+          <p:cNvPr id="44" name="Straight Arrow Connector 43">
+            <a:extLst>
+              <a:ext uri="{FF2B5EF4-FFF2-40B4-BE49-F238E27FC236}">
+                <a16:creationId xmlns:a16="http://schemas.microsoft.com/office/drawing/2014/main" id="{1C7F63FD-952E-A14D-B358-25D115665E04}"/>
+              </a:ext>
+            </a:extLst>
+          </p:cNvPr>
+          <p:cNvCxnSpPr>
+            <a:cxnSpLocks/>
+            <a:stCxn id="11" idx="2"/>
+            <a:endCxn id="14" idx="3"/>
+          </p:cNvCxnSpPr>
+          <p:nvPr/>
+        </p:nvCxnSpPr>
+        <p:spPr>
+          <a:xfrm flipH="1">
+            <a:off x="1976846" y="2704009"/>
+            <a:ext cx="570411" cy="2795458"/>
+          </a:xfrm>
+          <a:prstGeom prst="straightConnector1">
+            <a:avLst/>
+          </a:prstGeom>
+          <a:ln>
+            <a:tailEnd type="triangle"/>
+          </a:ln>
+        </p:spPr>
+        <p:style>
+          <a:lnRef idx="1">
+            <a:schemeClr val="accent1"/>
+          </a:lnRef>
+          <a:fillRef idx="0">
+            <a:schemeClr val="accent1"/>
+          </a:fillRef>
+          <a:effectRef idx="0">
+            <a:schemeClr val="accent1"/>
+          </a:effectRef>
+          <a:fontRef idx="minor">
+            <a:schemeClr val="tx1"/>
+          </a:fontRef>
+        </p:style>
+      </p:cxnSp>
+      <p:sp>
+        <p:nvSpPr>
+          <p:cNvPr id="45" name="Right Brace 44">
+            <a:extLst>
+              <a:ext uri="{FF2B5EF4-FFF2-40B4-BE49-F238E27FC236}">
+                <a16:creationId xmlns:a16="http://schemas.microsoft.com/office/drawing/2014/main" id="{5833FDF9-3808-0345-95AD-3AE643BB8023}"/>
+              </a:ext>
+            </a:extLst>
+          </p:cNvPr>
+          <p:cNvSpPr/>
+          <p:nvPr/>
+        </p:nvSpPr>
+        <p:spPr>
+          <a:xfrm>
+            <a:off x="2621279" y="3148152"/>
+            <a:ext cx="357052" cy="2643048"/>
+          </a:xfrm>
+          <a:prstGeom prst="rightBrace">
+            <a:avLst/>
+          </a:prstGeom>
+        </p:spPr>
+        <p:style>
+          <a:lnRef idx="1">
+            <a:schemeClr val="accent1"/>
+          </a:lnRef>
+          <a:fillRef idx="0">
+            <a:schemeClr val="accent1"/>
+          </a:fillRef>
+          <a:effectRef idx="0">
+            <a:schemeClr val="accent1"/>
+          </a:effectRef>
+          <a:fontRef idx="minor">
+            <a:schemeClr val="tx1"/>
+          </a:fontRef>
+        </p:style>
+        <p:txBody>
+          <a:bodyPr rtlCol="0" anchor="ctr"/>
+          <a:lstStyle/>
+          <a:p>
+            <a:pPr algn="ctr"/>
+            <a:endParaRPr lang="en-US"/>
+          </a:p>
+        </p:txBody>
+      </p:sp>
+      <p:cxnSp>
+        <p:nvCxnSpPr>
+          <p:cNvPr id="47" name="Straight Arrow Connector 46">
+            <a:extLst>
+              <a:ext uri="{FF2B5EF4-FFF2-40B4-BE49-F238E27FC236}">
+                <a16:creationId xmlns:a16="http://schemas.microsoft.com/office/drawing/2014/main" id="{8C155D5E-B1C7-C245-A12D-7A1454A779CE}"/>
+              </a:ext>
+            </a:extLst>
+          </p:cNvPr>
+          <p:cNvCxnSpPr>
+            <a:cxnSpLocks/>
+            <a:stCxn id="45" idx="1"/>
+            <a:endCxn id="15" idx="1"/>
+          </p:cNvCxnSpPr>
+          <p:nvPr/>
+        </p:nvCxnSpPr>
+        <p:spPr>
+          <a:xfrm flipV="1">
+            <a:off x="2978331" y="4356467"/>
+            <a:ext cx="1040675" cy="113209"/>
+          </a:xfrm>
+          <a:prstGeom prst="straightConnector1">
+            <a:avLst/>
+          </a:prstGeom>
+          <a:ln>
+            <a:tailEnd type="triangle"/>
+          </a:ln>
+        </p:spPr>
+        <p:style>
+          <a:lnRef idx="1">
+            <a:schemeClr val="accent1"/>
+          </a:lnRef>
+          <a:fillRef idx="0">
+            <a:schemeClr val="accent1"/>
+          </a:fillRef>
+          <a:effectRef idx="0">
+            <a:schemeClr val="accent1"/>
+          </a:effectRef>
+          <a:fontRef idx="minor">
+            <a:schemeClr val="tx1"/>
+          </a:fontRef>
+        </p:style>
+      </p:cxnSp>
+      <p:cxnSp>
+        <p:nvCxnSpPr>
+          <p:cNvPr id="49" name="Straight Arrow Connector 48">
+            <a:extLst>
+              <a:ext uri="{FF2B5EF4-FFF2-40B4-BE49-F238E27FC236}">
+                <a16:creationId xmlns:a16="http://schemas.microsoft.com/office/drawing/2014/main" id="{0E61A4E3-C35E-5945-84F1-F51F9EA12CE1}"/>
+              </a:ext>
+            </a:extLst>
+          </p:cNvPr>
+          <p:cNvCxnSpPr>
+            <a:cxnSpLocks/>
+            <a:stCxn id="15" idx="3"/>
+            <a:endCxn id="16" idx="1"/>
+          </p:cNvCxnSpPr>
+          <p:nvPr/>
+        </p:nvCxnSpPr>
+        <p:spPr>
+          <a:xfrm>
+            <a:off x="5913119" y="4356467"/>
+            <a:ext cx="561704" cy="0"/>
+          </a:xfrm>
+          <a:prstGeom prst="straightConnector1">
+            <a:avLst/>
+          </a:prstGeom>
+          <a:ln>
+            <a:tailEnd type="triangle"/>
+          </a:ln>
+        </p:spPr>
+        <p:style>
+          <a:lnRef idx="1">
+            <a:schemeClr val="accent1"/>
+          </a:lnRef>
+          <a:fillRef idx="0">
+            <a:schemeClr val="accent1"/>
+          </a:fillRef>
+          <a:effectRef idx="0">
+            <a:schemeClr val="accent1"/>
+          </a:effectRef>
+          <a:fontRef idx="minor">
+            <a:schemeClr val="tx1"/>
+          </a:fontRef>
+        </p:style>
+      </p:cxnSp>
+    </p:spTree>
+    <p:extLst>
+      <p:ext uri="{BB962C8B-B14F-4D97-AF65-F5344CB8AC3E}">
+        <p14:creationId xmlns:p14="http://schemas.microsoft.com/office/powerpoint/2010/main" val="12268597"/>
+      </p:ext>
+    </p:extLst>
+  </p:cSld>
+  <p:clrMapOvr>
+    <a:masterClrMapping/>
+  </p:clrMapOvr>
+</p:sld>
+</file>
+
+<file path=ppt/slides/slide22.xml><?xml version="1.0" encoding="utf-8"?>
+<p:sld xmlns:a="http://schemas.openxmlformats.org/drawingml/2006/main" xmlns:r="http://schemas.openxmlformats.org/officeDocument/2006/relationships" xmlns:p="http://schemas.openxmlformats.org/presentationml/2006/main">
+  <p:cSld>
+    <p:spTree>
+      <p:nvGrpSpPr>
+        <p:cNvPr id="1" name=""/>
+        <p:cNvGrpSpPr/>
+        <p:nvPr/>
+      </p:nvGrpSpPr>
+      <p:grpSpPr>
+        <a:xfrm>
+          <a:off x="0" y="0"/>
+          <a:ext cx="0" cy="0"/>
+          <a:chOff x="0" y="0"/>
+          <a:chExt cx="0" cy="0"/>
+        </a:xfrm>
+      </p:grpSpPr>
+      <p:sp>
+        <p:nvSpPr>
+          <p:cNvPr id="2" name="Oval 1">
+            <a:extLst>
+              <a:ext uri="{FF2B5EF4-FFF2-40B4-BE49-F238E27FC236}">
+                <a16:creationId xmlns:a16="http://schemas.microsoft.com/office/drawing/2014/main" id="{659A8EA9-49CB-6442-9EBC-1AFB7D40E844}"/>
+              </a:ext>
+            </a:extLst>
+          </p:cNvPr>
+          <p:cNvSpPr/>
+          <p:nvPr/>
+        </p:nvSpPr>
+        <p:spPr>
+          <a:xfrm>
+            <a:off x="4937758" y="2238102"/>
+            <a:ext cx="2542903" cy="1689463"/>
+          </a:xfrm>
+          <a:prstGeom prst="ellipse">
+            <a:avLst/>
+          </a:prstGeom>
+        </p:spPr>
+        <p:style>
+          <a:lnRef idx="2">
+            <a:schemeClr val="accent1">
+              <a:shade val="50000"/>
+            </a:schemeClr>
+          </a:lnRef>
+          <a:fillRef idx="1">
+            <a:schemeClr val="accent1"/>
+          </a:fillRef>
+          <a:effectRef idx="0">
+            <a:schemeClr val="accent1"/>
+          </a:effectRef>
+          <a:fontRef idx="minor">
+            <a:schemeClr val="lt1"/>
+          </a:fontRef>
+        </p:style>
+        <p:txBody>
+          <a:bodyPr rtlCol="0" anchor="ctr"/>
+          <a:lstStyle/>
+          <a:p>
+            <a:pPr algn="ctr"/>
+            <a:r>
+              <a:rPr lang="en-US" dirty="0"/>
+              <a:t>Hospital Management System</a:t>
+            </a:r>
+          </a:p>
+        </p:txBody>
+      </p:sp>
+      <p:sp>
+        <p:nvSpPr>
+          <p:cNvPr id="3" name="Oval 2">
+            <a:extLst>
+              <a:ext uri="{FF2B5EF4-FFF2-40B4-BE49-F238E27FC236}">
+                <a16:creationId xmlns:a16="http://schemas.microsoft.com/office/drawing/2014/main" id="{BA41F32B-903F-F348-A469-6E0748AD70A9}"/>
+              </a:ext>
+            </a:extLst>
+          </p:cNvPr>
+          <p:cNvSpPr/>
+          <p:nvPr/>
+        </p:nvSpPr>
+        <p:spPr>
+          <a:xfrm>
+            <a:off x="187234" y="0"/>
+            <a:ext cx="2542903" cy="1689463"/>
+          </a:xfrm>
+          <a:prstGeom prst="ellipse">
+            <a:avLst/>
+          </a:prstGeom>
+        </p:spPr>
+        <p:style>
+          <a:lnRef idx="2">
+            <a:schemeClr val="accent1">
+              <a:shade val="50000"/>
+            </a:schemeClr>
+          </a:lnRef>
+          <a:fillRef idx="1">
+            <a:schemeClr val="accent1"/>
+          </a:fillRef>
+          <a:effectRef idx="0">
+            <a:schemeClr val="accent1"/>
+          </a:effectRef>
+          <a:fontRef idx="minor">
+            <a:schemeClr val="lt1"/>
+          </a:fontRef>
+        </p:style>
+        <p:txBody>
+          <a:bodyPr rtlCol="0" anchor="ctr"/>
+          <a:lstStyle/>
+          <a:p>
+            <a:pPr algn="ctr"/>
+            <a:r>
+              <a:rPr lang="en-US" dirty="0"/>
+              <a:t>Patients</a:t>
+            </a:r>
+          </a:p>
+        </p:txBody>
+      </p:sp>
+      <p:sp>
+        <p:nvSpPr>
+          <p:cNvPr id="4" name="Oval 3">
+            <a:extLst>
+              <a:ext uri="{FF2B5EF4-FFF2-40B4-BE49-F238E27FC236}">
+                <a16:creationId xmlns:a16="http://schemas.microsoft.com/office/drawing/2014/main" id="{14FD642E-5A95-FE45-9B4B-29ECFFD33EB2}"/>
+              </a:ext>
+            </a:extLst>
+          </p:cNvPr>
+          <p:cNvSpPr/>
+          <p:nvPr/>
+        </p:nvSpPr>
+        <p:spPr>
+          <a:xfrm>
+            <a:off x="3666307" y="-43542"/>
+            <a:ext cx="2542903" cy="1689463"/>
+          </a:xfrm>
+          <a:prstGeom prst="ellipse">
+            <a:avLst/>
+          </a:prstGeom>
+        </p:spPr>
+        <p:style>
+          <a:lnRef idx="2">
+            <a:schemeClr val="accent1">
+              <a:shade val="50000"/>
+            </a:schemeClr>
+          </a:lnRef>
+          <a:fillRef idx="1">
+            <a:schemeClr val="accent1"/>
+          </a:fillRef>
+          <a:effectRef idx="0">
+            <a:schemeClr val="accent1"/>
+          </a:effectRef>
+          <a:fontRef idx="minor">
+            <a:schemeClr val="lt1"/>
+          </a:fontRef>
+        </p:style>
+        <p:txBody>
+          <a:bodyPr rtlCol="0" anchor="ctr"/>
+          <a:lstStyle/>
+          <a:p>
+            <a:pPr algn="ctr"/>
+            <a:r>
+              <a:rPr lang="en-US" dirty="0"/>
+              <a:t>Rooms</a:t>
+            </a:r>
+          </a:p>
+        </p:txBody>
+      </p:sp>
+      <p:sp>
+        <p:nvSpPr>
+          <p:cNvPr id="5" name="Oval 4">
+            <a:extLst>
+              <a:ext uri="{FF2B5EF4-FFF2-40B4-BE49-F238E27FC236}">
+                <a16:creationId xmlns:a16="http://schemas.microsoft.com/office/drawing/2014/main" id="{46F89F0F-8E70-5E4C-A760-73187B76FA14}"/>
+              </a:ext>
+            </a:extLst>
+          </p:cNvPr>
+          <p:cNvSpPr/>
+          <p:nvPr/>
+        </p:nvSpPr>
+        <p:spPr>
+          <a:xfrm>
+            <a:off x="9566365" y="0"/>
+            <a:ext cx="2542903" cy="1689463"/>
+          </a:xfrm>
+          <a:prstGeom prst="ellipse">
+            <a:avLst/>
+          </a:prstGeom>
+        </p:spPr>
+        <p:style>
+          <a:lnRef idx="2">
+            <a:schemeClr val="accent1">
+              <a:shade val="50000"/>
+            </a:schemeClr>
+          </a:lnRef>
+          <a:fillRef idx="1">
+            <a:schemeClr val="accent1"/>
+          </a:fillRef>
+          <a:effectRef idx="0">
+            <a:schemeClr val="accent1"/>
+          </a:effectRef>
+          <a:fontRef idx="minor">
+            <a:schemeClr val="lt1"/>
+          </a:fontRef>
+        </p:style>
+        <p:txBody>
+          <a:bodyPr rtlCol="0" anchor="ctr"/>
+          <a:lstStyle/>
+          <a:p>
+            <a:pPr algn="ctr"/>
+            <a:r>
+              <a:rPr lang="en-US" dirty="0"/>
+              <a:t>Doctors</a:t>
+            </a:r>
+          </a:p>
+        </p:txBody>
+      </p:sp>
+      <p:sp>
+        <p:nvSpPr>
+          <p:cNvPr id="6" name="Oval 5">
+            <a:extLst>
+              <a:ext uri="{FF2B5EF4-FFF2-40B4-BE49-F238E27FC236}">
+                <a16:creationId xmlns:a16="http://schemas.microsoft.com/office/drawing/2014/main" id="{7ECA114C-3143-CD47-9815-4901948AC273}"/>
+              </a:ext>
+            </a:extLst>
+          </p:cNvPr>
+          <p:cNvSpPr/>
+          <p:nvPr/>
+        </p:nvSpPr>
+        <p:spPr>
+          <a:xfrm>
+            <a:off x="9566364" y="2238102"/>
+            <a:ext cx="2542903" cy="1689463"/>
+          </a:xfrm>
+          <a:prstGeom prst="ellipse">
+            <a:avLst/>
+          </a:prstGeom>
+        </p:spPr>
+        <p:style>
+          <a:lnRef idx="2">
+            <a:schemeClr val="accent1">
+              <a:shade val="50000"/>
+            </a:schemeClr>
+          </a:lnRef>
+          <a:fillRef idx="1">
+            <a:schemeClr val="accent1"/>
+          </a:fillRef>
+          <a:effectRef idx="0">
+            <a:schemeClr val="accent1"/>
+          </a:effectRef>
+          <a:fontRef idx="minor">
+            <a:schemeClr val="lt1"/>
+          </a:fontRef>
+        </p:style>
+        <p:txBody>
+          <a:bodyPr rtlCol="0" anchor="ctr"/>
+          <a:lstStyle/>
+          <a:p>
+            <a:pPr algn="ctr"/>
+            <a:r>
+              <a:rPr lang="en-US" dirty="0"/>
+              <a:t>Medicines / Pharmacy</a:t>
+            </a:r>
+          </a:p>
+        </p:txBody>
+      </p:sp>
+      <p:sp>
+        <p:nvSpPr>
+          <p:cNvPr id="7" name="Oval 6">
+            <a:extLst>
+              <a:ext uri="{FF2B5EF4-FFF2-40B4-BE49-F238E27FC236}">
+                <a16:creationId xmlns:a16="http://schemas.microsoft.com/office/drawing/2014/main" id="{DD4273FE-DA11-0946-8829-2F3C95605E28}"/>
+              </a:ext>
+            </a:extLst>
+          </p:cNvPr>
+          <p:cNvSpPr/>
+          <p:nvPr/>
+        </p:nvSpPr>
+        <p:spPr>
+          <a:xfrm>
+            <a:off x="9566363" y="4367349"/>
+            <a:ext cx="2542903" cy="1689463"/>
+          </a:xfrm>
+          <a:prstGeom prst="ellipse">
+            <a:avLst/>
+          </a:prstGeom>
+        </p:spPr>
+        <p:style>
+          <a:lnRef idx="2">
+            <a:schemeClr val="accent1">
+              <a:shade val="50000"/>
+            </a:schemeClr>
+          </a:lnRef>
+          <a:fillRef idx="1">
+            <a:schemeClr val="accent1"/>
+          </a:fillRef>
+          <a:effectRef idx="0">
+            <a:schemeClr val="accent1"/>
+          </a:effectRef>
+          <a:fontRef idx="minor">
+            <a:schemeClr val="lt1"/>
+          </a:fontRef>
+        </p:style>
+        <p:txBody>
+          <a:bodyPr rtlCol="0" anchor="ctr"/>
+          <a:lstStyle/>
+          <a:p>
+            <a:pPr algn="ctr"/>
+            <a:r>
+              <a:rPr lang="en-US" dirty="0"/>
+              <a:t>Ambulance</a:t>
+            </a:r>
+          </a:p>
+        </p:txBody>
+      </p:sp>
+      <p:sp>
+        <p:nvSpPr>
+          <p:cNvPr id="8" name="Oval 7">
+            <a:extLst>
+              <a:ext uri="{FF2B5EF4-FFF2-40B4-BE49-F238E27FC236}">
+                <a16:creationId xmlns:a16="http://schemas.microsoft.com/office/drawing/2014/main" id="{2602603F-216A-A24E-9AF2-3AC8809DA6A3}"/>
+              </a:ext>
+            </a:extLst>
+          </p:cNvPr>
+          <p:cNvSpPr/>
+          <p:nvPr/>
+        </p:nvSpPr>
+        <p:spPr>
+          <a:xfrm>
+            <a:off x="3387631" y="4367348"/>
+            <a:ext cx="2542903" cy="1689463"/>
+          </a:xfrm>
+          <a:prstGeom prst="ellipse">
+            <a:avLst/>
+          </a:prstGeom>
+        </p:spPr>
+        <p:style>
+          <a:lnRef idx="2">
+            <a:schemeClr val="accent1">
+              <a:shade val="50000"/>
+            </a:schemeClr>
+          </a:lnRef>
+          <a:fillRef idx="1">
+            <a:schemeClr val="accent1"/>
+          </a:fillRef>
+          <a:effectRef idx="0">
+            <a:schemeClr val="accent1"/>
+          </a:effectRef>
+          <a:fontRef idx="minor">
+            <a:schemeClr val="lt1"/>
+          </a:fontRef>
+        </p:style>
+        <p:txBody>
+          <a:bodyPr rtlCol="0" anchor="ctr"/>
+          <a:lstStyle/>
+          <a:p>
+            <a:pPr algn="ctr"/>
+            <a:r>
+              <a:rPr lang="en-US" dirty="0"/>
+              <a:t>Housekeeping</a:t>
+            </a:r>
+          </a:p>
+        </p:txBody>
+      </p:sp>
+      <p:sp>
+        <p:nvSpPr>
+          <p:cNvPr id="9" name="Oval 8">
+            <a:extLst>
+              <a:ext uri="{FF2B5EF4-FFF2-40B4-BE49-F238E27FC236}">
+                <a16:creationId xmlns:a16="http://schemas.microsoft.com/office/drawing/2014/main" id="{B453F5A0-6BD0-9048-9358-AF740A53AAE5}"/>
+              </a:ext>
+            </a:extLst>
+          </p:cNvPr>
+          <p:cNvSpPr/>
+          <p:nvPr/>
+        </p:nvSpPr>
+        <p:spPr>
+          <a:xfrm>
+            <a:off x="187232" y="2183674"/>
+            <a:ext cx="2542903" cy="1689463"/>
+          </a:xfrm>
+          <a:prstGeom prst="ellipse">
+            <a:avLst/>
+          </a:prstGeom>
+        </p:spPr>
+        <p:style>
+          <a:lnRef idx="2">
+            <a:schemeClr val="accent1">
+              <a:shade val="50000"/>
+            </a:schemeClr>
+          </a:lnRef>
+          <a:fillRef idx="1">
+            <a:schemeClr val="accent1"/>
+          </a:fillRef>
+          <a:effectRef idx="0">
+            <a:schemeClr val="accent1"/>
+          </a:effectRef>
+          <a:fontRef idx="minor">
+            <a:schemeClr val="lt1"/>
+          </a:fontRef>
+        </p:style>
+        <p:txBody>
+          <a:bodyPr rtlCol="0" anchor="ctr"/>
+          <a:lstStyle/>
+          <a:p>
+            <a:pPr algn="ctr"/>
+            <a:r>
+              <a:rPr lang="en-US" dirty="0" err="1"/>
+              <a:t>MedicalStaff</a:t>
+            </a:r>
+            <a:endParaRPr lang="en-US" dirty="0"/>
+          </a:p>
+        </p:txBody>
+      </p:sp>
+      <p:sp>
+        <p:nvSpPr>
+          <p:cNvPr id="10" name="Oval 9">
+            <a:extLst>
+              <a:ext uri="{FF2B5EF4-FFF2-40B4-BE49-F238E27FC236}">
+                <a16:creationId xmlns:a16="http://schemas.microsoft.com/office/drawing/2014/main" id="{DF474750-CDE6-4D4C-9A4F-33C262AACE17}"/>
+              </a:ext>
+            </a:extLst>
+          </p:cNvPr>
+          <p:cNvSpPr/>
+          <p:nvPr/>
+        </p:nvSpPr>
+        <p:spPr>
+          <a:xfrm>
+            <a:off x="187233" y="4367348"/>
+            <a:ext cx="2542903" cy="1689463"/>
+          </a:xfrm>
+          <a:prstGeom prst="ellipse">
+            <a:avLst/>
+          </a:prstGeom>
+        </p:spPr>
+        <p:style>
+          <a:lnRef idx="2">
+            <a:schemeClr val="accent1">
+              <a:shade val="50000"/>
+            </a:schemeClr>
+          </a:lnRef>
+          <a:fillRef idx="1">
+            <a:schemeClr val="accent1"/>
+          </a:fillRef>
+          <a:effectRef idx="0">
+            <a:schemeClr val="accent1"/>
+          </a:effectRef>
+          <a:fontRef idx="minor">
+            <a:schemeClr val="lt1"/>
+          </a:fontRef>
+        </p:style>
+        <p:txBody>
+          <a:bodyPr rtlCol="0" anchor="ctr"/>
+          <a:lstStyle/>
+          <a:p>
+            <a:pPr algn="ctr"/>
+            <a:r>
+              <a:rPr lang="en-US" dirty="0" err="1"/>
+              <a:t>Equipments</a:t>
+            </a:r>
+            <a:endParaRPr lang="en-US" dirty="0"/>
+          </a:p>
+        </p:txBody>
+      </p:sp>
+      <p:sp>
+        <p:nvSpPr>
+          <p:cNvPr id="11" name="Oval 10">
+            <a:extLst>
+              <a:ext uri="{FF2B5EF4-FFF2-40B4-BE49-F238E27FC236}">
+                <a16:creationId xmlns:a16="http://schemas.microsoft.com/office/drawing/2014/main" id="{5C5F8CBC-00AD-1246-87E7-CFDC4ABD242F}"/>
+              </a:ext>
+            </a:extLst>
+          </p:cNvPr>
+          <p:cNvSpPr/>
+          <p:nvPr/>
+        </p:nvSpPr>
+        <p:spPr>
+          <a:xfrm>
+            <a:off x="6616336" y="-43543"/>
+            <a:ext cx="2542903" cy="1689463"/>
+          </a:xfrm>
+          <a:prstGeom prst="ellipse">
+            <a:avLst/>
+          </a:prstGeom>
+        </p:spPr>
+        <p:style>
+          <a:lnRef idx="2">
+            <a:schemeClr val="accent1">
+              <a:shade val="50000"/>
+            </a:schemeClr>
+          </a:lnRef>
+          <a:fillRef idx="1">
+            <a:schemeClr val="accent1"/>
+          </a:fillRef>
+          <a:effectRef idx="0">
+            <a:schemeClr val="accent1"/>
+          </a:effectRef>
+          <a:fontRef idx="minor">
+            <a:schemeClr val="lt1"/>
+          </a:fontRef>
+        </p:style>
+        <p:txBody>
+          <a:bodyPr rtlCol="0" anchor="ctr"/>
+          <a:lstStyle/>
+          <a:p>
+            <a:pPr algn="ctr"/>
+            <a:r>
+              <a:rPr lang="en-US" dirty="0"/>
+              <a:t>OPD/IPD Registration</a:t>
+            </a:r>
+          </a:p>
+        </p:txBody>
+      </p:sp>
+      <p:sp>
+        <p:nvSpPr>
+          <p:cNvPr id="12" name="Oval 11">
+            <a:extLst>
+              <a:ext uri="{FF2B5EF4-FFF2-40B4-BE49-F238E27FC236}">
+                <a16:creationId xmlns:a16="http://schemas.microsoft.com/office/drawing/2014/main" id="{0C83B34F-70D9-2A4B-B1D6-1AD300AB3031}"/>
+              </a:ext>
+            </a:extLst>
+          </p:cNvPr>
+          <p:cNvSpPr/>
+          <p:nvPr/>
+        </p:nvSpPr>
+        <p:spPr>
+          <a:xfrm>
+            <a:off x="6588029" y="4367348"/>
+            <a:ext cx="2542903" cy="1689463"/>
+          </a:xfrm>
+          <a:prstGeom prst="ellipse">
+            <a:avLst/>
+          </a:prstGeom>
+        </p:spPr>
+        <p:style>
+          <a:lnRef idx="2">
+            <a:schemeClr val="accent1">
+              <a:shade val="50000"/>
+            </a:schemeClr>
+          </a:lnRef>
+          <a:fillRef idx="1">
+            <a:schemeClr val="accent1"/>
+          </a:fillRef>
+          <a:effectRef idx="0">
+            <a:schemeClr val="accent1"/>
+          </a:effectRef>
+          <a:fontRef idx="minor">
+            <a:schemeClr val="lt1"/>
+          </a:fontRef>
+        </p:style>
+        <p:txBody>
+          <a:bodyPr rtlCol="0" anchor="ctr"/>
+          <a:lstStyle/>
+          <a:p>
+            <a:pPr algn="ctr"/>
+            <a:r>
+              <a:rPr lang="en-US" dirty="0"/>
+              <a:t>Canteen</a:t>
+            </a:r>
+          </a:p>
+        </p:txBody>
+      </p:sp>
+      <p:cxnSp>
+        <p:nvCxnSpPr>
+          <p:cNvPr id="14" name="Straight Arrow Connector 13">
+            <a:extLst>
+              <a:ext uri="{FF2B5EF4-FFF2-40B4-BE49-F238E27FC236}">
+                <a16:creationId xmlns:a16="http://schemas.microsoft.com/office/drawing/2014/main" id="{142F3B57-3213-D04A-96C7-037E168C5C31}"/>
+              </a:ext>
+            </a:extLst>
+          </p:cNvPr>
+          <p:cNvCxnSpPr>
+            <a:stCxn id="2" idx="1"/>
+            <a:endCxn id="3" idx="5"/>
+          </p:cNvCxnSpPr>
+          <p:nvPr/>
+        </p:nvCxnSpPr>
+        <p:spPr>
+          <a:xfrm flipH="1" flipV="1">
+            <a:off x="2357737" y="1442047"/>
+            <a:ext cx="2952421" cy="1043471"/>
+          </a:xfrm>
+          <a:prstGeom prst="straightConnector1">
+            <a:avLst/>
+          </a:prstGeom>
+          <a:ln>
+            <a:tailEnd type="triangle"/>
+          </a:ln>
+        </p:spPr>
+        <p:style>
+          <a:lnRef idx="1">
+            <a:schemeClr val="accent1"/>
+          </a:lnRef>
+          <a:fillRef idx="0">
+            <a:schemeClr val="accent1"/>
+          </a:fillRef>
+          <a:effectRef idx="0">
+            <a:schemeClr val="accent1"/>
+          </a:effectRef>
+          <a:fontRef idx="minor">
+            <a:schemeClr val="tx1"/>
+          </a:fontRef>
+        </p:style>
+      </p:cxnSp>
+      <p:cxnSp>
+        <p:nvCxnSpPr>
+          <p:cNvPr id="16" name="Straight Arrow Connector 15">
+            <a:extLst>
+              <a:ext uri="{FF2B5EF4-FFF2-40B4-BE49-F238E27FC236}">
+                <a16:creationId xmlns:a16="http://schemas.microsoft.com/office/drawing/2014/main" id="{54A3EBDA-2893-404F-A931-7F8FD5288D29}"/>
+              </a:ext>
+            </a:extLst>
+          </p:cNvPr>
+          <p:cNvCxnSpPr>
+            <a:stCxn id="2" idx="7"/>
+          </p:cNvCxnSpPr>
+          <p:nvPr/>
+        </p:nvCxnSpPr>
+        <p:spPr>
+          <a:xfrm flipV="1">
+            <a:off x="7108261" y="1506583"/>
+            <a:ext cx="2836928" cy="978935"/>
+          </a:xfrm>
+          <a:prstGeom prst="straightConnector1">
+            <a:avLst/>
+          </a:prstGeom>
+          <a:ln>
+            <a:tailEnd type="triangle"/>
+          </a:ln>
+        </p:spPr>
+        <p:style>
+          <a:lnRef idx="1">
+            <a:schemeClr val="accent1"/>
+          </a:lnRef>
+          <a:fillRef idx="0">
+            <a:schemeClr val="accent1"/>
+          </a:fillRef>
+          <a:effectRef idx="0">
+            <a:schemeClr val="accent1"/>
+          </a:effectRef>
+          <a:fontRef idx="minor">
+            <a:schemeClr val="tx1"/>
+          </a:fontRef>
+        </p:style>
+      </p:cxnSp>
+      <p:cxnSp>
+        <p:nvCxnSpPr>
+          <p:cNvPr id="18" name="Straight Arrow Connector 17">
+            <a:extLst>
+              <a:ext uri="{FF2B5EF4-FFF2-40B4-BE49-F238E27FC236}">
+                <a16:creationId xmlns:a16="http://schemas.microsoft.com/office/drawing/2014/main" id="{C66E115A-0080-024A-95E1-FFD5DC03EEF1}"/>
+              </a:ext>
+            </a:extLst>
+          </p:cNvPr>
+          <p:cNvCxnSpPr>
+            <a:stCxn id="2" idx="7"/>
+            <a:endCxn id="11" idx="3"/>
+          </p:cNvCxnSpPr>
+          <p:nvPr/>
+        </p:nvCxnSpPr>
+        <p:spPr>
+          <a:xfrm flipH="1" flipV="1">
+            <a:off x="6988736" y="1398504"/>
+            <a:ext cx="119525" cy="1087014"/>
+          </a:xfrm>
+          <a:prstGeom prst="straightConnector1">
+            <a:avLst/>
+          </a:prstGeom>
+          <a:ln>
+            <a:tailEnd type="triangle"/>
+          </a:ln>
+        </p:spPr>
+        <p:style>
+          <a:lnRef idx="1">
+            <a:schemeClr val="accent1"/>
+          </a:lnRef>
+          <a:fillRef idx="0">
+            <a:schemeClr val="accent1"/>
+          </a:fillRef>
+          <a:effectRef idx="0">
+            <a:schemeClr val="accent1"/>
+          </a:effectRef>
+          <a:fontRef idx="minor">
+            <a:schemeClr val="tx1"/>
+          </a:fontRef>
+        </p:style>
+      </p:cxnSp>
+      <p:cxnSp>
+        <p:nvCxnSpPr>
+          <p:cNvPr id="20" name="Straight Arrow Connector 19">
+            <a:extLst>
+              <a:ext uri="{FF2B5EF4-FFF2-40B4-BE49-F238E27FC236}">
+                <a16:creationId xmlns:a16="http://schemas.microsoft.com/office/drawing/2014/main" id="{6521A56C-37F2-A04E-90D7-02548C021EF9}"/>
+              </a:ext>
+            </a:extLst>
+          </p:cNvPr>
+          <p:cNvCxnSpPr>
+            <a:stCxn id="2" idx="0"/>
+            <a:endCxn id="4" idx="4"/>
+          </p:cNvCxnSpPr>
+          <p:nvPr/>
+        </p:nvCxnSpPr>
+        <p:spPr>
+          <a:xfrm flipH="1" flipV="1">
+            <a:off x="4937759" y="1645921"/>
+            <a:ext cx="1271451" cy="592181"/>
+          </a:xfrm>
+          <a:prstGeom prst="straightConnector1">
+            <a:avLst/>
+          </a:prstGeom>
+          <a:ln>
+            <a:tailEnd type="triangle"/>
+          </a:ln>
+        </p:spPr>
+        <p:style>
+          <a:lnRef idx="1">
+            <a:schemeClr val="accent1"/>
+          </a:lnRef>
+          <a:fillRef idx="0">
+            <a:schemeClr val="accent1"/>
+          </a:fillRef>
+          <a:effectRef idx="0">
+            <a:schemeClr val="accent1"/>
+          </a:effectRef>
+          <a:fontRef idx="minor">
+            <a:schemeClr val="tx1"/>
+          </a:fontRef>
+        </p:style>
+      </p:cxnSp>
+      <p:cxnSp>
+        <p:nvCxnSpPr>
+          <p:cNvPr id="22" name="Straight Arrow Connector 21">
+            <a:extLst>
+              <a:ext uri="{FF2B5EF4-FFF2-40B4-BE49-F238E27FC236}">
+                <a16:creationId xmlns:a16="http://schemas.microsoft.com/office/drawing/2014/main" id="{981FABF6-8063-784B-B4A3-8D083B36350C}"/>
+              </a:ext>
+            </a:extLst>
+          </p:cNvPr>
+          <p:cNvCxnSpPr>
+            <a:stCxn id="2" idx="2"/>
+            <a:endCxn id="9" idx="6"/>
+          </p:cNvCxnSpPr>
+          <p:nvPr/>
+        </p:nvCxnSpPr>
+        <p:spPr>
+          <a:xfrm flipH="1" flipV="1">
+            <a:off x="2730135" y="3028406"/>
+            <a:ext cx="2207623" cy="54428"/>
+          </a:xfrm>
+          <a:prstGeom prst="straightConnector1">
+            <a:avLst/>
+          </a:prstGeom>
+          <a:ln>
+            <a:tailEnd type="triangle"/>
+          </a:ln>
+        </p:spPr>
+        <p:style>
+          <a:lnRef idx="1">
+            <a:schemeClr val="accent1"/>
+          </a:lnRef>
+          <a:fillRef idx="0">
+            <a:schemeClr val="accent1"/>
+          </a:fillRef>
+          <a:effectRef idx="0">
+            <a:schemeClr val="accent1"/>
+          </a:effectRef>
+          <a:fontRef idx="minor">
+            <a:schemeClr val="tx1"/>
+          </a:fontRef>
+        </p:style>
+      </p:cxnSp>
+      <p:cxnSp>
+        <p:nvCxnSpPr>
+          <p:cNvPr id="26" name="Straight Arrow Connector 25">
+            <a:extLst>
+              <a:ext uri="{FF2B5EF4-FFF2-40B4-BE49-F238E27FC236}">
+                <a16:creationId xmlns:a16="http://schemas.microsoft.com/office/drawing/2014/main" id="{5B558611-CD97-C44E-B57A-F17985235C9C}"/>
+              </a:ext>
+            </a:extLst>
+          </p:cNvPr>
+          <p:cNvCxnSpPr>
+            <a:stCxn id="2" idx="2"/>
+            <a:endCxn id="10" idx="0"/>
+          </p:cNvCxnSpPr>
+          <p:nvPr/>
+        </p:nvCxnSpPr>
+        <p:spPr>
+          <a:xfrm flipH="1">
+            <a:off x="1458685" y="3082834"/>
+            <a:ext cx="3479073" cy="1284514"/>
+          </a:xfrm>
+          <a:prstGeom prst="straightConnector1">
+            <a:avLst/>
+          </a:prstGeom>
+          <a:ln>
+            <a:tailEnd type="triangle"/>
+          </a:ln>
+        </p:spPr>
+        <p:style>
+          <a:lnRef idx="1">
+            <a:schemeClr val="accent1"/>
+          </a:lnRef>
+          <a:fillRef idx="0">
+            <a:schemeClr val="accent1"/>
+          </a:fillRef>
+          <a:effectRef idx="0">
+            <a:schemeClr val="accent1"/>
+          </a:effectRef>
+          <a:fontRef idx="minor">
+            <a:schemeClr val="tx1"/>
+          </a:fontRef>
+        </p:style>
+      </p:cxnSp>
+      <p:cxnSp>
+        <p:nvCxnSpPr>
+          <p:cNvPr id="28" name="Straight Arrow Connector 27">
+            <a:extLst>
+              <a:ext uri="{FF2B5EF4-FFF2-40B4-BE49-F238E27FC236}">
+                <a16:creationId xmlns:a16="http://schemas.microsoft.com/office/drawing/2014/main" id="{3825001C-EBB7-D341-8B10-4E33CE3A0DE7}"/>
+              </a:ext>
+            </a:extLst>
+          </p:cNvPr>
+          <p:cNvCxnSpPr>
+            <a:stCxn id="2" idx="3"/>
+            <a:endCxn id="8" idx="0"/>
+          </p:cNvCxnSpPr>
+          <p:nvPr/>
+        </p:nvCxnSpPr>
+        <p:spPr>
+          <a:xfrm flipH="1">
+            <a:off x="4659083" y="3680149"/>
+            <a:ext cx="651075" cy="687199"/>
+          </a:xfrm>
+          <a:prstGeom prst="straightConnector1">
+            <a:avLst/>
+          </a:prstGeom>
+          <a:ln>
+            <a:tailEnd type="triangle"/>
+          </a:ln>
+        </p:spPr>
+        <p:style>
+          <a:lnRef idx="1">
+            <a:schemeClr val="accent1"/>
+          </a:lnRef>
+          <a:fillRef idx="0">
+            <a:schemeClr val="accent1"/>
+          </a:fillRef>
+          <a:effectRef idx="0">
+            <a:schemeClr val="accent1"/>
+          </a:effectRef>
+          <a:fontRef idx="minor">
+            <a:schemeClr val="tx1"/>
+          </a:fontRef>
+        </p:style>
+      </p:cxnSp>
+      <p:cxnSp>
+        <p:nvCxnSpPr>
+          <p:cNvPr id="30" name="Straight Arrow Connector 29">
+            <a:extLst>
+              <a:ext uri="{FF2B5EF4-FFF2-40B4-BE49-F238E27FC236}">
+                <a16:creationId xmlns:a16="http://schemas.microsoft.com/office/drawing/2014/main" id="{A886C2DA-BA90-7244-8790-230B9F192B0F}"/>
+              </a:ext>
+            </a:extLst>
+          </p:cNvPr>
+          <p:cNvCxnSpPr>
+            <a:cxnSpLocks/>
+            <a:stCxn id="2" idx="4"/>
+            <a:endCxn id="12" idx="2"/>
+          </p:cNvCxnSpPr>
+          <p:nvPr/>
+        </p:nvCxnSpPr>
+        <p:spPr>
+          <a:xfrm>
+            <a:off x="6209210" y="3927565"/>
+            <a:ext cx="378819" cy="1284515"/>
+          </a:xfrm>
+          <a:prstGeom prst="straightConnector1">
+            <a:avLst/>
+          </a:prstGeom>
+          <a:ln>
+            <a:tailEnd type="triangle"/>
+          </a:ln>
+        </p:spPr>
+        <p:style>
+          <a:lnRef idx="1">
+            <a:schemeClr val="accent1"/>
+          </a:lnRef>
+          <a:fillRef idx="0">
+            <a:schemeClr val="accent1"/>
+          </a:fillRef>
+          <a:effectRef idx="0">
+            <a:schemeClr val="accent1"/>
+          </a:effectRef>
+          <a:fontRef idx="minor">
+            <a:schemeClr val="tx1"/>
+          </a:fontRef>
+        </p:style>
+      </p:cxnSp>
+      <p:cxnSp>
+        <p:nvCxnSpPr>
+          <p:cNvPr id="32" name="Straight Arrow Connector 31">
+            <a:extLst>
+              <a:ext uri="{FF2B5EF4-FFF2-40B4-BE49-F238E27FC236}">
+                <a16:creationId xmlns:a16="http://schemas.microsoft.com/office/drawing/2014/main" id="{44B2CCF2-F723-CB4A-ADB2-F4AE5DD7C9C3}"/>
+              </a:ext>
+            </a:extLst>
+          </p:cNvPr>
+          <p:cNvCxnSpPr>
+            <a:stCxn id="2" idx="5"/>
+            <a:endCxn id="7" idx="1"/>
+          </p:cNvCxnSpPr>
+          <p:nvPr/>
+        </p:nvCxnSpPr>
+        <p:spPr>
+          <a:xfrm>
+            <a:off x="7108261" y="3680149"/>
+            <a:ext cx="2830502" cy="934616"/>
+          </a:xfrm>
+          <a:prstGeom prst="straightConnector1">
+            <a:avLst/>
+          </a:prstGeom>
+          <a:ln>
+            <a:tailEnd type="triangle"/>
+          </a:ln>
+        </p:spPr>
+        <p:style>
+          <a:lnRef idx="1">
+            <a:schemeClr val="accent1"/>
+          </a:lnRef>
+          <a:fillRef idx="0">
+            <a:schemeClr val="accent1"/>
+          </a:fillRef>
+          <a:effectRef idx="0">
+            <a:schemeClr val="accent1"/>
+          </a:effectRef>
+          <a:fontRef idx="minor">
+            <a:schemeClr val="tx1"/>
+          </a:fontRef>
+        </p:style>
+      </p:cxnSp>
+      <p:cxnSp>
+        <p:nvCxnSpPr>
+          <p:cNvPr id="35" name="Straight Arrow Connector 34">
+            <a:extLst>
+              <a:ext uri="{FF2B5EF4-FFF2-40B4-BE49-F238E27FC236}">
+                <a16:creationId xmlns:a16="http://schemas.microsoft.com/office/drawing/2014/main" id="{0ACEB51E-7E3B-554A-9DCE-81DE9BD2F4D7}"/>
+              </a:ext>
+            </a:extLst>
+          </p:cNvPr>
+          <p:cNvCxnSpPr>
+            <a:stCxn id="2" idx="6"/>
+            <a:endCxn id="6" idx="2"/>
+          </p:cNvCxnSpPr>
+          <p:nvPr/>
+        </p:nvCxnSpPr>
+        <p:spPr>
+          <a:xfrm>
+            <a:off x="7480661" y="3082834"/>
+            <a:ext cx="2085703" cy="0"/>
+          </a:xfrm>
+          <a:prstGeom prst="straightConnector1">
+            <a:avLst/>
+          </a:prstGeom>
+          <a:ln>
+            <a:tailEnd type="triangle"/>
+          </a:ln>
+        </p:spPr>
+        <p:style>
+          <a:lnRef idx="1">
+            <a:schemeClr val="accent1"/>
+          </a:lnRef>
+          <a:fillRef idx="0">
+            <a:schemeClr val="accent1"/>
+          </a:fillRef>
+          <a:effectRef idx="0">
+            <a:schemeClr val="accent1"/>
+          </a:effectRef>
+          <a:fontRef idx="minor">
+            <a:schemeClr val="tx1"/>
+          </a:fontRef>
+        </p:style>
+      </p:cxnSp>
+    </p:spTree>
+    <p:extLst>
+      <p:ext uri="{BB962C8B-B14F-4D97-AF65-F5344CB8AC3E}">
+        <p14:creationId xmlns:p14="http://schemas.microsoft.com/office/powerpoint/2010/main" val="3069730855"/>
+      </p:ext>
+    </p:extLst>
+  </p:cSld>
+  <p:clrMapOvr>
+    <a:masterClrMapping/>
+  </p:clrMapOvr>
+</p:sld>
+</file>
+
+<file path=ppt/slides/slide23.xml><?xml version="1.0" encoding="utf-8"?>
+<p:sld xmlns:a="http://schemas.openxmlformats.org/drawingml/2006/main" xmlns:r="http://schemas.openxmlformats.org/officeDocument/2006/relationships" xmlns:p="http://schemas.openxmlformats.org/presentationml/2006/main">
+  <p:cSld>
+    <p:spTree>
+      <p:nvGrpSpPr>
+        <p:cNvPr id="1" name=""/>
+        <p:cNvGrpSpPr/>
+        <p:nvPr/>
+      </p:nvGrpSpPr>
+      <p:grpSpPr>
+        <a:xfrm>
+          <a:off x="0" y="0"/>
+          <a:ext cx="0" cy="0"/>
+          <a:chOff x="0" y="0"/>
+          <a:chExt cx="0" cy="0"/>
+        </a:xfrm>
+      </p:grpSpPr>
+      <p:sp>
+        <p:nvSpPr>
+          <p:cNvPr id="2" name="TextBox 1">
+            <a:extLst>
+              <a:ext uri="{FF2B5EF4-FFF2-40B4-BE49-F238E27FC236}">
+                <a16:creationId xmlns:a16="http://schemas.microsoft.com/office/drawing/2014/main" id="{62A71050-03D5-D44C-A3BD-C08B96908995}"/>
+              </a:ext>
+            </a:extLst>
+          </p:cNvPr>
+          <p:cNvSpPr txBox="1"/>
+          <p:nvPr/>
+        </p:nvSpPr>
+        <p:spPr>
+          <a:xfrm>
+            <a:off x="148046" y="200297"/>
+            <a:ext cx="11956868" cy="5355312"/>
+          </a:xfrm>
+          <a:prstGeom prst="rect">
+            <a:avLst/>
+          </a:prstGeom>
+          <a:noFill/>
+        </p:spPr>
+        <p:txBody>
+          <a:bodyPr wrap="square" rtlCol="0">
+            <a:spAutoFit/>
+          </a:bodyPr>
+          <a:lstStyle/>
+          <a:p>
+            <a:r>
+              <a:rPr lang="en-US" dirty="0"/>
+              <a:t>Create Database Design</a:t>
+            </a:r>
+          </a:p>
+          <a:p>
+            <a:pPr marL="342900" indent="-342900">
+              <a:buFont typeface="+mj-lt"/>
+              <a:buAutoNum type="arabicPeriod"/>
+            </a:pPr>
+            <a:r>
+              <a:rPr lang="en-US" dirty="0"/>
+              <a:t>Select Database Provider</a:t>
+            </a:r>
+          </a:p>
+          <a:p>
+            <a:pPr marL="800100" lvl="1" indent="-342900">
+              <a:buFont typeface="+mj-lt"/>
+              <a:buAutoNum type="arabicPeriod"/>
+            </a:pPr>
+            <a:r>
+              <a:rPr lang="en-US" dirty="0"/>
+              <a:t>Relational</a:t>
+            </a:r>
+          </a:p>
+          <a:p>
+            <a:pPr marL="1257300" lvl="2" indent="-342900">
+              <a:buFont typeface="+mj-lt"/>
+              <a:buAutoNum type="arabicPeriod"/>
+            </a:pPr>
+            <a:r>
+              <a:rPr lang="en-US" dirty="0"/>
+              <a:t>Oracle</a:t>
+            </a:r>
+          </a:p>
+          <a:p>
+            <a:pPr marL="1257300" lvl="2" indent="-342900">
+              <a:buFont typeface="+mj-lt"/>
+              <a:buAutoNum type="arabicPeriod"/>
+            </a:pPr>
+            <a:r>
+              <a:rPr lang="en-US" dirty="0"/>
+              <a:t>MS-SQL</a:t>
+            </a:r>
+          </a:p>
+          <a:p>
+            <a:pPr marL="1257300" lvl="2" indent="-342900">
+              <a:buFont typeface="+mj-lt"/>
+              <a:buAutoNum type="arabicPeriod"/>
+            </a:pPr>
+            <a:r>
+              <a:rPr lang="en-US" dirty="0"/>
+              <a:t>MySQL</a:t>
+            </a:r>
+          </a:p>
+          <a:p>
+            <a:pPr marL="1257300" lvl="2" indent="-342900">
+              <a:buFont typeface="+mj-lt"/>
+              <a:buAutoNum type="arabicPeriod"/>
+            </a:pPr>
+            <a:r>
+              <a:rPr lang="en-US" dirty="0" err="1"/>
+              <a:t>Postgre</a:t>
+            </a:r>
+            <a:endParaRPr lang="en-US" dirty="0"/>
+          </a:p>
+          <a:p>
+            <a:pPr marL="1257300" lvl="2" indent="-342900">
+              <a:buFont typeface="+mj-lt"/>
+              <a:buAutoNum type="arabicPeriod"/>
+            </a:pPr>
+            <a:r>
+              <a:rPr lang="en-US" dirty="0"/>
+              <a:t>MariaDB</a:t>
+            </a:r>
+          </a:p>
+          <a:p>
+            <a:pPr marL="800100" lvl="1" indent="-342900">
+              <a:buFont typeface="+mj-lt"/>
+              <a:buAutoNum type="arabicPeriod"/>
+            </a:pPr>
+            <a:r>
+              <a:rPr lang="en-US" dirty="0"/>
+              <a:t>NoSQL</a:t>
+            </a:r>
+          </a:p>
+          <a:p>
+            <a:pPr marL="1257300" lvl="2" indent="-342900">
+              <a:buFont typeface="+mj-lt"/>
+              <a:buAutoNum type="arabicPeriod"/>
+            </a:pPr>
+            <a:r>
+              <a:rPr lang="en-US" dirty="0" err="1"/>
+              <a:t>CosmosDB</a:t>
+            </a:r>
+            <a:endParaRPr lang="en-US" dirty="0"/>
+          </a:p>
+          <a:p>
+            <a:pPr marL="1257300" lvl="2" indent="-342900">
+              <a:buFont typeface="+mj-lt"/>
+              <a:buAutoNum type="arabicPeriod"/>
+            </a:pPr>
+            <a:r>
+              <a:rPr lang="en-US" dirty="0" err="1"/>
+              <a:t>MongoDbServer</a:t>
+            </a:r>
+            <a:endParaRPr lang="en-US" dirty="0"/>
+          </a:p>
+          <a:p>
+            <a:pPr marL="1257300" lvl="2" indent="-342900">
+              <a:buFont typeface="+mj-lt"/>
+              <a:buAutoNum type="arabicPeriod"/>
+            </a:pPr>
+            <a:r>
+              <a:rPr lang="en-US" dirty="0" err="1"/>
+              <a:t>DocumentDB</a:t>
+            </a:r>
+            <a:endParaRPr lang="en-US" dirty="0"/>
+          </a:p>
+          <a:p>
+            <a:pPr marL="1257300" lvl="2" indent="-342900">
+              <a:buFont typeface="+mj-lt"/>
+              <a:buAutoNum type="arabicPeriod"/>
+            </a:pPr>
+            <a:r>
+              <a:rPr lang="en-US" dirty="0"/>
+              <a:t>CouchDB</a:t>
+            </a:r>
+          </a:p>
+          <a:p>
+            <a:pPr marL="1257300" lvl="2" indent="-342900">
+              <a:buFont typeface="+mj-lt"/>
+              <a:buAutoNum type="arabicPeriod"/>
+            </a:pPr>
+            <a:r>
+              <a:rPr lang="en-US" dirty="0" err="1"/>
+              <a:t>RavenDB</a:t>
+            </a:r>
+            <a:endParaRPr lang="en-US" dirty="0"/>
+          </a:p>
+          <a:p>
+            <a:pPr marL="342900" indent="-342900">
+              <a:buFont typeface="+mj-lt"/>
+              <a:buAutoNum type="arabicPeriod"/>
+            </a:pPr>
+            <a:r>
+              <a:rPr lang="en-US" dirty="0"/>
+              <a:t>Define Database Objects</a:t>
+            </a:r>
+          </a:p>
+          <a:p>
+            <a:pPr marL="800100" lvl="1" indent="-342900">
+              <a:buFont typeface="+mj-lt"/>
+              <a:buAutoNum type="arabicPeriod"/>
+            </a:pPr>
+            <a:r>
+              <a:rPr lang="en-US" dirty="0"/>
+              <a:t>Tables</a:t>
+            </a:r>
+          </a:p>
+          <a:p>
+            <a:pPr marL="800100" lvl="1" indent="-342900">
+              <a:buFont typeface="+mj-lt"/>
+              <a:buAutoNum type="arabicPeriod"/>
+            </a:pPr>
+            <a:r>
+              <a:rPr lang="en-US" dirty="0"/>
+              <a:t>Stored Procedures</a:t>
+            </a:r>
+          </a:p>
+          <a:p>
+            <a:pPr marL="800100" lvl="1" indent="-342900">
+              <a:buFont typeface="+mj-lt"/>
+              <a:buAutoNum type="arabicPeriod"/>
+            </a:pPr>
+            <a:r>
+              <a:rPr lang="en-US" dirty="0"/>
+              <a:t>Functions</a:t>
+            </a:r>
+          </a:p>
+          <a:p>
+            <a:pPr marL="800100" lvl="1" indent="-342900">
+              <a:buFont typeface="+mj-lt"/>
+              <a:buAutoNum type="arabicPeriod"/>
+            </a:pPr>
+            <a:r>
+              <a:rPr lang="en-US" dirty="0"/>
+              <a:t>Triggers</a:t>
+            </a:r>
+          </a:p>
+        </p:txBody>
+      </p:sp>
+      <p:sp>
+        <p:nvSpPr>
+          <p:cNvPr id="3" name="Right Brace 2">
+            <a:extLst>
+              <a:ext uri="{FF2B5EF4-FFF2-40B4-BE49-F238E27FC236}">
+                <a16:creationId xmlns:a16="http://schemas.microsoft.com/office/drawing/2014/main" id="{A6F020AE-1683-924E-B3F3-0A3EBEF867D0}"/>
+              </a:ext>
+            </a:extLst>
+          </p:cNvPr>
+          <p:cNvSpPr/>
+          <p:nvPr/>
+        </p:nvSpPr>
+        <p:spPr>
+          <a:xfrm>
+            <a:off x="3082834" y="696686"/>
+            <a:ext cx="879566" cy="3335383"/>
+          </a:xfrm>
+          <a:prstGeom prst="rightBrace">
+            <a:avLst/>
+          </a:prstGeom>
+        </p:spPr>
+        <p:style>
+          <a:lnRef idx="1">
+            <a:schemeClr val="accent1"/>
+          </a:lnRef>
+          <a:fillRef idx="0">
+            <a:schemeClr val="accent1"/>
+          </a:fillRef>
+          <a:effectRef idx="0">
+            <a:schemeClr val="accent1"/>
+          </a:effectRef>
+          <a:fontRef idx="minor">
+            <a:schemeClr val="tx1"/>
+          </a:fontRef>
+        </p:style>
+        <p:txBody>
+          <a:bodyPr rtlCol="0" anchor="ctr"/>
+          <a:lstStyle/>
+          <a:p>
+            <a:pPr algn="ctr"/>
+            <a:endParaRPr lang="en-US"/>
+          </a:p>
+        </p:txBody>
+      </p:sp>
+      <p:sp>
+        <p:nvSpPr>
+          <p:cNvPr id="4" name="TextBox 3">
+            <a:extLst>
+              <a:ext uri="{FF2B5EF4-FFF2-40B4-BE49-F238E27FC236}">
+                <a16:creationId xmlns:a16="http://schemas.microsoft.com/office/drawing/2014/main" id="{4800B379-E245-6747-9BE2-3F9ABA5DDC4B}"/>
+              </a:ext>
+            </a:extLst>
+          </p:cNvPr>
+          <p:cNvSpPr txBox="1"/>
+          <p:nvPr/>
+        </p:nvSpPr>
+        <p:spPr>
+          <a:xfrm>
+            <a:off x="3962400" y="339634"/>
+            <a:ext cx="7428412" cy="4801314"/>
+          </a:xfrm>
+          <a:prstGeom prst="rect">
+            <a:avLst/>
+          </a:prstGeom>
+          <a:noFill/>
+        </p:spPr>
+        <p:txBody>
+          <a:bodyPr wrap="square" rtlCol="0">
+            <a:spAutoFit/>
+          </a:bodyPr>
+          <a:lstStyle/>
+          <a:p>
+            <a:r>
+              <a:rPr lang="en-US" dirty="0"/>
+              <a:t>Parameters for Deciding the Database Provider</a:t>
+            </a:r>
+          </a:p>
+          <a:p>
+            <a:pPr marL="285750" indent="-285750">
+              <a:buFont typeface="Arial" panose="020B0604020202020204" pitchFamily="34" charset="0"/>
+              <a:buChar char="•"/>
+            </a:pPr>
+            <a:r>
+              <a:rPr lang="en-US" dirty="0"/>
+              <a:t>Feasibility</a:t>
+            </a:r>
+          </a:p>
+          <a:p>
+            <a:pPr marL="742950" lvl="1" indent="-285750">
+              <a:buFont typeface="Arial" panose="020B0604020202020204" pitchFamily="34" charset="0"/>
+              <a:buChar char="•"/>
+            </a:pPr>
+            <a:r>
+              <a:rPr lang="en-US" dirty="0"/>
+              <a:t>Ease of availability</a:t>
+            </a:r>
+          </a:p>
+          <a:p>
+            <a:pPr marL="742950" lvl="1" indent="-285750">
+              <a:buFont typeface="Arial" panose="020B0604020202020204" pitchFamily="34" charset="0"/>
+              <a:buChar char="•"/>
+            </a:pPr>
+            <a:r>
+              <a:rPr lang="en-US" dirty="0"/>
+              <a:t>Mechanism to design and integrate with the app</a:t>
+            </a:r>
+          </a:p>
+          <a:p>
+            <a:pPr marL="285750" indent="-285750">
+              <a:buFont typeface="Arial" panose="020B0604020202020204" pitchFamily="34" charset="0"/>
+              <a:buChar char="•"/>
+            </a:pPr>
+            <a:r>
+              <a:rPr lang="en-US" dirty="0"/>
+              <a:t>Licensing</a:t>
+            </a:r>
+          </a:p>
+          <a:p>
+            <a:pPr marL="742950" lvl="1" indent="-285750">
+              <a:buFont typeface="Arial" panose="020B0604020202020204" pitchFamily="34" charset="0"/>
+              <a:buChar char="•"/>
+            </a:pPr>
+            <a:r>
+              <a:rPr lang="en-US" dirty="0"/>
+              <a:t>Free, License purchase and cost</a:t>
+            </a:r>
+          </a:p>
+          <a:p>
+            <a:pPr marL="285750" indent="-285750">
+              <a:buFont typeface="Arial" panose="020B0604020202020204" pitchFamily="34" charset="0"/>
+              <a:buChar char="•"/>
+            </a:pPr>
+            <a:r>
+              <a:rPr lang="en-US" dirty="0"/>
+              <a:t>Learning CURV</a:t>
+            </a:r>
+          </a:p>
+          <a:p>
+            <a:pPr marL="742950" lvl="1" indent="-285750">
+              <a:buFont typeface="Arial" panose="020B0604020202020204" pitchFamily="34" charset="0"/>
+              <a:buChar char="•"/>
+            </a:pPr>
+            <a:r>
+              <a:rPr lang="en-US" dirty="0"/>
+              <a:t>It is easy with syntax and concepts</a:t>
+            </a:r>
+          </a:p>
+          <a:p>
+            <a:pPr marL="285750" indent="-285750">
+              <a:buFont typeface="Arial" panose="020B0604020202020204" pitchFamily="34" charset="0"/>
+              <a:buChar char="•"/>
+            </a:pPr>
+            <a:r>
+              <a:rPr lang="en-US" dirty="0"/>
+              <a:t>How easy to find resources for the DB Programming</a:t>
+            </a:r>
+          </a:p>
+          <a:p>
+            <a:pPr marL="742950" lvl="1" indent="-285750">
+              <a:buFont typeface="Arial" panose="020B0604020202020204" pitchFamily="34" charset="0"/>
+              <a:buChar char="•"/>
+            </a:pPr>
+            <a:r>
+              <a:rPr lang="en-US" dirty="0"/>
+              <a:t>Availability of Developers or Engineers</a:t>
+            </a:r>
+          </a:p>
+          <a:p>
+            <a:pPr marL="285750" indent="-285750">
+              <a:buFont typeface="Arial" panose="020B0604020202020204" pitchFamily="34" charset="0"/>
+              <a:buChar char="•"/>
+            </a:pPr>
+            <a:r>
+              <a:rPr lang="en-US" dirty="0"/>
+              <a:t>How effective the database for the given app</a:t>
+            </a:r>
+          </a:p>
+          <a:p>
+            <a:pPr marL="742950" lvl="1" indent="-285750">
+              <a:buFont typeface="Arial" panose="020B0604020202020204" pitchFamily="34" charset="0"/>
+              <a:buChar char="•"/>
+            </a:pPr>
+            <a:r>
+              <a:rPr lang="en-US" dirty="0"/>
+              <a:t>Availability of various Programming Objects aka providers to access database data in application JAVA, C#, Node.js, PHP, etc.</a:t>
+            </a:r>
+          </a:p>
+          <a:p>
+            <a:pPr marL="285750" indent="-285750">
+              <a:buFont typeface="Arial" panose="020B0604020202020204" pitchFamily="34" charset="0"/>
+              <a:buChar char="•"/>
+            </a:pPr>
+            <a:r>
+              <a:rPr lang="en-US" dirty="0"/>
+              <a:t>Security</a:t>
+            </a:r>
+          </a:p>
+          <a:p>
+            <a:pPr marL="742950" lvl="1" indent="-285750">
+              <a:buFont typeface="Arial" panose="020B0604020202020204" pitchFamily="34" charset="0"/>
+              <a:buChar char="•"/>
+            </a:pPr>
+            <a:r>
+              <a:rPr lang="en-US" dirty="0"/>
+              <a:t>Role base access</a:t>
+            </a:r>
+          </a:p>
+          <a:p>
+            <a:pPr marL="285750" indent="-285750">
+              <a:buFont typeface="Arial" panose="020B0604020202020204" pitchFamily="34" charset="0"/>
+              <a:buChar char="•"/>
+            </a:pPr>
+            <a:r>
+              <a:rPr lang="en-US" dirty="0"/>
+              <a:t>Data Performance</a:t>
+            </a:r>
+          </a:p>
+          <a:p>
+            <a:pPr marL="285750" indent="-285750">
+              <a:buFont typeface="Arial" panose="020B0604020202020204" pitchFamily="34" charset="0"/>
+              <a:buChar char="•"/>
+            </a:pPr>
+            <a:r>
+              <a:rPr lang="en-US" dirty="0"/>
+              <a:t>Use in Application </a:t>
+            </a:r>
+          </a:p>
+        </p:txBody>
+      </p:sp>
+    </p:spTree>
+    <p:extLst>
+      <p:ext uri="{BB962C8B-B14F-4D97-AF65-F5344CB8AC3E}">
+        <p14:creationId xmlns:p14="http://schemas.microsoft.com/office/powerpoint/2010/main" val="920101502"/>
+      </p:ext>
+    </p:extLst>
+  </p:cSld>
+  <p:clrMapOvr>
+    <a:masterClrMapping/>
+  </p:clrMapOvr>
+</p:sld>
+</file>
+
+<file path=ppt/slides/slide24.xml><?xml version="1.0" encoding="utf-8"?>
+<p:sld xmlns:a="http://schemas.openxmlformats.org/drawingml/2006/main" xmlns:r="http://schemas.openxmlformats.org/officeDocument/2006/relationships" xmlns:p="http://schemas.openxmlformats.org/presentationml/2006/main">
+  <p:cSld>
+    <p:spTree>
+      <p:nvGrpSpPr>
+        <p:cNvPr id="1" name=""/>
+        <p:cNvGrpSpPr/>
+        <p:nvPr/>
+      </p:nvGrpSpPr>
+      <p:grpSpPr>
+        <a:xfrm>
+          <a:off x="0" y="0"/>
+          <a:ext cx="0" cy="0"/>
+          <a:chOff x="0" y="0"/>
+          <a:chExt cx="0" cy="0"/>
+        </a:xfrm>
+      </p:grpSpPr>
+      <p:sp>
+        <p:nvSpPr>
+          <p:cNvPr id="2" name="TextBox 1">
+            <a:extLst>
+              <a:ext uri="{FF2B5EF4-FFF2-40B4-BE49-F238E27FC236}">
+                <a16:creationId xmlns:a16="http://schemas.microsoft.com/office/drawing/2014/main" id="{6CE302E4-D042-9A42-BE3B-F1BE655828D4}"/>
+              </a:ext>
+            </a:extLst>
+          </p:cNvPr>
+          <p:cNvSpPr txBox="1"/>
+          <p:nvPr/>
+        </p:nvSpPr>
+        <p:spPr>
+          <a:xfrm>
+            <a:off x="113211" y="69669"/>
+            <a:ext cx="12009120" cy="5529483"/>
+          </a:xfrm>
+          <a:prstGeom prst="rect">
+            <a:avLst/>
+          </a:prstGeom>
+          <a:noFill/>
+        </p:spPr>
+        <p:txBody>
+          <a:bodyPr wrap="square" rtlCol="0">
+            <a:spAutoFit/>
+          </a:bodyPr>
+          <a:lstStyle/>
+          <a:p>
+            <a:r>
+              <a:rPr lang="en-US" dirty="0" err="1"/>
+              <a:t>MySql</a:t>
+            </a:r>
+            <a:endParaRPr lang="en-US" dirty="0"/>
+          </a:p>
+          <a:p>
+            <a:pPr marL="342900" indent="-342900">
+              <a:buAutoNum type="arabicPeriod"/>
+            </a:pPr>
+            <a:r>
+              <a:rPr lang="en-US" dirty="0"/>
+              <a:t>Open Source Database</a:t>
+            </a:r>
+          </a:p>
+          <a:p>
+            <a:pPr marL="342900" indent="-342900">
+              <a:buAutoNum type="arabicPeriod"/>
+            </a:pPr>
+            <a:r>
+              <a:rPr lang="en-US" dirty="0"/>
+              <a:t>Relational database object Model</a:t>
+            </a:r>
+          </a:p>
+          <a:p>
+            <a:pPr marL="342900" indent="-342900">
+              <a:buAutoNum type="arabicPeriod"/>
+            </a:pPr>
+            <a:r>
+              <a:rPr lang="en-US" dirty="0"/>
+              <a:t>GNU Open Licenses</a:t>
+            </a:r>
+          </a:p>
+          <a:p>
+            <a:pPr marL="342900" indent="-342900">
+              <a:buAutoNum type="arabicPeriod"/>
+            </a:pPr>
+            <a:r>
+              <a:rPr lang="en-US" dirty="0"/>
+              <a:t>25 years old, C, C++</a:t>
+            </a:r>
+          </a:p>
+          <a:p>
+            <a:pPr marL="342900" indent="-342900">
+              <a:buAutoNum type="arabicPeriod"/>
+            </a:pPr>
+            <a:r>
+              <a:rPr lang="en-US" dirty="0"/>
+              <a:t>OS Friendly, Linux, Windows, macOS,  </a:t>
+            </a:r>
+            <a:r>
+              <a:rPr lang="en-US" dirty="0" err="1"/>
+              <a:t>Solaries</a:t>
+            </a:r>
+            <a:endParaRPr lang="en-US" dirty="0"/>
+          </a:p>
+          <a:p>
+            <a:pPr marL="342900" indent="-342900">
+              <a:buAutoNum type="arabicPeriod"/>
+            </a:pPr>
+            <a:r>
+              <a:rPr lang="en-US" dirty="0"/>
+              <a:t>Latest Stable release, Oct 2020 </a:t>
+            </a:r>
+            <a:r>
+              <a:rPr lang="en-US" dirty="0" err="1"/>
+              <a:t>wirh</a:t>
+            </a:r>
+            <a:r>
+              <a:rPr lang="en-US" dirty="0"/>
+              <a:t> release version as 5.7.32</a:t>
+            </a:r>
+          </a:p>
+          <a:p>
+            <a:pPr marL="342900" indent="-342900">
+              <a:buAutoNum type="arabicPeriod"/>
+            </a:pPr>
+            <a:r>
+              <a:rPr lang="en-US" dirty="0"/>
+              <a:t>Features</a:t>
+            </a:r>
+          </a:p>
+          <a:p>
+            <a:pPr marL="800100" lvl="1" indent="-342900">
+              <a:buAutoNum type="arabicPeriod"/>
+            </a:pPr>
+            <a:r>
+              <a:rPr lang="en-US" dirty="0"/>
+              <a:t>Easy to learn and use</a:t>
+            </a:r>
+          </a:p>
+          <a:p>
+            <a:pPr marL="800100" lvl="1" indent="-342900">
+              <a:buAutoNum type="arabicPeriod"/>
+            </a:pPr>
+            <a:r>
+              <a:rPr lang="en-US" dirty="0"/>
+              <a:t>Client-Server Architecture </a:t>
+            </a:r>
+          </a:p>
+          <a:p>
+            <a:pPr marL="1257300" lvl="2" indent="-342900">
+              <a:buAutoNum type="arabicPeriod"/>
+            </a:pPr>
+            <a:r>
+              <a:rPr lang="en-US" dirty="0"/>
+              <a:t>JAVA, PHP, C#</a:t>
+            </a:r>
+          </a:p>
+          <a:p>
+            <a:pPr marL="1257300" lvl="2" indent="-342900">
+              <a:buAutoNum type="arabicPeriod"/>
+            </a:pPr>
+            <a:r>
+              <a:rPr lang="en-US" dirty="0"/>
+              <a:t>Node.js for JavaScript Stack</a:t>
+            </a:r>
+          </a:p>
+          <a:p>
+            <a:pPr marL="800100" lvl="1" indent="-342900">
+              <a:buAutoNum type="arabicPeriod"/>
+            </a:pPr>
+            <a:r>
+              <a:rPr lang="en-US" dirty="0"/>
+              <a:t>Solid Data Security</a:t>
+            </a:r>
+          </a:p>
+          <a:p>
+            <a:pPr marL="800100" lvl="1" indent="-342900">
+              <a:buAutoNum type="arabicPeriod"/>
+            </a:pPr>
+            <a:r>
+              <a:rPr lang="en-US" dirty="0"/>
+              <a:t>Free to Download</a:t>
+            </a:r>
+          </a:p>
+          <a:p>
+            <a:pPr marL="800100" lvl="1" indent="-342900">
+              <a:buAutoNum type="arabicPeriod"/>
+            </a:pPr>
+            <a:r>
+              <a:rPr lang="en-US" dirty="0"/>
+              <a:t>Internal multi-Threading for scalability</a:t>
+            </a:r>
+          </a:p>
+          <a:p>
+            <a:pPr marL="1257300" lvl="2" indent="-342900">
+              <a:buAutoNum type="arabicPeriod"/>
+            </a:pPr>
+            <a:r>
+              <a:rPr lang="en-US" dirty="0"/>
+              <a:t>Internal threading to process the data in separate threads </a:t>
+            </a:r>
+          </a:p>
+          <a:p>
+            <a:pPr marL="1257300" lvl="2" indent="-342900">
+              <a:buAutoNum type="arabicPeriod"/>
+            </a:pPr>
+            <a:r>
+              <a:rPr lang="en-US" dirty="0"/>
+              <a:t>Data processing </a:t>
+            </a:r>
+            <a:r>
+              <a:rPr lang="en-US" dirty="0" err="1"/>
+              <a:t>upto</a:t>
+            </a:r>
+            <a:r>
+              <a:rPr lang="en-US" dirty="0"/>
+              <a:t> 50 </a:t>
+            </a:r>
+            <a:r>
+              <a:rPr lang="en-US" dirty="0" err="1"/>
+              <a:t>millons</a:t>
+            </a:r>
+            <a:r>
+              <a:rPr lang="en-US" dirty="0"/>
+              <a:t> rows easily</a:t>
+            </a:r>
+          </a:p>
+          <a:p>
+            <a:pPr marL="1257300" lvl="2" indent="-342900">
+              <a:buAutoNum type="arabicPeriod"/>
+            </a:pPr>
+            <a:r>
+              <a:rPr lang="en-US" dirty="0"/>
+              <a:t>Datafile size limit is </a:t>
+            </a:r>
+            <a:r>
+              <a:rPr lang="en-US" dirty="0" err="1"/>
+              <a:t>upto</a:t>
+            </a:r>
+            <a:r>
+              <a:rPr lang="en-US" dirty="0"/>
+              <a:t> 4 GB can be increased </a:t>
+            </a:r>
+            <a:r>
+              <a:rPr lang="en-US" dirty="0" err="1"/>
+              <a:t>upto</a:t>
+            </a:r>
+            <a:endParaRPr lang="en-US" dirty="0"/>
+          </a:p>
+          <a:p>
+            <a:pPr marL="800100" lvl="1" indent="-342900">
+              <a:buAutoNum type="arabicPeriod"/>
+            </a:pPr>
+            <a:r>
+              <a:rPr lang="en-US" dirty="0"/>
+              <a:t>Effective memory utilization, decrease any possible memory leaks and hence improve performance</a:t>
+            </a:r>
+          </a:p>
+        </p:txBody>
+      </p:sp>
+    </p:spTree>
+    <p:extLst>
+      <p:ext uri="{BB962C8B-B14F-4D97-AF65-F5344CB8AC3E}">
+        <p14:creationId xmlns:p14="http://schemas.microsoft.com/office/powerpoint/2010/main" val="2380205313"/>
+      </p:ext>
+    </p:extLst>
+  </p:cSld>
+  <p:clrMapOvr>
+    <a:masterClrMapping/>
+  </p:clrMapOvr>
+</p:sld>
+</file>
+
+<file path=ppt/slides/slide25.xml><?xml version="1.0" encoding="utf-8"?>
+<p:sld xmlns:a="http://schemas.openxmlformats.org/drawingml/2006/main" xmlns:r="http://schemas.openxmlformats.org/officeDocument/2006/relationships" xmlns:p="http://schemas.openxmlformats.org/presentationml/2006/main">
+  <p:cSld>
+    <p:spTree>
+      <p:nvGrpSpPr>
+        <p:cNvPr id="1" name=""/>
+        <p:cNvGrpSpPr/>
+        <p:nvPr/>
+      </p:nvGrpSpPr>
+      <p:grpSpPr>
+        <a:xfrm>
+          <a:off x="0" y="0"/>
+          <a:ext cx="0" cy="0"/>
+          <a:chOff x="0" y="0"/>
+          <a:chExt cx="0" cy="0"/>
+        </a:xfrm>
+      </p:grpSpPr>
+      <p:sp>
+        <p:nvSpPr>
+          <p:cNvPr id="2" name="TextBox 1">
+            <a:extLst>
+              <a:ext uri="{FF2B5EF4-FFF2-40B4-BE49-F238E27FC236}">
+                <a16:creationId xmlns:a16="http://schemas.microsoft.com/office/drawing/2014/main" id="{8B7F0502-F6CD-9448-AB65-93569C732C86}"/>
+              </a:ext>
+            </a:extLst>
+          </p:cNvPr>
+          <p:cNvSpPr txBox="1"/>
+          <p:nvPr/>
+        </p:nvSpPr>
+        <p:spPr>
+          <a:xfrm>
+            <a:off x="287383" y="182880"/>
+            <a:ext cx="11756571" cy="3970318"/>
+          </a:xfrm>
+          <a:prstGeom prst="rect">
+            <a:avLst/>
+          </a:prstGeom>
+          <a:noFill/>
+        </p:spPr>
+        <p:txBody>
+          <a:bodyPr wrap="square" rtlCol="0">
+            <a:spAutoFit/>
+          </a:bodyPr>
+          <a:lstStyle/>
+          <a:p>
+            <a:r>
+              <a:rPr lang="en-US" dirty="0"/>
+              <a:t>Database Object for MySQL</a:t>
+            </a:r>
+          </a:p>
+          <a:p>
+            <a:pPr marL="342900" indent="-342900">
+              <a:buFont typeface="+mj-lt"/>
+              <a:buAutoNum type="arabicPeriod"/>
+            </a:pPr>
+            <a:r>
+              <a:rPr lang="en-US" dirty="0"/>
+              <a:t>Creating the database</a:t>
+            </a:r>
+          </a:p>
+          <a:p>
+            <a:pPr marL="800100" lvl="1" indent="-342900">
+              <a:buFont typeface="+mj-lt"/>
+              <a:buAutoNum type="arabicPeriod"/>
+            </a:pPr>
+            <a:r>
+              <a:rPr lang="en-US" dirty="0"/>
+              <a:t>DDL</a:t>
+            </a:r>
+          </a:p>
+          <a:p>
+            <a:pPr marL="1257300" lvl="2" indent="-342900">
+              <a:buFont typeface="+mj-lt"/>
+              <a:buAutoNum type="arabicPeriod"/>
+            </a:pPr>
+            <a:r>
+              <a:rPr lang="en-US" dirty="0"/>
+              <a:t>Data Definition Language</a:t>
+            </a:r>
+          </a:p>
+          <a:p>
+            <a:pPr marL="342900" indent="-342900">
+              <a:buFont typeface="+mj-lt"/>
+              <a:buAutoNum type="arabicPeriod"/>
+            </a:pPr>
+            <a:r>
+              <a:rPr lang="en-US" dirty="0"/>
+              <a:t>Create Tables (DDL)</a:t>
+            </a:r>
+          </a:p>
+          <a:p>
+            <a:pPr marL="800100" lvl="1" indent="-342900">
+              <a:buFont typeface="+mj-lt"/>
+              <a:buAutoNum type="arabicPeriod"/>
+            </a:pPr>
+            <a:r>
+              <a:rPr lang="en-US" dirty="0"/>
+              <a:t>Create Columns</a:t>
+            </a:r>
+          </a:p>
+          <a:p>
+            <a:pPr marL="800100" lvl="1" indent="-342900">
+              <a:buFont typeface="+mj-lt"/>
+              <a:buAutoNum type="arabicPeriod"/>
+            </a:pPr>
+            <a:r>
+              <a:rPr lang="en-US" dirty="0"/>
+              <a:t>Constraints</a:t>
+            </a:r>
+          </a:p>
+          <a:p>
+            <a:pPr marL="800100" lvl="1" indent="-342900">
+              <a:buFont typeface="+mj-lt"/>
+              <a:buAutoNum type="arabicPeriod"/>
+            </a:pPr>
+            <a:r>
+              <a:rPr lang="en-US" dirty="0"/>
+              <a:t>Altering Table</a:t>
+            </a:r>
+          </a:p>
+          <a:p>
+            <a:pPr marL="800100" lvl="1" indent="-342900">
+              <a:buFont typeface="+mj-lt"/>
+              <a:buAutoNum type="arabicPeriod"/>
+            </a:pPr>
+            <a:r>
+              <a:rPr lang="en-US" dirty="0"/>
+              <a:t>Altering Column</a:t>
+            </a:r>
+          </a:p>
+          <a:p>
+            <a:pPr marL="342900" indent="-342900">
+              <a:buFont typeface="+mj-lt"/>
+              <a:buAutoNum type="arabicPeriod"/>
+            </a:pPr>
+            <a:r>
+              <a:rPr lang="en-US" dirty="0"/>
+              <a:t>CRUD Operations</a:t>
+            </a:r>
+          </a:p>
+          <a:p>
+            <a:pPr marL="800100" lvl="1" indent="-342900">
+              <a:buFont typeface="+mj-lt"/>
+              <a:buAutoNum type="arabicPeriod"/>
+            </a:pPr>
+            <a:r>
+              <a:rPr lang="en-US" dirty="0"/>
+              <a:t>Using SQL Queries</a:t>
+            </a:r>
+          </a:p>
+          <a:p>
+            <a:pPr marL="800100" lvl="1" indent="-342900">
+              <a:buFont typeface="+mj-lt"/>
+              <a:buAutoNum type="arabicPeriod"/>
+            </a:pPr>
+            <a:r>
+              <a:rPr lang="en-US" dirty="0"/>
+              <a:t>DML Queries</a:t>
+            </a:r>
+          </a:p>
+          <a:p>
+            <a:pPr marL="1257300" lvl="2" indent="-342900">
+              <a:buFont typeface="+mj-lt"/>
+              <a:buAutoNum type="arabicPeriod"/>
+            </a:pPr>
+            <a:r>
+              <a:rPr lang="en-US" dirty="0"/>
+              <a:t>Data Manipulation Language</a:t>
+            </a:r>
+          </a:p>
+          <a:p>
+            <a:pPr marL="342900" indent="-342900">
+              <a:buFont typeface="+mj-lt"/>
+              <a:buAutoNum type="arabicPeriod"/>
+            </a:pPr>
+            <a:r>
+              <a:rPr lang="en-US" dirty="0"/>
+              <a:t>Creating Stored Procedures</a:t>
+            </a:r>
+          </a:p>
+        </p:txBody>
+      </p:sp>
+      <p:sp>
+        <p:nvSpPr>
+          <p:cNvPr id="3" name="Rounded Rectangle 2">
+            <a:extLst>
+              <a:ext uri="{FF2B5EF4-FFF2-40B4-BE49-F238E27FC236}">
+                <a16:creationId xmlns:a16="http://schemas.microsoft.com/office/drawing/2014/main" id="{DE87CEF7-6056-714A-B9C0-DA6ED65E8403}"/>
+              </a:ext>
+            </a:extLst>
+          </p:cNvPr>
+          <p:cNvSpPr/>
+          <p:nvPr/>
+        </p:nvSpPr>
+        <p:spPr>
+          <a:xfrm>
+            <a:off x="4302035" y="566057"/>
+            <a:ext cx="7741920" cy="5242560"/>
+          </a:xfrm>
+          <a:prstGeom prst="roundRect">
+            <a:avLst>
+              <a:gd name="adj" fmla="val 1238"/>
+            </a:avLst>
+          </a:prstGeom>
+        </p:spPr>
+        <p:style>
+          <a:lnRef idx="2">
+            <a:schemeClr val="accent6"/>
+          </a:lnRef>
+          <a:fillRef idx="1">
+            <a:schemeClr val="lt1"/>
+          </a:fillRef>
+          <a:effectRef idx="0">
+            <a:schemeClr val="accent6"/>
+          </a:effectRef>
+          <a:fontRef idx="minor">
+            <a:schemeClr val="dk1"/>
+          </a:fontRef>
+        </p:style>
+        <p:txBody>
+          <a:bodyPr rtlCol="0" anchor="ctr"/>
+          <a:lstStyle/>
+          <a:p>
+            <a:pPr algn="ctr"/>
+            <a:endParaRPr lang="en-US"/>
+          </a:p>
+        </p:txBody>
+      </p:sp>
+      <p:sp>
+        <p:nvSpPr>
+          <p:cNvPr id="5" name="Rounded Rectangle 4">
+            <a:extLst>
+              <a:ext uri="{FF2B5EF4-FFF2-40B4-BE49-F238E27FC236}">
+                <a16:creationId xmlns:a16="http://schemas.microsoft.com/office/drawing/2014/main" id="{4C5ECCE5-83F5-4347-BB8A-C852649ECDA8}"/>
+              </a:ext>
+            </a:extLst>
+          </p:cNvPr>
+          <p:cNvSpPr/>
+          <p:nvPr/>
+        </p:nvSpPr>
+        <p:spPr>
+          <a:xfrm>
+            <a:off x="4454436" y="1358932"/>
+            <a:ext cx="2229394" cy="1280160"/>
+          </a:xfrm>
+          <a:prstGeom prst="roundRect">
+            <a:avLst/>
+          </a:prstGeom>
+        </p:spPr>
+        <p:style>
+          <a:lnRef idx="2">
+            <a:schemeClr val="accent1">
+              <a:shade val="50000"/>
+            </a:schemeClr>
+          </a:lnRef>
+          <a:fillRef idx="1">
+            <a:schemeClr val="accent1"/>
+          </a:fillRef>
+          <a:effectRef idx="0">
+            <a:schemeClr val="accent1"/>
+          </a:effectRef>
+          <a:fontRef idx="minor">
+            <a:schemeClr val="lt1"/>
+          </a:fontRef>
+        </p:style>
+        <p:txBody>
+          <a:bodyPr rtlCol="0" anchor="ctr"/>
+          <a:lstStyle/>
+          <a:p>
+            <a:pPr algn="ctr"/>
+            <a:r>
+              <a:rPr lang="en-US" dirty="0"/>
+              <a:t>SQL Interfaces</a:t>
+            </a:r>
+          </a:p>
+          <a:p>
+            <a:pPr algn="ctr"/>
+            <a:r>
+              <a:rPr lang="en-US" dirty="0"/>
+              <a:t>DDL, DML</a:t>
+            </a:r>
+          </a:p>
+          <a:p>
+            <a:pPr algn="ctr"/>
+            <a:r>
+              <a:rPr lang="en-US" dirty="0"/>
+              <a:t>Stored Procs,</a:t>
+            </a:r>
+          </a:p>
+          <a:p>
+            <a:pPr algn="ctr"/>
+            <a:r>
+              <a:rPr lang="en-US" dirty="0"/>
+              <a:t>Triggers and Views</a:t>
+            </a:r>
+          </a:p>
+        </p:txBody>
+      </p:sp>
+      <p:sp>
+        <p:nvSpPr>
+          <p:cNvPr id="6" name="Rounded Rectangle 5">
+            <a:extLst>
+              <a:ext uri="{FF2B5EF4-FFF2-40B4-BE49-F238E27FC236}">
+                <a16:creationId xmlns:a16="http://schemas.microsoft.com/office/drawing/2014/main" id="{E8739643-CEE3-E642-AECD-63C16E1213CB}"/>
+              </a:ext>
+            </a:extLst>
+          </p:cNvPr>
+          <p:cNvSpPr/>
+          <p:nvPr/>
+        </p:nvSpPr>
+        <p:spPr>
+          <a:xfrm>
+            <a:off x="7058298" y="1358932"/>
+            <a:ext cx="2229394" cy="1280160"/>
+          </a:xfrm>
+          <a:prstGeom prst="roundRect">
+            <a:avLst/>
+          </a:prstGeom>
+        </p:spPr>
+        <p:style>
+          <a:lnRef idx="2">
+            <a:schemeClr val="accent1">
+              <a:shade val="50000"/>
+            </a:schemeClr>
+          </a:lnRef>
+          <a:fillRef idx="1">
+            <a:schemeClr val="accent1"/>
+          </a:fillRef>
+          <a:effectRef idx="0">
+            <a:schemeClr val="accent1"/>
+          </a:effectRef>
+          <a:fontRef idx="minor">
+            <a:schemeClr val="lt1"/>
+          </a:fontRef>
+        </p:style>
+        <p:txBody>
+          <a:bodyPr rtlCol="0" anchor="ctr"/>
+          <a:lstStyle/>
+          <a:p>
+            <a:pPr algn="ctr"/>
+            <a:r>
+              <a:rPr lang="en-US" dirty="0"/>
+              <a:t>Parser</a:t>
+            </a:r>
+          </a:p>
+          <a:p>
+            <a:pPr algn="ctr"/>
+            <a:r>
+              <a:rPr lang="en-US" dirty="0"/>
+              <a:t>Translate Query</a:t>
+            </a:r>
+          </a:p>
+          <a:p>
+            <a:pPr algn="ctr"/>
+            <a:r>
+              <a:rPr lang="en-US" dirty="0"/>
+              <a:t>Passed to Engine</a:t>
+            </a:r>
+          </a:p>
+        </p:txBody>
+      </p:sp>
+      <p:sp>
+        <p:nvSpPr>
+          <p:cNvPr id="7" name="Rounded Rectangle 6">
+            <a:extLst>
+              <a:ext uri="{FF2B5EF4-FFF2-40B4-BE49-F238E27FC236}">
+                <a16:creationId xmlns:a16="http://schemas.microsoft.com/office/drawing/2014/main" id="{A9A2175B-A10D-D64C-B467-9EA22908C405}"/>
+              </a:ext>
+            </a:extLst>
+          </p:cNvPr>
+          <p:cNvSpPr/>
+          <p:nvPr/>
+        </p:nvSpPr>
+        <p:spPr>
+          <a:xfrm>
+            <a:off x="9583785" y="1358932"/>
+            <a:ext cx="2229394" cy="1280160"/>
+          </a:xfrm>
+          <a:prstGeom prst="roundRect">
+            <a:avLst/>
+          </a:prstGeom>
+        </p:spPr>
+        <p:style>
+          <a:lnRef idx="2">
+            <a:schemeClr val="accent1">
+              <a:shade val="50000"/>
+            </a:schemeClr>
+          </a:lnRef>
+          <a:fillRef idx="1">
+            <a:schemeClr val="accent1"/>
+          </a:fillRef>
+          <a:effectRef idx="0">
+            <a:schemeClr val="accent1"/>
+          </a:effectRef>
+          <a:fontRef idx="minor">
+            <a:schemeClr val="lt1"/>
+          </a:fontRef>
+        </p:style>
+        <p:txBody>
+          <a:bodyPr rtlCol="0" anchor="ctr"/>
+          <a:lstStyle/>
+          <a:p>
+            <a:pPr algn="ctr"/>
+            <a:r>
+              <a:rPr lang="en-US" dirty="0"/>
+              <a:t>Optimizer</a:t>
+            </a:r>
+          </a:p>
+          <a:p>
+            <a:pPr algn="ctr"/>
+            <a:r>
+              <a:rPr lang="en-US" dirty="0"/>
+              <a:t>Query Access for Performance Optimization</a:t>
+            </a:r>
+          </a:p>
+        </p:txBody>
+      </p:sp>
+      <p:sp>
+        <p:nvSpPr>
+          <p:cNvPr id="8" name="Rounded Rectangle 7">
+            <a:extLst>
+              <a:ext uri="{FF2B5EF4-FFF2-40B4-BE49-F238E27FC236}">
+                <a16:creationId xmlns:a16="http://schemas.microsoft.com/office/drawing/2014/main" id="{A824AFCE-CB29-E042-8DF0-A2D720E5F89F}"/>
+              </a:ext>
+            </a:extLst>
+          </p:cNvPr>
+          <p:cNvSpPr/>
+          <p:nvPr/>
+        </p:nvSpPr>
+        <p:spPr>
+          <a:xfrm>
+            <a:off x="4563291" y="3117669"/>
+            <a:ext cx="7341326" cy="1297577"/>
+          </a:xfrm>
+          <a:prstGeom prst="roundRect">
+            <a:avLst/>
+          </a:prstGeom>
+        </p:spPr>
+        <p:style>
+          <a:lnRef idx="2">
+            <a:schemeClr val="accent1">
+              <a:shade val="50000"/>
+            </a:schemeClr>
+          </a:lnRef>
+          <a:fillRef idx="1">
+            <a:schemeClr val="accent1"/>
+          </a:fillRef>
+          <a:effectRef idx="0">
+            <a:schemeClr val="accent1"/>
+          </a:effectRef>
+          <a:fontRef idx="minor">
+            <a:schemeClr val="lt1"/>
+          </a:fontRef>
+        </p:style>
+        <p:txBody>
+          <a:bodyPr rtlCol="0" anchor="ctr"/>
+          <a:lstStyle/>
+          <a:p>
+            <a:pPr algn="ctr"/>
+            <a:r>
+              <a:rPr lang="en-US" dirty="0"/>
+              <a:t>Data Storage Services aka Storage Engine</a:t>
+            </a:r>
+          </a:p>
+          <a:p>
+            <a:pPr algn="ctr"/>
+            <a:endParaRPr lang="en-US" dirty="0"/>
+          </a:p>
+        </p:txBody>
+      </p:sp>
+      <p:sp>
+        <p:nvSpPr>
+          <p:cNvPr id="9" name="Can 8">
+            <a:extLst>
+              <a:ext uri="{FF2B5EF4-FFF2-40B4-BE49-F238E27FC236}">
+                <a16:creationId xmlns:a16="http://schemas.microsoft.com/office/drawing/2014/main" id="{69D10575-7B8B-C041-AB0A-F88E603F4FAD}"/>
+              </a:ext>
+            </a:extLst>
+          </p:cNvPr>
+          <p:cNvSpPr/>
+          <p:nvPr/>
+        </p:nvSpPr>
+        <p:spPr>
+          <a:xfrm>
+            <a:off x="4876800" y="3840480"/>
+            <a:ext cx="6775269" cy="452846"/>
+          </a:xfrm>
+          <a:prstGeom prst="can">
+            <a:avLst/>
+          </a:prstGeom>
+          <a:solidFill>
+            <a:srgbClr val="FFFF00"/>
+          </a:solidFill>
+        </p:spPr>
+        <p:style>
+          <a:lnRef idx="2">
+            <a:schemeClr val="accent1">
+              <a:shade val="50000"/>
+            </a:schemeClr>
+          </a:lnRef>
+          <a:fillRef idx="1">
+            <a:schemeClr val="accent1"/>
+          </a:fillRef>
+          <a:effectRef idx="0">
+            <a:schemeClr val="accent1"/>
+          </a:effectRef>
+          <a:fontRef idx="minor">
+            <a:schemeClr val="lt1"/>
+          </a:fontRef>
+        </p:style>
+        <p:txBody>
+          <a:bodyPr rtlCol="0" anchor="ctr"/>
+          <a:lstStyle/>
+          <a:p>
+            <a:pPr algn="ctr"/>
+            <a:r>
+              <a:rPr lang="en-US" dirty="0">
+                <a:ln w="0"/>
+                <a:solidFill>
+                  <a:schemeClr val="accent1"/>
+                </a:solidFill>
+                <a:effectLst>
+                  <a:outerShdw blurRad="38100" dist="25400" dir="5400000" algn="ctr" rotWithShape="0">
+                    <a:srgbClr val="6E747A">
+                      <a:alpha val="43000"/>
+                    </a:srgbClr>
+                  </a:outerShdw>
+                </a:effectLst>
+              </a:rPr>
+              <a:t>Relational Data Storage (Tables / Views)</a:t>
+            </a:r>
+          </a:p>
+        </p:txBody>
+      </p:sp>
+      <p:sp>
+        <p:nvSpPr>
+          <p:cNvPr id="10" name="Rectangle 9">
+            <a:extLst>
+              <a:ext uri="{FF2B5EF4-FFF2-40B4-BE49-F238E27FC236}">
+                <a16:creationId xmlns:a16="http://schemas.microsoft.com/office/drawing/2014/main" id="{EEC763F5-F01B-A14C-80F4-72444FD745DB}"/>
+              </a:ext>
+            </a:extLst>
+          </p:cNvPr>
+          <p:cNvSpPr/>
+          <p:nvPr/>
+        </p:nvSpPr>
+        <p:spPr>
+          <a:xfrm>
+            <a:off x="4781006" y="4728754"/>
+            <a:ext cx="7032173" cy="940526"/>
+          </a:xfrm>
+          <a:prstGeom prst="rect">
+            <a:avLst/>
+          </a:prstGeom>
+        </p:spPr>
+        <p:style>
+          <a:lnRef idx="2">
+            <a:schemeClr val="accent1">
+              <a:shade val="50000"/>
+            </a:schemeClr>
+          </a:lnRef>
+          <a:fillRef idx="1">
+            <a:schemeClr val="accent1"/>
+          </a:fillRef>
+          <a:effectRef idx="0">
+            <a:schemeClr val="accent1"/>
+          </a:effectRef>
+          <a:fontRef idx="minor">
+            <a:schemeClr val="lt1"/>
+          </a:fontRef>
+        </p:style>
+        <p:txBody>
+          <a:bodyPr rtlCol="0" anchor="ctr"/>
+          <a:lstStyle/>
+          <a:p>
+            <a:pPr algn="ctr"/>
+            <a:r>
+              <a:rPr lang="en-US" dirty="0"/>
+              <a:t>Physical Data Storage Files aka File System</a:t>
+            </a:r>
+          </a:p>
+        </p:txBody>
+      </p:sp>
+      <p:sp>
+        <p:nvSpPr>
+          <p:cNvPr id="11" name="Down Arrow 10">
+            <a:extLst>
+              <a:ext uri="{FF2B5EF4-FFF2-40B4-BE49-F238E27FC236}">
+                <a16:creationId xmlns:a16="http://schemas.microsoft.com/office/drawing/2014/main" id="{A9979963-3C50-CC4F-994D-251DCB55EE3A}"/>
+              </a:ext>
+            </a:extLst>
+          </p:cNvPr>
+          <p:cNvSpPr/>
+          <p:nvPr/>
+        </p:nvSpPr>
+        <p:spPr>
+          <a:xfrm>
+            <a:off x="5425440" y="2569423"/>
+            <a:ext cx="143693" cy="713708"/>
+          </a:xfrm>
+          <a:prstGeom prst="downArrow">
+            <a:avLst/>
+          </a:prstGeom>
+          <a:solidFill>
+            <a:srgbClr val="FFFF00"/>
+          </a:solidFill>
+        </p:spPr>
+        <p:style>
+          <a:lnRef idx="2">
+            <a:schemeClr val="accent1">
+              <a:shade val="50000"/>
+            </a:schemeClr>
+          </a:lnRef>
+          <a:fillRef idx="1">
+            <a:schemeClr val="accent1"/>
+          </a:fillRef>
+          <a:effectRef idx="0">
+            <a:schemeClr val="accent1"/>
+          </a:effectRef>
+          <a:fontRef idx="minor">
+            <a:schemeClr val="lt1"/>
+          </a:fontRef>
+        </p:style>
+        <p:txBody>
+          <a:bodyPr rtlCol="0" anchor="ctr"/>
+          <a:lstStyle/>
+          <a:p>
+            <a:pPr algn="ctr"/>
+            <a:endParaRPr lang="en-US"/>
+          </a:p>
+        </p:txBody>
+      </p:sp>
+      <p:sp>
+        <p:nvSpPr>
+          <p:cNvPr id="12" name="Down Arrow 11">
+            <a:extLst>
+              <a:ext uri="{FF2B5EF4-FFF2-40B4-BE49-F238E27FC236}">
+                <a16:creationId xmlns:a16="http://schemas.microsoft.com/office/drawing/2014/main" id="{D8221B76-C445-F54D-9B35-BE3AA4EF6417}"/>
+              </a:ext>
+            </a:extLst>
+          </p:cNvPr>
+          <p:cNvSpPr/>
+          <p:nvPr/>
+        </p:nvSpPr>
+        <p:spPr>
+          <a:xfrm>
+            <a:off x="8101148" y="2530630"/>
+            <a:ext cx="143693" cy="713708"/>
+          </a:xfrm>
+          <a:prstGeom prst="downArrow">
+            <a:avLst/>
+          </a:prstGeom>
+          <a:solidFill>
+            <a:srgbClr val="FFFF00"/>
+          </a:solidFill>
+        </p:spPr>
+        <p:style>
+          <a:lnRef idx="2">
+            <a:schemeClr val="accent1">
+              <a:shade val="50000"/>
+            </a:schemeClr>
+          </a:lnRef>
+          <a:fillRef idx="1">
+            <a:schemeClr val="accent1"/>
+          </a:fillRef>
+          <a:effectRef idx="0">
+            <a:schemeClr val="accent1"/>
+          </a:effectRef>
+          <a:fontRef idx="minor">
+            <a:schemeClr val="lt1"/>
+          </a:fontRef>
+        </p:style>
+        <p:txBody>
+          <a:bodyPr rtlCol="0" anchor="ctr"/>
+          <a:lstStyle/>
+          <a:p>
+            <a:pPr algn="ctr"/>
+            <a:endParaRPr lang="en-US"/>
+          </a:p>
+        </p:txBody>
+      </p:sp>
+      <p:sp>
+        <p:nvSpPr>
+          <p:cNvPr id="14" name="Up-down Arrow 13">
+            <a:extLst>
+              <a:ext uri="{FF2B5EF4-FFF2-40B4-BE49-F238E27FC236}">
+                <a16:creationId xmlns:a16="http://schemas.microsoft.com/office/drawing/2014/main" id="{B7E41C98-9172-3042-90A3-5A8E0FD88878}"/>
+              </a:ext>
+            </a:extLst>
+          </p:cNvPr>
+          <p:cNvSpPr/>
+          <p:nvPr/>
+        </p:nvSpPr>
+        <p:spPr>
+          <a:xfrm>
+            <a:off x="8020594" y="4293326"/>
+            <a:ext cx="152400" cy="548640"/>
+          </a:xfrm>
+          <a:prstGeom prst="upDownArrow">
+            <a:avLst/>
+          </a:prstGeom>
+          <a:solidFill>
+            <a:srgbClr val="FFFF00"/>
+          </a:solidFill>
+        </p:spPr>
+        <p:style>
+          <a:lnRef idx="2">
+            <a:schemeClr val="accent1">
+              <a:shade val="50000"/>
+            </a:schemeClr>
+          </a:lnRef>
+          <a:fillRef idx="1">
+            <a:schemeClr val="accent1"/>
+          </a:fillRef>
+          <a:effectRef idx="0">
+            <a:schemeClr val="accent1"/>
+          </a:effectRef>
+          <a:fontRef idx="minor">
+            <a:schemeClr val="lt1"/>
+          </a:fontRef>
+        </p:style>
+        <p:txBody>
+          <a:bodyPr rtlCol="0" anchor="ctr"/>
+          <a:lstStyle/>
+          <a:p>
+            <a:pPr algn="ctr"/>
+            <a:endParaRPr lang="en-US"/>
+          </a:p>
+        </p:txBody>
+      </p:sp>
+      <p:sp>
+        <p:nvSpPr>
+          <p:cNvPr id="15" name="Down Arrow 14">
+            <a:extLst>
+              <a:ext uri="{FF2B5EF4-FFF2-40B4-BE49-F238E27FC236}">
+                <a16:creationId xmlns:a16="http://schemas.microsoft.com/office/drawing/2014/main" id="{E0D090B4-EAAA-E649-8AEB-D05DDFEE2A26}"/>
+              </a:ext>
+            </a:extLst>
+          </p:cNvPr>
+          <p:cNvSpPr/>
+          <p:nvPr/>
+        </p:nvSpPr>
+        <p:spPr>
+          <a:xfrm>
+            <a:off x="10604861" y="2530630"/>
+            <a:ext cx="143693" cy="713708"/>
+          </a:xfrm>
+          <a:prstGeom prst="downArrow">
+            <a:avLst/>
+          </a:prstGeom>
+          <a:solidFill>
+            <a:srgbClr val="FFFF00"/>
+          </a:solidFill>
+        </p:spPr>
+        <p:style>
+          <a:lnRef idx="2">
+            <a:schemeClr val="accent1">
+              <a:shade val="50000"/>
+            </a:schemeClr>
+          </a:lnRef>
+          <a:fillRef idx="1">
+            <a:schemeClr val="accent1"/>
+          </a:fillRef>
+          <a:effectRef idx="0">
+            <a:schemeClr val="accent1"/>
+          </a:effectRef>
+          <a:fontRef idx="minor">
+            <a:schemeClr val="lt1"/>
+          </a:fontRef>
+        </p:style>
+        <p:txBody>
+          <a:bodyPr rtlCol="0" anchor="ctr"/>
+          <a:lstStyle/>
+          <a:p>
+            <a:pPr algn="ctr"/>
+            <a:endParaRPr lang="en-US"/>
+          </a:p>
+        </p:txBody>
+      </p:sp>
+      <p:sp>
+        <p:nvSpPr>
+          <p:cNvPr id="16" name="TextBox 15">
+            <a:extLst>
+              <a:ext uri="{FF2B5EF4-FFF2-40B4-BE49-F238E27FC236}">
+                <a16:creationId xmlns:a16="http://schemas.microsoft.com/office/drawing/2014/main" id="{0CE85FA6-B0BB-4144-AF78-0CCE2C3CA63E}"/>
+              </a:ext>
+            </a:extLst>
+          </p:cNvPr>
+          <p:cNvSpPr txBox="1"/>
+          <p:nvPr/>
+        </p:nvSpPr>
+        <p:spPr>
+          <a:xfrm>
+            <a:off x="6261463" y="687977"/>
+            <a:ext cx="4343398" cy="369332"/>
+          </a:xfrm>
+          <a:prstGeom prst="rect">
+            <a:avLst/>
+          </a:prstGeom>
+          <a:noFill/>
+        </p:spPr>
+        <p:txBody>
+          <a:bodyPr wrap="square" rtlCol="0">
+            <a:spAutoFit/>
+          </a:bodyPr>
+          <a:lstStyle/>
+          <a:p>
+            <a:pPr algn="ctr"/>
+            <a:r>
+              <a:rPr lang="en-US" dirty="0"/>
+              <a:t>MySQL Server Process</a:t>
+            </a:r>
+          </a:p>
+        </p:txBody>
+      </p:sp>
+      <p:sp>
+        <p:nvSpPr>
+          <p:cNvPr id="17" name="Down Arrow 16">
+            <a:extLst>
+              <a:ext uri="{FF2B5EF4-FFF2-40B4-BE49-F238E27FC236}">
+                <a16:creationId xmlns:a16="http://schemas.microsoft.com/office/drawing/2014/main" id="{503E4704-03BD-334A-8ED8-908FEBCF306C}"/>
+              </a:ext>
+            </a:extLst>
+          </p:cNvPr>
+          <p:cNvSpPr/>
+          <p:nvPr/>
+        </p:nvSpPr>
+        <p:spPr>
+          <a:xfrm rot="10800000">
+            <a:off x="5721533" y="2556559"/>
+            <a:ext cx="143693" cy="713708"/>
+          </a:xfrm>
+          <a:prstGeom prst="downArrow">
+            <a:avLst/>
+          </a:prstGeom>
+          <a:solidFill>
+            <a:srgbClr val="FFFF00"/>
+          </a:solidFill>
+        </p:spPr>
+        <p:style>
+          <a:lnRef idx="2">
+            <a:schemeClr val="accent1">
+              <a:shade val="50000"/>
+            </a:schemeClr>
+          </a:lnRef>
+          <a:fillRef idx="1">
+            <a:schemeClr val="accent1"/>
+          </a:fillRef>
+          <a:effectRef idx="0">
+            <a:schemeClr val="accent1"/>
+          </a:effectRef>
+          <a:fontRef idx="minor">
+            <a:schemeClr val="lt1"/>
+          </a:fontRef>
+        </p:style>
+        <p:txBody>
+          <a:bodyPr rtlCol="0" anchor="ctr"/>
+          <a:lstStyle/>
+          <a:p>
+            <a:pPr algn="ctr"/>
+            <a:endParaRPr lang="en-US"/>
+          </a:p>
+        </p:txBody>
+      </p:sp>
+      <p:sp>
+        <p:nvSpPr>
+          <p:cNvPr id="18" name="Down Arrow 17">
+            <a:extLst>
+              <a:ext uri="{FF2B5EF4-FFF2-40B4-BE49-F238E27FC236}">
+                <a16:creationId xmlns:a16="http://schemas.microsoft.com/office/drawing/2014/main" id="{81DE43F5-11CE-6143-951A-D8E2C39841D6}"/>
+              </a:ext>
+            </a:extLst>
+          </p:cNvPr>
+          <p:cNvSpPr/>
+          <p:nvPr/>
+        </p:nvSpPr>
+        <p:spPr>
+          <a:xfrm rot="10800000">
+            <a:off x="8349338" y="2499953"/>
+            <a:ext cx="143693" cy="713708"/>
+          </a:xfrm>
+          <a:prstGeom prst="downArrow">
+            <a:avLst/>
+          </a:prstGeom>
+          <a:solidFill>
+            <a:srgbClr val="FFFF00"/>
+          </a:solidFill>
+        </p:spPr>
+        <p:style>
+          <a:lnRef idx="2">
+            <a:schemeClr val="accent1">
+              <a:shade val="50000"/>
+            </a:schemeClr>
+          </a:lnRef>
+          <a:fillRef idx="1">
+            <a:schemeClr val="accent1"/>
+          </a:fillRef>
+          <a:effectRef idx="0">
+            <a:schemeClr val="accent1"/>
+          </a:effectRef>
+          <a:fontRef idx="minor">
+            <a:schemeClr val="lt1"/>
+          </a:fontRef>
+        </p:style>
+        <p:txBody>
+          <a:bodyPr rtlCol="0" anchor="ctr"/>
+          <a:lstStyle/>
+          <a:p>
+            <a:pPr algn="ctr"/>
+            <a:endParaRPr lang="en-US"/>
+          </a:p>
+        </p:txBody>
+      </p:sp>
+      <p:sp>
+        <p:nvSpPr>
+          <p:cNvPr id="19" name="Down Arrow 18">
+            <a:extLst>
+              <a:ext uri="{FF2B5EF4-FFF2-40B4-BE49-F238E27FC236}">
+                <a16:creationId xmlns:a16="http://schemas.microsoft.com/office/drawing/2014/main" id="{D8A7C5E1-C278-8641-8504-CFCDEAC985F3}"/>
+              </a:ext>
+            </a:extLst>
+          </p:cNvPr>
+          <p:cNvSpPr/>
+          <p:nvPr/>
+        </p:nvSpPr>
+        <p:spPr>
+          <a:xfrm rot="10800000">
+            <a:off x="10972800" y="2518744"/>
+            <a:ext cx="143693" cy="713708"/>
+          </a:xfrm>
+          <a:prstGeom prst="downArrow">
+            <a:avLst/>
+          </a:prstGeom>
+          <a:solidFill>
+            <a:srgbClr val="FFFF00"/>
+          </a:solidFill>
+        </p:spPr>
+        <p:style>
+          <a:lnRef idx="2">
+            <a:schemeClr val="accent1">
+              <a:shade val="50000"/>
+            </a:schemeClr>
+          </a:lnRef>
+          <a:fillRef idx="1">
+            <a:schemeClr val="accent1"/>
+          </a:fillRef>
+          <a:effectRef idx="0">
+            <a:schemeClr val="accent1"/>
+          </a:effectRef>
+          <a:fontRef idx="minor">
+            <a:schemeClr val="lt1"/>
+          </a:fontRef>
+        </p:style>
+        <p:txBody>
+          <a:bodyPr rtlCol="0" anchor="ctr"/>
+          <a:lstStyle/>
+          <a:p>
+            <a:pPr algn="ctr"/>
+            <a:endParaRPr lang="en-US"/>
+          </a:p>
+        </p:txBody>
+      </p:sp>
+    </p:spTree>
+    <p:extLst>
+      <p:ext uri="{BB962C8B-B14F-4D97-AF65-F5344CB8AC3E}">
+        <p14:creationId xmlns:p14="http://schemas.microsoft.com/office/powerpoint/2010/main" val="900001244"/>
       </p:ext>
     </p:extLst>
   </p:cSld>

--- a/Training_Notes_PPTs.pptx
+++ b/Training_Notes_PPTs.pptx
@@ -30,6 +30,13 @@
     <p:sldId id="278" r:id="rId24"/>
     <p:sldId id="279" r:id="rId25"/>
     <p:sldId id="280" r:id="rId26"/>
+    <p:sldId id="281" r:id="rId27"/>
+    <p:sldId id="282" r:id="rId28"/>
+    <p:sldId id="283" r:id="rId29"/>
+    <p:sldId id="284" r:id="rId30"/>
+    <p:sldId id="285" r:id="rId31"/>
+    <p:sldId id="287" r:id="rId32"/>
+    <p:sldId id="286" r:id="rId33"/>
   </p:sldIdLst>
   <p:sldSz cx="12192000" cy="6858000"/>
   <p:notesSz cx="6858000" cy="9144000"/>
@@ -275,7 +282,7 @@
           <a:p>
             <a:fld id="{587FB2BA-09D0-1840-B49D-E4BDDD8ED284}" type="datetimeFigureOut">
               <a:rPr lang="en-US" smtClean="0"/>
-              <a:t>1/11/21</a:t>
+              <a:t>1/12/21</a:t>
             </a:fld>
             <a:endParaRPr lang="en-US"/>
           </a:p>
@@ -486,7 +493,7 @@
           <a:p>
             <a:fld id="{587FB2BA-09D0-1840-B49D-E4BDDD8ED284}" type="datetimeFigureOut">
               <a:rPr lang="en-US" smtClean="0"/>
-              <a:t>1/11/21</a:t>
+              <a:t>1/12/21</a:t>
             </a:fld>
             <a:endParaRPr lang="en-US"/>
           </a:p>
@@ -701,7 +708,7 @@
           <a:p>
             <a:fld id="{587FB2BA-09D0-1840-B49D-E4BDDD8ED284}" type="datetimeFigureOut">
               <a:rPr lang="en-US" smtClean="0"/>
-              <a:t>1/11/21</a:t>
+              <a:t>1/12/21</a:t>
             </a:fld>
             <a:endParaRPr lang="en-US"/>
           </a:p>
@@ -902,7 +909,7 @@
           <a:p>
             <a:fld id="{587FB2BA-09D0-1840-B49D-E4BDDD8ED284}" type="datetimeFigureOut">
               <a:rPr lang="en-US" smtClean="0"/>
-              <a:t>1/11/21</a:t>
+              <a:t>1/12/21</a:t>
             </a:fld>
             <a:endParaRPr lang="en-US"/>
           </a:p>
@@ -1181,7 +1188,7 @@
           <a:p>
             <a:fld id="{587FB2BA-09D0-1840-B49D-E4BDDD8ED284}" type="datetimeFigureOut">
               <a:rPr lang="en-US" smtClean="0"/>
-              <a:t>1/11/21</a:t>
+              <a:t>1/12/21</a:t>
             </a:fld>
             <a:endParaRPr lang="en-US"/>
           </a:p>
@@ -1449,7 +1456,7 @@
           <a:p>
             <a:fld id="{587FB2BA-09D0-1840-B49D-E4BDDD8ED284}" type="datetimeFigureOut">
               <a:rPr lang="en-US" smtClean="0"/>
-              <a:t>1/11/21</a:t>
+              <a:t>1/12/21</a:t>
             </a:fld>
             <a:endParaRPr lang="en-US"/>
           </a:p>
@@ -1865,7 +1872,7 @@
           <a:p>
             <a:fld id="{587FB2BA-09D0-1840-B49D-E4BDDD8ED284}" type="datetimeFigureOut">
               <a:rPr lang="en-US" smtClean="0"/>
-              <a:t>1/11/21</a:t>
+              <a:t>1/12/21</a:t>
             </a:fld>
             <a:endParaRPr lang="en-US"/>
           </a:p>
@@ -2014,7 +2021,7 @@
           <a:p>
             <a:fld id="{587FB2BA-09D0-1840-B49D-E4BDDD8ED284}" type="datetimeFigureOut">
               <a:rPr lang="en-US" smtClean="0"/>
-              <a:t>1/11/21</a:t>
+              <a:t>1/12/21</a:t>
             </a:fld>
             <a:endParaRPr lang="en-US"/>
           </a:p>
@@ -2140,7 +2147,7 @@
           <a:p>
             <a:fld id="{587FB2BA-09D0-1840-B49D-E4BDDD8ED284}" type="datetimeFigureOut">
               <a:rPr lang="en-US" smtClean="0"/>
-              <a:t>1/11/21</a:t>
+              <a:t>1/12/21</a:t>
             </a:fld>
             <a:endParaRPr lang="en-US"/>
           </a:p>
@@ -2391,7 +2398,7 @@
           <a:p>
             <a:fld id="{587FB2BA-09D0-1840-B49D-E4BDDD8ED284}" type="datetimeFigureOut">
               <a:rPr lang="en-US" smtClean="0"/>
-              <a:t>1/11/21</a:t>
+              <a:t>1/12/21</a:t>
             </a:fld>
             <a:endParaRPr lang="en-US"/>
           </a:p>
@@ -2836,7 +2843,7 @@
           <a:p>
             <a:fld id="{587FB2BA-09D0-1840-B49D-E4BDDD8ED284}" type="datetimeFigureOut">
               <a:rPr lang="en-US" smtClean="0"/>
-              <a:t>1/11/21</a:t>
+              <a:t>1/12/21</a:t>
             </a:fld>
             <a:endParaRPr lang="en-US"/>
           </a:p>
@@ -3163,7 +3170,7 @@
           <a:p>
             <a:fld id="{587FB2BA-09D0-1840-B49D-E4BDDD8ED284}" type="datetimeFigureOut">
               <a:rPr lang="en-US" smtClean="0"/>
-              <a:t>1/11/21</a:t>
+              <a:t>1/12/21</a:t>
             </a:fld>
             <a:endParaRPr lang="en-US"/>
           </a:p>
@@ -10191,13 +10198,8 @@
             </a:r>
             <a:r>
               <a:rPr lang="en-US" dirty="0"/>
-              <a:t> App </a:t>
-            </a:r>
-            <a:r>
-              <a:rPr lang="en-US" dirty="0" err="1"/>
-              <a:t>Archirecture</a:t>
-            </a:r>
-            <a:endParaRPr lang="en-US" dirty="0"/>
+              <a:t> App Architecture</a:t>
+            </a:r>
           </a:p>
         </p:txBody>
       </p:sp>
@@ -18906,6 +18908,3915 @@
 </p:sld>
 </file>
 
+<file path=ppt/slides/slide26.xml><?xml version="1.0" encoding="utf-8"?>
+<p:sld xmlns:a="http://schemas.openxmlformats.org/drawingml/2006/main" xmlns:r="http://schemas.openxmlformats.org/officeDocument/2006/relationships" xmlns:p="http://schemas.openxmlformats.org/presentationml/2006/main">
+  <p:cSld>
+    <p:spTree>
+      <p:nvGrpSpPr>
+        <p:cNvPr id="1" name=""/>
+        <p:cNvGrpSpPr/>
+        <p:nvPr/>
+      </p:nvGrpSpPr>
+      <p:grpSpPr>
+        <a:xfrm>
+          <a:off x="0" y="0"/>
+          <a:ext cx="0" cy="0"/>
+          <a:chOff x="0" y="0"/>
+          <a:chExt cx="0" cy="0"/>
+        </a:xfrm>
+      </p:grpSpPr>
+      <p:sp>
+        <p:nvSpPr>
+          <p:cNvPr id="2" name="Can 1">
+            <a:extLst>
+              <a:ext uri="{FF2B5EF4-FFF2-40B4-BE49-F238E27FC236}">
+                <a16:creationId xmlns:a16="http://schemas.microsoft.com/office/drawing/2014/main" id="{9D7870CD-536D-AF4D-ABB7-4546AB6EDFDF}"/>
+              </a:ext>
+            </a:extLst>
+          </p:cNvPr>
+          <p:cNvSpPr/>
+          <p:nvPr/>
+        </p:nvSpPr>
+        <p:spPr>
+          <a:xfrm>
+            <a:off x="9553303" y="2403566"/>
+            <a:ext cx="2333897" cy="1611085"/>
+          </a:xfrm>
+          <a:prstGeom prst="can">
+            <a:avLst/>
+          </a:prstGeom>
+        </p:spPr>
+        <p:style>
+          <a:lnRef idx="2">
+            <a:schemeClr val="accent1">
+              <a:shade val="50000"/>
+            </a:schemeClr>
+          </a:lnRef>
+          <a:fillRef idx="1">
+            <a:schemeClr val="accent1"/>
+          </a:fillRef>
+          <a:effectRef idx="0">
+            <a:schemeClr val="accent1"/>
+          </a:effectRef>
+          <a:fontRef idx="minor">
+            <a:schemeClr val="lt1"/>
+          </a:fontRef>
+        </p:style>
+        <p:txBody>
+          <a:bodyPr rtlCol="0" anchor="ctr"/>
+          <a:lstStyle/>
+          <a:p>
+            <a:pPr algn="ctr"/>
+            <a:r>
+              <a:rPr lang="en-US" dirty="0"/>
+              <a:t>Hospital</a:t>
+            </a:r>
+          </a:p>
+          <a:p>
+            <a:pPr algn="ctr"/>
+            <a:r>
+              <a:rPr lang="en-US" dirty="0"/>
+              <a:t>Database</a:t>
+            </a:r>
+          </a:p>
+        </p:txBody>
+      </p:sp>
+      <p:sp>
+        <p:nvSpPr>
+          <p:cNvPr id="3" name="Rectangle 2">
+            <a:extLst>
+              <a:ext uri="{FF2B5EF4-FFF2-40B4-BE49-F238E27FC236}">
+                <a16:creationId xmlns:a16="http://schemas.microsoft.com/office/drawing/2014/main" id="{F383BB5E-3E72-134B-80D4-1AC3E35324FD}"/>
+              </a:ext>
+            </a:extLst>
+          </p:cNvPr>
+          <p:cNvSpPr/>
+          <p:nvPr/>
+        </p:nvSpPr>
+        <p:spPr>
+          <a:xfrm>
+            <a:off x="748937" y="1134290"/>
+            <a:ext cx="1689463" cy="1750423"/>
+          </a:xfrm>
+          <a:prstGeom prst="rect">
+            <a:avLst/>
+          </a:prstGeom>
+        </p:spPr>
+        <p:style>
+          <a:lnRef idx="2">
+            <a:schemeClr val="accent1">
+              <a:shade val="50000"/>
+            </a:schemeClr>
+          </a:lnRef>
+          <a:fillRef idx="1">
+            <a:schemeClr val="accent1"/>
+          </a:fillRef>
+          <a:effectRef idx="0">
+            <a:schemeClr val="accent1"/>
+          </a:effectRef>
+          <a:fontRef idx="minor">
+            <a:schemeClr val="lt1"/>
+          </a:fontRef>
+        </p:style>
+        <p:txBody>
+          <a:bodyPr rtlCol="0" anchor="ctr"/>
+          <a:lstStyle/>
+          <a:p>
+            <a:pPr algn="ctr"/>
+            <a:r>
+              <a:rPr lang="en-US" dirty="0"/>
+              <a:t>Doctor</a:t>
+            </a:r>
+          </a:p>
+          <a:p>
+            <a:pPr algn="ctr"/>
+            <a:r>
+              <a:rPr lang="en-US" dirty="0"/>
+              <a:t>Browser / Mobile Device</a:t>
+            </a:r>
+          </a:p>
+        </p:txBody>
+      </p:sp>
+      <p:sp>
+        <p:nvSpPr>
+          <p:cNvPr id="4" name="Rectangle 3">
+            <a:extLst>
+              <a:ext uri="{FF2B5EF4-FFF2-40B4-BE49-F238E27FC236}">
+                <a16:creationId xmlns:a16="http://schemas.microsoft.com/office/drawing/2014/main" id="{84D8DF3E-9C7F-FA49-ABBA-4EFD8F5FD86A}"/>
+              </a:ext>
+            </a:extLst>
+          </p:cNvPr>
+          <p:cNvSpPr/>
+          <p:nvPr/>
+        </p:nvSpPr>
+        <p:spPr>
+          <a:xfrm>
+            <a:off x="731519" y="3139439"/>
+            <a:ext cx="1689463" cy="1750423"/>
+          </a:xfrm>
+          <a:prstGeom prst="rect">
+            <a:avLst/>
+          </a:prstGeom>
+        </p:spPr>
+        <p:style>
+          <a:lnRef idx="2">
+            <a:schemeClr val="accent1">
+              <a:shade val="50000"/>
+            </a:schemeClr>
+          </a:lnRef>
+          <a:fillRef idx="1">
+            <a:schemeClr val="accent1"/>
+          </a:fillRef>
+          <a:effectRef idx="0">
+            <a:schemeClr val="accent1"/>
+          </a:effectRef>
+          <a:fontRef idx="minor">
+            <a:schemeClr val="lt1"/>
+          </a:fontRef>
+        </p:style>
+        <p:txBody>
+          <a:bodyPr rtlCol="0" anchor="ctr"/>
+          <a:lstStyle/>
+          <a:p>
+            <a:pPr algn="ctr"/>
+            <a:r>
+              <a:rPr lang="en-US" dirty="0"/>
+              <a:t>Admin</a:t>
+            </a:r>
+          </a:p>
+          <a:p>
+            <a:pPr algn="ctr"/>
+            <a:r>
+              <a:rPr lang="en-US" dirty="0"/>
+              <a:t>Desktop App</a:t>
+            </a:r>
+          </a:p>
+        </p:txBody>
+      </p:sp>
+      <p:cxnSp>
+        <p:nvCxnSpPr>
+          <p:cNvPr id="6" name="Straight Arrow Connector 5">
+            <a:extLst>
+              <a:ext uri="{FF2B5EF4-FFF2-40B4-BE49-F238E27FC236}">
+                <a16:creationId xmlns:a16="http://schemas.microsoft.com/office/drawing/2014/main" id="{930528AD-672F-5C4A-923C-361760CD0580}"/>
+              </a:ext>
+            </a:extLst>
+          </p:cNvPr>
+          <p:cNvCxnSpPr>
+            <a:stCxn id="3" idx="3"/>
+            <a:endCxn id="2" idx="2"/>
+          </p:cNvCxnSpPr>
+          <p:nvPr/>
+        </p:nvCxnSpPr>
+        <p:spPr>
+          <a:xfrm>
+            <a:off x="2438400" y="2009502"/>
+            <a:ext cx="7114903" cy="1199607"/>
+          </a:xfrm>
+          <a:prstGeom prst="straightConnector1">
+            <a:avLst/>
+          </a:prstGeom>
+          <a:ln>
+            <a:tailEnd type="triangle"/>
+          </a:ln>
+        </p:spPr>
+        <p:style>
+          <a:lnRef idx="3">
+            <a:schemeClr val="dk1"/>
+          </a:lnRef>
+          <a:fillRef idx="0">
+            <a:schemeClr val="dk1"/>
+          </a:fillRef>
+          <a:effectRef idx="2">
+            <a:schemeClr val="dk1"/>
+          </a:effectRef>
+          <a:fontRef idx="minor">
+            <a:schemeClr val="tx1"/>
+          </a:fontRef>
+        </p:style>
+      </p:cxnSp>
+      <p:sp>
+        <p:nvSpPr>
+          <p:cNvPr id="7" name="TextBox 6">
+            <a:extLst>
+              <a:ext uri="{FF2B5EF4-FFF2-40B4-BE49-F238E27FC236}">
+                <a16:creationId xmlns:a16="http://schemas.microsoft.com/office/drawing/2014/main" id="{4E377669-A7AA-5C46-9B8D-EF7D9F846E7F}"/>
+              </a:ext>
+            </a:extLst>
+          </p:cNvPr>
+          <p:cNvSpPr txBox="1"/>
+          <p:nvPr/>
+        </p:nvSpPr>
+        <p:spPr>
+          <a:xfrm>
+            <a:off x="3561806" y="1528354"/>
+            <a:ext cx="4084320" cy="369332"/>
+          </a:xfrm>
+          <a:prstGeom prst="rect">
+            <a:avLst/>
+          </a:prstGeom>
+          <a:noFill/>
+        </p:spPr>
+        <p:txBody>
+          <a:bodyPr wrap="square" rtlCol="0">
+            <a:spAutoFit/>
+          </a:bodyPr>
+          <a:lstStyle/>
+          <a:p>
+            <a:r>
+              <a:rPr lang="en-US" dirty="0"/>
+              <a:t>Patient Data Allocated to me</a:t>
+            </a:r>
+          </a:p>
+        </p:txBody>
+      </p:sp>
+      <p:cxnSp>
+        <p:nvCxnSpPr>
+          <p:cNvPr id="9" name="Straight Arrow Connector 8">
+            <a:extLst>
+              <a:ext uri="{FF2B5EF4-FFF2-40B4-BE49-F238E27FC236}">
+                <a16:creationId xmlns:a16="http://schemas.microsoft.com/office/drawing/2014/main" id="{40E783DE-AB2C-6847-9F74-093DC89B6EEA}"/>
+              </a:ext>
+            </a:extLst>
+          </p:cNvPr>
+          <p:cNvCxnSpPr>
+            <a:stCxn id="2" idx="2"/>
+            <a:endCxn id="3" idx="2"/>
+          </p:cNvCxnSpPr>
+          <p:nvPr/>
+        </p:nvCxnSpPr>
+        <p:spPr>
+          <a:xfrm flipH="1" flipV="1">
+            <a:off x="1593669" y="2884713"/>
+            <a:ext cx="7959634" cy="324396"/>
+          </a:xfrm>
+          <a:prstGeom prst="straightConnector1">
+            <a:avLst/>
+          </a:prstGeom>
+          <a:ln>
+            <a:tailEnd type="triangle"/>
+          </a:ln>
+        </p:spPr>
+        <p:style>
+          <a:lnRef idx="3">
+            <a:schemeClr val="dk1"/>
+          </a:lnRef>
+          <a:fillRef idx="0">
+            <a:schemeClr val="dk1"/>
+          </a:fillRef>
+          <a:effectRef idx="2">
+            <a:schemeClr val="dk1"/>
+          </a:effectRef>
+          <a:fontRef idx="minor">
+            <a:schemeClr val="tx1"/>
+          </a:fontRef>
+        </p:style>
+      </p:cxnSp>
+      <p:cxnSp>
+        <p:nvCxnSpPr>
+          <p:cNvPr id="11" name="Straight Arrow Connector 10">
+            <a:extLst>
+              <a:ext uri="{FF2B5EF4-FFF2-40B4-BE49-F238E27FC236}">
+                <a16:creationId xmlns:a16="http://schemas.microsoft.com/office/drawing/2014/main" id="{431C4D27-B98F-6540-94A8-BD0EE86B7CE5}"/>
+              </a:ext>
+            </a:extLst>
+          </p:cNvPr>
+          <p:cNvCxnSpPr>
+            <a:stCxn id="4" idx="3"/>
+            <a:endCxn id="2" idx="2"/>
+          </p:cNvCxnSpPr>
+          <p:nvPr/>
+        </p:nvCxnSpPr>
+        <p:spPr>
+          <a:xfrm flipV="1">
+            <a:off x="2420982" y="3209109"/>
+            <a:ext cx="7132321" cy="805542"/>
+          </a:xfrm>
+          <a:prstGeom prst="straightConnector1">
+            <a:avLst/>
+          </a:prstGeom>
+          <a:ln>
+            <a:tailEnd type="triangle"/>
+          </a:ln>
+        </p:spPr>
+        <p:style>
+          <a:lnRef idx="3">
+            <a:schemeClr val="dk1"/>
+          </a:lnRef>
+          <a:fillRef idx="0">
+            <a:schemeClr val="dk1"/>
+          </a:fillRef>
+          <a:effectRef idx="2">
+            <a:schemeClr val="dk1"/>
+          </a:effectRef>
+          <a:fontRef idx="minor">
+            <a:schemeClr val="tx1"/>
+          </a:fontRef>
+        </p:style>
+      </p:cxnSp>
+      <p:sp>
+        <p:nvSpPr>
+          <p:cNvPr id="12" name="TextBox 11">
+            <a:extLst>
+              <a:ext uri="{FF2B5EF4-FFF2-40B4-BE49-F238E27FC236}">
+                <a16:creationId xmlns:a16="http://schemas.microsoft.com/office/drawing/2014/main" id="{EB713BE5-6F34-C24C-A1F4-FC0C635ECF91}"/>
+              </a:ext>
+            </a:extLst>
+          </p:cNvPr>
+          <p:cNvSpPr txBox="1"/>
+          <p:nvPr/>
+        </p:nvSpPr>
+        <p:spPr>
+          <a:xfrm>
+            <a:off x="3065417" y="3429000"/>
+            <a:ext cx="3226525" cy="923330"/>
+          </a:xfrm>
+          <a:prstGeom prst="rect">
+            <a:avLst/>
+          </a:prstGeom>
+          <a:noFill/>
+        </p:spPr>
+        <p:txBody>
+          <a:bodyPr wrap="square" rtlCol="0">
+            <a:spAutoFit/>
+          </a:bodyPr>
+          <a:lstStyle/>
+          <a:p>
+            <a:r>
+              <a:rPr lang="en-US" dirty="0"/>
+              <a:t>Patient Info w.r.t. Doctor / Ward / Rooms / Visits / Medicines / Food / Laundry, etc.</a:t>
+            </a:r>
+          </a:p>
+        </p:txBody>
+      </p:sp>
+      <p:cxnSp>
+        <p:nvCxnSpPr>
+          <p:cNvPr id="14" name="Straight Arrow Connector 13">
+            <a:extLst>
+              <a:ext uri="{FF2B5EF4-FFF2-40B4-BE49-F238E27FC236}">
+                <a16:creationId xmlns:a16="http://schemas.microsoft.com/office/drawing/2014/main" id="{2398E753-84FC-DC48-9253-1ED01330938B}"/>
+              </a:ext>
+            </a:extLst>
+          </p:cNvPr>
+          <p:cNvCxnSpPr>
+            <a:stCxn id="2" idx="2"/>
+            <a:endCxn id="4" idx="2"/>
+          </p:cNvCxnSpPr>
+          <p:nvPr/>
+        </p:nvCxnSpPr>
+        <p:spPr>
+          <a:xfrm flipH="1">
+            <a:off x="1576251" y="3209109"/>
+            <a:ext cx="7977052" cy="1680753"/>
+          </a:xfrm>
+          <a:prstGeom prst="straightConnector1">
+            <a:avLst/>
+          </a:prstGeom>
+          <a:ln>
+            <a:tailEnd type="triangle"/>
+          </a:ln>
+        </p:spPr>
+        <p:style>
+          <a:lnRef idx="3">
+            <a:schemeClr val="dk1"/>
+          </a:lnRef>
+          <a:fillRef idx="0">
+            <a:schemeClr val="dk1"/>
+          </a:fillRef>
+          <a:effectRef idx="2">
+            <a:schemeClr val="dk1"/>
+          </a:effectRef>
+          <a:fontRef idx="minor">
+            <a:schemeClr val="tx1"/>
+          </a:fontRef>
+        </p:style>
+      </p:cxnSp>
+      <p:sp>
+        <p:nvSpPr>
+          <p:cNvPr id="15" name="TextBox 14">
+            <a:extLst>
+              <a:ext uri="{FF2B5EF4-FFF2-40B4-BE49-F238E27FC236}">
+                <a16:creationId xmlns:a16="http://schemas.microsoft.com/office/drawing/2014/main" id="{BC75EFB4-4F64-2B4D-8510-652B3BCE06D5}"/>
+              </a:ext>
+            </a:extLst>
+          </p:cNvPr>
+          <p:cNvSpPr txBox="1"/>
+          <p:nvPr/>
+        </p:nvSpPr>
+        <p:spPr>
+          <a:xfrm>
+            <a:off x="304800" y="5059680"/>
+            <a:ext cx="4728754" cy="923330"/>
+          </a:xfrm>
+          <a:prstGeom prst="rect">
+            <a:avLst/>
+          </a:prstGeom>
+          <a:noFill/>
+        </p:spPr>
+        <p:txBody>
+          <a:bodyPr wrap="square" rtlCol="0">
+            <a:spAutoFit/>
+          </a:bodyPr>
+          <a:lstStyle/>
+          <a:p>
+            <a:r>
+              <a:rPr lang="en-US" dirty="0"/>
+              <a:t>Desktop App: Direct connect to Database and Read / Write Operations. JAVA + JDBC / C# + ADO.NET / VB + ADO</a:t>
+            </a:r>
+          </a:p>
+        </p:txBody>
+      </p:sp>
+      <p:sp>
+        <p:nvSpPr>
+          <p:cNvPr id="16" name="TextBox 15">
+            <a:extLst>
+              <a:ext uri="{FF2B5EF4-FFF2-40B4-BE49-F238E27FC236}">
+                <a16:creationId xmlns:a16="http://schemas.microsoft.com/office/drawing/2014/main" id="{0C688B10-98BC-7B4E-AED0-A44DE55A1BCF}"/>
+              </a:ext>
+            </a:extLst>
+          </p:cNvPr>
+          <p:cNvSpPr txBox="1"/>
+          <p:nvPr/>
+        </p:nvSpPr>
+        <p:spPr>
+          <a:xfrm>
+            <a:off x="609600" y="209006"/>
+            <a:ext cx="6435634" cy="923330"/>
+          </a:xfrm>
+          <a:prstGeom prst="rect">
+            <a:avLst/>
+          </a:prstGeom>
+          <a:noFill/>
+        </p:spPr>
+        <p:txBody>
+          <a:bodyPr wrap="square" rtlCol="0">
+            <a:spAutoFit/>
+          </a:bodyPr>
+          <a:lstStyle/>
+          <a:p>
+            <a:r>
+              <a:rPr lang="en-US" dirty="0"/>
+              <a:t>Android (HTML5 + JavaScript), JAVA, C# Xamarin Apps. </a:t>
+            </a:r>
+          </a:p>
+          <a:p>
+            <a:r>
+              <a:rPr lang="en-US" dirty="0"/>
+              <a:t>iOS (HTML 5 + JavaScript), C# Xamarin , Objective-C.</a:t>
+            </a:r>
+          </a:p>
+          <a:p>
+            <a:r>
+              <a:rPr lang="en-US" dirty="0"/>
+              <a:t>Browser Apps, Angular, React, Vue, Ember, jQuery Apps, etc.</a:t>
+            </a:r>
+          </a:p>
+        </p:txBody>
+      </p:sp>
+      <p:sp>
+        <p:nvSpPr>
+          <p:cNvPr id="19" name="TextBox 18">
+            <a:extLst>
+              <a:ext uri="{FF2B5EF4-FFF2-40B4-BE49-F238E27FC236}">
+                <a16:creationId xmlns:a16="http://schemas.microsoft.com/office/drawing/2014/main" id="{8B6D31FC-406E-2443-8469-5778AB758750}"/>
+              </a:ext>
+            </a:extLst>
+          </p:cNvPr>
+          <p:cNvSpPr txBox="1"/>
+          <p:nvPr/>
+        </p:nvSpPr>
+        <p:spPr>
+          <a:xfrm>
+            <a:off x="7585166" y="0"/>
+            <a:ext cx="4075611" cy="369332"/>
+          </a:xfrm>
+          <a:prstGeom prst="rect">
+            <a:avLst/>
+          </a:prstGeom>
+          <a:noFill/>
+        </p:spPr>
+        <p:txBody>
+          <a:bodyPr wrap="square" rtlCol="0">
+            <a:spAutoFit/>
+          </a:bodyPr>
+          <a:lstStyle/>
+          <a:p>
+            <a:r>
+              <a:rPr lang="en-US" dirty="0">
+                <a:highlight>
+                  <a:srgbClr val="FFFF00"/>
+                </a:highlight>
+              </a:rPr>
+              <a:t>Applications Accessing Databases</a:t>
+            </a:r>
+          </a:p>
+        </p:txBody>
+      </p:sp>
+    </p:spTree>
+    <p:extLst>
+      <p:ext uri="{BB962C8B-B14F-4D97-AF65-F5344CB8AC3E}">
+        <p14:creationId xmlns:p14="http://schemas.microsoft.com/office/powerpoint/2010/main" val="3641872780"/>
+      </p:ext>
+    </p:extLst>
+  </p:cSld>
+  <p:clrMapOvr>
+    <a:masterClrMapping/>
+  </p:clrMapOvr>
+</p:sld>
+</file>
+
+<file path=ppt/slides/slide27.xml><?xml version="1.0" encoding="utf-8"?>
+<p:sld xmlns:a="http://schemas.openxmlformats.org/drawingml/2006/main" xmlns:r="http://schemas.openxmlformats.org/officeDocument/2006/relationships" xmlns:p="http://schemas.openxmlformats.org/presentationml/2006/main">
+  <p:cSld>
+    <p:spTree>
+      <p:nvGrpSpPr>
+        <p:cNvPr id="1" name=""/>
+        <p:cNvGrpSpPr/>
+        <p:nvPr/>
+      </p:nvGrpSpPr>
+      <p:grpSpPr>
+        <a:xfrm>
+          <a:off x="0" y="0"/>
+          <a:ext cx="0" cy="0"/>
+          <a:chOff x="0" y="0"/>
+          <a:chExt cx="0" cy="0"/>
+        </a:xfrm>
+      </p:grpSpPr>
+      <p:sp>
+        <p:nvSpPr>
+          <p:cNvPr id="2" name="TextBox 1">
+            <a:extLst>
+              <a:ext uri="{FF2B5EF4-FFF2-40B4-BE49-F238E27FC236}">
+                <a16:creationId xmlns:a16="http://schemas.microsoft.com/office/drawing/2014/main" id="{CE6FB108-A58F-A84F-A3F7-726D172008B3}"/>
+              </a:ext>
+            </a:extLst>
+          </p:cNvPr>
+          <p:cNvSpPr txBox="1"/>
+          <p:nvPr/>
+        </p:nvSpPr>
+        <p:spPr>
+          <a:xfrm>
+            <a:off x="3709852" y="130629"/>
+            <a:ext cx="6404707" cy="369332"/>
+          </a:xfrm>
+          <a:prstGeom prst="rect">
+            <a:avLst/>
+          </a:prstGeom>
+          <a:noFill/>
+        </p:spPr>
+        <p:txBody>
+          <a:bodyPr wrap="square" rtlCol="0">
+            <a:spAutoFit/>
+          </a:bodyPr>
+          <a:lstStyle/>
+          <a:p>
+            <a:r>
+              <a:rPr lang="en-US" dirty="0"/>
+              <a:t>Application on Browser’s / Devices are Seeking for Data</a:t>
+            </a:r>
+          </a:p>
+        </p:txBody>
+      </p:sp>
+      <p:sp>
+        <p:nvSpPr>
+          <p:cNvPr id="3" name="Rectangle 2">
+            <a:extLst>
+              <a:ext uri="{FF2B5EF4-FFF2-40B4-BE49-F238E27FC236}">
+                <a16:creationId xmlns:a16="http://schemas.microsoft.com/office/drawing/2014/main" id="{AB85609A-577C-D544-98BF-815EADB836F2}"/>
+              </a:ext>
+            </a:extLst>
+          </p:cNvPr>
+          <p:cNvSpPr/>
+          <p:nvPr/>
+        </p:nvSpPr>
+        <p:spPr>
+          <a:xfrm>
+            <a:off x="230777" y="2435158"/>
+            <a:ext cx="1689463" cy="1750423"/>
+          </a:xfrm>
+          <a:prstGeom prst="rect">
+            <a:avLst/>
+          </a:prstGeom>
+        </p:spPr>
+        <p:style>
+          <a:lnRef idx="2">
+            <a:schemeClr val="accent1">
+              <a:shade val="50000"/>
+            </a:schemeClr>
+          </a:lnRef>
+          <a:fillRef idx="1">
+            <a:schemeClr val="accent1"/>
+          </a:fillRef>
+          <a:effectRef idx="0">
+            <a:schemeClr val="accent1"/>
+          </a:effectRef>
+          <a:fontRef idx="minor">
+            <a:schemeClr val="lt1"/>
+          </a:fontRef>
+        </p:style>
+        <p:txBody>
+          <a:bodyPr rtlCol="0" anchor="ctr"/>
+          <a:lstStyle/>
+          <a:p>
+            <a:pPr algn="ctr"/>
+            <a:r>
+              <a:rPr lang="en-US" dirty="0"/>
+              <a:t>Doctor</a:t>
+            </a:r>
+          </a:p>
+          <a:p>
+            <a:pPr algn="ctr"/>
+            <a:r>
+              <a:rPr lang="en-US" dirty="0"/>
+              <a:t>Browser / Mobile Device</a:t>
+            </a:r>
+          </a:p>
+        </p:txBody>
+      </p:sp>
+      <p:sp>
+        <p:nvSpPr>
+          <p:cNvPr id="4" name="TextBox 3">
+            <a:extLst>
+              <a:ext uri="{FF2B5EF4-FFF2-40B4-BE49-F238E27FC236}">
+                <a16:creationId xmlns:a16="http://schemas.microsoft.com/office/drawing/2014/main" id="{7358A4FC-6AA6-924E-9875-C09F73483BB0}"/>
+              </a:ext>
+            </a:extLst>
+          </p:cNvPr>
+          <p:cNvSpPr txBox="1"/>
+          <p:nvPr/>
+        </p:nvSpPr>
+        <p:spPr>
+          <a:xfrm>
+            <a:off x="348342" y="766354"/>
+            <a:ext cx="6435634" cy="923330"/>
+          </a:xfrm>
+          <a:prstGeom prst="rect">
+            <a:avLst/>
+          </a:prstGeom>
+          <a:noFill/>
+        </p:spPr>
+        <p:txBody>
+          <a:bodyPr wrap="square" rtlCol="0">
+            <a:spAutoFit/>
+          </a:bodyPr>
+          <a:lstStyle/>
+          <a:p>
+            <a:r>
+              <a:rPr lang="en-US" dirty="0"/>
+              <a:t>Android (HTML5 + JavaScript), JAVA, C# Xamarin Apps. </a:t>
+            </a:r>
+          </a:p>
+          <a:p>
+            <a:r>
+              <a:rPr lang="en-US" dirty="0"/>
+              <a:t>iOS (HTML 5 + JavaScript), C# Xamarin , Objective-C.</a:t>
+            </a:r>
+          </a:p>
+          <a:p>
+            <a:r>
+              <a:rPr lang="en-US" dirty="0"/>
+              <a:t>Browser Apps, Angular, React, Vue, Ember, jQuery Apps, etc.</a:t>
+            </a:r>
+          </a:p>
+        </p:txBody>
+      </p:sp>
+      <p:sp>
+        <p:nvSpPr>
+          <p:cNvPr id="5" name="Can 4">
+            <a:extLst>
+              <a:ext uri="{FF2B5EF4-FFF2-40B4-BE49-F238E27FC236}">
+                <a16:creationId xmlns:a16="http://schemas.microsoft.com/office/drawing/2014/main" id="{F8EE4239-F113-334C-881A-F4C6582867EE}"/>
+              </a:ext>
+            </a:extLst>
+          </p:cNvPr>
+          <p:cNvSpPr/>
+          <p:nvPr/>
+        </p:nvSpPr>
+        <p:spPr>
+          <a:xfrm>
+            <a:off x="9540240" y="2230177"/>
+            <a:ext cx="2333897" cy="1611085"/>
+          </a:xfrm>
+          <a:prstGeom prst="can">
+            <a:avLst/>
+          </a:prstGeom>
+        </p:spPr>
+        <p:style>
+          <a:lnRef idx="2">
+            <a:schemeClr val="accent1">
+              <a:shade val="50000"/>
+            </a:schemeClr>
+          </a:lnRef>
+          <a:fillRef idx="1">
+            <a:schemeClr val="accent1"/>
+          </a:fillRef>
+          <a:effectRef idx="0">
+            <a:schemeClr val="accent1"/>
+          </a:effectRef>
+          <a:fontRef idx="minor">
+            <a:schemeClr val="lt1"/>
+          </a:fontRef>
+        </p:style>
+        <p:txBody>
+          <a:bodyPr rtlCol="0" anchor="ctr"/>
+          <a:lstStyle/>
+          <a:p>
+            <a:pPr algn="ctr"/>
+            <a:r>
+              <a:rPr lang="en-US" dirty="0"/>
+              <a:t>Hospital</a:t>
+            </a:r>
+          </a:p>
+          <a:p>
+            <a:pPr algn="ctr"/>
+            <a:r>
+              <a:rPr lang="en-US" dirty="0"/>
+              <a:t>Database</a:t>
+            </a:r>
+          </a:p>
+        </p:txBody>
+      </p:sp>
+      <p:sp>
+        <p:nvSpPr>
+          <p:cNvPr id="6" name="Rounded Rectangle 5">
+            <a:extLst>
+              <a:ext uri="{FF2B5EF4-FFF2-40B4-BE49-F238E27FC236}">
+                <a16:creationId xmlns:a16="http://schemas.microsoft.com/office/drawing/2014/main" id="{63F6F717-1339-9D4E-B324-AD37F413D0D6}"/>
+              </a:ext>
+            </a:extLst>
+          </p:cNvPr>
+          <p:cNvSpPr/>
+          <p:nvPr/>
+        </p:nvSpPr>
+        <p:spPr>
+          <a:xfrm>
+            <a:off x="5181600" y="1680864"/>
+            <a:ext cx="3143794" cy="3056487"/>
+          </a:xfrm>
+          <a:prstGeom prst="roundRect">
+            <a:avLst/>
+          </a:prstGeom>
+        </p:spPr>
+        <p:style>
+          <a:lnRef idx="2">
+            <a:schemeClr val="accent1">
+              <a:shade val="50000"/>
+            </a:schemeClr>
+          </a:lnRef>
+          <a:fillRef idx="1">
+            <a:schemeClr val="accent1"/>
+          </a:fillRef>
+          <a:effectRef idx="0">
+            <a:schemeClr val="accent1"/>
+          </a:effectRef>
+          <a:fontRef idx="minor">
+            <a:schemeClr val="lt1"/>
+          </a:fontRef>
+        </p:style>
+        <p:txBody>
+          <a:bodyPr rtlCol="0" anchor="ctr"/>
+          <a:lstStyle/>
+          <a:p>
+            <a:pPr algn="ctr"/>
+            <a:r>
+              <a:rPr lang="en-US" dirty="0"/>
+              <a:t>Application Server</a:t>
+            </a:r>
+          </a:p>
+          <a:p>
+            <a:pPr algn="ctr"/>
+            <a:r>
+              <a:rPr lang="en-US" dirty="0"/>
+              <a:t>Abstraction Layer on Database / Business Workflows / Security </a:t>
+            </a:r>
+          </a:p>
+        </p:txBody>
+      </p:sp>
+      <p:sp>
+        <p:nvSpPr>
+          <p:cNvPr id="7" name="Can 6">
+            <a:extLst>
+              <a:ext uri="{FF2B5EF4-FFF2-40B4-BE49-F238E27FC236}">
+                <a16:creationId xmlns:a16="http://schemas.microsoft.com/office/drawing/2014/main" id="{804AA340-2A4A-7346-9581-8FC911D0F1EF}"/>
+              </a:ext>
+            </a:extLst>
+          </p:cNvPr>
+          <p:cNvSpPr/>
+          <p:nvPr/>
+        </p:nvSpPr>
+        <p:spPr>
+          <a:xfrm rot="16200000">
+            <a:off x="3731623" y="2300176"/>
+            <a:ext cx="879566" cy="2020389"/>
+          </a:xfrm>
+          <a:prstGeom prst="can">
+            <a:avLst/>
+          </a:prstGeom>
+        </p:spPr>
+        <p:style>
+          <a:lnRef idx="2">
+            <a:schemeClr val="accent1">
+              <a:shade val="50000"/>
+            </a:schemeClr>
+          </a:lnRef>
+          <a:fillRef idx="1">
+            <a:schemeClr val="accent1"/>
+          </a:fillRef>
+          <a:effectRef idx="0">
+            <a:schemeClr val="accent1"/>
+          </a:effectRef>
+          <a:fontRef idx="minor">
+            <a:schemeClr val="lt1"/>
+          </a:fontRef>
+        </p:style>
+        <p:txBody>
+          <a:bodyPr rtlCol="0" anchor="ctr"/>
+          <a:lstStyle/>
+          <a:p>
+            <a:pPr algn="ctr"/>
+            <a:endParaRPr lang="en-US" dirty="0"/>
+          </a:p>
+        </p:txBody>
+      </p:sp>
+      <p:sp>
+        <p:nvSpPr>
+          <p:cNvPr id="8" name="TextBox 7">
+            <a:extLst>
+              <a:ext uri="{FF2B5EF4-FFF2-40B4-BE49-F238E27FC236}">
+                <a16:creationId xmlns:a16="http://schemas.microsoft.com/office/drawing/2014/main" id="{C60366DF-B84A-7742-997F-2EC2FE1E70B9}"/>
+              </a:ext>
+            </a:extLst>
+          </p:cNvPr>
+          <p:cNvSpPr txBox="1"/>
+          <p:nvPr/>
+        </p:nvSpPr>
+        <p:spPr>
+          <a:xfrm>
+            <a:off x="3483429" y="2987040"/>
+            <a:ext cx="1471748" cy="646331"/>
+          </a:xfrm>
+          <a:prstGeom prst="rect">
+            <a:avLst/>
+          </a:prstGeom>
+          <a:noFill/>
+        </p:spPr>
+        <p:txBody>
+          <a:bodyPr wrap="square" rtlCol="0">
+            <a:spAutoFit/>
+          </a:bodyPr>
+          <a:lstStyle/>
+          <a:p>
+            <a:pPr algn="ctr"/>
+            <a:r>
+              <a:rPr lang="en-US" dirty="0">
+                <a:highlight>
+                  <a:srgbClr val="FFFF00"/>
+                </a:highlight>
+              </a:rPr>
+              <a:t>Public Endpoints</a:t>
+            </a:r>
+          </a:p>
+        </p:txBody>
+      </p:sp>
+      <p:sp>
+        <p:nvSpPr>
+          <p:cNvPr id="9" name="Left-right Arrow 8">
+            <a:extLst>
+              <a:ext uri="{FF2B5EF4-FFF2-40B4-BE49-F238E27FC236}">
+                <a16:creationId xmlns:a16="http://schemas.microsoft.com/office/drawing/2014/main" id="{451B17D4-C3EC-A84C-85F4-4A4A2A599DC5}"/>
+              </a:ext>
+            </a:extLst>
+          </p:cNvPr>
+          <p:cNvSpPr/>
+          <p:nvPr/>
+        </p:nvSpPr>
+        <p:spPr>
+          <a:xfrm>
+            <a:off x="8325394" y="2987040"/>
+            <a:ext cx="1227909" cy="323165"/>
+          </a:xfrm>
+          <a:prstGeom prst="leftRightArrow">
+            <a:avLst/>
+          </a:prstGeom>
+          <a:solidFill>
+            <a:srgbClr val="FFFF00"/>
+          </a:solidFill>
+        </p:spPr>
+        <p:style>
+          <a:lnRef idx="2">
+            <a:schemeClr val="accent1">
+              <a:shade val="50000"/>
+            </a:schemeClr>
+          </a:lnRef>
+          <a:fillRef idx="1">
+            <a:schemeClr val="accent1"/>
+          </a:fillRef>
+          <a:effectRef idx="0">
+            <a:schemeClr val="accent1"/>
+          </a:effectRef>
+          <a:fontRef idx="minor">
+            <a:schemeClr val="lt1"/>
+          </a:fontRef>
+        </p:style>
+        <p:txBody>
+          <a:bodyPr rtlCol="0" anchor="ctr"/>
+          <a:lstStyle/>
+          <a:p>
+            <a:pPr algn="ctr"/>
+            <a:endParaRPr lang="en-US"/>
+          </a:p>
+        </p:txBody>
+      </p:sp>
+      <p:sp>
+        <p:nvSpPr>
+          <p:cNvPr id="10" name="Snip Diagonal Corner of Rectangle 9">
+            <a:extLst>
+              <a:ext uri="{FF2B5EF4-FFF2-40B4-BE49-F238E27FC236}">
+                <a16:creationId xmlns:a16="http://schemas.microsoft.com/office/drawing/2014/main" id="{2B73AB7D-DB3E-034F-8DDD-F12EACD4241D}"/>
+              </a:ext>
+            </a:extLst>
+          </p:cNvPr>
+          <p:cNvSpPr/>
+          <p:nvPr/>
+        </p:nvSpPr>
+        <p:spPr>
+          <a:xfrm>
+            <a:off x="9792788" y="4572000"/>
+            <a:ext cx="1854926" cy="1506583"/>
+          </a:xfrm>
+          <a:prstGeom prst="snip2DiagRect">
+            <a:avLst/>
+          </a:prstGeom>
+        </p:spPr>
+        <p:style>
+          <a:lnRef idx="2">
+            <a:schemeClr val="accent1">
+              <a:shade val="50000"/>
+            </a:schemeClr>
+          </a:lnRef>
+          <a:fillRef idx="1">
+            <a:schemeClr val="accent1"/>
+          </a:fillRef>
+          <a:effectRef idx="0">
+            <a:schemeClr val="accent1"/>
+          </a:effectRef>
+          <a:fontRef idx="minor">
+            <a:schemeClr val="lt1"/>
+          </a:fontRef>
+        </p:style>
+        <p:txBody>
+          <a:bodyPr rtlCol="0" anchor="ctr"/>
+          <a:lstStyle/>
+          <a:p>
+            <a:pPr algn="ctr"/>
+            <a:r>
+              <a:rPr lang="en-US" dirty="0">
+                <a:solidFill>
+                  <a:srgbClr val="FFFF00"/>
+                </a:solidFill>
+              </a:rPr>
+              <a:t>External Systems</a:t>
+            </a:r>
+          </a:p>
+          <a:p>
+            <a:pPr algn="ctr"/>
+            <a:r>
+              <a:rPr lang="en-US" dirty="0"/>
+              <a:t>Insurance Claim Provider </a:t>
+            </a:r>
+          </a:p>
+        </p:txBody>
+      </p:sp>
+      <p:sp>
+        <p:nvSpPr>
+          <p:cNvPr id="11" name="Left-right Arrow 10">
+            <a:extLst>
+              <a:ext uri="{FF2B5EF4-FFF2-40B4-BE49-F238E27FC236}">
+                <a16:creationId xmlns:a16="http://schemas.microsoft.com/office/drawing/2014/main" id="{E2F12CAB-073D-404D-88E6-F9D4AFDAC8D3}"/>
+              </a:ext>
+            </a:extLst>
+          </p:cNvPr>
+          <p:cNvSpPr/>
+          <p:nvPr/>
+        </p:nvSpPr>
+        <p:spPr>
+          <a:xfrm rot="1873549">
+            <a:off x="7935686" y="4570546"/>
+            <a:ext cx="2246812" cy="365760"/>
+          </a:xfrm>
+          <a:prstGeom prst="leftRightArrow">
+            <a:avLst/>
+          </a:prstGeom>
+          <a:solidFill>
+            <a:srgbClr val="FFFF00"/>
+          </a:solidFill>
+        </p:spPr>
+        <p:style>
+          <a:lnRef idx="2">
+            <a:schemeClr val="accent1">
+              <a:shade val="50000"/>
+            </a:schemeClr>
+          </a:lnRef>
+          <a:fillRef idx="1">
+            <a:schemeClr val="accent1"/>
+          </a:fillRef>
+          <a:effectRef idx="0">
+            <a:schemeClr val="accent1"/>
+          </a:effectRef>
+          <a:fontRef idx="minor">
+            <a:schemeClr val="lt1"/>
+          </a:fontRef>
+        </p:style>
+        <p:txBody>
+          <a:bodyPr rtlCol="0" anchor="ctr"/>
+          <a:lstStyle/>
+          <a:p>
+            <a:pPr algn="ctr"/>
+            <a:endParaRPr lang="en-US"/>
+          </a:p>
+        </p:txBody>
+      </p:sp>
+      <p:sp>
+        <p:nvSpPr>
+          <p:cNvPr id="12" name="Curved Down Arrow 11">
+            <a:extLst>
+              <a:ext uri="{FF2B5EF4-FFF2-40B4-BE49-F238E27FC236}">
+                <a16:creationId xmlns:a16="http://schemas.microsoft.com/office/drawing/2014/main" id="{F7C2B584-9D6E-114F-B831-8E3D883E591C}"/>
+              </a:ext>
+            </a:extLst>
+          </p:cNvPr>
+          <p:cNvSpPr/>
+          <p:nvPr/>
+        </p:nvSpPr>
+        <p:spPr>
+          <a:xfrm>
+            <a:off x="1545548" y="1946927"/>
+            <a:ext cx="2538549" cy="923330"/>
+          </a:xfrm>
+          <a:prstGeom prst="curvedDownArrow">
+            <a:avLst/>
+          </a:prstGeom>
+          <a:solidFill>
+            <a:srgbClr val="FFFF00"/>
+          </a:solidFill>
+        </p:spPr>
+        <p:style>
+          <a:lnRef idx="2">
+            <a:schemeClr val="accent1">
+              <a:shade val="50000"/>
+            </a:schemeClr>
+          </a:lnRef>
+          <a:fillRef idx="1">
+            <a:schemeClr val="accent1"/>
+          </a:fillRef>
+          <a:effectRef idx="0">
+            <a:schemeClr val="accent1"/>
+          </a:effectRef>
+          <a:fontRef idx="minor">
+            <a:schemeClr val="lt1"/>
+          </a:fontRef>
+        </p:style>
+        <p:txBody>
+          <a:bodyPr rtlCol="0" anchor="ctr"/>
+          <a:lstStyle/>
+          <a:p>
+            <a:pPr algn="ctr"/>
+            <a:endParaRPr lang="en-US">
+              <a:solidFill>
+                <a:schemeClr val="tx1"/>
+              </a:solidFill>
+            </a:endParaRPr>
+          </a:p>
+        </p:txBody>
+      </p:sp>
+      <p:sp>
+        <p:nvSpPr>
+          <p:cNvPr id="13" name="Curved Down Arrow 12">
+            <a:extLst>
+              <a:ext uri="{FF2B5EF4-FFF2-40B4-BE49-F238E27FC236}">
+                <a16:creationId xmlns:a16="http://schemas.microsoft.com/office/drawing/2014/main" id="{AA1C16FF-2012-7343-B64A-1D223870D80E}"/>
+              </a:ext>
+            </a:extLst>
+          </p:cNvPr>
+          <p:cNvSpPr/>
+          <p:nvPr/>
+        </p:nvSpPr>
+        <p:spPr>
+          <a:xfrm rot="10800000">
+            <a:off x="1449976" y="3615731"/>
+            <a:ext cx="2538549" cy="923330"/>
+          </a:xfrm>
+          <a:prstGeom prst="curvedDownArrow">
+            <a:avLst/>
+          </a:prstGeom>
+          <a:solidFill>
+            <a:srgbClr val="FFFF00"/>
+          </a:solidFill>
+        </p:spPr>
+        <p:style>
+          <a:lnRef idx="2">
+            <a:schemeClr val="accent1">
+              <a:shade val="50000"/>
+            </a:schemeClr>
+          </a:lnRef>
+          <a:fillRef idx="1">
+            <a:schemeClr val="accent1"/>
+          </a:fillRef>
+          <a:effectRef idx="0">
+            <a:schemeClr val="accent1"/>
+          </a:effectRef>
+          <a:fontRef idx="minor">
+            <a:schemeClr val="lt1"/>
+          </a:fontRef>
+        </p:style>
+        <p:txBody>
+          <a:bodyPr rtlCol="0" anchor="ctr"/>
+          <a:lstStyle/>
+          <a:p>
+            <a:pPr algn="ctr"/>
+            <a:endParaRPr lang="en-US">
+              <a:solidFill>
+                <a:schemeClr val="tx1"/>
+              </a:solidFill>
+            </a:endParaRPr>
+          </a:p>
+        </p:txBody>
+      </p:sp>
+      <p:sp>
+        <p:nvSpPr>
+          <p:cNvPr id="14" name="TextBox 13">
+            <a:extLst>
+              <a:ext uri="{FF2B5EF4-FFF2-40B4-BE49-F238E27FC236}">
+                <a16:creationId xmlns:a16="http://schemas.microsoft.com/office/drawing/2014/main" id="{B92D6B82-6BF3-A84F-B955-EDE5607B80C0}"/>
+              </a:ext>
+            </a:extLst>
+          </p:cNvPr>
+          <p:cNvSpPr txBox="1"/>
+          <p:nvPr/>
+        </p:nvSpPr>
+        <p:spPr>
+          <a:xfrm>
+            <a:off x="4406315" y="5077097"/>
+            <a:ext cx="4563962" cy="646331"/>
+          </a:xfrm>
+          <a:prstGeom prst="rect">
+            <a:avLst/>
+          </a:prstGeom>
+          <a:noFill/>
+        </p:spPr>
+        <p:txBody>
+          <a:bodyPr wrap="square" rtlCol="0">
+            <a:spAutoFit/>
+          </a:bodyPr>
+          <a:lstStyle/>
+          <a:p>
+            <a:r>
+              <a:rPr lang="en-US" dirty="0"/>
+              <a:t>The Application Server must be easy to Configure , Create (Program) and Deploy </a:t>
+            </a:r>
+          </a:p>
+        </p:txBody>
+      </p:sp>
+      <p:sp>
+        <p:nvSpPr>
+          <p:cNvPr id="15" name="TextBox 14">
+            <a:extLst>
+              <a:ext uri="{FF2B5EF4-FFF2-40B4-BE49-F238E27FC236}">
+                <a16:creationId xmlns:a16="http://schemas.microsoft.com/office/drawing/2014/main" id="{EE3657BA-F57C-D84B-AA9B-359C769DC326}"/>
+              </a:ext>
+            </a:extLst>
+          </p:cNvPr>
+          <p:cNvSpPr txBox="1"/>
+          <p:nvPr/>
+        </p:nvSpPr>
+        <p:spPr>
+          <a:xfrm>
+            <a:off x="8442736" y="4488376"/>
+            <a:ext cx="1097504" cy="369332"/>
+          </a:xfrm>
+          <a:prstGeom prst="rect">
+            <a:avLst/>
+          </a:prstGeom>
+          <a:noFill/>
+        </p:spPr>
+        <p:txBody>
+          <a:bodyPr wrap="square" rtlCol="0">
+            <a:spAutoFit/>
+          </a:bodyPr>
+          <a:lstStyle/>
+          <a:p>
+            <a:r>
+              <a:rPr lang="en-US" dirty="0"/>
+              <a:t>Endpoints</a:t>
+            </a:r>
+          </a:p>
+        </p:txBody>
+      </p:sp>
+    </p:spTree>
+    <p:extLst>
+      <p:ext uri="{BB962C8B-B14F-4D97-AF65-F5344CB8AC3E}">
+        <p14:creationId xmlns:p14="http://schemas.microsoft.com/office/powerpoint/2010/main" val="1205271713"/>
+      </p:ext>
+    </p:extLst>
+  </p:cSld>
+  <p:clrMapOvr>
+    <a:masterClrMapping/>
+  </p:clrMapOvr>
+</p:sld>
+</file>
+
+<file path=ppt/slides/slide28.xml><?xml version="1.0" encoding="utf-8"?>
+<p:sld xmlns:a="http://schemas.openxmlformats.org/drawingml/2006/main" xmlns:r="http://schemas.openxmlformats.org/officeDocument/2006/relationships" xmlns:p="http://schemas.openxmlformats.org/presentationml/2006/main">
+  <p:cSld>
+    <p:spTree>
+      <p:nvGrpSpPr>
+        <p:cNvPr id="1" name=""/>
+        <p:cNvGrpSpPr/>
+        <p:nvPr/>
+      </p:nvGrpSpPr>
+      <p:grpSpPr>
+        <a:xfrm>
+          <a:off x="0" y="0"/>
+          <a:ext cx="0" cy="0"/>
+          <a:chOff x="0" y="0"/>
+          <a:chExt cx="0" cy="0"/>
+        </a:xfrm>
+      </p:grpSpPr>
+      <p:sp>
+        <p:nvSpPr>
+          <p:cNvPr id="2" name="TextBox 1">
+            <a:extLst>
+              <a:ext uri="{FF2B5EF4-FFF2-40B4-BE49-F238E27FC236}">
+                <a16:creationId xmlns:a16="http://schemas.microsoft.com/office/drawing/2014/main" id="{41EBAB38-B6E5-6945-A3F9-1C8DEF29D246}"/>
+              </a:ext>
+            </a:extLst>
+          </p:cNvPr>
+          <p:cNvSpPr txBox="1"/>
+          <p:nvPr/>
+        </p:nvSpPr>
+        <p:spPr>
+          <a:xfrm>
+            <a:off x="217714" y="174171"/>
+            <a:ext cx="11869783" cy="5355312"/>
+          </a:xfrm>
+          <a:prstGeom prst="rect">
+            <a:avLst/>
+          </a:prstGeom>
+          <a:noFill/>
+        </p:spPr>
+        <p:txBody>
+          <a:bodyPr wrap="square" rtlCol="0">
+            <a:spAutoFit/>
+          </a:bodyPr>
+          <a:lstStyle/>
+          <a:p>
+            <a:pPr marL="342900" indent="-342900">
+              <a:buFont typeface="+mj-lt"/>
+              <a:buAutoNum type="arabicPeriod"/>
+            </a:pPr>
+            <a:r>
+              <a:rPr lang="en-US" dirty="0"/>
+              <a:t>Application Server</a:t>
+            </a:r>
+          </a:p>
+          <a:p>
+            <a:pPr marL="800100" lvl="1" indent="-342900">
+              <a:buFont typeface="+mj-lt"/>
+              <a:buAutoNum type="arabicPeriod"/>
+            </a:pPr>
+            <a:r>
+              <a:rPr lang="en-US" dirty="0"/>
+              <a:t>The Hosting Process that host the sever-side code and execute its</a:t>
+            </a:r>
+          </a:p>
+          <a:p>
+            <a:pPr marL="800100" lvl="1" indent="-342900">
+              <a:buFont typeface="+mj-lt"/>
+              <a:buAutoNum type="arabicPeriod"/>
+            </a:pPr>
+            <a:r>
+              <a:rPr lang="en-US" dirty="0"/>
+              <a:t>Manages the configuration for</a:t>
+            </a:r>
+          </a:p>
+          <a:p>
+            <a:pPr marL="1257300" lvl="2" indent="-342900">
+              <a:buFont typeface="+mj-lt"/>
+              <a:buAutoNum type="arabicPeriod"/>
+            </a:pPr>
+            <a:r>
+              <a:rPr lang="en-US" dirty="0"/>
+              <a:t>Exposing Endpoints for accepting Requests from clients</a:t>
+            </a:r>
+          </a:p>
+          <a:p>
+            <a:pPr marL="1257300" lvl="2" indent="-342900">
+              <a:buFont typeface="+mj-lt"/>
+              <a:buAutoNum type="arabicPeriod"/>
+            </a:pPr>
+            <a:r>
+              <a:rPr lang="en-US" dirty="0"/>
+              <a:t>Manges the Server-Side Security Requirements</a:t>
+            </a:r>
+          </a:p>
+          <a:p>
+            <a:pPr marL="1714500" lvl="3" indent="-342900">
+              <a:buFont typeface="+mj-lt"/>
+              <a:buAutoNum type="arabicPeriod"/>
+            </a:pPr>
+            <a:r>
+              <a:rPr lang="en-US" dirty="0"/>
+              <a:t>Database that contains Identity Information</a:t>
+            </a:r>
+          </a:p>
+          <a:p>
+            <a:pPr marL="1714500" lvl="3" indent="-342900">
+              <a:buFont typeface="+mj-lt"/>
+              <a:buAutoNum type="arabicPeriod"/>
+            </a:pPr>
+            <a:r>
+              <a:rPr lang="en-US" dirty="0"/>
+              <a:t>External Authentication Provider</a:t>
+            </a:r>
+          </a:p>
+          <a:p>
+            <a:pPr marL="1714500" lvl="3" indent="-342900">
+              <a:buFont typeface="+mj-lt"/>
+              <a:buAutoNum type="arabicPeriod"/>
+            </a:pPr>
+            <a:r>
+              <a:rPr lang="en-US" dirty="0"/>
+              <a:t>Hosting Security Context</a:t>
+            </a:r>
+          </a:p>
+          <a:p>
+            <a:pPr marL="1257300" lvl="2" indent="-342900">
+              <a:buFont typeface="+mj-lt"/>
+              <a:buAutoNum type="arabicPeriod"/>
+            </a:pPr>
+            <a:r>
+              <a:rPr lang="en-US" dirty="0"/>
+              <a:t>Session Management</a:t>
+            </a:r>
+          </a:p>
+          <a:p>
+            <a:pPr marL="1257300" lvl="2" indent="-342900">
+              <a:buFont typeface="+mj-lt"/>
+              <a:buAutoNum type="arabicPeriod"/>
+            </a:pPr>
+            <a:r>
+              <a:rPr lang="en-US" dirty="0"/>
+              <a:t>Database calls</a:t>
+            </a:r>
+          </a:p>
+          <a:p>
+            <a:pPr marL="1257300" lvl="2" indent="-342900">
+              <a:buFont typeface="+mj-lt"/>
+              <a:buAutoNum type="arabicPeriod"/>
+            </a:pPr>
+            <a:r>
+              <a:rPr lang="en-US" dirty="0"/>
+              <a:t>Subscription for Externally hosted service calls </a:t>
+            </a:r>
+          </a:p>
+          <a:p>
+            <a:pPr marL="800100" lvl="1" indent="-342900">
+              <a:buFont typeface="+mj-lt"/>
+              <a:buAutoNum type="arabicPeriod"/>
+            </a:pPr>
+            <a:r>
+              <a:rPr lang="en-US" dirty="0"/>
+              <a:t>Execute the business logic using the Application Framework</a:t>
+            </a:r>
+          </a:p>
+          <a:p>
+            <a:pPr marL="800100" lvl="1" indent="-342900">
+              <a:buFont typeface="+mj-lt"/>
+              <a:buAutoNum type="arabicPeriod"/>
+            </a:pPr>
+            <a:r>
+              <a:rPr lang="en-US" dirty="0"/>
+              <a:t>Decide an environment for Deployment</a:t>
+            </a:r>
+          </a:p>
+          <a:p>
+            <a:pPr marL="342900" indent="-342900">
+              <a:buFont typeface="+mj-lt"/>
+              <a:buAutoNum type="arabicPeriod"/>
+            </a:pPr>
+            <a:r>
+              <a:rPr lang="en-US" dirty="0"/>
+              <a:t>Examples</a:t>
+            </a:r>
+          </a:p>
+          <a:p>
+            <a:pPr marL="800100" lvl="1" indent="-342900">
+              <a:buFont typeface="+mj-lt"/>
+              <a:buAutoNum type="arabicPeriod"/>
+            </a:pPr>
+            <a:r>
+              <a:rPr lang="en-US" dirty="0"/>
+              <a:t>IIS with ASP.NET Runtime (Web Application Framework)</a:t>
+            </a:r>
+          </a:p>
+          <a:p>
+            <a:pPr marL="800100" lvl="1" indent="-342900">
+              <a:buFont typeface="+mj-lt"/>
+              <a:buAutoNum type="arabicPeriod"/>
+            </a:pPr>
+            <a:r>
+              <a:rPr lang="en-US" dirty="0" err="1"/>
+              <a:t>NginX</a:t>
+            </a:r>
+            <a:r>
+              <a:rPr lang="en-US" dirty="0"/>
+              <a:t> with JVM (Web Application Framework) / Spring Boot</a:t>
+            </a:r>
+          </a:p>
+          <a:p>
+            <a:pPr marL="800100" lvl="1" indent="-342900">
+              <a:buFont typeface="+mj-lt"/>
+              <a:buAutoNum type="arabicPeriod"/>
+            </a:pPr>
+            <a:r>
+              <a:rPr lang="en-US" dirty="0"/>
+              <a:t>Node.js</a:t>
+            </a:r>
+          </a:p>
+          <a:p>
+            <a:pPr marL="1257300" lvl="2" indent="-342900">
+              <a:buFont typeface="+mj-lt"/>
+              <a:buAutoNum type="arabicPeriod"/>
+            </a:pPr>
+            <a:r>
+              <a:rPr lang="en-US" dirty="0"/>
+              <a:t>Web Application Frameworks as, Express, Koa, …..</a:t>
+            </a:r>
+          </a:p>
+          <a:p>
+            <a:pPr marL="1257300" lvl="2" indent="-342900">
+              <a:buFont typeface="+mj-lt"/>
+              <a:buAutoNum type="arabicPeriod"/>
+            </a:pPr>
+            <a:r>
+              <a:rPr lang="en-US" dirty="0"/>
+              <a:t>Server-Side Logic Executions </a:t>
+            </a:r>
+          </a:p>
+        </p:txBody>
+      </p:sp>
+    </p:spTree>
+    <p:extLst>
+      <p:ext uri="{BB962C8B-B14F-4D97-AF65-F5344CB8AC3E}">
+        <p14:creationId xmlns:p14="http://schemas.microsoft.com/office/powerpoint/2010/main" val="1652624510"/>
+      </p:ext>
+    </p:extLst>
+  </p:cSld>
+  <p:clrMapOvr>
+    <a:masterClrMapping/>
+  </p:clrMapOvr>
+</p:sld>
+</file>
+
+<file path=ppt/slides/slide29.xml><?xml version="1.0" encoding="utf-8"?>
+<p:sld xmlns:a="http://schemas.openxmlformats.org/drawingml/2006/main" xmlns:r="http://schemas.openxmlformats.org/officeDocument/2006/relationships" xmlns:p="http://schemas.openxmlformats.org/presentationml/2006/main">
+  <p:cSld>
+    <p:spTree>
+      <p:nvGrpSpPr>
+        <p:cNvPr id="1" name=""/>
+        <p:cNvGrpSpPr/>
+        <p:nvPr/>
+      </p:nvGrpSpPr>
+      <p:grpSpPr>
+        <a:xfrm>
+          <a:off x="0" y="0"/>
+          <a:ext cx="0" cy="0"/>
+          <a:chOff x="0" y="0"/>
+          <a:chExt cx="0" cy="0"/>
+        </a:xfrm>
+      </p:grpSpPr>
+      <p:sp>
+        <p:nvSpPr>
+          <p:cNvPr id="2" name="Rectangle 1">
+            <a:extLst>
+              <a:ext uri="{FF2B5EF4-FFF2-40B4-BE49-F238E27FC236}">
+                <a16:creationId xmlns:a16="http://schemas.microsoft.com/office/drawing/2014/main" id="{E15D076A-D8A9-A346-A874-5CBA395E4ED7}"/>
+              </a:ext>
+            </a:extLst>
+          </p:cNvPr>
+          <p:cNvSpPr/>
+          <p:nvPr/>
+        </p:nvSpPr>
+        <p:spPr>
+          <a:xfrm>
+            <a:off x="5843452" y="583473"/>
+            <a:ext cx="4040777" cy="4572001"/>
+          </a:xfrm>
+          <a:prstGeom prst="rect">
+            <a:avLst/>
+          </a:prstGeom>
+        </p:spPr>
+        <p:style>
+          <a:lnRef idx="2">
+            <a:schemeClr val="accent6"/>
+          </a:lnRef>
+          <a:fillRef idx="1">
+            <a:schemeClr val="lt1"/>
+          </a:fillRef>
+          <a:effectRef idx="0">
+            <a:schemeClr val="accent6"/>
+          </a:effectRef>
+          <a:fontRef idx="minor">
+            <a:schemeClr val="dk1"/>
+          </a:fontRef>
+        </p:style>
+        <p:txBody>
+          <a:bodyPr rtlCol="0" anchor="ctr"/>
+          <a:lstStyle/>
+          <a:p>
+            <a:pPr algn="ctr"/>
+            <a:endParaRPr lang="en-US"/>
+          </a:p>
+        </p:txBody>
+      </p:sp>
+      <p:sp>
+        <p:nvSpPr>
+          <p:cNvPr id="3" name="TextBox 2">
+            <a:extLst>
+              <a:ext uri="{FF2B5EF4-FFF2-40B4-BE49-F238E27FC236}">
+                <a16:creationId xmlns:a16="http://schemas.microsoft.com/office/drawing/2014/main" id="{0DF51941-0E32-3648-8606-1E05592C33F2}"/>
+              </a:ext>
+            </a:extLst>
+          </p:cNvPr>
+          <p:cNvSpPr txBox="1"/>
+          <p:nvPr/>
+        </p:nvSpPr>
+        <p:spPr>
+          <a:xfrm>
+            <a:off x="3439886" y="60960"/>
+            <a:ext cx="8203473" cy="369332"/>
+          </a:xfrm>
+          <a:prstGeom prst="rect">
+            <a:avLst/>
+          </a:prstGeom>
+          <a:noFill/>
+        </p:spPr>
+        <p:txBody>
+          <a:bodyPr wrap="square" rtlCol="0">
+            <a:spAutoFit/>
+          </a:bodyPr>
+          <a:lstStyle/>
+          <a:p>
+            <a:r>
+              <a:rPr lang="en-US" dirty="0"/>
+              <a:t>Web Server aka Application Server, </a:t>
+            </a:r>
+            <a:r>
+              <a:rPr lang="en-US" dirty="0" err="1"/>
+              <a:t>inetmgr.exe</a:t>
+            </a:r>
+            <a:r>
+              <a:rPr lang="en-US" dirty="0"/>
+              <a:t> (IIS) / exe for Apache / exe for Nginx</a:t>
+            </a:r>
+          </a:p>
+        </p:txBody>
+      </p:sp>
+      <p:sp>
+        <p:nvSpPr>
+          <p:cNvPr id="4" name="Rounded Rectangle 3">
+            <a:extLst>
+              <a:ext uri="{FF2B5EF4-FFF2-40B4-BE49-F238E27FC236}">
+                <a16:creationId xmlns:a16="http://schemas.microsoft.com/office/drawing/2014/main" id="{C67EF715-57D2-4A45-B0F5-B060F5AE9877}"/>
+              </a:ext>
+            </a:extLst>
+          </p:cNvPr>
+          <p:cNvSpPr/>
+          <p:nvPr/>
+        </p:nvSpPr>
+        <p:spPr>
+          <a:xfrm>
+            <a:off x="5843452" y="5303520"/>
+            <a:ext cx="4040777" cy="705394"/>
+          </a:xfrm>
+          <a:prstGeom prst="roundRect">
+            <a:avLst/>
+          </a:prstGeom>
+        </p:spPr>
+        <p:style>
+          <a:lnRef idx="2">
+            <a:schemeClr val="accent1">
+              <a:shade val="50000"/>
+            </a:schemeClr>
+          </a:lnRef>
+          <a:fillRef idx="1">
+            <a:schemeClr val="accent1"/>
+          </a:fillRef>
+          <a:effectRef idx="0">
+            <a:schemeClr val="accent1"/>
+          </a:effectRef>
+          <a:fontRef idx="minor">
+            <a:schemeClr val="lt1"/>
+          </a:fontRef>
+        </p:style>
+        <p:txBody>
+          <a:bodyPr rtlCol="0" anchor="ctr"/>
+          <a:lstStyle/>
+          <a:p>
+            <a:pPr algn="ctr"/>
+            <a:r>
+              <a:rPr lang="en-US" dirty="0"/>
+              <a:t>Hosing OS</a:t>
+            </a:r>
+          </a:p>
+          <a:p>
+            <a:pPr algn="ctr"/>
+            <a:r>
+              <a:rPr lang="en-US" dirty="0"/>
+              <a:t>Windows / Linux / Solaris / macOS</a:t>
+            </a:r>
+          </a:p>
+        </p:txBody>
+      </p:sp>
+      <p:sp>
+        <p:nvSpPr>
+          <p:cNvPr id="5" name="Rectangle 4">
+            <a:extLst>
+              <a:ext uri="{FF2B5EF4-FFF2-40B4-BE49-F238E27FC236}">
+                <a16:creationId xmlns:a16="http://schemas.microsoft.com/office/drawing/2014/main" id="{F9239E0A-4896-D447-B00C-20C26BD20229}"/>
+              </a:ext>
+            </a:extLst>
+          </p:cNvPr>
+          <p:cNvSpPr/>
+          <p:nvPr/>
+        </p:nvSpPr>
+        <p:spPr>
+          <a:xfrm>
+            <a:off x="5947954" y="4389120"/>
+            <a:ext cx="3866606" cy="679269"/>
+          </a:xfrm>
+          <a:prstGeom prst="rect">
+            <a:avLst/>
+          </a:prstGeom>
+        </p:spPr>
+        <p:style>
+          <a:lnRef idx="2">
+            <a:schemeClr val="accent1">
+              <a:shade val="50000"/>
+            </a:schemeClr>
+          </a:lnRef>
+          <a:fillRef idx="1">
+            <a:schemeClr val="accent1"/>
+          </a:fillRef>
+          <a:effectRef idx="0">
+            <a:schemeClr val="accent1"/>
+          </a:effectRef>
+          <a:fontRef idx="minor">
+            <a:schemeClr val="lt1"/>
+          </a:fontRef>
+        </p:style>
+        <p:txBody>
+          <a:bodyPr rtlCol="0" anchor="ctr"/>
+          <a:lstStyle/>
+          <a:p>
+            <a:pPr algn="ctr"/>
+            <a:r>
+              <a:rPr lang="en-US" dirty="0" err="1"/>
+              <a:t>ThreadPool</a:t>
+            </a:r>
+            <a:r>
+              <a:rPr lang="en-US" dirty="0"/>
+              <a:t> to </a:t>
+            </a:r>
+            <a:r>
+              <a:rPr lang="en-US" dirty="0" err="1"/>
+              <a:t>WebServer</a:t>
+            </a:r>
+            <a:r>
+              <a:rPr lang="en-US" dirty="0"/>
+              <a:t> from OS</a:t>
+            </a:r>
+          </a:p>
+        </p:txBody>
+      </p:sp>
+      <p:sp>
+        <p:nvSpPr>
+          <p:cNvPr id="6" name="Rectangle 5">
+            <a:extLst>
+              <a:ext uri="{FF2B5EF4-FFF2-40B4-BE49-F238E27FC236}">
+                <a16:creationId xmlns:a16="http://schemas.microsoft.com/office/drawing/2014/main" id="{24848701-15E2-2844-BB96-769BBA6A654E}"/>
+              </a:ext>
+            </a:extLst>
+          </p:cNvPr>
+          <p:cNvSpPr/>
+          <p:nvPr/>
+        </p:nvSpPr>
+        <p:spPr>
+          <a:xfrm>
+            <a:off x="10075817" y="4907280"/>
+            <a:ext cx="2116183" cy="1101634"/>
+          </a:xfrm>
+          <a:prstGeom prst="rect">
+            <a:avLst/>
+          </a:prstGeom>
+        </p:spPr>
+        <p:style>
+          <a:lnRef idx="2">
+            <a:schemeClr val="accent6"/>
+          </a:lnRef>
+          <a:fillRef idx="1">
+            <a:schemeClr val="lt1"/>
+          </a:fillRef>
+          <a:effectRef idx="0">
+            <a:schemeClr val="accent6"/>
+          </a:effectRef>
+          <a:fontRef idx="minor">
+            <a:schemeClr val="dk1"/>
+          </a:fontRef>
+        </p:style>
+        <p:txBody>
+          <a:bodyPr rtlCol="0" anchor="ctr"/>
+          <a:lstStyle/>
+          <a:p>
+            <a:pPr algn="ctr"/>
+            <a:endParaRPr lang="en-US"/>
+          </a:p>
+        </p:txBody>
+      </p:sp>
+      <p:sp>
+        <p:nvSpPr>
+          <p:cNvPr id="7" name="Rounded Rectangle 6">
+            <a:extLst>
+              <a:ext uri="{FF2B5EF4-FFF2-40B4-BE49-F238E27FC236}">
+                <a16:creationId xmlns:a16="http://schemas.microsoft.com/office/drawing/2014/main" id="{FA77471A-9526-5746-8736-5DAA5927BA4C}"/>
+              </a:ext>
+            </a:extLst>
+          </p:cNvPr>
+          <p:cNvSpPr/>
+          <p:nvPr/>
+        </p:nvSpPr>
+        <p:spPr>
+          <a:xfrm>
+            <a:off x="10232572" y="5016137"/>
+            <a:ext cx="339634" cy="322217"/>
+          </a:xfrm>
+          <a:prstGeom prst="roundRect">
+            <a:avLst/>
+          </a:prstGeom>
+        </p:spPr>
+        <p:style>
+          <a:lnRef idx="2">
+            <a:schemeClr val="accent1">
+              <a:shade val="50000"/>
+            </a:schemeClr>
+          </a:lnRef>
+          <a:fillRef idx="1">
+            <a:schemeClr val="accent1"/>
+          </a:fillRef>
+          <a:effectRef idx="0">
+            <a:schemeClr val="accent1"/>
+          </a:effectRef>
+          <a:fontRef idx="minor">
+            <a:schemeClr val="lt1"/>
+          </a:fontRef>
+        </p:style>
+        <p:txBody>
+          <a:bodyPr rtlCol="0" anchor="ctr"/>
+          <a:lstStyle/>
+          <a:p>
+            <a:pPr algn="ctr"/>
+            <a:endParaRPr lang="en-US"/>
+          </a:p>
+        </p:txBody>
+      </p:sp>
+      <p:sp>
+        <p:nvSpPr>
+          <p:cNvPr id="8" name="Rounded Rectangle 7">
+            <a:extLst>
+              <a:ext uri="{FF2B5EF4-FFF2-40B4-BE49-F238E27FC236}">
+                <a16:creationId xmlns:a16="http://schemas.microsoft.com/office/drawing/2014/main" id="{85509266-E132-5D41-83B8-AE21F966025B}"/>
+              </a:ext>
+            </a:extLst>
+          </p:cNvPr>
+          <p:cNvSpPr/>
+          <p:nvPr/>
+        </p:nvSpPr>
+        <p:spPr>
+          <a:xfrm>
+            <a:off x="10728961" y="5016137"/>
+            <a:ext cx="339634" cy="322217"/>
+          </a:xfrm>
+          <a:prstGeom prst="roundRect">
+            <a:avLst/>
+          </a:prstGeom>
+        </p:spPr>
+        <p:style>
+          <a:lnRef idx="2">
+            <a:schemeClr val="accent1">
+              <a:shade val="50000"/>
+            </a:schemeClr>
+          </a:lnRef>
+          <a:fillRef idx="1">
+            <a:schemeClr val="accent1"/>
+          </a:fillRef>
+          <a:effectRef idx="0">
+            <a:schemeClr val="accent1"/>
+          </a:effectRef>
+          <a:fontRef idx="minor">
+            <a:schemeClr val="lt1"/>
+          </a:fontRef>
+        </p:style>
+        <p:txBody>
+          <a:bodyPr rtlCol="0" anchor="ctr"/>
+          <a:lstStyle/>
+          <a:p>
+            <a:pPr algn="ctr"/>
+            <a:endParaRPr lang="en-US"/>
+          </a:p>
+        </p:txBody>
+      </p:sp>
+      <p:sp>
+        <p:nvSpPr>
+          <p:cNvPr id="9" name="Rounded Rectangle 8">
+            <a:extLst>
+              <a:ext uri="{FF2B5EF4-FFF2-40B4-BE49-F238E27FC236}">
+                <a16:creationId xmlns:a16="http://schemas.microsoft.com/office/drawing/2014/main" id="{4924FF17-09DE-1E4C-9F65-62A9433EA9AD}"/>
+              </a:ext>
+            </a:extLst>
+          </p:cNvPr>
+          <p:cNvSpPr/>
+          <p:nvPr/>
+        </p:nvSpPr>
+        <p:spPr>
+          <a:xfrm>
+            <a:off x="10232572" y="5545182"/>
+            <a:ext cx="339634" cy="322217"/>
+          </a:xfrm>
+          <a:prstGeom prst="roundRect">
+            <a:avLst/>
+          </a:prstGeom>
+        </p:spPr>
+        <p:style>
+          <a:lnRef idx="2">
+            <a:schemeClr val="accent1">
+              <a:shade val="50000"/>
+            </a:schemeClr>
+          </a:lnRef>
+          <a:fillRef idx="1">
+            <a:schemeClr val="accent1"/>
+          </a:fillRef>
+          <a:effectRef idx="0">
+            <a:schemeClr val="accent1"/>
+          </a:effectRef>
+          <a:fontRef idx="minor">
+            <a:schemeClr val="lt1"/>
+          </a:fontRef>
+        </p:style>
+        <p:txBody>
+          <a:bodyPr rtlCol="0" anchor="ctr"/>
+          <a:lstStyle/>
+          <a:p>
+            <a:pPr algn="ctr"/>
+            <a:endParaRPr lang="en-US" b="1" dirty="0"/>
+          </a:p>
+        </p:txBody>
+      </p:sp>
+      <p:sp>
+        <p:nvSpPr>
+          <p:cNvPr id="10" name="Rounded Rectangle 9">
+            <a:extLst>
+              <a:ext uri="{FF2B5EF4-FFF2-40B4-BE49-F238E27FC236}">
+                <a16:creationId xmlns:a16="http://schemas.microsoft.com/office/drawing/2014/main" id="{41B2A8BE-7AEE-1E45-95EB-DAF9C3CE5501}"/>
+              </a:ext>
+            </a:extLst>
+          </p:cNvPr>
+          <p:cNvSpPr/>
+          <p:nvPr/>
+        </p:nvSpPr>
+        <p:spPr>
+          <a:xfrm>
+            <a:off x="10720253" y="5545182"/>
+            <a:ext cx="339634" cy="322217"/>
+          </a:xfrm>
+          <a:prstGeom prst="roundRect">
+            <a:avLst/>
+          </a:prstGeom>
+        </p:spPr>
+        <p:style>
+          <a:lnRef idx="2">
+            <a:schemeClr val="accent1">
+              <a:shade val="50000"/>
+            </a:schemeClr>
+          </a:lnRef>
+          <a:fillRef idx="1">
+            <a:schemeClr val="accent1"/>
+          </a:fillRef>
+          <a:effectRef idx="0">
+            <a:schemeClr val="accent1"/>
+          </a:effectRef>
+          <a:fontRef idx="minor">
+            <a:schemeClr val="lt1"/>
+          </a:fontRef>
+        </p:style>
+        <p:txBody>
+          <a:bodyPr rtlCol="0" anchor="ctr"/>
+          <a:lstStyle/>
+          <a:p>
+            <a:pPr algn="ctr"/>
+            <a:endParaRPr lang="en-US" b="1" dirty="0"/>
+          </a:p>
+        </p:txBody>
+      </p:sp>
+      <p:sp>
+        <p:nvSpPr>
+          <p:cNvPr id="11" name="Rounded Rectangle 10">
+            <a:extLst>
+              <a:ext uri="{FF2B5EF4-FFF2-40B4-BE49-F238E27FC236}">
+                <a16:creationId xmlns:a16="http://schemas.microsoft.com/office/drawing/2014/main" id="{10741846-3764-EE42-A4D7-010AA4C7EECF}"/>
+              </a:ext>
+            </a:extLst>
+          </p:cNvPr>
+          <p:cNvSpPr/>
+          <p:nvPr/>
+        </p:nvSpPr>
+        <p:spPr>
+          <a:xfrm>
+            <a:off x="11207932" y="5016137"/>
+            <a:ext cx="339634" cy="322217"/>
+          </a:xfrm>
+          <a:prstGeom prst="roundRect">
+            <a:avLst/>
+          </a:prstGeom>
+        </p:spPr>
+        <p:style>
+          <a:lnRef idx="2">
+            <a:schemeClr val="accent1">
+              <a:shade val="50000"/>
+            </a:schemeClr>
+          </a:lnRef>
+          <a:fillRef idx="1">
+            <a:schemeClr val="accent1"/>
+          </a:fillRef>
+          <a:effectRef idx="0">
+            <a:schemeClr val="accent1"/>
+          </a:effectRef>
+          <a:fontRef idx="minor">
+            <a:schemeClr val="lt1"/>
+          </a:fontRef>
+        </p:style>
+        <p:txBody>
+          <a:bodyPr rtlCol="0" anchor="ctr"/>
+          <a:lstStyle/>
+          <a:p>
+            <a:pPr algn="ctr"/>
+            <a:endParaRPr lang="en-US"/>
+          </a:p>
+        </p:txBody>
+      </p:sp>
+      <p:sp>
+        <p:nvSpPr>
+          <p:cNvPr id="12" name="Rounded Rectangle 11">
+            <a:extLst>
+              <a:ext uri="{FF2B5EF4-FFF2-40B4-BE49-F238E27FC236}">
+                <a16:creationId xmlns:a16="http://schemas.microsoft.com/office/drawing/2014/main" id="{AD08440C-84A7-DB4C-833D-7BB5530C2E84}"/>
+              </a:ext>
+            </a:extLst>
+          </p:cNvPr>
+          <p:cNvSpPr/>
+          <p:nvPr/>
+        </p:nvSpPr>
+        <p:spPr>
+          <a:xfrm>
+            <a:off x="11765280" y="5016137"/>
+            <a:ext cx="339634" cy="322217"/>
+          </a:xfrm>
+          <a:prstGeom prst="roundRect">
+            <a:avLst/>
+          </a:prstGeom>
+        </p:spPr>
+        <p:style>
+          <a:lnRef idx="2">
+            <a:schemeClr val="accent1">
+              <a:shade val="50000"/>
+            </a:schemeClr>
+          </a:lnRef>
+          <a:fillRef idx="1">
+            <a:schemeClr val="accent1"/>
+          </a:fillRef>
+          <a:effectRef idx="0">
+            <a:schemeClr val="accent1"/>
+          </a:effectRef>
+          <a:fontRef idx="minor">
+            <a:schemeClr val="lt1"/>
+          </a:fontRef>
+        </p:style>
+        <p:txBody>
+          <a:bodyPr rtlCol="0" anchor="ctr"/>
+          <a:lstStyle/>
+          <a:p>
+            <a:pPr algn="ctr"/>
+            <a:endParaRPr lang="en-US"/>
+          </a:p>
+        </p:txBody>
+      </p:sp>
+      <p:sp>
+        <p:nvSpPr>
+          <p:cNvPr id="13" name="Rounded Rectangle 12">
+            <a:extLst>
+              <a:ext uri="{FF2B5EF4-FFF2-40B4-BE49-F238E27FC236}">
+                <a16:creationId xmlns:a16="http://schemas.microsoft.com/office/drawing/2014/main" id="{AF7F0E9A-D262-5A49-8ABB-B7A0F5EF2098}"/>
+              </a:ext>
+            </a:extLst>
+          </p:cNvPr>
+          <p:cNvSpPr/>
+          <p:nvPr/>
+        </p:nvSpPr>
+        <p:spPr>
+          <a:xfrm>
+            <a:off x="11207932" y="5545182"/>
+            <a:ext cx="339634" cy="322217"/>
+          </a:xfrm>
+          <a:prstGeom prst="roundRect">
+            <a:avLst/>
+          </a:prstGeom>
+        </p:spPr>
+        <p:style>
+          <a:lnRef idx="2">
+            <a:schemeClr val="accent1">
+              <a:shade val="50000"/>
+            </a:schemeClr>
+          </a:lnRef>
+          <a:fillRef idx="1">
+            <a:schemeClr val="accent1"/>
+          </a:fillRef>
+          <a:effectRef idx="0">
+            <a:schemeClr val="accent1"/>
+          </a:effectRef>
+          <a:fontRef idx="minor">
+            <a:schemeClr val="lt1"/>
+          </a:fontRef>
+        </p:style>
+        <p:txBody>
+          <a:bodyPr rtlCol="0" anchor="ctr"/>
+          <a:lstStyle/>
+          <a:p>
+            <a:pPr algn="ctr"/>
+            <a:endParaRPr lang="en-US" b="1" dirty="0"/>
+          </a:p>
+        </p:txBody>
+      </p:sp>
+      <p:sp>
+        <p:nvSpPr>
+          <p:cNvPr id="14" name="Rounded Rectangle 13">
+            <a:extLst>
+              <a:ext uri="{FF2B5EF4-FFF2-40B4-BE49-F238E27FC236}">
+                <a16:creationId xmlns:a16="http://schemas.microsoft.com/office/drawing/2014/main" id="{9349C97E-2E90-EF4F-AC05-D9D92A9EC4F9}"/>
+              </a:ext>
+            </a:extLst>
+          </p:cNvPr>
+          <p:cNvSpPr/>
+          <p:nvPr/>
+        </p:nvSpPr>
+        <p:spPr>
+          <a:xfrm>
+            <a:off x="11760926" y="5545182"/>
+            <a:ext cx="339634" cy="322217"/>
+          </a:xfrm>
+          <a:prstGeom prst="roundRect">
+            <a:avLst/>
+          </a:prstGeom>
+        </p:spPr>
+        <p:style>
+          <a:lnRef idx="2">
+            <a:schemeClr val="accent1">
+              <a:shade val="50000"/>
+            </a:schemeClr>
+          </a:lnRef>
+          <a:fillRef idx="1">
+            <a:schemeClr val="accent1"/>
+          </a:fillRef>
+          <a:effectRef idx="0">
+            <a:schemeClr val="accent1"/>
+          </a:effectRef>
+          <a:fontRef idx="minor">
+            <a:schemeClr val="lt1"/>
+          </a:fontRef>
+        </p:style>
+        <p:txBody>
+          <a:bodyPr rtlCol="0" anchor="ctr"/>
+          <a:lstStyle/>
+          <a:p>
+            <a:pPr algn="ctr"/>
+            <a:endParaRPr lang="en-US" b="1" dirty="0"/>
+          </a:p>
+        </p:txBody>
+      </p:sp>
+      <p:sp>
+        <p:nvSpPr>
+          <p:cNvPr id="15" name="TextBox 14">
+            <a:extLst>
+              <a:ext uri="{FF2B5EF4-FFF2-40B4-BE49-F238E27FC236}">
+                <a16:creationId xmlns:a16="http://schemas.microsoft.com/office/drawing/2014/main" id="{9F9376CC-CB82-DC4D-9F20-23752D54784E}"/>
+              </a:ext>
+            </a:extLst>
+          </p:cNvPr>
+          <p:cNvSpPr txBox="1"/>
+          <p:nvPr/>
+        </p:nvSpPr>
+        <p:spPr>
+          <a:xfrm>
+            <a:off x="10141132" y="4171406"/>
+            <a:ext cx="1959428" cy="646331"/>
+          </a:xfrm>
+          <a:prstGeom prst="rect">
+            <a:avLst/>
+          </a:prstGeom>
+          <a:noFill/>
+        </p:spPr>
+        <p:txBody>
+          <a:bodyPr wrap="square" rtlCol="0">
+            <a:spAutoFit/>
+          </a:bodyPr>
+          <a:lstStyle/>
+          <a:p>
+            <a:r>
+              <a:rPr lang="en-US" dirty="0"/>
+              <a:t>4 Core * 8 * 250 = 8000 threads</a:t>
+            </a:r>
+          </a:p>
+        </p:txBody>
+      </p:sp>
+      <p:sp>
+        <p:nvSpPr>
+          <p:cNvPr id="16" name="Up Arrow 15">
+            <a:extLst>
+              <a:ext uri="{FF2B5EF4-FFF2-40B4-BE49-F238E27FC236}">
+                <a16:creationId xmlns:a16="http://schemas.microsoft.com/office/drawing/2014/main" id="{B5033A96-9AB2-CF40-8E01-41AFAA3ABB29}"/>
+              </a:ext>
+            </a:extLst>
+          </p:cNvPr>
+          <p:cNvSpPr/>
+          <p:nvPr/>
+        </p:nvSpPr>
+        <p:spPr>
+          <a:xfrm>
+            <a:off x="6477006" y="4942114"/>
+            <a:ext cx="287383" cy="409303"/>
+          </a:xfrm>
+          <a:prstGeom prst="upArrow">
+            <a:avLst/>
+          </a:prstGeom>
+          <a:solidFill>
+            <a:srgbClr val="FFFF00"/>
+          </a:solidFill>
+        </p:spPr>
+        <p:style>
+          <a:lnRef idx="2">
+            <a:schemeClr val="accent1">
+              <a:shade val="50000"/>
+            </a:schemeClr>
+          </a:lnRef>
+          <a:fillRef idx="1">
+            <a:schemeClr val="accent1"/>
+          </a:fillRef>
+          <a:effectRef idx="0">
+            <a:schemeClr val="accent1"/>
+          </a:effectRef>
+          <a:fontRef idx="minor">
+            <a:schemeClr val="lt1"/>
+          </a:fontRef>
+        </p:style>
+        <p:txBody>
+          <a:bodyPr rtlCol="0" anchor="ctr"/>
+          <a:lstStyle/>
+          <a:p>
+            <a:pPr algn="ctr"/>
+            <a:endParaRPr lang="en-US"/>
+          </a:p>
+        </p:txBody>
+      </p:sp>
+      <p:sp>
+        <p:nvSpPr>
+          <p:cNvPr id="17" name="Up Arrow 16">
+            <a:extLst>
+              <a:ext uri="{FF2B5EF4-FFF2-40B4-BE49-F238E27FC236}">
+                <a16:creationId xmlns:a16="http://schemas.microsoft.com/office/drawing/2014/main" id="{3573BB9F-B495-3E47-B895-A5383BB363CD}"/>
+              </a:ext>
+            </a:extLst>
+          </p:cNvPr>
+          <p:cNvSpPr/>
+          <p:nvPr/>
+        </p:nvSpPr>
+        <p:spPr>
+          <a:xfrm>
+            <a:off x="7204171" y="4950822"/>
+            <a:ext cx="287383" cy="409303"/>
+          </a:xfrm>
+          <a:prstGeom prst="upArrow">
+            <a:avLst/>
+          </a:prstGeom>
+          <a:solidFill>
+            <a:srgbClr val="FFFF00"/>
+          </a:solidFill>
+        </p:spPr>
+        <p:style>
+          <a:lnRef idx="2">
+            <a:schemeClr val="accent1">
+              <a:shade val="50000"/>
+            </a:schemeClr>
+          </a:lnRef>
+          <a:fillRef idx="1">
+            <a:schemeClr val="accent1"/>
+          </a:fillRef>
+          <a:effectRef idx="0">
+            <a:schemeClr val="accent1"/>
+          </a:effectRef>
+          <a:fontRef idx="minor">
+            <a:schemeClr val="lt1"/>
+          </a:fontRef>
+        </p:style>
+        <p:txBody>
+          <a:bodyPr rtlCol="0" anchor="ctr"/>
+          <a:lstStyle/>
+          <a:p>
+            <a:pPr algn="ctr"/>
+            <a:endParaRPr lang="en-US"/>
+          </a:p>
+        </p:txBody>
+      </p:sp>
+      <p:sp>
+        <p:nvSpPr>
+          <p:cNvPr id="18" name="Up Arrow 17">
+            <a:extLst>
+              <a:ext uri="{FF2B5EF4-FFF2-40B4-BE49-F238E27FC236}">
+                <a16:creationId xmlns:a16="http://schemas.microsoft.com/office/drawing/2014/main" id="{1774BB8A-2F67-E74A-A329-7EDCD14B0DBE}"/>
+              </a:ext>
+            </a:extLst>
+          </p:cNvPr>
+          <p:cNvSpPr/>
+          <p:nvPr/>
+        </p:nvSpPr>
+        <p:spPr>
+          <a:xfrm>
+            <a:off x="7920449" y="4972593"/>
+            <a:ext cx="287383" cy="409303"/>
+          </a:xfrm>
+          <a:prstGeom prst="upArrow">
+            <a:avLst/>
+          </a:prstGeom>
+          <a:solidFill>
+            <a:srgbClr val="FFFF00"/>
+          </a:solidFill>
+        </p:spPr>
+        <p:style>
+          <a:lnRef idx="2">
+            <a:schemeClr val="accent1">
+              <a:shade val="50000"/>
+            </a:schemeClr>
+          </a:lnRef>
+          <a:fillRef idx="1">
+            <a:schemeClr val="accent1"/>
+          </a:fillRef>
+          <a:effectRef idx="0">
+            <a:schemeClr val="accent1"/>
+          </a:effectRef>
+          <a:fontRef idx="minor">
+            <a:schemeClr val="lt1"/>
+          </a:fontRef>
+        </p:style>
+        <p:txBody>
+          <a:bodyPr rtlCol="0" anchor="ctr"/>
+          <a:lstStyle/>
+          <a:p>
+            <a:pPr algn="ctr"/>
+            <a:endParaRPr lang="en-US"/>
+          </a:p>
+        </p:txBody>
+      </p:sp>
+      <p:sp>
+        <p:nvSpPr>
+          <p:cNvPr id="19" name="Up Arrow 18">
+            <a:extLst>
+              <a:ext uri="{FF2B5EF4-FFF2-40B4-BE49-F238E27FC236}">
+                <a16:creationId xmlns:a16="http://schemas.microsoft.com/office/drawing/2014/main" id="{0582C04F-3D6F-F546-BD2D-7AC121A26773}"/>
+              </a:ext>
+            </a:extLst>
+          </p:cNvPr>
+          <p:cNvSpPr/>
+          <p:nvPr/>
+        </p:nvSpPr>
+        <p:spPr>
+          <a:xfrm>
+            <a:off x="8469088" y="4968241"/>
+            <a:ext cx="287383" cy="409303"/>
+          </a:xfrm>
+          <a:prstGeom prst="upArrow">
+            <a:avLst/>
+          </a:prstGeom>
+          <a:solidFill>
+            <a:srgbClr val="FFFF00"/>
+          </a:solidFill>
+        </p:spPr>
+        <p:style>
+          <a:lnRef idx="2">
+            <a:schemeClr val="accent1">
+              <a:shade val="50000"/>
+            </a:schemeClr>
+          </a:lnRef>
+          <a:fillRef idx="1">
+            <a:schemeClr val="accent1"/>
+          </a:fillRef>
+          <a:effectRef idx="0">
+            <a:schemeClr val="accent1"/>
+          </a:effectRef>
+          <a:fontRef idx="minor">
+            <a:schemeClr val="lt1"/>
+          </a:fontRef>
+        </p:style>
+        <p:txBody>
+          <a:bodyPr rtlCol="0" anchor="ctr"/>
+          <a:lstStyle/>
+          <a:p>
+            <a:pPr algn="ctr"/>
+            <a:endParaRPr lang="en-US"/>
+          </a:p>
+        </p:txBody>
+      </p:sp>
+      <p:sp>
+        <p:nvSpPr>
+          <p:cNvPr id="20" name="Up Arrow 19">
+            <a:extLst>
+              <a:ext uri="{FF2B5EF4-FFF2-40B4-BE49-F238E27FC236}">
+                <a16:creationId xmlns:a16="http://schemas.microsoft.com/office/drawing/2014/main" id="{1C8EE780-635E-2B4B-BFBB-8ADD477243DE}"/>
+              </a:ext>
+            </a:extLst>
+          </p:cNvPr>
+          <p:cNvSpPr/>
+          <p:nvPr/>
+        </p:nvSpPr>
+        <p:spPr>
+          <a:xfrm>
+            <a:off x="9196253" y="4950822"/>
+            <a:ext cx="287383" cy="409303"/>
+          </a:xfrm>
+          <a:prstGeom prst="upArrow">
+            <a:avLst/>
+          </a:prstGeom>
+          <a:solidFill>
+            <a:srgbClr val="FFFF00"/>
+          </a:solidFill>
+        </p:spPr>
+        <p:style>
+          <a:lnRef idx="2">
+            <a:schemeClr val="accent1">
+              <a:shade val="50000"/>
+            </a:schemeClr>
+          </a:lnRef>
+          <a:fillRef idx="1">
+            <a:schemeClr val="accent1"/>
+          </a:fillRef>
+          <a:effectRef idx="0">
+            <a:schemeClr val="accent1"/>
+          </a:effectRef>
+          <a:fontRef idx="minor">
+            <a:schemeClr val="lt1"/>
+          </a:fontRef>
+        </p:style>
+        <p:txBody>
+          <a:bodyPr rtlCol="0" anchor="ctr"/>
+          <a:lstStyle/>
+          <a:p>
+            <a:pPr algn="ctr"/>
+            <a:endParaRPr lang="en-US"/>
+          </a:p>
+        </p:txBody>
+      </p:sp>
+      <p:sp>
+        <p:nvSpPr>
+          <p:cNvPr id="21" name="Up Arrow 20">
+            <a:extLst>
+              <a:ext uri="{FF2B5EF4-FFF2-40B4-BE49-F238E27FC236}">
+                <a16:creationId xmlns:a16="http://schemas.microsoft.com/office/drawing/2014/main" id="{EBECAC00-2DD3-C14F-B063-F9249E23C549}"/>
+              </a:ext>
+            </a:extLst>
+          </p:cNvPr>
+          <p:cNvSpPr/>
+          <p:nvPr/>
+        </p:nvSpPr>
+        <p:spPr>
+          <a:xfrm>
+            <a:off x="352697" y="5421086"/>
+            <a:ext cx="287383" cy="409303"/>
+          </a:xfrm>
+          <a:prstGeom prst="upArrow">
+            <a:avLst/>
+          </a:prstGeom>
+          <a:solidFill>
+            <a:srgbClr val="FFFF00"/>
+          </a:solidFill>
+        </p:spPr>
+        <p:style>
+          <a:lnRef idx="2">
+            <a:schemeClr val="accent1">
+              <a:shade val="50000"/>
+            </a:schemeClr>
+          </a:lnRef>
+          <a:fillRef idx="1">
+            <a:schemeClr val="accent1"/>
+          </a:fillRef>
+          <a:effectRef idx="0">
+            <a:schemeClr val="accent1"/>
+          </a:effectRef>
+          <a:fontRef idx="minor">
+            <a:schemeClr val="lt1"/>
+          </a:fontRef>
+        </p:style>
+        <p:txBody>
+          <a:bodyPr rtlCol="0" anchor="ctr"/>
+          <a:lstStyle/>
+          <a:p>
+            <a:pPr algn="ctr"/>
+            <a:endParaRPr lang="en-US"/>
+          </a:p>
+        </p:txBody>
+      </p:sp>
+      <p:sp>
+        <p:nvSpPr>
+          <p:cNvPr id="22" name="TextBox 21">
+            <a:extLst>
+              <a:ext uri="{FF2B5EF4-FFF2-40B4-BE49-F238E27FC236}">
+                <a16:creationId xmlns:a16="http://schemas.microsoft.com/office/drawing/2014/main" id="{8A2FDDF2-830B-D642-9F07-13CDCE11ACFA}"/>
+              </a:ext>
+            </a:extLst>
+          </p:cNvPr>
+          <p:cNvSpPr txBox="1"/>
+          <p:nvPr/>
+        </p:nvSpPr>
+        <p:spPr>
+          <a:xfrm>
+            <a:off x="740229" y="5399314"/>
+            <a:ext cx="2142308" cy="369332"/>
+          </a:xfrm>
+          <a:prstGeom prst="rect">
+            <a:avLst/>
+          </a:prstGeom>
+          <a:noFill/>
+        </p:spPr>
+        <p:txBody>
+          <a:bodyPr wrap="square" rtlCol="0">
+            <a:spAutoFit/>
+          </a:bodyPr>
+          <a:lstStyle/>
+          <a:p>
+            <a:r>
+              <a:rPr lang="en-US" dirty="0"/>
+              <a:t>100 threads</a:t>
+            </a:r>
+          </a:p>
+        </p:txBody>
+      </p:sp>
+      <p:sp>
+        <p:nvSpPr>
+          <p:cNvPr id="23" name="Rounded Rectangle 22">
+            <a:extLst>
+              <a:ext uri="{FF2B5EF4-FFF2-40B4-BE49-F238E27FC236}">
+                <a16:creationId xmlns:a16="http://schemas.microsoft.com/office/drawing/2014/main" id="{AE12846F-BB1E-FA41-8D92-6EAACBA804BD}"/>
+              </a:ext>
+            </a:extLst>
+          </p:cNvPr>
+          <p:cNvSpPr/>
+          <p:nvPr/>
+        </p:nvSpPr>
+        <p:spPr>
+          <a:xfrm>
+            <a:off x="6037224" y="849086"/>
+            <a:ext cx="1406433" cy="1319348"/>
+          </a:xfrm>
+          <a:prstGeom prst="roundRect">
+            <a:avLst/>
+          </a:prstGeom>
+        </p:spPr>
+        <p:style>
+          <a:lnRef idx="2">
+            <a:schemeClr val="accent1">
+              <a:shade val="50000"/>
+            </a:schemeClr>
+          </a:lnRef>
+          <a:fillRef idx="1">
+            <a:schemeClr val="accent1"/>
+          </a:fillRef>
+          <a:effectRef idx="0">
+            <a:schemeClr val="accent1"/>
+          </a:effectRef>
+          <a:fontRef idx="minor">
+            <a:schemeClr val="lt1"/>
+          </a:fontRef>
+        </p:style>
+        <p:txBody>
+          <a:bodyPr rtlCol="0" anchor="ctr"/>
+          <a:lstStyle/>
+          <a:p>
+            <a:pPr algn="ctr"/>
+            <a:r>
+              <a:rPr lang="en-US" dirty="0"/>
+              <a:t>App1</a:t>
+            </a:r>
+          </a:p>
+        </p:txBody>
+      </p:sp>
+      <p:sp>
+        <p:nvSpPr>
+          <p:cNvPr id="24" name="Rounded Rectangle 23">
+            <a:extLst>
+              <a:ext uri="{FF2B5EF4-FFF2-40B4-BE49-F238E27FC236}">
+                <a16:creationId xmlns:a16="http://schemas.microsoft.com/office/drawing/2014/main" id="{25D6209A-39F1-1D45-9A1F-FE7D98374C73}"/>
+              </a:ext>
+            </a:extLst>
+          </p:cNvPr>
+          <p:cNvSpPr/>
+          <p:nvPr/>
+        </p:nvSpPr>
+        <p:spPr>
+          <a:xfrm>
+            <a:off x="8270973" y="874821"/>
+            <a:ext cx="1406433" cy="1319348"/>
+          </a:xfrm>
+          <a:prstGeom prst="roundRect">
+            <a:avLst/>
+          </a:prstGeom>
+        </p:spPr>
+        <p:style>
+          <a:lnRef idx="2">
+            <a:schemeClr val="accent1">
+              <a:shade val="50000"/>
+            </a:schemeClr>
+          </a:lnRef>
+          <a:fillRef idx="1">
+            <a:schemeClr val="accent1"/>
+          </a:fillRef>
+          <a:effectRef idx="0">
+            <a:schemeClr val="accent1"/>
+          </a:effectRef>
+          <a:fontRef idx="minor">
+            <a:schemeClr val="lt1"/>
+          </a:fontRef>
+        </p:style>
+        <p:txBody>
+          <a:bodyPr rtlCol="0" anchor="ctr"/>
+          <a:lstStyle/>
+          <a:p>
+            <a:pPr algn="ctr"/>
+            <a:r>
+              <a:rPr lang="en-US" dirty="0"/>
+              <a:t>App 2</a:t>
+            </a:r>
+          </a:p>
+        </p:txBody>
+      </p:sp>
+      <p:sp>
+        <p:nvSpPr>
+          <p:cNvPr id="25" name="Rounded Rectangle 24">
+            <a:extLst>
+              <a:ext uri="{FF2B5EF4-FFF2-40B4-BE49-F238E27FC236}">
+                <a16:creationId xmlns:a16="http://schemas.microsoft.com/office/drawing/2014/main" id="{4529084C-35D0-9449-A0EE-9C349D70BEBC}"/>
+              </a:ext>
+            </a:extLst>
+          </p:cNvPr>
+          <p:cNvSpPr/>
+          <p:nvPr/>
+        </p:nvSpPr>
+        <p:spPr>
+          <a:xfrm>
+            <a:off x="6037224" y="2386540"/>
+            <a:ext cx="1406433" cy="1319348"/>
+          </a:xfrm>
+          <a:prstGeom prst="roundRect">
+            <a:avLst/>
+          </a:prstGeom>
+        </p:spPr>
+        <p:style>
+          <a:lnRef idx="2">
+            <a:schemeClr val="accent1">
+              <a:shade val="50000"/>
+            </a:schemeClr>
+          </a:lnRef>
+          <a:fillRef idx="1">
+            <a:schemeClr val="accent1"/>
+          </a:fillRef>
+          <a:effectRef idx="0">
+            <a:schemeClr val="accent1"/>
+          </a:effectRef>
+          <a:fontRef idx="minor">
+            <a:schemeClr val="lt1"/>
+          </a:fontRef>
+        </p:style>
+        <p:txBody>
+          <a:bodyPr rtlCol="0" anchor="ctr"/>
+          <a:lstStyle/>
+          <a:p>
+            <a:pPr algn="ctr"/>
+            <a:r>
+              <a:rPr lang="en-US" dirty="0"/>
+              <a:t>App3</a:t>
+            </a:r>
+          </a:p>
+        </p:txBody>
+      </p:sp>
+      <p:sp>
+        <p:nvSpPr>
+          <p:cNvPr id="26" name="Rounded Rectangle 25">
+            <a:extLst>
+              <a:ext uri="{FF2B5EF4-FFF2-40B4-BE49-F238E27FC236}">
+                <a16:creationId xmlns:a16="http://schemas.microsoft.com/office/drawing/2014/main" id="{58FA6CB3-487A-6B41-AD35-66468A885081}"/>
+              </a:ext>
+            </a:extLst>
+          </p:cNvPr>
+          <p:cNvSpPr/>
+          <p:nvPr/>
+        </p:nvSpPr>
+        <p:spPr>
+          <a:xfrm>
+            <a:off x="8270973" y="2412275"/>
+            <a:ext cx="1406433" cy="1319348"/>
+          </a:xfrm>
+          <a:prstGeom prst="roundRect">
+            <a:avLst/>
+          </a:prstGeom>
+        </p:spPr>
+        <p:style>
+          <a:lnRef idx="2">
+            <a:schemeClr val="accent1">
+              <a:shade val="50000"/>
+            </a:schemeClr>
+          </a:lnRef>
+          <a:fillRef idx="1">
+            <a:schemeClr val="accent1"/>
+          </a:fillRef>
+          <a:effectRef idx="0">
+            <a:schemeClr val="accent1"/>
+          </a:effectRef>
+          <a:fontRef idx="minor">
+            <a:schemeClr val="lt1"/>
+          </a:fontRef>
+        </p:style>
+        <p:txBody>
+          <a:bodyPr rtlCol="0" anchor="ctr"/>
+          <a:lstStyle/>
+          <a:p>
+            <a:pPr algn="ctr"/>
+            <a:r>
+              <a:rPr lang="en-US" dirty="0"/>
+              <a:t>App 4</a:t>
+            </a:r>
+          </a:p>
+        </p:txBody>
+      </p:sp>
+      <p:sp>
+        <p:nvSpPr>
+          <p:cNvPr id="27" name="Down Arrow 26">
+            <a:extLst>
+              <a:ext uri="{FF2B5EF4-FFF2-40B4-BE49-F238E27FC236}">
+                <a16:creationId xmlns:a16="http://schemas.microsoft.com/office/drawing/2014/main" id="{6DB733BE-A113-5B4C-A9DA-B0E493C293AE}"/>
+              </a:ext>
+            </a:extLst>
+          </p:cNvPr>
+          <p:cNvSpPr/>
+          <p:nvPr/>
+        </p:nvSpPr>
+        <p:spPr>
+          <a:xfrm>
+            <a:off x="6653349" y="3705887"/>
+            <a:ext cx="235131" cy="679269"/>
+          </a:xfrm>
+          <a:prstGeom prst="downArrow">
+            <a:avLst/>
+          </a:prstGeom>
+          <a:solidFill>
+            <a:srgbClr val="FFFF00"/>
+          </a:solidFill>
+        </p:spPr>
+        <p:style>
+          <a:lnRef idx="2">
+            <a:schemeClr val="accent1">
+              <a:shade val="50000"/>
+            </a:schemeClr>
+          </a:lnRef>
+          <a:fillRef idx="1">
+            <a:schemeClr val="accent1"/>
+          </a:fillRef>
+          <a:effectRef idx="0">
+            <a:schemeClr val="accent1"/>
+          </a:effectRef>
+          <a:fontRef idx="minor">
+            <a:schemeClr val="lt1"/>
+          </a:fontRef>
+        </p:style>
+        <p:txBody>
+          <a:bodyPr rtlCol="0" anchor="ctr"/>
+          <a:lstStyle/>
+          <a:p>
+            <a:pPr algn="ctr"/>
+            <a:endParaRPr lang="en-US"/>
+          </a:p>
+        </p:txBody>
+      </p:sp>
+      <p:sp>
+        <p:nvSpPr>
+          <p:cNvPr id="28" name="Down Arrow 27">
+            <a:extLst>
+              <a:ext uri="{FF2B5EF4-FFF2-40B4-BE49-F238E27FC236}">
+                <a16:creationId xmlns:a16="http://schemas.microsoft.com/office/drawing/2014/main" id="{0E325D50-069B-C44D-80F2-C8456F200AFD}"/>
+              </a:ext>
+            </a:extLst>
+          </p:cNvPr>
+          <p:cNvSpPr/>
+          <p:nvPr/>
+        </p:nvSpPr>
+        <p:spPr>
+          <a:xfrm>
+            <a:off x="8856623" y="3735586"/>
+            <a:ext cx="235131" cy="679269"/>
+          </a:xfrm>
+          <a:prstGeom prst="downArrow">
+            <a:avLst/>
+          </a:prstGeom>
+          <a:solidFill>
+            <a:srgbClr val="FFFF00"/>
+          </a:solidFill>
+        </p:spPr>
+        <p:style>
+          <a:lnRef idx="2">
+            <a:schemeClr val="accent1">
+              <a:shade val="50000"/>
+            </a:schemeClr>
+          </a:lnRef>
+          <a:fillRef idx="1">
+            <a:schemeClr val="accent1"/>
+          </a:fillRef>
+          <a:effectRef idx="0">
+            <a:schemeClr val="accent1"/>
+          </a:effectRef>
+          <a:fontRef idx="minor">
+            <a:schemeClr val="lt1"/>
+          </a:fontRef>
+        </p:style>
+        <p:txBody>
+          <a:bodyPr rtlCol="0" anchor="ctr"/>
+          <a:lstStyle/>
+          <a:p>
+            <a:pPr algn="ctr"/>
+            <a:endParaRPr lang="en-US"/>
+          </a:p>
+        </p:txBody>
+      </p:sp>
+      <p:sp>
+        <p:nvSpPr>
+          <p:cNvPr id="29" name="Bent Arrow 28">
+            <a:extLst>
+              <a:ext uri="{FF2B5EF4-FFF2-40B4-BE49-F238E27FC236}">
+                <a16:creationId xmlns:a16="http://schemas.microsoft.com/office/drawing/2014/main" id="{01469152-0C63-C24F-972F-7015C888364D}"/>
+              </a:ext>
+            </a:extLst>
+          </p:cNvPr>
+          <p:cNvSpPr/>
+          <p:nvPr/>
+        </p:nvSpPr>
+        <p:spPr>
+          <a:xfrm rot="5400000">
+            <a:off x="6174924" y="2731074"/>
+            <a:ext cx="2669176" cy="638988"/>
+          </a:xfrm>
+          <a:prstGeom prst="bentArrow">
+            <a:avLst/>
+          </a:prstGeom>
+          <a:solidFill>
+            <a:srgbClr val="FFFF00"/>
+          </a:solidFill>
+        </p:spPr>
+        <p:style>
+          <a:lnRef idx="2">
+            <a:schemeClr val="accent1">
+              <a:shade val="50000"/>
+            </a:schemeClr>
+          </a:lnRef>
+          <a:fillRef idx="1">
+            <a:schemeClr val="accent1"/>
+          </a:fillRef>
+          <a:effectRef idx="0">
+            <a:schemeClr val="accent1"/>
+          </a:effectRef>
+          <a:fontRef idx="minor">
+            <a:schemeClr val="lt1"/>
+          </a:fontRef>
+        </p:style>
+        <p:txBody>
+          <a:bodyPr rtlCol="0" anchor="ctr"/>
+          <a:lstStyle/>
+          <a:p>
+            <a:pPr algn="ctr"/>
+            <a:endParaRPr lang="en-US">
+              <a:solidFill>
+                <a:schemeClr val="tx1"/>
+              </a:solidFill>
+            </a:endParaRPr>
+          </a:p>
+        </p:txBody>
+      </p:sp>
+      <p:sp>
+        <p:nvSpPr>
+          <p:cNvPr id="30" name="Bent Arrow 29">
+            <a:extLst>
+              <a:ext uri="{FF2B5EF4-FFF2-40B4-BE49-F238E27FC236}">
+                <a16:creationId xmlns:a16="http://schemas.microsoft.com/office/drawing/2014/main" id="{5EE22B07-F76C-234C-813A-FA8E2EE3628B}"/>
+              </a:ext>
+            </a:extLst>
+          </p:cNvPr>
+          <p:cNvSpPr/>
+          <p:nvPr/>
+        </p:nvSpPr>
+        <p:spPr>
+          <a:xfrm rot="5400000" flipV="1">
+            <a:off x="6901003" y="2726720"/>
+            <a:ext cx="2669176" cy="638988"/>
+          </a:xfrm>
+          <a:prstGeom prst="bentArrow">
+            <a:avLst/>
+          </a:prstGeom>
+          <a:solidFill>
+            <a:srgbClr val="FFFF00"/>
+          </a:solidFill>
+        </p:spPr>
+        <p:style>
+          <a:lnRef idx="2">
+            <a:schemeClr val="accent1">
+              <a:shade val="50000"/>
+            </a:schemeClr>
+          </a:lnRef>
+          <a:fillRef idx="1">
+            <a:schemeClr val="accent1"/>
+          </a:fillRef>
+          <a:effectRef idx="0">
+            <a:schemeClr val="accent1"/>
+          </a:effectRef>
+          <a:fontRef idx="minor">
+            <a:schemeClr val="lt1"/>
+          </a:fontRef>
+        </p:style>
+        <p:txBody>
+          <a:bodyPr rtlCol="0" anchor="ctr"/>
+          <a:lstStyle/>
+          <a:p>
+            <a:pPr algn="ctr"/>
+            <a:endParaRPr lang="en-US">
+              <a:solidFill>
+                <a:schemeClr val="tx1"/>
+              </a:solidFill>
+            </a:endParaRPr>
+          </a:p>
+        </p:txBody>
+      </p:sp>
+      <p:sp>
+        <p:nvSpPr>
+          <p:cNvPr id="31" name="TextBox 30">
+            <a:extLst>
+              <a:ext uri="{FF2B5EF4-FFF2-40B4-BE49-F238E27FC236}">
+                <a16:creationId xmlns:a16="http://schemas.microsoft.com/office/drawing/2014/main" id="{2BF7370F-9BBB-984A-A7BC-05F241FEE97C}"/>
+              </a:ext>
+            </a:extLst>
+          </p:cNvPr>
+          <p:cNvSpPr txBox="1"/>
+          <p:nvPr/>
+        </p:nvSpPr>
+        <p:spPr>
+          <a:xfrm>
+            <a:off x="219899" y="500355"/>
+            <a:ext cx="5238204" cy="923330"/>
+          </a:xfrm>
+          <a:prstGeom prst="rect">
+            <a:avLst/>
+          </a:prstGeom>
+          <a:noFill/>
+        </p:spPr>
+        <p:txBody>
+          <a:bodyPr wrap="square" rtlCol="0">
+            <a:spAutoFit/>
+          </a:bodyPr>
+          <a:lstStyle/>
+          <a:p>
+            <a:r>
+              <a:rPr lang="en-US" dirty="0"/>
+              <a:t>App Apps uses same </a:t>
+            </a:r>
+            <a:r>
+              <a:rPr lang="en-US" dirty="0" err="1"/>
+              <a:t>ThreadPool</a:t>
+            </a:r>
+            <a:r>
+              <a:rPr lang="en-US" dirty="0"/>
+              <a:t>. App Framework decides no. of threads to be read from </a:t>
+            </a:r>
+            <a:r>
+              <a:rPr lang="en-US" dirty="0" err="1"/>
+              <a:t>ThreadPool</a:t>
+            </a:r>
+            <a:r>
+              <a:rPr lang="en-US" dirty="0"/>
+              <a:t>  for Processing incoming Requests </a:t>
+            </a:r>
+          </a:p>
+        </p:txBody>
+      </p:sp>
+      <p:cxnSp>
+        <p:nvCxnSpPr>
+          <p:cNvPr id="33" name="Straight Arrow Connector 32">
+            <a:extLst>
+              <a:ext uri="{FF2B5EF4-FFF2-40B4-BE49-F238E27FC236}">
+                <a16:creationId xmlns:a16="http://schemas.microsoft.com/office/drawing/2014/main" id="{485B823D-6FED-904E-AF8A-CBAB62924716}"/>
+              </a:ext>
+            </a:extLst>
+          </p:cNvPr>
+          <p:cNvCxnSpPr/>
+          <p:nvPr/>
+        </p:nvCxnSpPr>
+        <p:spPr>
+          <a:xfrm>
+            <a:off x="352697" y="1711626"/>
+            <a:ext cx="5477704" cy="0"/>
+          </a:xfrm>
+          <a:prstGeom prst="straightConnector1">
+            <a:avLst/>
+          </a:prstGeom>
+          <a:ln>
+            <a:tailEnd type="triangle"/>
+          </a:ln>
+        </p:spPr>
+        <p:style>
+          <a:lnRef idx="1">
+            <a:schemeClr val="accent1"/>
+          </a:lnRef>
+          <a:fillRef idx="0">
+            <a:schemeClr val="accent1"/>
+          </a:fillRef>
+          <a:effectRef idx="0">
+            <a:schemeClr val="accent1"/>
+          </a:effectRef>
+          <a:fontRef idx="minor">
+            <a:schemeClr val="tx1"/>
+          </a:fontRef>
+        </p:style>
+      </p:cxnSp>
+      <p:cxnSp>
+        <p:nvCxnSpPr>
+          <p:cNvPr id="34" name="Straight Arrow Connector 33">
+            <a:extLst>
+              <a:ext uri="{FF2B5EF4-FFF2-40B4-BE49-F238E27FC236}">
+                <a16:creationId xmlns:a16="http://schemas.microsoft.com/office/drawing/2014/main" id="{07AA345A-F721-574E-84C4-39803C6B7BC8}"/>
+              </a:ext>
+            </a:extLst>
+          </p:cNvPr>
+          <p:cNvCxnSpPr/>
+          <p:nvPr/>
+        </p:nvCxnSpPr>
+        <p:spPr>
+          <a:xfrm>
+            <a:off x="505097" y="1864026"/>
+            <a:ext cx="5477704" cy="0"/>
+          </a:xfrm>
+          <a:prstGeom prst="straightConnector1">
+            <a:avLst/>
+          </a:prstGeom>
+          <a:ln>
+            <a:tailEnd type="triangle"/>
+          </a:ln>
+        </p:spPr>
+        <p:style>
+          <a:lnRef idx="1">
+            <a:schemeClr val="accent1"/>
+          </a:lnRef>
+          <a:fillRef idx="0">
+            <a:schemeClr val="accent1"/>
+          </a:fillRef>
+          <a:effectRef idx="0">
+            <a:schemeClr val="accent1"/>
+          </a:effectRef>
+          <a:fontRef idx="minor">
+            <a:schemeClr val="tx1"/>
+          </a:fontRef>
+        </p:style>
+      </p:cxnSp>
+      <p:cxnSp>
+        <p:nvCxnSpPr>
+          <p:cNvPr id="35" name="Straight Arrow Connector 34">
+            <a:extLst>
+              <a:ext uri="{FF2B5EF4-FFF2-40B4-BE49-F238E27FC236}">
+                <a16:creationId xmlns:a16="http://schemas.microsoft.com/office/drawing/2014/main" id="{5DA67DAA-A2D9-7B4A-A713-B3AF751E9115}"/>
+              </a:ext>
+            </a:extLst>
+          </p:cNvPr>
+          <p:cNvCxnSpPr/>
+          <p:nvPr/>
+        </p:nvCxnSpPr>
+        <p:spPr>
+          <a:xfrm>
+            <a:off x="657497" y="2016426"/>
+            <a:ext cx="5477704" cy="0"/>
+          </a:xfrm>
+          <a:prstGeom prst="straightConnector1">
+            <a:avLst/>
+          </a:prstGeom>
+          <a:ln>
+            <a:tailEnd type="triangle"/>
+          </a:ln>
+        </p:spPr>
+        <p:style>
+          <a:lnRef idx="1">
+            <a:schemeClr val="accent1"/>
+          </a:lnRef>
+          <a:fillRef idx="0">
+            <a:schemeClr val="accent1"/>
+          </a:fillRef>
+          <a:effectRef idx="0">
+            <a:schemeClr val="accent1"/>
+          </a:effectRef>
+          <a:fontRef idx="minor">
+            <a:schemeClr val="tx1"/>
+          </a:fontRef>
+        </p:style>
+      </p:cxnSp>
+      <p:cxnSp>
+        <p:nvCxnSpPr>
+          <p:cNvPr id="36" name="Straight Arrow Connector 35">
+            <a:extLst>
+              <a:ext uri="{FF2B5EF4-FFF2-40B4-BE49-F238E27FC236}">
+                <a16:creationId xmlns:a16="http://schemas.microsoft.com/office/drawing/2014/main" id="{21046C3A-347E-CB46-92DC-0FCDD1AA1945}"/>
+              </a:ext>
+            </a:extLst>
+          </p:cNvPr>
+          <p:cNvCxnSpPr/>
+          <p:nvPr/>
+        </p:nvCxnSpPr>
+        <p:spPr>
+          <a:xfrm>
+            <a:off x="809897" y="2168826"/>
+            <a:ext cx="5477704" cy="0"/>
+          </a:xfrm>
+          <a:prstGeom prst="straightConnector1">
+            <a:avLst/>
+          </a:prstGeom>
+          <a:ln>
+            <a:tailEnd type="triangle"/>
+          </a:ln>
+        </p:spPr>
+        <p:style>
+          <a:lnRef idx="1">
+            <a:schemeClr val="accent1"/>
+          </a:lnRef>
+          <a:fillRef idx="0">
+            <a:schemeClr val="accent1"/>
+          </a:fillRef>
+          <a:effectRef idx="0">
+            <a:schemeClr val="accent1"/>
+          </a:effectRef>
+          <a:fontRef idx="minor">
+            <a:schemeClr val="tx1"/>
+          </a:fontRef>
+        </p:style>
+      </p:cxnSp>
+      <p:cxnSp>
+        <p:nvCxnSpPr>
+          <p:cNvPr id="37" name="Straight Arrow Connector 36">
+            <a:extLst>
+              <a:ext uri="{FF2B5EF4-FFF2-40B4-BE49-F238E27FC236}">
+                <a16:creationId xmlns:a16="http://schemas.microsoft.com/office/drawing/2014/main" id="{D72C3108-75C8-BB41-BE59-23D616A2DC0F}"/>
+              </a:ext>
+            </a:extLst>
+          </p:cNvPr>
+          <p:cNvCxnSpPr/>
+          <p:nvPr/>
+        </p:nvCxnSpPr>
+        <p:spPr>
+          <a:xfrm>
+            <a:off x="962297" y="2321226"/>
+            <a:ext cx="5477704" cy="0"/>
+          </a:xfrm>
+          <a:prstGeom prst="straightConnector1">
+            <a:avLst/>
+          </a:prstGeom>
+          <a:ln>
+            <a:tailEnd type="triangle"/>
+          </a:ln>
+        </p:spPr>
+        <p:style>
+          <a:lnRef idx="1">
+            <a:schemeClr val="accent1"/>
+          </a:lnRef>
+          <a:fillRef idx="0">
+            <a:schemeClr val="accent1"/>
+          </a:fillRef>
+          <a:effectRef idx="0">
+            <a:schemeClr val="accent1"/>
+          </a:effectRef>
+          <a:fontRef idx="minor">
+            <a:schemeClr val="tx1"/>
+          </a:fontRef>
+        </p:style>
+      </p:cxnSp>
+      <p:cxnSp>
+        <p:nvCxnSpPr>
+          <p:cNvPr id="38" name="Straight Arrow Connector 37">
+            <a:extLst>
+              <a:ext uri="{FF2B5EF4-FFF2-40B4-BE49-F238E27FC236}">
+                <a16:creationId xmlns:a16="http://schemas.microsoft.com/office/drawing/2014/main" id="{634D817C-78B8-A940-B5A6-EE0B6BAF612F}"/>
+              </a:ext>
+            </a:extLst>
+          </p:cNvPr>
+          <p:cNvCxnSpPr/>
+          <p:nvPr/>
+        </p:nvCxnSpPr>
+        <p:spPr>
+          <a:xfrm>
+            <a:off x="1114697" y="2473626"/>
+            <a:ext cx="5477704" cy="0"/>
+          </a:xfrm>
+          <a:prstGeom prst="straightConnector1">
+            <a:avLst/>
+          </a:prstGeom>
+          <a:ln>
+            <a:tailEnd type="triangle"/>
+          </a:ln>
+        </p:spPr>
+        <p:style>
+          <a:lnRef idx="1">
+            <a:schemeClr val="accent1"/>
+          </a:lnRef>
+          <a:fillRef idx="0">
+            <a:schemeClr val="accent1"/>
+          </a:fillRef>
+          <a:effectRef idx="0">
+            <a:schemeClr val="accent1"/>
+          </a:effectRef>
+          <a:fontRef idx="minor">
+            <a:schemeClr val="tx1"/>
+          </a:fontRef>
+        </p:style>
+      </p:cxnSp>
+      <p:cxnSp>
+        <p:nvCxnSpPr>
+          <p:cNvPr id="39" name="Straight Arrow Connector 38">
+            <a:extLst>
+              <a:ext uri="{FF2B5EF4-FFF2-40B4-BE49-F238E27FC236}">
+                <a16:creationId xmlns:a16="http://schemas.microsoft.com/office/drawing/2014/main" id="{272DD90A-701E-C04C-9F69-8F628BFE47A9}"/>
+              </a:ext>
+            </a:extLst>
+          </p:cNvPr>
+          <p:cNvCxnSpPr/>
+          <p:nvPr/>
+        </p:nvCxnSpPr>
+        <p:spPr>
+          <a:xfrm>
+            <a:off x="1267097" y="2626026"/>
+            <a:ext cx="5477704" cy="0"/>
+          </a:xfrm>
+          <a:prstGeom prst="straightConnector1">
+            <a:avLst/>
+          </a:prstGeom>
+          <a:ln>
+            <a:tailEnd type="triangle"/>
+          </a:ln>
+        </p:spPr>
+        <p:style>
+          <a:lnRef idx="1">
+            <a:schemeClr val="accent1"/>
+          </a:lnRef>
+          <a:fillRef idx="0">
+            <a:schemeClr val="accent1"/>
+          </a:fillRef>
+          <a:effectRef idx="0">
+            <a:schemeClr val="accent1"/>
+          </a:effectRef>
+          <a:fontRef idx="minor">
+            <a:schemeClr val="tx1"/>
+          </a:fontRef>
+        </p:style>
+      </p:cxnSp>
+      <p:cxnSp>
+        <p:nvCxnSpPr>
+          <p:cNvPr id="40" name="Straight Arrow Connector 39">
+            <a:extLst>
+              <a:ext uri="{FF2B5EF4-FFF2-40B4-BE49-F238E27FC236}">
+                <a16:creationId xmlns:a16="http://schemas.microsoft.com/office/drawing/2014/main" id="{37A4C76B-0119-7141-BBC1-FA04F0A00DC1}"/>
+              </a:ext>
+            </a:extLst>
+          </p:cNvPr>
+          <p:cNvCxnSpPr/>
+          <p:nvPr/>
+        </p:nvCxnSpPr>
+        <p:spPr>
+          <a:xfrm>
+            <a:off x="1419497" y="2778426"/>
+            <a:ext cx="5477704" cy="0"/>
+          </a:xfrm>
+          <a:prstGeom prst="straightConnector1">
+            <a:avLst/>
+          </a:prstGeom>
+          <a:ln>
+            <a:tailEnd type="triangle"/>
+          </a:ln>
+        </p:spPr>
+        <p:style>
+          <a:lnRef idx="1">
+            <a:schemeClr val="accent1"/>
+          </a:lnRef>
+          <a:fillRef idx="0">
+            <a:schemeClr val="accent1"/>
+          </a:fillRef>
+          <a:effectRef idx="0">
+            <a:schemeClr val="accent1"/>
+          </a:effectRef>
+          <a:fontRef idx="minor">
+            <a:schemeClr val="tx1"/>
+          </a:fontRef>
+        </p:style>
+      </p:cxnSp>
+      <p:cxnSp>
+        <p:nvCxnSpPr>
+          <p:cNvPr id="41" name="Straight Arrow Connector 40">
+            <a:extLst>
+              <a:ext uri="{FF2B5EF4-FFF2-40B4-BE49-F238E27FC236}">
+                <a16:creationId xmlns:a16="http://schemas.microsoft.com/office/drawing/2014/main" id="{590410A3-CED9-9A43-84C3-676F401451B3}"/>
+              </a:ext>
+            </a:extLst>
+          </p:cNvPr>
+          <p:cNvCxnSpPr/>
+          <p:nvPr/>
+        </p:nvCxnSpPr>
+        <p:spPr>
+          <a:xfrm>
+            <a:off x="1571897" y="2930826"/>
+            <a:ext cx="5477704" cy="0"/>
+          </a:xfrm>
+          <a:prstGeom prst="straightConnector1">
+            <a:avLst/>
+          </a:prstGeom>
+          <a:ln>
+            <a:tailEnd type="triangle"/>
+          </a:ln>
+        </p:spPr>
+        <p:style>
+          <a:lnRef idx="1">
+            <a:schemeClr val="accent1"/>
+          </a:lnRef>
+          <a:fillRef idx="0">
+            <a:schemeClr val="accent1"/>
+          </a:fillRef>
+          <a:effectRef idx="0">
+            <a:schemeClr val="accent1"/>
+          </a:effectRef>
+          <a:fontRef idx="minor">
+            <a:schemeClr val="tx1"/>
+          </a:fontRef>
+        </p:style>
+      </p:cxnSp>
+      <p:cxnSp>
+        <p:nvCxnSpPr>
+          <p:cNvPr id="42" name="Straight Arrow Connector 41">
+            <a:extLst>
+              <a:ext uri="{FF2B5EF4-FFF2-40B4-BE49-F238E27FC236}">
+                <a16:creationId xmlns:a16="http://schemas.microsoft.com/office/drawing/2014/main" id="{02AEBF26-671E-1741-8A7D-FC93313A63DC}"/>
+              </a:ext>
+            </a:extLst>
+          </p:cNvPr>
+          <p:cNvCxnSpPr/>
+          <p:nvPr/>
+        </p:nvCxnSpPr>
+        <p:spPr>
+          <a:xfrm>
+            <a:off x="1724297" y="3083226"/>
+            <a:ext cx="5477704" cy="0"/>
+          </a:xfrm>
+          <a:prstGeom prst="straightConnector1">
+            <a:avLst/>
+          </a:prstGeom>
+          <a:ln>
+            <a:tailEnd type="triangle"/>
+          </a:ln>
+        </p:spPr>
+        <p:style>
+          <a:lnRef idx="1">
+            <a:schemeClr val="accent1"/>
+          </a:lnRef>
+          <a:fillRef idx="0">
+            <a:schemeClr val="accent1"/>
+          </a:fillRef>
+          <a:effectRef idx="0">
+            <a:schemeClr val="accent1"/>
+          </a:effectRef>
+          <a:fontRef idx="minor">
+            <a:schemeClr val="tx1"/>
+          </a:fontRef>
+        </p:style>
+      </p:cxnSp>
+      <p:cxnSp>
+        <p:nvCxnSpPr>
+          <p:cNvPr id="43" name="Straight Arrow Connector 42">
+            <a:extLst>
+              <a:ext uri="{FF2B5EF4-FFF2-40B4-BE49-F238E27FC236}">
+                <a16:creationId xmlns:a16="http://schemas.microsoft.com/office/drawing/2014/main" id="{23C9A7E1-EB3C-FF48-8F79-0A2E6A079311}"/>
+              </a:ext>
+            </a:extLst>
+          </p:cNvPr>
+          <p:cNvCxnSpPr/>
+          <p:nvPr/>
+        </p:nvCxnSpPr>
+        <p:spPr>
+          <a:xfrm>
+            <a:off x="1876697" y="3235626"/>
+            <a:ext cx="5477704" cy="0"/>
+          </a:xfrm>
+          <a:prstGeom prst="straightConnector1">
+            <a:avLst/>
+          </a:prstGeom>
+          <a:ln>
+            <a:tailEnd type="triangle"/>
+          </a:ln>
+        </p:spPr>
+        <p:style>
+          <a:lnRef idx="1">
+            <a:schemeClr val="accent1"/>
+          </a:lnRef>
+          <a:fillRef idx="0">
+            <a:schemeClr val="accent1"/>
+          </a:fillRef>
+          <a:effectRef idx="0">
+            <a:schemeClr val="accent1"/>
+          </a:effectRef>
+          <a:fontRef idx="minor">
+            <a:schemeClr val="tx1"/>
+          </a:fontRef>
+        </p:style>
+      </p:cxnSp>
+      <p:cxnSp>
+        <p:nvCxnSpPr>
+          <p:cNvPr id="44" name="Straight Arrow Connector 43">
+            <a:extLst>
+              <a:ext uri="{FF2B5EF4-FFF2-40B4-BE49-F238E27FC236}">
+                <a16:creationId xmlns:a16="http://schemas.microsoft.com/office/drawing/2014/main" id="{0894F058-DE3E-1F4A-B184-D6267C3D98A3}"/>
+              </a:ext>
+            </a:extLst>
+          </p:cNvPr>
+          <p:cNvCxnSpPr/>
+          <p:nvPr/>
+        </p:nvCxnSpPr>
+        <p:spPr>
+          <a:xfrm>
+            <a:off x="2029097" y="3388026"/>
+            <a:ext cx="5477704" cy="0"/>
+          </a:xfrm>
+          <a:prstGeom prst="straightConnector1">
+            <a:avLst/>
+          </a:prstGeom>
+          <a:ln>
+            <a:tailEnd type="triangle"/>
+          </a:ln>
+        </p:spPr>
+        <p:style>
+          <a:lnRef idx="1">
+            <a:schemeClr val="accent1"/>
+          </a:lnRef>
+          <a:fillRef idx="0">
+            <a:schemeClr val="accent1"/>
+          </a:fillRef>
+          <a:effectRef idx="0">
+            <a:schemeClr val="accent1"/>
+          </a:effectRef>
+          <a:fontRef idx="minor">
+            <a:schemeClr val="tx1"/>
+          </a:fontRef>
+        </p:style>
+      </p:cxnSp>
+      <p:cxnSp>
+        <p:nvCxnSpPr>
+          <p:cNvPr id="45" name="Straight Arrow Connector 44">
+            <a:extLst>
+              <a:ext uri="{FF2B5EF4-FFF2-40B4-BE49-F238E27FC236}">
+                <a16:creationId xmlns:a16="http://schemas.microsoft.com/office/drawing/2014/main" id="{855BC568-08EB-4A4D-8C77-877C4D916533}"/>
+              </a:ext>
+            </a:extLst>
+          </p:cNvPr>
+          <p:cNvCxnSpPr/>
+          <p:nvPr/>
+        </p:nvCxnSpPr>
+        <p:spPr>
+          <a:xfrm>
+            <a:off x="2181497" y="3540426"/>
+            <a:ext cx="5477704" cy="0"/>
+          </a:xfrm>
+          <a:prstGeom prst="straightConnector1">
+            <a:avLst/>
+          </a:prstGeom>
+          <a:ln>
+            <a:tailEnd type="triangle"/>
+          </a:ln>
+        </p:spPr>
+        <p:style>
+          <a:lnRef idx="1">
+            <a:schemeClr val="accent1"/>
+          </a:lnRef>
+          <a:fillRef idx="0">
+            <a:schemeClr val="accent1"/>
+          </a:fillRef>
+          <a:effectRef idx="0">
+            <a:schemeClr val="accent1"/>
+          </a:effectRef>
+          <a:fontRef idx="minor">
+            <a:schemeClr val="tx1"/>
+          </a:fontRef>
+        </p:style>
+      </p:cxnSp>
+      <p:cxnSp>
+        <p:nvCxnSpPr>
+          <p:cNvPr id="46" name="Straight Arrow Connector 45">
+            <a:extLst>
+              <a:ext uri="{FF2B5EF4-FFF2-40B4-BE49-F238E27FC236}">
+                <a16:creationId xmlns:a16="http://schemas.microsoft.com/office/drawing/2014/main" id="{DE76FDDA-05A6-CB4E-8477-C28146A462DB}"/>
+              </a:ext>
+            </a:extLst>
+          </p:cNvPr>
+          <p:cNvCxnSpPr/>
+          <p:nvPr/>
+        </p:nvCxnSpPr>
+        <p:spPr>
+          <a:xfrm>
+            <a:off x="2333897" y="3692826"/>
+            <a:ext cx="5477704" cy="0"/>
+          </a:xfrm>
+          <a:prstGeom prst="straightConnector1">
+            <a:avLst/>
+          </a:prstGeom>
+          <a:ln>
+            <a:tailEnd type="triangle"/>
+          </a:ln>
+        </p:spPr>
+        <p:style>
+          <a:lnRef idx="1">
+            <a:schemeClr val="accent1"/>
+          </a:lnRef>
+          <a:fillRef idx="0">
+            <a:schemeClr val="accent1"/>
+          </a:fillRef>
+          <a:effectRef idx="0">
+            <a:schemeClr val="accent1"/>
+          </a:effectRef>
+          <a:fontRef idx="minor">
+            <a:schemeClr val="tx1"/>
+          </a:fontRef>
+        </p:style>
+      </p:cxnSp>
+      <p:cxnSp>
+        <p:nvCxnSpPr>
+          <p:cNvPr id="47" name="Straight Arrow Connector 46">
+            <a:extLst>
+              <a:ext uri="{FF2B5EF4-FFF2-40B4-BE49-F238E27FC236}">
+                <a16:creationId xmlns:a16="http://schemas.microsoft.com/office/drawing/2014/main" id="{B71FCDD3-F1E0-3644-B117-4CAD1C9F6B13}"/>
+              </a:ext>
+            </a:extLst>
+          </p:cNvPr>
+          <p:cNvCxnSpPr/>
+          <p:nvPr/>
+        </p:nvCxnSpPr>
+        <p:spPr>
+          <a:xfrm>
+            <a:off x="2486297" y="3845226"/>
+            <a:ext cx="5477704" cy="0"/>
+          </a:xfrm>
+          <a:prstGeom prst="straightConnector1">
+            <a:avLst/>
+          </a:prstGeom>
+          <a:ln>
+            <a:tailEnd type="triangle"/>
+          </a:ln>
+        </p:spPr>
+        <p:style>
+          <a:lnRef idx="1">
+            <a:schemeClr val="accent1"/>
+          </a:lnRef>
+          <a:fillRef idx="0">
+            <a:schemeClr val="accent1"/>
+          </a:fillRef>
+          <a:effectRef idx="0">
+            <a:schemeClr val="accent1"/>
+          </a:effectRef>
+          <a:fontRef idx="minor">
+            <a:schemeClr val="tx1"/>
+          </a:fontRef>
+        </p:style>
+      </p:cxnSp>
+      <p:cxnSp>
+        <p:nvCxnSpPr>
+          <p:cNvPr id="48" name="Straight Arrow Connector 47">
+            <a:extLst>
+              <a:ext uri="{FF2B5EF4-FFF2-40B4-BE49-F238E27FC236}">
+                <a16:creationId xmlns:a16="http://schemas.microsoft.com/office/drawing/2014/main" id="{E7092129-E435-3848-A0A3-A19E004AB903}"/>
+              </a:ext>
+            </a:extLst>
+          </p:cNvPr>
+          <p:cNvCxnSpPr/>
+          <p:nvPr/>
+        </p:nvCxnSpPr>
+        <p:spPr>
+          <a:xfrm>
+            <a:off x="2638697" y="3997626"/>
+            <a:ext cx="5477704" cy="0"/>
+          </a:xfrm>
+          <a:prstGeom prst="straightConnector1">
+            <a:avLst/>
+          </a:prstGeom>
+          <a:ln>
+            <a:tailEnd type="triangle"/>
+          </a:ln>
+        </p:spPr>
+        <p:style>
+          <a:lnRef idx="1">
+            <a:schemeClr val="accent1"/>
+          </a:lnRef>
+          <a:fillRef idx="0">
+            <a:schemeClr val="accent1"/>
+          </a:fillRef>
+          <a:effectRef idx="0">
+            <a:schemeClr val="accent1"/>
+          </a:effectRef>
+          <a:fontRef idx="minor">
+            <a:schemeClr val="tx1"/>
+          </a:fontRef>
+        </p:style>
+      </p:cxnSp>
+      <p:cxnSp>
+        <p:nvCxnSpPr>
+          <p:cNvPr id="49" name="Straight Arrow Connector 48">
+            <a:extLst>
+              <a:ext uri="{FF2B5EF4-FFF2-40B4-BE49-F238E27FC236}">
+                <a16:creationId xmlns:a16="http://schemas.microsoft.com/office/drawing/2014/main" id="{95744CCD-7190-4940-BA72-7EBFEBC9D6C4}"/>
+              </a:ext>
+            </a:extLst>
+          </p:cNvPr>
+          <p:cNvCxnSpPr/>
+          <p:nvPr/>
+        </p:nvCxnSpPr>
+        <p:spPr>
+          <a:xfrm>
+            <a:off x="2791097" y="4150026"/>
+            <a:ext cx="5477704" cy="0"/>
+          </a:xfrm>
+          <a:prstGeom prst="straightConnector1">
+            <a:avLst/>
+          </a:prstGeom>
+          <a:ln>
+            <a:tailEnd type="triangle"/>
+          </a:ln>
+        </p:spPr>
+        <p:style>
+          <a:lnRef idx="1">
+            <a:schemeClr val="accent1"/>
+          </a:lnRef>
+          <a:fillRef idx="0">
+            <a:schemeClr val="accent1"/>
+          </a:fillRef>
+          <a:effectRef idx="0">
+            <a:schemeClr val="accent1"/>
+          </a:effectRef>
+          <a:fontRef idx="minor">
+            <a:schemeClr val="tx1"/>
+          </a:fontRef>
+        </p:style>
+      </p:cxnSp>
+      <p:cxnSp>
+        <p:nvCxnSpPr>
+          <p:cNvPr id="50" name="Straight Arrow Connector 49">
+            <a:extLst>
+              <a:ext uri="{FF2B5EF4-FFF2-40B4-BE49-F238E27FC236}">
+                <a16:creationId xmlns:a16="http://schemas.microsoft.com/office/drawing/2014/main" id="{637651C3-3A9A-FB48-8E94-362ADD930D88}"/>
+              </a:ext>
+            </a:extLst>
+          </p:cNvPr>
+          <p:cNvCxnSpPr/>
+          <p:nvPr/>
+        </p:nvCxnSpPr>
+        <p:spPr>
+          <a:xfrm>
+            <a:off x="2943497" y="4302426"/>
+            <a:ext cx="5477704" cy="0"/>
+          </a:xfrm>
+          <a:prstGeom prst="straightConnector1">
+            <a:avLst/>
+          </a:prstGeom>
+          <a:ln>
+            <a:tailEnd type="triangle"/>
+          </a:ln>
+        </p:spPr>
+        <p:style>
+          <a:lnRef idx="1">
+            <a:schemeClr val="accent1"/>
+          </a:lnRef>
+          <a:fillRef idx="0">
+            <a:schemeClr val="accent1"/>
+          </a:fillRef>
+          <a:effectRef idx="0">
+            <a:schemeClr val="accent1"/>
+          </a:effectRef>
+          <a:fontRef idx="minor">
+            <a:schemeClr val="tx1"/>
+          </a:fontRef>
+        </p:style>
+      </p:cxnSp>
+      <p:cxnSp>
+        <p:nvCxnSpPr>
+          <p:cNvPr id="51" name="Straight Arrow Connector 50">
+            <a:extLst>
+              <a:ext uri="{FF2B5EF4-FFF2-40B4-BE49-F238E27FC236}">
+                <a16:creationId xmlns:a16="http://schemas.microsoft.com/office/drawing/2014/main" id="{4BF0B125-6AF1-164A-95FE-A8A3EB833745}"/>
+              </a:ext>
+            </a:extLst>
+          </p:cNvPr>
+          <p:cNvCxnSpPr/>
+          <p:nvPr/>
+        </p:nvCxnSpPr>
+        <p:spPr>
+          <a:xfrm>
+            <a:off x="3095897" y="4454826"/>
+            <a:ext cx="5477704" cy="0"/>
+          </a:xfrm>
+          <a:prstGeom prst="straightConnector1">
+            <a:avLst/>
+          </a:prstGeom>
+          <a:ln>
+            <a:tailEnd type="triangle"/>
+          </a:ln>
+        </p:spPr>
+        <p:style>
+          <a:lnRef idx="1">
+            <a:schemeClr val="accent1"/>
+          </a:lnRef>
+          <a:fillRef idx="0">
+            <a:schemeClr val="accent1"/>
+          </a:fillRef>
+          <a:effectRef idx="0">
+            <a:schemeClr val="accent1"/>
+          </a:effectRef>
+          <a:fontRef idx="minor">
+            <a:schemeClr val="tx1"/>
+          </a:fontRef>
+        </p:style>
+      </p:cxnSp>
+      <p:cxnSp>
+        <p:nvCxnSpPr>
+          <p:cNvPr id="52" name="Straight Arrow Connector 51">
+            <a:extLst>
+              <a:ext uri="{FF2B5EF4-FFF2-40B4-BE49-F238E27FC236}">
+                <a16:creationId xmlns:a16="http://schemas.microsoft.com/office/drawing/2014/main" id="{906E75FE-223A-3B44-9CD2-65CCB3E48A30}"/>
+              </a:ext>
+            </a:extLst>
+          </p:cNvPr>
+          <p:cNvCxnSpPr/>
+          <p:nvPr/>
+        </p:nvCxnSpPr>
+        <p:spPr>
+          <a:xfrm>
+            <a:off x="3248297" y="4607226"/>
+            <a:ext cx="5477704" cy="0"/>
+          </a:xfrm>
+          <a:prstGeom prst="straightConnector1">
+            <a:avLst/>
+          </a:prstGeom>
+          <a:ln>
+            <a:tailEnd type="triangle"/>
+          </a:ln>
+        </p:spPr>
+        <p:style>
+          <a:lnRef idx="1">
+            <a:schemeClr val="accent1"/>
+          </a:lnRef>
+          <a:fillRef idx="0">
+            <a:schemeClr val="accent1"/>
+          </a:fillRef>
+          <a:effectRef idx="0">
+            <a:schemeClr val="accent1"/>
+          </a:effectRef>
+          <a:fontRef idx="minor">
+            <a:schemeClr val="tx1"/>
+          </a:fontRef>
+        </p:style>
+      </p:cxnSp>
+      <p:cxnSp>
+        <p:nvCxnSpPr>
+          <p:cNvPr id="53" name="Straight Arrow Connector 52">
+            <a:extLst>
+              <a:ext uri="{FF2B5EF4-FFF2-40B4-BE49-F238E27FC236}">
+                <a16:creationId xmlns:a16="http://schemas.microsoft.com/office/drawing/2014/main" id="{247E0F03-E645-2D4F-8F25-081A8BDD14EB}"/>
+              </a:ext>
+            </a:extLst>
+          </p:cNvPr>
+          <p:cNvCxnSpPr/>
+          <p:nvPr/>
+        </p:nvCxnSpPr>
+        <p:spPr>
+          <a:xfrm>
+            <a:off x="3400697" y="4759626"/>
+            <a:ext cx="5477704" cy="0"/>
+          </a:xfrm>
+          <a:prstGeom prst="straightConnector1">
+            <a:avLst/>
+          </a:prstGeom>
+          <a:ln>
+            <a:tailEnd type="triangle"/>
+          </a:ln>
+        </p:spPr>
+        <p:style>
+          <a:lnRef idx="1">
+            <a:schemeClr val="accent1"/>
+          </a:lnRef>
+          <a:fillRef idx="0">
+            <a:schemeClr val="accent1"/>
+          </a:fillRef>
+          <a:effectRef idx="0">
+            <a:schemeClr val="accent1"/>
+          </a:effectRef>
+          <a:fontRef idx="minor">
+            <a:schemeClr val="tx1"/>
+          </a:fontRef>
+        </p:style>
+      </p:cxnSp>
+      <p:sp>
+        <p:nvSpPr>
+          <p:cNvPr id="54" name="TextBox 53">
+            <a:extLst>
+              <a:ext uri="{FF2B5EF4-FFF2-40B4-BE49-F238E27FC236}">
+                <a16:creationId xmlns:a16="http://schemas.microsoft.com/office/drawing/2014/main" id="{A11DB1A6-D9D0-DF43-90F3-34E5D116A850}"/>
+              </a:ext>
+            </a:extLst>
+          </p:cNvPr>
+          <p:cNvSpPr txBox="1"/>
+          <p:nvPr/>
+        </p:nvSpPr>
+        <p:spPr>
+          <a:xfrm>
+            <a:off x="148046" y="3540426"/>
+            <a:ext cx="2185851" cy="369332"/>
+          </a:xfrm>
+          <a:prstGeom prst="rect">
+            <a:avLst/>
+          </a:prstGeom>
+          <a:noFill/>
+        </p:spPr>
+        <p:txBody>
+          <a:bodyPr wrap="square" rtlCol="0">
+            <a:spAutoFit/>
+          </a:bodyPr>
+          <a:lstStyle/>
+          <a:p>
+            <a:r>
+              <a:rPr lang="en-US" dirty="0"/>
+              <a:t>Multiple Requests</a:t>
+            </a:r>
+          </a:p>
+        </p:txBody>
+      </p:sp>
+      <p:sp>
+        <p:nvSpPr>
+          <p:cNvPr id="55" name="TextBox 54">
+            <a:extLst>
+              <a:ext uri="{FF2B5EF4-FFF2-40B4-BE49-F238E27FC236}">
+                <a16:creationId xmlns:a16="http://schemas.microsoft.com/office/drawing/2014/main" id="{F4EE0DAF-B053-E745-A22A-33694B990295}"/>
+              </a:ext>
+            </a:extLst>
+          </p:cNvPr>
+          <p:cNvSpPr txBox="1"/>
+          <p:nvPr/>
+        </p:nvSpPr>
+        <p:spPr>
+          <a:xfrm>
+            <a:off x="9978944" y="739031"/>
+            <a:ext cx="2021479" cy="1200329"/>
+          </a:xfrm>
+          <a:prstGeom prst="rect">
+            <a:avLst/>
+          </a:prstGeom>
+          <a:noFill/>
+        </p:spPr>
+        <p:txBody>
+          <a:bodyPr wrap="square" rtlCol="0">
+            <a:spAutoFit/>
+          </a:bodyPr>
+          <a:lstStyle/>
+          <a:p>
+            <a:r>
+              <a:rPr lang="en-US" dirty="0"/>
+              <a:t>App 1,2,3,4 allocates separate thread for each incoming request</a:t>
+            </a:r>
+          </a:p>
+        </p:txBody>
+      </p:sp>
+      <p:sp>
+        <p:nvSpPr>
+          <p:cNvPr id="56" name="Left-right Arrow 55">
+            <a:extLst>
+              <a:ext uri="{FF2B5EF4-FFF2-40B4-BE49-F238E27FC236}">
+                <a16:creationId xmlns:a16="http://schemas.microsoft.com/office/drawing/2014/main" id="{50E95C35-6007-9943-9672-C65FBFA88919}"/>
+              </a:ext>
+            </a:extLst>
+          </p:cNvPr>
+          <p:cNvSpPr/>
+          <p:nvPr/>
+        </p:nvSpPr>
+        <p:spPr>
+          <a:xfrm>
+            <a:off x="9761230" y="5533904"/>
+            <a:ext cx="427799" cy="172386"/>
+          </a:xfrm>
+          <a:prstGeom prst="leftRightArrow">
+            <a:avLst/>
+          </a:prstGeom>
+          <a:solidFill>
+            <a:srgbClr val="FFFF00"/>
+          </a:solidFill>
+        </p:spPr>
+        <p:style>
+          <a:lnRef idx="2">
+            <a:schemeClr val="accent1">
+              <a:shade val="50000"/>
+            </a:schemeClr>
+          </a:lnRef>
+          <a:fillRef idx="1">
+            <a:schemeClr val="accent1"/>
+          </a:fillRef>
+          <a:effectRef idx="0">
+            <a:schemeClr val="accent1"/>
+          </a:effectRef>
+          <a:fontRef idx="minor">
+            <a:schemeClr val="lt1"/>
+          </a:fontRef>
+        </p:style>
+        <p:txBody>
+          <a:bodyPr rtlCol="0" anchor="ctr"/>
+          <a:lstStyle/>
+          <a:p>
+            <a:pPr algn="ctr"/>
+            <a:endParaRPr lang="en-US"/>
+          </a:p>
+        </p:txBody>
+      </p:sp>
+    </p:spTree>
+    <p:extLst>
+      <p:ext uri="{BB962C8B-B14F-4D97-AF65-F5344CB8AC3E}">
+        <p14:creationId xmlns:p14="http://schemas.microsoft.com/office/powerpoint/2010/main" val="3244798315"/>
+      </p:ext>
+    </p:extLst>
+  </p:cSld>
+  <p:clrMapOvr>
+    <a:masterClrMapping/>
+  </p:clrMapOvr>
+</p:sld>
+</file>
+
 <file path=ppt/slides/slide3.xml><?xml version="1.0" encoding="utf-8"?>
 <p:sld xmlns:a="http://schemas.openxmlformats.org/drawingml/2006/main" xmlns:r="http://schemas.openxmlformats.org/officeDocument/2006/relationships" xmlns:p="http://schemas.openxmlformats.org/presentationml/2006/main">
   <p:cSld>
@@ -19517,6 +23428,2309 @@
     <p:extLst>
       <p:ext uri="{BB962C8B-B14F-4D97-AF65-F5344CB8AC3E}">
         <p14:creationId xmlns:p14="http://schemas.microsoft.com/office/powerpoint/2010/main" val="1312324701"/>
+      </p:ext>
+    </p:extLst>
+  </p:cSld>
+  <p:clrMapOvr>
+    <a:masterClrMapping/>
+  </p:clrMapOvr>
+</p:sld>
+</file>
+
+<file path=ppt/slides/slide30.xml><?xml version="1.0" encoding="utf-8"?>
+<p:sld xmlns:a="http://schemas.openxmlformats.org/drawingml/2006/main" xmlns:r="http://schemas.openxmlformats.org/officeDocument/2006/relationships" xmlns:p="http://schemas.openxmlformats.org/presentationml/2006/main">
+  <p:cSld>
+    <p:spTree>
+      <p:nvGrpSpPr>
+        <p:cNvPr id="1" name=""/>
+        <p:cNvGrpSpPr/>
+        <p:nvPr/>
+      </p:nvGrpSpPr>
+      <p:grpSpPr>
+        <a:xfrm>
+          <a:off x="0" y="0"/>
+          <a:ext cx="0" cy="0"/>
+          <a:chOff x="0" y="0"/>
+          <a:chExt cx="0" cy="0"/>
+        </a:xfrm>
+      </p:grpSpPr>
+      <p:sp>
+        <p:nvSpPr>
+          <p:cNvPr id="2" name="Rectangle 1">
+            <a:extLst>
+              <a:ext uri="{FF2B5EF4-FFF2-40B4-BE49-F238E27FC236}">
+                <a16:creationId xmlns:a16="http://schemas.microsoft.com/office/drawing/2014/main" id="{A0428A87-BBD9-B647-A639-10F541B0F26A}"/>
+              </a:ext>
+            </a:extLst>
+          </p:cNvPr>
+          <p:cNvSpPr/>
+          <p:nvPr/>
+        </p:nvSpPr>
+        <p:spPr>
+          <a:xfrm>
+            <a:off x="2299063" y="3074126"/>
+            <a:ext cx="6487886" cy="539931"/>
+          </a:xfrm>
+          <a:prstGeom prst="rect">
+            <a:avLst/>
+          </a:prstGeom>
+        </p:spPr>
+        <p:style>
+          <a:lnRef idx="2">
+            <a:schemeClr val="accent6"/>
+          </a:lnRef>
+          <a:fillRef idx="1">
+            <a:schemeClr val="lt1"/>
+          </a:fillRef>
+          <a:effectRef idx="0">
+            <a:schemeClr val="accent6"/>
+          </a:effectRef>
+          <a:fontRef idx="minor">
+            <a:schemeClr val="dk1"/>
+          </a:fontRef>
+        </p:style>
+        <p:txBody>
+          <a:bodyPr rtlCol="0" anchor="ctr"/>
+          <a:lstStyle/>
+          <a:p>
+            <a:pPr algn="ctr"/>
+            <a:endParaRPr lang="en-US"/>
+          </a:p>
+        </p:txBody>
+      </p:sp>
+      <p:sp>
+        <p:nvSpPr>
+          <p:cNvPr id="3" name="Rectangle 2">
+            <a:extLst>
+              <a:ext uri="{FF2B5EF4-FFF2-40B4-BE49-F238E27FC236}">
+                <a16:creationId xmlns:a16="http://schemas.microsoft.com/office/drawing/2014/main" id="{E87215E9-98AE-2646-A04F-CA8514024C1F}"/>
+              </a:ext>
+            </a:extLst>
+          </p:cNvPr>
+          <p:cNvSpPr/>
+          <p:nvPr/>
+        </p:nvSpPr>
+        <p:spPr>
+          <a:xfrm>
+            <a:off x="3030583" y="3082834"/>
+            <a:ext cx="113211" cy="513806"/>
+          </a:xfrm>
+          <a:prstGeom prst="rect">
+            <a:avLst/>
+          </a:prstGeom>
+        </p:spPr>
+        <p:style>
+          <a:lnRef idx="2">
+            <a:schemeClr val="accent1">
+              <a:shade val="50000"/>
+            </a:schemeClr>
+          </a:lnRef>
+          <a:fillRef idx="1">
+            <a:schemeClr val="accent1"/>
+          </a:fillRef>
+          <a:effectRef idx="0">
+            <a:schemeClr val="accent1"/>
+          </a:effectRef>
+          <a:fontRef idx="minor">
+            <a:schemeClr val="lt1"/>
+          </a:fontRef>
+        </p:style>
+        <p:txBody>
+          <a:bodyPr rtlCol="0" anchor="ctr"/>
+          <a:lstStyle/>
+          <a:p>
+            <a:pPr algn="ctr"/>
+            <a:endParaRPr lang="en-US"/>
+          </a:p>
+        </p:txBody>
+      </p:sp>
+      <p:sp>
+        <p:nvSpPr>
+          <p:cNvPr id="4" name="Rectangle 3">
+            <a:extLst>
+              <a:ext uri="{FF2B5EF4-FFF2-40B4-BE49-F238E27FC236}">
+                <a16:creationId xmlns:a16="http://schemas.microsoft.com/office/drawing/2014/main" id="{D5CBB51F-1525-5946-90EB-094543FAE41F}"/>
+              </a:ext>
+            </a:extLst>
+          </p:cNvPr>
+          <p:cNvSpPr/>
+          <p:nvPr/>
+        </p:nvSpPr>
+        <p:spPr>
+          <a:xfrm>
+            <a:off x="3875314" y="3082834"/>
+            <a:ext cx="113211" cy="513806"/>
+          </a:xfrm>
+          <a:prstGeom prst="rect">
+            <a:avLst/>
+          </a:prstGeom>
+        </p:spPr>
+        <p:style>
+          <a:lnRef idx="2">
+            <a:schemeClr val="accent1">
+              <a:shade val="50000"/>
+            </a:schemeClr>
+          </a:lnRef>
+          <a:fillRef idx="1">
+            <a:schemeClr val="accent1"/>
+          </a:fillRef>
+          <a:effectRef idx="0">
+            <a:schemeClr val="accent1"/>
+          </a:effectRef>
+          <a:fontRef idx="minor">
+            <a:schemeClr val="lt1"/>
+          </a:fontRef>
+        </p:style>
+        <p:txBody>
+          <a:bodyPr rtlCol="0" anchor="ctr"/>
+          <a:lstStyle/>
+          <a:p>
+            <a:pPr algn="ctr"/>
+            <a:endParaRPr lang="en-US"/>
+          </a:p>
+        </p:txBody>
+      </p:sp>
+      <p:sp>
+        <p:nvSpPr>
+          <p:cNvPr id="5" name="Rectangle 4">
+            <a:extLst>
+              <a:ext uri="{FF2B5EF4-FFF2-40B4-BE49-F238E27FC236}">
+                <a16:creationId xmlns:a16="http://schemas.microsoft.com/office/drawing/2014/main" id="{73DBF5AE-1123-5242-9AEE-4E583D38C250}"/>
+              </a:ext>
+            </a:extLst>
+          </p:cNvPr>
+          <p:cNvSpPr/>
+          <p:nvPr/>
+        </p:nvSpPr>
+        <p:spPr>
+          <a:xfrm>
+            <a:off x="5020491" y="3074126"/>
+            <a:ext cx="113211" cy="513806"/>
+          </a:xfrm>
+          <a:prstGeom prst="rect">
+            <a:avLst/>
+          </a:prstGeom>
+        </p:spPr>
+        <p:style>
+          <a:lnRef idx="2">
+            <a:schemeClr val="accent1">
+              <a:shade val="50000"/>
+            </a:schemeClr>
+          </a:lnRef>
+          <a:fillRef idx="1">
+            <a:schemeClr val="accent1"/>
+          </a:fillRef>
+          <a:effectRef idx="0">
+            <a:schemeClr val="accent1"/>
+          </a:effectRef>
+          <a:fontRef idx="minor">
+            <a:schemeClr val="lt1"/>
+          </a:fontRef>
+        </p:style>
+        <p:txBody>
+          <a:bodyPr rtlCol="0" anchor="ctr"/>
+          <a:lstStyle/>
+          <a:p>
+            <a:pPr algn="ctr"/>
+            <a:endParaRPr lang="en-US"/>
+          </a:p>
+        </p:txBody>
+      </p:sp>
+      <p:sp>
+        <p:nvSpPr>
+          <p:cNvPr id="6" name="Rectangle 5">
+            <a:extLst>
+              <a:ext uri="{FF2B5EF4-FFF2-40B4-BE49-F238E27FC236}">
+                <a16:creationId xmlns:a16="http://schemas.microsoft.com/office/drawing/2014/main" id="{58BA27F0-5EC5-0648-8312-0A209B94E75B}"/>
+              </a:ext>
+            </a:extLst>
+          </p:cNvPr>
+          <p:cNvSpPr/>
+          <p:nvPr/>
+        </p:nvSpPr>
+        <p:spPr>
+          <a:xfrm>
+            <a:off x="6217920" y="3100251"/>
+            <a:ext cx="113211" cy="513806"/>
+          </a:xfrm>
+          <a:prstGeom prst="rect">
+            <a:avLst/>
+          </a:prstGeom>
+        </p:spPr>
+        <p:style>
+          <a:lnRef idx="2">
+            <a:schemeClr val="accent1">
+              <a:shade val="50000"/>
+            </a:schemeClr>
+          </a:lnRef>
+          <a:fillRef idx="1">
+            <a:schemeClr val="accent1"/>
+          </a:fillRef>
+          <a:effectRef idx="0">
+            <a:schemeClr val="accent1"/>
+          </a:effectRef>
+          <a:fontRef idx="minor">
+            <a:schemeClr val="lt1"/>
+          </a:fontRef>
+        </p:style>
+        <p:txBody>
+          <a:bodyPr rtlCol="0" anchor="ctr"/>
+          <a:lstStyle/>
+          <a:p>
+            <a:pPr algn="ctr"/>
+            <a:endParaRPr lang="en-US"/>
+          </a:p>
+        </p:txBody>
+      </p:sp>
+      <p:sp>
+        <p:nvSpPr>
+          <p:cNvPr id="7" name="Rectangle 6">
+            <a:extLst>
+              <a:ext uri="{FF2B5EF4-FFF2-40B4-BE49-F238E27FC236}">
+                <a16:creationId xmlns:a16="http://schemas.microsoft.com/office/drawing/2014/main" id="{5137E7F5-9328-2E4B-9F95-C729A93B96E6}"/>
+              </a:ext>
+            </a:extLst>
+          </p:cNvPr>
+          <p:cNvSpPr/>
+          <p:nvPr/>
+        </p:nvSpPr>
+        <p:spPr>
+          <a:xfrm>
+            <a:off x="7741919" y="3074126"/>
+            <a:ext cx="113211" cy="513806"/>
+          </a:xfrm>
+          <a:prstGeom prst="rect">
+            <a:avLst/>
+          </a:prstGeom>
+        </p:spPr>
+        <p:style>
+          <a:lnRef idx="2">
+            <a:schemeClr val="accent1">
+              <a:shade val="50000"/>
+            </a:schemeClr>
+          </a:lnRef>
+          <a:fillRef idx="1">
+            <a:schemeClr val="accent1"/>
+          </a:fillRef>
+          <a:effectRef idx="0">
+            <a:schemeClr val="accent1"/>
+          </a:effectRef>
+          <a:fontRef idx="minor">
+            <a:schemeClr val="lt1"/>
+          </a:fontRef>
+        </p:style>
+        <p:txBody>
+          <a:bodyPr rtlCol="0" anchor="ctr"/>
+          <a:lstStyle/>
+          <a:p>
+            <a:pPr algn="ctr"/>
+            <a:endParaRPr lang="en-US"/>
+          </a:p>
+        </p:txBody>
+      </p:sp>
+      <p:sp>
+        <p:nvSpPr>
+          <p:cNvPr id="8" name="TextBox 7">
+            <a:extLst>
+              <a:ext uri="{FF2B5EF4-FFF2-40B4-BE49-F238E27FC236}">
+                <a16:creationId xmlns:a16="http://schemas.microsoft.com/office/drawing/2014/main" id="{50435E59-CCD0-A247-9DE5-B2B70B4C3755}"/>
+              </a:ext>
+            </a:extLst>
+          </p:cNvPr>
+          <p:cNvSpPr txBox="1"/>
+          <p:nvPr/>
+        </p:nvSpPr>
+        <p:spPr>
+          <a:xfrm>
+            <a:off x="3950425" y="3988525"/>
+            <a:ext cx="598714" cy="400110"/>
+          </a:xfrm>
+          <a:prstGeom prst="rect">
+            <a:avLst/>
+          </a:prstGeom>
+          <a:noFill/>
+        </p:spPr>
+        <p:txBody>
+          <a:bodyPr wrap="square" rtlCol="0">
+            <a:spAutoFit/>
+          </a:bodyPr>
+          <a:lstStyle/>
+          <a:p>
+            <a:r>
+              <a:rPr lang="en-US" sz="1000" dirty="0"/>
+              <a:t>Click (f1)</a:t>
+            </a:r>
+          </a:p>
+        </p:txBody>
+      </p:sp>
+      <p:sp>
+        <p:nvSpPr>
+          <p:cNvPr id="9" name="TextBox 8">
+            <a:extLst>
+              <a:ext uri="{FF2B5EF4-FFF2-40B4-BE49-F238E27FC236}">
+                <a16:creationId xmlns:a16="http://schemas.microsoft.com/office/drawing/2014/main" id="{EF5E7D9D-EBA1-AB41-B0BA-9D3DC1670784}"/>
+              </a:ext>
+            </a:extLst>
+          </p:cNvPr>
+          <p:cNvSpPr txBox="1"/>
+          <p:nvPr/>
+        </p:nvSpPr>
+        <p:spPr>
+          <a:xfrm>
+            <a:off x="3197135" y="3187337"/>
+            <a:ext cx="598714" cy="400110"/>
+          </a:xfrm>
+          <a:prstGeom prst="rect">
+            <a:avLst/>
+          </a:prstGeom>
+          <a:noFill/>
+        </p:spPr>
+        <p:txBody>
+          <a:bodyPr wrap="square" rtlCol="0">
+            <a:spAutoFit/>
+          </a:bodyPr>
+          <a:lstStyle/>
+          <a:p>
+            <a:r>
+              <a:rPr lang="en-US" sz="1000" dirty="0"/>
+              <a:t>Click (f1)</a:t>
+            </a:r>
+          </a:p>
+        </p:txBody>
+      </p:sp>
+      <p:sp>
+        <p:nvSpPr>
+          <p:cNvPr id="10" name="TextBox 9">
+            <a:extLst>
+              <a:ext uri="{FF2B5EF4-FFF2-40B4-BE49-F238E27FC236}">
+                <a16:creationId xmlns:a16="http://schemas.microsoft.com/office/drawing/2014/main" id="{986AD3CE-6129-8E47-8CEC-042C578AEE14}"/>
+              </a:ext>
+            </a:extLst>
+          </p:cNvPr>
+          <p:cNvSpPr txBox="1"/>
+          <p:nvPr/>
+        </p:nvSpPr>
+        <p:spPr>
+          <a:xfrm>
+            <a:off x="4081054" y="3157099"/>
+            <a:ext cx="598714" cy="400110"/>
+          </a:xfrm>
+          <a:prstGeom prst="rect">
+            <a:avLst/>
+          </a:prstGeom>
+          <a:noFill/>
+        </p:spPr>
+        <p:txBody>
+          <a:bodyPr wrap="square" rtlCol="0">
+            <a:spAutoFit/>
+          </a:bodyPr>
+          <a:lstStyle/>
+          <a:p>
+            <a:r>
+              <a:rPr lang="en-US" sz="1000" dirty="0"/>
+              <a:t>Click (f1)</a:t>
+            </a:r>
+          </a:p>
+        </p:txBody>
+      </p:sp>
+      <p:sp>
+        <p:nvSpPr>
+          <p:cNvPr id="11" name="TextBox 10">
+            <a:extLst>
+              <a:ext uri="{FF2B5EF4-FFF2-40B4-BE49-F238E27FC236}">
+                <a16:creationId xmlns:a16="http://schemas.microsoft.com/office/drawing/2014/main" id="{312D8E10-B551-C348-A726-E28F74915FC2}"/>
+              </a:ext>
+            </a:extLst>
+          </p:cNvPr>
+          <p:cNvSpPr txBox="1"/>
+          <p:nvPr/>
+        </p:nvSpPr>
+        <p:spPr>
+          <a:xfrm>
+            <a:off x="5308963" y="3161454"/>
+            <a:ext cx="598714" cy="400110"/>
+          </a:xfrm>
+          <a:prstGeom prst="rect">
+            <a:avLst/>
+          </a:prstGeom>
+          <a:noFill/>
+        </p:spPr>
+        <p:txBody>
+          <a:bodyPr wrap="square" rtlCol="0">
+            <a:spAutoFit/>
+          </a:bodyPr>
+          <a:lstStyle/>
+          <a:p>
+            <a:r>
+              <a:rPr lang="en-US" sz="1000" dirty="0"/>
+              <a:t>Click (f1)</a:t>
+            </a:r>
+          </a:p>
+        </p:txBody>
+      </p:sp>
+      <p:sp>
+        <p:nvSpPr>
+          <p:cNvPr id="12" name="TextBox 11">
+            <a:extLst>
+              <a:ext uri="{FF2B5EF4-FFF2-40B4-BE49-F238E27FC236}">
+                <a16:creationId xmlns:a16="http://schemas.microsoft.com/office/drawing/2014/main" id="{0D1BF746-2126-B843-BE46-F5244AA202C5}"/>
+              </a:ext>
+            </a:extLst>
+          </p:cNvPr>
+          <p:cNvSpPr txBox="1"/>
+          <p:nvPr/>
+        </p:nvSpPr>
+        <p:spPr>
+          <a:xfrm>
+            <a:off x="6474823" y="3178871"/>
+            <a:ext cx="598714" cy="400110"/>
+          </a:xfrm>
+          <a:prstGeom prst="rect">
+            <a:avLst/>
+          </a:prstGeom>
+          <a:noFill/>
+        </p:spPr>
+        <p:txBody>
+          <a:bodyPr wrap="square" rtlCol="0">
+            <a:spAutoFit/>
+          </a:bodyPr>
+          <a:lstStyle/>
+          <a:p>
+            <a:r>
+              <a:rPr lang="en-US" sz="1000" dirty="0"/>
+              <a:t>Click (f1)</a:t>
+            </a:r>
+          </a:p>
+        </p:txBody>
+      </p:sp>
+      <p:sp>
+        <p:nvSpPr>
+          <p:cNvPr id="13" name="Down Arrow 12">
+            <a:extLst>
+              <a:ext uri="{FF2B5EF4-FFF2-40B4-BE49-F238E27FC236}">
+                <a16:creationId xmlns:a16="http://schemas.microsoft.com/office/drawing/2014/main" id="{9648A715-3B0F-DD43-B53D-94BAB1262FF0}"/>
+              </a:ext>
+            </a:extLst>
+          </p:cNvPr>
+          <p:cNvSpPr/>
+          <p:nvPr/>
+        </p:nvSpPr>
+        <p:spPr>
+          <a:xfrm>
+            <a:off x="2325189" y="1641565"/>
+            <a:ext cx="275408" cy="1375955"/>
+          </a:xfrm>
+          <a:prstGeom prst="downArrow">
+            <a:avLst/>
+          </a:prstGeom>
+        </p:spPr>
+        <p:style>
+          <a:lnRef idx="2">
+            <a:schemeClr val="accent1">
+              <a:shade val="50000"/>
+            </a:schemeClr>
+          </a:lnRef>
+          <a:fillRef idx="1">
+            <a:schemeClr val="accent1"/>
+          </a:fillRef>
+          <a:effectRef idx="0">
+            <a:schemeClr val="accent1"/>
+          </a:effectRef>
+          <a:fontRef idx="minor">
+            <a:schemeClr val="lt1"/>
+          </a:fontRef>
+        </p:style>
+        <p:txBody>
+          <a:bodyPr rtlCol="0" anchor="ctr"/>
+          <a:lstStyle/>
+          <a:p>
+            <a:pPr algn="ctr"/>
+            <a:endParaRPr lang="en-US"/>
+          </a:p>
+        </p:txBody>
+      </p:sp>
+      <p:sp>
+        <p:nvSpPr>
+          <p:cNvPr id="14" name="TextBox 13">
+            <a:extLst>
+              <a:ext uri="{FF2B5EF4-FFF2-40B4-BE49-F238E27FC236}">
+                <a16:creationId xmlns:a16="http://schemas.microsoft.com/office/drawing/2014/main" id="{529C4C3F-FE1E-C542-B071-ACC5B092330D}"/>
+              </a:ext>
+            </a:extLst>
+          </p:cNvPr>
+          <p:cNvSpPr txBox="1"/>
+          <p:nvPr/>
+        </p:nvSpPr>
+        <p:spPr>
+          <a:xfrm>
+            <a:off x="1306286" y="1018903"/>
+            <a:ext cx="2489563" cy="923330"/>
+          </a:xfrm>
+          <a:prstGeom prst="rect">
+            <a:avLst/>
+          </a:prstGeom>
+          <a:noFill/>
+        </p:spPr>
+        <p:txBody>
+          <a:bodyPr wrap="square" rtlCol="0">
+            <a:spAutoFit/>
+          </a:bodyPr>
+          <a:lstStyle/>
+          <a:p>
+            <a:r>
+              <a:rPr lang="en-US" dirty="0"/>
+              <a:t>Request for Click, invoke f1(), execute it ad dequeue</a:t>
+            </a:r>
+          </a:p>
+        </p:txBody>
+      </p:sp>
+      <p:sp>
+        <p:nvSpPr>
+          <p:cNvPr id="15" name="Bent Arrow 14">
+            <a:extLst>
+              <a:ext uri="{FF2B5EF4-FFF2-40B4-BE49-F238E27FC236}">
+                <a16:creationId xmlns:a16="http://schemas.microsoft.com/office/drawing/2014/main" id="{DC10EF34-97F6-5A4E-800E-CDA00963C4D8}"/>
+              </a:ext>
+            </a:extLst>
+          </p:cNvPr>
+          <p:cNvSpPr/>
+          <p:nvPr/>
+        </p:nvSpPr>
+        <p:spPr>
+          <a:xfrm flipV="1">
+            <a:off x="2673531" y="3614057"/>
+            <a:ext cx="1201783" cy="748937"/>
+          </a:xfrm>
+          <a:prstGeom prst="bentArrow">
+            <a:avLst/>
+          </a:prstGeom>
+        </p:spPr>
+        <p:style>
+          <a:lnRef idx="2">
+            <a:schemeClr val="accent1">
+              <a:shade val="50000"/>
+            </a:schemeClr>
+          </a:lnRef>
+          <a:fillRef idx="1">
+            <a:schemeClr val="accent1"/>
+          </a:fillRef>
+          <a:effectRef idx="0">
+            <a:schemeClr val="accent1"/>
+          </a:effectRef>
+          <a:fontRef idx="minor">
+            <a:schemeClr val="lt1"/>
+          </a:fontRef>
+        </p:style>
+        <p:txBody>
+          <a:bodyPr rtlCol="0" anchor="ctr"/>
+          <a:lstStyle/>
+          <a:p>
+            <a:pPr algn="ctr"/>
+            <a:endParaRPr lang="en-US">
+              <a:solidFill>
+                <a:schemeClr val="tx1"/>
+              </a:solidFill>
+            </a:endParaRPr>
+          </a:p>
+        </p:txBody>
+      </p:sp>
+      <p:sp>
+        <p:nvSpPr>
+          <p:cNvPr id="16" name="TextBox 15">
+            <a:extLst>
+              <a:ext uri="{FF2B5EF4-FFF2-40B4-BE49-F238E27FC236}">
+                <a16:creationId xmlns:a16="http://schemas.microsoft.com/office/drawing/2014/main" id="{239D6330-5F0E-E042-AA61-960D61570545}"/>
+              </a:ext>
+            </a:extLst>
+          </p:cNvPr>
+          <p:cNvSpPr txBox="1"/>
+          <p:nvPr/>
+        </p:nvSpPr>
+        <p:spPr>
+          <a:xfrm>
+            <a:off x="2969623" y="4537166"/>
+            <a:ext cx="2638697" cy="646331"/>
+          </a:xfrm>
+          <a:prstGeom prst="rect">
+            <a:avLst/>
+          </a:prstGeom>
+          <a:noFill/>
+        </p:spPr>
+        <p:txBody>
+          <a:bodyPr wrap="square" rtlCol="0">
+            <a:spAutoFit/>
+          </a:bodyPr>
+          <a:lstStyle/>
+          <a:p>
+            <a:r>
+              <a:rPr lang="en-US" dirty="0"/>
+              <a:t>Release event with the callback from Q</a:t>
+            </a:r>
+          </a:p>
+        </p:txBody>
+      </p:sp>
+    </p:spTree>
+    <p:extLst>
+      <p:ext uri="{BB962C8B-B14F-4D97-AF65-F5344CB8AC3E}">
+        <p14:creationId xmlns:p14="http://schemas.microsoft.com/office/powerpoint/2010/main" val="4269495329"/>
+      </p:ext>
+    </p:extLst>
+  </p:cSld>
+  <p:clrMapOvr>
+    <a:masterClrMapping/>
+  </p:clrMapOvr>
+</p:sld>
+</file>
+
+<file path=ppt/slides/slide31.xml><?xml version="1.0" encoding="utf-8"?>
+<p:sld xmlns:a="http://schemas.openxmlformats.org/drawingml/2006/main" xmlns:r="http://schemas.openxmlformats.org/officeDocument/2006/relationships" xmlns:p="http://schemas.openxmlformats.org/presentationml/2006/main">
+  <p:cSld>
+    <p:spTree>
+      <p:nvGrpSpPr>
+        <p:cNvPr id="1" name=""/>
+        <p:cNvGrpSpPr/>
+        <p:nvPr/>
+      </p:nvGrpSpPr>
+      <p:grpSpPr>
+        <a:xfrm>
+          <a:off x="0" y="0"/>
+          <a:ext cx="0" cy="0"/>
+          <a:chOff x="0" y="0"/>
+          <a:chExt cx="0" cy="0"/>
+        </a:xfrm>
+      </p:grpSpPr>
+      <p:sp>
+        <p:nvSpPr>
+          <p:cNvPr id="3" name="TextBox 2">
+            <a:extLst>
+              <a:ext uri="{FF2B5EF4-FFF2-40B4-BE49-F238E27FC236}">
+                <a16:creationId xmlns:a16="http://schemas.microsoft.com/office/drawing/2014/main" id="{A1AEBB0E-1DD7-CC43-821D-09F76F0F699F}"/>
+              </a:ext>
+            </a:extLst>
+          </p:cNvPr>
+          <p:cNvSpPr txBox="1"/>
+          <p:nvPr/>
+        </p:nvSpPr>
+        <p:spPr>
+          <a:xfrm>
+            <a:off x="1654629" y="719239"/>
+            <a:ext cx="5286102" cy="369332"/>
+          </a:xfrm>
+          <a:prstGeom prst="rect">
+            <a:avLst/>
+          </a:prstGeom>
+          <a:noFill/>
+        </p:spPr>
+        <p:txBody>
+          <a:bodyPr wrap="square" rtlCol="0">
+            <a:spAutoFit/>
+          </a:bodyPr>
+          <a:lstStyle/>
+          <a:p>
+            <a:r>
+              <a:rPr lang="en-US" dirty="0"/>
+              <a:t>Thread t1 = new Thread(fn1); t1.start()</a:t>
+            </a:r>
+          </a:p>
+        </p:txBody>
+      </p:sp>
+      <p:sp>
+        <p:nvSpPr>
+          <p:cNvPr id="4" name="Rectangle 3">
+            <a:extLst>
+              <a:ext uri="{FF2B5EF4-FFF2-40B4-BE49-F238E27FC236}">
+                <a16:creationId xmlns:a16="http://schemas.microsoft.com/office/drawing/2014/main" id="{01459AEC-6A3F-8C41-80EB-A6CBC09D5FBF}"/>
+              </a:ext>
+            </a:extLst>
+          </p:cNvPr>
+          <p:cNvSpPr/>
+          <p:nvPr/>
+        </p:nvSpPr>
+        <p:spPr>
+          <a:xfrm>
+            <a:off x="348343" y="752509"/>
+            <a:ext cx="1062446" cy="5204154"/>
+          </a:xfrm>
+          <a:prstGeom prst="rect">
+            <a:avLst/>
+          </a:prstGeom>
+        </p:spPr>
+        <p:style>
+          <a:lnRef idx="2">
+            <a:schemeClr val="accent1">
+              <a:shade val="50000"/>
+            </a:schemeClr>
+          </a:lnRef>
+          <a:fillRef idx="1">
+            <a:schemeClr val="accent1"/>
+          </a:fillRef>
+          <a:effectRef idx="0">
+            <a:schemeClr val="accent1"/>
+          </a:effectRef>
+          <a:fontRef idx="minor">
+            <a:schemeClr val="lt1"/>
+          </a:fontRef>
+        </p:style>
+        <p:txBody>
+          <a:bodyPr rtlCol="0" anchor="ctr"/>
+          <a:lstStyle/>
+          <a:p>
+            <a:pPr algn="ctr"/>
+            <a:r>
+              <a:rPr lang="en-US" dirty="0"/>
+              <a:t>Main()</a:t>
+            </a:r>
+          </a:p>
+          <a:p>
+            <a:pPr algn="ctr"/>
+            <a:r>
+              <a:rPr lang="en-US" dirty="0"/>
+              <a:t>App</a:t>
+            </a:r>
+          </a:p>
+          <a:p>
+            <a:pPr algn="ctr"/>
+            <a:r>
+              <a:rPr lang="en-US" dirty="0"/>
+              <a:t>Main</a:t>
+            </a:r>
+          </a:p>
+          <a:p>
+            <a:pPr algn="ctr"/>
+            <a:r>
+              <a:rPr lang="en-US" dirty="0"/>
+              <a:t>Thread</a:t>
+            </a:r>
+          </a:p>
+        </p:txBody>
+      </p:sp>
+      <p:sp>
+        <p:nvSpPr>
+          <p:cNvPr id="5" name="Right Arrow 4">
+            <a:extLst>
+              <a:ext uri="{FF2B5EF4-FFF2-40B4-BE49-F238E27FC236}">
+                <a16:creationId xmlns:a16="http://schemas.microsoft.com/office/drawing/2014/main" id="{DF4BF5F9-6C95-3A4C-BFE3-80B1D27BB928}"/>
+              </a:ext>
+            </a:extLst>
+          </p:cNvPr>
+          <p:cNvSpPr/>
+          <p:nvPr/>
+        </p:nvSpPr>
+        <p:spPr>
+          <a:xfrm>
+            <a:off x="1410789" y="1088571"/>
+            <a:ext cx="5529942" cy="287383"/>
+          </a:xfrm>
+          <a:prstGeom prst="rightArrow">
+            <a:avLst/>
+          </a:prstGeom>
+        </p:spPr>
+        <p:style>
+          <a:lnRef idx="2">
+            <a:schemeClr val="accent1">
+              <a:shade val="50000"/>
+            </a:schemeClr>
+          </a:lnRef>
+          <a:fillRef idx="1">
+            <a:schemeClr val="accent1"/>
+          </a:fillRef>
+          <a:effectRef idx="0">
+            <a:schemeClr val="accent1"/>
+          </a:effectRef>
+          <a:fontRef idx="minor">
+            <a:schemeClr val="lt1"/>
+          </a:fontRef>
+        </p:style>
+        <p:txBody>
+          <a:bodyPr rtlCol="0" anchor="ctr"/>
+          <a:lstStyle/>
+          <a:p>
+            <a:pPr algn="ctr"/>
+            <a:endParaRPr lang="en-US"/>
+          </a:p>
+        </p:txBody>
+      </p:sp>
+      <p:sp>
+        <p:nvSpPr>
+          <p:cNvPr id="6" name="TextBox 5">
+            <a:extLst>
+              <a:ext uri="{FF2B5EF4-FFF2-40B4-BE49-F238E27FC236}">
+                <a16:creationId xmlns:a16="http://schemas.microsoft.com/office/drawing/2014/main" id="{86A87915-6892-0D4E-AF82-7E610F533536}"/>
+              </a:ext>
+            </a:extLst>
+          </p:cNvPr>
+          <p:cNvSpPr txBox="1"/>
+          <p:nvPr/>
+        </p:nvSpPr>
+        <p:spPr>
+          <a:xfrm>
+            <a:off x="1654629" y="1559616"/>
+            <a:ext cx="5286102" cy="369332"/>
+          </a:xfrm>
+          <a:prstGeom prst="rect">
+            <a:avLst/>
+          </a:prstGeom>
+          <a:noFill/>
+        </p:spPr>
+        <p:txBody>
+          <a:bodyPr wrap="square" rtlCol="0">
+            <a:spAutoFit/>
+          </a:bodyPr>
+          <a:lstStyle/>
+          <a:p>
+            <a:r>
+              <a:rPr lang="en-US" dirty="0"/>
+              <a:t>Thread t2 = new Thread(fn2); t2.start()</a:t>
+            </a:r>
+          </a:p>
+        </p:txBody>
+      </p:sp>
+      <p:sp>
+        <p:nvSpPr>
+          <p:cNvPr id="7" name="Right Arrow 6">
+            <a:extLst>
+              <a:ext uri="{FF2B5EF4-FFF2-40B4-BE49-F238E27FC236}">
+                <a16:creationId xmlns:a16="http://schemas.microsoft.com/office/drawing/2014/main" id="{35992584-1738-9E47-935A-578A97B21A6B}"/>
+              </a:ext>
+            </a:extLst>
+          </p:cNvPr>
+          <p:cNvSpPr/>
+          <p:nvPr/>
+        </p:nvSpPr>
+        <p:spPr>
+          <a:xfrm>
+            <a:off x="1410789" y="1928948"/>
+            <a:ext cx="5529942" cy="287383"/>
+          </a:xfrm>
+          <a:prstGeom prst="rightArrow">
+            <a:avLst/>
+          </a:prstGeom>
+        </p:spPr>
+        <p:style>
+          <a:lnRef idx="2">
+            <a:schemeClr val="accent1">
+              <a:shade val="50000"/>
+            </a:schemeClr>
+          </a:lnRef>
+          <a:fillRef idx="1">
+            <a:schemeClr val="accent1"/>
+          </a:fillRef>
+          <a:effectRef idx="0">
+            <a:schemeClr val="accent1"/>
+          </a:effectRef>
+          <a:fontRef idx="minor">
+            <a:schemeClr val="lt1"/>
+          </a:fontRef>
+        </p:style>
+        <p:txBody>
+          <a:bodyPr rtlCol="0" anchor="ctr"/>
+          <a:lstStyle/>
+          <a:p>
+            <a:pPr algn="ctr"/>
+            <a:endParaRPr lang="en-US"/>
+          </a:p>
+        </p:txBody>
+      </p:sp>
+      <p:sp>
+        <p:nvSpPr>
+          <p:cNvPr id="8" name="TextBox 7">
+            <a:extLst>
+              <a:ext uri="{FF2B5EF4-FFF2-40B4-BE49-F238E27FC236}">
+                <a16:creationId xmlns:a16="http://schemas.microsoft.com/office/drawing/2014/main" id="{8D6EBD50-6462-A84B-A9BE-0F0F236499B4}"/>
+              </a:ext>
+            </a:extLst>
+          </p:cNvPr>
+          <p:cNvSpPr txBox="1"/>
+          <p:nvPr/>
+        </p:nvSpPr>
+        <p:spPr>
+          <a:xfrm>
+            <a:off x="1654629" y="2464916"/>
+            <a:ext cx="5286102" cy="369332"/>
+          </a:xfrm>
+          <a:prstGeom prst="rect">
+            <a:avLst/>
+          </a:prstGeom>
+          <a:noFill/>
+        </p:spPr>
+        <p:txBody>
+          <a:bodyPr wrap="square" rtlCol="0">
+            <a:spAutoFit/>
+          </a:bodyPr>
+          <a:lstStyle/>
+          <a:p>
+            <a:r>
+              <a:rPr lang="en-US" dirty="0"/>
+              <a:t>Thread t3 = new Thread(fn3); t3.start()</a:t>
+            </a:r>
+          </a:p>
+        </p:txBody>
+      </p:sp>
+      <p:sp>
+        <p:nvSpPr>
+          <p:cNvPr id="9" name="Right Arrow 8">
+            <a:extLst>
+              <a:ext uri="{FF2B5EF4-FFF2-40B4-BE49-F238E27FC236}">
+                <a16:creationId xmlns:a16="http://schemas.microsoft.com/office/drawing/2014/main" id="{562EEEFC-9B05-3D42-8F16-F5ACEA435CB9}"/>
+              </a:ext>
+            </a:extLst>
+          </p:cNvPr>
+          <p:cNvSpPr/>
+          <p:nvPr/>
+        </p:nvSpPr>
+        <p:spPr>
+          <a:xfrm>
+            <a:off x="1410789" y="2834248"/>
+            <a:ext cx="5529942" cy="287383"/>
+          </a:xfrm>
+          <a:prstGeom prst="rightArrow">
+            <a:avLst/>
+          </a:prstGeom>
+        </p:spPr>
+        <p:style>
+          <a:lnRef idx="2">
+            <a:schemeClr val="accent1">
+              <a:shade val="50000"/>
+            </a:schemeClr>
+          </a:lnRef>
+          <a:fillRef idx="1">
+            <a:schemeClr val="accent1"/>
+          </a:fillRef>
+          <a:effectRef idx="0">
+            <a:schemeClr val="accent1"/>
+          </a:effectRef>
+          <a:fontRef idx="minor">
+            <a:schemeClr val="lt1"/>
+          </a:fontRef>
+        </p:style>
+        <p:txBody>
+          <a:bodyPr rtlCol="0" anchor="ctr"/>
+          <a:lstStyle/>
+          <a:p>
+            <a:pPr algn="ctr"/>
+            <a:endParaRPr lang="en-US"/>
+          </a:p>
+        </p:txBody>
+      </p:sp>
+      <p:sp>
+        <p:nvSpPr>
+          <p:cNvPr id="10" name="Oval 9">
+            <a:extLst>
+              <a:ext uri="{FF2B5EF4-FFF2-40B4-BE49-F238E27FC236}">
+                <a16:creationId xmlns:a16="http://schemas.microsoft.com/office/drawing/2014/main" id="{2845F4E7-9680-594E-B79D-94C2E86BC24D}"/>
+              </a:ext>
+            </a:extLst>
+          </p:cNvPr>
+          <p:cNvSpPr/>
+          <p:nvPr/>
+        </p:nvSpPr>
+        <p:spPr>
+          <a:xfrm>
+            <a:off x="3692434" y="3265714"/>
+            <a:ext cx="45719" cy="163286"/>
+          </a:xfrm>
+          <a:prstGeom prst="ellipse">
+            <a:avLst/>
+          </a:prstGeom>
+        </p:spPr>
+        <p:style>
+          <a:lnRef idx="2">
+            <a:schemeClr val="accent1">
+              <a:shade val="50000"/>
+            </a:schemeClr>
+          </a:lnRef>
+          <a:fillRef idx="1">
+            <a:schemeClr val="accent1"/>
+          </a:fillRef>
+          <a:effectRef idx="0">
+            <a:schemeClr val="accent1"/>
+          </a:effectRef>
+          <a:fontRef idx="minor">
+            <a:schemeClr val="lt1"/>
+          </a:fontRef>
+        </p:style>
+        <p:txBody>
+          <a:bodyPr rtlCol="0" anchor="ctr"/>
+          <a:lstStyle/>
+          <a:p>
+            <a:pPr algn="ctr"/>
+            <a:endParaRPr lang="en-US"/>
+          </a:p>
+        </p:txBody>
+      </p:sp>
+      <p:sp>
+        <p:nvSpPr>
+          <p:cNvPr id="11" name="Oval 10">
+            <a:extLst>
+              <a:ext uri="{FF2B5EF4-FFF2-40B4-BE49-F238E27FC236}">
+                <a16:creationId xmlns:a16="http://schemas.microsoft.com/office/drawing/2014/main" id="{2C21F712-732B-0C40-9FA6-216EA11EB4A5}"/>
+              </a:ext>
+            </a:extLst>
+          </p:cNvPr>
+          <p:cNvSpPr/>
+          <p:nvPr/>
+        </p:nvSpPr>
+        <p:spPr>
+          <a:xfrm>
+            <a:off x="3692433" y="3654727"/>
+            <a:ext cx="45719" cy="163286"/>
+          </a:xfrm>
+          <a:prstGeom prst="ellipse">
+            <a:avLst/>
+          </a:prstGeom>
+        </p:spPr>
+        <p:style>
+          <a:lnRef idx="2">
+            <a:schemeClr val="accent1">
+              <a:shade val="50000"/>
+            </a:schemeClr>
+          </a:lnRef>
+          <a:fillRef idx="1">
+            <a:schemeClr val="accent1"/>
+          </a:fillRef>
+          <a:effectRef idx="0">
+            <a:schemeClr val="accent1"/>
+          </a:effectRef>
+          <a:fontRef idx="minor">
+            <a:schemeClr val="lt1"/>
+          </a:fontRef>
+        </p:style>
+        <p:txBody>
+          <a:bodyPr rtlCol="0" anchor="ctr"/>
+          <a:lstStyle/>
+          <a:p>
+            <a:pPr algn="ctr"/>
+            <a:endParaRPr lang="en-US"/>
+          </a:p>
+        </p:txBody>
+      </p:sp>
+      <p:sp>
+        <p:nvSpPr>
+          <p:cNvPr id="12" name="Oval 11">
+            <a:extLst>
+              <a:ext uri="{FF2B5EF4-FFF2-40B4-BE49-F238E27FC236}">
+                <a16:creationId xmlns:a16="http://schemas.microsoft.com/office/drawing/2014/main" id="{B38D7E35-6160-A34E-B02A-C32B3A0DC2E5}"/>
+              </a:ext>
+            </a:extLst>
+          </p:cNvPr>
+          <p:cNvSpPr/>
+          <p:nvPr/>
+        </p:nvSpPr>
+        <p:spPr>
+          <a:xfrm>
+            <a:off x="3646714" y="4043740"/>
+            <a:ext cx="45719" cy="163286"/>
+          </a:xfrm>
+          <a:prstGeom prst="ellipse">
+            <a:avLst/>
+          </a:prstGeom>
+        </p:spPr>
+        <p:style>
+          <a:lnRef idx="2">
+            <a:schemeClr val="accent1">
+              <a:shade val="50000"/>
+            </a:schemeClr>
+          </a:lnRef>
+          <a:fillRef idx="1">
+            <a:schemeClr val="accent1"/>
+          </a:fillRef>
+          <a:effectRef idx="0">
+            <a:schemeClr val="accent1"/>
+          </a:effectRef>
+          <a:fontRef idx="minor">
+            <a:schemeClr val="lt1"/>
+          </a:fontRef>
+        </p:style>
+        <p:txBody>
+          <a:bodyPr rtlCol="0" anchor="ctr"/>
+          <a:lstStyle/>
+          <a:p>
+            <a:pPr algn="ctr"/>
+            <a:endParaRPr lang="en-US"/>
+          </a:p>
+        </p:txBody>
+      </p:sp>
+      <p:sp>
+        <p:nvSpPr>
+          <p:cNvPr id="13" name="Oval 12">
+            <a:extLst>
+              <a:ext uri="{FF2B5EF4-FFF2-40B4-BE49-F238E27FC236}">
+                <a16:creationId xmlns:a16="http://schemas.microsoft.com/office/drawing/2014/main" id="{111EEF2A-A4B3-EF4D-8A40-5D16AF880CC1}"/>
+              </a:ext>
+            </a:extLst>
+          </p:cNvPr>
+          <p:cNvSpPr/>
+          <p:nvPr/>
+        </p:nvSpPr>
+        <p:spPr>
+          <a:xfrm>
+            <a:off x="3623854" y="4457504"/>
+            <a:ext cx="45719" cy="163286"/>
+          </a:xfrm>
+          <a:prstGeom prst="ellipse">
+            <a:avLst/>
+          </a:prstGeom>
+        </p:spPr>
+        <p:style>
+          <a:lnRef idx="2">
+            <a:schemeClr val="accent1">
+              <a:shade val="50000"/>
+            </a:schemeClr>
+          </a:lnRef>
+          <a:fillRef idx="1">
+            <a:schemeClr val="accent1"/>
+          </a:fillRef>
+          <a:effectRef idx="0">
+            <a:schemeClr val="accent1"/>
+          </a:effectRef>
+          <a:fontRef idx="minor">
+            <a:schemeClr val="lt1"/>
+          </a:fontRef>
+        </p:style>
+        <p:txBody>
+          <a:bodyPr rtlCol="0" anchor="ctr"/>
+          <a:lstStyle/>
+          <a:p>
+            <a:pPr algn="ctr"/>
+            <a:endParaRPr lang="en-US"/>
+          </a:p>
+        </p:txBody>
+      </p:sp>
+      <p:sp>
+        <p:nvSpPr>
+          <p:cNvPr id="14" name="TextBox 13">
+            <a:extLst>
+              <a:ext uri="{FF2B5EF4-FFF2-40B4-BE49-F238E27FC236}">
+                <a16:creationId xmlns:a16="http://schemas.microsoft.com/office/drawing/2014/main" id="{3EB924D1-1853-BA47-B55B-FD3C270F9FC8}"/>
+              </a:ext>
+            </a:extLst>
+          </p:cNvPr>
+          <p:cNvSpPr txBox="1"/>
+          <p:nvPr/>
+        </p:nvSpPr>
+        <p:spPr>
+          <a:xfrm>
+            <a:off x="1654629" y="4785360"/>
+            <a:ext cx="5286102" cy="369332"/>
+          </a:xfrm>
+          <a:prstGeom prst="rect">
+            <a:avLst/>
+          </a:prstGeom>
+          <a:noFill/>
+        </p:spPr>
+        <p:txBody>
+          <a:bodyPr wrap="square" rtlCol="0">
+            <a:spAutoFit/>
+          </a:bodyPr>
+          <a:lstStyle/>
+          <a:p>
+            <a:r>
+              <a:rPr lang="en-US" dirty="0"/>
+              <a:t>Thread </a:t>
+            </a:r>
+            <a:r>
+              <a:rPr lang="en-US" dirty="0" err="1"/>
+              <a:t>tn</a:t>
+            </a:r>
+            <a:r>
+              <a:rPr lang="en-US" dirty="0"/>
+              <a:t> = new Thread(</a:t>
+            </a:r>
+            <a:r>
+              <a:rPr lang="en-US" dirty="0" err="1"/>
+              <a:t>fnn</a:t>
+            </a:r>
+            <a:r>
+              <a:rPr lang="en-US" dirty="0"/>
+              <a:t>); </a:t>
+            </a:r>
+            <a:r>
+              <a:rPr lang="en-US" dirty="0" err="1"/>
+              <a:t>tn.start</a:t>
+            </a:r>
+            <a:r>
+              <a:rPr lang="en-US" dirty="0"/>
+              <a:t>()</a:t>
+            </a:r>
+          </a:p>
+        </p:txBody>
+      </p:sp>
+      <p:sp>
+        <p:nvSpPr>
+          <p:cNvPr id="15" name="Right Arrow 14">
+            <a:extLst>
+              <a:ext uri="{FF2B5EF4-FFF2-40B4-BE49-F238E27FC236}">
+                <a16:creationId xmlns:a16="http://schemas.microsoft.com/office/drawing/2014/main" id="{761E2D90-9A8D-B042-82FB-C6351EE872D1}"/>
+              </a:ext>
+            </a:extLst>
+          </p:cNvPr>
+          <p:cNvSpPr/>
+          <p:nvPr/>
+        </p:nvSpPr>
+        <p:spPr>
+          <a:xfrm>
+            <a:off x="1410789" y="5154692"/>
+            <a:ext cx="5529942" cy="287383"/>
+          </a:xfrm>
+          <a:prstGeom prst="rightArrow">
+            <a:avLst/>
+          </a:prstGeom>
+        </p:spPr>
+        <p:style>
+          <a:lnRef idx="2">
+            <a:schemeClr val="accent1">
+              <a:shade val="50000"/>
+            </a:schemeClr>
+          </a:lnRef>
+          <a:fillRef idx="1">
+            <a:schemeClr val="accent1"/>
+          </a:fillRef>
+          <a:effectRef idx="0">
+            <a:schemeClr val="accent1"/>
+          </a:effectRef>
+          <a:fontRef idx="minor">
+            <a:schemeClr val="lt1"/>
+          </a:fontRef>
+        </p:style>
+        <p:txBody>
+          <a:bodyPr rtlCol="0" anchor="ctr"/>
+          <a:lstStyle/>
+          <a:p>
+            <a:pPr algn="ctr"/>
+            <a:endParaRPr lang="en-US"/>
+          </a:p>
+        </p:txBody>
+      </p:sp>
+      <p:sp>
+        <p:nvSpPr>
+          <p:cNvPr id="16" name="Bent Arrow 15">
+            <a:extLst>
+              <a:ext uri="{FF2B5EF4-FFF2-40B4-BE49-F238E27FC236}">
+                <a16:creationId xmlns:a16="http://schemas.microsoft.com/office/drawing/2014/main" id="{192065B8-17DC-D04D-A7F4-1208B2D0D04B}"/>
+              </a:ext>
+            </a:extLst>
+          </p:cNvPr>
+          <p:cNvSpPr/>
+          <p:nvPr/>
+        </p:nvSpPr>
+        <p:spPr>
+          <a:xfrm rot="10800000">
+            <a:off x="1410789" y="1156368"/>
+            <a:ext cx="1497874" cy="515983"/>
+          </a:xfrm>
+          <a:prstGeom prst="bentArrow">
+            <a:avLst/>
+          </a:prstGeom>
+        </p:spPr>
+        <p:style>
+          <a:lnRef idx="2">
+            <a:schemeClr val="accent1">
+              <a:shade val="50000"/>
+            </a:schemeClr>
+          </a:lnRef>
+          <a:fillRef idx="1">
+            <a:schemeClr val="accent1"/>
+          </a:fillRef>
+          <a:effectRef idx="0">
+            <a:schemeClr val="accent1"/>
+          </a:effectRef>
+          <a:fontRef idx="minor">
+            <a:schemeClr val="lt1"/>
+          </a:fontRef>
+        </p:style>
+        <p:txBody>
+          <a:bodyPr rtlCol="0" anchor="ctr"/>
+          <a:lstStyle/>
+          <a:p>
+            <a:pPr algn="ctr"/>
+            <a:endParaRPr lang="en-US">
+              <a:solidFill>
+                <a:schemeClr val="tx1"/>
+              </a:solidFill>
+            </a:endParaRPr>
+          </a:p>
+        </p:txBody>
+      </p:sp>
+      <p:sp>
+        <p:nvSpPr>
+          <p:cNvPr id="17" name="Bent Arrow 16">
+            <a:extLst>
+              <a:ext uri="{FF2B5EF4-FFF2-40B4-BE49-F238E27FC236}">
+                <a16:creationId xmlns:a16="http://schemas.microsoft.com/office/drawing/2014/main" id="{4C517F03-88E3-724F-8079-85C2255C705D}"/>
+              </a:ext>
+            </a:extLst>
+          </p:cNvPr>
+          <p:cNvSpPr/>
+          <p:nvPr/>
+        </p:nvSpPr>
+        <p:spPr>
+          <a:xfrm rot="10800000">
+            <a:off x="1441270" y="2055918"/>
+            <a:ext cx="1127760" cy="515983"/>
+          </a:xfrm>
+          <a:prstGeom prst="bentArrow">
+            <a:avLst/>
+          </a:prstGeom>
+        </p:spPr>
+        <p:style>
+          <a:lnRef idx="2">
+            <a:schemeClr val="accent1">
+              <a:shade val="50000"/>
+            </a:schemeClr>
+          </a:lnRef>
+          <a:fillRef idx="1">
+            <a:schemeClr val="accent1"/>
+          </a:fillRef>
+          <a:effectRef idx="0">
+            <a:schemeClr val="accent1"/>
+          </a:effectRef>
+          <a:fontRef idx="minor">
+            <a:schemeClr val="lt1"/>
+          </a:fontRef>
+        </p:style>
+        <p:txBody>
+          <a:bodyPr rtlCol="0" anchor="ctr"/>
+          <a:lstStyle/>
+          <a:p>
+            <a:pPr algn="ctr"/>
+            <a:endParaRPr lang="en-US">
+              <a:solidFill>
+                <a:schemeClr val="tx1"/>
+              </a:solidFill>
+            </a:endParaRPr>
+          </a:p>
+        </p:txBody>
+      </p:sp>
+      <p:sp>
+        <p:nvSpPr>
+          <p:cNvPr id="18" name="Bent Arrow 17">
+            <a:extLst>
+              <a:ext uri="{FF2B5EF4-FFF2-40B4-BE49-F238E27FC236}">
+                <a16:creationId xmlns:a16="http://schemas.microsoft.com/office/drawing/2014/main" id="{45BB4A7A-1EA9-B543-AB20-DB1EAD698750}"/>
+              </a:ext>
+            </a:extLst>
+          </p:cNvPr>
+          <p:cNvSpPr/>
+          <p:nvPr/>
+        </p:nvSpPr>
+        <p:spPr>
+          <a:xfrm rot="10800000">
+            <a:off x="1389561" y="2994855"/>
+            <a:ext cx="1127760" cy="515983"/>
+          </a:xfrm>
+          <a:prstGeom prst="bentArrow">
+            <a:avLst/>
+          </a:prstGeom>
+        </p:spPr>
+        <p:style>
+          <a:lnRef idx="2">
+            <a:schemeClr val="accent1">
+              <a:shade val="50000"/>
+            </a:schemeClr>
+          </a:lnRef>
+          <a:fillRef idx="1">
+            <a:schemeClr val="accent1"/>
+          </a:fillRef>
+          <a:effectRef idx="0">
+            <a:schemeClr val="accent1"/>
+          </a:effectRef>
+          <a:fontRef idx="minor">
+            <a:schemeClr val="lt1"/>
+          </a:fontRef>
+        </p:style>
+        <p:txBody>
+          <a:bodyPr rtlCol="0" anchor="ctr"/>
+          <a:lstStyle/>
+          <a:p>
+            <a:pPr algn="ctr"/>
+            <a:endParaRPr lang="en-US">
+              <a:solidFill>
+                <a:schemeClr val="tx1"/>
+              </a:solidFill>
+            </a:endParaRPr>
+          </a:p>
+        </p:txBody>
+      </p:sp>
+      <p:sp>
+        <p:nvSpPr>
+          <p:cNvPr id="19" name="Bent Arrow 18">
+            <a:extLst>
+              <a:ext uri="{FF2B5EF4-FFF2-40B4-BE49-F238E27FC236}">
+                <a16:creationId xmlns:a16="http://schemas.microsoft.com/office/drawing/2014/main" id="{48268FF6-8483-6E4E-9E73-903B58FE5226}"/>
+              </a:ext>
+            </a:extLst>
+          </p:cNvPr>
+          <p:cNvSpPr/>
+          <p:nvPr/>
+        </p:nvSpPr>
+        <p:spPr>
+          <a:xfrm rot="10800000">
+            <a:off x="1417321" y="5253446"/>
+            <a:ext cx="304256" cy="515983"/>
+          </a:xfrm>
+          <a:prstGeom prst="bentArrow">
+            <a:avLst/>
+          </a:prstGeom>
+        </p:spPr>
+        <p:style>
+          <a:lnRef idx="2">
+            <a:schemeClr val="accent1">
+              <a:shade val="50000"/>
+            </a:schemeClr>
+          </a:lnRef>
+          <a:fillRef idx="1">
+            <a:schemeClr val="accent1"/>
+          </a:fillRef>
+          <a:effectRef idx="0">
+            <a:schemeClr val="accent1"/>
+          </a:effectRef>
+          <a:fontRef idx="minor">
+            <a:schemeClr val="lt1"/>
+          </a:fontRef>
+        </p:style>
+        <p:txBody>
+          <a:bodyPr rtlCol="0" anchor="ctr"/>
+          <a:lstStyle/>
+          <a:p>
+            <a:pPr algn="ctr"/>
+            <a:endParaRPr lang="en-US">
+              <a:solidFill>
+                <a:schemeClr val="tx1"/>
+              </a:solidFill>
+            </a:endParaRPr>
+          </a:p>
+        </p:txBody>
+      </p:sp>
+      <p:sp>
+        <p:nvSpPr>
+          <p:cNvPr id="20" name="TextBox 19">
+            <a:extLst>
+              <a:ext uri="{FF2B5EF4-FFF2-40B4-BE49-F238E27FC236}">
+                <a16:creationId xmlns:a16="http://schemas.microsoft.com/office/drawing/2014/main" id="{A4666775-B269-E842-826F-A0C357F95619}"/>
+              </a:ext>
+            </a:extLst>
+          </p:cNvPr>
+          <p:cNvSpPr txBox="1"/>
+          <p:nvPr/>
+        </p:nvSpPr>
+        <p:spPr>
+          <a:xfrm>
+            <a:off x="4415246" y="3121631"/>
+            <a:ext cx="2603863" cy="923330"/>
+          </a:xfrm>
+          <a:prstGeom prst="rect">
+            <a:avLst/>
+          </a:prstGeom>
+          <a:noFill/>
+        </p:spPr>
+        <p:txBody>
+          <a:bodyPr wrap="square" rtlCol="0">
+            <a:spAutoFit/>
+          </a:bodyPr>
+          <a:lstStyle/>
+          <a:p>
+            <a:r>
+              <a:rPr lang="en-US" dirty="0"/>
+              <a:t>T3 has to listen the exception and notify back to main thread </a:t>
+            </a:r>
+          </a:p>
+        </p:txBody>
+      </p:sp>
+    </p:spTree>
+    <p:extLst>
+      <p:ext uri="{BB962C8B-B14F-4D97-AF65-F5344CB8AC3E}">
+        <p14:creationId xmlns:p14="http://schemas.microsoft.com/office/powerpoint/2010/main" val="2562071581"/>
+      </p:ext>
+    </p:extLst>
+  </p:cSld>
+  <p:clrMapOvr>
+    <a:masterClrMapping/>
+  </p:clrMapOvr>
+</p:sld>
+</file>
+
+<file path=ppt/slides/slide32.xml><?xml version="1.0" encoding="utf-8"?>
+<p:sld xmlns:a="http://schemas.openxmlformats.org/drawingml/2006/main" xmlns:r="http://schemas.openxmlformats.org/officeDocument/2006/relationships" xmlns:p="http://schemas.openxmlformats.org/presentationml/2006/main">
+  <p:cSld>
+    <p:spTree>
+      <p:nvGrpSpPr>
+        <p:cNvPr id="1" name=""/>
+        <p:cNvGrpSpPr/>
+        <p:nvPr/>
+      </p:nvGrpSpPr>
+      <p:grpSpPr>
+        <a:xfrm>
+          <a:off x="0" y="0"/>
+          <a:ext cx="0" cy="0"/>
+          <a:chOff x="0" y="0"/>
+          <a:chExt cx="0" cy="0"/>
+        </a:xfrm>
+      </p:grpSpPr>
+      <p:sp>
+        <p:nvSpPr>
+          <p:cNvPr id="2" name="Rounded Rectangle 1">
+            <a:extLst>
+              <a:ext uri="{FF2B5EF4-FFF2-40B4-BE49-F238E27FC236}">
+                <a16:creationId xmlns:a16="http://schemas.microsoft.com/office/drawing/2014/main" id="{87E41183-6512-FA40-B91B-524DDCDA779A}"/>
+              </a:ext>
+            </a:extLst>
+          </p:cNvPr>
+          <p:cNvSpPr/>
+          <p:nvPr/>
+        </p:nvSpPr>
+        <p:spPr>
+          <a:xfrm>
+            <a:off x="4641670" y="1018903"/>
+            <a:ext cx="5303520" cy="4345577"/>
+          </a:xfrm>
+          <a:prstGeom prst="roundRect">
+            <a:avLst/>
+          </a:prstGeom>
+        </p:spPr>
+        <p:style>
+          <a:lnRef idx="1">
+            <a:schemeClr val="accent3"/>
+          </a:lnRef>
+          <a:fillRef idx="2">
+            <a:schemeClr val="accent3"/>
+          </a:fillRef>
+          <a:effectRef idx="1">
+            <a:schemeClr val="accent3"/>
+          </a:effectRef>
+          <a:fontRef idx="minor">
+            <a:schemeClr val="dk1"/>
+          </a:fontRef>
+        </p:style>
+        <p:txBody>
+          <a:bodyPr rtlCol="0" anchor="ctr"/>
+          <a:lstStyle/>
+          <a:p>
+            <a:pPr algn="ctr"/>
+            <a:endParaRPr lang="en-US"/>
+          </a:p>
+        </p:txBody>
+      </p:sp>
+      <p:sp>
+        <p:nvSpPr>
+          <p:cNvPr id="3" name="TextBox 2">
+            <a:extLst>
+              <a:ext uri="{FF2B5EF4-FFF2-40B4-BE49-F238E27FC236}">
+                <a16:creationId xmlns:a16="http://schemas.microsoft.com/office/drawing/2014/main" id="{A91291D5-7077-B042-A99C-295DB1514BCE}"/>
+              </a:ext>
+            </a:extLst>
+          </p:cNvPr>
+          <p:cNvSpPr txBox="1"/>
+          <p:nvPr/>
+        </p:nvSpPr>
+        <p:spPr>
+          <a:xfrm>
+            <a:off x="6357257" y="121920"/>
+            <a:ext cx="3587932" cy="369332"/>
+          </a:xfrm>
+          <a:prstGeom prst="rect">
+            <a:avLst/>
+          </a:prstGeom>
+          <a:noFill/>
+        </p:spPr>
+        <p:txBody>
+          <a:bodyPr wrap="square" rtlCol="0">
+            <a:spAutoFit/>
+          </a:bodyPr>
+          <a:lstStyle/>
+          <a:p>
+            <a:r>
+              <a:rPr lang="en-US" dirty="0"/>
+              <a:t>Node.js Env.</a:t>
+            </a:r>
+          </a:p>
+        </p:txBody>
+      </p:sp>
+      <p:sp>
+        <p:nvSpPr>
+          <p:cNvPr id="4" name="Right Arrow 3">
+            <a:extLst>
+              <a:ext uri="{FF2B5EF4-FFF2-40B4-BE49-F238E27FC236}">
+                <a16:creationId xmlns:a16="http://schemas.microsoft.com/office/drawing/2014/main" id="{E80F7ED6-F5F7-7A4C-BD74-C048CE99D4FF}"/>
+              </a:ext>
+            </a:extLst>
+          </p:cNvPr>
+          <p:cNvSpPr/>
+          <p:nvPr/>
+        </p:nvSpPr>
+        <p:spPr>
+          <a:xfrm>
+            <a:off x="1097280" y="1611086"/>
+            <a:ext cx="5116286" cy="269965"/>
+          </a:xfrm>
+          <a:prstGeom prst="rightArrow">
+            <a:avLst/>
+          </a:prstGeom>
+        </p:spPr>
+        <p:style>
+          <a:lnRef idx="2">
+            <a:schemeClr val="accent1">
+              <a:shade val="50000"/>
+            </a:schemeClr>
+          </a:lnRef>
+          <a:fillRef idx="1">
+            <a:schemeClr val="accent1"/>
+          </a:fillRef>
+          <a:effectRef idx="0">
+            <a:schemeClr val="accent1"/>
+          </a:effectRef>
+          <a:fontRef idx="minor">
+            <a:schemeClr val="lt1"/>
+          </a:fontRef>
+        </p:style>
+        <p:txBody>
+          <a:bodyPr rtlCol="0" anchor="ctr"/>
+          <a:lstStyle/>
+          <a:p>
+            <a:pPr algn="ctr"/>
+            <a:endParaRPr lang="en-US"/>
+          </a:p>
+        </p:txBody>
+      </p:sp>
+      <p:sp>
+        <p:nvSpPr>
+          <p:cNvPr id="5" name="TextBox 4">
+            <a:extLst>
+              <a:ext uri="{FF2B5EF4-FFF2-40B4-BE49-F238E27FC236}">
+                <a16:creationId xmlns:a16="http://schemas.microsoft.com/office/drawing/2014/main" id="{C5E3265F-D6A6-F442-B748-F210160BC9D5}"/>
+              </a:ext>
+            </a:extLst>
+          </p:cNvPr>
+          <p:cNvSpPr txBox="1"/>
+          <p:nvPr/>
+        </p:nvSpPr>
+        <p:spPr>
+          <a:xfrm>
+            <a:off x="1393371" y="1241754"/>
+            <a:ext cx="3788229" cy="369332"/>
+          </a:xfrm>
+          <a:prstGeom prst="rect">
+            <a:avLst/>
+          </a:prstGeom>
+          <a:noFill/>
+        </p:spPr>
+        <p:txBody>
+          <a:bodyPr wrap="square" rtlCol="0">
+            <a:spAutoFit/>
+          </a:bodyPr>
+          <a:lstStyle/>
+          <a:p>
+            <a:r>
+              <a:rPr lang="en-US" dirty="0"/>
+              <a:t>Request</a:t>
+            </a:r>
+          </a:p>
+        </p:txBody>
+      </p:sp>
+      <p:sp>
+        <p:nvSpPr>
+          <p:cNvPr id="6" name="Rectangle 5">
+            <a:extLst>
+              <a:ext uri="{FF2B5EF4-FFF2-40B4-BE49-F238E27FC236}">
+                <a16:creationId xmlns:a16="http://schemas.microsoft.com/office/drawing/2014/main" id="{11765EE5-C7A6-3F4D-AB96-D92E737135A8}"/>
+              </a:ext>
+            </a:extLst>
+          </p:cNvPr>
+          <p:cNvSpPr/>
+          <p:nvPr/>
+        </p:nvSpPr>
+        <p:spPr>
+          <a:xfrm>
+            <a:off x="6213566" y="1297576"/>
+            <a:ext cx="3387634" cy="1219201"/>
+          </a:xfrm>
+          <a:prstGeom prst="rect">
+            <a:avLst/>
+          </a:prstGeom>
+        </p:spPr>
+        <p:style>
+          <a:lnRef idx="2">
+            <a:schemeClr val="accent6"/>
+          </a:lnRef>
+          <a:fillRef idx="1">
+            <a:schemeClr val="lt1"/>
+          </a:fillRef>
+          <a:effectRef idx="0">
+            <a:schemeClr val="accent6"/>
+          </a:effectRef>
+          <a:fontRef idx="minor">
+            <a:schemeClr val="dk1"/>
+          </a:fontRef>
+        </p:style>
+        <p:txBody>
+          <a:bodyPr rtlCol="0" anchor="ctr"/>
+          <a:lstStyle/>
+          <a:p>
+            <a:pPr algn="ctr"/>
+            <a:r>
+              <a:rPr lang="en-US"/>
+              <a:t>Code Manager (Event Loop)</a:t>
+            </a:r>
+            <a:endParaRPr lang="en-US" dirty="0"/>
+          </a:p>
+          <a:p>
+            <a:pPr algn="ctr"/>
+            <a:r>
+              <a:rPr lang="en-US" dirty="0"/>
+              <a:t>Evaluate the code to execute against the Request</a:t>
+            </a:r>
+          </a:p>
+          <a:p>
+            <a:pPr algn="ctr"/>
+            <a:r>
+              <a:rPr lang="en-US" dirty="0"/>
+              <a:t>Sync Code / Async Code </a:t>
+            </a:r>
+          </a:p>
+        </p:txBody>
+      </p:sp>
+      <p:sp>
+        <p:nvSpPr>
+          <p:cNvPr id="7" name="Decision 6">
+            <a:extLst>
+              <a:ext uri="{FF2B5EF4-FFF2-40B4-BE49-F238E27FC236}">
+                <a16:creationId xmlns:a16="http://schemas.microsoft.com/office/drawing/2014/main" id="{EE200F81-C0D9-4D42-B977-83A54AC56764}"/>
+              </a:ext>
+            </a:extLst>
+          </p:cNvPr>
+          <p:cNvSpPr/>
+          <p:nvPr/>
+        </p:nvSpPr>
+        <p:spPr>
+          <a:xfrm>
+            <a:off x="6992983" y="2721428"/>
+            <a:ext cx="1837508" cy="1219200"/>
+          </a:xfrm>
+          <a:prstGeom prst="flowChartDecision">
+            <a:avLst/>
+          </a:prstGeom>
+        </p:spPr>
+        <p:style>
+          <a:lnRef idx="2">
+            <a:schemeClr val="accent1">
+              <a:shade val="50000"/>
+            </a:schemeClr>
+          </a:lnRef>
+          <a:fillRef idx="1">
+            <a:schemeClr val="accent1"/>
+          </a:fillRef>
+          <a:effectRef idx="0">
+            <a:schemeClr val="accent1"/>
+          </a:effectRef>
+          <a:fontRef idx="minor">
+            <a:schemeClr val="lt1"/>
+          </a:fontRef>
+        </p:style>
+        <p:txBody>
+          <a:bodyPr rtlCol="0" anchor="ctr"/>
+          <a:lstStyle/>
+          <a:p>
+            <a:pPr algn="ctr"/>
+            <a:r>
+              <a:rPr lang="en-US" dirty="0" err="1"/>
+              <a:t>IsAsync</a:t>
+            </a:r>
+            <a:endParaRPr lang="en-US" dirty="0"/>
+          </a:p>
+        </p:txBody>
+      </p:sp>
+      <p:cxnSp>
+        <p:nvCxnSpPr>
+          <p:cNvPr id="9" name="Straight Arrow Connector 8">
+            <a:extLst>
+              <a:ext uri="{FF2B5EF4-FFF2-40B4-BE49-F238E27FC236}">
+                <a16:creationId xmlns:a16="http://schemas.microsoft.com/office/drawing/2014/main" id="{77CE7192-2EA6-7E4E-B60B-E9341B85649B}"/>
+              </a:ext>
+            </a:extLst>
+          </p:cNvPr>
+          <p:cNvCxnSpPr>
+            <a:cxnSpLocks/>
+            <a:stCxn id="6" idx="2"/>
+            <a:endCxn id="7" idx="0"/>
+          </p:cNvCxnSpPr>
+          <p:nvPr/>
+        </p:nvCxnSpPr>
+        <p:spPr>
+          <a:xfrm>
+            <a:off x="7907383" y="2516777"/>
+            <a:ext cx="4354" cy="204651"/>
+          </a:xfrm>
+          <a:prstGeom prst="straightConnector1">
+            <a:avLst/>
+          </a:prstGeom>
+          <a:ln>
+            <a:tailEnd type="triangle"/>
+          </a:ln>
+        </p:spPr>
+        <p:style>
+          <a:lnRef idx="1">
+            <a:schemeClr val="accent1"/>
+          </a:lnRef>
+          <a:fillRef idx="0">
+            <a:schemeClr val="accent1"/>
+          </a:fillRef>
+          <a:effectRef idx="0">
+            <a:schemeClr val="accent1"/>
+          </a:effectRef>
+          <a:fontRef idx="minor">
+            <a:schemeClr val="tx1"/>
+          </a:fontRef>
+        </p:style>
+      </p:cxnSp>
+      <p:cxnSp>
+        <p:nvCxnSpPr>
+          <p:cNvPr id="13" name="Straight Arrow Connector 12">
+            <a:extLst>
+              <a:ext uri="{FF2B5EF4-FFF2-40B4-BE49-F238E27FC236}">
+                <a16:creationId xmlns:a16="http://schemas.microsoft.com/office/drawing/2014/main" id="{CEDB0653-FB15-4B45-8954-CCB3C7E20D32}"/>
+              </a:ext>
+            </a:extLst>
+          </p:cNvPr>
+          <p:cNvCxnSpPr>
+            <a:cxnSpLocks/>
+            <a:stCxn id="7" idx="1"/>
+          </p:cNvCxnSpPr>
+          <p:nvPr/>
+        </p:nvCxnSpPr>
+        <p:spPr>
+          <a:xfrm flipH="1">
+            <a:off x="6453051" y="3331028"/>
+            <a:ext cx="539932" cy="0"/>
+          </a:xfrm>
+          <a:prstGeom prst="straightConnector1">
+            <a:avLst/>
+          </a:prstGeom>
+          <a:ln>
+            <a:tailEnd type="triangle"/>
+          </a:ln>
+        </p:spPr>
+        <p:style>
+          <a:lnRef idx="1">
+            <a:schemeClr val="accent1"/>
+          </a:lnRef>
+          <a:fillRef idx="0">
+            <a:schemeClr val="accent1"/>
+          </a:fillRef>
+          <a:effectRef idx="0">
+            <a:schemeClr val="accent1"/>
+          </a:effectRef>
+          <a:fontRef idx="minor">
+            <a:schemeClr val="tx1"/>
+          </a:fontRef>
+        </p:style>
+      </p:cxnSp>
+      <p:sp>
+        <p:nvSpPr>
+          <p:cNvPr id="15" name="TextBox 14">
+            <a:extLst>
+              <a:ext uri="{FF2B5EF4-FFF2-40B4-BE49-F238E27FC236}">
+                <a16:creationId xmlns:a16="http://schemas.microsoft.com/office/drawing/2014/main" id="{83691992-83D9-3C4F-9818-0404DA52502C}"/>
+              </a:ext>
+            </a:extLst>
+          </p:cNvPr>
+          <p:cNvSpPr txBox="1"/>
+          <p:nvPr/>
+        </p:nvSpPr>
+        <p:spPr>
+          <a:xfrm>
+            <a:off x="6357257" y="2891246"/>
+            <a:ext cx="635726" cy="369332"/>
+          </a:xfrm>
+          <a:prstGeom prst="rect">
+            <a:avLst/>
+          </a:prstGeom>
+          <a:noFill/>
+        </p:spPr>
+        <p:txBody>
+          <a:bodyPr wrap="square" rtlCol="0">
+            <a:spAutoFit/>
+          </a:bodyPr>
+          <a:lstStyle/>
+          <a:p>
+            <a:r>
+              <a:rPr lang="en-US" dirty="0"/>
+              <a:t>No</a:t>
+            </a:r>
+          </a:p>
+        </p:txBody>
+      </p:sp>
+      <p:sp>
+        <p:nvSpPr>
+          <p:cNvPr id="16" name="Rounded Rectangle 15">
+            <a:extLst>
+              <a:ext uri="{FF2B5EF4-FFF2-40B4-BE49-F238E27FC236}">
+                <a16:creationId xmlns:a16="http://schemas.microsoft.com/office/drawing/2014/main" id="{9AAB5B9E-E8F1-E147-9945-99ECA8BEC886}"/>
+              </a:ext>
+            </a:extLst>
+          </p:cNvPr>
+          <p:cNvSpPr/>
+          <p:nvPr/>
+        </p:nvSpPr>
+        <p:spPr>
+          <a:xfrm>
+            <a:off x="5181600" y="2891246"/>
+            <a:ext cx="1271451" cy="809897"/>
+          </a:xfrm>
+          <a:prstGeom prst="roundRect">
+            <a:avLst/>
+          </a:prstGeom>
+        </p:spPr>
+        <p:style>
+          <a:lnRef idx="2">
+            <a:schemeClr val="accent1">
+              <a:shade val="50000"/>
+            </a:schemeClr>
+          </a:lnRef>
+          <a:fillRef idx="1">
+            <a:schemeClr val="accent1"/>
+          </a:fillRef>
+          <a:effectRef idx="0">
+            <a:schemeClr val="accent1"/>
+          </a:effectRef>
+          <a:fontRef idx="minor">
+            <a:schemeClr val="lt1"/>
+          </a:fontRef>
+        </p:style>
+        <p:txBody>
+          <a:bodyPr rtlCol="0" anchor="ctr"/>
+          <a:lstStyle/>
+          <a:p>
+            <a:pPr algn="ctr"/>
+            <a:r>
+              <a:rPr lang="en-US" dirty="0"/>
+              <a:t>Execute Code and Response</a:t>
+            </a:r>
+          </a:p>
+        </p:txBody>
+      </p:sp>
+      <p:sp>
+        <p:nvSpPr>
+          <p:cNvPr id="17" name="Left Arrow 16">
+            <a:extLst>
+              <a:ext uri="{FF2B5EF4-FFF2-40B4-BE49-F238E27FC236}">
+                <a16:creationId xmlns:a16="http://schemas.microsoft.com/office/drawing/2014/main" id="{E936DB6B-96FC-9340-BBAC-56177F24BD59}"/>
+              </a:ext>
+            </a:extLst>
+          </p:cNvPr>
+          <p:cNvSpPr/>
+          <p:nvPr/>
+        </p:nvSpPr>
+        <p:spPr>
+          <a:xfrm>
+            <a:off x="1097280" y="3169920"/>
+            <a:ext cx="4093029" cy="259080"/>
+          </a:xfrm>
+          <a:prstGeom prst="leftArrow">
+            <a:avLst/>
+          </a:prstGeom>
+        </p:spPr>
+        <p:style>
+          <a:lnRef idx="2">
+            <a:schemeClr val="accent1">
+              <a:shade val="50000"/>
+            </a:schemeClr>
+          </a:lnRef>
+          <a:fillRef idx="1">
+            <a:schemeClr val="accent1"/>
+          </a:fillRef>
+          <a:effectRef idx="0">
+            <a:schemeClr val="accent1"/>
+          </a:effectRef>
+          <a:fontRef idx="minor">
+            <a:schemeClr val="lt1"/>
+          </a:fontRef>
+        </p:style>
+        <p:txBody>
+          <a:bodyPr rtlCol="0" anchor="ctr"/>
+          <a:lstStyle/>
+          <a:p>
+            <a:pPr algn="ctr"/>
+            <a:endParaRPr lang="en-US"/>
+          </a:p>
+        </p:txBody>
+      </p:sp>
+      <p:sp>
+        <p:nvSpPr>
+          <p:cNvPr id="18" name="TextBox 17">
+            <a:extLst>
+              <a:ext uri="{FF2B5EF4-FFF2-40B4-BE49-F238E27FC236}">
+                <a16:creationId xmlns:a16="http://schemas.microsoft.com/office/drawing/2014/main" id="{5F44199A-312A-4043-BF44-B768E0FAF2B2}"/>
+              </a:ext>
+            </a:extLst>
+          </p:cNvPr>
+          <p:cNvSpPr txBox="1"/>
+          <p:nvPr/>
+        </p:nvSpPr>
+        <p:spPr>
+          <a:xfrm>
+            <a:off x="1402080" y="2516777"/>
+            <a:ext cx="2708366" cy="369332"/>
+          </a:xfrm>
+          <a:prstGeom prst="rect">
+            <a:avLst/>
+          </a:prstGeom>
+          <a:noFill/>
+        </p:spPr>
+        <p:txBody>
+          <a:bodyPr wrap="square" rtlCol="0">
+            <a:spAutoFit/>
+          </a:bodyPr>
+          <a:lstStyle/>
+          <a:p>
+            <a:r>
+              <a:rPr lang="en-US" dirty="0"/>
+              <a:t>Response</a:t>
+            </a:r>
+          </a:p>
+        </p:txBody>
+      </p:sp>
+      <p:sp>
+        <p:nvSpPr>
+          <p:cNvPr id="19" name="TextBox 18">
+            <a:extLst>
+              <a:ext uri="{FF2B5EF4-FFF2-40B4-BE49-F238E27FC236}">
+                <a16:creationId xmlns:a16="http://schemas.microsoft.com/office/drawing/2014/main" id="{8583E344-DDFB-1649-9B24-9D561412FE80}"/>
+              </a:ext>
+            </a:extLst>
+          </p:cNvPr>
+          <p:cNvSpPr txBox="1"/>
+          <p:nvPr/>
+        </p:nvSpPr>
+        <p:spPr>
+          <a:xfrm>
+            <a:off x="4868091" y="3779520"/>
+            <a:ext cx="1985555" cy="369332"/>
+          </a:xfrm>
+          <a:prstGeom prst="rect">
+            <a:avLst/>
+          </a:prstGeom>
+          <a:noFill/>
+        </p:spPr>
+        <p:txBody>
+          <a:bodyPr wrap="square" rtlCol="0">
+            <a:spAutoFit/>
+          </a:bodyPr>
+          <a:lstStyle/>
+          <a:p>
+            <a:r>
+              <a:rPr lang="en-US" sz="900" dirty="0"/>
+              <a:t>The Process is blocked till the code is not executes</a:t>
+            </a:r>
+          </a:p>
+        </p:txBody>
+      </p:sp>
+      <p:cxnSp>
+        <p:nvCxnSpPr>
+          <p:cNvPr id="21" name="Straight Arrow Connector 20">
+            <a:extLst>
+              <a:ext uri="{FF2B5EF4-FFF2-40B4-BE49-F238E27FC236}">
+                <a16:creationId xmlns:a16="http://schemas.microsoft.com/office/drawing/2014/main" id="{3B0C07D1-882D-E84C-A0B9-255D4E6BD76E}"/>
+              </a:ext>
+            </a:extLst>
+          </p:cNvPr>
+          <p:cNvCxnSpPr/>
+          <p:nvPr/>
+        </p:nvCxnSpPr>
+        <p:spPr>
+          <a:xfrm>
+            <a:off x="7907383" y="3940628"/>
+            <a:ext cx="0" cy="326572"/>
+          </a:xfrm>
+          <a:prstGeom prst="straightConnector1">
+            <a:avLst/>
+          </a:prstGeom>
+          <a:ln>
+            <a:tailEnd type="triangle"/>
+          </a:ln>
+        </p:spPr>
+        <p:style>
+          <a:lnRef idx="1">
+            <a:schemeClr val="accent1"/>
+          </a:lnRef>
+          <a:fillRef idx="0">
+            <a:schemeClr val="accent1"/>
+          </a:fillRef>
+          <a:effectRef idx="0">
+            <a:schemeClr val="accent1"/>
+          </a:effectRef>
+          <a:fontRef idx="minor">
+            <a:schemeClr val="tx1"/>
+          </a:fontRef>
+        </p:style>
+      </p:cxnSp>
+      <p:sp>
+        <p:nvSpPr>
+          <p:cNvPr id="22" name="TextBox 21">
+            <a:extLst>
+              <a:ext uri="{FF2B5EF4-FFF2-40B4-BE49-F238E27FC236}">
+                <a16:creationId xmlns:a16="http://schemas.microsoft.com/office/drawing/2014/main" id="{3B11D3D6-BF56-574C-AE85-321CFDFE212C}"/>
+              </a:ext>
+            </a:extLst>
+          </p:cNvPr>
+          <p:cNvSpPr txBox="1"/>
+          <p:nvPr/>
+        </p:nvSpPr>
+        <p:spPr>
+          <a:xfrm>
+            <a:off x="8107680" y="3940628"/>
+            <a:ext cx="1010194" cy="369332"/>
+          </a:xfrm>
+          <a:prstGeom prst="rect">
+            <a:avLst/>
+          </a:prstGeom>
+          <a:noFill/>
+        </p:spPr>
+        <p:txBody>
+          <a:bodyPr wrap="square" rtlCol="0">
+            <a:spAutoFit/>
+          </a:bodyPr>
+          <a:lstStyle/>
+          <a:p>
+            <a:r>
+              <a:rPr lang="en-US" dirty="0"/>
+              <a:t>Yes</a:t>
+            </a:r>
+          </a:p>
+        </p:txBody>
+      </p:sp>
+      <p:sp>
+        <p:nvSpPr>
+          <p:cNvPr id="23" name="Rounded Rectangle 22">
+            <a:extLst>
+              <a:ext uri="{FF2B5EF4-FFF2-40B4-BE49-F238E27FC236}">
+                <a16:creationId xmlns:a16="http://schemas.microsoft.com/office/drawing/2014/main" id="{F2365063-5B6C-4540-A5D3-7B784C431095}"/>
+              </a:ext>
+            </a:extLst>
+          </p:cNvPr>
+          <p:cNvSpPr/>
+          <p:nvPr/>
+        </p:nvSpPr>
+        <p:spPr>
+          <a:xfrm>
+            <a:off x="6357257" y="4309960"/>
+            <a:ext cx="3243940" cy="679269"/>
+          </a:xfrm>
+          <a:prstGeom prst="roundRect">
+            <a:avLst/>
+          </a:prstGeom>
+        </p:spPr>
+        <p:style>
+          <a:lnRef idx="2">
+            <a:schemeClr val="accent1">
+              <a:shade val="50000"/>
+            </a:schemeClr>
+          </a:lnRef>
+          <a:fillRef idx="1">
+            <a:schemeClr val="accent1"/>
+          </a:fillRef>
+          <a:effectRef idx="0">
+            <a:schemeClr val="accent1"/>
+          </a:effectRef>
+          <a:fontRef idx="minor">
+            <a:schemeClr val="lt1"/>
+          </a:fontRef>
+        </p:style>
+        <p:txBody>
+          <a:bodyPr rtlCol="0" anchor="ctr"/>
+          <a:lstStyle/>
+          <a:p>
+            <a:pPr algn="ctr"/>
+            <a:r>
+              <a:rPr lang="en-US" dirty="0"/>
+              <a:t>Promise Based Execution using Events i.e. Success / Failed </a:t>
+            </a:r>
+          </a:p>
+        </p:txBody>
+      </p:sp>
+      <p:sp>
+        <p:nvSpPr>
+          <p:cNvPr id="24" name="Left Arrow 23">
+            <a:extLst>
+              <a:ext uri="{FF2B5EF4-FFF2-40B4-BE49-F238E27FC236}">
+                <a16:creationId xmlns:a16="http://schemas.microsoft.com/office/drawing/2014/main" id="{87AF6004-F629-A448-81F3-4B05B93BB6A8}"/>
+              </a:ext>
+            </a:extLst>
+          </p:cNvPr>
+          <p:cNvSpPr/>
+          <p:nvPr/>
+        </p:nvSpPr>
+        <p:spPr>
+          <a:xfrm>
+            <a:off x="1097280" y="4479778"/>
+            <a:ext cx="5242559" cy="259080"/>
+          </a:xfrm>
+          <a:prstGeom prst="leftArrow">
+            <a:avLst/>
+          </a:prstGeom>
+        </p:spPr>
+        <p:style>
+          <a:lnRef idx="2">
+            <a:schemeClr val="accent1">
+              <a:shade val="50000"/>
+            </a:schemeClr>
+          </a:lnRef>
+          <a:fillRef idx="1">
+            <a:schemeClr val="accent1"/>
+          </a:fillRef>
+          <a:effectRef idx="0">
+            <a:schemeClr val="accent1"/>
+          </a:effectRef>
+          <a:fontRef idx="minor">
+            <a:schemeClr val="lt1"/>
+          </a:fontRef>
+        </p:style>
+        <p:txBody>
+          <a:bodyPr rtlCol="0" anchor="ctr"/>
+          <a:lstStyle/>
+          <a:p>
+            <a:pPr algn="ctr"/>
+            <a:endParaRPr lang="en-US"/>
+          </a:p>
+        </p:txBody>
+      </p:sp>
+      <p:sp>
+        <p:nvSpPr>
+          <p:cNvPr id="25" name="TextBox 24">
+            <a:extLst>
+              <a:ext uri="{FF2B5EF4-FFF2-40B4-BE49-F238E27FC236}">
+                <a16:creationId xmlns:a16="http://schemas.microsoft.com/office/drawing/2014/main" id="{47E0487B-28FD-494C-99EC-003B7BF18BD8}"/>
+              </a:ext>
+            </a:extLst>
+          </p:cNvPr>
+          <p:cNvSpPr txBox="1"/>
+          <p:nvPr/>
+        </p:nvSpPr>
+        <p:spPr>
+          <a:xfrm>
+            <a:off x="5016137" y="4824549"/>
+            <a:ext cx="1672046" cy="246221"/>
+          </a:xfrm>
+          <a:prstGeom prst="rect">
+            <a:avLst/>
+          </a:prstGeom>
+          <a:noFill/>
+        </p:spPr>
+        <p:txBody>
+          <a:bodyPr wrap="square" rtlCol="0">
+            <a:spAutoFit/>
+          </a:bodyPr>
+          <a:lstStyle/>
+          <a:p>
+            <a:r>
+              <a:rPr lang="en-US" sz="1000" dirty="0"/>
+              <a:t>No Process Block </a:t>
+            </a:r>
+          </a:p>
+        </p:txBody>
+      </p:sp>
+    </p:spTree>
+    <p:extLst>
+      <p:ext uri="{BB962C8B-B14F-4D97-AF65-F5344CB8AC3E}">
+        <p14:creationId xmlns:p14="http://schemas.microsoft.com/office/powerpoint/2010/main" val="3533829999"/>
       </p:ext>
     </p:extLst>
   </p:cSld>

--- a/Training_Notes_PPTs.pptx
+++ b/Training_Notes_PPTs.pptx
@@ -37,6 +37,9 @@
     <p:sldId id="285" r:id="rId31"/>
     <p:sldId id="287" r:id="rId32"/>
     <p:sldId id="286" r:id="rId33"/>
+    <p:sldId id="288" r:id="rId34"/>
+    <p:sldId id="289" r:id="rId35"/>
+    <p:sldId id="290" r:id="rId36"/>
   </p:sldIdLst>
   <p:sldSz cx="12192000" cy="6858000"/>
   <p:notesSz cx="6858000" cy="9144000"/>
@@ -282,7 +285,7 @@
           <a:p>
             <a:fld id="{587FB2BA-09D0-1840-B49D-E4BDDD8ED284}" type="datetimeFigureOut">
               <a:rPr lang="en-US" smtClean="0"/>
-              <a:t>1/12/21</a:t>
+              <a:t>1/13/21</a:t>
             </a:fld>
             <a:endParaRPr lang="en-US"/>
           </a:p>
@@ -493,7 +496,7 @@
           <a:p>
             <a:fld id="{587FB2BA-09D0-1840-B49D-E4BDDD8ED284}" type="datetimeFigureOut">
               <a:rPr lang="en-US" smtClean="0"/>
-              <a:t>1/12/21</a:t>
+              <a:t>1/13/21</a:t>
             </a:fld>
             <a:endParaRPr lang="en-US"/>
           </a:p>
@@ -708,7 +711,7 @@
           <a:p>
             <a:fld id="{587FB2BA-09D0-1840-B49D-E4BDDD8ED284}" type="datetimeFigureOut">
               <a:rPr lang="en-US" smtClean="0"/>
-              <a:t>1/12/21</a:t>
+              <a:t>1/13/21</a:t>
             </a:fld>
             <a:endParaRPr lang="en-US"/>
           </a:p>
@@ -909,7 +912,7 @@
           <a:p>
             <a:fld id="{587FB2BA-09D0-1840-B49D-E4BDDD8ED284}" type="datetimeFigureOut">
               <a:rPr lang="en-US" smtClean="0"/>
-              <a:t>1/12/21</a:t>
+              <a:t>1/13/21</a:t>
             </a:fld>
             <a:endParaRPr lang="en-US"/>
           </a:p>
@@ -1188,7 +1191,7 @@
           <a:p>
             <a:fld id="{587FB2BA-09D0-1840-B49D-E4BDDD8ED284}" type="datetimeFigureOut">
               <a:rPr lang="en-US" smtClean="0"/>
-              <a:t>1/12/21</a:t>
+              <a:t>1/13/21</a:t>
             </a:fld>
             <a:endParaRPr lang="en-US"/>
           </a:p>
@@ -1456,7 +1459,7 @@
           <a:p>
             <a:fld id="{587FB2BA-09D0-1840-B49D-E4BDDD8ED284}" type="datetimeFigureOut">
               <a:rPr lang="en-US" smtClean="0"/>
-              <a:t>1/12/21</a:t>
+              <a:t>1/13/21</a:t>
             </a:fld>
             <a:endParaRPr lang="en-US"/>
           </a:p>
@@ -1872,7 +1875,7 @@
           <a:p>
             <a:fld id="{587FB2BA-09D0-1840-B49D-E4BDDD8ED284}" type="datetimeFigureOut">
               <a:rPr lang="en-US" smtClean="0"/>
-              <a:t>1/12/21</a:t>
+              <a:t>1/13/21</a:t>
             </a:fld>
             <a:endParaRPr lang="en-US"/>
           </a:p>
@@ -2021,7 +2024,7 @@
           <a:p>
             <a:fld id="{587FB2BA-09D0-1840-B49D-E4BDDD8ED284}" type="datetimeFigureOut">
               <a:rPr lang="en-US" smtClean="0"/>
-              <a:t>1/12/21</a:t>
+              <a:t>1/13/21</a:t>
             </a:fld>
             <a:endParaRPr lang="en-US"/>
           </a:p>
@@ -2147,7 +2150,7 @@
           <a:p>
             <a:fld id="{587FB2BA-09D0-1840-B49D-E4BDDD8ED284}" type="datetimeFigureOut">
               <a:rPr lang="en-US" smtClean="0"/>
-              <a:t>1/12/21</a:t>
+              <a:t>1/13/21</a:t>
             </a:fld>
             <a:endParaRPr lang="en-US"/>
           </a:p>
@@ -2398,7 +2401,7 @@
           <a:p>
             <a:fld id="{587FB2BA-09D0-1840-B49D-E4BDDD8ED284}" type="datetimeFigureOut">
               <a:rPr lang="en-US" smtClean="0"/>
-              <a:t>1/12/21</a:t>
+              <a:t>1/13/21</a:t>
             </a:fld>
             <a:endParaRPr lang="en-US"/>
           </a:p>
@@ -2843,7 +2846,7 @@
           <a:p>
             <a:fld id="{587FB2BA-09D0-1840-B49D-E4BDDD8ED284}" type="datetimeFigureOut">
               <a:rPr lang="en-US" smtClean="0"/>
-              <a:t>1/12/21</a:t>
+              <a:t>1/13/21</a:t>
             </a:fld>
             <a:endParaRPr lang="en-US"/>
           </a:p>
@@ -3170,7 +3173,7 @@
           <a:p>
             <a:fld id="{587FB2BA-09D0-1840-B49D-E4BDDD8ED284}" type="datetimeFigureOut">
               <a:rPr lang="en-US" smtClean="0"/>
-              <a:t>1/12/21</a:t>
+              <a:t>1/13/21</a:t>
             </a:fld>
             <a:endParaRPr lang="en-US"/>
           </a:p>
@@ -3705,7 +3708,22 @@
           <a:bodyPr/>
           <a:lstStyle/>
           <a:p>
-            <a:endParaRPr lang="en-US"/>
+            <a:r>
+              <a:rPr lang="en-US" dirty="0">
+                <a:hlinkClick r:id="rId2"/>
+              </a:rPr>
+              <a:t>Sabnis_m@hotmail.com</a:t>
+            </a:r>
+            <a:endParaRPr lang="en-US" dirty="0"/>
+          </a:p>
+          <a:p>
+            <a:r>
+              <a:rPr lang="en-US" dirty="0"/>
+              <a:t>9923256813</a:t>
+            </a:r>
+          </a:p>
+          <a:p>
+            <a:endParaRPr lang="en-US" dirty="0"/>
           </a:p>
         </p:txBody>
       </p:sp>
@@ -25731,6 +25749,2511 @@
     <p:extLst>
       <p:ext uri="{BB962C8B-B14F-4D97-AF65-F5344CB8AC3E}">
         <p14:creationId xmlns:p14="http://schemas.microsoft.com/office/powerpoint/2010/main" val="3533829999"/>
+      </p:ext>
+    </p:extLst>
+  </p:cSld>
+  <p:clrMapOvr>
+    <a:masterClrMapping/>
+  </p:clrMapOvr>
+</p:sld>
+</file>
+
+<file path=ppt/slides/slide33.xml><?xml version="1.0" encoding="utf-8"?>
+<p:sld xmlns:a="http://schemas.openxmlformats.org/drawingml/2006/main" xmlns:r="http://schemas.openxmlformats.org/officeDocument/2006/relationships" xmlns:p="http://schemas.openxmlformats.org/presentationml/2006/main">
+  <p:cSld>
+    <p:spTree>
+      <p:nvGrpSpPr>
+        <p:cNvPr id="1" name=""/>
+        <p:cNvGrpSpPr/>
+        <p:nvPr/>
+      </p:nvGrpSpPr>
+      <p:grpSpPr>
+        <a:xfrm>
+          <a:off x="0" y="0"/>
+          <a:ext cx="0" cy="0"/>
+          <a:chOff x="0" y="0"/>
+          <a:chExt cx="0" cy="0"/>
+        </a:xfrm>
+      </p:grpSpPr>
+      <p:sp>
+        <p:nvSpPr>
+          <p:cNvPr id="2" name="Rectangle 1">
+            <a:extLst>
+              <a:ext uri="{FF2B5EF4-FFF2-40B4-BE49-F238E27FC236}">
+                <a16:creationId xmlns:a16="http://schemas.microsoft.com/office/drawing/2014/main" id="{5E671427-9ED7-6348-A88B-34D2E2AC2E4B}"/>
+              </a:ext>
+            </a:extLst>
+          </p:cNvPr>
+          <p:cNvSpPr/>
+          <p:nvPr/>
+        </p:nvSpPr>
+        <p:spPr>
+          <a:xfrm>
+            <a:off x="661851" y="827314"/>
+            <a:ext cx="11025052" cy="1262743"/>
+          </a:xfrm>
+          <a:prstGeom prst="rect">
+            <a:avLst/>
+          </a:prstGeom>
+        </p:spPr>
+        <p:style>
+          <a:lnRef idx="1">
+            <a:schemeClr val="dk1"/>
+          </a:lnRef>
+          <a:fillRef idx="2">
+            <a:schemeClr val="dk1"/>
+          </a:fillRef>
+          <a:effectRef idx="1">
+            <a:schemeClr val="dk1"/>
+          </a:effectRef>
+          <a:fontRef idx="minor">
+            <a:schemeClr val="dk1"/>
+          </a:fontRef>
+        </p:style>
+        <p:txBody>
+          <a:bodyPr rtlCol="0" anchor="ctr"/>
+          <a:lstStyle/>
+          <a:p>
+            <a:pPr algn="ctr"/>
+            <a:endParaRPr lang="en-US"/>
+          </a:p>
+        </p:txBody>
+      </p:sp>
+      <p:sp>
+        <p:nvSpPr>
+          <p:cNvPr id="3" name="TextBox 2">
+            <a:extLst>
+              <a:ext uri="{FF2B5EF4-FFF2-40B4-BE49-F238E27FC236}">
+                <a16:creationId xmlns:a16="http://schemas.microsoft.com/office/drawing/2014/main" id="{851BFE6D-7DCF-A24C-A81B-B38CCAE99188}"/>
+              </a:ext>
+            </a:extLst>
+          </p:cNvPr>
+          <p:cNvSpPr txBox="1"/>
+          <p:nvPr/>
+        </p:nvSpPr>
+        <p:spPr>
+          <a:xfrm>
+            <a:off x="3239589" y="165463"/>
+            <a:ext cx="5704114" cy="369332"/>
+          </a:xfrm>
+          <a:prstGeom prst="rect">
+            <a:avLst/>
+          </a:prstGeom>
+          <a:noFill/>
+        </p:spPr>
+        <p:txBody>
+          <a:bodyPr wrap="square" rtlCol="0">
+            <a:spAutoFit/>
+          </a:bodyPr>
+          <a:lstStyle/>
+          <a:p>
+            <a:r>
+              <a:rPr lang="en-US" dirty="0"/>
+              <a:t>HTTP Request</a:t>
+            </a:r>
+          </a:p>
+        </p:txBody>
+      </p:sp>
+      <p:sp>
+        <p:nvSpPr>
+          <p:cNvPr id="4" name="Rectangle 3">
+            <a:extLst>
+              <a:ext uri="{FF2B5EF4-FFF2-40B4-BE49-F238E27FC236}">
+                <a16:creationId xmlns:a16="http://schemas.microsoft.com/office/drawing/2014/main" id="{6DE62672-F59F-BE42-8D4C-53915F3B50D2}"/>
+              </a:ext>
+            </a:extLst>
+          </p:cNvPr>
+          <p:cNvSpPr/>
+          <p:nvPr/>
+        </p:nvSpPr>
+        <p:spPr>
+          <a:xfrm>
+            <a:off x="3161211" y="827314"/>
+            <a:ext cx="156755" cy="1262743"/>
+          </a:xfrm>
+          <a:prstGeom prst="rect">
+            <a:avLst/>
+          </a:prstGeom>
+        </p:spPr>
+        <p:style>
+          <a:lnRef idx="2">
+            <a:schemeClr val="accent1">
+              <a:shade val="50000"/>
+            </a:schemeClr>
+          </a:lnRef>
+          <a:fillRef idx="1">
+            <a:schemeClr val="accent1"/>
+          </a:fillRef>
+          <a:effectRef idx="0">
+            <a:schemeClr val="accent1"/>
+          </a:effectRef>
+          <a:fontRef idx="minor">
+            <a:schemeClr val="lt1"/>
+          </a:fontRef>
+        </p:style>
+        <p:txBody>
+          <a:bodyPr rtlCol="0" anchor="ctr"/>
+          <a:lstStyle/>
+          <a:p>
+            <a:pPr algn="ctr"/>
+            <a:endParaRPr lang="en-US"/>
+          </a:p>
+        </p:txBody>
+      </p:sp>
+      <p:sp>
+        <p:nvSpPr>
+          <p:cNvPr id="5" name="Rectangle 4">
+            <a:extLst>
+              <a:ext uri="{FF2B5EF4-FFF2-40B4-BE49-F238E27FC236}">
+                <a16:creationId xmlns:a16="http://schemas.microsoft.com/office/drawing/2014/main" id="{7E0EA9B2-EB02-924A-A804-6CE8CCFB7AEA}"/>
+              </a:ext>
+            </a:extLst>
+          </p:cNvPr>
+          <p:cNvSpPr/>
+          <p:nvPr/>
+        </p:nvSpPr>
+        <p:spPr>
+          <a:xfrm>
+            <a:off x="7302138" y="827314"/>
+            <a:ext cx="156755" cy="1262743"/>
+          </a:xfrm>
+          <a:prstGeom prst="rect">
+            <a:avLst/>
+          </a:prstGeom>
+        </p:spPr>
+        <p:style>
+          <a:lnRef idx="2">
+            <a:schemeClr val="accent1">
+              <a:shade val="50000"/>
+            </a:schemeClr>
+          </a:lnRef>
+          <a:fillRef idx="1">
+            <a:schemeClr val="accent1"/>
+          </a:fillRef>
+          <a:effectRef idx="0">
+            <a:schemeClr val="accent1"/>
+          </a:effectRef>
+          <a:fontRef idx="minor">
+            <a:schemeClr val="lt1"/>
+          </a:fontRef>
+        </p:style>
+        <p:txBody>
+          <a:bodyPr rtlCol="0" anchor="ctr"/>
+          <a:lstStyle/>
+          <a:p>
+            <a:pPr algn="ctr"/>
+            <a:endParaRPr lang="en-US"/>
+          </a:p>
+        </p:txBody>
+      </p:sp>
+      <p:sp>
+        <p:nvSpPr>
+          <p:cNvPr id="6" name="TextBox 5">
+            <a:extLst>
+              <a:ext uri="{FF2B5EF4-FFF2-40B4-BE49-F238E27FC236}">
+                <a16:creationId xmlns:a16="http://schemas.microsoft.com/office/drawing/2014/main" id="{7DC6A845-84EF-694E-831C-214E6072900B}"/>
+              </a:ext>
+            </a:extLst>
+          </p:cNvPr>
+          <p:cNvSpPr txBox="1"/>
+          <p:nvPr/>
+        </p:nvSpPr>
+        <p:spPr>
+          <a:xfrm>
+            <a:off x="818606" y="905691"/>
+            <a:ext cx="2124891" cy="369332"/>
+          </a:xfrm>
+          <a:prstGeom prst="rect">
+            <a:avLst/>
+          </a:prstGeom>
+          <a:noFill/>
+        </p:spPr>
+        <p:txBody>
+          <a:bodyPr wrap="square" rtlCol="0">
+            <a:spAutoFit/>
+          </a:bodyPr>
+          <a:lstStyle/>
+          <a:p>
+            <a:r>
+              <a:rPr lang="en-US" dirty="0"/>
+              <a:t>HTTP Header</a:t>
+            </a:r>
+          </a:p>
+        </p:txBody>
+      </p:sp>
+      <p:sp>
+        <p:nvSpPr>
+          <p:cNvPr id="7" name="TextBox 6">
+            <a:extLst>
+              <a:ext uri="{FF2B5EF4-FFF2-40B4-BE49-F238E27FC236}">
+                <a16:creationId xmlns:a16="http://schemas.microsoft.com/office/drawing/2014/main" id="{B051FC5D-55ED-4D47-A60F-1381467A6F3E}"/>
+              </a:ext>
+            </a:extLst>
+          </p:cNvPr>
+          <p:cNvSpPr txBox="1"/>
+          <p:nvPr/>
+        </p:nvSpPr>
+        <p:spPr>
+          <a:xfrm>
+            <a:off x="3640183" y="905691"/>
+            <a:ext cx="3526971" cy="369332"/>
+          </a:xfrm>
+          <a:prstGeom prst="rect">
+            <a:avLst/>
+          </a:prstGeom>
+          <a:noFill/>
+        </p:spPr>
+        <p:txBody>
+          <a:bodyPr wrap="square" rtlCol="0">
+            <a:spAutoFit/>
+          </a:bodyPr>
+          <a:lstStyle/>
+          <a:p>
+            <a:r>
+              <a:rPr lang="en-US" dirty="0"/>
+              <a:t>HTTP Body</a:t>
+            </a:r>
+          </a:p>
+        </p:txBody>
+      </p:sp>
+      <p:sp>
+        <p:nvSpPr>
+          <p:cNvPr id="8" name="TextBox 7">
+            <a:extLst>
+              <a:ext uri="{FF2B5EF4-FFF2-40B4-BE49-F238E27FC236}">
+                <a16:creationId xmlns:a16="http://schemas.microsoft.com/office/drawing/2014/main" id="{439D4A29-EC64-984A-96D9-FDC7A693DD50}"/>
+              </a:ext>
+            </a:extLst>
+          </p:cNvPr>
+          <p:cNvSpPr txBox="1"/>
+          <p:nvPr/>
+        </p:nvSpPr>
+        <p:spPr>
+          <a:xfrm>
+            <a:off x="7646126" y="905691"/>
+            <a:ext cx="3796939" cy="369332"/>
+          </a:xfrm>
+          <a:prstGeom prst="rect">
+            <a:avLst/>
+          </a:prstGeom>
+          <a:noFill/>
+        </p:spPr>
+        <p:txBody>
+          <a:bodyPr wrap="square" rtlCol="0">
+            <a:spAutoFit/>
+          </a:bodyPr>
+          <a:lstStyle/>
+          <a:p>
+            <a:r>
+              <a:rPr lang="en-US" dirty="0"/>
+              <a:t>HTTP ERROR / HTTP EXCEPTION</a:t>
+            </a:r>
+          </a:p>
+        </p:txBody>
+      </p:sp>
+      <p:sp>
+        <p:nvSpPr>
+          <p:cNvPr id="9" name="Rectangle 8">
+            <a:extLst>
+              <a:ext uri="{FF2B5EF4-FFF2-40B4-BE49-F238E27FC236}">
+                <a16:creationId xmlns:a16="http://schemas.microsoft.com/office/drawing/2014/main" id="{EC9F4F77-C4D0-C44B-AC17-3A722ECF5698}"/>
+              </a:ext>
+            </a:extLst>
+          </p:cNvPr>
+          <p:cNvSpPr/>
+          <p:nvPr/>
+        </p:nvSpPr>
+        <p:spPr>
+          <a:xfrm>
+            <a:off x="683622" y="3108960"/>
+            <a:ext cx="11003281" cy="1036320"/>
+          </a:xfrm>
+          <a:prstGeom prst="rect">
+            <a:avLst/>
+          </a:prstGeom>
+        </p:spPr>
+        <p:style>
+          <a:lnRef idx="2">
+            <a:schemeClr val="accent6"/>
+          </a:lnRef>
+          <a:fillRef idx="1">
+            <a:schemeClr val="lt1"/>
+          </a:fillRef>
+          <a:effectRef idx="0">
+            <a:schemeClr val="accent6"/>
+          </a:effectRef>
+          <a:fontRef idx="minor">
+            <a:schemeClr val="dk1"/>
+          </a:fontRef>
+        </p:style>
+        <p:txBody>
+          <a:bodyPr rtlCol="0" anchor="ctr"/>
+          <a:lstStyle/>
+          <a:p>
+            <a:pPr algn="ctr"/>
+            <a:endParaRPr lang="en-US"/>
+          </a:p>
+        </p:txBody>
+      </p:sp>
+      <p:sp>
+        <p:nvSpPr>
+          <p:cNvPr id="10" name="TextBox 9">
+            <a:extLst>
+              <a:ext uri="{FF2B5EF4-FFF2-40B4-BE49-F238E27FC236}">
+                <a16:creationId xmlns:a16="http://schemas.microsoft.com/office/drawing/2014/main" id="{DF203E5E-D91B-EC4E-8272-0A93DF5E13E7}"/>
+              </a:ext>
+            </a:extLst>
+          </p:cNvPr>
+          <p:cNvSpPr txBox="1"/>
+          <p:nvPr/>
+        </p:nvSpPr>
+        <p:spPr>
+          <a:xfrm>
+            <a:off x="4180114" y="2516777"/>
+            <a:ext cx="3405052" cy="369332"/>
+          </a:xfrm>
+          <a:prstGeom prst="rect">
+            <a:avLst/>
+          </a:prstGeom>
+          <a:noFill/>
+        </p:spPr>
+        <p:txBody>
+          <a:bodyPr wrap="square" rtlCol="0">
+            <a:spAutoFit/>
+          </a:bodyPr>
+          <a:lstStyle/>
+          <a:p>
+            <a:r>
+              <a:rPr lang="en-US" dirty="0"/>
+              <a:t>HTTP Header</a:t>
+            </a:r>
+          </a:p>
+        </p:txBody>
+      </p:sp>
+      <p:cxnSp>
+        <p:nvCxnSpPr>
+          <p:cNvPr id="12" name="Straight Arrow Connector 11">
+            <a:extLst>
+              <a:ext uri="{FF2B5EF4-FFF2-40B4-BE49-F238E27FC236}">
+                <a16:creationId xmlns:a16="http://schemas.microsoft.com/office/drawing/2014/main" id="{A81B2C5B-B98B-F040-BD5C-619788AC4EF3}"/>
+              </a:ext>
+            </a:extLst>
+          </p:cNvPr>
+          <p:cNvCxnSpPr>
+            <a:cxnSpLocks/>
+          </p:cNvCxnSpPr>
+          <p:nvPr/>
+        </p:nvCxnSpPr>
+        <p:spPr>
+          <a:xfrm flipH="1">
+            <a:off x="683622" y="2090057"/>
+            <a:ext cx="1345475" cy="1018903"/>
+          </a:xfrm>
+          <a:prstGeom prst="straightConnector1">
+            <a:avLst/>
+          </a:prstGeom>
+          <a:ln>
+            <a:tailEnd type="triangle"/>
+          </a:ln>
+        </p:spPr>
+        <p:style>
+          <a:lnRef idx="1">
+            <a:schemeClr val="accent1"/>
+          </a:lnRef>
+          <a:fillRef idx="0">
+            <a:schemeClr val="accent1"/>
+          </a:fillRef>
+          <a:effectRef idx="0">
+            <a:schemeClr val="accent1"/>
+          </a:effectRef>
+          <a:fontRef idx="minor">
+            <a:schemeClr val="tx1"/>
+          </a:fontRef>
+        </p:style>
+      </p:cxnSp>
+      <p:sp>
+        <p:nvSpPr>
+          <p:cNvPr id="15" name="Rectangle 14">
+            <a:extLst>
+              <a:ext uri="{FF2B5EF4-FFF2-40B4-BE49-F238E27FC236}">
+                <a16:creationId xmlns:a16="http://schemas.microsoft.com/office/drawing/2014/main" id="{3D42D2C6-2B4F-B048-893F-8DC68E6E0026}"/>
+              </a:ext>
+            </a:extLst>
+          </p:cNvPr>
+          <p:cNvSpPr/>
+          <p:nvPr/>
+        </p:nvSpPr>
+        <p:spPr>
+          <a:xfrm>
+            <a:off x="3143796" y="3108961"/>
+            <a:ext cx="174170" cy="1018904"/>
+          </a:xfrm>
+          <a:prstGeom prst="rect">
+            <a:avLst/>
+          </a:prstGeom>
+        </p:spPr>
+        <p:style>
+          <a:lnRef idx="2">
+            <a:schemeClr val="accent1">
+              <a:shade val="50000"/>
+            </a:schemeClr>
+          </a:lnRef>
+          <a:fillRef idx="1">
+            <a:schemeClr val="accent1"/>
+          </a:fillRef>
+          <a:effectRef idx="0">
+            <a:schemeClr val="accent1"/>
+          </a:effectRef>
+          <a:fontRef idx="minor">
+            <a:schemeClr val="lt1"/>
+          </a:fontRef>
+        </p:style>
+        <p:txBody>
+          <a:bodyPr rtlCol="0" anchor="ctr"/>
+          <a:lstStyle/>
+          <a:p>
+            <a:pPr algn="ctr"/>
+            <a:endParaRPr lang="en-US"/>
+          </a:p>
+        </p:txBody>
+      </p:sp>
+      <p:sp>
+        <p:nvSpPr>
+          <p:cNvPr id="16" name="TextBox 15">
+            <a:extLst>
+              <a:ext uri="{FF2B5EF4-FFF2-40B4-BE49-F238E27FC236}">
+                <a16:creationId xmlns:a16="http://schemas.microsoft.com/office/drawing/2014/main" id="{98090E70-582E-214E-9CAC-6118E44EDE57}"/>
+              </a:ext>
+            </a:extLst>
+          </p:cNvPr>
+          <p:cNvSpPr txBox="1"/>
+          <p:nvPr/>
+        </p:nvSpPr>
+        <p:spPr>
+          <a:xfrm>
+            <a:off x="818606" y="3204754"/>
+            <a:ext cx="2185851" cy="369332"/>
+          </a:xfrm>
+          <a:prstGeom prst="rect">
+            <a:avLst/>
+          </a:prstGeom>
+          <a:noFill/>
+        </p:spPr>
+        <p:txBody>
+          <a:bodyPr wrap="square" rtlCol="0">
+            <a:spAutoFit/>
+          </a:bodyPr>
+          <a:lstStyle/>
+          <a:p>
+            <a:r>
+              <a:rPr lang="en-US" dirty="0"/>
+              <a:t>Target URL</a:t>
+            </a:r>
+          </a:p>
+        </p:txBody>
+      </p:sp>
+      <p:sp>
+        <p:nvSpPr>
+          <p:cNvPr id="17" name="Rectangle 16">
+            <a:extLst>
+              <a:ext uri="{FF2B5EF4-FFF2-40B4-BE49-F238E27FC236}">
+                <a16:creationId xmlns:a16="http://schemas.microsoft.com/office/drawing/2014/main" id="{1A43E42D-BF61-5541-B5E9-34F90B81A931}"/>
+              </a:ext>
+            </a:extLst>
+          </p:cNvPr>
+          <p:cNvSpPr/>
+          <p:nvPr/>
+        </p:nvSpPr>
+        <p:spPr>
+          <a:xfrm>
+            <a:off x="6448699" y="3117668"/>
+            <a:ext cx="174170" cy="1018904"/>
+          </a:xfrm>
+          <a:prstGeom prst="rect">
+            <a:avLst/>
+          </a:prstGeom>
+        </p:spPr>
+        <p:style>
+          <a:lnRef idx="2">
+            <a:schemeClr val="accent1">
+              <a:shade val="50000"/>
+            </a:schemeClr>
+          </a:lnRef>
+          <a:fillRef idx="1">
+            <a:schemeClr val="accent1"/>
+          </a:fillRef>
+          <a:effectRef idx="0">
+            <a:schemeClr val="accent1"/>
+          </a:effectRef>
+          <a:fontRef idx="minor">
+            <a:schemeClr val="lt1"/>
+          </a:fontRef>
+        </p:style>
+        <p:txBody>
+          <a:bodyPr rtlCol="0" anchor="ctr"/>
+          <a:lstStyle/>
+          <a:p>
+            <a:pPr algn="ctr"/>
+            <a:endParaRPr lang="en-US"/>
+          </a:p>
+        </p:txBody>
+      </p:sp>
+      <p:sp>
+        <p:nvSpPr>
+          <p:cNvPr id="18" name="TextBox 17">
+            <a:extLst>
+              <a:ext uri="{FF2B5EF4-FFF2-40B4-BE49-F238E27FC236}">
+                <a16:creationId xmlns:a16="http://schemas.microsoft.com/office/drawing/2014/main" id="{66892AB8-8296-3348-9F7D-8F3E720E1B33}"/>
+              </a:ext>
+            </a:extLst>
+          </p:cNvPr>
+          <p:cNvSpPr txBox="1"/>
+          <p:nvPr/>
+        </p:nvSpPr>
+        <p:spPr>
+          <a:xfrm>
+            <a:off x="3405051" y="3117668"/>
+            <a:ext cx="2917372" cy="1046440"/>
+          </a:xfrm>
+          <a:prstGeom prst="rect">
+            <a:avLst/>
+          </a:prstGeom>
+          <a:noFill/>
+        </p:spPr>
+        <p:txBody>
+          <a:bodyPr wrap="square" rtlCol="0">
+            <a:spAutoFit/>
+          </a:bodyPr>
+          <a:lstStyle/>
+          <a:p>
+            <a:r>
+              <a:rPr lang="en-US" dirty="0"/>
+              <a:t>Header Parameters</a:t>
+            </a:r>
+          </a:p>
+          <a:p>
+            <a:r>
+              <a:rPr lang="en-US" sz="1100" dirty="0"/>
+              <a:t>URL Parameter</a:t>
+            </a:r>
+          </a:p>
+          <a:p>
+            <a:r>
+              <a:rPr lang="en-US" sz="1100" dirty="0"/>
+              <a:t>Authorization</a:t>
+            </a:r>
+          </a:p>
+          <a:p>
+            <a:r>
+              <a:rPr lang="en-US" sz="1100" dirty="0"/>
+              <a:t>Content-Type , Content-Format</a:t>
+            </a:r>
+          </a:p>
+          <a:p>
+            <a:r>
+              <a:rPr lang="en-US" sz="1100" dirty="0"/>
+              <a:t>Content-Length</a:t>
+            </a:r>
+          </a:p>
+        </p:txBody>
+      </p:sp>
+      <p:sp>
+        <p:nvSpPr>
+          <p:cNvPr id="19" name="TextBox 18">
+            <a:extLst>
+              <a:ext uri="{FF2B5EF4-FFF2-40B4-BE49-F238E27FC236}">
+                <a16:creationId xmlns:a16="http://schemas.microsoft.com/office/drawing/2014/main" id="{928742C1-3B9F-2B40-90D7-DA0C07AB0D53}"/>
+              </a:ext>
+            </a:extLst>
+          </p:cNvPr>
+          <p:cNvSpPr txBox="1"/>
+          <p:nvPr/>
+        </p:nvSpPr>
+        <p:spPr>
+          <a:xfrm>
+            <a:off x="6757851" y="3117668"/>
+            <a:ext cx="4336869" cy="877163"/>
+          </a:xfrm>
+          <a:prstGeom prst="rect">
+            <a:avLst/>
+          </a:prstGeom>
+          <a:noFill/>
+        </p:spPr>
+        <p:txBody>
+          <a:bodyPr wrap="square" rtlCol="0">
+            <a:spAutoFit/>
+          </a:bodyPr>
+          <a:lstStyle/>
+          <a:p>
+            <a:r>
+              <a:rPr lang="en-US" dirty="0"/>
+              <a:t>Custom Headers</a:t>
+            </a:r>
+          </a:p>
+          <a:p>
+            <a:r>
+              <a:rPr lang="en-US" sz="1100" dirty="0"/>
+              <a:t>Version</a:t>
+            </a:r>
+          </a:p>
+          <a:p>
+            <a:r>
+              <a:rPr lang="en-US" sz="1100" dirty="0"/>
+              <a:t>Accept-language customization</a:t>
+            </a:r>
+          </a:p>
+          <a:p>
+            <a:r>
+              <a:rPr lang="en-US" sz="1100" dirty="0"/>
+              <a:t>Any other custom header value that is parsed by the server</a:t>
+            </a:r>
+          </a:p>
+        </p:txBody>
+      </p:sp>
+      <p:sp>
+        <p:nvSpPr>
+          <p:cNvPr id="20" name="TextBox 19">
+            <a:extLst>
+              <a:ext uri="{FF2B5EF4-FFF2-40B4-BE49-F238E27FC236}">
+                <a16:creationId xmlns:a16="http://schemas.microsoft.com/office/drawing/2014/main" id="{AA8574D3-46A1-4545-A986-8F86562137E1}"/>
+              </a:ext>
+            </a:extLst>
+          </p:cNvPr>
+          <p:cNvSpPr txBox="1"/>
+          <p:nvPr/>
+        </p:nvSpPr>
+        <p:spPr>
+          <a:xfrm>
+            <a:off x="683622" y="4380411"/>
+            <a:ext cx="11003281" cy="1477328"/>
+          </a:xfrm>
+          <a:prstGeom prst="rect">
+            <a:avLst/>
+          </a:prstGeom>
+          <a:noFill/>
+        </p:spPr>
+        <p:txBody>
+          <a:bodyPr wrap="square" rtlCol="0">
+            <a:spAutoFit/>
+          </a:bodyPr>
+          <a:lstStyle/>
+          <a:p>
+            <a:r>
+              <a:rPr lang="en-US" dirty="0"/>
+              <a:t>Server uses the Stream Object to read the request</a:t>
+            </a:r>
+          </a:p>
+          <a:p>
+            <a:pPr marL="342900" indent="-342900">
+              <a:buAutoNum type="arabicPeriod"/>
+            </a:pPr>
+            <a:r>
+              <a:rPr lang="en-US" dirty="0"/>
+              <a:t>Read Standard Header Parameters</a:t>
+            </a:r>
+          </a:p>
+          <a:p>
+            <a:pPr marL="342900" indent="-342900">
+              <a:buAutoNum type="arabicPeriod"/>
+            </a:pPr>
+            <a:r>
+              <a:rPr lang="en-US" dirty="0"/>
+              <a:t>Read Custom Header Parameters</a:t>
+            </a:r>
+          </a:p>
+          <a:p>
+            <a:pPr marL="342900" indent="-342900">
+              <a:buAutoNum type="arabicPeriod"/>
+            </a:pPr>
+            <a:r>
+              <a:rPr lang="en-US" dirty="0"/>
+              <a:t>Read body and stream it, reads incoming characters and based on format process it </a:t>
+            </a:r>
+          </a:p>
+          <a:p>
+            <a:pPr marL="342900" indent="-342900">
+              <a:buAutoNum type="arabicPeriod"/>
+            </a:pPr>
+            <a:r>
+              <a:rPr lang="en-US" dirty="0"/>
+              <a:t>Data is processed by the server </a:t>
+            </a:r>
+          </a:p>
+        </p:txBody>
+      </p:sp>
+      <p:sp>
+        <p:nvSpPr>
+          <p:cNvPr id="21" name="TextBox 20">
+            <a:extLst>
+              <a:ext uri="{FF2B5EF4-FFF2-40B4-BE49-F238E27FC236}">
+                <a16:creationId xmlns:a16="http://schemas.microsoft.com/office/drawing/2014/main" id="{2B90F6B3-F9EA-4046-ABCC-CF4B9EE432D0}"/>
+              </a:ext>
+            </a:extLst>
+          </p:cNvPr>
+          <p:cNvSpPr txBox="1"/>
+          <p:nvPr/>
+        </p:nvSpPr>
+        <p:spPr>
+          <a:xfrm>
+            <a:off x="3535680" y="1344790"/>
+            <a:ext cx="3389815" cy="430887"/>
+          </a:xfrm>
+          <a:prstGeom prst="rect">
+            <a:avLst/>
+          </a:prstGeom>
+          <a:noFill/>
+        </p:spPr>
+        <p:txBody>
+          <a:bodyPr wrap="square" rtlCol="0">
+            <a:spAutoFit/>
+          </a:bodyPr>
+          <a:lstStyle/>
+          <a:p>
+            <a:r>
+              <a:rPr lang="en-US" sz="1100" dirty="0"/>
+              <a:t>Contains Data in JSON / TEXT / XML / BINARY / From-Data / Encoded Data</a:t>
+            </a:r>
+          </a:p>
+        </p:txBody>
+      </p:sp>
+    </p:spTree>
+    <p:extLst>
+      <p:ext uri="{BB962C8B-B14F-4D97-AF65-F5344CB8AC3E}">
+        <p14:creationId xmlns:p14="http://schemas.microsoft.com/office/powerpoint/2010/main" val="1380182228"/>
+      </p:ext>
+    </p:extLst>
+  </p:cSld>
+  <p:clrMapOvr>
+    <a:masterClrMapping/>
+  </p:clrMapOvr>
+</p:sld>
+</file>
+
+<file path=ppt/slides/slide34.xml><?xml version="1.0" encoding="utf-8"?>
+<p:sld xmlns:a="http://schemas.openxmlformats.org/drawingml/2006/main" xmlns:r="http://schemas.openxmlformats.org/officeDocument/2006/relationships" xmlns:p="http://schemas.openxmlformats.org/presentationml/2006/main">
+  <p:cSld>
+    <p:spTree>
+      <p:nvGrpSpPr>
+        <p:cNvPr id="1" name=""/>
+        <p:cNvGrpSpPr/>
+        <p:nvPr/>
+      </p:nvGrpSpPr>
+      <p:grpSpPr>
+        <a:xfrm>
+          <a:off x="0" y="0"/>
+          <a:ext cx="0" cy="0"/>
+          <a:chOff x="0" y="0"/>
+          <a:chExt cx="0" cy="0"/>
+        </a:xfrm>
+      </p:grpSpPr>
+      <p:sp>
+        <p:nvSpPr>
+          <p:cNvPr id="2" name="Rectangle 1">
+            <a:extLst>
+              <a:ext uri="{FF2B5EF4-FFF2-40B4-BE49-F238E27FC236}">
+                <a16:creationId xmlns:a16="http://schemas.microsoft.com/office/drawing/2014/main" id="{835B78A2-18E7-B442-926E-C4DE44F165CC}"/>
+              </a:ext>
+            </a:extLst>
+          </p:cNvPr>
+          <p:cNvSpPr/>
+          <p:nvPr/>
+        </p:nvSpPr>
+        <p:spPr>
+          <a:xfrm>
+            <a:off x="391886" y="758377"/>
+            <a:ext cx="6096000" cy="4801314"/>
+          </a:xfrm>
+          <a:prstGeom prst="rect">
+            <a:avLst/>
+          </a:prstGeom>
+        </p:spPr>
+        <p:txBody>
+          <a:bodyPr>
+            <a:spAutoFit/>
+          </a:bodyPr>
+          <a:lstStyle/>
+          <a:p>
+            <a:r>
+              <a:rPr lang="en-IN" dirty="0">
+                <a:solidFill>
+                  <a:srgbClr val="C586C0"/>
+                </a:solidFill>
+                <a:highlight>
+                  <a:srgbClr val="FFFF00"/>
+                </a:highlight>
+                <a:latin typeface="Menlo" panose="020B0609030804020204" pitchFamily="49" charset="0"/>
+              </a:rPr>
+              <a:t>if</a:t>
+            </a:r>
+            <a:r>
+              <a:rPr lang="en-IN" dirty="0">
+                <a:solidFill>
+                  <a:srgbClr val="D4D4D4"/>
+                </a:solidFill>
+                <a:highlight>
+                  <a:srgbClr val="FFFF00"/>
+                </a:highlight>
+                <a:latin typeface="Menlo" panose="020B0609030804020204" pitchFamily="49" charset="0"/>
+              </a:rPr>
+              <a:t>(</a:t>
+            </a:r>
+            <a:r>
+              <a:rPr lang="en-IN" dirty="0" err="1">
+                <a:solidFill>
+                  <a:srgbClr val="9CDCFE"/>
+                </a:solidFill>
+                <a:highlight>
+                  <a:srgbClr val="FFFF00"/>
+                </a:highlight>
+                <a:latin typeface="Menlo" panose="020B0609030804020204" pitchFamily="49" charset="0"/>
+              </a:rPr>
+              <a:t>req</a:t>
+            </a:r>
+            <a:r>
+              <a:rPr lang="en-IN" dirty="0" err="1">
+                <a:solidFill>
+                  <a:srgbClr val="D4D4D4"/>
+                </a:solidFill>
+                <a:highlight>
+                  <a:srgbClr val="FFFF00"/>
+                </a:highlight>
+                <a:latin typeface="Menlo" panose="020B0609030804020204" pitchFamily="49" charset="0"/>
+              </a:rPr>
+              <a:t>.</a:t>
+            </a:r>
+            <a:r>
+              <a:rPr lang="en-IN" dirty="0" err="1">
+                <a:solidFill>
+                  <a:srgbClr val="9CDCFE"/>
+                </a:solidFill>
+                <a:highlight>
+                  <a:srgbClr val="FFFF00"/>
+                </a:highlight>
+                <a:latin typeface="Menlo" panose="020B0609030804020204" pitchFamily="49" charset="0"/>
+              </a:rPr>
+              <a:t>method</a:t>
+            </a:r>
+            <a:r>
+              <a:rPr lang="en-IN" dirty="0">
+                <a:solidFill>
+                  <a:srgbClr val="D4D4D4"/>
+                </a:solidFill>
+                <a:highlight>
+                  <a:srgbClr val="FFFF00"/>
+                </a:highlight>
+                <a:latin typeface="Menlo" panose="020B0609030804020204" pitchFamily="49" charset="0"/>
+              </a:rPr>
+              <a:t> === </a:t>
+            </a:r>
+            <a:r>
+              <a:rPr lang="en-IN" dirty="0">
+                <a:solidFill>
+                  <a:srgbClr val="CE9178"/>
+                </a:solidFill>
+                <a:highlight>
+                  <a:srgbClr val="FFFF00"/>
+                </a:highlight>
+                <a:latin typeface="Menlo" panose="020B0609030804020204" pitchFamily="49" charset="0"/>
+              </a:rPr>
+              <a:t>"POST"</a:t>
+            </a:r>
+            <a:r>
+              <a:rPr lang="en-IN" dirty="0">
+                <a:solidFill>
+                  <a:srgbClr val="D4D4D4"/>
+                </a:solidFill>
+                <a:highlight>
+                  <a:srgbClr val="FFFF00"/>
+                </a:highlight>
+                <a:latin typeface="Menlo" panose="020B0609030804020204" pitchFamily="49" charset="0"/>
+              </a:rPr>
+              <a:t>){</a:t>
+            </a:r>
+          </a:p>
+          <a:p>
+            <a:r>
+              <a:rPr lang="en-IN" dirty="0">
+                <a:solidFill>
+                  <a:srgbClr val="569CD6"/>
+                </a:solidFill>
+                <a:highlight>
+                  <a:srgbClr val="FFFF00"/>
+                </a:highlight>
+                <a:latin typeface="Menlo" panose="020B0609030804020204" pitchFamily="49" charset="0"/>
+              </a:rPr>
+              <a:t>let</a:t>
+            </a:r>
+            <a:r>
+              <a:rPr lang="en-IN" dirty="0">
+                <a:solidFill>
+                  <a:srgbClr val="D4D4D4"/>
+                </a:solidFill>
+                <a:highlight>
+                  <a:srgbClr val="FFFF00"/>
+                </a:highlight>
+                <a:latin typeface="Menlo" panose="020B0609030804020204" pitchFamily="49" charset="0"/>
+              </a:rPr>
+              <a:t> </a:t>
+            </a:r>
+            <a:r>
+              <a:rPr lang="en-IN" dirty="0" err="1">
+                <a:solidFill>
+                  <a:srgbClr val="9CDCFE"/>
+                </a:solidFill>
+                <a:highlight>
+                  <a:srgbClr val="FFFF00"/>
+                </a:highlight>
+                <a:latin typeface="Menlo" panose="020B0609030804020204" pitchFamily="49" charset="0"/>
+              </a:rPr>
+              <a:t>receivedData</a:t>
+            </a:r>
+            <a:r>
+              <a:rPr lang="en-IN" dirty="0">
+                <a:solidFill>
+                  <a:srgbClr val="D4D4D4"/>
+                </a:solidFill>
+                <a:highlight>
+                  <a:srgbClr val="FFFF00"/>
+                </a:highlight>
+                <a:latin typeface="Menlo" panose="020B0609030804020204" pitchFamily="49" charset="0"/>
+              </a:rPr>
+              <a:t>;</a:t>
+            </a:r>
+          </a:p>
+          <a:p>
+            <a:r>
+              <a:rPr lang="en-IN" dirty="0" err="1">
+                <a:solidFill>
+                  <a:srgbClr val="9CDCFE"/>
+                </a:solidFill>
+                <a:highlight>
+                  <a:srgbClr val="FFFF00"/>
+                </a:highlight>
+                <a:latin typeface="Menlo" panose="020B0609030804020204" pitchFamily="49" charset="0"/>
+              </a:rPr>
+              <a:t>req</a:t>
+            </a:r>
+            <a:r>
+              <a:rPr lang="en-IN" dirty="0" err="1">
+                <a:solidFill>
+                  <a:srgbClr val="D4D4D4"/>
+                </a:solidFill>
+                <a:highlight>
+                  <a:srgbClr val="FFFF00"/>
+                </a:highlight>
+                <a:latin typeface="Menlo" panose="020B0609030804020204" pitchFamily="49" charset="0"/>
+              </a:rPr>
+              <a:t>.</a:t>
+            </a:r>
+            <a:r>
+              <a:rPr lang="en-IN" dirty="0" err="1">
+                <a:solidFill>
+                  <a:srgbClr val="DCDCAA"/>
+                </a:solidFill>
+                <a:highlight>
+                  <a:srgbClr val="FFFF00"/>
+                </a:highlight>
+                <a:latin typeface="Menlo" panose="020B0609030804020204" pitchFamily="49" charset="0"/>
+              </a:rPr>
+              <a:t>setEncoding</a:t>
+            </a:r>
+            <a:r>
+              <a:rPr lang="en-IN" dirty="0">
+                <a:solidFill>
+                  <a:srgbClr val="D4D4D4"/>
+                </a:solidFill>
+                <a:highlight>
+                  <a:srgbClr val="FFFF00"/>
+                </a:highlight>
+                <a:latin typeface="Menlo" panose="020B0609030804020204" pitchFamily="49" charset="0"/>
+              </a:rPr>
+              <a:t>(</a:t>
+            </a:r>
+            <a:r>
+              <a:rPr lang="en-IN" dirty="0">
+                <a:solidFill>
+                  <a:srgbClr val="CE9178"/>
+                </a:solidFill>
+                <a:highlight>
+                  <a:srgbClr val="FFFF00"/>
+                </a:highlight>
+                <a:latin typeface="Menlo" panose="020B0609030804020204" pitchFamily="49" charset="0"/>
+              </a:rPr>
+              <a:t>'utf-8'</a:t>
+            </a:r>
+            <a:r>
+              <a:rPr lang="en-IN" dirty="0">
+                <a:solidFill>
+                  <a:srgbClr val="D4D4D4"/>
+                </a:solidFill>
+                <a:highlight>
+                  <a:srgbClr val="FFFF00"/>
+                </a:highlight>
+                <a:latin typeface="Menlo" panose="020B0609030804020204" pitchFamily="49" charset="0"/>
+              </a:rPr>
+              <a:t>);</a:t>
+            </a:r>
+          </a:p>
+          <a:p>
+            <a:r>
+              <a:rPr lang="en-IN" dirty="0" err="1">
+                <a:solidFill>
+                  <a:srgbClr val="9CDCFE"/>
+                </a:solidFill>
+                <a:highlight>
+                  <a:srgbClr val="FFFF00"/>
+                </a:highlight>
+                <a:latin typeface="Menlo" panose="020B0609030804020204" pitchFamily="49" charset="0"/>
+              </a:rPr>
+              <a:t>req</a:t>
+            </a:r>
+            <a:r>
+              <a:rPr lang="en-IN" dirty="0" err="1">
+                <a:solidFill>
+                  <a:srgbClr val="D4D4D4"/>
+                </a:solidFill>
+                <a:highlight>
+                  <a:srgbClr val="FFFF00"/>
+                </a:highlight>
+                <a:latin typeface="Menlo" panose="020B0609030804020204" pitchFamily="49" charset="0"/>
+              </a:rPr>
+              <a:t>.</a:t>
+            </a:r>
+            <a:r>
+              <a:rPr lang="en-IN" dirty="0" err="1">
+                <a:solidFill>
+                  <a:srgbClr val="DCDCAA"/>
+                </a:solidFill>
+                <a:highlight>
+                  <a:srgbClr val="FFFF00"/>
+                </a:highlight>
+                <a:latin typeface="Menlo" panose="020B0609030804020204" pitchFamily="49" charset="0"/>
+              </a:rPr>
+              <a:t>on</a:t>
+            </a:r>
+            <a:r>
+              <a:rPr lang="en-IN" dirty="0">
+                <a:solidFill>
+                  <a:srgbClr val="D4D4D4"/>
+                </a:solidFill>
+                <a:highlight>
+                  <a:srgbClr val="FFFF00"/>
+                </a:highlight>
+                <a:latin typeface="Menlo" panose="020B0609030804020204" pitchFamily="49" charset="0"/>
+              </a:rPr>
+              <a:t>(</a:t>
+            </a:r>
+            <a:r>
+              <a:rPr lang="en-IN" dirty="0">
+                <a:solidFill>
+                  <a:srgbClr val="CE9178"/>
+                </a:solidFill>
+                <a:highlight>
+                  <a:srgbClr val="FFFF00"/>
+                </a:highlight>
+                <a:latin typeface="Menlo" panose="020B0609030804020204" pitchFamily="49" charset="0"/>
+              </a:rPr>
+              <a:t>'data'</a:t>
+            </a:r>
+            <a:r>
+              <a:rPr lang="en-IN" dirty="0">
+                <a:solidFill>
+                  <a:srgbClr val="D4D4D4"/>
+                </a:solidFill>
+                <a:highlight>
+                  <a:srgbClr val="FFFF00"/>
+                </a:highlight>
+                <a:latin typeface="Menlo" panose="020B0609030804020204" pitchFamily="49" charset="0"/>
+              </a:rPr>
+              <a:t>, (</a:t>
+            </a:r>
+            <a:r>
+              <a:rPr lang="en-IN" dirty="0">
+                <a:solidFill>
+                  <a:srgbClr val="9CDCFE"/>
+                </a:solidFill>
+                <a:highlight>
+                  <a:srgbClr val="FFFF00"/>
+                </a:highlight>
+                <a:latin typeface="Menlo" panose="020B0609030804020204" pitchFamily="49" charset="0"/>
+              </a:rPr>
+              <a:t>d</a:t>
+            </a:r>
+            <a:r>
+              <a:rPr lang="en-IN" dirty="0">
+                <a:solidFill>
+                  <a:srgbClr val="D4D4D4"/>
+                </a:solidFill>
+                <a:highlight>
+                  <a:srgbClr val="FFFF00"/>
+                </a:highlight>
+                <a:latin typeface="Menlo" panose="020B0609030804020204" pitchFamily="49" charset="0"/>
+              </a:rPr>
+              <a:t>)</a:t>
+            </a:r>
+            <a:r>
+              <a:rPr lang="en-IN" dirty="0">
+                <a:solidFill>
+                  <a:srgbClr val="569CD6"/>
+                </a:solidFill>
+                <a:highlight>
+                  <a:srgbClr val="FFFF00"/>
+                </a:highlight>
+                <a:latin typeface="Menlo" panose="020B0609030804020204" pitchFamily="49" charset="0"/>
+              </a:rPr>
+              <a:t>=&gt;</a:t>
+            </a:r>
+            <a:r>
+              <a:rPr lang="en-IN" dirty="0">
+                <a:solidFill>
+                  <a:srgbClr val="D4D4D4"/>
+                </a:solidFill>
+                <a:highlight>
+                  <a:srgbClr val="FFFF00"/>
+                </a:highlight>
+                <a:latin typeface="Menlo" panose="020B0609030804020204" pitchFamily="49" charset="0"/>
+              </a:rPr>
+              <a:t> {</a:t>
+            </a:r>
+          </a:p>
+          <a:p>
+            <a:r>
+              <a:rPr lang="en-IN" dirty="0">
+                <a:solidFill>
+                  <a:srgbClr val="6A9955"/>
+                </a:solidFill>
+                <a:highlight>
+                  <a:srgbClr val="FFFF00"/>
+                </a:highlight>
+                <a:latin typeface="Menlo" panose="020B0609030804020204" pitchFamily="49" charset="0"/>
+              </a:rPr>
+              <a:t>// process the data</a:t>
+            </a:r>
+            <a:endParaRPr lang="en-IN" dirty="0">
+              <a:solidFill>
+                <a:srgbClr val="D4D4D4"/>
+              </a:solidFill>
+              <a:highlight>
+                <a:srgbClr val="FFFF00"/>
+              </a:highlight>
+              <a:latin typeface="Menlo" panose="020B0609030804020204" pitchFamily="49" charset="0"/>
+            </a:endParaRPr>
+          </a:p>
+          <a:p>
+            <a:r>
+              <a:rPr lang="en-IN" dirty="0">
+                <a:solidFill>
+                  <a:srgbClr val="6A9955"/>
+                </a:solidFill>
+                <a:highlight>
+                  <a:srgbClr val="FFFF00"/>
+                </a:highlight>
+                <a:latin typeface="Menlo" panose="020B0609030804020204" pitchFamily="49" charset="0"/>
+              </a:rPr>
+              <a:t>// with you logic`</a:t>
+            </a:r>
+            <a:endParaRPr lang="en-IN" dirty="0">
+              <a:solidFill>
+                <a:srgbClr val="D4D4D4"/>
+              </a:solidFill>
+              <a:highlight>
+                <a:srgbClr val="FFFF00"/>
+              </a:highlight>
+              <a:latin typeface="Menlo" panose="020B0609030804020204" pitchFamily="49" charset="0"/>
+            </a:endParaRPr>
+          </a:p>
+          <a:p>
+            <a:r>
+              <a:rPr lang="en-IN" dirty="0" err="1">
+                <a:solidFill>
+                  <a:srgbClr val="9CDCFE"/>
+                </a:solidFill>
+                <a:highlight>
+                  <a:srgbClr val="FFFF00"/>
+                </a:highlight>
+                <a:latin typeface="Menlo" panose="020B0609030804020204" pitchFamily="49" charset="0"/>
+              </a:rPr>
+              <a:t>console</a:t>
+            </a:r>
+            <a:r>
+              <a:rPr lang="en-IN" dirty="0" err="1">
+                <a:solidFill>
+                  <a:srgbClr val="D4D4D4"/>
+                </a:solidFill>
+                <a:highlight>
+                  <a:srgbClr val="FFFF00"/>
+                </a:highlight>
+                <a:latin typeface="Menlo" panose="020B0609030804020204" pitchFamily="49" charset="0"/>
+              </a:rPr>
+              <a:t>.</a:t>
+            </a:r>
+            <a:r>
+              <a:rPr lang="en-IN" dirty="0" err="1">
+                <a:solidFill>
+                  <a:srgbClr val="DCDCAA"/>
+                </a:solidFill>
+                <a:highlight>
+                  <a:srgbClr val="FFFF00"/>
+                </a:highlight>
+                <a:latin typeface="Menlo" panose="020B0609030804020204" pitchFamily="49" charset="0"/>
+              </a:rPr>
+              <a:t>log</a:t>
+            </a:r>
+            <a:r>
+              <a:rPr lang="en-IN" dirty="0">
+                <a:solidFill>
+                  <a:srgbClr val="D4D4D4"/>
+                </a:solidFill>
+                <a:highlight>
+                  <a:srgbClr val="FFFF00"/>
+                </a:highlight>
+                <a:latin typeface="Menlo" panose="020B0609030804020204" pitchFamily="49" charset="0"/>
+              </a:rPr>
+              <a:t>(</a:t>
+            </a:r>
+            <a:r>
+              <a:rPr lang="en-IN" dirty="0">
+                <a:solidFill>
+                  <a:srgbClr val="CE9178"/>
+                </a:solidFill>
+                <a:highlight>
+                  <a:srgbClr val="FFFF00"/>
+                </a:highlight>
+                <a:latin typeface="Menlo" panose="020B0609030804020204" pitchFamily="49" charset="0"/>
+              </a:rPr>
+              <a:t>`Received data from post </a:t>
+            </a:r>
+            <a:r>
+              <a:rPr lang="en-IN" dirty="0">
+                <a:solidFill>
+                  <a:srgbClr val="569CD6"/>
+                </a:solidFill>
+                <a:highlight>
+                  <a:srgbClr val="FFFF00"/>
+                </a:highlight>
+                <a:latin typeface="Menlo" panose="020B0609030804020204" pitchFamily="49" charset="0"/>
+              </a:rPr>
+              <a:t>${</a:t>
+            </a:r>
+            <a:r>
+              <a:rPr lang="en-IN" dirty="0">
+                <a:solidFill>
+                  <a:srgbClr val="9CDCFE"/>
+                </a:solidFill>
+                <a:highlight>
+                  <a:srgbClr val="FFFF00"/>
+                </a:highlight>
+                <a:latin typeface="Menlo" panose="020B0609030804020204" pitchFamily="49" charset="0"/>
+              </a:rPr>
+              <a:t>d</a:t>
+            </a:r>
+            <a:r>
+              <a:rPr lang="en-IN" dirty="0">
+                <a:solidFill>
+                  <a:srgbClr val="569CD6"/>
+                </a:solidFill>
+                <a:highlight>
+                  <a:srgbClr val="FFFF00"/>
+                </a:highlight>
+                <a:latin typeface="Menlo" panose="020B0609030804020204" pitchFamily="49" charset="0"/>
+              </a:rPr>
+              <a:t>}</a:t>
+            </a:r>
+            <a:r>
+              <a:rPr lang="en-IN" dirty="0">
+                <a:solidFill>
+                  <a:srgbClr val="CE9178"/>
+                </a:solidFill>
+                <a:highlight>
+                  <a:srgbClr val="FFFF00"/>
+                </a:highlight>
+                <a:latin typeface="Menlo" panose="020B0609030804020204" pitchFamily="49" charset="0"/>
+              </a:rPr>
+              <a:t>`</a:t>
+            </a:r>
+            <a:r>
+              <a:rPr lang="en-IN" dirty="0">
+                <a:solidFill>
+                  <a:srgbClr val="D4D4D4"/>
+                </a:solidFill>
+                <a:highlight>
+                  <a:srgbClr val="FFFF00"/>
+                </a:highlight>
+                <a:latin typeface="Menlo" panose="020B0609030804020204" pitchFamily="49" charset="0"/>
+              </a:rPr>
+              <a:t>);</a:t>
+            </a:r>
+          </a:p>
+          <a:p>
+            <a:r>
+              <a:rPr lang="en-IN" dirty="0" err="1">
+                <a:solidFill>
+                  <a:srgbClr val="9CDCFE"/>
+                </a:solidFill>
+                <a:highlight>
+                  <a:srgbClr val="FFFF00"/>
+                </a:highlight>
+                <a:latin typeface="Menlo" panose="020B0609030804020204" pitchFamily="49" charset="0"/>
+              </a:rPr>
+              <a:t>receivedData</a:t>
+            </a:r>
+            <a:r>
+              <a:rPr lang="en-IN" dirty="0">
+                <a:solidFill>
+                  <a:srgbClr val="D4D4D4"/>
+                </a:solidFill>
+                <a:highlight>
+                  <a:srgbClr val="FFFF00"/>
+                </a:highlight>
+                <a:latin typeface="Menlo" panose="020B0609030804020204" pitchFamily="49" charset="0"/>
+              </a:rPr>
+              <a:t> = </a:t>
+            </a:r>
+            <a:r>
+              <a:rPr lang="en-IN" dirty="0">
+                <a:solidFill>
+                  <a:srgbClr val="9CDCFE"/>
+                </a:solidFill>
+                <a:highlight>
+                  <a:srgbClr val="FFFF00"/>
+                </a:highlight>
+                <a:latin typeface="Menlo" panose="020B0609030804020204" pitchFamily="49" charset="0"/>
+              </a:rPr>
+              <a:t>d</a:t>
+            </a:r>
+            <a:r>
+              <a:rPr lang="en-IN" dirty="0">
+                <a:solidFill>
+                  <a:srgbClr val="D4D4D4"/>
+                </a:solidFill>
+                <a:highlight>
+                  <a:srgbClr val="FFFF00"/>
+                </a:highlight>
+                <a:latin typeface="Menlo" panose="020B0609030804020204" pitchFamily="49" charset="0"/>
+              </a:rPr>
+              <a:t>;</a:t>
+            </a:r>
+          </a:p>
+          <a:p>
+            <a:r>
+              <a:rPr lang="en-IN" dirty="0">
+                <a:solidFill>
+                  <a:srgbClr val="D4D4D4"/>
+                </a:solidFill>
+                <a:highlight>
+                  <a:srgbClr val="FFFF00"/>
+                </a:highlight>
+                <a:latin typeface="Menlo" panose="020B0609030804020204" pitchFamily="49" charset="0"/>
+              </a:rPr>
+              <a:t>}).</a:t>
+            </a:r>
+            <a:r>
+              <a:rPr lang="en-IN" dirty="0">
+                <a:solidFill>
+                  <a:srgbClr val="DCDCAA"/>
+                </a:solidFill>
+                <a:highlight>
+                  <a:srgbClr val="FFFF00"/>
+                </a:highlight>
+                <a:latin typeface="Menlo" panose="020B0609030804020204" pitchFamily="49" charset="0"/>
+              </a:rPr>
+              <a:t>on</a:t>
+            </a:r>
+            <a:r>
+              <a:rPr lang="en-IN" dirty="0">
+                <a:solidFill>
+                  <a:srgbClr val="D4D4D4"/>
+                </a:solidFill>
+                <a:highlight>
+                  <a:srgbClr val="FFFF00"/>
+                </a:highlight>
+                <a:latin typeface="Menlo" panose="020B0609030804020204" pitchFamily="49" charset="0"/>
+              </a:rPr>
+              <a:t>(</a:t>
+            </a:r>
+            <a:r>
+              <a:rPr lang="en-IN" dirty="0">
+                <a:solidFill>
+                  <a:srgbClr val="CE9178"/>
+                </a:solidFill>
+                <a:highlight>
+                  <a:srgbClr val="FFFF00"/>
+                </a:highlight>
+                <a:latin typeface="Menlo" panose="020B0609030804020204" pitchFamily="49" charset="0"/>
+              </a:rPr>
+              <a:t>'end'</a:t>
+            </a:r>
+            <a:r>
+              <a:rPr lang="en-IN" dirty="0">
+                <a:solidFill>
+                  <a:srgbClr val="D4D4D4"/>
+                </a:solidFill>
+                <a:highlight>
+                  <a:srgbClr val="FFFF00"/>
+                </a:highlight>
+                <a:latin typeface="Menlo" panose="020B0609030804020204" pitchFamily="49" charset="0"/>
+              </a:rPr>
+              <a:t>,()</a:t>
+            </a:r>
+            <a:r>
+              <a:rPr lang="en-IN" dirty="0">
+                <a:solidFill>
+                  <a:srgbClr val="569CD6"/>
+                </a:solidFill>
+                <a:highlight>
+                  <a:srgbClr val="FFFF00"/>
+                </a:highlight>
+                <a:latin typeface="Menlo" panose="020B0609030804020204" pitchFamily="49" charset="0"/>
+              </a:rPr>
+              <a:t>=&gt;</a:t>
+            </a:r>
+            <a:r>
+              <a:rPr lang="en-IN" dirty="0">
+                <a:solidFill>
+                  <a:srgbClr val="D4D4D4"/>
+                </a:solidFill>
+                <a:highlight>
+                  <a:srgbClr val="FFFF00"/>
+                </a:highlight>
+                <a:latin typeface="Menlo" panose="020B0609030804020204" pitchFamily="49" charset="0"/>
+              </a:rPr>
+              <a:t>{</a:t>
+            </a:r>
+          </a:p>
+          <a:p>
+            <a:r>
+              <a:rPr lang="en-IN" dirty="0">
+                <a:solidFill>
+                  <a:srgbClr val="6A9955"/>
+                </a:solidFill>
+                <a:highlight>
+                  <a:srgbClr val="FFFF00"/>
+                </a:highlight>
+                <a:latin typeface="Menlo" panose="020B0609030804020204" pitchFamily="49" charset="0"/>
+              </a:rPr>
+              <a:t>// data processing is done</a:t>
+            </a:r>
+            <a:endParaRPr lang="en-IN" dirty="0">
+              <a:solidFill>
+                <a:srgbClr val="D4D4D4"/>
+              </a:solidFill>
+              <a:highlight>
+                <a:srgbClr val="FFFF00"/>
+              </a:highlight>
+              <a:latin typeface="Menlo" panose="020B0609030804020204" pitchFamily="49" charset="0"/>
+            </a:endParaRPr>
+          </a:p>
+          <a:p>
+            <a:r>
+              <a:rPr lang="en-IN" dirty="0">
+                <a:solidFill>
+                  <a:srgbClr val="6A9955"/>
+                </a:solidFill>
+                <a:highlight>
+                  <a:srgbClr val="FFFF00"/>
+                </a:highlight>
+                <a:latin typeface="Menlo" panose="020B0609030804020204" pitchFamily="49" charset="0"/>
+              </a:rPr>
+              <a:t>// and request is ended </a:t>
+            </a:r>
+            <a:endParaRPr lang="en-IN" dirty="0">
+              <a:solidFill>
+                <a:srgbClr val="D4D4D4"/>
+              </a:solidFill>
+              <a:highlight>
+                <a:srgbClr val="FFFF00"/>
+              </a:highlight>
+              <a:latin typeface="Menlo" panose="020B0609030804020204" pitchFamily="49" charset="0"/>
+            </a:endParaRPr>
+          </a:p>
+          <a:p>
+            <a:r>
+              <a:rPr lang="en-IN" dirty="0" err="1">
+                <a:solidFill>
+                  <a:srgbClr val="9CDCFE"/>
+                </a:solidFill>
+                <a:highlight>
+                  <a:srgbClr val="FFFF00"/>
+                </a:highlight>
+                <a:latin typeface="Menlo" panose="020B0609030804020204" pitchFamily="49" charset="0"/>
+              </a:rPr>
+              <a:t>Emps</a:t>
+            </a:r>
+            <a:r>
+              <a:rPr lang="en-IN" dirty="0" err="1">
+                <a:solidFill>
+                  <a:srgbClr val="D4D4D4"/>
+                </a:solidFill>
+                <a:highlight>
+                  <a:srgbClr val="FFFF00"/>
+                </a:highlight>
+                <a:latin typeface="Menlo" panose="020B0609030804020204" pitchFamily="49" charset="0"/>
+              </a:rPr>
+              <a:t>.</a:t>
+            </a:r>
+            <a:r>
+              <a:rPr lang="en-IN" dirty="0" err="1">
+                <a:solidFill>
+                  <a:srgbClr val="DCDCAA"/>
+                </a:solidFill>
+                <a:highlight>
+                  <a:srgbClr val="FFFF00"/>
+                </a:highlight>
+                <a:latin typeface="Menlo" panose="020B0609030804020204" pitchFamily="49" charset="0"/>
+              </a:rPr>
+              <a:t>push</a:t>
+            </a:r>
+            <a:r>
+              <a:rPr lang="en-IN" dirty="0">
+                <a:solidFill>
+                  <a:srgbClr val="D4D4D4"/>
+                </a:solidFill>
+                <a:highlight>
+                  <a:srgbClr val="FFFF00"/>
+                </a:highlight>
+                <a:latin typeface="Menlo" panose="020B0609030804020204" pitchFamily="49" charset="0"/>
+              </a:rPr>
+              <a:t>(</a:t>
+            </a:r>
+            <a:r>
+              <a:rPr lang="en-IN" dirty="0" err="1">
+                <a:solidFill>
+                  <a:srgbClr val="9CDCFE"/>
+                </a:solidFill>
+                <a:highlight>
+                  <a:srgbClr val="FFFF00"/>
+                </a:highlight>
+                <a:latin typeface="Menlo" panose="020B0609030804020204" pitchFamily="49" charset="0"/>
+              </a:rPr>
+              <a:t>receivedData</a:t>
+            </a:r>
+            <a:r>
+              <a:rPr lang="en-IN" dirty="0">
+                <a:solidFill>
+                  <a:srgbClr val="D4D4D4"/>
+                </a:solidFill>
+                <a:highlight>
+                  <a:srgbClr val="FFFF00"/>
+                </a:highlight>
+                <a:latin typeface="Menlo" panose="020B0609030804020204" pitchFamily="49" charset="0"/>
+              </a:rPr>
+              <a:t>);</a:t>
+            </a:r>
+          </a:p>
+          <a:p>
+            <a:r>
+              <a:rPr lang="en-IN" dirty="0" err="1">
+                <a:solidFill>
+                  <a:srgbClr val="9CDCFE"/>
+                </a:solidFill>
+                <a:highlight>
+                  <a:srgbClr val="FFFF00"/>
+                </a:highlight>
+                <a:latin typeface="Menlo" panose="020B0609030804020204" pitchFamily="49" charset="0"/>
+              </a:rPr>
+              <a:t>resp</a:t>
+            </a:r>
+            <a:r>
+              <a:rPr lang="en-IN" dirty="0" err="1">
+                <a:solidFill>
+                  <a:srgbClr val="D4D4D4"/>
+                </a:solidFill>
+                <a:highlight>
+                  <a:srgbClr val="FFFF00"/>
+                </a:highlight>
+                <a:latin typeface="Menlo" panose="020B0609030804020204" pitchFamily="49" charset="0"/>
+              </a:rPr>
+              <a:t>.</a:t>
+            </a:r>
+            <a:r>
+              <a:rPr lang="en-IN" dirty="0" err="1">
+                <a:solidFill>
+                  <a:srgbClr val="DCDCAA"/>
+                </a:solidFill>
+                <a:highlight>
+                  <a:srgbClr val="FFFF00"/>
+                </a:highlight>
+                <a:latin typeface="Menlo" panose="020B0609030804020204" pitchFamily="49" charset="0"/>
+              </a:rPr>
+              <a:t>end</a:t>
+            </a:r>
+            <a:r>
+              <a:rPr lang="en-IN" dirty="0">
+                <a:solidFill>
+                  <a:srgbClr val="D4D4D4"/>
+                </a:solidFill>
+                <a:highlight>
+                  <a:srgbClr val="FFFF00"/>
+                </a:highlight>
+                <a:latin typeface="Menlo" panose="020B0609030804020204" pitchFamily="49" charset="0"/>
+              </a:rPr>
+              <a:t>(</a:t>
+            </a:r>
+            <a:r>
+              <a:rPr lang="en-IN" dirty="0">
+                <a:solidFill>
+                  <a:srgbClr val="CE9178"/>
+                </a:solidFill>
+                <a:highlight>
+                  <a:srgbClr val="FFFF00"/>
+                </a:highlight>
+                <a:latin typeface="Menlo" panose="020B0609030804020204" pitchFamily="49" charset="0"/>
+              </a:rPr>
+              <a:t>`Hay Client I received data as </a:t>
+            </a:r>
+            <a:r>
+              <a:rPr lang="en-IN" dirty="0">
+                <a:solidFill>
+                  <a:srgbClr val="569CD6"/>
+                </a:solidFill>
+                <a:highlight>
+                  <a:srgbClr val="FFFF00"/>
+                </a:highlight>
+                <a:latin typeface="Menlo" panose="020B0609030804020204" pitchFamily="49" charset="0"/>
+              </a:rPr>
+              <a:t>${</a:t>
+            </a:r>
+            <a:r>
+              <a:rPr lang="en-IN" dirty="0">
+                <a:solidFill>
+                  <a:srgbClr val="9CDCFE"/>
+                </a:solidFill>
+                <a:highlight>
+                  <a:srgbClr val="FFFF00"/>
+                </a:highlight>
+                <a:latin typeface="Menlo" panose="020B0609030804020204" pitchFamily="49" charset="0"/>
+              </a:rPr>
+              <a:t>Emps</a:t>
+            </a:r>
+            <a:r>
+              <a:rPr lang="en-IN" dirty="0">
+                <a:solidFill>
+                  <a:srgbClr val="569CD6"/>
+                </a:solidFill>
+                <a:highlight>
+                  <a:srgbClr val="FFFF00"/>
+                </a:highlight>
+                <a:latin typeface="Menlo" panose="020B0609030804020204" pitchFamily="49" charset="0"/>
+              </a:rPr>
+              <a:t>}</a:t>
+            </a:r>
+            <a:r>
+              <a:rPr lang="en-IN" dirty="0">
+                <a:solidFill>
+                  <a:srgbClr val="CE9178"/>
+                </a:solidFill>
+                <a:highlight>
+                  <a:srgbClr val="FFFF00"/>
+                </a:highlight>
+                <a:latin typeface="Menlo" panose="020B0609030804020204" pitchFamily="49" charset="0"/>
+              </a:rPr>
+              <a:t>`</a:t>
+            </a:r>
+            <a:r>
+              <a:rPr lang="en-IN" dirty="0">
+                <a:solidFill>
+                  <a:srgbClr val="D4D4D4"/>
+                </a:solidFill>
+                <a:highlight>
+                  <a:srgbClr val="FFFF00"/>
+                </a:highlight>
+                <a:latin typeface="Menlo" panose="020B0609030804020204" pitchFamily="49" charset="0"/>
+              </a:rPr>
+              <a:t>); </a:t>
+            </a:r>
+          </a:p>
+          <a:p>
+            <a:r>
+              <a:rPr lang="en-IN" dirty="0">
+                <a:solidFill>
+                  <a:srgbClr val="D4D4D4"/>
+                </a:solidFill>
+                <a:highlight>
+                  <a:srgbClr val="FFFF00"/>
+                </a:highlight>
+                <a:latin typeface="Menlo" panose="020B0609030804020204" pitchFamily="49" charset="0"/>
+              </a:rPr>
+              <a:t>});</a:t>
+            </a:r>
+          </a:p>
+          <a:p>
+            <a:r>
+              <a:rPr lang="en-IN" dirty="0">
+                <a:solidFill>
+                  <a:srgbClr val="D4D4D4"/>
+                </a:solidFill>
+                <a:highlight>
+                  <a:srgbClr val="FFFF00"/>
+                </a:highlight>
+                <a:latin typeface="Menlo" panose="020B0609030804020204" pitchFamily="49" charset="0"/>
+              </a:rPr>
+              <a:t>}</a:t>
+            </a:r>
+            <a:endParaRPr lang="en-IN" b="0" dirty="0">
+              <a:solidFill>
+                <a:srgbClr val="D4D4D4"/>
+              </a:solidFill>
+              <a:effectLst/>
+              <a:highlight>
+                <a:srgbClr val="FFFF00"/>
+              </a:highlight>
+              <a:latin typeface="Menlo" panose="020B0609030804020204" pitchFamily="49" charset="0"/>
+            </a:endParaRPr>
+          </a:p>
+        </p:txBody>
+      </p:sp>
+      <p:sp>
+        <p:nvSpPr>
+          <p:cNvPr id="3" name="Right Brace 2">
+            <a:extLst>
+              <a:ext uri="{FF2B5EF4-FFF2-40B4-BE49-F238E27FC236}">
+                <a16:creationId xmlns:a16="http://schemas.microsoft.com/office/drawing/2014/main" id="{AA93A159-8825-024C-9A90-6658E8B608F3}"/>
+              </a:ext>
+            </a:extLst>
+          </p:cNvPr>
+          <p:cNvSpPr/>
+          <p:nvPr/>
+        </p:nvSpPr>
+        <p:spPr>
+          <a:xfrm>
+            <a:off x="5730240" y="661851"/>
+            <a:ext cx="1463040" cy="4897840"/>
+          </a:xfrm>
+          <a:prstGeom prst="rightBrace">
+            <a:avLst/>
+          </a:prstGeom>
+        </p:spPr>
+        <p:style>
+          <a:lnRef idx="1">
+            <a:schemeClr val="accent1"/>
+          </a:lnRef>
+          <a:fillRef idx="0">
+            <a:schemeClr val="accent1"/>
+          </a:fillRef>
+          <a:effectRef idx="0">
+            <a:schemeClr val="accent1"/>
+          </a:effectRef>
+          <a:fontRef idx="minor">
+            <a:schemeClr val="tx1"/>
+          </a:fontRef>
+        </p:style>
+        <p:txBody>
+          <a:bodyPr rtlCol="0" anchor="ctr"/>
+          <a:lstStyle/>
+          <a:p>
+            <a:pPr algn="ctr"/>
+            <a:endParaRPr lang="en-US"/>
+          </a:p>
+        </p:txBody>
+      </p:sp>
+      <p:sp>
+        <p:nvSpPr>
+          <p:cNvPr id="4" name="TextBox 3">
+            <a:extLst>
+              <a:ext uri="{FF2B5EF4-FFF2-40B4-BE49-F238E27FC236}">
+                <a16:creationId xmlns:a16="http://schemas.microsoft.com/office/drawing/2014/main" id="{E8AF9412-4EBC-924E-8923-2C2D54A3234D}"/>
+              </a:ext>
+            </a:extLst>
+          </p:cNvPr>
+          <p:cNvSpPr txBox="1"/>
+          <p:nvPr/>
+        </p:nvSpPr>
+        <p:spPr>
+          <a:xfrm>
+            <a:off x="7193280" y="661851"/>
+            <a:ext cx="4023360" cy="923330"/>
+          </a:xfrm>
+          <a:prstGeom prst="rect">
+            <a:avLst/>
+          </a:prstGeom>
+          <a:noFill/>
+        </p:spPr>
+        <p:txBody>
+          <a:bodyPr wrap="square" rtlCol="0">
+            <a:spAutoFit/>
+          </a:bodyPr>
+          <a:lstStyle/>
+          <a:p>
+            <a:r>
+              <a:rPr lang="en-US" dirty="0"/>
+              <a:t>Async Operation with</a:t>
+            </a:r>
+          </a:p>
+          <a:p>
+            <a:r>
+              <a:rPr lang="en-US" dirty="0"/>
+              <a:t>Data and End Events</a:t>
+            </a:r>
+          </a:p>
+          <a:p>
+            <a:endParaRPr lang="en-US" dirty="0"/>
+          </a:p>
+        </p:txBody>
+      </p:sp>
+    </p:spTree>
+    <p:extLst>
+      <p:ext uri="{BB962C8B-B14F-4D97-AF65-F5344CB8AC3E}">
+        <p14:creationId xmlns:p14="http://schemas.microsoft.com/office/powerpoint/2010/main" val="2104635940"/>
+      </p:ext>
+    </p:extLst>
+  </p:cSld>
+  <p:clrMapOvr>
+    <a:masterClrMapping/>
+  </p:clrMapOvr>
+</p:sld>
+</file>
+
+<file path=ppt/slides/slide35.xml><?xml version="1.0" encoding="utf-8"?>
+<p:sld xmlns:a="http://schemas.openxmlformats.org/drawingml/2006/main" xmlns:r="http://schemas.openxmlformats.org/officeDocument/2006/relationships" xmlns:p="http://schemas.openxmlformats.org/presentationml/2006/main">
+  <p:cSld>
+    <p:spTree>
+      <p:nvGrpSpPr>
+        <p:cNvPr id="1" name=""/>
+        <p:cNvGrpSpPr/>
+        <p:nvPr/>
+      </p:nvGrpSpPr>
+      <p:grpSpPr>
+        <a:xfrm>
+          <a:off x="0" y="0"/>
+          <a:ext cx="0" cy="0"/>
+          <a:chOff x="0" y="0"/>
+          <a:chExt cx="0" cy="0"/>
+        </a:xfrm>
+      </p:grpSpPr>
+      <p:sp>
+        <p:nvSpPr>
+          <p:cNvPr id="2" name="Rectangle 1">
+            <a:extLst>
+              <a:ext uri="{FF2B5EF4-FFF2-40B4-BE49-F238E27FC236}">
+                <a16:creationId xmlns:a16="http://schemas.microsoft.com/office/drawing/2014/main" id="{6A15AAC8-098B-7546-9F14-E148B71F6F2D}"/>
+              </a:ext>
+            </a:extLst>
+          </p:cNvPr>
+          <p:cNvSpPr/>
+          <p:nvPr/>
+        </p:nvSpPr>
+        <p:spPr>
+          <a:xfrm>
+            <a:off x="3579222" y="609601"/>
+            <a:ext cx="4450081" cy="5120640"/>
+          </a:xfrm>
+          <a:prstGeom prst="rect">
+            <a:avLst/>
+          </a:prstGeom>
+        </p:spPr>
+        <p:style>
+          <a:lnRef idx="2">
+            <a:schemeClr val="accent3">
+              <a:shade val="50000"/>
+            </a:schemeClr>
+          </a:lnRef>
+          <a:fillRef idx="1">
+            <a:schemeClr val="accent3"/>
+          </a:fillRef>
+          <a:effectRef idx="0">
+            <a:schemeClr val="accent3"/>
+          </a:effectRef>
+          <a:fontRef idx="minor">
+            <a:schemeClr val="lt1"/>
+          </a:fontRef>
+        </p:style>
+        <p:txBody>
+          <a:bodyPr rtlCol="0" anchor="ctr"/>
+          <a:lstStyle/>
+          <a:p>
+            <a:pPr algn="ctr"/>
+            <a:endParaRPr lang="en-US"/>
+          </a:p>
+        </p:txBody>
+      </p:sp>
+      <p:sp>
+        <p:nvSpPr>
+          <p:cNvPr id="3" name="TextBox 2">
+            <a:extLst>
+              <a:ext uri="{FF2B5EF4-FFF2-40B4-BE49-F238E27FC236}">
+                <a16:creationId xmlns:a16="http://schemas.microsoft.com/office/drawing/2014/main" id="{9E8D3C3B-A511-DD47-B96F-D839E316092A}"/>
+              </a:ext>
+            </a:extLst>
+          </p:cNvPr>
+          <p:cNvSpPr txBox="1"/>
+          <p:nvPr/>
+        </p:nvSpPr>
+        <p:spPr>
+          <a:xfrm>
+            <a:off x="3117669" y="69669"/>
+            <a:ext cx="5347062" cy="383177"/>
+          </a:xfrm>
+          <a:prstGeom prst="rect">
+            <a:avLst/>
+          </a:prstGeom>
+          <a:noFill/>
+        </p:spPr>
+        <p:txBody>
+          <a:bodyPr wrap="square" rtlCol="0">
+            <a:spAutoFit/>
+          </a:bodyPr>
+          <a:lstStyle/>
+          <a:p>
+            <a:r>
+              <a:rPr lang="en-US" dirty="0"/>
+              <a:t>Node.js Web Application Server</a:t>
+            </a:r>
+          </a:p>
+        </p:txBody>
+      </p:sp>
+      <p:sp>
+        <p:nvSpPr>
+          <p:cNvPr id="4" name="Right Arrow 3">
+            <a:extLst>
+              <a:ext uri="{FF2B5EF4-FFF2-40B4-BE49-F238E27FC236}">
+                <a16:creationId xmlns:a16="http://schemas.microsoft.com/office/drawing/2014/main" id="{5282B5B7-9020-D446-BE15-A3980F2AE087}"/>
+              </a:ext>
+            </a:extLst>
+          </p:cNvPr>
+          <p:cNvSpPr/>
+          <p:nvPr/>
+        </p:nvSpPr>
+        <p:spPr>
+          <a:xfrm>
+            <a:off x="156754" y="1010194"/>
+            <a:ext cx="3387635" cy="470263"/>
+          </a:xfrm>
+          <a:prstGeom prst="rightArrow">
+            <a:avLst/>
+          </a:prstGeom>
+        </p:spPr>
+        <p:style>
+          <a:lnRef idx="2">
+            <a:schemeClr val="accent1">
+              <a:shade val="50000"/>
+            </a:schemeClr>
+          </a:lnRef>
+          <a:fillRef idx="1">
+            <a:schemeClr val="accent1"/>
+          </a:fillRef>
+          <a:effectRef idx="0">
+            <a:schemeClr val="accent1"/>
+          </a:effectRef>
+          <a:fontRef idx="minor">
+            <a:schemeClr val="lt1"/>
+          </a:fontRef>
+        </p:style>
+        <p:txBody>
+          <a:bodyPr rtlCol="0" anchor="ctr"/>
+          <a:lstStyle/>
+          <a:p>
+            <a:pPr algn="ctr"/>
+            <a:endParaRPr lang="en-US"/>
+          </a:p>
+        </p:txBody>
+      </p:sp>
+      <p:sp>
+        <p:nvSpPr>
+          <p:cNvPr id="5" name="Left Arrow 4">
+            <a:extLst>
+              <a:ext uri="{FF2B5EF4-FFF2-40B4-BE49-F238E27FC236}">
+                <a16:creationId xmlns:a16="http://schemas.microsoft.com/office/drawing/2014/main" id="{6FFC4B12-5DAB-A347-886F-9A228250AC55}"/>
+              </a:ext>
+            </a:extLst>
+          </p:cNvPr>
+          <p:cNvSpPr/>
+          <p:nvPr/>
+        </p:nvSpPr>
+        <p:spPr>
+          <a:xfrm>
+            <a:off x="182880" y="4955177"/>
+            <a:ext cx="3396342" cy="583474"/>
+          </a:xfrm>
+          <a:prstGeom prst="leftArrow">
+            <a:avLst/>
+          </a:prstGeom>
+        </p:spPr>
+        <p:style>
+          <a:lnRef idx="2">
+            <a:schemeClr val="accent1">
+              <a:shade val="50000"/>
+            </a:schemeClr>
+          </a:lnRef>
+          <a:fillRef idx="1">
+            <a:schemeClr val="accent1"/>
+          </a:fillRef>
+          <a:effectRef idx="0">
+            <a:schemeClr val="accent1"/>
+          </a:effectRef>
+          <a:fontRef idx="minor">
+            <a:schemeClr val="lt1"/>
+          </a:fontRef>
+        </p:style>
+        <p:txBody>
+          <a:bodyPr rtlCol="0" anchor="ctr"/>
+          <a:lstStyle/>
+          <a:p>
+            <a:pPr algn="ctr"/>
+            <a:endParaRPr lang="en-US"/>
+          </a:p>
+        </p:txBody>
+      </p:sp>
+      <p:sp>
+        <p:nvSpPr>
+          <p:cNvPr id="6" name="Multi-document 5">
+            <a:extLst>
+              <a:ext uri="{FF2B5EF4-FFF2-40B4-BE49-F238E27FC236}">
+                <a16:creationId xmlns:a16="http://schemas.microsoft.com/office/drawing/2014/main" id="{4953083E-2A8D-5748-BA47-10F0B505C342}"/>
+              </a:ext>
+            </a:extLst>
+          </p:cNvPr>
+          <p:cNvSpPr/>
+          <p:nvPr/>
+        </p:nvSpPr>
+        <p:spPr>
+          <a:xfrm>
+            <a:off x="8647613" y="3135086"/>
+            <a:ext cx="1793964" cy="1924594"/>
+          </a:xfrm>
+          <a:prstGeom prst="flowChartMultidocument">
+            <a:avLst/>
+          </a:prstGeom>
+        </p:spPr>
+        <p:style>
+          <a:lnRef idx="2">
+            <a:schemeClr val="accent1">
+              <a:shade val="50000"/>
+            </a:schemeClr>
+          </a:lnRef>
+          <a:fillRef idx="1">
+            <a:schemeClr val="accent1"/>
+          </a:fillRef>
+          <a:effectRef idx="0">
+            <a:schemeClr val="accent1"/>
+          </a:effectRef>
+          <a:fontRef idx="minor">
+            <a:schemeClr val="lt1"/>
+          </a:fontRef>
+        </p:style>
+        <p:txBody>
+          <a:bodyPr rtlCol="0" anchor="ctr"/>
+          <a:lstStyle/>
+          <a:p>
+            <a:pPr algn="ctr"/>
+            <a:endParaRPr lang="en-US"/>
+          </a:p>
+        </p:txBody>
+      </p:sp>
+      <p:sp>
+        <p:nvSpPr>
+          <p:cNvPr id="7" name="Multi-document 6">
+            <a:extLst>
+              <a:ext uri="{FF2B5EF4-FFF2-40B4-BE49-F238E27FC236}">
+                <a16:creationId xmlns:a16="http://schemas.microsoft.com/office/drawing/2014/main" id="{A143AD1D-A3C7-E048-80E5-E844F418C6D5}"/>
+              </a:ext>
+            </a:extLst>
+          </p:cNvPr>
+          <p:cNvSpPr/>
+          <p:nvPr/>
+        </p:nvSpPr>
+        <p:spPr>
+          <a:xfrm>
+            <a:off x="8760824" y="3705498"/>
+            <a:ext cx="1793964" cy="1924594"/>
+          </a:xfrm>
+          <a:prstGeom prst="flowChartMultidocument">
+            <a:avLst/>
+          </a:prstGeom>
+        </p:spPr>
+        <p:style>
+          <a:lnRef idx="2">
+            <a:schemeClr val="accent1">
+              <a:shade val="50000"/>
+            </a:schemeClr>
+          </a:lnRef>
+          <a:fillRef idx="1">
+            <a:schemeClr val="accent1"/>
+          </a:fillRef>
+          <a:effectRef idx="0">
+            <a:schemeClr val="accent1"/>
+          </a:effectRef>
+          <a:fontRef idx="minor">
+            <a:schemeClr val="lt1"/>
+          </a:fontRef>
+        </p:style>
+        <p:txBody>
+          <a:bodyPr rtlCol="0" anchor="ctr"/>
+          <a:lstStyle/>
+          <a:p>
+            <a:pPr algn="ctr"/>
+            <a:r>
+              <a:rPr lang="en-US" dirty="0"/>
+              <a:t>Set of Files of </a:t>
+            </a:r>
+            <a:r>
+              <a:rPr lang="en-US"/>
+              <a:t>any format</a:t>
+            </a:r>
+          </a:p>
+        </p:txBody>
+      </p:sp>
+      <p:sp>
+        <p:nvSpPr>
+          <p:cNvPr id="8" name="TextBox 7">
+            <a:extLst>
+              <a:ext uri="{FF2B5EF4-FFF2-40B4-BE49-F238E27FC236}">
+                <a16:creationId xmlns:a16="http://schemas.microsoft.com/office/drawing/2014/main" id="{608D71EC-0582-5542-BC54-B4F879C53BC3}"/>
+              </a:ext>
+            </a:extLst>
+          </p:cNvPr>
+          <p:cNvSpPr txBox="1"/>
+          <p:nvPr/>
+        </p:nvSpPr>
+        <p:spPr>
+          <a:xfrm>
+            <a:off x="8760823" y="2046514"/>
+            <a:ext cx="2969623" cy="646331"/>
+          </a:xfrm>
+          <a:prstGeom prst="rect">
+            <a:avLst/>
+          </a:prstGeom>
+          <a:noFill/>
+        </p:spPr>
+        <p:txBody>
+          <a:bodyPr wrap="square" rtlCol="0">
+            <a:spAutoFit/>
+          </a:bodyPr>
+          <a:lstStyle/>
+          <a:p>
+            <a:r>
+              <a:rPr lang="en-US" dirty="0"/>
+              <a:t>File System Managed by OS</a:t>
+            </a:r>
+          </a:p>
+          <a:p>
+            <a:r>
+              <a:rPr lang="en-US" dirty="0"/>
+              <a:t>Html/</a:t>
+            </a:r>
+            <a:r>
+              <a:rPr lang="en-US" dirty="0" err="1"/>
+              <a:t>js</a:t>
+            </a:r>
+            <a:r>
+              <a:rPr lang="en-US" dirty="0"/>
+              <a:t>/</a:t>
+            </a:r>
+            <a:r>
+              <a:rPr lang="en-US" dirty="0" err="1"/>
+              <a:t>css</a:t>
+            </a:r>
+            <a:endParaRPr lang="en-US" dirty="0"/>
+          </a:p>
+        </p:txBody>
+      </p:sp>
+      <p:sp>
+        <p:nvSpPr>
+          <p:cNvPr id="9" name="Rounded Rectangle 8">
+            <a:extLst>
+              <a:ext uri="{FF2B5EF4-FFF2-40B4-BE49-F238E27FC236}">
+                <a16:creationId xmlns:a16="http://schemas.microsoft.com/office/drawing/2014/main" id="{5AEF2C6F-0AB7-F848-A513-1DD200F9C5B1}"/>
+              </a:ext>
+            </a:extLst>
+          </p:cNvPr>
+          <p:cNvSpPr/>
+          <p:nvPr/>
+        </p:nvSpPr>
+        <p:spPr>
+          <a:xfrm>
+            <a:off x="4354286" y="2307771"/>
+            <a:ext cx="3030583" cy="2438400"/>
+          </a:xfrm>
+          <a:prstGeom prst="roundRect">
+            <a:avLst/>
+          </a:prstGeom>
+        </p:spPr>
+        <p:style>
+          <a:lnRef idx="2">
+            <a:schemeClr val="accent1">
+              <a:shade val="50000"/>
+            </a:schemeClr>
+          </a:lnRef>
+          <a:fillRef idx="1">
+            <a:schemeClr val="accent1"/>
+          </a:fillRef>
+          <a:effectRef idx="0">
+            <a:schemeClr val="accent1"/>
+          </a:effectRef>
+          <a:fontRef idx="minor">
+            <a:schemeClr val="lt1"/>
+          </a:fontRef>
+        </p:style>
+        <p:txBody>
+          <a:bodyPr rtlCol="0" anchor="ctr"/>
+          <a:lstStyle/>
+          <a:p>
+            <a:pPr algn="ctr"/>
+            <a:r>
+              <a:rPr lang="en-US" dirty="0"/>
+              <a:t>Read / Write Files</a:t>
+            </a:r>
+          </a:p>
+          <a:p>
+            <a:pPr algn="ctr"/>
+            <a:r>
+              <a:rPr lang="en-US" dirty="0"/>
+              <a:t>Access File / Create file if not exist</a:t>
+            </a:r>
+          </a:p>
+          <a:p>
+            <a:pPr algn="ctr"/>
+            <a:r>
+              <a:rPr lang="en-US" dirty="0"/>
+              <a:t>Read / Write File </a:t>
+            </a:r>
+          </a:p>
+        </p:txBody>
+      </p:sp>
+      <p:sp>
+        <p:nvSpPr>
+          <p:cNvPr id="10" name="Bent Arrow 9">
+            <a:extLst>
+              <a:ext uri="{FF2B5EF4-FFF2-40B4-BE49-F238E27FC236}">
+                <a16:creationId xmlns:a16="http://schemas.microsoft.com/office/drawing/2014/main" id="{E37D9065-829E-0744-9C08-993F6AD6478F}"/>
+              </a:ext>
+            </a:extLst>
+          </p:cNvPr>
+          <p:cNvSpPr/>
+          <p:nvPr/>
+        </p:nvSpPr>
+        <p:spPr>
+          <a:xfrm rot="5400000">
+            <a:off x="4278085" y="385353"/>
+            <a:ext cx="1223558" cy="2621283"/>
+          </a:xfrm>
+          <a:prstGeom prst="bentArrow">
+            <a:avLst/>
+          </a:prstGeom>
+        </p:spPr>
+        <p:style>
+          <a:lnRef idx="2">
+            <a:schemeClr val="accent1">
+              <a:shade val="50000"/>
+            </a:schemeClr>
+          </a:lnRef>
+          <a:fillRef idx="1">
+            <a:schemeClr val="accent1"/>
+          </a:fillRef>
+          <a:effectRef idx="0">
+            <a:schemeClr val="accent1"/>
+          </a:effectRef>
+          <a:fontRef idx="minor">
+            <a:schemeClr val="lt1"/>
+          </a:fontRef>
+        </p:style>
+        <p:txBody>
+          <a:bodyPr rtlCol="0" anchor="ctr"/>
+          <a:lstStyle/>
+          <a:p>
+            <a:pPr algn="ctr"/>
+            <a:endParaRPr lang="en-US">
+              <a:solidFill>
+                <a:schemeClr val="tx1"/>
+              </a:solidFill>
+            </a:endParaRPr>
+          </a:p>
+        </p:txBody>
+      </p:sp>
+      <p:sp>
+        <p:nvSpPr>
+          <p:cNvPr id="11" name="TextBox 10">
+            <a:extLst>
+              <a:ext uri="{FF2B5EF4-FFF2-40B4-BE49-F238E27FC236}">
+                <a16:creationId xmlns:a16="http://schemas.microsoft.com/office/drawing/2014/main" id="{92311999-790B-6446-A78A-576CE2300D53}"/>
+              </a:ext>
+            </a:extLst>
+          </p:cNvPr>
+          <p:cNvSpPr txBox="1"/>
+          <p:nvPr/>
+        </p:nvSpPr>
+        <p:spPr>
+          <a:xfrm>
+            <a:off x="6287589" y="1084215"/>
+            <a:ext cx="3091542" cy="369332"/>
+          </a:xfrm>
+          <a:prstGeom prst="rect">
+            <a:avLst/>
+          </a:prstGeom>
+          <a:noFill/>
+        </p:spPr>
+        <p:txBody>
+          <a:bodyPr wrap="square" rtlCol="0">
+            <a:spAutoFit/>
+          </a:bodyPr>
+          <a:lstStyle/>
+          <a:p>
+            <a:r>
+              <a:rPr lang="en-US" dirty="0"/>
+              <a:t>Request for File Resources</a:t>
+            </a:r>
+          </a:p>
+        </p:txBody>
+      </p:sp>
+      <p:sp>
+        <p:nvSpPr>
+          <p:cNvPr id="12" name="Bent Arrow 11">
+            <a:extLst>
+              <a:ext uri="{FF2B5EF4-FFF2-40B4-BE49-F238E27FC236}">
+                <a16:creationId xmlns:a16="http://schemas.microsoft.com/office/drawing/2014/main" id="{D60EC439-E4E3-6643-A811-1CC3B7CF4701}"/>
+              </a:ext>
+            </a:extLst>
+          </p:cNvPr>
+          <p:cNvSpPr/>
+          <p:nvPr/>
+        </p:nvSpPr>
+        <p:spPr>
+          <a:xfrm rot="10800000">
+            <a:off x="3579221" y="4763586"/>
+            <a:ext cx="2516779" cy="722811"/>
+          </a:xfrm>
+          <a:prstGeom prst="bentArrow">
+            <a:avLst/>
+          </a:prstGeom>
+        </p:spPr>
+        <p:style>
+          <a:lnRef idx="2">
+            <a:schemeClr val="accent1">
+              <a:shade val="50000"/>
+            </a:schemeClr>
+          </a:lnRef>
+          <a:fillRef idx="1">
+            <a:schemeClr val="accent1"/>
+          </a:fillRef>
+          <a:effectRef idx="0">
+            <a:schemeClr val="accent1"/>
+          </a:effectRef>
+          <a:fontRef idx="minor">
+            <a:schemeClr val="lt1"/>
+          </a:fontRef>
+        </p:style>
+        <p:txBody>
+          <a:bodyPr rtlCol="0" anchor="ctr"/>
+          <a:lstStyle/>
+          <a:p>
+            <a:pPr algn="ctr"/>
+            <a:endParaRPr lang="en-US">
+              <a:solidFill>
+                <a:schemeClr val="tx1"/>
+              </a:solidFill>
+            </a:endParaRPr>
+          </a:p>
+        </p:txBody>
+      </p:sp>
+      <p:sp>
+        <p:nvSpPr>
+          <p:cNvPr id="13" name="Curved Down Arrow 12">
+            <a:extLst>
+              <a:ext uri="{FF2B5EF4-FFF2-40B4-BE49-F238E27FC236}">
+                <a16:creationId xmlns:a16="http://schemas.microsoft.com/office/drawing/2014/main" id="{8DEABFEA-7D73-D143-9C17-6FB064D72125}"/>
+              </a:ext>
+            </a:extLst>
+          </p:cNvPr>
+          <p:cNvSpPr/>
+          <p:nvPr/>
+        </p:nvSpPr>
+        <p:spPr>
+          <a:xfrm>
+            <a:off x="7254240" y="3008809"/>
+            <a:ext cx="1654633" cy="831671"/>
+          </a:xfrm>
+          <a:prstGeom prst="curvedDownArrow">
+            <a:avLst/>
+          </a:prstGeom>
+          <a:solidFill>
+            <a:srgbClr val="FFFF00"/>
+          </a:solidFill>
+        </p:spPr>
+        <p:style>
+          <a:lnRef idx="2">
+            <a:schemeClr val="accent1">
+              <a:shade val="50000"/>
+            </a:schemeClr>
+          </a:lnRef>
+          <a:fillRef idx="1">
+            <a:schemeClr val="accent1"/>
+          </a:fillRef>
+          <a:effectRef idx="0">
+            <a:schemeClr val="accent1"/>
+          </a:effectRef>
+          <a:fontRef idx="minor">
+            <a:schemeClr val="lt1"/>
+          </a:fontRef>
+        </p:style>
+        <p:txBody>
+          <a:bodyPr rtlCol="0" anchor="ctr"/>
+          <a:lstStyle/>
+          <a:p>
+            <a:pPr algn="ctr"/>
+            <a:endParaRPr lang="en-US">
+              <a:solidFill>
+                <a:schemeClr val="tx1"/>
+              </a:solidFill>
+            </a:endParaRPr>
+          </a:p>
+        </p:txBody>
+      </p:sp>
+      <p:sp>
+        <p:nvSpPr>
+          <p:cNvPr id="14" name="Curved Down Arrow 13">
+            <a:extLst>
+              <a:ext uri="{FF2B5EF4-FFF2-40B4-BE49-F238E27FC236}">
+                <a16:creationId xmlns:a16="http://schemas.microsoft.com/office/drawing/2014/main" id="{8732DB20-E539-4547-8B80-2A4C4ECCF2EA}"/>
+              </a:ext>
+            </a:extLst>
+          </p:cNvPr>
+          <p:cNvSpPr/>
+          <p:nvPr/>
+        </p:nvSpPr>
+        <p:spPr>
+          <a:xfrm rot="10998783">
+            <a:off x="7049584" y="4293321"/>
+            <a:ext cx="1654633" cy="831671"/>
+          </a:xfrm>
+          <a:prstGeom prst="curvedDownArrow">
+            <a:avLst/>
+          </a:prstGeom>
+          <a:solidFill>
+            <a:srgbClr val="FFFF00"/>
+          </a:solidFill>
+        </p:spPr>
+        <p:style>
+          <a:lnRef idx="2">
+            <a:schemeClr val="accent1">
+              <a:shade val="50000"/>
+            </a:schemeClr>
+          </a:lnRef>
+          <a:fillRef idx="1">
+            <a:schemeClr val="accent1"/>
+          </a:fillRef>
+          <a:effectRef idx="0">
+            <a:schemeClr val="accent1"/>
+          </a:effectRef>
+          <a:fontRef idx="minor">
+            <a:schemeClr val="lt1"/>
+          </a:fontRef>
+        </p:style>
+        <p:txBody>
+          <a:bodyPr rtlCol="0" anchor="ctr"/>
+          <a:lstStyle/>
+          <a:p>
+            <a:pPr algn="ctr"/>
+            <a:endParaRPr lang="en-US">
+              <a:solidFill>
+                <a:schemeClr val="tx1"/>
+              </a:solidFill>
+            </a:endParaRPr>
+          </a:p>
+        </p:txBody>
+      </p:sp>
+    </p:spTree>
+    <p:extLst>
+      <p:ext uri="{BB962C8B-B14F-4D97-AF65-F5344CB8AC3E}">
+        <p14:creationId xmlns:p14="http://schemas.microsoft.com/office/powerpoint/2010/main" val="2393054400"/>
       </p:ext>
     </p:extLst>
   </p:cSld>

--- a/Training_Notes_PPTs.pptx
+++ b/Training_Notes_PPTs.pptx
@@ -40,6 +40,7 @@
     <p:sldId id="288" r:id="rId34"/>
     <p:sldId id="289" r:id="rId35"/>
     <p:sldId id="290" r:id="rId36"/>
+    <p:sldId id="291" r:id="rId37"/>
   </p:sldIdLst>
   <p:sldSz cx="12192000" cy="6858000"/>
   <p:notesSz cx="6858000" cy="9144000"/>
@@ -27883,11 +27884,7 @@
             <a:pPr algn="ctr"/>
             <a:r>
               <a:rPr lang="en-US" dirty="0"/>
-              <a:t>Set of Files of </a:t>
-            </a:r>
-            <a:r>
-              <a:rPr lang="en-US"/>
-              <a:t>any format</a:t>
+              <a:t>Set of Files of any format</a:t>
             </a:r>
           </a:p>
         </p:txBody>
@@ -28254,6 +28251,1283 @@
     <p:extLst>
       <p:ext uri="{BB962C8B-B14F-4D97-AF65-F5344CB8AC3E}">
         <p14:creationId xmlns:p14="http://schemas.microsoft.com/office/powerpoint/2010/main" val="2393054400"/>
+      </p:ext>
+    </p:extLst>
+  </p:cSld>
+  <p:clrMapOvr>
+    <a:masterClrMapping/>
+  </p:clrMapOvr>
+</p:sld>
+</file>
+
+<file path=ppt/slides/slide36.xml><?xml version="1.0" encoding="utf-8"?>
+<p:sld xmlns:a="http://schemas.openxmlformats.org/drawingml/2006/main" xmlns:r="http://schemas.openxmlformats.org/officeDocument/2006/relationships" xmlns:p="http://schemas.openxmlformats.org/presentationml/2006/main">
+  <p:cSld>
+    <p:spTree>
+      <p:nvGrpSpPr>
+        <p:cNvPr id="1" name=""/>
+        <p:cNvGrpSpPr/>
+        <p:nvPr/>
+      </p:nvGrpSpPr>
+      <p:grpSpPr>
+        <a:xfrm>
+          <a:off x="0" y="0"/>
+          <a:ext cx="0" cy="0"/>
+          <a:chOff x="0" y="0"/>
+          <a:chExt cx="0" cy="0"/>
+        </a:xfrm>
+      </p:grpSpPr>
+      <p:sp>
+        <p:nvSpPr>
+          <p:cNvPr id="2" name="TextBox 1">
+            <a:extLst>
+              <a:ext uri="{FF2B5EF4-FFF2-40B4-BE49-F238E27FC236}">
+                <a16:creationId xmlns:a16="http://schemas.microsoft.com/office/drawing/2014/main" id="{D3D622B6-F655-FA41-A9DD-DA1D310A1A80}"/>
+              </a:ext>
+            </a:extLst>
+          </p:cNvPr>
+          <p:cNvSpPr txBox="1"/>
+          <p:nvPr/>
+        </p:nvSpPr>
+        <p:spPr>
+          <a:xfrm>
+            <a:off x="2638697" y="95794"/>
+            <a:ext cx="5730240" cy="369332"/>
+          </a:xfrm>
+          <a:prstGeom prst="rect">
+            <a:avLst/>
+          </a:prstGeom>
+          <a:noFill/>
+        </p:spPr>
+        <p:txBody>
+          <a:bodyPr wrap="square" rtlCol="0">
+            <a:spAutoFit/>
+          </a:bodyPr>
+          <a:lstStyle/>
+          <a:p>
+            <a:pPr algn="ctr"/>
+            <a:r>
+              <a:rPr lang="en-US" dirty="0">
+                <a:solidFill>
+                  <a:srgbClr val="FF0000"/>
+                </a:solidFill>
+                <a:highlight>
+                  <a:srgbClr val="FFFF00"/>
+                </a:highlight>
+              </a:rPr>
+              <a:t>Node.js Application Architecture</a:t>
+            </a:r>
+          </a:p>
+        </p:txBody>
+      </p:sp>
+      <p:sp>
+        <p:nvSpPr>
+          <p:cNvPr id="3" name="Rounded Rectangle 2">
+            <a:extLst>
+              <a:ext uri="{FF2B5EF4-FFF2-40B4-BE49-F238E27FC236}">
+                <a16:creationId xmlns:a16="http://schemas.microsoft.com/office/drawing/2014/main" id="{D758154A-EE0D-D944-82CB-97CF7F7A24DF}"/>
+              </a:ext>
+            </a:extLst>
+          </p:cNvPr>
+          <p:cNvSpPr/>
+          <p:nvPr/>
+        </p:nvSpPr>
+        <p:spPr>
+          <a:xfrm>
+            <a:off x="968828" y="1001484"/>
+            <a:ext cx="6339839" cy="3701144"/>
+          </a:xfrm>
+          <a:prstGeom prst="roundRect">
+            <a:avLst>
+              <a:gd name="adj" fmla="val 7656"/>
+            </a:avLst>
+          </a:prstGeom>
+        </p:spPr>
+        <p:style>
+          <a:lnRef idx="1">
+            <a:schemeClr val="accent5"/>
+          </a:lnRef>
+          <a:fillRef idx="2">
+            <a:schemeClr val="accent5"/>
+          </a:fillRef>
+          <a:effectRef idx="1">
+            <a:schemeClr val="accent5"/>
+          </a:effectRef>
+          <a:fontRef idx="minor">
+            <a:schemeClr val="dk1"/>
+          </a:fontRef>
+        </p:style>
+        <p:txBody>
+          <a:bodyPr rtlCol="0" anchor="ctr"/>
+          <a:lstStyle/>
+          <a:p>
+            <a:pPr algn="ctr"/>
+            <a:endParaRPr lang="en-US"/>
+          </a:p>
+        </p:txBody>
+      </p:sp>
+      <p:sp>
+        <p:nvSpPr>
+          <p:cNvPr id="4" name="Rectangle 3">
+            <a:extLst>
+              <a:ext uri="{FF2B5EF4-FFF2-40B4-BE49-F238E27FC236}">
+                <a16:creationId xmlns:a16="http://schemas.microsoft.com/office/drawing/2014/main" id="{8073BBF9-8083-1047-BC41-3166CC0A8C6B}"/>
+              </a:ext>
+            </a:extLst>
+          </p:cNvPr>
+          <p:cNvSpPr/>
+          <p:nvPr/>
+        </p:nvSpPr>
+        <p:spPr>
+          <a:xfrm>
+            <a:off x="5845627" y="1552301"/>
+            <a:ext cx="1297577" cy="2882537"/>
+          </a:xfrm>
+          <a:prstGeom prst="rect">
+            <a:avLst/>
+          </a:prstGeom>
+        </p:spPr>
+        <p:style>
+          <a:lnRef idx="2">
+            <a:schemeClr val="accent1">
+              <a:shade val="50000"/>
+            </a:schemeClr>
+          </a:lnRef>
+          <a:fillRef idx="1">
+            <a:schemeClr val="accent1"/>
+          </a:fillRef>
+          <a:effectRef idx="0">
+            <a:schemeClr val="accent1"/>
+          </a:effectRef>
+          <a:fontRef idx="minor">
+            <a:schemeClr val="lt1"/>
+          </a:fontRef>
+        </p:style>
+        <p:txBody>
+          <a:bodyPr rtlCol="0" anchor="ctr"/>
+          <a:lstStyle/>
+          <a:p>
+            <a:pPr algn="ctr"/>
+            <a:r>
+              <a:rPr lang="en-US" dirty="0"/>
+              <a:t>Data Access</a:t>
+            </a:r>
+          </a:p>
+          <a:p>
+            <a:pPr algn="ctr"/>
+            <a:r>
+              <a:rPr lang="en-US" dirty="0"/>
+              <a:t>Module</a:t>
+            </a:r>
+          </a:p>
+        </p:txBody>
+      </p:sp>
+      <p:sp>
+        <p:nvSpPr>
+          <p:cNvPr id="5" name="Rectangle 4">
+            <a:extLst>
+              <a:ext uri="{FF2B5EF4-FFF2-40B4-BE49-F238E27FC236}">
+                <a16:creationId xmlns:a16="http://schemas.microsoft.com/office/drawing/2014/main" id="{F5160B82-7BA4-4946-97C4-76A5875052FB}"/>
+              </a:ext>
+            </a:extLst>
+          </p:cNvPr>
+          <p:cNvSpPr/>
+          <p:nvPr/>
+        </p:nvSpPr>
+        <p:spPr>
+          <a:xfrm>
+            <a:off x="4317273" y="1552300"/>
+            <a:ext cx="1297577" cy="2882537"/>
+          </a:xfrm>
+          <a:prstGeom prst="rect">
+            <a:avLst/>
+          </a:prstGeom>
+        </p:spPr>
+        <p:style>
+          <a:lnRef idx="2">
+            <a:schemeClr val="accent1">
+              <a:shade val="50000"/>
+            </a:schemeClr>
+          </a:lnRef>
+          <a:fillRef idx="1">
+            <a:schemeClr val="accent1"/>
+          </a:fillRef>
+          <a:effectRef idx="0">
+            <a:schemeClr val="accent1"/>
+          </a:effectRef>
+          <a:fontRef idx="minor">
+            <a:schemeClr val="lt1"/>
+          </a:fontRef>
+        </p:style>
+        <p:txBody>
+          <a:bodyPr rtlCol="0" anchor="ctr"/>
+          <a:lstStyle/>
+          <a:p>
+            <a:pPr algn="ctr"/>
+            <a:r>
+              <a:rPr lang="en-US" dirty="0"/>
+              <a:t>Business Logic</a:t>
+            </a:r>
+          </a:p>
+          <a:p>
+            <a:pPr algn="ctr"/>
+            <a:r>
+              <a:rPr lang="en-US" dirty="0"/>
+              <a:t>Module</a:t>
+            </a:r>
+          </a:p>
+        </p:txBody>
+      </p:sp>
+      <p:sp>
+        <p:nvSpPr>
+          <p:cNvPr id="6" name="Rectangle 5">
+            <a:extLst>
+              <a:ext uri="{FF2B5EF4-FFF2-40B4-BE49-F238E27FC236}">
+                <a16:creationId xmlns:a16="http://schemas.microsoft.com/office/drawing/2014/main" id="{A69382F8-97D1-B849-834B-1673CD8A40B7}"/>
+              </a:ext>
+            </a:extLst>
+          </p:cNvPr>
+          <p:cNvSpPr/>
+          <p:nvPr/>
+        </p:nvSpPr>
+        <p:spPr>
+          <a:xfrm>
+            <a:off x="2623456" y="3178627"/>
+            <a:ext cx="1297577" cy="1256210"/>
+          </a:xfrm>
+          <a:prstGeom prst="rect">
+            <a:avLst/>
+          </a:prstGeom>
+        </p:spPr>
+        <p:style>
+          <a:lnRef idx="2">
+            <a:schemeClr val="accent1">
+              <a:shade val="50000"/>
+            </a:schemeClr>
+          </a:lnRef>
+          <a:fillRef idx="1">
+            <a:schemeClr val="accent1"/>
+          </a:fillRef>
+          <a:effectRef idx="0">
+            <a:schemeClr val="accent1"/>
+          </a:effectRef>
+          <a:fontRef idx="minor">
+            <a:schemeClr val="lt1"/>
+          </a:fontRef>
+        </p:style>
+        <p:txBody>
+          <a:bodyPr rtlCol="0" anchor="ctr"/>
+          <a:lstStyle/>
+          <a:p>
+            <a:pPr algn="ctr"/>
+            <a:r>
+              <a:rPr lang="en-US" dirty="0"/>
+              <a:t>REST API Module</a:t>
+            </a:r>
+          </a:p>
+        </p:txBody>
+      </p:sp>
+      <p:sp>
+        <p:nvSpPr>
+          <p:cNvPr id="7" name="Rectangle 6">
+            <a:extLst>
+              <a:ext uri="{FF2B5EF4-FFF2-40B4-BE49-F238E27FC236}">
+                <a16:creationId xmlns:a16="http://schemas.microsoft.com/office/drawing/2014/main" id="{B06A549C-8DCA-4648-83F7-B01AD2ACD5F9}"/>
+              </a:ext>
+            </a:extLst>
+          </p:cNvPr>
+          <p:cNvSpPr/>
+          <p:nvPr/>
+        </p:nvSpPr>
+        <p:spPr>
+          <a:xfrm>
+            <a:off x="2623456" y="1547948"/>
+            <a:ext cx="1297577" cy="1256210"/>
+          </a:xfrm>
+          <a:prstGeom prst="rect">
+            <a:avLst/>
+          </a:prstGeom>
+        </p:spPr>
+        <p:style>
+          <a:lnRef idx="2">
+            <a:schemeClr val="accent1">
+              <a:shade val="50000"/>
+            </a:schemeClr>
+          </a:lnRef>
+          <a:fillRef idx="1">
+            <a:schemeClr val="accent1"/>
+          </a:fillRef>
+          <a:effectRef idx="0">
+            <a:schemeClr val="accent1"/>
+          </a:effectRef>
+          <a:fontRef idx="minor">
+            <a:schemeClr val="lt1"/>
+          </a:fontRef>
+        </p:style>
+        <p:txBody>
+          <a:bodyPr rtlCol="0" anchor="ctr"/>
+          <a:lstStyle/>
+          <a:p>
+            <a:pPr algn="ctr"/>
+            <a:r>
+              <a:rPr lang="en-US" dirty="0"/>
+              <a:t>Web Application Module</a:t>
+            </a:r>
+          </a:p>
+        </p:txBody>
+      </p:sp>
+      <p:sp>
+        <p:nvSpPr>
+          <p:cNvPr id="8" name="Rectangle 7">
+            <a:extLst>
+              <a:ext uri="{FF2B5EF4-FFF2-40B4-BE49-F238E27FC236}">
+                <a16:creationId xmlns:a16="http://schemas.microsoft.com/office/drawing/2014/main" id="{5CC897FC-CA9A-EC47-859A-A0FBE5272B02}"/>
+              </a:ext>
+            </a:extLst>
+          </p:cNvPr>
+          <p:cNvSpPr/>
+          <p:nvPr/>
+        </p:nvSpPr>
+        <p:spPr>
+          <a:xfrm>
+            <a:off x="1057002" y="2710539"/>
+            <a:ext cx="1208314" cy="566057"/>
+          </a:xfrm>
+          <a:prstGeom prst="rect">
+            <a:avLst/>
+          </a:prstGeom>
+        </p:spPr>
+        <p:style>
+          <a:lnRef idx="2">
+            <a:schemeClr val="accent1">
+              <a:shade val="50000"/>
+            </a:schemeClr>
+          </a:lnRef>
+          <a:fillRef idx="1">
+            <a:schemeClr val="accent1"/>
+          </a:fillRef>
+          <a:effectRef idx="0">
+            <a:schemeClr val="accent1"/>
+          </a:effectRef>
+          <a:fontRef idx="minor">
+            <a:schemeClr val="lt1"/>
+          </a:fontRef>
+        </p:style>
+        <p:txBody>
+          <a:bodyPr rtlCol="0" anchor="ctr"/>
+          <a:lstStyle/>
+          <a:p>
+            <a:pPr algn="ctr"/>
+            <a:r>
+              <a:rPr lang="en-US" dirty="0"/>
+              <a:t>Security</a:t>
+            </a:r>
+          </a:p>
+        </p:txBody>
+      </p:sp>
+      <p:sp>
+        <p:nvSpPr>
+          <p:cNvPr id="9" name="Right Arrow 8">
+            <a:extLst>
+              <a:ext uri="{FF2B5EF4-FFF2-40B4-BE49-F238E27FC236}">
+                <a16:creationId xmlns:a16="http://schemas.microsoft.com/office/drawing/2014/main" id="{7D33F7C0-D823-7B4B-984C-0004A907B641}"/>
+              </a:ext>
+            </a:extLst>
+          </p:cNvPr>
+          <p:cNvSpPr/>
+          <p:nvPr/>
+        </p:nvSpPr>
+        <p:spPr>
+          <a:xfrm>
+            <a:off x="121920" y="2898859"/>
+            <a:ext cx="935082" cy="189416"/>
+          </a:xfrm>
+          <a:prstGeom prst="rightArrow">
+            <a:avLst/>
+          </a:prstGeom>
+        </p:spPr>
+        <p:style>
+          <a:lnRef idx="2">
+            <a:schemeClr val="accent1">
+              <a:shade val="50000"/>
+            </a:schemeClr>
+          </a:lnRef>
+          <a:fillRef idx="1">
+            <a:schemeClr val="accent1"/>
+          </a:fillRef>
+          <a:effectRef idx="0">
+            <a:schemeClr val="accent1"/>
+          </a:effectRef>
+          <a:fontRef idx="minor">
+            <a:schemeClr val="lt1"/>
+          </a:fontRef>
+        </p:style>
+        <p:txBody>
+          <a:bodyPr rtlCol="0" anchor="ctr"/>
+          <a:lstStyle/>
+          <a:p>
+            <a:pPr algn="ctr"/>
+            <a:endParaRPr lang="en-US"/>
+          </a:p>
+        </p:txBody>
+      </p:sp>
+      <p:sp>
+        <p:nvSpPr>
+          <p:cNvPr id="10" name="Bent Arrow 9">
+            <a:extLst>
+              <a:ext uri="{FF2B5EF4-FFF2-40B4-BE49-F238E27FC236}">
+                <a16:creationId xmlns:a16="http://schemas.microsoft.com/office/drawing/2014/main" id="{ACABDE16-2259-5140-9304-CF16FBE7664E}"/>
+              </a:ext>
+            </a:extLst>
+          </p:cNvPr>
+          <p:cNvSpPr/>
+          <p:nvPr/>
+        </p:nvSpPr>
+        <p:spPr>
+          <a:xfrm>
+            <a:off x="1482633" y="2011679"/>
+            <a:ext cx="1140823" cy="698860"/>
+          </a:xfrm>
+          <a:prstGeom prst="bentArrow">
+            <a:avLst/>
+          </a:prstGeom>
+        </p:spPr>
+        <p:style>
+          <a:lnRef idx="2">
+            <a:schemeClr val="accent1">
+              <a:shade val="50000"/>
+            </a:schemeClr>
+          </a:lnRef>
+          <a:fillRef idx="1">
+            <a:schemeClr val="accent1"/>
+          </a:fillRef>
+          <a:effectRef idx="0">
+            <a:schemeClr val="accent1"/>
+          </a:effectRef>
+          <a:fontRef idx="minor">
+            <a:schemeClr val="lt1"/>
+          </a:fontRef>
+        </p:style>
+        <p:txBody>
+          <a:bodyPr rtlCol="0" anchor="ctr"/>
+          <a:lstStyle/>
+          <a:p>
+            <a:pPr algn="ctr"/>
+            <a:endParaRPr lang="en-US">
+              <a:solidFill>
+                <a:schemeClr val="tx1"/>
+              </a:solidFill>
+            </a:endParaRPr>
+          </a:p>
+        </p:txBody>
+      </p:sp>
+      <p:sp>
+        <p:nvSpPr>
+          <p:cNvPr id="11" name="Bent Arrow 10">
+            <a:extLst>
+              <a:ext uri="{FF2B5EF4-FFF2-40B4-BE49-F238E27FC236}">
+                <a16:creationId xmlns:a16="http://schemas.microsoft.com/office/drawing/2014/main" id="{B44EEA00-BF14-0A4C-9E2B-7A723FEF6E1C}"/>
+              </a:ext>
+            </a:extLst>
+          </p:cNvPr>
+          <p:cNvSpPr/>
+          <p:nvPr/>
+        </p:nvSpPr>
+        <p:spPr>
+          <a:xfrm flipV="1">
+            <a:off x="1482633" y="3267889"/>
+            <a:ext cx="1140823" cy="652603"/>
+          </a:xfrm>
+          <a:prstGeom prst="bentArrow">
+            <a:avLst/>
+          </a:prstGeom>
+        </p:spPr>
+        <p:style>
+          <a:lnRef idx="2">
+            <a:schemeClr val="accent1">
+              <a:shade val="50000"/>
+            </a:schemeClr>
+          </a:lnRef>
+          <a:fillRef idx="1">
+            <a:schemeClr val="accent1"/>
+          </a:fillRef>
+          <a:effectRef idx="0">
+            <a:schemeClr val="accent1"/>
+          </a:effectRef>
+          <a:fontRef idx="minor">
+            <a:schemeClr val="lt1"/>
+          </a:fontRef>
+        </p:style>
+        <p:txBody>
+          <a:bodyPr rtlCol="0" anchor="ctr"/>
+          <a:lstStyle/>
+          <a:p>
+            <a:pPr algn="ctr"/>
+            <a:endParaRPr lang="en-US">
+              <a:solidFill>
+                <a:schemeClr val="tx1"/>
+              </a:solidFill>
+            </a:endParaRPr>
+          </a:p>
+        </p:txBody>
+      </p:sp>
+      <p:sp>
+        <p:nvSpPr>
+          <p:cNvPr id="12" name="Left-right Arrow 11">
+            <a:extLst>
+              <a:ext uri="{FF2B5EF4-FFF2-40B4-BE49-F238E27FC236}">
+                <a16:creationId xmlns:a16="http://schemas.microsoft.com/office/drawing/2014/main" id="{1FDCCC02-CD1B-A640-AA09-0CCBD2110EB7}"/>
+              </a:ext>
+            </a:extLst>
+          </p:cNvPr>
+          <p:cNvSpPr/>
+          <p:nvPr/>
+        </p:nvSpPr>
+        <p:spPr>
+          <a:xfrm>
+            <a:off x="3921033" y="2107473"/>
+            <a:ext cx="396240" cy="174171"/>
+          </a:xfrm>
+          <a:prstGeom prst="leftRightArrow">
+            <a:avLst/>
+          </a:prstGeom>
+        </p:spPr>
+        <p:style>
+          <a:lnRef idx="2">
+            <a:schemeClr val="accent1">
+              <a:shade val="50000"/>
+            </a:schemeClr>
+          </a:lnRef>
+          <a:fillRef idx="1">
+            <a:schemeClr val="accent1"/>
+          </a:fillRef>
+          <a:effectRef idx="0">
+            <a:schemeClr val="accent1"/>
+          </a:effectRef>
+          <a:fontRef idx="minor">
+            <a:schemeClr val="lt1"/>
+          </a:fontRef>
+        </p:style>
+        <p:txBody>
+          <a:bodyPr rtlCol="0" anchor="ctr"/>
+          <a:lstStyle/>
+          <a:p>
+            <a:pPr algn="ctr"/>
+            <a:endParaRPr lang="en-US"/>
+          </a:p>
+        </p:txBody>
+      </p:sp>
+      <p:sp>
+        <p:nvSpPr>
+          <p:cNvPr id="13" name="Left-right Arrow 12">
+            <a:extLst>
+              <a:ext uri="{FF2B5EF4-FFF2-40B4-BE49-F238E27FC236}">
+                <a16:creationId xmlns:a16="http://schemas.microsoft.com/office/drawing/2014/main" id="{C470779C-18A9-9740-9B4A-F7E79B8CD066}"/>
+              </a:ext>
+            </a:extLst>
+          </p:cNvPr>
+          <p:cNvSpPr/>
+          <p:nvPr/>
+        </p:nvSpPr>
+        <p:spPr>
+          <a:xfrm>
+            <a:off x="3921033" y="3688078"/>
+            <a:ext cx="396240" cy="174171"/>
+          </a:xfrm>
+          <a:prstGeom prst="leftRightArrow">
+            <a:avLst/>
+          </a:prstGeom>
+        </p:spPr>
+        <p:style>
+          <a:lnRef idx="2">
+            <a:schemeClr val="accent1">
+              <a:shade val="50000"/>
+            </a:schemeClr>
+          </a:lnRef>
+          <a:fillRef idx="1">
+            <a:schemeClr val="accent1"/>
+          </a:fillRef>
+          <a:effectRef idx="0">
+            <a:schemeClr val="accent1"/>
+          </a:effectRef>
+          <a:fontRef idx="minor">
+            <a:schemeClr val="lt1"/>
+          </a:fontRef>
+        </p:style>
+        <p:txBody>
+          <a:bodyPr rtlCol="0" anchor="ctr"/>
+          <a:lstStyle/>
+          <a:p>
+            <a:pPr algn="ctr"/>
+            <a:endParaRPr lang="en-US"/>
+          </a:p>
+        </p:txBody>
+      </p:sp>
+      <p:sp>
+        <p:nvSpPr>
+          <p:cNvPr id="14" name="Left-right Arrow 13">
+            <a:extLst>
+              <a:ext uri="{FF2B5EF4-FFF2-40B4-BE49-F238E27FC236}">
+                <a16:creationId xmlns:a16="http://schemas.microsoft.com/office/drawing/2014/main" id="{75D3AA74-AD7A-5043-8252-0593CD32314B}"/>
+              </a:ext>
+            </a:extLst>
+          </p:cNvPr>
+          <p:cNvSpPr/>
+          <p:nvPr/>
+        </p:nvSpPr>
+        <p:spPr>
+          <a:xfrm>
+            <a:off x="5499462" y="2872197"/>
+            <a:ext cx="396240" cy="174171"/>
+          </a:xfrm>
+          <a:prstGeom prst="leftRightArrow">
+            <a:avLst/>
+          </a:prstGeom>
+        </p:spPr>
+        <p:style>
+          <a:lnRef idx="2">
+            <a:schemeClr val="accent1">
+              <a:shade val="50000"/>
+            </a:schemeClr>
+          </a:lnRef>
+          <a:fillRef idx="1">
+            <a:schemeClr val="accent1"/>
+          </a:fillRef>
+          <a:effectRef idx="0">
+            <a:schemeClr val="accent1"/>
+          </a:effectRef>
+          <a:fontRef idx="minor">
+            <a:schemeClr val="lt1"/>
+          </a:fontRef>
+        </p:style>
+        <p:txBody>
+          <a:bodyPr rtlCol="0" anchor="ctr"/>
+          <a:lstStyle/>
+          <a:p>
+            <a:pPr algn="ctr"/>
+            <a:endParaRPr lang="en-US"/>
+          </a:p>
+        </p:txBody>
+      </p:sp>
+      <p:sp>
+        <p:nvSpPr>
+          <p:cNvPr id="15" name="Can 14">
+            <a:extLst>
+              <a:ext uri="{FF2B5EF4-FFF2-40B4-BE49-F238E27FC236}">
+                <a16:creationId xmlns:a16="http://schemas.microsoft.com/office/drawing/2014/main" id="{7D7BA7AB-DC0C-9E44-90BD-D4A9A5093798}"/>
+              </a:ext>
+            </a:extLst>
+          </p:cNvPr>
+          <p:cNvSpPr/>
+          <p:nvPr/>
+        </p:nvSpPr>
+        <p:spPr>
+          <a:xfrm>
+            <a:off x="11173098" y="4702628"/>
+            <a:ext cx="896982" cy="766355"/>
+          </a:xfrm>
+          <a:prstGeom prst="can">
+            <a:avLst/>
+          </a:prstGeom>
+        </p:spPr>
+        <p:style>
+          <a:lnRef idx="2">
+            <a:schemeClr val="accent1">
+              <a:shade val="50000"/>
+            </a:schemeClr>
+          </a:lnRef>
+          <a:fillRef idx="1">
+            <a:schemeClr val="accent1"/>
+          </a:fillRef>
+          <a:effectRef idx="0">
+            <a:schemeClr val="accent1"/>
+          </a:effectRef>
+          <a:fontRef idx="minor">
+            <a:schemeClr val="lt1"/>
+          </a:fontRef>
+        </p:style>
+        <p:txBody>
+          <a:bodyPr rtlCol="0" anchor="ctr"/>
+          <a:lstStyle/>
+          <a:p>
+            <a:pPr algn="ctr"/>
+            <a:r>
+              <a:rPr lang="en-US" dirty="0"/>
+              <a:t>Ext</a:t>
+            </a:r>
+          </a:p>
+          <a:p>
+            <a:pPr algn="ctr"/>
+            <a:r>
+              <a:rPr lang="en-US" dirty="0"/>
+              <a:t>Db</a:t>
+            </a:r>
+          </a:p>
+        </p:txBody>
+      </p:sp>
+      <p:sp>
+        <p:nvSpPr>
+          <p:cNvPr id="16" name="Rounded Rectangle 15">
+            <a:extLst>
+              <a:ext uri="{FF2B5EF4-FFF2-40B4-BE49-F238E27FC236}">
+                <a16:creationId xmlns:a16="http://schemas.microsoft.com/office/drawing/2014/main" id="{CFB25393-8179-0B48-A7E7-D8B1CA50E15E}"/>
+              </a:ext>
+            </a:extLst>
+          </p:cNvPr>
+          <p:cNvSpPr/>
+          <p:nvPr/>
+        </p:nvSpPr>
+        <p:spPr>
+          <a:xfrm>
+            <a:off x="8934994" y="4206240"/>
+            <a:ext cx="1341120" cy="1733006"/>
+          </a:xfrm>
+          <a:prstGeom prst="roundRect">
+            <a:avLst/>
+          </a:prstGeom>
+        </p:spPr>
+        <p:style>
+          <a:lnRef idx="2">
+            <a:schemeClr val="accent1">
+              <a:shade val="50000"/>
+            </a:schemeClr>
+          </a:lnRef>
+          <a:fillRef idx="1">
+            <a:schemeClr val="accent1"/>
+          </a:fillRef>
+          <a:effectRef idx="0">
+            <a:schemeClr val="accent1"/>
+          </a:effectRef>
+          <a:fontRef idx="minor">
+            <a:schemeClr val="lt1"/>
+          </a:fontRef>
+        </p:style>
+        <p:txBody>
+          <a:bodyPr rtlCol="0" anchor="ctr"/>
+          <a:lstStyle/>
+          <a:p>
+            <a:pPr algn="ctr"/>
+            <a:r>
+              <a:rPr lang="en-US" dirty="0"/>
+              <a:t>Externally</a:t>
+            </a:r>
+          </a:p>
+          <a:p>
+            <a:pPr algn="ctr"/>
+            <a:r>
+              <a:rPr lang="en-US" dirty="0"/>
+              <a:t>Hosted App</a:t>
+            </a:r>
+          </a:p>
+          <a:p>
+            <a:pPr algn="ctr"/>
+            <a:r>
+              <a:rPr lang="en-US" dirty="0"/>
+              <a:t>On REST</a:t>
+            </a:r>
+          </a:p>
+          <a:p>
+            <a:pPr algn="ctr"/>
+            <a:endParaRPr lang="en-US" dirty="0"/>
+          </a:p>
+        </p:txBody>
+      </p:sp>
+      <p:sp>
+        <p:nvSpPr>
+          <p:cNvPr id="17" name="Left-right Arrow 16">
+            <a:extLst>
+              <a:ext uri="{FF2B5EF4-FFF2-40B4-BE49-F238E27FC236}">
+                <a16:creationId xmlns:a16="http://schemas.microsoft.com/office/drawing/2014/main" id="{2BDC5A84-FBD3-C94E-8FF2-7B1A804ADFC0}"/>
+              </a:ext>
+            </a:extLst>
+          </p:cNvPr>
+          <p:cNvSpPr/>
+          <p:nvPr/>
+        </p:nvSpPr>
+        <p:spPr>
+          <a:xfrm>
+            <a:off x="10284823" y="4972594"/>
+            <a:ext cx="888275" cy="296092"/>
+          </a:xfrm>
+          <a:prstGeom prst="leftRightArrow">
+            <a:avLst/>
+          </a:prstGeom>
+        </p:spPr>
+        <p:style>
+          <a:lnRef idx="2">
+            <a:schemeClr val="accent1">
+              <a:shade val="50000"/>
+            </a:schemeClr>
+          </a:lnRef>
+          <a:fillRef idx="1">
+            <a:schemeClr val="accent1"/>
+          </a:fillRef>
+          <a:effectRef idx="0">
+            <a:schemeClr val="accent1"/>
+          </a:effectRef>
+          <a:fontRef idx="minor">
+            <a:schemeClr val="lt1"/>
+          </a:fontRef>
+        </p:style>
+        <p:txBody>
+          <a:bodyPr rtlCol="0" anchor="ctr"/>
+          <a:lstStyle/>
+          <a:p>
+            <a:pPr algn="ctr"/>
+            <a:endParaRPr lang="en-US"/>
+          </a:p>
+        </p:txBody>
+      </p:sp>
+      <p:sp>
+        <p:nvSpPr>
+          <p:cNvPr id="18" name="Right Arrow 17">
+            <a:extLst>
+              <a:ext uri="{FF2B5EF4-FFF2-40B4-BE49-F238E27FC236}">
+                <a16:creationId xmlns:a16="http://schemas.microsoft.com/office/drawing/2014/main" id="{A4A5F32A-D8F6-984C-95FB-928C499EBD56}"/>
+              </a:ext>
+            </a:extLst>
+          </p:cNvPr>
+          <p:cNvSpPr/>
+          <p:nvPr/>
+        </p:nvSpPr>
+        <p:spPr>
+          <a:xfrm>
+            <a:off x="121920" y="5445032"/>
+            <a:ext cx="8844097" cy="400594"/>
+          </a:xfrm>
+          <a:prstGeom prst="rightArrow">
+            <a:avLst/>
+          </a:prstGeom>
+        </p:spPr>
+        <p:style>
+          <a:lnRef idx="2">
+            <a:schemeClr val="accent1">
+              <a:shade val="50000"/>
+            </a:schemeClr>
+          </a:lnRef>
+          <a:fillRef idx="1">
+            <a:schemeClr val="accent1"/>
+          </a:fillRef>
+          <a:effectRef idx="0">
+            <a:schemeClr val="accent1"/>
+          </a:effectRef>
+          <a:fontRef idx="minor">
+            <a:schemeClr val="lt1"/>
+          </a:fontRef>
+        </p:style>
+        <p:txBody>
+          <a:bodyPr rtlCol="0" anchor="ctr"/>
+          <a:lstStyle/>
+          <a:p>
+            <a:pPr algn="ctr"/>
+            <a:r>
+              <a:rPr lang="en-US" dirty="0"/>
+              <a:t>Other Users are accessing the Application</a:t>
+            </a:r>
+          </a:p>
+        </p:txBody>
+      </p:sp>
+      <p:sp>
+        <p:nvSpPr>
+          <p:cNvPr id="19" name="Bent Arrow 18">
+            <a:extLst>
+              <a:ext uri="{FF2B5EF4-FFF2-40B4-BE49-F238E27FC236}">
+                <a16:creationId xmlns:a16="http://schemas.microsoft.com/office/drawing/2014/main" id="{B052822B-BDB6-FD45-B9D3-25C0BB2D2D72}"/>
+              </a:ext>
+            </a:extLst>
+          </p:cNvPr>
+          <p:cNvSpPr/>
+          <p:nvPr/>
+        </p:nvSpPr>
+        <p:spPr>
+          <a:xfrm flipV="1">
+            <a:off x="4777737" y="4256310"/>
+            <a:ext cx="4148547" cy="1012375"/>
+          </a:xfrm>
+          <a:prstGeom prst="bentArrow">
+            <a:avLst/>
+          </a:prstGeom>
+        </p:spPr>
+        <p:style>
+          <a:lnRef idx="2">
+            <a:schemeClr val="accent1">
+              <a:shade val="50000"/>
+            </a:schemeClr>
+          </a:lnRef>
+          <a:fillRef idx="1">
+            <a:schemeClr val="accent1"/>
+          </a:fillRef>
+          <a:effectRef idx="0">
+            <a:schemeClr val="accent1"/>
+          </a:effectRef>
+          <a:fontRef idx="minor">
+            <a:schemeClr val="lt1"/>
+          </a:fontRef>
+        </p:style>
+        <p:txBody>
+          <a:bodyPr rtlCol="0" anchor="ctr"/>
+          <a:lstStyle/>
+          <a:p>
+            <a:pPr algn="ctr"/>
+            <a:endParaRPr lang="en-US" dirty="0">
+              <a:solidFill>
+                <a:schemeClr val="tx1"/>
+              </a:solidFill>
+            </a:endParaRPr>
+          </a:p>
+        </p:txBody>
+      </p:sp>
+      <p:sp>
+        <p:nvSpPr>
+          <p:cNvPr id="20" name="TextBox 19">
+            <a:extLst>
+              <a:ext uri="{FF2B5EF4-FFF2-40B4-BE49-F238E27FC236}">
+                <a16:creationId xmlns:a16="http://schemas.microsoft.com/office/drawing/2014/main" id="{AB7A9604-D8CC-3C48-AD3C-D82D9CC07227}"/>
+              </a:ext>
+            </a:extLst>
+          </p:cNvPr>
+          <p:cNvSpPr txBox="1"/>
+          <p:nvPr/>
+        </p:nvSpPr>
+        <p:spPr>
+          <a:xfrm>
+            <a:off x="5795551" y="4802861"/>
+            <a:ext cx="2488478" cy="246221"/>
+          </a:xfrm>
+          <a:prstGeom prst="rect">
+            <a:avLst/>
+          </a:prstGeom>
+          <a:noFill/>
+        </p:spPr>
+        <p:txBody>
+          <a:bodyPr wrap="square" rtlCol="0">
+            <a:spAutoFit/>
+          </a:bodyPr>
+          <a:lstStyle/>
+          <a:p>
+            <a:r>
+              <a:rPr lang="en-US" sz="1000" dirty="0"/>
+              <a:t>Node.js is accessing the External App</a:t>
+            </a:r>
+          </a:p>
+        </p:txBody>
+      </p:sp>
+      <p:sp>
+        <p:nvSpPr>
+          <p:cNvPr id="21" name="Curved Down Arrow 20">
+            <a:extLst>
+              <a:ext uri="{FF2B5EF4-FFF2-40B4-BE49-F238E27FC236}">
+                <a16:creationId xmlns:a16="http://schemas.microsoft.com/office/drawing/2014/main" id="{B0468C8D-FB63-FA43-B6D3-9ADC98120729}"/>
+              </a:ext>
+            </a:extLst>
+          </p:cNvPr>
+          <p:cNvSpPr/>
+          <p:nvPr/>
+        </p:nvSpPr>
+        <p:spPr>
+          <a:xfrm>
+            <a:off x="9860823" y="2164077"/>
+            <a:ext cx="1119594" cy="349430"/>
+          </a:xfrm>
+          <a:prstGeom prst="curvedDownArrow">
+            <a:avLst/>
+          </a:prstGeom>
+        </p:spPr>
+        <p:style>
+          <a:lnRef idx="2">
+            <a:schemeClr val="accent1">
+              <a:shade val="50000"/>
+            </a:schemeClr>
+          </a:lnRef>
+          <a:fillRef idx="1">
+            <a:schemeClr val="accent1"/>
+          </a:fillRef>
+          <a:effectRef idx="0">
+            <a:schemeClr val="accent1"/>
+          </a:effectRef>
+          <a:fontRef idx="minor">
+            <a:schemeClr val="lt1"/>
+          </a:fontRef>
+        </p:style>
+        <p:txBody>
+          <a:bodyPr rtlCol="0" anchor="ctr"/>
+          <a:lstStyle/>
+          <a:p>
+            <a:pPr algn="ctr"/>
+            <a:endParaRPr lang="en-US">
+              <a:solidFill>
+                <a:schemeClr val="tx1"/>
+              </a:solidFill>
+            </a:endParaRPr>
+          </a:p>
+        </p:txBody>
+      </p:sp>
+      <p:sp>
+        <p:nvSpPr>
+          <p:cNvPr id="22" name="Curved Down Arrow 21">
+            <a:extLst>
+              <a:ext uri="{FF2B5EF4-FFF2-40B4-BE49-F238E27FC236}">
+                <a16:creationId xmlns:a16="http://schemas.microsoft.com/office/drawing/2014/main" id="{0CC8B56E-CB7F-AB46-88D3-49419C63A75C}"/>
+              </a:ext>
+            </a:extLst>
+          </p:cNvPr>
+          <p:cNvSpPr/>
+          <p:nvPr/>
+        </p:nvSpPr>
+        <p:spPr>
+          <a:xfrm>
+            <a:off x="7998823" y="2164079"/>
+            <a:ext cx="1119594" cy="349430"/>
+          </a:xfrm>
+          <a:prstGeom prst="curvedDownArrow">
+            <a:avLst/>
+          </a:prstGeom>
+        </p:spPr>
+        <p:style>
+          <a:lnRef idx="2">
+            <a:schemeClr val="accent1">
+              <a:shade val="50000"/>
+            </a:schemeClr>
+          </a:lnRef>
+          <a:fillRef idx="1">
+            <a:schemeClr val="accent1"/>
+          </a:fillRef>
+          <a:effectRef idx="0">
+            <a:schemeClr val="accent1"/>
+          </a:effectRef>
+          <a:fontRef idx="minor">
+            <a:schemeClr val="lt1"/>
+          </a:fontRef>
+        </p:style>
+        <p:txBody>
+          <a:bodyPr rtlCol="0" anchor="ctr"/>
+          <a:lstStyle/>
+          <a:p>
+            <a:pPr algn="ctr"/>
+            <a:endParaRPr lang="en-US">
+              <a:solidFill>
+                <a:schemeClr val="tx1"/>
+              </a:solidFill>
+            </a:endParaRPr>
+          </a:p>
+        </p:txBody>
+      </p:sp>
+      <p:sp>
+        <p:nvSpPr>
+          <p:cNvPr id="23" name="Rectangle 22">
+            <a:extLst>
+              <a:ext uri="{FF2B5EF4-FFF2-40B4-BE49-F238E27FC236}">
+                <a16:creationId xmlns:a16="http://schemas.microsoft.com/office/drawing/2014/main" id="{6E0DE36E-0181-F14A-A3AF-6D4FD8C0A242}"/>
+              </a:ext>
+            </a:extLst>
+          </p:cNvPr>
+          <p:cNvSpPr/>
+          <p:nvPr/>
+        </p:nvSpPr>
+        <p:spPr>
+          <a:xfrm>
+            <a:off x="8926284" y="2513509"/>
+            <a:ext cx="1097282" cy="665118"/>
+          </a:xfrm>
+          <a:prstGeom prst="rect">
+            <a:avLst/>
+          </a:prstGeom>
+        </p:spPr>
+        <p:style>
+          <a:lnRef idx="2">
+            <a:schemeClr val="accent1">
+              <a:shade val="50000"/>
+            </a:schemeClr>
+          </a:lnRef>
+          <a:fillRef idx="1">
+            <a:schemeClr val="accent1"/>
+          </a:fillRef>
+          <a:effectRef idx="0">
+            <a:schemeClr val="accent1"/>
+          </a:effectRef>
+          <a:fontRef idx="minor">
+            <a:schemeClr val="lt1"/>
+          </a:fontRef>
+        </p:style>
+        <p:txBody>
+          <a:bodyPr rtlCol="0" anchor="ctr"/>
+          <a:lstStyle/>
+          <a:p>
+            <a:pPr algn="ctr"/>
+            <a:r>
+              <a:rPr lang="en-US" dirty="0"/>
+              <a:t>Http</a:t>
+            </a:r>
+          </a:p>
+          <a:p>
+            <a:pPr algn="ctr"/>
+            <a:r>
+              <a:rPr lang="en-US" dirty="0"/>
+              <a:t>request</a:t>
+            </a:r>
+          </a:p>
+        </p:txBody>
+      </p:sp>
+      <p:sp>
+        <p:nvSpPr>
+          <p:cNvPr id="24" name="Rectangle 23">
+            <a:extLst>
+              <a:ext uri="{FF2B5EF4-FFF2-40B4-BE49-F238E27FC236}">
+                <a16:creationId xmlns:a16="http://schemas.microsoft.com/office/drawing/2014/main" id="{63DF2D05-8270-514A-A1A0-28D49CA6B2F5}"/>
+              </a:ext>
+            </a:extLst>
+          </p:cNvPr>
+          <p:cNvSpPr/>
+          <p:nvPr/>
+        </p:nvSpPr>
+        <p:spPr>
+          <a:xfrm>
+            <a:off x="10674531" y="2539638"/>
+            <a:ext cx="1097282" cy="665118"/>
+          </a:xfrm>
+          <a:prstGeom prst="rect">
+            <a:avLst/>
+          </a:prstGeom>
+        </p:spPr>
+        <p:style>
+          <a:lnRef idx="2">
+            <a:schemeClr val="accent1">
+              <a:shade val="50000"/>
+            </a:schemeClr>
+          </a:lnRef>
+          <a:fillRef idx="1">
+            <a:schemeClr val="accent1"/>
+          </a:fillRef>
+          <a:effectRef idx="0">
+            <a:schemeClr val="accent1"/>
+          </a:effectRef>
+          <a:fontRef idx="minor">
+            <a:schemeClr val="lt1"/>
+          </a:fontRef>
+        </p:style>
+        <p:txBody>
+          <a:bodyPr rtlCol="0" anchor="ctr"/>
+          <a:lstStyle/>
+          <a:p>
+            <a:pPr algn="ctr"/>
+            <a:r>
+              <a:rPr lang="en-US" dirty="0"/>
+              <a:t>Async</a:t>
+            </a:r>
+          </a:p>
+          <a:p>
+            <a:pPr algn="ctr"/>
+            <a:r>
+              <a:rPr lang="en-US" dirty="0"/>
+              <a:t>Service</a:t>
+            </a:r>
+          </a:p>
+        </p:txBody>
+      </p:sp>
+      <p:sp>
+        <p:nvSpPr>
+          <p:cNvPr id="25" name="Curved Down Arrow 24">
+            <a:extLst>
+              <a:ext uri="{FF2B5EF4-FFF2-40B4-BE49-F238E27FC236}">
+                <a16:creationId xmlns:a16="http://schemas.microsoft.com/office/drawing/2014/main" id="{CB8B879C-5BAB-5149-9D61-F31FA42AA086}"/>
+              </a:ext>
+            </a:extLst>
+          </p:cNvPr>
+          <p:cNvSpPr/>
+          <p:nvPr/>
+        </p:nvSpPr>
+        <p:spPr>
+          <a:xfrm rot="10800000">
+            <a:off x="9725026" y="3130190"/>
+            <a:ext cx="1119594" cy="349430"/>
+          </a:xfrm>
+          <a:prstGeom prst="curvedDownArrow">
+            <a:avLst/>
+          </a:prstGeom>
+        </p:spPr>
+        <p:style>
+          <a:lnRef idx="2">
+            <a:schemeClr val="accent1">
+              <a:shade val="50000"/>
+            </a:schemeClr>
+          </a:lnRef>
+          <a:fillRef idx="1">
+            <a:schemeClr val="accent1"/>
+          </a:fillRef>
+          <a:effectRef idx="0">
+            <a:schemeClr val="accent1"/>
+          </a:effectRef>
+          <a:fontRef idx="minor">
+            <a:schemeClr val="lt1"/>
+          </a:fontRef>
+        </p:style>
+        <p:txBody>
+          <a:bodyPr rtlCol="0" anchor="ctr"/>
+          <a:lstStyle/>
+          <a:p>
+            <a:pPr algn="ctr"/>
+            <a:endParaRPr lang="en-US">
+              <a:solidFill>
+                <a:schemeClr val="tx1"/>
+              </a:solidFill>
+            </a:endParaRPr>
+          </a:p>
+        </p:txBody>
+      </p:sp>
+      <p:sp>
+        <p:nvSpPr>
+          <p:cNvPr id="26" name="Curved Down Arrow 25">
+            <a:extLst>
+              <a:ext uri="{FF2B5EF4-FFF2-40B4-BE49-F238E27FC236}">
+                <a16:creationId xmlns:a16="http://schemas.microsoft.com/office/drawing/2014/main" id="{1699956F-A8E4-E94E-96CC-C71A84654542}"/>
+              </a:ext>
+            </a:extLst>
+          </p:cNvPr>
+          <p:cNvSpPr/>
+          <p:nvPr/>
+        </p:nvSpPr>
+        <p:spPr>
+          <a:xfrm rot="10800000">
+            <a:off x="7969433" y="3133723"/>
+            <a:ext cx="1119594" cy="349430"/>
+          </a:xfrm>
+          <a:prstGeom prst="curvedDownArrow">
+            <a:avLst/>
+          </a:prstGeom>
+        </p:spPr>
+        <p:style>
+          <a:lnRef idx="2">
+            <a:schemeClr val="accent1">
+              <a:shade val="50000"/>
+            </a:schemeClr>
+          </a:lnRef>
+          <a:fillRef idx="1">
+            <a:schemeClr val="accent1"/>
+          </a:fillRef>
+          <a:effectRef idx="0">
+            <a:schemeClr val="accent1"/>
+          </a:effectRef>
+          <a:fontRef idx="minor">
+            <a:schemeClr val="lt1"/>
+          </a:fontRef>
+        </p:style>
+        <p:txBody>
+          <a:bodyPr rtlCol="0" anchor="ctr"/>
+          <a:lstStyle/>
+          <a:p>
+            <a:pPr algn="ctr"/>
+            <a:endParaRPr lang="en-US">
+              <a:solidFill>
+                <a:schemeClr val="tx1"/>
+              </a:solidFill>
+            </a:endParaRPr>
+          </a:p>
+        </p:txBody>
+      </p:sp>
+    </p:spTree>
+    <p:extLst>
+      <p:ext uri="{BB962C8B-B14F-4D97-AF65-F5344CB8AC3E}">
+        <p14:creationId xmlns:p14="http://schemas.microsoft.com/office/powerpoint/2010/main" val="2968097066"/>
       </p:ext>
     </p:extLst>
   </p:cSld>

--- a/Training_Notes_PPTs.pptx
+++ b/Training_Notes_PPTs.pptx
@@ -41,6 +41,8 @@
     <p:sldId id="289" r:id="rId35"/>
     <p:sldId id="290" r:id="rId36"/>
     <p:sldId id="291" r:id="rId37"/>
+    <p:sldId id="292" r:id="rId38"/>
+    <p:sldId id="293" r:id="rId39"/>
   </p:sldIdLst>
   <p:sldSz cx="12192000" cy="6858000"/>
   <p:notesSz cx="6858000" cy="9144000"/>
@@ -286,7 +288,7 @@
           <a:p>
             <a:fld id="{587FB2BA-09D0-1840-B49D-E4BDDD8ED284}" type="datetimeFigureOut">
               <a:rPr lang="en-US" smtClean="0"/>
-              <a:t>1/13/21</a:t>
+              <a:t>1/14/21</a:t>
             </a:fld>
             <a:endParaRPr lang="en-US"/>
           </a:p>
@@ -497,7 +499,7 @@
           <a:p>
             <a:fld id="{587FB2BA-09D0-1840-B49D-E4BDDD8ED284}" type="datetimeFigureOut">
               <a:rPr lang="en-US" smtClean="0"/>
-              <a:t>1/13/21</a:t>
+              <a:t>1/14/21</a:t>
             </a:fld>
             <a:endParaRPr lang="en-US"/>
           </a:p>
@@ -712,7 +714,7 @@
           <a:p>
             <a:fld id="{587FB2BA-09D0-1840-B49D-E4BDDD8ED284}" type="datetimeFigureOut">
               <a:rPr lang="en-US" smtClean="0"/>
-              <a:t>1/13/21</a:t>
+              <a:t>1/14/21</a:t>
             </a:fld>
             <a:endParaRPr lang="en-US"/>
           </a:p>
@@ -913,7 +915,7 @@
           <a:p>
             <a:fld id="{587FB2BA-09D0-1840-B49D-E4BDDD8ED284}" type="datetimeFigureOut">
               <a:rPr lang="en-US" smtClean="0"/>
-              <a:t>1/13/21</a:t>
+              <a:t>1/14/21</a:t>
             </a:fld>
             <a:endParaRPr lang="en-US"/>
           </a:p>
@@ -1192,7 +1194,7 @@
           <a:p>
             <a:fld id="{587FB2BA-09D0-1840-B49D-E4BDDD8ED284}" type="datetimeFigureOut">
               <a:rPr lang="en-US" smtClean="0"/>
-              <a:t>1/13/21</a:t>
+              <a:t>1/14/21</a:t>
             </a:fld>
             <a:endParaRPr lang="en-US"/>
           </a:p>
@@ -1460,7 +1462,7 @@
           <a:p>
             <a:fld id="{587FB2BA-09D0-1840-B49D-E4BDDD8ED284}" type="datetimeFigureOut">
               <a:rPr lang="en-US" smtClean="0"/>
-              <a:t>1/13/21</a:t>
+              <a:t>1/14/21</a:t>
             </a:fld>
             <a:endParaRPr lang="en-US"/>
           </a:p>
@@ -1876,7 +1878,7 @@
           <a:p>
             <a:fld id="{587FB2BA-09D0-1840-B49D-E4BDDD8ED284}" type="datetimeFigureOut">
               <a:rPr lang="en-US" smtClean="0"/>
-              <a:t>1/13/21</a:t>
+              <a:t>1/14/21</a:t>
             </a:fld>
             <a:endParaRPr lang="en-US"/>
           </a:p>
@@ -2025,7 +2027,7 @@
           <a:p>
             <a:fld id="{587FB2BA-09D0-1840-B49D-E4BDDD8ED284}" type="datetimeFigureOut">
               <a:rPr lang="en-US" smtClean="0"/>
-              <a:t>1/13/21</a:t>
+              <a:t>1/14/21</a:t>
             </a:fld>
             <a:endParaRPr lang="en-US"/>
           </a:p>
@@ -2151,7 +2153,7 @@
           <a:p>
             <a:fld id="{587FB2BA-09D0-1840-B49D-E4BDDD8ED284}" type="datetimeFigureOut">
               <a:rPr lang="en-US" smtClean="0"/>
-              <a:t>1/13/21</a:t>
+              <a:t>1/14/21</a:t>
             </a:fld>
             <a:endParaRPr lang="en-US"/>
           </a:p>
@@ -2402,7 +2404,7 @@
           <a:p>
             <a:fld id="{587FB2BA-09D0-1840-B49D-E4BDDD8ED284}" type="datetimeFigureOut">
               <a:rPr lang="en-US" smtClean="0"/>
-              <a:t>1/13/21</a:t>
+              <a:t>1/14/21</a:t>
             </a:fld>
             <a:endParaRPr lang="en-US"/>
           </a:p>
@@ -2847,7 +2849,7 @@
           <a:p>
             <a:fld id="{587FB2BA-09D0-1840-B49D-E4BDDD8ED284}" type="datetimeFigureOut">
               <a:rPr lang="en-US" smtClean="0"/>
-              <a:t>1/13/21</a:t>
+              <a:t>1/14/21</a:t>
             </a:fld>
             <a:endParaRPr lang="en-US"/>
           </a:p>
@@ -3174,7 +3176,7 @@
           <a:p>
             <a:fld id="{587FB2BA-09D0-1840-B49D-E4BDDD8ED284}" type="datetimeFigureOut">
               <a:rPr lang="en-US" smtClean="0"/>
-              <a:t>1/13/21</a:t>
+              <a:t>1/14/21</a:t>
             </a:fld>
             <a:endParaRPr lang="en-US"/>
           </a:p>
@@ -29537,6 +29539,1407 @@
 </p:sld>
 </file>
 
+<file path=ppt/slides/slide37.xml><?xml version="1.0" encoding="utf-8"?>
+<p:sld xmlns:a="http://schemas.openxmlformats.org/drawingml/2006/main" xmlns:r="http://schemas.openxmlformats.org/officeDocument/2006/relationships" xmlns:p="http://schemas.openxmlformats.org/presentationml/2006/main">
+  <p:cSld>
+    <p:spTree>
+      <p:nvGrpSpPr>
+        <p:cNvPr id="1" name=""/>
+        <p:cNvGrpSpPr/>
+        <p:nvPr/>
+      </p:nvGrpSpPr>
+      <p:grpSpPr>
+        <a:xfrm>
+          <a:off x="0" y="0"/>
+          <a:ext cx="0" cy="0"/>
+          <a:chOff x="0" y="0"/>
+          <a:chExt cx="0" cy="0"/>
+        </a:xfrm>
+      </p:grpSpPr>
+      <p:sp>
+        <p:nvSpPr>
+          <p:cNvPr id="2" name="TextBox 1">
+            <a:extLst>
+              <a:ext uri="{FF2B5EF4-FFF2-40B4-BE49-F238E27FC236}">
+                <a16:creationId xmlns:a16="http://schemas.microsoft.com/office/drawing/2014/main" id="{3FC3B7F9-4069-5D40-8F0A-AB89B5A77E45}"/>
+              </a:ext>
+            </a:extLst>
+          </p:cNvPr>
+          <p:cNvSpPr txBox="1"/>
+          <p:nvPr/>
+        </p:nvSpPr>
+        <p:spPr>
+          <a:xfrm>
+            <a:off x="1846217" y="139337"/>
+            <a:ext cx="8499565" cy="369332"/>
+          </a:xfrm>
+          <a:prstGeom prst="rect">
+            <a:avLst/>
+          </a:prstGeom>
+          <a:noFill/>
+        </p:spPr>
+        <p:txBody>
+          <a:bodyPr wrap="square" rtlCol="0">
+            <a:spAutoFit/>
+          </a:bodyPr>
+          <a:lstStyle/>
+          <a:p>
+            <a:pPr algn="ctr"/>
+            <a:r>
+              <a:rPr lang="en-US" dirty="0"/>
+              <a:t>Deciding the Application Module for Node.js Server-Side Development</a:t>
+            </a:r>
+          </a:p>
+        </p:txBody>
+      </p:sp>
+      <p:sp>
+        <p:nvSpPr>
+          <p:cNvPr id="3" name="TextBox 2">
+            <a:extLst>
+              <a:ext uri="{FF2B5EF4-FFF2-40B4-BE49-F238E27FC236}">
+                <a16:creationId xmlns:a16="http://schemas.microsoft.com/office/drawing/2014/main" id="{489C2B61-55FE-C84B-815E-BE6E21076E66}"/>
+              </a:ext>
+            </a:extLst>
+          </p:cNvPr>
+          <p:cNvSpPr txBox="1"/>
+          <p:nvPr/>
+        </p:nvSpPr>
+        <p:spPr>
+          <a:xfrm>
+            <a:off x="339634" y="818606"/>
+            <a:ext cx="11321143" cy="3416320"/>
+          </a:xfrm>
+          <a:prstGeom prst="rect">
+            <a:avLst/>
+          </a:prstGeom>
+          <a:noFill/>
+        </p:spPr>
+        <p:txBody>
+          <a:bodyPr wrap="square" rtlCol="0">
+            <a:spAutoFit/>
+          </a:bodyPr>
+          <a:lstStyle/>
+          <a:p>
+            <a:pPr marL="342900" indent="-342900">
+              <a:buFont typeface="+mj-lt"/>
+              <a:buAutoNum type="arabicPeriod"/>
+            </a:pPr>
+            <a:r>
+              <a:rPr lang="en-US" dirty="0"/>
+              <a:t>The Learning Curve of the App module</a:t>
+            </a:r>
+          </a:p>
+          <a:p>
+            <a:pPr marL="800100" lvl="1" indent="-342900">
+              <a:buFont typeface="+mj-lt"/>
+              <a:buAutoNum type="arabicPeriod"/>
+            </a:pPr>
+            <a:r>
+              <a:rPr lang="en-US" dirty="0"/>
+              <a:t>Defendant on the Object Model of the Module</a:t>
+            </a:r>
+          </a:p>
+          <a:p>
+            <a:pPr marL="342900" indent="-342900">
+              <a:buFont typeface="+mj-lt"/>
+              <a:buAutoNum type="arabicPeriod"/>
+            </a:pPr>
+            <a:r>
+              <a:rPr lang="en-US" dirty="0"/>
+              <a:t>Is it suitable for the Application Dev requirement?</a:t>
+            </a:r>
+          </a:p>
+          <a:p>
+            <a:pPr marL="800100" lvl="1" indent="-342900">
+              <a:buFont typeface="+mj-lt"/>
+              <a:buAutoNum type="arabicPeriod"/>
+            </a:pPr>
+            <a:r>
+              <a:rPr lang="en-US" dirty="0"/>
+              <a:t>Web Application with SPA and/or MPA</a:t>
+            </a:r>
+          </a:p>
+          <a:p>
+            <a:pPr marL="1257300" lvl="2" indent="-342900">
+              <a:buFont typeface="+mj-lt"/>
+              <a:buAutoNum type="arabicPeriod"/>
+            </a:pPr>
+            <a:r>
+              <a:rPr lang="en-US" dirty="0"/>
+              <a:t>Hosting and Processing Static and Dynamic Files</a:t>
+            </a:r>
+          </a:p>
+          <a:p>
+            <a:pPr marL="1257300" lvl="2" indent="-342900">
+              <a:buFont typeface="+mj-lt"/>
+              <a:buAutoNum type="arabicPeriod"/>
+            </a:pPr>
+            <a:r>
+              <a:rPr lang="en-US" dirty="0"/>
+              <a:t>Session Management</a:t>
+            </a:r>
+          </a:p>
+          <a:p>
+            <a:pPr marL="1257300" lvl="2" indent="-342900">
+              <a:buFont typeface="+mj-lt"/>
+              <a:buAutoNum type="arabicPeriod"/>
+            </a:pPr>
+            <a:r>
+              <a:rPr lang="en-US" dirty="0"/>
+              <a:t>Caching</a:t>
+            </a:r>
+          </a:p>
+          <a:p>
+            <a:pPr marL="800100" lvl="1" indent="-342900">
+              <a:buFont typeface="+mj-lt"/>
+              <a:buAutoNum type="arabicPeriod"/>
+            </a:pPr>
+            <a:r>
+              <a:rPr lang="en-US" dirty="0"/>
+              <a:t>The Modules have an easy integration with modules those are mandatory for WEB App Requirements</a:t>
+            </a:r>
+          </a:p>
+          <a:p>
+            <a:pPr marL="1257300" lvl="2" indent="-342900">
+              <a:buFont typeface="+mj-lt"/>
+              <a:buAutoNum type="arabicPeriod"/>
+            </a:pPr>
+            <a:r>
+              <a:rPr lang="en-US" dirty="0"/>
+              <a:t>Security</a:t>
+            </a:r>
+          </a:p>
+          <a:p>
+            <a:pPr marL="1257300" lvl="2" indent="-342900">
+              <a:buFont typeface="+mj-lt"/>
+              <a:buAutoNum type="arabicPeriod"/>
+            </a:pPr>
+            <a:r>
+              <a:rPr lang="en-US" dirty="0"/>
+              <a:t>Data Access</a:t>
+            </a:r>
+          </a:p>
+          <a:p>
+            <a:pPr marL="1257300" lvl="2" indent="-342900">
+              <a:buFont typeface="+mj-lt"/>
+              <a:buAutoNum type="arabicPeriod"/>
+            </a:pPr>
+            <a:r>
+              <a:rPr lang="en-US" dirty="0"/>
+              <a:t>Encryption</a:t>
+            </a:r>
+          </a:p>
+          <a:p>
+            <a:pPr marL="800100" lvl="1" indent="-342900">
+              <a:buFont typeface="+mj-lt"/>
+              <a:buAutoNum type="arabicPeriod"/>
+            </a:pPr>
+            <a:r>
+              <a:rPr lang="en-US" dirty="0"/>
+              <a:t>REST API creations for Third Party Integration</a:t>
+            </a:r>
+          </a:p>
+        </p:txBody>
+      </p:sp>
+    </p:spTree>
+    <p:extLst>
+      <p:ext uri="{BB962C8B-B14F-4D97-AF65-F5344CB8AC3E}">
+        <p14:creationId xmlns:p14="http://schemas.microsoft.com/office/powerpoint/2010/main" val="2325764094"/>
+      </p:ext>
+    </p:extLst>
+  </p:cSld>
+  <p:clrMapOvr>
+    <a:masterClrMapping/>
+  </p:clrMapOvr>
+</p:sld>
+</file>
+
+<file path=ppt/slides/slide38.xml><?xml version="1.0" encoding="utf-8"?>
+<p:sld xmlns:a="http://schemas.openxmlformats.org/drawingml/2006/main" xmlns:r="http://schemas.openxmlformats.org/officeDocument/2006/relationships" xmlns:p="http://schemas.openxmlformats.org/presentationml/2006/main">
+  <p:cSld>
+    <p:spTree>
+      <p:nvGrpSpPr>
+        <p:cNvPr id="1" name=""/>
+        <p:cNvGrpSpPr/>
+        <p:nvPr/>
+      </p:nvGrpSpPr>
+      <p:grpSpPr>
+        <a:xfrm>
+          <a:off x="0" y="0"/>
+          <a:ext cx="0" cy="0"/>
+          <a:chOff x="0" y="0"/>
+          <a:chExt cx="0" cy="0"/>
+        </a:xfrm>
+      </p:grpSpPr>
+      <p:sp>
+        <p:nvSpPr>
+          <p:cNvPr id="2" name="Rectangle 1">
+            <a:extLst>
+              <a:ext uri="{FF2B5EF4-FFF2-40B4-BE49-F238E27FC236}">
+                <a16:creationId xmlns:a16="http://schemas.microsoft.com/office/drawing/2014/main" id="{E9D565B1-B90A-B04E-BC9E-338376440DFF}"/>
+              </a:ext>
+            </a:extLst>
+          </p:cNvPr>
+          <p:cNvSpPr/>
+          <p:nvPr/>
+        </p:nvSpPr>
+        <p:spPr>
+          <a:xfrm>
+            <a:off x="3587931" y="853440"/>
+            <a:ext cx="7228115" cy="4737463"/>
+          </a:xfrm>
+          <a:prstGeom prst="rect">
+            <a:avLst/>
+          </a:prstGeom>
+        </p:spPr>
+        <p:style>
+          <a:lnRef idx="2">
+            <a:schemeClr val="accent6"/>
+          </a:lnRef>
+          <a:fillRef idx="1">
+            <a:schemeClr val="lt1"/>
+          </a:fillRef>
+          <a:effectRef idx="0">
+            <a:schemeClr val="accent6"/>
+          </a:effectRef>
+          <a:fontRef idx="minor">
+            <a:schemeClr val="dk1"/>
+          </a:fontRef>
+        </p:style>
+        <p:txBody>
+          <a:bodyPr rtlCol="0" anchor="ctr"/>
+          <a:lstStyle/>
+          <a:p>
+            <a:pPr algn="ctr"/>
+            <a:endParaRPr lang="en-US"/>
+          </a:p>
+        </p:txBody>
+      </p:sp>
+      <p:sp>
+        <p:nvSpPr>
+          <p:cNvPr id="3" name="TextBox 2">
+            <a:extLst>
+              <a:ext uri="{FF2B5EF4-FFF2-40B4-BE49-F238E27FC236}">
+                <a16:creationId xmlns:a16="http://schemas.microsoft.com/office/drawing/2014/main" id="{CD23C829-F40E-7B48-8AC0-9F2EDFD20107}"/>
+              </a:ext>
+            </a:extLst>
+          </p:cNvPr>
+          <p:cNvSpPr txBox="1"/>
+          <p:nvPr/>
+        </p:nvSpPr>
+        <p:spPr>
+          <a:xfrm>
+            <a:off x="6688183" y="226423"/>
+            <a:ext cx="3640183" cy="369332"/>
+          </a:xfrm>
+          <a:prstGeom prst="rect">
+            <a:avLst/>
+          </a:prstGeom>
+          <a:noFill/>
+        </p:spPr>
+        <p:txBody>
+          <a:bodyPr wrap="square" rtlCol="0">
+            <a:spAutoFit/>
+          </a:bodyPr>
+          <a:lstStyle/>
+          <a:p>
+            <a:r>
+              <a:rPr lang="en-US" dirty="0"/>
+              <a:t>Node.js Application Server</a:t>
+            </a:r>
+          </a:p>
+        </p:txBody>
+      </p:sp>
+      <p:sp>
+        <p:nvSpPr>
+          <p:cNvPr id="4" name="Rectangle 3">
+            <a:extLst>
+              <a:ext uri="{FF2B5EF4-FFF2-40B4-BE49-F238E27FC236}">
+                <a16:creationId xmlns:a16="http://schemas.microsoft.com/office/drawing/2014/main" id="{2F5B061A-BCAD-B549-9C1A-FCFBEDC603DB}"/>
+              </a:ext>
+            </a:extLst>
+          </p:cNvPr>
+          <p:cNvSpPr/>
+          <p:nvPr/>
+        </p:nvSpPr>
+        <p:spPr>
+          <a:xfrm>
+            <a:off x="3823064" y="1743610"/>
+            <a:ext cx="6840582" cy="3185441"/>
+          </a:xfrm>
+          <a:prstGeom prst="rect">
+            <a:avLst/>
+          </a:prstGeom>
+        </p:spPr>
+        <p:style>
+          <a:lnRef idx="1">
+            <a:schemeClr val="accent1"/>
+          </a:lnRef>
+          <a:fillRef idx="2">
+            <a:schemeClr val="accent1"/>
+          </a:fillRef>
+          <a:effectRef idx="1">
+            <a:schemeClr val="accent1"/>
+          </a:effectRef>
+          <a:fontRef idx="minor">
+            <a:schemeClr val="dk1"/>
+          </a:fontRef>
+        </p:style>
+        <p:txBody>
+          <a:bodyPr rtlCol="0" anchor="ctr"/>
+          <a:lstStyle/>
+          <a:p>
+            <a:pPr algn="ctr"/>
+            <a:endParaRPr lang="en-US"/>
+          </a:p>
+        </p:txBody>
+      </p:sp>
+      <p:sp>
+        <p:nvSpPr>
+          <p:cNvPr id="5" name="TextBox 4">
+            <a:extLst>
+              <a:ext uri="{FF2B5EF4-FFF2-40B4-BE49-F238E27FC236}">
+                <a16:creationId xmlns:a16="http://schemas.microsoft.com/office/drawing/2014/main" id="{A2E2FB0A-F7C2-9749-8061-9D3D788111F4}"/>
+              </a:ext>
+            </a:extLst>
+          </p:cNvPr>
+          <p:cNvSpPr txBox="1"/>
+          <p:nvPr/>
+        </p:nvSpPr>
+        <p:spPr>
+          <a:xfrm>
+            <a:off x="3936275" y="975360"/>
+            <a:ext cx="6731726" cy="369332"/>
+          </a:xfrm>
+          <a:prstGeom prst="rect">
+            <a:avLst/>
+          </a:prstGeom>
+          <a:noFill/>
+        </p:spPr>
+        <p:txBody>
+          <a:bodyPr wrap="square" rtlCol="0">
+            <a:spAutoFit/>
+          </a:bodyPr>
+          <a:lstStyle/>
+          <a:p>
+            <a:r>
+              <a:rPr lang="en-US" dirty="0" err="1"/>
+              <a:t>Express.js</a:t>
+            </a:r>
+            <a:r>
+              <a:rPr lang="en-US" dirty="0"/>
+              <a:t> Object Model HTTP Pipe line for Accepting Request</a:t>
+            </a:r>
+          </a:p>
+        </p:txBody>
+      </p:sp>
+      <p:sp>
+        <p:nvSpPr>
+          <p:cNvPr id="6" name="Right Arrow 5">
+            <a:extLst>
+              <a:ext uri="{FF2B5EF4-FFF2-40B4-BE49-F238E27FC236}">
+                <a16:creationId xmlns:a16="http://schemas.microsoft.com/office/drawing/2014/main" id="{05A92230-CFA1-C347-B370-DA822DEB4E2B}"/>
+              </a:ext>
+            </a:extLst>
+          </p:cNvPr>
+          <p:cNvSpPr/>
+          <p:nvPr/>
+        </p:nvSpPr>
+        <p:spPr>
+          <a:xfrm>
+            <a:off x="435429" y="1924594"/>
+            <a:ext cx="3370217" cy="121920"/>
+          </a:xfrm>
+          <a:prstGeom prst="rightArrow">
+            <a:avLst/>
+          </a:prstGeom>
+        </p:spPr>
+        <p:style>
+          <a:lnRef idx="2">
+            <a:schemeClr val="accent1">
+              <a:shade val="50000"/>
+            </a:schemeClr>
+          </a:lnRef>
+          <a:fillRef idx="1">
+            <a:schemeClr val="accent1"/>
+          </a:fillRef>
+          <a:effectRef idx="0">
+            <a:schemeClr val="accent1"/>
+          </a:effectRef>
+          <a:fontRef idx="minor">
+            <a:schemeClr val="lt1"/>
+          </a:fontRef>
+        </p:style>
+        <p:txBody>
+          <a:bodyPr rtlCol="0" anchor="ctr"/>
+          <a:lstStyle/>
+          <a:p>
+            <a:pPr algn="ctr"/>
+            <a:endParaRPr lang="en-US"/>
+          </a:p>
+        </p:txBody>
+      </p:sp>
+      <p:sp>
+        <p:nvSpPr>
+          <p:cNvPr id="7" name="TextBox 6">
+            <a:extLst>
+              <a:ext uri="{FF2B5EF4-FFF2-40B4-BE49-F238E27FC236}">
+                <a16:creationId xmlns:a16="http://schemas.microsoft.com/office/drawing/2014/main" id="{68127F4D-8D2B-8D4E-87F6-97FB3E8D458D}"/>
+              </a:ext>
+            </a:extLst>
+          </p:cNvPr>
+          <p:cNvSpPr txBox="1"/>
+          <p:nvPr/>
+        </p:nvSpPr>
+        <p:spPr>
+          <a:xfrm>
+            <a:off x="113212" y="975360"/>
+            <a:ext cx="3326674" cy="923330"/>
+          </a:xfrm>
+          <a:prstGeom prst="rect">
+            <a:avLst/>
+          </a:prstGeom>
+          <a:noFill/>
+        </p:spPr>
+        <p:txBody>
+          <a:bodyPr wrap="square" rtlCol="0">
+            <a:spAutoFit/>
+          </a:bodyPr>
+          <a:lstStyle/>
+          <a:p>
+            <a:r>
+              <a:rPr lang="en-US" dirty="0"/>
+              <a:t>Http Request</a:t>
+            </a:r>
+          </a:p>
+          <a:p>
+            <a:r>
+              <a:rPr lang="en-US" dirty="0">
+                <a:hlinkClick r:id="rId2"/>
+              </a:rPr>
+              <a:t>http://MyServer/MyApp/Home</a:t>
+            </a:r>
+            <a:endParaRPr lang="en-US" dirty="0"/>
+          </a:p>
+          <a:p>
+            <a:r>
+              <a:rPr lang="en-US" dirty="0"/>
+              <a:t>(Home page is expected)</a:t>
+            </a:r>
+          </a:p>
+        </p:txBody>
+      </p:sp>
+      <p:sp>
+        <p:nvSpPr>
+          <p:cNvPr id="8" name="Rounded Rectangle 7">
+            <a:extLst>
+              <a:ext uri="{FF2B5EF4-FFF2-40B4-BE49-F238E27FC236}">
+                <a16:creationId xmlns:a16="http://schemas.microsoft.com/office/drawing/2014/main" id="{79C44B42-1A55-9843-9D7B-B0F26CC11D78}"/>
+              </a:ext>
+            </a:extLst>
+          </p:cNvPr>
+          <p:cNvSpPr/>
+          <p:nvPr/>
+        </p:nvSpPr>
+        <p:spPr>
+          <a:xfrm>
+            <a:off x="3936275" y="1806246"/>
+            <a:ext cx="1863633" cy="722812"/>
+          </a:xfrm>
+          <a:prstGeom prst="roundRect">
+            <a:avLst/>
+          </a:prstGeom>
+        </p:spPr>
+        <p:style>
+          <a:lnRef idx="2">
+            <a:schemeClr val="accent1">
+              <a:shade val="50000"/>
+            </a:schemeClr>
+          </a:lnRef>
+          <a:fillRef idx="1">
+            <a:schemeClr val="accent1"/>
+          </a:fillRef>
+          <a:effectRef idx="0">
+            <a:schemeClr val="accent1"/>
+          </a:effectRef>
+          <a:fontRef idx="minor">
+            <a:schemeClr val="lt1"/>
+          </a:fontRef>
+        </p:style>
+        <p:txBody>
+          <a:bodyPr rtlCol="0" anchor="ctr"/>
+          <a:lstStyle/>
+          <a:p>
+            <a:pPr algn="ctr"/>
+            <a:endParaRPr lang="en-US" sz="1200" dirty="0"/>
+          </a:p>
+          <a:p>
+            <a:pPr algn="ctr"/>
+            <a:r>
+              <a:rPr lang="en-US" sz="1200" dirty="0"/>
+              <a:t>Read HTTP Header</a:t>
+            </a:r>
+          </a:p>
+          <a:p>
+            <a:pPr algn="ctr"/>
+            <a:r>
+              <a:rPr lang="en-US" sz="1200" dirty="0"/>
+              <a:t>URL, Home</a:t>
+            </a:r>
+          </a:p>
+          <a:p>
+            <a:pPr algn="ctr"/>
+            <a:r>
+              <a:rPr lang="en-US" sz="1200" dirty="0"/>
+              <a:t>Authentication</a:t>
+            </a:r>
+          </a:p>
+          <a:p>
+            <a:pPr algn="ctr"/>
+            <a:r>
+              <a:rPr lang="en-US" sz="1200" dirty="0"/>
+              <a:t>Credentials</a:t>
+            </a:r>
+          </a:p>
+          <a:p>
+            <a:pPr algn="ctr"/>
+            <a:endParaRPr lang="en-US" sz="1200" dirty="0"/>
+          </a:p>
+        </p:txBody>
+      </p:sp>
+      <p:sp>
+        <p:nvSpPr>
+          <p:cNvPr id="9" name="Rounded Rectangle 8">
+            <a:extLst>
+              <a:ext uri="{FF2B5EF4-FFF2-40B4-BE49-F238E27FC236}">
+                <a16:creationId xmlns:a16="http://schemas.microsoft.com/office/drawing/2014/main" id="{02912FC5-C9BE-0F4F-A8B6-905612028BCC}"/>
+              </a:ext>
+            </a:extLst>
+          </p:cNvPr>
+          <p:cNvSpPr/>
+          <p:nvPr/>
+        </p:nvSpPr>
+        <p:spPr>
+          <a:xfrm>
+            <a:off x="6035041" y="1806246"/>
+            <a:ext cx="1863633" cy="722812"/>
+          </a:xfrm>
+          <a:prstGeom prst="roundRect">
+            <a:avLst/>
+          </a:prstGeom>
+        </p:spPr>
+        <p:style>
+          <a:lnRef idx="2">
+            <a:schemeClr val="accent1">
+              <a:shade val="50000"/>
+            </a:schemeClr>
+          </a:lnRef>
+          <a:fillRef idx="1">
+            <a:schemeClr val="accent1"/>
+          </a:fillRef>
+          <a:effectRef idx="0">
+            <a:schemeClr val="accent1"/>
+          </a:effectRef>
+          <a:fontRef idx="minor">
+            <a:schemeClr val="lt1"/>
+          </a:fontRef>
+        </p:style>
+        <p:txBody>
+          <a:bodyPr rtlCol="0" anchor="ctr"/>
+          <a:lstStyle/>
+          <a:p>
+            <a:pPr algn="ctr"/>
+            <a:r>
+              <a:rPr lang="en-US" sz="1200" dirty="0"/>
+              <a:t>Verify the Credentials if the Resource is Found</a:t>
+            </a:r>
+          </a:p>
+          <a:p>
+            <a:pPr algn="ctr"/>
+            <a:r>
+              <a:rPr lang="en-US" sz="1200" dirty="0"/>
+              <a:t>Using Middleware</a:t>
+            </a:r>
+          </a:p>
+        </p:txBody>
+      </p:sp>
+      <p:sp>
+        <p:nvSpPr>
+          <p:cNvPr id="10" name="Bent Arrow 9">
+            <a:extLst>
+              <a:ext uri="{FF2B5EF4-FFF2-40B4-BE49-F238E27FC236}">
+                <a16:creationId xmlns:a16="http://schemas.microsoft.com/office/drawing/2014/main" id="{9682F531-4BF1-C04E-8EAA-834DC46A67AF}"/>
+              </a:ext>
+            </a:extLst>
+          </p:cNvPr>
+          <p:cNvSpPr/>
+          <p:nvPr/>
+        </p:nvSpPr>
+        <p:spPr>
+          <a:xfrm rot="10800000">
+            <a:off x="435429" y="2516776"/>
+            <a:ext cx="6531428" cy="121920"/>
+          </a:xfrm>
+          <a:prstGeom prst="bentArrow">
+            <a:avLst/>
+          </a:prstGeom>
+        </p:spPr>
+        <p:style>
+          <a:lnRef idx="2">
+            <a:schemeClr val="accent1">
+              <a:shade val="50000"/>
+            </a:schemeClr>
+          </a:lnRef>
+          <a:fillRef idx="1">
+            <a:schemeClr val="accent1"/>
+          </a:fillRef>
+          <a:effectRef idx="0">
+            <a:schemeClr val="accent1"/>
+          </a:effectRef>
+          <a:fontRef idx="minor">
+            <a:schemeClr val="lt1"/>
+          </a:fontRef>
+        </p:style>
+        <p:txBody>
+          <a:bodyPr rtlCol="0" anchor="ctr"/>
+          <a:lstStyle/>
+          <a:p>
+            <a:pPr algn="ctr"/>
+            <a:endParaRPr lang="en-US">
+              <a:solidFill>
+                <a:schemeClr val="tx1"/>
+              </a:solidFill>
+            </a:endParaRPr>
+          </a:p>
+        </p:txBody>
+      </p:sp>
+      <p:sp>
+        <p:nvSpPr>
+          <p:cNvPr id="11" name="TextBox 10">
+            <a:extLst>
+              <a:ext uri="{FF2B5EF4-FFF2-40B4-BE49-F238E27FC236}">
+                <a16:creationId xmlns:a16="http://schemas.microsoft.com/office/drawing/2014/main" id="{20E57EC3-E889-8A4D-B85E-D8B720AF8575}"/>
+              </a:ext>
+            </a:extLst>
+          </p:cNvPr>
+          <p:cNvSpPr txBox="1"/>
+          <p:nvPr/>
+        </p:nvSpPr>
+        <p:spPr>
+          <a:xfrm>
+            <a:off x="931817" y="2264229"/>
+            <a:ext cx="2508069" cy="646331"/>
+          </a:xfrm>
+          <a:prstGeom prst="rect">
+            <a:avLst/>
+          </a:prstGeom>
+          <a:noFill/>
+        </p:spPr>
+        <p:txBody>
+          <a:bodyPr wrap="square" rtlCol="0">
+            <a:spAutoFit/>
+          </a:bodyPr>
+          <a:lstStyle/>
+          <a:p>
+            <a:r>
+              <a:rPr lang="en-US" dirty="0"/>
+              <a:t>Resource is not found / Credentials are failed</a:t>
+            </a:r>
+          </a:p>
+        </p:txBody>
+      </p:sp>
+      <p:sp>
+        <p:nvSpPr>
+          <p:cNvPr id="12" name="Right Arrow 11">
+            <a:extLst>
+              <a:ext uri="{FF2B5EF4-FFF2-40B4-BE49-F238E27FC236}">
+                <a16:creationId xmlns:a16="http://schemas.microsoft.com/office/drawing/2014/main" id="{0AC35446-41A8-7D4F-98E8-E8ADECF5B3D9}"/>
+              </a:ext>
+            </a:extLst>
+          </p:cNvPr>
+          <p:cNvSpPr/>
+          <p:nvPr/>
+        </p:nvSpPr>
+        <p:spPr>
+          <a:xfrm>
+            <a:off x="5799908" y="2046514"/>
+            <a:ext cx="235133" cy="191589"/>
+          </a:xfrm>
+          <a:prstGeom prst="rightArrow">
+            <a:avLst/>
+          </a:prstGeom>
+          <a:solidFill>
+            <a:srgbClr val="FFFF00"/>
+          </a:solidFill>
+        </p:spPr>
+        <p:style>
+          <a:lnRef idx="2">
+            <a:schemeClr val="accent1">
+              <a:shade val="50000"/>
+            </a:schemeClr>
+          </a:lnRef>
+          <a:fillRef idx="1">
+            <a:schemeClr val="accent1"/>
+          </a:fillRef>
+          <a:effectRef idx="0">
+            <a:schemeClr val="accent1"/>
+          </a:effectRef>
+          <a:fontRef idx="minor">
+            <a:schemeClr val="lt1"/>
+          </a:fontRef>
+        </p:style>
+        <p:txBody>
+          <a:bodyPr rtlCol="0" anchor="ctr"/>
+          <a:lstStyle/>
+          <a:p>
+            <a:pPr algn="ctr"/>
+            <a:endParaRPr lang="en-US"/>
+          </a:p>
+        </p:txBody>
+      </p:sp>
+      <p:sp>
+        <p:nvSpPr>
+          <p:cNvPr id="13" name="Rounded Rectangle 12">
+            <a:extLst>
+              <a:ext uri="{FF2B5EF4-FFF2-40B4-BE49-F238E27FC236}">
+                <a16:creationId xmlns:a16="http://schemas.microsoft.com/office/drawing/2014/main" id="{BDF0411B-45C4-2F40-BD49-73B0612A4330}"/>
+              </a:ext>
+            </a:extLst>
+          </p:cNvPr>
+          <p:cNvSpPr/>
+          <p:nvPr/>
+        </p:nvSpPr>
+        <p:spPr>
+          <a:xfrm>
+            <a:off x="8247017" y="1823663"/>
+            <a:ext cx="1863633" cy="722812"/>
+          </a:xfrm>
+          <a:prstGeom prst="roundRect">
+            <a:avLst/>
+          </a:prstGeom>
+        </p:spPr>
+        <p:style>
+          <a:lnRef idx="2">
+            <a:schemeClr val="accent1">
+              <a:shade val="50000"/>
+            </a:schemeClr>
+          </a:lnRef>
+          <a:fillRef idx="1">
+            <a:schemeClr val="accent1"/>
+          </a:fillRef>
+          <a:effectRef idx="0">
+            <a:schemeClr val="accent1"/>
+          </a:effectRef>
+          <a:fontRef idx="minor">
+            <a:schemeClr val="lt1"/>
+          </a:fontRef>
+        </p:style>
+        <p:txBody>
+          <a:bodyPr rtlCol="0" anchor="ctr"/>
+          <a:lstStyle/>
+          <a:p>
+            <a:pPr algn="ctr"/>
+            <a:r>
+              <a:rPr lang="en-US" sz="1200" dirty="0"/>
+              <a:t>If Credentials are verified</a:t>
+            </a:r>
+          </a:p>
+          <a:p>
+            <a:pPr algn="ctr"/>
+            <a:r>
+              <a:rPr lang="en-US" sz="1200" dirty="0"/>
+              <a:t>Load the Routing, CORS and Request Body Parser Middleware </a:t>
+            </a:r>
+          </a:p>
+        </p:txBody>
+      </p:sp>
+      <p:sp>
+        <p:nvSpPr>
+          <p:cNvPr id="14" name="Right Arrow 13">
+            <a:extLst>
+              <a:ext uri="{FF2B5EF4-FFF2-40B4-BE49-F238E27FC236}">
+                <a16:creationId xmlns:a16="http://schemas.microsoft.com/office/drawing/2014/main" id="{F10ECAD0-40D2-1840-8E2D-F398E9649DB7}"/>
+              </a:ext>
+            </a:extLst>
+          </p:cNvPr>
+          <p:cNvSpPr/>
+          <p:nvPr/>
+        </p:nvSpPr>
+        <p:spPr>
+          <a:xfrm>
+            <a:off x="7885611" y="2071857"/>
+            <a:ext cx="361406" cy="191589"/>
+          </a:xfrm>
+          <a:prstGeom prst="rightArrow">
+            <a:avLst/>
+          </a:prstGeom>
+          <a:solidFill>
+            <a:srgbClr val="FFFF00"/>
+          </a:solidFill>
+        </p:spPr>
+        <p:style>
+          <a:lnRef idx="2">
+            <a:schemeClr val="accent1">
+              <a:shade val="50000"/>
+            </a:schemeClr>
+          </a:lnRef>
+          <a:fillRef idx="1">
+            <a:schemeClr val="accent1"/>
+          </a:fillRef>
+          <a:effectRef idx="0">
+            <a:schemeClr val="accent1"/>
+          </a:effectRef>
+          <a:fontRef idx="minor">
+            <a:schemeClr val="lt1"/>
+          </a:fontRef>
+        </p:style>
+        <p:txBody>
+          <a:bodyPr rtlCol="0" anchor="ctr"/>
+          <a:lstStyle/>
+          <a:p>
+            <a:pPr algn="ctr"/>
+            <a:endParaRPr lang="en-US"/>
+          </a:p>
+        </p:txBody>
+      </p:sp>
+      <p:sp>
+        <p:nvSpPr>
+          <p:cNvPr id="15" name="Right Arrow 14">
+            <a:extLst>
+              <a:ext uri="{FF2B5EF4-FFF2-40B4-BE49-F238E27FC236}">
+                <a16:creationId xmlns:a16="http://schemas.microsoft.com/office/drawing/2014/main" id="{037654E4-E97D-8449-9F8F-C44B98C75C97}"/>
+              </a:ext>
+            </a:extLst>
+          </p:cNvPr>
+          <p:cNvSpPr/>
+          <p:nvPr/>
+        </p:nvSpPr>
+        <p:spPr>
+          <a:xfrm rot="5400000">
+            <a:off x="8998129" y="2631384"/>
+            <a:ext cx="361406" cy="191589"/>
+          </a:xfrm>
+          <a:prstGeom prst="rightArrow">
+            <a:avLst/>
+          </a:prstGeom>
+          <a:solidFill>
+            <a:srgbClr val="FFFF00"/>
+          </a:solidFill>
+        </p:spPr>
+        <p:style>
+          <a:lnRef idx="2">
+            <a:schemeClr val="accent1">
+              <a:shade val="50000"/>
+            </a:schemeClr>
+          </a:lnRef>
+          <a:fillRef idx="1">
+            <a:schemeClr val="accent1"/>
+          </a:fillRef>
+          <a:effectRef idx="0">
+            <a:schemeClr val="accent1"/>
+          </a:effectRef>
+          <a:fontRef idx="minor">
+            <a:schemeClr val="lt1"/>
+          </a:fontRef>
+        </p:style>
+        <p:txBody>
+          <a:bodyPr rtlCol="0" anchor="ctr"/>
+          <a:lstStyle/>
+          <a:p>
+            <a:pPr algn="ctr"/>
+            <a:endParaRPr lang="en-US"/>
+          </a:p>
+        </p:txBody>
+      </p:sp>
+      <p:sp>
+        <p:nvSpPr>
+          <p:cNvPr id="16" name="Rounded Rectangle 15">
+            <a:extLst>
+              <a:ext uri="{FF2B5EF4-FFF2-40B4-BE49-F238E27FC236}">
+                <a16:creationId xmlns:a16="http://schemas.microsoft.com/office/drawing/2014/main" id="{3DB7AC68-FE76-1E44-9DB3-FAEC525F1170}"/>
+              </a:ext>
+            </a:extLst>
+          </p:cNvPr>
+          <p:cNvSpPr/>
+          <p:nvPr/>
+        </p:nvSpPr>
+        <p:spPr>
+          <a:xfrm>
+            <a:off x="8251370" y="2907882"/>
+            <a:ext cx="1863633" cy="722812"/>
+          </a:xfrm>
+          <a:prstGeom prst="roundRect">
+            <a:avLst/>
+          </a:prstGeom>
+        </p:spPr>
+        <p:style>
+          <a:lnRef idx="2">
+            <a:schemeClr val="accent1">
+              <a:shade val="50000"/>
+            </a:schemeClr>
+          </a:lnRef>
+          <a:fillRef idx="1">
+            <a:schemeClr val="accent1"/>
+          </a:fillRef>
+          <a:effectRef idx="0">
+            <a:schemeClr val="accent1"/>
+          </a:effectRef>
+          <a:fontRef idx="minor">
+            <a:schemeClr val="lt1"/>
+          </a:fontRef>
+        </p:style>
+        <p:txBody>
+          <a:bodyPr rtlCol="0" anchor="ctr"/>
+          <a:lstStyle/>
+          <a:p>
+            <a:pPr algn="ctr"/>
+            <a:r>
+              <a:rPr lang="en-US" sz="1200" dirty="0"/>
+              <a:t>Process the Request for A Resource e.g. </a:t>
+            </a:r>
+            <a:r>
+              <a:rPr lang="en-US" sz="1200" dirty="0" err="1"/>
+              <a:t>Home.html</a:t>
+            </a:r>
+            <a:endParaRPr lang="en-US" sz="1200" dirty="0"/>
+          </a:p>
+        </p:txBody>
+      </p:sp>
+      <p:sp>
+        <p:nvSpPr>
+          <p:cNvPr id="17" name="Right Arrow 16">
+            <a:extLst>
+              <a:ext uri="{FF2B5EF4-FFF2-40B4-BE49-F238E27FC236}">
+                <a16:creationId xmlns:a16="http://schemas.microsoft.com/office/drawing/2014/main" id="{927DF3DF-E719-6847-930B-3C6C9BCF8805}"/>
+              </a:ext>
+            </a:extLst>
+          </p:cNvPr>
+          <p:cNvSpPr/>
+          <p:nvPr/>
+        </p:nvSpPr>
+        <p:spPr>
+          <a:xfrm rot="10800000">
+            <a:off x="7885611" y="3219994"/>
+            <a:ext cx="361406" cy="191589"/>
+          </a:xfrm>
+          <a:prstGeom prst="rightArrow">
+            <a:avLst/>
+          </a:prstGeom>
+          <a:solidFill>
+            <a:srgbClr val="FFFF00"/>
+          </a:solidFill>
+        </p:spPr>
+        <p:style>
+          <a:lnRef idx="2">
+            <a:schemeClr val="accent1">
+              <a:shade val="50000"/>
+            </a:schemeClr>
+          </a:lnRef>
+          <a:fillRef idx="1">
+            <a:schemeClr val="accent1"/>
+          </a:fillRef>
+          <a:effectRef idx="0">
+            <a:schemeClr val="accent1"/>
+          </a:effectRef>
+          <a:fontRef idx="minor">
+            <a:schemeClr val="lt1"/>
+          </a:fontRef>
+        </p:style>
+        <p:txBody>
+          <a:bodyPr rtlCol="0" anchor="ctr"/>
+          <a:lstStyle/>
+          <a:p>
+            <a:pPr algn="ctr"/>
+            <a:endParaRPr lang="en-US"/>
+          </a:p>
+        </p:txBody>
+      </p:sp>
+      <p:sp>
+        <p:nvSpPr>
+          <p:cNvPr id="18" name="Rounded Rectangle 17">
+            <a:extLst>
+              <a:ext uri="{FF2B5EF4-FFF2-40B4-BE49-F238E27FC236}">
+                <a16:creationId xmlns:a16="http://schemas.microsoft.com/office/drawing/2014/main" id="{8E779066-3F7D-FF49-9DC4-674AA4B0A272}"/>
+              </a:ext>
+            </a:extLst>
+          </p:cNvPr>
+          <p:cNvSpPr/>
+          <p:nvPr/>
+        </p:nvSpPr>
+        <p:spPr>
+          <a:xfrm>
+            <a:off x="6035041" y="2983798"/>
+            <a:ext cx="1863633" cy="722812"/>
+          </a:xfrm>
+          <a:prstGeom prst="roundRect">
+            <a:avLst/>
+          </a:prstGeom>
+        </p:spPr>
+        <p:style>
+          <a:lnRef idx="2">
+            <a:schemeClr val="accent1">
+              <a:shade val="50000"/>
+            </a:schemeClr>
+          </a:lnRef>
+          <a:fillRef idx="1">
+            <a:schemeClr val="accent1"/>
+          </a:fillRef>
+          <a:effectRef idx="0">
+            <a:schemeClr val="accent1"/>
+          </a:effectRef>
+          <a:fontRef idx="minor">
+            <a:schemeClr val="lt1"/>
+          </a:fontRef>
+        </p:style>
+        <p:txBody>
+          <a:bodyPr rtlCol="0" anchor="ctr"/>
+          <a:lstStyle/>
+          <a:p>
+            <a:pPr algn="ctr"/>
+            <a:r>
+              <a:rPr lang="en-US" sz="1200" dirty="0"/>
+              <a:t>Session and Cache Middlewares will store Session Info and Authentication Status</a:t>
+            </a:r>
+          </a:p>
+        </p:txBody>
+      </p:sp>
+      <p:sp>
+        <p:nvSpPr>
+          <p:cNvPr id="19" name="Right Arrow 18">
+            <a:extLst>
+              <a:ext uri="{FF2B5EF4-FFF2-40B4-BE49-F238E27FC236}">
+                <a16:creationId xmlns:a16="http://schemas.microsoft.com/office/drawing/2014/main" id="{4B8049E6-6133-A247-AE66-0493B01103D6}"/>
+              </a:ext>
+            </a:extLst>
+          </p:cNvPr>
+          <p:cNvSpPr/>
+          <p:nvPr/>
+        </p:nvSpPr>
+        <p:spPr>
+          <a:xfrm rot="10800000">
+            <a:off x="5660574" y="3206429"/>
+            <a:ext cx="361406" cy="191589"/>
+          </a:xfrm>
+          <a:prstGeom prst="rightArrow">
+            <a:avLst/>
+          </a:prstGeom>
+          <a:solidFill>
+            <a:srgbClr val="FFFF00"/>
+          </a:solidFill>
+        </p:spPr>
+        <p:style>
+          <a:lnRef idx="2">
+            <a:schemeClr val="accent1">
+              <a:shade val="50000"/>
+            </a:schemeClr>
+          </a:lnRef>
+          <a:fillRef idx="1">
+            <a:schemeClr val="accent1"/>
+          </a:fillRef>
+          <a:effectRef idx="0">
+            <a:schemeClr val="accent1"/>
+          </a:effectRef>
+          <a:fontRef idx="minor">
+            <a:schemeClr val="lt1"/>
+          </a:fontRef>
+        </p:style>
+        <p:txBody>
+          <a:bodyPr rtlCol="0" anchor="ctr"/>
+          <a:lstStyle/>
+          <a:p>
+            <a:pPr algn="ctr"/>
+            <a:endParaRPr lang="en-US"/>
+          </a:p>
+        </p:txBody>
+      </p:sp>
+      <p:sp>
+        <p:nvSpPr>
+          <p:cNvPr id="20" name="Rounded Rectangle 19">
+            <a:extLst>
+              <a:ext uri="{FF2B5EF4-FFF2-40B4-BE49-F238E27FC236}">
+                <a16:creationId xmlns:a16="http://schemas.microsoft.com/office/drawing/2014/main" id="{6FC6E11D-BF5D-F54A-B7D1-E1C7F184E8F2}"/>
+              </a:ext>
+            </a:extLst>
+          </p:cNvPr>
+          <p:cNvSpPr/>
+          <p:nvPr/>
+        </p:nvSpPr>
+        <p:spPr>
+          <a:xfrm>
+            <a:off x="3818712" y="2975089"/>
+            <a:ext cx="1863633" cy="722812"/>
+          </a:xfrm>
+          <a:prstGeom prst="roundRect">
+            <a:avLst/>
+          </a:prstGeom>
+        </p:spPr>
+        <p:style>
+          <a:lnRef idx="2">
+            <a:schemeClr val="accent1">
+              <a:shade val="50000"/>
+            </a:schemeClr>
+          </a:lnRef>
+          <a:fillRef idx="1">
+            <a:schemeClr val="accent1"/>
+          </a:fillRef>
+          <a:effectRef idx="0">
+            <a:schemeClr val="accent1"/>
+          </a:effectRef>
+          <a:fontRef idx="minor">
+            <a:schemeClr val="lt1"/>
+          </a:fontRef>
+        </p:style>
+        <p:txBody>
+          <a:bodyPr rtlCol="0" anchor="ctr"/>
+          <a:lstStyle/>
+          <a:p>
+            <a:pPr algn="ctr"/>
+            <a:r>
+              <a:rPr lang="en-US" sz="1200" dirty="0"/>
+              <a:t>Business Logic Execution</a:t>
+            </a:r>
+          </a:p>
+          <a:p>
+            <a:pPr algn="ctr"/>
+            <a:r>
+              <a:rPr lang="en-US" sz="1200" dirty="0"/>
+              <a:t>+ Data Access</a:t>
+            </a:r>
+          </a:p>
+        </p:txBody>
+      </p:sp>
+      <p:sp>
+        <p:nvSpPr>
+          <p:cNvPr id="21" name="Right Arrow 20">
+            <a:extLst>
+              <a:ext uri="{FF2B5EF4-FFF2-40B4-BE49-F238E27FC236}">
+                <a16:creationId xmlns:a16="http://schemas.microsoft.com/office/drawing/2014/main" id="{4A2EC60C-9837-484F-BB14-8E45CC4DA6CB}"/>
+              </a:ext>
+            </a:extLst>
+          </p:cNvPr>
+          <p:cNvSpPr/>
+          <p:nvPr/>
+        </p:nvSpPr>
+        <p:spPr>
+          <a:xfrm rot="5400000">
+            <a:off x="4539340" y="3713142"/>
+            <a:ext cx="361406" cy="191589"/>
+          </a:xfrm>
+          <a:prstGeom prst="rightArrow">
+            <a:avLst/>
+          </a:prstGeom>
+          <a:solidFill>
+            <a:srgbClr val="FFFF00"/>
+          </a:solidFill>
+        </p:spPr>
+        <p:style>
+          <a:lnRef idx="2">
+            <a:schemeClr val="accent1">
+              <a:shade val="50000"/>
+            </a:schemeClr>
+          </a:lnRef>
+          <a:fillRef idx="1">
+            <a:schemeClr val="accent1"/>
+          </a:fillRef>
+          <a:effectRef idx="0">
+            <a:schemeClr val="accent1"/>
+          </a:effectRef>
+          <a:fontRef idx="minor">
+            <a:schemeClr val="lt1"/>
+          </a:fontRef>
+        </p:style>
+        <p:txBody>
+          <a:bodyPr rtlCol="0" anchor="ctr"/>
+          <a:lstStyle/>
+          <a:p>
+            <a:pPr algn="ctr"/>
+            <a:endParaRPr lang="en-US"/>
+          </a:p>
+        </p:txBody>
+      </p:sp>
+      <p:sp>
+        <p:nvSpPr>
+          <p:cNvPr id="22" name="Rounded Rectangle 21">
+            <a:extLst>
+              <a:ext uri="{FF2B5EF4-FFF2-40B4-BE49-F238E27FC236}">
+                <a16:creationId xmlns:a16="http://schemas.microsoft.com/office/drawing/2014/main" id="{3F1469D1-9D7D-7242-9EC2-370992C660F0}"/>
+              </a:ext>
+            </a:extLst>
+          </p:cNvPr>
+          <p:cNvSpPr/>
+          <p:nvPr/>
+        </p:nvSpPr>
+        <p:spPr>
+          <a:xfrm>
+            <a:off x="3884021" y="3990703"/>
+            <a:ext cx="1863633" cy="722812"/>
+          </a:xfrm>
+          <a:prstGeom prst="roundRect">
+            <a:avLst/>
+          </a:prstGeom>
+        </p:spPr>
+        <p:style>
+          <a:lnRef idx="2">
+            <a:schemeClr val="accent1">
+              <a:shade val="50000"/>
+            </a:schemeClr>
+          </a:lnRef>
+          <a:fillRef idx="1">
+            <a:schemeClr val="accent1"/>
+          </a:fillRef>
+          <a:effectRef idx="0">
+            <a:schemeClr val="accent1"/>
+          </a:effectRef>
+          <a:fontRef idx="minor">
+            <a:schemeClr val="lt1"/>
+          </a:fontRef>
+        </p:style>
+        <p:txBody>
+          <a:bodyPr rtlCol="0" anchor="ctr"/>
+          <a:lstStyle/>
+          <a:p>
+            <a:pPr algn="ctr"/>
+            <a:r>
+              <a:rPr lang="en-US" sz="1200" dirty="0"/>
+              <a:t>Model Updates in Node.js</a:t>
+            </a:r>
+          </a:p>
+        </p:txBody>
+      </p:sp>
+      <p:sp>
+        <p:nvSpPr>
+          <p:cNvPr id="23" name="Left Arrow 22">
+            <a:extLst>
+              <a:ext uri="{FF2B5EF4-FFF2-40B4-BE49-F238E27FC236}">
+                <a16:creationId xmlns:a16="http://schemas.microsoft.com/office/drawing/2014/main" id="{DE97E249-5E33-F047-B121-54FE5B9359B6}"/>
+              </a:ext>
+            </a:extLst>
+          </p:cNvPr>
+          <p:cNvSpPr/>
+          <p:nvPr/>
+        </p:nvSpPr>
+        <p:spPr>
+          <a:xfrm>
+            <a:off x="278674" y="4192394"/>
+            <a:ext cx="3657601" cy="158651"/>
+          </a:xfrm>
+          <a:prstGeom prst="leftArrow">
+            <a:avLst/>
+          </a:prstGeom>
+        </p:spPr>
+        <p:style>
+          <a:lnRef idx="2">
+            <a:schemeClr val="accent1">
+              <a:shade val="50000"/>
+            </a:schemeClr>
+          </a:lnRef>
+          <a:fillRef idx="1">
+            <a:schemeClr val="accent1"/>
+          </a:fillRef>
+          <a:effectRef idx="0">
+            <a:schemeClr val="accent1"/>
+          </a:effectRef>
+          <a:fontRef idx="minor">
+            <a:schemeClr val="lt1"/>
+          </a:fontRef>
+        </p:style>
+        <p:txBody>
+          <a:bodyPr rtlCol="0" anchor="ctr"/>
+          <a:lstStyle/>
+          <a:p>
+            <a:pPr algn="ctr"/>
+            <a:endParaRPr lang="en-US"/>
+          </a:p>
+        </p:txBody>
+      </p:sp>
+      <p:sp>
+        <p:nvSpPr>
+          <p:cNvPr id="24" name="TextBox 23">
+            <a:extLst>
+              <a:ext uri="{FF2B5EF4-FFF2-40B4-BE49-F238E27FC236}">
+                <a16:creationId xmlns:a16="http://schemas.microsoft.com/office/drawing/2014/main" id="{F38DA50E-4C64-C549-8288-58AFBEA5945F}"/>
+              </a:ext>
+            </a:extLst>
+          </p:cNvPr>
+          <p:cNvSpPr txBox="1"/>
+          <p:nvPr/>
+        </p:nvSpPr>
+        <p:spPr>
+          <a:xfrm>
+            <a:off x="505097" y="4415246"/>
+            <a:ext cx="2830286" cy="646331"/>
+          </a:xfrm>
+          <a:prstGeom prst="rect">
+            <a:avLst/>
+          </a:prstGeom>
+          <a:noFill/>
+        </p:spPr>
+        <p:txBody>
+          <a:bodyPr wrap="square" rtlCol="0">
+            <a:spAutoFit/>
+          </a:bodyPr>
+          <a:lstStyle/>
+          <a:p>
+            <a:r>
+              <a:rPr lang="en-US" dirty="0"/>
+              <a:t>Http Response with Resource and /or Data</a:t>
+            </a:r>
+          </a:p>
+        </p:txBody>
+      </p:sp>
+      <p:sp>
+        <p:nvSpPr>
+          <p:cNvPr id="25" name="TextBox 24">
+            <a:extLst>
+              <a:ext uri="{FF2B5EF4-FFF2-40B4-BE49-F238E27FC236}">
+                <a16:creationId xmlns:a16="http://schemas.microsoft.com/office/drawing/2014/main" id="{243F6EAD-539A-0D4F-8C16-0D7F4F1A0E0F}"/>
+              </a:ext>
+            </a:extLst>
+          </p:cNvPr>
+          <p:cNvSpPr txBox="1"/>
+          <p:nvPr/>
+        </p:nvSpPr>
+        <p:spPr>
+          <a:xfrm>
+            <a:off x="1375954" y="5690102"/>
+            <a:ext cx="9440092" cy="369332"/>
+          </a:xfrm>
+          <a:prstGeom prst="rect">
+            <a:avLst/>
+          </a:prstGeom>
+          <a:noFill/>
+        </p:spPr>
+        <p:txBody>
+          <a:bodyPr wrap="square" rtlCol="0">
+            <a:spAutoFit/>
+          </a:bodyPr>
+          <a:lstStyle/>
+          <a:p>
+            <a:r>
+              <a:rPr lang="en-US" dirty="0"/>
+              <a:t>Express.js Cache all Middlewares inside the Express Object Model and hence </a:t>
+            </a:r>
+            <a:r>
+              <a:rPr lang="en-US"/>
+              <a:t>improve performance </a:t>
+            </a:r>
+            <a:endParaRPr lang="en-US" dirty="0"/>
+          </a:p>
+        </p:txBody>
+      </p:sp>
+    </p:spTree>
+    <p:extLst>
+      <p:ext uri="{BB962C8B-B14F-4D97-AF65-F5344CB8AC3E}">
+        <p14:creationId xmlns:p14="http://schemas.microsoft.com/office/powerpoint/2010/main" val="2779304891"/>
+      </p:ext>
+    </p:extLst>
+  </p:cSld>
+  <p:clrMapOvr>
+    <a:masterClrMapping/>
+  </p:clrMapOvr>
+</p:sld>
+</file>
+
 <file path=ppt/slides/slide4.xml><?xml version="1.0" encoding="utf-8"?>
 <p:sld xmlns:a="http://schemas.openxmlformats.org/drawingml/2006/main" xmlns:r="http://schemas.openxmlformats.org/officeDocument/2006/relationships" xmlns:p="http://schemas.openxmlformats.org/presentationml/2006/main">
   <p:cSld>

--- a/Training_Notes_PPTs.pptx
+++ b/Training_Notes_PPTs.pptx
@@ -43,6 +43,9 @@
     <p:sldId id="291" r:id="rId37"/>
     <p:sldId id="292" r:id="rId38"/>
     <p:sldId id="293" r:id="rId39"/>
+    <p:sldId id="294" r:id="rId40"/>
+    <p:sldId id="295" r:id="rId41"/>
+    <p:sldId id="296" r:id="rId42"/>
   </p:sldIdLst>
   <p:sldSz cx="12192000" cy="6858000"/>
   <p:notesSz cx="6858000" cy="9144000"/>
@@ -26316,7 +26319,7 @@
         <p:spPr>
           <a:xfrm>
             <a:off x="3405051" y="3117668"/>
-            <a:ext cx="2917372" cy="1046440"/>
+            <a:ext cx="2917372" cy="1215717"/>
           </a:xfrm>
           <a:prstGeom prst="rect">
             <a:avLst/>
@@ -26343,8 +26346,25 @@
           <a:p>
             <a:r>
               <a:rPr lang="en-US" sz="1100" dirty="0"/>
-              <a:t>Authorization</a:t>
-            </a:r>
+              <a:t>Authorization: </a:t>
+            </a:r>
+            <a:r>
+              <a:rPr lang="en-US" sz="1100" dirty="0" err="1"/>
+              <a:t>AuthScheme</a:t>
+            </a:r>
+            <a:r>
+              <a:rPr lang="en-US" sz="1100" dirty="0"/>
+              <a:t> </a:t>
+            </a:r>
+            <a:r>
+              <a:rPr lang="en-US" sz="1100"/>
+              <a:t>UserName:</a:t>
+            </a:r>
+            <a:r>
+              <a:rPr lang="en-US" sz="1100" dirty="0" err="1"/>
+              <a:t>Password</a:t>
+            </a:r>
+            <a:endParaRPr lang="en-US" sz="1100" dirty="0"/>
           </a:p>
           <a:p>
             <a:r>
@@ -26498,8 +26518,8 @@
         </p:nvSpPr>
         <p:spPr>
           <a:xfrm>
-            <a:off x="3535680" y="1344790"/>
-            <a:ext cx="3389815" cy="430887"/>
+            <a:off x="3518263" y="1226343"/>
+            <a:ext cx="3389815" cy="769441"/>
           </a:xfrm>
           <a:prstGeom prst="rect">
             <a:avLst/>
@@ -26514,7 +26534,7 @@
           <a:p>
             <a:r>
               <a:rPr lang="en-US" sz="1100" dirty="0"/>
-              <a:t>Contains Data in JSON / TEXT / XML / BINARY / From-Data / Encoded Data</a:t>
+              <a:t>Contains Data in JSON / TEXT / XML / BINARY / From-Data / Encoded Data when the  request is POST / PUT. POST, create new entry on server, PUT, update existing entry on server</a:t>
             </a:r>
           </a:p>
         </p:txBody>
@@ -30917,13 +30937,8 @@
           <a:p>
             <a:r>
               <a:rPr lang="en-US" dirty="0"/>
-              <a:t>Express.js Cache all Middlewares inside the Express Object Model and hence </a:t>
-            </a:r>
-            <a:r>
-              <a:rPr lang="en-US"/>
-              <a:t>improve performance </a:t>
-            </a:r>
-            <a:endParaRPr lang="en-US" dirty="0"/>
+              <a:t>Express.js Cache all Middlewares inside the Express Object Model and hence improve performance </a:t>
+            </a:r>
           </a:p>
         </p:txBody>
       </p:sp>
@@ -30931,6 +30946,1505 @@
     <p:extLst>
       <p:ext uri="{BB962C8B-B14F-4D97-AF65-F5344CB8AC3E}">
         <p14:creationId xmlns:p14="http://schemas.microsoft.com/office/powerpoint/2010/main" val="2779304891"/>
+      </p:ext>
+    </p:extLst>
+  </p:cSld>
+  <p:clrMapOvr>
+    <a:masterClrMapping/>
+  </p:clrMapOvr>
+</p:sld>
+</file>
+
+<file path=ppt/slides/slide39.xml><?xml version="1.0" encoding="utf-8"?>
+<p:sld xmlns:a="http://schemas.openxmlformats.org/drawingml/2006/main" xmlns:r="http://schemas.openxmlformats.org/officeDocument/2006/relationships" xmlns:p="http://schemas.openxmlformats.org/presentationml/2006/main">
+  <p:cSld>
+    <p:spTree>
+      <p:nvGrpSpPr>
+        <p:cNvPr id="1" name=""/>
+        <p:cNvGrpSpPr/>
+        <p:nvPr/>
+      </p:nvGrpSpPr>
+      <p:grpSpPr>
+        <a:xfrm>
+          <a:off x="0" y="0"/>
+          <a:ext cx="0" cy="0"/>
+          <a:chOff x="0" y="0"/>
+          <a:chExt cx="0" cy="0"/>
+        </a:xfrm>
+      </p:grpSpPr>
+      <p:sp>
+        <p:nvSpPr>
+          <p:cNvPr id="29" name="Up Arrow 28">
+            <a:extLst>
+              <a:ext uri="{FF2B5EF4-FFF2-40B4-BE49-F238E27FC236}">
+                <a16:creationId xmlns:a16="http://schemas.microsoft.com/office/drawing/2014/main" id="{7A351CD2-BD4C-4744-85B8-BDC7E0C8A169}"/>
+              </a:ext>
+            </a:extLst>
+          </p:cNvPr>
+          <p:cNvSpPr/>
+          <p:nvPr/>
+        </p:nvSpPr>
+        <p:spPr>
+          <a:xfrm>
+            <a:off x="7493724" y="1367246"/>
+            <a:ext cx="213362" cy="964780"/>
+          </a:xfrm>
+          <a:prstGeom prst="upArrow">
+            <a:avLst/>
+          </a:prstGeom>
+          <a:solidFill>
+            <a:srgbClr val="FFFF00"/>
+          </a:solidFill>
+        </p:spPr>
+        <p:style>
+          <a:lnRef idx="2">
+            <a:schemeClr val="accent1">
+              <a:shade val="50000"/>
+            </a:schemeClr>
+          </a:lnRef>
+          <a:fillRef idx="1">
+            <a:schemeClr val="accent1"/>
+          </a:fillRef>
+          <a:effectRef idx="0">
+            <a:schemeClr val="accent1"/>
+          </a:effectRef>
+          <a:fontRef idx="minor">
+            <a:schemeClr val="lt1"/>
+          </a:fontRef>
+        </p:style>
+        <p:txBody>
+          <a:bodyPr rtlCol="0" anchor="ctr"/>
+          <a:lstStyle/>
+          <a:p>
+            <a:pPr algn="ctr"/>
+            <a:endParaRPr lang="en-US"/>
+          </a:p>
+        </p:txBody>
+      </p:sp>
+      <p:sp>
+        <p:nvSpPr>
+          <p:cNvPr id="22" name="Snip Single Corner of Rectangle 21">
+            <a:extLst>
+              <a:ext uri="{FF2B5EF4-FFF2-40B4-BE49-F238E27FC236}">
+                <a16:creationId xmlns:a16="http://schemas.microsoft.com/office/drawing/2014/main" id="{89C84E33-0E23-7D4F-A229-C17D41DAFAB4}"/>
+              </a:ext>
+            </a:extLst>
+          </p:cNvPr>
+          <p:cNvSpPr/>
+          <p:nvPr/>
+        </p:nvSpPr>
+        <p:spPr>
+          <a:xfrm>
+            <a:off x="9775372" y="281855"/>
+            <a:ext cx="2255520" cy="1111125"/>
+          </a:xfrm>
+          <a:prstGeom prst="snip1Rect">
+            <a:avLst/>
+          </a:prstGeom>
+        </p:spPr>
+        <p:style>
+          <a:lnRef idx="2">
+            <a:schemeClr val="accent1">
+              <a:shade val="50000"/>
+            </a:schemeClr>
+          </a:lnRef>
+          <a:fillRef idx="1">
+            <a:schemeClr val="accent1"/>
+          </a:fillRef>
+          <a:effectRef idx="0">
+            <a:schemeClr val="accent1"/>
+          </a:effectRef>
+          <a:fontRef idx="minor">
+            <a:schemeClr val="lt1"/>
+          </a:fontRef>
+        </p:style>
+        <p:txBody>
+          <a:bodyPr rtlCol="0" anchor="ctr"/>
+          <a:lstStyle/>
+          <a:p>
+            <a:pPr algn="ctr"/>
+            <a:r>
+              <a:rPr lang="en-US" dirty="0"/>
+              <a:t>List of Products</a:t>
+            </a:r>
+          </a:p>
+        </p:txBody>
+      </p:sp>
+      <p:sp>
+        <p:nvSpPr>
+          <p:cNvPr id="3" name="Can 2">
+            <a:extLst>
+              <a:ext uri="{FF2B5EF4-FFF2-40B4-BE49-F238E27FC236}">
+                <a16:creationId xmlns:a16="http://schemas.microsoft.com/office/drawing/2014/main" id="{F8754EC6-DAD2-714D-B48F-65133FF5C694}"/>
+              </a:ext>
+            </a:extLst>
+          </p:cNvPr>
+          <p:cNvSpPr/>
+          <p:nvPr/>
+        </p:nvSpPr>
+        <p:spPr>
+          <a:xfrm>
+            <a:off x="740229" y="5059680"/>
+            <a:ext cx="1976845" cy="775063"/>
+          </a:xfrm>
+          <a:prstGeom prst="can">
+            <a:avLst/>
+          </a:prstGeom>
+        </p:spPr>
+        <p:style>
+          <a:lnRef idx="2">
+            <a:schemeClr val="accent1">
+              <a:shade val="50000"/>
+            </a:schemeClr>
+          </a:lnRef>
+          <a:fillRef idx="1">
+            <a:schemeClr val="accent1"/>
+          </a:fillRef>
+          <a:effectRef idx="0">
+            <a:schemeClr val="accent1"/>
+          </a:effectRef>
+          <a:fontRef idx="minor">
+            <a:schemeClr val="lt1"/>
+          </a:fontRef>
+        </p:style>
+        <p:txBody>
+          <a:bodyPr rtlCol="0" anchor="ctr"/>
+          <a:lstStyle/>
+          <a:p>
+            <a:pPr algn="ctr"/>
+            <a:endParaRPr lang="en-US"/>
+          </a:p>
+        </p:txBody>
+      </p:sp>
+      <p:sp>
+        <p:nvSpPr>
+          <p:cNvPr id="4" name="Can 3">
+            <a:extLst>
+              <a:ext uri="{FF2B5EF4-FFF2-40B4-BE49-F238E27FC236}">
+                <a16:creationId xmlns:a16="http://schemas.microsoft.com/office/drawing/2014/main" id="{FA72E2D6-5C81-0A47-88D7-BEC6B3653DC2}"/>
+              </a:ext>
+            </a:extLst>
+          </p:cNvPr>
+          <p:cNvSpPr/>
+          <p:nvPr/>
+        </p:nvSpPr>
+        <p:spPr>
+          <a:xfrm>
+            <a:off x="3470366" y="5059680"/>
+            <a:ext cx="1976845" cy="775063"/>
+          </a:xfrm>
+          <a:prstGeom prst="can">
+            <a:avLst/>
+          </a:prstGeom>
+        </p:spPr>
+        <p:style>
+          <a:lnRef idx="2">
+            <a:schemeClr val="accent1">
+              <a:shade val="50000"/>
+            </a:schemeClr>
+          </a:lnRef>
+          <a:fillRef idx="1">
+            <a:schemeClr val="accent1"/>
+          </a:fillRef>
+          <a:effectRef idx="0">
+            <a:schemeClr val="accent1"/>
+          </a:effectRef>
+          <a:fontRef idx="minor">
+            <a:schemeClr val="lt1"/>
+          </a:fontRef>
+        </p:style>
+        <p:txBody>
+          <a:bodyPr rtlCol="0" anchor="ctr"/>
+          <a:lstStyle/>
+          <a:p>
+            <a:pPr algn="ctr"/>
+            <a:endParaRPr lang="en-US"/>
+          </a:p>
+        </p:txBody>
+      </p:sp>
+      <p:sp>
+        <p:nvSpPr>
+          <p:cNvPr id="5" name="Can 4">
+            <a:extLst>
+              <a:ext uri="{FF2B5EF4-FFF2-40B4-BE49-F238E27FC236}">
+                <a16:creationId xmlns:a16="http://schemas.microsoft.com/office/drawing/2014/main" id="{9151C52C-B354-8343-B944-4F80B0A27002}"/>
+              </a:ext>
+            </a:extLst>
+          </p:cNvPr>
+          <p:cNvSpPr/>
+          <p:nvPr/>
+        </p:nvSpPr>
+        <p:spPr>
+          <a:xfrm>
+            <a:off x="6331132" y="5059680"/>
+            <a:ext cx="1976845" cy="775063"/>
+          </a:xfrm>
+          <a:prstGeom prst="can">
+            <a:avLst/>
+          </a:prstGeom>
+        </p:spPr>
+        <p:style>
+          <a:lnRef idx="2">
+            <a:schemeClr val="accent1">
+              <a:shade val="50000"/>
+            </a:schemeClr>
+          </a:lnRef>
+          <a:fillRef idx="1">
+            <a:schemeClr val="accent1"/>
+          </a:fillRef>
+          <a:effectRef idx="0">
+            <a:schemeClr val="accent1"/>
+          </a:effectRef>
+          <a:fontRef idx="minor">
+            <a:schemeClr val="lt1"/>
+          </a:fontRef>
+        </p:style>
+        <p:txBody>
+          <a:bodyPr rtlCol="0" anchor="ctr"/>
+          <a:lstStyle/>
+          <a:p>
+            <a:pPr algn="ctr"/>
+            <a:endParaRPr lang="en-US"/>
+          </a:p>
+        </p:txBody>
+      </p:sp>
+      <p:sp>
+        <p:nvSpPr>
+          <p:cNvPr id="6" name="Can 5">
+            <a:extLst>
+              <a:ext uri="{FF2B5EF4-FFF2-40B4-BE49-F238E27FC236}">
+                <a16:creationId xmlns:a16="http://schemas.microsoft.com/office/drawing/2014/main" id="{5F97AB2A-901B-9A45-AAE9-29BE1C7EFCE0}"/>
+              </a:ext>
+            </a:extLst>
+          </p:cNvPr>
+          <p:cNvSpPr/>
+          <p:nvPr/>
+        </p:nvSpPr>
+        <p:spPr>
+          <a:xfrm>
+            <a:off x="9474926" y="5059680"/>
+            <a:ext cx="1976845" cy="775063"/>
+          </a:xfrm>
+          <a:prstGeom prst="can">
+            <a:avLst/>
+          </a:prstGeom>
+        </p:spPr>
+        <p:style>
+          <a:lnRef idx="2">
+            <a:schemeClr val="accent1">
+              <a:shade val="50000"/>
+            </a:schemeClr>
+          </a:lnRef>
+          <a:fillRef idx="1">
+            <a:schemeClr val="accent1"/>
+          </a:fillRef>
+          <a:effectRef idx="0">
+            <a:schemeClr val="accent1"/>
+          </a:effectRef>
+          <a:fontRef idx="minor">
+            <a:schemeClr val="lt1"/>
+          </a:fontRef>
+        </p:style>
+        <p:txBody>
+          <a:bodyPr rtlCol="0" anchor="ctr"/>
+          <a:lstStyle/>
+          <a:p>
+            <a:pPr algn="ctr"/>
+            <a:endParaRPr lang="en-US"/>
+          </a:p>
+        </p:txBody>
+      </p:sp>
+      <p:sp>
+        <p:nvSpPr>
+          <p:cNvPr id="7" name="Rectangle 6">
+            <a:extLst>
+              <a:ext uri="{FF2B5EF4-FFF2-40B4-BE49-F238E27FC236}">
+                <a16:creationId xmlns:a16="http://schemas.microsoft.com/office/drawing/2014/main" id="{F2593517-8345-1D4A-8EA2-D127EAE0D63B}"/>
+              </a:ext>
+            </a:extLst>
+          </p:cNvPr>
+          <p:cNvSpPr/>
+          <p:nvPr/>
+        </p:nvSpPr>
+        <p:spPr>
+          <a:xfrm>
+            <a:off x="444137" y="2211978"/>
+            <a:ext cx="11007634" cy="2525486"/>
+          </a:xfrm>
+          <a:prstGeom prst="rect">
+            <a:avLst/>
+          </a:prstGeom>
+        </p:spPr>
+        <p:style>
+          <a:lnRef idx="2">
+            <a:schemeClr val="accent6"/>
+          </a:lnRef>
+          <a:fillRef idx="1">
+            <a:schemeClr val="lt1"/>
+          </a:fillRef>
+          <a:effectRef idx="0">
+            <a:schemeClr val="accent6"/>
+          </a:effectRef>
+          <a:fontRef idx="minor">
+            <a:schemeClr val="dk1"/>
+          </a:fontRef>
+        </p:style>
+        <p:txBody>
+          <a:bodyPr rtlCol="0" anchor="ctr"/>
+          <a:lstStyle/>
+          <a:p>
+            <a:pPr algn="ctr"/>
+            <a:endParaRPr lang="en-US"/>
+          </a:p>
+        </p:txBody>
+      </p:sp>
+      <p:sp>
+        <p:nvSpPr>
+          <p:cNvPr id="8" name="TextBox 7">
+            <a:extLst>
+              <a:ext uri="{FF2B5EF4-FFF2-40B4-BE49-F238E27FC236}">
+                <a16:creationId xmlns:a16="http://schemas.microsoft.com/office/drawing/2014/main" id="{491CC7AD-0933-B649-99C0-DB319B0C029A}"/>
+              </a:ext>
+            </a:extLst>
+          </p:cNvPr>
+          <p:cNvSpPr txBox="1"/>
+          <p:nvPr/>
+        </p:nvSpPr>
+        <p:spPr>
+          <a:xfrm>
+            <a:off x="4019005" y="2247203"/>
+            <a:ext cx="3857897" cy="369332"/>
+          </a:xfrm>
+          <a:prstGeom prst="rect">
+            <a:avLst/>
+          </a:prstGeom>
+          <a:noFill/>
+        </p:spPr>
+        <p:txBody>
+          <a:bodyPr wrap="square" rtlCol="0">
+            <a:spAutoFit/>
+          </a:bodyPr>
+          <a:lstStyle/>
+          <a:p>
+            <a:pPr algn="ctr"/>
+            <a:r>
+              <a:rPr lang="en-US" dirty="0"/>
+              <a:t>Application Server</a:t>
+            </a:r>
+          </a:p>
+        </p:txBody>
+      </p:sp>
+      <p:sp>
+        <p:nvSpPr>
+          <p:cNvPr id="9" name="Rounded Rectangle 8">
+            <a:extLst>
+              <a:ext uri="{FF2B5EF4-FFF2-40B4-BE49-F238E27FC236}">
+                <a16:creationId xmlns:a16="http://schemas.microsoft.com/office/drawing/2014/main" id="{87DF21FA-4F39-8443-8C4D-05467D3569A8}"/>
+              </a:ext>
+            </a:extLst>
+          </p:cNvPr>
+          <p:cNvSpPr/>
+          <p:nvPr/>
+        </p:nvSpPr>
+        <p:spPr>
+          <a:xfrm>
+            <a:off x="740229" y="3884023"/>
+            <a:ext cx="10328365" cy="583474"/>
+          </a:xfrm>
+          <a:prstGeom prst="roundRect">
+            <a:avLst/>
+          </a:prstGeom>
+        </p:spPr>
+        <p:style>
+          <a:lnRef idx="2">
+            <a:schemeClr val="accent1">
+              <a:shade val="50000"/>
+            </a:schemeClr>
+          </a:lnRef>
+          <a:fillRef idx="1">
+            <a:schemeClr val="accent1"/>
+          </a:fillRef>
+          <a:effectRef idx="0">
+            <a:schemeClr val="accent1"/>
+          </a:effectRef>
+          <a:fontRef idx="minor">
+            <a:schemeClr val="lt1"/>
+          </a:fontRef>
+        </p:style>
+        <p:txBody>
+          <a:bodyPr rtlCol="0" anchor="ctr"/>
+          <a:lstStyle/>
+          <a:p>
+            <a:pPr algn="ctr"/>
+            <a:r>
+              <a:rPr lang="en-US" dirty="0"/>
+              <a:t>DAL</a:t>
+            </a:r>
+          </a:p>
+        </p:txBody>
+      </p:sp>
+      <p:sp>
+        <p:nvSpPr>
+          <p:cNvPr id="10" name="Up-down Arrow 9">
+            <a:extLst>
+              <a:ext uri="{FF2B5EF4-FFF2-40B4-BE49-F238E27FC236}">
+                <a16:creationId xmlns:a16="http://schemas.microsoft.com/office/drawing/2014/main" id="{CE8126EB-EEBB-DE4E-AD89-5B0787380777}"/>
+              </a:ext>
+            </a:extLst>
+          </p:cNvPr>
+          <p:cNvSpPr/>
+          <p:nvPr/>
+        </p:nvSpPr>
+        <p:spPr>
+          <a:xfrm>
+            <a:off x="1506583" y="4253355"/>
+            <a:ext cx="348343" cy="875994"/>
+          </a:xfrm>
+          <a:prstGeom prst="upDownArrow">
+            <a:avLst/>
+          </a:prstGeom>
+          <a:solidFill>
+            <a:srgbClr val="FFFF00"/>
+          </a:solidFill>
+        </p:spPr>
+        <p:style>
+          <a:lnRef idx="2">
+            <a:schemeClr val="accent1">
+              <a:shade val="50000"/>
+            </a:schemeClr>
+          </a:lnRef>
+          <a:fillRef idx="1">
+            <a:schemeClr val="accent1"/>
+          </a:fillRef>
+          <a:effectRef idx="0">
+            <a:schemeClr val="accent1"/>
+          </a:effectRef>
+          <a:fontRef idx="minor">
+            <a:schemeClr val="lt1"/>
+          </a:fontRef>
+        </p:style>
+        <p:txBody>
+          <a:bodyPr rtlCol="0" anchor="ctr"/>
+          <a:lstStyle/>
+          <a:p>
+            <a:pPr algn="ctr"/>
+            <a:endParaRPr lang="en-US"/>
+          </a:p>
+        </p:txBody>
+      </p:sp>
+      <p:sp>
+        <p:nvSpPr>
+          <p:cNvPr id="11" name="Up-down Arrow 10">
+            <a:extLst>
+              <a:ext uri="{FF2B5EF4-FFF2-40B4-BE49-F238E27FC236}">
+                <a16:creationId xmlns:a16="http://schemas.microsoft.com/office/drawing/2014/main" id="{B715425D-76FE-1F4F-953C-73E7A27B6E36}"/>
+              </a:ext>
+            </a:extLst>
+          </p:cNvPr>
+          <p:cNvSpPr/>
+          <p:nvPr/>
+        </p:nvSpPr>
+        <p:spPr>
+          <a:xfrm>
+            <a:off x="4249783" y="4253355"/>
+            <a:ext cx="348343" cy="875994"/>
+          </a:xfrm>
+          <a:prstGeom prst="upDownArrow">
+            <a:avLst/>
+          </a:prstGeom>
+          <a:solidFill>
+            <a:srgbClr val="FFFF00"/>
+          </a:solidFill>
+        </p:spPr>
+        <p:style>
+          <a:lnRef idx="2">
+            <a:schemeClr val="accent1">
+              <a:shade val="50000"/>
+            </a:schemeClr>
+          </a:lnRef>
+          <a:fillRef idx="1">
+            <a:schemeClr val="accent1"/>
+          </a:fillRef>
+          <a:effectRef idx="0">
+            <a:schemeClr val="accent1"/>
+          </a:effectRef>
+          <a:fontRef idx="minor">
+            <a:schemeClr val="lt1"/>
+          </a:fontRef>
+        </p:style>
+        <p:txBody>
+          <a:bodyPr rtlCol="0" anchor="ctr"/>
+          <a:lstStyle/>
+          <a:p>
+            <a:pPr algn="ctr"/>
+            <a:endParaRPr lang="en-US"/>
+          </a:p>
+        </p:txBody>
+      </p:sp>
+      <p:sp>
+        <p:nvSpPr>
+          <p:cNvPr id="12" name="Up-down Arrow 11">
+            <a:extLst>
+              <a:ext uri="{FF2B5EF4-FFF2-40B4-BE49-F238E27FC236}">
+                <a16:creationId xmlns:a16="http://schemas.microsoft.com/office/drawing/2014/main" id="{D192A75E-5A42-2F42-989B-635B24E2C279}"/>
+              </a:ext>
+            </a:extLst>
+          </p:cNvPr>
+          <p:cNvSpPr/>
+          <p:nvPr/>
+        </p:nvSpPr>
+        <p:spPr>
+          <a:xfrm>
+            <a:off x="7145382" y="4239510"/>
+            <a:ext cx="348343" cy="875994"/>
+          </a:xfrm>
+          <a:prstGeom prst="upDownArrow">
+            <a:avLst/>
+          </a:prstGeom>
+          <a:solidFill>
+            <a:srgbClr val="FFFF00"/>
+          </a:solidFill>
+        </p:spPr>
+        <p:style>
+          <a:lnRef idx="2">
+            <a:schemeClr val="accent1">
+              <a:shade val="50000"/>
+            </a:schemeClr>
+          </a:lnRef>
+          <a:fillRef idx="1">
+            <a:schemeClr val="accent1"/>
+          </a:fillRef>
+          <a:effectRef idx="0">
+            <a:schemeClr val="accent1"/>
+          </a:effectRef>
+          <a:fontRef idx="minor">
+            <a:schemeClr val="lt1"/>
+          </a:fontRef>
+        </p:style>
+        <p:txBody>
+          <a:bodyPr rtlCol="0" anchor="ctr"/>
+          <a:lstStyle/>
+          <a:p>
+            <a:pPr algn="ctr"/>
+            <a:endParaRPr lang="en-US"/>
+          </a:p>
+        </p:txBody>
+      </p:sp>
+      <p:sp>
+        <p:nvSpPr>
+          <p:cNvPr id="13" name="Up-down Arrow 12">
+            <a:extLst>
+              <a:ext uri="{FF2B5EF4-FFF2-40B4-BE49-F238E27FC236}">
+                <a16:creationId xmlns:a16="http://schemas.microsoft.com/office/drawing/2014/main" id="{BB32FB34-0736-7243-8138-ED10CE34C1EC}"/>
+              </a:ext>
+            </a:extLst>
+          </p:cNvPr>
+          <p:cNvSpPr/>
+          <p:nvPr/>
+        </p:nvSpPr>
+        <p:spPr>
+          <a:xfrm>
+            <a:off x="10115005" y="4253355"/>
+            <a:ext cx="348343" cy="875994"/>
+          </a:xfrm>
+          <a:prstGeom prst="upDownArrow">
+            <a:avLst/>
+          </a:prstGeom>
+          <a:solidFill>
+            <a:srgbClr val="FFFF00"/>
+          </a:solidFill>
+        </p:spPr>
+        <p:style>
+          <a:lnRef idx="2">
+            <a:schemeClr val="accent1">
+              <a:shade val="50000"/>
+            </a:schemeClr>
+          </a:lnRef>
+          <a:fillRef idx="1">
+            <a:schemeClr val="accent1"/>
+          </a:fillRef>
+          <a:effectRef idx="0">
+            <a:schemeClr val="accent1"/>
+          </a:effectRef>
+          <a:fontRef idx="minor">
+            <a:schemeClr val="lt1"/>
+          </a:fontRef>
+        </p:style>
+        <p:txBody>
+          <a:bodyPr rtlCol="0" anchor="ctr"/>
+          <a:lstStyle/>
+          <a:p>
+            <a:pPr algn="ctr"/>
+            <a:endParaRPr lang="en-US"/>
+          </a:p>
+        </p:txBody>
+      </p:sp>
+      <p:sp>
+        <p:nvSpPr>
+          <p:cNvPr id="14" name="Rounded Rectangle 13">
+            <a:extLst>
+              <a:ext uri="{FF2B5EF4-FFF2-40B4-BE49-F238E27FC236}">
+                <a16:creationId xmlns:a16="http://schemas.microsoft.com/office/drawing/2014/main" id="{D7F6355F-1916-2C44-A090-187329839D73}"/>
+              </a:ext>
+            </a:extLst>
+          </p:cNvPr>
+          <p:cNvSpPr/>
+          <p:nvPr/>
+        </p:nvSpPr>
+        <p:spPr>
+          <a:xfrm>
+            <a:off x="740229" y="3137263"/>
+            <a:ext cx="10328365" cy="583474"/>
+          </a:xfrm>
+          <a:prstGeom prst="roundRect">
+            <a:avLst/>
+          </a:prstGeom>
+        </p:spPr>
+        <p:style>
+          <a:lnRef idx="2">
+            <a:schemeClr val="accent1">
+              <a:shade val="50000"/>
+            </a:schemeClr>
+          </a:lnRef>
+          <a:fillRef idx="1">
+            <a:schemeClr val="accent1"/>
+          </a:fillRef>
+          <a:effectRef idx="0">
+            <a:schemeClr val="accent1"/>
+          </a:effectRef>
+          <a:fontRef idx="minor">
+            <a:schemeClr val="lt1"/>
+          </a:fontRef>
+        </p:style>
+        <p:txBody>
+          <a:bodyPr rtlCol="0" anchor="ctr"/>
+          <a:lstStyle/>
+          <a:p>
+            <a:pPr algn="ctr"/>
+            <a:r>
+              <a:rPr lang="en-US" dirty="0"/>
+              <a:t>BAL</a:t>
+            </a:r>
+          </a:p>
+        </p:txBody>
+      </p:sp>
+      <p:sp>
+        <p:nvSpPr>
+          <p:cNvPr id="15" name="Rounded Rectangle 14">
+            <a:extLst>
+              <a:ext uri="{FF2B5EF4-FFF2-40B4-BE49-F238E27FC236}">
+                <a16:creationId xmlns:a16="http://schemas.microsoft.com/office/drawing/2014/main" id="{4D78ECEC-0002-194A-9352-CE59E1727D3D}"/>
+              </a:ext>
+            </a:extLst>
+          </p:cNvPr>
+          <p:cNvSpPr/>
+          <p:nvPr/>
+        </p:nvSpPr>
+        <p:spPr>
+          <a:xfrm>
+            <a:off x="740229" y="2312517"/>
+            <a:ext cx="3944982" cy="640080"/>
+          </a:xfrm>
+          <a:prstGeom prst="roundRect">
+            <a:avLst/>
+          </a:prstGeom>
+        </p:spPr>
+        <p:style>
+          <a:lnRef idx="2">
+            <a:schemeClr val="accent1">
+              <a:shade val="50000"/>
+            </a:schemeClr>
+          </a:lnRef>
+          <a:fillRef idx="1">
+            <a:schemeClr val="accent1"/>
+          </a:fillRef>
+          <a:effectRef idx="0">
+            <a:schemeClr val="accent1"/>
+          </a:effectRef>
+          <a:fontRef idx="minor">
+            <a:schemeClr val="lt1"/>
+          </a:fontRef>
+        </p:style>
+        <p:txBody>
+          <a:bodyPr rtlCol="0" anchor="ctr"/>
+          <a:lstStyle/>
+          <a:p>
+            <a:pPr algn="ctr"/>
+            <a:r>
+              <a:rPr lang="en-US" dirty="0"/>
+              <a:t>192.168.10.20</a:t>
+            </a:r>
+          </a:p>
+          <a:p>
+            <a:pPr algn="ctr"/>
+            <a:r>
+              <a:rPr lang="en-US" dirty="0"/>
+              <a:t>HTML + JS + CSS</a:t>
+            </a:r>
+          </a:p>
+        </p:txBody>
+      </p:sp>
+      <p:sp>
+        <p:nvSpPr>
+          <p:cNvPr id="16" name="Up-down Arrow 15">
+            <a:extLst>
+              <a:ext uri="{FF2B5EF4-FFF2-40B4-BE49-F238E27FC236}">
+                <a16:creationId xmlns:a16="http://schemas.microsoft.com/office/drawing/2014/main" id="{9C438D4D-3678-AB42-B439-AD956D49F4C2}"/>
+              </a:ext>
+            </a:extLst>
+          </p:cNvPr>
+          <p:cNvSpPr/>
+          <p:nvPr/>
+        </p:nvSpPr>
+        <p:spPr>
+          <a:xfrm>
+            <a:off x="1380308" y="2596243"/>
+            <a:ext cx="348343" cy="875994"/>
+          </a:xfrm>
+          <a:prstGeom prst="upDownArrow">
+            <a:avLst/>
+          </a:prstGeom>
+          <a:solidFill>
+            <a:srgbClr val="FFFF00"/>
+          </a:solidFill>
+        </p:spPr>
+        <p:style>
+          <a:lnRef idx="2">
+            <a:schemeClr val="accent1">
+              <a:shade val="50000"/>
+            </a:schemeClr>
+          </a:lnRef>
+          <a:fillRef idx="1">
+            <a:schemeClr val="accent1"/>
+          </a:fillRef>
+          <a:effectRef idx="0">
+            <a:schemeClr val="accent1"/>
+          </a:effectRef>
+          <a:fontRef idx="minor">
+            <a:schemeClr val="lt1"/>
+          </a:fontRef>
+        </p:style>
+        <p:txBody>
+          <a:bodyPr rtlCol="0" anchor="ctr"/>
+          <a:lstStyle/>
+          <a:p>
+            <a:pPr algn="ctr"/>
+            <a:endParaRPr lang="en-US"/>
+          </a:p>
+        </p:txBody>
+      </p:sp>
+      <p:sp>
+        <p:nvSpPr>
+          <p:cNvPr id="17" name="Snip Single Corner of Rectangle 16">
+            <a:extLst>
+              <a:ext uri="{FF2B5EF4-FFF2-40B4-BE49-F238E27FC236}">
+                <a16:creationId xmlns:a16="http://schemas.microsoft.com/office/drawing/2014/main" id="{35979D3B-21CB-4C47-9FCE-98F097D2741C}"/>
+              </a:ext>
+            </a:extLst>
+          </p:cNvPr>
+          <p:cNvSpPr/>
+          <p:nvPr/>
+        </p:nvSpPr>
+        <p:spPr>
+          <a:xfrm>
+            <a:off x="278675" y="526086"/>
+            <a:ext cx="2255520" cy="1111125"/>
+          </a:xfrm>
+          <a:prstGeom prst="snip1Rect">
+            <a:avLst/>
+          </a:prstGeom>
+        </p:spPr>
+        <p:style>
+          <a:lnRef idx="2">
+            <a:schemeClr val="accent1">
+              <a:shade val="50000"/>
+            </a:schemeClr>
+          </a:lnRef>
+          <a:fillRef idx="1">
+            <a:schemeClr val="accent1"/>
+          </a:fillRef>
+          <a:effectRef idx="0">
+            <a:schemeClr val="accent1"/>
+          </a:effectRef>
+          <a:fontRef idx="minor">
+            <a:schemeClr val="lt1"/>
+          </a:fontRef>
+        </p:style>
+        <p:txBody>
+          <a:bodyPr rtlCol="0" anchor="ctr"/>
+          <a:lstStyle/>
+          <a:p>
+            <a:pPr algn="ctr"/>
+            <a:r>
+              <a:rPr lang="en-US" dirty="0"/>
+              <a:t>Browser</a:t>
+            </a:r>
+          </a:p>
+          <a:p>
+            <a:pPr algn="ctr"/>
+            <a:r>
+              <a:rPr lang="en-US" dirty="0"/>
+              <a:t>http://192.168.10.20</a:t>
+            </a:r>
+          </a:p>
+        </p:txBody>
+      </p:sp>
+      <p:sp>
+        <p:nvSpPr>
+          <p:cNvPr id="18" name="Up-down Arrow 17">
+            <a:extLst>
+              <a:ext uri="{FF2B5EF4-FFF2-40B4-BE49-F238E27FC236}">
+                <a16:creationId xmlns:a16="http://schemas.microsoft.com/office/drawing/2014/main" id="{852321DF-6199-B942-B01F-2356B3A478EB}"/>
+              </a:ext>
+            </a:extLst>
+          </p:cNvPr>
+          <p:cNvSpPr/>
+          <p:nvPr/>
+        </p:nvSpPr>
+        <p:spPr>
+          <a:xfrm>
+            <a:off x="1232263" y="1598412"/>
+            <a:ext cx="348343" cy="640081"/>
+          </a:xfrm>
+          <a:prstGeom prst="upDownArrow">
+            <a:avLst/>
+          </a:prstGeom>
+          <a:solidFill>
+            <a:srgbClr val="FFFF00"/>
+          </a:solidFill>
+        </p:spPr>
+        <p:style>
+          <a:lnRef idx="2">
+            <a:schemeClr val="accent1">
+              <a:shade val="50000"/>
+            </a:schemeClr>
+          </a:lnRef>
+          <a:fillRef idx="1">
+            <a:schemeClr val="accent1"/>
+          </a:fillRef>
+          <a:effectRef idx="0">
+            <a:schemeClr val="accent1"/>
+          </a:effectRef>
+          <a:fontRef idx="minor">
+            <a:schemeClr val="lt1"/>
+          </a:fontRef>
+        </p:style>
+        <p:txBody>
+          <a:bodyPr rtlCol="0" anchor="ctr"/>
+          <a:lstStyle/>
+          <a:p>
+            <a:pPr algn="ctr"/>
+            <a:endParaRPr lang="en-US"/>
+          </a:p>
+        </p:txBody>
+      </p:sp>
+      <p:sp>
+        <p:nvSpPr>
+          <p:cNvPr id="19" name="TextBox 18">
+            <a:extLst>
+              <a:ext uri="{FF2B5EF4-FFF2-40B4-BE49-F238E27FC236}">
+                <a16:creationId xmlns:a16="http://schemas.microsoft.com/office/drawing/2014/main" id="{0AF5AA9E-132B-1644-9E78-93FE0677D890}"/>
+              </a:ext>
+            </a:extLst>
+          </p:cNvPr>
+          <p:cNvSpPr txBox="1"/>
+          <p:nvPr/>
+        </p:nvSpPr>
+        <p:spPr>
+          <a:xfrm>
+            <a:off x="78377" y="119742"/>
+            <a:ext cx="2856411" cy="369332"/>
+          </a:xfrm>
+          <a:prstGeom prst="rect">
+            <a:avLst/>
+          </a:prstGeom>
+          <a:noFill/>
+        </p:spPr>
+        <p:txBody>
+          <a:bodyPr wrap="square" rtlCol="0">
+            <a:spAutoFit/>
+          </a:bodyPr>
+          <a:lstStyle/>
+          <a:p>
+            <a:r>
+              <a:rPr lang="en-US" dirty="0"/>
+              <a:t>Public clients uses browser</a:t>
+            </a:r>
+          </a:p>
+        </p:txBody>
+      </p:sp>
+      <p:sp>
+        <p:nvSpPr>
+          <p:cNvPr id="20" name="Rounded Rectangle 19">
+            <a:extLst>
+              <a:ext uri="{FF2B5EF4-FFF2-40B4-BE49-F238E27FC236}">
+                <a16:creationId xmlns:a16="http://schemas.microsoft.com/office/drawing/2014/main" id="{94E0CF85-7887-2D46-B559-3FCEADCFF260}"/>
+              </a:ext>
+            </a:extLst>
+          </p:cNvPr>
+          <p:cNvSpPr/>
+          <p:nvPr/>
+        </p:nvSpPr>
+        <p:spPr>
+          <a:xfrm>
+            <a:off x="5251269" y="119742"/>
+            <a:ext cx="3239588" cy="1247504"/>
+          </a:xfrm>
+          <a:prstGeom prst="roundRect">
+            <a:avLst/>
+          </a:prstGeom>
+        </p:spPr>
+        <p:style>
+          <a:lnRef idx="2">
+            <a:schemeClr val="accent1">
+              <a:shade val="50000"/>
+            </a:schemeClr>
+          </a:lnRef>
+          <a:fillRef idx="1">
+            <a:schemeClr val="accent1"/>
+          </a:fillRef>
+          <a:effectRef idx="0">
+            <a:schemeClr val="accent1"/>
+          </a:effectRef>
+          <a:fontRef idx="minor">
+            <a:schemeClr val="lt1"/>
+          </a:fontRef>
+        </p:style>
+        <p:txBody>
+          <a:bodyPr rtlCol="0" anchor="ctr"/>
+          <a:lstStyle/>
+          <a:p>
+            <a:pPr algn="ctr"/>
+            <a:r>
+              <a:rPr lang="en-US" dirty="0" err="1"/>
+              <a:t>Xyz.shopping.com</a:t>
+            </a:r>
+            <a:endParaRPr lang="en-US" dirty="0"/>
+          </a:p>
+          <a:p>
+            <a:pPr algn="ctr"/>
+            <a:r>
+              <a:rPr lang="en-US" dirty="0" err="1"/>
+              <a:t>Ptoducts.html</a:t>
+            </a:r>
+            <a:endParaRPr lang="en-US" dirty="0"/>
+          </a:p>
+          <a:p>
+            <a:pPr algn="ctr"/>
+            <a:r>
+              <a:rPr lang="en-US" dirty="0"/>
+              <a:t>App Server</a:t>
+            </a:r>
+          </a:p>
+        </p:txBody>
+      </p:sp>
+      <p:sp>
+        <p:nvSpPr>
+          <p:cNvPr id="21" name="Left-right Arrow 20">
+            <a:extLst>
+              <a:ext uri="{FF2B5EF4-FFF2-40B4-BE49-F238E27FC236}">
+                <a16:creationId xmlns:a16="http://schemas.microsoft.com/office/drawing/2014/main" id="{076A72CA-D8BB-5849-A283-58868155FF2E}"/>
+              </a:ext>
+            </a:extLst>
+          </p:cNvPr>
+          <p:cNvSpPr/>
+          <p:nvPr/>
+        </p:nvSpPr>
+        <p:spPr>
+          <a:xfrm>
+            <a:off x="7876902" y="316295"/>
+            <a:ext cx="2690948" cy="405731"/>
+          </a:xfrm>
+          <a:prstGeom prst="leftRightArrow">
+            <a:avLst/>
+          </a:prstGeom>
+          <a:solidFill>
+            <a:srgbClr val="FFFF00"/>
+          </a:solidFill>
+        </p:spPr>
+        <p:style>
+          <a:lnRef idx="2">
+            <a:schemeClr val="accent1">
+              <a:shade val="50000"/>
+            </a:schemeClr>
+          </a:lnRef>
+          <a:fillRef idx="1">
+            <a:schemeClr val="accent1"/>
+          </a:fillRef>
+          <a:effectRef idx="0">
+            <a:schemeClr val="accent1"/>
+          </a:effectRef>
+          <a:fontRef idx="minor">
+            <a:schemeClr val="lt1"/>
+          </a:fontRef>
+        </p:style>
+        <p:txBody>
+          <a:bodyPr rtlCol="0" anchor="ctr"/>
+          <a:lstStyle/>
+          <a:p>
+            <a:pPr algn="ctr"/>
+            <a:r>
+              <a:rPr lang="en-US" dirty="0">
+                <a:ln w="0"/>
+                <a:solidFill>
+                  <a:schemeClr val="tx1"/>
+                </a:solidFill>
+                <a:effectLst>
+                  <a:outerShdw blurRad="38100" dist="19050" dir="2700000" algn="tl" rotWithShape="0">
+                    <a:schemeClr val="dk1">
+                      <a:alpha val="40000"/>
+                    </a:schemeClr>
+                  </a:outerShdw>
+                </a:effectLst>
+              </a:rPr>
+              <a:t>http://</a:t>
+            </a:r>
+            <a:r>
+              <a:rPr lang="en-US" dirty="0" err="1">
+                <a:ln w="0"/>
+                <a:solidFill>
+                  <a:schemeClr val="tx1"/>
+                </a:solidFill>
+                <a:effectLst>
+                  <a:outerShdw blurRad="38100" dist="19050" dir="2700000" algn="tl" rotWithShape="0">
+                    <a:schemeClr val="dk1">
+                      <a:alpha val="40000"/>
+                    </a:schemeClr>
+                  </a:outerShdw>
+                </a:effectLst>
+              </a:rPr>
+              <a:t>xyz.shopping.com</a:t>
+            </a:r>
+            <a:endParaRPr lang="en-US" dirty="0">
+              <a:ln w="0"/>
+              <a:solidFill>
+                <a:schemeClr val="tx1"/>
+              </a:solidFill>
+              <a:effectLst>
+                <a:outerShdw blurRad="38100" dist="19050" dir="2700000" algn="tl" rotWithShape="0">
+                  <a:schemeClr val="dk1">
+                    <a:alpha val="40000"/>
+                  </a:schemeClr>
+                </a:outerShdw>
+              </a:effectLst>
+            </a:endParaRPr>
+          </a:p>
+        </p:txBody>
+      </p:sp>
+      <p:sp>
+        <p:nvSpPr>
+          <p:cNvPr id="23" name="TextBox 22">
+            <a:extLst>
+              <a:ext uri="{FF2B5EF4-FFF2-40B4-BE49-F238E27FC236}">
+                <a16:creationId xmlns:a16="http://schemas.microsoft.com/office/drawing/2014/main" id="{708E4D7D-DDB2-A343-9333-C31FEB0D3019}"/>
+              </a:ext>
+            </a:extLst>
+          </p:cNvPr>
+          <p:cNvSpPr txBox="1"/>
+          <p:nvPr/>
+        </p:nvSpPr>
+        <p:spPr>
+          <a:xfrm>
+            <a:off x="9875520" y="973966"/>
+            <a:ext cx="2037806" cy="646331"/>
+          </a:xfrm>
+          <a:prstGeom prst="rect">
+            <a:avLst/>
+          </a:prstGeom>
+          <a:noFill/>
+        </p:spPr>
+        <p:txBody>
+          <a:bodyPr wrap="square" rtlCol="0">
+            <a:spAutoFit/>
+          </a:bodyPr>
+          <a:lstStyle/>
+          <a:p>
+            <a:r>
+              <a:rPr lang="en-US" dirty="0"/>
+              <a:t>Public clients uses browser</a:t>
+            </a:r>
+          </a:p>
+        </p:txBody>
+      </p:sp>
+      <p:sp>
+        <p:nvSpPr>
+          <p:cNvPr id="24" name="Rounded Rectangle 23">
+            <a:extLst>
+              <a:ext uri="{FF2B5EF4-FFF2-40B4-BE49-F238E27FC236}">
+                <a16:creationId xmlns:a16="http://schemas.microsoft.com/office/drawing/2014/main" id="{67DBBCA0-7FE9-E643-A081-A56CDEE91F17}"/>
+              </a:ext>
+            </a:extLst>
+          </p:cNvPr>
+          <p:cNvSpPr/>
+          <p:nvPr/>
+        </p:nvSpPr>
+        <p:spPr>
+          <a:xfrm>
+            <a:off x="7012578" y="2272350"/>
+            <a:ext cx="3944982" cy="640080"/>
+          </a:xfrm>
+          <a:prstGeom prst="roundRect">
+            <a:avLst/>
+          </a:prstGeom>
+        </p:spPr>
+        <p:style>
+          <a:lnRef idx="2">
+            <a:schemeClr val="accent1">
+              <a:shade val="50000"/>
+            </a:schemeClr>
+          </a:lnRef>
+          <a:fillRef idx="1">
+            <a:schemeClr val="accent1"/>
+          </a:fillRef>
+          <a:effectRef idx="0">
+            <a:schemeClr val="accent1"/>
+          </a:effectRef>
+          <a:fontRef idx="minor">
+            <a:schemeClr val="lt1"/>
+          </a:fontRef>
+        </p:style>
+        <p:txBody>
+          <a:bodyPr rtlCol="0" anchor="ctr"/>
+          <a:lstStyle/>
+          <a:p>
+            <a:pPr algn="ctr"/>
+            <a:r>
+              <a:rPr lang="en-US" dirty="0"/>
+              <a:t>REST API 200.100.20.10</a:t>
+            </a:r>
+          </a:p>
+          <a:p>
+            <a:pPr algn="ctr"/>
+            <a:r>
+              <a:rPr lang="en-US" dirty="0"/>
+              <a:t>Get() /post() /put() /delete()</a:t>
+            </a:r>
+          </a:p>
+        </p:txBody>
+      </p:sp>
+      <p:sp>
+        <p:nvSpPr>
+          <p:cNvPr id="25" name="Up-down Arrow 24">
+            <a:extLst>
+              <a:ext uri="{FF2B5EF4-FFF2-40B4-BE49-F238E27FC236}">
+                <a16:creationId xmlns:a16="http://schemas.microsoft.com/office/drawing/2014/main" id="{3480EF1B-7806-B445-8AB2-CE2942319676}"/>
+              </a:ext>
+            </a:extLst>
+          </p:cNvPr>
+          <p:cNvSpPr/>
+          <p:nvPr/>
+        </p:nvSpPr>
+        <p:spPr>
+          <a:xfrm>
+            <a:off x="7145381" y="2592390"/>
+            <a:ext cx="348343" cy="875994"/>
+          </a:xfrm>
+          <a:prstGeom prst="upDownArrow">
+            <a:avLst/>
+          </a:prstGeom>
+          <a:solidFill>
+            <a:srgbClr val="FFFF00"/>
+          </a:solidFill>
+        </p:spPr>
+        <p:style>
+          <a:lnRef idx="2">
+            <a:schemeClr val="accent1">
+              <a:shade val="50000"/>
+            </a:schemeClr>
+          </a:lnRef>
+          <a:fillRef idx="1">
+            <a:schemeClr val="accent1"/>
+          </a:fillRef>
+          <a:effectRef idx="0">
+            <a:schemeClr val="accent1"/>
+          </a:effectRef>
+          <a:fontRef idx="minor">
+            <a:schemeClr val="lt1"/>
+          </a:fontRef>
+        </p:style>
+        <p:txBody>
+          <a:bodyPr rtlCol="0" anchor="ctr"/>
+          <a:lstStyle/>
+          <a:p>
+            <a:pPr algn="ctr"/>
+            <a:endParaRPr lang="en-US"/>
+          </a:p>
+        </p:txBody>
+      </p:sp>
+      <p:sp>
+        <p:nvSpPr>
+          <p:cNvPr id="26" name="Up-down Arrow 25">
+            <a:extLst>
+              <a:ext uri="{FF2B5EF4-FFF2-40B4-BE49-F238E27FC236}">
+                <a16:creationId xmlns:a16="http://schemas.microsoft.com/office/drawing/2014/main" id="{CE0B7850-956B-5F49-B62C-7EBA3E2628B2}"/>
+              </a:ext>
+            </a:extLst>
+          </p:cNvPr>
+          <p:cNvSpPr/>
+          <p:nvPr/>
+        </p:nvSpPr>
+        <p:spPr>
+          <a:xfrm>
+            <a:off x="4929051" y="3360795"/>
+            <a:ext cx="348343" cy="875994"/>
+          </a:xfrm>
+          <a:prstGeom prst="upDownArrow">
+            <a:avLst/>
+          </a:prstGeom>
+          <a:solidFill>
+            <a:srgbClr val="FFFF00"/>
+          </a:solidFill>
+        </p:spPr>
+        <p:style>
+          <a:lnRef idx="2">
+            <a:schemeClr val="accent1">
+              <a:shade val="50000"/>
+            </a:schemeClr>
+          </a:lnRef>
+          <a:fillRef idx="1">
+            <a:schemeClr val="accent1"/>
+          </a:fillRef>
+          <a:effectRef idx="0">
+            <a:schemeClr val="accent1"/>
+          </a:effectRef>
+          <a:fontRef idx="minor">
+            <a:schemeClr val="lt1"/>
+          </a:fontRef>
+        </p:style>
+        <p:txBody>
+          <a:bodyPr rtlCol="0" anchor="ctr"/>
+          <a:lstStyle/>
+          <a:p>
+            <a:pPr algn="ctr"/>
+            <a:endParaRPr lang="en-US"/>
+          </a:p>
+        </p:txBody>
+      </p:sp>
+      <p:sp>
+        <p:nvSpPr>
+          <p:cNvPr id="27" name="Down Arrow 26">
+            <a:extLst>
+              <a:ext uri="{FF2B5EF4-FFF2-40B4-BE49-F238E27FC236}">
+                <a16:creationId xmlns:a16="http://schemas.microsoft.com/office/drawing/2014/main" id="{CD94604B-6A68-6047-BB75-FE35445A8B18}"/>
+              </a:ext>
+            </a:extLst>
+          </p:cNvPr>
+          <p:cNvSpPr/>
+          <p:nvPr/>
+        </p:nvSpPr>
+        <p:spPr>
+          <a:xfrm>
+            <a:off x="8064137" y="1189613"/>
+            <a:ext cx="243837" cy="1082737"/>
+          </a:xfrm>
+          <a:prstGeom prst="downArrow">
+            <a:avLst/>
+          </a:prstGeom>
+          <a:solidFill>
+            <a:srgbClr val="FFFF00"/>
+          </a:solidFill>
+        </p:spPr>
+        <p:style>
+          <a:lnRef idx="2">
+            <a:schemeClr val="accent1">
+              <a:shade val="50000"/>
+            </a:schemeClr>
+          </a:lnRef>
+          <a:fillRef idx="1">
+            <a:schemeClr val="accent1"/>
+          </a:fillRef>
+          <a:effectRef idx="0">
+            <a:schemeClr val="accent1"/>
+          </a:effectRef>
+          <a:fontRef idx="minor">
+            <a:schemeClr val="lt1"/>
+          </a:fontRef>
+        </p:style>
+        <p:txBody>
+          <a:bodyPr rtlCol="0" anchor="ctr"/>
+          <a:lstStyle/>
+          <a:p>
+            <a:pPr algn="ctr"/>
+            <a:endParaRPr lang="en-US"/>
+          </a:p>
+        </p:txBody>
+      </p:sp>
+      <p:sp>
+        <p:nvSpPr>
+          <p:cNvPr id="28" name="TextBox 27">
+            <a:extLst>
+              <a:ext uri="{FF2B5EF4-FFF2-40B4-BE49-F238E27FC236}">
+                <a16:creationId xmlns:a16="http://schemas.microsoft.com/office/drawing/2014/main" id="{7384AF5D-B9D9-3C47-A673-DC5E906BD92C}"/>
+              </a:ext>
+            </a:extLst>
+          </p:cNvPr>
+          <p:cNvSpPr txBox="1"/>
+          <p:nvPr/>
+        </p:nvSpPr>
+        <p:spPr>
+          <a:xfrm>
+            <a:off x="7001688" y="1705779"/>
+            <a:ext cx="3383282" cy="369332"/>
+          </a:xfrm>
+          <a:prstGeom prst="rect">
+            <a:avLst/>
+          </a:prstGeom>
+          <a:noFill/>
+        </p:spPr>
+        <p:txBody>
+          <a:bodyPr wrap="square" rtlCol="0">
+            <a:spAutoFit/>
+          </a:bodyPr>
+          <a:lstStyle/>
+          <a:p>
+            <a:r>
+              <a:rPr lang="en-US" dirty="0"/>
+              <a:t>http://200.100.20.10/</a:t>
+            </a:r>
+            <a:r>
+              <a:rPr lang="en-US" dirty="0" err="1"/>
+              <a:t>api</a:t>
+            </a:r>
+            <a:r>
+              <a:rPr lang="en-US" dirty="0"/>
+              <a:t>/products</a:t>
+            </a:r>
+          </a:p>
+        </p:txBody>
+      </p:sp>
+      <p:sp>
+        <p:nvSpPr>
+          <p:cNvPr id="30" name="Rounded Rectangle 29">
+            <a:extLst>
+              <a:ext uri="{FF2B5EF4-FFF2-40B4-BE49-F238E27FC236}">
+                <a16:creationId xmlns:a16="http://schemas.microsoft.com/office/drawing/2014/main" id="{242C15F8-D5C3-6841-ADA9-9D4BFB0D87DF}"/>
+              </a:ext>
+            </a:extLst>
+          </p:cNvPr>
+          <p:cNvSpPr/>
+          <p:nvPr/>
+        </p:nvSpPr>
+        <p:spPr>
+          <a:xfrm>
+            <a:off x="3487783" y="316295"/>
+            <a:ext cx="905691" cy="934670"/>
+          </a:xfrm>
+          <a:prstGeom prst="roundRect">
+            <a:avLst/>
+          </a:prstGeom>
+        </p:spPr>
+        <p:style>
+          <a:lnRef idx="2">
+            <a:schemeClr val="accent1">
+              <a:shade val="50000"/>
+            </a:schemeClr>
+          </a:lnRef>
+          <a:fillRef idx="1">
+            <a:schemeClr val="accent1"/>
+          </a:fillRef>
+          <a:effectRef idx="0">
+            <a:schemeClr val="accent1"/>
+          </a:effectRef>
+          <a:fontRef idx="minor">
+            <a:schemeClr val="lt1"/>
+          </a:fontRef>
+        </p:style>
+        <p:txBody>
+          <a:bodyPr rtlCol="0" anchor="ctr"/>
+          <a:lstStyle/>
+          <a:p>
+            <a:pPr algn="ctr"/>
+            <a:r>
+              <a:rPr lang="en-US" dirty="0"/>
+              <a:t>Mobile</a:t>
+            </a:r>
+          </a:p>
+        </p:txBody>
+      </p:sp>
+      <p:cxnSp>
+        <p:nvCxnSpPr>
+          <p:cNvPr id="32" name="Straight Arrow Connector 31">
+            <a:extLst>
+              <a:ext uri="{FF2B5EF4-FFF2-40B4-BE49-F238E27FC236}">
+                <a16:creationId xmlns:a16="http://schemas.microsoft.com/office/drawing/2014/main" id="{BAC62758-4CBC-F840-A473-8D05AE15FED7}"/>
+              </a:ext>
+            </a:extLst>
+          </p:cNvPr>
+          <p:cNvCxnSpPr/>
+          <p:nvPr/>
+        </p:nvCxnSpPr>
+        <p:spPr>
+          <a:xfrm>
+            <a:off x="4310743" y="1189613"/>
+            <a:ext cx="2978331" cy="1082737"/>
+          </a:xfrm>
+          <a:prstGeom prst="straightConnector1">
+            <a:avLst/>
+          </a:prstGeom>
+          <a:ln>
+            <a:tailEnd type="triangle"/>
+          </a:ln>
+        </p:spPr>
+        <p:style>
+          <a:lnRef idx="3">
+            <a:schemeClr val="dk1"/>
+          </a:lnRef>
+          <a:fillRef idx="0">
+            <a:schemeClr val="dk1"/>
+          </a:fillRef>
+          <a:effectRef idx="2">
+            <a:schemeClr val="dk1"/>
+          </a:effectRef>
+          <a:fontRef idx="minor">
+            <a:schemeClr val="tx1"/>
+          </a:fontRef>
+        </p:style>
+      </p:cxnSp>
+      <p:cxnSp>
+        <p:nvCxnSpPr>
+          <p:cNvPr id="34" name="Straight Arrow Connector 33">
+            <a:extLst>
+              <a:ext uri="{FF2B5EF4-FFF2-40B4-BE49-F238E27FC236}">
+                <a16:creationId xmlns:a16="http://schemas.microsoft.com/office/drawing/2014/main" id="{CD00DDE9-C9AD-3D46-A5A5-880C0E4B9F29}"/>
+              </a:ext>
+            </a:extLst>
+          </p:cNvPr>
+          <p:cNvCxnSpPr>
+            <a:endCxn id="30" idx="2"/>
+          </p:cNvCxnSpPr>
+          <p:nvPr/>
+        </p:nvCxnSpPr>
+        <p:spPr>
+          <a:xfrm flipH="1" flipV="1">
+            <a:off x="3940629" y="1250965"/>
+            <a:ext cx="3196044" cy="1186152"/>
+          </a:xfrm>
+          <a:prstGeom prst="straightConnector1">
+            <a:avLst/>
+          </a:prstGeom>
+          <a:ln>
+            <a:tailEnd type="triangle"/>
+          </a:ln>
+        </p:spPr>
+        <p:style>
+          <a:lnRef idx="3">
+            <a:schemeClr val="dk1"/>
+          </a:lnRef>
+          <a:fillRef idx="0">
+            <a:schemeClr val="dk1"/>
+          </a:fillRef>
+          <a:effectRef idx="2">
+            <a:schemeClr val="dk1"/>
+          </a:effectRef>
+          <a:fontRef idx="minor">
+            <a:schemeClr val="tx1"/>
+          </a:fontRef>
+        </p:style>
+      </p:cxnSp>
+    </p:spTree>
+    <p:extLst>
+      <p:ext uri="{BB962C8B-B14F-4D97-AF65-F5344CB8AC3E}">
+        <p14:creationId xmlns:p14="http://schemas.microsoft.com/office/powerpoint/2010/main" val="1522512355"/>
       </p:ext>
     </p:extLst>
   </p:cSld>
@@ -31632,6 +33146,656 @@
     <p:extLst>
       <p:ext uri="{BB962C8B-B14F-4D97-AF65-F5344CB8AC3E}">
         <p14:creationId xmlns:p14="http://schemas.microsoft.com/office/powerpoint/2010/main" val="3196866986"/>
+      </p:ext>
+    </p:extLst>
+  </p:cSld>
+  <p:clrMapOvr>
+    <a:masterClrMapping/>
+  </p:clrMapOvr>
+</p:sld>
+</file>
+
+<file path=ppt/slides/slide40.xml><?xml version="1.0" encoding="utf-8"?>
+<p:sld xmlns:a="http://schemas.openxmlformats.org/drawingml/2006/main" xmlns:r="http://schemas.openxmlformats.org/officeDocument/2006/relationships" xmlns:p="http://schemas.openxmlformats.org/presentationml/2006/main">
+  <p:cSld>
+    <p:spTree>
+      <p:nvGrpSpPr>
+        <p:cNvPr id="1" name=""/>
+        <p:cNvGrpSpPr/>
+        <p:nvPr/>
+      </p:nvGrpSpPr>
+      <p:grpSpPr>
+        <a:xfrm>
+          <a:off x="0" y="0"/>
+          <a:ext cx="0" cy="0"/>
+          <a:chOff x="0" y="0"/>
+          <a:chExt cx="0" cy="0"/>
+        </a:xfrm>
+      </p:grpSpPr>
+      <p:sp>
+        <p:nvSpPr>
+          <p:cNvPr id="8" name="&quot;No&quot; Symbol 7">
+            <a:extLst>
+              <a:ext uri="{FF2B5EF4-FFF2-40B4-BE49-F238E27FC236}">
+                <a16:creationId xmlns:a16="http://schemas.microsoft.com/office/drawing/2014/main" id="{05C9C617-FEFC-5E44-A5FE-A792D4D6CB7A}"/>
+              </a:ext>
+            </a:extLst>
+          </p:cNvPr>
+          <p:cNvSpPr/>
+          <p:nvPr/>
+        </p:nvSpPr>
+        <p:spPr>
+          <a:xfrm>
+            <a:off x="4990011" y="1180012"/>
+            <a:ext cx="1793966" cy="1702525"/>
+          </a:xfrm>
+          <a:prstGeom prst="noSmoking">
+            <a:avLst/>
+          </a:prstGeom>
+        </p:spPr>
+        <p:style>
+          <a:lnRef idx="2">
+            <a:schemeClr val="accent1">
+              <a:shade val="50000"/>
+            </a:schemeClr>
+          </a:lnRef>
+          <a:fillRef idx="1">
+            <a:schemeClr val="accent1"/>
+          </a:fillRef>
+          <a:effectRef idx="0">
+            <a:schemeClr val="accent1"/>
+          </a:effectRef>
+          <a:fontRef idx="minor">
+            <a:schemeClr val="lt1"/>
+          </a:fontRef>
+        </p:style>
+        <p:txBody>
+          <a:bodyPr rtlCol="0" anchor="ctr"/>
+          <a:lstStyle/>
+          <a:p>
+            <a:pPr algn="ctr"/>
+            <a:endParaRPr lang="en-US">
+              <a:solidFill>
+                <a:schemeClr val="tx1"/>
+              </a:solidFill>
+            </a:endParaRPr>
+          </a:p>
+        </p:txBody>
+      </p:sp>
+      <p:sp>
+        <p:nvSpPr>
+          <p:cNvPr id="2" name="TextBox 1">
+            <a:extLst>
+              <a:ext uri="{FF2B5EF4-FFF2-40B4-BE49-F238E27FC236}">
+                <a16:creationId xmlns:a16="http://schemas.microsoft.com/office/drawing/2014/main" id="{FF2CA8BC-FA83-2643-AC52-66A4B6F01DF5}"/>
+              </a:ext>
+            </a:extLst>
+          </p:cNvPr>
+          <p:cNvSpPr txBox="1"/>
+          <p:nvPr/>
+        </p:nvSpPr>
+        <p:spPr>
+          <a:xfrm>
+            <a:off x="2743200" y="156754"/>
+            <a:ext cx="6270171" cy="369332"/>
+          </a:xfrm>
+          <a:prstGeom prst="rect">
+            <a:avLst/>
+          </a:prstGeom>
+          <a:noFill/>
+        </p:spPr>
+        <p:txBody>
+          <a:bodyPr wrap="square" rtlCol="0">
+            <a:spAutoFit/>
+          </a:bodyPr>
+          <a:lstStyle/>
+          <a:p>
+            <a:r>
+              <a:rPr lang="en-US" dirty="0">
+                <a:highlight>
+                  <a:srgbClr val="FFFF00"/>
+                </a:highlight>
+              </a:rPr>
+              <a:t>Challenges for developers while developing and using REST APIs</a:t>
+            </a:r>
+          </a:p>
+        </p:txBody>
+      </p:sp>
+      <p:sp>
+        <p:nvSpPr>
+          <p:cNvPr id="3" name="TextBox 2">
+            <a:extLst>
+              <a:ext uri="{FF2B5EF4-FFF2-40B4-BE49-F238E27FC236}">
+                <a16:creationId xmlns:a16="http://schemas.microsoft.com/office/drawing/2014/main" id="{935FFBB3-E675-ED42-BE13-48DB3711352D}"/>
+              </a:ext>
+            </a:extLst>
+          </p:cNvPr>
+          <p:cNvSpPr txBox="1"/>
+          <p:nvPr/>
+        </p:nvSpPr>
+        <p:spPr>
+          <a:xfrm>
+            <a:off x="235131" y="827314"/>
+            <a:ext cx="11704320" cy="369332"/>
+          </a:xfrm>
+          <a:prstGeom prst="rect">
+            <a:avLst/>
+          </a:prstGeom>
+          <a:noFill/>
+        </p:spPr>
+        <p:txBody>
+          <a:bodyPr wrap="square" rtlCol="0">
+            <a:spAutoFit/>
+          </a:bodyPr>
+          <a:lstStyle/>
+          <a:p>
+            <a:pPr marL="342900" indent="-342900">
+              <a:buFont typeface="+mj-lt"/>
+              <a:buAutoNum type="arabicPeriod"/>
+            </a:pPr>
+            <a:r>
+              <a:rPr lang="en-US" dirty="0"/>
+              <a:t>How to rectify the CORS error?</a:t>
+            </a:r>
+          </a:p>
+        </p:txBody>
+      </p:sp>
+      <p:sp>
+        <p:nvSpPr>
+          <p:cNvPr id="4" name="Rounded Rectangle 3">
+            <a:extLst>
+              <a:ext uri="{FF2B5EF4-FFF2-40B4-BE49-F238E27FC236}">
+                <a16:creationId xmlns:a16="http://schemas.microsoft.com/office/drawing/2014/main" id="{A7439D90-BA5E-5042-9604-6A65A62DDFA0}"/>
+              </a:ext>
+            </a:extLst>
+          </p:cNvPr>
+          <p:cNvSpPr/>
+          <p:nvPr/>
+        </p:nvSpPr>
+        <p:spPr>
+          <a:xfrm>
+            <a:off x="505098" y="1232262"/>
+            <a:ext cx="3100251" cy="1654629"/>
+          </a:xfrm>
+          <a:prstGeom prst="roundRect">
+            <a:avLst/>
+          </a:prstGeom>
+        </p:spPr>
+        <p:style>
+          <a:lnRef idx="2">
+            <a:schemeClr val="accent1">
+              <a:shade val="50000"/>
+            </a:schemeClr>
+          </a:lnRef>
+          <a:fillRef idx="1">
+            <a:schemeClr val="accent1"/>
+          </a:fillRef>
+          <a:effectRef idx="0">
+            <a:schemeClr val="accent1"/>
+          </a:effectRef>
+          <a:fontRef idx="minor">
+            <a:schemeClr val="lt1"/>
+          </a:fontRef>
+        </p:style>
+        <p:txBody>
+          <a:bodyPr rtlCol="0" anchor="ctr"/>
+          <a:lstStyle/>
+          <a:p>
+            <a:pPr algn="ctr"/>
+            <a:r>
+              <a:rPr lang="en-US" dirty="0" err="1"/>
+              <a:t>WebClient</a:t>
+            </a:r>
+            <a:r>
+              <a:rPr lang="en-US" dirty="0"/>
+              <a:t> / Browser Client</a:t>
+            </a:r>
+          </a:p>
+          <a:p>
+            <a:pPr algn="ctr"/>
+            <a:r>
+              <a:rPr lang="en-US" dirty="0"/>
+              <a:t>From Domain</a:t>
+            </a:r>
+          </a:p>
+          <a:p>
+            <a:pPr algn="ctr"/>
+            <a:r>
+              <a:rPr lang="en-US" dirty="0">
+                <a:hlinkClick r:id="rId2"/>
+              </a:rPr>
+              <a:t>www.xyz.com</a:t>
+            </a:r>
+            <a:r>
+              <a:rPr lang="en-US" dirty="0"/>
+              <a:t> OR IP Address</a:t>
+            </a:r>
+          </a:p>
+          <a:p>
+            <a:pPr algn="ctr"/>
+            <a:r>
+              <a:rPr lang="en-US" dirty="0"/>
+              <a:t>http://192.168.10.20</a:t>
+            </a:r>
+          </a:p>
+        </p:txBody>
+      </p:sp>
+      <p:sp>
+        <p:nvSpPr>
+          <p:cNvPr id="5" name="Rectangle 4">
+            <a:extLst>
+              <a:ext uri="{FF2B5EF4-FFF2-40B4-BE49-F238E27FC236}">
+                <a16:creationId xmlns:a16="http://schemas.microsoft.com/office/drawing/2014/main" id="{8A18A259-45B1-4C40-84E5-00DCC5DFF99B}"/>
+              </a:ext>
+            </a:extLst>
+          </p:cNvPr>
+          <p:cNvSpPr/>
+          <p:nvPr/>
+        </p:nvSpPr>
+        <p:spPr>
+          <a:xfrm>
+            <a:off x="8168640" y="1497874"/>
+            <a:ext cx="2778035" cy="1384663"/>
+          </a:xfrm>
+          <a:prstGeom prst="rect">
+            <a:avLst/>
+          </a:prstGeom>
+        </p:spPr>
+        <p:style>
+          <a:lnRef idx="2">
+            <a:schemeClr val="accent1">
+              <a:shade val="50000"/>
+            </a:schemeClr>
+          </a:lnRef>
+          <a:fillRef idx="1">
+            <a:schemeClr val="accent1"/>
+          </a:fillRef>
+          <a:effectRef idx="0">
+            <a:schemeClr val="accent1"/>
+          </a:effectRef>
+          <a:fontRef idx="minor">
+            <a:schemeClr val="lt1"/>
+          </a:fontRef>
+        </p:style>
+        <p:txBody>
+          <a:bodyPr rtlCol="0" anchor="ctr"/>
+          <a:lstStyle/>
+          <a:p>
+            <a:pPr algn="ctr"/>
+            <a:r>
+              <a:rPr lang="en-US" dirty="0"/>
+              <a:t>REST API</a:t>
+            </a:r>
+          </a:p>
+          <a:p>
+            <a:pPr algn="ctr"/>
+            <a:r>
+              <a:rPr lang="en-US" dirty="0"/>
+              <a:t>Hosted on </a:t>
+            </a:r>
+          </a:p>
+          <a:p>
+            <a:pPr algn="ctr"/>
+            <a:r>
+              <a:rPr lang="en-US" dirty="0" err="1"/>
+              <a:t>www.aitserv.com</a:t>
+            </a:r>
+            <a:endParaRPr lang="en-US" dirty="0"/>
+          </a:p>
+          <a:p>
+            <a:pPr algn="ctr"/>
+            <a:r>
+              <a:rPr lang="en-US" dirty="0"/>
+              <a:t>Or</a:t>
+            </a:r>
+          </a:p>
+          <a:p>
+            <a:pPr algn="ctr"/>
+            <a:r>
+              <a:rPr lang="en-US" dirty="0"/>
+              <a:t>http://200.100.30.20</a:t>
+            </a:r>
+          </a:p>
+        </p:txBody>
+      </p:sp>
+      <p:sp>
+        <p:nvSpPr>
+          <p:cNvPr id="6" name="Right Arrow 5">
+            <a:extLst>
+              <a:ext uri="{FF2B5EF4-FFF2-40B4-BE49-F238E27FC236}">
+                <a16:creationId xmlns:a16="http://schemas.microsoft.com/office/drawing/2014/main" id="{5A15484C-0A4F-0146-A573-7CA8A2229200}"/>
+              </a:ext>
+            </a:extLst>
+          </p:cNvPr>
+          <p:cNvSpPr/>
+          <p:nvPr/>
+        </p:nvSpPr>
+        <p:spPr>
+          <a:xfrm>
+            <a:off x="3605349" y="1436914"/>
+            <a:ext cx="4537165" cy="522515"/>
+          </a:xfrm>
+          <a:prstGeom prst="rightArrow">
+            <a:avLst/>
+          </a:prstGeom>
+        </p:spPr>
+        <p:style>
+          <a:lnRef idx="2">
+            <a:schemeClr val="accent1">
+              <a:shade val="50000"/>
+            </a:schemeClr>
+          </a:lnRef>
+          <a:fillRef idx="1">
+            <a:schemeClr val="accent1"/>
+          </a:fillRef>
+          <a:effectRef idx="0">
+            <a:schemeClr val="accent1"/>
+          </a:effectRef>
+          <a:fontRef idx="minor">
+            <a:schemeClr val="lt1"/>
+          </a:fontRef>
+        </p:style>
+        <p:txBody>
+          <a:bodyPr rtlCol="0" anchor="ctr"/>
+          <a:lstStyle/>
+          <a:p>
+            <a:pPr algn="ctr"/>
+            <a:r>
+              <a:rPr lang="en-US" dirty="0"/>
+              <a:t>Http Request Get/Post/Put/Delete</a:t>
+            </a:r>
+          </a:p>
+        </p:txBody>
+      </p:sp>
+      <p:sp>
+        <p:nvSpPr>
+          <p:cNvPr id="7" name="Left Arrow 6">
+            <a:extLst>
+              <a:ext uri="{FF2B5EF4-FFF2-40B4-BE49-F238E27FC236}">
+                <a16:creationId xmlns:a16="http://schemas.microsoft.com/office/drawing/2014/main" id="{54307A04-0A22-A249-86B6-160417AC8182}"/>
+              </a:ext>
+            </a:extLst>
+          </p:cNvPr>
+          <p:cNvSpPr/>
+          <p:nvPr/>
+        </p:nvSpPr>
+        <p:spPr>
+          <a:xfrm>
+            <a:off x="3605349" y="2190205"/>
+            <a:ext cx="4563291" cy="535578"/>
+          </a:xfrm>
+          <a:prstGeom prst="leftArrow">
+            <a:avLst/>
+          </a:prstGeom>
+        </p:spPr>
+        <p:style>
+          <a:lnRef idx="2">
+            <a:schemeClr val="accent1">
+              <a:shade val="50000"/>
+            </a:schemeClr>
+          </a:lnRef>
+          <a:fillRef idx="1">
+            <a:schemeClr val="accent1"/>
+          </a:fillRef>
+          <a:effectRef idx="0">
+            <a:schemeClr val="accent1"/>
+          </a:effectRef>
+          <a:fontRef idx="minor">
+            <a:schemeClr val="lt1"/>
+          </a:fontRef>
+        </p:style>
+        <p:txBody>
+          <a:bodyPr rtlCol="0" anchor="ctr"/>
+          <a:lstStyle/>
+          <a:p>
+            <a:pPr algn="ctr"/>
+            <a:r>
+              <a:rPr lang="en-US" dirty="0"/>
+              <a:t>Response</a:t>
+            </a:r>
+          </a:p>
+        </p:txBody>
+      </p:sp>
+      <p:sp>
+        <p:nvSpPr>
+          <p:cNvPr id="9" name="TextBox 8">
+            <a:extLst>
+              <a:ext uri="{FF2B5EF4-FFF2-40B4-BE49-F238E27FC236}">
+                <a16:creationId xmlns:a16="http://schemas.microsoft.com/office/drawing/2014/main" id="{B3C40B8C-F101-2D43-B1DC-EF9F24E87A32}"/>
+              </a:ext>
+            </a:extLst>
+          </p:cNvPr>
+          <p:cNvSpPr txBox="1"/>
+          <p:nvPr/>
+        </p:nvSpPr>
+        <p:spPr>
+          <a:xfrm>
+            <a:off x="4876800" y="3100251"/>
+            <a:ext cx="2185851" cy="923330"/>
+          </a:xfrm>
+          <a:prstGeom prst="rect">
+            <a:avLst/>
+          </a:prstGeom>
+          <a:noFill/>
+        </p:spPr>
+        <p:txBody>
+          <a:bodyPr wrap="square" rtlCol="0">
+            <a:spAutoFit/>
+          </a:bodyPr>
+          <a:lstStyle/>
+          <a:p>
+            <a:r>
+              <a:rPr lang="en-US" dirty="0"/>
+              <a:t>CORS Error because Client and server domains are different</a:t>
+            </a:r>
+          </a:p>
+        </p:txBody>
+      </p:sp>
+      <p:sp>
+        <p:nvSpPr>
+          <p:cNvPr id="10" name="TextBox 9">
+            <a:extLst>
+              <a:ext uri="{FF2B5EF4-FFF2-40B4-BE49-F238E27FC236}">
+                <a16:creationId xmlns:a16="http://schemas.microsoft.com/office/drawing/2014/main" id="{CFFA3F33-047E-1646-9F14-E9F4035EBA29}"/>
+              </a:ext>
+            </a:extLst>
+          </p:cNvPr>
+          <p:cNvSpPr txBox="1"/>
+          <p:nvPr/>
+        </p:nvSpPr>
+        <p:spPr>
+          <a:xfrm>
+            <a:off x="117565" y="4056629"/>
+            <a:ext cx="11704320" cy="646331"/>
+          </a:xfrm>
+          <a:prstGeom prst="rect">
+            <a:avLst/>
+          </a:prstGeom>
+          <a:noFill/>
+        </p:spPr>
+        <p:txBody>
+          <a:bodyPr wrap="square" rtlCol="0">
+            <a:spAutoFit/>
+          </a:bodyPr>
+          <a:lstStyle/>
+          <a:p>
+            <a:pPr marL="342900" indent="-342900">
+              <a:buFont typeface="+mj-lt"/>
+              <a:buAutoNum type="arabicPeriod"/>
+            </a:pPr>
+            <a:r>
+              <a:rPr lang="en-US" dirty="0"/>
+              <a:t>To resolve the CORS error, configure  the server to accept requests from different  Origins (Domains), headers (AUTHOTIZATION or Custom Headers), methods (GET /POST / PUT / DELETE)</a:t>
+            </a:r>
+          </a:p>
+        </p:txBody>
+      </p:sp>
+    </p:spTree>
+    <p:extLst>
+      <p:ext uri="{BB962C8B-B14F-4D97-AF65-F5344CB8AC3E}">
+        <p14:creationId xmlns:p14="http://schemas.microsoft.com/office/powerpoint/2010/main" val="2920315396"/>
+      </p:ext>
+    </p:extLst>
+  </p:cSld>
+  <p:clrMapOvr>
+    <a:masterClrMapping/>
+  </p:clrMapOvr>
+</p:sld>
+</file>
+
+<file path=ppt/slides/slide41.xml><?xml version="1.0" encoding="utf-8"?>
+<p:sld xmlns:a="http://schemas.openxmlformats.org/drawingml/2006/main" xmlns:r="http://schemas.openxmlformats.org/officeDocument/2006/relationships" xmlns:p="http://schemas.openxmlformats.org/presentationml/2006/main">
+  <p:cSld>
+    <p:spTree>
+      <p:nvGrpSpPr>
+        <p:cNvPr id="1" name=""/>
+        <p:cNvGrpSpPr/>
+        <p:nvPr/>
+      </p:nvGrpSpPr>
+      <p:grpSpPr>
+        <a:xfrm>
+          <a:off x="0" y="0"/>
+          <a:ext cx="0" cy="0"/>
+          <a:chOff x="0" y="0"/>
+          <a:chExt cx="0" cy="0"/>
+        </a:xfrm>
+      </p:grpSpPr>
+      <p:sp>
+        <p:nvSpPr>
+          <p:cNvPr id="3" name="TextBox 2">
+            <a:extLst>
+              <a:ext uri="{FF2B5EF4-FFF2-40B4-BE49-F238E27FC236}">
+                <a16:creationId xmlns:a16="http://schemas.microsoft.com/office/drawing/2014/main" id="{B189FC2F-05D3-6942-8C44-A4ADA1D61889}"/>
+              </a:ext>
+            </a:extLst>
+          </p:cNvPr>
+          <p:cNvSpPr txBox="1"/>
+          <p:nvPr/>
+        </p:nvSpPr>
+        <p:spPr>
+          <a:xfrm>
+            <a:off x="2743200" y="156754"/>
+            <a:ext cx="6270171" cy="369332"/>
+          </a:xfrm>
+          <a:prstGeom prst="rect">
+            <a:avLst/>
+          </a:prstGeom>
+          <a:noFill/>
+        </p:spPr>
+        <p:txBody>
+          <a:bodyPr wrap="square" rtlCol="0">
+            <a:spAutoFit/>
+          </a:bodyPr>
+          <a:lstStyle/>
+          <a:p>
+            <a:r>
+              <a:rPr lang="en-US" dirty="0">
+                <a:highlight>
+                  <a:srgbClr val="FFFF00"/>
+                </a:highlight>
+              </a:rPr>
+              <a:t>Challenges for developers while developing and using REST APIs</a:t>
+            </a:r>
+          </a:p>
+        </p:txBody>
+      </p:sp>
+      <p:sp>
+        <p:nvSpPr>
+          <p:cNvPr id="4" name="TextBox 3">
+            <a:extLst>
+              <a:ext uri="{FF2B5EF4-FFF2-40B4-BE49-F238E27FC236}">
+                <a16:creationId xmlns:a16="http://schemas.microsoft.com/office/drawing/2014/main" id="{F3B46A3C-1A11-DB44-A503-8A9DCABC5C84}"/>
+              </a:ext>
+            </a:extLst>
+          </p:cNvPr>
+          <p:cNvSpPr txBox="1"/>
+          <p:nvPr/>
+        </p:nvSpPr>
+        <p:spPr>
+          <a:xfrm>
+            <a:off x="200297" y="731520"/>
+            <a:ext cx="11869783" cy="1754326"/>
+          </a:xfrm>
+          <a:prstGeom prst="rect">
+            <a:avLst/>
+          </a:prstGeom>
+          <a:noFill/>
+        </p:spPr>
+        <p:txBody>
+          <a:bodyPr wrap="square" rtlCol="0">
+            <a:spAutoFit/>
+          </a:bodyPr>
+          <a:lstStyle/>
+          <a:p>
+            <a:r>
+              <a:rPr lang="en-US" dirty="0"/>
+              <a:t>How to provide secure access of REST API to Client?</a:t>
+            </a:r>
+          </a:p>
+          <a:p>
+            <a:pPr marL="285750" indent="-285750">
+              <a:buFont typeface="Arial" panose="020B0604020202020204" pitchFamily="34" charset="0"/>
+              <a:buChar char="•"/>
+            </a:pPr>
+            <a:r>
+              <a:rPr lang="en-US" dirty="0"/>
+              <a:t>User Credentials with </a:t>
+            </a:r>
+            <a:r>
+              <a:rPr lang="en-US" dirty="0" err="1"/>
+              <a:t>UserName</a:t>
+            </a:r>
+            <a:r>
+              <a:rPr lang="en-US" dirty="0"/>
+              <a:t> and Password aka User based Authentication</a:t>
+            </a:r>
+          </a:p>
+          <a:p>
+            <a:pPr marL="742950" lvl="1" indent="-285750">
+              <a:buFont typeface="Arial" panose="020B0604020202020204" pitchFamily="34" charset="0"/>
+              <a:buChar char="•"/>
+            </a:pPr>
+            <a:r>
+              <a:rPr lang="en-US" dirty="0"/>
+              <a:t>Intercept the headers and read credentials</a:t>
+            </a:r>
+          </a:p>
+          <a:p>
+            <a:pPr marL="742950" lvl="1" indent="-285750">
+              <a:buFont typeface="Arial" panose="020B0604020202020204" pitchFamily="34" charset="0"/>
+              <a:buChar char="•"/>
+            </a:pPr>
+            <a:r>
+              <a:rPr lang="en-US" dirty="0"/>
+              <a:t>Verify credentials on server aka match username with password, if match the process request </a:t>
+            </a:r>
+          </a:p>
+          <a:p>
+            <a:pPr marL="285750" indent="-285750">
+              <a:buFont typeface="Arial" panose="020B0604020202020204" pitchFamily="34" charset="0"/>
+              <a:buChar char="•"/>
+            </a:pPr>
+            <a:r>
+              <a:rPr lang="en-US" dirty="0"/>
+              <a:t>Identity Management based on User Credentials and Tokens Together</a:t>
+            </a:r>
+          </a:p>
+          <a:p>
+            <a:pPr marL="285750" indent="-285750">
+              <a:buFont typeface="Arial" panose="020B0604020202020204" pitchFamily="34" charset="0"/>
+              <a:buChar char="•"/>
+            </a:pPr>
+            <a:r>
+              <a:rPr lang="en-US" dirty="0"/>
+              <a:t>Token Based Authentication</a:t>
+            </a:r>
+          </a:p>
+        </p:txBody>
+      </p:sp>
+    </p:spTree>
+    <p:extLst>
+      <p:ext uri="{BB962C8B-B14F-4D97-AF65-F5344CB8AC3E}">
+        <p14:creationId xmlns:p14="http://schemas.microsoft.com/office/powerpoint/2010/main" val="4017574234"/>
       </p:ext>
     </p:extLst>
   </p:cSld>

--- a/Training_Notes_PPTs.pptx
+++ b/Training_Notes_PPTs.pptx
@@ -43,9 +43,14 @@
     <p:sldId id="291" r:id="rId37"/>
     <p:sldId id="292" r:id="rId38"/>
     <p:sldId id="293" r:id="rId39"/>
-    <p:sldId id="294" r:id="rId40"/>
-    <p:sldId id="295" r:id="rId41"/>
-    <p:sldId id="296" r:id="rId42"/>
+    <p:sldId id="297" r:id="rId40"/>
+    <p:sldId id="294" r:id="rId41"/>
+    <p:sldId id="295" r:id="rId42"/>
+    <p:sldId id="296" r:id="rId43"/>
+    <p:sldId id="298" r:id="rId44"/>
+    <p:sldId id="299" r:id="rId45"/>
+    <p:sldId id="300" r:id="rId46"/>
+    <p:sldId id="301" r:id="rId47"/>
   </p:sldIdLst>
   <p:sldSz cx="12192000" cy="6858000"/>
   <p:notesSz cx="6858000" cy="9144000"/>
@@ -291,7 +296,7 @@
           <a:p>
             <a:fld id="{587FB2BA-09D0-1840-B49D-E4BDDD8ED284}" type="datetimeFigureOut">
               <a:rPr lang="en-US" smtClean="0"/>
-              <a:t>1/14/21</a:t>
+              <a:t>1/15/21</a:t>
             </a:fld>
             <a:endParaRPr lang="en-US"/>
           </a:p>
@@ -502,7 +507,7 @@
           <a:p>
             <a:fld id="{587FB2BA-09D0-1840-B49D-E4BDDD8ED284}" type="datetimeFigureOut">
               <a:rPr lang="en-US" smtClean="0"/>
-              <a:t>1/14/21</a:t>
+              <a:t>1/15/21</a:t>
             </a:fld>
             <a:endParaRPr lang="en-US"/>
           </a:p>
@@ -717,7 +722,7 @@
           <a:p>
             <a:fld id="{587FB2BA-09D0-1840-B49D-E4BDDD8ED284}" type="datetimeFigureOut">
               <a:rPr lang="en-US" smtClean="0"/>
-              <a:t>1/14/21</a:t>
+              <a:t>1/15/21</a:t>
             </a:fld>
             <a:endParaRPr lang="en-US"/>
           </a:p>
@@ -918,7 +923,7 @@
           <a:p>
             <a:fld id="{587FB2BA-09D0-1840-B49D-E4BDDD8ED284}" type="datetimeFigureOut">
               <a:rPr lang="en-US" smtClean="0"/>
-              <a:t>1/14/21</a:t>
+              <a:t>1/15/21</a:t>
             </a:fld>
             <a:endParaRPr lang="en-US"/>
           </a:p>
@@ -1197,7 +1202,7 @@
           <a:p>
             <a:fld id="{587FB2BA-09D0-1840-B49D-E4BDDD8ED284}" type="datetimeFigureOut">
               <a:rPr lang="en-US" smtClean="0"/>
-              <a:t>1/14/21</a:t>
+              <a:t>1/15/21</a:t>
             </a:fld>
             <a:endParaRPr lang="en-US"/>
           </a:p>
@@ -1465,7 +1470,7 @@
           <a:p>
             <a:fld id="{587FB2BA-09D0-1840-B49D-E4BDDD8ED284}" type="datetimeFigureOut">
               <a:rPr lang="en-US" smtClean="0"/>
-              <a:t>1/14/21</a:t>
+              <a:t>1/15/21</a:t>
             </a:fld>
             <a:endParaRPr lang="en-US"/>
           </a:p>
@@ -1881,7 +1886,7 @@
           <a:p>
             <a:fld id="{587FB2BA-09D0-1840-B49D-E4BDDD8ED284}" type="datetimeFigureOut">
               <a:rPr lang="en-US" smtClean="0"/>
-              <a:t>1/14/21</a:t>
+              <a:t>1/15/21</a:t>
             </a:fld>
             <a:endParaRPr lang="en-US"/>
           </a:p>
@@ -2030,7 +2035,7 @@
           <a:p>
             <a:fld id="{587FB2BA-09D0-1840-B49D-E4BDDD8ED284}" type="datetimeFigureOut">
               <a:rPr lang="en-US" smtClean="0"/>
-              <a:t>1/14/21</a:t>
+              <a:t>1/15/21</a:t>
             </a:fld>
             <a:endParaRPr lang="en-US"/>
           </a:p>
@@ -2156,7 +2161,7 @@
           <a:p>
             <a:fld id="{587FB2BA-09D0-1840-B49D-E4BDDD8ED284}" type="datetimeFigureOut">
               <a:rPr lang="en-US" smtClean="0"/>
-              <a:t>1/14/21</a:t>
+              <a:t>1/15/21</a:t>
             </a:fld>
             <a:endParaRPr lang="en-US"/>
           </a:p>
@@ -2407,7 +2412,7 @@
           <a:p>
             <a:fld id="{587FB2BA-09D0-1840-B49D-E4BDDD8ED284}" type="datetimeFigureOut">
               <a:rPr lang="en-US" smtClean="0"/>
-              <a:t>1/14/21</a:t>
+              <a:t>1/15/21</a:t>
             </a:fld>
             <a:endParaRPr lang="en-US"/>
           </a:p>
@@ -2852,7 +2857,7 @@
           <a:p>
             <a:fld id="{587FB2BA-09D0-1840-B49D-E4BDDD8ED284}" type="datetimeFigureOut">
               <a:rPr lang="en-US" smtClean="0"/>
-              <a:t>1/14/21</a:t>
+              <a:t>1/15/21</a:t>
             </a:fld>
             <a:endParaRPr lang="en-US"/>
           </a:p>
@@ -3179,7 +3184,7 @@
           <a:p>
             <a:fld id="{587FB2BA-09D0-1840-B49D-E4BDDD8ED284}" type="datetimeFigureOut">
               <a:rPr lang="en-US" smtClean="0"/>
-              <a:t>1/14/21</a:t>
+              <a:t>1/15/21</a:t>
             </a:fld>
             <a:endParaRPr lang="en-US"/>
           </a:p>
@@ -30974,27 +30979,24 @@
       </p:grpSpPr>
       <p:sp>
         <p:nvSpPr>
-          <p:cNvPr id="29" name="Up Arrow 28">
-            <a:extLst>
-              <a:ext uri="{FF2B5EF4-FFF2-40B4-BE49-F238E27FC236}">
-                <a16:creationId xmlns:a16="http://schemas.microsoft.com/office/drawing/2014/main" id="{7A351CD2-BD4C-4744-85B8-BDC7E0C8A169}"/>
-              </a:ext>
-            </a:extLst>
-          </p:cNvPr>
-          <p:cNvSpPr/>
-          <p:nvPr/>
-        </p:nvSpPr>
-        <p:spPr>
-          <a:xfrm>
-            <a:off x="7493724" y="1367246"/>
-            <a:ext cx="213362" cy="964780"/>
-          </a:xfrm>
-          <a:prstGeom prst="upArrow">
-            <a:avLst/>
-          </a:prstGeom>
-          <a:solidFill>
-            <a:srgbClr val="FFFF00"/>
-          </a:solidFill>
+          <p:cNvPr id="2" name="Rectangle 1">
+            <a:extLst>
+              <a:ext uri="{FF2B5EF4-FFF2-40B4-BE49-F238E27FC236}">
+                <a16:creationId xmlns:a16="http://schemas.microsoft.com/office/drawing/2014/main" id="{27B8E35B-563F-3C41-996E-27C2F813A321}"/>
+              </a:ext>
+            </a:extLst>
+          </p:cNvPr>
+          <p:cNvSpPr/>
+          <p:nvPr/>
+        </p:nvSpPr>
+        <p:spPr>
+          <a:xfrm>
+            <a:off x="1985554" y="87086"/>
+            <a:ext cx="8290560" cy="418011"/>
+          </a:xfrm>
+          <a:prstGeom prst="rect">
+            <a:avLst/>
+          </a:prstGeom>
         </p:spPr>
         <p:style>
           <a:lnRef idx="2">
@@ -31017,28 +31019,162 @@
           <a:lstStyle/>
           <a:p>
             <a:pPr algn="ctr"/>
-            <a:endParaRPr lang="en-US"/>
-          </a:p>
-        </p:txBody>
-      </p:sp>
-      <p:sp>
-        <p:nvSpPr>
-          <p:cNvPr id="22" name="Snip Single Corner of Rectangle 21">
-            <a:extLst>
-              <a:ext uri="{FF2B5EF4-FFF2-40B4-BE49-F238E27FC236}">
-                <a16:creationId xmlns:a16="http://schemas.microsoft.com/office/drawing/2014/main" id="{89C84E33-0E23-7D4F-A229-C17D41DAFAB4}"/>
-              </a:ext>
-            </a:extLst>
-          </p:cNvPr>
-          <p:cNvSpPr/>
-          <p:nvPr/>
-        </p:nvSpPr>
-        <p:spPr>
-          <a:xfrm>
-            <a:off x="9775372" y="281855"/>
-            <a:ext cx="2255520" cy="1111125"/>
-          </a:xfrm>
-          <a:prstGeom prst="snip1Rect">
+            <a:r>
+              <a:rPr lang="en-US" dirty="0"/>
+              <a:t>REST API</a:t>
+            </a:r>
+          </a:p>
+        </p:txBody>
+      </p:sp>
+      <p:sp>
+        <p:nvSpPr>
+          <p:cNvPr id="3" name="TextBox 2">
+            <a:extLst>
+              <a:ext uri="{FF2B5EF4-FFF2-40B4-BE49-F238E27FC236}">
+                <a16:creationId xmlns:a16="http://schemas.microsoft.com/office/drawing/2014/main" id="{3115C43C-EB0B-6B42-8101-E55C7B9C3F95}"/>
+              </a:ext>
+            </a:extLst>
+          </p:cNvPr>
+          <p:cNvSpPr txBox="1"/>
+          <p:nvPr/>
+        </p:nvSpPr>
+        <p:spPr>
+          <a:xfrm>
+            <a:off x="78378" y="468035"/>
+            <a:ext cx="11686902" cy="2031325"/>
+          </a:xfrm>
+          <a:prstGeom prst="rect">
+            <a:avLst/>
+          </a:prstGeom>
+          <a:noFill/>
+        </p:spPr>
+        <p:txBody>
+          <a:bodyPr wrap="square" rtlCol="0">
+            <a:spAutoFit/>
+          </a:bodyPr>
+          <a:lstStyle/>
+          <a:p>
+            <a:r>
+              <a:rPr lang="en-US" sz="1400" dirty="0"/>
+              <a:t>Services for “Open Data Communication”</a:t>
+            </a:r>
+          </a:p>
+          <a:p>
+            <a:endParaRPr lang="en-US" sz="1400" dirty="0"/>
+          </a:p>
+          <a:p>
+            <a:r>
+              <a:rPr lang="en-US" sz="1400" dirty="0"/>
+              <a:t> Open Data Communication, means the data is transferred over HTTP using Textual form.</a:t>
+            </a:r>
+          </a:p>
+          <a:p>
+            <a:r>
+              <a:rPr lang="en-US" sz="1400" dirty="0"/>
+              <a:t>&lt;Emp&gt; &lt;</a:t>
+            </a:r>
+            <a:r>
+              <a:rPr lang="en-US" sz="1400" dirty="0" err="1"/>
+              <a:t>EmpNo</a:t>
+            </a:r>
+            <a:r>
+              <a:rPr lang="en-US" sz="1400" dirty="0"/>
+              <a:t>&gt;101&lt;/</a:t>
+            </a:r>
+            <a:r>
+              <a:rPr lang="en-US" sz="1400" dirty="0" err="1"/>
+              <a:t>EmpNo</a:t>
+            </a:r>
+            <a:r>
+              <a:rPr lang="en-US" sz="1400" dirty="0"/>
+              <a:t>&gt; &lt;</a:t>
+            </a:r>
+            <a:r>
+              <a:rPr lang="en-US" sz="1400" dirty="0" err="1"/>
+              <a:t>EmpName</a:t>
+            </a:r>
+            <a:r>
+              <a:rPr lang="en-US" sz="1400" dirty="0"/>
+              <a:t>&gt;Mahesh&lt;/</a:t>
+            </a:r>
+            <a:r>
+              <a:rPr lang="en-US" sz="1400" dirty="0" err="1"/>
+              <a:t>EmpName</a:t>
+            </a:r>
+            <a:r>
+              <a:rPr lang="en-US" sz="1400" dirty="0"/>
+              <a:t>&gt; &lt;</a:t>
+            </a:r>
+            <a:r>
+              <a:rPr lang="en-US" sz="1400" dirty="0" err="1"/>
+              <a:t>DeptName</a:t>
+            </a:r>
+            <a:r>
+              <a:rPr lang="en-US" sz="1400" dirty="0"/>
+              <a:t>&gt;IT&lt;/</a:t>
+            </a:r>
+            <a:r>
+              <a:rPr lang="en-US" sz="1400" dirty="0" err="1"/>
+              <a:t>DeptName</a:t>
+            </a:r>
+            <a:r>
+              <a:rPr lang="en-US" sz="1400" dirty="0"/>
+              <a:t>&gt; &lt;/Emp&gt;</a:t>
+            </a:r>
+          </a:p>
+          <a:p>
+            <a:r>
+              <a:rPr lang="en-US" sz="1400" dirty="0"/>
+              <a:t>XML Encoder for HTTP</a:t>
+            </a:r>
+          </a:p>
+          <a:p>
+            <a:endParaRPr lang="en-US" sz="1400" dirty="0"/>
+          </a:p>
+          <a:p>
+            <a:r>
+              <a:rPr lang="en-US" sz="1400" dirty="0"/>
+              <a:t>&amp;</a:t>
+            </a:r>
+            <a:r>
+              <a:rPr lang="en-US" sz="1400" dirty="0" err="1"/>
+              <a:t>lt;Emp&amp;gt</a:t>
+            </a:r>
+            <a:r>
+              <a:rPr lang="en-US" sz="1400" dirty="0"/>
+              <a:t>; &amp;lt;EmpNo&amp;gt;101&amp;lt;%2f&amp;lt;EmpNo&amp;gt; </a:t>
+            </a:r>
+          </a:p>
+          <a:p>
+            <a:endParaRPr lang="en-US" sz="1400" dirty="0"/>
+          </a:p>
+          <a:p>
+            <a:r>
+              <a:rPr lang="en-IN" sz="1400" dirty="0"/>
+              <a:t>{"EmpNo":101,"EmpName":"Mahesh","DeptName":"IT"},  JavaScript Object Notation (JSON) </a:t>
+            </a:r>
+            <a:endParaRPr lang="en-US" sz="1400" dirty="0"/>
+          </a:p>
+        </p:txBody>
+      </p:sp>
+      <p:sp>
+        <p:nvSpPr>
+          <p:cNvPr id="4" name="Rectangle 3">
+            <a:extLst>
+              <a:ext uri="{FF2B5EF4-FFF2-40B4-BE49-F238E27FC236}">
+                <a16:creationId xmlns:a16="http://schemas.microsoft.com/office/drawing/2014/main" id="{07F6F209-DC15-5C42-89E8-5812BB9E28E4}"/>
+              </a:ext>
+            </a:extLst>
+          </p:cNvPr>
+          <p:cNvSpPr/>
+          <p:nvPr/>
+        </p:nvSpPr>
+        <p:spPr>
+          <a:xfrm>
+            <a:off x="269966" y="2821577"/>
+            <a:ext cx="1793965" cy="801189"/>
+          </a:xfrm>
+          <a:prstGeom prst="rect">
             <a:avLst/>
           </a:prstGeom>
         </p:spPr>
@@ -31065,29 +31201,44 @@
             <a:pPr algn="ctr"/>
             <a:r>
               <a:rPr lang="en-US" dirty="0"/>
-              <a:t>List of Products</a:t>
-            </a:r>
-          </a:p>
-        </p:txBody>
-      </p:sp>
-      <p:sp>
-        <p:nvSpPr>
-          <p:cNvPr id="3" name="Can 2">
-            <a:extLst>
-              <a:ext uri="{FF2B5EF4-FFF2-40B4-BE49-F238E27FC236}">
-                <a16:creationId xmlns:a16="http://schemas.microsoft.com/office/drawing/2014/main" id="{F8754EC6-DAD2-714D-B48F-65133FF5C694}"/>
-              </a:ext>
-            </a:extLst>
-          </p:cNvPr>
-          <p:cNvSpPr/>
-          <p:nvPr/>
-        </p:nvSpPr>
-        <p:spPr>
-          <a:xfrm>
-            <a:off x="740229" y="5059680"/>
-            <a:ext cx="1976845" cy="775063"/>
-          </a:xfrm>
-          <a:prstGeom prst="can">
+              <a:t>Text Based Data</a:t>
+            </a:r>
+          </a:p>
+          <a:p>
+            <a:pPr algn="ctr"/>
+            <a:r>
+              <a:rPr lang="en-US" dirty="0"/>
+              <a:t>Flat Files, </a:t>
+            </a:r>
+            <a:r>
+              <a:rPr lang="en-US" dirty="0" err="1"/>
+              <a:t>tsv</a:t>
+            </a:r>
+            <a:r>
+              <a:rPr lang="en-US" dirty="0"/>
+              <a:t>, csv</a:t>
+            </a:r>
+          </a:p>
+        </p:txBody>
+      </p:sp>
+      <p:sp>
+        <p:nvSpPr>
+          <p:cNvPr id="5" name="Up Arrow 4">
+            <a:extLst>
+              <a:ext uri="{FF2B5EF4-FFF2-40B4-BE49-F238E27FC236}">
+                <a16:creationId xmlns:a16="http://schemas.microsoft.com/office/drawing/2014/main" id="{6E1148D8-18D3-FD48-B173-997E778A07FB}"/>
+              </a:ext>
+            </a:extLst>
+          </p:cNvPr>
+          <p:cNvSpPr/>
+          <p:nvPr/>
+        </p:nvSpPr>
+        <p:spPr>
+          <a:xfrm>
+            <a:off x="1062445" y="3622766"/>
+            <a:ext cx="209005" cy="539931"/>
+          </a:xfrm>
+          <a:prstGeom prst="upArrow">
             <a:avLst/>
           </a:prstGeom>
         </p:spPr>
@@ -31118,22 +31269,63 @@
       </p:sp>
       <p:sp>
         <p:nvSpPr>
-          <p:cNvPr id="4" name="Can 3">
-            <a:extLst>
-              <a:ext uri="{FF2B5EF4-FFF2-40B4-BE49-F238E27FC236}">
-                <a16:creationId xmlns:a16="http://schemas.microsoft.com/office/drawing/2014/main" id="{FA72E2D6-5C81-0A47-88D7-BEC6B3653DC2}"/>
-              </a:ext>
-            </a:extLst>
-          </p:cNvPr>
-          <p:cNvSpPr/>
-          <p:nvPr/>
-        </p:nvSpPr>
-        <p:spPr>
-          <a:xfrm>
-            <a:off x="3470366" y="5059680"/>
-            <a:ext cx="1976845" cy="775063"/>
-          </a:xfrm>
-          <a:prstGeom prst="can">
+          <p:cNvPr id="6" name="TextBox 5">
+            <a:extLst>
+              <a:ext uri="{FF2B5EF4-FFF2-40B4-BE49-F238E27FC236}">
+                <a16:creationId xmlns:a16="http://schemas.microsoft.com/office/drawing/2014/main" id="{C0FDA0CE-EB7E-C448-A8E9-E8C7D5C3E204}"/>
+              </a:ext>
+            </a:extLst>
+          </p:cNvPr>
+          <p:cNvSpPr txBox="1"/>
+          <p:nvPr/>
+        </p:nvSpPr>
+        <p:spPr>
+          <a:xfrm>
+            <a:off x="252549" y="4267200"/>
+            <a:ext cx="2168434" cy="1477328"/>
+          </a:xfrm>
+          <a:prstGeom prst="rect">
+            <a:avLst/>
+          </a:prstGeom>
+          <a:noFill/>
+        </p:spPr>
+        <p:txBody>
+          <a:bodyPr wrap="square" rtlCol="0">
+            <a:spAutoFit/>
+          </a:bodyPr>
+          <a:lstStyle/>
+          <a:p>
+            <a:r>
+              <a:rPr lang="en-US" dirty="0"/>
+              <a:t>Pure Cross Platform</a:t>
+            </a:r>
+          </a:p>
+          <a:p>
+            <a:r>
+              <a:rPr lang="en-US" dirty="0"/>
+              <a:t>Data was open in n/w and the data types consistency was not maintained</a:t>
+            </a:r>
+          </a:p>
+        </p:txBody>
+      </p:sp>
+      <p:sp>
+        <p:nvSpPr>
+          <p:cNvPr id="7" name="Rectangle 6">
+            <a:extLst>
+              <a:ext uri="{FF2B5EF4-FFF2-40B4-BE49-F238E27FC236}">
+                <a16:creationId xmlns:a16="http://schemas.microsoft.com/office/drawing/2014/main" id="{752172B1-5EE0-DA45-A0A8-4D358051EAFD}"/>
+              </a:ext>
+            </a:extLst>
+          </p:cNvPr>
+          <p:cNvSpPr/>
+          <p:nvPr/>
+        </p:nvSpPr>
+        <p:spPr>
+          <a:xfrm>
+            <a:off x="2856410" y="2821577"/>
+            <a:ext cx="1793965" cy="801189"/>
+          </a:xfrm>
+          <a:prstGeom prst="rect">
             <a:avLst/>
           </a:prstGeom>
         </p:spPr>
@@ -31158,28 +31350,31 @@
           <a:lstStyle/>
           <a:p>
             <a:pPr algn="ctr"/>
-            <a:endParaRPr lang="en-US"/>
-          </a:p>
-        </p:txBody>
-      </p:sp>
-      <p:sp>
-        <p:nvSpPr>
-          <p:cNvPr id="5" name="Can 4">
-            <a:extLst>
-              <a:ext uri="{FF2B5EF4-FFF2-40B4-BE49-F238E27FC236}">
-                <a16:creationId xmlns:a16="http://schemas.microsoft.com/office/drawing/2014/main" id="{9151C52C-B354-8343-B944-4F80B0A27002}"/>
-              </a:ext>
-            </a:extLst>
-          </p:cNvPr>
-          <p:cNvSpPr/>
-          <p:nvPr/>
-        </p:nvSpPr>
-        <p:spPr>
-          <a:xfrm>
-            <a:off x="6331132" y="5059680"/>
-            <a:ext cx="1976845" cy="775063"/>
-          </a:xfrm>
-          <a:prstGeom prst="can">
+            <a:r>
+              <a:rPr lang="en-US" dirty="0"/>
+              <a:t>Binary Format of Data Communication</a:t>
+            </a:r>
+          </a:p>
+        </p:txBody>
+      </p:sp>
+      <p:sp>
+        <p:nvSpPr>
+          <p:cNvPr id="8" name="Up Arrow 7">
+            <a:extLst>
+              <a:ext uri="{FF2B5EF4-FFF2-40B4-BE49-F238E27FC236}">
+                <a16:creationId xmlns:a16="http://schemas.microsoft.com/office/drawing/2014/main" id="{AFECAB2E-5282-C644-B772-7D98975B58D0}"/>
+              </a:ext>
+            </a:extLst>
+          </p:cNvPr>
+          <p:cNvSpPr/>
+          <p:nvPr/>
+        </p:nvSpPr>
+        <p:spPr>
+          <a:xfrm>
+            <a:off x="3648889" y="3622766"/>
+            <a:ext cx="209005" cy="539931"/>
+          </a:xfrm>
+          <a:prstGeom prst="upArrow">
             <a:avLst/>
           </a:prstGeom>
         </p:spPr>
@@ -31210,22 +31405,57 @@
       </p:sp>
       <p:sp>
         <p:nvSpPr>
-          <p:cNvPr id="6" name="Can 5">
-            <a:extLst>
-              <a:ext uri="{FF2B5EF4-FFF2-40B4-BE49-F238E27FC236}">
-                <a16:creationId xmlns:a16="http://schemas.microsoft.com/office/drawing/2014/main" id="{5F97AB2A-901B-9A45-AAE9-29BE1C7EFCE0}"/>
-              </a:ext>
-            </a:extLst>
-          </p:cNvPr>
-          <p:cNvSpPr/>
-          <p:nvPr/>
-        </p:nvSpPr>
-        <p:spPr>
-          <a:xfrm>
-            <a:off x="9474926" y="5059680"/>
-            <a:ext cx="1976845" cy="775063"/>
-          </a:xfrm>
-          <a:prstGeom prst="can">
+          <p:cNvPr id="9" name="TextBox 8">
+            <a:extLst>
+              <a:ext uri="{FF2B5EF4-FFF2-40B4-BE49-F238E27FC236}">
+                <a16:creationId xmlns:a16="http://schemas.microsoft.com/office/drawing/2014/main" id="{08D794C2-0656-6B46-BF50-232BC5A30102}"/>
+              </a:ext>
+            </a:extLst>
+          </p:cNvPr>
+          <p:cNvSpPr txBox="1"/>
+          <p:nvPr/>
+        </p:nvSpPr>
+        <p:spPr>
+          <a:xfrm>
+            <a:off x="2751908" y="4162697"/>
+            <a:ext cx="2246812" cy="1754326"/>
+          </a:xfrm>
+          <a:prstGeom prst="rect">
+            <a:avLst/>
+          </a:prstGeom>
+          <a:noFill/>
+        </p:spPr>
+        <p:txBody>
+          <a:bodyPr wrap="square" rtlCol="0">
+            <a:spAutoFit/>
+          </a:bodyPr>
+          <a:lstStyle/>
+          <a:p>
+            <a:r>
+              <a:rPr lang="en-US" dirty="0"/>
+              <a:t>Data was not readable, maintaining the data type consistency. But this was platform dependent</a:t>
+            </a:r>
+          </a:p>
+        </p:txBody>
+      </p:sp>
+      <p:sp>
+        <p:nvSpPr>
+          <p:cNvPr id="10" name="Rectangle 9">
+            <a:extLst>
+              <a:ext uri="{FF2B5EF4-FFF2-40B4-BE49-F238E27FC236}">
+                <a16:creationId xmlns:a16="http://schemas.microsoft.com/office/drawing/2014/main" id="{5B3939F3-176A-E54A-BCC7-4D7631E7E104}"/>
+              </a:ext>
+            </a:extLst>
+          </p:cNvPr>
+          <p:cNvSpPr/>
+          <p:nvPr/>
+        </p:nvSpPr>
+        <p:spPr>
+          <a:xfrm>
+            <a:off x="5747662" y="2890906"/>
+            <a:ext cx="1950715" cy="1376294"/>
+          </a:xfrm>
+          <a:prstGeom prst="rect">
             <a:avLst/>
           </a:prstGeom>
         </p:spPr>
@@ -31250,60 +31480,72 @@
           <a:lstStyle/>
           <a:p>
             <a:pPr algn="ctr"/>
+            <a:r>
+              <a:rPr lang="en-US" dirty="0"/>
+              <a:t>Open Standard XML Data Communication</a:t>
+            </a:r>
+          </a:p>
+          <a:p>
+            <a:pPr algn="ctr"/>
+            <a:r>
+              <a:rPr lang="en-US" dirty="0"/>
+              <a:t>Web Services / SOAP Services</a:t>
+            </a:r>
+          </a:p>
+        </p:txBody>
+      </p:sp>
+      <p:sp>
+        <p:nvSpPr>
+          <p:cNvPr id="11" name="Up Arrow 10">
+            <a:extLst>
+              <a:ext uri="{FF2B5EF4-FFF2-40B4-BE49-F238E27FC236}">
+                <a16:creationId xmlns:a16="http://schemas.microsoft.com/office/drawing/2014/main" id="{A537875F-77DD-FE42-9857-AC261B05A545}"/>
+              </a:ext>
+            </a:extLst>
+          </p:cNvPr>
+          <p:cNvSpPr/>
+          <p:nvPr/>
+        </p:nvSpPr>
+        <p:spPr>
+          <a:xfrm>
+            <a:off x="6618516" y="4267200"/>
+            <a:ext cx="209005" cy="539931"/>
+          </a:xfrm>
+          <a:prstGeom prst="upArrow">
+            <a:avLst/>
+          </a:prstGeom>
+        </p:spPr>
+        <p:style>
+          <a:lnRef idx="2">
+            <a:schemeClr val="accent1">
+              <a:shade val="50000"/>
+            </a:schemeClr>
+          </a:lnRef>
+          <a:fillRef idx="1">
+            <a:schemeClr val="accent1"/>
+          </a:fillRef>
+          <a:effectRef idx="0">
+            <a:schemeClr val="accent1"/>
+          </a:effectRef>
+          <a:fontRef idx="minor">
+            <a:schemeClr val="lt1"/>
+          </a:fontRef>
+        </p:style>
+        <p:txBody>
+          <a:bodyPr rtlCol="0" anchor="ctr"/>
+          <a:lstStyle/>
+          <a:p>
+            <a:pPr algn="ctr"/>
             <a:endParaRPr lang="en-US"/>
           </a:p>
         </p:txBody>
       </p:sp>
       <p:sp>
         <p:nvSpPr>
-          <p:cNvPr id="7" name="Rectangle 6">
-            <a:extLst>
-              <a:ext uri="{FF2B5EF4-FFF2-40B4-BE49-F238E27FC236}">
-                <a16:creationId xmlns:a16="http://schemas.microsoft.com/office/drawing/2014/main" id="{F2593517-8345-1D4A-8EA2-D127EAE0D63B}"/>
-              </a:ext>
-            </a:extLst>
-          </p:cNvPr>
-          <p:cNvSpPr/>
-          <p:nvPr/>
-        </p:nvSpPr>
-        <p:spPr>
-          <a:xfrm>
-            <a:off x="444137" y="2211978"/>
-            <a:ext cx="11007634" cy="2525486"/>
-          </a:xfrm>
-          <a:prstGeom prst="rect">
-            <a:avLst/>
-          </a:prstGeom>
-        </p:spPr>
-        <p:style>
-          <a:lnRef idx="2">
-            <a:schemeClr val="accent6"/>
-          </a:lnRef>
-          <a:fillRef idx="1">
-            <a:schemeClr val="lt1"/>
-          </a:fillRef>
-          <a:effectRef idx="0">
-            <a:schemeClr val="accent6"/>
-          </a:effectRef>
-          <a:fontRef idx="minor">
-            <a:schemeClr val="dk1"/>
-          </a:fontRef>
-        </p:style>
-        <p:txBody>
-          <a:bodyPr rtlCol="0" anchor="ctr"/>
-          <a:lstStyle/>
-          <a:p>
-            <a:pPr algn="ctr"/>
-            <a:endParaRPr lang="en-US"/>
-          </a:p>
-        </p:txBody>
-      </p:sp>
-      <p:sp>
-        <p:nvSpPr>
-          <p:cNvPr id="8" name="TextBox 7">
-            <a:extLst>
-              <a:ext uri="{FF2B5EF4-FFF2-40B4-BE49-F238E27FC236}">
-                <a16:creationId xmlns:a16="http://schemas.microsoft.com/office/drawing/2014/main" id="{491CC7AD-0933-B649-99C0-DB319B0C029A}"/>
+          <p:cNvPr id="12" name="TextBox 11">
+            <a:extLst>
+              <a:ext uri="{FF2B5EF4-FFF2-40B4-BE49-F238E27FC236}">
+                <a16:creationId xmlns:a16="http://schemas.microsoft.com/office/drawing/2014/main" id="{5703F439-6A2E-1641-B2FC-515A0CF07EDC}"/>
               </a:ext>
             </a:extLst>
           </p:cNvPr>
@@ -31312,8 +31554,8 @@
         </p:nvSpPr>
         <p:spPr>
           <a:xfrm>
-            <a:off x="4019005" y="2247203"/>
-            <a:ext cx="3857897" cy="369332"/>
+            <a:off x="5529943" y="4798423"/>
+            <a:ext cx="2795451" cy="923330"/>
           </a:xfrm>
           <a:prstGeom prst="rect">
             <a:avLst/>
@@ -31326,32 +31568,37 @@
           </a:bodyPr>
           <a:lstStyle/>
           <a:p>
-            <a:pPr algn="ctr"/>
-            <a:r>
-              <a:rPr lang="en-US" dirty="0"/>
-              <a:t>Application Server</a:t>
-            </a:r>
-          </a:p>
-        </p:txBody>
-      </p:sp>
-      <p:sp>
-        <p:nvSpPr>
-          <p:cNvPr id="9" name="Rounded Rectangle 8">
-            <a:extLst>
-              <a:ext uri="{FF2B5EF4-FFF2-40B4-BE49-F238E27FC236}">
-                <a16:creationId xmlns:a16="http://schemas.microsoft.com/office/drawing/2014/main" id="{87DF21FA-4F39-8443-8C4D-05467D3569A8}"/>
-              </a:ext>
-            </a:extLst>
-          </p:cNvPr>
-          <p:cNvSpPr/>
-          <p:nvPr/>
-        </p:nvSpPr>
-        <p:spPr>
-          <a:xfrm>
-            <a:off x="740229" y="3884023"/>
-            <a:ext cx="10328365" cy="583474"/>
-          </a:xfrm>
-          <a:prstGeom prst="roundRect">
+            <a:r>
+              <a:rPr lang="en-US" dirty="0"/>
+              <a:t>Suitable for Internet based apps. Pure Cross-Platform.</a:t>
+            </a:r>
+          </a:p>
+          <a:p>
+            <a:r>
+              <a:rPr lang="en-US" dirty="0"/>
+              <a:t>Apps like E-Comm</a:t>
+            </a:r>
+          </a:p>
+        </p:txBody>
+      </p:sp>
+      <p:sp>
+        <p:nvSpPr>
+          <p:cNvPr id="15" name="Rectangle 14">
+            <a:extLst>
+              <a:ext uri="{FF2B5EF4-FFF2-40B4-BE49-F238E27FC236}">
+                <a16:creationId xmlns:a16="http://schemas.microsoft.com/office/drawing/2014/main" id="{331E197D-03AA-394F-90A9-741B236A0B83}"/>
+              </a:ext>
+            </a:extLst>
+          </p:cNvPr>
+          <p:cNvSpPr/>
+          <p:nvPr/>
+        </p:nvSpPr>
+        <p:spPr>
+          <a:xfrm>
+            <a:off x="8795664" y="2880309"/>
+            <a:ext cx="2229387" cy="1116925"/>
+          </a:xfrm>
+          <a:prstGeom prst="rect">
             <a:avLst/>
           </a:prstGeom>
         </p:spPr>
@@ -31378,34 +31625,46 @@
             <a:pPr algn="ctr"/>
             <a:r>
               <a:rPr lang="en-US" dirty="0"/>
-              <a:t>DAL</a:t>
-            </a:r>
-          </a:p>
-        </p:txBody>
-      </p:sp>
-      <p:sp>
-        <p:nvSpPr>
-          <p:cNvPr id="10" name="Up-down Arrow 9">
-            <a:extLst>
-              <a:ext uri="{FF2B5EF4-FFF2-40B4-BE49-F238E27FC236}">
-                <a16:creationId xmlns:a16="http://schemas.microsoft.com/office/drawing/2014/main" id="{CE8126EB-EEBB-DE4E-AD89-5B0787380777}"/>
-              </a:ext>
-            </a:extLst>
-          </p:cNvPr>
-          <p:cNvSpPr/>
-          <p:nvPr/>
-        </p:nvSpPr>
-        <p:spPr>
-          <a:xfrm>
-            <a:off x="1506583" y="4253355"/>
-            <a:ext cx="348343" cy="875994"/>
-          </a:xfrm>
-          <a:prstGeom prst="upDownArrow">
-            <a:avLst/>
-          </a:prstGeom>
-          <a:solidFill>
-            <a:srgbClr val="FFFF00"/>
-          </a:solidFill>
+              <a:t>JSON Based Data Communication in </a:t>
+            </a:r>
+            <a:r>
+              <a:rPr lang="en-US" dirty="0" err="1"/>
+              <a:t>Key:Value</a:t>
+            </a:r>
+            <a:r>
+              <a:rPr lang="en-US" dirty="0"/>
+              <a:t> Pair</a:t>
+            </a:r>
+          </a:p>
+          <a:p>
+            <a:pPr algn="ctr"/>
+            <a:r>
+              <a:rPr lang="en-US" dirty="0"/>
+              <a:t>Used by REST APIs</a:t>
+            </a:r>
+          </a:p>
+        </p:txBody>
+      </p:sp>
+      <p:sp>
+        <p:nvSpPr>
+          <p:cNvPr id="16" name="Up Arrow 15">
+            <a:extLst>
+              <a:ext uri="{FF2B5EF4-FFF2-40B4-BE49-F238E27FC236}">
+                <a16:creationId xmlns:a16="http://schemas.microsoft.com/office/drawing/2014/main" id="{587455D7-5744-5B42-BAE2-1E101F435B30}"/>
+              </a:ext>
+            </a:extLst>
+          </p:cNvPr>
+          <p:cNvSpPr/>
+          <p:nvPr/>
+        </p:nvSpPr>
+        <p:spPr>
+          <a:xfrm>
+            <a:off x="9744894" y="3997234"/>
+            <a:ext cx="209005" cy="539931"/>
+          </a:xfrm>
+          <a:prstGeom prst="upArrow">
+            <a:avLst/>
+          </a:prstGeom>
         </p:spPr>
         <p:style>
           <a:lnRef idx="2">
@@ -31434,416 +31693,10 @@
       </p:sp>
       <p:sp>
         <p:nvSpPr>
-          <p:cNvPr id="11" name="Up-down Arrow 10">
-            <a:extLst>
-              <a:ext uri="{FF2B5EF4-FFF2-40B4-BE49-F238E27FC236}">
-                <a16:creationId xmlns:a16="http://schemas.microsoft.com/office/drawing/2014/main" id="{B715425D-76FE-1F4F-953C-73E7A27B6E36}"/>
-              </a:ext>
-            </a:extLst>
-          </p:cNvPr>
-          <p:cNvSpPr/>
-          <p:nvPr/>
-        </p:nvSpPr>
-        <p:spPr>
-          <a:xfrm>
-            <a:off x="4249783" y="4253355"/>
-            <a:ext cx="348343" cy="875994"/>
-          </a:xfrm>
-          <a:prstGeom prst="upDownArrow">
-            <a:avLst/>
-          </a:prstGeom>
-          <a:solidFill>
-            <a:srgbClr val="FFFF00"/>
-          </a:solidFill>
-        </p:spPr>
-        <p:style>
-          <a:lnRef idx="2">
-            <a:schemeClr val="accent1">
-              <a:shade val="50000"/>
-            </a:schemeClr>
-          </a:lnRef>
-          <a:fillRef idx="1">
-            <a:schemeClr val="accent1"/>
-          </a:fillRef>
-          <a:effectRef idx="0">
-            <a:schemeClr val="accent1"/>
-          </a:effectRef>
-          <a:fontRef idx="minor">
-            <a:schemeClr val="lt1"/>
-          </a:fontRef>
-        </p:style>
-        <p:txBody>
-          <a:bodyPr rtlCol="0" anchor="ctr"/>
-          <a:lstStyle/>
-          <a:p>
-            <a:pPr algn="ctr"/>
-            <a:endParaRPr lang="en-US"/>
-          </a:p>
-        </p:txBody>
-      </p:sp>
-      <p:sp>
-        <p:nvSpPr>
-          <p:cNvPr id="12" name="Up-down Arrow 11">
-            <a:extLst>
-              <a:ext uri="{FF2B5EF4-FFF2-40B4-BE49-F238E27FC236}">
-                <a16:creationId xmlns:a16="http://schemas.microsoft.com/office/drawing/2014/main" id="{D192A75E-5A42-2F42-989B-635B24E2C279}"/>
-              </a:ext>
-            </a:extLst>
-          </p:cNvPr>
-          <p:cNvSpPr/>
-          <p:nvPr/>
-        </p:nvSpPr>
-        <p:spPr>
-          <a:xfrm>
-            <a:off x="7145382" y="4239510"/>
-            <a:ext cx="348343" cy="875994"/>
-          </a:xfrm>
-          <a:prstGeom prst="upDownArrow">
-            <a:avLst/>
-          </a:prstGeom>
-          <a:solidFill>
-            <a:srgbClr val="FFFF00"/>
-          </a:solidFill>
-        </p:spPr>
-        <p:style>
-          <a:lnRef idx="2">
-            <a:schemeClr val="accent1">
-              <a:shade val="50000"/>
-            </a:schemeClr>
-          </a:lnRef>
-          <a:fillRef idx="1">
-            <a:schemeClr val="accent1"/>
-          </a:fillRef>
-          <a:effectRef idx="0">
-            <a:schemeClr val="accent1"/>
-          </a:effectRef>
-          <a:fontRef idx="minor">
-            <a:schemeClr val="lt1"/>
-          </a:fontRef>
-        </p:style>
-        <p:txBody>
-          <a:bodyPr rtlCol="0" anchor="ctr"/>
-          <a:lstStyle/>
-          <a:p>
-            <a:pPr algn="ctr"/>
-            <a:endParaRPr lang="en-US"/>
-          </a:p>
-        </p:txBody>
-      </p:sp>
-      <p:sp>
-        <p:nvSpPr>
-          <p:cNvPr id="13" name="Up-down Arrow 12">
-            <a:extLst>
-              <a:ext uri="{FF2B5EF4-FFF2-40B4-BE49-F238E27FC236}">
-                <a16:creationId xmlns:a16="http://schemas.microsoft.com/office/drawing/2014/main" id="{BB32FB34-0736-7243-8138-ED10CE34C1EC}"/>
-              </a:ext>
-            </a:extLst>
-          </p:cNvPr>
-          <p:cNvSpPr/>
-          <p:nvPr/>
-        </p:nvSpPr>
-        <p:spPr>
-          <a:xfrm>
-            <a:off x="10115005" y="4253355"/>
-            <a:ext cx="348343" cy="875994"/>
-          </a:xfrm>
-          <a:prstGeom prst="upDownArrow">
-            <a:avLst/>
-          </a:prstGeom>
-          <a:solidFill>
-            <a:srgbClr val="FFFF00"/>
-          </a:solidFill>
-        </p:spPr>
-        <p:style>
-          <a:lnRef idx="2">
-            <a:schemeClr val="accent1">
-              <a:shade val="50000"/>
-            </a:schemeClr>
-          </a:lnRef>
-          <a:fillRef idx="1">
-            <a:schemeClr val="accent1"/>
-          </a:fillRef>
-          <a:effectRef idx="0">
-            <a:schemeClr val="accent1"/>
-          </a:effectRef>
-          <a:fontRef idx="minor">
-            <a:schemeClr val="lt1"/>
-          </a:fontRef>
-        </p:style>
-        <p:txBody>
-          <a:bodyPr rtlCol="0" anchor="ctr"/>
-          <a:lstStyle/>
-          <a:p>
-            <a:pPr algn="ctr"/>
-            <a:endParaRPr lang="en-US"/>
-          </a:p>
-        </p:txBody>
-      </p:sp>
-      <p:sp>
-        <p:nvSpPr>
-          <p:cNvPr id="14" name="Rounded Rectangle 13">
-            <a:extLst>
-              <a:ext uri="{FF2B5EF4-FFF2-40B4-BE49-F238E27FC236}">
-                <a16:creationId xmlns:a16="http://schemas.microsoft.com/office/drawing/2014/main" id="{D7F6355F-1916-2C44-A090-187329839D73}"/>
-              </a:ext>
-            </a:extLst>
-          </p:cNvPr>
-          <p:cNvSpPr/>
-          <p:nvPr/>
-        </p:nvSpPr>
-        <p:spPr>
-          <a:xfrm>
-            <a:off x="740229" y="3137263"/>
-            <a:ext cx="10328365" cy="583474"/>
-          </a:xfrm>
-          <a:prstGeom prst="roundRect">
-            <a:avLst/>
-          </a:prstGeom>
-        </p:spPr>
-        <p:style>
-          <a:lnRef idx="2">
-            <a:schemeClr val="accent1">
-              <a:shade val="50000"/>
-            </a:schemeClr>
-          </a:lnRef>
-          <a:fillRef idx="1">
-            <a:schemeClr val="accent1"/>
-          </a:fillRef>
-          <a:effectRef idx="0">
-            <a:schemeClr val="accent1"/>
-          </a:effectRef>
-          <a:fontRef idx="minor">
-            <a:schemeClr val="lt1"/>
-          </a:fontRef>
-        </p:style>
-        <p:txBody>
-          <a:bodyPr rtlCol="0" anchor="ctr"/>
-          <a:lstStyle/>
-          <a:p>
-            <a:pPr algn="ctr"/>
-            <a:r>
-              <a:rPr lang="en-US" dirty="0"/>
-              <a:t>BAL</a:t>
-            </a:r>
-          </a:p>
-        </p:txBody>
-      </p:sp>
-      <p:sp>
-        <p:nvSpPr>
-          <p:cNvPr id="15" name="Rounded Rectangle 14">
-            <a:extLst>
-              <a:ext uri="{FF2B5EF4-FFF2-40B4-BE49-F238E27FC236}">
-                <a16:creationId xmlns:a16="http://schemas.microsoft.com/office/drawing/2014/main" id="{4D78ECEC-0002-194A-9352-CE59E1727D3D}"/>
-              </a:ext>
-            </a:extLst>
-          </p:cNvPr>
-          <p:cNvSpPr/>
-          <p:nvPr/>
-        </p:nvSpPr>
-        <p:spPr>
-          <a:xfrm>
-            <a:off x="740229" y="2312517"/>
-            <a:ext cx="3944982" cy="640080"/>
-          </a:xfrm>
-          <a:prstGeom prst="roundRect">
-            <a:avLst/>
-          </a:prstGeom>
-        </p:spPr>
-        <p:style>
-          <a:lnRef idx="2">
-            <a:schemeClr val="accent1">
-              <a:shade val="50000"/>
-            </a:schemeClr>
-          </a:lnRef>
-          <a:fillRef idx="1">
-            <a:schemeClr val="accent1"/>
-          </a:fillRef>
-          <a:effectRef idx="0">
-            <a:schemeClr val="accent1"/>
-          </a:effectRef>
-          <a:fontRef idx="minor">
-            <a:schemeClr val="lt1"/>
-          </a:fontRef>
-        </p:style>
-        <p:txBody>
-          <a:bodyPr rtlCol="0" anchor="ctr"/>
-          <a:lstStyle/>
-          <a:p>
-            <a:pPr algn="ctr"/>
-            <a:r>
-              <a:rPr lang="en-US" dirty="0"/>
-              <a:t>192.168.10.20</a:t>
-            </a:r>
-          </a:p>
-          <a:p>
-            <a:pPr algn="ctr"/>
-            <a:r>
-              <a:rPr lang="en-US" dirty="0"/>
-              <a:t>HTML + JS + CSS</a:t>
-            </a:r>
-          </a:p>
-        </p:txBody>
-      </p:sp>
-      <p:sp>
-        <p:nvSpPr>
-          <p:cNvPr id="16" name="Up-down Arrow 15">
-            <a:extLst>
-              <a:ext uri="{FF2B5EF4-FFF2-40B4-BE49-F238E27FC236}">
-                <a16:creationId xmlns:a16="http://schemas.microsoft.com/office/drawing/2014/main" id="{9C438D4D-3678-AB42-B439-AD956D49F4C2}"/>
-              </a:ext>
-            </a:extLst>
-          </p:cNvPr>
-          <p:cNvSpPr/>
-          <p:nvPr/>
-        </p:nvSpPr>
-        <p:spPr>
-          <a:xfrm>
-            <a:off x="1380308" y="2596243"/>
-            <a:ext cx="348343" cy="875994"/>
-          </a:xfrm>
-          <a:prstGeom prst="upDownArrow">
-            <a:avLst/>
-          </a:prstGeom>
-          <a:solidFill>
-            <a:srgbClr val="FFFF00"/>
-          </a:solidFill>
-        </p:spPr>
-        <p:style>
-          <a:lnRef idx="2">
-            <a:schemeClr val="accent1">
-              <a:shade val="50000"/>
-            </a:schemeClr>
-          </a:lnRef>
-          <a:fillRef idx="1">
-            <a:schemeClr val="accent1"/>
-          </a:fillRef>
-          <a:effectRef idx="0">
-            <a:schemeClr val="accent1"/>
-          </a:effectRef>
-          <a:fontRef idx="minor">
-            <a:schemeClr val="lt1"/>
-          </a:fontRef>
-        </p:style>
-        <p:txBody>
-          <a:bodyPr rtlCol="0" anchor="ctr"/>
-          <a:lstStyle/>
-          <a:p>
-            <a:pPr algn="ctr"/>
-            <a:endParaRPr lang="en-US"/>
-          </a:p>
-        </p:txBody>
-      </p:sp>
-      <p:sp>
-        <p:nvSpPr>
-          <p:cNvPr id="17" name="Snip Single Corner of Rectangle 16">
-            <a:extLst>
-              <a:ext uri="{FF2B5EF4-FFF2-40B4-BE49-F238E27FC236}">
-                <a16:creationId xmlns:a16="http://schemas.microsoft.com/office/drawing/2014/main" id="{35979D3B-21CB-4C47-9FCE-98F097D2741C}"/>
-              </a:ext>
-            </a:extLst>
-          </p:cNvPr>
-          <p:cNvSpPr/>
-          <p:nvPr/>
-        </p:nvSpPr>
-        <p:spPr>
-          <a:xfrm>
-            <a:off x="278675" y="526086"/>
-            <a:ext cx="2255520" cy="1111125"/>
-          </a:xfrm>
-          <a:prstGeom prst="snip1Rect">
-            <a:avLst/>
-          </a:prstGeom>
-        </p:spPr>
-        <p:style>
-          <a:lnRef idx="2">
-            <a:schemeClr val="accent1">
-              <a:shade val="50000"/>
-            </a:schemeClr>
-          </a:lnRef>
-          <a:fillRef idx="1">
-            <a:schemeClr val="accent1"/>
-          </a:fillRef>
-          <a:effectRef idx="0">
-            <a:schemeClr val="accent1"/>
-          </a:effectRef>
-          <a:fontRef idx="minor">
-            <a:schemeClr val="lt1"/>
-          </a:fontRef>
-        </p:style>
-        <p:txBody>
-          <a:bodyPr rtlCol="0" anchor="ctr"/>
-          <a:lstStyle/>
-          <a:p>
-            <a:pPr algn="ctr"/>
-            <a:r>
-              <a:rPr lang="en-US" dirty="0"/>
-              <a:t>Browser</a:t>
-            </a:r>
-          </a:p>
-          <a:p>
-            <a:pPr algn="ctr"/>
-            <a:r>
-              <a:rPr lang="en-US" dirty="0"/>
-              <a:t>http://192.168.10.20</a:t>
-            </a:r>
-          </a:p>
-        </p:txBody>
-      </p:sp>
-      <p:sp>
-        <p:nvSpPr>
-          <p:cNvPr id="18" name="Up-down Arrow 17">
-            <a:extLst>
-              <a:ext uri="{FF2B5EF4-FFF2-40B4-BE49-F238E27FC236}">
-                <a16:creationId xmlns:a16="http://schemas.microsoft.com/office/drawing/2014/main" id="{852321DF-6199-B942-B01F-2356B3A478EB}"/>
-              </a:ext>
-            </a:extLst>
-          </p:cNvPr>
-          <p:cNvSpPr/>
-          <p:nvPr/>
-        </p:nvSpPr>
-        <p:spPr>
-          <a:xfrm>
-            <a:off x="1232263" y="1598412"/>
-            <a:ext cx="348343" cy="640081"/>
-          </a:xfrm>
-          <a:prstGeom prst="upDownArrow">
-            <a:avLst/>
-          </a:prstGeom>
-          <a:solidFill>
-            <a:srgbClr val="FFFF00"/>
-          </a:solidFill>
-        </p:spPr>
-        <p:style>
-          <a:lnRef idx="2">
-            <a:schemeClr val="accent1">
-              <a:shade val="50000"/>
-            </a:schemeClr>
-          </a:lnRef>
-          <a:fillRef idx="1">
-            <a:schemeClr val="accent1"/>
-          </a:fillRef>
-          <a:effectRef idx="0">
-            <a:schemeClr val="accent1"/>
-          </a:effectRef>
-          <a:fontRef idx="minor">
-            <a:schemeClr val="lt1"/>
-          </a:fontRef>
-        </p:style>
-        <p:txBody>
-          <a:bodyPr rtlCol="0" anchor="ctr"/>
-          <a:lstStyle/>
-          <a:p>
-            <a:pPr algn="ctr"/>
-            <a:endParaRPr lang="en-US"/>
-          </a:p>
-        </p:txBody>
-      </p:sp>
-      <p:sp>
-        <p:nvSpPr>
-          <p:cNvPr id="19" name="TextBox 18">
-            <a:extLst>
-              <a:ext uri="{FF2B5EF4-FFF2-40B4-BE49-F238E27FC236}">
-                <a16:creationId xmlns:a16="http://schemas.microsoft.com/office/drawing/2014/main" id="{0AF5AA9E-132B-1644-9E78-93FE0677D890}"/>
+          <p:cNvPr id="17" name="TextBox 16">
+            <a:extLst>
+              <a:ext uri="{FF2B5EF4-FFF2-40B4-BE49-F238E27FC236}">
+                <a16:creationId xmlns:a16="http://schemas.microsoft.com/office/drawing/2014/main" id="{B89630D4-2D5F-B542-93B3-6AD988A7DEC6}"/>
               </a:ext>
             </a:extLst>
           </p:cNvPr>
@@ -31852,8 +31705,8 @@
         </p:nvSpPr>
         <p:spPr>
           <a:xfrm>
-            <a:off x="78377" y="119742"/>
-            <a:ext cx="2856411" cy="369332"/>
+            <a:off x="8691154" y="4537165"/>
+            <a:ext cx="2856412" cy="1200329"/>
           </a:xfrm>
           <a:prstGeom prst="rect">
             <a:avLst/>
@@ -31868,583 +31721,15 @@
           <a:p>
             <a:r>
               <a:rPr lang="en-US" dirty="0"/>
-              <a:t>Public clients uses browser</a:t>
-            </a:r>
-          </a:p>
-        </p:txBody>
-      </p:sp>
-      <p:sp>
-        <p:nvSpPr>
-          <p:cNvPr id="20" name="Rounded Rectangle 19">
-            <a:extLst>
-              <a:ext uri="{FF2B5EF4-FFF2-40B4-BE49-F238E27FC236}">
-                <a16:creationId xmlns:a16="http://schemas.microsoft.com/office/drawing/2014/main" id="{94E0CF85-7887-2D46-B559-3FCEADCFF260}"/>
-              </a:ext>
-            </a:extLst>
-          </p:cNvPr>
-          <p:cNvSpPr/>
-          <p:nvPr/>
-        </p:nvSpPr>
-        <p:spPr>
-          <a:xfrm>
-            <a:off x="5251269" y="119742"/>
-            <a:ext cx="3239588" cy="1247504"/>
-          </a:xfrm>
-          <a:prstGeom prst="roundRect">
-            <a:avLst/>
-          </a:prstGeom>
-        </p:spPr>
-        <p:style>
-          <a:lnRef idx="2">
-            <a:schemeClr val="accent1">
-              <a:shade val="50000"/>
-            </a:schemeClr>
-          </a:lnRef>
-          <a:fillRef idx="1">
-            <a:schemeClr val="accent1"/>
-          </a:fillRef>
-          <a:effectRef idx="0">
-            <a:schemeClr val="accent1"/>
-          </a:effectRef>
-          <a:fontRef idx="minor">
-            <a:schemeClr val="lt1"/>
-          </a:fontRef>
-        </p:style>
-        <p:txBody>
-          <a:bodyPr rtlCol="0" anchor="ctr"/>
-          <a:lstStyle/>
-          <a:p>
-            <a:pPr algn="ctr"/>
-            <a:r>
-              <a:rPr lang="en-US" dirty="0" err="1"/>
-              <a:t>Xyz.shopping.com</a:t>
-            </a:r>
-            <a:endParaRPr lang="en-US" dirty="0"/>
-          </a:p>
-          <a:p>
-            <a:pPr algn="ctr"/>
-            <a:r>
-              <a:rPr lang="en-US" dirty="0" err="1"/>
-              <a:t>Ptoducts.html</a:t>
-            </a:r>
-            <a:endParaRPr lang="en-US" dirty="0"/>
-          </a:p>
-          <a:p>
-            <a:pPr algn="ctr"/>
-            <a:r>
-              <a:rPr lang="en-US" dirty="0"/>
-              <a:t>App Server</a:t>
-            </a:r>
-          </a:p>
-        </p:txBody>
-      </p:sp>
-      <p:sp>
-        <p:nvSpPr>
-          <p:cNvPr id="21" name="Left-right Arrow 20">
-            <a:extLst>
-              <a:ext uri="{FF2B5EF4-FFF2-40B4-BE49-F238E27FC236}">
-                <a16:creationId xmlns:a16="http://schemas.microsoft.com/office/drawing/2014/main" id="{076A72CA-D8BB-5849-A283-58868155FF2E}"/>
-              </a:ext>
-            </a:extLst>
-          </p:cNvPr>
-          <p:cNvSpPr/>
-          <p:nvPr/>
-        </p:nvSpPr>
-        <p:spPr>
-          <a:xfrm>
-            <a:off x="7876902" y="316295"/>
-            <a:ext cx="2690948" cy="405731"/>
-          </a:xfrm>
-          <a:prstGeom prst="leftRightArrow">
-            <a:avLst/>
-          </a:prstGeom>
-          <a:solidFill>
-            <a:srgbClr val="FFFF00"/>
-          </a:solidFill>
-        </p:spPr>
-        <p:style>
-          <a:lnRef idx="2">
-            <a:schemeClr val="accent1">
-              <a:shade val="50000"/>
-            </a:schemeClr>
-          </a:lnRef>
-          <a:fillRef idx="1">
-            <a:schemeClr val="accent1"/>
-          </a:fillRef>
-          <a:effectRef idx="0">
-            <a:schemeClr val="accent1"/>
-          </a:effectRef>
-          <a:fontRef idx="minor">
-            <a:schemeClr val="lt1"/>
-          </a:fontRef>
-        </p:style>
-        <p:txBody>
-          <a:bodyPr rtlCol="0" anchor="ctr"/>
-          <a:lstStyle/>
-          <a:p>
-            <a:pPr algn="ctr"/>
-            <a:r>
-              <a:rPr lang="en-US" dirty="0">
-                <a:ln w="0"/>
-                <a:solidFill>
-                  <a:schemeClr val="tx1"/>
-                </a:solidFill>
-                <a:effectLst>
-                  <a:outerShdw blurRad="38100" dist="19050" dir="2700000" algn="tl" rotWithShape="0">
-                    <a:schemeClr val="dk1">
-                      <a:alpha val="40000"/>
-                    </a:schemeClr>
-                  </a:outerShdw>
-                </a:effectLst>
-              </a:rPr>
-              <a:t>http://</a:t>
-            </a:r>
-            <a:r>
-              <a:rPr lang="en-US" dirty="0" err="1">
-                <a:ln w="0"/>
-                <a:solidFill>
-                  <a:schemeClr val="tx1"/>
-                </a:solidFill>
-                <a:effectLst>
-                  <a:outerShdw blurRad="38100" dist="19050" dir="2700000" algn="tl" rotWithShape="0">
-                    <a:schemeClr val="dk1">
-                      <a:alpha val="40000"/>
-                    </a:schemeClr>
-                  </a:outerShdw>
-                </a:effectLst>
-              </a:rPr>
-              <a:t>xyz.shopping.com</a:t>
-            </a:r>
-            <a:endParaRPr lang="en-US" dirty="0">
-              <a:ln w="0"/>
-              <a:solidFill>
-                <a:schemeClr val="tx1"/>
-              </a:solidFill>
-              <a:effectLst>
-                <a:outerShdw blurRad="38100" dist="19050" dir="2700000" algn="tl" rotWithShape="0">
-                  <a:schemeClr val="dk1">
-                    <a:alpha val="40000"/>
-                  </a:schemeClr>
-                </a:outerShdw>
-              </a:effectLst>
-            </a:endParaRPr>
-          </a:p>
-        </p:txBody>
-      </p:sp>
-      <p:sp>
-        <p:nvSpPr>
-          <p:cNvPr id="23" name="TextBox 22">
-            <a:extLst>
-              <a:ext uri="{FF2B5EF4-FFF2-40B4-BE49-F238E27FC236}">
-                <a16:creationId xmlns:a16="http://schemas.microsoft.com/office/drawing/2014/main" id="{708E4D7D-DDB2-A343-9333-C31FEB0D3019}"/>
-              </a:ext>
-            </a:extLst>
-          </p:cNvPr>
-          <p:cNvSpPr txBox="1"/>
-          <p:nvPr/>
-        </p:nvSpPr>
-        <p:spPr>
-          <a:xfrm>
-            <a:off x="9875520" y="973966"/>
-            <a:ext cx="2037806" cy="646331"/>
-          </a:xfrm>
-          <a:prstGeom prst="rect">
-            <a:avLst/>
-          </a:prstGeom>
-          <a:noFill/>
-        </p:spPr>
-        <p:txBody>
-          <a:bodyPr wrap="square" rtlCol="0">
-            <a:spAutoFit/>
-          </a:bodyPr>
-          <a:lstStyle/>
-          <a:p>
-            <a:r>
-              <a:rPr lang="en-US" dirty="0"/>
-              <a:t>Public clients uses browser</a:t>
-            </a:r>
-          </a:p>
-        </p:txBody>
-      </p:sp>
-      <p:sp>
-        <p:nvSpPr>
-          <p:cNvPr id="24" name="Rounded Rectangle 23">
-            <a:extLst>
-              <a:ext uri="{FF2B5EF4-FFF2-40B4-BE49-F238E27FC236}">
-                <a16:creationId xmlns:a16="http://schemas.microsoft.com/office/drawing/2014/main" id="{67DBBCA0-7FE9-E643-A081-A56CDEE91F17}"/>
-              </a:ext>
-            </a:extLst>
-          </p:cNvPr>
-          <p:cNvSpPr/>
-          <p:nvPr/>
-        </p:nvSpPr>
-        <p:spPr>
-          <a:xfrm>
-            <a:off x="7012578" y="2272350"/>
-            <a:ext cx="3944982" cy="640080"/>
-          </a:xfrm>
-          <a:prstGeom prst="roundRect">
-            <a:avLst/>
-          </a:prstGeom>
-        </p:spPr>
-        <p:style>
-          <a:lnRef idx="2">
-            <a:schemeClr val="accent1">
-              <a:shade val="50000"/>
-            </a:schemeClr>
-          </a:lnRef>
-          <a:fillRef idx="1">
-            <a:schemeClr val="accent1"/>
-          </a:fillRef>
-          <a:effectRef idx="0">
-            <a:schemeClr val="accent1"/>
-          </a:effectRef>
-          <a:fontRef idx="minor">
-            <a:schemeClr val="lt1"/>
-          </a:fontRef>
-        </p:style>
-        <p:txBody>
-          <a:bodyPr rtlCol="0" anchor="ctr"/>
-          <a:lstStyle/>
-          <a:p>
-            <a:pPr algn="ctr"/>
-            <a:r>
-              <a:rPr lang="en-US" dirty="0"/>
-              <a:t>REST API 200.100.20.10</a:t>
-            </a:r>
-          </a:p>
-          <a:p>
-            <a:pPr algn="ctr"/>
-            <a:r>
-              <a:rPr lang="en-US" dirty="0"/>
-              <a:t>Get() /post() /put() /delete()</a:t>
-            </a:r>
-          </a:p>
-        </p:txBody>
-      </p:sp>
-      <p:sp>
-        <p:nvSpPr>
-          <p:cNvPr id="25" name="Up-down Arrow 24">
-            <a:extLst>
-              <a:ext uri="{FF2B5EF4-FFF2-40B4-BE49-F238E27FC236}">
-                <a16:creationId xmlns:a16="http://schemas.microsoft.com/office/drawing/2014/main" id="{3480EF1B-7806-B445-8AB2-CE2942319676}"/>
-              </a:ext>
-            </a:extLst>
-          </p:cNvPr>
-          <p:cNvSpPr/>
-          <p:nvPr/>
-        </p:nvSpPr>
-        <p:spPr>
-          <a:xfrm>
-            <a:off x="7145381" y="2592390"/>
-            <a:ext cx="348343" cy="875994"/>
-          </a:xfrm>
-          <a:prstGeom prst="upDownArrow">
-            <a:avLst/>
-          </a:prstGeom>
-          <a:solidFill>
-            <a:srgbClr val="FFFF00"/>
-          </a:solidFill>
-        </p:spPr>
-        <p:style>
-          <a:lnRef idx="2">
-            <a:schemeClr val="accent1">
-              <a:shade val="50000"/>
-            </a:schemeClr>
-          </a:lnRef>
-          <a:fillRef idx="1">
-            <a:schemeClr val="accent1"/>
-          </a:fillRef>
-          <a:effectRef idx="0">
-            <a:schemeClr val="accent1"/>
-          </a:effectRef>
-          <a:fontRef idx="minor">
-            <a:schemeClr val="lt1"/>
-          </a:fontRef>
-        </p:style>
-        <p:txBody>
-          <a:bodyPr rtlCol="0" anchor="ctr"/>
-          <a:lstStyle/>
-          <a:p>
-            <a:pPr algn="ctr"/>
-            <a:endParaRPr lang="en-US"/>
-          </a:p>
-        </p:txBody>
-      </p:sp>
-      <p:sp>
-        <p:nvSpPr>
-          <p:cNvPr id="26" name="Up-down Arrow 25">
-            <a:extLst>
-              <a:ext uri="{FF2B5EF4-FFF2-40B4-BE49-F238E27FC236}">
-                <a16:creationId xmlns:a16="http://schemas.microsoft.com/office/drawing/2014/main" id="{CE0B7850-956B-5F49-B62C-7EBA3E2628B2}"/>
-              </a:ext>
-            </a:extLst>
-          </p:cNvPr>
-          <p:cNvSpPr/>
-          <p:nvPr/>
-        </p:nvSpPr>
-        <p:spPr>
-          <a:xfrm>
-            <a:off x="4929051" y="3360795"/>
-            <a:ext cx="348343" cy="875994"/>
-          </a:xfrm>
-          <a:prstGeom prst="upDownArrow">
-            <a:avLst/>
-          </a:prstGeom>
-          <a:solidFill>
-            <a:srgbClr val="FFFF00"/>
-          </a:solidFill>
-        </p:spPr>
-        <p:style>
-          <a:lnRef idx="2">
-            <a:schemeClr val="accent1">
-              <a:shade val="50000"/>
-            </a:schemeClr>
-          </a:lnRef>
-          <a:fillRef idx="1">
-            <a:schemeClr val="accent1"/>
-          </a:fillRef>
-          <a:effectRef idx="0">
-            <a:schemeClr val="accent1"/>
-          </a:effectRef>
-          <a:fontRef idx="minor">
-            <a:schemeClr val="lt1"/>
-          </a:fontRef>
-        </p:style>
-        <p:txBody>
-          <a:bodyPr rtlCol="0" anchor="ctr"/>
-          <a:lstStyle/>
-          <a:p>
-            <a:pPr algn="ctr"/>
-            <a:endParaRPr lang="en-US"/>
-          </a:p>
-        </p:txBody>
-      </p:sp>
-      <p:sp>
-        <p:nvSpPr>
-          <p:cNvPr id="27" name="Down Arrow 26">
-            <a:extLst>
-              <a:ext uri="{FF2B5EF4-FFF2-40B4-BE49-F238E27FC236}">
-                <a16:creationId xmlns:a16="http://schemas.microsoft.com/office/drawing/2014/main" id="{CD94604B-6A68-6047-BB75-FE35445A8B18}"/>
-              </a:ext>
-            </a:extLst>
-          </p:cNvPr>
-          <p:cNvSpPr/>
-          <p:nvPr/>
-        </p:nvSpPr>
-        <p:spPr>
-          <a:xfrm>
-            <a:off x="8064137" y="1189613"/>
-            <a:ext cx="243837" cy="1082737"/>
-          </a:xfrm>
-          <a:prstGeom prst="downArrow">
-            <a:avLst/>
-          </a:prstGeom>
-          <a:solidFill>
-            <a:srgbClr val="FFFF00"/>
-          </a:solidFill>
-        </p:spPr>
-        <p:style>
-          <a:lnRef idx="2">
-            <a:schemeClr val="accent1">
-              <a:shade val="50000"/>
-            </a:schemeClr>
-          </a:lnRef>
-          <a:fillRef idx="1">
-            <a:schemeClr val="accent1"/>
-          </a:fillRef>
-          <a:effectRef idx="0">
-            <a:schemeClr val="accent1"/>
-          </a:effectRef>
-          <a:fontRef idx="minor">
-            <a:schemeClr val="lt1"/>
-          </a:fontRef>
-        </p:style>
-        <p:txBody>
-          <a:bodyPr rtlCol="0" anchor="ctr"/>
-          <a:lstStyle/>
-          <a:p>
-            <a:pPr algn="ctr"/>
-            <a:endParaRPr lang="en-US"/>
-          </a:p>
-        </p:txBody>
-      </p:sp>
-      <p:sp>
-        <p:nvSpPr>
-          <p:cNvPr id="28" name="TextBox 27">
-            <a:extLst>
-              <a:ext uri="{FF2B5EF4-FFF2-40B4-BE49-F238E27FC236}">
-                <a16:creationId xmlns:a16="http://schemas.microsoft.com/office/drawing/2014/main" id="{7384AF5D-B9D9-3C47-A673-DC5E906BD92C}"/>
-              </a:ext>
-            </a:extLst>
-          </p:cNvPr>
-          <p:cNvSpPr txBox="1"/>
-          <p:nvPr/>
-        </p:nvSpPr>
-        <p:spPr>
-          <a:xfrm>
-            <a:off x="7001688" y="1705779"/>
-            <a:ext cx="3383282" cy="369332"/>
-          </a:xfrm>
-          <a:prstGeom prst="rect">
-            <a:avLst/>
-          </a:prstGeom>
-          <a:noFill/>
-        </p:spPr>
-        <p:txBody>
-          <a:bodyPr wrap="square" rtlCol="0">
-            <a:spAutoFit/>
-          </a:bodyPr>
-          <a:lstStyle/>
-          <a:p>
-            <a:r>
-              <a:rPr lang="en-US" dirty="0"/>
-              <a:t>http://200.100.20.10/</a:t>
-            </a:r>
-            <a:r>
-              <a:rPr lang="en-US" dirty="0" err="1"/>
-              <a:t>api</a:t>
-            </a:r>
-            <a:r>
-              <a:rPr lang="en-US" dirty="0"/>
-              <a:t>/products</a:t>
-            </a:r>
-          </a:p>
-        </p:txBody>
-      </p:sp>
-      <p:sp>
-        <p:nvSpPr>
-          <p:cNvPr id="30" name="Rounded Rectangle 29">
-            <a:extLst>
-              <a:ext uri="{FF2B5EF4-FFF2-40B4-BE49-F238E27FC236}">
-                <a16:creationId xmlns:a16="http://schemas.microsoft.com/office/drawing/2014/main" id="{242C15F8-D5C3-6841-ADA9-9D4BFB0D87DF}"/>
-              </a:ext>
-            </a:extLst>
-          </p:cNvPr>
-          <p:cNvSpPr/>
-          <p:nvPr/>
-        </p:nvSpPr>
-        <p:spPr>
-          <a:xfrm>
-            <a:off x="3487783" y="316295"/>
-            <a:ext cx="905691" cy="934670"/>
-          </a:xfrm>
-          <a:prstGeom prst="roundRect">
-            <a:avLst/>
-          </a:prstGeom>
-        </p:spPr>
-        <p:style>
-          <a:lnRef idx="2">
-            <a:schemeClr val="accent1">
-              <a:shade val="50000"/>
-            </a:schemeClr>
-          </a:lnRef>
-          <a:fillRef idx="1">
-            <a:schemeClr val="accent1"/>
-          </a:fillRef>
-          <a:effectRef idx="0">
-            <a:schemeClr val="accent1"/>
-          </a:effectRef>
-          <a:fontRef idx="minor">
-            <a:schemeClr val="lt1"/>
-          </a:fontRef>
-        </p:style>
-        <p:txBody>
-          <a:bodyPr rtlCol="0" anchor="ctr"/>
-          <a:lstStyle/>
-          <a:p>
-            <a:pPr algn="ctr"/>
-            <a:r>
-              <a:rPr lang="en-US" dirty="0"/>
-              <a:t>Mobile</a:t>
-            </a:r>
-          </a:p>
-        </p:txBody>
-      </p:sp>
-      <p:cxnSp>
-        <p:nvCxnSpPr>
-          <p:cNvPr id="32" name="Straight Arrow Connector 31">
-            <a:extLst>
-              <a:ext uri="{FF2B5EF4-FFF2-40B4-BE49-F238E27FC236}">
-                <a16:creationId xmlns:a16="http://schemas.microsoft.com/office/drawing/2014/main" id="{BAC62758-4CBC-F840-A473-8D05AE15FED7}"/>
-              </a:ext>
-            </a:extLst>
-          </p:cNvPr>
-          <p:cNvCxnSpPr/>
-          <p:nvPr/>
-        </p:nvCxnSpPr>
-        <p:spPr>
-          <a:xfrm>
-            <a:off x="4310743" y="1189613"/>
-            <a:ext cx="2978331" cy="1082737"/>
-          </a:xfrm>
-          <a:prstGeom prst="straightConnector1">
-            <a:avLst/>
-          </a:prstGeom>
-          <a:ln>
-            <a:tailEnd type="triangle"/>
-          </a:ln>
-        </p:spPr>
-        <p:style>
-          <a:lnRef idx="3">
-            <a:schemeClr val="dk1"/>
-          </a:lnRef>
-          <a:fillRef idx="0">
-            <a:schemeClr val="dk1"/>
-          </a:fillRef>
-          <a:effectRef idx="2">
-            <a:schemeClr val="dk1"/>
-          </a:effectRef>
-          <a:fontRef idx="minor">
-            <a:schemeClr val="tx1"/>
-          </a:fontRef>
-        </p:style>
-      </p:cxnSp>
-      <p:cxnSp>
-        <p:nvCxnSpPr>
-          <p:cNvPr id="34" name="Straight Arrow Connector 33">
-            <a:extLst>
-              <a:ext uri="{FF2B5EF4-FFF2-40B4-BE49-F238E27FC236}">
-                <a16:creationId xmlns:a16="http://schemas.microsoft.com/office/drawing/2014/main" id="{CD00DDE9-C9AD-3D46-A5A5-880C0E4B9F29}"/>
-              </a:ext>
-            </a:extLst>
-          </p:cNvPr>
-          <p:cNvCxnSpPr>
-            <a:endCxn id="30" idx="2"/>
-          </p:cNvCxnSpPr>
-          <p:nvPr/>
-        </p:nvCxnSpPr>
-        <p:spPr>
-          <a:xfrm flipH="1" flipV="1">
-            <a:off x="3940629" y="1250965"/>
-            <a:ext cx="3196044" cy="1186152"/>
-          </a:xfrm>
-          <a:prstGeom prst="straightConnector1">
-            <a:avLst/>
-          </a:prstGeom>
-          <a:ln>
-            <a:tailEnd type="triangle"/>
-          </a:ln>
-        </p:spPr>
-        <p:style>
-          <a:lnRef idx="3">
-            <a:schemeClr val="dk1"/>
-          </a:lnRef>
-          <a:fillRef idx="0">
-            <a:schemeClr val="dk1"/>
-          </a:fillRef>
-          <a:effectRef idx="2">
-            <a:schemeClr val="dk1"/>
-          </a:effectRef>
-          <a:fontRef idx="minor">
-            <a:schemeClr val="tx1"/>
-          </a:fontRef>
-        </p:style>
-      </p:cxnSp>
+              <a:t>Pure Text Based, Open Standard, Cross-Platform and encoder independent data communication</a:t>
+            </a:r>
+          </a:p>
+        </p:txBody>
+      </p:sp>
     </p:spTree>
     <p:extLst>
       <p:ext uri="{BB962C8B-B14F-4D97-AF65-F5344CB8AC3E}">
-        <p14:creationId xmlns:p14="http://schemas.microsoft.com/office/powerpoint/2010/main" val="1522512355"/>
+        <p14:creationId xmlns:p14="http://schemas.microsoft.com/office/powerpoint/2010/main" val="505288314"/>
       </p:ext>
     </p:extLst>
   </p:cSld>
@@ -33174,24 +32459,27 @@
       </p:grpSpPr>
       <p:sp>
         <p:nvSpPr>
-          <p:cNvPr id="8" name="&quot;No&quot; Symbol 7">
-            <a:extLst>
-              <a:ext uri="{FF2B5EF4-FFF2-40B4-BE49-F238E27FC236}">
-                <a16:creationId xmlns:a16="http://schemas.microsoft.com/office/drawing/2014/main" id="{05C9C617-FEFC-5E44-A5FE-A792D4D6CB7A}"/>
-              </a:ext>
-            </a:extLst>
-          </p:cNvPr>
-          <p:cNvSpPr/>
-          <p:nvPr/>
-        </p:nvSpPr>
-        <p:spPr>
-          <a:xfrm>
-            <a:off x="4990011" y="1180012"/>
-            <a:ext cx="1793966" cy="1702525"/>
-          </a:xfrm>
-          <a:prstGeom prst="noSmoking">
-            <a:avLst/>
-          </a:prstGeom>
+          <p:cNvPr id="29" name="Up Arrow 28">
+            <a:extLst>
+              <a:ext uri="{FF2B5EF4-FFF2-40B4-BE49-F238E27FC236}">
+                <a16:creationId xmlns:a16="http://schemas.microsoft.com/office/drawing/2014/main" id="{7A351CD2-BD4C-4744-85B8-BDC7E0C8A169}"/>
+              </a:ext>
+            </a:extLst>
+          </p:cNvPr>
+          <p:cNvSpPr/>
+          <p:nvPr/>
+        </p:nvSpPr>
+        <p:spPr>
+          <a:xfrm>
+            <a:off x="7493724" y="1367246"/>
+            <a:ext cx="213362" cy="964780"/>
+          </a:xfrm>
+          <a:prstGeom prst="upArrow">
+            <a:avLst/>
+          </a:prstGeom>
+          <a:solidFill>
+            <a:srgbClr val="FFFF00"/>
+          </a:solidFill>
         </p:spPr>
         <p:style>
           <a:lnRef idx="2">
@@ -33214,20 +32502,1026 @@
           <a:lstStyle/>
           <a:p>
             <a:pPr algn="ctr"/>
-            <a:endParaRPr lang="en-US">
+            <a:endParaRPr lang="en-US"/>
+          </a:p>
+        </p:txBody>
+      </p:sp>
+      <p:sp>
+        <p:nvSpPr>
+          <p:cNvPr id="22" name="Snip Single Corner of Rectangle 21">
+            <a:extLst>
+              <a:ext uri="{FF2B5EF4-FFF2-40B4-BE49-F238E27FC236}">
+                <a16:creationId xmlns:a16="http://schemas.microsoft.com/office/drawing/2014/main" id="{89C84E33-0E23-7D4F-A229-C17D41DAFAB4}"/>
+              </a:ext>
+            </a:extLst>
+          </p:cNvPr>
+          <p:cNvSpPr/>
+          <p:nvPr/>
+        </p:nvSpPr>
+        <p:spPr>
+          <a:xfrm>
+            <a:off x="9775372" y="281855"/>
+            <a:ext cx="2255520" cy="1111125"/>
+          </a:xfrm>
+          <a:prstGeom prst="snip1Rect">
+            <a:avLst/>
+          </a:prstGeom>
+        </p:spPr>
+        <p:style>
+          <a:lnRef idx="2">
+            <a:schemeClr val="accent1">
+              <a:shade val="50000"/>
+            </a:schemeClr>
+          </a:lnRef>
+          <a:fillRef idx="1">
+            <a:schemeClr val="accent1"/>
+          </a:fillRef>
+          <a:effectRef idx="0">
+            <a:schemeClr val="accent1"/>
+          </a:effectRef>
+          <a:fontRef idx="minor">
+            <a:schemeClr val="lt1"/>
+          </a:fontRef>
+        </p:style>
+        <p:txBody>
+          <a:bodyPr rtlCol="0" anchor="ctr"/>
+          <a:lstStyle/>
+          <a:p>
+            <a:pPr algn="ctr"/>
+            <a:r>
+              <a:rPr lang="en-US" dirty="0"/>
+              <a:t>List of Products</a:t>
+            </a:r>
+          </a:p>
+        </p:txBody>
+      </p:sp>
+      <p:sp>
+        <p:nvSpPr>
+          <p:cNvPr id="3" name="Can 2">
+            <a:extLst>
+              <a:ext uri="{FF2B5EF4-FFF2-40B4-BE49-F238E27FC236}">
+                <a16:creationId xmlns:a16="http://schemas.microsoft.com/office/drawing/2014/main" id="{F8754EC6-DAD2-714D-B48F-65133FF5C694}"/>
+              </a:ext>
+            </a:extLst>
+          </p:cNvPr>
+          <p:cNvSpPr/>
+          <p:nvPr/>
+        </p:nvSpPr>
+        <p:spPr>
+          <a:xfrm>
+            <a:off x="740229" y="5059680"/>
+            <a:ext cx="1976845" cy="775063"/>
+          </a:xfrm>
+          <a:prstGeom prst="can">
+            <a:avLst/>
+          </a:prstGeom>
+        </p:spPr>
+        <p:style>
+          <a:lnRef idx="2">
+            <a:schemeClr val="accent1">
+              <a:shade val="50000"/>
+            </a:schemeClr>
+          </a:lnRef>
+          <a:fillRef idx="1">
+            <a:schemeClr val="accent1"/>
+          </a:fillRef>
+          <a:effectRef idx="0">
+            <a:schemeClr val="accent1"/>
+          </a:effectRef>
+          <a:fontRef idx="minor">
+            <a:schemeClr val="lt1"/>
+          </a:fontRef>
+        </p:style>
+        <p:txBody>
+          <a:bodyPr rtlCol="0" anchor="ctr"/>
+          <a:lstStyle/>
+          <a:p>
+            <a:pPr algn="ctr"/>
+            <a:endParaRPr lang="en-US"/>
+          </a:p>
+        </p:txBody>
+      </p:sp>
+      <p:sp>
+        <p:nvSpPr>
+          <p:cNvPr id="4" name="Can 3">
+            <a:extLst>
+              <a:ext uri="{FF2B5EF4-FFF2-40B4-BE49-F238E27FC236}">
+                <a16:creationId xmlns:a16="http://schemas.microsoft.com/office/drawing/2014/main" id="{FA72E2D6-5C81-0A47-88D7-BEC6B3653DC2}"/>
+              </a:ext>
+            </a:extLst>
+          </p:cNvPr>
+          <p:cNvSpPr/>
+          <p:nvPr/>
+        </p:nvSpPr>
+        <p:spPr>
+          <a:xfrm>
+            <a:off x="3470366" y="5059680"/>
+            <a:ext cx="1976845" cy="775063"/>
+          </a:xfrm>
+          <a:prstGeom prst="can">
+            <a:avLst/>
+          </a:prstGeom>
+        </p:spPr>
+        <p:style>
+          <a:lnRef idx="2">
+            <a:schemeClr val="accent1">
+              <a:shade val="50000"/>
+            </a:schemeClr>
+          </a:lnRef>
+          <a:fillRef idx="1">
+            <a:schemeClr val="accent1"/>
+          </a:fillRef>
+          <a:effectRef idx="0">
+            <a:schemeClr val="accent1"/>
+          </a:effectRef>
+          <a:fontRef idx="minor">
+            <a:schemeClr val="lt1"/>
+          </a:fontRef>
+        </p:style>
+        <p:txBody>
+          <a:bodyPr rtlCol="0" anchor="ctr"/>
+          <a:lstStyle/>
+          <a:p>
+            <a:pPr algn="ctr"/>
+            <a:endParaRPr lang="en-US"/>
+          </a:p>
+        </p:txBody>
+      </p:sp>
+      <p:sp>
+        <p:nvSpPr>
+          <p:cNvPr id="5" name="Can 4">
+            <a:extLst>
+              <a:ext uri="{FF2B5EF4-FFF2-40B4-BE49-F238E27FC236}">
+                <a16:creationId xmlns:a16="http://schemas.microsoft.com/office/drawing/2014/main" id="{9151C52C-B354-8343-B944-4F80B0A27002}"/>
+              </a:ext>
+            </a:extLst>
+          </p:cNvPr>
+          <p:cNvSpPr/>
+          <p:nvPr/>
+        </p:nvSpPr>
+        <p:spPr>
+          <a:xfrm>
+            <a:off x="6331132" y="5059680"/>
+            <a:ext cx="1976845" cy="775063"/>
+          </a:xfrm>
+          <a:prstGeom prst="can">
+            <a:avLst/>
+          </a:prstGeom>
+        </p:spPr>
+        <p:style>
+          <a:lnRef idx="2">
+            <a:schemeClr val="accent1">
+              <a:shade val="50000"/>
+            </a:schemeClr>
+          </a:lnRef>
+          <a:fillRef idx="1">
+            <a:schemeClr val="accent1"/>
+          </a:fillRef>
+          <a:effectRef idx="0">
+            <a:schemeClr val="accent1"/>
+          </a:effectRef>
+          <a:fontRef idx="minor">
+            <a:schemeClr val="lt1"/>
+          </a:fontRef>
+        </p:style>
+        <p:txBody>
+          <a:bodyPr rtlCol="0" anchor="ctr"/>
+          <a:lstStyle/>
+          <a:p>
+            <a:pPr algn="ctr"/>
+            <a:endParaRPr lang="en-US"/>
+          </a:p>
+        </p:txBody>
+      </p:sp>
+      <p:sp>
+        <p:nvSpPr>
+          <p:cNvPr id="6" name="Can 5">
+            <a:extLst>
+              <a:ext uri="{FF2B5EF4-FFF2-40B4-BE49-F238E27FC236}">
+                <a16:creationId xmlns:a16="http://schemas.microsoft.com/office/drawing/2014/main" id="{5F97AB2A-901B-9A45-AAE9-29BE1C7EFCE0}"/>
+              </a:ext>
+            </a:extLst>
+          </p:cNvPr>
+          <p:cNvSpPr/>
+          <p:nvPr/>
+        </p:nvSpPr>
+        <p:spPr>
+          <a:xfrm>
+            <a:off x="9474926" y="5059680"/>
+            <a:ext cx="1976845" cy="775063"/>
+          </a:xfrm>
+          <a:prstGeom prst="can">
+            <a:avLst/>
+          </a:prstGeom>
+        </p:spPr>
+        <p:style>
+          <a:lnRef idx="2">
+            <a:schemeClr val="accent1">
+              <a:shade val="50000"/>
+            </a:schemeClr>
+          </a:lnRef>
+          <a:fillRef idx="1">
+            <a:schemeClr val="accent1"/>
+          </a:fillRef>
+          <a:effectRef idx="0">
+            <a:schemeClr val="accent1"/>
+          </a:effectRef>
+          <a:fontRef idx="minor">
+            <a:schemeClr val="lt1"/>
+          </a:fontRef>
+        </p:style>
+        <p:txBody>
+          <a:bodyPr rtlCol="0" anchor="ctr"/>
+          <a:lstStyle/>
+          <a:p>
+            <a:pPr algn="ctr"/>
+            <a:endParaRPr lang="en-US"/>
+          </a:p>
+        </p:txBody>
+      </p:sp>
+      <p:sp>
+        <p:nvSpPr>
+          <p:cNvPr id="7" name="Rectangle 6">
+            <a:extLst>
+              <a:ext uri="{FF2B5EF4-FFF2-40B4-BE49-F238E27FC236}">
+                <a16:creationId xmlns:a16="http://schemas.microsoft.com/office/drawing/2014/main" id="{F2593517-8345-1D4A-8EA2-D127EAE0D63B}"/>
+              </a:ext>
+            </a:extLst>
+          </p:cNvPr>
+          <p:cNvSpPr/>
+          <p:nvPr/>
+        </p:nvSpPr>
+        <p:spPr>
+          <a:xfrm>
+            <a:off x="444137" y="2211978"/>
+            <a:ext cx="11007634" cy="2525486"/>
+          </a:xfrm>
+          <a:prstGeom prst="rect">
+            <a:avLst/>
+          </a:prstGeom>
+        </p:spPr>
+        <p:style>
+          <a:lnRef idx="2">
+            <a:schemeClr val="accent6"/>
+          </a:lnRef>
+          <a:fillRef idx="1">
+            <a:schemeClr val="lt1"/>
+          </a:fillRef>
+          <a:effectRef idx="0">
+            <a:schemeClr val="accent6"/>
+          </a:effectRef>
+          <a:fontRef idx="minor">
+            <a:schemeClr val="dk1"/>
+          </a:fontRef>
+        </p:style>
+        <p:txBody>
+          <a:bodyPr rtlCol="0" anchor="ctr"/>
+          <a:lstStyle/>
+          <a:p>
+            <a:pPr algn="ctr"/>
+            <a:endParaRPr lang="en-US"/>
+          </a:p>
+        </p:txBody>
+      </p:sp>
+      <p:sp>
+        <p:nvSpPr>
+          <p:cNvPr id="8" name="TextBox 7">
+            <a:extLst>
+              <a:ext uri="{FF2B5EF4-FFF2-40B4-BE49-F238E27FC236}">
+                <a16:creationId xmlns:a16="http://schemas.microsoft.com/office/drawing/2014/main" id="{491CC7AD-0933-B649-99C0-DB319B0C029A}"/>
+              </a:ext>
+            </a:extLst>
+          </p:cNvPr>
+          <p:cNvSpPr txBox="1"/>
+          <p:nvPr/>
+        </p:nvSpPr>
+        <p:spPr>
+          <a:xfrm>
+            <a:off x="4019005" y="2247203"/>
+            <a:ext cx="3857897" cy="369332"/>
+          </a:xfrm>
+          <a:prstGeom prst="rect">
+            <a:avLst/>
+          </a:prstGeom>
+          <a:noFill/>
+        </p:spPr>
+        <p:txBody>
+          <a:bodyPr wrap="square" rtlCol="0">
+            <a:spAutoFit/>
+          </a:bodyPr>
+          <a:lstStyle/>
+          <a:p>
+            <a:pPr algn="ctr"/>
+            <a:r>
+              <a:rPr lang="en-US" dirty="0"/>
+              <a:t>Application Server</a:t>
+            </a:r>
+          </a:p>
+        </p:txBody>
+      </p:sp>
+      <p:sp>
+        <p:nvSpPr>
+          <p:cNvPr id="9" name="Rounded Rectangle 8">
+            <a:extLst>
+              <a:ext uri="{FF2B5EF4-FFF2-40B4-BE49-F238E27FC236}">
+                <a16:creationId xmlns:a16="http://schemas.microsoft.com/office/drawing/2014/main" id="{87DF21FA-4F39-8443-8C4D-05467D3569A8}"/>
+              </a:ext>
+            </a:extLst>
+          </p:cNvPr>
+          <p:cNvSpPr/>
+          <p:nvPr/>
+        </p:nvSpPr>
+        <p:spPr>
+          <a:xfrm>
+            <a:off x="740229" y="3884023"/>
+            <a:ext cx="10328365" cy="583474"/>
+          </a:xfrm>
+          <a:prstGeom prst="roundRect">
+            <a:avLst/>
+          </a:prstGeom>
+        </p:spPr>
+        <p:style>
+          <a:lnRef idx="2">
+            <a:schemeClr val="accent1">
+              <a:shade val="50000"/>
+            </a:schemeClr>
+          </a:lnRef>
+          <a:fillRef idx="1">
+            <a:schemeClr val="accent1"/>
+          </a:fillRef>
+          <a:effectRef idx="0">
+            <a:schemeClr val="accent1"/>
+          </a:effectRef>
+          <a:fontRef idx="minor">
+            <a:schemeClr val="lt1"/>
+          </a:fontRef>
+        </p:style>
+        <p:txBody>
+          <a:bodyPr rtlCol="0" anchor="ctr"/>
+          <a:lstStyle/>
+          <a:p>
+            <a:pPr algn="ctr"/>
+            <a:r>
+              <a:rPr lang="en-US" dirty="0"/>
+              <a:t>DAL</a:t>
+            </a:r>
+          </a:p>
+        </p:txBody>
+      </p:sp>
+      <p:sp>
+        <p:nvSpPr>
+          <p:cNvPr id="10" name="Up-down Arrow 9">
+            <a:extLst>
+              <a:ext uri="{FF2B5EF4-FFF2-40B4-BE49-F238E27FC236}">
+                <a16:creationId xmlns:a16="http://schemas.microsoft.com/office/drawing/2014/main" id="{CE8126EB-EEBB-DE4E-AD89-5B0787380777}"/>
+              </a:ext>
+            </a:extLst>
+          </p:cNvPr>
+          <p:cNvSpPr/>
+          <p:nvPr/>
+        </p:nvSpPr>
+        <p:spPr>
+          <a:xfrm>
+            <a:off x="1506583" y="4253355"/>
+            <a:ext cx="348343" cy="875994"/>
+          </a:xfrm>
+          <a:prstGeom prst="upDownArrow">
+            <a:avLst/>
+          </a:prstGeom>
+          <a:solidFill>
+            <a:srgbClr val="FFFF00"/>
+          </a:solidFill>
+        </p:spPr>
+        <p:style>
+          <a:lnRef idx="2">
+            <a:schemeClr val="accent1">
+              <a:shade val="50000"/>
+            </a:schemeClr>
+          </a:lnRef>
+          <a:fillRef idx="1">
+            <a:schemeClr val="accent1"/>
+          </a:fillRef>
+          <a:effectRef idx="0">
+            <a:schemeClr val="accent1"/>
+          </a:effectRef>
+          <a:fontRef idx="minor">
+            <a:schemeClr val="lt1"/>
+          </a:fontRef>
+        </p:style>
+        <p:txBody>
+          <a:bodyPr rtlCol="0" anchor="ctr"/>
+          <a:lstStyle/>
+          <a:p>
+            <a:pPr algn="ctr"/>
+            <a:endParaRPr lang="en-US"/>
+          </a:p>
+        </p:txBody>
+      </p:sp>
+      <p:sp>
+        <p:nvSpPr>
+          <p:cNvPr id="11" name="Up-down Arrow 10">
+            <a:extLst>
+              <a:ext uri="{FF2B5EF4-FFF2-40B4-BE49-F238E27FC236}">
+                <a16:creationId xmlns:a16="http://schemas.microsoft.com/office/drawing/2014/main" id="{B715425D-76FE-1F4F-953C-73E7A27B6E36}"/>
+              </a:ext>
+            </a:extLst>
+          </p:cNvPr>
+          <p:cNvSpPr/>
+          <p:nvPr/>
+        </p:nvSpPr>
+        <p:spPr>
+          <a:xfrm>
+            <a:off x="4249783" y="4253355"/>
+            <a:ext cx="348343" cy="875994"/>
+          </a:xfrm>
+          <a:prstGeom prst="upDownArrow">
+            <a:avLst/>
+          </a:prstGeom>
+          <a:solidFill>
+            <a:srgbClr val="FFFF00"/>
+          </a:solidFill>
+        </p:spPr>
+        <p:style>
+          <a:lnRef idx="2">
+            <a:schemeClr val="accent1">
+              <a:shade val="50000"/>
+            </a:schemeClr>
+          </a:lnRef>
+          <a:fillRef idx="1">
+            <a:schemeClr val="accent1"/>
+          </a:fillRef>
+          <a:effectRef idx="0">
+            <a:schemeClr val="accent1"/>
+          </a:effectRef>
+          <a:fontRef idx="minor">
+            <a:schemeClr val="lt1"/>
+          </a:fontRef>
+        </p:style>
+        <p:txBody>
+          <a:bodyPr rtlCol="0" anchor="ctr"/>
+          <a:lstStyle/>
+          <a:p>
+            <a:pPr algn="ctr"/>
+            <a:endParaRPr lang="en-US"/>
+          </a:p>
+        </p:txBody>
+      </p:sp>
+      <p:sp>
+        <p:nvSpPr>
+          <p:cNvPr id="12" name="Up-down Arrow 11">
+            <a:extLst>
+              <a:ext uri="{FF2B5EF4-FFF2-40B4-BE49-F238E27FC236}">
+                <a16:creationId xmlns:a16="http://schemas.microsoft.com/office/drawing/2014/main" id="{D192A75E-5A42-2F42-989B-635B24E2C279}"/>
+              </a:ext>
+            </a:extLst>
+          </p:cNvPr>
+          <p:cNvSpPr/>
+          <p:nvPr/>
+        </p:nvSpPr>
+        <p:spPr>
+          <a:xfrm>
+            <a:off x="7145382" y="4239510"/>
+            <a:ext cx="348343" cy="875994"/>
+          </a:xfrm>
+          <a:prstGeom prst="upDownArrow">
+            <a:avLst/>
+          </a:prstGeom>
+          <a:solidFill>
+            <a:srgbClr val="FFFF00"/>
+          </a:solidFill>
+        </p:spPr>
+        <p:style>
+          <a:lnRef idx="2">
+            <a:schemeClr val="accent1">
+              <a:shade val="50000"/>
+            </a:schemeClr>
+          </a:lnRef>
+          <a:fillRef idx="1">
+            <a:schemeClr val="accent1"/>
+          </a:fillRef>
+          <a:effectRef idx="0">
+            <a:schemeClr val="accent1"/>
+          </a:effectRef>
+          <a:fontRef idx="minor">
+            <a:schemeClr val="lt1"/>
+          </a:fontRef>
+        </p:style>
+        <p:txBody>
+          <a:bodyPr rtlCol="0" anchor="ctr"/>
+          <a:lstStyle/>
+          <a:p>
+            <a:pPr algn="ctr"/>
+            <a:endParaRPr lang="en-US"/>
+          </a:p>
+        </p:txBody>
+      </p:sp>
+      <p:sp>
+        <p:nvSpPr>
+          <p:cNvPr id="13" name="Up-down Arrow 12">
+            <a:extLst>
+              <a:ext uri="{FF2B5EF4-FFF2-40B4-BE49-F238E27FC236}">
+                <a16:creationId xmlns:a16="http://schemas.microsoft.com/office/drawing/2014/main" id="{BB32FB34-0736-7243-8138-ED10CE34C1EC}"/>
+              </a:ext>
+            </a:extLst>
+          </p:cNvPr>
+          <p:cNvSpPr/>
+          <p:nvPr/>
+        </p:nvSpPr>
+        <p:spPr>
+          <a:xfrm>
+            <a:off x="10115005" y="4253355"/>
+            <a:ext cx="348343" cy="875994"/>
+          </a:xfrm>
+          <a:prstGeom prst="upDownArrow">
+            <a:avLst/>
+          </a:prstGeom>
+          <a:solidFill>
+            <a:srgbClr val="FFFF00"/>
+          </a:solidFill>
+        </p:spPr>
+        <p:style>
+          <a:lnRef idx="2">
+            <a:schemeClr val="accent1">
+              <a:shade val="50000"/>
+            </a:schemeClr>
+          </a:lnRef>
+          <a:fillRef idx="1">
+            <a:schemeClr val="accent1"/>
+          </a:fillRef>
+          <a:effectRef idx="0">
+            <a:schemeClr val="accent1"/>
+          </a:effectRef>
+          <a:fontRef idx="minor">
+            <a:schemeClr val="lt1"/>
+          </a:fontRef>
+        </p:style>
+        <p:txBody>
+          <a:bodyPr rtlCol="0" anchor="ctr"/>
+          <a:lstStyle/>
+          <a:p>
+            <a:pPr algn="ctr"/>
+            <a:endParaRPr lang="en-US"/>
+          </a:p>
+        </p:txBody>
+      </p:sp>
+      <p:sp>
+        <p:nvSpPr>
+          <p:cNvPr id="14" name="Rounded Rectangle 13">
+            <a:extLst>
+              <a:ext uri="{FF2B5EF4-FFF2-40B4-BE49-F238E27FC236}">
+                <a16:creationId xmlns:a16="http://schemas.microsoft.com/office/drawing/2014/main" id="{D7F6355F-1916-2C44-A090-187329839D73}"/>
+              </a:ext>
+            </a:extLst>
+          </p:cNvPr>
+          <p:cNvSpPr/>
+          <p:nvPr/>
+        </p:nvSpPr>
+        <p:spPr>
+          <a:xfrm>
+            <a:off x="740229" y="3137263"/>
+            <a:ext cx="10328365" cy="583474"/>
+          </a:xfrm>
+          <a:prstGeom prst="roundRect">
+            <a:avLst/>
+          </a:prstGeom>
+        </p:spPr>
+        <p:style>
+          <a:lnRef idx="2">
+            <a:schemeClr val="accent1">
+              <a:shade val="50000"/>
+            </a:schemeClr>
+          </a:lnRef>
+          <a:fillRef idx="1">
+            <a:schemeClr val="accent1"/>
+          </a:fillRef>
+          <a:effectRef idx="0">
+            <a:schemeClr val="accent1"/>
+          </a:effectRef>
+          <a:fontRef idx="minor">
+            <a:schemeClr val="lt1"/>
+          </a:fontRef>
+        </p:style>
+        <p:txBody>
+          <a:bodyPr rtlCol="0" anchor="ctr"/>
+          <a:lstStyle/>
+          <a:p>
+            <a:pPr algn="ctr"/>
+            <a:r>
+              <a:rPr lang="en-US" dirty="0"/>
+              <a:t>BAL</a:t>
+            </a:r>
+          </a:p>
+        </p:txBody>
+      </p:sp>
+      <p:sp>
+        <p:nvSpPr>
+          <p:cNvPr id="15" name="Rounded Rectangle 14">
+            <a:extLst>
+              <a:ext uri="{FF2B5EF4-FFF2-40B4-BE49-F238E27FC236}">
+                <a16:creationId xmlns:a16="http://schemas.microsoft.com/office/drawing/2014/main" id="{4D78ECEC-0002-194A-9352-CE59E1727D3D}"/>
+              </a:ext>
+            </a:extLst>
+          </p:cNvPr>
+          <p:cNvSpPr/>
+          <p:nvPr/>
+        </p:nvSpPr>
+        <p:spPr>
+          <a:xfrm>
+            <a:off x="740229" y="2312517"/>
+            <a:ext cx="3944982" cy="640080"/>
+          </a:xfrm>
+          <a:prstGeom prst="roundRect">
+            <a:avLst/>
+          </a:prstGeom>
+        </p:spPr>
+        <p:style>
+          <a:lnRef idx="2">
+            <a:schemeClr val="accent1">
+              <a:shade val="50000"/>
+            </a:schemeClr>
+          </a:lnRef>
+          <a:fillRef idx="1">
+            <a:schemeClr val="accent1"/>
+          </a:fillRef>
+          <a:effectRef idx="0">
+            <a:schemeClr val="accent1"/>
+          </a:effectRef>
+          <a:fontRef idx="minor">
+            <a:schemeClr val="lt1"/>
+          </a:fontRef>
+        </p:style>
+        <p:txBody>
+          <a:bodyPr rtlCol="0" anchor="ctr"/>
+          <a:lstStyle/>
+          <a:p>
+            <a:pPr algn="ctr"/>
+            <a:r>
+              <a:rPr lang="en-US" dirty="0"/>
+              <a:t>192.168.10.20</a:t>
+            </a:r>
+          </a:p>
+          <a:p>
+            <a:pPr algn="ctr"/>
+            <a:r>
+              <a:rPr lang="en-US" dirty="0"/>
+              <a:t>HTML + JS + CSS</a:t>
+            </a:r>
+          </a:p>
+        </p:txBody>
+      </p:sp>
+      <p:sp>
+        <p:nvSpPr>
+          <p:cNvPr id="16" name="Up-down Arrow 15">
+            <a:extLst>
+              <a:ext uri="{FF2B5EF4-FFF2-40B4-BE49-F238E27FC236}">
+                <a16:creationId xmlns:a16="http://schemas.microsoft.com/office/drawing/2014/main" id="{9C438D4D-3678-AB42-B439-AD956D49F4C2}"/>
+              </a:ext>
+            </a:extLst>
+          </p:cNvPr>
+          <p:cNvSpPr/>
+          <p:nvPr/>
+        </p:nvSpPr>
+        <p:spPr>
+          <a:xfrm>
+            <a:off x="1380308" y="2596243"/>
+            <a:ext cx="348343" cy="875994"/>
+          </a:xfrm>
+          <a:prstGeom prst="upDownArrow">
+            <a:avLst/>
+          </a:prstGeom>
+          <a:solidFill>
+            <a:srgbClr val="FFFF00"/>
+          </a:solidFill>
+        </p:spPr>
+        <p:style>
+          <a:lnRef idx="2">
+            <a:schemeClr val="accent1">
+              <a:shade val="50000"/>
+            </a:schemeClr>
+          </a:lnRef>
+          <a:fillRef idx="1">
+            <a:schemeClr val="accent1"/>
+          </a:fillRef>
+          <a:effectRef idx="0">
+            <a:schemeClr val="accent1"/>
+          </a:effectRef>
+          <a:fontRef idx="minor">
+            <a:schemeClr val="lt1"/>
+          </a:fontRef>
+        </p:style>
+        <p:txBody>
+          <a:bodyPr rtlCol="0" anchor="ctr"/>
+          <a:lstStyle/>
+          <a:p>
+            <a:pPr algn="ctr"/>
+            <a:endParaRPr lang="en-US"/>
+          </a:p>
+        </p:txBody>
+      </p:sp>
+      <p:sp>
+        <p:nvSpPr>
+          <p:cNvPr id="17" name="Snip Single Corner of Rectangle 16">
+            <a:extLst>
+              <a:ext uri="{FF2B5EF4-FFF2-40B4-BE49-F238E27FC236}">
+                <a16:creationId xmlns:a16="http://schemas.microsoft.com/office/drawing/2014/main" id="{35979D3B-21CB-4C47-9FCE-98F097D2741C}"/>
+              </a:ext>
+            </a:extLst>
+          </p:cNvPr>
+          <p:cNvSpPr/>
+          <p:nvPr/>
+        </p:nvSpPr>
+        <p:spPr>
+          <a:xfrm>
+            <a:off x="278675" y="526086"/>
+            <a:ext cx="2255520" cy="1111125"/>
+          </a:xfrm>
+          <a:prstGeom prst="snip1Rect">
+            <a:avLst/>
+          </a:prstGeom>
+        </p:spPr>
+        <p:style>
+          <a:lnRef idx="2">
+            <a:schemeClr val="accent1">
+              <a:shade val="50000"/>
+            </a:schemeClr>
+          </a:lnRef>
+          <a:fillRef idx="1">
+            <a:schemeClr val="accent1"/>
+          </a:fillRef>
+          <a:effectRef idx="0">
+            <a:schemeClr val="accent1"/>
+          </a:effectRef>
+          <a:fontRef idx="minor">
+            <a:schemeClr val="lt1"/>
+          </a:fontRef>
+        </p:style>
+        <p:txBody>
+          <a:bodyPr rtlCol="0" anchor="ctr"/>
+          <a:lstStyle/>
+          <a:p>
+            <a:pPr algn="ctr"/>
+            <a:r>
+              <a:rPr lang="en-US" dirty="0"/>
+              <a:t>Browser</a:t>
+            </a:r>
+          </a:p>
+          <a:p>
+            <a:pPr algn="ctr"/>
+            <a:r>
+              <a:rPr lang="en-US" dirty="0"/>
+              <a:t>http://192.168.10.20</a:t>
+            </a:r>
+          </a:p>
+        </p:txBody>
+      </p:sp>
+      <p:sp>
+        <p:nvSpPr>
+          <p:cNvPr id="18" name="Up-down Arrow 17">
+            <a:extLst>
+              <a:ext uri="{FF2B5EF4-FFF2-40B4-BE49-F238E27FC236}">
+                <a16:creationId xmlns:a16="http://schemas.microsoft.com/office/drawing/2014/main" id="{852321DF-6199-B942-B01F-2356B3A478EB}"/>
+              </a:ext>
+            </a:extLst>
+          </p:cNvPr>
+          <p:cNvSpPr/>
+          <p:nvPr/>
+        </p:nvSpPr>
+        <p:spPr>
+          <a:xfrm>
+            <a:off x="1232263" y="1598412"/>
+            <a:ext cx="348343" cy="640081"/>
+          </a:xfrm>
+          <a:prstGeom prst="upDownArrow">
+            <a:avLst/>
+          </a:prstGeom>
+          <a:solidFill>
+            <a:srgbClr val="FFFF00"/>
+          </a:solidFill>
+        </p:spPr>
+        <p:style>
+          <a:lnRef idx="2">
+            <a:schemeClr val="accent1">
+              <a:shade val="50000"/>
+            </a:schemeClr>
+          </a:lnRef>
+          <a:fillRef idx="1">
+            <a:schemeClr val="accent1"/>
+          </a:fillRef>
+          <a:effectRef idx="0">
+            <a:schemeClr val="accent1"/>
+          </a:effectRef>
+          <a:fontRef idx="minor">
+            <a:schemeClr val="lt1"/>
+          </a:fontRef>
+        </p:style>
+        <p:txBody>
+          <a:bodyPr rtlCol="0" anchor="ctr"/>
+          <a:lstStyle/>
+          <a:p>
+            <a:pPr algn="ctr"/>
+            <a:endParaRPr lang="en-US"/>
+          </a:p>
+        </p:txBody>
+      </p:sp>
+      <p:sp>
+        <p:nvSpPr>
+          <p:cNvPr id="19" name="TextBox 18">
+            <a:extLst>
+              <a:ext uri="{FF2B5EF4-FFF2-40B4-BE49-F238E27FC236}">
+                <a16:creationId xmlns:a16="http://schemas.microsoft.com/office/drawing/2014/main" id="{0AF5AA9E-132B-1644-9E78-93FE0677D890}"/>
+              </a:ext>
+            </a:extLst>
+          </p:cNvPr>
+          <p:cNvSpPr txBox="1"/>
+          <p:nvPr/>
+        </p:nvSpPr>
+        <p:spPr>
+          <a:xfrm>
+            <a:off x="78377" y="119742"/>
+            <a:ext cx="2856411" cy="369332"/>
+          </a:xfrm>
+          <a:prstGeom prst="rect">
+            <a:avLst/>
+          </a:prstGeom>
+          <a:noFill/>
+        </p:spPr>
+        <p:txBody>
+          <a:bodyPr wrap="square" rtlCol="0">
+            <a:spAutoFit/>
+          </a:bodyPr>
+          <a:lstStyle/>
+          <a:p>
+            <a:r>
+              <a:rPr lang="en-US" dirty="0"/>
+              <a:t>Public client’s users browser</a:t>
+            </a:r>
+          </a:p>
+        </p:txBody>
+      </p:sp>
+      <p:sp>
+        <p:nvSpPr>
+          <p:cNvPr id="20" name="Rounded Rectangle 19">
+            <a:extLst>
+              <a:ext uri="{FF2B5EF4-FFF2-40B4-BE49-F238E27FC236}">
+                <a16:creationId xmlns:a16="http://schemas.microsoft.com/office/drawing/2014/main" id="{94E0CF85-7887-2D46-B559-3FCEADCFF260}"/>
+              </a:ext>
+            </a:extLst>
+          </p:cNvPr>
+          <p:cNvSpPr/>
+          <p:nvPr/>
+        </p:nvSpPr>
+        <p:spPr>
+          <a:xfrm>
+            <a:off x="5251269" y="119742"/>
+            <a:ext cx="3239588" cy="1247504"/>
+          </a:xfrm>
+          <a:prstGeom prst="roundRect">
+            <a:avLst/>
+          </a:prstGeom>
+        </p:spPr>
+        <p:style>
+          <a:lnRef idx="2">
+            <a:schemeClr val="accent1">
+              <a:shade val="50000"/>
+            </a:schemeClr>
+          </a:lnRef>
+          <a:fillRef idx="1">
+            <a:schemeClr val="accent1"/>
+          </a:fillRef>
+          <a:effectRef idx="0">
+            <a:schemeClr val="accent1"/>
+          </a:effectRef>
+          <a:fontRef idx="minor">
+            <a:schemeClr val="lt1"/>
+          </a:fontRef>
+        </p:style>
+        <p:txBody>
+          <a:bodyPr rtlCol="0" anchor="ctr"/>
+          <a:lstStyle/>
+          <a:p>
+            <a:pPr algn="ctr"/>
+            <a:r>
+              <a:rPr lang="en-US" dirty="0" err="1"/>
+              <a:t>Xyz.shopping.com</a:t>
+            </a:r>
+            <a:endParaRPr lang="en-US" dirty="0"/>
+          </a:p>
+          <a:p>
+            <a:pPr algn="ctr"/>
+            <a:r>
+              <a:rPr lang="en-US" dirty="0" err="1"/>
+              <a:t>Ptoducts.html</a:t>
+            </a:r>
+            <a:endParaRPr lang="en-US" dirty="0"/>
+          </a:p>
+          <a:p>
+            <a:pPr algn="ctr"/>
+            <a:r>
+              <a:rPr lang="en-US" dirty="0"/>
+              <a:t>App Server</a:t>
+            </a:r>
+          </a:p>
+        </p:txBody>
+      </p:sp>
+      <p:sp>
+        <p:nvSpPr>
+          <p:cNvPr id="21" name="Left-right Arrow 20">
+            <a:extLst>
+              <a:ext uri="{FF2B5EF4-FFF2-40B4-BE49-F238E27FC236}">
+                <a16:creationId xmlns:a16="http://schemas.microsoft.com/office/drawing/2014/main" id="{076A72CA-D8BB-5849-A283-58868155FF2E}"/>
+              </a:ext>
+            </a:extLst>
+          </p:cNvPr>
+          <p:cNvSpPr/>
+          <p:nvPr/>
+        </p:nvSpPr>
+        <p:spPr>
+          <a:xfrm>
+            <a:off x="7876902" y="316295"/>
+            <a:ext cx="2690948" cy="405731"/>
+          </a:xfrm>
+          <a:prstGeom prst="leftRightArrow">
+            <a:avLst/>
+          </a:prstGeom>
+          <a:solidFill>
+            <a:srgbClr val="FFFF00"/>
+          </a:solidFill>
+        </p:spPr>
+        <p:style>
+          <a:lnRef idx="2">
+            <a:schemeClr val="accent1">
+              <a:shade val="50000"/>
+            </a:schemeClr>
+          </a:lnRef>
+          <a:fillRef idx="1">
+            <a:schemeClr val="accent1"/>
+          </a:fillRef>
+          <a:effectRef idx="0">
+            <a:schemeClr val="accent1"/>
+          </a:effectRef>
+          <a:fontRef idx="minor">
+            <a:schemeClr val="lt1"/>
+          </a:fontRef>
+        </p:style>
+        <p:txBody>
+          <a:bodyPr rtlCol="0" anchor="ctr"/>
+          <a:lstStyle/>
+          <a:p>
+            <a:pPr algn="ctr"/>
+            <a:r>
+              <a:rPr lang="en-US" dirty="0">
+                <a:ln w="0"/>
+                <a:solidFill>
+                  <a:schemeClr val="tx1"/>
+                </a:solidFill>
+                <a:effectLst>
+                  <a:outerShdw blurRad="38100" dist="19050" dir="2700000" algn="tl" rotWithShape="0">
+                    <a:schemeClr val="dk1">
+                      <a:alpha val="40000"/>
+                    </a:schemeClr>
+                  </a:outerShdw>
+                </a:effectLst>
+              </a:rPr>
+              <a:t>http://</a:t>
+            </a:r>
+            <a:r>
+              <a:rPr lang="en-US" dirty="0" err="1">
+                <a:ln w="0"/>
+                <a:solidFill>
+                  <a:schemeClr val="tx1"/>
+                </a:solidFill>
+                <a:effectLst>
+                  <a:outerShdw blurRad="38100" dist="19050" dir="2700000" algn="tl" rotWithShape="0">
+                    <a:schemeClr val="dk1">
+                      <a:alpha val="40000"/>
+                    </a:schemeClr>
+                  </a:outerShdw>
+                </a:effectLst>
+              </a:rPr>
+              <a:t>xyz.shopping.com</a:t>
+            </a:r>
+            <a:endParaRPr lang="en-US" dirty="0">
+              <a:ln w="0"/>
               <a:solidFill>
                 <a:schemeClr val="tx1"/>
               </a:solidFill>
+              <a:effectLst>
+                <a:outerShdw blurRad="38100" dist="19050" dir="2700000" algn="tl" rotWithShape="0">
+                  <a:schemeClr val="dk1">
+                    <a:alpha val="40000"/>
+                  </a:schemeClr>
+                </a:outerShdw>
+              </a:effectLst>
             </a:endParaRPr>
           </a:p>
         </p:txBody>
       </p:sp>
       <p:sp>
         <p:nvSpPr>
-          <p:cNvPr id="2" name="TextBox 1">
-            <a:extLst>
-              <a:ext uri="{FF2B5EF4-FFF2-40B4-BE49-F238E27FC236}">
-                <a16:creationId xmlns:a16="http://schemas.microsoft.com/office/drawing/2014/main" id="{FF2CA8BC-FA83-2643-AC52-66A4B6F01DF5}"/>
+          <p:cNvPr id="23" name="TextBox 22">
+            <a:extLst>
+              <a:ext uri="{FF2B5EF4-FFF2-40B4-BE49-F238E27FC236}">
+                <a16:creationId xmlns:a16="http://schemas.microsoft.com/office/drawing/2014/main" id="{708E4D7D-DDB2-A343-9333-C31FEB0D3019}"/>
               </a:ext>
             </a:extLst>
           </p:cNvPr>
@@ -33236,8 +33530,8 @@
         </p:nvSpPr>
         <p:spPr>
           <a:xfrm>
-            <a:off x="2743200" y="156754"/>
-            <a:ext cx="6270171" cy="369332"/>
+            <a:off x="9875520" y="973966"/>
+            <a:ext cx="2037806" cy="646331"/>
           </a:xfrm>
           <a:prstGeom prst="rect">
             <a:avLst/>
@@ -33251,22 +33545,221 @@
           <a:lstStyle/>
           <a:p>
             <a:r>
-              <a:rPr lang="en-US" dirty="0">
-                <a:highlight>
-                  <a:srgbClr val="FFFF00"/>
-                </a:highlight>
-              </a:rPr>
-              <a:t>Challenges for developers while developing and using REST APIs</a:t>
-            </a:r>
-          </a:p>
-        </p:txBody>
-      </p:sp>
-      <p:sp>
-        <p:nvSpPr>
-          <p:cNvPr id="3" name="TextBox 2">
-            <a:extLst>
-              <a:ext uri="{FF2B5EF4-FFF2-40B4-BE49-F238E27FC236}">
-                <a16:creationId xmlns:a16="http://schemas.microsoft.com/office/drawing/2014/main" id="{935FFBB3-E675-ED42-BE13-48DB3711352D}"/>
+              <a:rPr lang="en-US" dirty="0"/>
+              <a:t>Public client’s users browser</a:t>
+            </a:r>
+          </a:p>
+        </p:txBody>
+      </p:sp>
+      <p:sp>
+        <p:nvSpPr>
+          <p:cNvPr id="24" name="Rounded Rectangle 23">
+            <a:extLst>
+              <a:ext uri="{FF2B5EF4-FFF2-40B4-BE49-F238E27FC236}">
+                <a16:creationId xmlns:a16="http://schemas.microsoft.com/office/drawing/2014/main" id="{67DBBCA0-7FE9-E643-A081-A56CDEE91F17}"/>
+              </a:ext>
+            </a:extLst>
+          </p:cNvPr>
+          <p:cNvSpPr/>
+          <p:nvPr/>
+        </p:nvSpPr>
+        <p:spPr>
+          <a:xfrm>
+            <a:off x="7012578" y="2272350"/>
+            <a:ext cx="3944982" cy="640080"/>
+          </a:xfrm>
+          <a:prstGeom prst="roundRect">
+            <a:avLst/>
+          </a:prstGeom>
+        </p:spPr>
+        <p:style>
+          <a:lnRef idx="2">
+            <a:schemeClr val="accent1">
+              <a:shade val="50000"/>
+            </a:schemeClr>
+          </a:lnRef>
+          <a:fillRef idx="1">
+            <a:schemeClr val="accent1"/>
+          </a:fillRef>
+          <a:effectRef idx="0">
+            <a:schemeClr val="accent1"/>
+          </a:effectRef>
+          <a:fontRef idx="minor">
+            <a:schemeClr val="lt1"/>
+          </a:fontRef>
+        </p:style>
+        <p:txBody>
+          <a:bodyPr rtlCol="0" anchor="ctr"/>
+          <a:lstStyle/>
+          <a:p>
+            <a:pPr algn="ctr"/>
+            <a:r>
+              <a:rPr lang="en-US" dirty="0"/>
+              <a:t>REST API 200.100.20.10</a:t>
+            </a:r>
+          </a:p>
+          <a:p>
+            <a:pPr algn="ctr"/>
+            <a:r>
+              <a:rPr lang="en-US" dirty="0"/>
+              <a:t>Get() /post() /put() /delete()</a:t>
+            </a:r>
+          </a:p>
+        </p:txBody>
+      </p:sp>
+      <p:sp>
+        <p:nvSpPr>
+          <p:cNvPr id="25" name="Up-down Arrow 24">
+            <a:extLst>
+              <a:ext uri="{FF2B5EF4-FFF2-40B4-BE49-F238E27FC236}">
+                <a16:creationId xmlns:a16="http://schemas.microsoft.com/office/drawing/2014/main" id="{3480EF1B-7806-B445-8AB2-CE2942319676}"/>
+              </a:ext>
+            </a:extLst>
+          </p:cNvPr>
+          <p:cNvSpPr/>
+          <p:nvPr/>
+        </p:nvSpPr>
+        <p:spPr>
+          <a:xfrm>
+            <a:off x="7145381" y="2592390"/>
+            <a:ext cx="348343" cy="875994"/>
+          </a:xfrm>
+          <a:prstGeom prst="upDownArrow">
+            <a:avLst/>
+          </a:prstGeom>
+          <a:solidFill>
+            <a:srgbClr val="FFFF00"/>
+          </a:solidFill>
+        </p:spPr>
+        <p:style>
+          <a:lnRef idx="2">
+            <a:schemeClr val="accent1">
+              <a:shade val="50000"/>
+            </a:schemeClr>
+          </a:lnRef>
+          <a:fillRef idx="1">
+            <a:schemeClr val="accent1"/>
+          </a:fillRef>
+          <a:effectRef idx="0">
+            <a:schemeClr val="accent1"/>
+          </a:effectRef>
+          <a:fontRef idx="minor">
+            <a:schemeClr val="lt1"/>
+          </a:fontRef>
+        </p:style>
+        <p:txBody>
+          <a:bodyPr rtlCol="0" anchor="ctr"/>
+          <a:lstStyle/>
+          <a:p>
+            <a:pPr algn="ctr"/>
+            <a:endParaRPr lang="en-US"/>
+          </a:p>
+        </p:txBody>
+      </p:sp>
+      <p:sp>
+        <p:nvSpPr>
+          <p:cNvPr id="26" name="Up-down Arrow 25">
+            <a:extLst>
+              <a:ext uri="{FF2B5EF4-FFF2-40B4-BE49-F238E27FC236}">
+                <a16:creationId xmlns:a16="http://schemas.microsoft.com/office/drawing/2014/main" id="{CE0B7850-956B-5F49-B62C-7EBA3E2628B2}"/>
+              </a:ext>
+            </a:extLst>
+          </p:cNvPr>
+          <p:cNvSpPr/>
+          <p:nvPr/>
+        </p:nvSpPr>
+        <p:spPr>
+          <a:xfrm>
+            <a:off x="4929051" y="3360795"/>
+            <a:ext cx="348343" cy="875994"/>
+          </a:xfrm>
+          <a:prstGeom prst="upDownArrow">
+            <a:avLst/>
+          </a:prstGeom>
+          <a:solidFill>
+            <a:srgbClr val="FFFF00"/>
+          </a:solidFill>
+        </p:spPr>
+        <p:style>
+          <a:lnRef idx="2">
+            <a:schemeClr val="accent1">
+              <a:shade val="50000"/>
+            </a:schemeClr>
+          </a:lnRef>
+          <a:fillRef idx="1">
+            <a:schemeClr val="accent1"/>
+          </a:fillRef>
+          <a:effectRef idx="0">
+            <a:schemeClr val="accent1"/>
+          </a:effectRef>
+          <a:fontRef idx="minor">
+            <a:schemeClr val="lt1"/>
+          </a:fontRef>
+        </p:style>
+        <p:txBody>
+          <a:bodyPr rtlCol="0" anchor="ctr"/>
+          <a:lstStyle/>
+          <a:p>
+            <a:pPr algn="ctr"/>
+            <a:endParaRPr lang="en-US"/>
+          </a:p>
+        </p:txBody>
+      </p:sp>
+      <p:sp>
+        <p:nvSpPr>
+          <p:cNvPr id="27" name="Down Arrow 26">
+            <a:extLst>
+              <a:ext uri="{FF2B5EF4-FFF2-40B4-BE49-F238E27FC236}">
+                <a16:creationId xmlns:a16="http://schemas.microsoft.com/office/drawing/2014/main" id="{CD94604B-6A68-6047-BB75-FE35445A8B18}"/>
+              </a:ext>
+            </a:extLst>
+          </p:cNvPr>
+          <p:cNvSpPr/>
+          <p:nvPr/>
+        </p:nvSpPr>
+        <p:spPr>
+          <a:xfrm>
+            <a:off x="8064137" y="1189613"/>
+            <a:ext cx="243837" cy="1082737"/>
+          </a:xfrm>
+          <a:prstGeom prst="downArrow">
+            <a:avLst/>
+          </a:prstGeom>
+          <a:solidFill>
+            <a:srgbClr val="FFFF00"/>
+          </a:solidFill>
+        </p:spPr>
+        <p:style>
+          <a:lnRef idx="2">
+            <a:schemeClr val="accent1">
+              <a:shade val="50000"/>
+            </a:schemeClr>
+          </a:lnRef>
+          <a:fillRef idx="1">
+            <a:schemeClr val="accent1"/>
+          </a:fillRef>
+          <a:effectRef idx="0">
+            <a:schemeClr val="accent1"/>
+          </a:effectRef>
+          <a:fontRef idx="minor">
+            <a:schemeClr val="lt1"/>
+          </a:fontRef>
+        </p:style>
+        <p:txBody>
+          <a:bodyPr rtlCol="0" anchor="ctr"/>
+          <a:lstStyle/>
+          <a:p>
+            <a:pPr algn="ctr"/>
+            <a:endParaRPr lang="en-US"/>
+          </a:p>
+        </p:txBody>
+      </p:sp>
+      <p:sp>
+        <p:nvSpPr>
+          <p:cNvPr id="28" name="TextBox 27">
+            <a:extLst>
+              <a:ext uri="{FF2B5EF4-FFF2-40B4-BE49-F238E27FC236}">
+                <a16:creationId xmlns:a16="http://schemas.microsoft.com/office/drawing/2014/main" id="{7384AF5D-B9D9-3C47-A673-DC5E906BD92C}"/>
               </a:ext>
             </a:extLst>
           </p:cNvPr>
@@ -33275,8 +33768,8 @@
         </p:nvSpPr>
         <p:spPr>
           <a:xfrm>
-            <a:off x="235131" y="827314"/>
-            <a:ext cx="11704320" cy="369332"/>
+            <a:off x="7001688" y="1705779"/>
+            <a:ext cx="3383282" cy="369332"/>
           </a:xfrm>
           <a:prstGeom prst="rect">
             <a:avLst/>
@@ -33289,33 +33782,37 @@
           </a:bodyPr>
           <a:lstStyle/>
           <a:p>
-            <a:pPr marL="342900" indent="-342900">
-              <a:buFont typeface="+mj-lt"/>
-              <a:buAutoNum type="arabicPeriod"/>
-            </a:pPr>
-            <a:r>
-              <a:rPr lang="en-US" dirty="0"/>
-              <a:t>How to rectify the CORS error?</a:t>
-            </a:r>
-          </a:p>
-        </p:txBody>
-      </p:sp>
-      <p:sp>
-        <p:nvSpPr>
-          <p:cNvPr id="4" name="Rounded Rectangle 3">
-            <a:extLst>
-              <a:ext uri="{FF2B5EF4-FFF2-40B4-BE49-F238E27FC236}">
-                <a16:creationId xmlns:a16="http://schemas.microsoft.com/office/drawing/2014/main" id="{A7439D90-BA5E-5042-9604-6A65A62DDFA0}"/>
-              </a:ext>
-            </a:extLst>
-          </p:cNvPr>
-          <p:cNvSpPr/>
-          <p:nvPr/>
-        </p:nvSpPr>
-        <p:spPr>
-          <a:xfrm>
-            <a:off x="505098" y="1232262"/>
-            <a:ext cx="3100251" cy="1654629"/>
+            <a:r>
+              <a:rPr lang="en-US" dirty="0"/>
+              <a:t>http://200.100.20.10/</a:t>
+            </a:r>
+            <a:r>
+              <a:rPr lang="en-US" dirty="0" err="1"/>
+              <a:t>api</a:t>
+            </a:r>
+            <a:r>
+              <a:rPr lang="en-US" dirty="0"/>
+              <a:t>/products</a:t>
+            </a:r>
+          </a:p>
+        </p:txBody>
+      </p:sp>
+      <p:sp>
+        <p:nvSpPr>
+          <p:cNvPr id="30" name="Rounded Rectangle 29">
+            <a:extLst>
+              <a:ext uri="{FF2B5EF4-FFF2-40B4-BE49-F238E27FC236}">
+                <a16:creationId xmlns:a16="http://schemas.microsoft.com/office/drawing/2014/main" id="{242C15F8-D5C3-6841-ADA9-9D4BFB0D87DF}"/>
+              </a:ext>
+            </a:extLst>
+          </p:cNvPr>
+          <p:cNvSpPr/>
+          <p:nvPr/>
+        </p:nvSpPr>
+        <p:spPr>
+          <a:xfrm>
+            <a:off x="3487783" y="316295"/>
+            <a:ext cx="905691" cy="934670"/>
           </a:xfrm>
           <a:prstGeom prst="roundRect">
             <a:avLst/>
@@ -33343,297 +33840,96 @@
           <a:p>
             <a:pPr algn="ctr"/>
             <a:r>
-              <a:rPr lang="en-US" dirty="0" err="1"/>
-              <a:t>WebClient</a:t>
-            </a:r>
-            <a:r>
-              <a:rPr lang="en-US" dirty="0"/>
-              <a:t> / Browser Client</a:t>
-            </a:r>
-          </a:p>
-          <a:p>
-            <a:pPr algn="ctr"/>
-            <a:r>
-              <a:rPr lang="en-US" dirty="0"/>
-              <a:t>From Domain</a:t>
-            </a:r>
-          </a:p>
-          <a:p>
-            <a:pPr algn="ctr"/>
-            <a:r>
-              <a:rPr lang="en-US" dirty="0">
-                <a:hlinkClick r:id="rId2"/>
-              </a:rPr>
-              <a:t>www.xyz.com</a:t>
-            </a:r>
-            <a:r>
-              <a:rPr lang="en-US" dirty="0"/>
-              <a:t> OR IP Address</a:t>
-            </a:r>
-          </a:p>
-          <a:p>
-            <a:pPr algn="ctr"/>
-            <a:r>
-              <a:rPr lang="en-US" dirty="0"/>
-              <a:t>http://192.168.10.20</a:t>
-            </a:r>
-          </a:p>
-        </p:txBody>
-      </p:sp>
-      <p:sp>
-        <p:nvSpPr>
-          <p:cNvPr id="5" name="Rectangle 4">
-            <a:extLst>
-              <a:ext uri="{FF2B5EF4-FFF2-40B4-BE49-F238E27FC236}">
-                <a16:creationId xmlns:a16="http://schemas.microsoft.com/office/drawing/2014/main" id="{8A18A259-45B1-4C40-84E5-00DCC5DFF99B}"/>
-              </a:ext>
-            </a:extLst>
-          </p:cNvPr>
-          <p:cNvSpPr/>
-          <p:nvPr/>
-        </p:nvSpPr>
-        <p:spPr>
-          <a:xfrm>
-            <a:off x="8168640" y="1497874"/>
-            <a:ext cx="2778035" cy="1384663"/>
-          </a:xfrm>
-          <a:prstGeom prst="rect">
-            <a:avLst/>
-          </a:prstGeom>
-        </p:spPr>
-        <p:style>
-          <a:lnRef idx="2">
-            <a:schemeClr val="accent1">
-              <a:shade val="50000"/>
-            </a:schemeClr>
-          </a:lnRef>
-          <a:fillRef idx="1">
-            <a:schemeClr val="accent1"/>
-          </a:fillRef>
-          <a:effectRef idx="0">
-            <a:schemeClr val="accent1"/>
-          </a:effectRef>
-          <a:fontRef idx="minor">
-            <a:schemeClr val="lt1"/>
-          </a:fontRef>
-        </p:style>
-        <p:txBody>
-          <a:bodyPr rtlCol="0" anchor="ctr"/>
-          <a:lstStyle/>
-          <a:p>
-            <a:pPr algn="ctr"/>
-            <a:r>
-              <a:rPr lang="en-US" dirty="0"/>
-              <a:t>REST API</a:t>
-            </a:r>
-          </a:p>
-          <a:p>
-            <a:pPr algn="ctr"/>
-            <a:r>
-              <a:rPr lang="en-US" dirty="0"/>
-              <a:t>Hosted on </a:t>
-            </a:r>
-          </a:p>
-          <a:p>
-            <a:pPr algn="ctr"/>
-            <a:r>
-              <a:rPr lang="en-US" dirty="0" err="1"/>
-              <a:t>www.aitserv.com</a:t>
-            </a:r>
-            <a:endParaRPr lang="en-US" dirty="0"/>
-          </a:p>
-          <a:p>
-            <a:pPr algn="ctr"/>
-            <a:r>
-              <a:rPr lang="en-US" dirty="0"/>
-              <a:t>Or</a:t>
-            </a:r>
-          </a:p>
-          <a:p>
-            <a:pPr algn="ctr"/>
-            <a:r>
-              <a:rPr lang="en-US" dirty="0"/>
-              <a:t>http://200.100.30.20</a:t>
-            </a:r>
-          </a:p>
-        </p:txBody>
-      </p:sp>
-      <p:sp>
-        <p:nvSpPr>
-          <p:cNvPr id="6" name="Right Arrow 5">
-            <a:extLst>
-              <a:ext uri="{FF2B5EF4-FFF2-40B4-BE49-F238E27FC236}">
-                <a16:creationId xmlns:a16="http://schemas.microsoft.com/office/drawing/2014/main" id="{5A15484C-0A4F-0146-A573-7CA8A2229200}"/>
-              </a:ext>
-            </a:extLst>
-          </p:cNvPr>
-          <p:cNvSpPr/>
-          <p:nvPr/>
-        </p:nvSpPr>
-        <p:spPr>
-          <a:xfrm>
-            <a:off x="3605349" y="1436914"/>
-            <a:ext cx="4537165" cy="522515"/>
-          </a:xfrm>
-          <a:prstGeom prst="rightArrow">
-            <a:avLst/>
-          </a:prstGeom>
-        </p:spPr>
-        <p:style>
-          <a:lnRef idx="2">
-            <a:schemeClr val="accent1">
-              <a:shade val="50000"/>
-            </a:schemeClr>
-          </a:lnRef>
-          <a:fillRef idx="1">
-            <a:schemeClr val="accent1"/>
-          </a:fillRef>
-          <a:effectRef idx="0">
-            <a:schemeClr val="accent1"/>
-          </a:effectRef>
-          <a:fontRef idx="minor">
-            <a:schemeClr val="lt1"/>
-          </a:fontRef>
-        </p:style>
-        <p:txBody>
-          <a:bodyPr rtlCol="0" anchor="ctr"/>
-          <a:lstStyle/>
-          <a:p>
-            <a:pPr algn="ctr"/>
-            <a:r>
-              <a:rPr lang="en-US" dirty="0"/>
-              <a:t>Http Request Get/Post/Put/Delete</a:t>
-            </a:r>
-          </a:p>
-        </p:txBody>
-      </p:sp>
-      <p:sp>
-        <p:nvSpPr>
-          <p:cNvPr id="7" name="Left Arrow 6">
-            <a:extLst>
-              <a:ext uri="{FF2B5EF4-FFF2-40B4-BE49-F238E27FC236}">
-                <a16:creationId xmlns:a16="http://schemas.microsoft.com/office/drawing/2014/main" id="{54307A04-0A22-A249-86B6-160417AC8182}"/>
-              </a:ext>
-            </a:extLst>
-          </p:cNvPr>
-          <p:cNvSpPr/>
-          <p:nvPr/>
-        </p:nvSpPr>
-        <p:spPr>
-          <a:xfrm>
-            <a:off x="3605349" y="2190205"/>
-            <a:ext cx="4563291" cy="535578"/>
-          </a:xfrm>
-          <a:prstGeom prst="leftArrow">
-            <a:avLst/>
-          </a:prstGeom>
-        </p:spPr>
-        <p:style>
-          <a:lnRef idx="2">
-            <a:schemeClr val="accent1">
-              <a:shade val="50000"/>
-            </a:schemeClr>
-          </a:lnRef>
-          <a:fillRef idx="1">
-            <a:schemeClr val="accent1"/>
-          </a:fillRef>
-          <a:effectRef idx="0">
-            <a:schemeClr val="accent1"/>
-          </a:effectRef>
-          <a:fontRef idx="minor">
-            <a:schemeClr val="lt1"/>
-          </a:fontRef>
-        </p:style>
-        <p:txBody>
-          <a:bodyPr rtlCol="0" anchor="ctr"/>
-          <a:lstStyle/>
-          <a:p>
-            <a:pPr algn="ctr"/>
-            <a:r>
-              <a:rPr lang="en-US" dirty="0"/>
-              <a:t>Response</a:t>
-            </a:r>
-          </a:p>
-        </p:txBody>
-      </p:sp>
-      <p:sp>
-        <p:nvSpPr>
-          <p:cNvPr id="9" name="TextBox 8">
-            <a:extLst>
-              <a:ext uri="{FF2B5EF4-FFF2-40B4-BE49-F238E27FC236}">
-                <a16:creationId xmlns:a16="http://schemas.microsoft.com/office/drawing/2014/main" id="{B3C40B8C-F101-2D43-B1DC-EF9F24E87A32}"/>
-              </a:ext>
-            </a:extLst>
-          </p:cNvPr>
-          <p:cNvSpPr txBox="1"/>
-          <p:nvPr/>
-        </p:nvSpPr>
-        <p:spPr>
-          <a:xfrm>
-            <a:off x="4876800" y="3100251"/>
-            <a:ext cx="2185851" cy="923330"/>
-          </a:xfrm>
-          <a:prstGeom prst="rect">
-            <a:avLst/>
-          </a:prstGeom>
-          <a:noFill/>
-        </p:spPr>
-        <p:txBody>
-          <a:bodyPr wrap="square" rtlCol="0">
-            <a:spAutoFit/>
-          </a:bodyPr>
-          <a:lstStyle/>
-          <a:p>
-            <a:r>
-              <a:rPr lang="en-US" dirty="0"/>
-              <a:t>CORS Error because Client and server domains are different</a:t>
-            </a:r>
-          </a:p>
-        </p:txBody>
-      </p:sp>
-      <p:sp>
-        <p:nvSpPr>
-          <p:cNvPr id="10" name="TextBox 9">
-            <a:extLst>
-              <a:ext uri="{FF2B5EF4-FFF2-40B4-BE49-F238E27FC236}">
-                <a16:creationId xmlns:a16="http://schemas.microsoft.com/office/drawing/2014/main" id="{CFFA3F33-047E-1646-9F14-E9F4035EBA29}"/>
-              </a:ext>
-            </a:extLst>
-          </p:cNvPr>
-          <p:cNvSpPr txBox="1"/>
-          <p:nvPr/>
-        </p:nvSpPr>
-        <p:spPr>
-          <a:xfrm>
-            <a:off x="117565" y="4056629"/>
-            <a:ext cx="11704320" cy="646331"/>
-          </a:xfrm>
-          <a:prstGeom prst="rect">
-            <a:avLst/>
-          </a:prstGeom>
-          <a:noFill/>
-        </p:spPr>
-        <p:txBody>
-          <a:bodyPr wrap="square" rtlCol="0">
-            <a:spAutoFit/>
-          </a:bodyPr>
-          <a:lstStyle/>
-          <a:p>
-            <a:pPr marL="342900" indent="-342900">
-              <a:buFont typeface="+mj-lt"/>
-              <a:buAutoNum type="arabicPeriod"/>
-            </a:pPr>
-            <a:r>
-              <a:rPr lang="en-US" dirty="0"/>
-              <a:t>To resolve the CORS error, configure  the server to accept requests from different  Origins (Domains), headers (AUTHOTIZATION or Custom Headers), methods (GET /POST / PUT / DELETE)</a:t>
-            </a:r>
-          </a:p>
-        </p:txBody>
-      </p:sp>
+              <a:rPr lang="en-US" dirty="0"/>
+              <a:t>Mobile</a:t>
+            </a:r>
+          </a:p>
+        </p:txBody>
+      </p:sp>
+      <p:cxnSp>
+        <p:nvCxnSpPr>
+          <p:cNvPr id="32" name="Straight Arrow Connector 31">
+            <a:extLst>
+              <a:ext uri="{FF2B5EF4-FFF2-40B4-BE49-F238E27FC236}">
+                <a16:creationId xmlns:a16="http://schemas.microsoft.com/office/drawing/2014/main" id="{BAC62758-4CBC-F840-A473-8D05AE15FED7}"/>
+              </a:ext>
+            </a:extLst>
+          </p:cNvPr>
+          <p:cNvCxnSpPr/>
+          <p:nvPr/>
+        </p:nvCxnSpPr>
+        <p:spPr>
+          <a:xfrm>
+            <a:off x="4310743" y="1189613"/>
+            <a:ext cx="2978331" cy="1082737"/>
+          </a:xfrm>
+          <a:prstGeom prst="straightConnector1">
+            <a:avLst/>
+          </a:prstGeom>
+          <a:ln>
+            <a:tailEnd type="triangle"/>
+          </a:ln>
+        </p:spPr>
+        <p:style>
+          <a:lnRef idx="3">
+            <a:schemeClr val="dk1"/>
+          </a:lnRef>
+          <a:fillRef idx="0">
+            <a:schemeClr val="dk1"/>
+          </a:fillRef>
+          <a:effectRef idx="2">
+            <a:schemeClr val="dk1"/>
+          </a:effectRef>
+          <a:fontRef idx="minor">
+            <a:schemeClr val="tx1"/>
+          </a:fontRef>
+        </p:style>
+      </p:cxnSp>
+      <p:cxnSp>
+        <p:nvCxnSpPr>
+          <p:cNvPr id="34" name="Straight Arrow Connector 33">
+            <a:extLst>
+              <a:ext uri="{FF2B5EF4-FFF2-40B4-BE49-F238E27FC236}">
+                <a16:creationId xmlns:a16="http://schemas.microsoft.com/office/drawing/2014/main" id="{CD00DDE9-C9AD-3D46-A5A5-880C0E4B9F29}"/>
+              </a:ext>
+            </a:extLst>
+          </p:cNvPr>
+          <p:cNvCxnSpPr>
+            <a:endCxn id="30" idx="2"/>
+          </p:cNvCxnSpPr>
+          <p:nvPr/>
+        </p:nvCxnSpPr>
+        <p:spPr>
+          <a:xfrm flipH="1" flipV="1">
+            <a:off x="3940629" y="1250965"/>
+            <a:ext cx="3196044" cy="1186152"/>
+          </a:xfrm>
+          <a:prstGeom prst="straightConnector1">
+            <a:avLst/>
+          </a:prstGeom>
+          <a:ln>
+            <a:tailEnd type="triangle"/>
+          </a:ln>
+        </p:spPr>
+        <p:style>
+          <a:lnRef idx="3">
+            <a:schemeClr val="dk1"/>
+          </a:lnRef>
+          <a:fillRef idx="0">
+            <a:schemeClr val="dk1"/>
+          </a:fillRef>
+          <a:effectRef idx="2">
+            <a:schemeClr val="dk1"/>
+          </a:effectRef>
+          <a:fontRef idx="minor">
+            <a:schemeClr val="tx1"/>
+          </a:fontRef>
+        </p:style>
+      </p:cxnSp>
     </p:spTree>
     <p:extLst>
       <p:ext uri="{BB962C8B-B14F-4D97-AF65-F5344CB8AC3E}">
-        <p14:creationId xmlns:p14="http://schemas.microsoft.com/office/powerpoint/2010/main" val="2920315396"/>
+        <p14:creationId xmlns:p14="http://schemas.microsoft.com/office/powerpoint/2010/main" val="1522512355"/>
       </p:ext>
     </p:extLst>
   </p:cSld>
@@ -33662,10 +33958,60 @@
       </p:grpSpPr>
       <p:sp>
         <p:nvSpPr>
-          <p:cNvPr id="3" name="TextBox 2">
-            <a:extLst>
-              <a:ext uri="{FF2B5EF4-FFF2-40B4-BE49-F238E27FC236}">
-                <a16:creationId xmlns:a16="http://schemas.microsoft.com/office/drawing/2014/main" id="{B189FC2F-05D3-6942-8C44-A4ADA1D61889}"/>
+          <p:cNvPr id="8" name="&quot;No&quot; Symbol 7">
+            <a:extLst>
+              <a:ext uri="{FF2B5EF4-FFF2-40B4-BE49-F238E27FC236}">
+                <a16:creationId xmlns:a16="http://schemas.microsoft.com/office/drawing/2014/main" id="{05C9C617-FEFC-5E44-A5FE-A792D4D6CB7A}"/>
+              </a:ext>
+            </a:extLst>
+          </p:cNvPr>
+          <p:cNvSpPr/>
+          <p:nvPr/>
+        </p:nvSpPr>
+        <p:spPr>
+          <a:xfrm>
+            <a:off x="4990011" y="1180012"/>
+            <a:ext cx="1793966" cy="1702525"/>
+          </a:xfrm>
+          <a:prstGeom prst="noSmoking">
+            <a:avLst/>
+          </a:prstGeom>
+        </p:spPr>
+        <p:style>
+          <a:lnRef idx="2">
+            <a:schemeClr val="accent1">
+              <a:shade val="50000"/>
+            </a:schemeClr>
+          </a:lnRef>
+          <a:fillRef idx="1">
+            <a:schemeClr val="accent1"/>
+          </a:fillRef>
+          <a:effectRef idx="0">
+            <a:schemeClr val="accent1"/>
+          </a:effectRef>
+          <a:fontRef idx="minor">
+            <a:schemeClr val="lt1"/>
+          </a:fontRef>
+        </p:style>
+        <p:txBody>
+          <a:bodyPr rtlCol="0" anchor="ctr"/>
+          <a:lstStyle/>
+          <a:p>
+            <a:pPr algn="ctr"/>
+            <a:endParaRPr lang="en-US">
+              <a:solidFill>
+                <a:schemeClr val="tx1"/>
+              </a:solidFill>
+            </a:endParaRPr>
+          </a:p>
+        </p:txBody>
+      </p:sp>
+      <p:sp>
+        <p:nvSpPr>
+          <p:cNvPr id="2" name="TextBox 1">
+            <a:extLst>
+              <a:ext uri="{FF2B5EF4-FFF2-40B4-BE49-F238E27FC236}">
+                <a16:creationId xmlns:a16="http://schemas.microsoft.com/office/drawing/2014/main" id="{FF2CA8BC-FA83-2643-AC52-66A4B6F01DF5}"/>
               </a:ext>
             </a:extLst>
           </p:cNvPr>
@@ -33701,6 +34047,444 @@
       </p:sp>
       <p:sp>
         <p:nvSpPr>
+          <p:cNvPr id="3" name="TextBox 2">
+            <a:extLst>
+              <a:ext uri="{FF2B5EF4-FFF2-40B4-BE49-F238E27FC236}">
+                <a16:creationId xmlns:a16="http://schemas.microsoft.com/office/drawing/2014/main" id="{935FFBB3-E675-ED42-BE13-48DB3711352D}"/>
+              </a:ext>
+            </a:extLst>
+          </p:cNvPr>
+          <p:cNvSpPr txBox="1"/>
+          <p:nvPr/>
+        </p:nvSpPr>
+        <p:spPr>
+          <a:xfrm>
+            <a:off x="235131" y="827314"/>
+            <a:ext cx="11704320" cy="369332"/>
+          </a:xfrm>
+          <a:prstGeom prst="rect">
+            <a:avLst/>
+          </a:prstGeom>
+          <a:noFill/>
+        </p:spPr>
+        <p:txBody>
+          <a:bodyPr wrap="square" rtlCol="0">
+            <a:spAutoFit/>
+          </a:bodyPr>
+          <a:lstStyle/>
+          <a:p>
+            <a:pPr marL="342900" indent="-342900">
+              <a:buFont typeface="+mj-lt"/>
+              <a:buAutoNum type="arabicPeriod"/>
+            </a:pPr>
+            <a:r>
+              <a:rPr lang="en-US" dirty="0"/>
+              <a:t>How to rectify the CORS error?</a:t>
+            </a:r>
+          </a:p>
+        </p:txBody>
+      </p:sp>
+      <p:sp>
+        <p:nvSpPr>
+          <p:cNvPr id="4" name="Rounded Rectangle 3">
+            <a:extLst>
+              <a:ext uri="{FF2B5EF4-FFF2-40B4-BE49-F238E27FC236}">
+                <a16:creationId xmlns:a16="http://schemas.microsoft.com/office/drawing/2014/main" id="{A7439D90-BA5E-5042-9604-6A65A62DDFA0}"/>
+              </a:ext>
+            </a:extLst>
+          </p:cNvPr>
+          <p:cNvSpPr/>
+          <p:nvPr/>
+        </p:nvSpPr>
+        <p:spPr>
+          <a:xfrm>
+            <a:off x="505098" y="1232262"/>
+            <a:ext cx="3100251" cy="1654629"/>
+          </a:xfrm>
+          <a:prstGeom prst="roundRect">
+            <a:avLst/>
+          </a:prstGeom>
+        </p:spPr>
+        <p:style>
+          <a:lnRef idx="2">
+            <a:schemeClr val="accent1">
+              <a:shade val="50000"/>
+            </a:schemeClr>
+          </a:lnRef>
+          <a:fillRef idx="1">
+            <a:schemeClr val="accent1"/>
+          </a:fillRef>
+          <a:effectRef idx="0">
+            <a:schemeClr val="accent1"/>
+          </a:effectRef>
+          <a:fontRef idx="minor">
+            <a:schemeClr val="lt1"/>
+          </a:fontRef>
+        </p:style>
+        <p:txBody>
+          <a:bodyPr rtlCol="0" anchor="ctr"/>
+          <a:lstStyle/>
+          <a:p>
+            <a:pPr algn="ctr"/>
+            <a:r>
+              <a:rPr lang="en-US" dirty="0" err="1"/>
+              <a:t>WebClient</a:t>
+            </a:r>
+            <a:r>
+              <a:rPr lang="en-US" dirty="0"/>
+              <a:t> / Browser Client</a:t>
+            </a:r>
+          </a:p>
+          <a:p>
+            <a:pPr algn="ctr"/>
+            <a:r>
+              <a:rPr lang="en-US" dirty="0"/>
+              <a:t>From Domain</a:t>
+            </a:r>
+          </a:p>
+          <a:p>
+            <a:pPr algn="ctr"/>
+            <a:r>
+              <a:rPr lang="en-US" dirty="0">
+                <a:hlinkClick r:id="rId2"/>
+              </a:rPr>
+              <a:t>www.xyz.com</a:t>
+            </a:r>
+            <a:r>
+              <a:rPr lang="en-US" dirty="0"/>
+              <a:t> OR IP Address</a:t>
+            </a:r>
+          </a:p>
+          <a:p>
+            <a:pPr algn="ctr"/>
+            <a:r>
+              <a:rPr lang="en-US" dirty="0"/>
+              <a:t>http://192.168.10.20</a:t>
+            </a:r>
+          </a:p>
+        </p:txBody>
+      </p:sp>
+      <p:sp>
+        <p:nvSpPr>
+          <p:cNvPr id="5" name="Rectangle 4">
+            <a:extLst>
+              <a:ext uri="{FF2B5EF4-FFF2-40B4-BE49-F238E27FC236}">
+                <a16:creationId xmlns:a16="http://schemas.microsoft.com/office/drawing/2014/main" id="{8A18A259-45B1-4C40-84E5-00DCC5DFF99B}"/>
+              </a:ext>
+            </a:extLst>
+          </p:cNvPr>
+          <p:cNvSpPr/>
+          <p:nvPr/>
+        </p:nvSpPr>
+        <p:spPr>
+          <a:xfrm>
+            <a:off x="8168640" y="1497874"/>
+            <a:ext cx="2778035" cy="1384663"/>
+          </a:xfrm>
+          <a:prstGeom prst="rect">
+            <a:avLst/>
+          </a:prstGeom>
+        </p:spPr>
+        <p:style>
+          <a:lnRef idx="2">
+            <a:schemeClr val="accent1">
+              <a:shade val="50000"/>
+            </a:schemeClr>
+          </a:lnRef>
+          <a:fillRef idx="1">
+            <a:schemeClr val="accent1"/>
+          </a:fillRef>
+          <a:effectRef idx="0">
+            <a:schemeClr val="accent1"/>
+          </a:effectRef>
+          <a:fontRef idx="minor">
+            <a:schemeClr val="lt1"/>
+          </a:fontRef>
+        </p:style>
+        <p:txBody>
+          <a:bodyPr rtlCol="0" anchor="ctr"/>
+          <a:lstStyle/>
+          <a:p>
+            <a:pPr algn="ctr"/>
+            <a:r>
+              <a:rPr lang="en-US" dirty="0"/>
+              <a:t>REST API</a:t>
+            </a:r>
+          </a:p>
+          <a:p>
+            <a:pPr algn="ctr"/>
+            <a:r>
+              <a:rPr lang="en-US" dirty="0"/>
+              <a:t>Hosted on </a:t>
+            </a:r>
+          </a:p>
+          <a:p>
+            <a:pPr algn="ctr"/>
+            <a:r>
+              <a:rPr lang="en-US" dirty="0" err="1"/>
+              <a:t>www.aitserv.com</a:t>
+            </a:r>
+            <a:endParaRPr lang="en-US" dirty="0"/>
+          </a:p>
+          <a:p>
+            <a:pPr algn="ctr"/>
+            <a:r>
+              <a:rPr lang="en-US" dirty="0"/>
+              <a:t>Or</a:t>
+            </a:r>
+          </a:p>
+          <a:p>
+            <a:pPr algn="ctr"/>
+            <a:r>
+              <a:rPr lang="en-US" dirty="0"/>
+              <a:t>http://200.100.30.20</a:t>
+            </a:r>
+          </a:p>
+        </p:txBody>
+      </p:sp>
+      <p:sp>
+        <p:nvSpPr>
+          <p:cNvPr id="6" name="Right Arrow 5">
+            <a:extLst>
+              <a:ext uri="{FF2B5EF4-FFF2-40B4-BE49-F238E27FC236}">
+                <a16:creationId xmlns:a16="http://schemas.microsoft.com/office/drawing/2014/main" id="{5A15484C-0A4F-0146-A573-7CA8A2229200}"/>
+              </a:ext>
+            </a:extLst>
+          </p:cNvPr>
+          <p:cNvSpPr/>
+          <p:nvPr/>
+        </p:nvSpPr>
+        <p:spPr>
+          <a:xfrm>
+            <a:off x="3605349" y="1436914"/>
+            <a:ext cx="4537165" cy="522515"/>
+          </a:xfrm>
+          <a:prstGeom prst="rightArrow">
+            <a:avLst/>
+          </a:prstGeom>
+        </p:spPr>
+        <p:style>
+          <a:lnRef idx="2">
+            <a:schemeClr val="accent1">
+              <a:shade val="50000"/>
+            </a:schemeClr>
+          </a:lnRef>
+          <a:fillRef idx="1">
+            <a:schemeClr val="accent1"/>
+          </a:fillRef>
+          <a:effectRef idx="0">
+            <a:schemeClr val="accent1"/>
+          </a:effectRef>
+          <a:fontRef idx="minor">
+            <a:schemeClr val="lt1"/>
+          </a:fontRef>
+        </p:style>
+        <p:txBody>
+          <a:bodyPr rtlCol="0" anchor="ctr"/>
+          <a:lstStyle/>
+          <a:p>
+            <a:pPr algn="ctr"/>
+            <a:r>
+              <a:rPr lang="en-US" dirty="0"/>
+              <a:t>Http Request Get/Post/Put/Delete</a:t>
+            </a:r>
+          </a:p>
+        </p:txBody>
+      </p:sp>
+      <p:sp>
+        <p:nvSpPr>
+          <p:cNvPr id="7" name="Left Arrow 6">
+            <a:extLst>
+              <a:ext uri="{FF2B5EF4-FFF2-40B4-BE49-F238E27FC236}">
+                <a16:creationId xmlns:a16="http://schemas.microsoft.com/office/drawing/2014/main" id="{54307A04-0A22-A249-86B6-160417AC8182}"/>
+              </a:ext>
+            </a:extLst>
+          </p:cNvPr>
+          <p:cNvSpPr/>
+          <p:nvPr/>
+        </p:nvSpPr>
+        <p:spPr>
+          <a:xfrm>
+            <a:off x="3605349" y="2190205"/>
+            <a:ext cx="4563291" cy="535578"/>
+          </a:xfrm>
+          <a:prstGeom prst="leftArrow">
+            <a:avLst/>
+          </a:prstGeom>
+        </p:spPr>
+        <p:style>
+          <a:lnRef idx="2">
+            <a:schemeClr val="accent1">
+              <a:shade val="50000"/>
+            </a:schemeClr>
+          </a:lnRef>
+          <a:fillRef idx="1">
+            <a:schemeClr val="accent1"/>
+          </a:fillRef>
+          <a:effectRef idx="0">
+            <a:schemeClr val="accent1"/>
+          </a:effectRef>
+          <a:fontRef idx="minor">
+            <a:schemeClr val="lt1"/>
+          </a:fontRef>
+        </p:style>
+        <p:txBody>
+          <a:bodyPr rtlCol="0" anchor="ctr"/>
+          <a:lstStyle/>
+          <a:p>
+            <a:pPr algn="ctr"/>
+            <a:r>
+              <a:rPr lang="en-US" dirty="0"/>
+              <a:t>Response</a:t>
+            </a:r>
+          </a:p>
+        </p:txBody>
+      </p:sp>
+      <p:sp>
+        <p:nvSpPr>
+          <p:cNvPr id="9" name="TextBox 8">
+            <a:extLst>
+              <a:ext uri="{FF2B5EF4-FFF2-40B4-BE49-F238E27FC236}">
+                <a16:creationId xmlns:a16="http://schemas.microsoft.com/office/drawing/2014/main" id="{B3C40B8C-F101-2D43-B1DC-EF9F24E87A32}"/>
+              </a:ext>
+            </a:extLst>
+          </p:cNvPr>
+          <p:cNvSpPr txBox="1"/>
+          <p:nvPr/>
+        </p:nvSpPr>
+        <p:spPr>
+          <a:xfrm>
+            <a:off x="4876800" y="3100251"/>
+            <a:ext cx="2185851" cy="923330"/>
+          </a:xfrm>
+          <a:prstGeom prst="rect">
+            <a:avLst/>
+          </a:prstGeom>
+          <a:noFill/>
+        </p:spPr>
+        <p:txBody>
+          <a:bodyPr wrap="square" rtlCol="0">
+            <a:spAutoFit/>
+          </a:bodyPr>
+          <a:lstStyle/>
+          <a:p>
+            <a:r>
+              <a:rPr lang="en-US" dirty="0"/>
+              <a:t>CORS Error because Client and server domains are different</a:t>
+            </a:r>
+          </a:p>
+        </p:txBody>
+      </p:sp>
+      <p:sp>
+        <p:nvSpPr>
+          <p:cNvPr id="10" name="TextBox 9">
+            <a:extLst>
+              <a:ext uri="{FF2B5EF4-FFF2-40B4-BE49-F238E27FC236}">
+                <a16:creationId xmlns:a16="http://schemas.microsoft.com/office/drawing/2014/main" id="{CFFA3F33-047E-1646-9F14-E9F4035EBA29}"/>
+              </a:ext>
+            </a:extLst>
+          </p:cNvPr>
+          <p:cNvSpPr txBox="1"/>
+          <p:nvPr/>
+        </p:nvSpPr>
+        <p:spPr>
+          <a:xfrm>
+            <a:off x="117565" y="4056629"/>
+            <a:ext cx="11704320" cy="646331"/>
+          </a:xfrm>
+          <a:prstGeom prst="rect">
+            <a:avLst/>
+          </a:prstGeom>
+          <a:noFill/>
+        </p:spPr>
+        <p:txBody>
+          <a:bodyPr wrap="square" rtlCol="0">
+            <a:spAutoFit/>
+          </a:bodyPr>
+          <a:lstStyle/>
+          <a:p>
+            <a:pPr marL="342900" indent="-342900">
+              <a:buFont typeface="+mj-lt"/>
+              <a:buAutoNum type="arabicPeriod"/>
+            </a:pPr>
+            <a:r>
+              <a:rPr lang="en-US" dirty="0"/>
+              <a:t>To resolve the CORS error, configure  the server to accept requests from different  Origins (Domains), headers (AUTHOTIZATION or Custom Headers), methods (GET /POST / PUT / DELETE)</a:t>
+            </a:r>
+          </a:p>
+        </p:txBody>
+      </p:sp>
+    </p:spTree>
+    <p:extLst>
+      <p:ext uri="{BB962C8B-B14F-4D97-AF65-F5344CB8AC3E}">
+        <p14:creationId xmlns:p14="http://schemas.microsoft.com/office/powerpoint/2010/main" val="2920315396"/>
+      </p:ext>
+    </p:extLst>
+  </p:cSld>
+  <p:clrMapOvr>
+    <a:masterClrMapping/>
+  </p:clrMapOvr>
+</p:sld>
+</file>
+
+<file path=ppt/slides/slide42.xml><?xml version="1.0" encoding="utf-8"?>
+<p:sld xmlns:a="http://schemas.openxmlformats.org/drawingml/2006/main" xmlns:r="http://schemas.openxmlformats.org/officeDocument/2006/relationships" xmlns:p="http://schemas.openxmlformats.org/presentationml/2006/main">
+  <p:cSld>
+    <p:spTree>
+      <p:nvGrpSpPr>
+        <p:cNvPr id="1" name=""/>
+        <p:cNvGrpSpPr/>
+        <p:nvPr/>
+      </p:nvGrpSpPr>
+      <p:grpSpPr>
+        <a:xfrm>
+          <a:off x="0" y="0"/>
+          <a:ext cx="0" cy="0"/>
+          <a:chOff x="0" y="0"/>
+          <a:chExt cx="0" cy="0"/>
+        </a:xfrm>
+      </p:grpSpPr>
+      <p:sp>
+        <p:nvSpPr>
+          <p:cNvPr id="3" name="TextBox 2">
+            <a:extLst>
+              <a:ext uri="{FF2B5EF4-FFF2-40B4-BE49-F238E27FC236}">
+                <a16:creationId xmlns:a16="http://schemas.microsoft.com/office/drawing/2014/main" id="{B189FC2F-05D3-6942-8C44-A4ADA1D61889}"/>
+              </a:ext>
+            </a:extLst>
+          </p:cNvPr>
+          <p:cNvSpPr txBox="1"/>
+          <p:nvPr/>
+        </p:nvSpPr>
+        <p:spPr>
+          <a:xfrm>
+            <a:off x="2743200" y="156754"/>
+            <a:ext cx="6270171" cy="369332"/>
+          </a:xfrm>
+          <a:prstGeom prst="rect">
+            <a:avLst/>
+          </a:prstGeom>
+          <a:noFill/>
+        </p:spPr>
+        <p:txBody>
+          <a:bodyPr wrap="square" rtlCol="0">
+            <a:spAutoFit/>
+          </a:bodyPr>
+          <a:lstStyle/>
+          <a:p>
+            <a:r>
+              <a:rPr lang="en-US" dirty="0">
+                <a:highlight>
+                  <a:srgbClr val="FFFF00"/>
+                </a:highlight>
+              </a:rPr>
+              <a:t>Challenges for developers while developing and using REST APIs</a:t>
+            </a:r>
+          </a:p>
+        </p:txBody>
+      </p:sp>
+      <p:sp>
+        <p:nvSpPr>
           <p:cNvPr id="4" name="TextBox 3">
             <a:extLst>
               <a:ext uri="{FF2B5EF4-FFF2-40B4-BE49-F238E27FC236}">
@@ -33796,6 +34580,3302 @@
     <p:extLst>
       <p:ext uri="{BB962C8B-B14F-4D97-AF65-F5344CB8AC3E}">
         <p14:creationId xmlns:p14="http://schemas.microsoft.com/office/powerpoint/2010/main" val="4017574234"/>
+      </p:ext>
+    </p:extLst>
+  </p:cSld>
+  <p:clrMapOvr>
+    <a:masterClrMapping/>
+  </p:clrMapOvr>
+</p:sld>
+</file>
+
+<file path=ppt/slides/slide43.xml><?xml version="1.0" encoding="utf-8"?>
+<p:sld xmlns:a="http://schemas.openxmlformats.org/drawingml/2006/main" xmlns:r="http://schemas.openxmlformats.org/officeDocument/2006/relationships" xmlns:p="http://schemas.openxmlformats.org/presentationml/2006/main">
+  <p:cSld>
+    <p:spTree>
+      <p:nvGrpSpPr>
+        <p:cNvPr id="1" name=""/>
+        <p:cNvGrpSpPr/>
+        <p:nvPr/>
+      </p:nvGrpSpPr>
+      <p:grpSpPr>
+        <a:xfrm>
+          <a:off x="0" y="0"/>
+          <a:ext cx="0" cy="0"/>
+          <a:chOff x="0" y="0"/>
+          <a:chExt cx="0" cy="0"/>
+        </a:xfrm>
+      </p:grpSpPr>
+      <p:sp>
+        <p:nvSpPr>
+          <p:cNvPr id="2" name="Rounded Rectangle 1">
+            <a:extLst>
+              <a:ext uri="{FF2B5EF4-FFF2-40B4-BE49-F238E27FC236}">
+                <a16:creationId xmlns:a16="http://schemas.microsoft.com/office/drawing/2014/main" id="{EEA4F1DE-E3AC-9840-9355-D29473124566}"/>
+              </a:ext>
+            </a:extLst>
+          </p:cNvPr>
+          <p:cNvSpPr/>
+          <p:nvPr/>
+        </p:nvSpPr>
+        <p:spPr>
+          <a:xfrm>
+            <a:off x="3483429" y="566057"/>
+            <a:ext cx="5120640" cy="4171406"/>
+          </a:xfrm>
+          <a:prstGeom prst="roundRect">
+            <a:avLst>
+              <a:gd name="adj" fmla="val 12024"/>
+            </a:avLst>
+          </a:prstGeom>
+        </p:spPr>
+        <p:style>
+          <a:lnRef idx="2">
+            <a:schemeClr val="accent6"/>
+          </a:lnRef>
+          <a:fillRef idx="1">
+            <a:schemeClr val="lt1"/>
+          </a:fillRef>
+          <a:effectRef idx="0">
+            <a:schemeClr val="accent6"/>
+          </a:effectRef>
+          <a:fontRef idx="minor">
+            <a:schemeClr val="dk1"/>
+          </a:fontRef>
+        </p:style>
+        <p:txBody>
+          <a:bodyPr rtlCol="0" anchor="ctr"/>
+          <a:lstStyle/>
+          <a:p>
+            <a:pPr algn="ctr"/>
+            <a:endParaRPr lang="en-US"/>
+          </a:p>
+        </p:txBody>
+      </p:sp>
+      <p:sp>
+        <p:nvSpPr>
+          <p:cNvPr id="3" name="TextBox 2">
+            <a:extLst>
+              <a:ext uri="{FF2B5EF4-FFF2-40B4-BE49-F238E27FC236}">
+                <a16:creationId xmlns:a16="http://schemas.microsoft.com/office/drawing/2014/main" id="{21780DBB-8F20-CA47-A859-48D3F67DCF0C}"/>
+              </a:ext>
+            </a:extLst>
+          </p:cNvPr>
+          <p:cNvSpPr txBox="1"/>
+          <p:nvPr/>
+        </p:nvSpPr>
+        <p:spPr>
+          <a:xfrm>
+            <a:off x="3971109" y="78377"/>
+            <a:ext cx="4084320" cy="369332"/>
+          </a:xfrm>
+          <a:prstGeom prst="rect">
+            <a:avLst/>
+          </a:prstGeom>
+          <a:noFill/>
+        </p:spPr>
+        <p:txBody>
+          <a:bodyPr wrap="square" rtlCol="0">
+            <a:spAutoFit/>
+          </a:bodyPr>
+          <a:lstStyle/>
+          <a:p>
+            <a:r>
+              <a:rPr lang="en-US" dirty="0"/>
+              <a:t>Node.js Runtime Hosting Web App</a:t>
+            </a:r>
+          </a:p>
+        </p:txBody>
+      </p:sp>
+      <p:sp>
+        <p:nvSpPr>
+          <p:cNvPr id="4" name="Rectangle 3">
+            <a:extLst>
+              <a:ext uri="{FF2B5EF4-FFF2-40B4-BE49-F238E27FC236}">
+                <a16:creationId xmlns:a16="http://schemas.microsoft.com/office/drawing/2014/main" id="{CBE163CD-B08A-074B-A93A-A4500C87D3A3}"/>
+              </a:ext>
+            </a:extLst>
+          </p:cNvPr>
+          <p:cNvSpPr/>
+          <p:nvPr/>
+        </p:nvSpPr>
+        <p:spPr>
+          <a:xfrm>
+            <a:off x="3370217" y="4998720"/>
+            <a:ext cx="8638903" cy="923109"/>
+          </a:xfrm>
+          <a:prstGeom prst="rect">
+            <a:avLst/>
+          </a:prstGeom>
+        </p:spPr>
+        <p:style>
+          <a:lnRef idx="2">
+            <a:schemeClr val="accent1">
+              <a:shade val="50000"/>
+            </a:schemeClr>
+          </a:lnRef>
+          <a:fillRef idx="1">
+            <a:schemeClr val="accent1"/>
+          </a:fillRef>
+          <a:effectRef idx="0">
+            <a:schemeClr val="accent1"/>
+          </a:effectRef>
+          <a:fontRef idx="minor">
+            <a:schemeClr val="lt1"/>
+          </a:fontRef>
+        </p:style>
+        <p:txBody>
+          <a:bodyPr rtlCol="0" anchor="ctr"/>
+          <a:lstStyle/>
+          <a:p>
+            <a:pPr algn="ctr"/>
+            <a:r>
+              <a:rPr lang="en-US" dirty="0"/>
+              <a:t>OS</a:t>
+            </a:r>
+          </a:p>
+          <a:p>
+            <a:pPr algn="ctr"/>
+            <a:r>
+              <a:rPr lang="en-US" dirty="0"/>
+              <a:t>Windows / Linux / Unix / Solaris / macOS</a:t>
+            </a:r>
+          </a:p>
+        </p:txBody>
+      </p:sp>
+      <p:sp>
+        <p:nvSpPr>
+          <p:cNvPr id="5" name="Up Arrow 4">
+            <a:extLst>
+              <a:ext uri="{FF2B5EF4-FFF2-40B4-BE49-F238E27FC236}">
+                <a16:creationId xmlns:a16="http://schemas.microsoft.com/office/drawing/2014/main" id="{206BA43D-1969-F441-884D-F7B184F1F42E}"/>
+              </a:ext>
+            </a:extLst>
+          </p:cNvPr>
+          <p:cNvSpPr/>
+          <p:nvPr/>
+        </p:nvSpPr>
+        <p:spPr>
+          <a:xfrm>
+            <a:off x="4241074" y="4737463"/>
+            <a:ext cx="435428" cy="252548"/>
+          </a:xfrm>
+          <a:prstGeom prst="upArrow">
+            <a:avLst/>
+          </a:prstGeom>
+        </p:spPr>
+        <p:style>
+          <a:lnRef idx="2">
+            <a:schemeClr val="accent1">
+              <a:shade val="50000"/>
+            </a:schemeClr>
+          </a:lnRef>
+          <a:fillRef idx="1">
+            <a:schemeClr val="accent1"/>
+          </a:fillRef>
+          <a:effectRef idx="0">
+            <a:schemeClr val="accent1"/>
+          </a:effectRef>
+          <a:fontRef idx="minor">
+            <a:schemeClr val="lt1"/>
+          </a:fontRef>
+        </p:style>
+        <p:txBody>
+          <a:bodyPr rtlCol="0" anchor="ctr"/>
+          <a:lstStyle/>
+          <a:p>
+            <a:pPr algn="ctr"/>
+            <a:endParaRPr lang="en-US"/>
+          </a:p>
+        </p:txBody>
+      </p:sp>
+      <p:sp>
+        <p:nvSpPr>
+          <p:cNvPr id="6" name="Down Arrow 5">
+            <a:extLst>
+              <a:ext uri="{FF2B5EF4-FFF2-40B4-BE49-F238E27FC236}">
+                <a16:creationId xmlns:a16="http://schemas.microsoft.com/office/drawing/2014/main" id="{2CA0D8D6-615E-6F4D-A880-C82ACFEF4DAF}"/>
+              </a:ext>
+            </a:extLst>
+          </p:cNvPr>
+          <p:cNvSpPr/>
+          <p:nvPr/>
+        </p:nvSpPr>
+        <p:spPr>
+          <a:xfrm>
+            <a:off x="6749143" y="4737463"/>
+            <a:ext cx="435428" cy="261257"/>
+          </a:xfrm>
+          <a:prstGeom prst="downArrow">
+            <a:avLst/>
+          </a:prstGeom>
+        </p:spPr>
+        <p:style>
+          <a:lnRef idx="2">
+            <a:schemeClr val="accent1">
+              <a:shade val="50000"/>
+            </a:schemeClr>
+          </a:lnRef>
+          <a:fillRef idx="1">
+            <a:schemeClr val="accent1"/>
+          </a:fillRef>
+          <a:effectRef idx="0">
+            <a:schemeClr val="accent1"/>
+          </a:effectRef>
+          <a:fontRef idx="minor">
+            <a:schemeClr val="lt1"/>
+          </a:fontRef>
+        </p:style>
+        <p:txBody>
+          <a:bodyPr rtlCol="0" anchor="ctr"/>
+          <a:lstStyle/>
+          <a:p>
+            <a:pPr algn="ctr"/>
+            <a:endParaRPr lang="en-US"/>
+          </a:p>
+        </p:txBody>
+      </p:sp>
+      <p:sp>
+        <p:nvSpPr>
+          <p:cNvPr id="7" name="Can 6">
+            <a:extLst>
+              <a:ext uri="{FF2B5EF4-FFF2-40B4-BE49-F238E27FC236}">
+                <a16:creationId xmlns:a16="http://schemas.microsoft.com/office/drawing/2014/main" id="{A69F4461-271D-5642-9484-BEAD2C536194}"/>
+              </a:ext>
+            </a:extLst>
+          </p:cNvPr>
+          <p:cNvSpPr/>
+          <p:nvPr/>
+        </p:nvSpPr>
+        <p:spPr>
+          <a:xfrm>
+            <a:off x="9831977" y="3178629"/>
+            <a:ext cx="2055223" cy="1288868"/>
+          </a:xfrm>
+          <a:prstGeom prst="can">
+            <a:avLst/>
+          </a:prstGeom>
+        </p:spPr>
+        <p:style>
+          <a:lnRef idx="2">
+            <a:schemeClr val="accent1">
+              <a:shade val="50000"/>
+            </a:schemeClr>
+          </a:lnRef>
+          <a:fillRef idx="1">
+            <a:schemeClr val="accent1"/>
+          </a:fillRef>
+          <a:effectRef idx="0">
+            <a:schemeClr val="accent1"/>
+          </a:effectRef>
+          <a:fontRef idx="minor">
+            <a:schemeClr val="lt1"/>
+          </a:fontRef>
+        </p:style>
+        <p:txBody>
+          <a:bodyPr rtlCol="0" anchor="ctr"/>
+          <a:lstStyle/>
+          <a:p>
+            <a:pPr algn="ctr"/>
+            <a:r>
+              <a:rPr lang="en-US" dirty="0"/>
+              <a:t>Relational</a:t>
+            </a:r>
+          </a:p>
+          <a:p>
+            <a:pPr algn="ctr"/>
+            <a:r>
+              <a:rPr lang="en-US" dirty="0"/>
+              <a:t> Database</a:t>
+            </a:r>
+          </a:p>
+        </p:txBody>
+      </p:sp>
+      <p:sp>
+        <p:nvSpPr>
+          <p:cNvPr id="8" name="Up Arrow 7">
+            <a:extLst>
+              <a:ext uri="{FF2B5EF4-FFF2-40B4-BE49-F238E27FC236}">
+                <a16:creationId xmlns:a16="http://schemas.microsoft.com/office/drawing/2014/main" id="{149D2DB7-C41F-8046-A2D5-8526C9232833}"/>
+              </a:ext>
+            </a:extLst>
+          </p:cNvPr>
+          <p:cNvSpPr/>
+          <p:nvPr/>
+        </p:nvSpPr>
+        <p:spPr>
+          <a:xfrm>
+            <a:off x="10742022" y="4467497"/>
+            <a:ext cx="148046" cy="522514"/>
+          </a:xfrm>
+          <a:prstGeom prst="upArrow">
+            <a:avLst/>
+          </a:prstGeom>
+        </p:spPr>
+        <p:style>
+          <a:lnRef idx="2">
+            <a:schemeClr val="accent1">
+              <a:shade val="50000"/>
+            </a:schemeClr>
+          </a:lnRef>
+          <a:fillRef idx="1">
+            <a:schemeClr val="accent1"/>
+          </a:fillRef>
+          <a:effectRef idx="0">
+            <a:schemeClr val="accent1"/>
+          </a:effectRef>
+          <a:fontRef idx="minor">
+            <a:schemeClr val="lt1"/>
+          </a:fontRef>
+        </p:style>
+        <p:txBody>
+          <a:bodyPr rtlCol="0" anchor="ctr"/>
+          <a:lstStyle/>
+          <a:p>
+            <a:pPr algn="ctr"/>
+            <a:endParaRPr lang="en-US"/>
+          </a:p>
+        </p:txBody>
+      </p:sp>
+      <p:sp>
+        <p:nvSpPr>
+          <p:cNvPr id="9" name="Rectangle 8">
+            <a:extLst>
+              <a:ext uri="{FF2B5EF4-FFF2-40B4-BE49-F238E27FC236}">
+                <a16:creationId xmlns:a16="http://schemas.microsoft.com/office/drawing/2014/main" id="{D1F6919E-6D6E-274D-A446-EB9C9BAA7AFE}"/>
+              </a:ext>
+            </a:extLst>
+          </p:cNvPr>
+          <p:cNvSpPr/>
+          <p:nvPr/>
+        </p:nvSpPr>
+        <p:spPr>
+          <a:xfrm>
+            <a:off x="3788229" y="3178629"/>
+            <a:ext cx="4511040" cy="1175657"/>
+          </a:xfrm>
+          <a:prstGeom prst="rect">
+            <a:avLst/>
+          </a:prstGeom>
+        </p:spPr>
+        <p:style>
+          <a:lnRef idx="2">
+            <a:schemeClr val="accent1">
+              <a:shade val="50000"/>
+            </a:schemeClr>
+          </a:lnRef>
+          <a:fillRef idx="1">
+            <a:schemeClr val="accent1"/>
+          </a:fillRef>
+          <a:effectRef idx="0">
+            <a:schemeClr val="accent1"/>
+          </a:effectRef>
+          <a:fontRef idx="minor">
+            <a:schemeClr val="lt1"/>
+          </a:fontRef>
+        </p:style>
+        <p:txBody>
+          <a:bodyPr rtlCol="0" anchor="ctr"/>
+          <a:lstStyle/>
+          <a:p>
+            <a:pPr algn="ctr"/>
+            <a:r>
+              <a:rPr lang="en-US" dirty="0"/>
+              <a:t>Node.js Runtime Services</a:t>
+            </a:r>
+          </a:p>
+        </p:txBody>
+      </p:sp>
+      <p:sp>
+        <p:nvSpPr>
+          <p:cNvPr id="10" name="Rectangle 9">
+            <a:extLst>
+              <a:ext uri="{FF2B5EF4-FFF2-40B4-BE49-F238E27FC236}">
+                <a16:creationId xmlns:a16="http://schemas.microsoft.com/office/drawing/2014/main" id="{68484B5E-A7AC-EE46-865B-01F79BF673B0}"/>
+              </a:ext>
+            </a:extLst>
+          </p:cNvPr>
+          <p:cNvSpPr/>
+          <p:nvPr/>
+        </p:nvSpPr>
+        <p:spPr>
+          <a:xfrm>
+            <a:off x="3788229" y="1079863"/>
+            <a:ext cx="4511040" cy="1846218"/>
+          </a:xfrm>
+          <a:prstGeom prst="rect">
+            <a:avLst/>
+          </a:prstGeom>
+        </p:spPr>
+        <p:style>
+          <a:lnRef idx="2">
+            <a:schemeClr val="accent1">
+              <a:shade val="50000"/>
+            </a:schemeClr>
+          </a:lnRef>
+          <a:fillRef idx="1">
+            <a:schemeClr val="accent1"/>
+          </a:fillRef>
+          <a:effectRef idx="0">
+            <a:schemeClr val="accent1"/>
+          </a:effectRef>
+          <a:fontRef idx="minor">
+            <a:schemeClr val="lt1"/>
+          </a:fontRef>
+        </p:style>
+        <p:txBody>
+          <a:bodyPr rtlCol="0" anchor="ctr"/>
+          <a:lstStyle/>
+          <a:p>
+            <a:pPr algn="ctr"/>
+            <a:r>
+              <a:rPr lang="en-US" dirty="0"/>
+              <a:t>Express.js Web App Hosting HTML+ JS + CSS</a:t>
+            </a:r>
+          </a:p>
+          <a:p>
+            <a:pPr algn="ctr"/>
+            <a:r>
+              <a:rPr lang="en-US" dirty="0"/>
+              <a:t>+</a:t>
+            </a:r>
+          </a:p>
+          <a:p>
+            <a:pPr algn="ctr"/>
+            <a:r>
+              <a:rPr lang="en-US" dirty="0"/>
+              <a:t>Express.js REST APIs</a:t>
+            </a:r>
+          </a:p>
+        </p:txBody>
+      </p:sp>
+      <p:sp>
+        <p:nvSpPr>
+          <p:cNvPr id="11" name="Down Arrow 10">
+            <a:extLst>
+              <a:ext uri="{FF2B5EF4-FFF2-40B4-BE49-F238E27FC236}">
+                <a16:creationId xmlns:a16="http://schemas.microsoft.com/office/drawing/2014/main" id="{D03A9E47-39D0-9741-884E-2CBB63F4DA7E}"/>
+              </a:ext>
+            </a:extLst>
+          </p:cNvPr>
+          <p:cNvSpPr/>
+          <p:nvPr/>
+        </p:nvSpPr>
+        <p:spPr>
+          <a:xfrm>
+            <a:off x="7045234" y="2917372"/>
+            <a:ext cx="426720" cy="261258"/>
+          </a:xfrm>
+          <a:prstGeom prst="downArrow">
+            <a:avLst/>
+          </a:prstGeom>
+        </p:spPr>
+        <p:style>
+          <a:lnRef idx="2">
+            <a:schemeClr val="accent1">
+              <a:shade val="50000"/>
+            </a:schemeClr>
+          </a:lnRef>
+          <a:fillRef idx="1">
+            <a:schemeClr val="accent1"/>
+          </a:fillRef>
+          <a:effectRef idx="0">
+            <a:schemeClr val="accent1"/>
+          </a:effectRef>
+          <a:fontRef idx="minor">
+            <a:schemeClr val="lt1"/>
+          </a:fontRef>
+        </p:style>
+        <p:txBody>
+          <a:bodyPr rtlCol="0" anchor="ctr"/>
+          <a:lstStyle/>
+          <a:p>
+            <a:pPr algn="ctr"/>
+            <a:endParaRPr lang="en-US"/>
+          </a:p>
+        </p:txBody>
+      </p:sp>
+      <p:sp>
+        <p:nvSpPr>
+          <p:cNvPr id="12" name="Up Arrow 11">
+            <a:extLst>
+              <a:ext uri="{FF2B5EF4-FFF2-40B4-BE49-F238E27FC236}">
+                <a16:creationId xmlns:a16="http://schemas.microsoft.com/office/drawing/2014/main" id="{9841A441-4D24-AF48-99F4-43BFADE88709}"/>
+              </a:ext>
+            </a:extLst>
+          </p:cNvPr>
+          <p:cNvSpPr/>
+          <p:nvPr/>
+        </p:nvSpPr>
+        <p:spPr>
+          <a:xfrm>
+            <a:off x="4380411" y="2926081"/>
+            <a:ext cx="426720" cy="252548"/>
+          </a:xfrm>
+          <a:prstGeom prst="upArrow">
+            <a:avLst/>
+          </a:prstGeom>
+        </p:spPr>
+        <p:style>
+          <a:lnRef idx="2">
+            <a:schemeClr val="accent1">
+              <a:shade val="50000"/>
+            </a:schemeClr>
+          </a:lnRef>
+          <a:fillRef idx="1">
+            <a:schemeClr val="accent1"/>
+          </a:fillRef>
+          <a:effectRef idx="0">
+            <a:schemeClr val="accent1"/>
+          </a:effectRef>
+          <a:fontRef idx="minor">
+            <a:schemeClr val="lt1"/>
+          </a:fontRef>
+        </p:style>
+        <p:txBody>
+          <a:bodyPr rtlCol="0" anchor="ctr"/>
+          <a:lstStyle/>
+          <a:p>
+            <a:pPr algn="ctr"/>
+            <a:endParaRPr lang="en-US"/>
+          </a:p>
+        </p:txBody>
+      </p:sp>
+      <p:sp>
+        <p:nvSpPr>
+          <p:cNvPr id="13" name="Cloud Callout 12">
+            <a:extLst>
+              <a:ext uri="{FF2B5EF4-FFF2-40B4-BE49-F238E27FC236}">
+                <a16:creationId xmlns:a16="http://schemas.microsoft.com/office/drawing/2014/main" id="{B615A27E-D100-8541-A76A-123BF56BD2D8}"/>
+              </a:ext>
+            </a:extLst>
+          </p:cNvPr>
+          <p:cNvSpPr/>
+          <p:nvPr/>
+        </p:nvSpPr>
+        <p:spPr>
+          <a:xfrm>
+            <a:off x="8908869" y="352697"/>
+            <a:ext cx="3222172" cy="1650275"/>
+          </a:xfrm>
+          <a:prstGeom prst="cloudCallout">
+            <a:avLst/>
+          </a:prstGeom>
+        </p:spPr>
+        <p:style>
+          <a:lnRef idx="2">
+            <a:schemeClr val="accent1">
+              <a:shade val="50000"/>
+            </a:schemeClr>
+          </a:lnRef>
+          <a:fillRef idx="1">
+            <a:schemeClr val="accent1"/>
+          </a:fillRef>
+          <a:effectRef idx="0">
+            <a:schemeClr val="accent1"/>
+          </a:effectRef>
+          <a:fontRef idx="minor">
+            <a:schemeClr val="lt1"/>
+          </a:fontRef>
+        </p:style>
+        <p:txBody>
+          <a:bodyPr rtlCol="0" anchor="ctr"/>
+          <a:lstStyle/>
+          <a:p>
+            <a:pPr algn="ctr"/>
+            <a:endParaRPr lang="en-US"/>
+          </a:p>
+        </p:txBody>
+      </p:sp>
+      <p:sp>
+        <p:nvSpPr>
+          <p:cNvPr id="14" name="Can 13">
+            <a:extLst>
+              <a:ext uri="{FF2B5EF4-FFF2-40B4-BE49-F238E27FC236}">
+                <a16:creationId xmlns:a16="http://schemas.microsoft.com/office/drawing/2014/main" id="{ED84A8BE-9D3F-264B-883F-92A883686AE8}"/>
+              </a:ext>
+            </a:extLst>
+          </p:cNvPr>
+          <p:cNvSpPr/>
+          <p:nvPr/>
+        </p:nvSpPr>
+        <p:spPr>
+          <a:xfrm>
+            <a:off x="9614263" y="1271451"/>
+            <a:ext cx="1776548" cy="437607"/>
+          </a:xfrm>
+          <a:prstGeom prst="can">
+            <a:avLst/>
+          </a:prstGeom>
+          <a:solidFill>
+            <a:srgbClr val="FFFF00"/>
+          </a:solidFill>
+        </p:spPr>
+        <p:style>
+          <a:lnRef idx="2">
+            <a:schemeClr val="accent1">
+              <a:shade val="50000"/>
+            </a:schemeClr>
+          </a:lnRef>
+          <a:fillRef idx="1">
+            <a:schemeClr val="accent1"/>
+          </a:fillRef>
+          <a:effectRef idx="0">
+            <a:schemeClr val="accent1"/>
+          </a:effectRef>
+          <a:fontRef idx="minor">
+            <a:schemeClr val="lt1"/>
+          </a:fontRef>
+        </p:style>
+        <p:txBody>
+          <a:bodyPr rtlCol="0" anchor="ctr"/>
+          <a:lstStyle/>
+          <a:p>
+            <a:pPr algn="ctr"/>
+            <a:r>
+              <a:rPr lang="en-US" dirty="0">
+                <a:ln w="0"/>
+                <a:solidFill>
+                  <a:schemeClr val="accent1"/>
+                </a:solidFill>
+                <a:effectLst>
+                  <a:outerShdw blurRad="38100" dist="25400" dir="5400000" algn="ctr" rotWithShape="0">
+                    <a:srgbClr val="6E747A">
+                      <a:alpha val="43000"/>
+                    </a:srgbClr>
+                  </a:outerShdw>
+                </a:effectLst>
+              </a:rPr>
+              <a:t>DB on Cloud</a:t>
+            </a:r>
+          </a:p>
+        </p:txBody>
+      </p:sp>
+      <p:sp>
+        <p:nvSpPr>
+          <p:cNvPr id="15" name="TextBox 14">
+            <a:extLst>
+              <a:ext uri="{FF2B5EF4-FFF2-40B4-BE49-F238E27FC236}">
+                <a16:creationId xmlns:a16="http://schemas.microsoft.com/office/drawing/2014/main" id="{8A3DA606-5D7C-3D46-82CC-E3FEE46BED14}"/>
+              </a:ext>
+            </a:extLst>
+          </p:cNvPr>
+          <p:cNvSpPr txBox="1"/>
+          <p:nvPr/>
+        </p:nvSpPr>
+        <p:spPr>
+          <a:xfrm>
+            <a:off x="9831977" y="708661"/>
+            <a:ext cx="1802674" cy="371202"/>
+          </a:xfrm>
+          <a:prstGeom prst="rect">
+            <a:avLst/>
+          </a:prstGeom>
+          <a:solidFill>
+            <a:srgbClr val="FFFF00"/>
+          </a:solidFill>
+        </p:spPr>
+        <p:txBody>
+          <a:bodyPr wrap="square" rtlCol="0">
+            <a:spAutoFit/>
+          </a:bodyPr>
+          <a:lstStyle/>
+          <a:p>
+            <a:r>
+              <a:rPr lang="en-US" dirty="0"/>
+              <a:t>Cloud Provider</a:t>
+            </a:r>
+          </a:p>
+        </p:txBody>
+      </p:sp>
+      <p:sp>
+        <p:nvSpPr>
+          <p:cNvPr id="16" name="TextBox 15">
+            <a:extLst>
+              <a:ext uri="{FF2B5EF4-FFF2-40B4-BE49-F238E27FC236}">
+                <a16:creationId xmlns:a16="http://schemas.microsoft.com/office/drawing/2014/main" id="{0DF73451-55A0-674C-9204-780C05A8FA71}"/>
+              </a:ext>
+            </a:extLst>
+          </p:cNvPr>
+          <p:cNvSpPr txBox="1"/>
+          <p:nvPr/>
+        </p:nvSpPr>
+        <p:spPr>
+          <a:xfrm>
+            <a:off x="182880" y="352697"/>
+            <a:ext cx="2873829" cy="923330"/>
+          </a:xfrm>
+          <a:prstGeom prst="rect">
+            <a:avLst/>
+          </a:prstGeom>
+          <a:noFill/>
+        </p:spPr>
+        <p:txBody>
+          <a:bodyPr wrap="square" rtlCol="0">
+            <a:spAutoFit/>
+          </a:bodyPr>
+          <a:lstStyle/>
+          <a:p>
+            <a:r>
+              <a:rPr lang="en-US" dirty="0"/>
+              <a:t>Database Access Challenge foe Express.js REST App or Web App</a:t>
+            </a:r>
+          </a:p>
+        </p:txBody>
+      </p:sp>
+      <p:sp>
+        <p:nvSpPr>
+          <p:cNvPr id="17" name="Right Arrow 16">
+            <a:extLst>
+              <a:ext uri="{FF2B5EF4-FFF2-40B4-BE49-F238E27FC236}">
+                <a16:creationId xmlns:a16="http://schemas.microsoft.com/office/drawing/2014/main" id="{6FF9F1C1-38C5-954A-AF98-6AB35E650366}"/>
+              </a:ext>
+            </a:extLst>
+          </p:cNvPr>
+          <p:cNvSpPr/>
+          <p:nvPr/>
+        </p:nvSpPr>
+        <p:spPr>
+          <a:xfrm>
+            <a:off x="8604069" y="3239589"/>
+            <a:ext cx="1227908" cy="452845"/>
+          </a:xfrm>
+          <a:prstGeom prst="rightArrow">
+            <a:avLst/>
+          </a:prstGeom>
+        </p:spPr>
+        <p:style>
+          <a:lnRef idx="2">
+            <a:schemeClr val="accent1">
+              <a:shade val="50000"/>
+            </a:schemeClr>
+          </a:lnRef>
+          <a:fillRef idx="1">
+            <a:schemeClr val="accent1"/>
+          </a:fillRef>
+          <a:effectRef idx="0">
+            <a:schemeClr val="accent1"/>
+          </a:effectRef>
+          <a:fontRef idx="minor">
+            <a:schemeClr val="lt1"/>
+          </a:fontRef>
+        </p:style>
+        <p:txBody>
+          <a:bodyPr rtlCol="0" anchor="ctr"/>
+          <a:lstStyle/>
+          <a:p>
+            <a:pPr algn="ctr"/>
+            <a:r>
+              <a:rPr lang="en-US" dirty="0"/>
+              <a:t>Conn</a:t>
+            </a:r>
+          </a:p>
+        </p:txBody>
+      </p:sp>
+      <p:sp>
+        <p:nvSpPr>
+          <p:cNvPr id="18" name="Left Arrow 17">
+            <a:extLst>
+              <a:ext uri="{FF2B5EF4-FFF2-40B4-BE49-F238E27FC236}">
+                <a16:creationId xmlns:a16="http://schemas.microsoft.com/office/drawing/2014/main" id="{B6971521-58B2-7947-B640-583DF3A520C9}"/>
+              </a:ext>
+            </a:extLst>
+          </p:cNvPr>
+          <p:cNvSpPr/>
+          <p:nvPr/>
+        </p:nvSpPr>
+        <p:spPr>
+          <a:xfrm>
+            <a:off x="8604069" y="3692434"/>
+            <a:ext cx="1227908" cy="444137"/>
+          </a:xfrm>
+          <a:prstGeom prst="leftArrow">
+            <a:avLst/>
+          </a:prstGeom>
+        </p:spPr>
+        <p:style>
+          <a:lnRef idx="2">
+            <a:schemeClr val="accent1">
+              <a:shade val="50000"/>
+            </a:schemeClr>
+          </a:lnRef>
+          <a:fillRef idx="1">
+            <a:schemeClr val="accent1"/>
+          </a:fillRef>
+          <a:effectRef idx="0">
+            <a:schemeClr val="accent1"/>
+          </a:effectRef>
+          <a:fontRef idx="minor">
+            <a:schemeClr val="lt1"/>
+          </a:fontRef>
+        </p:style>
+        <p:txBody>
+          <a:bodyPr rtlCol="0" anchor="ctr"/>
+          <a:lstStyle/>
+          <a:p>
+            <a:pPr algn="ctr"/>
+            <a:r>
+              <a:rPr lang="en-US" dirty="0"/>
+              <a:t>Conn Obj</a:t>
+            </a:r>
+          </a:p>
+        </p:txBody>
+      </p:sp>
+      <p:sp>
+        <p:nvSpPr>
+          <p:cNvPr id="19" name="Left-right Arrow 18">
+            <a:extLst>
+              <a:ext uri="{FF2B5EF4-FFF2-40B4-BE49-F238E27FC236}">
+                <a16:creationId xmlns:a16="http://schemas.microsoft.com/office/drawing/2014/main" id="{E1B2EB49-F752-3F43-B474-A28EEF96C8A6}"/>
+              </a:ext>
+            </a:extLst>
+          </p:cNvPr>
+          <p:cNvSpPr/>
+          <p:nvPr/>
+        </p:nvSpPr>
+        <p:spPr>
+          <a:xfrm>
+            <a:off x="8604069" y="4136571"/>
+            <a:ext cx="1227908" cy="426720"/>
+          </a:xfrm>
+          <a:prstGeom prst="leftRightArrow">
+            <a:avLst/>
+          </a:prstGeom>
+        </p:spPr>
+        <p:style>
+          <a:lnRef idx="2">
+            <a:schemeClr val="accent1">
+              <a:shade val="50000"/>
+            </a:schemeClr>
+          </a:lnRef>
+          <a:fillRef idx="1">
+            <a:schemeClr val="accent1"/>
+          </a:fillRef>
+          <a:effectRef idx="0">
+            <a:schemeClr val="accent1"/>
+          </a:effectRef>
+          <a:fontRef idx="minor">
+            <a:schemeClr val="lt1"/>
+          </a:fontRef>
+        </p:style>
+        <p:txBody>
+          <a:bodyPr rtlCol="0" anchor="ctr"/>
+          <a:lstStyle/>
+          <a:p>
+            <a:pPr algn="ctr"/>
+            <a:r>
+              <a:rPr lang="en-US" dirty="0"/>
+              <a:t>CRUD</a:t>
+            </a:r>
+          </a:p>
+        </p:txBody>
+      </p:sp>
+      <p:sp>
+        <p:nvSpPr>
+          <p:cNvPr id="20" name="Right Arrow 19">
+            <a:extLst>
+              <a:ext uri="{FF2B5EF4-FFF2-40B4-BE49-F238E27FC236}">
+                <a16:creationId xmlns:a16="http://schemas.microsoft.com/office/drawing/2014/main" id="{713282CE-1A4F-3447-B034-05C6CF3DD470}"/>
+              </a:ext>
+            </a:extLst>
+          </p:cNvPr>
+          <p:cNvSpPr/>
+          <p:nvPr/>
+        </p:nvSpPr>
+        <p:spPr>
+          <a:xfrm rot="19465825">
+            <a:off x="8340012" y="1475700"/>
+            <a:ext cx="1227908" cy="452845"/>
+          </a:xfrm>
+          <a:prstGeom prst="rightArrow">
+            <a:avLst/>
+          </a:prstGeom>
+        </p:spPr>
+        <p:style>
+          <a:lnRef idx="2">
+            <a:schemeClr val="accent1">
+              <a:shade val="50000"/>
+            </a:schemeClr>
+          </a:lnRef>
+          <a:fillRef idx="1">
+            <a:schemeClr val="accent1"/>
+          </a:fillRef>
+          <a:effectRef idx="0">
+            <a:schemeClr val="accent1"/>
+          </a:effectRef>
+          <a:fontRef idx="minor">
+            <a:schemeClr val="lt1"/>
+          </a:fontRef>
+        </p:style>
+        <p:txBody>
+          <a:bodyPr rtlCol="0" anchor="ctr"/>
+          <a:lstStyle/>
+          <a:p>
+            <a:pPr algn="ctr"/>
+            <a:r>
+              <a:rPr lang="en-US" dirty="0"/>
+              <a:t>Conn</a:t>
+            </a:r>
+          </a:p>
+        </p:txBody>
+      </p:sp>
+      <p:sp>
+        <p:nvSpPr>
+          <p:cNvPr id="21" name="Left Arrow 20">
+            <a:extLst>
+              <a:ext uri="{FF2B5EF4-FFF2-40B4-BE49-F238E27FC236}">
+                <a16:creationId xmlns:a16="http://schemas.microsoft.com/office/drawing/2014/main" id="{D09F9299-AC50-5142-A703-FFBDA549B066}"/>
+              </a:ext>
+            </a:extLst>
+          </p:cNvPr>
+          <p:cNvSpPr/>
+          <p:nvPr/>
+        </p:nvSpPr>
+        <p:spPr>
+          <a:xfrm rot="19465825">
+            <a:off x="8340012" y="1928545"/>
+            <a:ext cx="1227908" cy="444137"/>
+          </a:xfrm>
+          <a:prstGeom prst="leftArrow">
+            <a:avLst/>
+          </a:prstGeom>
+        </p:spPr>
+        <p:style>
+          <a:lnRef idx="2">
+            <a:schemeClr val="accent1">
+              <a:shade val="50000"/>
+            </a:schemeClr>
+          </a:lnRef>
+          <a:fillRef idx="1">
+            <a:schemeClr val="accent1"/>
+          </a:fillRef>
+          <a:effectRef idx="0">
+            <a:schemeClr val="accent1"/>
+          </a:effectRef>
+          <a:fontRef idx="minor">
+            <a:schemeClr val="lt1"/>
+          </a:fontRef>
+        </p:style>
+        <p:txBody>
+          <a:bodyPr rtlCol="0" anchor="ctr"/>
+          <a:lstStyle/>
+          <a:p>
+            <a:pPr algn="ctr"/>
+            <a:r>
+              <a:rPr lang="en-US" dirty="0"/>
+              <a:t>Conn Obj</a:t>
+            </a:r>
+          </a:p>
+        </p:txBody>
+      </p:sp>
+      <p:sp>
+        <p:nvSpPr>
+          <p:cNvPr id="22" name="Left-right Arrow 21">
+            <a:extLst>
+              <a:ext uri="{FF2B5EF4-FFF2-40B4-BE49-F238E27FC236}">
+                <a16:creationId xmlns:a16="http://schemas.microsoft.com/office/drawing/2014/main" id="{B97D9086-0178-0B41-9742-295375CC32DC}"/>
+              </a:ext>
+            </a:extLst>
+          </p:cNvPr>
+          <p:cNvSpPr/>
+          <p:nvPr/>
+        </p:nvSpPr>
+        <p:spPr>
+          <a:xfrm rot="19465825">
+            <a:off x="8303644" y="2259308"/>
+            <a:ext cx="1617718" cy="426720"/>
+          </a:xfrm>
+          <a:prstGeom prst="leftRightArrow">
+            <a:avLst/>
+          </a:prstGeom>
+        </p:spPr>
+        <p:style>
+          <a:lnRef idx="2">
+            <a:schemeClr val="accent1">
+              <a:shade val="50000"/>
+            </a:schemeClr>
+          </a:lnRef>
+          <a:fillRef idx="1">
+            <a:schemeClr val="accent1"/>
+          </a:fillRef>
+          <a:effectRef idx="0">
+            <a:schemeClr val="accent1"/>
+          </a:effectRef>
+          <a:fontRef idx="minor">
+            <a:schemeClr val="lt1"/>
+          </a:fontRef>
+        </p:style>
+        <p:txBody>
+          <a:bodyPr rtlCol="0" anchor="ctr"/>
+          <a:lstStyle/>
+          <a:p>
+            <a:pPr algn="ctr"/>
+            <a:r>
+              <a:rPr lang="en-US" dirty="0"/>
+              <a:t>CRUD</a:t>
+            </a:r>
+          </a:p>
+        </p:txBody>
+      </p:sp>
+    </p:spTree>
+    <p:extLst>
+      <p:ext uri="{BB962C8B-B14F-4D97-AF65-F5344CB8AC3E}">
+        <p14:creationId xmlns:p14="http://schemas.microsoft.com/office/powerpoint/2010/main" val="3239933931"/>
+      </p:ext>
+    </p:extLst>
+  </p:cSld>
+  <p:clrMapOvr>
+    <a:masterClrMapping/>
+  </p:clrMapOvr>
+</p:sld>
+</file>
+
+<file path=ppt/slides/slide44.xml><?xml version="1.0" encoding="utf-8"?>
+<p:sld xmlns:a="http://schemas.openxmlformats.org/drawingml/2006/main" xmlns:r="http://schemas.openxmlformats.org/officeDocument/2006/relationships" xmlns:p="http://schemas.openxmlformats.org/presentationml/2006/main">
+  <p:cSld>
+    <p:spTree>
+      <p:nvGrpSpPr>
+        <p:cNvPr id="1" name=""/>
+        <p:cNvGrpSpPr/>
+        <p:nvPr/>
+      </p:nvGrpSpPr>
+      <p:grpSpPr>
+        <a:xfrm>
+          <a:off x="0" y="0"/>
+          <a:ext cx="0" cy="0"/>
+          <a:chOff x="0" y="0"/>
+          <a:chExt cx="0" cy="0"/>
+        </a:xfrm>
+      </p:grpSpPr>
+      <p:sp>
+        <p:nvSpPr>
+          <p:cNvPr id="2" name="TextBox 1">
+            <a:extLst>
+              <a:ext uri="{FF2B5EF4-FFF2-40B4-BE49-F238E27FC236}">
+                <a16:creationId xmlns:a16="http://schemas.microsoft.com/office/drawing/2014/main" id="{66C5A799-E41C-F141-9984-38351310F6A9}"/>
+              </a:ext>
+            </a:extLst>
+          </p:cNvPr>
+          <p:cNvSpPr txBox="1"/>
+          <p:nvPr/>
+        </p:nvSpPr>
+        <p:spPr>
+          <a:xfrm>
+            <a:off x="0" y="0"/>
+            <a:ext cx="12192000" cy="369332"/>
+          </a:xfrm>
+          <a:prstGeom prst="rect">
+            <a:avLst/>
+          </a:prstGeom>
+          <a:solidFill>
+            <a:srgbClr val="FFFF00"/>
+          </a:solidFill>
+        </p:spPr>
+        <p:txBody>
+          <a:bodyPr wrap="square" rtlCol="0">
+            <a:spAutoFit/>
+          </a:bodyPr>
+          <a:lstStyle/>
+          <a:p>
+            <a:pPr algn="ctr"/>
+            <a:r>
+              <a:rPr lang="en-US" dirty="0"/>
+              <a:t>Domain Driven Application Development</a:t>
+            </a:r>
+          </a:p>
+        </p:txBody>
+      </p:sp>
+      <p:sp>
+        <p:nvSpPr>
+          <p:cNvPr id="3" name="TextBox 2">
+            <a:extLst>
+              <a:ext uri="{FF2B5EF4-FFF2-40B4-BE49-F238E27FC236}">
+                <a16:creationId xmlns:a16="http://schemas.microsoft.com/office/drawing/2014/main" id="{81EC3DED-829A-6247-B5C9-F47EFB85C386}"/>
+              </a:ext>
+            </a:extLst>
+          </p:cNvPr>
+          <p:cNvSpPr txBox="1"/>
+          <p:nvPr/>
+        </p:nvSpPr>
+        <p:spPr>
+          <a:xfrm>
+            <a:off x="69669" y="478971"/>
+            <a:ext cx="11982994" cy="5632311"/>
+          </a:xfrm>
+          <a:prstGeom prst="rect">
+            <a:avLst/>
+          </a:prstGeom>
+          <a:noFill/>
+        </p:spPr>
+        <p:txBody>
+          <a:bodyPr wrap="square" rtlCol="0">
+            <a:spAutoFit/>
+          </a:bodyPr>
+          <a:lstStyle/>
+          <a:p>
+            <a:pPr marL="342900" indent="-342900">
+              <a:buFont typeface="+mj-lt"/>
+              <a:buAutoNum type="arabicPeriod"/>
+            </a:pPr>
+            <a:r>
+              <a:rPr lang="en-US" dirty="0"/>
+              <a:t>Domain, means the target problem statement to be implement using software development</a:t>
+            </a:r>
+          </a:p>
+          <a:p>
+            <a:pPr marL="800100" lvl="1" indent="-342900">
+              <a:buFont typeface="+mj-lt"/>
+              <a:buAutoNum type="arabicPeriod"/>
+            </a:pPr>
+            <a:r>
+              <a:rPr lang="en-US" dirty="0"/>
+              <a:t>Insurance, Banking, Hospital, Logistic, Shares, Office Automation, Media, Entertainment, E-Commerce, etc.</a:t>
+            </a:r>
+          </a:p>
+          <a:p>
+            <a:pPr marL="342900" indent="-342900">
+              <a:buFont typeface="+mj-lt"/>
+              <a:buAutoNum type="arabicPeriod"/>
+            </a:pPr>
+            <a:r>
+              <a:rPr lang="en-US" dirty="0"/>
+              <a:t>Domain-Driven-Development (DDD)</a:t>
+            </a:r>
+          </a:p>
+          <a:p>
+            <a:pPr marL="800100" lvl="1" indent="-342900">
+              <a:buFont typeface="+mj-lt"/>
+              <a:buAutoNum type="arabicPeriod"/>
+            </a:pPr>
+            <a:r>
+              <a:rPr lang="en-US" dirty="0"/>
+              <a:t>Identifying Roles of the Domain, role means the role player for domain that accept data (Write) and return data (Read)</a:t>
+            </a:r>
+          </a:p>
+          <a:p>
+            <a:pPr marL="1257300" lvl="2" indent="-342900">
+              <a:buFont typeface="+mj-lt"/>
+              <a:buAutoNum type="arabicPeriod"/>
+            </a:pPr>
+            <a:r>
+              <a:rPr lang="en-US" dirty="0"/>
+              <a:t>E.g. Roles in Hospitals, Patients, Doctors, Nurse, Ward, Room, Ward boy</a:t>
+            </a:r>
+          </a:p>
+          <a:p>
+            <a:pPr marL="800100" lvl="1" indent="-342900">
+              <a:buFont typeface="+mj-lt"/>
+              <a:buAutoNum type="arabicPeriod"/>
+            </a:pPr>
+            <a:r>
+              <a:rPr lang="en-US" dirty="0"/>
+              <a:t>Define Relationship across Roles</a:t>
+            </a:r>
+          </a:p>
+          <a:p>
+            <a:pPr marL="800100" lvl="1" indent="-342900">
+              <a:buFont typeface="+mj-lt"/>
+              <a:buAutoNum type="arabicPeriod"/>
+            </a:pPr>
+            <a:r>
+              <a:rPr lang="en-US" dirty="0"/>
+              <a:t>Define Rules for capturing data  for each role</a:t>
+            </a:r>
+          </a:p>
+          <a:p>
+            <a:pPr marL="1257300" lvl="2" indent="-342900">
+              <a:buFont typeface="+mj-lt"/>
+              <a:buAutoNum type="arabicPeriod"/>
+            </a:pPr>
+            <a:r>
+              <a:rPr lang="en-US" dirty="0"/>
+              <a:t>E.g. </a:t>
+            </a:r>
+            <a:r>
+              <a:rPr lang="en-US" dirty="0" err="1"/>
+              <a:t>Docor</a:t>
+            </a:r>
+            <a:r>
+              <a:rPr lang="en-US" dirty="0"/>
+              <a:t>, </a:t>
+            </a:r>
+            <a:r>
+              <a:rPr lang="en-US" dirty="0" err="1"/>
+              <a:t>DoctorName</a:t>
+            </a:r>
+            <a:r>
+              <a:rPr lang="en-US" dirty="0"/>
+              <a:t>, Degree, Specialization, Age, etc.</a:t>
+            </a:r>
+          </a:p>
+          <a:p>
+            <a:pPr marL="800100" lvl="1" indent="-342900">
+              <a:buFont typeface="+mj-lt"/>
+              <a:buAutoNum type="arabicPeriod"/>
+            </a:pPr>
+            <a:r>
+              <a:rPr lang="en-US" dirty="0"/>
+              <a:t>Define Data Capture from Parent Role to Child Role </a:t>
+            </a:r>
+          </a:p>
+          <a:p>
+            <a:pPr marL="342900" indent="-342900">
+              <a:buFont typeface="+mj-lt"/>
+              <a:buAutoNum type="arabicPeriod"/>
+            </a:pPr>
+            <a:r>
+              <a:rPr lang="en-US" dirty="0"/>
+              <a:t>Take the Implementation of Floor</a:t>
+            </a:r>
+          </a:p>
+          <a:p>
+            <a:pPr marL="800100" lvl="1" indent="-342900">
+              <a:buFont typeface="+mj-lt"/>
+              <a:buAutoNum type="arabicPeriod"/>
+            </a:pPr>
+            <a:r>
+              <a:rPr lang="en-US" dirty="0"/>
+              <a:t>Define Database Schema</a:t>
+            </a:r>
+          </a:p>
+          <a:p>
+            <a:pPr marL="800100" lvl="1" indent="-342900">
+              <a:buFont typeface="+mj-lt"/>
+              <a:buAutoNum type="arabicPeriod"/>
+            </a:pPr>
+            <a:r>
+              <a:rPr lang="en-US" dirty="0"/>
+              <a:t>Define Application Logic</a:t>
+            </a:r>
+          </a:p>
+          <a:p>
+            <a:pPr marL="800100" lvl="1" indent="-342900">
+              <a:buFont typeface="+mj-lt"/>
+              <a:buAutoNum type="arabicPeriod"/>
+            </a:pPr>
+            <a:r>
+              <a:rPr lang="en-US" dirty="0"/>
+              <a:t>Define mechanism of Accessing the Database Schemas in Application</a:t>
+            </a:r>
+          </a:p>
+          <a:p>
+            <a:pPr marL="1257300" lvl="2" indent="-342900">
+              <a:buFont typeface="+mj-lt"/>
+              <a:buAutoNum type="arabicPeriod"/>
+            </a:pPr>
+            <a:r>
+              <a:rPr lang="en-US" dirty="0"/>
+              <a:t>Connect to DB, Read Data (Cursor), Write Data (Command), Close Connection</a:t>
+            </a:r>
+          </a:p>
+          <a:p>
+            <a:pPr marL="342900" indent="-342900">
+              <a:buFont typeface="+mj-lt"/>
+              <a:buAutoNum type="arabicPeriod"/>
+            </a:pPr>
+            <a:r>
+              <a:rPr lang="en-US" dirty="0"/>
+              <a:t>Software services developed by developers as per the client’s needs</a:t>
+            </a:r>
+          </a:p>
+          <a:p>
+            <a:pPr marL="342900" indent="-342900">
+              <a:buFont typeface="+mj-lt"/>
+              <a:buAutoNum type="arabicPeriod"/>
+            </a:pPr>
+            <a:r>
+              <a:rPr lang="en-US" dirty="0"/>
+              <a:t>Product Development</a:t>
+            </a:r>
+          </a:p>
+          <a:p>
+            <a:pPr marL="800100" lvl="1" indent="-342900">
+              <a:buFont typeface="+mj-lt"/>
+              <a:buAutoNum type="arabicPeriod"/>
+            </a:pPr>
+            <a:r>
+              <a:rPr lang="en-US" dirty="0"/>
+              <a:t>Owner Decide Database, the app is designed and developed as per database</a:t>
+            </a:r>
+          </a:p>
+          <a:p>
+            <a:pPr marL="800100" lvl="1" indent="-342900">
+              <a:buFont typeface="+mj-lt"/>
+              <a:buAutoNum type="arabicPeriod"/>
+            </a:pPr>
+            <a:r>
+              <a:rPr lang="en-US" dirty="0"/>
+              <a:t>Product is developed  as DB Independent</a:t>
+            </a:r>
+          </a:p>
+          <a:p>
+            <a:pPr marL="800100" lvl="1" indent="-342900">
+              <a:buFont typeface="+mj-lt"/>
+              <a:buAutoNum type="arabicPeriod"/>
+            </a:pPr>
+            <a:endParaRPr lang="en-US" dirty="0"/>
+          </a:p>
+        </p:txBody>
+      </p:sp>
+    </p:spTree>
+    <p:extLst>
+      <p:ext uri="{BB962C8B-B14F-4D97-AF65-F5344CB8AC3E}">
+        <p14:creationId xmlns:p14="http://schemas.microsoft.com/office/powerpoint/2010/main" val="1139729699"/>
+      </p:ext>
+    </p:extLst>
+  </p:cSld>
+  <p:clrMapOvr>
+    <a:masterClrMapping/>
+  </p:clrMapOvr>
+</p:sld>
+</file>
+
+<file path=ppt/slides/slide45.xml><?xml version="1.0" encoding="utf-8"?>
+<p:sld xmlns:a="http://schemas.openxmlformats.org/drawingml/2006/main" xmlns:r="http://schemas.openxmlformats.org/officeDocument/2006/relationships" xmlns:p="http://schemas.openxmlformats.org/presentationml/2006/main">
+  <p:cSld>
+    <p:spTree>
+      <p:nvGrpSpPr>
+        <p:cNvPr id="1" name=""/>
+        <p:cNvGrpSpPr/>
+        <p:nvPr/>
+      </p:nvGrpSpPr>
+      <p:grpSpPr>
+        <a:xfrm>
+          <a:off x="0" y="0"/>
+          <a:ext cx="0" cy="0"/>
+          <a:chOff x="0" y="0"/>
+          <a:chExt cx="0" cy="0"/>
+        </a:xfrm>
+      </p:grpSpPr>
+      <p:sp>
+        <p:nvSpPr>
+          <p:cNvPr id="2" name="TextBox 1">
+            <a:extLst>
+              <a:ext uri="{FF2B5EF4-FFF2-40B4-BE49-F238E27FC236}">
+                <a16:creationId xmlns:a16="http://schemas.microsoft.com/office/drawing/2014/main" id="{85ED6447-ECA8-464D-8FAB-72242AEDA5A7}"/>
+              </a:ext>
+            </a:extLst>
+          </p:cNvPr>
+          <p:cNvSpPr txBox="1"/>
+          <p:nvPr/>
+        </p:nvSpPr>
+        <p:spPr>
+          <a:xfrm>
+            <a:off x="0" y="0"/>
+            <a:ext cx="12192000" cy="369332"/>
+          </a:xfrm>
+          <a:prstGeom prst="rect">
+            <a:avLst/>
+          </a:prstGeom>
+          <a:solidFill>
+            <a:srgbClr val="FFFF00"/>
+          </a:solidFill>
+        </p:spPr>
+        <p:txBody>
+          <a:bodyPr wrap="square" rtlCol="0">
+            <a:spAutoFit/>
+          </a:bodyPr>
+          <a:lstStyle/>
+          <a:p>
+            <a:pPr algn="ctr"/>
+            <a:r>
+              <a:rPr lang="en-US" dirty="0"/>
+              <a:t>Domain Driven Application Development</a:t>
+            </a:r>
+          </a:p>
+        </p:txBody>
+      </p:sp>
+      <p:sp>
+        <p:nvSpPr>
+          <p:cNvPr id="3" name="TextBox 2">
+            <a:extLst>
+              <a:ext uri="{FF2B5EF4-FFF2-40B4-BE49-F238E27FC236}">
+                <a16:creationId xmlns:a16="http://schemas.microsoft.com/office/drawing/2014/main" id="{9C59FB05-4CCC-2E49-AB80-88C760278085}"/>
+              </a:ext>
+            </a:extLst>
+          </p:cNvPr>
+          <p:cNvSpPr txBox="1"/>
+          <p:nvPr/>
+        </p:nvSpPr>
+        <p:spPr>
+          <a:xfrm>
+            <a:off x="121920" y="452846"/>
+            <a:ext cx="11817531" cy="369332"/>
+          </a:xfrm>
+          <a:prstGeom prst="rect">
+            <a:avLst/>
+          </a:prstGeom>
+          <a:noFill/>
+        </p:spPr>
+        <p:txBody>
+          <a:bodyPr wrap="square" rtlCol="0">
+            <a:spAutoFit/>
+          </a:bodyPr>
+          <a:lstStyle/>
+          <a:p>
+            <a:r>
+              <a:rPr lang="en-US" dirty="0"/>
+              <a:t>Create Data Access Layer independent to Database </a:t>
+            </a:r>
+          </a:p>
+        </p:txBody>
+      </p:sp>
+      <p:sp>
+        <p:nvSpPr>
+          <p:cNvPr id="4" name="Rounded Rectangle 3">
+            <a:extLst>
+              <a:ext uri="{FF2B5EF4-FFF2-40B4-BE49-F238E27FC236}">
+                <a16:creationId xmlns:a16="http://schemas.microsoft.com/office/drawing/2014/main" id="{29205B1D-D892-6A43-B75B-9C5262C99069}"/>
+              </a:ext>
+            </a:extLst>
+          </p:cNvPr>
+          <p:cNvSpPr/>
+          <p:nvPr/>
+        </p:nvSpPr>
+        <p:spPr>
+          <a:xfrm>
+            <a:off x="592183" y="1314994"/>
+            <a:ext cx="4632960" cy="3692435"/>
+          </a:xfrm>
+          <a:prstGeom prst="roundRect">
+            <a:avLst>
+              <a:gd name="adj" fmla="val 9592"/>
+            </a:avLst>
+          </a:prstGeom>
+        </p:spPr>
+        <p:style>
+          <a:lnRef idx="2">
+            <a:schemeClr val="accent6"/>
+          </a:lnRef>
+          <a:fillRef idx="1">
+            <a:schemeClr val="lt1"/>
+          </a:fillRef>
+          <a:effectRef idx="0">
+            <a:schemeClr val="accent6"/>
+          </a:effectRef>
+          <a:fontRef idx="minor">
+            <a:schemeClr val="dk1"/>
+          </a:fontRef>
+        </p:style>
+        <p:txBody>
+          <a:bodyPr rtlCol="0" anchor="ctr"/>
+          <a:lstStyle/>
+          <a:p>
+            <a:pPr algn="ctr"/>
+            <a:endParaRPr lang="en-US"/>
+          </a:p>
+        </p:txBody>
+      </p:sp>
+      <p:sp>
+        <p:nvSpPr>
+          <p:cNvPr id="5" name="TextBox 4">
+            <a:extLst>
+              <a:ext uri="{FF2B5EF4-FFF2-40B4-BE49-F238E27FC236}">
+                <a16:creationId xmlns:a16="http://schemas.microsoft.com/office/drawing/2014/main" id="{122879CD-824D-9146-89CD-2927F77F6FF2}"/>
+              </a:ext>
+            </a:extLst>
+          </p:cNvPr>
+          <p:cNvSpPr txBox="1"/>
+          <p:nvPr/>
+        </p:nvSpPr>
+        <p:spPr>
+          <a:xfrm>
+            <a:off x="1166949" y="1402080"/>
+            <a:ext cx="2978331" cy="369332"/>
+          </a:xfrm>
+          <a:prstGeom prst="rect">
+            <a:avLst/>
+          </a:prstGeom>
+          <a:noFill/>
+        </p:spPr>
+        <p:txBody>
+          <a:bodyPr wrap="square" rtlCol="0">
+            <a:spAutoFit/>
+          </a:bodyPr>
+          <a:lstStyle/>
+          <a:p>
+            <a:r>
+              <a:rPr lang="en-US" dirty="0"/>
+              <a:t>Application Software</a:t>
+            </a:r>
+          </a:p>
+        </p:txBody>
+      </p:sp>
+      <p:sp>
+        <p:nvSpPr>
+          <p:cNvPr id="6" name="Rectangle 5">
+            <a:extLst>
+              <a:ext uri="{FF2B5EF4-FFF2-40B4-BE49-F238E27FC236}">
+                <a16:creationId xmlns:a16="http://schemas.microsoft.com/office/drawing/2014/main" id="{54899768-C572-414E-A3F5-4384B3CCAC40}"/>
+              </a:ext>
+            </a:extLst>
+          </p:cNvPr>
+          <p:cNvSpPr/>
+          <p:nvPr/>
+        </p:nvSpPr>
+        <p:spPr>
+          <a:xfrm>
+            <a:off x="705394" y="2455817"/>
+            <a:ext cx="1045029" cy="1698172"/>
+          </a:xfrm>
+          <a:prstGeom prst="rect">
+            <a:avLst/>
+          </a:prstGeom>
+        </p:spPr>
+        <p:style>
+          <a:lnRef idx="2">
+            <a:schemeClr val="accent1">
+              <a:shade val="50000"/>
+            </a:schemeClr>
+          </a:lnRef>
+          <a:fillRef idx="1">
+            <a:schemeClr val="accent1"/>
+          </a:fillRef>
+          <a:effectRef idx="0">
+            <a:schemeClr val="accent1"/>
+          </a:effectRef>
+          <a:fontRef idx="minor">
+            <a:schemeClr val="lt1"/>
+          </a:fontRef>
+        </p:style>
+        <p:txBody>
+          <a:bodyPr rtlCol="0" anchor="ctr"/>
+          <a:lstStyle/>
+          <a:p>
+            <a:pPr algn="ctr"/>
+            <a:r>
+              <a:rPr lang="en-US" dirty="0"/>
+              <a:t>User</a:t>
+            </a:r>
+          </a:p>
+          <a:p>
+            <a:pPr algn="ctr"/>
+            <a:r>
+              <a:rPr lang="en-US" dirty="0"/>
+              <a:t>Interface</a:t>
+            </a:r>
+          </a:p>
+        </p:txBody>
+      </p:sp>
+      <p:sp>
+        <p:nvSpPr>
+          <p:cNvPr id="7" name="Rectangle 6">
+            <a:extLst>
+              <a:ext uri="{FF2B5EF4-FFF2-40B4-BE49-F238E27FC236}">
+                <a16:creationId xmlns:a16="http://schemas.microsoft.com/office/drawing/2014/main" id="{3D706F9A-C274-8346-BDB3-00CED0A581CC}"/>
+              </a:ext>
+            </a:extLst>
+          </p:cNvPr>
+          <p:cNvSpPr/>
+          <p:nvPr/>
+        </p:nvSpPr>
+        <p:spPr>
+          <a:xfrm>
+            <a:off x="1863634" y="2455817"/>
+            <a:ext cx="1262743" cy="1698172"/>
+          </a:xfrm>
+          <a:prstGeom prst="rect">
+            <a:avLst/>
+          </a:prstGeom>
+        </p:spPr>
+        <p:style>
+          <a:lnRef idx="2">
+            <a:schemeClr val="accent1">
+              <a:shade val="50000"/>
+            </a:schemeClr>
+          </a:lnRef>
+          <a:fillRef idx="1">
+            <a:schemeClr val="accent1"/>
+          </a:fillRef>
+          <a:effectRef idx="0">
+            <a:schemeClr val="accent1"/>
+          </a:effectRef>
+          <a:fontRef idx="minor">
+            <a:schemeClr val="lt1"/>
+          </a:fontRef>
+        </p:style>
+        <p:txBody>
+          <a:bodyPr rtlCol="0" anchor="ctr"/>
+          <a:lstStyle/>
+          <a:p>
+            <a:pPr algn="ctr"/>
+            <a:r>
+              <a:rPr lang="en-US" dirty="0"/>
+              <a:t>Presenter</a:t>
+            </a:r>
+          </a:p>
+        </p:txBody>
+      </p:sp>
+      <p:sp>
+        <p:nvSpPr>
+          <p:cNvPr id="8" name="Rectangle 7">
+            <a:extLst>
+              <a:ext uri="{FF2B5EF4-FFF2-40B4-BE49-F238E27FC236}">
+                <a16:creationId xmlns:a16="http://schemas.microsoft.com/office/drawing/2014/main" id="{0B52304A-3DBE-554A-B77C-38748691E65D}"/>
+              </a:ext>
+            </a:extLst>
+          </p:cNvPr>
+          <p:cNvSpPr/>
+          <p:nvPr/>
+        </p:nvSpPr>
+        <p:spPr>
+          <a:xfrm>
+            <a:off x="3309257" y="2455817"/>
+            <a:ext cx="1045029" cy="1698172"/>
+          </a:xfrm>
+          <a:prstGeom prst="rect">
+            <a:avLst/>
+          </a:prstGeom>
+        </p:spPr>
+        <p:style>
+          <a:lnRef idx="2">
+            <a:schemeClr val="accent1">
+              <a:shade val="50000"/>
+            </a:schemeClr>
+          </a:lnRef>
+          <a:fillRef idx="1">
+            <a:schemeClr val="accent1"/>
+          </a:fillRef>
+          <a:effectRef idx="0">
+            <a:schemeClr val="accent1"/>
+          </a:effectRef>
+          <a:fontRef idx="minor">
+            <a:schemeClr val="lt1"/>
+          </a:fontRef>
+        </p:style>
+        <p:txBody>
+          <a:bodyPr rtlCol="0" anchor="ctr"/>
+          <a:lstStyle/>
+          <a:p>
+            <a:pPr algn="ctr"/>
+            <a:r>
+              <a:rPr lang="en-US" dirty="0"/>
+              <a:t>Business</a:t>
+            </a:r>
+          </a:p>
+          <a:p>
+            <a:pPr algn="ctr"/>
+            <a:r>
+              <a:rPr lang="en-US" dirty="0"/>
+              <a:t>Logic</a:t>
+            </a:r>
+          </a:p>
+        </p:txBody>
+      </p:sp>
+      <p:sp>
+        <p:nvSpPr>
+          <p:cNvPr id="9" name="Rectangle 8">
+            <a:extLst>
+              <a:ext uri="{FF2B5EF4-FFF2-40B4-BE49-F238E27FC236}">
+                <a16:creationId xmlns:a16="http://schemas.microsoft.com/office/drawing/2014/main" id="{A13D3671-0146-1940-92BD-D7E174288A66}"/>
+              </a:ext>
+            </a:extLst>
+          </p:cNvPr>
+          <p:cNvSpPr/>
+          <p:nvPr/>
+        </p:nvSpPr>
+        <p:spPr>
+          <a:xfrm>
+            <a:off x="4654731" y="2455817"/>
+            <a:ext cx="1045029" cy="1698172"/>
+          </a:xfrm>
+          <a:prstGeom prst="rect">
+            <a:avLst/>
+          </a:prstGeom>
+        </p:spPr>
+        <p:style>
+          <a:lnRef idx="2">
+            <a:schemeClr val="accent1">
+              <a:shade val="50000"/>
+            </a:schemeClr>
+          </a:lnRef>
+          <a:fillRef idx="1">
+            <a:schemeClr val="accent1"/>
+          </a:fillRef>
+          <a:effectRef idx="0">
+            <a:schemeClr val="accent1"/>
+          </a:effectRef>
+          <a:fontRef idx="minor">
+            <a:schemeClr val="lt1"/>
+          </a:fontRef>
+        </p:style>
+        <p:txBody>
+          <a:bodyPr rtlCol="0" anchor="ctr"/>
+          <a:lstStyle/>
+          <a:p>
+            <a:pPr algn="ctr"/>
+            <a:r>
+              <a:rPr lang="en-US" dirty="0"/>
+              <a:t>Data</a:t>
+            </a:r>
+          </a:p>
+          <a:p>
+            <a:pPr algn="ctr"/>
+            <a:r>
+              <a:rPr lang="en-US" dirty="0"/>
+              <a:t>Access</a:t>
+            </a:r>
+          </a:p>
+          <a:p>
+            <a:pPr algn="ctr"/>
+            <a:r>
+              <a:rPr lang="en-US" dirty="0"/>
+              <a:t>Layer</a:t>
+            </a:r>
+          </a:p>
+        </p:txBody>
+      </p:sp>
+      <p:sp>
+        <p:nvSpPr>
+          <p:cNvPr id="10" name="Rectangle 9">
+            <a:extLst>
+              <a:ext uri="{FF2B5EF4-FFF2-40B4-BE49-F238E27FC236}">
+                <a16:creationId xmlns:a16="http://schemas.microsoft.com/office/drawing/2014/main" id="{57FCD2B3-14E6-FF44-BC84-5281392C620A}"/>
+              </a:ext>
+            </a:extLst>
+          </p:cNvPr>
+          <p:cNvSpPr/>
+          <p:nvPr/>
+        </p:nvSpPr>
+        <p:spPr>
+          <a:xfrm>
+            <a:off x="6096000" y="2943497"/>
+            <a:ext cx="2516777" cy="687977"/>
+          </a:xfrm>
+          <a:prstGeom prst="rect">
+            <a:avLst/>
+          </a:prstGeom>
+        </p:spPr>
+        <p:style>
+          <a:lnRef idx="2">
+            <a:schemeClr val="accent1">
+              <a:shade val="50000"/>
+            </a:schemeClr>
+          </a:lnRef>
+          <a:fillRef idx="1">
+            <a:schemeClr val="accent1"/>
+          </a:fillRef>
+          <a:effectRef idx="0">
+            <a:schemeClr val="accent1"/>
+          </a:effectRef>
+          <a:fontRef idx="minor">
+            <a:schemeClr val="lt1"/>
+          </a:fontRef>
+        </p:style>
+        <p:txBody>
+          <a:bodyPr rtlCol="0" anchor="ctr"/>
+          <a:lstStyle/>
+          <a:p>
+            <a:pPr algn="ctr"/>
+            <a:r>
+              <a:rPr lang="en-US" sz="1400" dirty="0"/>
+              <a:t>DB Configuration</a:t>
+            </a:r>
+          </a:p>
+          <a:p>
+            <a:pPr algn="ctr"/>
+            <a:r>
+              <a:rPr lang="en-US" sz="1400" dirty="0"/>
+              <a:t>Object-Relational-Mapping (ORM)</a:t>
+            </a:r>
+          </a:p>
+        </p:txBody>
+      </p:sp>
+      <p:sp>
+        <p:nvSpPr>
+          <p:cNvPr id="11" name="Can 10">
+            <a:extLst>
+              <a:ext uri="{FF2B5EF4-FFF2-40B4-BE49-F238E27FC236}">
+                <a16:creationId xmlns:a16="http://schemas.microsoft.com/office/drawing/2014/main" id="{C63A967D-6FA3-DA4E-9AFC-1A2F245F1630}"/>
+              </a:ext>
+            </a:extLst>
+          </p:cNvPr>
+          <p:cNvSpPr/>
+          <p:nvPr/>
+        </p:nvSpPr>
+        <p:spPr>
+          <a:xfrm>
+            <a:off x="9840686" y="984069"/>
+            <a:ext cx="1767840" cy="787343"/>
+          </a:xfrm>
+          <a:prstGeom prst="can">
+            <a:avLst/>
+          </a:prstGeom>
+        </p:spPr>
+        <p:style>
+          <a:lnRef idx="2">
+            <a:schemeClr val="accent1">
+              <a:shade val="50000"/>
+            </a:schemeClr>
+          </a:lnRef>
+          <a:fillRef idx="1">
+            <a:schemeClr val="accent1"/>
+          </a:fillRef>
+          <a:effectRef idx="0">
+            <a:schemeClr val="accent1"/>
+          </a:effectRef>
+          <a:fontRef idx="minor">
+            <a:schemeClr val="lt1"/>
+          </a:fontRef>
+        </p:style>
+        <p:txBody>
+          <a:bodyPr rtlCol="0" anchor="ctr"/>
+          <a:lstStyle/>
+          <a:p>
+            <a:pPr algn="ctr"/>
+            <a:endParaRPr lang="en-US"/>
+          </a:p>
+        </p:txBody>
+      </p:sp>
+      <p:sp>
+        <p:nvSpPr>
+          <p:cNvPr id="12" name="Can 11">
+            <a:extLst>
+              <a:ext uri="{FF2B5EF4-FFF2-40B4-BE49-F238E27FC236}">
+                <a16:creationId xmlns:a16="http://schemas.microsoft.com/office/drawing/2014/main" id="{94AB10DC-E4CD-2240-91AF-178F344DEA53}"/>
+              </a:ext>
+            </a:extLst>
+          </p:cNvPr>
+          <p:cNvSpPr/>
+          <p:nvPr/>
+        </p:nvSpPr>
+        <p:spPr>
+          <a:xfrm>
+            <a:off x="9840686" y="2156154"/>
+            <a:ext cx="1767840" cy="787343"/>
+          </a:xfrm>
+          <a:prstGeom prst="can">
+            <a:avLst/>
+          </a:prstGeom>
+        </p:spPr>
+        <p:style>
+          <a:lnRef idx="2">
+            <a:schemeClr val="accent1">
+              <a:shade val="50000"/>
+            </a:schemeClr>
+          </a:lnRef>
+          <a:fillRef idx="1">
+            <a:schemeClr val="accent1"/>
+          </a:fillRef>
+          <a:effectRef idx="0">
+            <a:schemeClr val="accent1"/>
+          </a:effectRef>
+          <a:fontRef idx="minor">
+            <a:schemeClr val="lt1"/>
+          </a:fontRef>
+        </p:style>
+        <p:txBody>
+          <a:bodyPr rtlCol="0" anchor="ctr"/>
+          <a:lstStyle/>
+          <a:p>
+            <a:pPr algn="ctr"/>
+            <a:endParaRPr lang="en-US"/>
+          </a:p>
+        </p:txBody>
+      </p:sp>
+      <p:sp>
+        <p:nvSpPr>
+          <p:cNvPr id="13" name="Can 12">
+            <a:extLst>
+              <a:ext uri="{FF2B5EF4-FFF2-40B4-BE49-F238E27FC236}">
+                <a16:creationId xmlns:a16="http://schemas.microsoft.com/office/drawing/2014/main" id="{177634FE-D1CA-514C-A58A-354D4975D433}"/>
+              </a:ext>
+            </a:extLst>
+          </p:cNvPr>
+          <p:cNvSpPr/>
+          <p:nvPr/>
+        </p:nvSpPr>
+        <p:spPr>
+          <a:xfrm>
+            <a:off x="9840686" y="3429000"/>
+            <a:ext cx="1767840" cy="787343"/>
+          </a:xfrm>
+          <a:prstGeom prst="can">
+            <a:avLst/>
+          </a:prstGeom>
+        </p:spPr>
+        <p:style>
+          <a:lnRef idx="2">
+            <a:schemeClr val="accent1">
+              <a:shade val="50000"/>
+            </a:schemeClr>
+          </a:lnRef>
+          <a:fillRef idx="1">
+            <a:schemeClr val="accent1"/>
+          </a:fillRef>
+          <a:effectRef idx="0">
+            <a:schemeClr val="accent1"/>
+          </a:effectRef>
+          <a:fontRef idx="minor">
+            <a:schemeClr val="lt1"/>
+          </a:fontRef>
+        </p:style>
+        <p:txBody>
+          <a:bodyPr rtlCol="0" anchor="ctr"/>
+          <a:lstStyle/>
+          <a:p>
+            <a:pPr algn="ctr"/>
+            <a:endParaRPr lang="en-US"/>
+          </a:p>
+        </p:txBody>
+      </p:sp>
+      <p:sp>
+        <p:nvSpPr>
+          <p:cNvPr id="14" name="Can 13">
+            <a:extLst>
+              <a:ext uri="{FF2B5EF4-FFF2-40B4-BE49-F238E27FC236}">
+                <a16:creationId xmlns:a16="http://schemas.microsoft.com/office/drawing/2014/main" id="{E1E123B1-78A2-AD43-AE01-97F7DC10C052}"/>
+              </a:ext>
+            </a:extLst>
+          </p:cNvPr>
+          <p:cNvSpPr/>
+          <p:nvPr/>
+        </p:nvSpPr>
+        <p:spPr>
+          <a:xfrm>
+            <a:off x="9840686" y="4692917"/>
+            <a:ext cx="1767840" cy="787343"/>
+          </a:xfrm>
+          <a:prstGeom prst="can">
+            <a:avLst/>
+          </a:prstGeom>
+        </p:spPr>
+        <p:style>
+          <a:lnRef idx="2">
+            <a:schemeClr val="accent1">
+              <a:shade val="50000"/>
+            </a:schemeClr>
+          </a:lnRef>
+          <a:fillRef idx="1">
+            <a:schemeClr val="accent1"/>
+          </a:fillRef>
+          <a:effectRef idx="0">
+            <a:schemeClr val="accent1"/>
+          </a:effectRef>
+          <a:fontRef idx="minor">
+            <a:schemeClr val="lt1"/>
+          </a:fontRef>
+        </p:style>
+        <p:txBody>
+          <a:bodyPr rtlCol="0" anchor="ctr"/>
+          <a:lstStyle/>
+          <a:p>
+            <a:pPr algn="ctr"/>
+            <a:endParaRPr lang="en-US"/>
+          </a:p>
+        </p:txBody>
+      </p:sp>
+      <p:sp>
+        <p:nvSpPr>
+          <p:cNvPr id="15" name="Left-right Arrow 14">
+            <a:extLst>
+              <a:ext uri="{FF2B5EF4-FFF2-40B4-BE49-F238E27FC236}">
+                <a16:creationId xmlns:a16="http://schemas.microsoft.com/office/drawing/2014/main" id="{5CCDA977-1349-2C48-81A1-A890A8E5E629}"/>
+              </a:ext>
+            </a:extLst>
+          </p:cNvPr>
+          <p:cNvSpPr/>
+          <p:nvPr/>
+        </p:nvSpPr>
+        <p:spPr>
+          <a:xfrm>
+            <a:off x="1515290" y="2987039"/>
+            <a:ext cx="600892" cy="104502"/>
+          </a:xfrm>
+          <a:prstGeom prst="leftRightArrow">
+            <a:avLst/>
+          </a:prstGeom>
+          <a:solidFill>
+            <a:srgbClr val="FFFF00"/>
+          </a:solidFill>
+        </p:spPr>
+        <p:style>
+          <a:lnRef idx="2">
+            <a:schemeClr val="accent1">
+              <a:shade val="50000"/>
+            </a:schemeClr>
+          </a:lnRef>
+          <a:fillRef idx="1">
+            <a:schemeClr val="accent1"/>
+          </a:fillRef>
+          <a:effectRef idx="0">
+            <a:schemeClr val="accent1"/>
+          </a:effectRef>
+          <a:fontRef idx="minor">
+            <a:schemeClr val="lt1"/>
+          </a:fontRef>
+        </p:style>
+        <p:txBody>
+          <a:bodyPr rtlCol="0" anchor="ctr"/>
+          <a:lstStyle/>
+          <a:p>
+            <a:pPr algn="ctr"/>
+            <a:endParaRPr lang="en-US"/>
+          </a:p>
+        </p:txBody>
+      </p:sp>
+      <p:sp>
+        <p:nvSpPr>
+          <p:cNvPr id="16" name="Left-right Arrow 15">
+            <a:extLst>
+              <a:ext uri="{FF2B5EF4-FFF2-40B4-BE49-F238E27FC236}">
+                <a16:creationId xmlns:a16="http://schemas.microsoft.com/office/drawing/2014/main" id="{AE8F922B-FE53-3A4A-B7A5-A3D9D0A6C75B}"/>
+              </a:ext>
+            </a:extLst>
+          </p:cNvPr>
+          <p:cNvSpPr/>
+          <p:nvPr/>
+        </p:nvSpPr>
+        <p:spPr>
+          <a:xfrm>
+            <a:off x="2939142" y="2934788"/>
+            <a:ext cx="600892" cy="104502"/>
+          </a:xfrm>
+          <a:prstGeom prst="leftRightArrow">
+            <a:avLst/>
+          </a:prstGeom>
+          <a:solidFill>
+            <a:srgbClr val="FFFF00"/>
+          </a:solidFill>
+        </p:spPr>
+        <p:style>
+          <a:lnRef idx="2">
+            <a:schemeClr val="accent1">
+              <a:shade val="50000"/>
+            </a:schemeClr>
+          </a:lnRef>
+          <a:fillRef idx="1">
+            <a:schemeClr val="accent1"/>
+          </a:fillRef>
+          <a:effectRef idx="0">
+            <a:schemeClr val="accent1"/>
+          </a:effectRef>
+          <a:fontRef idx="minor">
+            <a:schemeClr val="lt1"/>
+          </a:fontRef>
+        </p:style>
+        <p:txBody>
+          <a:bodyPr rtlCol="0" anchor="ctr"/>
+          <a:lstStyle/>
+          <a:p>
+            <a:pPr algn="ctr"/>
+            <a:endParaRPr lang="en-US"/>
+          </a:p>
+        </p:txBody>
+      </p:sp>
+      <p:sp>
+        <p:nvSpPr>
+          <p:cNvPr id="17" name="Left-right Arrow 16">
+            <a:extLst>
+              <a:ext uri="{FF2B5EF4-FFF2-40B4-BE49-F238E27FC236}">
+                <a16:creationId xmlns:a16="http://schemas.microsoft.com/office/drawing/2014/main" id="{A54678D4-E1BF-C04B-9CC4-DE5C806B1C15}"/>
+              </a:ext>
+            </a:extLst>
+          </p:cNvPr>
+          <p:cNvSpPr/>
+          <p:nvPr/>
+        </p:nvSpPr>
+        <p:spPr>
+          <a:xfrm>
+            <a:off x="4138747" y="2908662"/>
+            <a:ext cx="600892" cy="104502"/>
+          </a:xfrm>
+          <a:prstGeom prst="leftRightArrow">
+            <a:avLst/>
+          </a:prstGeom>
+          <a:solidFill>
+            <a:srgbClr val="FFFF00"/>
+          </a:solidFill>
+        </p:spPr>
+        <p:style>
+          <a:lnRef idx="2">
+            <a:schemeClr val="accent1">
+              <a:shade val="50000"/>
+            </a:schemeClr>
+          </a:lnRef>
+          <a:fillRef idx="1">
+            <a:schemeClr val="accent1"/>
+          </a:fillRef>
+          <a:effectRef idx="0">
+            <a:schemeClr val="accent1"/>
+          </a:effectRef>
+          <a:fontRef idx="minor">
+            <a:schemeClr val="lt1"/>
+          </a:fontRef>
+        </p:style>
+        <p:txBody>
+          <a:bodyPr rtlCol="0" anchor="ctr"/>
+          <a:lstStyle/>
+          <a:p>
+            <a:pPr algn="ctr"/>
+            <a:endParaRPr lang="en-US"/>
+          </a:p>
+        </p:txBody>
+      </p:sp>
+      <p:sp>
+        <p:nvSpPr>
+          <p:cNvPr id="18" name="Left-right Arrow 17">
+            <a:extLst>
+              <a:ext uri="{FF2B5EF4-FFF2-40B4-BE49-F238E27FC236}">
+                <a16:creationId xmlns:a16="http://schemas.microsoft.com/office/drawing/2014/main" id="{A093C852-952E-A24F-9882-2F3F152F6039}"/>
+              </a:ext>
+            </a:extLst>
+          </p:cNvPr>
+          <p:cNvSpPr/>
+          <p:nvPr/>
+        </p:nvSpPr>
+        <p:spPr>
+          <a:xfrm>
+            <a:off x="5597434" y="3287483"/>
+            <a:ext cx="600892" cy="104502"/>
+          </a:xfrm>
+          <a:prstGeom prst="leftRightArrow">
+            <a:avLst/>
+          </a:prstGeom>
+          <a:solidFill>
+            <a:srgbClr val="FFFF00"/>
+          </a:solidFill>
+        </p:spPr>
+        <p:style>
+          <a:lnRef idx="2">
+            <a:schemeClr val="accent1">
+              <a:shade val="50000"/>
+            </a:schemeClr>
+          </a:lnRef>
+          <a:fillRef idx="1">
+            <a:schemeClr val="accent1"/>
+          </a:fillRef>
+          <a:effectRef idx="0">
+            <a:schemeClr val="accent1"/>
+          </a:effectRef>
+          <a:fontRef idx="minor">
+            <a:schemeClr val="lt1"/>
+          </a:fontRef>
+        </p:style>
+        <p:txBody>
+          <a:bodyPr rtlCol="0" anchor="ctr"/>
+          <a:lstStyle/>
+          <a:p>
+            <a:pPr algn="ctr"/>
+            <a:endParaRPr lang="en-US"/>
+          </a:p>
+        </p:txBody>
+      </p:sp>
+      <p:sp>
+        <p:nvSpPr>
+          <p:cNvPr id="19" name="Bent Arrow 18">
+            <a:extLst>
+              <a:ext uri="{FF2B5EF4-FFF2-40B4-BE49-F238E27FC236}">
+                <a16:creationId xmlns:a16="http://schemas.microsoft.com/office/drawing/2014/main" id="{2993809B-D103-A947-A1AF-C9EB692580F3}"/>
+              </a:ext>
+            </a:extLst>
+          </p:cNvPr>
+          <p:cNvSpPr/>
+          <p:nvPr/>
+        </p:nvSpPr>
+        <p:spPr>
+          <a:xfrm>
+            <a:off x="6492242" y="1105989"/>
+            <a:ext cx="3348444" cy="1814954"/>
+          </a:xfrm>
+          <a:prstGeom prst="bentArrow">
+            <a:avLst>
+              <a:gd name="adj1" fmla="val 25000"/>
+              <a:gd name="adj2" fmla="val 19104"/>
+              <a:gd name="adj3" fmla="val 25000"/>
+              <a:gd name="adj4" fmla="val 43750"/>
+            </a:avLst>
+          </a:prstGeom>
+        </p:spPr>
+        <p:style>
+          <a:lnRef idx="2">
+            <a:schemeClr val="accent1">
+              <a:shade val="50000"/>
+            </a:schemeClr>
+          </a:lnRef>
+          <a:fillRef idx="1">
+            <a:schemeClr val="accent1"/>
+          </a:fillRef>
+          <a:effectRef idx="0">
+            <a:schemeClr val="accent1"/>
+          </a:effectRef>
+          <a:fontRef idx="minor">
+            <a:schemeClr val="lt1"/>
+          </a:fontRef>
+        </p:style>
+        <p:txBody>
+          <a:bodyPr rtlCol="0" anchor="ctr"/>
+          <a:lstStyle/>
+          <a:p>
+            <a:pPr algn="ctr"/>
+            <a:endParaRPr lang="en-US">
+              <a:solidFill>
+                <a:schemeClr val="tx1"/>
+              </a:solidFill>
+            </a:endParaRPr>
+          </a:p>
+        </p:txBody>
+      </p:sp>
+      <p:sp>
+        <p:nvSpPr>
+          <p:cNvPr id="20" name="Bent Arrow 19">
+            <a:extLst>
+              <a:ext uri="{FF2B5EF4-FFF2-40B4-BE49-F238E27FC236}">
+                <a16:creationId xmlns:a16="http://schemas.microsoft.com/office/drawing/2014/main" id="{DD362C55-D4FE-BD4A-967C-13789DB10616}"/>
+              </a:ext>
+            </a:extLst>
+          </p:cNvPr>
+          <p:cNvSpPr/>
+          <p:nvPr/>
+        </p:nvSpPr>
+        <p:spPr>
+          <a:xfrm>
+            <a:off x="7646126" y="2360243"/>
+            <a:ext cx="2229394" cy="592183"/>
+          </a:xfrm>
+          <a:prstGeom prst="bentArrow">
+            <a:avLst>
+              <a:gd name="adj1" fmla="val 25000"/>
+              <a:gd name="adj2" fmla="val 25735"/>
+              <a:gd name="adj3" fmla="val 25000"/>
+              <a:gd name="adj4" fmla="val 43750"/>
+            </a:avLst>
+          </a:prstGeom>
+        </p:spPr>
+        <p:style>
+          <a:lnRef idx="2">
+            <a:schemeClr val="accent1">
+              <a:shade val="50000"/>
+            </a:schemeClr>
+          </a:lnRef>
+          <a:fillRef idx="1">
+            <a:schemeClr val="accent1"/>
+          </a:fillRef>
+          <a:effectRef idx="0">
+            <a:schemeClr val="accent1"/>
+          </a:effectRef>
+          <a:fontRef idx="minor">
+            <a:schemeClr val="lt1"/>
+          </a:fontRef>
+        </p:style>
+        <p:txBody>
+          <a:bodyPr rtlCol="0" anchor="ctr"/>
+          <a:lstStyle/>
+          <a:p>
+            <a:pPr algn="ctr"/>
+            <a:endParaRPr lang="en-US">
+              <a:solidFill>
+                <a:schemeClr val="tx1"/>
+              </a:solidFill>
+            </a:endParaRPr>
+          </a:p>
+        </p:txBody>
+      </p:sp>
+      <p:sp>
+        <p:nvSpPr>
+          <p:cNvPr id="21" name="Bent Arrow 20">
+            <a:extLst>
+              <a:ext uri="{FF2B5EF4-FFF2-40B4-BE49-F238E27FC236}">
+                <a16:creationId xmlns:a16="http://schemas.microsoft.com/office/drawing/2014/main" id="{AB5E1F86-B4FD-9344-8452-1AA2C7EB994E}"/>
+              </a:ext>
+            </a:extLst>
+          </p:cNvPr>
+          <p:cNvSpPr/>
+          <p:nvPr/>
+        </p:nvSpPr>
+        <p:spPr>
+          <a:xfrm flipV="1">
+            <a:off x="7646126" y="3548742"/>
+            <a:ext cx="2229394" cy="559306"/>
+          </a:xfrm>
+          <a:prstGeom prst="bentArrow">
+            <a:avLst>
+              <a:gd name="adj1" fmla="val 25000"/>
+              <a:gd name="adj2" fmla="val 25735"/>
+              <a:gd name="adj3" fmla="val 25000"/>
+              <a:gd name="adj4" fmla="val 43750"/>
+            </a:avLst>
+          </a:prstGeom>
+        </p:spPr>
+        <p:style>
+          <a:lnRef idx="2">
+            <a:schemeClr val="accent1">
+              <a:shade val="50000"/>
+            </a:schemeClr>
+          </a:lnRef>
+          <a:fillRef idx="1">
+            <a:schemeClr val="accent1"/>
+          </a:fillRef>
+          <a:effectRef idx="0">
+            <a:schemeClr val="accent1"/>
+          </a:effectRef>
+          <a:fontRef idx="minor">
+            <a:schemeClr val="lt1"/>
+          </a:fontRef>
+        </p:style>
+        <p:txBody>
+          <a:bodyPr rtlCol="0" anchor="ctr"/>
+          <a:lstStyle/>
+          <a:p>
+            <a:pPr algn="ctr"/>
+            <a:endParaRPr lang="en-US">
+              <a:solidFill>
+                <a:schemeClr val="tx1"/>
+              </a:solidFill>
+            </a:endParaRPr>
+          </a:p>
+        </p:txBody>
+      </p:sp>
+      <p:sp>
+        <p:nvSpPr>
+          <p:cNvPr id="22" name="Bent Arrow 21">
+            <a:extLst>
+              <a:ext uri="{FF2B5EF4-FFF2-40B4-BE49-F238E27FC236}">
+                <a16:creationId xmlns:a16="http://schemas.microsoft.com/office/drawing/2014/main" id="{81D0277C-C1B5-5E4D-AFEE-9593C2EB2833}"/>
+              </a:ext>
+            </a:extLst>
+          </p:cNvPr>
+          <p:cNvSpPr/>
+          <p:nvPr/>
+        </p:nvSpPr>
+        <p:spPr>
+          <a:xfrm flipV="1">
+            <a:off x="6590213" y="3631473"/>
+            <a:ext cx="3250473" cy="1848786"/>
+          </a:xfrm>
+          <a:prstGeom prst="bentArrow">
+            <a:avLst>
+              <a:gd name="adj1" fmla="val 25000"/>
+              <a:gd name="adj2" fmla="val 19104"/>
+              <a:gd name="adj3" fmla="val 25000"/>
+              <a:gd name="adj4" fmla="val 43750"/>
+            </a:avLst>
+          </a:prstGeom>
+        </p:spPr>
+        <p:style>
+          <a:lnRef idx="2">
+            <a:schemeClr val="accent1">
+              <a:shade val="50000"/>
+            </a:schemeClr>
+          </a:lnRef>
+          <a:fillRef idx="1">
+            <a:schemeClr val="accent1"/>
+          </a:fillRef>
+          <a:effectRef idx="0">
+            <a:schemeClr val="accent1"/>
+          </a:effectRef>
+          <a:fontRef idx="minor">
+            <a:schemeClr val="lt1"/>
+          </a:fontRef>
+        </p:style>
+        <p:txBody>
+          <a:bodyPr rtlCol="0" anchor="ctr"/>
+          <a:lstStyle/>
+          <a:p>
+            <a:pPr algn="ctr"/>
+            <a:endParaRPr lang="en-US">
+              <a:solidFill>
+                <a:schemeClr val="tx1"/>
+              </a:solidFill>
+            </a:endParaRPr>
+          </a:p>
+        </p:txBody>
+      </p:sp>
+    </p:spTree>
+    <p:extLst>
+      <p:ext uri="{BB962C8B-B14F-4D97-AF65-F5344CB8AC3E}">
+        <p14:creationId xmlns:p14="http://schemas.microsoft.com/office/powerpoint/2010/main" val="3297278609"/>
+      </p:ext>
+    </p:extLst>
+  </p:cSld>
+  <p:clrMapOvr>
+    <a:masterClrMapping/>
+  </p:clrMapOvr>
+</p:sld>
+</file>
+
+<file path=ppt/slides/slide46.xml><?xml version="1.0" encoding="utf-8"?>
+<p:sld xmlns:a="http://schemas.openxmlformats.org/drawingml/2006/main" xmlns:r="http://schemas.openxmlformats.org/officeDocument/2006/relationships" xmlns:p="http://schemas.openxmlformats.org/presentationml/2006/main">
+  <p:cSld>
+    <p:spTree>
+      <p:nvGrpSpPr>
+        <p:cNvPr id="1" name=""/>
+        <p:cNvGrpSpPr/>
+        <p:nvPr/>
+      </p:nvGrpSpPr>
+      <p:grpSpPr>
+        <a:xfrm>
+          <a:off x="0" y="0"/>
+          <a:ext cx="0" cy="0"/>
+          <a:chOff x="0" y="0"/>
+          <a:chExt cx="0" cy="0"/>
+        </a:xfrm>
+      </p:grpSpPr>
+      <p:sp>
+        <p:nvSpPr>
+          <p:cNvPr id="2" name="TextBox 1">
+            <a:extLst>
+              <a:ext uri="{FF2B5EF4-FFF2-40B4-BE49-F238E27FC236}">
+                <a16:creationId xmlns:a16="http://schemas.microsoft.com/office/drawing/2014/main" id="{9C93E91E-7122-E846-90FE-5D2DE1BD6030}"/>
+              </a:ext>
+            </a:extLst>
+          </p:cNvPr>
+          <p:cNvSpPr txBox="1"/>
+          <p:nvPr/>
+        </p:nvSpPr>
+        <p:spPr>
+          <a:xfrm>
+            <a:off x="0" y="0"/>
+            <a:ext cx="12192000" cy="369332"/>
+          </a:xfrm>
+          <a:prstGeom prst="rect">
+            <a:avLst/>
+          </a:prstGeom>
+          <a:solidFill>
+            <a:srgbClr val="FFFF00"/>
+          </a:solidFill>
+        </p:spPr>
+        <p:txBody>
+          <a:bodyPr wrap="square" rtlCol="0">
+            <a:spAutoFit/>
+          </a:bodyPr>
+          <a:lstStyle/>
+          <a:p>
+            <a:pPr algn="ctr"/>
+            <a:r>
+              <a:rPr lang="en-US" dirty="0"/>
+              <a:t>Domain Driven Application Development with ORM</a:t>
+            </a:r>
+          </a:p>
+        </p:txBody>
+      </p:sp>
+      <p:sp>
+        <p:nvSpPr>
+          <p:cNvPr id="4" name="Rectangle 3">
+            <a:extLst>
+              <a:ext uri="{FF2B5EF4-FFF2-40B4-BE49-F238E27FC236}">
+                <a16:creationId xmlns:a16="http://schemas.microsoft.com/office/drawing/2014/main" id="{E114F244-19C2-4643-A179-FA886F85AFE9}"/>
+              </a:ext>
+            </a:extLst>
+          </p:cNvPr>
+          <p:cNvSpPr/>
+          <p:nvPr/>
+        </p:nvSpPr>
+        <p:spPr>
+          <a:xfrm>
+            <a:off x="496389" y="714103"/>
+            <a:ext cx="3117668" cy="3021874"/>
+          </a:xfrm>
+          <a:prstGeom prst="rect">
+            <a:avLst/>
+          </a:prstGeom>
+        </p:spPr>
+        <p:style>
+          <a:lnRef idx="2">
+            <a:schemeClr val="accent6"/>
+          </a:lnRef>
+          <a:fillRef idx="1">
+            <a:schemeClr val="lt1"/>
+          </a:fillRef>
+          <a:effectRef idx="0">
+            <a:schemeClr val="accent6"/>
+          </a:effectRef>
+          <a:fontRef idx="minor">
+            <a:schemeClr val="dk1"/>
+          </a:fontRef>
+        </p:style>
+        <p:txBody>
+          <a:bodyPr rtlCol="0" anchor="ctr"/>
+          <a:lstStyle/>
+          <a:p>
+            <a:pPr algn="ctr"/>
+            <a:endParaRPr lang="en-US"/>
+          </a:p>
+        </p:txBody>
+      </p:sp>
+      <p:sp>
+        <p:nvSpPr>
+          <p:cNvPr id="5" name="Rectangle 4">
+            <a:extLst>
+              <a:ext uri="{FF2B5EF4-FFF2-40B4-BE49-F238E27FC236}">
+                <a16:creationId xmlns:a16="http://schemas.microsoft.com/office/drawing/2014/main" id="{7324864F-C323-9E4C-880E-5F787B0AB6D2}"/>
+              </a:ext>
+            </a:extLst>
+          </p:cNvPr>
+          <p:cNvSpPr/>
+          <p:nvPr/>
+        </p:nvSpPr>
+        <p:spPr>
+          <a:xfrm>
+            <a:off x="696686" y="827314"/>
+            <a:ext cx="2717074" cy="583475"/>
+          </a:xfrm>
+          <a:prstGeom prst="rect">
+            <a:avLst/>
+          </a:prstGeom>
+        </p:spPr>
+        <p:style>
+          <a:lnRef idx="2">
+            <a:schemeClr val="accent1">
+              <a:shade val="50000"/>
+            </a:schemeClr>
+          </a:lnRef>
+          <a:fillRef idx="1">
+            <a:schemeClr val="accent1"/>
+          </a:fillRef>
+          <a:effectRef idx="0">
+            <a:schemeClr val="accent1"/>
+          </a:effectRef>
+          <a:fontRef idx="minor">
+            <a:schemeClr val="lt1"/>
+          </a:fontRef>
+        </p:style>
+        <p:txBody>
+          <a:bodyPr rtlCol="0" anchor="ctr"/>
+          <a:lstStyle/>
+          <a:p>
+            <a:pPr algn="ctr"/>
+            <a:r>
+              <a:rPr lang="en-US" dirty="0"/>
+              <a:t>Department Class</a:t>
+            </a:r>
+          </a:p>
+        </p:txBody>
+      </p:sp>
+      <p:sp>
+        <p:nvSpPr>
+          <p:cNvPr id="6" name="Rectangle 5">
+            <a:extLst>
+              <a:ext uri="{FF2B5EF4-FFF2-40B4-BE49-F238E27FC236}">
+                <a16:creationId xmlns:a16="http://schemas.microsoft.com/office/drawing/2014/main" id="{E559E46C-FFA8-D343-93C7-F12D584AD068}"/>
+              </a:ext>
+            </a:extLst>
+          </p:cNvPr>
+          <p:cNvSpPr/>
+          <p:nvPr/>
+        </p:nvSpPr>
+        <p:spPr>
+          <a:xfrm>
+            <a:off x="696686" y="1544682"/>
+            <a:ext cx="2717074" cy="583475"/>
+          </a:xfrm>
+          <a:prstGeom prst="rect">
+            <a:avLst/>
+          </a:prstGeom>
+        </p:spPr>
+        <p:style>
+          <a:lnRef idx="2">
+            <a:schemeClr val="accent1">
+              <a:shade val="50000"/>
+            </a:schemeClr>
+          </a:lnRef>
+          <a:fillRef idx="1">
+            <a:schemeClr val="accent1"/>
+          </a:fillRef>
+          <a:effectRef idx="0">
+            <a:schemeClr val="accent1"/>
+          </a:effectRef>
+          <a:fontRef idx="minor">
+            <a:schemeClr val="lt1"/>
+          </a:fontRef>
+        </p:style>
+        <p:txBody>
+          <a:bodyPr rtlCol="0" anchor="ctr"/>
+          <a:lstStyle/>
+          <a:p>
+            <a:pPr algn="ctr"/>
+            <a:r>
+              <a:rPr lang="en-US" dirty="0"/>
+              <a:t>Employee Class</a:t>
+            </a:r>
+          </a:p>
+        </p:txBody>
+      </p:sp>
+      <p:sp>
+        <p:nvSpPr>
+          <p:cNvPr id="7" name="Rectangle 6">
+            <a:extLst>
+              <a:ext uri="{FF2B5EF4-FFF2-40B4-BE49-F238E27FC236}">
+                <a16:creationId xmlns:a16="http://schemas.microsoft.com/office/drawing/2014/main" id="{B5FCD4DE-6B3B-0444-AE5F-D00D270B1B24}"/>
+              </a:ext>
+            </a:extLst>
+          </p:cNvPr>
+          <p:cNvSpPr/>
+          <p:nvPr/>
+        </p:nvSpPr>
+        <p:spPr>
+          <a:xfrm>
+            <a:off x="696686" y="2262050"/>
+            <a:ext cx="2717074" cy="583475"/>
+          </a:xfrm>
+          <a:prstGeom prst="rect">
+            <a:avLst/>
+          </a:prstGeom>
+        </p:spPr>
+        <p:style>
+          <a:lnRef idx="2">
+            <a:schemeClr val="accent1">
+              <a:shade val="50000"/>
+            </a:schemeClr>
+          </a:lnRef>
+          <a:fillRef idx="1">
+            <a:schemeClr val="accent1"/>
+          </a:fillRef>
+          <a:effectRef idx="0">
+            <a:schemeClr val="accent1"/>
+          </a:effectRef>
+          <a:fontRef idx="minor">
+            <a:schemeClr val="lt1"/>
+          </a:fontRef>
+        </p:style>
+        <p:txBody>
+          <a:bodyPr rtlCol="0" anchor="ctr"/>
+          <a:lstStyle/>
+          <a:p>
+            <a:pPr algn="ctr"/>
+            <a:r>
+              <a:rPr lang="en-US" dirty="0"/>
+              <a:t>Earning Class</a:t>
+            </a:r>
+          </a:p>
+        </p:txBody>
+      </p:sp>
+      <p:sp>
+        <p:nvSpPr>
+          <p:cNvPr id="8" name="Rectangle 7">
+            <a:extLst>
+              <a:ext uri="{FF2B5EF4-FFF2-40B4-BE49-F238E27FC236}">
+                <a16:creationId xmlns:a16="http://schemas.microsoft.com/office/drawing/2014/main" id="{A2F55255-B760-3B44-BE72-18A93CFD82EA}"/>
+              </a:ext>
+            </a:extLst>
+          </p:cNvPr>
+          <p:cNvSpPr/>
+          <p:nvPr/>
+        </p:nvSpPr>
+        <p:spPr>
+          <a:xfrm>
+            <a:off x="696686" y="2979418"/>
+            <a:ext cx="2717074" cy="583475"/>
+          </a:xfrm>
+          <a:prstGeom prst="rect">
+            <a:avLst/>
+          </a:prstGeom>
+        </p:spPr>
+        <p:style>
+          <a:lnRef idx="2">
+            <a:schemeClr val="accent1">
+              <a:shade val="50000"/>
+            </a:schemeClr>
+          </a:lnRef>
+          <a:fillRef idx="1">
+            <a:schemeClr val="accent1"/>
+          </a:fillRef>
+          <a:effectRef idx="0">
+            <a:schemeClr val="accent1"/>
+          </a:effectRef>
+          <a:fontRef idx="minor">
+            <a:schemeClr val="lt1"/>
+          </a:fontRef>
+        </p:style>
+        <p:txBody>
+          <a:bodyPr rtlCol="0" anchor="ctr"/>
+          <a:lstStyle/>
+          <a:p>
+            <a:pPr algn="ctr"/>
+            <a:r>
+              <a:rPr lang="en-US" dirty="0"/>
+              <a:t>Tax Class</a:t>
+            </a:r>
+          </a:p>
+        </p:txBody>
+      </p:sp>
+      <p:sp>
+        <p:nvSpPr>
+          <p:cNvPr id="9" name="Can 8">
+            <a:extLst>
+              <a:ext uri="{FF2B5EF4-FFF2-40B4-BE49-F238E27FC236}">
+                <a16:creationId xmlns:a16="http://schemas.microsoft.com/office/drawing/2014/main" id="{DFBB0F91-D35C-3943-8185-BC2DAB09D4AE}"/>
+              </a:ext>
+            </a:extLst>
+          </p:cNvPr>
+          <p:cNvSpPr/>
+          <p:nvPr/>
+        </p:nvSpPr>
+        <p:spPr>
+          <a:xfrm>
+            <a:off x="8665028" y="714104"/>
+            <a:ext cx="3030583" cy="3021874"/>
+          </a:xfrm>
+          <a:prstGeom prst="can">
+            <a:avLst>
+              <a:gd name="adj" fmla="val 17529"/>
+            </a:avLst>
+          </a:prstGeom>
+          <a:solidFill>
+            <a:schemeClr val="accent3">
+              <a:lumMod val="60000"/>
+              <a:lumOff val="40000"/>
+            </a:schemeClr>
+          </a:solidFill>
+        </p:spPr>
+        <p:style>
+          <a:lnRef idx="2">
+            <a:schemeClr val="accent1">
+              <a:shade val="50000"/>
+            </a:schemeClr>
+          </a:lnRef>
+          <a:fillRef idx="1">
+            <a:schemeClr val="accent1"/>
+          </a:fillRef>
+          <a:effectRef idx="0">
+            <a:schemeClr val="accent1"/>
+          </a:effectRef>
+          <a:fontRef idx="minor">
+            <a:schemeClr val="lt1"/>
+          </a:fontRef>
+        </p:style>
+        <p:txBody>
+          <a:bodyPr rtlCol="0" anchor="ctr"/>
+          <a:lstStyle/>
+          <a:p>
+            <a:pPr algn="ctr"/>
+            <a:endParaRPr lang="en-US"/>
+          </a:p>
+        </p:txBody>
+      </p:sp>
+      <p:sp>
+        <p:nvSpPr>
+          <p:cNvPr id="10" name="TextBox 9">
+            <a:extLst>
+              <a:ext uri="{FF2B5EF4-FFF2-40B4-BE49-F238E27FC236}">
+                <a16:creationId xmlns:a16="http://schemas.microsoft.com/office/drawing/2014/main" id="{16AE8D32-2BBC-F04C-9477-B909FC2F8691}"/>
+              </a:ext>
+            </a:extLst>
+          </p:cNvPr>
+          <p:cNvSpPr txBox="1"/>
+          <p:nvPr/>
+        </p:nvSpPr>
+        <p:spPr>
+          <a:xfrm>
+            <a:off x="9030789" y="1314994"/>
+            <a:ext cx="2464525" cy="369332"/>
+          </a:xfrm>
+          <a:prstGeom prst="rect">
+            <a:avLst/>
+          </a:prstGeom>
+          <a:noFill/>
+        </p:spPr>
+        <p:txBody>
+          <a:bodyPr wrap="square" rtlCol="0">
+            <a:spAutoFit/>
+          </a:bodyPr>
+          <a:lstStyle/>
+          <a:p>
+            <a:pPr algn="ctr"/>
+            <a:r>
+              <a:rPr lang="en-US" dirty="0">
+                <a:highlight>
+                  <a:srgbClr val="FFFF00"/>
+                </a:highlight>
+              </a:rPr>
+              <a:t>Company</a:t>
+            </a:r>
+          </a:p>
+        </p:txBody>
+      </p:sp>
+      <p:graphicFrame>
+        <p:nvGraphicFramePr>
+          <p:cNvPr id="11" name="Table 11">
+            <a:extLst>
+              <a:ext uri="{FF2B5EF4-FFF2-40B4-BE49-F238E27FC236}">
+                <a16:creationId xmlns:a16="http://schemas.microsoft.com/office/drawing/2014/main" id="{93EF930E-FCD8-D44B-82DF-24C0BD7763DE}"/>
+              </a:ext>
+            </a:extLst>
+          </p:cNvPr>
+          <p:cNvGraphicFramePr>
+            <a:graphicFrameLocks noGrp="1"/>
+          </p:cNvGraphicFramePr>
+          <p:nvPr>
+            <p:extLst>
+              <p:ext uri="{D42A27DB-BD31-4B8C-83A1-F6EECF244321}">
+                <p14:modId xmlns:p14="http://schemas.microsoft.com/office/powerpoint/2010/main" val="4281983249"/>
+              </p:ext>
+            </p:extLst>
+          </p:nvPr>
+        </p:nvGraphicFramePr>
+        <p:xfrm>
+          <a:off x="8830492" y="1597632"/>
+          <a:ext cx="1024710" cy="741680"/>
+        </p:xfrm>
+        <a:graphic>
+          <a:graphicData uri="http://schemas.openxmlformats.org/drawingml/2006/table">
+            <a:tbl>
+              <a:tblPr firstRow="1" bandRow="1">
+                <a:tableStyleId>{5C22544A-7EE6-4342-B048-85BDC9FD1C3A}</a:tableStyleId>
+              </a:tblPr>
+              <a:tblGrid>
+                <a:gridCol w="341570">
+                  <a:extLst>
+                    <a:ext uri="{9D8B030D-6E8A-4147-A177-3AD203B41FA5}">
+                      <a16:colId xmlns:a16="http://schemas.microsoft.com/office/drawing/2014/main" val="451496296"/>
+                    </a:ext>
+                  </a:extLst>
+                </a:gridCol>
+                <a:gridCol w="341570">
+                  <a:extLst>
+                    <a:ext uri="{9D8B030D-6E8A-4147-A177-3AD203B41FA5}">
+                      <a16:colId xmlns:a16="http://schemas.microsoft.com/office/drawing/2014/main" val="2221213929"/>
+                    </a:ext>
+                  </a:extLst>
+                </a:gridCol>
+                <a:gridCol w="341570">
+                  <a:extLst>
+                    <a:ext uri="{9D8B030D-6E8A-4147-A177-3AD203B41FA5}">
+                      <a16:colId xmlns:a16="http://schemas.microsoft.com/office/drawing/2014/main" val="3800586644"/>
+                    </a:ext>
+                  </a:extLst>
+                </a:gridCol>
+              </a:tblGrid>
+              <a:tr h="370840">
+                <a:tc>
+                  <a:txBody>
+                    <a:bodyPr/>
+                    <a:lstStyle/>
+                    <a:p>
+                      <a:endParaRPr lang="en-US"/>
+                    </a:p>
+                  </a:txBody>
+                  <a:tcPr/>
+                </a:tc>
+                <a:tc>
+                  <a:txBody>
+                    <a:bodyPr/>
+                    <a:lstStyle/>
+                    <a:p>
+                      <a:endParaRPr lang="en-US"/>
+                    </a:p>
+                  </a:txBody>
+                  <a:tcPr/>
+                </a:tc>
+                <a:tc>
+                  <a:txBody>
+                    <a:bodyPr/>
+                    <a:lstStyle/>
+                    <a:p>
+                      <a:endParaRPr lang="en-US" dirty="0"/>
+                    </a:p>
+                  </a:txBody>
+                  <a:tcPr/>
+                </a:tc>
+                <a:extLst>
+                  <a:ext uri="{0D108BD9-81ED-4DB2-BD59-A6C34878D82A}">
+                    <a16:rowId xmlns:a16="http://schemas.microsoft.com/office/drawing/2014/main" val="668550740"/>
+                  </a:ext>
+                </a:extLst>
+              </a:tr>
+              <a:tr h="370840">
+                <a:tc>
+                  <a:txBody>
+                    <a:bodyPr/>
+                    <a:lstStyle/>
+                    <a:p>
+                      <a:endParaRPr lang="en-US"/>
+                    </a:p>
+                  </a:txBody>
+                  <a:tcPr/>
+                </a:tc>
+                <a:tc>
+                  <a:txBody>
+                    <a:bodyPr/>
+                    <a:lstStyle/>
+                    <a:p>
+                      <a:endParaRPr lang="en-US"/>
+                    </a:p>
+                  </a:txBody>
+                  <a:tcPr/>
+                </a:tc>
+                <a:tc>
+                  <a:txBody>
+                    <a:bodyPr/>
+                    <a:lstStyle/>
+                    <a:p>
+                      <a:endParaRPr lang="en-US" dirty="0"/>
+                    </a:p>
+                  </a:txBody>
+                  <a:tcPr/>
+                </a:tc>
+                <a:extLst>
+                  <a:ext uri="{0D108BD9-81ED-4DB2-BD59-A6C34878D82A}">
+                    <a16:rowId xmlns:a16="http://schemas.microsoft.com/office/drawing/2014/main" val="403925043"/>
+                  </a:ext>
+                </a:extLst>
+              </a:tr>
+            </a:tbl>
+          </a:graphicData>
+        </a:graphic>
+      </p:graphicFrame>
+      <p:cxnSp>
+        <p:nvCxnSpPr>
+          <p:cNvPr id="13" name="Straight Arrow Connector 12">
+            <a:extLst>
+              <a:ext uri="{FF2B5EF4-FFF2-40B4-BE49-F238E27FC236}">
+                <a16:creationId xmlns:a16="http://schemas.microsoft.com/office/drawing/2014/main" id="{77714D65-26E3-8A4A-A0B5-01993E6CC494}"/>
+              </a:ext>
+            </a:extLst>
+          </p:cNvPr>
+          <p:cNvCxnSpPr>
+            <a:endCxn id="11" idx="1"/>
+          </p:cNvCxnSpPr>
+          <p:nvPr/>
+        </p:nvCxnSpPr>
+        <p:spPr>
+          <a:xfrm>
+            <a:off x="3413760" y="1119051"/>
+            <a:ext cx="5416732" cy="849421"/>
+          </a:xfrm>
+          <a:prstGeom prst="straightConnector1">
+            <a:avLst/>
+          </a:prstGeom>
+          <a:ln>
+            <a:headEnd type="triangle"/>
+            <a:tailEnd type="triangle"/>
+          </a:ln>
+        </p:spPr>
+        <p:style>
+          <a:lnRef idx="1">
+            <a:schemeClr val="accent1"/>
+          </a:lnRef>
+          <a:fillRef idx="0">
+            <a:schemeClr val="accent1"/>
+          </a:fillRef>
+          <a:effectRef idx="0">
+            <a:schemeClr val="accent1"/>
+          </a:effectRef>
+          <a:fontRef idx="minor">
+            <a:schemeClr val="tx1"/>
+          </a:fontRef>
+        </p:style>
+      </p:cxnSp>
+      <p:graphicFrame>
+        <p:nvGraphicFramePr>
+          <p:cNvPr id="14" name="Table 11">
+            <a:extLst>
+              <a:ext uri="{FF2B5EF4-FFF2-40B4-BE49-F238E27FC236}">
+                <a16:creationId xmlns:a16="http://schemas.microsoft.com/office/drawing/2014/main" id="{10A1857E-D7ED-894E-B62D-3AC0F285AE59}"/>
+              </a:ext>
+            </a:extLst>
+          </p:cNvPr>
+          <p:cNvGraphicFramePr>
+            <a:graphicFrameLocks noGrp="1"/>
+          </p:cNvGraphicFramePr>
+          <p:nvPr>
+            <p:extLst>
+              <p:ext uri="{D42A27DB-BD31-4B8C-83A1-F6EECF244321}">
+                <p14:modId xmlns:p14="http://schemas.microsoft.com/office/powerpoint/2010/main" val="2170599218"/>
+              </p:ext>
+            </p:extLst>
+          </p:nvPr>
+        </p:nvGraphicFramePr>
+        <p:xfrm>
+          <a:off x="8836300" y="2567854"/>
+          <a:ext cx="1024710" cy="741680"/>
+        </p:xfrm>
+        <a:graphic>
+          <a:graphicData uri="http://schemas.openxmlformats.org/drawingml/2006/table">
+            <a:tbl>
+              <a:tblPr firstRow="1" bandRow="1">
+                <a:tableStyleId>{5C22544A-7EE6-4342-B048-85BDC9FD1C3A}</a:tableStyleId>
+              </a:tblPr>
+              <a:tblGrid>
+                <a:gridCol w="341570">
+                  <a:extLst>
+                    <a:ext uri="{9D8B030D-6E8A-4147-A177-3AD203B41FA5}">
+                      <a16:colId xmlns:a16="http://schemas.microsoft.com/office/drawing/2014/main" val="451496296"/>
+                    </a:ext>
+                  </a:extLst>
+                </a:gridCol>
+                <a:gridCol w="341570">
+                  <a:extLst>
+                    <a:ext uri="{9D8B030D-6E8A-4147-A177-3AD203B41FA5}">
+                      <a16:colId xmlns:a16="http://schemas.microsoft.com/office/drawing/2014/main" val="2221213929"/>
+                    </a:ext>
+                  </a:extLst>
+                </a:gridCol>
+                <a:gridCol w="341570">
+                  <a:extLst>
+                    <a:ext uri="{9D8B030D-6E8A-4147-A177-3AD203B41FA5}">
+                      <a16:colId xmlns:a16="http://schemas.microsoft.com/office/drawing/2014/main" val="3800586644"/>
+                    </a:ext>
+                  </a:extLst>
+                </a:gridCol>
+              </a:tblGrid>
+              <a:tr h="370840">
+                <a:tc>
+                  <a:txBody>
+                    <a:bodyPr/>
+                    <a:lstStyle/>
+                    <a:p>
+                      <a:endParaRPr lang="en-US"/>
+                    </a:p>
+                  </a:txBody>
+                  <a:tcPr/>
+                </a:tc>
+                <a:tc>
+                  <a:txBody>
+                    <a:bodyPr/>
+                    <a:lstStyle/>
+                    <a:p>
+                      <a:endParaRPr lang="en-US"/>
+                    </a:p>
+                  </a:txBody>
+                  <a:tcPr/>
+                </a:tc>
+                <a:tc>
+                  <a:txBody>
+                    <a:bodyPr/>
+                    <a:lstStyle/>
+                    <a:p>
+                      <a:endParaRPr lang="en-US" dirty="0"/>
+                    </a:p>
+                  </a:txBody>
+                  <a:tcPr/>
+                </a:tc>
+                <a:extLst>
+                  <a:ext uri="{0D108BD9-81ED-4DB2-BD59-A6C34878D82A}">
+                    <a16:rowId xmlns:a16="http://schemas.microsoft.com/office/drawing/2014/main" val="668550740"/>
+                  </a:ext>
+                </a:extLst>
+              </a:tr>
+              <a:tr h="370840">
+                <a:tc>
+                  <a:txBody>
+                    <a:bodyPr/>
+                    <a:lstStyle/>
+                    <a:p>
+                      <a:endParaRPr lang="en-US"/>
+                    </a:p>
+                  </a:txBody>
+                  <a:tcPr/>
+                </a:tc>
+                <a:tc>
+                  <a:txBody>
+                    <a:bodyPr/>
+                    <a:lstStyle/>
+                    <a:p>
+                      <a:endParaRPr lang="en-US"/>
+                    </a:p>
+                  </a:txBody>
+                  <a:tcPr/>
+                </a:tc>
+                <a:tc>
+                  <a:txBody>
+                    <a:bodyPr/>
+                    <a:lstStyle/>
+                    <a:p>
+                      <a:endParaRPr lang="en-US" dirty="0"/>
+                    </a:p>
+                  </a:txBody>
+                  <a:tcPr/>
+                </a:tc>
+                <a:extLst>
+                  <a:ext uri="{0D108BD9-81ED-4DB2-BD59-A6C34878D82A}">
+                    <a16:rowId xmlns:a16="http://schemas.microsoft.com/office/drawing/2014/main" val="403925043"/>
+                  </a:ext>
+                </a:extLst>
+              </a:tr>
+            </a:tbl>
+          </a:graphicData>
+        </a:graphic>
+      </p:graphicFrame>
+      <p:cxnSp>
+        <p:nvCxnSpPr>
+          <p:cNvPr id="16" name="Straight Arrow Connector 15">
+            <a:extLst>
+              <a:ext uri="{FF2B5EF4-FFF2-40B4-BE49-F238E27FC236}">
+                <a16:creationId xmlns:a16="http://schemas.microsoft.com/office/drawing/2014/main" id="{51FFA920-C4AF-8748-A751-522E356B0F3F}"/>
+              </a:ext>
+            </a:extLst>
+          </p:cNvPr>
+          <p:cNvCxnSpPr>
+            <a:stCxn id="6" idx="3"/>
+            <a:endCxn id="14" idx="1"/>
+          </p:cNvCxnSpPr>
+          <p:nvPr/>
+        </p:nvCxnSpPr>
+        <p:spPr>
+          <a:xfrm>
+            <a:off x="3413760" y="1836420"/>
+            <a:ext cx="5422540" cy="1102274"/>
+          </a:xfrm>
+          <a:prstGeom prst="straightConnector1">
+            <a:avLst/>
+          </a:prstGeom>
+          <a:ln>
+            <a:headEnd type="triangle"/>
+            <a:tailEnd type="triangle"/>
+          </a:ln>
+        </p:spPr>
+        <p:style>
+          <a:lnRef idx="1">
+            <a:schemeClr val="accent1"/>
+          </a:lnRef>
+          <a:fillRef idx="0">
+            <a:schemeClr val="accent1"/>
+          </a:fillRef>
+          <a:effectRef idx="0">
+            <a:schemeClr val="accent1"/>
+          </a:effectRef>
+          <a:fontRef idx="minor">
+            <a:schemeClr val="tx1"/>
+          </a:fontRef>
+        </p:style>
+      </p:cxnSp>
+      <p:sp>
+        <p:nvSpPr>
+          <p:cNvPr id="17" name="TextBox 16">
+            <a:extLst>
+              <a:ext uri="{FF2B5EF4-FFF2-40B4-BE49-F238E27FC236}">
+                <a16:creationId xmlns:a16="http://schemas.microsoft.com/office/drawing/2014/main" id="{AF94E342-6A06-0449-9161-7A70363E2C99}"/>
+              </a:ext>
+            </a:extLst>
+          </p:cNvPr>
+          <p:cNvSpPr txBox="1"/>
+          <p:nvPr/>
+        </p:nvSpPr>
+        <p:spPr>
+          <a:xfrm>
+            <a:off x="4014651" y="2971619"/>
+            <a:ext cx="3831772" cy="923330"/>
+          </a:xfrm>
+          <a:prstGeom prst="rect">
+            <a:avLst/>
+          </a:prstGeom>
+          <a:noFill/>
+        </p:spPr>
+        <p:txBody>
+          <a:bodyPr wrap="square" rtlCol="0">
+            <a:spAutoFit/>
+          </a:bodyPr>
+          <a:lstStyle/>
+          <a:p>
+            <a:r>
+              <a:rPr lang="en-US" dirty="0"/>
+              <a:t>Domain Schema Classes aka Data Objects aka Entity Classes are mapped with the Tables in Database</a:t>
+            </a:r>
+          </a:p>
+        </p:txBody>
+      </p:sp>
+      <p:sp>
+        <p:nvSpPr>
+          <p:cNvPr id="18" name="TextBox 17">
+            <a:extLst>
+              <a:ext uri="{FF2B5EF4-FFF2-40B4-BE49-F238E27FC236}">
+                <a16:creationId xmlns:a16="http://schemas.microsoft.com/office/drawing/2014/main" id="{02DAD7FE-7953-3E41-96B7-AED5CAA00A46}"/>
+              </a:ext>
+            </a:extLst>
+          </p:cNvPr>
+          <p:cNvSpPr txBox="1"/>
+          <p:nvPr/>
+        </p:nvSpPr>
+        <p:spPr>
+          <a:xfrm>
+            <a:off x="78377" y="3963430"/>
+            <a:ext cx="11913326" cy="2031325"/>
+          </a:xfrm>
+          <a:prstGeom prst="rect">
+            <a:avLst/>
+          </a:prstGeom>
+          <a:noFill/>
+        </p:spPr>
+        <p:txBody>
+          <a:bodyPr wrap="square" rtlCol="0">
+            <a:spAutoFit/>
+          </a:bodyPr>
+          <a:lstStyle/>
+          <a:p>
+            <a:pPr marL="342900" indent="-342900">
+              <a:buFont typeface="+mj-lt"/>
+              <a:buAutoNum type="arabicPeriod"/>
+            </a:pPr>
+            <a:r>
+              <a:rPr lang="en-US" dirty="0"/>
+              <a:t>ORM is used to map Entity classes from Domain model to the tables in database</a:t>
+            </a:r>
+          </a:p>
+          <a:p>
+            <a:pPr marL="800100" lvl="1" indent="-342900">
+              <a:buFont typeface="+mj-lt"/>
+              <a:buAutoNum type="arabicPeriod"/>
+            </a:pPr>
+            <a:r>
+              <a:rPr lang="en-US" dirty="0"/>
+              <a:t>Public class properties map with Table columns with their constraints (Keys, Not Null, Cascade Relation, etc.)</a:t>
+            </a:r>
+          </a:p>
+          <a:p>
+            <a:pPr marL="800100" lvl="1" indent="-342900">
+              <a:buFont typeface="+mj-lt"/>
+              <a:buAutoNum type="arabicPeriod"/>
+            </a:pPr>
+            <a:r>
+              <a:rPr lang="en-US" dirty="0"/>
+              <a:t>Eliminates need of writing Database specific code for </a:t>
+            </a:r>
+          </a:p>
+          <a:p>
+            <a:pPr marL="1257300" lvl="2" indent="-342900">
+              <a:buFont typeface="+mj-lt"/>
+              <a:buAutoNum type="arabicPeriod"/>
+            </a:pPr>
+            <a:r>
+              <a:rPr lang="en-US" dirty="0"/>
+              <a:t>Connection, SQL Queries and DML Statements</a:t>
+            </a:r>
+          </a:p>
+          <a:p>
+            <a:pPr marL="342900" indent="-342900">
+              <a:buFont typeface="+mj-lt"/>
+              <a:buAutoNum type="arabicPeriod"/>
+            </a:pPr>
+            <a:r>
+              <a:rPr lang="en-US" dirty="0"/>
+              <a:t>The ORM Manages all DB Transactions behind the scene</a:t>
+            </a:r>
+          </a:p>
+          <a:p>
+            <a:pPr marL="342900" indent="-342900">
+              <a:buFont typeface="+mj-lt"/>
+              <a:buAutoNum type="arabicPeriod"/>
+            </a:pPr>
+            <a:r>
+              <a:rPr lang="en-US" dirty="0">
+                <a:highlight>
+                  <a:srgbClr val="FFFF00"/>
+                </a:highlight>
+              </a:rPr>
+              <a:t>The Database First Approach,  generate the Domain Model aka entity classes from Ready Database and its table schemas</a:t>
+            </a:r>
+          </a:p>
+          <a:p>
+            <a:pPr marL="342900" indent="-342900">
+              <a:buFont typeface="+mj-lt"/>
+              <a:buAutoNum type="arabicPeriod"/>
+            </a:pPr>
+            <a:r>
+              <a:rPr lang="en-US" dirty="0">
+                <a:highlight>
+                  <a:srgbClr val="FFFF00"/>
+                </a:highlight>
+              </a:rPr>
+              <a:t>Code-First, create domain model classes or entities and generate Database and its schemas from this domain model     </a:t>
+            </a:r>
+          </a:p>
+        </p:txBody>
+      </p:sp>
+    </p:spTree>
+    <p:extLst>
+      <p:ext uri="{BB962C8B-B14F-4D97-AF65-F5344CB8AC3E}">
+        <p14:creationId xmlns:p14="http://schemas.microsoft.com/office/powerpoint/2010/main" val="2033864136"/>
       </p:ext>
     </p:extLst>
   </p:cSld>

--- a/Training_Notes_PPTs.pptx
+++ b/Training_Notes_PPTs.pptx
@@ -51,6 +51,9 @@
     <p:sldId id="299" r:id="rId45"/>
     <p:sldId id="300" r:id="rId46"/>
     <p:sldId id="301" r:id="rId47"/>
+    <p:sldId id="302" r:id="rId48"/>
+    <p:sldId id="303" r:id="rId49"/>
+    <p:sldId id="304" r:id="rId50"/>
   </p:sldIdLst>
   <p:sldSz cx="12192000" cy="6858000"/>
   <p:notesSz cx="6858000" cy="9144000"/>
@@ -296,7 +299,7 @@
           <a:p>
             <a:fld id="{587FB2BA-09D0-1840-B49D-E4BDDD8ED284}" type="datetimeFigureOut">
               <a:rPr lang="en-US" smtClean="0"/>
-              <a:t>1/15/21</a:t>
+              <a:t>1/18/21</a:t>
             </a:fld>
             <a:endParaRPr lang="en-US"/>
           </a:p>
@@ -507,7 +510,7 @@
           <a:p>
             <a:fld id="{587FB2BA-09D0-1840-B49D-E4BDDD8ED284}" type="datetimeFigureOut">
               <a:rPr lang="en-US" smtClean="0"/>
-              <a:t>1/15/21</a:t>
+              <a:t>1/18/21</a:t>
             </a:fld>
             <a:endParaRPr lang="en-US"/>
           </a:p>
@@ -722,7 +725,7 @@
           <a:p>
             <a:fld id="{587FB2BA-09D0-1840-B49D-E4BDDD8ED284}" type="datetimeFigureOut">
               <a:rPr lang="en-US" smtClean="0"/>
-              <a:t>1/15/21</a:t>
+              <a:t>1/18/21</a:t>
             </a:fld>
             <a:endParaRPr lang="en-US"/>
           </a:p>
@@ -923,7 +926,7 @@
           <a:p>
             <a:fld id="{587FB2BA-09D0-1840-B49D-E4BDDD8ED284}" type="datetimeFigureOut">
               <a:rPr lang="en-US" smtClean="0"/>
-              <a:t>1/15/21</a:t>
+              <a:t>1/18/21</a:t>
             </a:fld>
             <a:endParaRPr lang="en-US"/>
           </a:p>
@@ -1202,7 +1205,7 @@
           <a:p>
             <a:fld id="{587FB2BA-09D0-1840-B49D-E4BDDD8ED284}" type="datetimeFigureOut">
               <a:rPr lang="en-US" smtClean="0"/>
-              <a:t>1/15/21</a:t>
+              <a:t>1/18/21</a:t>
             </a:fld>
             <a:endParaRPr lang="en-US"/>
           </a:p>
@@ -1470,7 +1473,7 @@
           <a:p>
             <a:fld id="{587FB2BA-09D0-1840-B49D-E4BDDD8ED284}" type="datetimeFigureOut">
               <a:rPr lang="en-US" smtClean="0"/>
-              <a:t>1/15/21</a:t>
+              <a:t>1/18/21</a:t>
             </a:fld>
             <a:endParaRPr lang="en-US"/>
           </a:p>
@@ -1886,7 +1889,7 @@
           <a:p>
             <a:fld id="{587FB2BA-09D0-1840-B49D-E4BDDD8ED284}" type="datetimeFigureOut">
               <a:rPr lang="en-US" smtClean="0"/>
-              <a:t>1/15/21</a:t>
+              <a:t>1/18/21</a:t>
             </a:fld>
             <a:endParaRPr lang="en-US"/>
           </a:p>
@@ -2035,7 +2038,7 @@
           <a:p>
             <a:fld id="{587FB2BA-09D0-1840-B49D-E4BDDD8ED284}" type="datetimeFigureOut">
               <a:rPr lang="en-US" smtClean="0"/>
-              <a:t>1/15/21</a:t>
+              <a:t>1/18/21</a:t>
             </a:fld>
             <a:endParaRPr lang="en-US"/>
           </a:p>
@@ -2161,7 +2164,7 @@
           <a:p>
             <a:fld id="{587FB2BA-09D0-1840-B49D-E4BDDD8ED284}" type="datetimeFigureOut">
               <a:rPr lang="en-US" smtClean="0"/>
-              <a:t>1/15/21</a:t>
+              <a:t>1/18/21</a:t>
             </a:fld>
             <a:endParaRPr lang="en-US"/>
           </a:p>
@@ -2412,7 +2415,7 @@
           <a:p>
             <a:fld id="{587FB2BA-09D0-1840-B49D-E4BDDD8ED284}" type="datetimeFigureOut">
               <a:rPr lang="en-US" smtClean="0"/>
-              <a:t>1/15/21</a:t>
+              <a:t>1/18/21</a:t>
             </a:fld>
             <a:endParaRPr lang="en-US"/>
           </a:p>
@@ -2857,7 +2860,7 @@
           <a:p>
             <a:fld id="{587FB2BA-09D0-1840-B49D-E4BDDD8ED284}" type="datetimeFigureOut">
               <a:rPr lang="en-US" smtClean="0"/>
-              <a:t>1/15/21</a:t>
+              <a:t>1/18/21</a:t>
             </a:fld>
             <a:endParaRPr lang="en-US"/>
           </a:p>
@@ -3184,7 +3187,7 @@
           <a:p>
             <a:fld id="{587FB2BA-09D0-1840-B49D-E4BDDD8ED284}" type="datetimeFigureOut">
               <a:rPr lang="en-US" smtClean="0"/>
-              <a:t>1/15/21</a:t>
+              <a:t>1/18/21</a:t>
             </a:fld>
             <a:endParaRPr lang="en-US"/>
           </a:p>
@@ -37885,6 +37888,1768 @@
 </p:sld>
 </file>
 
+<file path=ppt/slides/slide47.xml><?xml version="1.0" encoding="utf-8"?>
+<p:sld xmlns:a="http://schemas.openxmlformats.org/drawingml/2006/main" xmlns:r="http://schemas.openxmlformats.org/officeDocument/2006/relationships" xmlns:p="http://schemas.openxmlformats.org/presentationml/2006/main">
+  <p:cSld>
+    <p:spTree>
+      <p:nvGrpSpPr>
+        <p:cNvPr id="1" name=""/>
+        <p:cNvGrpSpPr/>
+        <p:nvPr/>
+      </p:nvGrpSpPr>
+      <p:grpSpPr>
+        <a:xfrm>
+          <a:off x="0" y="0"/>
+          <a:ext cx="0" cy="0"/>
+          <a:chOff x="0" y="0"/>
+          <a:chExt cx="0" cy="0"/>
+        </a:xfrm>
+      </p:grpSpPr>
+      <p:sp>
+        <p:nvSpPr>
+          <p:cNvPr id="2" name="Rectangle 1">
+            <a:extLst>
+              <a:ext uri="{FF2B5EF4-FFF2-40B4-BE49-F238E27FC236}">
+                <a16:creationId xmlns:a16="http://schemas.microsoft.com/office/drawing/2014/main" id="{ACFC097D-975B-7D4B-B028-E0A5898B66CB}"/>
+              </a:ext>
+            </a:extLst>
+          </p:cNvPr>
+          <p:cNvSpPr/>
+          <p:nvPr/>
+        </p:nvSpPr>
+        <p:spPr>
+          <a:xfrm>
+            <a:off x="0" y="0"/>
+            <a:ext cx="12192000" cy="513806"/>
+          </a:xfrm>
+          <a:prstGeom prst="rect">
+            <a:avLst/>
+          </a:prstGeom>
+        </p:spPr>
+        <p:style>
+          <a:lnRef idx="2">
+            <a:schemeClr val="accent1">
+              <a:shade val="50000"/>
+            </a:schemeClr>
+          </a:lnRef>
+          <a:fillRef idx="1">
+            <a:schemeClr val="accent1"/>
+          </a:fillRef>
+          <a:effectRef idx="0">
+            <a:schemeClr val="accent1"/>
+          </a:effectRef>
+          <a:fontRef idx="minor">
+            <a:schemeClr val="lt1"/>
+          </a:fontRef>
+        </p:style>
+        <p:txBody>
+          <a:bodyPr rtlCol="0" anchor="ctr"/>
+          <a:lstStyle/>
+          <a:p>
+            <a:pPr algn="ctr"/>
+            <a:r>
+              <a:rPr lang="en-US" dirty="0"/>
+              <a:t>JAVASCRIPT </a:t>
+            </a:r>
+            <a:r>
+              <a:rPr lang="en-US" dirty="0" err="1"/>
+              <a:t>FullStack</a:t>
+            </a:r>
+            <a:r>
+              <a:rPr lang="en-US" dirty="0"/>
+              <a:t> App Architecture </a:t>
+            </a:r>
+            <a:r>
+              <a:rPr lang="en-US" dirty="0" err="1"/>
+              <a:t>w.r.t</a:t>
+            </a:r>
+            <a:r>
+              <a:rPr lang="en-US" dirty="0"/>
+              <a:t> Front-End</a:t>
+            </a:r>
+          </a:p>
+        </p:txBody>
+      </p:sp>
+      <p:sp>
+        <p:nvSpPr>
+          <p:cNvPr id="22" name="Rounded Rectangle 21">
+            <a:extLst>
+              <a:ext uri="{FF2B5EF4-FFF2-40B4-BE49-F238E27FC236}">
+                <a16:creationId xmlns:a16="http://schemas.microsoft.com/office/drawing/2014/main" id="{0DBA6DB9-0CDB-5941-9373-026E3ABDBC53}"/>
+              </a:ext>
+            </a:extLst>
+          </p:cNvPr>
+          <p:cNvSpPr/>
+          <p:nvPr/>
+        </p:nvSpPr>
+        <p:spPr>
+          <a:xfrm>
+            <a:off x="343990" y="635726"/>
+            <a:ext cx="9411524" cy="4650267"/>
+          </a:xfrm>
+          <a:prstGeom prst="roundRect">
+            <a:avLst>
+              <a:gd name="adj" fmla="val 6519"/>
+            </a:avLst>
+          </a:prstGeom>
+        </p:spPr>
+        <p:style>
+          <a:lnRef idx="2">
+            <a:schemeClr val="accent1">
+              <a:shade val="50000"/>
+            </a:schemeClr>
+          </a:lnRef>
+          <a:fillRef idx="1">
+            <a:schemeClr val="accent1"/>
+          </a:fillRef>
+          <a:effectRef idx="0">
+            <a:schemeClr val="accent1"/>
+          </a:effectRef>
+          <a:fontRef idx="minor">
+            <a:schemeClr val="lt1"/>
+          </a:fontRef>
+        </p:style>
+        <p:txBody>
+          <a:bodyPr rtlCol="0" anchor="ctr"/>
+          <a:lstStyle/>
+          <a:p>
+            <a:pPr algn="ctr"/>
+            <a:endParaRPr lang="en-US" dirty="0"/>
+          </a:p>
+        </p:txBody>
+      </p:sp>
+      <p:sp>
+        <p:nvSpPr>
+          <p:cNvPr id="23" name="TextBox 22">
+            <a:extLst>
+              <a:ext uri="{FF2B5EF4-FFF2-40B4-BE49-F238E27FC236}">
+                <a16:creationId xmlns:a16="http://schemas.microsoft.com/office/drawing/2014/main" id="{123BB2EF-FB7A-6647-B892-1145B6CDB22D}"/>
+              </a:ext>
+            </a:extLst>
+          </p:cNvPr>
+          <p:cNvSpPr txBox="1"/>
+          <p:nvPr/>
+        </p:nvSpPr>
+        <p:spPr>
+          <a:xfrm>
+            <a:off x="496389" y="5490754"/>
+            <a:ext cx="8600476" cy="369332"/>
+          </a:xfrm>
+          <a:prstGeom prst="rect">
+            <a:avLst/>
+          </a:prstGeom>
+          <a:noFill/>
+        </p:spPr>
+        <p:txBody>
+          <a:bodyPr wrap="square" rtlCol="0">
+            <a:spAutoFit/>
+          </a:bodyPr>
+          <a:lstStyle/>
+          <a:p>
+            <a:pPr algn="ctr"/>
+            <a:r>
+              <a:rPr lang="en-US" dirty="0">
+                <a:highlight>
+                  <a:srgbClr val="FFFF00"/>
+                </a:highlight>
+              </a:rPr>
+              <a:t>JavaScript Front End App React, Angular, Vue, Ember, </a:t>
+            </a:r>
+            <a:r>
+              <a:rPr lang="en-US" dirty="0" err="1">
+                <a:highlight>
+                  <a:srgbClr val="FFFF00"/>
+                </a:highlight>
+              </a:rPr>
+              <a:t>etc</a:t>
+            </a:r>
+            <a:endParaRPr lang="en-US" dirty="0">
+              <a:highlight>
+                <a:srgbClr val="FFFF00"/>
+              </a:highlight>
+            </a:endParaRPr>
+          </a:p>
+        </p:txBody>
+      </p:sp>
+      <p:sp>
+        <p:nvSpPr>
+          <p:cNvPr id="25" name="Rectangle 24">
+            <a:extLst>
+              <a:ext uri="{FF2B5EF4-FFF2-40B4-BE49-F238E27FC236}">
+                <a16:creationId xmlns:a16="http://schemas.microsoft.com/office/drawing/2014/main" id="{2ACEBBBB-D072-304C-8540-C7DA1B2E0F7E}"/>
+              </a:ext>
+            </a:extLst>
+          </p:cNvPr>
+          <p:cNvSpPr/>
+          <p:nvPr/>
+        </p:nvSpPr>
+        <p:spPr>
+          <a:xfrm>
+            <a:off x="3426149" y="2046514"/>
+            <a:ext cx="1824082" cy="2307771"/>
+          </a:xfrm>
+          <a:prstGeom prst="rect">
+            <a:avLst/>
+          </a:prstGeom>
+          <a:solidFill>
+            <a:srgbClr val="FFFF00"/>
+          </a:solidFill>
+          <a:ln>
+            <a:solidFill>
+              <a:schemeClr val="accent1"/>
+            </a:solidFill>
+          </a:ln>
+        </p:spPr>
+        <p:style>
+          <a:lnRef idx="2">
+            <a:schemeClr val="accent1">
+              <a:shade val="50000"/>
+            </a:schemeClr>
+          </a:lnRef>
+          <a:fillRef idx="1">
+            <a:schemeClr val="accent1"/>
+          </a:fillRef>
+          <a:effectRef idx="0">
+            <a:schemeClr val="accent1"/>
+          </a:effectRef>
+          <a:fontRef idx="minor">
+            <a:schemeClr val="lt1"/>
+          </a:fontRef>
+        </p:style>
+        <p:txBody>
+          <a:bodyPr rtlCol="0" anchor="ctr"/>
+          <a:lstStyle/>
+          <a:p>
+            <a:pPr algn="ctr"/>
+            <a:r>
+              <a:rPr lang="en-US" dirty="0">
+                <a:ln w="0"/>
+                <a:solidFill>
+                  <a:schemeClr val="accent1"/>
+                </a:solidFill>
+                <a:effectLst>
+                  <a:outerShdw blurRad="38100" dist="25400" dir="5400000" algn="ctr" rotWithShape="0">
+                    <a:srgbClr val="6E747A">
+                      <a:alpha val="43000"/>
+                    </a:srgbClr>
+                  </a:outerShdw>
+                </a:effectLst>
+              </a:rPr>
+              <a:t>Presenter</a:t>
+            </a:r>
+          </a:p>
+          <a:p>
+            <a:pPr algn="ctr"/>
+            <a:r>
+              <a:rPr lang="en-US" dirty="0">
+                <a:ln w="0"/>
+                <a:solidFill>
+                  <a:schemeClr val="accent1"/>
+                </a:solidFill>
+                <a:effectLst>
+                  <a:outerShdw blurRad="38100" dist="25400" dir="5400000" algn="ctr" rotWithShape="0">
+                    <a:srgbClr val="6E747A">
+                      <a:alpha val="43000"/>
+                    </a:srgbClr>
+                  </a:outerShdw>
+                </a:effectLst>
+              </a:rPr>
+              <a:t>Layer</a:t>
+            </a:r>
+          </a:p>
+          <a:p>
+            <a:pPr algn="ctr"/>
+            <a:r>
+              <a:rPr lang="en-US" dirty="0">
+                <a:ln w="0"/>
+                <a:solidFill>
+                  <a:schemeClr val="accent1"/>
+                </a:solidFill>
+                <a:effectLst>
+                  <a:outerShdw blurRad="38100" dist="25400" dir="5400000" algn="ctr" rotWithShape="0">
+                    <a:srgbClr val="6E747A">
+                      <a:alpha val="43000"/>
+                    </a:srgbClr>
+                  </a:outerShdw>
+                </a:effectLst>
+              </a:rPr>
+              <a:t>Data, Events, Functions</a:t>
+            </a:r>
+          </a:p>
+        </p:txBody>
+      </p:sp>
+      <p:sp>
+        <p:nvSpPr>
+          <p:cNvPr id="28" name="Rectangle 27">
+            <a:extLst>
+              <a:ext uri="{FF2B5EF4-FFF2-40B4-BE49-F238E27FC236}">
+                <a16:creationId xmlns:a16="http://schemas.microsoft.com/office/drawing/2014/main" id="{71EC0793-8557-8542-A327-4BBB05E90820}"/>
+              </a:ext>
+            </a:extLst>
+          </p:cNvPr>
+          <p:cNvSpPr/>
+          <p:nvPr/>
+        </p:nvSpPr>
+        <p:spPr>
+          <a:xfrm>
+            <a:off x="6030409" y="2092675"/>
+            <a:ext cx="2281069" cy="805597"/>
+          </a:xfrm>
+          <a:prstGeom prst="rect">
+            <a:avLst/>
+          </a:prstGeom>
+          <a:solidFill>
+            <a:srgbClr val="FFFF00"/>
+          </a:solidFill>
+          <a:ln>
+            <a:solidFill>
+              <a:schemeClr val="accent1"/>
+            </a:solidFill>
+          </a:ln>
+        </p:spPr>
+        <p:style>
+          <a:lnRef idx="2">
+            <a:schemeClr val="accent1">
+              <a:shade val="50000"/>
+            </a:schemeClr>
+          </a:lnRef>
+          <a:fillRef idx="1">
+            <a:schemeClr val="accent1"/>
+          </a:fillRef>
+          <a:effectRef idx="0">
+            <a:schemeClr val="accent1"/>
+          </a:effectRef>
+          <a:fontRef idx="minor">
+            <a:schemeClr val="lt1"/>
+          </a:fontRef>
+        </p:style>
+        <p:txBody>
+          <a:bodyPr rtlCol="0" anchor="ctr"/>
+          <a:lstStyle/>
+          <a:p>
+            <a:pPr algn="ctr"/>
+            <a:r>
+              <a:rPr lang="en-US" dirty="0">
+                <a:ln w="0"/>
+                <a:solidFill>
+                  <a:schemeClr val="accent1"/>
+                </a:solidFill>
+                <a:effectLst>
+                  <a:outerShdw blurRad="38100" dist="25400" dir="5400000" algn="ctr" rotWithShape="0">
+                    <a:srgbClr val="6E747A">
+                      <a:alpha val="43000"/>
+                    </a:srgbClr>
+                  </a:outerShdw>
+                </a:effectLst>
+              </a:rPr>
+              <a:t>Front-End </a:t>
+            </a:r>
+          </a:p>
+          <a:p>
+            <a:pPr algn="ctr"/>
+            <a:r>
+              <a:rPr lang="en-US" dirty="0">
+                <a:ln w="0"/>
+                <a:solidFill>
+                  <a:schemeClr val="accent1"/>
+                </a:solidFill>
+                <a:effectLst>
+                  <a:outerShdw blurRad="38100" dist="25400" dir="5400000" algn="ctr" rotWithShape="0">
+                    <a:srgbClr val="6E747A">
+                      <a:alpha val="43000"/>
+                    </a:srgbClr>
+                  </a:outerShdw>
+                </a:effectLst>
+              </a:rPr>
+              <a:t>Logic</a:t>
+            </a:r>
+          </a:p>
+        </p:txBody>
+      </p:sp>
+      <p:sp>
+        <p:nvSpPr>
+          <p:cNvPr id="29" name="Rectangle 28">
+            <a:extLst>
+              <a:ext uri="{FF2B5EF4-FFF2-40B4-BE49-F238E27FC236}">
+                <a16:creationId xmlns:a16="http://schemas.microsoft.com/office/drawing/2014/main" id="{8D1907BF-71D3-EB46-8F6A-1512F73E45FB}"/>
+              </a:ext>
+            </a:extLst>
+          </p:cNvPr>
+          <p:cNvSpPr/>
+          <p:nvPr/>
+        </p:nvSpPr>
+        <p:spPr>
+          <a:xfrm>
+            <a:off x="5026943" y="1147824"/>
+            <a:ext cx="3261082" cy="805597"/>
+          </a:xfrm>
+          <a:prstGeom prst="rect">
+            <a:avLst/>
+          </a:prstGeom>
+          <a:solidFill>
+            <a:srgbClr val="FFFF00"/>
+          </a:solidFill>
+          <a:ln>
+            <a:solidFill>
+              <a:schemeClr val="accent1"/>
+            </a:solidFill>
+          </a:ln>
+        </p:spPr>
+        <p:style>
+          <a:lnRef idx="2">
+            <a:schemeClr val="accent1">
+              <a:shade val="50000"/>
+            </a:schemeClr>
+          </a:lnRef>
+          <a:fillRef idx="1">
+            <a:schemeClr val="accent1"/>
+          </a:fillRef>
+          <a:effectRef idx="0">
+            <a:schemeClr val="accent1"/>
+          </a:effectRef>
+          <a:fontRef idx="minor">
+            <a:schemeClr val="lt1"/>
+          </a:fontRef>
+        </p:style>
+        <p:txBody>
+          <a:bodyPr rtlCol="0" anchor="ctr"/>
+          <a:lstStyle/>
+          <a:p>
+            <a:pPr algn="ctr"/>
+            <a:r>
+              <a:rPr lang="en-US" dirty="0">
+                <a:ln w="0"/>
+                <a:solidFill>
+                  <a:schemeClr val="accent1"/>
+                </a:solidFill>
+                <a:effectLst>
+                  <a:outerShdw blurRad="38100" dist="25400" dir="5400000" algn="ctr" rotWithShape="0">
+                    <a:srgbClr val="6E747A">
+                      <a:alpha val="43000"/>
+                    </a:srgbClr>
+                  </a:outerShdw>
+                </a:effectLst>
+              </a:rPr>
+              <a:t>Utilities</a:t>
+            </a:r>
+          </a:p>
+          <a:p>
+            <a:pPr algn="ctr"/>
+            <a:r>
+              <a:rPr lang="en-US" dirty="0">
+                <a:ln w="0"/>
+                <a:solidFill>
+                  <a:schemeClr val="accent1"/>
+                </a:solidFill>
+                <a:effectLst>
+                  <a:outerShdw blurRad="38100" dist="25400" dir="5400000" algn="ctr" rotWithShape="0">
+                    <a:srgbClr val="6E747A">
+                      <a:alpha val="43000"/>
+                    </a:srgbClr>
+                  </a:outerShdw>
+                </a:effectLst>
+              </a:rPr>
+              <a:t>Re-usable Logic</a:t>
+            </a:r>
+          </a:p>
+        </p:txBody>
+      </p:sp>
+      <p:sp>
+        <p:nvSpPr>
+          <p:cNvPr id="30" name="Rectangle 29">
+            <a:extLst>
+              <a:ext uri="{FF2B5EF4-FFF2-40B4-BE49-F238E27FC236}">
+                <a16:creationId xmlns:a16="http://schemas.microsoft.com/office/drawing/2014/main" id="{F7D8A75A-127E-3744-98F5-D94400C2FC3D}"/>
+              </a:ext>
+            </a:extLst>
+          </p:cNvPr>
+          <p:cNvSpPr/>
+          <p:nvPr/>
+        </p:nvSpPr>
+        <p:spPr>
+          <a:xfrm>
+            <a:off x="6096000" y="3487951"/>
+            <a:ext cx="2281069" cy="805597"/>
+          </a:xfrm>
+          <a:prstGeom prst="rect">
+            <a:avLst/>
+          </a:prstGeom>
+          <a:solidFill>
+            <a:srgbClr val="FFFF00"/>
+          </a:solidFill>
+          <a:ln>
+            <a:solidFill>
+              <a:schemeClr val="accent1"/>
+            </a:solidFill>
+          </a:ln>
+        </p:spPr>
+        <p:style>
+          <a:lnRef idx="2">
+            <a:schemeClr val="accent1">
+              <a:shade val="50000"/>
+            </a:schemeClr>
+          </a:lnRef>
+          <a:fillRef idx="1">
+            <a:schemeClr val="accent1"/>
+          </a:fillRef>
+          <a:effectRef idx="0">
+            <a:schemeClr val="accent1"/>
+          </a:effectRef>
+          <a:fontRef idx="minor">
+            <a:schemeClr val="lt1"/>
+          </a:fontRef>
+        </p:style>
+        <p:txBody>
+          <a:bodyPr rtlCol="0" anchor="ctr"/>
+          <a:lstStyle/>
+          <a:p>
+            <a:pPr algn="ctr"/>
+            <a:r>
+              <a:rPr lang="en-US" dirty="0">
+                <a:ln w="0"/>
+                <a:solidFill>
+                  <a:schemeClr val="accent1"/>
+                </a:solidFill>
+                <a:effectLst>
+                  <a:outerShdw blurRad="38100" dist="25400" dir="5400000" algn="ctr" rotWithShape="0">
+                    <a:srgbClr val="6E747A">
+                      <a:alpha val="43000"/>
+                    </a:srgbClr>
+                  </a:outerShdw>
+                </a:effectLst>
+              </a:rPr>
+              <a:t>External HTTP </a:t>
+            </a:r>
+          </a:p>
+          <a:p>
+            <a:pPr algn="ctr"/>
+            <a:r>
+              <a:rPr lang="en-US" dirty="0">
+                <a:ln w="0"/>
+                <a:solidFill>
+                  <a:schemeClr val="accent1"/>
+                </a:solidFill>
+                <a:effectLst>
+                  <a:outerShdw blurRad="38100" dist="25400" dir="5400000" algn="ctr" rotWithShape="0">
+                    <a:srgbClr val="6E747A">
+                      <a:alpha val="43000"/>
+                    </a:srgbClr>
+                  </a:outerShdw>
+                </a:effectLst>
+              </a:rPr>
+              <a:t>Calls</a:t>
+            </a:r>
+          </a:p>
+        </p:txBody>
+      </p:sp>
+      <p:sp>
+        <p:nvSpPr>
+          <p:cNvPr id="31" name="Left-right Arrow 30">
+            <a:extLst>
+              <a:ext uri="{FF2B5EF4-FFF2-40B4-BE49-F238E27FC236}">
+                <a16:creationId xmlns:a16="http://schemas.microsoft.com/office/drawing/2014/main" id="{901FE78E-FE6F-0D4B-AAFE-8B0BE7792900}"/>
+              </a:ext>
+            </a:extLst>
+          </p:cNvPr>
+          <p:cNvSpPr/>
+          <p:nvPr/>
+        </p:nvSpPr>
+        <p:spPr>
+          <a:xfrm>
+            <a:off x="5123943" y="2297347"/>
+            <a:ext cx="1032755" cy="243856"/>
+          </a:xfrm>
+          <a:prstGeom prst="leftRightArrow">
+            <a:avLst/>
+          </a:prstGeom>
+          <a:solidFill>
+            <a:srgbClr val="002060"/>
+          </a:solidFill>
+        </p:spPr>
+        <p:style>
+          <a:lnRef idx="2">
+            <a:schemeClr val="accent1">
+              <a:shade val="50000"/>
+            </a:schemeClr>
+          </a:lnRef>
+          <a:fillRef idx="1">
+            <a:schemeClr val="accent1"/>
+          </a:fillRef>
+          <a:effectRef idx="0">
+            <a:schemeClr val="accent1"/>
+          </a:effectRef>
+          <a:fontRef idx="minor">
+            <a:schemeClr val="lt1"/>
+          </a:fontRef>
+        </p:style>
+        <p:txBody>
+          <a:bodyPr rtlCol="0" anchor="ctr"/>
+          <a:lstStyle/>
+          <a:p>
+            <a:pPr algn="ctr"/>
+            <a:endParaRPr lang="en-US"/>
+          </a:p>
+        </p:txBody>
+      </p:sp>
+      <p:sp>
+        <p:nvSpPr>
+          <p:cNvPr id="33" name="Left-right Arrow 32">
+            <a:extLst>
+              <a:ext uri="{FF2B5EF4-FFF2-40B4-BE49-F238E27FC236}">
+                <a16:creationId xmlns:a16="http://schemas.microsoft.com/office/drawing/2014/main" id="{BC8B8C75-F801-3546-983B-5724669249C6}"/>
+              </a:ext>
+            </a:extLst>
+          </p:cNvPr>
+          <p:cNvSpPr/>
+          <p:nvPr/>
+        </p:nvSpPr>
+        <p:spPr>
+          <a:xfrm>
+            <a:off x="5086136" y="3784333"/>
+            <a:ext cx="1173959" cy="243856"/>
+          </a:xfrm>
+          <a:prstGeom prst="leftRightArrow">
+            <a:avLst/>
+          </a:prstGeom>
+          <a:solidFill>
+            <a:srgbClr val="002060"/>
+          </a:solidFill>
+        </p:spPr>
+        <p:style>
+          <a:lnRef idx="2">
+            <a:schemeClr val="accent1">
+              <a:shade val="50000"/>
+            </a:schemeClr>
+          </a:lnRef>
+          <a:fillRef idx="1">
+            <a:schemeClr val="accent1"/>
+          </a:fillRef>
+          <a:effectRef idx="0">
+            <a:schemeClr val="accent1"/>
+          </a:effectRef>
+          <a:fontRef idx="minor">
+            <a:schemeClr val="lt1"/>
+          </a:fontRef>
+        </p:style>
+        <p:txBody>
+          <a:bodyPr rtlCol="0" anchor="ctr"/>
+          <a:lstStyle/>
+          <a:p>
+            <a:pPr algn="ctr"/>
+            <a:endParaRPr lang="en-US"/>
+          </a:p>
+        </p:txBody>
+      </p:sp>
+      <p:sp>
+        <p:nvSpPr>
+          <p:cNvPr id="34" name="Curved Down Arrow 33">
+            <a:extLst>
+              <a:ext uri="{FF2B5EF4-FFF2-40B4-BE49-F238E27FC236}">
+                <a16:creationId xmlns:a16="http://schemas.microsoft.com/office/drawing/2014/main" id="{FEE27713-42D1-6F40-88D0-9A185C928B63}"/>
+              </a:ext>
+            </a:extLst>
+          </p:cNvPr>
+          <p:cNvSpPr/>
+          <p:nvPr/>
+        </p:nvSpPr>
+        <p:spPr>
+          <a:xfrm>
+            <a:off x="9460140" y="2643051"/>
+            <a:ext cx="1766982" cy="470461"/>
+          </a:xfrm>
+          <a:prstGeom prst="curvedDownArrow">
+            <a:avLst/>
+          </a:prstGeom>
+          <a:solidFill>
+            <a:srgbClr val="002060"/>
+          </a:solidFill>
+        </p:spPr>
+        <p:style>
+          <a:lnRef idx="2">
+            <a:schemeClr val="accent1">
+              <a:shade val="50000"/>
+            </a:schemeClr>
+          </a:lnRef>
+          <a:fillRef idx="1">
+            <a:schemeClr val="accent1"/>
+          </a:fillRef>
+          <a:effectRef idx="0">
+            <a:schemeClr val="accent1"/>
+          </a:effectRef>
+          <a:fontRef idx="minor">
+            <a:schemeClr val="lt1"/>
+          </a:fontRef>
+        </p:style>
+        <p:txBody>
+          <a:bodyPr rtlCol="0" anchor="ctr"/>
+          <a:lstStyle/>
+          <a:p>
+            <a:pPr algn="ctr"/>
+            <a:endParaRPr lang="en-US">
+              <a:solidFill>
+                <a:schemeClr val="tx1"/>
+              </a:solidFill>
+            </a:endParaRPr>
+          </a:p>
+        </p:txBody>
+      </p:sp>
+      <p:sp>
+        <p:nvSpPr>
+          <p:cNvPr id="35" name="Curved Down Arrow 34">
+            <a:extLst>
+              <a:ext uri="{FF2B5EF4-FFF2-40B4-BE49-F238E27FC236}">
+                <a16:creationId xmlns:a16="http://schemas.microsoft.com/office/drawing/2014/main" id="{05F630FB-F78E-ED4F-84EE-B2827F532E89}"/>
+              </a:ext>
+            </a:extLst>
+          </p:cNvPr>
+          <p:cNvSpPr/>
+          <p:nvPr/>
+        </p:nvSpPr>
+        <p:spPr>
+          <a:xfrm rot="10800000">
+            <a:off x="9324518" y="3460862"/>
+            <a:ext cx="1824082" cy="621478"/>
+          </a:xfrm>
+          <a:prstGeom prst="curvedDownArrow">
+            <a:avLst/>
+          </a:prstGeom>
+          <a:solidFill>
+            <a:srgbClr val="002060"/>
+          </a:solidFill>
+        </p:spPr>
+        <p:style>
+          <a:lnRef idx="2">
+            <a:schemeClr val="accent1">
+              <a:shade val="50000"/>
+            </a:schemeClr>
+          </a:lnRef>
+          <a:fillRef idx="1">
+            <a:schemeClr val="accent1"/>
+          </a:fillRef>
+          <a:effectRef idx="0">
+            <a:schemeClr val="accent1"/>
+          </a:effectRef>
+          <a:fontRef idx="minor">
+            <a:schemeClr val="lt1"/>
+          </a:fontRef>
+        </p:style>
+        <p:txBody>
+          <a:bodyPr rtlCol="0" anchor="ctr"/>
+          <a:lstStyle/>
+          <a:p>
+            <a:pPr algn="ctr"/>
+            <a:endParaRPr lang="en-US">
+              <a:solidFill>
+                <a:schemeClr val="tx1"/>
+              </a:solidFill>
+            </a:endParaRPr>
+          </a:p>
+        </p:txBody>
+      </p:sp>
+      <p:sp>
+        <p:nvSpPr>
+          <p:cNvPr id="36" name="TextBox 35">
+            <a:extLst>
+              <a:ext uri="{FF2B5EF4-FFF2-40B4-BE49-F238E27FC236}">
+                <a16:creationId xmlns:a16="http://schemas.microsoft.com/office/drawing/2014/main" id="{E36A8A78-5B44-8248-A227-63C79341645A}"/>
+              </a:ext>
+            </a:extLst>
+          </p:cNvPr>
+          <p:cNvSpPr txBox="1"/>
+          <p:nvPr/>
+        </p:nvSpPr>
+        <p:spPr>
+          <a:xfrm>
+            <a:off x="9916785" y="3024387"/>
+            <a:ext cx="2620674" cy="369332"/>
+          </a:xfrm>
+          <a:prstGeom prst="rect">
+            <a:avLst/>
+          </a:prstGeom>
+          <a:noFill/>
+        </p:spPr>
+        <p:txBody>
+          <a:bodyPr wrap="square" rtlCol="0">
+            <a:spAutoFit/>
+          </a:bodyPr>
+          <a:lstStyle/>
+          <a:p>
+            <a:r>
+              <a:rPr lang="en-US" dirty="0"/>
+              <a:t>Async HTTP Calls</a:t>
+            </a:r>
+          </a:p>
+        </p:txBody>
+      </p:sp>
+      <p:sp>
+        <p:nvSpPr>
+          <p:cNvPr id="37" name="Rectangle 36">
+            <a:extLst>
+              <a:ext uri="{FF2B5EF4-FFF2-40B4-BE49-F238E27FC236}">
+                <a16:creationId xmlns:a16="http://schemas.microsoft.com/office/drawing/2014/main" id="{A8262BED-6A81-9247-949E-9CC38DD4D902}"/>
+              </a:ext>
+            </a:extLst>
+          </p:cNvPr>
+          <p:cNvSpPr/>
+          <p:nvPr/>
+        </p:nvSpPr>
+        <p:spPr>
+          <a:xfrm>
+            <a:off x="705394" y="1863634"/>
+            <a:ext cx="2438400" cy="2717075"/>
+          </a:xfrm>
+          <a:prstGeom prst="rect">
+            <a:avLst/>
+          </a:prstGeom>
+          <a:solidFill>
+            <a:srgbClr val="FFC000"/>
+          </a:solidFill>
+        </p:spPr>
+        <p:style>
+          <a:lnRef idx="2">
+            <a:schemeClr val="accent1">
+              <a:shade val="50000"/>
+            </a:schemeClr>
+          </a:lnRef>
+          <a:fillRef idx="1">
+            <a:schemeClr val="accent1"/>
+          </a:fillRef>
+          <a:effectRef idx="0">
+            <a:schemeClr val="accent1"/>
+          </a:effectRef>
+          <a:fontRef idx="minor">
+            <a:schemeClr val="lt1"/>
+          </a:fontRef>
+        </p:style>
+        <p:txBody>
+          <a:bodyPr rtlCol="0" anchor="ctr"/>
+          <a:lstStyle/>
+          <a:p>
+            <a:pPr algn="ctr"/>
+            <a:endParaRPr lang="en-US"/>
+          </a:p>
+        </p:txBody>
+      </p:sp>
+      <p:sp>
+        <p:nvSpPr>
+          <p:cNvPr id="38" name="Rounded Rectangle 37">
+            <a:extLst>
+              <a:ext uri="{FF2B5EF4-FFF2-40B4-BE49-F238E27FC236}">
+                <a16:creationId xmlns:a16="http://schemas.microsoft.com/office/drawing/2014/main" id="{113F7D29-B901-AF4E-A0EA-8A60BF354181}"/>
+              </a:ext>
+            </a:extLst>
+          </p:cNvPr>
+          <p:cNvSpPr/>
+          <p:nvPr/>
+        </p:nvSpPr>
+        <p:spPr>
+          <a:xfrm>
+            <a:off x="862149" y="2092675"/>
+            <a:ext cx="896982" cy="931712"/>
+          </a:xfrm>
+          <a:prstGeom prst="roundRect">
+            <a:avLst/>
+          </a:prstGeom>
+        </p:spPr>
+        <p:style>
+          <a:lnRef idx="2">
+            <a:schemeClr val="accent1">
+              <a:shade val="50000"/>
+            </a:schemeClr>
+          </a:lnRef>
+          <a:fillRef idx="1">
+            <a:schemeClr val="accent1"/>
+          </a:fillRef>
+          <a:effectRef idx="0">
+            <a:schemeClr val="accent1"/>
+          </a:effectRef>
+          <a:fontRef idx="minor">
+            <a:schemeClr val="lt1"/>
+          </a:fontRef>
+        </p:style>
+        <p:txBody>
+          <a:bodyPr rtlCol="0" anchor="ctr"/>
+          <a:lstStyle/>
+          <a:p>
+            <a:pPr algn="ctr"/>
+            <a:endParaRPr lang="en-US"/>
+          </a:p>
+        </p:txBody>
+      </p:sp>
+      <p:sp>
+        <p:nvSpPr>
+          <p:cNvPr id="39" name="Rounded Rectangle 38">
+            <a:extLst>
+              <a:ext uri="{FF2B5EF4-FFF2-40B4-BE49-F238E27FC236}">
+                <a16:creationId xmlns:a16="http://schemas.microsoft.com/office/drawing/2014/main" id="{B1E49CF2-9BA2-5D48-94CE-D3F35EA00B9A}"/>
+              </a:ext>
+            </a:extLst>
+          </p:cNvPr>
+          <p:cNvSpPr/>
+          <p:nvPr/>
+        </p:nvSpPr>
+        <p:spPr>
+          <a:xfrm>
+            <a:off x="1987995" y="2108410"/>
+            <a:ext cx="896982" cy="931712"/>
+          </a:xfrm>
+          <a:prstGeom prst="roundRect">
+            <a:avLst/>
+          </a:prstGeom>
+        </p:spPr>
+        <p:style>
+          <a:lnRef idx="2">
+            <a:schemeClr val="accent1">
+              <a:shade val="50000"/>
+            </a:schemeClr>
+          </a:lnRef>
+          <a:fillRef idx="1">
+            <a:schemeClr val="accent1"/>
+          </a:fillRef>
+          <a:effectRef idx="0">
+            <a:schemeClr val="accent1"/>
+          </a:effectRef>
+          <a:fontRef idx="minor">
+            <a:schemeClr val="lt1"/>
+          </a:fontRef>
+        </p:style>
+        <p:txBody>
+          <a:bodyPr rtlCol="0" anchor="ctr"/>
+          <a:lstStyle/>
+          <a:p>
+            <a:pPr algn="ctr"/>
+            <a:endParaRPr lang="en-US"/>
+          </a:p>
+        </p:txBody>
+      </p:sp>
+      <p:sp>
+        <p:nvSpPr>
+          <p:cNvPr id="40" name="Rounded Rectangle 39">
+            <a:extLst>
+              <a:ext uri="{FF2B5EF4-FFF2-40B4-BE49-F238E27FC236}">
+                <a16:creationId xmlns:a16="http://schemas.microsoft.com/office/drawing/2014/main" id="{B3C2BE5D-8FDF-EA48-8517-118EB796CE04}"/>
+              </a:ext>
+            </a:extLst>
+          </p:cNvPr>
+          <p:cNvSpPr/>
+          <p:nvPr/>
+        </p:nvSpPr>
+        <p:spPr>
+          <a:xfrm>
+            <a:off x="886179" y="3275298"/>
+            <a:ext cx="896982" cy="931712"/>
+          </a:xfrm>
+          <a:prstGeom prst="roundRect">
+            <a:avLst/>
+          </a:prstGeom>
+        </p:spPr>
+        <p:style>
+          <a:lnRef idx="2">
+            <a:schemeClr val="accent1">
+              <a:shade val="50000"/>
+            </a:schemeClr>
+          </a:lnRef>
+          <a:fillRef idx="1">
+            <a:schemeClr val="accent1"/>
+          </a:fillRef>
+          <a:effectRef idx="0">
+            <a:schemeClr val="accent1"/>
+          </a:effectRef>
+          <a:fontRef idx="minor">
+            <a:schemeClr val="lt1"/>
+          </a:fontRef>
+        </p:style>
+        <p:txBody>
+          <a:bodyPr rtlCol="0" anchor="ctr"/>
+          <a:lstStyle/>
+          <a:p>
+            <a:pPr algn="ctr"/>
+            <a:endParaRPr lang="en-US"/>
+          </a:p>
+        </p:txBody>
+      </p:sp>
+      <p:sp>
+        <p:nvSpPr>
+          <p:cNvPr id="41" name="Rounded Rectangle 40">
+            <a:extLst>
+              <a:ext uri="{FF2B5EF4-FFF2-40B4-BE49-F238E27FC236}">
+                <a16:creationId xmlns:a16="http://schemas.microsoft.com/office/drawing/2014/main" id="{E1A126FF-3F1D-C140-B655-40F1B5EFC5D0}"/>
+              </a:ext>
+            </a:extLst>
+          </p:cNvPr>
+          <p:cNvSpPr/>
+          <p:nvPr/>
+        </p:nvSpPr>
+        <p:spPr>
+          <a:xfrm>
+            <a:off x="2000041" y="3305744"/>
+            <a:ext cx="896982" cy="931712"/>
+          </a:xfrm>
+          <a:prstGeom prst="roundRect">
+            <a:avLst/>
+          </a:prstGeom>
+        </p:spPr>
+        <p:style>
+          <a:lnRef idx="2">
+            <a:schemeClr val="accent1">
+              <a:shade val="50000"/>
+            </a:schemeClr>
+          </a:lnRef>
+          <a:fillRef idx="1">
+            <a:schemeClr val="accent1"/>
+          </a:fillRef>
+          <a:effectRef idx="0">
+            <a:schemeClr val="accent1"/>
+          </a:effectRef>
+          <a:fontRef idx="minor">
+            <a:schemeClr val="lt1"/>
+          </a:fontRef>
+        </p:style>
+        <p:txBody>
+          <a:bodyPr rtlCol="0" anchor="ctr"/>
+          <a:lstStyle/>
+          <a:p>
+            <a:pPr algn="ctr"/>
+            <a:endParaRPr lang="en-US"/>
+          </a:p>
+        </p:txBody>
+      </p:sp>
+      <p:sp>
+        <p:nvSpPr>
+          <p:cNvPr id="42" name="TextBox 41">
+            <a:extLst>
+              <a:ext uri="{FF2B5EF4-FFF2-40B4-BE49-F238E27FC236}">
+                <a16:creationId xmlns:a16="http://schemas.microsoft.com/office/drawing/2014/main" id="{9D85C913-8B2E-9B42-BFB8-1CD58FF3405D}"/>
+              </a:ext>
+            </a:extLst>
+          </p:cNvPr>
+          <p:cNvSpPr txBox="1"/>
+          <p:nvPr/>
+        </p:nvSpPr>
+        <p:spPr>
+          <a:xfrm>
+            <a:off x="603824" y="818243"/>
+            <a:ext cx="3089226" cy="369332"/>
+          </a:xfrm>
+          <a:prstGeom prst="rect">
+            <a:avLst/>
+          </a:prstGeom>
+          <a:solidFill>
+            <a:srgbClr val="FFC000"/>
+          </a:solidFill>
+        </p:spPr>
+        <p:txBody>
+          <a:bodyPr wrap="square" rtlCol="0">
+            <a:spAutoFit/>
+          </a:bodyPr>
+          <a:lstStyle/>
+          <a:p>
+            <a:r>
+              <a:rPr lang="en-US" dirty="0"/>
+              <a:t>Re-Usable User Interfaces</a:t>
+            </a:r>
+          </a:p>
+        </p:txBody>
+      </p:sp>
+      <p:cxnSp>
+        <p:nvCxnSpPr>
+          <p:cNvPr id="44" name="Straight Arrow Connector 43">
+            <a:extLst>
+              <a:ext uri="{FF2B5EF4-FFF2-40B4-BE49-F238E27FC236}">
+                <a16:creationId xmlns:a16="http://schemas.microsoft.com/office/drawing/2014/main" id="{68F56EAB-588F-9A47-827C-525530D281E3}"/>
+              </a:ext>
+            </a:extLst>
+          </p:cNvPr>
+          <p:cNvCxnSpPr/>
+          <p:nvPr/>
+        </p:nvCxnSpPr>
+        <p:spPr>
+          <a:xfrm flipH="1">
+            <a:off x="1210491" y="1186954"/>
+            <a:ext cx="949235" cy="1016315"/>
+          </a:xfrm>
+          <a:prstGeom prst="straightConnector1">
+            <a:avLst/>
+          </a:prstGeom>
+          <a:ln>
+            <a:tailEnd type="triangle"/>
+          </a:ln>
+        </p:spPr>
+        <p:style>
+          <a:lnRef idx="3">
+            <a:schemeClr val="dk1"/>
+          </a:lnRef>
+          <a:fillRef idx="0">
+            <a:schemeClr val="dk1"/>
+          </a:fillRef>
+          <a:effectRef idx="2">
+            <a:schemeClr val="dk1"/>
+          </a:effectRef>
+          <a:fontRef idx="minor">
+            <a:schemeClr val="tx1"/>
+          </a:fontRef>
+        </p:style>
+      </p:cxnSp>
+      <p:cxnSp>
+        <p:nvCxnSpPr>
+          <p:cNvPr id="45" name="Straight Arrow Connector 44">
+            <a:extLst>
+              <a:ext uri="{FF2B5EF4-FFF2-40B4-BE49-F238E27FC236}">
+                <a16:creationId xmlns:a16="http://schemas.microsoft.com/office/drawing/2014/main" id="{1506F376-83E7-E54C-AC83-A0AADB36AB11}"/>
+              </a:ext>
+            </a:extLst>
+          </p:cNvPr>
+          <p:cNvCxnSpPr>
+            <a:cxnSpLocks/>
+          </p:cNvCxnSpPr>
+          <p:nvPr/>
+        </p:nvCxnSpPr>
+        <p:spPr>
+          <a:xfrm>
+            <a:off x="2148438" y="1194368"/>
+            <a:ext cx="240152" cy="1008901"/>
+          </a:xfrm>
+          <a:prstGeom prst="straightConnector1">
+            <a:avLst/>
+          </a:prstGeom>
+          <a:ln>
+            <a:tailEnd type="triangle"/>
+          </a:ln>
+        </p:spPr>
+        <p:style>
+          <a:lnRef idx="3">
+            <a:schemeClr val="dk1"/>
+          </a:lnRef>
+          <a:fillRef idx="0">
+            <a:schemeClr val="dk1"/>
+          </a:fillRef>
+          <a:effectRef idx="2">
+            <a:schemeClr val="dk1"/>
+          </a:effectRef>
+          <a:fontRef idx="minor">
+            <a:schemeClr val="tx1"/>
+          </a:fontRef>
+        </p:style>
+      </p:cxnSp>
+      <p:cxnSp>
+        <p:nvCxnSpPr>
+          <p:cNvPr id="48" name="Straight Arrow Connector 47">
+            <a:extLst>
+              <a:ext uri="{FF2B5EF4-FFF2-40B4-BE49-F238E27FC236}">
+                <a16:creationId xmlns:a16="http://schemas.microsoft.com/office/drawing/2014/main" id="{2EC0367E-BE8A-0544-9C7A-D6BC04B2A27F}"/>
+              </a:ext>
+            </a:extLst>
+          </p:cNvPr>
+          <p:cNvCxnSpPr>
+            <a:cxnSpLocks/>
+          </p:cNvCxnSpPr>
+          <p:nvPr/>
+        </p:nvCxnSpPr>
+        <p:spPr>
+          <a:xfrm flipH="1">
+            <a:off x="1495767" y="1215432"/>
+            <a:ext cx="652671" cy="2272519"/>
+          </a:xfrm>
+          <a:prstGeom prst="straightConnector1">
+            <a:avLst/>
+          </a:prstGeom>
+          <a:ln>
+            <a:tailEnd type="triangle"/>
+          </a:ln>
+        </p:spPr>
+        <p:style>
+          <a:lnRef idx="3">
+            <a:schemeClr val="dk1"/>
+          </a:lnRef>
+          <a:fillRef idx="0">
+            <a:schemeClr val="dk1"/>
+          </a:fillRef>
+          <a:effectRef idx="2">
+            <a:schemeClr val="dk1"/>
+          </a:effectRef>
+          <a:fontRef idx="minor">
+            <a:schemeClr val="tx1"/>
+          </a:fontRef>
+        </p:style>
+      </p:cxnSp>
+      <p:cxnSp>
+        <p:nvCxnSpPr>
+          <p:cNvPr id="51" name="Straight Arrow Connector 50">
+            <a:extLst>
+              <a:ext uri="{FF2B5EF4-FFF2-40B4-BE49-F238E27FC236}">
+                <a16:creationId xmlns:a16="http://schemas.microsoft.com/office/drawing/2014/main" id="{B8506F1B-014E-F740-B405-FC7CF08D8B32}"/>
+              </a:ext>
+            </a:extLst>
+          </p:cNvPr>
+          <p:cNvCxnSpPr>
+            <a:cxnSpLocks/>
+          </p:cNvCxnSpPr>
+          <p:nvPr/>
+        </p:nvCxnSpPr>
+        <p:spPr>
+          <a:xfrm>
+            <a:off x="2153368" y="1253859"/>
+            <a:ext cx="211950" cy="2207002"/>
+          </a:xfrm>
+          <a:prstGeom prst="straightConnector1">
+            <a:avLst/>
+          </a:prstGeom>
+          <a:ln>
+            <a:tailEnd type="triangle"/>
+          </a:ln>
+        </p:spPr>
+        <p:style>
+          <a:lnRef idx="3">
+            <a:schemeClr val="dk1"/>
+          </a:lnRef>
+          <a:fillRef idx="0">
+            <a:schemeClr val="dk1"/>
+          </a:fillRef>
+          <a:effectRef idx="2">
+            <a:schemeClr val="dk1"/>
+          </a:effectRef>
+          <a:fontRef idx="minor">
+            <a:schemeClr val="tx1"/>
+          </a:fontRef>
+        </p:style>
+      </p:cxnSp>
+      <p:sp>
+        <p:nvSpPr>
+          <p:cNvPr id="54" name="TextBox 53">
+            <a:extLst>
+              <a:ext uri="{FF2B5EF4-FFF2-40B4-BE49-F238E27FC236}">
+                <a16:creationId xmlns:a16="http://schemas.microsoft.com/office/drawing/2014/main" id="{090891C4-5326-224E-BCD7-2AA911FD2DBB}"/>
+              </a:ext>
+            </a:extLst>
+          </p:cNvPr>
+          <p:cNvSpPr txBox="1"/>
+          <p:nvPr/>
+        </p:nvSpPr>
+        <p:spPr>
+          <a:xfrm>
+            <a:off x="366831" y="4714073"/>
+            <a:ext cx="4429796" cy="369332"/>
+          </a:xfrm>
+          <a:prstGeom prst="rect">
+            <a:avLst/>
+          </a:prstGeom>
+          <a:solidFill>
+            <a:srgbClr val="FFC000"/>
+          </a:solidFill>
+        </p:spPr>
+        <p:txBody>
+          <a:bodyPr wrap="square" rtlCol="0">
+            <a:spAutoFit/>
+          </a:bodyPr>
+          <a:lstStyle/>
+          <a:p>
+            <a:r>
+              <a:rPr lang="en-US" dirty="0"/>
+              <a:t>Components (Re-Usable UI + Data + Events)</a:t>
+            </a:r>
+          </a:p>
+        </p:txBody>
+      </p:sp>
+    </p:spTree>
+    <p:extLst>
+      <p:ext uri="{BB962C8B-B14F-4D97-AF65-F5344CB8AC3E}">
+        <p14:creationId xmlns:p14="http://schemas.microsoft.com/office/powerpoint/2010/main" val="1196351583"/>
+      </p:ext>
+    </p:extLst>
+  </p:cSld>
+  <p:clrMapOvr>
+    <a:masterClrMapping/>
+  </p:clrMapOvr>
+</p:sld>
+</file>
+
+<file path=ppt/slides/slide48.xml><?xml version="1.0" encoding="utf-8"?>
+<p:sld xmlns:a="http://schemas.openxmlformats.org/drawingml/2006/main" xmlns:r="http://schemas.openxmlformats.org/officeDocument/2006/relationships" xmlns:p="http://schemas.openxmlformats.org/presentationml/2006/main">
+  <p:cSld>
+    <p:spTree>
+      <p:nvGrpSpPr>
+        <p:cNvPr id="1" name=""/>
+        <p:cNvGrpSpPr/>
+        <p:nvPr/>
+      </p:nvGrpSpPr>
+      <p:grpSpPr>
+        <a:xfrm>
+          <a:off x="0" y="0"/>
+          <a:ext cx="0" cy="0"/>
+          <a:chOff x="0" y="0"/>
+          <a:chExt cx="0" cy="0"/>
+        </a:xfrm>
+      </p:grpSpPr>
+      <p:sp>
+        <p:nvSpPr>
+          <p:cNvPr id="2" name="TextBox 1">
+            <a:extLst>
+              <a:ext uri="{FF2B5EF4-FFF2-40B4-BE49-F238E27FC236}">
+                <a16:creationId xmlns:a16="http://schemas.microsoft.com/office/drawing/2014/main" id="{62EA4CE9-420E-F147-832A-F19D5F169A92}"/>
+              </a:ext>
+            </a:extLst>
+          </p:cNvPr>
+          <p:cNvSpPr txBox="1"/>
+          <p:nvPr/>
+        </p:nvSpPr>
+        <p:spPr>
+          <a:xfrm>
+            <a:off x="0" y="644433"/>
+            <a:ext cx="12078789" cy="2308324"/>
+          </a:xfrm>
+          <a:prstGeom prst="rect">
+            <a:avLst/>
+          </a:prstGeom>
+          <a:noFill/>
+        </p:spPr>
+        <p:txBody>
+          <a:bodyPr wrap="square" rtlCol="0">
+            <a:spAutoFit/>
+          </a:bodyPr>
+          <a:lstStyle/>
+          <a:p>
+            <a:r>
+              <a:rPr lang="en-US" dirty="0"/>
+              <a:t>HTML 5, a Cross Browser Markup with</a:t>
+            </a:r>
+          </a:p>
+          <a:p>
+            <a:pPr marL="285750" indent="-285750">
+              <a:buFont typeface="Arial" panose="020B0604020202020204" pitchFamily="34" charset="0"/>
+              <a:buChar char="•"/>
+            </a:pPr>
+            <a:r>
+              <a:rPr lang="en-US" dirty="0"/>
+              <a:t>HTML Tag aka UI Elements</a:t>
+            </a:r>
+          </a:p>
+          <a:p>
+            <a:pPr marL="285750" indent="-285750">
+              <a:buFont typeface="Arial" panose="020B0604020202020204" pitchFamily="34" charset="0"/>
+              <a:buChar char="•"/>
+            </a:pPr>
+            <a:r>
+              <a:rPr lang="en-US" dirty="0"/>
+              <a:t>Inline JavaScript</a:t>
+            </a:r>
+          </a:p>
+          <a:p>
+            <a:pPr marL="742950" lvl="1" indent="-285750">
+              <a:buFont typeface="Arial" panose="020B0604020202020204" pitchFamily="34" charset="0"/>
+              <a:buChar char="•"/>
+            </a:pPr>
+            <a:r>
+              <a:rPr lang="en-US" dirty="0"/>
+              <a:t>The default JS Objects integrated with the UI Elements</a:t>
+            </a:r>
+          </a:p>
+          <a:p>
+            <a:pPr marL="285750" indent="-285750">
+              <a:buFont typeface="Arial" panose="020B0604020202020204" pitchFamily="34" charset="0"/>
+              <a:buChar char="•"/>
+            </a:pPr>
+            <a:r>
+              <a:rPr lang="en-US" dirty="0"/>
+              <a:t>Inline CSS</a:t>
+            </a:r>
+          </a:p>
+          <a:p>
+            <a:pPr marL="742950" lvl="1" indent="-285750">
+              <a:buFont typeface="Arial" panose="020B0604020202020204" pitchFamily="34" charset="0"/>
+              <a:buChar char="•"/>
+            </a:pPr>
+            <a:r>
+              <a:rPr lang="en-US" dirty="0"/>
+              <a:t>The default CSS for managing Look and feel of the HTML Element</a:t>
+            </a:r>
+          </a:p>
+          <a:p>
+            <a:pPr marL="285750" indent="-285750">
+              <a:buFont typeface="Arial" panose="020B0604020202020204" pitchFamily="34" charset="0"/>
+              <a:buChar char="•"/>
+            </a:pPr>
+            <a:endParaRPr lang="en-US" dirty="0"/>
+          </a:p>
+          <a:p>
+            <a:pPr marL="285750" indent="-285750">
+              <a:buFont typeface="Arial" panose="020B0604020202020204" pitchFamily="34" charset="0"/>
+              <a:buChar char="•"/>
+            </a:pPr>
+            <a:r>
+              <a:rPr lang="en-US" dirty="0"/>
+              <a:t>Input type=“date” , month, week, number, email, etc. 	</a:t>
+            </a:r>
+          </a:p>
+        </p:txBody>
+      </p:sp>
+      <p:sp>
+        <p:nvSpPr>
+          <p:cNvPr id="3" name="Rectangle 2">
+            <a:extLst>
+              <a:ext uri="{FF2B5EF4-FFF2-40B4-BE49-F238E27FC236}">
+                <a16:creationId xmlns:a16="http://schemas.microsoft.com/office/drawing/2014/main" id="{6BCE72CB-6B95-0645-8985-43E9B468EBC5}"/>
+              </a:ext>
+            </a:extLst>
+          </p:cNvPr>
+          <p:cNvSpPr/>
+          <p:nvPr/>
+        </p:nvSpPr>
+        <p:spPr>
+          <a:xfrm>
+            <a:off x="0" y="0"/>
+            <a:ext cx="12192000" cy="513806"/>
+          </a:xfrm>
+          <a:prstGeom prst="rect">
+            <a:avLst/>
+          </a:prstGeom>
+        </p:spPr>
+        <p:style>
+          <a:lnRef idx="2">
+            <a:schemeClr val="accent1">
+              <a:shade val="50000"/>
+            </a:schemeClr>
+          </a:lnRef>
+          <a:fillRef idx="1">
+            <a:schemeClr val="accent1"/>
+          </a:fillRef>
+          <a:effectRef idx="0">
+            <a:schemeClr val="accent1"/>
+          </a:effectRef>
+          <a:fontRef idx="minor">
+            <a:schemeClr val="lt1"/>
+          </a:fontRef>
+        </p:style>
+        <p:txBody>
+          <a:bodyPr rtlCol="0" anchor="ctr"/>
+          <a:lstStyle/>
+          <a:p>
+            <a:pPr algn="ctr"/>
+            <a:r>
+              <a:rPr lang="en-US" dirty="0"/>
+              <a:t>JAVASCRIPT </a:t>
+            </a:r>
+            <a:r>
+              <a:rPr lang="en-US" dirty="0" err="1"/>
+              <a:t>FullStack</a:t>
+            </a:r>
+            <a:r>
+              <a:rPr lang="en-US" dirty="0"/>
+              <a:t> App Architecture </a:t>
+            </a:r>
+            <a:r>
+              <a:rPr lang="en-US" dirty="0" err="1"/>
+              <a:t>w.r.t</a:t>
+            </a:r>
+            <a:r>
+              <a:rPr lang="en-US" dirty="0"/>
+              <a:t> Front-End</a:t>
+            </a:r>
+          </a:p>
+        </p:txBody>
+      </p:sp>
+    </p:spTree>
+    <p:extLst>
+      <p:ext uri="{BB962C8B-B14F-4D97-AF65-F5344CB8AC3E}">
+        <p14:creationId xmlns:p14="http://schemas.microsoft.com/office/powerpoint/2010/main" val="693200931"/>
+      </p:ext>
+    </p:extLst>
+  </p:cSld>
+  <p:clrMapOvr>
+    <a:masterClrMapping/>
+  </p:clrMapOvr>
+</p:sld>
+</file>
+
+<file path=ppt/slides/slide49.xml><?xml version="1.0" encoding="utf-8"?>
+<p:sld xmlns:a="http://schemas.openxmlformats.org/drawingml/2006/main" xmlns:r="http://schemas.openxmlformats.org/officeDocument/2006/relationships" xmlns:p="http://schemas.openxmlformats.org/presentationml/2006/main">
+  <p:cSld>
+    <p:spTree>
+      <p:nvGrpSpPr>
+        <p:cNvPr id="1" name=""/>
+        <p:cNvGrpSpPr/>
+        <p:nvPr/>
+      </p:nvGrpSpPr>
+      <p:grpSpPr>
+        <a:xfrm>
+          <a:off x="0" y="0"/>
+          <a:ext cx="0" cy="0"/>
+          <a:chOff x="0" y="0"/>
+          <a:chExt cx="0" cy="0"/>
+        </a:xfrm>
+      </p:grpSpPr>
+      <p:sp>
+        <p:nvSpPr>
+          <p:cNvPr id="2" name="Rectangle 1">
+            <a:extLst>
+              <a:ext uri="{FF2B5EF4-FFF2-40B4-BE49-F238E27FC236}">
+                <a16:creationId xmlns:a16="http://schemas.microsoft.com/office/drawing/2014/main" id="{2FFC4653-C68B-D949-A924-9996B3B84127}"/>
+              </a:ext>
+            </a:extLst>
+          </p:cNvPr>
+          <p:cNvSpPr/>
+          <p:nvPr/>
+        </p:nvSpPr>
+        <p:spPr>
+          <a:xfrm>
+            <a:off x="0" y="0"/>
+            <a:ext cx="12192000" cy="513806"/>
+          </a:xfrm>
+          <a:prstGeom prst="rect">
+            <a:avLst/>
+          </a:prstGeom>
+        </p:spPr>
+        <p:style>
+          <a:lnRef idx="2">
+            <a:schemeClr val="accent1">
+              <a:shade val="50000"/>
+            </a:schemeClr>
+          </a:lnRef>
+          <a:fillRef idx="1">
+            <a:schemeClr val="accent1"/>
+          </a:fillRef>
+          <a:effectRef idx="0">
+            <a:schemeClr val="accent1"/>
+          </a:effectRef>
+          <a:fontRef idx="minor">
+            <a:schemeClr val="lt1"/>
+          </a:fontRef>
+        </p:style>
+        <p:txBody>
+          <a:bodyPr rtlCol="0" anchor="ctr"/>
+          <a:lstStyle/>
+          <a:p>
+            <a:pPr algn="ctr"/>
+            <a:r>
+              <a:rPr lang="en-US" dirty="0"/>
+              <a:t>JAVASCRIPT </a:t>
+            </a:r>
+            <a:r>
+              <a:rPr lang="en-US" dirty="0" err="1"/>
+              <a:t>FullStack</a:t>
+            </a:r>
+            <a:r>
+              <a:rPr lang="en-US" dirty="0"/>
+              <a:t> App Architecture </a:t>
+            </a:r>
+            <a:r>
+              <a:rPr lang="en-US" dirty="0" err="1"/>
+              <a:t>w.r.t</a:t>
+            </a:r>
+            <a:r>
+              <a:rPr lang="en-US" dirty="0"/>
+              <a:t> Front-End</a:t>
+            </a:r>
+          </a:p>
+        </p:txBody>
+      </p:sp>
+      <p:sp>
+        <p:nvSpPr>
+          <p:cNvPr id="3" name="TextBox 2">
+            <a:extLst>
+              <a:ext uri="{FF2B5EF4-FFF2-40B4-BE49-F238E27FC236}">
+                <a16:creationId xmlns:a16="http://schemas.microsoft.com/office/drawing/2014/main" id="{0A8BC244-FA41-1749-988C-42153912C733}"/>
+              </a:ext>
+            </a:extLst>
+          </p:cNvPr>
+          <p:cNvSpPr txBox="1"/>
+          <p:nvPr/>
+        </p:nvSpPr>
+        <p:spPr>
+          <a:xfrm>
+            <a:off x="243840" y="740229"/>
+            <a:ext cx="11791406" cy="4524315"/>
+          </a:xfrm>
+          <a:prstGeom prst="rect">
+            <a:avLst/>
+          </a:prstGeom>
+          <a:noFill/>
+        </p:spPr>
+        <p:txBody>
+          <a:bodyPr wrap="square" rtlCol="0">
+            <a:spAutoFit/>
+          </a:bodyPr>
+          <a:lstStyle/>
+          <a:p>
+            <a:r>
+              <a:rPr lang="en-US" dirty="0"/>
+              <a:t>Web Components</a:t>
+            </a:r>
+          </a:p>
+          <a:p>
+            <a:pPr marL="285750" indent="-285750">
+              <a:buFont typeface="Arial" panose="020B0604020202020204" pitchFamily="34" charset="0"/>
+              <a:buChar char="•"/>
+            </a:pPr>
+            <a:r>
+              <a:rPr lang="en-US" dirty="0"/>
+              <a:t>An Autonomous Object that is loaded in browser by having</a:t>
+            </a:r>
+          </a:p>
+          <a:p>
+            <a:pPr marL="742950" lvl="1" indent="-285750">
+              <a:buFont typeface="Arial" panose="020B0604020202020204" pitchFamily="34" charset="0"/>
+              <a:buChar char="•"/>
+            </a:pPr>
+            <a:r>
+              <a:rPr lang="en-US" dirty="0"/>
+              <a:t>UI with UX</a:t>
+            </a:r>
+          </a:p>
+          <a:p>
+            <a:pPr marL="742950" lvl="1" indent="-285750">
+              <a:buFont typeface="Arial" panose="020B0604020202020204" pitchFamily="34" charset="0"/>
+              <a:buChar char="•"/>
+            </a:pPr>
+            <a:r>
+              <a:rPr lang="en-US" dirty="0"/>
+              <a:t>Data</a:t>
+            </a:r>
+          </a:p>
+          <a:p>
+            <a:pPr marL="742950" lvl="1" indent="-285750">
+              <a:buFont typeface="Arial" panose="020B0604020202020204" pitchFamily="34" charset="0"/>
+              <a:buChar char="•"/>
+            </a:pPr>
+            <a:r>
+              <a:rPr lang="en-US" dirty="0"/>
+              <a:t>Behavior</a:t>
+            </a:r>
+          </a:p>
+          <a:p>
+            <a:pPr marL="742950" lvl="1" indent="-285750">
+              <a:buFont typeface="Arial" panose="020B0604020202020204" pitchFamily="34" charset="0"/>
+              <a:buChar char="•"/>
+            </a:pPr>
+            <a:r>
+              <a:rPr lang="en-US" dirty="0"/>
+              <a:t>Reusability</a:t>
+            </a:r>
+          </a:p>
+          <a:p>
+            <a:pPr marL="285750" indent="-285750">
+              <a:buFont typeface="Arial" panose="020B0604020202020204" pitchFamily="34" charset="0"/>
+              <a:buChar char="•"/>
+            </a:pPr>
+            <a:r>
+              <a:rPr lang="en-US" dirty="0"/>
+              <a:t>Initiated by Mozilla Foundation</a:t>
+            </a:r>
+          </a:p>
+          <a:p>
+            <a:pPr marL="285750" indent="-285750">
+              <a:buFont typeface="Arial" panose="020B0604020202020204" pitchFamily="34" charset="0"/>
+              <a:buChar char="•"/>
+            </a:pPr>
+            <a:r>
+              <a:rPr lang="en-US" dirty="0"/>
+              <a:t>Polymer</a:t>
+            </a:r>
+          </a:p>
+          <a:p>
+            <a:pPr marL="742950" lvl="1" indent="-285750">
+              <a:buFont typeface="Arial" panose="020B0604020202020204" pitchFamily="34" charset="0"/>
+              <a:buChar char="•"/>
+            </a:pPr>
+            <a:r>
+              <a:rPr lang="en-US" dirty="0"/>
+              <a:t>Communicatee that have invented the Cross-Browser Custom Elements known as </a:t>
+            </a:r>
+            <a:r>
+              <a:rPr lang="en-US" dirty="0" err="1"/>
+              <a:t>WebComponents</a:t>
+            </a:r>
+            <a:endParaRPr lang="en-US" dirty="0"/>
+          </a:p>
+          <a:p>
+            <a:pPr marL="285750" indent="-285750">
+              <a:buFont typeface="Arial" panose="020B0604020202020204" pitchFamily="34" charset="0"/>
+              <a:buChar char="•"/>
+            </a:pPr>
+            <a:r>
+              <a:rPr lang="en-US" dirty="0"/>
+              <a:t>Popular Technologies  contains Components </a:t>
+            </a:r>
+          </a:p>
+          <a:p>
+            <a:pPr marL="742950" lvl="1" indent="-285750">
+              <a:buFont typeface="Arial" panose="020B0604020202020204" pitchFamily="34" charset="0"/>
+              <a:buChar char="•"/>
+            </a:pPr>
+            <a:r>
+              <a:rPr lang="en-US" dirty="0"/>
+              <a:t>Angular</a:t>
+            </a:r>
+          </a:p>
+          <a:p>
+            <a:pPr marL="742950" lvl="1" indent="-285750">
+              <a:buFont typeface="Arial" panose="020B0604020202020204" pitchFamily="34" charset="0"/>
+              <a:buChar char="•"/>
+            </a:pPr>
+            <a:r>
+              <a:rPr lang="en-US" dirty="0"/>
+              <a:t>React</a:t>
+            </a:r>
+          </a:p>
+          <a:p>
+            <a:pPr marL="742950" lvl="1" indent="-285750">
+              <a:buFont typeface="Arial" panose="020B0604020202020204" pitchFamily="34" charset="0"/>
+              <a:buChar char="•"/>
+            </a:pPr>
+            <a:r>
+              <a:rPr lang="en-US" dirty="0"/>
+              <a:t>Vue</a:t>
+            </a:r>
+          </a:p>
+          <a:p>
+            <a:pPr marL="742950" lvl="1" indent="-285750">
+              <a:buFont typeface="Arial" panose="020B0604020202020204" pitchFamily="34" charset="0"/>
+              <a:buChar char="•"/>
+            </a:pPr>
+            <a:r>
+              <a:rPr lang="en-US" dirty="0"/>
+              <a:t>Ember  </a:t>
+            </a:r>
+          </a:p>
+          <a:p>
+            <a:pPr marL="285750" indent="-285750">
+              <a:buFont typeface="Arial" panose="020B0604020202020204" pitchFamily="34" charset="0"/>
+              <a:buChar char="•"/>
+            </a:pPr>
+            <a:r>
+              <a:rPr lang="en-US" dirty="0"/>
+              <a:t>Supports the development of ‘Micro-</a:t>
+            </a:r>
+            <a:r>
+              <a:rPr lang="en-US" dirty="0" err="1"/>
+              <a:t>FrontEnds’</a:t>
+            </a:r>
+            <a:endParaRPr lang="en-US" dirty="0"/>
+          </a:p>
+          <a:p>
+            <a:pPr marL="742950" lvl="1" indent="-285750">
+              <a:buFont typeface="Arial" panose="020B0604020202020204" pitchFamily="34" charset="0"/>
+              <a:buChar char="•"/>
+            </a:pPr>
+            <a:r>
+              <a:rPr lang="en-US" dirty="0"/>
+              <a:t>One UI is developed using different components from different JS Libraries and frameworks</a:t>
+            </a:r>
+          </a:p>
+        </p:txBody>
+      </p:sp>
+    </p:spTree>
+    <p:extLst>
+      <p:ext uri="{BB962C8B-B14F-4D97-AF65-F5344CB8AC3E}">
+        <p14:creationId xmlns:p14="http://schemas.microsoft.com/office/powerpoint/2010/main" val="4106995786"/>
+      </p:ext>
+    </p:extLst>
+  </p:cSld>
+  <p:clrMapOvr>
+    <a:masterClrMapping/>
+  </p:clrMapOvr>
+</p:sld>
+</file>
+
 <file path=ppt/slides/slide5.xml><?xml version="1.0" encoding="utf-8"?>
 <p:sld xmlns:a="http://schemas.openxmlformats.org/drawingml/2006/main" xmlns:r="http://schemas.openxmlformats.org/officeDocument/2006/relationships" xmlns:p="http://schemas.openxmlformats.org/presentationml/2006/main">
   <p:cSld>

--- a/Training_Notes_PPTs.pptx
+++ b/Training_Notes_PPTs.pptx
@@ -54,6 +54,7 @@
     <p:sldId id="302" r:id="rId48"/>
     <p:sldId id="303" r:id="rId49"/>
     <p:sldId id="304" r:id="rId50"/>
+    <p:sldId id="305" r:id="rId51"/>
   </p:sldIdLst>
   <p:sldSz cx="12192000" cy="6858000"/>
   <p:notesSz cx="6858000" cy="9144000"/>
@@ -40428,6 +40429,769 @@
 </p:sld>
 </file>
 
+<file path=ppt/slides/slide50.xml><?xml version="1.0" encoding="utf-8"?>
+<p:sld xmlns:a="http://schemas.openxmlformats.org/drawingml/2006/main" xmlns:r="http://schemas.openxmlformats.org/officeDocument/2006/relationships" xmlns:p="http://schemas.openxmlformats.org/presentationml/2006/main">
+  <p:cSld>
+    <p:spTree>
+      <p:nvGrpSpPr>
+        <p:cNvPr id="1" name=""/>
+        <p:cNvGrpSpPr/>
+        <p:nvPr/>
+      </p:nvGrpSpPr>
+      <p:grpSpPr>
+        <a:xfrm>
+          <a:off x="0" y="0"/>
+          <a:ext cx="0" cy="0"/>
+          <a:chOff x="0" y="0"/>
+          <a:chExt cx="0" cy="0"/>
+        </a:xfrm>
+      </p:grpSpPr>
+      <p:sp>
+        <p:nvSpPr>
+          <p:cNvPr id="2" name="Rectangle 1">
+            <a:extLst>
+              <a:ext uri="{FF2B5EF4-FFF2-40B4-BE49-F238E27FC236}">
+                <a16:creationId xmlns:a16="http://schemas.microsoft.com/office/drawing/2014/main" id="{82F4DD40-7B4A-E146-A0EB-890A4A73724C}"/>
+              </a:ext>
+            </a:extLst>
+          </p:cNvPr>
+          <p:cNvSpPr/>
+          <p:nvPr/>
+        </p:nvSpPr>
+        <p:spPr>
+          <a:xfrm>
+            <a:off x="200297" y="113211"/>
+            <a:ext cx="11904617" cy="5869578"/>
+          </a:xfrm>
+          <a:prstGeom prst="rect">
+            <a:avLst/>
+          </a:prstGeom>
+        </p:spPr>
+        <p:style>
+          <a:lnRef idx="2">
+            <a:schemeClr val="accent6"/>
+          </a:lnRef>
+          <a:fillRef idx="1">
+            <a:schemeClr val="lt1"/>
+          </a:fillRef>
+          <a:effectRef idx="0">
+            <a:schemeClr val="accent6"/>
+          </a:effectRef>
+          <a:fontRef idx="minor">
+            <a:schemeClr val="dk1"/>
+          </a:fontRef>
+        </p:style>
+        <p:txBody>
+          <a:bodyPr rtlCol="0" anchor="ctr"/>
+          <a:lstStyle/>
+          <a:p>
+            <a:pPr algn="ctr"/>
+            <a:endParaRPr lang="en-US"/>
+          </a:p>
+        </p:txBody>
+      </p:sp>
+      <p:sp>
+        <p:nvSpPr>
+          <p:cNvPr id="3" name="TextBox 2">
+            <a:extLst>
+              <a:ext uri="{FF2B5EF4-FFF2-40B4-BE49-F238E27FC236}">
+                <a16:creationId xmlns:a16="http://schemas.microsoft.com/office/drawing/2014/main" id="{CC2032D6-6A08-D34C-9774-10BB0EE20703}"/>
+              </a:ext>
+            </a:extLst>
+          </p:cNvPr>
+          <p:cNvSpPr txBox="1"/>
+          <p:nvPr/>
+        </p:nvSpPr>
+        <p:spPr>
+          <a:xfrm>
+            <a:off x="4502331" y="226423"/>
+            <a:ext cx="4302035" cy="369332"/>
+          </a:xfrm>
+          <a:prstGeom prst="rect">
+            <a:avLst/>
+          </a:prstGeom>
+          <a:noFill/>
+        </p:spPr>
+        <p:txBody>
+          <a:bodyPr wrap="square" rtlCol="0">
+            <a:spAutoFit/>
+          </a:bodyPr>
+          <a:lstStyle/>
+          <a:p>
+            <a:pPr algn="ctr"/>
+            <a:r>
+              <a:rPr lang="en-US" dirty="0"/>
+              <a:t>Browser with </a:t>
+            </a:r>
+            <a:r>
+              <a:rPr lang="en-US" dirty="0" err="1"/>
+              <a:t>index.html</a:t>
+            </a:r>
+            <a:endParaRPr lang="en-US" dirty="0"/>
+          </a:p>
+        </p:txBody>
+      </p:sp>
+      <p:sp>
+        <p:nvSpPr>
+          <p:cNvPr id="4" name="Rectangle 3">
+            <a:extLst>
+              <a:ext uri="{FF2B5EF4-FFF2-40B4-BE49-F238E27FC236}">
+                <a16:creationId xmlns:a16="http://schemas.microsoft.com/office/drawing/2014/main" id="{6F30AF69-A649-CC49-B5C3-27DD63E8E359}"/>
+              </a:ext>
+            </a:extLst>
+          </p:cNvPr>
+          <p:cNvSpPr/>
+          <p:nvPr/>
+        </p:nvSpPr>
+        <p:spPr>
+          <a:xfrm>
+            <a:off x="200298" y="4868091"/>
+            <a:ext cx="11887200" cy="139338"/>
+          </a:xfrm>
+          <a:prstGeom prst="rect">
+            <a:avLst/>
+          </a:prstGeom>
+        </p:spPr>
+        <p:style>
+          <a:lnRef idx="2">
+            <a:schemeClr val="accent1">
+              <a:shade val="50000"/>
+            </a:schemeClr>
+          </a:lnRef>
+          <a:fillRef idx="1">
+            <a:schemeClr val="accent1"/>
+          </a:fillRef>
+          <a:effectRef idx="0">
+            <a:schemeClr val="accent1"/>
+          </a:effectRef>
+          <a:fontRef idx="minor">
+            <a:schemeClr val="lt1"/>
+          </a:fontRef>
+        </p:style>
+        <p:txBody>
+          <a:bodyPr rtlCol="0" anchor="ctr"/>
+          <a:lstStyle/>
+          <a:p>
+            <a:pPr algn="ctr"/>
+            <a:endParaRPr lang="en-US"/>
+          </a:p>
+        </p:txBody>
+      </p:sp>
+      <p:sp>
+        <p:nvSpPr>
+          <p:cNvPr id="5" name="TextBox 4">
+            <a:extLst>
+              <a:ext uri="{FF2B5EF4-FFF2-40B4-BE49-F238E27FC236}">
+                <a16:creationId xmlns:a16="http://schemas.microsoft.com/office/drawing/2014/main" id="{E0C50257-8822-6942-B445-DAFC7E7DCDB9}"/>
+              </a:ext>
+            </a:extLst>
+          </p:cNvPr>
+          <p:cNvSpPr txBox="1"/>
+          <p:nvPr/>
+        </p:nvSpPr>
+        <p:spPr>
+          <a:xfrm>
+            <a:off x="304800" y="5103223"/>
+            <a:ext cx="7515497" cy="369332"/>
+          </a:xfrm>
+          <a:prstGeom prst="rect">
+            <a:avLst/>
+          </a:prstGeom>
+          <a:noFill/>
+        </p:spPr>
+        <p:txBody>
+          <a:bodyPr wrap="square" rtlCol="0">
+            <a:spAutoFit/>
+          </a:bodyPr>
+          <a:lstStyle/>
+          <a:p>
+            <a:r>
+              <a:rPr lang="en-US" dirty="0" err="1"/>
+              <a:t>Main.chunk.js</a:t>
+            </a:r>
+            <a:r>
+              <a:rPr lang="en-US" dirty="0"/>
+              <a:t>, 0chunk.js, </a:t>
+            </a:r>
+            <a:r>
+              <a:rPr lang="en-US" dirty="0" err="1"/>
+              <a:t>bundle.js</a:t>
+            </a:r>
+            <a:r>
+              <a:rPr lang="en-US" dirty="0"/>
+              <a:t>. </a:t>
+            </a:r>
+          </a:p>
+        </p:txBody>
+      </p:sp>
+      <p:sp>
+        <p:nvSpPr>
+          <p:cNvPr id="6" name="Rectangle 5">
+            <a:extLst>
+              <a:ext uri="{FF2B5EF4-FFF2-40B4-BE49-F238E27FC236}">
+                <a16:creationId xmlns:a16="http://schemas.microsoft.com/office/drawing/2014/main" id="{B94E1689-AF33-9442-897A-90981CE76507}"/>
+              </a:ext>
+            </a:extLst>
+          </p:cNvPr>
+          <p:cNvSpPr/>
+          <p:nvPr/>
+        </p:nvSpPr>
+        <p:spPr>
+          <a:xfrm>
+            <a:off x="391886" y="648006"/>
+            <a:ext cx="11599817" cy="4124291"/>
+          </a:xfrm>
+          <a:prstGeom prst="rect">
+            <a:avLst/>
+          </a:prstGeom>
+        </p:spPr>
+        <p:style>
+          <a:lnRef idx="1">
+            <a:schemeClr val="accent4"/>
+          </a:lnRef>
+          <a:fillRef idx="2">
+            <a:schemeClr val="accent4"/>
+          </a:fillRef>
+          <a:effectRef idx="1">
+            <a:schemeClr val="accent4"/>
+          </a:effectRef>
+          <a:fontRef idx="minor">
+            <a:schemeClr val="dk1"/>
+          </a:fontRef>
+        </p:style>
+        <p:txBody>
+          <a:bodyPr rtlCol="0" anchor="ctr"/>
+          <a:lstStyle/>
+          <a:p>
+            <a:pPr algn="ctr"/>
+            <a:endParaRPr lang="en-US"/>
+          </a:p>
+        </p:txBody>
+      </p:sp>
+      <p:sp>
+        <p:nvSpPr>
+          <p:cNvPr id="7" name="Up Arrow 6">
+            <a:extLst>
+              <a:ext uri="{FF2B5EF4-FFF2-40B4-BE49-F238E27FC236}">
+                <a16:creationId xmlns:a16="http://schemas.microsoft.com/office/drawing/2014/main" id="{7AC19B79-AB07-2C40-9875-F2FA1AAC63CF}"/>
+              </a:ext>
+            </a:extLst>
+          </p:cNvPr>
+          <p:cNvSpPr/>
+          <p:nvPr/>
+        </p:nvSpPr>
+        <p:spPr>
+          <a:xfrm>
+            <a:off x="2882537" y="4592989"/>
+            <a:ext cx="217714" cy="579902"/>
+          </a:xfrm>
+          <a:prstGeom prst="upArrow">
+            <a:avLst/>
+          </a:prstGeom>
+          <a:solidFill>
+            <a:srgbClr val="FFC000"/>
+          </a:solidFill>
+        </p:spPr>
+        <p:style>
+          <a:lnRef idx="2">
+            <a:schemeClr val="accent1">
+              <a:shade val="50000"/>
+            </a:schemeClr>
+          </a:lnRef>
+          <a:fillRef idx="1">
+            <a:schemeClr val="accent1"/>
+          </a:fillRef>
+          <a:effectRef idx="0">
+            <a:schemeClr val="accent1"/>
+          </a:effectRef>
+          <a:fontRef idx="minor">
+            <a:schemeClr val="lt1"/>
+          </a:fontRef>
+        </p:style>
+        <p:txBody>
+          <a:bodyPr rtlCol="0" anchor="ctr"/>
+          <a:lstStyle/>
+          <a:p>
+            <a:pPr algn="ctr"/>
+            <a:endParaRPr lang="en-US"/>
+          </a:p>
+        </p:txBody>
+      </p:sp>
+      <p:sp>
+        <p:nvSpPr>
+          <p:cNvPr id="8" name="TextBox 7">
+            <a:extLst>
+              <a:ext uri="{FF2B5EF4-FFF2-40B4-BE49-F238E27FC236}">
+                <a16:creationId xmlns:a16="http://schemas.microsoft.com/office/drawing/2014/main" id="{55CAFFEB-0A80-1B46-9DD7-7E01E7788E08}"/>
+              </a:ext>
+            </a:extLst>
+          </p:cNvPr>
+          <p:cNvSpPr txBox="1"/>
+          <p:nvPr/>
+        </p:nvSpPr>
+        <p:spPr>
+          <a:xfrm>
+            <a:off x="3056709" y="4258491"/>
+            <a:ext cx="6592388" cy="369332"/>
+          </a:xfrm>
+          <a:prstGeom prst="rect">
+            <a:avLst/>
+          </a:prstGeom>
+          <a:noFill/>
+        </p:spPr>
+        <p:txBody>
+          <a:bodyPr wrap="square" rtlCol="0">
+            <a:spAutoFit/>
+          </a:bodyPr>
+          <a:lstStyle/>
+          <a:p>
+            <a:r>
+              <a:rPr lang="en-US" dirty="0"/>
+              <a:t>Load the </a:t>
+            </a:r>
+            <a:r>
+              <a:rPr lang="en-US" dirty="0" err="1"/>
+              <a:t>main.chunk.js</a:t>
+            </a:r>
+            <a:r>
+              <a:rPr lang="en-US" dirty="0"/>
+              <a:t> and mount the component in HTML DOM</a:t>
+            </a:r>
+          </a:p>
+        </p:txBody>
+      </p:sp>
+      <p:sp>
+        <p:nvSpPr>
+          <p:cNvPr id="9" name="Rectangle 8">
+            <a:extLst>
+              <a:ext uri="{FF2B5EF4-FFF2-40B4-BE49-F238E27FC236}">
+                <a16:creationId xmlns:a16="http://schemas.microsoft.com/office/drawing/2014/main" id="{25DF4380-2D7B-A147-A753-510117F763C7}"/>
+              </a:ext>
+            </a:extLst>
+          </p:cNvPr>
+          <p:cNvSpPr/>
+          <p:nvPr/>
+        </p:nvSpPr>
+        <p:spPr>
+          <a:xfrm>
+            <a:off x="1454331" y="748937"/>
+            <a:ext cx="6818812" cy="3431177"/>
+          </a:xfrm>
+          <a:prstGeom prst="rect">
+            <a:avLst/>
+          </a:prstGeom>
+        </p:spPr>
+        <p:style>
+          <a:lnRef idx="1">
+            <a:schemeClr val="accent1"/>
+          </a:lnRef>
+          <a:fillRef idx="2">
+            <a:schemeClr val="accent1"/>
+          </a:fillRef>
+          <a:effectRef idx="1">
+            <a:schemeClr val="accent1"/>
+          </a:effectRef>
+          <a:fontRef idx="minor">
+            <a:schemeClr val="dk1"/>
+          </a:fontRef>
+        </p:style>
+        <p:txBody>
+          <a:bodyPr rtlCol="0" anchor="ctr"/>
+          <a:lstStyle/>
+          <a:p>
+            <a:pPr algn="ctr"/>
+            <a:endParaRPr lang="en-US"/>
+          </a:p>
+        </p:txBody>
+      </p:sp>
+      <p:sp>
+        <p:nvSpPr>
+          <p:cNvPr id="10" name="TextBox 9">
+            <a:extLst>
+              <a:ext uri="{FF2B5EF4-FFF2-40B4-BE49-F238E27FC236}">
+                <a16:creationId xmlns:a16="http://schemas.microsoft.com/office/drawing/2014/main" id="{F4D30F92-22D3-694F-AFD9-E5183C103271}"/>
+              </a:ext>
+            </a:extLst>
+          </p:cNvPr>
+          <p:cNvSpPr txBox="1"/>
+          <p:nvPr/>
+        </p:nvSpPr>
+        <p:spPr>
+          <a:xfrm>
+            <a:off x="2072640" y="875211"/>
+            <a:ext cx="5503817" cy="369332"/>
+          </a:xfrm>
+          <a:prstGeom prst="rect">
+            <a:avLst/>
+          </a:prstGeom>
+          <a:noFill/>
+        </p:spPr>
+        <p:txBody>
+          <a:bodyPr wrap="square" rtlCol="0">
+            <a:spAutoFit/>
+          </a:bodyPr>
+          <a:lstStyle/>
+          <a:p>
+            <a:r>
+              <a:rPr lang="en-US" dirty="0"/>
+              <a:t>Parent Component with Props and local state</a:t>
+            </a:r>
+          </a:p>
+        </p:txBody>
+      </p:sp>
+      <p:sp>
+        <p:nvSpPr>
+          <p:cNvPr id="11" name="Rectangle 10">
+            <a:extLst>
+              <a:ext uri="{FF2B5EF4-FFF2-40B4-BE49-F238E27FC236}">
+                <a16:creationId xmlns:a16="http://schemas.microsoft.com/office/drawing/2014/main" id="{4E64A6CE-0A7E-544B-90E1-10B2740AC45C}"/>
+              </a:ext>
+            </a:extLst>
+          </p:cNvPr>
+          <p:cNvSpPr/>
+          <p:nvPr/>
+        </p:nvSpPr>
+        <p:spPr>
+          <a:xfrm>
+            <a:off x="1584960" y="1541417"/>
+            <a:ext cx="2011680" cy="2429692"/>
+          </a:xfrm>
+          <a:prstGeom prst="rect">
+            <a:avLst/>
+          </a:prstGeom>
+        </p:spPr>
+        <p:style>
+          <a:lnRef idx="2">
+            <a:schemeClr val="accent1">
+              <a:shade val="50000"/>
+            </a:schemeClr>
+          </a:lnRef>
+          <a:fillRef idx="1">
+            <a:schemeClr val="accent1"/>
+          </a:fillRef>
+          <a:effectRef idx="0">
+            <a:schemeClr val="accent1"/>
+          </a:effectRef>
+          <a:fontRef idx="minor">
+            <a:schemeClr val="lt1"/>
+          </a:fontRef>
+        </p:style>
+        <p:txBody>
+          <a:bodyPr rtlCol="0" anchor="ctr"/>
+          <a:lstStyle/>
+          <a:p>
+            <a:pPr algn="ctr"/>
+            <a:r>
+              <a:rPr lang="en-US" dirty="0"/>
+              <a:t>Child Component 1</a:t>
+            </a:r>
+          </a:p>
+          <a:p>
+            <a:pPr algn="ctr"/>
+            <a:r>
+              <a:rPr lang="en-US" dirty="0"/>
+              <a:t>Props and local state</a:t>
+            </a:r>
+          </a:p>
+        </p:txBody>
+      </p:sp>
+      <p:sp>
+        <p:nvSpPr>
+          <p:cNvPr id="12" name="Rectangle 11">
+            <a:extLst>
+              <a:ext uri="{FF2B5EF4-FFF2-40B4-BE49-F238E27FC236}">
+                <a16:creationId xmlns:a16="http://schemas.microsoft.com/office/drawing/2014/main" id="{2165FE72-4BDD-BC4F-9452-D70131482E9F}"/>
+              </a:ext>
+            </a:extLst>
+          </p:cNvPr>
+          <p:cNvSpPr/>
+          <p:nvPr/>
+        </p:nvSpPr>
+        <p:spPr>
+          <a:xfrm>
+            <a:off x="3709852" y="1561402"/>
+            <a:ext cx="2011680" cy="2429692"/>
+          </a:xfrm>
+          <a:prstGeom prst="rect">
+            <a:avLst/>
+          </a:prstGeom>
+        </p:spPr>
+        <p:style>
+          <a:lnRef idx="2">
+            <a:schemeClr val="accent1">
+              <a:shade val="50000"/>
+            </a:schemeClr>
+          </a:lnRef>
+          <a:fillRef idx="1">
+            <a:schemeClr val="accent1"/>
+          </a:fillRef>
+          <a:effectRef idx="0">
+            <a:schemeClr val="accent1"/>
+          </a:effectRef>
+          <a:fontRef idx="minor">
+            <a:schemeClr val="lt1"/>
+          </a:fontRef>
+        </p:style>
+        <p:txBody>
+          <a:bodyPr rtlCol="0" anchor="ctr"/>
+          <a:lstStyle/>
+          <a:p>
+            <a:pPr algn="ctr"/>
+            <a:r>
+              <a:rPr lang="en-US" dirty="0"/>
+              <a:t>Child Component 2</a:t>
+            </a:r>
+          </a:p>
+          <a:p>
+            <a:pPr algn="ctr"/>
+            <a:r>
+              <a:rPr lang="en-US" dirty="0"/>
+              <a:t>Props and local state</a:t>
+            </a:r>
+          </a:p>
+          <a:p>
+            <a:pPr algn="ctr"/>
+            <a:endParaRPr lang="en-US" dirty="0"/>
+          </a:p>
+        </p:txBody>
+      </p:sp>
+      <p:sp>
+        <p:nvSpPr>
+          <p:cNvPr id="13" name="Rectangle 12">
+            <a:extLst>
+              <a:ext uri="{FF2B5EF4-FFF2-40B4-BE49-F238E27FC236}">
+                <a16:creationId xmlns:a16="http://schemas.microsoft.com/office/drawing/2014/main" id="{961B5F47-E641-1A46-B96F-FC166C654E49}"/>
+              </a:ext>
+            </a:extLst>
+          </p:cNvPr>
+          <p:cNvSpPr/>
+          <p:nvPr/>
+        </p:nvSpPr>
+        <p:spPr>
+          <a:xfrm>
+            <a:off x="5834744" y="1561402"/>
+            <a:ext cx="2011680" cy="2429692"/>
+          </a:xfrm>
+          <a:prstGeom prst="rect">
+            <a:avLst/>
+          </a:prstGeom>
+        </p:spPr>
+        <p:style>
+          <a:lnRef idx="2">
+            <a:schemeClr val="accent1">
+              <a:shade val="50000"/>
+            </a:schemeClr>
+          </a:lnRef>
+          <a:fillRef idx="1">
+            <a:schemeClr val="accent1"/>
+          </a:fillRef>
+          <a:effectRef idx="0">
+            <a:schemeClr val="accent1"/>
+          </a:effectRef>
+          <a:fontRef idx="minor">
+            <a:schemeClr val="lt1"/>
+          </a:fontRef>
+        </p:style>
+        <p:txBody>
+          <a:bodyPr rtlCol="0" anchor="ctr"/>
+          <a:lstStyle/>
+          <a:p>
+            <a:pPr algn="ctr"/>
+            <a:r>
+              <a:rPr lang="en-US" dirty="0"/>
+              <a:t>Child Component 2</a:t>
+            </a:r>
+          </a:p>
+          <a:p>
+            <a:pPr algn="ctr"/>
+            <a:r>
+              <a:rPr lang="en-US" dirty="0"/>
+              <a:t>Props and local state</a:t>
+            </a:r>
+          </a:p>
+          <a:p>
+            <a:pPr algn="ctr"/>
+            <a:endParaRPr lang="en-US" dirty="0"/>
+          </a:p>
+        </p:txBody>
+      </p:sp>
+      <p:cxnSp>
+        <p:nvCxnSpPr>
+          <p:cNvPr id="15" name="Straight Arrow Connector 14">
+            <a:extLst>
+              <a:ext uri="{FF2B5EF4-FFF2-40B4-BE49-F238E27FC236}">
+                <a16:creationId xmlns:a16="http://schemas.microsoft.com/office/drawing/2014/main" id="{018BF37E-49A7-814B-954E-BEDC71840C1C}"/>
+              </a:ext>
+            </a:extLst>
+          </p:cNvPr>
+          <p:cNvCxnSpPr/>
+          <p:nvPr/>
+        </p:nvCxnSpPr>
+        <p:spPr>
+          <a:xfrm flipH="1">
+            <a:off x="2542903" y="1244543"/>
+            <a:ext cx="2351314" cy="296874"/>
+          </a:xfrm>
+          <a:prstGeom prst="straightConnector1">
+            <a:avLst/>
+          </a:prstGeom>
+          <a:ln>
+            <a:tailEnd type="triangle"/>
+          </a:ln>
+        </p:spPr>
+        <p:style>
+          <a:lnRef idx="3">
+            <a:schemeClr val="dk1"/>
+          </a:lnRef>
+          <a:fillRef idx="0">
+            <a:schemeClr val="dk1"/>
+          </a:fillRef>
+          <a:effectRef idx="2">
+            <a:schemeClr val="dk1"/>
+          </a:effectRef>
+          <a:fontRef idx="minor">
+            <a:schemeClr val="tx1"/>
+          </a:fontRef>
+        </p:style>
+      </p:cxnSp>
+      <p:cxnSp>
+        <p:nvCxnSpPr>
+          <p:cNvPr id="17" name="Straight Arrow Connector 16">
+            <a:extLst>
+              <a:ext uri="{FF2B5EF4-FFF2-40B4-BE49-F238E27FC236}">
+                <a16:creationId xmlns:a16="http://schemas.microsoft.com/office/drawing/2014/main" id="{1975B79B-4E48-1748-AB4A-D8AA4352613D}"/>
+              </a:ext>
+            </a:extLst>
+          </p:cNvPr>
+          <p:cNvCxnSpPr/>
+          <p:nvPr/>
+        </p:nvCxnSpPr>
+        <p:spPr>
+          <a:xfrm>
+            <a:off x="4946469" y="1244543"/>
+            <a:ext cx="0" cy="296874"/>
+          </a:xfrm>
+          <a:prstGeom prst="straightConnector1">
+            <a:avLst/>
+          </a:prstGeom>
+          <a:ln>
+            <a:tailEnd type="triangle"/>
+          </a:ln>
+        </p:spPr>
+        <p:style>
+          <a:lnRef idx="3">
+            <a:schemeClr val="dk1"/>
+          </a:lnRef>
+          <a:fillRef idx="0">
+            <a:schemeClr val="dk1"/>
+          </a:fillRef>
+          <a:effectRef idx="2">
+            <a:schemeClr val="dk1"/>
+          </a:effectRef>
+          <a:fontRef idx="minor">
+            <a:schemeClr val="tx1"/>
+          </a:fontRef>
+        </p:style>
+      </p:cxnSp>
+      <p:cxnSp>
+        <p:nvCxnSpPr>
+          <p:cNvPr id="19" name="Straight Arrow Connector 18">
+            <a:extLst>
+              <a:ext uri="{FF2B5EF4-FFF2-40B4-BE49-F238E27FC236}">
+                <a16:creationId xmlns:a16="http://schemas.microsoft.com/office/drawing/2014/main" id="{CE16AF88-90AB-7848-A43E-2454BF856298}"/>
+              </a:ext>
+            </a:extLst>
+          </p:cNvPr>
+          <p:cNvCxnSpPr/>
+          <p:nvPr/>
+        </p:nvCxnSpPr>
+        <p:spPr>
+          <a:xfrm>
+            <a:off x="4963886" y="1244543"/>
+            <a:ext cx="1968137" cy="296874"/>
+          </a:xfrm>
+          <a:prstGeom prst="straightConnector1">
+            <a:avLst/>
+          </a:prstGeom>
+          <a:ln>
+            <a:tailEnd type="triangle"/>
+          </a:ln>
+        </p:spPr>
+        <p:style>
+          <a:lnRef idx="3">
+            <a:schemeClr val="dk1"/>
+          </a:lnRef>
+          <a:fillRef idx="0">
+            <a:schemeClr val="dk1"/>
+          </a:fillRef>
+          <a:effectRef idx="2">
+            <a:schemeClr val="dk1"/>
+          </a:effectRef>
+          <a:fontRef idx="minor">
+            <a:schemeClr val="tx1"/>
+          </a:fontRef>
+        </p:style>
+      </p:cxnSp>
+      <p:sp>
+        <p:nvSpPr>
+          <p:cNvPr id="20" name="TextBox 19">
+            <a:extLst>
+              <a:ext uri="{FF2B5EF4-FFF2-40B4-BE49-F238E27FC236}">
+                <a16:creationId xmlns:a16="http://schemas.microsoft.com/office/drawing/2014/main" id="{079277B5-EFE3-EC44-9C2A-2E3FA4665574}"/>
+              </a:ext>
+            </a:extLst>
+          </p:cNvPr>
+          <p:cNvSpPr txBox="1"/>
+          <p:nvPr/>
+        </p:nvSpPr>
+        <p:spPr>
+          <a:xfrm>
+            <a:off x="8665029" y="875211"/>
+            <a:ext cx="3039291" cy="1477328"/>
+          </a:xfrm>
+          <a:prstGeom prst="rect">
+            <a:avLst/>
+          </a:prstGeom>
+          <a:noFill/>
+        </p:spPr>
+        <p:txBody>
+          <a:bodyPr wrap="square" rtlCol="0">
+            <a:spAutoFit/>
+          </a:bodyPr>
+          <a:lstStyle/>
+          <a:p>
+            <a:r>
+              <a:rPr lang="en-US" dirty="0"/>
+              <a:t>Component will be executed with its props/state, render() method, UI events, </a:t>
+            </a:r>
+            <a:r>
+              <a:rPr lang="en-US"/>
+              <a:t>data and </a:t>
+            </a:r>
+            <a:r>
+              <a:rPr lang="en-US" dirty="0" err="1"/>
+              <a:t>LifeCycle</a:t>
+            </a:r>
+            <a:r>
+              <a:rPr lang="en-US" dirty="0"/>
+              <a:t> in the DOM and manipulate the DOM</a:t>
+            </a:r>
+          </a:p>
+        </p:txBody>
+      </p:sp>
+    </p:spTree>
+    <p:extLst>
+      <p:ext uri="{BB962C8B-B14F-4D97-AF65-F5344CB8AC3E}">
+        <p14:creationId xmlns:p14="http://schemas.microsoft.com/office/powerpoint/2010/main" val="1138100334"/>
+      </p:ext>
+    </p:extLst>
+  </p:cSld>
+  <p:clrMapOvr>
+    <a:masterClrMapping/>
+  </p:clrMapOvr>
+</p:sld>
+</file>
+
 <file path=ppt/slides/slide6.xml><?xml version="1.0" encoding="utf-8"?>
 <p:sld xmlns:a="http://schemas.openxmlformats.org/drawingml/2006/main" xmlns:r="http://schemas.openxmlformats.org/officeDocument/2006/relationships" xmlns:p="http://schemas.openxmlformats.org/presentationml/2006/main">
   <p:cSld>

--- a/Training_Notes_PPTs.pptx
+++ b/Training_Notes_PPTs.pptx
@@ -55,6 +55,9 @@
     <p:sldId id="303" r:id="rId49"/>
     <p:sldId id="304" r:id="rId50"/>
     <p:sldId id="305" r:id="rId51"/>
+    <p:sldId id="306" r:id="rId52"/>
+    <p:sldId id="307" r:id="rId53"/>
+    <p:sldId id="308" r:id="rId54"/>
   </p:sldIdLst>
   <p:sldSz cx="12192000" cy="6858000"/>
   <p:notesSz cx="6858000" cy="9144000"/>
@@ -300,7 +303,7 @@
           <a:p>
             <a:fld id="{587FB2BA-09D0-1840-B49D-E4BDDD8ED284}" type="datetimeFigureOut">
               <a:rPr lang="en-US" smtClean="0"/>
-              <a:t>1/18/21</a:t>
+              <a:t>1/19/21</a:t>
             </a:fld>
             <a:endParaRPr lang="en-US"/>
           </a:p>
@@ -511,7 +514,7 @@
           <a:p>
             <a:fld id="{587FB2BA-09D0-1840-B49D-E4BDDD8ED284}" type="datetimeFigureOut">
               <a:rPr lang="en-US" smtClean="0"/>
-              <a:t>1/18/21</a:t>
+              <a:t>1/19/21</a:t>
             </a:fld>
             <a:endParaRPr lang="en-US"/>
           </a:p>
@@ -726,7 +729,7 @@
           <a:p>
             <a:fld id="{587FB2BA-09D0-1840-B49D-E4BDDD8ED284}" type="datetimeFigureOut">
               <a:rPr lang="en-US" smtClean="0"/>
-              <a:t>1/18/21</a:t>
+              <a:t>1/19/21</a:t>
             </a:fld>
             <a:endParaRPr lang="en-US"/>
           </a:p>
@@ -927,7 +930,7 @@
           <a:p>
             <a:fld id="{587FB2BA-09D0-1840-B49D-E4BDDD8ED284}" type="datetimeFigureOut">
               <a:rPr lang="en-US" smtClean="0"/>
-              <a:t>1/18/21</a:t>
+              <a:t>1/19/21</a:t>
             </a:fld>
             <a:endParaRPr lang="en-US"/>
           </a:p>
@@ -1206,7 +1209,7 @@
           <a:p>
             <a:fld id="{587FB2BA-09D0-1840-B49D-E4BDDD8ED284}" type="datetimeFigureOut">
               <a:rPr lang="en-US" smtClean="0"/>
-              <a:t>1/18/21</a:t>
+              <a:t>1/19/21</a:t>
             </a:fld>
             <a:endParaRPr lang="en-US"/>
           </a:p>
@@ -1474,7 +1477,7 @@
           <a:p>
             <a:fld id="{587FB2BA-09D0-1840-B49D-E4BDDD8ED284}" type="datetimeFigureOut">
               <a:rPr lang="en-US" smtClean="0"/>
-              <a:t>1/18/21</a:t>
+              <a:t>1/19/21</a:t>
             </a:fld>
             <a:endParaRPr lang="en-US"/>
           </a:p>
@@ -1890,7 +1893,7 @@
           <a:p>
             <a:fld id="{587FB2BA-09D0-1840-B49D-E4BDDD8ED284}" type="datetimeFigureOut">
               <a:rPr lang="en-US" smtClean="0"/>
-              <a:t>1/18/21</a:t>
+              <a:t>1/19/21</a:t>
             </a:fld>
             <a:endParaRPr lang="en-US"/>
           </a:p>
@@ -2039,7 +2042,7 @@
           <a:p>
             <a:fld id="{587FB2BA-09D0-1840-B49D-E4BDDD8ED284}" type="datetimeFigureOut">
               <a:rPr lang="en-US" smtClean="0"/>
-              <a:t>1/18/21</a:t>
+              <a:t>1/19/21</a:t>
             </a:fld>
             <a:endParaRPr lang="en-US"/>
           </a:p>
@@ -2165,7 +2168,7 @@
           <a:p>
             <a:fld id="{587FB2BA-09D0-1840-B49D-E4BDDD8ED284}" type="datetimeFigureOut">
               <a:rPr lang="en-US" smtClean="0"/>
-              <a:t>1/18/21</a:t>
+              <a:t>1/19/21</a:t>
             </a:fld>
             <a:endParaRPr lang="en-US"/>
           </a:p>
@@ -2416,7 +2419,7 @@
           <a:p>
             <a:fld id="{587FB2BA-09D0-1840-B49D-E4BDDD8ED284}" type="datetimeFigureOut">
               <a:rPr lang="en-US" smtClean="0"/>
-              <a:t>1/18/21</a:t>
+              <a:t>1/19/21</a:t>
             </a:fld>
             <a:endParaRPr lang="en-US"/>
           </a:p>
@@ -2861,7 +2864,7 @@
           <a:p>
             <a:fld id="{587FB2BA-09D0-1840-B49D-E4BDDD8ED284}" type="datetimeFigureOut">
               <a:rPr lang="en-US" smtClean="0"/>
-              <a:t>1/18/21</a:t>
+              <a:t>1/19/21</a:t>
             </a:fld>
             <a:endParaRPr lang="en-US"/>
           </a:p>
@@ -3188,7 +3191,7 @@
           <a:p>
             <a:fld id="{587FB2BA-09D0-1840-B49D-E4BDDD8ED284}" type="datetimeFigureOut">
               <a:rPr lang="en-US" smtClean="0"/>
-              <a:t>1/18/21</a:t>
+              <a:t>1/19/21</a:t>
             </a:fld>
             <a:endParaRPr lang="en-US"/>
           </a:p>
@@ -41192,6 +41195,2164 @@
 </p:sld>
 </file>
 
+<file path=ppt/slides/slide51.xml><?xml version="1.0" encoding="utf-8"?>
+<p:sld xmlns:a="http://schemas.openxmlformats.org/drawingml/2006/main" xmlns:r="http://schemas.openxmlformats.org/officeDocument/2006/relationships" xmlns:p="http://schemas.openxmlformats.org/presentationml/2006/main">
+  <p:cSld>
+    <p:spTree>
+      <p:nvGrpSpPr>
+        <p:cNvPr id="1" name=""/>
+        <p:cNvGrpSpPr/>
+        <p:nvPr/>
+      </p:nvGrpSpPr>
+      <p:grpSpPr>
+        <a:xfrm>
+          <a:off x="0" y="0"/>
+          <a:ext cx="0" cy="0"/>
+          <a:chOff x="0" y="0"/>
+          <a:chExt cx="0" cy="0"/>
+        </a:xfrm>
+      </p:grpSpPr>
+      <p:sp>
+        <p:nvSpPr>
+          <p:cNvPr id="2" name="TextBox 1">
+            <a:extLst>
+              <a:ext uri="{FF2B5EF4-FFF2-40B4-BE49-F238E27FC236}">
+                <a16:creationId xmlns:a16="http://schemas.microsoft.com/office/drawing/2014/main" id="{0C6F73B5-C6F3-6A4C-8899-FCB711D66798}"/>
+              </a:ext>
+            </a:extLst>
+          </p:cNvPr>
+          <p:cNvSpPr txBox="1"/>
+          <p:nvPr/>
+        </p:nvSpPr>
+        <p:spPr>
+          <a:xfrm>
+            <a:off x="226423" y="313509"/>
+            <a:ext cx="11686903" cy="1477328"/>
+          </a:xfrm>
+          <a:prstGeom prst="rect">
+            <a:avLst/>
+          </a:prstGeom>
+          <a:noFill/>
+        </p:spPr>
+        <p:txBody>
+          <a:bodyPr wrap="square" rtlCol="0">
+            <a:spAutoFit/>
+          </a:bodyPr>
+          <a:lstStyle/>
+          <a:p>
+            <a:pPr marL="342900" indent="-342900">
+              <a:buFont typeface="+mj-lt"/>
+              <a:buAutoNum type="arabicPeriod"/>
+            </a:pPr>
+            <a:r>
+              <a:rPr lang="en-US" dirty="0"/>
+              <a:t>Component’s Composition </a:t>
+            </a:r>
+          </a:p>
+          <a:p>
+            <a:pPr marL="800100" lvl="1" indent="-342900">
+              <a:buFont typeface="+mj-lt"/>
+              <a:buAutoNum type="arabicPeriod"/>
+            </a:pPr>
+            <a:r>
+              <a:rPr lang="en-US" dirty="0"/>
+              <a:t>Presentation Layer having :</a:t>
+            </a:r>
+          </a:p>
+          <a:p>
+            <a:pPr marL="1257300" lvl="2" indent="-342900">
+              <a:buFont typeface="+mj-lt"/>
+              <a:buAutoNum type="arabicPeriod"/>
+            </a:pPr>
+            <a:r>
+              <a:rPr lang="en-US" dirty="0"/>
+              <a:t>UI</a:t>
+            </a:r>
+          </a:p>
+          <a:p>
+            <a:pPr marL="1257300" lvl="2" indent="-342900">
+              <a:buFont typeface="+mj-lt"/>
+              <a:buAutoNum type="arabicPeriod"/>
+            </a:pPr>
+            <a:r>
+              <a:rPr lang="en-US" dirty="0"/>
+              <a:t>State</a:t>
+            </a:r>
+          </a:p>
+          <a:p>
+            <a:pPr marL="1257300" lvl="2" indent="-342900">
+              <a:buFont typeface="+mj-lt"/>
+              <a:buAutoNum type="arabicPeriod"/>
+            </a:pPr>
+            <a:r>
+              <a:rPr lang="en-US" dirty="0"/>
+              <a:t>Behavior aka events</a:t>
+            </a:r>
+          </a:p>
+        </p:txBody>
+      </p:sp>
+      <p:sp>
+        <p:nvSpPr>
+          <p:cNvPr id="3" name="Rounded Rectangle 2">
+            <a:extLst>
+              <a:ext uri="{FF2B5EF4-FFF2-40B4-BE49-F238E27FC236}">
+                <a16:creationId xmlns:a16="http://schemas.microsoft.com/office/drawing/2014/main" id="{7AEAA84D-0BCC-7947-BC1C-EF7736185C45}"/>
+              </a:ext>
+            </a:extLst>
+          </p:cNvPr>
+          <p:cNvSpPr/>
+          <p:nvPr/>
+        </p:nvSpPr>
+        <p:spPr>
+          <a:xfrm>
+            <a:off x="949234" y="2299063"/>
+            <a:ext cx="6574972" cy="3614057"/>
+          </a:xfrm>
+          <a:prstGeom prst="roundRect">
+            <a:avLst>
+              <a:gd name="adj" fmla="val 8956"/>
+            </a:avLst>
+          </a:prstGeom>
+        </p:spPr>
+        <p:style>
+          <a:lnRef idx="1">
+            <a:schemeClr val="accent3"/>
+          </a:lnRef>
+          <a:fillRef idx="2">
+            <a:schemeClr val="accent3"/>
+          </a:fillRef>
+          <a:effectRef idx="1">
+            <a:schemeClr val="accent3"/>
+          </a:effectRef>
+          <a:fontRef idx="minor">
+            <a:schemeClr val="dk1"/>
+          </a:fontRef>
+        </p:style>
+        <p:txBody>
+          <a:bodyPr rtlCol="0" anchor="ctr"/>
+          <a:lstStyle/>
+          <a:p>
+            <a:pPr algn="ctr"/>
+            <a:endParaRPr lang="en-US"/>
+          </a:p>
+        </p:txBody>
+      </p:sp>
+      <p:sp>
+        <p:nvSpPr>
+          <p:cNvPr id="4" name="Rectangle 3">
+            <a:extLst>
+              <a:ext uri="{FF2B5EF4-FFF2-40B4-BE49-F238E27FC236}">
+                <a16:creationId xmlns:a16="http://schemas.microsoft.com/office/drawing/2014/main" id="{12D413F6-6729-4B47-971F-0583C7DF6E83}"/>
+              </a:ext>
+            </a:extLst>
+          </p:cNvPr>
+          <p:cNvSpPr/>
+          <p:nvPr/>
+        </p:nvSpPr>
+        <p:spPr>
+          <a:xfrm>
+            <a:off x="1375953" y="2551610"/>
+            <a:ext cx="2151017" cy="3204755"/>
+          </a:xfrm>
+          <a:prstGeom prst="rect">
+            <a:avLst/>
+          </a:prstGeom>
+        </p:spPr>
+        <p:style>
+          <a:lnRef idx="2">
+            <a:schemeClr val="accent1">
+              <a:shade val="50000"/>
+            </a:schemeClr>
+          </a:lnRef>
+          <a:fillRef idx="1">
+            <a:schemeClr val="accent1"/>
+          </a:fillRef>
+          <a:effectRef idx="0">
+            <a:schemeClr val="accent1"/>
+          </a:effectRef>
+          <a:fontRef idx="minor">
+            <a:schemeClr val="lt1"/>
+          </a:fontRef>
+        </p:style>
+        <p:txBody>
+          <a:bodyPr rtlCol="0" anchor="ctr"/>
+          <a:lstStyle/>
+          <a:p>
+            <a:pPr algn="ctr"/>
+            <a:r>
+              <a:rPr lang="en-US" dirty="0"/>
+              <a:t>User Interface aka HTML Elements + Custom Elements (?)</a:t>
+            </a:r>
+          </a:p>
+        </p:txBody>
+      </p:sp>
+      <p:sp>
+        <p:nvSpPr>
+          <p:cNvPr id="5" name="TextBox 4">
+            <a:extLst>
+              <a:ext uri="{FF2B5EF4-FFF2-40B4-BE49-F238E27FC236}">
+                <a16:creationId xmlns:a16="http://schemas.microsoft.com/office/drawing/2014/main" id="{A13A5B43-84F5-8B43-9AC2-2D1992417DD8}"/>
+              </a:ext>
+            </a:extLst>
+          </p:cNvPr>
+          <p:cNvSpPr txBox="1"/>
+          <p:nvPr/>
+        </p:nvSpPr>
+        <p:spPr>
+          <a:xfrm>
+            <a:off x="8595360" y="3317966"/>
+            <a:ext cx="2899954" cy="1200329"/>
+          </a:xfrm>
+          <a:prstGeom prst="rect">
+            <a:avLst/>
+          </a:prstGeom>
+          <a:noFill/>
+        </p:spPr>
+        <p:txBody>
+          <a:bodyPr wrap="square" rtlCol="0">
+            <a:spAutoFit/>
+          </a:bodyPr>
+          <a:lstStyle/>
+          <a:p>
+            <a:r>
+              <a:rPr lang="en-US" dirty="0"/>
+              <a:t>Custom Elements are Other React Components form Same Project / third party libraries / </a:t>
+            </a:r>
+            <a:r>
+              <a:rPr lang="en-US" dirty="0" err="1"/>
+              <a:t>LitElements</a:t>
+            </a:r>
+            <a:r>
+              <a:rPr lang="en-US" dirty="0"/>
+              <a:t> </a:t>
+            </a:r>
+          </a:p>
+        </p:txBody>
+      </p:sp>
+      <p:sp>
+        <p:nvSpPr>
+          <p:cNvPr id="6" name="TextBox 5">
+            <a:extLst>
+              <a:ext uri="{FF2B5EF4-FFF2-40B4-BE49-F238E27FC236}">
+                <a16:creationId xmlns:a16="http://schemas.microsoft.com/office/drawing/2014/main" id="{097682D6-99D2-2D45-B4E5-F090046B15A8}"/>
+              </a:ext>
+            </a:extLst>
+          </p:cNvPr>
+          <p:cNvSpPr txBox="1"/>
+          <p:nvPr/>
+        </p:nvSpPr>
+        <p:spPr>
+          <a:xfrm>
+            <a:off x="7454537" y="2299063"/>
+            <a:ext cx="2473234" cy="369332"/>
+          </a:xfrm>
+          <a:prstGeom prst="rect">
+            <a:avLst/>
+          </a:prstGeom>
+          <a:noFill/>
+        </p:spPr>
+        <p:txBody>
+          <a:bodyPr wrap="square" rtlCol="0">
+            <a:spAutoFit/>
+          </a:bodyPr>
+          <a:lstStyle/>
+          <a:p>
+            <a:r>
+              <a:rPr lang="en-US" dirty="0" err="1"/>
+              <a:t>React.js</a:t>
+            </a:r>
+            <a:r>
+              <a:rPr lang="en-US" dirty="0"/>
+              <a:t> Component</a:t>
+            </a:r>
+          </a:p>
+        </p:txBody>
+      </p:sp>
+      <p:sp>
+        <p:nvSpPr>
+          <p:cNvPr id="7" name="Rectangle 6">
+            <a:extLst>
+              <a:ext uri="{FF2B5EF4-FFF2-40B4-BE49-F238E27FC236}">
+                <a16:creationId xmlns:a16="http://schemas.microsoft.com/office/drawing/2014/main" id="{1E59B6F2-C935-254C-9103-6383BF562D03}"/>
+              </a:ext>
+            </a:extLst>
+          </p:cNvPr>
+          <p:cNvSpPr/>
+          <p:nvPr/>
+        </p:nvSpPr>
+        <p:spPr>
+          <a:xfrm>
+            <a:off x="3953689" y="2551610"/>
+            <a:ext cx="2908663" cy="877390"/>
+          </a:xfrm>
+          <a:prstGeom prst="rect">
+            <a:avLst/>
+          </a:prstGeom>
+          <a:solidFill>
+            <a:srgbClr val="FFFF00"/>
+          </a:solidFill>
+        </p:spPr>
+        <p:style>
+          <a:lnRef idx="2">
+            <a:schemeClr val="accent1">
+              <a:shade val="50000"/>
+            </a:schemeClr>
+          </a:lnRef>
+          <a:fillRef idx="1">
+            <a:schemeClr val="accent1"/>
+          </a:fillRef>
+          <a:effectRef idx="0">
+            <a:schemeClr val="accent1"/>
+          </a:effectRef>
+          <a:fontRef idx="minor">
+            <a:schemeClr val="lt1"/>
+          </a:fontRef>
+        </p:style>
+        <p:txBody>
+          <a:bodyPr rtlCol="0" anchor="ctr"/>
+          <a:lstStyle/>
+          <a:p>
+            <a:pPr algn="ctr"/>
+            <a:r>
+              <a:rPr lang="en-US" dirty="0">
+                <a:ln w="0"/>
+                <a:solidFill>
+                  <a:schemeClr val="accent1"/>
+                </a:solidFill>
+                <a:effectLst>
+                  <a:outerShdw blurRad="38100" dist="25400" dir="5400000" algn="ctr" rotWithShape="0">
+                    <a:srgbClr val="6E747A">
+                      <a:alpha val="43000"/>
+                    </a:srgbClr>
+                  </a:outerShdw>
+                </a:effectLst>
+              </a:rPr>
+              <a:t>State Properties Bound to HTML’s JSX Attributes </a:t>
+            </a:r>
+          </a:p>
+        </p:txBody>
+      </p:sp>
+      <p:sp>
+        <p:nvSpPr>
+          <p:cNvPr id="8" name="Bent Up Arrow 7">
+            <a:extLst>
+              <a:ext uri="{FF2B5EF4-FFF2-40B4-BE49-F238E27FC236}">
+                <a16:creationId xmlns:a16="http://schemas.microsoft.com/office/drawing/2014/main" id="{6CA210FA-5FFC-554D-A793-DAFBF4EBE5F8}"/>
+              </a:ext>
+            </a:extLst>
+          </p:cNvPr>
+          <p:cNvSpPr/>
+          <p:nvPr/>
+        </p:nvSpPr>
+        <p:spPr>
+          <a:xfrm rot="5400000" flipV="1">
+            <a:off x="3714205" y="3241766"/>
+            <a:ext cx="707571" cy="1082040"/>
+          </a:xfrm>
+          <a:prstGeom prst="bentUpArrow">
+            <a:avLst/>
+          </a:prstGeom>
+        </p:spPr>
+        <p:style>
+          <a:lnRef idx="2">
+            <a:schemeClr val="accent1">
+              <a:shade val="50000"/>
+            </a:schemeClr>
+          </a:lnRef>
+          <a:fillRef idx="1">
+            <a:schemeClr val="accent1"/>
+          </a:fillRef>
+          <a:effectRef idx="0">
+            <a:schemeClr val="accent1"/>
+          </a:effectRef>
+          <a:fontRef idx="minor">
+            <a:schemeClr val="lt1"/>
+          </a:fontRef>
+        </p:style>
+        <p:txBody>
+          <a:bodyPr rtlCol="0" anchor="ctr"/>
+          <a:lstStyle/>
+          <a:p>
+            <a:pPr algn="ctr"/>
+            <a:endParaRPr lang="en-US"/>
+          </a:p>
+        </p:txBody>
+      </p:sp>
+      <p:sp>
+        <p:nvSpPr>
+          <p:cNvPr id="9" name="TextBox 8">
+            <a:extLst>
+              <a:ext uri="{FF2B5EF4-FFF2-40B4-BE49-F238E27FC236}">
+                <a16:creationId xmlns:a16="http://schemas.microsoft.com/office/drawing/2014/main" id="{F8A58476-4099-284D-ADFE-A430D77B06B9}"/>
+              </a:ext>
+            </a:extLst>
+          </p:cNvPr>
+          <p:cNvSpPr txBox="1"/>
+          <p:nvPr/>
+        </p:nvSpPr>
+        <p:spPr>
+          <a:xfrm>
+            <a:off x="4676502" y="3545785"/>
+            <a:ext cx="2368731" cy="461665"/>
+          </a:xfrm>
+          <a:prstGeom prst="rect">
+            <a:avLst/>
+          </a:prstGeom>
+          <a:noFill/>
+        </p:spPr>
+        <p:txBody>
+          <a:bodyPr wrap="square" rtlCol="0">
+            <a:spAutoFit/>
+          </a:bodyPr>
+          <a:lstStyle/>
+          <a:p>
+            <a:r>
+              <a:rPr lang="en-US" sz="1200" dirty="0"/>
+              <a:t>Data from state is bound to HTML  Elements</a:t>
+            </a:r>
+          </a:p>
+        </p:txBody>
+      </p:sp>
+      <p:sp>
+        <p:nvSpPr>
+          <p:cNvPr id="10" name="Rectangle 9">
+            <a:extLst>
+              <a:ext uri="{FF2B5EF4-FFF2-40B4-BE49-F238E27FC236}">
+                <a16:creationId xmlns:a16="http://schemas.microsoft.com/office/drawing/2014/main" id="{3F40F691-FDCE-8E42-9A16-DC1BA68A6F3E}"/>
+              </a:ext>
+            </a:extLst>
+          </p:cNvPr>
+          <p:cNvSpPr/>
+          <p:nvPr/>
+        </p:nvSpPr>
+        <p:spPr>
+          <a:xfrm>
+            <a:off x="3951512" y="4367349"/>
+            <a:ext cx="2908663" cy="877390"/>
+          </a:xfrm>
+          <a:prstGeom prst="rect">
+            <a:avLst/>
+          </a:prstGeom>
+          <a:solidFill>
+            <a:srgbClr val="FFFF00"/>
+          </a:solidFill>
+        </p:spPr>
+        <p:style>
+          <a:lnRef idx="2">
+            <a:schemeClr val="accent1">
+              <a:shade val="50000"/>
+            </a:schemeClr>
+          </a:lnRef>
+          <a:fillRef idx="1">
+            <a:schemeClr val="accent1"/>
+          </a:fillRef>
+          <a:effectRef idx="0">
+            <a:schemeClr val="accent1"/>
+          </a:effectRef>
+          <a:fontRef idx="minor">
+            <a:schemeClr val="lt1"/>
+          </a:fontRef>
+        </p:style>
+        <p:txBody>
+          <a:bodyPr rtlCol="0" anchor="ctr"/>
+          <a:lstStyle/>
+          <a:p>
+            <a:pPr algn="ctr"/>
+            <a:r>
+              <a:rPr lang="en-US" dirty="0">
+                <a:ln w="0"/>
+                <a:solidFill>
+                  <a:schemeClr val="accent1"/>
+                </a:solidFill>
+                <a:effectLst>
+                  <a:outerShdw blurRad="38100" dist="25400" dir="5400000" algn="ctr" rotWithShape="0">
+                    <a:srgbClr val="6E747A">
+                      <a:alpha val="43000"/>
+                    </a:srgbClr>
+                  </a:outerShdw>
+                </a:effectLst>
+              </a:rPr>
+              <a:t>Functions, bound to HTML elements and responsible for State Updates</a:t>
+            </a:r>
+          </a:p>
+        </p:txBody>
+      </p:sp>
+      <p:sp>
+        <p:nvSpPr>
+          <p:cNvPr id="11" name="Right Arrow 10">
+            <a:extLst>
+              <a:ext uri="{FF2B5EF4-FFF2-40B4-BE49-F238E27FC236}">
+                <a16:creationId xmlns:a16="http://schemas.microsoft.com/office/drawing/2014/main" id="{85B7E8ED-A240-964C-98FF-F6E37813455F}"/>
+              </a:ext>
+            </a:extLst>
+          </p:cNvPr>
+          <p:cNvSpPr/>
+          <p:nvPr/>
+        </p:nvSpPr>
+        <p:spPr>
+          <a:xfrm>
+            <a:off x="3526970" y="4675722"/>
+            <a:ext cx="426719" cy="338240"/>
+          </a:xfrm>
+          <a:prstGeom prst="rightArrow">
+            <a:avLst/>
+          </a:prstGeom>
+        </p:spPr>
+        <p:style>
+          <a:lnRef idx="2">
+            <a:schemeClr val="accent1">
+              <a:shade val="50000"/>
+            </a:schemeClr>
+          </a:lnRef>
+          <a:fillRef idx="1">
+            <a:schemeClr val="accent1"/>
+          </a:fillRef>
+          <a:effectRef idx="0">
+            <a:schemeClr val="accent1"/>
+          </a:effectRef>
+          <a:fontRef idx="minor">
+            <a:schemeClr val="lt1"/>
+          </a:fontRef>
+        </p:style>
+        <p:txBody>
+          <a:bodyPr rtlCol="0" anchor="ctr"/>
+          <a:lstStyle/>
+          <a:p>
+            <a:pPr algn="ctr"/>
+            <a:endParaRPr lang="en-US"/>
+          </a:p>
+        </p:txBody>
+      </p:sp>
+      <p:sp>
+        <p:nvSpPr>
+          <p:cNvPr id="12" name="Curved Right Arrow 11">
+            <a:extLst>
+              <a:ext uri="{FF2B5EF4-FFF2-40B4-BE49-F238E27FC236}">
+                <a16:creationId xmlns:a16="http://schemas.microsoft.com/office/drawing/2014/main" id="{3C8F2970-C0C2-7D45-89AF-BFB6E87DF117}"/>
+              </a:ext>
+            </a:extLst>
+          </p:cNvPr>
+          <p:cNvSpPr/>
+          <p:nvPr/>
+        </p:nvSpPr>
+        <p:spPr>
+          <a:xfrm rot="10800000">
+            <a:off x="6883036" y="2879550"/>
+            <a:ext cx="522515" cy="1796172"/>
+          </a:xfrm>
+          <a:prstGeom prst="curvedRightArrow">
+            <a:avLst/>
+          </a:prstGeom>
+        </p:spPr>
+        <p:style>
+          <a:lnRef idx="2">
+            <a:schemeClr val="accent1">
+              <a:shade val="50000"/>
+            </a:schemeClr>
+          </a:lnRef>
+          <a:fillRef idx="1">
+            <a:schemeClr val="accent1"/>
+          </a:fillRef>
+          <a:effectRef idx="0">
+            <a:schemeClr val="accent1"/>
+          </a:effectRef>
+          <a:fontRef idx="minor">
+            <a:schemeClr val="lt1"/>
+          </a:fontRef>
+        </p:style>
+        <p:txBody>
+          <a:bodyPr rtlCol="0" anchor="ctr"/>
+          <a:lstStyle/>
+          <a:p>
+            <a:pPr algn="ctr"/>
+            <a:endParaRPr lang="en-US">
+              <a:solidFill>
+                <a:schemeClr val="tx1"/>
+              </a:solidFill>
+            </a:endParaRPr>
+          </a:p>
+        </p:txBody>
+      </p:sp>
+      <p:cxnSp>
+        <p:nvCxnSpPr>
+          <p:cNvPr id="14" name="Straight Arrow Connector 13">
+            <a:extLst>
+              <a:ext uri="{FF2B5EF4-FFF2-40B4-BE49-F238E27FC236}">
+                <a16:creationId xmlns:a16="http://schemas.microsoft.com/office/drawing/2014/main" id="{7E0DF1AB-D37B-9D4E-B40B-CEE7ECB88644}"/>
+              </a:ext>
+            </a:extLst>
+          </p:cNvPr>
+          <p:cNvCxnSpPr/>
+          <p:nvPr/>
+        </p:nvCxnSpPr>
+        <p:spPr>
+          <a:xfrm>
+            <a:off x="7454537" y="3823063"/>
+            <a:ext cx="827314" cy="852659"/>
+          </a:xfrm>
+          <a:prstGeom prst="straightConnector1">
+            <a:avLst/>
+          </a:prstGeom>
+          <a:ln>
+            <a:tailEnd type="triangle"/>
+          </a:ln>
+        </p:spPr>
+        <p:style>
+          <a:lnRef idx="1">
+            <a:schemeClr val="accent1"/>
+          </a:lnRef>
+          <a:fillRef idx="0">
+            <a:schemeClr val="accent1"/>
+          </a:fillRef>
+          <a:effectRef idx="0">
+            <a:schemeClr val="accent1"/>
+          </a:effectRef>
+          <a:fontRef idx="minor">
+            <a:schemeClr val="tx1"/>
+          </a:fontRef>
+        </p:style>
+      </p:cxnSp>
+      <p:sp>
+        <p:nvSpPr>
+          <p:cNvPr id="15" name="TextBox 14">
+            <a:extLst>
+              <a:ext uri="{FF2B5EF4-FFF2-40B4-BE49-F238E27FC236}">
+                <a16:creationId xmlns:a16="http://schemas.microsoft.com/office/drawing/2014/main" id="{CDF3C9F6-72B9-4840-A7CE-A855A2878973}"/>
+              </a:ext>
+            </a:extLst>
+          </p:cNvPr>
+          <p:cNvSpPr txBox="1"/>
+          <p:nvPr/>
+        </p:nvSpPr>
+        <p:spPr>
+          <a:xfrm>
+            <a:off x="8020594" y="4675722"/>
+            <a:ext cx="3396343" cy="1200329"/>
+          </a:xfrm>
+          <a:prstGeom prst="rect">
+            <a:avLst/>
+          </a:prstGeom>
+          <a:noFill/>
+        </p:spPr>
+        <p:txBody>
+          <a:bodyPr wrap="square" rtlCol="0">
+            <a:spAutoFit/>
+          </a:bodyPr>
+          <a:lstStyle/>
+          <a:p>
+            <a:r>
+              <a:rPr lang="en-US" dirty="0"/>
+              <a:t>Mutate the state (update the old value with new value) and modify the UI (DOM element) based on the </a:t>
+            </a:r>
+            <a:r>
+              <a:rPr lang="en-US"/>
+              <a:t>updated value.</a:t>
+            </a:r>
+            <a:endParaRPr lang="en-US" dirty="0"/>
+          </a:p>
+        </p:txBody>
+      </p:sp>
+    </p:spTree>
+    <p:extLst>
+      <p:ext uri="{BB962C8B-B14F-4D97-AF65-F5344CB8AC3E}">
+        <p14:creationId xmlns:p14="http://schemas.microsoft.com/office/powerpoint/2010/main" val="2220091577"/>
+      </p:ext>
+    </p:extLst>
+  </p:cSld>
+  <p:clrMapOvr>
+    <a:masterClrMapping/>
+  </p:clrMapOvr>
+</p:sld>
+</file>
+
+<file path=ppt/slides/slide52.xml><?xml version="1.0" encoding="utf-8"?>
+<p:sld xmlns:a="http://schemas.openxmlformats.org/drawingml/2006/main" xmlns:r="http://schemas.openxmlformats.org/officeDocument/2006/relationships" xmlns:p="http://schemas.openxmlformats.org/presentationml/2006/main">
+  <p:cSld>
+    <p:spTree>
+      <p:nvGrpSpPr>
+        <p:cNvPr id="1" name=""/>
+        <p:cNvGrpSpPr/>
+        <p:nvPr/>
+      </p:nvGrpSpPr>
+      <p:grpSpPr>
+        <a:xfrm>
+          <a:off x="0" y="0"/>
+          <a:ext cx="0" cy="0"/>
+          <a:chOff x="0" y="0"/>
+          <a:chExt cx="0" cy="0"/>
+        </a:xfrm>
+      </p:grpSpPr>
+      <p:sp>
+        <p:nvSpPr>
+          <p:cNvPr id="2" name="Rectangle 1">
+            <a:extLst>
+              <a:ext uri="{FF2B5EF4-FFF2-40B4-BE49-F238E27FC236}">
+                <a16:creationId xmlns:a16="http://schemas.microsoft.com/office/drawing/2014/main" id="{A39EC558-C2EB-024A-B021-9186EC127D72}"/>
+              </a:ext>
+            </a:extLst>
+          </p:cNvPr>
+          <p:cNvSpPr/>
+          <p:nvPr/>
+        </p:nvSpPr>
+        <p:spPr>
+          <a:xfrm>
+            <a:off x="444137" y="705394"/>
+            <a:ext cx="11286309" cy="5294812"/>
+          </a:xfrm>
+          <a:prstGeom prst="rect">
+            <a:avLst/>
+          </a:prstGeom>
+        </p:spPr>
+        <p:style>
+          <a:lnRef idx="2">
+            <a:schemeClr val="accent6"/>
+          </a:lnRef>
+          <a:fillRef idx="1">
+            <a:schemeClr val="lt1"/>
+          </a:fillRef>
+          <a:effectRef idx="0">
+            <a:schemeClr val="accent6"/>
+          </a:effectRef>
+          <a:fontRef idx="minor">
+            <a:schemeClr val="dk1"/>
+          </a:fontRef>
+        </p:style>
+        <p:txBody>
+          <a:bodyPr rtlCol="0" anchor="ctr"/>
+          <a:lstStyle/>
+          <a:p>
+            <a:pPr algn="ctr"/>
+            <a:endParaRPr lang="en-US"/>
+          </a:p>
+        </p:txBody>
+      </p:sp>
+      <p:sp>
+        <p:nvSpPr>
+          <p:cNvPr id="3" name="TextBox 2">
+            <a:extLst>
+              <a:ext uri="{FF2B5EF4-FFF2-40B4-BE49-F238E27FC236}">
+                <a16:creationId xmlns:a16="http://schemas.microsoft.com/office/drawing/2014/main" id="{D9CED2B0-4D13-304B-833E-279EA2E5C98E}"/>
+              </a:ext>
+            </a:extLst>
+          </p:cNvPr>
+          <p:cNvSpPr txBox="1"/>
+          <p:nvPr/>
+        </p:nvSpPr>
+        <p:spPr>
+          <a:xfrm>
+            <a:off x="879566" y="857794"/>
+            <a:ext cx="10694125" cy="646331"/>
+          </a:xfrm>
+          <a:prstGeom prst="rect">
+            <a:avLst/>
+          </a:prstGeom>
+          <a:noFill/>
+        </p:spPr>
+        <p:txBody>
+          <a:bodyPr wrap="square" rtlCol="0">
+            <a:spAutoFit/>
+          </a:bodyPr>
+          <a:lstStyle/>
+          <a:p>
+            <a:r>
+              <a:rPr lang="en-US" dirty="0"/>
+              <a:t>Parent Component with multiple Children Component for UI Composition</a:t>
+            </a:r>
+          </a:p>
+          <a:p>
+            <a:r>
+              <a:rPr lang="en-US" dirty="0"/>
+              <a:t>State={value:value1};  </a:t>
+            </a:r>
+            <a:r>
+              <a:rPr lang="en-US" dirty="0" err="1"/>
+              <a:t>this.setState</a:t>
+            </a:r>
+            <a:r>
+              <a:rPr lang="en-US" dirty="0"/>
+              <a:t>({value:value2})</a:t>
+            </a:r>
+          </a:p>
+        </p:txBody>
+      </p:sp>
+      <p:sp>
+        <p:nvSpPr>
+          <p:cNvPr id="4" name="Rectangle 3">
+            <a:extLst>
+              <a:ext uri="{FF2B5EF4-FFF2-40B4-BE49-F238E27FC236}">
+                <a16:creationId xmlns:a16="http://schemas.microsoft.com/office/drawing/2014/main" id="{7EEA4C1F-DBA6-3D46-A844-D53F646523E7}"/>
+              </a:ext>
+            </a:extLst>
+          </p:cNvPr>
+          <p:cNvSpPr/>
+          <p:nvPr/>
+        </p:nvSpPr>
+        <p:spPr>
+          <a:xfrm>
+            <a:off x="1114697" y="1672046"/>
+            <a:ext cx="1567543" cy="1341120"/>
+          </a:xfrm>
+          <a:prstGeom prst="rect">
+            <a:avLst/>
+          </a:prstGeom>
+        </p:spPr>
+        <p:style>
+          <a:lnRef idx="2">
+            <a:schemeClr val="accent1">
+              <a:shade val="50000"/>
+            </a:schemeClr>
+          </a:lnRef>
+          <a:fillRef idx="1">
+            <a:schemeClr val="accent1"/>
+          </a:fillRef>
+          <a:effectRef idx="0">
+            <a:schemeClr val="accent1"/>
+          </a:effectRef>
+          <a:fontRef idx="minor">
+            <a:schemeClr val="lt1"/>
+          </a:fontRef>
+        </p:style>
+        <p:txBody>
+          <a:bodyPr rtlCol="0" anchor="ctr"/>
+          <a:lstStyle/>
+          <a:p>
+            <a:pPr algn="ctr"/>
+            <a:r>
+              <a:rPr lang="en-US" dirty="0"/>
+              <a:t>CC 1 with Value1</a:t>
+            </a:r>
+          </a:p>
+          <a:p>
+            <a:pPr algn="ctr"/>
+            <a:r>
+              <a:rPr lang="en-US" dirty="0"/>
+              <a:t>Key 1</a:t>
+            </a:r>
+          </a:p>
+        </p:txBody>
+      </p:sp>
+      <p:sp>
+        <p:nvSpPr>
+          <p:cNvPr id="5" name="Rectangle 4">
+            <a:extLst>
+              <a:ext uri="{FF2B5EF4-FFF2-40B4-BE49-F238E27FC236}">
+                <a16:creationId xmlns:a16="http://schemas.microsoft.com/office/drawing/2014/main" id="{10CE1168-A332-164D-8BD5-CABA556072FE}"/>
+              </a:ext>
+            </a:extLst>
+          </p:cNvPr>
+          <p:cNvSpPr/>
+          <p:nvPr/>
+        </p:nvSpPr>
+        <p:spPr>
+          <a:xfrm>
+            <a:off x="1114696" y="3429000"/>
+            <a:ext cx="1567543" cy="1341120"/>
+          </a:xfrm>
+          <a:prstGeom prst="rect">
+            <a:avLst/>
+          </a:prstGeom>
+        </p:spPr>
+        <p:style>
+          <a:lnRef idx="2">
+            <a:schemeClr val="accent1">
+              <a:shade val="50000"/>
+            </a:schemeClr>
+          </a:lnRef>
+          <a:fillRef idx="1">
+            <a:schemeClr val="accent1"/>
+          </a:fillRef>
+          <a:effectRef idx="0">
+            <a:schemeClr val="accent1"/>
+          </a:effectRef>
+          <a:fontRef idx="minor">
+            <a:schemeClr val="lt1"/>
+          </a:fontRef>
+        </p:style>
+        <p:txBody>
+          <a:bodyPr rtlCol="0" anchor="ctr"/>
+          <a:lstStyle/>
+          <a:p>
+            <a:pPr algn="ctr"/>
+            <a:r>
+              <a:rPr lang="en-US" dirty="0"/>
+              <a:t>CC 1 with Value1</a:t>
+            </a:r>
+          </a:p>
+          <a:p>
+            <a:pPr algn="ctr"/>
+            <a:r>
+              <a:rPr lang="en-US" dirty="0"/>
+              <a:t>Key 2</a:t>
+            </a:r>
+          </a:p>
+        </p:txBody>
+      </p:sp>
+      <p:sp>
+        <p:nvSpPr>
+          <p:cNvPr id="6" name="Rectangle 5">
+            <a:extLst>
+              <a:ext uri="{FF2B5EF4-FFF2-40B4-BE49-F238E27FC236}">
+                <a16:creationId xmlns:a16="http://schemas.microsoft.com/office/drawing/2014/main" id="{13687DBA-EF39-8D46-B334-A71ABA0ECFA7}"/>
+              </a:ext>
+            </a:extLst>
+          </p:cNvPr>
+          <p:cNvSpPr/>
+          <p:nvPr/>
+        </p:nvSpPr>
+        <p:spPr>
+          <a:xfrm>
+            <a:off x="3579222" y="3429000"/>
+            <a:ext cx="1567543" cy="1341120"/>
+          </a:xfrm>
+          <a:prstGeom prst="rect">
+            <a:avLst/>
+          </a:prstGeom>
+        </p:spPr>
+        <p:style>
+          <a:lnRef idx="2">
+            <a:schemeClr val="accent1">
+              <a:shade val="50000"/>
+            </a:schemeClr>
+          </a:lnRef>
+          <a:fillRef idx="1">
+            <a:schemeClr val="accent1"/>
+          </a:fillRef>
+          <a:effectRef idx="0">
+            <a:schemeClr val="accent1"/>
+          </a:effectRef>
+          <a:fontRef idx="minor">
+            <a:schemeClr val="lt1"/>
+          </a:fontRef>
+        </p:style>
+        <p:txBody>
+          <a:bodyPr rtlCol="0" anchor="ctr"/>
+          <a:lstStyle/>
+          <a:p>
+            <a:pPr algn="ctr"/>
+            <a:r>
+              <a:rPr lang="en-US" dirty="0"/>
+              <a:t>CC 1 with Value1</a:t>
+            </a:r>
+          </a:p>
+          <a:p>
+            <a:pPr algn="ctr"/>
+            <a:r>
+              <a:rPr lang="en-US" dirty="0"/>
+              <a:t>Key 4</a:t>
+            </a:r>
+          </a:p>
+        </p:txBody>
+      </p:sp>
+      <p:sp>
+        <p:nvSpPr>
+          <p:cNvPr id="7" name="Rectangle 6">
+            <a:extLst>
+              <a:ext uri="{FF2B5EF4-FFF2-40B4-BE49-F238E27FC236}">
+                <a16:creationId xmlns:a16="http://schemas.microsoft.com/office/drawing/2014/main" id="{89B86235-1531-3D4E-8DDC-8027F937B0C3}"/>
+              </a:ext>
+            </a:extLst>
+          </p:cNvPr>
+          <p:cNvSpPr/>
+          <p:nvPr/>
+        </p:nvSpPr>
+        <p:spPr>
+          <a:xfrm>
+            <a:off x="3579221" y="1659680"/>
+            <a:ext cx="1567543" cy="1341120"/>
+          </a:xfrm>
+          <a:prstGeom prst="rect">
+            <a:avLst/>
+          </a:prstGeom>
+        </p:spPr>
+        <p:style>
+          <a:lnRef idx="2">
+            <a:schemeClr val="accent1">
+              <a:shade val="50000"/>
+            </a:schemeClr>
+          </a:lnRef>
+          <a:fillRef idx="1">
+            <a:schemeClr val="accent1"/>
+          </a:fillRef>
+          <a:effectRef idx="0">
+            <a:schemeClr val="accent1"/>
+          </a:effectRef>
+          <a:fontRef idx="minor">
+            <a:schemeClr val="lt1"/>
+          </a:fontRef>
+        </p:style>
+        <p:txBody>
+          <a:bodyPr rtlCol="0" anchor="ctr"/>
+          <a:lstStyle/>
+          <a:p>
+            <a:pPr algn="ctr"/>
+            <a:r>
+              <a:rPr lang="en-US" dirty="0"/>
+              <a:t>CC 1 with Value2</a:t>
+            </a:r>
+          </a:p>
+          <a:p>
+            <a:pPr algn="ctr"/>
+            <a:r>
+              <a:rPr lang="en-US" dirty="0"/>
+              <a:t>Key 3</a:t>
+            </a:r>
+          </a:p>
+        </p:txBody>
+      </p:sp>
+      <p:sp>
+        <p:nvSpPr>
+          <p:cNvPr id="8" name="Rectangle 7">
+            <a:extLst>
+              <a:ext uri="{FF2B5EF4-FFF2-40B4-BE49-F238E27FC236}">
+                <a16:creationId xmlns:a16="http://schemas.microsoft.com/office/drawing/2014/main" id="{570DD81C-1464-694C-A35A-DF9AFF57E778}"/>
+              </a:ext>
+            </a:extLst>
+          </p:cNvPr>
+          <p:cNvSpPr/>
+          <p:nvPr/>
+        </p:nvSpPr>
+        <p:spPr>
+          <a:xfrm>
+            <a:off x="5817324" y="1735183"/>
+            <a:ext cx="1567543" cy="1341120"/>
+          </a:xfrm>
+          <a:prstGeom prst="rect">
+            <a:avLst/>
+          </a:prstGeom>
+        </p:spPr>
+        <p:style>
+          <a:lnRef idx="2">
+            <a:schemeClr val="accent1">
+              <a:shade val="50000"/>
+            </a:schemeClr>
+          </a:lnRef>
+          <a:fillRef idx="1">
+            <a:schemeClr val="accent1"/>
+          </a:fillRef>
+          <a:effectRef idx="0">
+            <a:schemeClr val="accent1"/>
+          </a:effectRef>
+          <a:fontRef idx="minor">
+            <a:schemeClr val="lt1"/>
+          </a:fontRef>
+        </p:style>
+        <p:txBody>
+          <a:bodyPr rtlCol="0" anchor="ctr"/>
+          <a:lstStyle/>
+          <a:p>
+            <a:pPr algn="ctr"/>
+            <a:r>
+              <a:rPr lang="en-US" dirty="0"/>
+              <a:t>CC 1 with Value3</a:t>
+            </a:r>
+          </a:p>
+          <a:p>
+            <a:pPr algn="ctr"/>
+            <a:r>
+              <a:rPr lang="en-US" dirty="0"/>
+              <a:t>Key 5</a:t>
+            </a:r>
+          </a:p>
+        </p:txBody>
+      </p:sp>
+      <p:sp>
+        <p:nvSpPr>
+          <p:cNvPr id="9" name="Rectangle 8">
+            <a:extLst>
+              <a:ext uri="{FF2B5EF4-FFF2-40B4-BE49-F238E27FC236}">
+                <a16:creationId xmlns:a16="http://schemas.microsoft.com/office/drawing/2014/main" id="{FFAE58D4-83D1-9240-86A2-DE9E992FA3B6}"/>
+              </a:ext>
+            </a:extLst>
+          </p:cNvPr>
+          <p:cNvSpPr/>
+          <p:nvPr/>
+        </p:nvSpPr>
+        <p:spPr>
+          <a:xfrm>
+            <a:off x="5802082" y="3489819"/>
+            <a:ext cx="1567543" cy="1341120"/>
+          </a:xfrm>
+          <a:prstGeom prst="rect">
+            <a:avLst/>
+          </a:prstGeom>
+        </p:spPr>
+        <p:style>
+          <a:lnRef idx="2">
+            <a:schemeClr val="accent1">
+              <a:shade val="50000"/>
+            </a:schemeClr>
+          </a:lnRef>
+          <a:fillRef idx="1">
+            <a:schemeClr val="accent1"/>
+          </a:fillRef>
+          <a:effectRef idx="0">
+            <a:schemeClr val="accent1"/>
+          </a:effectRef>
+          <a:fontRef idx="minor">
+            <a:schemeClr val="lt1"/>
+          </a:fontRef>
+        </p:style>
+        <p:txBody>
+          <a:bodyPr rtlCol="0" anchor="ctr"/>
+          <a:lstStyle/>
+          <a:p>
+            <a:pPr algn="ctr"/>
+            <a:r>
+              <a:rPr lang="en-US" dirty="0"/>
+              <a:t>CC 1 with Value1</a:t>
+            </a:r>
+          </a:p>
+          <a:p>
+            <a:pPr algn="ctr"/>
+            <a:r>
+              <a:rPr lang="en-US" dirty="0"/>
+              <a:t>Key 6</a:t>
+            </a:r>
+          </a:p>
+        </p:txBody>
+      </p:sp>
+      <p:sp>
+        <p:nvSpPr>
+          <p:cNvPr id="10" name="Rectangle 9">
+            <a:extLst>
+              <a:ext uri="{FF2B5EF4-FFF2-40B4-BE49-F238E27FC236}">
+                <a16:creationId xmlns:a16="http://schemas.microsoft.com/office/drawing/2014/main" id="{CEAC68FE-5C6B-494D-8133-641EB540D5BE}"/>
+              </a:ext>
+            </a:extLst>
+          </p:cNvPr>
+          <p:cNvSpPr/>
+          <p:nvPr/>
+        </p:nvSpPr>
+        <p:spPr>
+          <a:xfrm>
+            <a:off x="7903026" y="1735183"/>
+            <a:ext cx="1567543" cy="1341120"/>
+          </a:xfrm>
+          <a:prstGeom prst="rect">
+            <a:avLst/>
+          </a:prstGeom>
+        </p:spPr>
+        <p:style>
+          <a:lnRef idx="2">
+            <a:schemeClr val="accent1">
+              <a:shade val="50000"/>
+            </a:schemeClr>
+          </a:lnRef>
+          <a:fillRef idx="1">
+            <a:schemeClr val="accent1"/>
+          </a:fillRef>
+          <a:effectRef idx="0">
+            <a:schemeClr val="accent1"/>
+          </a:effectRef>
+          <a:fontRef idx="minor">
+            <a:schemeClr val="lt1"/>
+          </a:fontRef>
+        </p:style>
+        <p:txBody>
+          <a:bodyPr rtlCol="0" anchor="ctr"/>
+          <a:lstStyle/>
+          <a:p>
+            <a:pPr algn="ctr"/>
+            <a:r>
+              <a:rPr lang="en-US" dirty="0"/>
+              <a:t>CC 1 with Value4</a:t>
+            </a:r>
+          </a:p>
+          <a:p>
+            <a:pPr algn="ctr"/>
+            <a:r>
+              <a:rPr lang="en-US" dirty="0"/>
+              <a:t>Key 7</a:t>
+            </a:r>
+          </a:p>
+        </p:txBody>
+      </p:sp>
+      <p:sp>
+        <p:nvSpPr>
+          <p:cNvPr id="11" name="Rectangle 10">
+            <a:extLst>
+              <a:ext uri="{FF2B5EF4-FFF2-40B4-BE49-F238E27FC236}">
+                <a16:creationId xmlns:a16="http://schemas.microsoft.com/office/drawing/2014/main" id="{CB43A1E8-120B-614D-92A1-E18AE2F8C570}"/>
+              </a:ext>
+            </a:extLst>
+          </p:cNvPr>
+          <p:cNvSpPr/>
+          <p:nvPr/>
+        </p:nvSpPr>
+        <p:spPr>
+          <a:xfrm>
+            <a:off x="7903026" y="3489819"/>
+            <a:ext cx="1567543" cy="1341120"/>
+          </a:xfrm>
+          <a:prstGeom prst="rect">
+            <a:avLst/>
+          </a:prstGeom>
+        </p:spPr>
+        <p:style>
+          <a:lnRef idx="2">
+            <a:schemeClr val="accent1">
+              <a:shade val="50000"/>
+            </a:schemeClr>
+          </a:lnRef>
+          <a:fillRef idx="1">
+            <a:schemeClr val="accent1"/>
+          </a:fillRef>
+          <a:effectRef idx="0">
+            <a:schemeClr val="accent1"/>
+          </a:effectRef>
+          <a:fontRef idx="minor">
+            <a:schemeClr val="lt1"/>
+          </a:fontRef>
+        </p:style>
+        <p:txBody>
+          <a:bodyPr rtlCol="0" anchor="ctr"/>
+          <a:lstStyle/>
+          <a:p>
+            <a:pPr algn="ctr"/>
+            <a:r>
+              <a:rPr lang="en-US" dirty="0"/>
+              <a:t>CC 1 with Value1</a:t>
+            </a:r>
+          </a:p>
+          <a:p>
+            <a:pPr algn="ctr"/>
+            <a:r>
+              <a:rPr lang="en-US" dirty="0"/>
+              <a:t>Key 8</a:t>
+            </a:r>
+          </a:p>
+        </p:txBody>
+      </p:sp>
+      <p:sp>
+        <p:nvSpPr>
+          <p:cNvPr id="12" name="Rectangle 11">
+            <a:extLst>
+              <a:ext uri="{FF2B5EF4-FFF2-40B4-BE49-F238E27FC236}">
+                <a16:creationId xmlns:a16="http://schemas.microsoft.com/office/drawing/2014/main" id="{4EC6D1F4-19DF-C04A-887D-8D997A509FEC}"/>
+              </a:ext>
+            </a:extLst>
+          </p:cNvPr>
+          <p:cNvSpPr/>
+          <p:nvPr/>
+        </p:nvSpPr>
+        <p:spPr>
+          <a:xfrm>
+            <a:off x="9816736" y="1735183"/>
+            <a:ext cx="1567543" cy="1341120"/>
+          </a:xfrm>
+          <a:prstGeom prst="rect">
+            <a:avLst/>
+          </a:prstGeom>
+        </p:spPr>
+        <p:style>
+          <a:lnRef idx="2">
+            <a:schemeClr val="accent1">
+              <a:shade val="50000"/>
+            </a:schemeClr>
+          </a:lnRef>
+          <a:fillRef idx="1">
+            <a:schemeClr val="accent1"/>
+          </a:fillRef>
+          <a:effectRef idx="0">
+            <a:schemeClr val="accent1"/>
+          </a:effectRef>
+          <a:fontRef idx="minor">
+            <a:schemeClr val="lt1"/>
+          </a:fontRef>
+        </p:style>
+        <p:txBody>
+          <a:bodyPr rtlCol="0" anchor="ctr"/>
+          <a:lstStyle/>
+          <a:p>
+            <a:pPr algn="ctr"/>
+            <a:r>
+              <a:rPr lang="en-US" dirty="0"/>
+              <a:t>CC 1 with Value5</a:t>
+            </a:r>
+          </a:p>
+          <a:p>
+            <a:pPr algn="ctr"/>
+            <a:r>
+              <a:rPr lang="en-US" dirty="0"/>
+              <a:t>Key 9</a:t>
+            </a:r>
+          </a:p>
+        </p:txBody>
+      </p:sp>
+      <p:sp>
+        <p:nvSpPr>
+          <p:cNvPr id="13" name="Rectangle 12">
+            <a:extLst>
+              <a:ext uri="{FF2B5EF4-FFF2-40B4-BE49-F238E27FC236}">
+                <a16:creationId xmlns:a16="http://schemas.microsoft.com/office/drawing/2014/main" id="{17A33800-62CE-6540-BD87-CD6BDCC097F0}"/>
+              </a:ext>
+            </a:extLst>
+          </p:cNvPr>
+          <p:cNvSpPr/>
+          <p:nvPr/>
+        </p:nvSpPr>
+        <p:spPr>
+          <a:xfrm>
+            <a:off x="9827623" y="3429000"/>
+            <a:ext cx="1567543" cy="1341120"/>
+          </a:xfrm>
+          <a:prstGeom prst="rect">
+            <a:avLst/>
+          </a:prstGeom>
+        </p:spPr>
+        <p:style>
+          <a:lnRef idx="2">
+            <a:schemeClr val="accent1">
+              <a:shade val="50000"/>
+            </a:schemeClr>
+          </a:lnRef>
+          <a:fillRef idx="1">
+            <a:schemeClr val="accent1"/>
+          </a:fillRef>
+          <a:effectRef idx="0">
+            <a:schemeClr val="accent1"/>
+          </a:effectRef>
+          <a:fontRef idx="minor">
+            <a:schemeClr val="lt1"/>
+          </a:fontRef>
+        </p:style>
+        <p:txBody>
+          <a:bodyPr rtlCol="0" anchor="ctr"/>
+          <a:lstStyle/>
+          <a:p>
+            <a:pPr algn="ctr"/>
+            <a:r>
+              <a:rPr lang="en-US" dirty="0"/>
+              <a:t>CC 1 with Value1</a:t>
+            </a:r>
+          </a:p>
+          <a:p>
+            <a:pPr algn="ctr"/>
+            <a:r>
+              <a:rPr lang="en-US" dirty="0"/>
+              <a:t>Key 10</a:t>
+            </a:r>
+          </a:p>
+          <a:p>
+            <a:pPr algn="ctr"/>
+            <a:endParaRPr lang="en-US" b="1" dirty="0"/>
+          </a:p>
+        </p:txBody>
+      </p:sp>
+      <p:sp>
+        <p:nvSpPr>
+          <p:cNvPr id="15" name="TextBox 14">
+            <a:extLst>
+              <a:ext uri="{FF2B5EF4-FFF2-40B4-BE49-F238E27FC236}">
+                <a16:creationId xmlns:a16="http://schemas.microsoft.com/office/drawing/2014/main" id="{81BE48E3-4CD7-0445-BD33-43B15237A0B0}"/>
+              </a:ext>
+            </a:extLst>
+          </p:cNvPr>
+          <p:cNvSpPr txBox="1"/>
+          <p:nvPr/>
+        </p:nvSpPr>
+        <p:spPr>
+          <a:xfrm>
+            <a:off x="1611086" y="5061997"/>
+            <a:ext cx="8989421" cy="369332"/>
+          </a:xfrm>
+          <a:prstGeom prst="rect">
+            <a:avLst/>
+          </a:prstGeom>
+          <a:noFill/>
+        </p:spPr>
+        <p:txBody>
+          <a:bodyPr wrap="square" rtlCol="0">
+            <a:spAutoFit/>
+          </a:bodyPr>
+          <a:lstStyle/>
+          <a:p>
+            <a:r>
+              <a:rPr lang="en-US" dirty="0"/>
+              <a:t>The DOM Tree Contains 10 Child Components with Key for Each Component</a:t>
+            </a:r>
+          </a:p>
+        </p:txBody>
+      </p:sp>
+    </p:spTree>
+    <p:extLst>
+      <p:ext uri="{BB962C8B-B14F-4D97-AF65-F5344CB8AC3E}">
+        <p14:creationId xmlns:p14="http://schemas.microsoft.com/office/powerpoint/2010/main" val="215055145"/>
+      </p:ext>
+    </p:extLst>
+  </p:cSld>
+  <p:clrMapOvr>
+    <a:masterClrMapping/>
+  </p:clrMapOvr>
+</p:sld>
+</file>
+
+<file path=ppt/slides/slide53.xml><?xml version="1.0" encoding="utf-8"?>
+<p:sld xmlns:a="http://schemas.openxmlformats.org/drawingml/2006/main" xmlns:r="http://schemas.openxmlformats.org/officeDocument/2006/relationships" xmlns:p="http://schemas.openxmlformats.org/presentationml/2006/main">
+  <p:cSld>
+    <p:spTree>
+      <p:nvGrpSpPr>
+        <p:cNvPr id="1" name=""/>
+        <p:cNvGrpSpPr/>
+        <p:nvPr/>
+      </p:nvGrpSpPr>
+      <p:grpSpPr>
+        <a:xfrm>
+          <a:off x="0" y="0"/>
+          <a:ext cx="0" cy="0"/>
+          <a:chOff x="0" y="0"/>
+          <a:chExt cx="0" cy="0"/>
+        </a:xfrm>
+      </p:grpSpPr>
+      <p:sp>
+        <p:nvSpPr>
+          <p:cNvPr id="2" name="Rectangle 1">
+            <a:extLst>
+              <a:ext uri="{FF2B5EF4-FFF2-40B4-BE49-F238E27FC236}">
+                <a16:creationId xmlns:a16="http://schemas.microsoft.com/office/drawing/2014/main" id="{A39EC558-C2EB-024A-B021-9186EC127D72}"/>
+              </a:ext>
+            </a:extLst>
+          </p:cNvPr>
+          <p:cNvSpPr/>
+          <p:nvPr/>
+        </p:nvSpPr>
+        <p:spPr>
+          <a:xfrm>
+            <a:off x="444137" y="705394"/>
+            <a:ext cx="11286309" cy="5294812"/>
+          </a:xfrm>
+          <a:prstGeom prst="rect">
+            <a:avLst/>
+          </a:prstGeom>
+        </p:spPr>
+        <p:style>
+          <a:lnRef idx="2">
+            <a:schemeClr val="accent6"/>
+          </a:lnRef>
+          <a:fillRef idx="1">
+            <a:schemeClr val="lt1"/>
+          </a:fillRef>
+          <a:effectRef idx="0">
+            <a:schemeClr val="accent6"/>
+          </a:effectRef>
+          <a:fontRef idx="minor">
+            <a:schemeClr val="dk1"/>
+          </a:fontRef>
+        </p:style>
+        <p:txBody>
+          <a:bodyPr rtlCol="0" anchor="ctr"/>
+          <a:lstStyle/>
+          <a:p>
+            <a:pPr algn="ctr"/>
+            <a:endParaRPr lang="en-US"/>
+          </a:p>
+        </p:txBody>
+      </p:sp>
+      <p:sp>
+        <p:nvSpPr>
+          <p:cNvPr id="3" name="TextBox 2">
+            <a:extLst>
+              <a:ext uri="{FF2B5EF4-FFF2-40B4-BE49-F238E27FC236}">
+                <a16:creationId xmlns:a16="http://schemas.microsoft.com/office/drawing/2014/main" id="{D9CED2B0-4D13-304B-833E-279EA2E5C98E}"/>
+              </a:ext>
+            </a:extLst>
+          </p:cNvPr>
+          <p:cNvSpPr txBox="1"/>
+          <p:nvPr/>
+        </p:nvSpPr>
+        <p:spPr>
+          <a:xfrm>
+            <a:off x="888275" y="857794"/>
+            <a:ext cx="10694125" cy="646331"/>
+          </a:xfrm>
+          <a:prstGeom prst="rect">
+            <a:avLst/>
+          </a:prstGeom>
+          <a:noFill/>
+        </p:spPr>
+        <p:txBody>
+          <a:bodyPr wrap="square" rtlCol="0">
+            <a:spAutoFit/>
+          </a:bodyPr>
+          <a:lstStyle/>
+          <a:p>
+            <a:r>
+              <a:rPr lang="en-US" dirty="0"/>
+              <a:t>Parent Component with multiple Children Component for UI Composition with </a:t>
+            </a:r>
+            <a:r>
+              <a:rPr lang="en-US" dirty="0" err="1"/>
+              <a:t>StateChange</a:t>
+            </a:r>
+            <a:r>
+              <a:rPr lang="en-US" dirty="0"/>
+              <a:t> Requirement</a:t>
+            </a:r>
+          </a:p>
+          <a:p>
+            <a:r>
+              <a:rPr lang="en-US" dirty="0"/>
+              <a:t>Modify the value from value 1 to value2</a:t>
+            </a:r>
+          </a:p>
+        </p:txBody>
+      </p:sp>
+      <p:sp>
+        <p:nvSpPr>
+          <p:cNvPr id="4" name="Rectangle 3">
+            <a:extLst>
+              <a:ext uri="{FF2B5EF4-FFF2-40B4-BE49-F238E27FC236}">
+                <a16:creationId xmlns:a16="http://schemas.microsoft.com/office/drawing/2014/main" id="{7EEA4C1F-DBA6-3D46-A844-D53F646523E7}"/>
+              </a:ext>
+            </a:extLst>
+          </p:cNvPr>
+          <p:cNvSpPr/>
+          <p:nvPr/>
+        </p:nvSpPr>
+        <p:spPr>
+          <a:xfrm>
+            <a:off x="1114697" y="1672046"/>
+            <a:ext cx="1567543" cy="1341120"/>
+          </a:xfrm>
+          <a:prstGeom prst="rect">
+            <a:avLst/>
+          </a:prstGeom>
+        </p:spPr>
+        <p:style>
+          <a:lnRef idx="2">
+            <a:schemeClr val="accent1">
+              <a:shade val="50000"/>
+            </a:schemeClr>
+          </a:lnRef>
+          <a:fillRef idx="1">
+            <a:schemeClr val="accent1"/>
+          </a:fillRef>
+          <a:effectRef idx="0">
+            <a:schemeClr val="accent1"/>
+          </a:effectRef>
+          <a:fontRef idx="minor">
+            <a:schemeClr val="lt1"/>
+          </a:fontRef>
+        </p:style>
+        <p:txBody>
+          <a:bodyPr rtlCol="0" anchor="ctr"/>
+          <a:lstStyle/>
+          <a:p>
+            <a:pPr algn="ctr"/>
+            <a:r>
+              <a:rPr lang="en-US" dirty="0"/>
+              <a:t>CC 1 with Value1</a:t>
+            </a:r>
+          </a:p>
+          <a:p>
+            <a:pPr algn="ctr"/>
+            <a:r>
+              <a:rPr lang="en-US" dirty="0"/>
+              <a:t>Key 1</a:t>
+            </a:r>
+          </a:p>
+        </p:txBody>
+      </p:sp>
+      <p:sp>
+        <p:nvSpPr>
+          <p:cNvPr id="5" name="Rectangle 4">
+            <a:extLst>
+              <a:ext uri="{FF2B5EF4-FFF2-40B4-BE49-F238E27FC236}">
+                <a16:creationId xmlns:a16="http://schemas.microsoft.com/office/drawing/2014/main" id="{10CE1168-A332-164D-8BD5-CABA556072FE}"/>
+              </a:ext>
+            </a:extLst>
+          </p:cNvPr>
+          <p:cNvSpPr/>
+          <p:nvPr/>
+        </p:nvSpPr>
+        <p:spPr>
+          <a:xfrm>
+            <a:off x="1114696" y="3429000"/>
+            <a:ext cx="1567543" cy="1341120"/>
+          </a:xfrm>
+          <a:prstGeom prst="rect">
+            <a:avLst/>
+          </a:prstGeom>
+          <a:solidFill>
+            <a:schemeClr val="tx1">
+              <a:lumMod val="95000"/>
+              <a:lumOff val="5000"/>
+            </a:schemeClr>
+          </a:solidFill>
+        </p:spPr>
+        <p:style>
+          <a:lnRef idx="2">
+            <a:schemeClr val="accent1">
+              <a:shade val="50000"/>
+            </a:schemeClr>
+          </a:lnRef>
+          <a:fillRef idx="1">
+            <a:schemeClr val="accent1"/>
+          </a:fillRef>
+          <a:effectRef idx="0">
+            <a:schemeClr val="accent1"/>
+          </a:effectRef>
+          <a:fontRef idx="minor">
+            <a:schemeClr val="lt1"/>
+          </a:fontRef>
+        </p:style>
+        <p:txBody>
+          <a:bodyPr rtlCol="0" anchor="ctr"/>
+          <a:lstStyle/>
+          <a:p>
+            <a:pPr algn="ctr"/>
+            <a:r>
+              <a:rPr lang="en-US" dirty="0"/>
+              <a:t>CC 1 with Value2</a:t>
+            </a:r>
+          </a:p>
+          <a:p>
+            <a:pPr algn="ctr"/>
+            <a:r>
+              <a:rPr lang="en-US" dirty="0"/>
+              <a:t>Key 2</a:t>
+            </a:r>
+          </a:p>
+        </p:txBody>
+      </p:sp>
+      <p:sp>
+        <p:nvSpPr>
+          <p:cNvPr id="6" name="Rectangle 5">
+            <a:extLst>
+              <a:ext uri="{FF2B5EF4-FFF2-40B4-BE49-F238E27FC236}">
+                <a16:creationId xmlns:a16="http://schemas.microsoft.com/office/drawing/2014/main" id="{13687DBA-EF39-8D46-B334-A71ABA0ECFA7}"/>
+              </a:ext>
+            </a:extLst>
+          </p:cNvPr>
+          <p:cNvSpPr/>
+          <p:nvPr/>
+        </p:nvSpPr>
+        <p:spPr>
+          <a:xfrm>
+            <a:off x="3579222" y="3429000"/>
+            <a:ext cx="1567543" cy="1341120"/>
+          </a:xfrm>
+          <a:prstGeom prst="rect">
+            <a:avLst/>
+          </a:prstGeom>
+          <a:solidFill>
+            <a:schemeClr val="tx1">
+              <a:lumMod val="95000"/>
+              <a:lumOff val="5000"/>
+            </a:schemeClr>
+          </a:solidFill>
+        </p:spPr>
+        <p:style>
+          <a:lnRef idx="2">
+            <a:schemeClr val="accent1">
+              <a:shade val="50000"/>
+            </a:schemeClr>
+          </a:lnRef>
+          <a:fillRef idx="1">
+            <a:schemeClr val="accent1"/>
+          </a:fillRef>
+          <a:effectRef idx="0">
+            <a:schemeClr val="accent1"/>
+          </a:effectRef>
+          <a:fontRef idx="minor">
+            <a:schemeClr val="lt1"/>
+          </a:fontRef>
+        </p:style>
+        <p:txBody>
+          <a:bodyPr rtlCol="0" anchor="ctr"/>
+          <a:lstStyle/>
+          <a:p>
+            <a:pPr algn="ctr"/>
+            <a:r>
+              <a:rPr lang="en-US" dirty="0"/>
+              <a:t>CC 1 with Value2</a:t>
+            </a:r>
+          </a:p>
+          <a:p>
+            <a:pPr algn="ctr"/>
+            <a:r>
+              <a:rPr lang="en-US" dirty="0"/>
+              <a:t>Key 4</a:t>
+            </a:r>
+          </a:p>
+        </p:txBody>
+      </p:sp>
+      <p:sp>
+        <p:nvSpPr>
+          <p:cNvPr id="7" name="Rectangle 6">
+            <a:extLst>
+              <a:ext uri="{FF2B5EF4-FFF2-40B4-BE49-F238E27FC236}">
+                <a16:creationId xmlns:a16="http://schemas.microsoft.com/office/drawing/2014/main" id="{89B86235-1531-3D4E-8DDC-8027F937B0C3}"/>
+              </a:ext>
+            </a:extLst>
+          </p:cNvPr>
+          <p:cNvSpPr/>
+          <p:nvPr/>
+        </p:nvSpPr>
+        <p:spPr>
+          <a:xfrm>
+            <a:off x="3579221" y="1659680"/>
+            <a:ext cx="1567543" cy="1341120"/>
+          </a:xfrm>
+          <a:prstGeom prst="rect">
+            <a:avLst/>
+          </a:prstGeom>
+        </p:spPr>
+        <p:style>
+          <a:lnRef idx="2">
+            <a:schemeClr val="accent1">
+              <a:shade val="50000"/>
+            </a:schemeClr>
+          </a:lnRef>
+          <a:fillRef idx="1">
+            <a:schemeClr val="accent1"/>
+          </a:fillRef>
+          <a:effectRef idx="0">
+            <a:schemeClr val="accent1"/>
+          </a:effectRef>
+          <a:fontRef idx="minor">
+            <a:schemeClr val="lt1"/>
+          </a:fontRef>
+        </p:style>
+        <p:txBody>
+          <a:bodyPr rtlCol="0" anchor="ctr"/>
+          <a:lstStyle/>
+          <a:p>
+            <a:pPr algn="ctr"/>
+            <a:r>
+              <a:rPr lang="en-US" dirty="0"/>
+              <a:t>CC 1 with Value2</a:t>
+            </a:r>
+          </a:p>
+          <a:p>
+            <a:pPr algn="ctr"/>
+            <a:r>
+              <a:rPr lang="en-US" dirty="0"/>
+              <a:t>Key 3</a:t>
+            </a:r>
+          </a:p>
+        </p:txBody>
+      </p:sp>
+      <p:sp>
+        <p:nvSpPr>
+          <p:cNvPr id="8" name="Rectangle 7">
+            <a:extLst>
+              <a:ext uri="{FF2B5EF4-FFF2-40B4-BE49-F238E27FC236}">
+                <a16:creationId xmlns:a16="http://schemas.microsoft.com/office/drawing/2014/main" id="{570DD81C-1464-694C-A35A-DF9AFF57E778}"/>
+              </a:ext>
+            </a:extLst>
+          </p:cNvPr>
+          <p:cNvSpPr/>
+          <p:nvPr/>
+        </p:nvSpPr>
+        <p:spPr>
+          <a:xfrm>
+            <a:off x="5817324" y="1735183"/>
+            <a:ext cx="1567543" cy="1341120"/>
+          </a:xfrm>
+          <a:prstGeom prst="rect">
+            <a:avLst/>
+          </a:prstGeom>
+        </p:spPr>
+        <p:style>
+          <a:lnRef idx="2">
+            <a:schemeClr val="accent1">
+              <a:shade val="50000"/>
+            </a:schemeClr>
+          </a:lnRef>
+          <a:fillRef idx="1">
+            <a:schemeClr val="accent1"/>
+          </a:fillRef>
+          <a:effectRef idx="0">
+            <a:schemeClr val="accent1"/>
+          </a:effectRef>
+          <a:fontRef idx="minor">
+            <a:schemeClr val="lt1"/>
+          </a:fontRef>
+        </p:style>
+        <p:txBody>
+          <a:bodyPr rtlCol="0" anchor="ctr"/>
+          <a:lstStyle/>
+          <a:p>
+            <a:pPr algn="ctr"/>
+            <a:r>
+              <a:rPr lang="en-US" dirty="0"/>
+              <a:t>CC 1 with Value3</a:t>
+            </a:r>
+          </a:p>
+          <a:p>
+            <a:pPr algn="ctr"/>
+            <a:r>
+              <a:rPr lang="en-US" dirty="0"/>
+              <a:t>Key 5</a:t>
+            </a:r>
+          </a:p>
+        </p:txBody>
+      </p:sp>
+      <p:sp>
+        <p:nvSpPr>
+          <p:cNvPr id="9" name="Rectangle 8">
+            <a:extLst>
+              <a:ext uri="{FF2B5EF4-FFF2-40B4-BE49-F238E27FC236}">
+                <a16:creationId xmlns:a16="http://schemas.microsoft.com/office/drawing/2014/main" id="{FFAE58D4-83D1-9240-86A2-DE9E992FA3B6}"/>
+              </a:ext>
+            </a:extLst>
+          </p:cNvPr>
+          <p:cNvSpPr/>
+          <p:nvPr/>
+        </p:nvSpPr>
+        <p:spPr>
+          <a:xfrm>
+            <a:off x="5802082" y="3489819"/>
+            <a:ext cx="1567543" cy="1341120"/>
+          </a:xfrm>
+          <a:prstGeom prst="rect">
+            <a:avLst/>
+          </a:prstGeom>
+          <a:solidFill>
+            <a:schemeClr val="tx1">
+              <a:lumMod val="95000"/>
+              <a:lumOff val="5000"/>
+            </a:schemeClr>
+          </a:solidFill>
+        </p:spPr>
+        <p:style>
+          <a:lnRef idx="2">
+            <a:schemeClr val="accent1">
+              <a:shade val="50000"/>
+            </a:schemeClr>
+          </a:lnRef>
+          <a:fillRef idx="1">
+            <a:schemeClr val="accent1"/>
+          </a:fillRef>
+          <a:effectRef idx="0">
+            <a:schemeClr val="accent1"/>
+          </a:effectRef>
+          <a:fontRef idx="minor">
+            <a:schemeClr val="lt1"/>
+          </a:fontRef>
+        </p:style>
+        <p:txBody>
+          <a:bodyPr rtlCol="0" anchor="ctr"/>
+          <a:lstStyle/>
+          <a:p>
+            <a:pPr algn="ctr"/>
+            <a:r>
+              <a:rPr lang="en-US" dirty="0"/>
+              <a:t>CC 1 with Value2</a:t>
+            </a:r>
+          </a:p>
+          <a:p>
+            <a:pPr algn="ctr"/>
+            <a:r>
+              <a:rPr lang="en-US" dirty="0"/>
+              <a:t>Key 6</a:t>
+            </a:r>
+          </a:p>
+        </p:txBody>
+      </p:sp>
+      <p:sp>
+        <p:nvSpPr>
+          <p:cNvPr id="10" name="Rectangle 9">
+            <a:extLst>
+              <a:ext uri="{FF2B5EF4-FFF2-40B4-BE49-F238E27FC236}">
+                <a16:creationId xmlns:a16="http://schemas.microsoft.com/office/drawing/2014/main" id="{CEAC68FE-5C6B-494D-8133-641EB540D5BE}"/>
+              </a:ext>
+            </a:extLst>
+          </p:cNvPr>
+          <p:cNvSpPr/>
+          <p:nvPr/>
+        </p:nvSpPr>
+        <p:spPr>
+          <a:xfrm>
+            <a:off x="7903026" y="1735183"/>
+            <a:ext cx="1567543" cy="1341120"/>
+          </a:xfrm>
+          <a:prstGeom prst="rect">
+            <a:avLst/>
+          </a:prstGeom>
+        </p:spPr>
+        <p:style>
+          <a:lnRef idx="2">
+            <a:schemeClr val="accent1">
+              <a:shade val="50000"/>
+            </a:schemeClr>
+          </a:lnRef>
+          <a:fillRef idx="1">
+            <a:schemeClr val="accent1"/>
+          </a:fillRef>
+          <a:effectRef idx="0">
+            <a:schemeClr val="accent1"/>
+          </a:effectRef>
+          <a:fontRef idx="minor">
+            <a:schemeClr val="lt1"/>
+          </a:fontRef>
+        </p:style>
+        <p:txBody>
+          <a:bodyPr rtlCol="0" anchor="ctr"/>
+          <a:lstStyle/>
+          <a:p>
+            <a:pPr algn="ctr"/>
+            <a:r>
+              <a:rPr lang="en-US" dirty="0"/>
+              <a:t>CC 1 with Value4</a:t>
+            </a:r>
+          </a:p>
+          <a:p>
+            <a:pPr algn="ctr"/>
+            <a:r>
+              <a:rPr lang="en-US" dirty="0"/>
+              <a:t>Key 7</a:t>
+            </a:r>
+          </a:p>
+        </p:txBody>
+      </p:sp>
+      <p:sp>
+        <p:nvSpPr>
+          <p:cNvPr id="11" name="Rectangle 10">
+            <a:extLst>
+              <a:ext uri="{FF2B5EF4-FFF2-40B4-BE49-F238E27FC236}">
+                <a16:creationId xmlns:a16="http://schemas.microsoft.com/office/drawing/2014/main" id="{CB43A1E8-120B-614D-92A1-E18AE2F8C570}"/>
+              </a:ext>
+            </a:extLst>
+          </p:cNvPr>
+          <p:cNvSpPr/>
+          <p:nvPr/>
+        </p:nvSpPr>
+        <p:spPr>
+          <a:xfrm>
+            <a:off x="7903026" y="3489819"/>
+            <a:ext cx="1567543" cy="1341120"/>
+          </a:xfrm>
+          <a:prstGeom prst="rect">
+            <a:avLst/>
+          </a:prstGeom>
+          <a:solidFill>
+            <a:schemeClr val="tx1">
+              <a:lumMod val="95000"/>
+              <a:lumOff val="5000"/>
+            </a:schemeClr>
+          </a:solidFill>
+        </p:spPr>
+        <p:style>
+          <a:lnRef idx="2">
+            <a:schemeClr val="accent1">
+              <a:shade val="50000"/>
+            </a:schemeClr>
+          </a:lnRef>
+          <a:fillRef idx="1">
+            <a:schemeClr val="accent1"/>
+          </a:fillRef>
+          <a:effectRef idx="0">
+            <a:schemeClr val="accent1"/>
+          </a:effectRef>
+          <a:fontRef idx="minor">
+            <a:schemeClr val="lt1"/>
+          </a:fontRef>
+        </p:style>
+        <p:txBody>
+          <a:bodyPr rtlCol="0" anchor="ctr"/>
+          <a:lstStyle/>
+          <a:p>
+            <a:pPr algn="ctr"/>
+            <a:r>
+              <a:rPr lang="en-US" dirty="0"/>
+              <a:t>CC 1 with Value2</a:t>
+            </a:r>
+          </a:p>
+          <a:p>
+            <a:pPr algn="ctr"/>
+            <a:r>
+              <a:rPr lang="en-US" dirty="0"/>
+              <a:t>Key 8</a:t>
+            </a:r>
+          </a:p>
+        </p:txBody>
+      </p:sp>
+      <p:sp>
+        <p:nvSpPr>
+          <p:cNvPr id="12" name="Rectangle 11">
+            <a:extLst>
+              <a:ext uri="{FF2B5EF4-FFF2-40B4-BE49-F238E27FC236}">
+                <a16:creationId xmlns:a16="http://schemas.microsoft.com/office/drawing/2014/main" id="{4EC6D1F4-19DF-C04A-887D-8D997A509FEC}"/>
+              </a:ext>
+            </a:extLst>
+          </p:cNvPr>
+          <p:cNvSpPr/>
+          <p:nvPr/>
+        </p:nvSpPr>
+        <p:spPr>
+          <a:xfrm>
+            <a:off x="9816736" y="1735183"/>
+            <a:ext cx="1567543" cy="1341120"/>
+          </a:xfrm>
+          <a:prstGeom prst="rect">
+            <a:avLst/>
+          </a:prstGeom>
+        </p:spPr>
+        <p:style>
+          <a:lnRef idx="2">
+            <a:schemeClr val="accent1">
+              <a:shade val="50000"/>
+            </a:schemeClr>
+          </a:lnRef>
+          <a:fillRef idx="1">
+            <a:schemeClr val="accent1"/>
+          </a:fillRef>
+          <a:effectRef idx="0">
+            <a:schemeClr val="accent1"/>
+          </a:effectRef>
+          <a:fontRef idx="minor">
+            <a:schemeClr val="lt1"/>
+          </a:fontRef>
+        </p:style>
+        <p:txBody>
+          <a:bodyPr rtlCol="0" anchor="ctr"/>
+          <a:lstStyle/>
+          <a:p>
+            <a:pPr algn="ctr"/>
+            <a:r>
+              <a:rPr lang="en-US" dirty="0"/>
+              <a:t>CC 1 with Value5</a:t>
+            </a:r>
+          </a:p>
+          <a:p>
+            <a:pPr algn="ctr"/>
+            <a:r>
+              <a:rPr lang="en-US" dirty="0"/>
+              <a:t>Key 9</a:t>
+            </a:r>
+          </a:p>
+        </p:txBody>
+      </p:sp>
+      <p:sp>
+        <p:nvSpPr>
+          <p:cNvPr id="13" name="Rectangle 12">
+            <a:extLst>
+              <a:ext uri="{FF2B5EF4-FFF2-40B4-BE49-F238E27FC236}">
+                <a16:creationId xmlns:a16="http://schemas.microsoft.com/office/drawing/2014/main" id="{17A33800-62CE-6540-BD87-CD6BDCC097F0}"/>
+              </a:ext>
+            </a:extLst>
+          </p:cNvPr>
+          <p:cNvSpPr/>
+          <p:nvPr/>
+        </p:nvSpPr>
+        <p:spPr>
+          <a:xfrm>
+            <a:off x="9827623" y="3518123"/>
+            <a:ext cx="1567543" cy="1341120"/>
+          </a:xfrm>
+          <a:prstGeom prst="rect">
+            <a:avLst/>
+          </a:prstGeom>
+          <a:solidFill>
+            <a:schemeClr val="tx1">
+              <a:lumMod val="95000"/>
+              <a:lumOff val="5000"/>
+            </a:schemeClr>
+          </a:solidFill>
+        </p:spPr>
+        <p:style>
+          <a:lnRef idx="2">
+            <a:schemeClr val="accent1">
+              <a:shade val="50000"/>
+            </a:schemeClr>
+          </a:lnRef>
+          <a:fillRef idx="1">
+            <a:schemeClr val="accent1"/>
+          </a:fillRef>
+          <a:effectRef idx="0">
+            <a:schemeClr val="accent1"/>
+          </a:effectRef>
+          <a:fontRef idx="minor">
+            <a:schemeClr val="lt1"/>
+          </a:fontRef>
+        </p:style>
+        <p:txBody>
+          <a:bodyPr rtlCol="0" anchor="ctr"/>
+          <a:lstStyle/>
+          <a:p>
+            <a:pPr algn="ctr"/>
+            <a:r>
+              <a:rPr lang="en-US" dirty="0"/>
+              <a:t>CC 1 with Value2</a:t>
+            </a:r>
+          </a:p>
+          <a:p>
+            <a:pPr algn="ctr"/>
+            <a:r>
+              <a:rPr lang="en-US" dirty="0"/>
+              <a:t>Key 10</a:t>
+            </a:r>
+          </a:p>
+          <a:p>
+            <a:pPr algn="ctr"/>
+            <a:endParaRPr lang="en-US" b="1" dirty="0"/>
+          </a:p>
+        </p:txBody>
+      </p:sp>
+      <p:sp>
+        <p:nvSpPr>
+          <p:cNvPr id="15" name="TextBox 14">
+            <a:extLst>
+              <a:ext uri="{FF2B5EF4-FFF2-40B4-BE49-F238E27FC236}">
+                <a16:creationId xmlns:a16="http://schemas.microsoft.com/office/drawing/2014/main" id="{81BE48E3-4CD7-0445-BD33-43B15237A0B0}"/>
+              </a:ext>
+            </a:extLst>
+          </p:cNvPr>
+          <p:cNvSpPr txBox="1"/>
+          <p:nvPr/>
+        </p:nvSpPr>
+        <p:spPr>
+          <a:xfrm>
+            <a:off x="583475" y="5061997"/>
+            <a:ext cx="10998926" cy="923330"/>
+          </a:xfrm>
+          <a:prstGeom prst="rect">
+            <a:avLst/>
+          </a:prstGeom>
+          <a:noFill/>
+        </p:spPr>
+        <p:txBody>
+          <a:bodyPr wrap="square" rtlCol="0">
+            <a:spAutoFit/>
+          </a:bodyPr>
+          <a:lstStyle/>
+          <a:p>
+            <a:r>
+              <a:rPr lang="en-US" dirty="0"/>
+              <a:t>The DOM Tree Contains 10 Child Components with Key for Each Component.</a:t>
+            </a:r>
+          </a:p>
+          <a:p>
+            <a:r>
+              <a:rPr lang="en-US" dirty="0"/>
+              <a:t> </a:t>
+            </a:r>
+            <a:r>
+              <a:rPr lang="en-US" dirty="0" err="1"/>
+              <a:t>ReactDom.render</a:t>
+            </a:r>
+            <a:r>
+              <a:rPr lang="en-US" dirty="0"/>
+              <a:t>(), scan the state change requirement from parent and verify which child needs the state to be updated by scanning each child based on key, and if change is needed, then element on that key will only be updated</a:t>
+            </a:r>
+          </a:p>
+        </p:txBody>
+      </p:sp>
+    </p:spTree>
+    <p:extLst>
+      <p:ext uri="{BB962C8B-B14F-4D97-AF65-F5344CB8AC3E}">
+        <p14:creationId xmlns:p14="http://schemas.microsoft.com/office/powerpoint/2010/main" val="4049926887"/>
+      </p:ext>
+    </p:extLst>
+  </p:cSld>
+  <p:clrMapOvr>
+    <a:masterClrMapping/>
+  </p:clrMapOvr>
+</p:sld>
+</file>
+
 <file path=ppt/slides/slide6.xml><?xml version="1.0" encoding="utf-8"?>
 <p:sld xmlns:a="http://schemas.openxmlformats.org/drawingml/2006/main" xmlns:r="http://schemas.openxmlformats.org/officeDocument/2006/relationships" xmlns:p="http://schemas.openxmlformats.org/presentationml/2006/main">
   <p:cSld>

--- a/Training_Notes_PPTs.pptx
+++ b/Training_Notes_PPTs.pptx
@@ -58,6 +58,7 @@
     <p:sldId id="306" r:id="rId52"/>
     <p:sldId id="307" r:id="rId53"/>
     <p:sldId id="308" r:id="rId54"/>
+    <p:sldId id="309" r:id="rId55"/>
   </p:sldIdLst>
   <p:sldSz cx="12192000" cy="6858000"/>
   <p:notesSz cx="6858000" cy="9144000"/>
@@ -303,7 +304,7 @@
           <a:p>
             <a:fld id="{587FB2BA-09D0-1840-B49D-E4BDDD8ED284}" type="datetimeFigureOut">
               <a:rPr lang="en-US" smtClean="0"/>
-              <a:t>1/19/21</a:t>
+              <a:t>1/20/21</a:t>
             </a:fld>
             <a:endParaRPr lang="en-US"/>
           </a:p>
@@ -514,7 +515,7 @@
           <a:p>
             <a:fld id="{587FB2BA-09D0-1840-B49D-E4BDDD8ED284}" type="datetimeFigureOut">
               <a:rPr lang="en-US" smtClean="0"/>
-              <a:t>1/19/21</a:t>
+              <a:t>1/20/21</a:t>
             </a:fld>
             <a:endParaRPr lang="en-US"/>
           </a:p>
@@ -729,7 +730,7 @@
           <a:p>
             <a:fld id="{587FB2BA-09D0-1840-B49D-E4BDDD8ED284}" type="datetimeFigureOut">
               <a:rPr lang="en-US" smtClean="0"/>
-              <a:t>1/19/21</a:t>
+              <a:t>1/20/21</a:t>
             </a:fld>
             <a:endParaRPr lang="en-US"/>
           </a:p>
@@ -930,7 +931,7 @@
           <a:p>
             <a:fld id="{587FB2BA-09D0-1840-B49D-E4BDDD8ED284}" type="datetimeFigureOut">
               <a:rPr lang="en-US" smtClean="0"/>
-              <a:t>1/19/21</a:t>
+              <a:t>1/20/21</a:t>
             </a:fld>
             <a:endParaRPr lang="en-US"/>
           </a:p>
@@ -1209,7 +1210,7 @@
           <a:p>
             <a:fld id="{587FB2BA-09D0-1840-B49D-E4BDDD8ED284}" type="datetimeFigureOut">
               <a:rPr lang="en-US" smtClean="0"/>
-              <a:t>1/19/21</a:t>
+              <a:t>1/20/21</a:t>
             </a:fld>
             <a:endParaRPr lang="en-US"/>
           </a:p>
@@ -1477,7 +1478,7 @@
           <a:p>
             <a:fld id="{587FB2BA-09D0-1840-B49D-E4BDDD8ED284}" type="datetimeFigureOut">
               <a:rPr lang="en-US" smtClean="0"/>
-              <a:t>1/19/21</a:t>
+              <a:t>1/20/21</a:t>
             </a:fld>
             <a:endParaRPr lang="en-US"/>
           </a:p>
@@ -1893,7 +1894,7 @@
           <a:p>
             <a:fld id="{587FB2BA-09D0-1840-B49D-E4BDDD8ED284}" type="datetimeFigureOut">
               <a:rPr lang="en-US" smtClean="0"/>
-              <a:t>1/19/21</a:t>
+              <a:t>1/20/21</a:t>
             </a:fld>
             <a:endParaRPr lang="en-US"/>
           </a:p>
@@ -2042,7 +2043,7 @@
           <a:p>
             <a:fld id="{587FB2BA-09D0-1840-B49D-E4BDDD8ED284}" type="datetimeFigureOut">
               <a:rPr lang="en-US" smtClean="0"/>
-              <a:t>1/19/21</a:t>
+              <a:t>1/20/21</a:t>
             </a:fld>
             <a:endParaRPr lang="en-US"/>
           </a:p>
@@ -2168,7 +2169,7 @@
           <a:p>
             <a:fld id="{587FB2BA-09D0-1840-B49D-E4BDDD8ED284}" type="datetimeFigureOut">
               <a:rPr lang="en-US" smtClean="0"/>
-              <a:t>1/19/21</a:t>
+              <a:t>1/20/21</a:t>
             </a:fld>
             <a:endParaRPr lang="en-US"/>
           </a:p>
@@ -2419,7 +2420,7 @@
           <a:p>
             <a:fld id="{587FB2BA-09D0-1840-B49D-E4BDDD8ED284}" type="datetimeFigureOut">
               <a:rPr lang="en-US" smtClean="0"/>
-              <a:t>1/19/21</a:t>
+              <a:t>1/20/21</a:t>
             </a:fld>
             <a:endParaRPr lang="en-US"/>
           </a:p>
@@ -2864,7 +2865,7 @@
           <a:p>
             <a:fld id="{587FB2BA-09D0-1840-B49D-E4BDDD8ED284}" type="datetimeFigureOut">
               <a:rPr lang="en-US" smtClean="0"/>
-              <a:t>1/19/21</a:t>
+              <a:t>1/20/21</a:t>
             </a:fld>
             <a:endParaRPr lang="en-US"/>
           </a:p>
@@ -3191,7 +3192,7 @@
           <a:p>
             <a:fld id="{587FB2BA-09D0-1840-B49D-E4BDDD8ED284}" type="datetimeFigureOut">
               <a:rPr lang="en-US" smtClean="0"/>
-              <a:t>1/19/21</a:t>
+              <a:t>1/20/21</a:t>
             </a:fld>
             <a:endParaRPr lang="en-US"/>
           </a:p>
@@ -43353,6 +43354,796 @@
 </p:sld>
 </file>
 
+<file path=ppt/slides/slide54.xml><?xml version="1.0" encoding="utf-8"?>
+<p:sld xmlns:a="http://schemas.openxmlformats.org/drawingml/2006/main" xmlns:r="http://schemas.openxmlformats.org/officeDocument/2006/relationships" xmlns:p="http://schemas.openxmlformats.org/presentationml/2006/main">
+  <p:cSld>
+    <p:spTree>
+      <p:nvGrpSpPr>
+        <p:cNvPr id="1" name=""/>
+        <p:cNvGrpSpPr/>
+        <p:nvPr/>
+      </p:nvGrpSpPr>
+      <p:grpSpPr>
+        <a:xfrm>
+          <a:off x="0" y="0"/>
+          <a:ext cx="0" cy="0"/>
+          <a:chOff x="0" y="0"/>
+          <a:chExt cx="0" cy="0"/>
+        </a:xfrm>
+      </p:grpSpPr>
+      <p:sp>
+        <p:nvSpPr>
+          <p:cNvPr id="2" name="Rectangle 1">
+            <a:extLst>
+              <a:ext uri="{FF2B5EF4-FFF2-40B4-BE49-F238E27FC236}">
+                <a16:creationId xmlns:a16="http://schemas.microsoft.com/office/drawing/2014/main" id="{A39EC558-C2EB-024A-B021-9186EC127D72}"/>
+              </a:ext>
+            </a:extLst>
+          </p:cNvPr>
+          <p:cNvSpPr/>
+          <p:nvPr/>
+        </p:nvSpPr>
+        <p:spPr>
+          <a:xfrm>
+            <a:off x="444137" y="705394"/>
+            <a:ext cx="11286309" cy="5294812"/>
+          </a:xfrm>
+          <a:prstGeom prst="rect">
+            <a:avLst/>
+          </a:prstGeom>
+        </p:spPr>
+        <p:style>
+          <a:lnRef idx="2">
+            <a:schemeClr val="accent6"/>
+          </a:lnRef>
+          <a:fillRef idx="1">
+            <a:schemeClr val="lt1"/>
+          </a:fillRef>
+          <a:effectRef idx="0">
+            <a:schemeClr val="accent6"/>
+          </a:effectRef>
+          <a:fontRef idx="minor">
+            <a:schemeClr val="dk1"/>
+          </a:fontRef>
+        </p:style>
+        <p:txBody>
+          <a:bodyPr rtlCol="0" anchor="ctr"/>
+          <a:lstStyle/>
+          <a:p>
+            <a:pPr algn="ctr"/>
+            <a:endParaRPr lang="en-US"/>
+          </a:p>
+        </p:txBody>
+      </p:sp>
+      <p:sp>
+        <p:nvSpPr>
+          <p:cNvPr id="3" name="TextBox 2">
+            <a:extLst>
+              <a:ext uri="{FF2B5EF4-FFF2-40B4-BE49-F238E27FC236}">
+                <a16:creationId xmlns:a16="http://schemas.microsoft.com/office/drawing/2014/main" id="{D9CED2B0-4D13-304B-833E-279EA2E5C98E}"/>
+              </a:ext>
+            </a:extLst>
+          </p:cNvPr>
+          <p:cNvSpPr txBox="1"/>
+          <p:nvPr/>
+        </p:nvSpPr>
+        <p:spPr>
+          <a:xfrm>
+            <a:off x="879566" y="857794"/>
+            <a:ext cx="10694125" cy="369332"/>
+          </a:xfrm>
+          <a:prstGeom prst="rect">
+            <a:avLst/>
+          </a:prstGeom>
+          <a:noFill/>
+        </p:spPr>
+        <p:txBody>
+          <a:bodyPr wrap="square" rtlCol="0">
+            <a:spAutoFit/>
+          </a:bodyPr>
+          <a:lstStyle/>
+          <a:p>
+            <a:r>
+              <a:rPr lang="en-US" dirty="0"/>
+              <a:t>Parent component</a:t>
+            </a:r>
+          </a:p>
+        </p:txBody>
+      </p:sp>
+      <p:sp>
+        <p:nvSpPr>
+          <p:cNvPr id="4" name="Rectangle 3">
+            <a:extLst>
+              <a:ext uri="{FF2B5EF4-FFF2-40B4-BE49-F238E27FC236}">
+                <a16:creationId xmlns:a16="http://schemas.microsoft.com/office/drawing/2014/main" id="{7EEA4C1F-DBA6-3D46-A844-D53F646523E7}"/>
+              </a:ext>
+            </a:extLst>
+          </p:cNvPr>
+          <p:cNvSpPr/>
+          <p:nvPr/>
+        </p:nvSpPr>
+        <p:spPr>
+          <a:xfrm>
+            <a:off x="1114697" y="1672046"/>
+            <a:ext cx="1567543" cy="1341120"/>
+          </a:xfrm>
+          <a:prstGeom prst="rect">
+            <a:avLst/>
+          </a:prstGeom>
+        </p:spPr>
+        <p:style>
+          <a:lnRef idx="2">
+            <a:schemeClr val="accent1">
+              <a:shade val="50000"/>
+            </a:schemeClr>
+          </a:lnRef>
+          <a:fillRef idx="1">
+            <a:schemeClr val="accent1"/>
+          </a:fillRef>
+          <a:effectRef idx="0">
+            <a:schemeClr val="accent1"/>
+          </a:effectRef>
+          <a:fontRef idx="minor">
+            <a:schemeClr val="lt1"/>
+          </a:fontRef>
+        </p:style>
+        <p:txBody>
+          <a:bodyPr rtlCol="0" anchor="ctr"/>
+          <a:lstStyle/>
+          <a:p>
+            <a:pPr algn="ctr"/>
+            <a:r>
+              <a:rPr lang="en-US" dirty="0"/>
+              <a:t>CC 1 with Value1</a:t>
+            </a:r>
+          </a:p>
+          <a:p>
+            <a:pPr algn="ctr"/>
+            <a:r>
+              <a:rPr lang="en-US" dirty="0"/>
+              <a:t>Key 1</a:t>
+            </a:r>
+          </a:p>
+        </p:txBody>
+      </p:sp>
+      <p:sp>
+        <p:nvSpPr>
+          <p:cNvPr id="5" name="Rectangle 4">
+            <a:extLst>
+              <a:ext uri="{FF2B5EF4-FFF2-40B4-BE49-F238E27FC236}">
+                <a16:creationId xmlns:a16="http://schemas.microsoft.com/office/drawing/2014/main" id="{10CE1168-A332-164D-8BD5-CABA556072FE}"/>
+              </a:ext>
+            </a:extLst>
+          </p:cNvPr>
+          <p:cNvSpPr/>
+          <p:nvPr/>
+        </p:nvSpPr>
+        <p:spPr>
+          <a:xfrm>
+            <a:off x="1114696" y="3429000"/>
+            <a:ext cx="1567543" cy="1341120"/>
+          </a:xfrm>
+          <a:prstGeom prst="rect">
+            <a:avLst/>
+          </a:prstGeom>
+        </p:spPr>
+        <p:style>
+          <a:lnRef idx="2">
+            <a:schemeClr val="accent1">
+              <a:shade val="50000"/>
+            </a:schemeClr>
+          </a:lnRef>
+          <a:fillRef idx="1">
+            <a:schemeClr val="accent1"/>
+          </a:fillRef>
+          <a:effectRef idx="0">
+            <a:schemeClr val="accent1"/>
+          </a:effectRef>
+          <a:fontRef idx="minor">
+            <a:schemeClr val="lt1"/>
+          </a:fontRef>
+        </p:style>
+        <p:txBody>
+          <a:bodyPr rtlCol="0" anchor="ctr"/>
+          <a:lstStyle/>
+          <a:p>
+            <a:pPr algn="ctr"/>
+            <a:r>
+              <a:rPr lang="en-US" dirty="0"/>
+              <a:t>CC 1 with Value1</a:t>
+            </a:r>
+          </a:p>
+          <a:p>
+            <a:pPr algn="ctr"/>
+            <a:r>
+              <a:rPr lang="en-US" dirty="0"/>
+              <a:t>Key 2</a:t>
+            </a:r>
+          </a:p>
+        </p:txBody>
+      </p:sp>
+      <p:sp>
+        <p:nvSpPr>
+          <p:cNvPr id="6" name="Rectangle 5">
+            <a:extLst>
+              <a:ext uri="{FF2B5EF4-FFF2-40B4-BE49-F238E27FC236}">
+                <a16:creationId xmlns:a16="http://schemas.microsoft.com/office/drawing/2014/main" id="{13687DBA-EF39-8D46-B334-A71ABA0ECFA7}"/>
+              </a:ext>
+            </a:extLst>
+          </p:cNvPr>
+          <p:cNvSpPr/>
+          <p:nvPr/>
+        </p:nvSpPr>
+        <p:spPr>
+          <a:xfrm>
+            <a:off x="3579222" y="3429000"/>
+            <a:ext cx="1567543" cy="1341120"/>
+          </a:xfrm>
+          <a:prstGeom prst="rect">
+            <a:avLst/>
+          </a:prstGeom>
+        </p:spPr>
+        <p:style>
+          <a:lnRef idx="2">
+            <a:schemeClr val="accent1">
+              <a:shade val="50000"/>
+            </a:schemeClr>
+          </a:lnRef>
+          <a:fillRef idx="1">
+            <a:schemeClr val="accent1"/>
+          </a:fillRef>
+          <a:effectRef idx="0">
+            <a:schemeClr val="accent1"/>
+          </a:effectRef>
+          <a:fontRef idx="minor">
+            <a:schemeClr val="lt1"/>
+          </a:fontRef>
+        </p:style>
+        <p:txBody>
+          <a:bodyPr rtlCol="0" anchor="ctr"/>
+          <a:lstStyle/>
+          <a:p>
+            <a:pPr algn="ctr"/>
+            <a:r>
+              <a:rPr lang="en-US" dirty="0"/>
+              <a:t>CC 1 with Value1</a:t>
+            </a:r>
+          </a:p>
+          <a:p>
+            <a:pPr algn="ctr"/>
+            <a:r>
+              <a:rPr lang="en-US" dirty="0"/>
+              <a:t>Key 4</a:t>
+            </a:r>
+          </a:p>
+        </p:txBody>
+      </p:sp>
+      <p:sp>
+        <p:nvSpPr>
+          <p:cNvPr id="7" name="Rectangle 6">
+            <a:extLst>
+              <a:ext uri="{FF2B5EF4-FFF2-40B4-BE49-F238E27FC236}">
+                <a16:creationId xmlns:a16="http://schemas.microsoft.com/office/drawing/2014/main" id="{89B86235-1531-3D4E-8DDC-8027F937B0C3}"/>
+              </a:ext>
+            </a:extLst>
+          </p:cNvPr>
+          <p:cNvSpPr/>
+          <p:nvPr/>
+        </p:nvSpPr>
+        <p:spPr>
+          <a:xfrm>
+            <a:off x="3579221" y="1659680"/>
+            <a:ext cx="1567543" cy="1341120"/>
+          </a:xfrm>
+          <a:prstGeom prst="rect">
+            <a:avLst/>
+          </a:prstGeom>
+        </p:spPr>
+        <p:style>
+          <a:lnRef idx="2">
+            <a:schemeClr val="accent1">
+              <a:shade val="50000"/>
+            </a:schemeClr>
+          </a:lnRef>
+          <a:fillRef idx="1">
+            <a:schemeClr val="accent1"/>
+          </a:fillRef>
+          <a:effectRef idx="0">
+            <a:schemeClr val="accent1"/>
+          </a:effectRef>
+          <a:fontRef idx="minor">
+            <a:schemeClr val="lt1"/>
+          </a:fontRef>
+        </p:style>
+        <p:txBody>
+          <a:bodyPr rtlCol="0" anchor="ctr"/>
+          <a:lstStyle/>
+          <a:p>
+            <a:pPr algn="ctr"/>
+            <a:r>
+              <a:rPr lang="en-US" dirty="0"/>
+              <a:t>CC 1 with Value2</a:t>
+            </a:r>
+          </a:p>
+          <a:p>
+            <a:pPr algn="ctr"/>
+            <a:r>
+              <a:rPr lang="en-US" dirty="0"/>
+              <a:t>Key 3</a:t>
+            </a:r>
+          </a:p>
+        </p:txBody>
+      </p:sp>
+      <p:sp>
+        <p:nvSpPr>
+          <p:cNvPr id="8" name="Rectangle 7">
+            <a:extLst>
+              <a:ext uri="{FF2B5EF4-FFF2-40B4-BE49-F238E27FC236}">
+                <a16:creationId xmlns:a16="http://schemas.microsoft.com/office/drawing/2014/main" id="{570DD81C-1464-694C-A35A-DF9AFF57E778}"/>
+              </a:ext>
+            </a:extLst>
+          </p:cNvPr>
+          <p:cNvSpPr/>
+          <p:nvPr/>
+        </p:nvSpPr>
+        <p:spPr>
+          <a:xfrm>
+            <a:off x="5817324" y="1735183"/>
+            <a:ext cx="1567543" cy="1341120"/>
+          </a:xfrm>
+          <a:prstGeom prst="rect">
+            <a:avLst/>
+          </a:prstGeom>
+        </p:spPr>
+        <p:style>
+          <a:lnRef idx="2">
+            <a:schemeClr val="accent1">
+              <a:shade val="50000"/>
+            </a:schemeClr>
+          </a:lnRef>
+          <a:fillRef idx="1">
+            <a:schemeClr val="accent1"/>
+          </a:fillRef>
+          <a:effectRef idx="0">
+            <a:schemeClr val="accent1"/>
+          </a:effectRef>
+          <a:fontRef idx="minor">
+            <a:schemeClr val="lt1"/>
+          </a:fontRef>
+        </p:style>
+        <p:txBody>
+          <a:bodyPr rtlCol="0" anchor="ctr"/>
+          <a:lstStyle/>
+          <a:p>
+            <a:pPr algn="ctr"/>
+            <a:r>
+              <a:rPr lang="en-US" dirty="0"/>
+              <a:t>CC 1 with Value3</a:t>
+            </a:r>
+          </a:p>
+          <a:p>
+            <a:pPr algn="ctr"/>
+            <a:r>
+              <a:rPr lang="en-US" dirty="0"/>
+              <a:t>Key 5</a:t>
+            </a:r>
+          </a:p>
+        </p:txBody>
+      </p:sp>
+      <p:sp>
+        <p:nvSpPr>
+          <p:cNvPr id="9" name="Rectangle 8">
+            <a:extLst>
+              <a:ext uri="{FF2B5EF4-FFF2-40B4-BE49-F238E27FC236}">
+                <a16:creationId xmlns:a16="http://schemas.microsoft.com/office/drawing/2014/main" id="{FFAE58D4-83D1-9240-86A2-DE9E992FA3B6}"/>
+              </a:ext>
+            </a:extLst>
+          </p:cNvPr>
+          <p:cNvSpPr/>
+          <p:nvPr/>
+        </p:nvSpPr>
+        <p:spPr>
+          <a:xfrm>
+            <a:off x="5802082" y="3489819"/>
+            <a:ext cx="1567543" cy="1341120"/>
+          </a:xfrm>
+          <a:prstGeom prst="rect">
+            <a:avLst/>
+          </a:prstGeom>
+        </p:spPr>
+        <p:style>
+          <a:lnRef idx="2">
+            <a:schemeClr val="accent1">
+              <a:shade val="50000"/>
+            </a:schemeClr>
+          </a:lnRef>
+          <a:fillRef idx="1">
+            <a:schemeClr val="accent1"/>
+          </a:fillRef>
+          <a:effectRef idx="0">
+            <a:schemeClr val="accent1"/>
+          </a:effectRef>
+          <a:fontRef idx="minor">
+            <a:schemeClr val="lt1"/>
+          </a:fontRef>
+        </p:style>
+        <p:txBody>
+          <a:bodyPr rtlCol="0" anchor="ctr"/>
+          <a:lstStyle/>
+          <a:p>
+            <a:pPr algn="ctr"/>
+            <a:r>
+              <a:rPr lang="en-US" dirty="0"/>
+              <a:t>CC 1 with Value1</a:t>
+            </a:r>
+          </a:p>
+          <a:p>
+            <a:pPr algn="ctr"/>
+            <a:r>
+              <a:rPr lang="en-US" dirty="0"/>
+              <a:t>Key 6</a:t>
+            </a:r>
+          </a:p>
+        </p:txBody>
+      </p:sp>
+      <p:sp>
+        <p:nvSpPr>
+          <p:cNvPr id="10" name="Rectangle 9">
+            <a:extLst>
+              <a:ext uri="{FF2B5EF4-FFF2-40B4-BE49-F238E27FC236}">
+                <a16:creationId xmlns:a16="http://schemas.microsoft.com/office/drawing/2014/main" id="{CEAC68FE-5C6B-494D-8133-641EB540D5BE}"/>
+              </a:ext>
+            </a:extLst>
+          </p:cNvPr>
+          <p:cNvSpPr/>
+          <p:nvPr/>
+        </p:nvSpPr>
+        <p:spPr>
+          <a:xfrm>
+            <a:off x="7903026" y="1735183"/>
+            <a:ext cx="1567543" cy="1341120"/>
+          </a:xfrm>
+          <a:prstGeom prst="rect">
+            <a:avLst/>
+          </a:prstGeom>
+        </p:spPr>
+        <p:style>
+          <a:lnRef idx="2">
+            <a:schemeClr val="accent1">
+              <a:shade val="50000"/>
+            </a:schemeClr>
+          </a:lnRef>
+          <a:fillRef idx="1">
+            <a:schemeClr val="accent1"/>
+          </a:fillRef>
+          <a:effectRef idx="0">
+            <a:schemeClr val="accent1"/>
+          </a:effectRef>
+          <a:fontRef idx="minor">
+            <a:schemeClr val="lt1"/>
+          </a:fontRef>
+        </p:style>
+        <p:txBody>
+          <a:bodyPr rtlCol="0" anchor="ctr"/>
+          <a:lstStyle/>
+          <a:p>
+            <a:pPr algn="ctr"/>
+            <a:r>
+              <a:rPr lang="en-US" dirty="0"/>
+              <a:t>CC 1 with Value4</a:t>
+            </a:r>
+          </a:p>
+          <a:p>
+            <a:pPr algn="ctr"/>
+            <a:r>
+              <a:rPr lang="en-US" dirty="0"/>
+              <a:t>Key 7</a:t>
+            </a:r>
+          </a:p>
+        </p:txBody>
+      </p:sp>
+      <p:sp>
+        <p:nvSpPr>
+          <p:cNvPr id="11" name="Rectangle 10">
+            <a:extLst>
+              <a:ext uri="{FF2B5EF4-FFF2-40B4-BE49-F238E27FC236}">
+                <a16:creationId xmlns:a16="http://schemas.microsoft.com/office/drawing/2014/main" id="{CB43A1E8-120B-614D-92A1-E18AE2F8C570}"/>
+              </a:ext>
+            </a:extLst>
+          </p:cNvPr>
+          <p:cNvSpPr/>
+          <p:nvPr/>
+        </p:nvSpPr>
+        <p:spPr>
+          <a:xfrm>
+            <a:off x="7903026" y="3489819"/>
+            <a:ext cx="1567543" cy="1341120"/>
+          </a:xfrm>
+          <a:prstGeom prst="rect">
+            <a:avLst/>
+          </a:prstGeom>
+        </p:spPr>
+        <p:style>
+          <a:lnRef idx="2">
+            <a:schemeClr val="accent1">
+              <a:shade val="50000"/>
+            </a:schemeClr>
+          </a:lnRef>
+          <a:fillRef idx="1">
+            <a:schemeClr val="accent1"/>
+          </a:fillRef>
+          <a:effectRef idx="0">
+            <a:schemeClr val="accent1"/>
+          </a:effectRef>
+          <a:fontRef idx="minor">
+            <a:schemeClr val="lt1"/>
+          </a:fontRef>
+        </p:style>
+        <p:txBody>
+          <a:bodyPr rtlCol="0" anchor="ctr"/>
+          <a:lstStyle/>
+          <a:p>
+            <a:pPr algn="ctr"/>
+            <a:r>
+              <a:rPr lang="en-US" dirty="0"/>
+              <a:t>CC 1 with Value1</a:t>
+            </a:r>
+          </a:p>
+          <a:p>
+            <a:pPr algn="ctr"/>
+            <a:r>
+              <a:rPr lang="en-US" dirty="0"/>
+              <a:t>Key 8</a:t>
+            </a:r>
+          </a:p>
+        </p:txBody>
+      </p:sp>
+      <p:sp>
+        <p:nvSpPr>
+          <p:cNvPr id="12" name="Rectangle 11">
+            <a:extLst>
+              <a:ext uri="{FF2B5EF4-FFF2-40B4-BE49-F238E27FC236}">
+                <a16:creationId xmlns:a16="http://schemas.microsoft.com/office/drawing/2014/main" id="{4EC6D1F4-19DF-C04A-887D-8D997A509FEC}"/>
+              </a:ext>
+            </a:extLst>
+          </p:cNvPr>
+          <p:cNvSpPr/>
+          <p:nvPr/>
+        </p:nvSpPr>
+        <p:spPr>
+          <a:xfrm>
+            <a:off x="9816736" y="1735183"/>
+            <a:ext cx="1567543" cy="1341120"/>
+          </a:xfrm>
+          <a:prstGeom prst="rect">
+            <a:avLst/>
+          </a:prstGeom>
+        </p:spPr>
+        <p:style>
+          <a:lnRef idx="2">
+            <a:schemeClr val="accent1">
+              <a:shade val="50000"/>
+            </a:schemeClr>
+          </a:lnRef>
+          <a:fillRef idx="1">
+            <a:schemeClr val="accent1"/>
+          </a:fillRef>
+          <a:effectRef idx="0">
+            <a:schemeClr val="accent1"/>
+          </a:effectRef>
+          <a:fontRef idx="minor">
+            <a:schemeClr val="lt1"/>
+          </a:fontRef>
+        </p:style>
+        <p:txBody>
+          <a:bodyPr rtlCol="0" anchor="ctr"/>
+          <a:lstStyle/>
+          <a:p>
+            <a:pPr algn="ctr"/>
+            <a:r>
+              <a:rPr lang="en-US" dirty="0"/>
+              <a:t>CC 1 with Value5</a:t>
+            </a:r>
+          </a:p>
+          <a:p>
+            <a:pPr algn="ctr"/>
+            <a:r>
+              <a:rPr lang="en-US" dirty="0"/>
+              <a:t>Key 9</a:t>
+            </a:r>
+          </a:p>
+        </p:txBody>
+      </p:sp>
+      <p:sp>
+        <p:nvSpPr>
+          <p:cNvPr id="13" name="Rectangle 12">
+            <a:extLst>
+              <a:ext uri="{FF2B5EF4-FFF2-40B4-BE49-F238E27FC236}">
+                <a16:creationId xmlns:a16="http://schemas.microsoft.com/office/drawing/2014/main" id="{17A33800-62CE-6540-BD87-CD6BDCC097F0}"/>
+              </a:ext>
+            </a:extLst>
+          </p:cNvPr>
+          <p:cNvSpPr/>
+          <p:nvPr/>
+        </p:nvSpPr>
+        <p:spPr>
+          <a:xfrm>
+            <a:off x="9827623" y="3429000"/>
+            <a:ext cx="1567543" cy="1341120"/>
+          </a:xfrm>
+          <a:prstGeom prst="rect">
+            <a:avLst/>
+          </a:prstGeom>
+        </p:spPr>
+        <p:style>
+          <a:lnRef idx="2">
+            <a:schemeClr val="accent1">
+              <a:shade val="50000"/>
+            </a:schemeClr>
+          </a:lnRef>
+          <a:fillRef idx="1">
+            <a:schemeClr val="accent1"/>
+          </a:fillRef>
+          <a:effectRef idx="0">
+            <a:schemeClr val="accent1"/>
+          </a:effectRef>
+          <a:fontRef idx="minor">
+            <a:schemeClr val="lt1"/>
+          </a:fontRef>
+        </p:style>
+        <p:txBody>
+          <a:bodyPr rtlCol="0" anchor="ctr"/>
+          <a:lstStyle/>
+          <a:p>
+            <a:pPr algn="ctr"/>
+            <a:r>
+              <a:rPr lang="en-US" dirty="0"/>
+              <a:t>CC 1 with Value1</a:t>
+            </a:r>
+          </a:p>
+          <a:p>
+            <a:pPr algn="ctr"/>
+            <a:r>
+              <a:rPr lang="en-US" dirty="0"/>
+              <a:t>Key 10</a:t>
+            </a:r>
+          </a:p>
+          <a:p>
+            <a:pPr algn="ctr"/>
+            <a:endParaRPr lang="en-US" b="1" dirty="0"/>
+          </a:p>
+        </p:txBody>
+      </p:sp>
+      <p:sp>
+        <p:nvSpPr>
+          <p:cNvPr id="14" name="&quot;No&quot; Symbol 13">
+            <a:extLst>
+              <a:ext uri="{FF2B5EF4-FFF2-40B4-BE49-F238E27FC236}">
+                <a16:creationId xmlns:a16="http://schemas.microsoft.com/office/drawing/2014/main" id="{8B407B59-F074-0049-A96C-82779F1B5FDC}"/>
+              </a:ext>
+            </a:extLst>
+          </p:cNvPr>
+          <p:cNvSpPr/>
+          <p:nvPr/>
+        </p:nvSpPr>
+        <p:spPr>
+          <a:xfrm>
+            <a:off x="3483429" y="1550126"/>
+            <a:ext cx="1663335" cy="1463040"/>
+          </a:xfrm>
+          <a:prstGeom prst="noSmoking">
+            <a:avLst/>
+          </a:prstGeom>
+        </p:spPr>
+        <p:style>
+          <a:lnRef idx="2">
+            <a:schemeClr val="accent1">
+              <a:shade val="50000"/>
+            </a:schemeClr>
+          </a:lnRef>
+          <a:fillRef idx="1">
+            <a:schemeClr val="accent1"/>
+          </a:fillRef>
+          <a:effectRef idx="0">
+            <a:schemeClr val="accent1"/>
+          </a:effectRef>
+          <a:fontRef idx="minor">
+            <a:schemeClr val="lt1"/>
+          </a:fontRef>
+        </p:style>
+        <p:txBody>
+          <a:bodyPr rtlCol="0" anchor="ctr"/>
+          <a:lstStyle/>
+          <a:p>
+            <a:pPr algn="ctr"/>
+            <a:endParaRPr lang="en-US">
+              <a:solidFill>
+                <a:schemeClr val="tx1"/>
+              </a:solidFill>
+            </a:endParaRPr>
+          </a:p>
+        </p:txBody>
+      </p:sp>
+      <p:sp>
+        <p:nvSpPr>
+          <p:cNvPr id="16" name="TextBox 15">
+            <a:extLst>
+              <a:ext uri="{FF2B5EF4-FFF2-40B4-BE49-F238E27FC236}">
+                <a16:creationId xmlns:a16="http://schemas.microsoft.com/office/drawing/2014/main" id="{49471785-706B-FA4E-AF57-B2609F40A915}"/>
+              </a:ext>
+            </a:extLst>
+          </p:cNvPr>
+          <p:cNvSpPr txBox="1"/>
+          <p:nvPr/>
+        </p:nvSpPr>
+        <p:spPr>
+          <a:xfrm>
+            <a:off x="879566" y="5103223"/>
+            <a:ext cx="10363200" cy="646331"/>
+          </a:xfrm>
+          <a:prstGeom prst="rect">
+            <a:avLst/>
+          </a:prstGeom>
+          <a:noFill/>
+        </p:spPr>
+        <p:txBody>
+          <a:bodyPr wrap="square" rtlCol="0">
+            <a:spAutoFit/>
+          </a:bodyPr>
+          <a:lstStyle/>
+          <a:p>
+            <a:r>
+              <a:rPr lang="en-US" dirty="0"/>
+              <a:t>The </a:t>
+            </a:r>
+            <a:r>
+              <a:rPr lang="en-US" dirty="0" err="1"/>
+              <a:t>ParentComponent</a:t>
+            </a:r>
+            <a:r>
+              <a:rPr lang="en-US" dirty="0"/>
+              <a:t> will use the Global </a:t>
+            </a:r>
+            <a:r>
+              <a:rPr lang="en-US" dirty="0" err="1"/>
+              <a:t>Boundry</a:t>
+            </a:r>
+            <a:r>
+              <a:rPr lang="en-US" dirty="0"/>
+              <a:t> </a:t>
+            </a:r>
+            <a:r>
+              <a:rPr lang="en-US" dirty="0" err="1"/>
+              <a:t>Componenty</a:t>
+            </a:r>
+            <a:r>
+              <a:rPr lang="en-US" dirty="0"/>
+              <a:t> aka ErrorBoundry Component to handle exception </a:t>
+            </a:r>
+            <a:r>
+              <a:rPr lang="en-US"/>
+              <a:t>and render </a:t>
+            </a:r>
+            <a:r>
+              <a:rPr lang="en-US" dirty="0"/>
+              <a:t>fallback UI</a:t>
+            </a:r>
+          </a:p>
+        </p:txBody>
+      </p:sp>
+    </p:spTree>
+    <p:extLst>
+      <p:ext uri="{BB962C8B-B14F-4D97-AF65-F5344CB8AC3E}">
+        <p14:creationId xmlns:p14="http://schemas.microsoft.com/office/powerpoint/2010/main" val="1326316295"/>
+      </p:ext>
+    </p:extLst>
+  </p:cSld>
+  <p:clrMapOvr>
+    <a:masterClrMapping/>
+  </p:clrMapOvr>
+</p:sld>
+</file>
+
 <file path=ppt/slides/slide6.xml><?xml version="1.0" encoding="utf-8"?>
 <p:sld xmlns:a="http://schemas.openxmlformats.org/drawingml/2006/main" xmlns:r="http://schemas.openxmlformats.org/officeDocument/2006/relationships" xmlns:p="http://schemas.openxmlformats.org/presentationml/2006/main">
   <p:cSld>

--- a/Training_Notes_PPTs.pptx
+++ b/Training_Notes_PPTs.pptx
@@ -59,6 +59,9 @@
     <p:sldId id="307" r:id="rId53"/>
     <p:sldId id="308" r:id="rId54"/>
     <p:sldId id="309" r:id="rId55"/>
+    <p:sldId id="310" r:id="rId56"/>
+    <p:sldId id="311" r:id="rId57"/>
+    <p:sldId id="312" r:id="rId58"/>
   </p:sldIdLst>
   <p:sldSz cx="12192000" cy="6858000"/>
   <p:notesSz cx="6858000" cy="9144000"/>
@@ -304,7 +307,7 @@
           <a:p>
             <a:fld id="{587FB2BA-09D0-1840-B49D-E4BDDD8ED284}" type="datetimeFigureOut">
               <a:rPr lang="en-US" smtClean="0"/>
-              <a:t>1/20/21</a:t>
+              <a:t>1/21/21</a:t>
             </a:fld>
             <a:endParaRPr lang="en-US"/>
           </a:p>
@@ -515,7 +518,7 @@
           <a:p>
             <a:fld id="{587FB2BA-09D0-1840-B49D-E4BDDD8ED284}" type="datetimeFigureOut">
               <a:rPr lang="en-US" smtClean="0"/>
-              <a:t>1/20/21</a:t>
+              <a:t>1/21/21</a:t>
             </a:fld>
             <a:endParaRPr lang="en-US"/>
           </a:p>
@@ -730,7 +733,7 @@
           <a:p>
             <a:fld id="{587FB2BA-09D0-1840-B49D-E4BDDD8ED284}" type="datetimeFigureOut">
               <a:rPr lang="en-US" smtClean="0"/>
-              <a:t>1/20/21</a:t>
+              <a:t>1/21/21</a:t>
             </a:fld>
             <a:endParaRPr lang="en-US"/>
           </a:p>
@@ -931,7 +934,7 @@
           <a:p>
             <a:fld id="{587FB2BA-09D0-1840-B49D-E4BDDD8ED284}" type="datetimeFigureOut">
               <a:rPr lang="en-US" smtClean="0"/>
-              <a:t>1/20/21</a:t>
+              <a:t>1/21/21</a:t>
             </a:fld>
             <a:endParaRPr lang="en-US"/>
           </a:p>
@@ -1210,7 +1213,7 @@
           <a:p>
             <a:fld id="{587FB2BA-09D0-1840-B49D-E4BDDD8ED284}" type="datetimeFigureOut">
               <a:rPr lang="en-US" smtClean="0"/>
-              <a:t>1/20/21</a:t>
+              <a:t>1/21/21</a:t>
             </a:fld>
             <a:endParaRPr lang="en-US"/>
           </a:p>
@@ -1478,7 +1481,7 @@
           <a:p>
             <a:fld id="{587FB2BA-09D0-1840-B49D-E4BDDD8ED284}" type="datetimeFigureOut">
               <a:rPr lang="en-US" smtClean="0"/>
-              <a:t>1/20/21</a:t>
+              <a:t>1/21/21</a:t>
             </a:fld>
             <a:endParaRPr lang="en-US"/>
           </a:p>
@@ -1894,7 +1897,7 @@
           <a:p>
             <a:fld id="{587FB2BA-09D0-1840-B49D-E4BDDD8ED284}" type="datetimeFigureOut">
               <a:rPr lang="en-US" smtClean="0"/>
-              <a:t>1/20/21</a:t>
+              <a:t>1/21/21</a:t>
             </a:fld>
             <a:endParaRPr lang="en-US"/>
           </a:p>
@@ -2043,7 +2046,7 @@
           <a:p>
             <a:fld id="{587FB2BA-09D0-1840-B49D-E4BDDD8ED284}" type="datetimeFigureOut">
               <a:rPr lang="en-US" smtClean="0"/>
-              <a:t>1/20/21</a:t>
+              <a:t>1/21/21</a:t>
             </a:fld>
             <a:endParaRPr lang="en-US"/>
           </a:p>
@@ -2169,7 +2172,7 @@
           <a:p>
             <a:fld id="{587FB2BA-09D0-1840-B49D-E4BDDD8ED284}" type="datetimeFigureOut">
               <a:rPr lang="en-US" smtClean="0"/>
-              <a:t>1/20/21</a:t>
+              <a:t>1/21/21</a:t>
             </a:fld>
             <a:endParaRPr lang="en-US"/>
           </a:p>
@@ -2420,7 +2423,7 @@
           <a:p>
             <a:fld id="{587FB2BA-09D0-1840-B49D-E4BDDD8ED284}" type="datetimeFigureOut">
               <a:rPr lang="en-US" smtClean="0"/>
-              <a:t>1/20/21</a:t>
+              <a:t>1/21/21</a:t>
             </a:fld>
             <a:endParaRPr lang="en-US"/>
           </a:p>
@@ -2865,7 +2868,7 @@
           <a:p>
             <a:fld id="{587FB2BA-09D0-1840-B49D-E4BDDD8ED284}" type="datetimeFigureOut">
               <a:rPr lang="en-US" smtClean="0"/>
-              <a:t>1/20/21</a:t>
+              <a:t>1/21/21</a:t>
             </a:fld>
             <a:endParaRPr lang="en-US"/>
           </a:p>
@@ -3192,7 +3195,7 @@
           <a:p>
             <a:fld id="{587FB2BA-09D0-1840-B49D-E4BDDD8ED284}" type="datetimeFigureOut">
               <a:rPr lang="en-US" smtClean="0"/>
-              <a:t>1/20/21</a:t>
+              <a:t>1/21/21</a:t>
             </a:fld>
             <a:endParaRPr lang="en-US"/>
           </a:p>
@@ -44144,6 +44147,1598 @@
 </p:sld>
 </file>
 
+<file path=ppt/slides/slide55.xml><?xml version="1.0" encoding="utf-8"?>
+<p:sld xmlns:a="http://schemas.openxmlformats.org/drawingml/2006/main" xmlns:r="http://schemas.openxmlformats.org/officeDocument/2006/relationships" xmlns:p="http://schemas.openxmlformats.org/presentationml/2006/main">
+  <p:cSld>
+    <p:spTree>
+      <p:nvGrpSpPr>
+        <p:cNvPr id="1" name=""/>
+        <p:cNvGrpSpPr/>
+        <p:nvPr/>
+      </p:nvGrpSpPr>
+      <p:grpSpPr>
+        <a:xfrm>
+          <a:off x="0" y="0"/>
+          <a:ext cx="0" cy="0"/>
+          <a:chOff x="0" y="0"/>
+          <a:chExt cx="0" cy="0"/>
+        </a:xfrm>
+      </p:grpSpPr>
+      <p:sp>
+        <p:nvSpPr>
+          <p:cNvPr id="2" name="Rectangle 1">
+            <a:extLst>
+              <a:ext uri="{FF2B5EF4-FFF2-40B4-BE49-F238E27FC236}">
+                <a16:creationId xmlns:a16="http://schemas.microsoft.com/office/drawing/2014/main" id="{A44E258A-7AAB-B047-A605-CDE438EA6DC7}"/>
+              </a:ext>
+            </a:extLst>
+          </p:cNvPr>
+          <p:cNvSpPr/>
+          <p:nvPr/>
+        </p:nvSpPr>
+        <p:spPr>
+          <a:xfrm>
+            <a:off x="1254034" y="391886"/>
+            <a:ext cx="7933509" cy="5390605"/>
+          </a:xfrm>
+          <a:prstGeom prst="rect">
+            <a:avLst/>
+          </a:prstGeom>
+        </p:spPr>
+        <p:style>
+          <a:lnRef idx="2">
+            <a:schemeClr val="accent6"/>
+          </a:lnRef>
+          <a:fillRef idx="1">
+            <a:schemeClr val="lt1"/>
+          </a:fillRef>
+          <a:effectRef idx="0">
+            <a:schemeClr val="accent6"/>
+          </a:effectRef>
+          <a:fontRef idx="minor">
+            <a:schemeClr val="dk1"/>
+          </a:fontRef>
+        </p:style>
+        <p:txBody>
+          <a:bodyPr rtlCol="0" anchor="ctr"/>
+          <a:lstStyle/>
+          <a:p>
+            <a:pPr algn="ctr"/>
+            <a:endParaRPr lang="en-US"/>
+          </a:p>
+        </p:txBody>
+      </p:sp>
+      <p:sp>
+        <p:nvSpPr>
+          <p:cNvPr id="3" name="TextBox 2">
+            <a:extLst>
+              <a:ext uri="{FF2B5EF4-FFF2-40B4-BE49-F238E27FC236}">
+                <a16:creationId xmlns:a16="http://schemas.microsoft.com/office/drawing/2014/main" id="{5A043BE5-0168-6D4E-ABD9-D13BA0D1C0C6}"/>
+              </a:ext>
+            </a:extLst>
+          </p:cNvPr>
+          <p:cNvSpPr txBox="1"/>
+          <p:nvPr/>
+        </p:nvSpPr>
+        <p:spPr>
+          <a:xfrm>
+            <a:off x="3257006" y="487680"/>
+            <a:ext cx="4249783" cy="646331"/>
+          </a:xfrm>
+          <a:prstGeom prst="rect">
+            <a:avLst/>
+          </a:prstGeom>
+          <a:noFill/>
+        </p:spPr>
+        <p:txBody>
+          <a:bodyPr wrap="square" rtlCol="0">
+            <a:spAutoFit/>
+          </a:bodyPr>
+          <a:lstStyle/>
+          <a:p>
+            <a:r>
+              <a:rPr lang="en-US" dirty="0"/>
+              <a:t>Parent Component</a:t>
+            </a:r>
+          </a:p>
+          <a:p>
+            <a:r>
+              <a:rPr lang="en-US" dirty="0"/>
+              <a:t>Msg1, msg2, msg3……</a:t>
+            </a:r>
+          </a:p>
+        </p:txBody>
+      </p:sp>
+      <p:sp>
+        <p:nvSpPr>
+          <p:cNvPr id="4" name="Rectangle 3">
+            <a:extLst>
+              <a:ext uri="{FF2B5EF4-FFF2-40B4-BE49-F238E27FC236}">
+                <a16:creationId xmlns:a16="http://schemas.microsoft.com/office/drawing/2014/main" id="{27B0DAB5-61CE-F447-B651-51958099044C}"/>
+              </a:ext>
+            </a:extLst>
+          </p:cNvPr>
+          <p:cNvSpPr/>
+          <p:nvPr/>
+        </p:nvSpPr>
+        <p:spPr>
+          <a:xfrm>
+            <a:off x="1558834" y="1593669"/>
+            <a:ext cx="2891246" cy="3796937"/>
+          </a:xfrm>
+          <a:prstGeom prst="rect">
+            <a:avLst/>
+          </a:prstGeom>
+        </p:spPr>
+        <p:style>
+          <a:lnRef idx="2">
+            <a:schemeClr val="accent1">
+              <a:shade val="50000"/>
+            </a:schemeClr>
+          </a:lnRef>
+          <a:fillRef idx="1">
+            <a:schemeClr val="accent1"/>
+          </a:fillRef>
+          <a:effectRef idx="0">
+            <a:schemeClr val="accent1"/>
+          </a:effectRef>
+          <a:fontRef idx="minor">
+            <a:schemeClr val="lt1"/>
+          </a:fontRef>
+        </p:style>
+        <p:txBody>
+          <a:bodyPr rtlCol="0" anchor="ctr"/>
+          <a:lstStyle/>
+          <a:p>
+            <a:pPr algn="ctr"/>
+            <a:r>
+              <a:rPr lang="en-US" dirty="0"/>
+              <a:t>Child 1</a:t>
+            </a:r>
+          </a:p>
+          <a:p>
+            <a:pPr algn="ctr"/>
+            <a:r>
+              <a:rPr lang="en-US" dirty="0"/>
+              <a:t>This.props.msg1, this.props.msg2, </a:t>
+            </a:r>
+            <a:r>
+              <a:rPr lang="en-US" dirty="0" err="1"/>
+              <a:t>this.props.msg</a:t>
+            </a:r>
+            <a:endParaRPr lang="en-US" dirty="0"/>
+          </a:p>
+        </p:txBody>
+      </p:sp>
+      <p:sp>
+        <p:nvSpPr>
+          <p:cNvPr id="5" name="Rectangle 4">
+            <a:extLst>
+              <a:ext uri="{FF2B5EF4-FFF2-40B4-BE49-F238E27FC236}">
+                <a16:creationId xmlns:a16="http://schemas.microsoft.com/office/drawing/2014/main" id="{B724A9EE-F6C3-7649-A02B-6864B6E63D27}"/>
+              </a:ext>
+            </a:extLst>
+          </p:cNvPr>
+          <p:cNvSpPr/>
+          <p:nvPr/>
+        </p:nvSpPr>
+        <p:spPr>
+          <a:xfrm>
+            <a:off x="5656217" y="1593669"/>
+            <a:ext cx="2891246" cy="3866605"/>
+          </a:xfrm>
+          <a:prstGeom prst="rect">
+            <a:avLst/>
+          </a:prstGeom>
+        </p:spPr>
+        <p:style>
+          <a:lnRef idx="2">
+            <a:schemeClr val="accent1">
+              <a:shade val="50000"/>
+            </a:schemeClr>
+          </a:lnRef>
+          <a:fillRef idx="1">
+            <a:schemeClr val="accent1"/>
+          </a:fillRef>
+          <a:effectRef idx="0">
+            <a:schemeClr val="accent1"/>
+          </a:effectRef>
+          <a:fontRef idx="minor">
+            <a:schemeClr val="lt1"/>
+          </a:fontRef>
+        </p:style>
+        <p:txBody>
+          <a:bodyPr rtlCol="0" anchor="ctr"/>
+          <a:lstStyle/>
+          <a:p>
+            <a:pPr algn="ctr"/>
+            <a:r>
+              <a:rPr lang="en-US" dirty="0"/>
+              <a:t>Child 2</a:t>
+            </a:r>
+          </a:p>
+          <a:p>
+            <a:pPr algn="ctr"/>
+            <a:r>
+              <a:rPr lang="en-US" dirty="0"/>
+              <a:t>This.props.msg1, this.props.msg2, </a:t>
+            </a:r>
+            <a:r>
+              <a:rPr lang="en-US" dirty="0" err="1"/>
+              <a:t>this.props.msg</a:t>
+            </a:r>
+            <a:endParaRPr lang="en-US" dirty="0"/>
+          </a:p>
+          <a:p>
+            <a:pPr algn="ctr"/>
+            <a:endParaRPr lang="en-US" dirty="0"/>
+          </a:p>
+        </p:txBody>
+      </p:sp>
+      <p:sp>
+        <p:nvSpPr>
+          <p:cNvPr id="6" name="Rounded Rectangle 5">
+            <a:extLst>
+              <a:ext uri="{FF2B5EF4-FFF2-40B4-BE49-F238E27FC236}">
+                <a16:creationId xmlns:a16="http://schemas.microsoft.com/office/drawing/2014/main" id="{FA764046-88B9-2143-8678-B7938E24A75D}"/>
+              </a:ext>
+            </a:extLst>
+          </p:cNvPr>
+          <p:cNvSpPr/>
+          <p:nvPr/>
+        </p:nvSpPr>
+        <p:spPr>
+          <a:xfrm>
+            <a:off x="1776549" y="4284617"/>
+            <a:ext cx="2521131" cy="818606"/>
+          </a:xfrm>
+          <a:prstGeom prst="roundRect">
+            <a:avLst/>
+          </a:prstGeom>
+        </p:spPr>
+        <p:style>
+          <a:lnRef idx="2">
+            <a:schemeClr val="dk1">
+              <a:shade val="50000"/>
+            </a:schemeClr>
+          </a:lnRef>
+          <a:fillRef idx="1">
+            <a:schemeClr val="dk1"/>
+          </a:fillRef>
+          <a:effectRef idx="0">
+            <a:schemeClr val="dk1"/>
+          </a:effectRef>
+          <a:fontRef idx="minor">
+            <a:schemeClr val="lt1"/>
+          </a:fontRef>
+        </p:style>
+        <p:txBody>
+          <a:bodyPr rtlCol="0" anchor="ctr"/>
+          <a:lstStyle/>
+          <a:p>
+            <a:pPr algn="ctr"/>
+            <a:endParaRPr lang="en-US"/>
+          </a:p>
+        </p:txBody>
+      </p:sp>
+      <p:sp>
+        <p:nvSpPr>
+          <p:cNvPr id="7" name="TextBox 6">
+            <a:extLst>
+              <a:ext uri="{FF2B5EF4-FFF2-40B4-BE49-F238E27FC236}">
+                <a16:creationId xmlns:a16="http://schemas.microsoft.com/office/drawing/2014/main" id="{5AC11B65-938B-ED4A-9FB3-F4F57D8B7EFB}"/>
+              </a:ext>
+            </a:extLst>
+          </p:cNvPr>
+          <p:cNvSpPr txBox="1"/>
+          <p:nvPr/>
+        </p:nvSpPr>
+        <p:spPr>
+          <a:xfrm>
+            <a:off x="9579429" y="992777"/>
+            <a:ext cx="2325188" cy="1200329"/>
+          </a:xfrm>
+          <a:prstGeom prst="rect">
+            <a:avLst/>
+          </a:prstGeom>
+          <a:noFill/>
+        </p:spPr>
+        <p:txBody>
+          <a:bodyPr wrap="square" rtlCol="0">
+            <a:spAutoFit/>
+          </a:bodyPr>
+          <a:lstStyle/>
+          <a:p>
+            <a:r>
+              <a:rPr lang="en-US" dirty="0" err="1"/>
+              <a:t>React.createContext</a:t>
+            </a:r>
+            <a:r>
+              <a:rPr lang="en-US" dirty="0"/>
+              <a:t>()</a:t>
+            </a:r>
+          </a:p>
+          <a:p>
+            <a:r>
+              <a:rPr lang="en-US" dirty="0"/>
+              <a:t>- Define a scope of data to be shared across components</a:t>
+            </a:r>
+          </a:p>
+        </p:txBody>
+      </p:sp>
+    </p:spTree>
+    <p:extLst>
+      <p:ext uri="{BB962C8B-B14F-4D97-AF65-F5344CB8AC3E}">
+        <p14:creationId xmlns:p14="http://schemas.microsoft.com/office/powerpoint/2010/main" val="462429202"/>
+      </p:ext>
+    </p:extLst>
+  </p:cSld>
+  <p:clrMapOvr>
+    <a:masterClrMapping/>
+  </p:clrMapOvr>
+</p:sld>
+</file>
+
+<file path=ppt/slides/slide56.xml><?xml version="1.0" encoding="utf-8"?>
+<p:sld xmlns:a="http://schemas.openxmlformats.org/drawingml/2006/main" xmlns:r="http://schemas.openxmlformats.org/officeDocument/2006/relationships" xmlns:p="http://schemas.openxmlformats.org/presentationml/2006/main">
+  <p:cSld>
+    <p:spTree>
+      <p:nvGrpSpPr>
+        <p:cNvPr id="1" name=""/>
+        <p:cNvGrpSpPr/>
+        <p:nvPr/>
+      </p:nvGrpSpPr>
+      <p:grpSpPr>
+        <a:xfrm>
+          <a:off x="0" y="0"/>
+          <a:ext cx="0" cy="0"/>
+          <a:chOff x="0" y="0"/>
+          <a:chExt cx="0" cy="0"/>
+        </a:xfrm>
+      </p:grpSpPr>
+      <p:sp>
+        <p:nvSpPr>
+          <p:cNvPr id="2" name="Rectangle 1">
+            <a:extLst>
+              <a:ext uri="{FF2B5EF4-FFF2-40B4-BE49-F238E27FC236}">
+                <a16:creationId xmlns:a16="http://schemas.microsoft.com/office/drawing/2014/main" id="{38EC2B9A-3E7E-914D-AB00-DD42F7ED5828}"/>
+              </a:ext>
+            </a:extLst>
+          </p:cNvPr>
+          <p:cNvSpPr/>
+          <p:nvPr/>
+        </p:nvSpPr>
+        <p:spPr>
+          <a:xfrm>
+            <a:off x="409303" y="1105989"/>
+            <a:ext cx="11530148" cy="4458788"/>
+          </a:xfrm>
+          <a:prstGeom prst="rect">
+            <a:avLst/>
+          </a:prstGeom>
+        </p:spPr>
+        <p:style>
+          <a:lnRef idx="2">
+            <a:schemeClr val="accent6"/>
+          </a:lnRef>
+          <a:fillRef idx="1">
+            <a:schemeClr val="lt1"/>
+          </a:fillRef>
+          <a:effectRef idx="0">
+            <a:schemeClr val="accent6"/>
+          </a:effectRef>
+          <a:fontRef idx="minor">
+            <a:schemeClr val="dk1"/>
+          </a:fontRef>
+        </p:style>
+        <p:txBody>
+          <a:bodyPr rtlCol="0" anchor="ctr"/>
+          <a:lstStyle/>
+          <a:p>
+            <a:pPr algn="ctr"/>
+            <a:endParaRPr lang="en-US" dirty="0"/>
+          </a:p>
+        </p:txBody>
+      </p:sp>
+      <p:sp>
+        <p:nvSpPr>
+          <p:cNvPr id="3" name="TextBox 2">
+            <a:extLst>
+              <a:ext uri="{FF2B5EF4-FFF2-40B4-BE49-F238E27FC236}">
+                <a16:creationId xmlns:a16="http://schemas.microsoft.com/office/drawing/2014/main" id="{FEE4BD6A-FC99-8046-8D9D-F59AFE875AD6}"/>
+              </a:ext>
+            </a:extLst>
+          </p:cNvPr>
+          <p:cNvSpPr txBox="1"/>
+          <p:nvPr/>
+        </p:nvSpPr>
+        <p:spPr>
+          <a:xfrm>
+            <a:off x="2932612" y="1105989"/>
+            <a:ext cx="6923314" cy="369332"/>
+          </a:xfrm>
+          <a:prstGeom prst="rect">
+            <a:avLst/>
+          </a:prstGeom>
+          <a:noFill/>
+        </p:spPr>
+        <p:txBody>
+          <a:bodyPr wrap="square" rtlCol="0">
+            <a:spAutoFit/>
+          </a:bodyPr>
+          <a:lstStyle/>
+          <a:p>
+            <a:r>
+              <a:rPr lang="en-US" dirty="0"/>
+              <a:t>Parent Component , data1=[], data2={}</a:t>
+            </a:r>
+          </a:p>
+        </p:txBody>
+      </p:sp>
+      <p:sp>
+        <p:nvSpPr>
+          <p:cNvPr id="4" name="Rectangle 3">
+            <a:extLst>
+              <a:ext uri="{FF2B5EF4-FFF2-40B4-BE49-F238E27FC236}">
+                <a16:creationId xmlns:a16="http://schemas.microsoft.com/office/drawing/2014/main" id="{A76F6B24-F4C4-3A49-B4D7-19413DD377D0}"/>
+              </a:ext>
+            </a:extLst>
+          </p:cNvPr>
+          <p:cNvSpPr/>
+          <p:nvPr/>
+        </p:nvSpPr>
+        <p:spPr>
+          <a:xfrm>
+            <a:off x="722811" y="1567543"/>
+            <a:ext cx="3936275" cy="3805646"/>
+          </a:xfrm>
+          <a:prstGeom prst="rect">
+            <a:avLst/>
+          </a:prstGeom>
+        </p:spPr>
+        <p:style>
+          <a:lnRef idx="1">
+            <a:schemeClr val="accent3"/>
+          </a:lnRef>
+          <a:fillRef idx="2">
+            <a:schemeClr val="accent3"/>
+          </a:fillRef>
+          <a:effectRef idx="1">
+            <a:schemeClr val="accent3"/>
+          </a:effectRef>
+          <a:fontRef idx="minor">
+            <a:schemeClr val="dk1"/>
+          </a:fontRef>
+        </p:style>
+        <p:txBody>
+          <a:bodyPr rtlCol="0" anchor="ctr"/>
+          <a:lstStyle/>
+          <a:p>
+            <a:pPr algn="ctr"/>
+            <a:endParaRPr lang="en-US"/>
+          </a:p>
+        </p:txBody>
+      </p:sp>
+      <p:sp>
+        <p:nvSpPr>
+          <p:cNvPr id="5" name="TextBox 4">
+            <a:extLst>
+              <a:ext uri="{FF2B5EF4-FFF2-40B4-BE49-F238E27FC236}">
+                <a16:creationId xmlns:a16="http://schemas.microsoft.com/office/drawing/2014/main" id="{EDC55480-0FE9-3743-9899-8AC2F7D97BFF}"/>
+              </a:ext>
+            </a:extLst>
+          </p:cNvPr>
+          <p:cNvSpPr txBox="1"/>
+          <p:nvPr/>
+        </p:nvSpPr>
+        <p:spPr>
+          <a:xfrm>
+            <a:off x="1105989" y="1698171"/>
+            <a:ext cx="3309257" cy="374469"/>
+          </a:xfrm>
+          <a:prstGeom prst="rect">
+            <a:avLst/>
+          </a:prstGeom>
+          <a:noFill/>
+        </p:spPr>
+        <p:txBody>
+          <a:bodyPr wrap="square" rtlCol="0">
+            <a:spAutoFit/>
+          </a:bodyPr>
+          <a:lstStyle/>
+          <a:p>
+            <a:r>
+              <a:rPr lang="en-US" dirty="0"/>
+              <a:t>Child Component 1</a:t>
+            </a:r>
+          </a:p>
+        </p:txBody>
+      </p:sp>
+      <p:sp>
+        <p:nvSpPr>
+          <p:cNvPr id="6" name="Rectangle 5">
+            <a:extLst>
+              <a:ext uri="{FF2B5EF4-FFF2-40B4-BE49-F238E27FC236}">
+                <a16:creationId xmlns:a16="http://schemas.microsoft.com/office/drawing/2014/main" id="{F4F9865C-B4F8-4C42-94F0-4FE08A6EFA3C}"/>
+              </a:ext>
+            </a:extLst>
+          </p:cNvPr>
+          <p:cNvSpPr/>
+          <p:nvPr/>
+        </p:nvSpPr>
+        <p:spPr>
+          <a:xfrm>
+            <a:off x="8068492" y="1526177"/>
+            <a:ext cx="3309257" cy="3805646"/>
+          </a:xfrm>
+          <a:prstGeom prst="rect">
+            <a:avLst/>
+          </a:prstGeom>
+        </p:spPr>
+        <p:style>
+          <a:lnRef idx="1">
+            <a:schemeClr val="accent3"/>
+          </a:lnRef>
+          <a:fillRef idx="2">
+            <a:schemeClr val="accent3"/>
+          </a:fillRef>
+          <a:effectRef idx="1">
+            <a:schemeClr val="accent3"/>
+          </a:effectRef>
+          <a:fontRef idx="minor">
+            <a:schemeClr val="dk1"/>
+          </a:fontRef>
+        </p:style>
+        <p:txBody>
+          <a:bodyPr rtlCol="0" anchor="ctr"/>
+          <a:lstStyle/>
+          <a:p>
+            <a:pPr algn="ctr"/>
+            <a:endParaRPr lang="en-US"/>
+          </a:p>
+        </p:txBody>
+      </p:sp>
+      <p:sp>
+        <p:nvSpPr>
+          <p:cNvPr id="7" name="TextBox 6">
+            <a:extLst>
+              <a:ext uri="{FF2B5EF4-FFF2-40B4-BE49-F238E27FC236}">
+                <a16:creationId xmlns:a16="http://schemas.microsoft.com/office/drawing/2014/main" id="{E4F9825C-8246-0E4F-BDE8-FD91F188337E}"/>
+              </a:ext>
+            </a:extLst>
+          </p:cNvPr>
+          <p:cNvSpPr txBox="1"/>
+          <p:nvPr/>
+        </p:nvSpPr>
+        <p:spPr>
+          <a:xfrm>
+            <a:off x="8377646" y="1698170"/>
+            <a:ext cx="2246811" cy="374469"/>
+          </a:xfrm>
+          <a:prstGeom prst="rect">
+            <a:avLst/>
+          </a:prstGeom>
+          <a:noFill/>
+        </p:spPr>
+        <p:txBody>
+          <a:bodyPr wrap="square" rtlCol="0">
+            <a:spAutoFit/>
+          </a:bodyPr>
+          <a:lstStyle/>
+          <a:p>
+            <a:r>
+              <a:rPr lang="en-US" dirty="0"/>
+              <a:t>Child Component 2</a:t>
+            </a:r>
+          </a:p>
+        </p:txBody>
+      </p:sp>
+      <p:cxnSp>
+        <p:nvCxnSpPr>
+          <p:cNvPr id="9" name="Straight Arrow Connector 8">
+            <a:extLst>
+              <a:ext uri="{FF2B5EF4-FFF2-40B4-BE49-F238E27FC236}">
+                <a16:creationId xmlns:a16="http://schemas.microsoft.com/office/drawing/2014/main" id="{69C5C356-E84C-EE42-88BB-DB84B8454BE8}"/>
+              </a:ext>
+            </a:extLst>
+          </p:cNvPr>
+          <p:cNvCxnSpPr>
+            <a:cxnSpLocks/>
+            <a:endCxn id="4" idx="0"/>
+          </p:cNvCxnSpPr>
+          <p:nvPr/>
+        </p:nvCxnSpPr>
+        <p:spPr>
+          <a:xfrm flipH="1">
+            <a:off x="2690949" y="1384663"/>
+            <a:ext cx="2536374" cy="182880"/>
+          </a:xfrm>
+          <a:prstGeom prst="straightConnector1">
+            <a:avLst/>
+          </a:prstGeom>
+          <a:ln>
+            <a:tailEnd type="triangle"/>
+          </a:ln>
+        </p:spPr>
+        <p:style>
+          <a:lnRef idx="1">
+            <a:schemeClr val="accent1"/>
+          </a:lnRef>
+          <a:fillRef idx="0">
+            <a:schemeClr val="accent1"/>
+          </a:fillRef>
+          <a:effectRef idx="0">
+            <a:schemeClr val="accent1"/>
+          </a:effectRef>
+          <a:fontRef idx="minor">
+            <a:schemeClr val="tx1"/>
+          </a:fontRef>
+        </p:style>
+      </p:cxnSp>
+      <p:cxnSp>
+        <p:nvCxnSpPr>
+          <p:cNvPr id="11" name="Straight Arrow Connector 10">
+            <a:extLst>
+              <a:ext uri="{FF2B5EF4-FFF2-40B4-BE49-F238E27FC236}">
+                <a16:creationId xmlns:a16="http://schemas.microsoft.com/office/drawing/2014/main" id="{29341BE9-51B0-4F42-AA83-5BB080A20BF2}"/>
+              </a:ext>
+            </a:extLst>
+          </p:cNvPr>
+          <p:cNvCxnSpPr>
+            <a:cxnSpLocks/>
+            <a:endCxn id="6" idx="0"/>
+          </p:cNvCxnSpPr>
+          <p:nvPr/>
+        </p:nvCxnSpPr>
+        <p:spPr>
+          <a:xfrm>
+            <a:off x="6174377" y="1384663"/>
+            <a:ext cx="3548744" cy="141514"/>
+          </a:xfrm>
+          <a:prstGeom prst="straightConnector1">
+            <a:avLst/>
+          </a:prstGeom>
+          <a:ln>
+            <a:tailEnd type="triangle"/>
+          </a:ln>
+        </p:spPr>
+        <p:style>
+          <a:lnRef idx="1">
+            <a:schemeClr val="accent1"/>
+          </a:lnRef>
+          <a:fillRef idx="0">
+            <a:schemeClr val="accent1"/>
+          </a:fillRef>
+          <a:effectRef idx="0">
+            <a:schemeClr val="accent1"/>
+          </a:effectRef>
+          <a:fontRef idx="minor">
+            <a:schemeClr val="tx1"/>
+          </a:fontRef>
+        </p:style>
+      </p:cxnSp>
+      <p:sp>
+        <p:nvSpPr>
+          <p:cNvPr id="13" name="Rectangle 12">
+            <a:extLst>
+              <a:ext uri="{FF2B5EF4-FFF2-40B4-BE49-F238E27FC236}">
+                <a16:creationId xmlns:a16="http://schemas.microsoft.com/office/drawing/2014/main" id="{B00F1B4D-885B-2740-B03D-63E916C6AE64}"/>
+              </a:ext>
+            </a:extLst>
+          </p:cNvPr>
+          <p:cNvSpPr/>
+          <p:nvPr/>
+        </p:nvSpPr>
+        <p:spPr>
+          <a:xfrm>
+            <a:off x="6905898" y="48986"/>
+            <a:ext cx="3126377" cy="990601"/>
+          </a:xfrm>
+          <a:prstGeom prst="rect">
+            <a:avLst/>
+          </a:prstGeom>
+        </p:spPr>
+        <p:style>
+          <a:lnRef idx="2">
+            <a:schemeClr val="accent1">
+              <a:shade val="50000"/>
+            </a:schemeClr>
+          </a:lnRef>
+          <a:fillRef idx="1">
+            <a:schemeClr val="accent1"/>
+          </a:fillRef>
+          <a:effectRef idx="0">
+            <a:schemeClr val="accent1"/>
+          </a:effectRef>
+          <a:fontRef idx="minor">
+            <a:schemeClr val="lt1"/>
+          </a:fontRef>
+        </p:style>
+        <p:txBody>
+          <a:bodyPr rtlCol="0" anchor="ctr"/>
+          <a:lstStyle/>
+          <a:p>
+            <a:pPr algn="ctr"/>
+            <a:r>
+              <a:rPr lang="en-US" dirty="0" err="1"/>
+              <a:t>React.Context</a:t>
+            </a:r>
+            <a:endParaRPr lang="en-US" dirty="0"/>
+          </a:p>
+          <a:p>
+            <a:pPr algn="ctr"/>
+            <a:r>
+              <a:rPr lang="en-US" dirty="0" err="1"/>
+              <a:t>createContext</a:t>
+            </a:r>
+            <a:r>
+              <a:rPr lang="en-US" dirty="0"/>
+              <a:t>(null)</a:t>
+            </a:r>
+          </a:p>
+        </p:txBody>
+      </p:sp>
+      <p:sp>
+        <p:nvSpPr>
+          <p:cNvPr id="16" name="Bent Arrow 15">
+            <a:extLst>
+              <a:ext uri="{FF2B5EF4-FFF2-40B4-BE49-F238E27FC236}">
+                <a16:creationId xmlns:a16="http://schemas.microsoft.com/office/drawing/2014/main" id="{8CEF788F-67B5-9241-85DA-FDBFAB13E326}"/>
+              </a:ext>
+            </a:extLst>
+          </p:cNvPr>
+          <p:cNvSpPr/>
+          <p:nvPr/>
+        </p:nvSpPr>
+        <p:spPr>
+          <a:xfrm>
+            <a:off x="5227324" y="348343"/>
+            <a:ext cx="1678574" cy="757646"/>
+          </a:xfrm>
+          <a:prstGeom prst="bentArrow">
+            <a:avLst/>
+          </a:prstGeom>
+        </p:spPr>
+        <p:style>
+          <a:lnRef idx="2">
+            <a:schemeClr val="accent1">
+              <a:shade val="50000"/>
+            </a:schemeClr>
+          </a:lnRef>
+          <a:fillRef idx="1">
+            <a:schemeClr val="accent1"/>
+          </a:fillRef>
+          <a:effectRef idx="0">
+            <a:schemeClr val="accent1"/>
+          </a:effectRef>
+          <a:fontRef idx="minor">
+            <a:schemeClr val="lt1"/>
+          </a:fontRef>
+        </p:style>
+        <p:txBody>
+          <a:bodyPr rtlCol="0" anchor="ctr"/>
+          <a:lstStyle/>
+          <a:p>
+            <a:pPr algn="ctr"/>
+            <a:endParaRPr lang="en-US">
+              <a:solidFill>
+                <a:schemeClr val="tx1"/>
+              </a:solidFill>
+            </a:endParaRPr>
+          </a:p>
+        </p:txBody>
+      </p:sp>
+      <p:sp>
+        <p:nvSpPr>
+          <p:cNvPr id="17" name="TextBox 16">
+            <a:extLst>
+              <a:ext uri="{FF2B5EF4-FFF2-40B4-BE49-F238E27FC236}">
+                <a16:creationId xmlns:a16="http://schemas.microsoft.com/office/drawing/2014/main" id="{396A6C61-7116-A34E-819D-5AFDF140DD84}"/>
+              </a:ext>
+            </a:extLst>
+          </p:cNvPr>
+          <p:cNvSpPr txBox="1"/>
+          <p:nvPr/>
+        </p:nvSpPr>
+        <p:spPr>
+          <a:xfrm>
+            <a:off x="3257006" y="48986"/>
+            <a:ext cx="2142308" cy="369332"/>
+          </a:xfrm>
+          <a:prstGeom prst="rect">
+            <a:avLst/>
+          </a:prstGeom>
+          <a:noFill/>
+        </p:spPr>
+        <p:txBody>
+          <a:bodyPr wrap="square" rtlCol="0">
+            <a:spAutoFit/>
+          </a:bodyPr>
+          <a:lstStyle/>
+          <a:p>
+            <a:r>
+              <a:rPr lang="en-US" dirty="0"/>
+              <a:t>data1</a:t>
+            </a:r>
+          </a:p>
+        </p:txBody>
+      </p:sp>
+      <p:sp>
+        <p:nvSpPr>
+          <p:cNvPr id="19" name="Bent Arrow 18">
+            <a:extLst>
+              <a:ext uri="{FF2B5EF4-FFF2-40B4-BE49-F238E27FC236}">
+                <a16:creationId xmlns:a16="http://schemas.microsoft.com/office/drawing/2014/main" id="{9FDE232C-B3E2-5244-8E19-E1DB7F2E757E}"/>
+              </a:ext>
+            </a:extLst>
+          </p:cNvPr>
+          <p:cNvSpPr/>
+          <p:nvPr/>
+        </p:nvSpPr>
+        <p:spPr>
+          <a:xfrm rot="10800000">
+            <a:off x="3735977" y="1039586"/>
+            <a:ext cx="3858988" cy="1982287"/>
+          </a:xfrm>
+          <a:prstGeom prst="bentArrow">
+            <a:avLst/>
+          </a:prstGeom>
+        </p:spPr>
+        <p:style>
+          <a:lnRef idx="2">
+            <a:schemeClr val="accent1">
+              <a:shade val="50000"/>
+            </a:schemeClr>
+          </a:lnRef>
+          <a:fillRef idx="1">
+            <a:schemeClr val="accent1"/>
+          </a:fillRef>
+          <a:effectRef idx="0">
+            <a:schemeClr val="accent1"/>
+          </a:effectRef>
+          <a:fontRef idx="minor">
+            <a:schemeClr val="lt1"/>
+          </a:fontRef>
+        </p:style>
+        <p:txBody>
+          <a:bodyPr rtlCol="0" anchor="ctr"/>
+          <a:lstStyle/>
+          <a:p>
+            <a:pPr algn="ctr"/>
+            <a:endParaRPr lang="en-US">
+              <a:solidFill>
+                <a:schemeClr val="tx1"/>
+              </a:solidFill>
+            </a:endParaRPr>
+          </a:p>
+        </p:txBody>
+      </p:sp>
+      <p:sp>
+        <p:nvSpPr>
+          <p:cNvPr id="20" name="TextBox 19">
+            <a:extLst>
+              <a:ext uri="{FF2B5EF4-FFF2-40B4-BE49-F238E27FC236}">
+                <a16:creationId xmlns:a16="http://schemas.microsoft.com/office/drawing/2014/main" id="{3EB46D0E-5ADC-AF45-850A-2E91A637BC60}"/>
+              </a:ext>
+            </a:extLst>
+          </p:cNvPr>
+          <p:cNvSpPr txBox="1"/>
+          <p:nvPr/>
+        </p:nvSpPr>
+        <p:spPr>
+          <a:xfrm>
+            <a:off x="2932612" y="3088277"/>
+            <a:ext cx="2806337" cy="646331"/>
+          </a:xfrm>
+          <a:prstGeom prst="rect">
+            <a:avLst/>
+          </a:prstGeom>
+          <a:noFill/>
+        </p:spPr>
+        <p:txBody>
+          <a:bodyPr wrap="square" rtlCol="0">
+            <a:spAutoFit/>
+          </a:bodyPr>
+          <a:lstStyle/>
+          <a:p>
+            <a:r>
+              <a:rPr lang="en-US" dirty="0"/>
+              <a:t>Subscribe to Context and Consuming data1</a:t>
+            </a:r>
+          </a:p>
+        </p:txBody>
+      </p:sp>
+    </p:spTree>
+    <p:extLst>
+      <p:ext uri="{BB962C8B-B14F-4D97-AF65-F5344CB8AC3E}">
+        <p14:creationId xmlns:p14="http://schemas.microsoft.com/office/powerpoint/2010/main" val="3843088389"/>
+      </p:ext>
+    </p:extLst>
+  </p:cSld>
+  <p:clrMapOvr>
+    <a:masterClrMapping/>
+  </p:clrMapOvr>
+</p:sld>
+</file>
+
+<file path=ppt/slides/slide57.xml><?xml version="1.0" encoding="utf-8"?>
+<p:sld xmlns:a="http://schemas.openxmlformats.org/drawingml/2006/main" xmlns:r="http://schemas.openxmlformats.org/officeDocument/2006/relationships" xmlns:p="http://schemas.openxmlformats.org/presentationml/2006/main">
+  <p:cSld>
+    <p:spTree>
+      <p:nvGrpSpPr>
+        <p:cNvPr id="1" name=""/>
+        <p:cNvGrpSpPr/>
+        <p:nvPr/>
+      </p:nvGrpSpPr>
+      <p:grpSpPr>
+        <a:xfrm>
+          <a:off x="0" y="0"/>
+          <a:ext cx="0" cy="0"/>
+          <a:chOff x="0" y="0"/>
+          <a:chExt cx="0" cy="0"/>
+        </a:xfrm>
+      </p:grpSpPr>
+      <p:sp>
+        <p:nvSpPr>
+          <p:cNvPr id="3" name="Rectangle 2">
+            <a:extLst>
+              <a:ext uri="{FF2B5EF4-FFF2-40B4-BE49-F238E27FC236}">
+                <a16:creationId xmlns:a16="http://schemas.microsoft.com/office/drawing/2014/main" id="{AFC411F9-1907-5C40-84F1-D10D878086C1}"/>
+              </a:ext>
+            </a:extLst>
+          </p:cNvPr>
+          <p:cNvSpPr/>
+          <p:nvPr/>
+        </p:nvSpPr>
+        <p:spPr>
+          <a:xfrm>
+            <a:off x="313509" y="243840"/>
+            <a:ext cx="11634651" cy="5643154"/>
+          </a:xfrm>
+          <a:prstGeom prst="rect">
+            <a:avLst/>
+          </a:prstGeom>
+        </p:spPr>
+        <p:style>
+          <a:lnRef idx="2">
+            <a:schemeClr val="accent6"/>
+          </a:lnRef>
+          <a:fillRef idx="1">
+            <a:schemeClr val="lt1"/>
+          </a:fillRef>
+          <a:effectRef idx="0">
+            <a:schemeClr val="accent6"/>
+          </a:effectRef>
+          <a:fontRef idx="minor">
+            <a:schemeClr val="dk1"/>
+          </a:fontRef>
+        </p:style>
+        <p:txBody>
+          <a:bodyPr rtlCol="0" anchor="ctr"/>
+          <a:lstStyle/>
+          <a:p>
+            <a:pPr algn="ctr"/>
+            <a:endParaRPr lang="en-US"/>
+          </a:p>
+        </p:txBody>
+      </p:sp>
+      <p:sp>
+        <p:nvSpPr>
+          <p:cNvPr id="4" name="TextBox 3">
+            <a:extLst>
+              <a:ext uri="{FF2B5EF4-FFF2-40B4-BE49-F238E27FC236}">
+                <a16:creationId xmlns:a16="http://schemas.microsoft.com/office/drawing/2014/main" id="{CBC15080-E22E-6949-88A7-027175F154E3}"/>
+              </a:ext>
+            </a:extLst>
+          </p:cNvPr>
+          <p:cNvSpPr txBox="1"/>
+          <p:nvPr/>
+        </p:nvSpPr>
+        <p:spPr>
+          <a:xfrm>
+            <a:off x="3535680" y="409303"/>
+            <a:ext cx="5773783" cy="369332"/>
+          </a:xfrm>
+          <a:prstGeom prst="rect">
+            <a:avLst/>
+          </a:prstGeom>
+          <a:noFill/>
+        </p:spPr>
+        <p:txBody>
+          <a:bodyPr wrap="square" rtlCol="0">
+            <a:spAutoFit/>
+          </a:bodyPr>
+          <a:lstStyle/>
+          <a:p>
+            <a:r>
+              <a:rPr lang="en-US" dirty="0"/>
+              <a:t>Parent Component</a:t>
+            </a:r>
+          </a:p>
+        </p:txBody>
+      </p:sp>
+      <p:sp>
+        <p:nvSpPr>
+          <p:cNvPr id="5" name="Rectangle 4">
+            <a:extLst>
+              <a:ext uri="{FF2B5EF4-FFF2-40B4-BE49-F238E27FC236}">
+                <a16:creationId xmlns:a16="http://schemas.microsoft.com/office/drawing/2014/main" id="{4C2E8DE2-DF80-3241-A261-EA145C8C83CC}"/>
+              </a:ext>
+            </a:extLst>
+          </p:cNvPr>
+          <p:cNvSpPr/>
+          <p:nvPr/>
+        </p:nvSpPr>
+        <p:spPr>
+          <a:xfrm>
+            <a:off x="618309" y="1027611"/>
+            <a:ext cx="10981508" cy="4702629"/>
+          </a:xfrm>
+          <a:prstGeom prst="rect">
+            <a:avLst/>
+          </a:prstGeom>
+        </p:spPr>
+        <p:style>
+          <a:lnRef idx="1">
+            <a:schemeClr val="accent3"/>
+          </a:lnRef>
+          <a:fillRef idx="2">
+            <a:schemeClr val="accent3"/>
+          </a:fillRef>
+          <a:effectRef idx="1">
+            <a:schemeClr val="accent3"/>
+          </a:effectRef>
+          <a:fontRef idx="minor">
+            <a:schemeClr val="dk1"/>
+          </a:fontRef>
+        </p:style>
+        <p:txBody>
+          <a:bodyPr rtlCol="0" anchor="ctr"/>
+          <a:lstStyle/>
+          <a:p>
+            <a:pPr algn="ctr"/>
+            <a:endParaRPr lang="en-US"/>
+          </a:p>
+        </p:txBody>
+      </p:sp>
+      <p:sp>
+        <p:nvSpPr>
+          <p:cNvPr id="6" name="TextBox 5">
+            <a:extLst>
+              <a:ext uri="{FF2B5EF4-FFF2-40B4-BE49-F238E27FC236}">
+                <a16:creationId xmlns:a16="http://schemas.microsoft.com/office/drawing/2014/main" id="{8F6CF863-3AB0-D84C-9369-03159DFF975D}"/>
+              </a:ext>
+            </a:extLst>
+          </p:cNvPr>
+          <p:cNvSpPr txBox="1"/>
+          <p:nvPr/>
+        </p:nvSpPr>
+        <p:spPr>
+          <a:xfrm>
+            <a:off x="3413760" y="1140823"/>
+            <a:ext cx="5259977" cy="369332"/>
+          </a:xfrm>
+          <a:prstGeom prst="rect">
+            <a:avLst/>
+          </a:prstGeom>
+          <a:noFill/>
+        </p:spPr>
+        <p:txBody>
+          <a:bodyPr wrap="square" rtlCol="0">
+            <a:spAutoFit/>
+          </a:bodyPr>
+          <a:lstStyle/>
+          <a:p>
+            <a:r>
+              <a:rPr lang="en-US" dirty="0"/>
+              <a:t>Child 1</a:t>
+            </a:r>
+          </a:p>
+        </p:txBody>
+      </p:sp>
+      <p:sp>
+        <p:nvSpPr>
+          <p:cNvPr id="7" name="Rectangle 6">
+            <a:extLst>
+              <a:ext uri="{FF2B5EF4-FFF2-40B4-BE49-F238E27FC236}">
+                <a16:creationId xmlns:a16="http://schemas.microsoft.com/office/drawing/2014/main" id="{53657F65-2D66-5740-B05C-C0AEBFD80C96}"/>
+              </a:ext>
+            </a:extLst>
+          </p:cNvPr>
+          <p:cNvSpPr/>
+          <p:nvPr/>
+        </p:nvSpPr>
+        <p:spPr>
+          <a:xfrm>
+            <a:off x="1097280" y="2011680"/>
+            <a:ext cx="10180320" cy="3466011"/>
+          </a:xfrm>
+          <a:prstGeom prst="rect">
+            <a:avLst/>
+          </a:prstGeom>
+        </p:spPr>
+        <p:style>
+          <a:lnRef idx="0">
+            <a:schemeClr val="accent3"/>
+          </a:lnRef>
+          <a:fillRef idx="3">
+            <a:schemeClr val="accent3"/>
+          </a:fillRef>
+          <a:effectRef idx="3">
+            <a:schemeClr val="accent3"/>
+          </a:effectRef>
+          <a:fontRef idx="minor">
+            <a:schemeClr val="lt1"/>
+          </a:fontRef>
+        </p:style>
+        <p:txBody>
+          <a:bodyPr rtlCol="0" anchor="ctr"/>
+          <a:lstStyle/>
+          <a:p>
+            <a:pPr algn="ctr"/>
+            <a:endParaRPr lang="en-US"/>
+          </a:p>
+        </p:txBody>
+      </p:sp>
+      <p:sp>
+        <p:nvSpPr>
+          <p:cNvPr id="8" name="TextBox 7">
+            <a:extLst>
+              <a:ext uri="{FF2B5EF4-FFF2-40B4-BE49-F238E27FC236}">
+                <a16:creationId xmlns:a16="http://schemas.microsoft.com/office/drawing/2014/main" id="{A8227EE9-9C14-6E46-A210-12028219EDE3}"/>
+              </a:ext>
+            </a:extLst>
+          </p:cNvPr>
+          <p:cNvSpPr txBox="1"/>
+          <p:nvPr/>
+        </p:nvSpPr>
+        <p:spPr>
+          <a:xfrm>
+            <a:off x="3344091" y="2151017"/>
+            <a:ext cx="5782492" cy="369332"/>
+          </a:xfrm>
+          <a:prstGeom prst="rect">
+            <a:avLst/>
+          </a:prstGeom>
+          <a:noFill/>
+        </p:spPr>
+        <p:txBody>
+          <a:bodyPr wrap="square" rtlCol="0">
+            <a:spAutoFit/>
+          </a:bodyPr>
+          <a:lstStyle/>
+          <a:p>
+            <a:r>
+              <a:rPr lang="en-US" dirty="0"/>
+              <a:t>Child 2</a:t>
+            </a:r>
+          </a:p>
+        </p:txBody>
+      </p:sp>
+      <p:sp>
+        <p:nvSpPr>
+          <p:cNvPr id="9" name="Curved Right Arrow 8">
+            <a:extLst>
+              <a:ext uri="{FF2B5EF4-FFF2-40B4-BE49-F238E27FC236}">
+                <a16:creationId xmlns:a16="http://schemas.microsoft.com/office/drawing/2014/main" id="{97856CB1-7E23-1A4F-86CA-B3A9C99F9B4C}"/>
+              </a:ext>
+            </a:extLst>
+          </p:cNvPr>
+          <p:cNvSpPr/>
+          <p:nvPr/>
+        </p:nvSpPr>
+        <p:spPr>
+          <a:xfrm>
+            <a:off x="2046514" y="531223"/>
+            <a:ext cx="478972" cy="1193074"/>
+          </a:xfrm>
+          <a:prstGeom prst="curvedRightArrow">
+            <a:avLst/>
+          </a:prstGeom>
+        </p:spPr>
+        <p:style>
+          <a:lnRef idx="2">
+            <a:schemeClr val="accent1">
+              <a:shade val="50000"/>
+            </a:schemeClr>
+          </a:lnRef>
+          <a:fillRef idx="1">
+            <a:schemeClr val="accent1"/>
+          </a:fillRef>
+          <a:effectRef idx="0">
+            <a:schemeClr val="accent1"/>
+          </a:effectRef>
+          <a:fontRef idx="minor">
+            <a:schemeClr val="lt1"/>
+          </a:fontRef>
+        </p:style>
+        <p:txBody>
+          <a:bodyPr rtlCol="0" anchor="ctr"/>
+          <a:lstStyle/>
+          <a:p>
+            <a:pPr algn="ctr"/>
+            <a:endParaRPr lang="en-US">
+              <a:solidFill>
+                <a:schemeClr val="tx1"/>
+              </a:solidFill>
+            </a:endParaRPr>
+          </a:p>
+        </p:txBody>
+      </p:sp>
+      <p:sp>
+        <p:nvSpPr>
+          <p:cNvPr id="10" name="TextBox 9">
+            <a:extLst>
+              <a:ext uri="{FF2B5EF4-FFF2-40B4-BE49-F238E27FC236}">
+                <a16:creationId xmlns:a16="http://schemas.microsoft.com/office/drawing/2014/main" id="{A00DF2FE-11A7-AA48-A2D1-977D26FD511C}"/>
+              </a:ext>
+            </a:extLst>
+          </p:cNvPr>
+          <p:cNvSpPr txBox="1"/>
+          <p:nvPr/>
+        </p:nvSpPr>
+        <p:spPr>
+          <a:xfrm>
+            <a:off x="1097280" y="705394"/>
+            <a:ext cx="1785257" cy="369332"/>
+          </a:xfrm>
+          <a:prstGeom prst="rect">
+            <a:avLst/>
+          </a:prstGeom>
+          <a:noFill/>
+        </p:spPr>
+        <p:txBody>
+          <a:bodyPr wrap="square" rtlCol="0">
+            <a:spAutoFit/>
+          </a:bodyPr>
+          <a:lstStyle/>
+          <a:p>
+            <a:r>
+              <a:rPr lang="en-US" dirty="0"/>
+              <a:t>Render of Parent</a:t>
+            </a:r>
+          </a:p>
+        </p:txBody>
+      </p:sp>
+      <p:sp>
+        <p:nvSpPr>
+          <p:cNvPr id="11" name="TextBox 10">
+            <a:extLst>
+              <a:ext uri="{FF2B5EF4-FFF2-40B4-BE49-F238E27FC236}">
+                <a16:creationId xmlns:a16="http://schemas.microsoft.com/office/drawing/2014/main" id="{A09E238F-BF6D-AB43-945F-76A9C2AE40D1}"/>
+              </a:ext>
+            </a:extLst>
+          </p:cNvPr>
+          <p:cNvSpPr txBox="1"/>
+          <p:nvPr/>
+        </p:nvSpPr>
+        <p:spPr>
+          <a:xfrm>
+            <a:off x="840377" y="1481240"/>
+            <a:ext cx="1785257" cy="369332"/>
+          </a:xfrm>
+          <a:prstGeom prst="rect">
+            <a:avLst/>
+          </a:prstGeom>
+          <a:noFill/>
+        </p:spPr>
+        <p:txBody>
+          <a:bodyPr wrap="square" rtlCol="0">
+            <a:spAutoFit/>
+          </a:bodyPr>
+          <a:lstStyle/>
+          <a:p>
+            <a:r>
+              <a:rPr lang="en-US" dirty="0"/>
+              <a:t>Render ofChild1</a:t>
+            </a:r>
+          </a:p>
+        </p:txBody>
+      </p:sp>
+      <p:sp>
+        <p:nvSpPr>
+          <p:cNvPr id="12" name="Curved Right Arrow 11">
+            <a:extLst>
+              <a:ext uri="{FF2B5EF4-FFF2-40B4-BE49-F238E27FC236}">
+                <a16:creationId xmlns:a16="http://schemas.microsoft.com/office/drawing/2014/main" id="{96ACFA83-694D-054A-9201-F1873A9DE173}"/>
+              </a:ext>
+            </a:extLst>
+          </p:cNvPr>
+          <p:cNvSpPr/>
+          <p:nvPr/>
+        </p:nvSpPr>
+        <p:spPr>
+          <a:xfrm>
+            <a:off x="2068285" y="1845435"/>
+            <a:ext cx="478972" cy="1193074"/>
+          </a:xfrm>
+          <a:prstGeom prst="curvedRightArrow">
+            <a:avLst/>
+          </a:prstGeom>
+        </p:spPr>
+        <p:style>
+          <a:lnRef idx="2">
+            <a:schemeClr val="accent1">
+              <a:shade val="50000"/>
+            </a:schemeClr>
+          </a:lnRef>
+          <a:fillRef idx="1">
+            <a:schemeClr val="accent1"/>
+          </a:fillRef>
+          <a:effectRef idx="0">
+            <a:schemeClr val="accent1"/>
+          </a:effectRef>
+          <a:fontRef idx="minor">
+            <a:schemeClr val="lt1"/>
+          </a:fontRef>
+        </p:style>
+        <p:txBody>
+          <a:bodyPr rtlCol="0" anchor="ctr"/>
+          <a:lstStyle/>
+          <a:p>
+            <a:pPr algn="ctr"/>
+            <a:endParaRPr lang="en-US">
+              <a:solidFill>
+                <a:schemeClr val="tx1"/>
+              </a:solidFill>
+            </a:endParaRPr>
+          </a:p>
+        </p:txBody>
+      </p:sp>
+      <p:sp>
+        <p:nvSpPr>
+          <p:cNvPr id="13" name="TextBox 12">
+            <a:extLst>
+              <a:ext uri="{FF2B5EF4-FFF2-40B4-BE49-F238E27FC236}">
+                <a16:creationId xmlns:a16="http://schemas.microsoft.com/office/drawing/2014/main" id="{E45BE29B-BA03-DC4E-9D7C-0882745AB7A0}"/>
+              </a:ext>
+            </a:extLst>
+          </p:cNvPr>
+          <p:cNvSpPr txBox="1"/>
+          <p:nvPr/>
+        </p:nvSpPr>
+        <p:spPr>
+          <a:xfrm>
+            <a:off x="1097279" y="3058665"/>
+            <a:ext cx="1785257" cy="369332"/>
+          </a:xfrm>
+          <a:prstGeom prst="rect">
+            <a:avLst/>
+          </a:prstGeom>
+          <a:noFill/>
+        </p:spPr>
+        <p:txBody>
+          <a:bodyPr wrap="square" rtlCol="0">
+            <a:spAutoFit/>
+          </a:bodyPr>
+          <a:lstStyle/>
+          <a:p>
+            <a:r>
+              <a:rPr lang="en-US" dirty="0"/>
+              <a:t>Render ofChild2</a:t>
+            </a:r>
+          </a:p>
+        </p:txBody>
+      </p:sp>
+      <p:sp>
+        <p:nvSpPr>
+          <p:cNvPr id="14" name="Curved Right Arrow 13">
+            <a:extLst>
+              <a:ext uri="{FF2B5EF4-FFF2-40B4-BE49-F238E27FC236}">
+                <a16:creationId xmlns:a16="http://schemas.microsoft.com/office/drawing/2014/main" id="{AAFD106B-8E07-834A-9AB5-C77A4D449020}"/>
+              </a:ext>
+            </a:extLst>
+          </p:cNvPr>
+          <p:cNvSpPr/>
+          <p:nvPr/>
+        </p:nvSpPr>
+        <p:spPr>
+          <a:xfrm rot="10800000">
+            <a:off x="7027816" y="1415143"/>
+            <a:ext cx="478972" cy="1193074"/>
+          </a:xfrm>
+          <a:prstGeom prst="curvedRightArrow">
+            <a:avLst/>
+          </a:prstGeom>
+        </p:spPr>
+        <p:style>
+          <a:lnRef idx="2">
+            <a:schemeClr val="accent1">
+              <a:shade val="50000"/>
+            </a:schemeClr>
+          </a:lnRef>
+          <a:fillRef idx="1">
+            <a:schemeClr val="accent1"/>
+          </a:fillRef>
+          <a:effectRef idx="0">
+            <a:schemeClr val="accent1"/>
+          </a:effectRef>
+          <a:fontRef idx="minor">
+            <a:schemeClr val="lt1"/>
+          </a:fontRef>
+        </p:style>
+        <p:txBody>
+          <a:bodyPr rtlCol="0" anchor="ctr"/>
+          <a:lstStyle/>
+          <a:p>
+            <a:pPr algn="ctr"/>
+            <a:endParaRPr lang="en-US">
+              <a:solidFill>
+                <a:schemeClr val="tx1"/>
+              </a:solidFill>
+            </a:endParaRPr>
+          </a:p>
+        </p:txBody>
+      </p:sp>
+      <p:sp>
+        <p:nvSpPr>
+          <p:cNvPr id="15" name="TextBox 14">
+            <a:extLst>
+              <a:ext uri="{FF2B5EF4-FFF2-40B4-BE49-F238E27FC236}">
+                <a16:creationId xmlns:a16="http://schemas.microsoft.com/office/drawing/2014/main" id="{91261189-06FA-FB43-B1E1-AA2D0A21E693}"/>
+              </a:ext>
+            </a:extLst>
+          </p:cNvPr>
+          <p:cNvSpPr txBox="1"/>
+          <p:nvPr/>
+        </p:nvSpPr>
+        <p:spPr>
+          <a:xfrm>
+            <a:off x="7593874" y="2194951"/>
+            <a:ext cx="1959428" cy="369332"/>
+          </a:xfrm>
+          <a:prstGeom prst="rect">
+            <a:avLst/>
+          </a:prstGeom>
+          <a:noFill/>
+        </p:spPr>
+        <p:txBody>
+          <a:bodyPr wrap="square" rtlCol="0">
+            <a:spAutoFit/>
+          </a:bodyPr>
+          <a:lstStyle/>
+          <a:p>
+            <a:r>
+              <a:rPr lang="en-US" dirty="0"/>
+              <a:t>Child 2 Mount</a:t>
+            </a:r>
+          </a:p>
+        </p:txBody>
+      </p:sp>
+      <p:sp>
+        <p:nvSpPr>
+          <p:cNvPr id="16" name="Curved Right Arrow 15">
+            <a:extLst>
+              <a:ext uri="{FF2B5EF4-FFF2-40B4-BE49-F238E27FC236}">
+                <a16:creationId xmlns:a16="http://schemas.microsoft.com/office/drawing/2014/main" id="{9AB6858D-418F-AD44-AF99-C9256E9C696D}"/>
+              </a:ext>
+            </a:extLst>
+          </p:cNvPr>
+          <p:cNvSpPr/>
+          <p:nvPr/>
+        </p:nvSpPr>
+        <p:spPr>
+          <a:xfrm rot="10800000">
+            <a:off x="6884124" y="296092"/>
+            <a:ext cx="478972" cy="1193074"/>
+          </a:xfrm>
+          <a:prstGeom prst="curvedRightArrow">
+            <a:avLst/>
+          </a:prstGeom>
+        </p:spPr>
+        <p:style>
+          <a:lnRef idx="2">
+            <a:schemeClr val="accent1">
+              <a:shade val="50000"/>
+            </a:schemeClr>
+          </a:lnRef>
+          <a:fillRef idx="1">
+            <a:schemeClr val="accent1"/>
+          </a:fillRef>
+          <a:effectRef idx="0">
+            <a:schemeClr val="accent1"/>
+          </a:effectRef>
+          <a:fontRef idx="minor">
+            <a:schemeClr val="lt1"/>
+          </a:fontRef>
+        </p:style>
+        <p:txBody>
+          <a:bodyPr rtlCol="0" anchor="ctr"/>
+          <a:lstStyle/>
+          <a:p>
+            <a:pPr algn="ctr"/>
+            <a:endParaRPr lang="en-US">
+              <a:solidFill>
+                <a:schemeClr val="tx1"/>
+              </a:solidFill>
+            </a:endParaRPr>
+          </a:p>
+        </p:txBody>
+      </p:sp>
+      <p:sp>
+        <p:nvSpPr>
+          <p:cNvPr id="17" name="TextBox 16">
+            <a:extLst>
+              <a:ext uri="{FF2B5EF4-FFF2-40B4-BE49-F238E27FC236}">
+                <a16:creationId xmlns:a16="http://schemas.microsoft.com/office/drawing/2014/main" id="{08CF7BEB-6831-7E42-9D2B-789C0B56548B}"/>
+              </a:ext>
+            </a:extLst>
+          </p:cNvPr>
+          <p:cNvSpPr txBox="1"/>
+          <p:nvPr/>
+        </p:nvSpPr>
+        <p:spPr>
+          <a:xfrm>
+            <a:off x="7522028" y="1296574"/>
+            <a:ext cx="1959428" cy="369332"/>
+          </a:xfrm>
+          <a:prstGeom prst="rect">
+            <a:avLst/>
+          </a:prstGeom>
+          <a:noFill/>
+        </p:spPr>
+        <p:txBody>
+          <a:bodyPr wrap="square" rtlCol="0">
+            <a:spAutoFit/>
+          </a:bodyPr>
+          <a:lstStyle/>
+          <a:p>
+            <a:r>
+              <a:rPr lang="en-US" dirty="0"/>
+              <a:t>Child 1 Mount</a:t>
+            </a:r>
+          </a:p>
+        </p:txBody>
+      </p:sp>
+      <p:sp>
+        <p:nvSpPr>
+          <p:cNvPr id="18" name="TextBox 17">
+            <a:extLst>
+              <a:ext uri="{FF2B5EF4-FFF2-40B4-BE49-F238E27FC236}">
+                <a16:creationId xmlns:a16="http://schemas.microsoft.com/office/drawing/2014/main" id="{6ED673C3-00B4-554F-8B2D-824AD91AAA39}"/>
+              </a:ext>
+            </a:extLst>
+          </p:cNvPr>
+          <p:cNvSpPr txBox="1"/>
+          <p:nvPr/>
+        </p:nvSpPr>
+        <p:spPr>
+          <a:xfrm>
+            <a:off x="7593874" y="508950"/>
+            <a:ext cx="1959428" cy="369332"/>
+          </a:xfrm>
+          <a:prstGeom prst="rect">
+            <a:avLst/>
+          </a:prstGeom>
+          <a:noFill/>
+        </p:spPr>
+        <p:txBody>
+          <a:bodyPr wrap="square" rtlCol="0">
+            <a:spAutoFit/>
+          </a:bodyPr>
+          <a:lstStyle/>
+          <a:p>
+            <a:r>
+              <a:rPr lang="en-US"/>
+              <a:t>ParentMount</a:t>
+            </a:r>
+            <a:endParaRPr lang="en-US" dirty="0"/>
+          </a:p>
+        </p:txBody>
+      </p:sp>
+    </p:spTree>
+    <p:extLst>
+      <p:ext uri="{BB962C8B-B14F-4D97-AF65-F5344CB8AC3E}">
+        <p14:creationId xmlns:p14="http://schemas.microsoft.com/office/powerpoint/2010/main" val="3954807246"/>
+      </p:ext>
+    </p:extLst>
+  </p:cSld>
+  <p:clrMapOvr>
+    <a:masterClrMapping/>
+  </p:clrMapOvr>
+</p:sld>
+</file>
+
 <file path=ppt/slides/slide6.xml><?xml version="1.0" encoding="utf-8"?>
 <p:sld xmlns:a="http://schemas.openxmlformats.org/drawingml/2006/main" xmlns:r="http://schemas.openxmlformats.org/officeDocument/2006/relationships" xmlns:p="http://schemas.openxmlformats.org/presentationml/2006/main">
   <p:cSld>

--- a/Training_Notes_PPTs.pptx
+++ b/Training_Notes_PPTs.pptx
@@ -62,6 +62,10 @@
     <p:sldId id="310" r:id="rId56"/>
     <p:sldId id="311" r:id="rId57"/>
     <p:sldId id="312" r:id="rId58"/>
+    <p:sldId id="313" r:id="rId59"/>
+    <p:sldId id="314" r:id="rId60"/>
+    <p:sldId id="315" r:id="rId61"/>
+    <p:sldId id="316" r:id="rId62"/>
   </p:sldIdLst>
   <p:sldSz cx="12192000" cy="6858000"/>
   <p:notesSz cx="6858000" cy="9144000"/>
@@ -307,7 +311,7 @@
           <a:p>
             <a:fld id="{587FB2BA-09D0-1840-B49D-E4BDDD8ED284}" type="datetimeFigureOut">
               <a:rPr lang="en-US" smtClean="0"/>
-              <a:t>1/21/21</a:t>
+              <a:t>1/25/21</a:t>
             </a:fld>
             <a:endParaRPr lang="en-US"/>
           </a:p>
@@ -518,7 +522,7 @@
           <a:p>
             <a:fld id="{587FB2BA-09D0-1840-B49D-E4BDDD8ED284}" type="datetimeFigureOut">
               <a:rPr lang="en-US" smtClean="0"/>
-              <a:t>1/21/21</a:t>
+              <a:t>1/25/21</a:t>
             </a:fld>
             <a:endParaRPr lang="en-US"/>
           </a:p>
@@ -733,7 +737,7 @@
           <a:p>
             <a:fld id="{587FB2BA-09D0-1840-B49D-E4BDDD8ED284}" type="datetimeFigureOut">
               <a:rPr lang="en-US" smtClean="0"/>
-              <a:t>1/21/21</a:t>
+              <a:t>1/25/21</a:t>
             </a:fld>
             <a:endParaRPr lang="en-US"/>
           </a:p>
@@ -934,7 +938,7 @@
           <a:p>
             <a:fld id="{587FB2BA-09D0-1840-B49D-E4BDDD8ED284}" type="datetimeFigureOut">
               <a:rPr lang="en-US" smtClean="0"/>
-              <a:t>1/21/21</a:t>
+              <a:t>1/25/21</a:t>
             </a:fld>
             <a:endParaRPr lang="en-US"/>
           </a:p>
@@ -1213,7 +1217,7 @@
           <a:p>
             <a:fld id="{587FB2BA-09D0-1840-B49D-E4BDDD8ED284}" type="datetimeFigureOut">
               <a:rPr lang="en-US" smtClean="0"/>
-              <a:t>1/21/21</a:t>
+              <a:t>1/25/21</a:t>
             </a:fld>
             <a:endParaRPr lang="en-US"/>
           </a:p>
@@ -1481,7 +1485,7 @@
           <a:p>
             <a:fld id="{587FB2BA-09D0-1840-B49D-E4BDDD8ED284}" type="datetimeFigureOut">
               <a:rPr lang="en-US" smtClean="0"/>
-              <a:t>1/21/21</a:t>
+              <a:t>1/25/21</a:t>
             </a:fld>
             <a:endParaRPr lang="en-US"/>
           </a:p>
@@ -1897,7 +1901,7 @@
           <a:p>
             <a:fld id="{587FB2BA-09D0-1840-B49D-E4BDDD8ED284}" type="datetimeFigureOut">
               <a:rPr lang="en-US" smtClean="0"/>
-              <a:t>1/21/21</a:t>
+              <a:t>1/25/21</a:t>
             </a:fld>
             <a:endParaRPr lang="en-US"/>
           </a:p>
@@ -2046,7 +2050,7 @@
           <a:p>
             <a:fld id="{587FB2BA-09D0-1840-B49D-E4BDDD8ED284}" type="datetimeFigureOut">
               <a:rPr lang="en-US" smtClean="0"/>
-              <a:t>1/21/21</a:t>
+              <a:t>1/25/21</a:t>
             </a:fld>
             <a:endParaRPr lang="en-US"/>
           </a:p>
@@ -2172,7 +2176,7 @@
           <a:p>
             <a:fld id="{587FB2BA-09D0-1840-B49D-E4BDDD8ED284}" type="datetimeFigureOut">
               <a:rPr lang="en-US" smtClean="0"/>
-              <a:t>1/21/21</a:t>
+              <a:t>1/25/21</a:t>
             </a:fld>
             <a:endParaRPr lang="en-US"/>
           </a:p>
@@ -2423,7 +2427,7 @@
           <a:p>
             <a:fld id="{587FB2BA-09D0-1840-B49D-E4BDDD8ED284}" type="datetimeFigureOut">
               <a:rPr lang="en-US" smtClean="0"/>
-              <a:t>1/21/21</a:t>
+              <a:t>1/25/21</a:t>
             </a:fld>
             <a:endParaRPr lang="en-US"/>
           </a:p>
@@ -2868,7 +2872,7 @@
           <a:p>
             <a:fld id="{587FB2BA-09D0-1840-B49D-E4BDDD8ED284}" type="datetimeFigureOut">
               <a:rPr lang="en-US" smtClean="0"/>
-              <a:t>1/21/21</a:t>
+              <a:t>1/25/21</a:t>
             </a:fld>
             <a:endParaRPr lang="en-US"/>
           </a:p>
@@ -3195,7 +3199,7 @@
           <a:p>
             <a:fld id="{587FB2BA-09D0-1840-B49D-E4BDDD8ED284}" type="datetimeFigureOut">
               <a:rPr lang="en-US" smtClean="0"/>
-              <a:t>1/21/21</a:t>
+              <a:t>1/25/21</a:t>
             </a:fld>
             <a:endParaRPr lang="en-US"/>
           </a:p>
@@ -45719,8 +45723,130 @@
           <a:lstStyle/>
           <a:p>
             <a:r>
-              <a:rPr lang="en-US"/>
-              <a:t>ParentMount</a:t>
+              <a:rPr lang="en-US" dirty="0"/>
+              <a:t>Parent Mount</a:t>
+            </a:r>
+          </a:p>
+        </p:txBody>
+      </p:sp>
+      <p:cxnSp>
+        <p:nvCxnSpPr>
+          <p:cNvPr id="20" name="Straight Arrow Connector 19">
+            <a:extLst>
+              <a:ext uri="{FF2B5EF4-FFF2-40B4-BE49-F238E27FC236}">
+                <a16:creationId xmlns:a16="http://schemas.microsoft.com/office/drawing/2014/main" id="{77A66A55-6BF1-5249-B205-7A238301C139}"/>
+              </a:ext>
+            </a:extLst>
+          </p:cNvPr>
+          <p:cNvCxnSpPr/>
+          <p:nvPr/>
+        </p:nvCxnSpPr>
+        <p:spPr>
+          <a:xfrm>
+            <a:off x="3178629" y="795049"/>
+            <a:ext cx="0" cy="929248"/>
+          </a:xfrm>
+          <a:prstGeom prst="straightConnector1">
+            <a:avLst/>
+          </a:prstGeom>
+          <a:ln>
+            <a:tailEnd type="triangle"/>
+          </a:ln>
+        </p:spPr>
+        <p:style>
+          <a:lnRef idx="1">
+            <a:schemeClr val="accent1"/>
+          </a:lnRef>
+          <a:fillRef idx="0">
+            <a:schemeClr val="accent1"/>
+          </a:fillRef>
+          <a:effectRef idx="0">
+            <a:schemeClr val="accent1"/>
+          </a:effectRef>
+          <a:fontRef idx="minor">
+            <a:schemeClr val="tx1"/>
+          </a:fontRef>
+        </p:style>
+      </p:cxnSp>
+      <p:sp>
+        <p:nvSpPr>
+          <p:cNvPr id="21" name="TextBox 20">
+            <a:extLst>
+              <a:ext uri="{FF2B5EF4-FFF2-40B4-BE49-F238E27FC236}">
+                <a16:creationId xmlns:a16="http://schemas.microsoft.com/office/drawing/2014/main" id="{370E6D34-186F-DE42-86C3-21360C815CAC}"/>
+              </a:ext>
+            </a:extLst>
+          </p:cNvPr>
+          <p:cNvSpPr txBox="1"/>
+          <p:nvPr/>
+        </p:nvSpPr>
+        <p:spPr>
+          <a:xfrm>
+            <a:off x="3505197" y="791477"/>
+            <a:ext cx="3583578" cy="369332"/>
+          </a:xfrm>
+          <a:prstGeom prst="rect">
+            <a:avLst/>
+          </a:prstGeom>
+          <a:noFill/>
+        </p:spPr>
+        <p:txBody>
+          <a:bodyPr wrap="square" rtlCol="0">
+            <a:spAutoFit/>
+          </a:bodyPr>
+          <a:lstStyle/>
+          <a:p>
+            <a:r>
+              <a:rPr lang="en-US" dirty="0"/>
+              <a:t>Prop Changed </a:t>
+            </a:r>
+            <a:r>
+              <a:rPr lang="en-US" dirty="0">
+                <a:sym typeface="Wingdings" pitchFamily="2" charset="2"/>
+              </a:rPr>
+              <a:t> State Changed</a:t>
+            </a:r>
+            <a:endParaRPr lang="en-US" dirty="0"/>
+          </a:p>
+        </p:txBody>
+      </p:sp>
+      <p:sp>
+        <p:nvSpPr>
+          <p:cNvPr id="22" name="TextBox 21">
+            <a:extLst>
+              <a:ext uri="{FF2B5EF4-FFF2-40B4-BE49-F238E27FC236}">
+                <a16:creationId xmlns:a16="http://schemas.microsoft.com/office/drawing/2014/main" id="{AF7EFF3F-1B14-5E46-9D39-CCB9EAE5D571}"/>
+              </a:ext>
+            </a:extLst>
+          </p:cNvPr>
+          <p:cNvSpPr txBox="1"/>
+          <p:nvPr/>
+        </p:nvSpPr>
+        <p:spPr>
+          <a:xfrm>
+            <a:off x="3364772" y="1602377"/>
+            <a:ext cx="3583578" cy="369332"/>
+          </a:xfrm>
+          <a:prstGeom prst="rect">
+            <a:avLst/>
+          </a:prstGeom>
+          <a:noFill/>
+        </p:spPr>
+        <p:txBody>
+          <a:bodyPr wrap="square" rtlCol="0">
+            <a:spAutoFit/>
+          </a:bodyPr>
+          <a:lstStyle/>
+          <a:p>
+            <a:r>
+              <a:rPr lang="en-US" dirty="0"/>
+              <a:t>Prop Changed </a:t>
+            </a:r>
+            <a:r>
+              <a:rPr lang="en-US" dirty="0">
+                <a:sym typeface="Wingdings" pitchFamily="2" charset="2"/>
+              </a:rPr>
+              <a:t> State Changed</a:t>
             </a:r>
             <a:endParaRPr lang="en-US" dirty="0"/>
           </a:p>
@@ -45730,6 +45856,2408 @@
     <p:extLst>
       <p:ext uri="{BB962C8B-B14F-4D97-AF65-F5344CB8AC3E}">
         <p14:creationId xmlns:p14="http://schemas.microsoft.com/office/powerpoint/2010/main" val="3954807246"/>
+      </p:ext>
+    </p:extLst>
+  </p:cSld>
+  <p:clrMapOvr>
+    <a:masterClrMapping/>
+  </p:clrMapOvr>
+</p:sld>
+</file>
+
+<file path=ppt/slides/slide58.xml><?xml version="1.0" encoding="utf-8"?>
+<p:sld xmlns:a="http://schemas.openxmlformats.org/drawingml/2006/main" xmlns:r="http://schemas.openxmlformats.org/officeDocument/2006/relationships" xmlns:p="http://schemas.openxmlformats.org/presentationml/2006/main">
+  <p:cSld>
+    <p:spTree>
+      <p:nvGrpSpPr>
+        <p:cNvPr id="1" name=""/>
+        <p:cNvGrpSpPr/>
+        <p:nvPr/>
+      </p:nvGrpSpPr>
+      <p:grpSpPr>
+        <a:xfrm>
+          <a:off x="0" y="0"/>
+          <a:ext cx="0" cy="0"/>
+          <a:chOff x="0" y="0"/>
+          <a:chExt cx="0" cy="0"/>
+        </a:xfrm>
+      </p:grpSpPr>
+      <p:sp>
+        <p:nvSpPr>
+          <p:cNvPr id="2" name="TextBox 1">
+            <a:extLst>
+              <a:ext uri="{FF2B5EF4-FFF2-40B4-BE49-F238E27FC236}">
+                <a16:creationId xmlns:a16="http://schemas.microsoft.com/office/drawing/2014/main" id="{533A45BC-0F32-674C-BC1A-3D77524187B3}"/>
+              </a:ext>
+            </a:extLst>
+          </p:cNvPr>
+          <p:cNvSpPr txBox="1"/>
+          <p:nvPr/>
+        </p:nvSpPr>
+        <p:spPr>
+          <a:xfrm>
+            <a:off x="3439886" y="69669"/>
+            <a:ext cx="6287588" cy="369332"/>
+          </a:xfrm>
+          <a:prstGeom prst="rect">
+            <a:avLst/>
+          </a:prstGeom>
+          <a:noFill/>
+        </p:spPr>
+        <p:txBody>
+          <a:bodyPr wrap="square" rtlCol="0">
+            <a:spAutoFit/>
+          </a:bodyPr>
+          <a:lstStyle/>
+          <a:p>
+            <a:r>
+              <a:rPr lang="en-US" dirty="0" err="1"/>
+              <a:t>NetFlix</a:t>
+            </a:r>
+            <a:endParaRPr lang="en-US" dirty="0"/>
+          </a:p>
+        </p:txBody>
+      </p:sp>
+      <p:sp>
+        <p:nvSpPr>
+          <p:cNvPr id="3" name="Rectangle 2">
+            <a:extLst>
+              <a:ext uri="{FF2B5EF4-FFF2-40B4-BE49-F238E27FC236}">
+                <a16:creationId xmlns:a16="http://schemas.microsoft.com/office/drawing/2014/main" id="{428C9113-6BFB-CA43-A09C-68317C294502}"/>
+              </a:ext>
+            </a:extLst>
+          </p:cNvPr>
+          <p:cNvSpPr/>
+          <p:nvPr/>
+        </p:nvSpPr>
+        <p:spPr>
+          <a:xfrm>
+            <a:off x="304800" y="505098"/>
+            <a:ext cx="7654834" cy="4283404"/>
+          </a:xfrm>
+          <a:prstGeom prst="rect">
+            <a:avLst/>
+          </a:prstGeom>
+        </p:spPr>
+        <p:style>
+          <a:lnRef idx="2">
+            <a:schemeClr val="accent6"/>
+          </a:lnRef>
+          <a:fillRef idx="1">
+            <a:schemeClr val="lt1"/>
+          </a:fillRef>
+          <a:effectRef idx="0">
+            <a:schemeClr val="accent6"/>
+          </a:effectRef>
+          <a:fontRef idx="minor">
+            <a:schemeClr val="dk1"/>
+          </a:fontRef>
+        </p:style>
+        <p:txBody>
+          <a:bodyPr rtlCol="0" anchor="ctr"/>
+          <a:lstStyle/>
+          <a:p>
+            <a:pPr algn="ctr"/>
+            <a:endParaRPr lang="en-US"/>
+          </a:p>
+        </p:txBody>
+      </p:sp>
+      <p:sp>
+        <p:nvSpPr>
+          <p:cNvPr id="4" name="Rectangle 3">
+            <a:extLst>
+              <a:ext uri="{FF2B5EF4-FFF2-40B4-BE49-F238E27FC236}">
+                <a16:creationId xmlns:a16="http://schemas.microsoft.com/office/drawing/2014/main" id="{1774CAD1-CCBE-034C-AA7B-728A0BEF865A}"/>
+              </a:ext>
+            </a:extLst>
+          </p:cNvPr>
+          <p:cNvSpPr/>
+          <p:nvPr/>
+        </p:nvSpPr>
+        <p:spPr>
+          <a:xfrm flipV="1">
+            <a:off x="304800" y="1844041"/>
+            <a:ext cx="7654834" cy="45719"/>
+          </a:xfrm>
+          <a:prstGeom prst="rect">
+            <a:avLst/>
+          </a:prstGeom>
+        </p:spPr>
+        <p:style>
+          <a:lnRef idx="2">
+            <a:schemeClr val="accent1">
+              <a:shade val="50000"/>
+            </a:schemeClr>
+          </a:lnRef>
+          <a:fillRef idx="1">
+            <a:schemeClr val="accent1"/>
+          </a:fillRef>
+          <a:effectRef idx="0">
+            <a:schemeClr val="accent1"/>
+          </a:effectRef>
+          <a:fontRef idx="minor">
+            <a:schemeClr val="lt1"/>
+          </a:fontRef>
+        </p:style>
+        <p:txBody>
+          <a:bodyPr rtlCol="0" anchor="ctr"/>
+          <a:lstStyle/>
+          <a:p>
+            <a:pPr algn="ctr"/>
+            <a:endParaRPr lang="en-US"/>
+          </a:p>
+        </p:txBody>
+      </p:sp>
+      <p:sp>
+        <p:nvSpPr>
+          <p:cNvPr id="5" name="Rectangle 4">
+            <a:extLst>
+              <a:ext uri="{FF2B5EF4-FFF2-40B4-BE49-F238E27FC236}">
+                <a16:creationId xmlns:a16="http://schemas.microsoft.com/office/drawing/2014/main" id="{34DA7421-E76F-9B43-B239-25A3953D77A1}"/>
+              </a:ext>
+            </a:extLst>
+          </p:cNvPr>
+          <p:cNvSpPr/>
+          <p:nvPr/>
+        </p:nvSpPr>
+        <p:spPr>
+          <a:xfrm flipV="1">
+            <a:off x="304800" y="3163389"/>
+            <a:ext cx="7654834" cy="45719"/>
+          </a:xfrm>
+          <a:prstGeom prst="rect">
+            <a:avLst/>
+          </a:prstGeom>
+        </p:spPr>
+        <p:style>
+          <a:lnRef idx="2">
+            <a:schemeClr val="accent1">
+              <a:shade val="50000"/>
+            </a:schemeClr>
+          </a:lnRef>
+          <a:fillRef idx="1">
+            <a:schemeClr val="accent1"/>
+          </a:fillRef>
+          <a:effectRef idx="0">
+            <a:schemeClr val="accent1"/>
+          </a:effectRef>
+          <a:fontRef idx="minor">
+            <a:schemeClr val="lt1"/>
+          </a:fontRef>
+        </p:style>
+        <p:txBody>
+          <a:bodyPr rtlCol="0" anchor="ctr"/>
+          <a:lstStyle/>
+          <a:p>
+            <a:pPr algn="ctr"/>
+            <a:endParaRPr lang="en-US"/>
+          </a:p>
+        </p:txBody>
+      </p:sp>
+      <p:sp>
+        <p:nvSpPr>
+          <p:cNvPr id="6" name="Rectangle 5">
+            <a:extLst>
+              <a:ext uri="{FF2B5EF4-FFF2-40B4-BE49-F238E27FC236}">
+                <a16:creationId xmlns:a16="http://schemas.microsoft.com/office/drawing/2014/main" id="{D7014AD7-82D6-374E-8CBF-D7B74BA34A4A}"/>
+              </a:ext>
+            </a:extLst>
+          </p:cNvPr>
+          <p:cNvSpPr/>
+          <p:nvPr/>
+        </p:nvSpPr>
+        <p:spPr>
+          <a:xfrm flipV="1">
+            <a:off x="304800" y="4726578"/>
+            <a:ext cx="7654834" cy="45719"/>
+          </a:xfrm>
+          <a:prstGeom prst="rect">
+            <a:avLst/>
+          </a:prstGeom>
+        </p:spPr>
+        <p:style>
+          <a:lnRef idx="2">
+            <a:schemeClr val="accent1">
+              <a:shade val="50000"/>
+            </a:schemeClr>
+          </a:lnRef>
+          <a:fillRef idx="1">
+            <a:schemeClr val="accent1"/>
+          </a:fillRef>
+          <a:effectRef idx="0">
+            <a:schemeClr val="accent1"/>
+          </a:effectRef>
+          <a:fontRef idx="minor">
+            <a:schemeClr val="lt1"/>
+          </a:fontRef>
+        </p:style>
+        <p:txBody>
+          <a:bodyPr rtlCol="0" anchor="ctr"/>
+          <a:lstStyle/>
+          <a:p>
+            <a:pPr algn="ctr"/>
+            <a:endParaRPr lang="en-US"/>
+          </a:p>
+        </p:txBody>
+      </p:sp>
+      <p:sp>
+        <p:nvSpPr>
+          <p:cNvPr id="7" name="TextBox 6">
+            <a:extLst>
+              <a:ext uri="{FF2B5EF4-FFF2-40B4-BE49-F238E27FC236}">
+                <a16:creationId xmlns:a16="http://schemas.microsoft.com/office/drawing/2014/main" id="{98692D7A-90D6-3E41-97EA-88896F88239D}"/>
+              </a:ext>
+            </a:extLst>
+          </p:cNvPr>
+          <p:cNvSpPr txBox="1"/>
+          <p:nvPr/>
+        </p:nvSpPr>
+        <p:spPr>
+          <a:xfrm>
+            <a:off x="496389" y="616131"/>
+            <a:ext cx="1332411" cy="369332"/>
+          </a:xfrm>
+          <a:prstGeom prst="rect">
+            <a:avLst/>
+          </a:prstGeom>
+          <a:noFill/>
+        </p:spPr>
+        <p:txBody>
+          <a:bodyPr wrap="square" rtlCol="0">
+            <a:spAutoFit/>
+          </a:bodyPr>
+          <a:lstStyle/>
+          <a:p>
+            <a:r>
+              <a:rPr lang="en-US" dirty="0"/>
+              <a:t>Action</a:t>
+            </a:r>
+          </a:p>
+        </p:txBody>
+      </p:sp>
+      <p:sp>
+        <p:nvSpPr>
+          <p:cNvPr id="8" name="Rounded Rectangle 7">
+            <a:extLst>
+              <a:ext uri="{FF2B5EF4-FFF2-40B4-BE49-F238E27FC236}">
+                <a16:creationId xmlns:a16="http://schemas.microsoft.com/office/drawing/2014/main" id="{93FD1C15-B9B0-2249-8CAD-FF1B655FE117}"/>
+              </a:ext>
+            </a:extLst>
+          </p:cNvPr>
+          <p:cNvSpPr/>
+          <p:nvPr/>
+        </p:nvSpPr>
+        <p:spPr>
+          <a:xfrm>
+            <a:off x="548640" y="1068280"/>
+            <a:ext cx="1558834" cy="699560"/>
+          </a:xfrm>
+          <a:prstGeom prst="roundRect">
+            <a:avLst/>
+          </a:prstGeom>
+        </p:spPr>
+        <p:style>
+          <a:lnRef idx="2">
+            <a:schemeClr val="accent1">
+              <a:shade val="50000"/>
+            </a:schemeClr>
+          </a:lnRef>
+          <a:fillRef idx="1">
+            <a:schemeClr val="accent1"/>
+          </a:fillRef>
+          <a:effectRef idx="0">
+            <a:schemeClr val="accent1"/>
+          </a:effectRef>
+          <a:fontRef idx="minor">
+            <a:schemeClr val="lt1"/>
+          </a:fontRef>
+        </p:style>
+        <p:txBody>
+          <a:bodyPr rtlCol="0" anchor="ctr"/>
+          <a:lstStyle/>
+          <a:p>
+            <a:pPr algn="ctr"/>
+            <a:r>
+              <a:rPr lang="en-US" dirty="0"/>
+              <a:t>London Has </a:t>
+            </a:r>
+            <a:r>
+              <a:rPr lang="en-US" dirty="0" err="1"/>
+              <a:t>Fallan</a:t>
+            </a:r>
+            <a:endParaRPr lang="en-US" dirty="0"/>
+          </a:p>
+        </p:txBody>
+      </p:sp>
+      <p:sp>
+        <p:nvSpPr>
+          <p:cNvPr id="9" name="Rounded Rectangle 8">
+            <a:extLst>
+              <a:ext uri="{FF2B5EF4-FFF2-40B4-BE49-F238E27FC236}">
+                <a16:creationId xmlns:a16="http://schemas.microsoft.com/office/drawing/2014/main" id="{FCEF3643-3746-9848-AF3A-3D638B19B8A1}"/>
+              </a:ext>
+            </a:extLst>
+          </p:cNvPr>
+          <p:cNvSpPr/>
+          <p:nvPr/>
+        </p:nvSpPr>
+        <p:spPr>
+          <a:xfrm>
+            <a:off x="2351314" y="1068280"/>
+            <a:ext cx="1558834" cy="699560"/>
+          </a:xfrm>
+          <a:prstGeom prst="roundRect">
+            <a:avLst/>
+          </a:prstGeom>
+        </p:spPr>
+        <p:style>
+          <a:lnRef idx="2">
+            <a:schemeClr val="accent1">
+              <a:shade val="50000"/>
+            </a:schemeClr>
+          </a:lnRef>
+          <a:fillRef idx="1">
+            <a:schemeClr val="accent1"/>
+          </a:fillRef>
+          <a:effectRef idx="0">
+            <a:schemeClr val="accent1"/>
+          </a:effectRef>
+          <a:fontRef idx="minor">
+            <a:schemeClr val="lt1"/>
+          </a:fontRef>
+        </p:style>
+        <p:txBody>
+          <a:bodyPr rtlCol="0" anchor="ctr"/>
+          <a:lstStyle/>
+          <a:p>
+            <a:pPr algn="ctr"/>
+            <a:r>
+              <a:rPr lang="en-US" dirty="0"/>
+              <a:t>Spy Games 50%</a:t>
+            </a:r>
+          </a:p>
+        </p:txBody>
+      </p:sp>
+      <p:sp>
+        <p:nvSpPr>
+          <p:cNvPr id="10" name="Rounded Rectangle 9">
+            <a:extLst>
+              <a:ext uri="{FF2B5EF4-FFF2-40B4-BE49-F238E27FC236}">
+                <a16:creationId xmlns:a16="http://schemas.microsoft.com/office/drawing/2014/main" id="{8013A25B-2E56-034B-A8DB-139BE76809A3}"/>
+              </a:ext>
+            </a:extLst>
+          </p:cNvPr>
+          <p:cNvSpPr/>
+          <p:nvPr/>
+        </p:nvSpPr>
+        <p:spPr>
+          <a:xfrm>
+            <a:off x="4254137" y="1086395"/>
+            <a:ext cx="1558834" cy="699560"/>
+          </a:xfrm>
+          <a:prstGeom prst="roundRect">
+            <a:avLst/>
+          </a:prstGeom>
+        </p:spPr>
+        <p:style>
+          <a:lnRef idx="2">
+            <a:schemeClr val="accent1">
+              <a:shade val="50000"/>
+            </a:schemeClr>
+          </a:lnRef>
+          <a:fillRef idx="1">
+            <a:schemeClr val="accent1"/>
+          </a:fillRef>
+          <a:effectRef idx="0">
+            <a:schemeClr val="accent1"/>
+          </a:effectRef>
+          <a:fontRef idx="minor">
+            <a:schemeClr val="lt1"/>
+          </a:fontRef>
+        </p:style>
+        <p:txBody>
+          <a:bodyPr rtlCol="0" anchor="ctr"/>
+          <a:lstStyle/>
+          <a:p>
+            <a:pPr algn="ctr"/>
+            <a:r>
+              <a:rPr lang="en-US" dirty="0"/>
+              <a:t>Bourn Identity 60%</a:t>
+            </a:r>
+          </a:p>
+        </p:txBody>
+      </p:sp>
+      <p:sp>
+        <p:nvSpPr>
+          <p:cNvPr id="11" name="Rounded Rectangle 10">
+            <a:extLst>
+              <a:ext uri="{FF2B5EF4-FFF2-40B4-BE49-F238E27FC236}">
+                <a16:creationId xmlns:a16="http://schemas.microsoft.com/office/drawing/2014/main" id="{DAB82536-0E4E-9F4A-AF49-1A2D2EE9E872}"/>
+              </a:ext>
+            </a:extLst>
+          </p:cNvPr>
+          <p:cNvSpPr/>
+          <p:nvPr/>
+        </p:nvSpPr>
+        <p:spPr>
+          <a:xfrm>
+            <a:off x="6056811" y="1086395"/>
+            <a:ext cx="1558834" cy="699560"/>
+          </a:xfrm>
+          <a:prstGeom prst="roundRect">
+            <a:avLst/>
+          </a:prstGeom>
+        </p:spPr>
+        <p:style>
+          <a:lnRef idx="2">
+            <a:schemeClr val="accent1">
+              <a:shade val="50000"/>
+            </a:schemeClr>
+          </a:lnRef>
+          <a:fillRef idx="1">
+            <a:schemeClr val="accent1"/>
+          </a:fillRef>
+          <a:effectRef idx="0">
+            <a:schemeClr val="accent1"/>
+          </a:effectRef>
+          <a:fontRef idx="minor">
+            <a:schemeClr val="lt1"/>
+          </a:fontRef>
+        </p:style>
+        <p:txBody>
+          <a:bodyPr rtlCol="0" anchor="ctr"/>
+          <a:lstStyle/>
+          <a:p>
+            <a:pPr algn="ctr"/>
+            <a:r>
+              <a:rPr lang="en-US" dirty="0"/>
+              <a:t>Ghost </a:t>
+            </a:r>
+            <a:r>
+              <a:rPr lang="en-US" dirty="0" err="1"/>
+              <a:t>Proticol</a:t>
+            </a:r>
+            <a:r>
+              <a:rPr lang="en-US" dirty="0"/>
+              <a:t> 40%</a:t>
+            </a:r>
+          </a:p>
+        </p:txBody>
+      </p:sp>
+      <p:sp>
+        <p:nvSpPr>
+          <p:cNvPr id="14" name="Rounded Rectangle 13">
+            <a:extLst>
+              <a:ext uri="{FF2B5EF4-FFF2-40B4-BE49-F238E27FC236}">
+                <a16:creationId xmlns:a16="http://schemas.microsoft.com/office/drawing/2014/main" id="{D9359A84-FE9F-B043-B315-91010B7773AA}"/>
+              </a:ext>
+            </a:extLst>
+          </p:cNvPr>
+          <p:cNvSpPr/>
+          <p:nvPr/>
+        </p:nvSpPr>
+        <p:spPr>
+          <a:xfrm>
+            <a:off x="518160" y="2369387"/>
+            <a:ext cx="1558834" cy="699560"/>
+          </a:xfrm>
+          <a:prstGeom prst="roundRect">
+            <a:avLst/>
+          </a:prstGeom>
+        </p:spPr>
+        <p:style>
+          <a:lnRef idx="2">
+            <a:schemeClr val="accent1">
+              <a:shade val="50000"/>
+            </a:schemeClr>
+          </a:lnRef>
+          <a:fillRef idx="1">
+            <a:schemeClr val="accent1"/>
+          </a:fillRef>
+          <a:effectRef idx="0">
+            <a:schemeClr val="accent1"/>
+          </a:effectRef>
+          <a:fontRef idx="minor">
+            <a:schemeClr val="lt1"/>
+          </a:fontRef>
+        </p:style>
+        <p:txBody>
+          <a:bodyPr rtlCol="0" anchor="ctr"/>
+          <a:lstStyle/>
+          <a:p>
+            <a:pPr algn="ctr"/>
+            <a:r>
+              <a:rPr lang="en-US" dirty="0"/>
+              <a:t>House of Cards</a:t>
+            </a:r>
+          </a:p>
+        </p:txBody>
+      </p:sp>
+      <p:sp>
+        <p:nvSpPr>
+          <p:cNvPr id="15" name="Rounded Rectangle 14">
+            <a:extLst>
+              <a:ext uri="{FF2B5EF4-FFF2-40B4-BE49-F238E27FC236}">
+                <a16:creationId xmlns:a16="http://schemas.microsoft.com/office/drawing/2014/main" id="{2CFE9BAA-340B-1348-BFDD-D97DD8E30B2E}"/>
+              </a:ext>
+            </a:extLst>
+          </p:cNvPr>
+          <p:cNvSpPr/>
+          <p:nvPr/>
+        </p:nvSpPr>
+        <p:spPr>
+          <a:xfrm>
+            <a:off x="2290354" y="2372609"/>
+            <a:ext cx="1558834" cy="699560"/>
+          </a:xfrm>
+          <a:prstGeom prst="roundRect">
+            <a:avLst/>
+          </a:prstGeom>
+        </p:spPr>
+        <p:style>
+          <a:lnRef idx="2">
+            <a:schemeClr val="accent1">
+              <a:shade val="50000"/>
+            </a:schemeClr>
+          </a:lnRef>
+          <a:fillRef idx="1">
+            <a:schemeClr val="accent1"/>
+          </a:fillRef>
+          <a:effectRef idx="0">
+            <a:schemeClr val="accent1"/>
+          </a:effectRef>
+          <a:fontRef idx="minor">
+            <a:schemeClr val="lt1"/>
+          </a:fontRef>
+        </p:style>
+        <p:txBody>
+          <a:bodyPr rtlCol="0" anchor="ctr"/>
+          <a:lstStyle/>
+          <a:p>
+            <a:pPr algn="ctr"/>
+            <a:r>
+              <a:rPr lang="en-US" dirty="0"/>
+              <a:t>Blacklist 20%</a:t>
+            </a:r>
+          </a:p>
+        </p:txBody>
+      </p:sp>
+      <p:sp>
+        <p:nvSpPr>
+          <p:cNvPr id="16" name="TextBox 15">
+            <a:extLst>
+              <a:ext uri="{FF2B5EF4-FFF2-40B4-BE49-F238E27FC236}">
+                <a16:creationId xmlns:a16="http://schemas.microsoft.com/office/drawing/2014/main" id="{2F3D38BC-5828-AC4B-A866-59EE5E4F5889}"/>
+              </a:ext>
+            </a:extLst>
+          </p:cNvPr>
+          <p:cNvSpPr txBox="1"/>
+          <p:nvPr/>
+        </p:nvSpPr>
+        <p:spPr>
+          <a:xfrm>
+            <a:off x="439783" y="3410021"/>
+            <a:ext cx="1332411" cy="369332"/>
+          </a:xfrm>
+          <a:prstGeom prst="rect">
+            <a:avLst/>
+          </a:prstGeom>
+          <a:noFill/>
+        </p:spPr>
+        <p:txBody>
+          <a:bodyPr wrap="square" rtlCol="0">
+            <a:spAutoFit/>
+          </a:bodyPr>
+          <a:lstStyle/>
+          <a:p>
+            <a:r>
+              <a:rPr lang="en-US" dirty="0"/>
+              <a:t>Horror</a:t>
+            </a:r>
+          </a:p>
+        </p:txBody>
+      </p:sp>
+      <p:sp>
+        <p:nvSpPr>
+          <p:cNvPr id="17" name="Rounded Rectangle 16">
+            <a:extLst>
+              <a:ext uri="{FF2B5EF4-FFF2-40B4-BE49-F238E27FC236}">
+                <a16:creationId xmlns:a16="http://schemas.microsoft.com/office/drawing/2014/main" id="{9EF8BC4F-B81C-834A-8911-6666D96797BB}"/>
+              </a:ext>
+            </a:extLst>
+          </p:cNvPr>
+          <p:cNvSpPr/>
+          <p:nvPr/>
+        </p:nvSpPr>
+        <p:spPr>
+          <a:xfrm>
+            <a:off x="579120" y="3761198"/>
+            <a:ext cx="1558834" cy="699560"/>
+          </a:xfrm>
+          <a:prstGeom prst="roundRect">
+            <a:avLst/>
+          </a:prstGeom>
+        </p:spPr>
+        <p:style>
+          <a:lnRef idx="2">
+            <a:schemeClr val="accent1">
+              <a:shade val="50000"/>
+            </a:schemeClr>
+          </a:lnRef>
+          <a:fillRef idx="1">
+            <a:schemeClr val="accent1"/>
+          </a:fillRef>
+          <a:effectRef idx="0">
+            <a:schemeClr val="accent1"/>
+          </a:effectRef>
+          <a:fontRef idx="minor">
+            <a:schemeClr val="lt1"/>
+          </a:fontRef>
+        </p:style>
+        <p:txBody>
+          <a:bodyPr rtlCol="0" anchor="ctr"/>
+          <a:lstStyle/>
+          <a:p>
+            <a:pPr algn="ctr"/>
+            <a:r>
+              <a:rPr lang="en-US" dirty="0"/>
+              <a:t>Conjuring 5%</a:t>
+            </a:r>
+          </a:p>
+        </p:txBody>
+      </p:sp>
+      <p:sp>
+        <p:nvSpPr>
+          <p:cNvPr id="18" name="Rounded Rectangle 17">
+            <a:extLst>
+              <a:ext uri="{FF2B5EF4-FFF2-40B4-BE49-F238E27FC236}">
+                <a16:creationId xmlns:a16="http://schemas.microsoft.com/office/drawing/2014/main" id="{C5F45B55-ABD2-6A4F-AA95-B62A37D491A8}"/>
+              </a:ext>
+            </a:extLst>
+          </p:cNvPr>
+          <p:cNvSpPr/>
+          <p:nvPr/>
+        </p:nvSpPr>
+        <p:spPr>
+          <a:xfrm>
+            <a:off x="2351314" y="3764420"/>
+            <a:ext cx="1558834" cy="699560"/>
+          </a:xfrm>
+          <a:prstGeom prst="roundRect">
+            <a:avLst/>
+          </a:prstGeom>
+        </p:spPr>
+        <p:style>
+          <a:lnRef idx="2">
+            <a:schemeClr val="accent1">
+              <a:shade val="50000"/>
+            </a:schemeClr>
+          </a:lnRef>
+          <a:fillRef idx="1">
+            <a:schemeClr val="accent1"/>
+          </a:fillRef>
+          <a:effectRef idx="0">
+            <a:schemeClr val="accent1"/>
+          </a:effectRef>
+          <a:fontRef idx="minor">
+            <a:schemeClr val="lt1"/>
+          </a:fontRef>
+        </p:style>
+        <p:txBody>
+          <a:bodyPr rtlCol="0" anchor="ctr"/>
+          <a:lstStyle/>
+          <a:p>
+            <a:pPr algn="ctr"/>
+            <a:r>
+              <a:rPr lang="en-US" dirty="0" err="1"/>
+              <a:t>Amevilly</a:t>
+            </a:r>
+            <a:r>
+              <a:rPr lang="en-US" dirty="0"/>
+              <a:t> Horror</a:t>
+            </a:r>
+          </a:p>
+        </p:txBody>
+      </p:sp>
+      <p:sp>
+        <p:nvSpPr>
+          <p:cNvPr id="19" name="Rounded Rectangle 18">
+            <a:extLst>
+              <a:ext uri="{FF2B5EF4-FFF2-40B4-BE49-F238E27FC236}">
+                <a16:creationId xmlns:a16="http://schemas.microsoft.com/office/drawing/2014/main" id="{1D72D6BE-767A-0B41-8BD5-2472B14E691B}"/>
+              </a:ext>
+            </a:extLst>
+          </p:cNvPr>
+          <p:cNvSpPr/>
+          <p:nvPr/>
+        </p:nvSpPr>
+        <p:spPr>
+          <a:xfrm>
+            <a:off x="5704114" y="7316"/>
+            <a:ext cx="2050869" cy="369332"/>
+          </a:xfrm>
+          <a:prstGeom prst="roundRect">
+            <a:avLst/>
+          </a:prstGeom>
+        </p:spPr>
+        <p:style>
+          <a:lnRef idx="2">
+            <a:schemeClr val="accent1">
+              <a:shade val="50000"/>
+            </a:schemeClr>
+          </a:lnRef>
+          <a:fillRef idx="1">
+            <a:schemeClr val="accent1"/>
+          </a:fillRef>
+          <a:effectRef idx="0">
+            <a:schemeClr val="accent1"/>
+          </a:effectRef>
+          <a:fontRef idx="minor">
+            <a:schemeClr val="lt1"/>
+          </a:fontRef>
+        </p:style>
+        <p:txBody>
+          <a:bodyPr rtlCol="0" anchor="ctr"/>
+          <a:lstStyle/>
+          <a:p>
+            <a:pPr algn="ctr"/>
+            <a:r>
+              <a:rPr lang="en-US" dirty="0"/>
+              <a:t>Mahesh</a:t>
+            </a:r>
+          </a:p>
+        </p:txBody>
+      </p:sp>
+      <p:sp>
+        <p:nvSpPr>
+          <p:cNvPr id="20" name="Rectangle 19">
+            <a:extLst>
+              <a:ext uri="{FF2B5EF4-FFF2-40B4-BE49-F238E27FC236}">
+                <a16:creationId xmlns:a16="http://schemas.microsoft.com/office/drawing/2014/main" id="{AE421F4C-A4A4-7D45-9E07-CECE13AC7246}"/>
+              </a:ext>
+            </a:extLst>
+          </p:cNvPr>
+          <p:cNvSpPr/>
+          <p:nvPr/>
+        </p:nvSpPr>
+        <p:spPr>
+          <a:xfrm>
+            <a:off x="9126583" y="501354"/>
+            <a:ext cx="2830286" cy="5322506"/>
+          </a:xfrm>
+          <a:prstGeom prst="rect">
+            <a:avLst/>
+          </a:prstGeom>
+        </p:spPr>
+        <p:style>
+          <a:lnRef idx="1">
+            <a:schemeClr val="dk1"/>
+          </a:lnRef>
+          <a:fillRef idx="2">
+            <a:schemeClr val="dk1"/>
+          </a:fillRef>
+          <a:effectRef idx="1">
+            <a:schemeClr val="dk1"/>
+          </a:effectRef>
+          <a:fontRef idx="minor">
+            <a:schemeClr val="dk1"/>
+          </a:fontRef>
+        </p:style>
+        <p:txBody>
+          <a:bodyPr rtlCol="0" anchor="ctr"/>
+          <a:lstStyle/>
+          <a:p>
+            <a:pPr algn="ctr"/>
+            <a:endParaRPr lang="en-US"/>
+          </a:p>
+        </p:txBody>
+      </p:sp>
+      <p:sp>
+        <p:nvSpPr>
+          <p:cNvPr id="21" name="TextBox 20">
+            <a:extLst>
+              <a:ext uri="{FF2B5EF4-FFF2-40B4-BE49-F238E27FC236}">
+                <a16:creationId xmlns:a16="http://schemas.microsoft.com/office/drawing/2014/main" id="{4549695C-1948-5740-BC62-59824186B638}"/>
+              </a:ext>
+            </a:extLst>
+          </p:cNvPr>
+          <p:cNvSpPr txBox="1"/>
+          <p:nvPr/>
+        </p:nvSpPr>
+        <p:spPr>
+          <a:xfrm>
+            <a:off x="9248503" y="616131"/>
+            <a:ext cx="2534194" cy="646331"/>
+          </a:xfrm>
+          <a:prstGeom prst="rect">
+            <a:avLst/>
+          </a:prstGeom>
+          <a:noFill/>
+        </p:spPr>
+        <p:txBody>
+          <a:bodyPr wrap="square" rtlCol="0">
+            <a:spAutoFit/>
+          </a:bodyPr>
+          <a:lstStyle/>
+          <a:p>
+            <a:pPr algn="ctr"/>
+            <a:r>
+              <a:rPr lang="en-US" dirty="0"/>
+              <a:t>Netflix Media Streaming Server</a:t>
+            </a:r>
+          </a:p>
+        </p:txBody>
+      </p:sp>
+      <p:sp>
+        <p:nvSpPr>
+          <p:cNvPr id="22" name="Can 21">
+            <a:extLst>
+              <a:ext uri="{FF2B5EF4-FFF2-40B4-BE49-F238E27FC236}">
+                <a16:creationId xmlns:a16="http://schemas.microsoft.com/office/drawing/2014/main" id="{88924D6E-B856-3E45-B551-EAF91523278F}"/>
+              </a:ext>
+            </a:extLst>
+          </p:cNvPr>
+          <p:cNvSpPr/>
+          <p:nvPr/>
+        </p:nvSpPr>
+        <p:spPr>
+          <a:xfrm>
+            <a:off x="9248503" y="1785955"/>
+            <a:ext cx="687977" cy="852742"/>
+          </a:xfrm>
+          <a:prstGeom prst="can">
+            <a:avLst/>
+          </a:prstGeom>
+        </p:spPr>
+        <p:style>
+          <a:lnRef idx="2">
+            <a:schemeClr val="accent1">
+              <a:shade val="50000"/>
+            </a:schemeClr>
+          </a:lnRef>
+          <a:fillRef idx="1">
+            <a:schemeClr val="accent1"/>
+          </a:fillRef>
+          <a:effectRef idx="0">
+            <a:schemeClr val="accent1"/>
+          </a:effectRef>
+          <a:fontRef idx="minor">
+            <a:schemeClr val="lt1"/>
+          </a:fontRef>
+        </p:style>
+        <p:txBody>
+          <a:bodyPr rtlCol="0" anchor="ctr"/>
+          <a:lstStyle/>
+          <a:p>
+            <a:pPr algn="ctr"/>
+            <a:endParaRPr lang="en-US" dirty="0"/>
+          </a:p>
+        </p:txBody>
+      </p:sp>
+      <p:sp>
+        <p:nvSpPr>
+          <p:cNvPr id="23" name="TextBox 22">
+            <a:extLst>
+              <a:ext uri="{FF2B5EF4-FFF2-40B4-BE49-F238E27FC236}">
+                <a16:creationId xmlns:a16="http://schemas.microsoft.com/office/drawing/2014/main" id="{99456EB2-069B-3E48-82FB-144F694E1256}"/>
+              </a:ext>
+            </a:extLst>
+          </p:cNvPr>
+          <p:cNvSpPr txBox="1"/>
+          <p:nvPr/>
+        </p:nvSpPr>
+        <p:spPr>
+          <a:xfrm>
+            <a:off x="487680" y="1980980"/>
+            <a:ext cx="1332411" cy="369332"/>
+          </a:xfrm>
+          <a:prstGeom prst="rect">
+            <a:avLst/>
+          </a:prstGeom>
+          <a:noFill/>
+        </p:spPr>
+        <p:txBody>
+          <a:bodyPr wrap="square" rtlCol="0">
+            <a:spAutoFit/>
+          </a:bodyPr>
+          <a:lstStyle/>
+          <a:p>
+            <a:r>
+              <a:rPr lang="en-US" dirty="0"/>
+              <a:t>Dramas</a:t>
+            </a:r>
+          </a:p>
+        </p:txBody>
+      </p:sp>
+      <p:sp>
+        <p:nvSpPr>
+          <p:cNvPr id="26" name="Can 25">
+            <a:extLst>
+              <a:ext uri="{FF2B5EF4-FFF2-40B4-BE49-F238E27FC236}">
+                <a16:creationId xmlns:a16="http://schemas.microsoft.com/office/drawing/2014/main" id="{755A1D6A-7B71-634A-9B48-B65E3A605490}"/>
+              </a:ext>
+            </a:extLst>
+          </p:cNvPr>
+          <p:cNvSpPr/>
+          <p:nvPr/>
+        </p:nvSpPr>
+        <p:spPr>
+          <a:xfrm>
+            <a:off x="10212976" y="1785955"/>
+            <a:ext cx="687977" cy="852742"/>
+          </a:xfrm>
+          <a:prstGeom prst="can">
+            <a:avLst/>
+          </a:prstGeom>
+        </p:spPr>
+        <p:style>
+          <a:lnRef idx="2">
+            <a:schemeClr val="accent1">
+              <a:shade val="50000"/>
+            </a:schemeClr>
+          </a:lnRef>
+          <a:fillRef idx="1">
+            <a:schemeClr val="accent1"/>
+          </a:fillRef>
+          <a:effectRef idx="0">
+            <a:schemeClr val="accent1"/>
+          </a:effectRef>
+          <a:fontRef idx="minor">
+            <a:schemeClr val="lt1"/>
+          </a:fontRef>
+        </p:style>
+        <p:txBody>
+          <a:bodyPr rtlCol="0" anchor="ctr"/>
+          <a:lstStyle/>
+          <a:p>
+            <a:pPr algn="ctr"/>
+            <a:endParaRPr lang="en-US" dirty="0"/>
+          </a:p>
+        </p:txBody>
+      </p:sp>
+      <p:sp>
+        <p:nvSpPr>
+          <p:cNvPr id="27" name="Can 26">
+            <a:extLst>
+              <a:ext uri="{FF2B5EF4-FFF2-40B4-BE49-F238E27FC236}">
+                <a16:creationId xmlns:a16="http://schemas.microsoft.com/office/drawing/2014/main" id="{39F1C1AD-797A-E544-A1FC-3F471BB95685}"/>
+              </a:ext>
+            </a:extLst>
+          </p:cNvPr>
+          <p:cNvSpPr/>
+          <p:nvPr/>
+        </p:nvSpPr>
+        <p:spPr>
+          <a:xfrm>
+            <a:off x="11151325" y="1785955"/>
+            <a:ext cx="687977" cy="852742"/>
+          </a:xfrm>
+          <a:prstGeom prst="can">
+            <a:avLst/>
+          </a:prstGeom>
+        </p:spPr>
+        <p:style>
+          <a:lnRef idx="2">
+            <a:schemeClr val="accent1">
+              <a:shade val="50000"/>
+            </a:schemeClr>
+          </a:lnRef>
+          <a:fillRef idx="1">
+            <a:schemeClr val="accent1"/>
+          </a:fillRef>
+          <a:effectRef idx="0">
+            <a:schemeClr val="accent1"/>
+          </a:effectRef>
+          <a:fontRef idx="minor">
+            <a:schemeClr val="lt1"/>
+          </a:fontRef>
+        </p:style>
+        <p:txBody>
+          <a:bodyPr rtlCol="0" anchor="ctr"/>
+          <a:lstStyle/>
+          <a:p>
+            <a:pPr algn="ctr"/>
+            <a:endParaRPr lang="en-US" dirty="0"/>
+          </a:p>
+        </p:txBody>
+      </p:sp>
+      <p:sp>
+        <p:nvSpPr>
+          <p:cNvPr id="28" name="Can 27">
+            <a:extLst>
+              <a:ext uri="{FF2B5EF4-FFF2-40B4-BE49-F238E27FC236}">
+                <a16:creationId xmlns:a16="http://schemas.microsoft.com/office/drawing/2014/main" id="{580B8737-FFBD-AD45-B1EE-DDE344FA3DB1}"/>
+              </a:ext>
+            </a:extLst>
+          </p:cNvPr>
+          <p:cNvSpPr/>
+          <p:nvPr/>
+        </p:nvSpPr>
+        <p:spPr>
+          <a:xfrm>
+            <a:off x="9248503" y="2900403"/>
+            <a:ext cx="687977" cy="852742"/>
+          </a:xfrm>
+          <a:prstGeom prst="can">
+            <a:avLst/>
+          </a:prstGeom>
+        </p:spPr>
+        <p:style>
+          <a:lnRef idx="2">
+            <a:schemeClr val="accent1">
+              <a:shade val="50000"/>
+            </a:schemeClr>
+          </a:lnRef>
+          <a:fillRef idx="1">
+            <a:schemeClr val="accent1"/>
+          </a:fillRef>
+          <a:effectRef idx="0">
+            <a:schemeClr val="accent1"/>
+          </a:effectRef>
+          <a:fontRef idx="minor">
+            <a:schemeClr val="lt1"/>
+          </a:fontRef>
+        </p:style>
+        <p:txBody>
+          <a:bodyPr rtlCol="0" anchor="ctr"/>
+          <a:lstStyle/>
+          <a:p>
+            <a:pPr algn="ctr"/>
+            <a:endParaRPr lang="en-US" dirty="0"/>
+          </a:p>
+        </p:txBody>
+      </p:sp>
+      <p:sp>
+        <p:nvSpPr>
+          <p:cNvPr id="29" name="Can 28">
+            <a:extLst>
+              <a:ext uri="{FF2B5EF4-FFF2-40B4-BE49-F238E27FC236}">
+                <a16:creationId xmlns:a16="http://schemas.microsoft.com/office/drawing/2014/main" id="{79653315-0ABD-1842-9BD9-26C3B9AD47DE}"/>
+              </a:ext>
+            </a:extLst>
+          </p:cNvPr>
+          <p:cNvSpPr/>
+          <p:nvPr/>
+        </p:nvSpPr>
+        <p:spPr>
+          <a:xfrm>
+            <a:off x="10212976" y="2900403"/>
+            <a:ext cx="687977" cy="852742"/>
+          </a:xfrm>
+          <a:prstGeom prst="can">
+            <a:avLst/>
+          </a:prstGeom>
+        </p:spPr>
+        <p:style>
+          <a:lnRef idx="2">
+            <a:schemeClr val="accent1">
+              <a:shade val="50000"/>
+            </a:schemeClr>
+          </a:lnRef>
+          <a:fillRef idx="1">
+            <a:schemeClr val="accent1"/>
+          </a:fillRef>
+          <a:effectRef idx="0">
+            <a:schemeClr val="accent1"/>
+          </a:effectRef>
+          <a:fontRef idx="minor">
+            <a:schemeClr val="lt1"/>
+          </a:fontRef>
+        </p:style>
+        <p:txBody>
+          <a:bodyPr rtlCol="0" anchor="ctr"/>
+          <a:lstStyle/>
+          <a:p>
+            <a:pPr algn="ctr"/>
+            <a:endParaRPr lang="en-US" dirty="0"/>
+          </a:p>
+        </p:txBody>
+      </p:sp>
+      <p:sp>
+        <p:nvSpPr>
+          <p:cNvPr id="30" name="Can 29">
+            <a:extLst>
+              <a:ext uri="{FF2B5EF4-FFF2-40B4-BE49-F238E27FC236}">
+                <a16:creationId xmlns:a16="http://schemas.microsoft.com/office/drawing/2014/main" id="{ADF27DE7-89DC-2D48-A165-1CAE08528CC8}"/>
+              </a:ext>
+            </a:extLst>
+          </p:cNvPr>
+          <p:cNvSpPr/>
+          <p:nvPr/>
+        </p:nvSpPr>
+        <p:spPr>
+          <a:xfrm>
+            <a:off x="11151325" y="2900403"/>
+            <a:ext cx="687977" cy="852742"/>
+          </a:xfrm>
+          <a:prstGeom prst="can">
+            <a:avLst/>
+          </a:prstGeom>
+        </p:spPr>
+        <p:style>
+          <a:lnRef idx="2">
+            <a:schemeClr val="accent1">
+              <a:shade val="50000"/>
+            </a:schemeClr>
+          </a:lnRef>
+          <a:fillRef idx="1">
+            <a:schemeClr val="accent1"/>
+          </a:fillRef>
+          <a:effectRef idx="0">
+            <a:schemeClr val="accent1"/>
+          </a:effectRef>
+          <a:fontRef idx="minor">
+            <a:schemeClr val="lt1"/>
+          </a:fontRef>
+        </p:style>
+        <p:txBody>
+          <a:bodyPr rtlCol="0" anchor="ctr"/>
+          <a:lstStyle/>
+          <a:p>
+            <a:pPr algn="ctr"/>
+            <a:endParaRPr lang="en-US" dirty="0"/>
+          </a:p>
+        </p:txBody>
+      </p:sp>
+      <p:sp>
+        <p:nvSpPr>
+          <p:cNvPr id="31" name="Can 30">
+            <a:extLst>
+              <a:ext uri="{FF2B5EF4-FFF2-40B4-BE49-F238E27FC236}">
+                <a16:creationId xmlns:a16="http://schemas.microsoft.com/office/drawing/2014/main" id="{668E6116-78BC-5247-806E-A8C3A6CB9950}"/>
+              </a:ext>
+            </a:extLst>
+          </p:cNvPr>
+          <p:cNvSpPr/>
+          <p:nvPr/>
+        </p:nvSpPr>
+        <p:spPr>
+          <a:xfrm>
+            <a:off x="9244149" y="3935760"/>
+            <a:ext cx="687977" cy="852742"/>
+          </a:xfrm>
+          <a:prstGeom prst="can">
+            <a:avLst/>
+          </a:prstGeom>
+        </p:spPr>
+        <p:style>
+          <a:lnRef idx="2">
+            <a:schemeClr val="accent1">
+              <a:shade val="50000"/>
+            </a:schemeClr>
+          </a:lnRef>
+          <a:fillRef idx="1">
+            <a:schemeClr val="accent1"/>
+          </a:fillRef>
+          <a:effectRef idx="0">
+            <a:schemeClr val="accent1"/>
+          </a:effectRef>
+          <a:fontRef idx="minor">
+            <a:schemeClr val="lt1"/>
+          </a:fontRef>
+        </p:style>
+        <p:txBody>
+          <a:bodyPr rtlCol="0" anchor="ctr"/>
+          <a:lstStyle/>
+          <a:p>
+            <a:pPr algn="ctr"/>
+            <a:endParaRPr lang="en-US" dirty="0"/>
+          </a:p>
+        </p:txBody>
+      </p:sp>
+      <p:sp>
+        <p:nvSpPr>
+          <p:cNvPr id="32" name="Can 31">
+            <a:extLst>
+              <a:ext uri="{FF2B5EF4-FFF2-40B4-BE49-F238E27FC236}">
+                <a16:creationId xmlns:a16="http://schemas.microsoft.com/office/drawing/2014/main" id="{15712576-400E-3E45-9F2B-DB224FCE41F5}"/>
+              </a:ext>
+            </a:extLst>
+          </p:cNvPr>
+          <p:cNvSpPr/>
+          <p:nvPr/>
+        </p:nvSpPr>
+        <p:spPr>
+          <a:xfrm>
+            <a:off x="10208622" y="3935760"/>
+            <a:ext cx="687977" cy="852742"/>
+          </a:xfrm>
+          <a:prstGeom prst="can">
+            <a:avLst/>
+          </a:prstGeom>
+        </p:spPr>
+        <p:style>
+          <a:lnRef idx="2">
+            <a:schemeClr val="accent1">
+              <a:shade val="50000"/>
+            </a:schemeClr>
+          </a:lnRef>
+          <a:fillRef idx="1">
+            <a:schemeClr val="accent1"/>
+          </a:fillRef>
+          <a:effectRef idx="0">
+            <a:schemeClr val="accent1"/>
+          </a:effectRef>
+          <a:fontRef idx="minor">
+            <a:schemeClr val="lt1"/>
+          </a:fontRef>
+        </p:style>
+        <p:txBody>
+          <a:bodyPr rtlCol="0" anchor="ctr"/>
+          <a:lstStyle/>
+          <a:p>
+            <a:pPr algn="ctr"/>
+            <a:endParaRPr lang="en-US" dirty="0"/>
+          </a:p>
+        </p:txBody>
+      </p:sp>
+      <p:sp>
+        <p:nvSpPr>
+          <p:cNvPr id="33" name="Can 32">
+            <a:extLst>
+              <a:ext uri="{FF2B5EF4-FFF2-40B4-BE49-F238E27FC236}">
+                <a16:creationId xmlns:a16="http://schemas.microsoft.com/office/drawing/2014/main" id="{818AC5E0-DFCE-2C49-BAEA-9D6D2D5712AA}"/>
+              </a:ext>
+            </a:extLst>
+          </p:cNvPr>
+          <p:cNvSpPr/>
+          <p:nvPr/>
+        </p:nvSpPr>
+        <p:spPr>
+          <a:xfrm>
+            <a:off x="11146971" y="3935760"/>
+            <a:ext cx="687977" cy="852742"/>
+          </a:xfrm>
+          <a:prstGeom prst="can">
+            <a:avLst/>
+          </a:prstGeom>
+        </p:spPr>
+        <p:style>
+          <a:lnRef idx="2">
+            <a:schemeClr val="accent1">
+              <a:shade val="50000"/>
+            </a:schemeClr>
+          </a:lnRef>
+          <a:fillRef idx="1">
+            <a:schemeClr val="accent1"/>
+          </a:fillRef>
+          <a:effectRef idx="0">
+            <a:schemeClr val="accent1"/>
+          </a:effectRef>
+          <a:fontRef idx="minor">
+            <a:schemeClr val="lt1"/>
+          </a:fontRef>
+        </p:style>
+        <p:txBody>
+          <a:bodyPr rtlCol="0" anchor="ctr"/>
+          <a:lstStyle/>
+          <a:p>
+            <a:pPr algn="ctr"/>
+            <a:endParaRPr lang="en-US" dirty="0"/>
+          </a:p>
+        </p:txBody>
+      </p:sp>
+      <p:sp>
+        <p:nvSpPr>
+          <p:cNvPr id="34" name="Can 33">
+            <a:extLst>
+              <a:ext uri="{FF2B5EF4-FFF2-40B4-BE49-F238E27FC236}">
+                <a16:creationId xmlns:a16="http://schemas.microsoft.com/office/drawing/2014/main" id="{47C951F1-0833-6A47-9FFB-656175EE757F}"/>
+              </a:ext>
+            </a:extLst>
+          </p:cNvPr>
+          <p:cNvSpPr/>
+          <p:nvPr/>
+        </p:nvSpPr>
+        <p:spPr>
+          <a:xfrm>
+            <a:off x="9274629" y="4858700"/>
+            <a:ext cx="687977" cy="852742"/>
+          </a:xfrm>
+          <a:prstGeom prst="can">
+            <a:avLst/>
+          </a:prstGeom>
+        </p:spPr>
+        <p:style>
+          <a:lnRef idx="2">
+            <a:schemeClr val="accent1">
+              <a:shade val="50000"/>
+            </a:schemeClr>
+          </a:lnRef>
+          <a:fillRef idx="1">
+            <a:schemeClr val="accent1"/>
+          </a:fillRef>
+          <a:effectRef idx="0">
+            <a:schemeClr val="accent1"/>
+          </a:effectRef>
+          <a:fontRef idx="minor">
+            <a:schemeClr val="lt1"/>
+          </a:fontRef>
+        </p:style>
+        <p:txBody>
+          <a:bodyPr rtlCol="0" anchor="ctr"/>
+          <a:lstStyle/>
+          <a:p>
+            <a:pPr algn="ctr"/>
+            <a:endParaRPr lang="en-US" dirty="0"/>
+          </a:p>
+        </p:txBody>
+      </p:sp>
+      <p:sp>
+        <p:nvSpPr>
+          <p:cNvPr id="35" name="Can 34">
+            <a:extLst>
+              <a:ext uri="{FF2B5EF4-FFF2-40B4-BE49-F238E27FC236}">
+                <a16:creationId xmlns:a16="http://schemas.microsoft.com/office/drawing/2014/main" id="{B53FAB56-460C-694E-9F46-444D6CBD803D}"/>
+              </a:ext>
+            </a:extLst>
+          </p:cNvPr>
+          <p:cNvSpPr/>
+          <p:nvPr/>
+        </p:nvSpPr>
+        <p:spPr>
+          <a:xfrm>
+            <a:off x="10239102" y="4858700"/>
+            <a:ext cx="687977" cy="852742"/>
+          </a:xfrm>
+          <a:prstGeom prst="can">
+            <a:avLst/>
+          </a:prstGeom>
+        </p:spPr>
+        <p:style>
+          <a:lnRef idx="2">
+            <a:schemeClr val="accent1">
+              <a:shade val="50000"/>
+            </a:schemeClr>
+          </a:lnRef>
+          <a:fillRef idx="1">
+            <a:schemeClr val="accent1"/>
+          </a:fillRef>
+          <a:effectRef idx="0">
+            <a:schemeClr val="accent1"/>
+          </a:effectRef>
+          <a:fontRef idx="minor">
+            <a:schemeClr val="lt1"/>
+          </a:fontRef>
+        </p:style>
+        <p:txBody>
+          <a:bodyPr rtlCol="0" anchor="ctr"/>
+          <a:lstStyle/>
+          <a:p>
+            <a:pPr algn="ctr"/>
+            <a:endParaRPr lang="en-US" dirty="0"/>
+          </a:p>
+        </p:txBody>
+      </p:sp>
+      <p:sp>
+        <p:nvSpPr>
+          <p:cNvPr id="36" name="Can 35">
+            <a:extLst>
+              <a:ext uri="{FF2B5EF4-FFF2-40B4-BE49-F238E27FC236}">
+                <a16:creationId xmlns:a16="http://schemas.microsoft.com/office/drawing/2014/main" id="{55B95F26-BF31-CF41-894C-609B733801DA}"/>
+              </a:ext>
+            </a:extLst>
+          </p:cNvPr>
+          <p:cNvSpPr/>
+          <p:nvPr/>
+        </p:nvSpPr>
+        <p:spPr>
+          <a:xfrm>
+            <a:off x="11177451" y="4858700"/>
+            <a:ext cx="687977" cy="852742"/>
+          </a:xfrm>
+          <a:prstGeom prst="can">
+            <a:avLst/>
+          </a:prstGeom>
+        </p:spPr>
+        <p:style>
+          <a:lnRef idx="2">
+            <a:schemeClr val="accent1">
+              <a:shade val="50000"/>
+            </a:schemeClr>
+          </a:lnRef>
+          <a:fillRef idx="1">
+            <a:schemeClr val="accent1"/>
+          </a:fillRef>
+          <a:effectRef idx="0">
+            <a:schemeClr val="accent1"/>
+          </a:effectRef>
+          <a:fontRef idx="minor">
+            <a:schemeClr val="lt1"/>
+          </a:fontRef>
+        </p:style>
+        <p:txBody>
+          <a:bodyPr rtlCol="0" anchor="ctr"/>
+          <a:lstStyle/>
+          <a:p>
+            <a:pPr algn="ctr"/>
+            <a:endParaRPr lang="en-US" dirty="0"/>
+          </a:p>
+        </p:txBody>
+      </p:sp>
+      <p:sp>
+        <p:nvSpPr>
+          <p:cNvPr id="37" name="Left-right Arrow 36">
+            <a:extLst>
+              <a:ext uri="{FF2B5EF4-FFF2-40B4-BE49-F238E27FC236}">
+                <a16:creationId xmlns:a16="http://schemas.microsoft.com/office/drawing/2014/main" id="{4103BD56-075C-FF49-8814-0DCB90E299E5}"/>
+              </a:ext>
+            </a:extLst>
+          </p:cNvPr>
+          <p:cNvSpPr/>
+          <p:nvPr/>
+        </p:nvSpPr>
+        <p:spPr>
+          <a:xfrm>
+            <a:off x="7959634" y="2900402"/>
+            <a:ext cx="1166949" cy="491367"/>
+          </a:xfrm>
+          <a:prstGeom prst="leftRightArrow">
+            <a:avLst/>
+          </a:prstGeom>
+          <a:solidFill>
+            <a:srgbClr val="FFFF00"/>
+          </a:solidFill>
+        </p:spPr>
+        <p:style>
+          <a:lnRef idx="2">
+            <a:schemeClr val="accent1">
+              <a:shade val="50000"/>
+            </a:schemeClr>
+          </a:lnRef>
+          <a:fillRef idx="1">
+            <a:schemeClr val="accent1"/>
+          </a:fillRef>
+          <a:effectRef idx="0">
+            <a:schemeClr val="accent1"/>
+          </a:effectRef>
+          <a:fontRef idx="minor">
+            <a:schemeClr val="lt1"/>
+          </a:fontRef>
+        </p:style>
+        <p:txBody>
+          <a:bodyPr rtlCol="0" anchor="ctr"/>
+          <a:lstStyle/>
+          <a:p>
+            <a:pPr algn="ctr"/>
+            <a:endParaRPr lang="en-US"/>
+          </a:p>
+        </p:txBody>
+      </p:sp>
+      <p:sp>
+        <p:nvSpPr>
+          <p:cNvPr id="38" name="Can 37">
+            <a:extLst>
+              <a:ext uri="{FF2B5EF4-FFF2-40B4-BE49-F238E27FC236}">
+                <a16:creationId xmlns:a16="http://schemas.microsoft.com/office/drawing/2014/main" id="{048CF18A-72A2-2C49-A432-4FA5D01C7DA6}"/>
+              </a:ext>
+            </a:extLst>
+          </p:cNvPr>
+          <p:cNvSpPr/>
+          <p:nvPr/>
+        </p:nvSpPr>
+        <p:spPr>
+          <a:xfrm>
+            <a:off x="304800" y="5094514"/>
+            <a:ext cx="7654834" cy="914400"/>
+          </a:xfrm>
+          <a:prstGeom prst="can">
+            <a:avLst>
+              <a:gd name="adj" fmla="val 12619"/>
+            </a:avLst>
+          </a:prstGeom>
+        </p:spPr>
+        <p:style>
+          <a:lnRef idx="2">
+            <a:schemeClr val="accent1">
+              <a:shade val="50000"/>
+            </a:schemeClr>
+          </a:lnRef>
+          <a:fillRef idx="1">
+            <a:schemeClr val="accent1"/>
+          </a:fillRef>
+          <a:effectRef idx="0">
+            <a:schemeClr val="accent1"/>
+          </a:effectRef>
+          <a:fontRef idx="minor">
+            <a:schemeClr val="lt1"/>
+          </a:fontRef>
+        </p:style>
+        <p:txBody>
+          <a:bodyPr rtlCol="0" anchor="ctr"/>
+          <a:lstStyle/>
+          <a:p>
+            <a:pPr algn="ctr"/>
+            <a:r>
+              <a:rPr lang="en-US" dirty="0"/>
+              <a:t>State Server Against My Profile in Client To maintain the Progress</a:t>
+            </a:r>
+          </a:p>
+        </p:txBody>
+      </p:sp>
+      <p:sp>
+        <p:nvSpPr>
+          <p:cNvPr id="39" name="Up-down Arrow 38">
+            <a:extLst>
+              <a:ext uri="{FF2B5EF4-FFF2-40B4-BE49-F238E27FC236}">
+                <a16:creationId xmlns:a16="http://schemas.microsoft.com/office/drawing/2014/main" id="{B65211DD-DD63-984B-BB0C-634092A5D7FB}"/>
+              </a:ext>
+            </a:extLst>
+          </p:cNvPr>
+          <p:cNvSpPr/>
+          <p:nvPr/>
+        </p:nvSpPr>
+        <p:spPr>
+          <a:xfrm>
+            <a:off x="4014651" y="4543917"/>
+            <a:ext cx="239486" cy="796675"/>
+          </a:xfrm>
+          <a:prstGeom prst="upDownArrow">
+            <a:avLst/>
+          </a:prstGeom>
+          <a:solidFill>
+            <a:srgbClr val="FFFF00"/>
+          </a:solidFill>
+        </p:spPr>
+        <p:style>
+          <a:lnRef idx="2">
+            <a:schemeClr val="accent1">
+              <a:shade val="50000"/>
+            </a:schemeClr>
+          </a:lnRef>
+          <a:fillRef idx="1">
+            <a:schemeClr val="accent1"/>
+          </a:fillRef>
+          <a:effectRef idx="0">
+            <a:schemeClr val="accent1"/>
+          </a:effectRef>
+          <a:fontRef idx="minor">
+            <a:schemeClr val="lt1"/>
+          </a:fontRef>
+        </p:style>
+        <p:txBody>
+          <a:bodyPr rtlCol="0" anchor="ctr"/>
+          <a:lstStyle/>
+          <a:p>
+            <a:pPr algn="ctr"/>
+            <a:endParaRPr lang="en-US"/>
+          </a:p>
+        </p:txBody>
+      </p:sp>
+    </p:spTree>
+    <p:extLst>
+      <p:ext uri="{BB962C8B-B14F-4D97-AF65-F5344CB8AC3E}">
+        <p14:creationId xmlns:p14="http://schemas.microsoft.com/office/powerpoint/2010/main" val="1859958069"/>
+      </p:ext>
+    </p:extLst>
+  </p:cSld>
+  <p:clrMapOvr>
+    <a:masterClrMapping/>
+  </p:clrMapOvr>
+</p:sld>
+</file>
+
+<file path=ppt/slides/slide59.xml><?xml version="1.0" encoding="utf-8"?>
+<p:sld xmlns:a="http://schemas.openxmlformats.org/drawingml/2006/main" xmlns:r="http://schemas.openxmlformats.org/officeDocument/2006/relationships" xmlns:p="http://schemas.openxmlformats.org/presentationml/2006/main">
+  <p:cSld>
+    <p:spTree>
+      <p:nvGrpSpPr>
+        <p:cNvPr id="1" name=""/>
+        <p:cNvGrpSpPr/>
+        <p:nvPr/>
+      </p:nvGrpSpPr>
+      <p:grpSpPr>
+        <a:xfrm>
+          <a:off x="0" y="0"/>
+          <a:ext cx="0" cy="0"/>
+          <a:chOff x="0" y="0"/>
+          <a:chExt cx="0" cy="0"/>
+        </a:xfrm>
+      </p:grpSpPr>
+      <p:sp>
+        <p:nvSpPr>
+          <p:cNvPr id="2" name="TextBox 1">
+            <a:extLst>
+              <a:ext uri="{FF2B5EF4-FFF2-40B4-BE49-F238E27FC236}">
+                <a16:creationId xmlns:a16="http://schemas.microsoft.com/office/drawing/2014/main" id="{658A6517-6374-564D-AEFF-759CD25DF4A4}"/>
+              </a:ext>
+            </a:extLst>
+          </p:cNvPr>
+          <p:cNvSpPr txBox="1"/>
+          <p:nvPr/>
+        </p:nvSpPr>
+        <p:spPr>
+          <a:xfrm>
+            <a:off x="3361509" y="69669"/>
+            <a:ext cx="5425440" cy="369332"/>
+          </a:xfrm>
+          <a:prstGeom prst="rect">
+            <a:avLst/>
+          </a:prstGeom>
+          <a:noFill/>
+        </p:spPr>
+        <p:txBody>
+          <a:bodyPr wrap="square" rtlCol="0">
+            <a:spAutoFit/>
+          </a:bodyPr>
+          <a:lstStyle/>
+          <a:p>
+            <a:r>
+              <a:rPr lang="en-US" dirty="0"/>
+              <a:t>Application State for Sharing Data Across Components</a:t>
+            </a:r>
+          </a:p>
+        </p:txBody>
+      </p:sp>
+      <p:sp>
+        <p:nvSpPr>
+          <p:cNvPr id="3" name="Rectangle 2">
+            <a:extLst>
+              <a:ext uri="{FF2B5EF4-FFF2-40B4-BE49-F238E27FC236}">
+                <a16:creationId xmlns:a16="http://schemas.microsoft.com/office/drawing/2014/main" id="{163135FC-D271-784F-99E2-5D75A31527C5}"/>
+              </a:ext>
+            </a:extLst>
+          </p:cNvPr>
+          <p:cNvSpPr/>
+          <p:nvPr/>
+        </p:nvSpPr>
+        <p:spPr>
+          <a:xfrm>
+            <a:off x="361405" y="827312"/>
+            <a:ext cx="11752217" cy="2342608"/>
+          </a:xfrm>
+          <a:prstGeom prst="rect">
+            <a:avLst/>
+          </a:prstGeom>
+        </p:spPr>
+        <p:style>
+          <a:lnRef idx="2">
+            <a:schemeClr val="accent6"/>
+          </a:lnRef>
+          <a:fillRef idx="1">
+            <a:schemeClr val="lt1"/>
+          </a:fillRef>
+          <a:effectRef idx="0">
+            <a:schemeClr val="accent6"/>
+          </a:effectRef>
+          <a:fontRef idx="minor">
+            <a:schemeClr val="dk1"/>
+          </a:fontRef>
+        </p:style>
+        <p:txBody>
+          <a:bodyPr rtlCol="0" anchor="ctr"/>
+          <a:lstStyle/>
+          <a:p>
+            <a:pPr algn="ctr"/>
+            <a:endParaRPr lang="en-US"/>
+          </a:p>
+        </p:txBody>
+      </p:sp>
+      <p:sp>
+        <p:nvSpPr>
+          <p:cNvPr id="4" name="TextBox 3">
+            <a:extLst>
+              <a:ext uri="{FF2B5EF4-FFF2-40B4-BE49-F238E27FC236}">
+                <a16:creationId xmlns:a16="http://schemas.microsoft.com/office/drawing/2014/main" id="{35CA0997-C9E5-0E41-B007-D7D2326A0A49}"/>
+              </a:ext>
+            </a:extLst>
+          </p:cNvPr>
+          <p:cNvSpPr txBox="1"/>
+          <p:nvPr/>
+        </p:nvSpPr>
+        <p:spPr>
+          <a:xfrm>
+            <a:off x="3640183" y="827314"/>
+            <a:ext cx="4841966" cy="369332"/>
+          </a:xfrm>
+          <a:prstGeom prst="rect">
+            <a:avLst/>
+          </a:prstGeom>
+          <a:noFill/>
+        </p:spPr>
+        <p:txBody>
+          <a:bodyPr wrap="square" rtlCol="0">
+            <a:spAutoFit/>
+          </a:bodyPr>
+          <a:lstStyle/>
+          <a:p>
+            <a:pPr algn="ctr"/>
+            <a:r>
+              <a:rPr lang="en-US" dirty="0"/>
+              <a:t>Main Application Component</a:t>
+            </a:r>
+          </a:p>
+        </p:txBody>
+      </p:sp>
+      <p:sp>
+        <p:nvSpPr>
+          <p:cNvPr id="6" name="Rounded Rectangle 5">
+            <a:extLst>
+              <a:ext uri="{FF2B5EF4-FFF2-40B4-BE49-F238E27FC236}">
+                <a16:creationId xmlns:a16="http://schemas.microsoft.com/office/drawing/2014/main" id="{F8E247B0-1CBA-8446-8350-C807FAB54846}"/>
+              </a:ext>
+            </a:extLst>
+          </p:cNvPr>
+          <p:cNvSpPr/>
+          <p:nvPr/>
+        </p:nvSpPr>
+        <p:spPr>
+          <a:xfrm>
+            <a:off x="539932" y="1419497"/>
+            <a:ext cx="2290354" cy="1323703"/>
+          </a:xfrm>
+          <a:prstGeom prst="roundRect">
+            <a:avLst/>
+          </a:prstGeom>
+        </p:spPr>
+        <p:style>
+          <a:lnRef idx="2">
+            <a:schemeClr val="accent1">
+              <a:shade val="50000"/>
+            </a:schemeClr>
+          </a:lnRef>
+          <a:fillRef idx="1">
+            <a:schemeClr val="accent1"/>
+          </a:fillRef>
+          <a:effectRef idx="0">
+            <a:schemeClr val="accent1"/>
+          </a:effectRef>
+          <a:fontRef idx="minor">
+            <a:schemeClr val="lt1"/>
+          </a:fontRef>
+        </p:style>
+        <p:txBody>
+          <a:bodyPr rtlCol="0" anchor="ctr"/>
+          <a:lstStyle/>
+          <a:p>
+            <a:pPr algn="ctr"/>
+            <a:r>
+              <a:rPr lang="en-US" dirty="0"/>
+              <a:t>List of Products</a:t>
+            </a:r>
+          </a:p>
+        </p:txBody>
+      </p:sp>
+      <p:sp>
+        <p:nvSpPr>
+          <p:cNvPr id="7" name="Rounded Rectangle 6">
+            <a:extLst>
+              <a:ext uri="{FF2B5EF4-FFF2-40B4-BE49-F238E27FC236}">
+                <a16:creationId xmlns:a16="http://schemas.microsoft.com/office/drawing/2014/main" id="{D4BB5086-DF7B-7041-941D-0CF802809C02}"/>
+              </a:ext>
+            </a:extLst>
+          </p:cNvPr>
+          <p:cNvSpPr/>
+          <p:nvPr/>
+        </p:nvSpPr>
+        <p:spPr>
+          <a:xfrm>
+            <a:off x="3553097" y="1419496"/>
+            <a:ext cx="1994264" cy="1323703"/>
+          </a:xfrm>
+          <a:prstGeom prst="roundRect">
+            <a:avLst/>
+          </a:prstGeom>
+        </p:spPr>
+        <p:style>
+          <a:lnRef idx="2">
+            <a:schemeClr val="accent1">
+              <a:shade val="50000"/>
+            </a:schemeClr>
+          </a:lnRef>
+          <a:fillRef idx="1">
+            <a:schemeClr val="accent1"/>
+          </a:fillRef>
+          <a:effectRef idx="0">
+            <a:schemeClr val="accent1"/>
+          </a:effectRef>
+          <a:fontRef idx="minor">
+            <a:schemeClr val="lt1"/>
+          </a:fontRef>
+        </p:style>
+        <p:txBody>
+          <a:bodyPr rtlCol="0" anchor="ctr"/>
+          <a:lstStyle/>
+          <a:p>
+            <a:pPr algn="ctr"/>
+            <a:r>
+              <a:rPr lang="en-US" dirty="0"/>
+              <a:t>Create Product</a:t>
+            </a:r>
+          </a:p>
+        </p:txBody>
+      </p:sp>
+      <p:sp>
+        <p:nvSpPr>
+          <p:cNvPr id="8" name="Rounded Rectangle 7">
+            <a:extLst>
+              <a:ext uri="{FF2B5EF4-FFF2-40B4-BE49-F238E27FC236}">
+                <a16:creationId xmlns:a16="http://schemas.microsoft.com/office/drawing/2014/main" id="{C645B50C-D6D8-FB4F-9EDA-2810AECB28C9}"/>
+              </a:ext>
+            </a:extLst>
+          </p:cNvPr>
+          <p:cNvSpPr/>
+          <p:nvPr/>
+        </p:nvSpPr>
+        <p:spPr>
+          <a:xfrm>
+            <a:off x="6096000" y="1419496"/>
+            <a:ext cx="2053046" cy="1323703"/>
+          </a:xfrm>
+          <a:prstGeom prst="roundRect">
+            <a:avLst/>
+          </a:prstGeom>
+        </p:spPr>
+        <p:style>
+          <a:lnRef idx="2">
+            <a:schemeClr val="accent1">
+              <a:shade val="50000"/>
+            </a:schemeClr>
+          </a:lnRef>
+          <a:fillRef idx="1">
+            <a:schemeClr val="accent1"/>
+          </a:fillRef>
+          <a:effectRef idx="0">
+            <a:schemeClr val="accent1"/>
+          </a:effectRef>
+          <a:fontRef idx="minor">
+            <a:schemeClr val="lt1"/>
+          </a:fontRef>
+        </p:style>
+        <p:txBody>
+          <a:bodyPr rtlCol="0" anchor="ctr"/>
+          <a:lstStyle/>
+          <a:p>
+            <a:pPr algn="ctr"/>
+            <a:r>
+              <a:rPr lang="en-US" dirty="0"/>
+              <a:t>Order Product</a:t>
+            </a:r>
+          </a:p>
+        </p:txBody>
+      </p:sp>
+      <p:sp>
+        <p:nvSpPr>
+          <p:cNvPr id="9" name="Rounded Rectangle 8">
+            <a:extLst>
+              <a:ext uri="{FF2B5EF4-FFF2-40B4-BE49-F238E27FC236}">
+                <a16:creationId xmlns:a16="http://schemas.microsoft.com/office/drawing/2014/main" id="{46875682-772F-ED43-B3C4-924F69CF1BBC}"/>
+              </a:ext>
+            </a:extLst>
+          </p:cNvPr>
+          <p:cNvSpPr/>
+          <p:nvPr/>
+        </p:nvSpPr>
+        <p:spPr>
+          <a:xfrm>
+            <a:off x="9117873" y="1401573"/>
+            <a:ext cx="1393681" cy="1323703"/>
+          </a:xfrm>
+          <a:prstGeom prst="roundRect">
+            <a:avLst/>
+          </a:prstGeom>
+        </p:spPr>
+        <p:style>
+          <a:lnRef idx="2">
+            <a:schemeClr val="accent1">
+              <a:shade val="50000"/>
+            </a:schemeClr>
+          </a:lnRef>
+          <a:fillRef idx="1">
+            <a:schemeClr val="accent1"/>
+          </a:fillRef>
+          <a:effectRef idx="0">
+            <a:schemeClr val="accent1"/>
+          </a:effectRef>
+          <a:fontRef idx="minor">
+            <a:schemeClr val="lt1"/>
+          </a:fontRef>
+        </p:style>
+        <p:txBody>
+          <a:bodyPr rtlCol="0" anchor="ctr"/>
+          <a:lstStyle/>
+          <a:p>
+            <a:pPr algn="ctr"/>
+            <a:r>
+              <a:rPr lang="en-US" dirty="0"/>
+              <a:t>Search Product</a:t>
+            </a:r>
+          </a:p>
+        </p:txBody>
+      </p:sp>
+      <p:sp>
+        <p:nvSpPr>
+          <p:cNvPr id="10" name="Rounded Rectangle 9">
+            <a:extLst>
+              <a:ext uri="{FF2B5EF4-FFF2-40B4-BE49-F238E27FC236}">
+                <a16:creationId xmlns:a16="http://schemas.microsoft.com/office/drawing/2014/main" id="{99060BBA-6187-634B-A65C-91ABAFC9D868}"/>
+              </a:ext>
+            </a:extLst>
+          </p:cNvPr>
+          <p:cNvSpPr/>
+          <p:nvPr/>
+        </p:nvSpPr>
+        <p:spPr>
+          <a:xfrm>
+            <a:off x="8843553" y="2987040"/>
+            <a:ext cx="2207624" cy="2865120"/>
+          </a:xfrm>
+          <a:prstGeom prst="roundRect">
+            <a:avLst/>
+          </a:prstGeom>
+        </p:spPr>
+        <p:style>
+          <a:lnRef idx="2">
+            <a:schemeClr val="accent1">
+              <a:shade val="50000"/>
+            </a:schemeClr>
+          </a:lnRef>
+          <a:fillRef idx="1">
+            <a:schemeClr val="accent1"/>
+          </a:fillRef>
+          <a:effectRef idx="0">
+            <a:schemeClr val="accent1"/>
+          </a:effectRef>
+          <a:fontRef idx="minor">
+            <a:schemeClr val="lt1"/>
+          </a:fontRef>
+        </p:style>
+        <p:txBody>
+          <a:bodyPr rtlCol="0" anchor="ctr"/>
+          <a:lstStyle/>
+          <a:p>
+            <a:pPr algn="ctr"/>
+            <a:r>
+              <a:rPr lang="en-US" dirty="0"/>
+              <a:t>Product Service for CRUD Operation using HTTP Calls </a:t>
+            </a:r>
+          </a:p>
+        </p:txBody>
+      </p:sp>
+      <p:sp>
+        <p:nvSpPr>
+          <p:cNvPr id="11" name="Bent Up Arrow 10">
+            <a:extLst>
+              <a:ext uri="{FF2B5EF4-FFF2-40B4-BE49-F238E27FC236}">
+                <a16:creationId xmlns:a16="http://schemas.microsoft.com/office/drawing/2014/main" id="{B8B5B969-ADF4-B944-8005-9E9558E486DA}"/>
+              </a:ext>
+            </a:extLst>
+          </p:cNvPr>
+          <p:cNvSpPr/>
+          <p:nvPr/>
+        </p:nvSpPr>
+        <p:spPr>
+          <a:xfrm rot="5400000">
+            <a:off x="4149477" y="274163"/>
+            <a:ext cx="2342608" cy="7280676"/>
+          </a:xfrm>
+          <a:prstGeom prst="bentUpArrow">
+            <a:avLst>
+              <a:gd name="adj1" fmla="val 15335"/>
+              <a:gd name="adj2" fmla="val 25372"/>
+              <a:gd name="adj3" fmla="val 50000"/>
+            </a:avLst>
+          </a:prstGeom>
+        </p:spPr>
+        <p:style>
+          <a:lnRef idx="2">
+            <a:schemeClr val="accent1">
+              <a:shade val="50000"/>
+            </a:schemeClr>
+          </a:lnRef>
+          <a:fillRef idx="1">
+            <a:schemeClr val="accent1"/>
+          </a:fillRef>
+          <a:effectRef idx="0">
+            <a:schemeClr val="accent1"/>
+          </a:effectRef>
+          <a:fontRef idx="minor">
+            <a:schemeClr val="lt1"/>
+          </a:fontRef>
+        </p:style>
+        <p:txBody>
+          <a:bodyPr rtlCol="0" anchor="ctr"/>
+          <a:lstStyle/>
+          <a:p>
+            <a:pPr algn="ctr"/>
+            <a:endParaRPr lang="en-US"/>
+          </a:p>
+        </p:txBody>
+      </p:sp>
+      <p:sp>
+        <p:nvSpPr>
+          <p:cNvPr id="12" name="Bent Up Arrow 11">
+            <a:extLst>
+              <a:ext uri="{FF2B5EF4-FFF2-40B4-BE49-F238E27FC236}">
+                <a16:creationId xmlns:a16="http://schemas.microsoft.com/office/drawing/2014/main" id="{ACF76A05-8950-7047-A690-06BF2DF07F3C}"/>
+              </a:ext>
+            </a:extLst>
+          </p:cNvPr>
+          <p:cNvSpPr/>
+          <p:nvPr/>
+        </p:nvSpPr>
+        <p:spPr>
+          <a:xfrm rot="5400000">
+            <a:off x="5754227" y="1097319"/>
+            <a:ext cx="1443057" cy="4792203"/>
+          </a:xfrm>
+          <a:prstGeom prst="bentUpArrow">
+            <a:avLst>
+              <a:gd name="adj1" fmla="val 15335"/>
+              <a:gd name="adj2" fmla="val 25372"/>
+              <a:gd name="adj3" fmla="val 25000"/>
+            </a:avLst>
+          </a:prstGeom>
+        </p:spPr>
+        <p:style>
+          <a:lnRef idx="2">
+            <a:schemeClr val="accent1">
+              <a:shade val="50000"/>
+            </a:schemeClr>
+          </a:lnRef>
+          <a:fillRef idx="1">
+            <a:schemeClr val="accent1"/>
+          </a:fillRef>
+          <a:effectRef idx="0">
+            <a:schemeClr val="accent1"/>
+          </a:effectRef>
+          <a:fontRef idx="minor">
+            <a:schemeClr val="lt1"/>
+          </a:fontRef>
+        </p:style>
+        <p:txBody>
+          <a:bodyPr rtlCol="0" anchor="ctr"/>
+          <a:lstStyle/>
+          <a:p>
+            <a:pPr algn="ctr"/>
+            <a:endParaRPr lang="en-US"/>
+          </a:p>
+        </p:txBody>
+      </p:sp>
+      <p:sp>
+        <p:nvSpPr>
+          <p:cNvPr id="13" name="Bent Up Arrow 12">
+            <a:extLst>
+              <a:ext uri="{FF2B5EF4-FFF2-40B4-BE49-F238E27FC236}">
+                <a16:creationId xmlns:a16="http://schemas.microsoft.com/office/drawing/2014/main" id="{B1DED6B1-17D1-2144-9651-326E99F3F357}"/>
+              </a:ext>
+            </a:extLst>
+          </p:cNvPr>
+          <p:cNvSpPr/>
+          <p:nvPr/>
+        </p:nvSpPr>
+        <p:spPr>
+          <a:xfrm rot="5400000">
+            <a:off x="7211355" y="2083098"/>
+            <a:ext cx="1003277" cy="2206691"/>
+          </a:xfrm>
+          <a:prstGeom prst="bentUpArrow">
+            <a:avLst>
+              <a:gd name="adj1" fmla="val 15335"/>
+              <a:gd name="adj2" fmla="val 25372"/>
+              <a:gd name="adj3" fmla="val 25000"/>
+            </a:avLst>
+          </a:prstGeom>
+        </p:spPr>
+        <p:style>
+          <a:lnRef idx="2">
+            <a:schemeClr val="accent1">
+              <a:shade val="50000"/>
+            </a:schemeClr>
+          </a:lnRef>
+          <a:fillRef idx="1">
+            <a:schemeClr val="accent1"/>
+          </a:fillRef>
+          <a:effectRef idx="0">
+            <a:schemeClr val="accent1"/>
+          </a:effectRef>
+          <a:fontRef idx="minor">
+            <a:schemeClr val="lt1"/>
+          </a:fontRef>
+        </p:style>
+        <p:txBody>
+          <a:bodyPr rtlCol="0" anchor="ctr"/>
+          <a:lstStyle/>
+          <a:p>
+            <a:pPr algn="ctr"/>
+            <a:endParaRPr lang="en-US"/>
+          </a:p>
+        </p:txBody>
+      </p:sp>
+      <p:sp>
+        <p:nvSpPr>
+          <p:cNvPr id="14" name="Down Arrow 13">
+            <a:extLst>
+              <a:ext uri="{FF2B5EF4-FFF2-40B4-BE49-F238E27FC236}">
+                <a16:creationId xmlns:a16="http://schemas.microsoft.com/office/drawing/2014/main" id="{1008F494-03E8-0B49-9531-EF4F90E6EC9D}"/>
+              </a:ext>
+            </a:extLst>
+          </p:cNvPr>
+          <p:cNvSpPr/>
+          <p:nvPr/>
+        </p:nvSpPr>
+        <p:spPr>
+          <a:xfrm>
+            <a:off x="9762309" y="2743196"/>
+            <a:ext cx="250059" cy="815035"/>
+          </a:xfrm>
+          <a:prstGeom prst="downArrow">
+            <a:avLst/>
+          </a:prstGeom>
+        </p:spPr>
+        <p:style>
+          <a:lnRef idx="2">
+            <a:schemeClr val="accent1">
+              <a:shade val="50000"/>
+            </a:schemeClr>
+          </a:lnRef>
+          <a:fillRef idx="1">
+            <a:schemeClr val="accent1"/>
+          </a:fillRef>
+          <a:effectRef idx="0">
+            <a:schemeClr val="accent1"/>
+          </a:effectRef>
+          <a:fontRef idx="minor">
+            <a:schemeClr val="lt1"/>
+          </a:fontRef>
+        </p:style>
+        <p:txBody>
+          <a:bodyPr rtlCol="0" anchor="ctr"/>
+          <a:lstStyle/>
+          <a:p>
+            <a:pPr algn="ctr"/>
+            <a:endParaRPr lang="en-US"/>
+          </a:p>
+        </p:txBody>
+      </p:sp>
+      <p:sp>
+        <p:nvSpPr>
+          <p:cNvPr id="16" name="Rounded Rectangle 15">
+            <a:extLst>
+              <a:ext uri="{FF2B5EF4-FFF2-40B4-BE49-F238E27FC236}">
+                <a16:creationId xmlns:a16="http://schemas.microsoft.com/office/drawing/2014/main" id="{BD2D3B02-FABB-5D4E-BB36-EF602AF02D65}"/>
+              </a:ext>
+            </a:extLst>
+          </p:cNvPr>
+          <p:cNvSpPr/>
+          <p:nvPr/>
+        </p:nvSpPr>
+        <p:spPr>
+          <a:xfrm>
+            <a:off x="10574227" y="1419496"/>
+            <a:ext cx="1393681" cy="1323703"/>
+          </a:xfrm>
+          <a:prstGeom prst="roundRect">
+            <a:avLst/>
+          </a:prstGeom>
+        </p:spPr>
+        <p:style>
+          <a:lnRef idx="2">
+            <a:schemeClr val="accent1">
+              <a:shade val="50000"/>
+            </a:schemeClr>
+          </a:lnRef>
+          <a:fillRef idx="1">
+            <a:schemeClr val="accent1"/>
+          </a:fillRef>
+          <a:effectRef idx="0">
+            <a:schemeClr val="accent1"/>
+          </a:effectRef>
+          <a:fontRef idx="minor">
+            <a:schemeClr val="lt1"/>
+          </a:fontRef>
+        </p:style>
+        <p:txBody>
+          <a:bodyPr rtlCol="0" anchor="ctr"/>
+          <a:lstStyle/>
+          <a:p>
+            <a:pPr algn="ctr"/>
+            <a:r>
+              <a:rPr lang="en-US" dirty="0"/>
+              <a:t>Custom Product Catalog</a:t>
+            </a:r>
+          </a:p>
+        </p:txBody>
+      </p:sp>
+      <p:sp>
+        <p:nvSpPr>
+          <p:cNvPr id="17" name="Can 16">
+            <a:extLst>
+              <a:ext uri="{FF2B5EF4-FFF2-40B4-BE49-F238E27FC236}">
+                <a16:creationId xmlns:a16="http://schemas.microsoft.com/office/drawing/2014/main" id="{10DAF2FE-CEB8-3D4D-8FB8-2F46DB2AD75F}"/>
+              </a:ext>
+            </a:extLst>
+          </p:cNvPr>
+          <p:cNvSpPr/>
+          <p:nvPr/>
+        </p:nvSpPr>
+        <p:spPr>
+          <a:xfrm>
+            <a:off x="444137" y="5011782"/>
+            <a:ext cx="5249092" cy="1018906"/>
+          </a:xfrm>
+          <a:prstGeom prst="can">
+            <a:avLst/>
+          </a:prstGeom>
+        </p:spPr>
+        <p:style>
+          <a:lnRef idx="2">
+            <a:schemeClr val="accent1">
+              <a:shade val="50000"/>
+            </a:schemeClr>
+          </a:lnRef>
+          <a:fillRef idx="1">
+            <a:schemeClr val="accent1"/>
+          </a:fillRef>
+          <a:effectRef idx="0">
+            <a:schemeClr val="accent1"/>
+          </a:effectRef>
+          <a:fontRef idx="minor">
+            <a:schemeClr val="lt1"/>
+          </a:fontRef>
+        </p:style>
+        <p:txBody>
+          <a:bodyPr rtlCol="0" anchor="ctr"/>
+          <a:lstStyle/>
+          <a:p>
+            <a:pPr algn="ctr"/>
+            <a:r>
+              <a:rPr lang="en-US" dirty="0"/>
+              <a:t>Application Store to Provide data to each Component and also receive the data Updates</a:t>
+            </a:r>
+          </a:p>
+        </p:txBody>
+      </p:sp>
+      <p:sp>
+        <p:nvSpPr>
+          <p:cNvPr id="18" name="Left Arrow 17">
+            <a:extLst>
+              <a:ext uri="{FF2B5EF4-FFF2-40B4-BE49-F238E27FC236}">
+                <a16:creationId xmlns:a16="http://schemas.microsoft.com/office/drawing/2014/main" id="{070B7056-DD32-614C-A409-FB3C44FE949E}"/>
+              </a:ext>
+            </a:extLst>
+          </p:cNvPr>
+          <p:cNvSpPr/>
+          <p:nvPr/>
+        </p:nvSpPr>
+        <p:spPr>
+          <a:xfrm>
+            <a:off x="5693229" y="5329648"/>
+            <a:ext cx="3178628" cy="391883"/>
+          </a:xfrm>
+          <a:prstGeom prst="leftArrow">
+            <a:avLst/>
+          </a:prstGeom>
+        </p:spPr>
+        <p:style>
+          <a:lnRef idx="2">
+            <a:schemeClr val="accent1">
+              <a:shade val="50000"/>
+            </a:schemeClr>
+          </a:lnRef>
+          <a:fillRef idx="1">
+            <a:schemeClr val="accent1"/>
+          </a:fillRef>
+          <a:effectRef idx="0">
+            <a:schemeClr val="accent1"/>
+          </a:effectRef>
+          <a:fontRef idx="minor">
+            <a:schemeClr val="lt1"/>
+          </a:fontRef>
+        </p:style>
+        <p:txBody>
+          <a:bodyPr rtlCol="0" anchor="ctr"/>
+          <a:lstStyle/>
+          <a:p>
+            <a:pPr algn="ctr"/>
+            <a:endParaRPr lang="en-US"/>
+          </a:p>
+        </p:txBody>
+      </p:sp>
+      <p:cxnSp>
+        <p:nvCxnSpPr>
+          <p:cNvPr id="20" name="Straight Arrow Connector 19">
+            <a:extLst>
+              <a:ext uri="{FF2B5EF4-FFF2-40B4-BE49-F238E27FC236}">
+                <a16:creationId xmlns:a16="http://schemas.microsoft.com/office/drawing/2014/main" id="{7CD92CD6-A104-3841-B4B2-796DE8DF4A0C}"/>
+              </a:ext>
+            </a:extLst>
+          </p:cNvPr>
+          <p:cNvCxnSpPr/>
+          <p:nvPr/>
+        </p:nvCxnSpPr>
+        <p:spPr>
+          <a:xfrm flipH="1" flipV="1">
+            <a:off x="1071154" y="2360023"/>
+            <a:ext cx="539932" cy="2725782"/>
+          </a:xfrm>
+          <a:prstGeom prst="straightConnector1">
+            <a:avLst/>
+          </a:prstGeom>
+          <a:ln>
+            <a:tailEnd type="triangle"/>
+          </a:ln>
+        </p:spPr>
+        <p:style>
+          <a:lnRef idx="3">
+            <a:schemeClr val="dk1"/>
+          </a:lnRef>
+          <a:fillRef idx="0">
+            <a:schemeClr val="dk1"/>
+          </a:fillRef>
+          <a:effectRef idx="2">
+            <a:schemeClr val="dk1"/>
+          </a:effectRef>
+          <a:fontRef idx="minor">
+            <a:schemeClr val="tx1"/>
+          </a:fontRef>
+        </p:style>
+      </p:cxnSp>
+      <p:cxnSp>
+        <p:nvCxnSpPr>
+          <p:cNvPr id="21" name="Straight Arrow Connector 20">
+            <a:extLst>
+              <a:ext uri="{FF2B5EF4-FFF2-40B4-BE49-F238E27FC236}">
+                <a16:creationId xmlns:a16="http://schemas.microsoft.com/office/drawing/2014/main" id="{0EBB95F6-78EA-7348-8731-3D44E71DF997}"/>
+              </a:ext>
+            </a:extLst>
+          </p:cNvPr>
+          <p:cNvCxnSpPr>
+            <a:cxnSpLocks/>
+          </p:cNvCxnSpPr>
+          <p:nvPr/>
+        </p:nvCxnSpPr>
+        <p:spPr>
+          <a:xfrm flipV="1">
+            <a:off x="3646403" y="2743196"/>
+            <a:ext cx="1021391" cy="2381799"/>
+          </a:xfrm>
+          <a:prstGeom prst="straightConnector1">
+            <a:avLst/>
+          </a:prstGeom>
+          <a:ln>
+            <a:tailEnd type="triangle"/>
+          </a:ln>
+        </p:spPr>
+        <p:style>
+          <a:lnRef idx="3">
+            <a:schemeClr val="dk1"/>
+          </a:lnRef>
+          <a:fillRef idx="0">
+            <a:schemeClr val="dk1"/>
+          </a:fillRef>
+          <a:effectRef idx="2">
+            <a:schemeClr val="dk1"/>
+          </a:effectRef>
+          <a:fontRef idx="minor">
+            <a:schemeClr val="tx1"/>
+          </a:fontRef>
+        </p:style>
+      </p:cxnSp>
+    </p:spTree>
+    <p:extLst>
+      <p:ext uri="{BB962C8B-B14F-4D97-AF65-F5344CB8AC3E}">
+        <p14:creationId xmlns:p14="http://schemas.microsoft.com/office/powerpoint/2010/main" val="1837034740"/>
       </p:ext>
     </p:extLst>
   </p:cSld>
@@ -45951,6 +48479,1244 @@
     <p:extLst>
       <p:ext uri="{BB962C8B-B14F-4D97-AF65-F5344CB8AC3E}">
         <p14:creationId xmlns:p14="http://schemas.microsoft.com/office/powerpoint/2010/main" val="3863455875"/>
+      </p:ext>
+    </p:extLst>
+  </p:cSld>
+  <p:clrMapOvr>
+    <a:masterClrMapping/>
+  </p:clrMapOvr>
+</p:sld>
+</file>
+
+<file path=ppt/slides/slide60.xml><?xml version="1.0" encoding="utf-8"?>
+<p:sld xmlns:a="http://schemas.openxmlformats.org/drawingml/2006/main" xmlns:r="http://schemas.openxmlformats.org/officeDocument/2006/relationships" xmlns:p="http://schemas.openxmlformats.org/presentationml/2006/main">
+  <p:cSld>
+    <p:spTree>
+      <p:nvGrpSpPr>
+        <p:cNvPr id="1" name=""/>
+        <p:cNvGrpSpPr/>
+        <p:nvPr/>
+      </p:nvGrpSpPr>
+      <p:grpSpPr>
+        <a:xfrm>
+          <a:off x="0" y="0"/>
+          <a:ext cx="0" cy="0"/>
+          <a:chOff x="0" y="0"/>
+          <a:chExt cx="0" cy="0"/>
+        </a:xfrm>
+      </p:grpSpPr>
+      <p:sp>
+        <p:nvSpPr>
+          <p:cNvPr id="2" name="Rectangle 1">
+            <a:extLst>
+              <a:ext uri="{FF2B5EF4-FFF2-40B4-BE49-F238E27FC236}">
+                <a16:creationId xmlns:a16="http://schemas.microsoft.com/office/drawing/2014/main" id="{363E9B61-DE95-3B45-A1A5-BC4ACC1DE5F8}"/>
+              </a:ext>
+            </a:extLst>
+          </p:cNvPr>
+          <p:cNvSpPr/>
+          <p:nvPr/>
+        </p:nvSpPr>
+        <p:spPr>
+          <a:xfrm>
+            <a:off x="522514" y="923109"/>
+            <a:ext cx="3265715" cy="2137956"/>
+          </a:xfrm>
+          <a:prstGeom prst="rect">
+            <a:avLst/>
+          </a:prstGeom>
+        </p:spPr>
+        <p:style>
+          <a:lnRef idx="2">
+            <a:schemeClr val="accent1">
+              <a:shade val="50000"/>
+            </a:schemeClr>
+          </a:lnRef>
+          <a:fillRef idx="1">
+            <a:schemeClr val="accent1"/>
+          </a:fillRef>
+          <a:effectRef idx="0">
+            <a:schemeClr val="accent1"/>
+          </a:effectRef>
+          <a:fontRef idx="minor">
+            <a:schemeClr val="lt1"/>
+          </a:fontRef>
+        </p:style>
+        <p:txBody>
+          <a:bodyPr rtlCol="0" anchor="ctr"/>
+          <a:lstStyle/>
+          <a:p>
+            <a:pPr algn="ctr"/>
+            <a:r>
+              <a:rPr lang="en-US" dirty="0"/>
+              <a:t>Component 1</a:t>
+            </a:r>
+          </a:p>
+        </p:txBody>
+      </p:sp>
+      <p:sp>
+        <p:nvSpPr>
+          <p:cNvPr id="3" name="Rectangle 2">
+            <a:extLst>
+              <a:ext uri="{FF2B5EF4-FFF2-40B4-BE49-F238E27FC236}">
+                <a16:creationId xmlns:a16="http://schemas.microsoft.com/office/drawing/2014/main" id="{F6802FCE-FB27-7346-8F5F-0268968A815D}"/>
+              </a:ext>
+            </a:extLst>
+          </p:cNvPr>
+          <p:cNvSpPr/>
+          <p:nvPr/>
+        </p:nvSpPr>
+        <p:spPr>
+          <a:xfrm>
+            <a:off x="522514" y="3670664"/>
+            <a:ext cx="3265715" cy="2198913"/>
+          </a:xfrm>
+          <a:prstGeom prst="rect">
+            <a:avLst/>
+          </a:prstGeom>
+        </p:spPr>
+        <p:style>
+          <a:lnRef idx="2">
+            <a:schemeClr val="accent1">
+              <a:shade val="50000"/>
+            </a:schemeClr>
+          </a:lnRef>
+          <a:fillRef idx="1">
+            <a:schemeClr val="accent1"/>
+          </a:fillRef>
+          <a:effectRef idx="0">
+            <a:schemeClr val="accent1"/>
+          </a:effectRef>
+          <a:fontRef idx="minor">
+            <a:schemeClr val="lt1"/>
+          </a:fontRef>
+        </p:style>
+        <p:txBody>
+          <a:bodyPr rtlCol="0" anchor="ctr"/>
+          <a:lstStyle/>
+          <a:p>
+            <a:pPr algn="ctr"/>
+            <a:r>
+              <a:rPr lang="en-US" dirty="0"/>
+              <a:t>Component 2</a:t>
+            </a:r>
+          </a:p>
+        </p:txBody>
+      </p:sp>
+      <p:sp>
+        <p:nvSpPr>
+          <p:cNvPr id="4" name="Can 3">
+            <a:extLst>
+              <a:ext uri="{FF2B5EF4-FFF2-40B4-BE49-F238E27FC236}">
+                <a16:creationId xmlns:a16="http://schemas.microsoft.com/office/drawing/2014/main" id="{C9F4C4E7-609E-6343-8B3F-9E3F17967E7C}"/>
+              </a:ext>
+            </a:extLst>
+          </p:cNvPr>
+          <p:cNvSpPr/>
+          <p:nvPr/>
+        </p:nvSpPr>
+        <p:spPr>
+          <a:xfrm>
+            <a:off x="6365966" y="923108"/>
+            <a:ext cx="4641668" cy="5085805"/>
+          </a:xfrm>
+          <a:prstGeom prst="can">
+            <a:avLst>
+              <a:gd name="adj" fmla="val 13368"/>
+            </a:avLst>
+          </a:prstGeom>
+        </p:spPr>
+        <p:style>
+          <a:lnRef idx="2">
+            <a:schemeClr val="accent1">
+              <a:shade val="50000"/>
+            </a:schemeClr>
+          </a:lnRef>
+          <a:fillRef idx="1">
+            <a:schemeClr val="accent1"/>
+          </a:fillRef>
+          <a:effectRef idx="0">
+            <a:schemeClr val="accent1"/>
+          </a:effectRef>
+          <a:fontRef idx="minor">
+            <a:schemeClr val="lt1"/>
+          </a:fontRef>
+        </p:style>
+        <p:txBody>
+          <a:bodyPr rtlCol="0" anchor="ctr"/>
+          <a:lstStyle/>
+          <a:p>
+            <a:pPr algn="ctr"/>
+            <a:endParaRPr lang="en-US"/>
+          </a:p>
+        </p:txBody>
+      </p:sp>
+      <p:sp>
+        <p:nvSpPr>
+          <p:cNvPr id="5" name="TextBox 4">
+            <a:extLst>
+              <a:ext uri="{FF2B5EF4-FFF2-40B4-BE49-F238E27FC236}">
+                <a16:creationId xmlns:a16="http://schemas.microsoft.com/office/drawing/2014/main" id="{BB720A83-9CF7-174F-9C1F-8BA6D0F4E2D6}"/>
+              </a:ext>
+            </a:extLst>
+          </p:cNvPr>
+          <p:cNvSpPr txBox="1"/>
+          <p:nvPr/>
+        </p:nvSpPr>
+        <p:spPr>
+          <a:xfrm>
+            <a:off x="7262949" y="261257"/>
+            <a:ext cx="2856411" cy="646331"/>
+          </a:xfrm>
+          <a:prstGeom prst="rect">
+            <a:avLst/>
+          </a:prstGeom>
+          <a:noFill/>
+        </p:spPr>
+        <p:txBody>
+          <a:bodyPr wrap="square" rtlCol="0">
+            <a:spAutoFit/>
+          </a:bodyPr>
+          <a:lstStyle/>
+          <a:p>
+            <a:pPr algn="ctr"/>
+            <a:r>
+              <a:rPr lang="en-US" dirty="0"/>
+              <a:t>Store that maintains the Application State</a:t>
+            </a:r>
+          </a:p>
+        </p:txBody>
+      </p:sp>
+      <p:sp>
+        <p:nvSpPr>
+          <p:cNvPr id="6" name="Right Arrow 5">
+            <a:extLst>
+              <a:ext uri="{FF2B5EF4-FFF2-40B4-BE49-F238E27FC236}">
+                <a16:creationId xmlns:a16="http://schemas.microsoft.com/office/drawing/2014/main" id="{A3D189FC-046F-0B4D-96BE-4BBA10E8FB31}"/>
+              </a:ext>
+            </a:extLst>
+          </p:cNvPr>
+          <p:cNvSpPr/>
+          <p:nvPr/>
+        </p:nvSpPr>
+        <p:spPr>
+          <a:xfrm>
+            <a:off x="3788229" y="1567542"/>
+            <a:ext cx="2577737" cy="905691"/>
+          </a:xfrm>
+          <a:prstGeom prst="rightArrow">
+            <a:avLst/>
+          </a:prstGeom>
+        </p:spPr>
+        <p:style>
+          <a:lnRef idx="2">
+            <a:schemeClr val="accent1">
+              <a:shade val="50000"/>
+            </a:schemeClr>
+          </a:lnRef>
+          <a:fillRef idx="1">
+            <a:schemeClr val="accent1"/>
+          </a:fillRef>
+          <a:effectRef idx="0">
+            <a:schemeClr val="accent1"/>
+          </a:effectRef>
+          <a:fontRef idx="minor">
+            <a:schemeClr val="lt1"/>
+          </a:fontRef>
+        </p:style>
+        <p:txBody>
+          <a:bodyPr rtlCol="0" anchor="ctr"/>
+          <a:lstStyle/>
+          <a:p>
+            <a:pPr algn="ctr"/>
+            <a:r>
+              <a:rPr lang="en-US" dirty="0"/>
+              <a:t>1. Publish Data</a:t>
+            </a:r>
+          </a:p>
+        </p:txBody>
+      </p:sp>
+      <p:sp>
+        <p:nvSpPr>
+          <p:cNvPr id="7" name="Rectangle 6">
+            <a:extLst>
+              <a:ext uri="{FF2B5EF4-FFF2-40B4-BE49-F238E27FC236}">
+                <a16:creationId xmlns:a16="http://schemas.microsoft.com/office/drawing/2014/main" id="{CC0276A8-942D-6F45-A3D9-DFCB630A63AB}"/>
+              </a:ext>
+            </a:extLst>
+          </p:cNvPr>
+          <p:cNvSpPr/>
+          <p:nvPr/>
+        </p:nvSpPr>
+        <p:spPr>
+          <a:xfrm>
+            <a:off x="7463247" y="2307771"/>
+            <a:ext cx="2656114" cy="1968138"/>
+          </a:xfrm>
+          <a:prstGeom prst="rect">
+            <a:avLst/>
+          </a:prstGeom>
+          <a:solidFill>
+            <a:srgbClr val="FFFF00"/>
+          </a:solidFill>
+        </p:spPr>
+        <p:style>
+          <a:lnRef idx="2">
+            <a:schemeClr val="accent1">
+              <a:shade val="50000"/>
+            </a:schemeClr>
+          </a:lnRef>
+          <a:fillRef idx="1">
+            <a:schemeClr val="accent1"/>
+          </a:fillRef>
+          <a:effectRef idx="0">
+            <a:schemeClr val="accent1"/>
+          </a:effectRef>
+          <a:fontRef idx="minor">
+            <a:schemeClr val="lt1"/>
+          </a:fontRef>
+        </p:style>
+        <p:txBody>
+          <a:bodyPr rtlCol="0" anchor="ctr"/>
+          <a:lstStyle/>
+          <a:p>
+            <a:pPr algn="ctr"/>
+            <a:r>
+              <a:rPr lang="en-US" dirty="0">
+                <a:ln w="0"/>
+                <a:solidFill>
+                  <a:schemeClr val="accent1"/>
+                </a:solidFill>
+                <a:effectLst>
+                  <a:outerShdw blurRad="38100" dist="25400" dir="5400000" algn="ctr" rotWithShape="0">
+                    <a:srgbClr val="6E747A">
+                      <a:alpha val="43000"/>
+                    </a:srgbClr>
+                  </a:outerShdw>
+                </a:effectLst>
+              </a:rPr>
+              <a:t>2. Store Accept the Data</a:t>
+            </a:r>
+          </a:p>
+        </p:txBody>
+      </p:sp>
+      <p:sp>
+        <p:nvSpPr>
+          <p:cNvPr id="8" name="Left-right Arrow 7">
+            <a:extLst>
+              <a:ext uri="{FF2B5EF4-FFF2-40B4-BE49-F238E27FC236}">
+                <a16:creationId xmlns:a16="http://schemas.microsoft.com/office/drawing/2014/main" id="{6D5CEEAF-B08C-2B48-93DF-F1BFB38B3A2D}"/>
+              </a:ext>
+            </a:extLst>
+          </p:cNvPr>
+          <p:cNvSpPr/>
+          <p:nvPr/>
+        </p:nvSpPr>
+        <p:spPr>
+          <a:xfrm>
+            <a:off x="3788229" y="3762103"/>
+            <a:ext cx="2577737" cy="748937"/>
+          </a:xfrm>
+          <a:prstGeom prst="leftRightArrow">
+            <a:avLst/>
+          </a:prstGeom>
+        </p:spPr>
+        <p:style>
+          <a:lnRef idx="2">
+            <a:schemeClr val="accent1">
+              <a:shade val="50000"/>
+            </a:schemeClr>
+          </a:lnRef>
+          <a:fillRef idx="1">
+            <a:schemeClr val="accent1"/>
+          </a:fillRef>
+          <a:effectRef idx="0">
+            <a:schemeClr val="accent1"/>
+          </a:effectRef>
+          <a:fontRef idx="minor">
+            <a:schemeClr val="lt1"/>
+          </a:fontRef>
+        </p:style>
+        <p:txBody>
+          <a:bodyPr rtlCol="0" anchor="ctr"/>
+          <a:lstStyle/>
+          <a:p>
+            <a:pPr algn="ctr"/>
+            <a:r>
+              <a:rPr lang="en-US" dirty="0"/>
+              <a:t>3. Store Subscription</a:t>
+            </a:r>
+          </a:p>
+        </p:txBody>
+      </p:sp>
+      <p:sp>
+        <p:nvSpPr>
+          <p:cNvPr id="9" name="Left Arrow 8">
+            <a:extLst>
+              <a:ext uri="{FF2B5EF4-FFF2-40B4-BE49-F238E27FC236}">
+                <a16:creationId xmlns:a16="http://schemas.microsoft.com/office/drawing/2014/main" id="{5312E6B2-7554-1B4F-A4AA-637A7ED5924F}"/>
+              </a:ext>
+            </a:extLst>
+          </p:cNvPr>
+          <p:cNvSpPr/>
+          <p:nvPr/>
+        </p:nvSpPr>
+        <p:spPr>
+          <a:xfrm>
+            <a:off x="3788229" y="4511040"/>
+            <a:ext cx="2577737" cy="748937"/>
+          </a:xfrm>
+          <a:prstGeom prst="leftArrow">
+            <a:avLst/>
+          </a:prstGeom>
+        </p:spPr>
+        <p:style>
+          <a:lnRef idx="2">
+            <a:schemeClr val="accent1">
+              <a:shade val="50000"/>
+            </a:schemeClr>
+          </a:lnRef>
+          <a:fillRef idx="1">
+            <a:schemeClr val="accent1"/>
+          </a:fillRef>
+          <a:effectRef idx="0">
+            <a:schemeClr val="accent1"/>
+          </a:effectRef>
+          <a:fontRef idx="minor">
+            <a:schemeClr val="lt1"/>
+          </a:fontRef>
+        </p:style>
+        <p:txBody>
+          <a:bodyPr rtlCol="0" anchor="ctr"/>
+          <a:lstStyle/>
+          <a:p>
+            <a:pPr algn="ctr"/>
+            <a:r>
+              <a:rPr lang="en-US" dirty="0"/>
+              <a:t>4. Notify the data</a:t>
+            </a:r>
+          </a:p>
+        </p:txBody>
+      </p:sp>
+      <p:sp>
+        <p:nvSpPr>
+          <p:cNvPr id="10" name="Left-right Arrow 9">
+            <a:extLst>
+              <a:ext uri="{FF2B5EF4-FFF2-40B4-BE49-F238E27FC236}">
+                <a16:creationId xmlns:a16="http://schemas.microsoft.com/office/drawing/2014/main" id="{527A4ED0-9130-4246-B465-0F1D28948028}"/>
+              </a:ext>
+            </a:extLst>
+          </p:cNvPr>
+          <p:cNvSpPr/>
+          <p:nvPr/>
+        </p:nvSpPr>
+        <p:spPr>
+          <a:xfrm>
+            <a:off x="3788228" y="923109"/>
+            <a:ext cx="2577737" cy="748937"/>
+          </a:xfrm>
+          <a:prstGeom prst="leftRightArrow">
+            <a:avLst/>
+          </a:prstGeom>
+        </p:spPr>
+        <p:style>
+          <a:lnRef idx="2">
+            <a:schemeClr val="accent1">
+              <a:shade val="50000"/>
+            </a:schemeClr>
+          </a:lnRef>
+          <a:fillRef idx="1">
+            <a:schemeClr val="accent1"/>
+          </a:fillRef>
+          <a:effectRef idx="0">
+            <a:schemeClr val="accent1"/>
+          </a:effectRef>
+          <a:fontRef idx="minor">
+            <a:schemeClr val="lt1"/>
+          </a:fontRef>
+        </p:style>
+        <p:txBody>
+          <a:bodyPr rtlCol="0" anchor="ctr"/>
+          <a:lstStyle/>
+          <a:p>
+            <a:pPr algn="ctr"/>
+            <a:r>
+              <a:rPr lang="en-US" dirty="0"/>
+              <a:t>0. Store Subscription</a:t>
+            </a:r>
+          </a:p>
+        </p:txBody>
+      </p:sp>
+      <p:sp>
+        <p:nvSpPr>
+          <p:cNvPr id="11" name="Right Arrow 10">
+            <a:extLst>
+              <a:ext uri="{FF2B5EF4-FFF2-40B4-BE49-F238E27FC236}">
+                <a16:creationId xmlns:a16="http://schemas.microsoft.com/office/drawing/2014/main" id="{AA7A5042-03F5-194D-8D29-E4EDB6EFB7EB}"/>
+              </a:ext>
+            </a:extLst>
+          </p:cNvPr>
+          <p:cNvSpPr/>
+          <p:nvPr/>
+        </p:nvSpPr>
+        <p:spPr>
+          <a:xfrm>
+            <a:off x="3788227" y="5159829"/>
+            <a:ext cx="2577737" cy="709747"/>
+          </a:xfrm>
+          <a:prstGeom prst="rightArrow">
+            <a:avLst/>
+          </a:prstGeom>
+        </p:spPr>
+        <p:style>
+          <a:lnRef idx="2">
+            <a:schemeClr val="accent1">
+              <a:shade val="50000"/>
+            </a:schemeClr>
+          </a:lnRef>
+          <a:fillRef idx="1">
+            <a:schemeClr val="accent1"/>
+          </a:fillRef>
+          <a:effectRef idx="0">
+            <a:schemeClr val="accent1"/>
+          </a:effectRef>
+          <a:fontRef idx="minor">
+            <a:schemeClr val="lt1"/>
+          </a:fontRef>
+        </p:style>
+        <p:txBody>
+          <a:bodyPr rtlCol="0" anchor="ctr"/>
+          <a:lstStyle/>
+          <a:p>
+            <a:pPr algn="ctr"/>
+            <a:r>
+              <a:rPr lang="en-US" dirty="0"/>
+              <a:t>5. Publish Data</a:t>
+            </a:r>
+          </a:p>
+        </p:txBody>
+      </p:sp>
+      <p:sp>
+        <p:nvSpPr>
+          <p:cNvPr id="12" name="Left Arrow 11">
+            <a:extLst>
+              <a:ext uri="{FF2B5EF4-FFF2-40B4-BE49-F238E27FC236}">
+                <a16:creationId xmlns:a16="http://schemas.microsoft.com/office/drawing/2014/main" id="{98786593-6B25-8347-998F-0099F1992570}"/>
+              </a:ext>
+            </a:extLst>
+          </p:cNvPr>
+          <p:cNvSpPr/>
+          <p:nvPr/>
+        </p:nvSpPr>
+        <p:spPr>
+          <a:xfrm>
+            <a:off x="3788226" y="2364377"/>
+            <a:ext cx="2577737" cy="748937"/>
+          </a:xfrm>
+          <a:prstGeom prst="leftArrow">
+            <a:avLst/>
+          </a:prstGeom>
+        </p:spPr>
+        <p:style>
+          <a:lnRef idx="2">
+            <a:schemeClr val="accent1">
+              <a:shade val="50000"/>
+            </a:schemeClr>
+          </a:lnRef>
+          <a:fillRef idx="1">
+            <a:schemeClr val="accent1"/>
+          </a:fillRef>
+          <a:effectRef idx="0">
+            <a:schemeClr val="accent1"/>
+          </a:effectRef>
+          <a:fontRef idx="minor">
+            <a:schemeClr val="lt1"/>
+          </a:fontRef>
+        </p:style>
+        <p:txBody>
+          <a:bodyPr rtlCol="0" anchor="ctr"/>
+          <a:lstStyle/>
+          <a:p>
+            <a:pPr algn="ctr"/>
+            <a:r>
+              <a:rPr lang="en-US" dirty="0"/>
+              <a:t>6. Notify the data</a:t>
+            </a:r>
+          </a:p>
+        </p:txBody>
+      </p:sp>
+      <p:sp>
+        <p:nvSpPr>
+          <p:cNvPr id="13" name="TextBox 12">
+            <a:extLst>
+              <a:ext uri="{FF2B5EF4-FFF2-40B4-BE49-F238E27FC236}">
+                <a16:creationId xmlns:a16="http://schemas.microsoft.com/office/drawing/2014/main" id="{54B57CF9-6639-8645-BF89-6C6FBBA72215}"/>
+              </a:ext>
+            </a:extLst>
+          </p:cNvPr>
+          <p:cNvSpPr txBox="1"/>
+          <p:nvPr/>
+        </p:nvSpPr>
+        <p:spPr>
+          <a:xfrm>
+            <a:off x="1367246" y="113211"/>
+            <a:ext cx="4728754" cy="646331"/>
+          </a:xfrm>
+          <a:prstGeom prst="rect">
+            <a:avLst/>
+          </a:prstGeom>
+          <a:noFill/>
+        </p:spPr>
+        <p:txBody>
+          <a:bodyPr wrap="square" rtlCol="0">
+            <a:spAutoFit/>
+          </a:bodyPr>
+          <a:lstStyle/>
+          <a:p>
+            <a:r>
+              <a:rPr lang="en-US" dirty="0"/>
+              <a:t>Publish/Subscribe Pattern for Data Sharing Across  Components</a:t>
+            </a:r>
+          </a:p>
+        </p:txBody>
+      </p:sp>
+    </p:spTree>
+    <p:extLst>
+      <p:ext uri="{BB962C8B-B14F-4D97-AF65-F5344CB8AC3E}">
+        <p14:creationId xmlns:p14="http://schemas.microsoft.com/office/powerpoint/2010/main" val="2815629910"/>
+      </p:ext>
+    </p:extLst>
+  </p:cSld>
+  <p:clrMapOvr>
+    <a:masterClrMapping/>
+  </p:clrMapOvr>
+</p:sld>
+</file>
+
+<file path=ppt/slides/slide61.xml><?xml version="1.0" encoding="utf-8"?>
+<p:sld xmlns:a="http://schemas.openxmlformats.org/drawingml/2006/main" xmlns:r="http://schemas.openxmlformats.org/officeDocument/2006/relationships" xmlns:p="http://schemas.openxmlformats.org/presentationml/2006/main">
+  <p:cSld>
+    <p:spTree>
+      <p:nvGrpSpPr>
+        <p:cNvPr id="1" name=""/>
+        <p:cNvGrpSpPr/>
+        <p:nvPr/>
+      </p:nvGrpSpPr>
+      <p:grpSpPr>
+        <a:xfrm>
+          <a:off x="0" y="0"/>
+          <a:ext cx="0" cy="0"/>
+          <a:chOff x="0" y="0"/>
+          <a:chExt cx="0" cy="0"/>
+        </a:xfrm>
+      </p:grpSpPr>
+      <p:sp>
+        <p:nvSpPr>
+          <p:cNvPr id="2" name="TextBox 1">
+            <a:extLst>
+              <a:ext uri="{FF2B5EF4-FFF2-40B4-BE49-F238E27FC236}">
+                <a16:creationId xmlns:a16="http://schemas.microsoft.com/office/drawing/2014/main" id="{A3FAA19C-BE47-EA47-AF9D-0C3FAE3E993E}"/>
+              </a:ext>
+            </a:extLst>
+          </p:cNvPr>
+          <p:cNvSpPr txBox="1"/>
+          <p:nvPr/>
+        </p:nvSpPr>
+        <p:spPr>
+          <a:xfrm>
+            <a:off x="3949337" y="104502"/>
+            <a:ext cx="4293326" cy="369332"/>
+          </a:xfrm>
+          <a:prstGeom prst="rect">
+            <a:avLst/>
+          </a:prstGeom>
+          <a:noFill/>
+        </p:spPr>
+        <p:txBody>
+          <a:bodyPr wrap="square" rtlCol="0">
+            <a:spAutoFit/>
+          </a:bodyPr>
+          <a:lstStyle/>
+          <a:p>
+            <a:r>
+              <a:rPr lang="en-US" dirty="0"/>
+              <a:t>FLUX</a:t>
+            </a:r>
+          </a:p>
+        </p:txBody>
+      </p:sp>
+      <p:sp>
+        <p:nvSpPr>
+          <p:cNvPr id="3" name="Rounded Rectangle 2">
+            <a:extLst>
+              <a:ext uri="{FF2B5EF4-FFF2-40B4-BE49-F238E27FC236}">
+                <a16:creationId xmlns:a16="http://schemas.microsoft.com/office/drawing/2014/main" id="{43116AD0-BEFF-D044-8BF1-B41CACD88C06}"/>
+              </a:ext>
+            </a:extLst>
+          </p:cNvPr>
+          <p:cNvSpPr/>
+          <p:nvPr/>
+        </p:nvSpPr>
+        <p:spPr>
+          <a:xfrm>
+            <a:off x="2055223" y="1123406"/>
+            <a:ext cx="1915886" cy="1680754"/>
+          </a:xfrm>
+          <a:prstGeom prst="roundRect">
+            <a:avLst/>
+          </a:prstGeom>
+        </p:spPr>
+        <p:style>
+          <a:lnRef idx="2">
+            <a:schemeClr val="accent1">
+              <a:shade val="50000"/>
+            </a:schemeClr>
+          </a:lnRef>
+          <a:fillRef idx="1">
+            <a:schemeClr val="accent1"/>
+          </a:fillRef>
+          <a:effectRef idx="0">
+            <a:schemeClr val="accent1"/>
+          </a:effectRef>
+          <a:fontRef idx="minor">
+            <a:schemeClr val="lt1"/>
+          </a:fontRef>
+        </p:style>
+        <p:txBody>
+          <a:bodyPr rtlCol="0" anchor="ctr"/>
+          <a:lstStyle/>
+          <a:p>
+            <a:pPr algn="ctr"/>
+            <a:r>
+              <a:rPr lang="en-US" dirty="0"/>
+              <a:t>UI</a:t>
+            </a:r>
+          </a:p>
+          <a:p>
+            <a:pPr algn="ctr"/>
+            <a:r>
+              <a:rPr lang="en-US" dirty="0"/>
+              <a:t>Accepts Data from End-User</a:t>
+            </a:r>
+          </a:p>
+        </p:txBody>
+      </p:sp>
+      <p:sp>
+        <p:nvSpPr>
+          <p:cNvPr id="4" name="Right Arrow 3">
+            <a:extLst>
+              <a:ext uri="{FF2B5EF4-FFF2-40B4-BE49-F238E27FC236}">
+                <a16:creationId xmlns:a16="http://schemas.microsoft.com/office/drawing/2014/main" id="{EBB46FA7-276B-3945-A310-47864F6032FC}"/>
+              </a:ext>
+            </a:extLst>
+          </p:cNvPr>
+          <p:cNvSpPr/>
+          <p:nvPr/>
+        </p:nvSpPr>
+        <p:spPr>
+          <a:xfrm>
+            <a:off x="95794" y="1741714"/>
+            <a:ext cx="1959429" cy="104503"/>
+          </a:xfrm>
+          <a:prstGeom prst="rightArrow">
+            <a:avLst/>
+          </a:prstGeom>
+          <a:solidFill>
+            <a:srgbClr val="FFFF00"/>
+          </a:solidFill>
+        </p:spPr>
+        <p:style>
+          <a:lnRef idx="2">
+            <a:schemeClr val="accent1">
+              <a:shade val="50000"/>
+            </a:schemeClr>
+          </a:lnRef>
+          <a:fillRef idx="1">
+            <a:schemeClr val="accent1"/>
+          </a:fillRef>
+          <a:effectRef idx="0">
+            <a:schemeClr val="accent1"/>
+          </a:effectRef>
+          <a:fontRef idx="minor">
+            <a:schemeClr val="lt1"/>
+          </a:fontRef>
+        </p:style>
+        <p:txBody>
+          <a:bodyPr rtlCol="0" anchor="ctr"/>
+          <a:lstStyle/>
+          <a:p>
+            <a:pPr algn="ctr"/>
+            <a:endParaRPr lang="en-US"/>
+          </a:p>
+        </p:txBody>
+      </p:sp>
+      <p:sp>
+        <p:nvSpPr>
+          <p:cNvPr id="5" name="Right Arrow 4">
+            <a:extLst>
+              <a:ext uri="{FF2B5EF4-FFF2-40B4-BE49-F238E27FC236}">
+                <a16:creationId xmlns:a16="http://schemas.microsoft.com/office/drawing/2014/main" id="{8B070AE2-7470-F141-8D3F-0C269FE2909A}"/>
+              </a:ext>
+            </a:extLst>
+          </p:cNvPr>
+          <p:cNvSpPr/>
+          <p:nvPr/>
+        </p:nvSpPr>
+        <p:spPr>
+          <a:xfrm>
+            <a:off x="3971108" y="1619794"/>
+            <a:ext cx="3561805" cy="121920"/>
+          </a:xfrm>
+          <a:prstGeom prst="rightArrow">
+            <a:avLst/>
+          </a:prstGeom>
+          <a:solidFill>
+            <a:srgbClr val="FFFF00"/>
+          </a:solidFill>
+        </p:spPr>
+        <p:style>
+          <a:lnRef idx="2">
+            <a:schemeClr val="accent1">
+              <a:shade val="50000"/>
+            </a:schemeClr>
+          </a:lnRef>
+          <a:fillRef idx="1">
+            <a:schemeClr val="accent1"/>
+          </a:fillRef>
+          <a:effectRef idx="0">
+            <a:schemeClr val="accent1"/>
+          </a:effectRef>
+          <a:fontRef idx="minor">
+            <a:schemeClr val="lt1"/>
+          </a:fontRef>
+        </p:style>
+        <p:txBody>
+          <a:bodyPr rtlCol="0" anchor="ctr"/>
+          <a:lstStyle/>
+          <a:p>
+            <a:pPr algn="ctr"/>
+            <a:endParaRPr lang="en-US"/>
+          </a:p>
+        </p:txBody>
+      </p:sp>
+      <p:sp>
+        <p:nvSpPr>
+          <p:cNvPr id="6" name="TextBox 5">
+            <a:extLst>
+              <a:ext uri="{FF2B5EF4-FFF2-40B4-BE49-F238E27FC236}">
+                <a16:creationId xmlns:a16="http://schemas.microsoft.com/office/drawing/2014/main" id="{51C2B09D-E0D4-A841-9378-72850F6D9085}"/>
+              </a:ext>
+            </a:extLst>
+          </p:cNvPr>
+          <p:cNvSpPr txBox="1"/>
+          <p:nvPr/>
+        </p:nvSpPr>
+        <p:spPr>
+          <a:xfrm>
+            <a:off x="4145280" y="896983"/>
+            <a:ext cx="3126377" cy="646331"/>
+          </a:xfrm>
+          <a:prstGeom prst="rect">
+            <a:avLst/>
+          </a:prstGeom>
+          <a:noFill/>
+        </p:spPr>
+        <p:txBody>
+          <a:bodyPr wrap="square" rtlCol="0">
+            <a:spAutoFit/>
+          </a:bodyPr>
+          <a:lstStyle/>
+          <a:p>
+            <a:r>
+              <a:rPr lang="en-US" dirty="0"/>
+              <a:t>Dispatch Event aka “The Action”</a:t>
+            </a:r>
+          </a:p>
+        </p:txBody>
+      </p:sp>
+      <p:sp>
+        <p:nvSpPr>
+          <p:cNvPr id="7" name="Rounded Rectangle 6">
+            <a:extLst>
+              <a:ext uri="{FF2B5EF4-FFF2-40B4-BE49-F238E27FC236}">
+                <a16:creationId xmlns:a16="http://schemas.microsoft.com/office/drawing/2014/main" id="{3D452009-B96B-5548-9D4B-6B5380A5EE0F}"/>
+              </a:ext>
+            </a:extLst>
+          </p:cNvPr>
+          <p:cNvSpPr/>
+          <p:nvPr/>
+        </p:nvSpPr>
+        <p:spPr>
+          <a:xfrm>
+            <a:off x="7532913" y="1123406"/>
+            <a:ext cx="2751909" cy="1828800"/>
+          </a:xfrm>
+          <a:prstGeom prst="roundRect">
+            <a:avLst/>
+          </a:prstGeom>
+        </p:spPr>
+        <p:style>
+          <a:lnRef idx="2">
+            <a:schemeClr val="accent1">
+              <a:shade val="50000"/>
+            </a:schemeClr>
+          </a:lnRef>
+          <a:fillRef idx="1">
+            <a:schemeClr val="accent1"/>
+          </a:fillRef>
+          <a:effectRef idx="0">
+            <a:schemeClr val="accent1"/>
+          </a:effectRef>
+          <a:fontRef idx="minor">
+            <a:schemeClr val="lt1"/>
+          </a:fontRef>
+        </p:style>
+        <p:txBody>
+          <a:bodyPr rtlCol="0" anchor="ctr"/>
+          <a:lstStyle/>
+          <a:p>
+            <a:pPr algn="ctr"/>
+            <a:r>
+              <a:rPr lang="en-US" dirty="0"/>
+              <a:t>A Function, that decide what is to be done based on Action and Received Data</a:t>
+            </a:r>
+          </a:p>
+        </p:txBody>
+      </p:sp>
+      <p:sp>
+        <p:nvSpPr>
+          <p:cNvPr id="8" name="Down Arrow 7">
+            <a:extLst>
+              <a:ext uri="{FF2B5EF4-FFF2-40B4-BE49-F238E27FC236}">
+                <a16:creationId xmlns:a16="http://schemas.microsoft.com/office/drawing/2014/main" id="{D971E7DE-9358-414B-8164-CFF580D6D875}"/>
+              </a:ext>
+            </a:extLst>
+          </p:cNvPr>
+          <p:cNvSpPr/>
+          <p:nvPr/>
+        </p:nvSpPr>
+        <p:spPr>
+          <a:xfrm>
+            <a:off x="8908867" y="2952206"/>
+            <a:ext cx="130630" cy="1062445"/>
+          </a:xfrm>
+          <a:prstGeom prst="downArrow">
+            <a:avLst/>
+          </a:prstGeom>
+          <a:solidFill>
+            <a:srgbClr val="FFFF00"/>
+          </a:solidFill>
+        </p:spPr>
+        <p:style>
+          <a:lnRef idx="2">
+            <a:schemeClr val="accent1">
+              <a:shade val="50000"/>
+            </a:schemeClr>
+          </a:lnRef>
+          <a:fillRef idx="1">
+            <a:schemeClr val="accent1"/>
+          </a:fillRef>
+          <a:effectRef idx="0">
+            <a:schemeClr val="accent1"/>
+          </a:effectRef>
+          <a:fontRef idx="minor">
+            <a:schemeClr val="lt1"/>
+          </a:fontRef>
+        </p:style>
+        <p:txBody>
+          <a:bodyPr rtlCol="0" anchor="ctr"/>
+          <a:lstStyle/>
+          <a:p>
+            <a:pPr algn="ctr"/>
+            <a:endParaRPr lang="en-US"/>
+          </a:p>
+        </p:txBody>
+      </p:sp>
+      <p:sp>
+        <p:nvSpPr>
+          <p:cNvPr id="9" name="Can 8">
+            <a:extLst>
+              <a:ext uri="{FF2B5EF4-FFF2-40B4-BE49-F238E27FC236}">
+                <a16:creationId xmlns:a16="http://schemas.microsoft.com/office/drawing/2014/main" id="{23A5BF30-828E-8C47-9C9D-EAFF7BFC6DC6}"/>
+              </a:ext>
+            </a:extLst>
+          </p:cNvPr>
+          <p:cNvSpPr/>
+          <p:nvPr/>
+        </p:nvSpPr>
+        <p:spPr>
+          <a:xfrm>
+            <a:off x="7532913" y="4014651"/>
+            <a:ext cx="3344092" cy="1158240"/>
+          </a:xfrm>
+          <a:prstGeom prst="can">
+            <a:avLst/>
+          </a:prstGeom>
+        </p:spPr>
+        <p:style>
+          <a:lnRef idx="2">
+            <a:schemeClr val="accent1">
+              <a:shade val="50000"/>
+            </a:schemeClr>
+          </a:lnRef>
+          <a:fillRef idx="1">
+            <a:schemeClr val="accent1"/>
+          </a:fillRef>
+          <a:effectRef idx="0">
+            <a:schemeClr val="accent1"/>
+          </a:effectRef>
+          <a:fontRef idx="minor">
+            <a:schemeClr val="lt1"/>
+          </a:fontRef>
+        </p:style>
+        <p:txBody>
+          <a:bodyPr rtlCol="0" anchor="ctr"/>
+          <a:lstStyle/>
+          <a:p>
+            <a:pPr algn="ctr"/>
+            <a:r>
+              <a:rPr lang="en-US" dirty="0"/>
+              <a:t>Create New Data or Update Existing Data in Store</a:t>
+            </a:r>
+          </a:p>
+        </p:txBody>
+      </p:sp>
+      <p:sp>
+        <p:nvSpPr>
+          <p:cNvPr id="10" name="Left Arrow 9">
+            <a:extLst>
+              <a:ext uri="{FF2B5EF4-FFF2-40B4-BE49-F238E27FC236}">
+                <a16:creationId xmlns:a16="http://schemas.microsoft.com/office/drawing/2014/main" id="{A328030B-DA68-4F4B-808B-590AD979F1FC}"/>
+              </a:ext>
+            </a:extLst>
+          </p:cNvPr>
+          <p:cNvSpPr/>
+          <p:nvPr/>
+        </p:nvSpPr>
+        <p:spPr>
+          <a:xfrm>
+            <a:off x="3971108" y="4397829"/>
+            <a:ext cx="3561805" cy="121920"/>
+          </a:xfrm>
+          <a:prstGeom prst="leftArrow">
+            <a:avLst/>
+          </a:prstGeom>
+          <a:solidFill>
+            <a:srgbClr val="FFFF00"/>
+          </a:solidFill>
+        </p:spPr>
+        <p:style>
+          <a:lnRef idx="2">
+            <a:schemeClr val="accent1">
+              <a:shade val="50000"/>
+            </a:schemeClr>
+          </a:lnRef>
+          <a:fillRef idx="1">
+            <a:schemeClr val="accent1"/>
+          </a:fillRef>
+          <a:effectRef idx="0">
+            <a:schemeClr val="accent1"/>
+          </a:effectRef>
+          <a:fontRef idx="minor">
+            <a:schemeClr val="lt1"/>
+          </a:fontRef>
+        </p:style>
+        <p:txBody>
+          <a:bodyPr rtlCol="0" anchor="ctr"/>
+          <a:lstStyle/>
+          <a:p>
+            <a:pPr algn="ctr"/>
+            <a:endParaRPr lang="en-US"/>
+          </a:p>
+        </p:txBody>
+      </p:sp>
+      <p:sp>
+        <p:nvSpPr>
+          <p:cNvPr id="11" name="Rounded Rectangle 10">
+            <a:extLst>
+              <a:ext uri="{FF2B5EF4-FFF2-40B4-BE49-F238E27FC236}">
+                <a16:creationId xmlns:a16="http://schemas.microsoft.com/office/drawing/2014/main" id="{E641C212-E6DC-094F-887E-8B14E8670FD7}"/>
+              </a:ext>
+            </a:extLst>
+          </p:cNvPr>
+          <p:cNvSpPr/>
+          <p:nvPr/>
+        </p:nvSpPr>
+        <p:spPr>
+          <a:xfrm>
+            <a:off x="2055223" y="3753394"/>
+            <a:ext cx="1915886" cy="1680754"/>
+          </a:xfrm>
+          <a:prstGeom prst="roundRect">
+            <a:avLst/>
+          </a:prstGeom>
+        </p:spPr>
+        <p:style>
+          <a:lnRef idx="2">
+            <a:schemeClr val="accent1">
+              <a:shade val="50000"/>
+            </a:schemeClr>
+          </a:lnRef>
+          <a:fillRef idx="1">
+            <a:schemeClr val="accent1"/>
+          </a:fillRef>
+          <a:effectRef idx="0">
+            <a:schemeClr val="accent1"/>
+          </a:effectRef>
+          <a:fontRef idx="minor">
+            <a:schemeClr val="lt1"/>
+          </a:fontRef>
+        </p:style>
+        <p:txBody>
+          <a:bodyPr rtlCol="0" anchor="ctr"/>
+          <a:lstStyle/>
+          <a:p>
+            <a:pPr algn="ctr"/>
+            <a:r>
+              <a:rPr lang="en-US" dirty="0"/>
+              <a:t>Notify the Data Updates to UI</a:t>
+            </a:r>
+          </a:p>
+        </p:txBody>
+      </p:sp>
+      <p:sp>
+        <p:nvSpPr>
+          <p:cNvPr id="12" name="Left Arrow 11">
+            <a:extLst>
+              <a:ext uri="{FF2B5EF4-FFF2-40B4-BE49-F238E27FC236}">
+                <a16:creationId xmlns:a16="http://schemas.microsoft.com/office/drawing/2014/main" id="{32D91E2D-F83B-114B-9B90-1CD72F55B47F}"/>
+              </a:ext>
+            </a:extLst>
+          </p:cNvPr>
+          <p:cNvSpPr/>
+          <p:nvPr/>
+        </p:nvSpPr>
+        <p:spPr>
+          <a:xfrm>
+            <a:off x="235131" y="4397829"/>
+            <a:ext cx="1820092" cy="121920"/>
+          </a:xfrm>
+          <a:prstGeom prst="leftArrow">
+            <a:avLst/>
+          </a:prstGeom>
+          <a:solidFill>
+            <a:srgbClr val="FFFF00"/>
+          </a:solidFill>
+        </p:spPr>
+        <p:style>
+          <a:lnRef idx="2">
+            <a:schemeClr val="accent1">
+              <a:shade val="50000"/>
+            </a:schemeClr>
+          </a:lnRef>
+          <a:fillRef idx="1">
+            <a:schemeClr val="accent1"/>
+          </a:fillRef>
+          <a:effectRef idx="0">
+            <a:schemeClr val="accent1"/>
+          </a:effectRef>
+          <a:fontRef idx="minor">
+            <a:schemeClr val="lt1"/>
+          </a:fontRef>
+        </p:style>
+        <p:txBody>
+          <a:bodyPr rtlCol="0" anchor="ctr"/>
+          <a:lstStyle/>
+          <a:p>
+            <a:pPr algn="ctr"/>
+            <a:endParaRPr lang="en-US"/>
+          </a:p>
+        </p:txBody>
+      </p:sp>
+      <p:sp>
+        <p:nvSpPr>
+          <p:cNvPr id="13" name="Curved Down Arrow 12">
+            <a:extLst>
+              <a:ext uri="{FF2B5EF4-FFF2-40B4-BE49-F238E27FC236}">
+                <a16:creationId xmlns:a16="http://schemas.microsoft.com/office/drawing/2014/main" id="{2C4EF8A0-BBA3-104B-82CD-12240EA94F65}"/>
+              </a:ext>
+            </a:extLst>
+          </p:cNvPr>
+          <p:cNvSpPr/>
+          <p:nvPr/>
+        </p:nvSpPr>
+        <p:spPr>
+          <a:xfrm>
+            <a:off x="4084321" y="2499360"/>
+            <a:ext cx="3291840" cy="929640"/>
+          </a:xfrm>
+          <a:prstGeom prst="curvedDownArrow">
+            <a:avLst/>
+          </a:prstGeom>
+        </p:spPr>
+        <p:style>
+          <a:lnRef idx="2">
+            <a:schemeClr val="accent1">
+              <a:shade val="50000"/>
+            </a:schemeClr>
+          </a:lnRef>
+          <a:fillRef idx="1">
+            <a:schemeClr val="accent1"/>
+          </a:fillRef>
+          <a:effectRef idx="0">
+            <a:schemeClr val="accent1"/>
+          </a:effectRef>
+          <a:fontRef idx="minor">
+            <a:schemeClr val="lt1"/>
+          </a:fontRef>
+        </p:style>
+        <p:txBody>
+          <a:bodyPr rtlCol="0" anchor="ctr"/>
+          <a:lstStyle/>
+          <a:p>
+            <a:pPr algn="ctr"/>
+            <a:endParaRPr lang="en-US">
+              <a:solidFill>
+                <a:schemeClr val="tx1"/>
+              </a:solidFill>
+            </a:endParaRPr>
+          </a:p>
+        </p:txBody>
+      </p:sp>
+      <p:sp>
+        <p:nvSpPr>
+          <p:cNvPr id="14" name="TextBox 13">
+            <a:extLst>
+              <a:ext uri="{FF2B5EF4-FFF2-40B4-BE49-F238E27FC236}">
+                <a16:creationId xmlns:a16="http://schemas.microsoft.com/office/drawing/2014/main" id="{616E3CD6-5C21-7541-AC96-24E73D3A96EC}"/>
+              </a:ext>
+            </a:extLst>
+          </p:cNvPr>
+          <p:cNvSpPr txBox="1"/>
+          <p:nvPr/>
+        </p:nvSpPr>
+        <p:spPr>
+          <a:xfrm>
+            <a:off x="4789714" y="2952206"/>
+            <a:ext cx="1933303" cy="923330"/>
+          </a:xfrm>
+          <a:prstGeom prst="rect">
+            <a:avLst/>
+          </a:prstGeom>
+          <a:noFill/>
+        </p:spPr>
+        <p:txBody>
+          <a:bodyPr wrap="square" rtlCol="0">
+            <a:spAutoFit/>
+          </a:bodyPr>
+          <a:lstStyle/>
+          <a:p>
+            <a:r>
+              <a:rPr lang="en-US" dirty="0"/>
+              <a:t>One-Way Data Flow based on Actions</a:t>
+            </a:r>
+          </a:p>
+        </p:txBody>
+      </p:sp>
+    </p:spTree>
+    <p:extLst>
+      <p:ext uri="{BB962C8B-B14F-4D97-AF65-F5344CB8AC3E}">
+        <p14:creationId xmlns:p14="http://schemas.microsoft.com/office/powerpoint/2010/main" val="1537494088"/>
       </p:ext>
     </p:extLst>
   </p:cSld>

--- a/Training_Notes_PPTs.pptx
+++ b/Training_Notes_PPTs.pptx
@@ -66,6 +66,7 @@
     <p:sldId id="314" r:id="rId60"/>
     <p:sldId id="315" r:id="rId61"/>
     <p:sldId id="316" r:id="rId62"/>
+    <p:sldId id="317" r:id="rId63"/>
   </p:sldIdLst>
   <p:sldSz cx="12192000" cy="6858000"/>
   <p:notesSz cx="6858000" cy="9144000"/>
@@ -49377,7 +49378,7 @@
           <a:p>
             <a:pPr algn="ctr"/>
             <a:r>
-              <a:rPr lang="en-US" dirty="0"/>
+              <a:rPr lang="en-US"/>
               <a:t>A Function, that decide what is to be done based on Action and Received Data</a:t>
             </a:r>
           </a:p>
@@ -49717,6 +49718,698 @@
     <p:extLst>
       <p:ext uri="{BB962C8B-B14F-4D97-AF65-F5344CB8AC3E}">
         <p14:creationId xmlns:p14="http://schemas.microsoft.com/office/powerpoint/2010/main" val="1537494088"/>
+      </p:ext>
+    </p:extLst>
+  </p:cSld>
+  <p:clrMapOvr>
+    <a:masterClrMapping/>
+  </p:clrMapOvr>
+</p:sld>
+</file>
+
+<file path=ppt/slides/slide62.xml><?xml version="1.0" encoding="utf-8"?>
+<p:sld xmlns:a="http://schemas.openxmlformats.org/drawingml/2006/main" xmlns:r="http://schemas.openxmlformats.org/officeDocument/2006/relationships" xmlns:p="http://schemas.openxmlformats.org/presentationml/2006/main">
+  <p:cSld>
+    <p:spTree>
+      <p:nvGrpSpPr>
+        <p:cNvPr id="1" name=""/>
+        <p:cNvGrpSpPr/>
+        <p:nvPr/>
+      </p:nvGrpSpPr>
+      <p:grpSpPr>
+        <a:xfrm>
+          <a:off x="0" y="0"/>
+          <a:ext cx="0" cy="0"/>
+          <a:chOff x="0" y="0"/>
+          <a:chExt cx="0" cy="0"/>
+        </a:xfrm>
+      </p:grpSpPr>
+      <p:sp>
+        <p:nvSpPr>
+          <p:cNvPr id="2" name="Rectangle 1">
+            <a:extLst>
+              <a:ext uri="{FF2B5EF4-FFF2-40B4-BE49-F238E27FC236}">
+                <a16:creationId xmlns:a16="http://schemas.microsoft.com/office/drawing/2014/main" id="{5C7DBFAF-B6B4-9145-87FE-536BB6063056}"/>
+              </a:ext>
+            </a:extLst>
+          </p:cNvPr>
+          <p:cNvSpPr/>
+          <p:nvPr/>
+        </p:nvSpPr>
+        <p:spPr>
+          <a:xfrm>
+            <a:off x="505097" y="374469"/>
+            <a:ext cx="2612571" cy="1689462"/>
+          </a:xfrm>
+          <a:prstGeom prst="rect">
+            <a:avLst/>
+          </a:prstGeom>
+        </p:spPr>
+        <p:style>
+          <a:lnRef idx="2">
+            <a:schemeClr val="accent1">
+              <a:shade val="50000"/>
+            </a:schemeClr>
+          </a:lnRef>
+          <a:fillRef idx="1">
+            <a:schemeClr val="accent1"/>
+          </a:fillRef>
+          <a:effectRef idx="0">
+            <a:schemeClr val="accent1"/>
+          </a:effectRef>
+          <a:fontRef idx="minor">
+            <a:schemeClr val="lt1"/>
+          </a:fontRef>
+        </p:style>
+        <p:txBody>
+          <a:bodyPr rtlCol="0" anchor="ctr"/>
+          <a:lstStyle/>
+          <a:p>
+            <a:pPr algn="ctr"/>
+            <a:r>
+              <a:rPr lang="en-US" dirty="0" err="1"/>
+              <a:t>AddEmployeeComponent</a:t>
+            </a:r>
+            <a:endParaRPr lang="en-US" dirty="0"/>
+          </a:p>
+          <a:p>
+            <a:pPr algn="ctr"/>
+            <a:r>
+              <a:rPr lang="en-US" dirty="0"/>
+              <a:t>{EmpNo:101, </a:t>
+            </a:r>
+            <a:r>
+              <a:rPr lang="en-US" dirty="0" err="1"/>
+              <a:t>EmpaName</a:t>
+            </a:r>
+            <a:r>
+              <a:rPr lang="en-US" dirty="0"/>
+              <a:t>:’ABC’}</a:t>
+            </a:r>
+          </a:p>
+        </p:txBody>
+      </p:sp>
+      <p:sp>
+        <p:nvSpPr>
+          <p:cNvPr id="3" name="Right Arrow 2">
+            <a:extLst>
+              <a:ext uri="{FF2B5EF4-FFF2-40B4-BE49-F238E27FC236}">
+                <a16:creationId xmlns:a16="http://schemas.microsoft.com/office/drawing/2014/main" id="{ACBA750B-7B43-BB48-9FBA-399400D12D51}"/>
+              </a:ext>
+            </a:extLst>
+          </p:cNvPr>
+          <p:cNvSpPr/>
+          <p:nvPr/>
+        </p:nvSpPr>
+        <p:spPr>
+          <a:xfrm>
+            <a:off x="3143793" y="1140822"/>
+            <a:ext cx="3187337" cy="235132"/>
+          </a:xfrm>
+          <a:prstGeom prst="rightArrow">
+            <a:avLst/>
+          </a:prstGeom>
+        </p:spPr>
+        <p:style>
+          <a:lnRef idx="2">
+            <a:schemeClr val="accent1">
+              <a:shade val="50000"/>
+            </a:schemeClr>
+          </a:lnRef>
+          <a:fillRef idx="1">
+            <a:schemeClr val="accent1"/>
+          </a:fillRef>
+          <a:effectRef idx="0">
+            <a:schemeClr val="accent1"/>
+          </a:effectRef>
+          <a:fontRef idx="minor">
+            <a:schemeClr val="lt1"/>
+          </a:fontRef>
+        </p:style>
+        <p:txBody>
+          <a:bodyPr rtlCol="0" anchor="ctr"/>
+          <a:lstStyle/>
+          <a:p>
+            <a:pPr algn="ctr"/>
+            <a:endParaRPr lang="en-US"/>
+          </a:p>
+        </p:txBody>
+      </p:sp>
+      <p:sp>
+        <p:nvSpPr>
+          <p:cNvPr id="4" name="TextBox 3">
+            <a:extLst>
+              <a:ext uri="{FF2B5EF4-FFF2-40B4-BE49-F238E27FC236}">
+                <a16:creationId xmlns:a16="http://schemas.microsoft.com/office/drawing/2014/main" id="{E25DFB5F-E800-3143-984B-EF39C91BAE7A}"/>
+              </a:ext>
+            </a:extLst>
+          </p:cNvPr>
+          <p:cNvSpPr txBox="1"/>
+          <p:nvPr/>
+        </p:nvSpPr>
+        <p:spPr>
+          <a:xfrm>
+            <a:off x="3196046" y="200297"/>
+            <a:ext cx="2804160" cy="923330"/>
+          </a:xfrm>
+          <a:prstGeom prst="rect">
+            <a:avLst/>
+          </a:prstGeom>
+          <a:noFill/>
+        </p:spPr>
+        <p:txBody>
+          <a:bodyPr wrap="square" rtlCol="0">
+            <a:spAutoFit/>
+          </a:bodyPr>
+          <a:lstStyle/>
+          <a:p>
+            <a:r>
+              <a:rPr lang="en-US" dirty="0"/>
+              <a:t>Add Employee (</a:t>
+            </a:r>
+            <a:r>
+              <a:rPr lang="en-US" dirty="0" err="1"/>
+              <a:t>EmployeeData</a:t>
+            </a:r>
+            <a:r>
+              <a:rPr lang="en-US" dirty="0"/>
+              <a:t>) using Click</a:t>
+            </a:r>
+          </a:p>
+          <a:p>
+            <a:r>
+              <a:rPr lang="en-US" dirty="0"/>
+              <a:t>event</a:t>
+            </a:r>
+          </a:p>
+        </p:txBody>
+      </p:sp>
+      <p:sp>
+        <p:nvSpPr>
+          <p:cNvPr id="5" name="Rectangle 4">
+            <a:extLst>
+              <a:ext uri="{FF2B5EF4-FFF2-40B4-BE49-F238E27FC236}">
+                <a16:creationId xmlns:a16="http://schemas.microsoft.com/office/drawing/2014/main" id="{6DE08C37-C05E-9647-97E1-01E7FBFC5427}"/>
+              </a:ext>
+            </a:extLst>
+          </p:cNvPr>
+          <p:cNvSpPr/>
+          <p:nvPr/>
+        </p:nvSpPr>
+        <p:spPr>
+          <a:xfrm>
+            <a:off x="6331131" y="801189"/>
+            <a:ext cx="3640182" cy="1262742"/>
+          </a:xfrm>
+          <a:prstGeom prst="rect">
+            <a:avLst/>
+          </a:prstGeom>
+        </p:spPr>
+        <p:style>
+          <a:lnRef idx="2">
+            <a:schemeClr val="accent1">
+              <a:shade val="50000"/>
+            </a:schemeClr>
+          </a:lnRef>
+          <a:fillRef idx="1">
+            <a:schemeClr val="accent1"/>
+          </a:fillRef>
+          <a:effectRef idx="0">
+            <a:schemeClr val="accent1"/>
+          </a:effectRef>
+          <a:fontRef idx="minor">
+            <a:schemeClr val="lt1"/>
+          </a:fontRef>
+        </p:style>
+        <p:txBody>
+          <a:bodyPr rtlCol="0" anchor="ctr"/>
+          <a:lstStyle/>
+          <a:p>
+            <a:pPr algn="ctr"/>
+            <a:r>
+              <a:rPr lang="en-US" dirty="0"/>
+              <a:t>Action Creator Method ‘</a:t>
+            </a:r>
+            <a:r>
+              <a:rPr lang="en-US" dirty="0" err="1"/>
+              <a:t>addEmployee</a:t>
+            </a:r>
+            <a:r>
+              <a:rPr lang="en-US" dirty="0"/>
+              <a:t>(</a:t>
+            </a:r>
+            <a:r>
+              <a:rPr lang="en-US" dirty="0" err="1"/>
+              <a:t>EmployeeData</a:t>
+            </a:r>
+            <a:r>
+              <a:rPr lang="en-US" dirty="0"/>
+              <a:t>)’</a:t>
+            </a:r>
+          </a:p>
+          <a:p>
+            <a:pPr algn="ctr"/>
+            <a:r>
+              <a:rPr lang="en-US" dirty="0"/>
+              <a:t>Return the output action and payload (output parameter)</a:t>
+            </a:r>
+          </a:p>
+        </p:txBody>
+      </p:sp>
+      <p:sp>
+        <p:nvSpPr>
+          <p:cNvPr id="6" name="Rectangle 5">
+            <a:extLst>
+              <a:ext uri="{FF2B5EF4-FFF2-40B4-BE49-F238E27FC236}">
+                <a16:creationId xmlns:a16="http://schemas.microsoft.com/office/drawing/2014/main" id="{28C07654-FBB8-7044-B197-0C0145146C79}"/>
+              </a:ext>
+            </a:extLst>
+          </p:cNvPr>
+          <p:cNvSpPr/>
+          <p:nvPr/>
+        </p:nvSpPr>
+        <p:spPr>
+          <a:xfrm>
+            <a:off x="6331129" y="2447108"/>
+            <a:ext cx="3640183" cy="1689463"/>
+          </a:xfrm>
+          <a:prstGeom prst="rect">
+            <a:avLst/>
+          </a:prstGeom>
+        </p:spPr>
+        <p:style>
+          <a:lnRef idx="2">
+            <a:schemeClr val="accent1">
+              <a:shade val="50000"/>
+            </a:schemeClr>
+          </a:lnRef>
+          <a:fillRef idx="1">
+            <a:schemeClr val="accent1"/>
+          </a:fillRef>
+          <a:effectRef idx="0">
+            <a:schemeClr val="accent1"/>
+          </a:effectRef>
+          <a:fontRef idx="minor">
+            <a:schemeClr val="lt1"/>
+          </a:fontRef>
+        </p:style>
+        <p:txBody>
+          <a:bodyPr rtlCol="0" anchor="ctr"/>
+          <a:lstStyle/>
+          <a:p>
+            <a:pPr algn="ctr"/>
+            <a:r>
+              <a:rPr lang="en-US" dirty="0"/>
+              <a:t>The reducer object that will monitor the dispatched action and accordingly update the store</a:t>
+            </a:r>
+          </a:p>
+        </p:txBody>
+      </p:sp>
+      <p:sp>
+        <p:nvSpPr>
+          <p:cNvPr id="7" name="Curved Left Arrow 6">
+            <a:extLst>
+              <a:ext uri="{FF2B5EF4-FFF2-40B4-BE49-F238E27FC236}">
+                <a16:creationId xmlns:a16="http://schemas.microsoft.com/office/drawing/2014/main" id="{D8AD84B5-F121-F54B-A197-DE96E053B3AE}"/>
+              </a:ext>
+            </a:extLst>
+          </p:cNvPr>
+          <p:cNvSpPr/>
+          <p:nvPr/>
+        </p:nvSpPr>
+        <p:spPr>
+          <a:xfrm>
+            <a:off x="9971313" y="1053737"/>
+            <a:ext cx="539934" cy="1985554"/>
+          </a:xfrm>
+          <a:prstGeom prst="curvedLeftArrow">
+            <a:avLst/>
+          </a:prstGeom>
+        </p:spPr>
+        <p:style>
+          <a:lnRef idx="2">
+            <a:schemeClr val="accent1">
+              <a:shade val="50000"/>
+            </a:schemeClr>
+          </a:lnRef>
+          <a:fillRef idx="1">
+            <a:schemeClr val="accent1"/>
+          </a:fillRef>
+          <a:effectRef idx="0">
+            <a:schemeClr val="accent1"/>
+          </a:effectRef>
+          <a:fontRef idx="minor">
+            <a:schemeClr val="lt1"/>
+          </a:fontRef>
+        </p:style>
+        <p:txBody>
+          <a:bodyPr rtlCol="0" anchor="ctr"/>
+          <a:lstStyle/>
+          <a:p>
+            <a:pPr algn="ctr"/>
+            <a:endParaRPr lang="en-US">
+              <a:solidFill>
+                <a:schemeClr val="tx1"/>
+              </a:solidFill>
+            </a:endParaRPr>
+          </a:p>
+        </p:txBody>
+      </p:sp>
+      <p:sp>
+        <p:nvSpPr>
+          <p:cNvPr id="8" name="TextBox 7">
+            <a:extLst>
+              <a:ext uri="{FF2B5EF4-FFF2-40B4-BE49-F238E27FC236}">
+                <a16:creationId xmlns:a16="http://schemas.microsoft.com/office/drawing/2014/main" id="{006DA2AB-3D4C-D340-95C8-0E129F68AE34}"/>
+              </a:ext>
+            </a:extLst>
+          </p:cNvPr>
+          <p:cNvSpPr txBox="1"/>
+          <p:nvPr/>
+        </p:nvSpPr>
+        <p:spPr>
+          <a:xfrm>
+            <a:off x="10511247" y="1140822"/>
+            <a:ext cx="1567542" cy="1200329"/>
+          </a:xfrm>
+          <a:prstGeom prst="rect">
+            <a:avLst/>
+          </a:prstGeom>
+          <a:noFill/>
+        </p:spPr>
+        <p:txBody>
+          <a:bodyPr wrap="square" rtlCol="0">
+            <a:spAutoFit/>
+          </a:bodyPr>
+          <a:lstStyle/>
+          <a:p>
+            <a:r>
+              <a:rPr lang="en-US" dirty="0"/>
+              <a:t>Output Action and Payload will be used by reducer</a:t>
+            </a:r>
+          </a:p>
+        </p:txBody>
+      </p:sp>
+      <p:sp>
+        <p:nvSpPr>
+          <p:cNvPr id="9" name="Can 8">
+            <a:extLst>
+              <a:ext uri="{FF2B5EF4-FFF2-40B4-BE49-F238E27FC236}">
+                <a16:creationId xmlns:a16="http://schemas.microsoft.com/office/drawing/2014/main" id="{6E93424F-7A71-7A4B-9434-749F2D302E7A}"/>
+              </a:ext>
+            </a:extLst>
+          </p:cNvPr>
+          <p:cNvSpPr/>
+          <p:nvPr/>
+        </p:nvSpPr>
+        <p:spPr>
+          <a:xfrm>
+            <a:off x="505098" y="4528457"/>
+            <a:ext cx="5660572" cy="1105989"/>
+          </a:xfrm>
+          <a:prstGeom prst="can">
+            <a:avLst/>
+          </a:prstGeom>
+        </p:spPr>
+        <p:style>
+          <a:lnRef idx="2">
+            <a:schemeClr val="accent1">
+              <a:shade val="50000"/>
+            </a:schemeClr>
+          </a:lnRef>
+          <a:fillRef idx="1">
+            <a:schemeClr val="accent1"/>
+          </a:fillRef>
+          <a:effectRef idx="0">
+            <a:schemeClr val="accent1"/>
+          </a:effectRef>
+          <a:fontRef idx="minor">
+            <a:schemeClr val="lt1"/>
+          </a:fontRef>
+        </p:style>
+        <p:txBody>
+          <a:bodyPr rtlCol="0" anchor="ctr"/>
+          <a:lstStyle/>
+          <a:p>
+            <a:pPr algn="ctr"/>
+            <a:r>
+              <a:rPr lang="en-US" dirty="0"/>
+              <a:t>Store</a:t>
+            </a:r>
+          </a:p>
+        </p:txBody>
+      </p:sp>
+      <p:sp>
+        <p:nvSpPr>
+          <p:cNvPr id="10" name="Bent Up Arrow 9">
+            <a:extLst>
+              <a:ext uri="{FF2B5EF4-FFF2-40B4-BE49-F238E27FC236}">
+                <a16:creationId xmlns:a16="http://schemas.microsoft.com/office/drawing/2014/main" id="{CDCF89B5-22F7-6343-A510-0AB33567DC66}"/>
+              </a:ext>
+            </a:extLst>
+          </p:cNvPr>
+          <p:cNvSpPr/>
+          <p:nvPr/>
+        </p:nvSpPr>
+        <p:spPr>
+          <a:xfrm rot="5400000" flipV="1">
+            <a:off x="6842761" y="3459480"/>
+            <a:ext cx="1105990" cy="2460172"/>
+          </a:xfrm>
+          <a:prstGeom prst="bentUpArrow">
+            <a:avLst/>
+          </a:prstGeom>
+        </p:spPr>
+        <p:style>
+          <a:lnRef idx="2">
+            <a:schemeClr val="accent1">
+              <a:shade val="50000"/>
+            </a:schemeClr>
+          </a:lnRef>
+          <a:fillRef idx="1">
+            <a:schemeClr val="accent1"/>
+          </a:fillRef>
+          <a:effectRef idx="0">
+            <a:schemeClr val="accent1"/>
+          </a:effectRef>
+          <a:fontRef idx="minor">
+            <a:schemeClr val="lt1"/>
+          </a:fontRef>
+        </p:style>
+        <p:txBody>
+          <a:bodyPr rtlCol="0" anchor="ctr"/>
+          <a:lstStyle/>
+          <a:p>
+            <a:pPr algn="ctr"/>
+            <a:endParaRPr lang="en-US"/>
+          </a:p>
+        </p:txBody>
+      </p:sp>
+      <p:sp>
+        <p:nvSpPr>
+          <p:cNvPr id="12" name="TextBox 11">
+            <a:extLst>
+              <a:ext uri="{FF2B5EF4-FFF2-40B4-BE49-F238E27FC236}">
+                <a16:creationId xmlns:a16="http://schemas.microsoft.com/office/drawing/2014/main" id="{BAA928EE-2156-4644-9634-A23E53427CA5}"/>
+              </a:ext>
+            </a:extLst>
+          </p:cNvPr>
+          <p:cNvSpPr txBox="1"/>
+          <p:nvPr/>
+        </p:nvSpPr>
+        <p:spPr>
+          <a:xfrm>
+            <a:off x="9022080" y="4415246"/>
+            <a:ext cx="2281646" cy="369332"/>
+          </a:xfrm>
+          <a:prstGeom prst="rect">
+            <a:avLst/>
+          </a:prstGeom>
+          <a:noFill/>
+        </p:spPr>
+        <p:txBody>
+          <a:bodyPr wrap="square" rtlCol="0">
+            <a:spAutoFit/>
+          </a:bodyPr>
+          <a:lstStyle/>
+          <a:p>
+            <a:r>
+              <a:rPr lang="en-US" dirty="0"/>
+              <a:t>Update the Store</a:t>
+            </a:r>
+          </a:p>
+        </p:txBody>
+      </p:sp>
+      <p:sp>
+        <p:nvSpPr>
+          <p:cNvPr id="13" name="Down Arrow 12">
+            <a:extLst>
+              <a:ext uri="{FF2B5EF4-FFF2-40B4-BE49-F238E27FC236}">
+                <a16:creationId xmlns:a16="http://schemas.microsoft.com/office/drawing/2014/main" id="{004CED11-9D8D-1A4F-A9D6-E3BD669BC98A}"/>
+              </a:ext>
+            </a:extLst>
+          </p:cNvPr>
+          <p:cNvSpPr/>
+          <p:nvPr/>
+        </p:nvSpPr>
+        <p:spPr>
+          <a:xfrm>
+            <a:off x="2717074" y="2063931"/>
+            <a:ext cx="261259" cy="2464525"/>
+          </a:xfrm>
+          <a:prstGeom prst="downArrow">
+            <a:avLst/>
+          </a:prstGeom>
+        </p:spPr>
+        <p:style>
+          <a:lnRef idx="2">
+            <a:schemeClr val="accent1">
+              <a:shade val="50000"/>
+            </a:schemeClr>
+          </a:lnRef>
+          <a:fillRef idx="1">
+            <a:schemeClr val="accent1"/>
+          </a:fillRef>
+          <a:effectRef idx="0">
+            <a:schemeClr val="accent1"/>
+          </a:effectRef>
+          <a:fontRef idx="minor">
+            <a:schemeClr val="lt1"/>
+          </a:fontRef>
+        </p:style>
+        <p:txBody>
+          <a:bodyPr rtlCol="0" anchor="ctr"/>
+          <a:lstStyle/>
+          <a:p>
+            <a:pPr algn="ctr"/>
+            <a:endParaRPr lang="en-US"/>
+          </a:p>
+        </p:txBody>
+      </p:sp>
+      <p:sp>
+        <p:nvSpPr>
+          <p:cNvPr id="14" name="TextBox 13">
+            <a:extLst>
+              <a:ext uri="{FF2B5EF4-FFF2-40B4-BE49-F238E27FC236}">
+                <a16:creationId xmlns:a16="http://schemas.microsoft.com/office/drawing/2014/main" id="{45C2AF0B-DBDC-4846-A2EF-8CE7800A6860}"/>
+              </a:ext>
+            </a:extLst>
+          </p:cNvPr>
+          <p:cNvSpPr txBox="1"/>
+          <p:nvPr/>
+        </p:nvSpPr>
+        <p:spPr>
+          <a:xfrm>
+            <a:off x="2168434" y="2926080"/>
+            <a:ext cx="2185852" cy="369332"/>
+          </a:xfrm>
+          <a:prstGeom prst="rect">
+            <a:avLst/>
+          </a:prstGeom>
+          <a:noFill/>
+        </p:spPr>
+        <p:txBody>
+          <a:bodyPr wrap="square" rtlCol="0">
+            <a:spAutoFit/>
+          </a:bodyPr>
+          <a:lstStyle/>
+          <a:p>
+            <a:r>
+              <a:rPr lang="en-US" dirty="0"/>
+              <a:t>Store Subscription</a:t>
+            </a:r>
+          </a:p>
+        </p:txBody>
+      </p:sp>
+      <p:sp>
+        <p:nvSpPr>
+          <p:cNvPr id="15" name="Up Arrow 14">
+            <a:extLst>
+              <a:ext uri="{FF2B5EF4-FFF2-40B4-BE49-F238E27FC236}">
+                <a16:creationId xmlns:a16="http://schemas.microsoft.com/office/drawing/2014/main" id="{646D4325-8E31-0E40-A69C-1C9A066C6E45}"/>
+              </a:ext>
+            </a:extLst>
+          </p:cNvPr>
+          <p:cNvSpPr/>
+          <p:nvPr/>
+        </p:nvSpPr>
+        <p:spPr>
+          <a:xfrm>
+            <a:off x="679269" y="2063931"/>
+            <a:ext cx="261259" cy="2638698"/>
+          </a:xfrm>
+          <a:prstGeom prst="upArrow">
+            <a:avLst/>
+          </a:prstGeom>
+        </p:spPr>
+        <p:style>
+          <a:lnRef idx="2">
+            <a:schemeClr val="accent1">
+              <a:shade val="50000"/>
+            </a:schemeClr>
+          </a:lnRef>
+          <a:fillRef idx="1">
+            <a:schemeClr val="accent1"/>
+          </a:fillRef>
+          <a:effectRef idx="0">
+            <a:schemeClr val="accent1"/>
+          </a:effectRef>
+          <a:fontRef idx="minor">
+            <a:schemeClr val="lt1"/>
+          </a:fontRef>
+        </p:style>
+        <p:txBody>
+          <a:bodyPr rtlCol="0" anchor="ctr"/>
+          <a:lstStyle/>
+          <a:p>
+            <a:pPr algn="ctr"/>
+            <a:endParaRPr lang="en-US"/>
+          </a:p>
+        </p:txBody>
+      </p:sp>
+      <p:sp>
+        <p:nvSpPr>
+          <p:cNvPr id="16" name="TextBox 15">
+            <a:extLst>
+              <a:ext uri="{FF2B5EF4-FFF2-40B4-BE49-F238E27FC236}">
+                <a16:creationId xmlns:a16="http://schemas.microsoft.com/office/drawing/2014/main" id="{D081C417-34E4-EC41-991F-A416113152FE}"/>
+              </a:ext>
+            </a:extLst>
+          </p:cNvPr>
+          <p:cNvSpPr txBox="1"/>
+          <p:nvPr/>
+        </p:nvSpPr>
+        <p:spPr>
+          <a:xfrm>
+            <a:off x="104503" y="2341151"/>
+            <a:ext cx="2168434" cy="646331"/>
+          </a:xfrm>
+          <a:prstGeom prst="rect">
+            <a:avLst/>
+          </a:prstGeom>
+          <a:noFill/>
+        </p:spPr>
+        <p:txBody>
+          <a:bodyPr wrap="square" rtlCol="0">
+            <a:spAutoFit/>
+          </a:bodyPr>
+          <a:lstStyle/>
+          <a:p>
+            <a:r>
+              <a:rPr lang="en-US" dirty="0"/>
+              <a:t>Notification to UI </a:t>
+            </a:r>
+            <a:r>
+              <a:rPr lang="en-US"/>
+              <a:t>with updated Data</a:t>
+            </a:r>
+          </a:p>
+        </p:txBody>
+      </p:sp>
+    </p:spTree>
+    <p:extLst>
+      <p:ext uri="{BB962C8B-B14F-4D97-AF65-F5344CB8AC3E}">
+        <p14:creationId xmlns:p14="http://schemas.microsoft.com/office/powerpoint/2010/main" val="822037846"/>
       </p:ext>
     </p:extLst>
   </p:cSld>

--- a/Training_Notes_PPTs.pptx
+++ b/Training_Notes_PPTs.pptx
@@ -67,6 +67,7 @@
     <p:sldId id="315" r:id="rId61"/>
     <p:sldId id="316" r:id="rId62"/>
     <p:sldId id="317" r:id="rId63"/>
+    <p:sldId id="318" r:id="rId64"/>
   </p:sldIdLst>
   <p:sldSz cx="12192000" cy="6858000"/>
   <p:notesSz cx="6858000" cy="9144000"/>
@@ -50397,11 +50398,7 @@
           <a:p>
             <a:r>
               <a:rPr lang="en-US" dirty="0"/>
-              <a:t>Notification to UI </a:t>
-            </a:r>
-            <a:r>
-              <a:rPr lang="en-US"/>
-              <a:t>with updated Data</a:t>
+              <a:t>Notification to UI with updated Data</a:t>
             </a:r>
           </a:p>
         </p:txBody>
@@ -50410,6 +50407,1007 @@
     <p:extLst>
       <p:ext uri="{BB962C8B-B14F-4D97-AF65-F5344CB8AC3E}">
         <p14:creationId xmlns:p14="http://schemas.microsoft.com/office/powerpoint/2010/main" val="822037846"/>
+      </p:ext>
+    </p:extLst>
+  </p:cSld>
+  <p:clrMapOvr>
+    <a:masterClrMapping/>
+  </p:clrMapOvr>
+</p:sld>
+</file>
+
+<file path=ppt/slides/slide63.xml><?xml version="1.0" encoding="utf-8"?>
+<p:sld xmlns:a="http://schemas.openxmlformats.org/drawingml/2006/main" xmlns:r="http://schemas.openxmlformats.org/officeDocument/2006/relationships" xmlns:p="http://schemas.openxmlformats.org/presentationml/2006/main">
+  <p:cSld>
+    <p:spTree>
+      <p:nvGrpSpPr>
+        <p:cNvPr id="1" name=""/>
+        <p:cNvGrpSpPr/>
+        <p:nvPr/>
+      </p:nvGrpSpPr>
+      <p:grpSpPr>
+        <a:xfrm>
+          <a:off x="0" y="0"/>
+          <a:ext cx="0" cy="0"/>
+          <a:chOff x="0" y="0"/>
+          <a:chExt cx="0" cy="0"/>
+        </a:xfrm>
+      </p:grpSpPr>
+      <p:sp>
+        <p:nvSpPr>
+          <p:cNvPr id="2" name="Rectangle 1">
+            <a:extLst>
+              <a:ext uri="{FF2B5EF4-FFF2-40B4-BE49-F238E27FC236}">
+                <a16:creationId xmlns:a16="http://schemas.microsoft.com/office/drawing/2014/main" id="{53F43664-7719-8642-B5F2-51FD9172BA10}"/>
+              </a:ext>
+            </a:extLst>
+          </p:cNvPr>
+          <p:cNvSpPr/>
+          <p:nvPr/>
+        </p:nvSpPr>
+        <p:spPr>
+          <a:xfrm>
+            <a:off x="670560" y="1689463"/>
+            <a:ext cx="1706880" cy="801188"/>
+          </a:xfrm>
+          <a:prstGeom prst="rect">
+            <a:avLst/>
+          </a:prstGeom>
+        </p:spPr>
+        <p:style>
+          <a:lnRef idx="2">
+            <a:schemeClr val="accent1">
+              <a:shade val="50000"/>
+            </a:schemeClr>
+          </a:lnRef>
+          <a:fillRef idx="1">
+            <a:schemeClr val="accent1"/>
+          </a:fillRef>
+          <a:effectRef idx="0">
+            <a:schemeClr val="accent1"/>
+          </a:effectRef>
+          <a:fontRef idx="minor">
+            <a:schemeClr val="lt1"/>
+          </a:fontRef>
+        </p:style>
+        <p:txBody>
+          <a:bodyPr rtlCol="0" anchor="ctr"/>
+          <a:lstStyle/>
+          <a:p>
+            <a:pPr algn="ctr"/>
+            <a:r>
+              <a:rPr lang="en-US" dirty="0"/>
+              <a:t>Components</a:t>
+            </a:r>
+          </a:p>
+        </p:txBody>
+      </p:sp>
+      <p:sp>
+        <p:nvSpPr>
+          <p:cNvPr id="3" name="Rectangle 2">
+            <a:extLst>
+              <a:ext uri="{FF2B5EF4-FFF2-40B4-BE49-F238E27FC236}">
+                <a16:creationId xmlns:a16="http://schemas.microsoft.com/office/drawing/2014/main" id="{12B1A75B-A7F1-7342-A725-2341EBEAD0BD}"/>
+              </a:ext>
+            </a:extLst>
+          </p:cNvPr>
+          <p:cNvSpPr/>
+          <p:nvPr/>
+        </p:nvSpPr>
+        <p:spPr>
+          <a:xfrm>
+            <a:off x="3426823" y="1689463"/>
+            <a:ext cx="1706880" cy="801188"/>
+          </a:xfrm>
+          <a:prstGeom prst="rect">
+            <a:avLst/>
+          </a:prstGeom>
+        </p:spPr>
+        <p:style>
+          <a:lnRef idx="2">
+            <a:schemeClr val="accent1">
+              <a:shade val="50000"/>
+            </a:schemeClr>
+          </a:lnRef>
+          <a:fillRef idx="1">
+            <a:schemeClr val="accent1"/>
+          </a:fillRef>
+          <a:effectRef idx="0">
+            <a:schemeClr val="accent1"/>
+          </a:effectRef>
+          <a:fontRef idx="minor">
+            <a:schemeClr val="lt1"/>
+          </a:fontRef>
+        </p:style>
+        <p:txBody>
+          <a:bodyPr rtlCol="0" anchor="ctr"/>
+          <a:lstStyle/>
+          <a:p>
+            <a:pPr algn="ctr"/>
+            <a:r>
+              <a:rPr lang="en-US" dirty="0"/>
+              <a:t>Actions</a:t>
+            </a:r>
+          </a:p>
+          <a:p>
+            <a:pPr algn="ctr"/>
+            <a:r>
+              <a:rPr lang="en-US" dirty="0"/>
+              <a:t>Creator</a:t>
+            </a:r>
+          </a:p>
+        </p:txBody>
+      </p:sp>
+      <p:sp>
+        <p:nvSpPr>
+          <p:cNvPr id="4" name="Right Arrow 3">
+            <a:extLst>
+              <a:ext uri="{FF2B5EF4-FFF2-40B4-BE49-F238E27FC236}">
+                <a16:creationId xmlns:a16="http://schemas.microsoft.com/office/drawing/2014/main" id="{931CDC24-FB47-3C4C-87BD-83BA36B5D26C}"/>
+              </a:ext>
+            </a:extLst>
+          </p:cNvPr>
+          <p:cNvSpPr/>
+          <p:nvPr/>
+        </p:nvSpPr>
+        <p:spPr>
+          <a:xfrm>
+            <a:off x="2377440" y="1994263"/>
+            <a:ext cx="1049383" cy="182880"/>
+          </a:xfrm>
+          <a:prstGeom prst="rightArrow">
+            <a:avLst/>
+          </a:prstGeom>
+          <a:solidFill>
+            <a:srgbClr val="FFFF00"/>
+          </a:solidFill>
+        </p:spPr>
+        <p:style>
+          <a:lnRef idx="2">
+            <a:schemeClr val="accent1">
+              <a:shade val="50000"/>
+            </a:schemeClr>
+          </a:lnRef>
+          <a:fillRef idx="1">
+            <a:schemeClr val="accent1"/>
+          </a:fillRef>
+          <a:effectRef idx="0">
+            <a:schemeClr val="accent1"/>
+          </a:effectRef>
+          <a:fontRef idx="minor">
+            <a:schemeClr val="lt1"/>
+          </a:fontRef>
+        </p:style>
+        <p:txBody>
+          <a:bodyPr rtlCol="0" anchor="ctr"/>
+          <a:lstStyle/>
+          <a:p>
+            <a:pPr algn="ctr"/>
+            <a:endParaRPr lang="en-US"/>
+          </a:p>
+        </p:txBody>
+      </p:sp>
+      <p:sp>
+        <p:nvSpPr>
+          <p:cNvPr id="5" name="Rectangle 4">
+            <a:extLst>
+              <a:ext uri="{FF2B5EF4-FFF2-40B4-BE49-F238E27FC236}">
+                <a16:creationId xmlns:a16="http://schemas.microsoft.com/office/drawing/2014/main" id="{497F4955-7072-F447-A003-0345D014F181}"/>
+              </a:ext>
+            </a:extLst>
+          </p:cNvPr>
+          <p:cNvSpPr/>
+          <p:nvPr/>
+        </p:nvSpPr>
+        <p:spPr>
+          <a:xfrm>
+            <a:off x="3439886" y="3339738"/>
+            <a:ext cx="1706880" cy="801188"/>
+          </a:xfrm>
+          <a:prstGeom prst="rect">
+            <a:avLst/>
+          </a:prstGeom>
+        </p:spPr>
+        <p:style>
+          <a:lnRef idx="2">
+            <a:schemeClr val="accent1">
+              <a:shade val="50000"/>
+            </a:schemeClr>
+          </a:lnRef>
+          <a:fillRef idx="1">
+            <a:schemeClr val="accent1"/>
+          </a:fillRef>
+          <a:effectRef idx="0">
+            <a:schemeClr val="accent1"/>
+          </a:effectRef>
+          <a:fontRef idx="minor">
+            <a:schemeClr val="lt1"/>
+          </a:fontRef>
+        </p:style>
+        <p:txBody>
+          <a:bodyPr rtlCol="0" anchor="ctr"/>
+          <a:lstStyle/>
+          <a:p>
+            <a:pPr algn="ctr"/>
+            <a:r>
+              <a:rPr lang="en-US" dirty="0"/>
+              <a:t>Reducers</a:t>
+            </a:r>
+          </a:p>
+        </p:txBody>
+      </p:sp>
+      <p:sp>
+        <p:nvSpPr>
+          <p:cNvPr id="6" name="Down Arrow 5">
+            <a:extLst>
+              <a:ext uri="{FF2B5EF4-FFF2-40B4-BE49-F238E27FC236}">
+                <a16:creationId xmlns:a16="http://schemas.microsoft.com/office/drawing/2014/main" id="{AD725C83-727F-FE4A-B50A-12AEF88469E1}"/>
+              </a:ext>
+            </a:extLst>
+          </p:cNvPr>
+          <p:cNvSpPr/>
+          <p:nvPr/>
+        </p:nvSpPr>
+        <p:spPr>
+          <a:xfrm>
+            <a:off x="4223657" y="2490651"/>
+            <a:ext cx="148046" cy="849087"/>
+          </a:xfrm>
+          <a:prstGeom prst="downArrow">
+            <a:avLst/>
+          </a:prstGeom>
+          <a:solidFill>
+            <a:srgbClr val="FFFF00"/>
+          </a:solidFill>
+        </p:spPr>
+        <p:style>
+          <a:lnRef idx="2">
+            <a:schemeClr val="accent1">
+              <a:shade val="50000"/>
+            </a:schemeClr>
+          </a:lnRef>
+          <a:fillRef idx="1">
+            <a:schemeClr val="accent1"/>
+          </a:fillRef>
+          <a:effectRef idx="0">
+            <a:schemeClr val="accent1"/>
+          </a:effectRef>
+          <a:fontRef idx="minor">
+            <a:schemeClr val="lt1"/>
+          </a:fontRef>
+        </p:style>
+        <p:txBody>
+          <a:bodyPr rtlCol="0" anchor="ctr"/>
+          <a:lstStyle/>
+          <a:p>
+            <a:pPr algn="ctr"/>
+            <a:endParaRPr lang="en-US"/>
+          </a:p>
+        </p:txBody>
+      </p:sp>
+      <p:sp>
+        <p:nvSpPr>
+          <p:cNvPr id="7" name="Curved Down Arrow 6">
+            <a:extLst>
+              <a:ext uri="{FF2B5EF4-FFF2-40B4-BE49-F238E27FC236}">
+                <a16:creationId xmlns:a16="http://schemas.microsoft.com/office/drawing/2014/main" id="{5ECBBA1E-7028-5E46-A8DC-74EC03B4B585}"/>
+              </a:ext>
+            </a:extLst>
+          </p:cNvPr>
+          <p:cNvSpPr/>
+          <p:nvPr/>
+        </p:nvSpPr>
+        <p:spPr>
+          <a:xfrm>
+            <a:off x="4929051" y="1063674"/>
+            <a:ext cx="2664823" cy="730292"/>
+          </a:xfrm>
+          <a:prstGeom prst="curvedDownArrow">
+            <a:avLst/>
+          </a:prstGeom>
+          <a:solidFill>
+            <a:srgbClr val="FFFF00"/>
+          </a:solidFill>
+        </p:spPr>
+        <p:style>
+          <a:lnRef idx="2">
+            <a:schemeClr val="accent1">
+              <a:shade val="50000"/>
+            </a:schemeClr>
+          </a:lnRef>
+          <a:fillRef idx="1">
+            <a:schemeClr val="accent1"/>
+          </a:fillRef>
+          <a:effectRef idx="0">
+            <a:schemeClr val="accent1"/>
+          </a:effectRef>
+          <a:fontRef idx="minor">
+            <a:schemeClr val="lt1"/>
+          </a:fontRef>
+        </p:style>
+        <p:txBody>
+          <a:bodyPr rtlCol="0" anchor="ctr"/>
+          <a:lstStyle/>
+          <a:p>
+            <a:pPr algn="ctr"/>
+            <a:endParaRPr lang="en-US">
+              <a:solidFill>
+                <a:schemeClr val="tx1"/>
+              </a:solidFill>
+            </a:endParaRPr>
+          </a:p>
+        </p:txBody>
+      </p:sp>
+      <p:sp>
+        <p:nvSpPr>
+          <p:cNvPr id="8" name="TextBox 7">
+            <a:extLst>
+              <a:ext uri="{FF2B5EF4-FFF2-40B4-BE49-F238E27FC236}">
+                <a16:creationId xmlns:a16="http://schemas.microsoft.com/office/drawing/2014/main" id="{47A788D0-E295-BA4D-A544-72CB8077CEF9}"/>
+              </a:ext>
+            </a:extLst>
+          </p:cNvPr>
+          <p:cNvSpPr txBox="1"/>
+          <p:nvPr/>
+        </p:nvSpPr>
+        <p:spPr>
+          <a:xfrm>
+            <a:off x="5268686" y="1811383"/>
+            <a:ext cx="1219200" cy="646331"/>
+          </a:xfrm>
+          <a:prstGeom prst="rect">
+            <a:avLst/>
+          </a:prstGeom>
+          <a:noFill/>
+        </p:spPr>
+        <p:txBody>
+          <a:bodyPr wrap="square" rtlCol="0">
+            <a:spAutoFit/>
+          </a:bodyPr>
+          <a:lstStyle/>
+          <a:p>
+            <a:r>
+              <a:rPr lang="en-US" dirty="0"/>
+              <a:t>Initiate Async Call</a:t>
+            </a:r>
+          </a:p>
+        </p:txBody>
+      </p:sp>
+      <p:sp>
+        <p:nvSpPr>
+          <p:cNvPr id="9" name="Rectangle 8">
+            <a:extLst>
+              <a:ext uri="{FF2B5EF4-FFF2-40B4-BE49-F238E27FC236}">
+                <a16:creationId xmlns:a16="http://schemas.microsoft.com/office/drawing/2014/main" id="{E1EAC8EE-7D27-9C45-B8B9-D489756F9249}"/>
+              </a:ext>
+            </a:extLst>
+          </p:cNvPr>
+          <p:cNvSpPr/>
+          <p:nvPr/>
+        </p:nvSpPr>
+        <p:spPr>
+          <a:xfrm>
+            <a:off x="9022080" y="1776549"/>
+            <a:ext cx="1706880" cy="801188"/>
+          </a:xfrm>
+          <a:prstGeom prst="rect">
+            <a:avLst/>
+          </a:prstGeom>
+        </p:spPr>
+        <p:style>
+          <a:lnRef idx="2">
+            <a:schemeClr val="accent1">
+              <a:shade val="50000"/>
+            </a:schemeClr>
+          </a:lnRef>
+          <a:fillRef idx="1">
+            <a:schemeClr val="accent1"/>
+          </a:fillRef>
+          <a:effectRef idx="0">
+            <a:schemeClr val="accent1"/>
+          </a:effectRef>
+          <a:fontRef idx="minor">
+            <a:schemeClr val="lt1"/>
+          </a:fontRef>
+        </p:style>
+        <p:txBody>
+          <a:bodyPr rtlCol="0" anchor="ctr"/>
+          <a:lstStyle/>
+          <a:p>
+            <a:pPr algn="ctr"/>
+            <a:r>
+              <a:rPr lang="en-US" dirty="0"/>
+              <a:t>Http</a:t>
+            </a:r>
+          </a:p>
+          <a:p>
+            <a:pPr algn="ctr"/>
+            <a:r>
+              <a:rPr lang="en-US" dirty="0"/>
+              <a:t>Service / Promise</a:t>
+            </a:r>
+          </a:p>
+        </p:txBody>
+      </p:sp>
+      <p:sp>
+        <p:nvSpPr>
+          <p:cNvPr id="10" name="Rounded Rectangle 9">
+            <a:extLst>
+              <a:ext uri="{FF2B5EF4-FFF2-40B4-BE49-F238E27FC236}">
+                <a16:creationId xmlns:a16="http://schemas.microsoft.com/office/drawing/2014/main" id="{4E1BFEEC-FF88-E449-8AE8-C21AB3308F4E}"/>
+              </a:ext>
+            </a:extLst>
+          </p:cNvPr>
+          <p:cNvSpPr/>
+          <p:nvPr/>
+        </p:nvSpPr>
+        <p:spPr>
+          <a:xfrm>
+            <a:off x="6662057" y="1811383"/>
+            <a:ext cx="1741714" cy="766354"/>
+          </a:xfrm>
+          <a:prstGeom prst="roundRect">
+            <a:avLst/>
+          </a:prstGeom>
+        </p:spPr>
+        <p:style>
+          <a:lnRef idx="2">
+            <a:schemeClr val="accent1">
+              <a:shade val="50000"/>
+            </a:schemeClr>
+          </a:lnRef>
+          <a:fillRef idx="1">
+            <a:schemeClr val="accent1"/>
+          </a:fillRef>
+          <a:effectRef idx="0">
+            <a:schemeClr val="accent1"/>
+          </a:effectRef>
+          <a:fontRef idx="minor">
+            <a:schemeClr val="lt1"/>
+          </a:fontRef>
+        </p:style>
+        <p:txBody>
+          <a:bodyPr rtlCol="0" anchor="ctr"/>
+          <a:lstStyle/>
+          <a:p>
+            <a:pPr algn="ctr"/>
+            <a:r>
+              <a:rPr lang="en-US" dirty="0"/>
+              <a:t>Middleware</a:t>
+            </a:r>
+          </a:p>
+        </p:txBody>
+      </p:sp>
+      <p:sp>
+        <p:nvSpPr>
+          <p:cNvPr id="12" name="Curved Down Arrow 11">
+            <a:extLst>
+              <a:ext uri="{FF2B5EF4-FFF2-40B4-BE49-F238E27FC236}">
+                <a16:creationId xmlns:a16="http://schemas.microsoft.com/office/drawing/2014/main" id="{21F523F9-4206-714A-A6BD-E680B2171D34}"/>
+              </a:ext>
+            </a:extLst>
+          </p:cNvPr>
+          <p:cNvSpPr/>
+          <p:nvPr/>
+        </p:nvSpPr>
+        <p:spPr>
+          <a:xfrm>
+            <a:off x="7916092" y="1063674"/>
+            <a:ext cx="2098765" cy="747709"/>
+          </a:xfrm>
+          <a:prstGeom prst="curvedDownArrow">
+            <a:avLst/>
+          </a:prstGeom>
+          <a:solidFill>
+            <a:srgbClr val="FFFF00"/>
+          </a:solidFill>
+        </p:spPr>
+        <p:style>
+          <a:lnRef idx="2">
+            <a:schemeClr val="accent1">
+              <a:shade val="50000"/>
+            </a:schemeClr>
+          </a:lnRef>
+          <a:fillRef idx="1">
+            <a:schemeClr val="accent1"/>
+          </a:fillRef>
+          <a:effectRef idx="0">
+            <a:schemeClr val="accent1"/>
+          </a:effectRef>
+          <a:fontRef idx="minor">
+            <a:schemeClr val="lt1"/>
+          </a:fontRef>
+        </p:style>
+        <p:txBody>
+          <a:bodyPr rtlCol="0" anchor="ctr"/>
+          <a:lstStyle/>
+          <a:p>
+            <a:pPr algn="ctr"/>
+            <a:endParaRPr lang="en-US">
+              <a:solidFill>
+                <a:schemeClr val="tx1"/>
+              </a:solidFill>
+            </a:endParaRPr>
+          </a:p>
+        </p:txBody>
+      </p:sp>
+      <p:sp>
+        <p:nvSpPr>
+          <p:cNvPr id="13" name="Curved Down Arrow 12">
+            <a:extLst>
+              <a:ext uri="{FF2B5EF4-FFF2-40B4-BE49-F238E27FC236}">
+                <a16:creationId xmlns:a16="http://schemas.microsoft.com/office/drawing/2014/main" id="{3D4228E5-C371-9D47-8480-338B782CD9B0}"/>
+              </a:ext>
+            </a:extLst>
+          </p:cNvPr>
+          <p:cNvSpPr/>
+          <p:nvPr/>
+        </p:nvSpPr>
+        <p:spPr>
+          <a:xfrm rot="10800000">
+            <a:off x="7820299" y="2558756"/>
+            <a:ext cx="2146663" cy="712875"/>
+          </a:xfrm>
+          <a:prstGeom prst="curvedDownArrow">
+            <a:avLst/>
+          </a:prstGeom>
+          <a:solidFill>
+            <a:srgbClr val="FFFF00"/>
+          </a:solidFill>
+        </p:spPr>
+        <p:style>
+          <a:lnRef idx="2">
+            <a:schemeClr val="accent1">
+              <a:shade val="50000"/>
+            </a:schemeClr>
+          </a:lnRef>
+          <a:fillRef idx="1">
+            <a:schemeClr val="accent1"/>
+          </a:fillRef>
+          <a:effectRef idx="0">
+            <a:schemeClr val="accent1"/>
+          </a:effectRef>
+          <a:fontRef idx="minor">
+            <a:schemeClr val="lt1"/>
+          </a:fontRef>
+        </p:style>
+        <p:txBody>
+          <a:bodyPr rtlCol="0" anchor="ctr"/>
+          <a:lstStyle/>
+          <a:p>
+            <a:pPr algn="ctr"/>
+            <a:endParaRPr lang="en-US">
+              <a:solidFill>
+                <a:schemeClr val="tx1"/>
+              </a:solidFill>
+            </a:endParaRPr>
+          </a:p>
+        </p:txBody>
+      </p:sp>
+      <p:sp>
+        <p:nvSpPr>
+          <p:cNvPr id="14" name="TextBox 13">
+            <a:extLst>
+              <a:ext uri="{FF2B5EF4-FFF2-40B4-BE49-F238E27FC236}">
+                <a16:creationId xmlns:a16="http://schemas.microsoft.com/office/drawing/2014/main" id="{B129B2C7-A844-2147-AB87-8AE9988EB80B}"/>
+              </a:ext>
+            </a:extLst>
+          </p:cNvPr>
+          <p:cNvSpPr txBox="1"/>
+          <p:nvPr/>
+        </p:nvSpPr>
+        <p:spPr>
+          <a:xfrm>
+            <a:off x="7985760" y="3429000"/>
+            <a:ext cx="2656114" cy="2031325"/>
+          </a:xfrm>
+          <a:prstGeom prst="rect">
+            <a:avLst/>
+          </a:prstGeom>
+          <a:noFill/>
+        </p:spPr>
+        <p:txBody>
+          <a:bodyPr wrap="square" rtlCol="0">
+            <a:spAutoFit/>
+          </a:bodyPr>
+          <a:lstStyle/>
+          <a:p>
+            <a:r>
+              <a:rPr lang="en-US" dirty="0"/>
+              <a:t>The Promise based Call will be managed by the Middleware based on Action Dispatched by subscribing to Resolve (Success) or Reject (Error)</a:t>
+            </a:r>
+          </a:p>
+        </p:txBody>
+      </p:sp>
+      <p:sp>
+        <p:nvSpPr>
+          <p:cNvPr id="15" name="Bent Arrow 14">
+            <a:extLst>
+              <a:ext uri="{FF2B5EF4-FFF2-40B4-BE49-F238E27FC236}">
+                <a16:creationId xmlns:a16="http://schemas.microsoft.com/office/drawing/2014/main" id="{119DD92D-7F06-4D45-ADD6-05E3F1203B84}"/>
+              </a:ext>
+            </a:extLst>
+          </p:cNvPr>
+          <p:cNvSpPr/>
+          <p:nvPr/>
+        </p:nvSpPr>
+        <p:spPr>
+          <a:xfrm rot="10800000">
+            <a:off x="5177248" y="2558755"/>
+            <a:ext cx="2259872" cy="1582169"/>
+          </a:xfrm>
+          <a:prstGeom prst="bentArrow">
+            <a:avLst/>
+          </a:prstGeom>
+          <a:solidFill>
+            <a:srgbClr val="FFFF00"/>
+          </a:solidFill>
+        </p:spPr>
+        <p:style>
+          <a:lnRef idx="2">
+            <a:schemeClr val="accent1">
+              <a:shade val="50000"/>
+            </a:schemeClr>
+          </a:lnRef>
+          <a:fillRef idx="1">
+            <a:schemeClr val="accent1"/>
+          </a:fillRef>
+          <a:effectRef idx="0">
+            <a:schemeClr val="accent1"/>
+          </a:effectRef>
+          <a:fontRef idx="minor">
+            <a:schemeClr val="lt1"/>
+          </a:fontRef>
+        </p:style>
+        <p:txBody>
+          <a:bodyPr rtlCol="0" anchor="ctr"/>
+          <a:lstStyle/>
+          <a:p>
+            <a:pPr algn="ctr"/>
+            <a:endParaRPr lang="en-US">
+              <a:solidFill>
+                <a:schemeClr val="tx1"/>
+              </a:solidFill>
+            </a:endParaRPr>
+          </a:p>
+        </p:txBody>
+      </p:sp>
+      <p:sp>
+        <p:nvSpPr>
+          <p:cNvPr id="16" name="TextBox 15">
+            <a:extLst>
+              <a:ext uri="{FF2B5EF4-FFF2-40B4-BE49-F238E27FC236}">
+                <a16:creationId xmlns:a16="http://schemas.microsoft.com/office/drawing/2014/main" id="{D68397D6-EB10-C340-991C-D8C2C635A745}"/>
+              </a:ext>
+            </a:extLst>
+          </p:cNvPr>
+          <p:cNvSpPr txBox="1"/>
+          <p:nvPr/>
+        </p:nvSpPr>
+        <p:spPr>
+          <a:xfrm>
+            <a:off x="5599611" y="4140925"/>
+            <a:ext cx="2146663" cy="1754326"/>
+          </a:xfrm>
+          <a:prstGeom prst="rect">
+            <a:avLst/>
+          </a:prstGeom>
+          <a:noFill/>
+        </p:spPr>
+        <p:txBody>
+          <a:bodyPr wrap="square" rtlCol="0">
+            <a:spAutoFit/>
+          </a:bodyPr>
+          <a:lstStyle/>
+          <a:p>
+            <a:r>
+              <a:rPr lang="en-US" dirty="0"/>
+              <a:t>The Middleware will dispatch the output action</a:t>
+            </a:r>
+          </a:p>
+          <a:p>
+            <a:r>
+              <a:rPr lang="en-US" dirty="0"/>
+              <a:t>ACTION_SUCCESS OR ACTION_FAILED </a:t>
+            </a:r>
+          </a:p>
+        </p:txBody>
+      </p:sp>
+      <p:sp>
+        <p:nvSpPr>
+          <p:cNvPr id="17" name="Can 16">
+            <a:extLst>
+              <a:ext uri="{FF2B5EF4-FFF2-40B4-BE49-F238E27FC236}">
+                <a16:creationId xmlns:a16="http://schemas.microsoft.com/office/drawing/2014/main" id="{AD521AD9-1463-7947-91D0-E2BAF4C4F711}"/>
+              </a:ext>
+            </a:extLst>
+          </p:cNvPr>
+          <p:cNvSpPr/>
+          <p:nvPr/>
+        </p:nvSpPr>
+        <p:spPr>
+          <a:xfrm>
+            <a:off x="396240" y="4615543"/>
+            <a:ext cx="3135086" cy="931817"/>
+          </a:xfrm>
+          <a:prstGeom prst="can">
+            <a:avLst/>
+          </a:prstGeom>
+        </p:spPr>
+        <p:style>
+          <a:lnRef idx="2">
+            <a:schemeClr val="accent1">
+              <a:shade val="50000"/>
+            </a:schemeClr>
+          </a:lnRef>
+          <a:fillRef idx="1">
+            <a:schemeClr val="accent1"/>
+          </a:fillRef>
+          <a:effectRef idx="0">
+            <a:schemeClr val="accent1"/>
+          </a:effectRef>
+          <a:fontRef idx="minor">
+            <a:schemeClr val="lt1"/>
+          </a:fontRef>
+        </p:style>
+        <p:txBody>
+          <a:bodyPr rtlCol="0" anchor="ctr"/>
+          <a:lstStyle/>
+          <a:p>
+            <a:pPr algn="ctr"/>
+            <a:r>
+              <a:rPr lang="en-US" dirty="0"/>
+              <a:t>Store</a:t>
+            </a:r>
+          </a:p>
+        </p:txBody>
+      </p:sp>
+      <p:sp>
+        <p:nvSpPr>
+          <p:cNvPr id="18" name="Bent Arrow 17">
+            <a:extLst>
+              <a:ext uri="{FF2B5EF4-FFF2-40B4-BE49-F238E27FC236}">
+                <a16:creationId xmlns:a16="http://schemas.microsoft.com/office/drawing/2014/main" id="{D1CE752C-5A0A-A447-B01B-98BF7F78FB3B}"/>
+              </a:ext>
+            </a:extLst>
+          </p:cNvPr>
+          <p:cNvSpPr/>
+          <p:nvPr/>
+        </p:nvSpPr>
+        <p:spPr>
+          <a:xfrm rot="10800000">
+            <a:off x="3561806" y="4140924"/>
+            <a:ext cx="1227909" cy="1119052"/>
+          </a:xfrm>
+          <a:prstGeom prst="bentArrow">
+            <a:avLst/>
+          </a:prstGeom>
+          <a:solidFill>
+            <a:srgbClr val="FFFF00"/>
+          </a:solidFill>
+        </p:spPr>
+        <p:style>
+          <a:lnRef idx="2">
+            <a:schemeClr val="accent1">
+              <a:shade val="50000"/>
+            </a:schemeClr>
+          </a:lnRef>
+          <a:fillRef idx="1">
+            <a:schemeClr val="accent1"/>
+          </a:fillRef>
+          <a:effectRef idx="0">
+            <a:schemeClr val="accent1"/>
+          </a:effectRef>
+          <a:fontRef idx="minor">
+            <a:schemeClr val="lt1"/>
+          </a:fontRef>
+        </p:style>
+        <p:txBody>
+          <a:bodyPr rtlCol="0" anchor="ctr"/>
+          <a:lstStyle/>
+          <a:p>
+            <a:pPr algn="ctr"/>
+            <a:endParaRPr lang="en-US">
+              <a:solidFill>
+                <a:schemeClr val="tx1"/>
+              </a:solidFill>
+            </a:endParaRPr>
+          </a:p>
+        </p:txBody>
+      </p:sp>
+      <p:sp>
+        <p:nvSpPr>
+          <p:cNvPr id="19" name="TextBox 18">
+            <a:extLst>
+              <a:ext uri="{FF2B5EF4-FFF2-40B4-BE49-F238E27FC236}">
+                <a16:creationId xmlns:a16="http://schemas.microsoft.com/office/drawing/2014/main" id="{40F3DFA8-04DC-1D49-882B-3396BE236A2D}"/>
+              </a:ext>
+            </a:extLst>
+          </p:cNvPr>
+          <p:cNvSpPr txBox="1"/>
+          <p:nvPr/>
+        </p:nvSpPr>
+        <p:spPr>
+          <a:xfrm>
+            <a:off x="3640183" y="5460325"/>
+            <a:ext cx="1493520" cy="369332"/>
+          </a:xfrm>
+          <a:prstGeom prst="rect">
+            <a:avLst/>
+          </a:prstGeom>
+          <a:noFill/>
+        </p:spPr>
+        <p:txBody>
+          <a:bodyPr wrap="square" rtlCol="0">
+            <a:spAutoFit/>
+          </a:bodyPr>
+          <a:lstStyle/>
+          <a:p>
+            <a:r>
+              <a:rPr lang="en-US" dirty="0"/>
+              <a:t>Store Update</a:t>
+            </a:r>
+          </a:p>
+        </p:txBody>
+      </p:sp>
+      <p:sp>
+        <p:nvSpPr>
+          <p:cNvPr id="20" name="Up Arrow 19">
+            <a:extLst>
+              <a:ext uri="{FF2B5EF4-FFF2-40B4-BE49-F238E27FC236}">
+                <a16:creationId xmlns:a16="http://schemas.microsoft.com/office/drawing/2014/main" id="{C98296B9-104D-B841-8F81-021DB9DBE6B1}"/>
+              </a:ext>
+            </a:extLst>
+          </p:cNvPr>
+          <p:cNvSpPr/>
+          <p:nvPr/>
+        </p:nvSpPr>
+        <p:spPr>
+          <a:xfrm>
+            <a:off x="1314994" y="2490651"/>
+            <a:ext cx="130629" cy="2219954"/>
+          </a:xfrm>
+          <a:prstGeom prst="upArrow">
+            <a:avLst/>
+          </a:prstGeom>
+          <a:solidFill>
+            <a:srgbClr val="FFFF00"/>
+          </a:solidFill>
+        </p:spPr>
+        <p:style>
+          <a:lnRef idx="2">
+            <a:schemeClr val="accent1">
+              <a:shade val="50000"/>
+            </a:schemeClr>
+          </a:lnRef>
+          <a:fillRef idx="1">
+            <a:schemeClr val="accent1"/>
+          </a:fillRef>
+          <a:effectRef idx="0">
+            <a:schemeClr val="accent1"/>
+          </a:effectRef>
+          <a:fontRef idx="minor">
+            <a:schemeClr val="lt1"/>
+          </a:fontRef>
+        </p:style>
+        <p:txBody>
+          <a:bodyPr rtlCol="0" anchor="ctr"/>
+          <a:lstStyle/>
+          <a:p>
+            <a:pPr algn="ctr"/>
+            <a:endParaRPr lang="en-US"/>
+          </a:p>
+        </p:txBody>
+      </p:sp>
+      <p:sp>
+        <p:nvSpPr>
+          <p:cNvPr id="21" name="TextBox 20">
+            <a:extLst>
+              <a:ext uri="{FF2B5EF4-FFF2-40B4-BE49-F238E27FC236}">
+                <a16:creationId xmlns:a16="http://schemas.microsoft.com/office/drawing/2014/main" id="{DB15AA0B-CED0-DC43-A170-F3B445740DC2}"/>
+              </a:ext>
+            </a:extLst>
+          </p:cNvPr>
+          <p:cNvSpPr txBox="1"/>
+          <p:nvPr/>
+        </p:nvSpPr>
+        <p:spPr>
+          <a:xfrm>
+            <a:off x="3383279" y="2741414"/>
+            <a:ext cx="2255521" cy="369332"/>
+          </a:xfrm>
+          <a:prstGeom prst="rect">
+            <a:avLst/>
+          </a:prstGeom>
+          <a:noFill/>
+        </p:spPr>
+        <p:txBody>
+          <a:bodyPr wrap="square" rtlCol="0">
+            <a:spAutoFit/>
+          </a:bodyPr>
+          <a:lstStyle/>
+          <a:p>
+            <a:r>
+              <a:rPr lang="en-US" dirty="0"/>
+              <a:t>Synchronous Call</a:t>
+            </a:r>
+          </a:p>
+        </p:txBody>
+      </p:sp>
+      <p:sp>
+        <p:nvSpPr>
+          <p:cNvPr id="22" name="TextBox 21">
+            <a:extLst>
+              <a:ext uri="{FF2B5EF4-FFF2-40B4-BE49-F238E27FC236}">
+                <a16:creationId xmlns:a16="http://schemas.microsoft.com/office/drawing/2014/main" id="{7F4C9D5F-562A-7247-B5E5-F07D63823262}"/>
+              </a:ext>
+            </a:extLst>
+          </p:cNvPr>
+          <p:cNvSpPr txBox="1"/>
+          <p:nvPr/>
+        </p:nvSpPr>
+        <p:spPr>
+          <a:xfrm>
+            <a:off x="383177" y="106122"/>
+            <a:ext cx="4345577" cy="369332"/>
+          </a:xfrm>
+          <a:prstGeom prst="rect">
+            <a:avLst/>
+          </a:prstGeom>
+          <a:noFill/>
+        </p:spPr>
+        <p:txBody>
+          <a:bodyPr wrap="square" rtlCol="0">
+            <a:spAutoFit/>
+          </a:bodyPr>
+          <a:lstStyle/>
+          <a:p>
+            <a:r>
+              <a:rPr lang="en-US" dirty="0"/>
+              <a:t>Redux when the Action is Asynchronous</a:t>
+            </a:r>
+          </a:p>
+        </p:txBody>
+      </p:sp>
+      <p:sp>
+        <p:nvSpPr>
+          <p:cNvPr id="23" name="TextBox 22">
+            <a:extLst>
+              <a:ext uri="{FF2B5EF4-FFF2-40B4-BE49-F238E27FC236}">
+                <a16:creationId xmlns:a16="http://schemas.microsoft.com/office/drawing/2014/main" id="{B96E9646-B28D-F04B-BC9C-2E7D5FF96CB9}"/>
+              </a:ext>
+            </a:extLst>
+          </p:cNvPr>
+          <p:cNvSpPr txBox="1"/>
+          <p:nvPr/>
+        </p:nvSpPr>
+        <p:spPr>
+          <a:xfrm>
+            <a:off x="2377440" y="1227909"/>
+            <a:ext cx="1153886" cy="646331"/>
+          </a:xfrm>
+          <a:prstGeom prst="rect">
+            <a:avLst/>
+          </a:prstGeom>
+          <a:noFill/>
+        </p:spPr>
+        <p:txBody>
+          <a:bodyPr wrap="square" rtlCol="0">
+            <a:spAutoFit/>
+          </a:bodyPr>
+          <a:lstStyle/>
+          <a:p>
+            <a:r>
+              <a:rPr lang="en-US" dirty="0"/>
+              <a:t>Dispatch Action</a:t>
+            </a:r>
+          </a:p>
+        </p:txBody>
+      </p:sp>
+    </p:spTree>
+    <p:extLst>
+      <p:ext uri="{BB962C8B-B14F-4D97-AF65-F5344CB8AC3E}">
+        <p14:creationId xmlns:p14="http://schemas.microsoft.com/office/powerpoint/2010/main" val="33919128"/>
       </p:ext>
     </p:extLst>
   </p:cSld>

--- a/Training_Notes_PPTs.pptx
+++ b/Training_Notes_PPTs.pptx
@@ -67,7 +67,10 @@
     <p:sldId id="315" r:id="rId61"/>
     <p:sldId id="316" r:id="rId62"/>
     <p:sldId id="317" r:id="rId63"/>
-    <p:sldId id="318" r:id="rId64"/>
+    <p:sldId id="319" r:id="rId64"/>
+    <p:sldId id="318" r:id="rId65"/>
+    <p:sldId id="320" r:id="rId66"/>
+    <p:sldId id="321" r:id="rId67"/>
   </p:sldIdLst>
   <p:sldSz cx="12192000" cy="6858000"/>
   <p:notesSz cx="6858000" cy="9144000"/>
@@ -313,7 +316,7 @@
           <a:p>
             <a:fld id="{587FB2BA-09D0-1840-B49D-E4BDDD8ED284}" type="datetimeFigureOut">
               <a:rPr lang="en-US" smtClean="0"/>
-              <a:t>1/25/21</a:t>
+              <a:t>1/27/21</a:t>
             </a:fld>
             <a:endParaRPr lang="en-US"/>
           </a:p>
@@ -524,7 +527,7 @@
           <a:p>
             <a:fld id="{587FB2BA-09D0-1840-B49D-E4BDDD8ED284}" type="datetimeFigureOut">
               <a:rPr lang="en-US" smtClean="0"/>
-              <a:t>1/25/21</a:t>
+              <a:t>1/27/21</a:t>
             </a:fld>
             <a:endParaRPr lang="en-US"/>
           </a:p>
@@ -739,7 +742,7 @@
           <a:p>
             <a:fld id="{587FB2BA-09D0-1840-B49D-E4BDDD8ED284}" type="datetimeFigureOut">
               <a:rPr lang="en-US" smtClean="0"/>
-              <a:t>1/25/21</a:t>
+              <a:t>1/27/21</a:t>
             </a:fld>
             <a:endParaRPr lang="en-US"/>
           </a:p>
@@ -940,7 +943,7 @@
           <a:p>
             <a:fld id="{587FB2BA-09D0-1840-B49D-E4BDDD8ED284}" type="datetimeFigureOut">
               <a:rPr lang="en-US" smtClean="0"/>
-              <a:t>1/25/21</a:t>
+              <a:t>1/27/21</a:t>
             </a:fld>
             <a:endParaRPr lang="en-US"/>
           </a:p>
@@ -1219,7 +1222,7 @@
           <a:p>
             <a:fld id="{587FB2BA-09D0-1840-B49D-E4BDDD8ED284}" type="datetimeFigureOut">
               <a:rPr lang="en-US" smtClean="0"/>
-              <a:t>1/25/21</a:t>
+              <a:t>1/27/21</a:t>
             </a:fld>
             <a:endParaRPr lang="en-US"/>
           </a:p>
@@ -1487,7 +1490,7 @@
           <a:p>
             <a:fld id="{587FB2BA-09D0-1840-B49D-E4BDDD8ED284}" type="datetimeFigureOut">
               <a:rPr lang="en-US" smtClean="0"/>
-              <a:t>1/25/21</a:t>
+              <a:t>1/27/21</a:t>
             </a:fld>
             <a:endParaRPr lang="en-US"/>
           </a:p>
@@ -1903,7 +1906,7 @@
           <a:p>
             <a:fld id="{587FB2BA-09D0-1840-B49D-E4BDDD8ED284}" type="datetimeFigureOut">
               <a:rPr lang="en-US" smtClean="0"/>
-              <a:t>1/25/21</a:t>
+              <a:t>1/27/21</a:t>
             </a:fld>
             <a:endParaRPr lang="en-US"/>
           </a:p>
@@ -2052,7 +2055,7 @@
           <a:p>
             <a:fld id="{587FB2BA-09D0-1840-B49D-E4BDDD8ED284}" type="datetimeFigureOut">
               <a:rPr lang="en-US" smtClean="0"/>
-              <a:t>1/25/21</a:t>
+              <a:t>1/27/21</a:t>
             </a:fld>
             <a:endParaRPr lang="en-US"/>
           </a:p>
@@ -2178,7 +2181,7 @@
           <a:p>
             <a:fld id="{587FB2BA-09D0-1840-B49D-E4BDDD8ED284}" type="datetimeFigureOut">
               <a:rPr lang="en-US" smtClean="0"/>
-              <a:t>1/25/21</a:t>
+              <a:t>1/27/21</a:t>
             </a:fld>
             <a:endParaRPr lang="en-US"/>
           </a:p>
@@ -2429,7 +2432,7 @@
           <a:p>
             <a:fld id="{587FB2BA-09D0-1840-B49D-E4BDDD8ED284}" type="datetimeFigureOut">
               <a:rPr lang="en-US" smtClean="0"/>
-              <a:t>1/25/21</a:t>
+              <a:t>1/27/21</a:t>
             </a:fld>
             <a:endParaRPr lang="en-US"/>
           </a:p>
@@ -2874,7 +2877,7 @@
           <a:p>
             <a:fld id="{587FB2BA-09D0-1840-B49D-E4BDDD8ED284}" type="datetimeFigureOut">
               <a:rPr lang="en-US" smtClean="0"/>
-              <a:t>1/25/21</a:t>
+              <a:t>1/27/21</a:t>
             </a:fld>
             <a:endParaRPr lang="en-US"/>
           </a:p>
@@ -3201,7 +3204,7 @@
           <a:p>
             <a:fld id="{587FB2BA-09D0-1840-B49D-E4BDDD8ED284}" type="datetimeFigureOut">
               <a:rPr lang="en-US" smtClean="0"/>
-              <a:t>1/25/21</a:t>
+              <a:t>1/27/21</a:t>
             </a:fld>
             <a:endParaRPr lang="en-US"/>
           </a:p>
@@ -50438,17 +50441,17 @@
           <p:cNvPr id="2" name="Rectangle 1">
             <a:extLst>
               <a:ext uri="{FF2B5EF4-FFF2-40B4-BE49-F238E27FC236}">
-                <a16:creationId xmlns:a16="http://schemas.microsoft.com/office/drawing/2014/main" id="{53F43664-7719-8642-B5F2-51FD9172BA10}"/>
-              </a:ext>
-            </a:extLst>
-          </p:cNvPr>
-          <p:cNvSpPr/>
-          <p:nvPr/>
-        </p:nvSpPr>
-        <p:spPr>
-          <a:xfrm>
-            <a:off x="670560" y="1689463"/>
-            <a:ext cx="1706880" cy="801188"/>
+                <a16:creationId xmlns:a16="http://schemas.microsoft.com/office/drawing/2014/main" id="{D565ECD3-5F8E-C343-927D-B5A2A00B30AC}"/>
+              </a:ext>
+            </a:extLst>
+          </p:cNvPr>
+          <p:cNvSpPr/>
+          <p:nvPr/>
+        </p:nvSpPr>
+        <p:spPr>
+          <a:xfrm>
+            <a:off x="330926" y="627017"/>
+            <a:ext cx="4319451" cy="5294812"/>
           </a:xfrm>
           <a:prstGeom prst="rect">
             <a:avLst/>
@@ -50456,126 +50459,95 @@
         </p:spPr>
         <p:style>
           <a:lnRef idx="2">
-            <a:schemeClr val="accent1">
-              <a:shade val="50000"/>
-            </a:schemeClr>
-          </a:lnRef>
-          <a:fillRef idx="1">
-            <a:schemeClr val="accent1"/>
-          </a:fillRef>
-          <a:effectRef idx="0">
-            <a:schemeClr val="accent1"/>
-          </a:effectRef>
-          <a:fontRef idx="minor">
-            <a:schemeClr val="lt1"/>
-          </a:fontRef>
-        </p:style>
-        <p:txBody>
-          <a:bodyPr rtlCol="0" anchor="ctr"/>
-          <a:lstStyle/>
-          <a:p>
-            <a:pPr algn="ctr"/>
-            <a:r>
-              <a:rPr lang="en-US" dirty="0"/>
-              <a:t>Components</a:t>
-            </a:r>
-          </a:p>
-        </p:txBody>
-      </p:sp>
-      <p:sp>
-        <p:nvSpPr>
-          <p:cNvPr id="3" name="Rectangle 2">
-            <a:extLst>
-              <a:ext uri="{FF2B5EF4-FFF2-40B4-BE49-F238E27FC236}">
-                <a16:creationId xmlns:a16="http://schemas.microsoft.com/office/drawing/2014/main" id="{12B1A75B-A7F1-7342-A725-2341EBEAD0BD}"/>
-              </a:ext>
-            </a:extLst>
-          </p:cNvPr>
-          <p:cNvSpPr/>
-          <p:nvPr/>
-        </p:nvSpPr>
-        <p:spPr>
-          <a:xfrm>
-            <a:off x="3426823" y="1689463"/>
-            <a:ext cx="1706880" cy="801188"/>
+            <a:schemeClr val="accent6"/>
+          </a:lnRef>
+          <a:fillRef idx="1">
+            <a:schemeClr val="lt1"/>
+          </a:fillRef>
+          <a:effectRef idx="0">
+            <a:schemeClr val="accent6"/>
+          </a:effectRef>
+          <a:fontRef idx="minor">
+            <a:schemeClr val="dk1"/>
+          </a:fontRef>
+        </p:style>
+        <p:txBody>
+          <a:bodyPr rtlCol="0" anchor="ctr"/>
+          <a:lstStyle/>
+          <a:p>
+            <a:pPr algn="ctr"/>
+            <a:endParaRPr lang="en-US"/>
+          </a:p>
+        </p:txBody>
+      </p:sp>
+      <p:sp>
+        <p:nvSpPr>
+          <p:cNvPr id="3" name="TextBox 2">
+            <a:extLst>
+              <a:ext uri="{FF2B5EF4-FFF2-40B4-BE49-F238E27FC236}">
+                <a16:creationId xmlns:a16="http://schemas.microsoft.com/office/drawing/2014/main" id="{9EE02AA9-09C1-9247-A318-AC9973395D62}"/>
+              </a:ext>
+            </a:extLst>
+          </p:cNvPr>
+          <p:cNvSpPr txBox="1"/>
+          <p:nvPr/>
+        </p:nvSpPr>
+        <p:spPr>
+          <a:xfrm>
+            <a:off x="487680" y="748937"/>
+            <a:ext cx="4005943" cy="369332"/>
           </a:xfrm>
           <a:prstGeom prst="rect">
             <a:avLst/>
           </a:prstGeom>
-        </p:spPr>
-        <p:style>
-          <a:lnRef idx="2">
-            <a:schemeClr val="accent1">
-              <a:shade val="50000"/>
-            </a:schemeClr>
-          </a:lnRef>
-          <a:fillRef idx="1">
-            <a:schemeClr val="accent1"/>
-          </a:fillRef>
-          <a:effectRef idx="0">
-            <a:schemeClr val="accent1"/>
-          </a:effectRef>
-          <a:fontRef idx="minor">
-            <a:schemeClr val="lt1"/>
-          </a:fontRef>
-        </p:style>
-        <p:txBody>
-          <a:bodyPr rtlCol="0" anchor="ctr"/>
-          <a:lstStyle/>
-          <a:p>
-            <a:pPr algn="ctr"/>
-            <a:r>
-              <a:rPr lang="en-US" dirty="0"/>
-              <a:t>Actions</a:t>
-            </a:r>
-          </a:p>
-          <a:p>
-            <a:pPr algn="ctr"/>
-            <a:r>
-              <a:rPr lang="en-US" dirty="0"/>
-              <a:t>Creator</a:t>
-            </a:r>
-          </a:p>
-        </p:txBody>
-      </p:sp>
-      <p:sp>
-        <p:nvSpPr>
-          <p:cNvPr id="4" name="Right Arrow 3">
-            <a:extLst>
-              <a:ext uri="{FF2B5EF4-FFF2-40B4-BE49-F238E27FC236}">
-                <a16:creationId xmlns:a16="http://schemas.microsoft.com/office/drawing/2014/main" id="{931CDC24-FB47-3C4C-87BD-83BA36B5D26C}"/>
-              </a:ext>
-            </a:extLst>
-          </p:cNvPr>
-          <p:cNvSpPr/>
-          <p:nvPr/>
-        </p:nvSpPr>
-        <p:spPr>
-          <a:xfrm>
-            <a:off x="2377440" y="1994263"/>
-            <a:ext cx="1049383" cy="182880"/>
-          </a:xfrm>
-          <a:prstGeom prst="rightArrow">
-            <a:avLst/>
-          </a:prstGeom>
-          <a:solidFill>
-            <a:srgbClr val="FFFF00"/>
-          </a:solidFill>
-        </p:spPr>
-        <p:style>
-          <a:lnRef idx="2">
-            <a:schemeClr val="accent1">
-              <a:shade val="50000"/>
-            </a:schemeClr>
-          </a:lnRef>
-          <a:fillRef idx="1">
-            <a:schemeClr val="accent1"/>
-          </a:fillRef>
-          <a:effectRef idx="0">
-            <a:schemeClr val="accent1"/>
-          </a:effectRef>
-          <a:fontRef idx="minor">
-            <a:schemeClr val="lt1"/>
+          <a:noFill/>
+        </p:spPr>
+        <p:txBody>
+          <a:bodyPr wrap="square" rtlCol="0">
+            <a:spAutoFit/>
+          </a:bodyPr>
+          <a:lstStyle/>
+          <a:p>
+            <a:r>
+              <a:rPr lang="en-US" dirty="0"/>
+              <a:t>Provider store={store}</a:t>
+            </a:r>
+          </a:p>
+        </p:txBody>
+      </p:sp>
+      <p:sp>
+        <p:nvSpPr>
+          <p:cNvPr id="4" name="Rounded Rectangle 3">
+            <a:extLst>
+              <a:ext uri="{FF2B5EF4-FFF2-40B4-BE49-F238E27FC236}">
+                <a16:creationId xmlns:a16="http://schemas.microsoft.com/office/drawing/2014/main" id="{E5AC1733-BF6C-1B48-A01D-88793EC838B5}"/>
+              </a:ext>
+            </a:extLst>
+          </p:cNvPr>
+          <p:cNvSpPr/>
+          <p:nvPr/>
+        </p:nvSpPr>
+        <p:spPr>
+          <a:xfrm>
+            <a:off x="444137" y="1297577"/>
+            <a:ext cx="4119154" cy="4511040"/>
+          </a:xfrm>
+          <a:prstGeom prst="roundRect">
+            <a:avLst/>
+          </a:prstGeom>
+        </p:spPr>
+        <p:style>
+          <a:lnRef idx="1">
+            <a:schemeClr val="accent3"/>
+          </a:lnRef>
+          <a:fillRef idx="2">
+            <a:schemeClr val="accent3"/>
+          </a:fillRef>
+          <a:effectRef idx="1">
+            <a:schemeClr val="accent3"/>
+          </a:effectRef>
+          <a:fontRef idx="minor">
+            <a:schemeClr val="dk1"/>
           </a:fontRef>
         </p:style>
         <p:txBody>
@@ -50589,120 +50561,97 @@
       </p:sp>
       <p:sp>
         <p:nvSpPr>
-          <p:cNvPr id="5" name="Rectangle 4">
-            <a:extLst>
-              <a:ext uri="{FF2B5EF4-FFF2-40B4-BE49-F238E27FC236}">
-                <a16:creationId xmlns:a16="http://schemas.microsoft.com/office/drawing/2014/main" id="{497F4955-7072-F447-A003-0345D014F181}"/>
-              </a:ext>
-            </a:extLst>
-          </p:cNvPr>
-          <p:cNvSpPr/>
-          <p:nvPr/>
-        </p:nvSpPr>
-        <p:spPr>
-          <a:xfrm>
-            <a:off x="3439886" y="3339738"/>
-            <a:ext cx="1706880" cy="801188"/>
+          <p:cNvPr id="5" name="TextBox 4">
+            <a:extLst>
+              <a:ext uri="{FF2B5EF4-FFF2-40B4-BE49-F238E27FC236}">
+                <a16:creationId xmlns:a16="http://schemas.microsoft.com/office/drawing/2014/main" id="{24A97186-228D-BA4C-BB35-98E75AB40EA9}"/>
+              </a:ext>
+            </a:extLst>
+          </p:cNvPr>
+          <p:cNvSpPr txBox="1"/>
+          <p:nvPr/>
+        </p:nvSpPr>
+        <p:spPr>
+          <a:xfrm>
+            <a:off x="1001486" y="1402080"/>
+            <a:ext cx="2952205" cy="369332"/>
           </a:xfrm>
           <a:prstGeom prst="rect">
             <a:avLst/>
           </a:prstGeom>
-        </p:spPr>
-        <p:style>
-          <a:lnRef idx="2">
-            <a:schemeClr val="accent1">
-              <a:shade val="50000"/>
-            </a:schemeClr>
-          </a:lnRef>
-          <a:fillRef idx="1">
-            <a:schemeClr val="accent1"/>
-          </a:fillRef>
-          <a:effectRef idx="0">
-            <a:schemeClr val="accent1"/>
-          </a:effectRef>
-          <a:fontRef idx="minor">
-            <a:schemeClr val="lt1"/>
-          </a:fontRef>
-        </p:style>
-        <p:txBody>
-          <a:bodyPr rtlCol="0" anchor="ctr"/>
-          <a:lstStyle/>
-          <a:p>
-            <a:pPr algn="ctr"/>
-            <a:r>
-              <a:rPr lang="en-US" dirty="0"/>
-              <a:t>Reducers</a:t>
-            </a:r>
-          </a:p>
-        </p:txBody>
-      </p:sp>
-      <p:sp>
-        <p:nvSpPr>
-          <p:cNvPr id="6" name="Down Arrow 5">
-            <a:extLst>
-              <a:ext uri="{FF2B5EF4-FFF2-40B4-BE49-F238E27FC236}">
-                <a16:creationId xmlns:a16="http://schemas.microsoft.com/office/drawing/2014/main" id="{AD725C83-727F-FE4A-B50A-12AEF88469E1}"/>
-              </a:ext>
-            </a:extLst>
-          </p:cNvPr>
-          <p:cNvSpPr/>
-          <p:nvPr/>
-        </p:nvSpPr>
-        <p:spPr>
-          <a:xfrm>
-            <a:off x="4223657" y="2490651"/>
-            <a:ext cx="148046" cy="849087"/>
-          </a:xfrm>
-          <a:prstGeom prst="downArrow">
-            <a:avLst/>
-          </a:prstGeom>
-          <a:solidFill>
-            <a:srgbClr val="FFFF00"/>
-          </a:solidFill>
-        </p:spPr>
-        <p:style>
-          <a:lnRef idx="2">
-            <a:schemeClr val="accent1">
-              <a:shade val="50000"/>
-            </a:schemeClr>
-          </a:lnRef>
-          <a:fillRef idx="1">
-            <a:schemeClr val="accent1"/>
-          </a:fillRef>
-          <a:effectRef idx="0">
-            <a:schemeClr val="accent1"/>
-          </a:effectRef>
-          <a:fontRef idx="minor">
-            <a:schemeClr val="lt1"/>
-          </a:fontRef>
-        </p:style>
-        <p:txBody>
-          <a:bodyPr rtlCol="0" anchor="ctr"/>
-          <a:lstStyle/>
-          <a:p>
-            <a:pPr algn="ctr"/>
-            <a:endParaRPr lang="en-US"/>
-          </a:p>
-        </p:txBody>
-      </p:sp>
-      <p:sp>
-        <p:nvSpPr>
-          <p:cNvPr id="7" name="Curved Down Arrow 6">
-            <a:extLst>
-              <a:ext uri="{FF2B5EF4-FFF2-40B4-BE49-F238E27FC236}">
-                <a16:creationId xmlns:a16="http://schemas.microsoft.com/office/drawing/2014/main" id="{5ECBBA1E-7028-5E46-A8DC-74EC03B4B585}"/>
-              </a:ext>
-            </a:extLst>
-          </p:cNvPr>
-          <p:cNvSpPr/>
-          <p:nvPr/>
-        </p:nvSpPr>
-        <p:spPr>
-          <a:xfrm>
-            <a:off x="4929051" y="1063674"/>
-            <a:ext cx="2664823" cy="730292"/>
-          </a:xfrm>
-          <a:prstGeom prst="curvedDownArrow">
+          <a:noFill/>
+        </p:spPr>
+        <p:txBody>
+          <a:bodyPr wrap="square" rtlCol="0">
+            <a:spAutoFit/>
+          </a:bodyPr>
+          <a:lstStyle/>
+          <a:p>
+            <a:r>
+              <a:rPr lang="en-US" dirty="0" err="1"/>
+              <a:t>MainComponent</a:t>
+            </a:r>
+            <a:endParaRPr lang="en-US" dirty="0"/>
+          </a:p>
+        </p:txBody>
+      </p:sp>
+      <p:cxnSp>
+        <p:nvCxnSpPr>
+          <p:cNvPr id="7" name="Straight Arrow Connector 6">
+            <a:extLst>
+              <a:ext uri="{FF2B5EF4-FFF2-40B4-BE49-F238E27FC236}">
+                <a16:creationId xmlns:a16="http://schemas.microsoft.com/office/drawing/2014/main" id="{F37C4C86-94A2-8F47-85E2-1F60F943273D}"/>
+              </a:ext>
+            </a:extLst>
+          </p:cNvPr>
+          <p:cNvCxnSpPr/>
+          <p:nvPr/>
+        </p:nvCxnSpPr>
+        <p:spPr>
+          <a:xfrm>
+            <a:off x="2412274" y="1118269"/>
+            <a:ext cx="0" cy="388314"/>
+          </a:xfrm>
+          <a:prstGeom prst="straightConnector1">
+            <a:avLst/>
+          </a:prstGeom>
+          <a:ln>
+            <a:tailEnd type="triangle"/>
+          </a:ln>
+        </p:spPr>
+        <p:style>
+          <a:lnRef idx="1">
+            <a:schemeClr val="accent1"/>
+          </a:lnRef>
+          <a:fillRef idx="0">
+            <a:schemeClr val="accent1"/>
+          </a:fillRef>
+          <a:effectRef idx="0">
+            <a:schemeClr val="accent1"/>
+          </a:effectRef>
+          <a:fontRef idx="minor">
+            <a:schemeClr val="tx1"/>
+          </a:fontRef>
+        </p:style>
+      </p:cxnSp>
+      <p:sp>
+        <p:nvSpPr>
+          <p:cNvPr id="8" name="Bent Arrow 7">
+            <a:extLst>
+              <a:ext uri="{FF2B5EF4-FFF2-40B4-BE49-F238E27FC236}">
+                <a16:creationId xmlns:a16="http://schemas.microsoft.com/office/drawing/2014/main" id="{7AED0393-E0D8-2249-87F4-4B36EB556152}"/>
+              </a:ext>
+            </a:extLst>
+          </p:cNvPr>
+          <p:cNvSpPr/>
+          <p:nvPr/>
+        </p:nvSpPr>
+        <p:spPr>
+          <a:xfrm flipH="1">
+            <a:off x="2769325" y="738445"/>
+            <a:ext cx="6853639" cy="726382"/>
+          </a:xfrm>
+          <a:prstGeom prst="bentArrow">
             <a:avLst/>
           </a:prstGeom>
           <a:solidFill>
@@ -50740,10 +50689,10 @@
       </p:sp>
       <p:sp>
         <p:nvSpPr>
-          <p:cNvPr id="8" name="TextBox 7">
-            <a:extLst>
-              <a:ext uri="{FF2B5EF4-FFF2-40B4-BE49-F238E27FC236}">
-                <a16:creationId xmlns:a16="http://schemas.microsoft.com/office/drawing/2014/main" id="{47A788D0-E295-BA4D-A544-72CB8077CEF9}"/>
+          <p:cNvPr id="9" name="TextBox 8">
+            <a:extLst>
+              <a:ext uri="{FF2B5EF4-FFF2-40B4-BE49-F238E27FC236}">
+                <a16:creationId xmlns:a16="http://schemas.microsoft.com/office/drawing/2014/main" id="{E4DA1DE6-BAF6-C844-89B4-5760E3361A4B}"/>
               </a:ext>
             </a:extLst>
           </p:cNvPr>
@@ -50752,8 +50701,8 @@
         </p:nvSpPr>
         <p:spPr>
           <a:xfrm>
-            <a:off x="5268686" y="1811383"/>
-            <a:ext cx="1219200" cy="646331"/>
+            <a:off x="8604069" y="1402080"/>
+            <a:ext cx="2542902" cy="369332"/>
           </a:xfrm>
           <a:prstGeom prst="rect">
             <a:avLst/>
@@ -50768,27 +50717,27 @@
           <a:p>
             <a:r>
               <a:rPr lang="en-US" dirty="0"/>
-              <a:t>Initiate Async Call</a:t>
-            </a:r>
-          </a:p>
-        </p:txBody>
-      </p:sp>
-      <p:sp>
-        <p:nvSpPr>
-          <p:cNvPr id="9" name="Rectangle 8">
-            <a:extLst>
-              <a:ext uri="{FF2B5EF4-FFF2-40B4-BE49-F238E27FC236}">
-                <a16:creationId xmlns:a16="http://schemas.microsoft.com/office/drawing/2014/main" id="{E1EAC8EE-7D27-9C45-B8B9-D489756F9249}"/>
-              </a:ext>
-            </a:extLst>
-          </p:cNvPr>
-          <p:cNvSpPr/>
-          <p:nvPr/>
-        </p:nvSpPr>
-        <p:spPr>
-          <a:xfrm>
-            <a:off x="9022080" y="1776549"/>
-            <a:ext cx="1706880" cy="801188"/>
+              <a:t>Reducer</a:t>
+            </a:r>
+          </a:p>
+        </p:txBody>
+      </p:sp>
+      <p:sp>
+        <p:nvSpPr>
+          <p:cNvPr id="10" name="Rectangle 9">
+            <a:extLst>
+              <a:ext uri="{FF2B5EF4-FFF2-40B4-BE49-F238E27FC236}">
+                <a16:creationId xmlns:a16="http://schemas.microsoft.com/office/drawing/2014/main" id="{C18AECC5-0F7F-8346-80BB-51940B1840BE}"/>
+              </a:ext>
+            </a:extLst>
+          </p:cNvPr>
+          <p:cNvSpPr/>
+          <p:nvPr/>
+        </p:nvSpPr>
+        <p:spPr>
+          <a:xfrm>
+            <a:off x="583474" y="2194560"/>
+            <a:ext cx="3910149" cy="957943"/>
           </a:xfrm>
           <a:prstGeom prst="rect">
             <a:avLst/>
@@ -50816,86 +50765,359 @@
           <a:p>
             <a:pPr algn="ctr"/>
             <a:r>
-              <a:rPr lang="en-US" dirty="0"/>
-              <a:t>Http</a:t>
-            </a:r>
-          </a:p>
-          <a:p>
-            <a:pPr algn="ctr"/>
-            <a:r>
-              <a:rPr lang="en-US" dirty="0"/>
-              <a:t>Service / Promise</a:t>
-            </a:r>
-          </a:p>
-        </p:txBody>
-      </p:sp>
-      <p:sp>
-        <p:nvSpPr>
-          <p:cNvPr id="10" name="Rounded Rectangle 9">
-            <a:extLst>
-              <a:ext uri="{FF2B5EF4-FFF2-40B4-BE49-F238E27FC236}">
-                <a16:creationId xmlns:a16="http://schemas.microsoft.com/office/drawing/2014/main" id="{4E1BFEEC-FF88-E449-8AE8-C21AB3308F4E}"/>
-              </a:ext>
-            </a:extLst>
-          </p:cNvPr>
-          <p:cNvSpPr/>
-          <p:nvPr/>
-        </p:nvSpPr>
-        <p:spPr>
-          <a:xfrm>
-            <a:off x="6662057" y="1811383"/>
-            <a:ext cx="1741714" cy="766354"/>
-          </a:xfrm>
-          <a:prstGeom prst="roundRect">
-            <a:avLst/>
-          </a:prstGeom>
-        </p:spPr>
-        <p:style>
-          <a:lnRef idx="2">
-            <a:schemeClr val="accent1">
-              <a:shade val="50000"/>
-            </a:schemeClr>
-          </a:lnRef>
-          <a:fillRef idx="1">
-            <a:schemeClr val="accent1"/>
-          </a:fillRef>
-          <a:effectRef idx="0">
-            <a:schemeClr val="accent1"/>
-          </a:effectRef>
-          <a:fontRef idx="minor">
-            <a:schemeClr val="lt1"/>
-          </a:fontRef>
-        </p:style>
-        <p:txBody>
-          <a:bodyPr rtlCol="0" anchor="ctr"/>
-          <a:lstStyle/>
-          <a:p>
-            <a:pPr algn="ctr"/>
-            <a:r>
-              <a:rPr lang="en-US" dirty="0"/>
-              <a:t>Middleware</a:t>
-            </a:r>
-          </a:p>
-        </p:txBody>
-      </p:sp>
-      <p:sp>
-        <p:nvSpPr>
-          <p:cNvPr id="12" name="Curved Down Arrow 11">
-            <a:extLst>
-              <a:ext uri="{FF2B5EF4-FFF2-40B4-BE49-F238E27FC236}">
-                <a16:creationId xmlns:a16="http://schemas.microsoft.com/office/drawing/2014/main" id="{21F523F9-4206-714A-A6BD-E680B2171D34}"/>
-              </a:ext>
-            </a:extLst>
-          </p:cNvPr>
-          <p:cNvSpPr/>
-          <p:nvPr/>
-        </p:nvSpPr>
-        <p:spPr>
-          <a:xfrm>
-            <a:off x="7916092" y="1063674"/>
-            <a:ext cx="2098765" cy="747709"/>
-          </a:xfrm>
-          <a:prstGeom prst="curvedDownArrow">
+              <a:rPr lang="en-US" dirty="0" err="1"/>
+              <a:t>CreateEmployee</a:t>
+            </a:r>
+            <a:endParaRPr lang="en-US" dirty="0"/>
+          </a:p>
+        </p:txBody>
+      </p:sp>
+      <p:sp>
+        <p:nvSpPr>
+          <p:cNvPr id="11" name="Rectangle 10">
+            <a:extLst>
+              <a:ext uri="{FF2B5EF4-FFF2-40B4-BE49-F238E27FC236}">
+                <a16:creationId xmlns:a16="http://schemas.microsoft.com/office/drawing/2014/main" id="{E030B44B-7059-DE45-A0C7-D29D6134D7EC}"/>
+              </a:ext>
+            </a:extLst>
+          </p:cNvPr>
+          <p:cNvSpPr/>
+          <p:nvPr/>
+        </p:nvSpPr>
+        <p:spPr>
+          <a:xfrm>
+            <a:off x="548639" y="4001588"/>
+            <a:ext cx="3910149" cy="957943"/>
+          </a:xfrm>
+          <a:prstGeom prst="rect">
+            <a:avLst/>
+          </a:prstGeom>
+        </p:spPr>
+        <p:style>
+          <a:lnRef idx="2">
+            <a:schemeClr val="accent1">
+              <a:shade val="50000"/>
+            </a:schemeClr>
+          </a:lnRef>
+          <a:fillRef idx="1">
+            <a:schemeClr val="accent1"/>
+          </a:fillRef>
+          <a:effectRef idx="0">
+            <a:schemeClr val="accent1"/>
+          </a:effectRef>
+          <a:fontRef idx="minor">
+            <a:schemeClr val="lt1"/>
+          </a:fontRef>
+        </p:style>
+        <p:txBody>
+          <a:bodyPr rtlCol="0" anchor="ctr"/>
+          <a:lstStyle/>
+          <a:p>
+            <a:pPr algn="ctr"/>
+            <a:r>
+              <a:rPr lang="en-US" dirty="0" err="1"/>
+              <a:t>ListEmployee</a:t>
+            </a:r>
+            <a:endParaRPr lang="en-US" dirty="0"/>
+          </a:p>
+        </p:txBody>
+      </p:sp>
+      <p:sp>
+        <p:nvSpPr>
+          <p:cNvPr id="12" name="Rectangle 11">
+            <a:extLst>
+              <a:ext uri="{FF2B5EF4-FFF2-40B4-BE49-F238E27FC236}">
+                <a16:creationId xmlns:a16="http://schemas.microsoft.com/office/drawing/2014/main" id="{F946B4EC-5201-8146-95D6-D4B93F4E76E6}"/>
+              </a:ext>
+            </a:extLst>
+          </p:cNvPr>
+          <p:cNvSpPr/>
+          <p:nvPr/>
+        </p:nvSpPr>
+        <p:spPr>
+          <a:xfrm>
+            <a:off x="6392091" y="2421766"/>
+            <a:ext cx="3448594" cy="2664823"/>
+          </a:xfrm>
+          <a:prstGeom prst="rect">
+            <a:avLst/>
+          </a:prstGeom>
+        </p:spPr>
+        <p:style>
+          <a:lnRef idx="2">
+            <a:schemeClr val="accent6"/>
+          </a:lnRef>
+          <a:fillRef idx="1">
+            <a:schemeClr val="lt1"/>
+          </a:fillRef>
+          <a:effectRef idx="0">
+            <a:schemeClr val="accent6"/>
+          </a:effectRef>
+          <a:fontRef idx="minor">
+            <a:schemeClr val="dk1"/>
+          </a:fontRef>
+        </p:style>
+        <p:txBody>
+          <a:bodyPr rtlCol="0" anchor="ctr"/>
+          <a:lstStyle/>
+          <a:p>
+            <a:pPr algn="ctr"/>
+            <a:endParaRPr lang="en-US" dirty="0"/>
+          </a:p>
+        </p:txBody>
+      </p:sp>
+      <p:sp>
+        <p:nvSpPr>
+          <p:cNvPr id="13" name="TextBox 12">
+            <a:extLst>
+              <a:ext uri="{FF2B5EF4-FFF2-40B4-BE49-F238E27FC236}">
+                <a16:creationId xmlns:a16="http://schemas.microsoft.com/office/drawing/2014/main" id="{05A334C5-FA2E-2341-A954-6F431E88C69E}"/>
+              </a:ext>
+            </a:extLst>
+          </p:cNvPr>
+          <p:cNvSpPr txBox="1"/>
+          <p:nvPr/>
+        </p:nvSpPr>
+        <p:spPr>
+          <a:xfrm>
+            <a:off x="6801394" y="2551611"/>
+            <a:ext cx="2577737" cy="369332"/>
+          </a:xfrm>
+          <a:prstGeom prst="rect">
+            <a:avLst/>
+          </a:prstGeom>
+          <a:noFill/>
+        </p:spPr>
+        <p:txBody>
+          <a:bodyPr wrap="square" rtlCol="0">
+            <a:spAutoFit/>
+          </a:bodyPr>
+          <a:lstStyle/>
+          <a:p>
+            <a:r>
+              <a:rPr lang="en-US" dirty="0"/>
+              <a:t>Action(s)</a:t>
+            </a:r>
+          </a:p>
+        </p:txBody>
+      </p:sp>
+      <p:sp>
+        <p:nvSpPr>
+          <p:cNvPr id="14" name="Rectangle 13">
+            <a:extLst>
+              <a:ext uri="{FF2B5EF4-FFF2-40B4-BE49-F238E27FC236}">
+                <a16:creationId xmlns:a16="http://schemas.microsoft.com/office/drawing/2014/main" id="{2547F124-7478-9349-82BF-F58D44DD36D5}"/>
+              </a:ext>
+            </a:extLst>
+          </p:cNvPr>
+          <p:cNvSpPr/>
+          <p:nvPr/>
+        </p:nvSpPr>
+        <p:spPr>
+          <a:xfrm>
+            <a:off x="6548846" y="3056708"/>
+            <a:ext cx="2899954" cy="1663338"/>
+          </a:xfrm>
+          <a:prstGeom prst="rect">
+            <a:avLst/>
+          </a:prstGeom>
+        </p:spPr>
+        <p:style>
+          <a:lnRef idx="2">
+            <a:schemeClr val="accent1">
+              <a:shade val="50000"/>
+            </a:schemeClr>
+          </a:lnRef>
+          <a:fillRef idx="1">
+            <a:schemeClr val="accent1"/>
+          </a:fillRef>
+          <a:effectRef idx="0">
+            <a:schemeClr val="accent1"/>
+          </a:effectRef>
+          <a:fontRef idx="minor">
+            <a:schemeClr val="lt1"/>
+          </a:fontRef>
+        </p:style>
+        <p:txBody>
+          <a:bodyPr rtlCol="0" anchor="ctr"/>
+          <a:lstStyle/>
+          <a:p>
+            <a:pPr algn="ctr"/>
+            <a:endParaRPr lang="en-US" dirty="0"/>
+          </a:p>
+        </p:txBody>
+      </p:sp>
+      <p:sp>
+        <p:nvSpPr>
+          <p:cNvPr id="15" name="TextBox 14">
+            <a:extLst>
+              <a:ext uri="{FF2B5EF4-FFF2-40B4-BE49-F238E27FC236}">
+                <a16:creationId xmlns:a16="http://schemas.microsoft.com/office/drawing/2014/main" id="{C49A5982-5745-904A-966F-D09CBE6955EF}"/>
+              </a:ext>
+            </a:extLst>
+          </p:cNvPr>
+          <p:cNvSpPr txBox="1"/>
+          <p:nvPr/>
+        </p:nvSpPr>
+        <p:spPr>
+          <a:xfrm>
+            <a:off x="6705600" y="3172097"/>
+            <a:ext cx="2560320" cy="1200329"/>
+          </a:xfrm>
+          <a:prstGeom prst="rect">
+            <a:avLst/>
+          </a:prstGeom>
+          <a:noFill/>
+        </p:spPr>
+        <p:txBody>
+          <a:bodyPr wrap="square" rtlCol="0">
+            <a:spAutoFit/>
+          </a:bodyPr>
+          <a:lstStyle/>
+          <a:p>
+            <a:r>
+              <a:rPr lang="en-US" sz="1200" dirty="0" err="1"/>
+              <a:t>addEmployee</a:t>
+            </a:r>
+            <a:r>
+              <a:rPr lang="en-US" sz="1200" dirty="0"/>
+              <a:t> =(employee)=&gt;{</a:t>
+            </a:r>
+          </a:p>
+          <a:p>
+            <a:r>
+              <a:rPr lang="en-US" sz="1200" dirty="0"/>
+              <a:t> return {</a:t>
+            </a:r>
+          </a:p>
+          <a:p>
+            <a:r>
+              <a:rPr lang="en-US" sz="1200" dirty="0"/>
+              <a:t> type: ‘ADD_EMPLOYEE’,</a:t>
+            </a:r>
+          </a:p>
+          <a:p>
+            <a:r>
+              <a:rPr lang="en-US" sz="1200" dirty="0"/>
+              <a:t>employee</a:t>
+            </a:r>
+          </a:p>
+          <a:p>
+            <a:r>
+              <a:rPr lang="en-US" sz="1200" dirty="0"/>
+              <a:t>}</a:t>
+            </a:r>
+          </a:p>
+          <a:p>
+            <a:r>
+              <a:rPr lang="en-US" sz="1200" dirty="0"/>
+              <a:t>}</a:t>
+            </a:r>
+          </a:p>
+        </p:txBody>
+      </p:sp>
+      <p:sp>
+        <p:nvSpPr>
+          <p:cNvPr id="16" name="Right Arrow 15">
+            <a:extLst>
+              <a:ext uri="{FF2B5EF4-FFF2-40B4-BE49-F238E27FC236}">
+                <a16:creationId xmlns:a16="http://schemas.microsoft.com/office/drawing/2014/main" id="{150203B7-2D4B-E746-85C2-646E35FBB526}"/>
+              </a:ext>
+            </a:extLst>
+          </p:cNvPr>
+          <p:cNvSpPr/>
+          <p:nvPr/>
+        </p:nvSpPr>
+        <p:spPr>
+          <a:xfrm>
+            <a:off x="4458788" y="3056708"/>
+            <a:ext cx="2090058" cy="115389"/>
+          </a:xfrm>
+          <a:prstGeom prst="rightArrow">
+            <a:avLst/>
+          </a:prstGeom>
+          <a:solidFill>
+            <a:srgbClr val="FFFF00"/>
+          </a:solidFill>
+        </p:spPr>
+        <p:style>
+          <a:lnRef idx="2">
+            <a:schemeClr val="accent1">
+              <a:shade val="50000"/>
+            </a:schemeClr>
+          </a:lnRef>
+          <a:fillRef idx="1">
+            <a:schemeClr val="accent1"/>
+          </a:fillRef>
+          <a:effectRef idx="0">
+            <a:schemeClr val="accent1"/>
+          </a:effectRef>
+          <a:fontRef idx="minor">
+            <a:schemeClr val="lt1"/>
+          </a:fontRef>
+        </p:style>
+        <p:txBody>
+          <a:bodyPr rtlCol="0" anchor="ctr"/>
+          <a:lstStyle/>
+          <a:p>
+            <a:pPr algn="ctr"/>
+            <a:endParaRPr lang="en-US"/>
+          </a:p>
+        </p:txBody>
+      </p:sp>
+      <p:sp>
+        <p:nvSpPr>
+          <p:cNvPr id="17" name="TextBox 16">
+            <a:extLst>
+              <a:ext uri="{FF2B5EF4-FFF2-40B4-BE49-F238E27FC236}">
+                <a16:creationId xmlns:a16="http://schemas.microsoft.com/office/drawing/2014/main" id="{5258342A-2FEB-0843-8642-56C260401660}"/>
+              </a:ext>
+            </a:extLst>
+          </p:cNvPr>
+          <p:cNvSpPr txBox="1"/>
+          <p:nvPr/>
+        </p:nvSpPr>
+        <p:spPr>
+          <a:xfrm>
+            <a:off x="4650377" y="2673531"/>
+            <a:ext cx="1545767" cy="383177"/>
+          </a:xfrm>
+          <a:prstGeom prst="rect">
+            <a:avLst/>
+          </a:prstGeom>
+          <a:noFill/>
+        </p:spPr>
+        <p:txBody>
+          <a:bodyPr wrap="square" rtlCol="0">
+            <a:spAutoFit/>
+          </a:bodyPr>
+          <a:lstStyle/>
+          <a:p>
+            <a:r>
+              <a:rPr lang="en-US" dirty="0"/>
+              <a:t>Dispatch</a:t>
+            </a:r>
+          </a:p>
+        </p:txBody>
+      </p:sp>
+      <p:sp>
+        <p:nvSpPr>
+          <p:cNvPr id="18" name="Curved Left Arrow 17">
+            <a:extLst>
+              <a:ext uri="{FF2B5EF4-FFF2-40B4-BE49-F238E27FC236}">
+                <a16:creationId xmlns:a16="http://schemas.microsoft.com/office/drawing/2014/main" id="{DAA555B3-70CD-744F-B70E-BE7F592AF73E}"/>
+              </a:ext>
+            </a:extLst>
+          </p:cNvPr>
+          <p:cNvSpPr/>
+          <p:nvPr/>
+        </p:nvSpPr>
+        <p:spPr>
+          <a:xfrm>
+            <a:off x="9535884" y="1518527"/>
+            <a:ext cx="923109" cy="2253734"/>
+          </a:xfrm>
+          <a:prstGeom prst="curvedLeftArrow">
             <a:avLst/>
           </a:prstGeom>
           <a:solidFill>
@@ -50933,20 +51155,509 @@
       </p:sp>
       <p:sp>
         <p:nvSpPr>
-          <p:cNvPr id="13" name="Curved Down Arrow 12">
-            <a:extLst>
-              <a:ext uri="{FF2B5EF4-FFF2-40B4-BE49-F238E27FC236}">
-                <a16:creationId xmlns:a16="http://schemas.microsoft.com/office/drawing/2014/main" id="{3D4228E5-C371-9D47-8480-338B782CD9B0}"/>
-              </a:ext>
-            </a:extLst>
-          </p:cNvPr>
-          <p:cNvSpPr/>
-          <p:nvPr/>
-        </p:nvSpPr>
-        <p:spPr>
-          <a:xfrm rot="10800000">
-            <a:off x="7820299" y="2558756"/>
-            <a:ext cx="2146663" cy="712875"/>
+          <p:cNvPr id="19" name="Up Arrow 18">
+            <a:extLst>
+              <a:ext uri="{FF2B5EF4-FFF2-40B4-BE49-F238E27FC236}">
+                <a16:creationId xmlns:a16="http://schemas.microsoft.com/office/drawing/2014/main" id="{429B8F69-E1D4-1646-ACF8-24BFDF12048A}"/>
+              </a:ext>
+            </a:extLst>
+          </p:cNvPr>
+          <p:cNvSpPr/>
+          <p:nvPr/>
+        </p:nvSpPr>
+        <p:spPr>
+          <a:xfrm>
+            <a:off x="8464731" y="1771412"/>
+            <a:ext cx="139338" cy="1400685"/>
+          </a:xfrm>
+          <a:prstGeom prst="upArrow">
+            <a:avLst/>
+          </a:prstGeom>
+          <a:solidFill>
+            <a:srgbClr val="FFFF00"/>
+          </a:solidFill>
+        </p:spPr>
+        <p:style>
+          <a:lnRef idx="2">
+            <a:schemeClr val="accent1">
+              <a:shade val="50000"/>
+            </a:schemeClr>
+          </a:lnRef>
+          <a:fillRef idx="1">
+            <a:schemeClr val="accent1"/>
+          </a:fillRef>
+          <a:effectRef idx="0">
+            <a:schemeClr val="accent1"/>
+          </a:effectRef>
+          <a:fontRef idx="minor">
+            <a:schemeClr val="lt1"/>
+          </a:fontRef>
+        </p:style>
+        <p:txBody>
+          <a:bodyPr rtlCol="0" anchor="ctr"/>
+          <a:lstStyle/>
+          <a:p>
+            <a:pPr algn="ctr"/>
+            <a:endParaRPr lang="en-US"/>
+          </a:p>
+        </p:txBody>
+      </p:sp>
+      <p:sp>
+        <p:nvSpPr>
+          <p:cNvPr id="20" name="TextBox 19">
+            <a:extLst>
+              <a:ext uri="{FF2B5EF4-FFF2-40B4-BE49-F238E27FC236}">
+                <a16:creationId xmlns:a16="http://schemas.microsoft.com/office/drawing/2014/main" id="{4D3365DD-7587-F84F-932C-970D519CC56D}"/>
+              </a:ext>
+            </a:extLst>
+          </p:cNvPr>
+          <p:cNvSpPr txBox="1"/>
+          <p:nvPr/>
+        </p:nvSpPr>
+        <p:spPr>
+          <a:xfrm>
+            <a:off x="5268686" y="191589"/>
+            <a:ext cx="3544388" cy="646331"/>
+          </a:xfrm>
+          <a:prstGeom prst="rect">
+            <a:avLst/>
+          </a:prstGeom>
+          <a:noFill/>
+        </p:spPr>
+        <p:txBody>
+          <a:bodyPr wrap="square" rtlCol="0">
+            <a:spAutoFit/>
+          </a:bodyPr>
+          <a:lstStyle/>
+          <a:p>
+            <a:r>
+              <a:rPr lang="en-US" dirty="0"/>
+              <a:t>Update the Store with new Employee</a:t>
+            </a:r>
+          </a:p>
+        </p:txBody>
+      </p:sp>
+      <p:sp>
+        <p:nvSpPr>
+          <p:cNvPr id="21" name="Down Arrow 20">
+            <a:extLst>
+              <a:ext uri="{FF2B5EF4-FFF2-40B4-BE49-F238E27FC236}">
+                <a16:creationId xmlns:a16="http://schemas.microsoft.com/office/drawing/2014/main" id="{D3F99E88-7F70-9043-9ABB-353A1EC8134C}"/>
+              </a:ext>
+            </a:extLst>
+          </p:cNvPr>
+          <p:cNvSpPr/>
+          <p:nvPr/>
+        </p:nvSpPr>
+        <p:spPr>
+          <a:xfrm>
+            <a:off x="2698569" y="1093091"/>
+            <a:ext cx="123004" cy="3104606"/>
+          </a:xfrm>
+          <a:prstGeom prst="downArrow">
+            <a:avLst/>
+          </a:prstGeom>
+          <a:solidFill>
+            <a:srgbClr val="FFFF00"/>
+          </a:solidFill>
+        </p:spPr>
+        <p:style>
+          <a:lnRef idx="2">
+            <a:schemeClr val="accent1">
+              <a:shade val="50000"/>
+            </a:schemeClr>
+          </a:lnRef>
+          <a:fillRef idx="1">
+            <a:schemeClr val="accent1"/>
+          </a:fillRef>
+          <a:effectRef idx="0">
+            <a:schemeClr val="accent1"/>
+          </a:effectRef>
+          <a:fontRef idx="minor">
+            <a:schemeClr val="lt1"/>
+          </a:fontRef>
+        </p:style>
+        <p:txBody>
+          <a:bodyPr rtlCol="0" anchor="ctr"/>
+          <a:lstStyle/>
+          <a:p>
+            <a:pPr algn="ctr"/>
+            <a:endParaRPr lang="en-US"/>
+          </a:p>
+        </p:txBody>
+      </p:sp>
+      <p:sp>
+        <p:nvSpPr>
+          <p:cNvPr id="22" name="TextBox 21">
+            <a:extLst>
+              <a:ext uri="{FF2B5EF4-FFF2-40B4-BE49-F238E27FC236}">
+                <a16:creationId xmlns:a16="http://schemas.microsoft.com/office/drawing/2014/main" id="{943B24D9-D7F6-CE46-8E22-FDF71ADF09E3}"/>
+              </a:ext>
+            </a:extLst>
+          </p:cNvPr>
+          <p:cNvSpPr txBox="1"/>
+          <p:nvPr/>
+        </p:nvSpPr>
+        <p:spPr>
+          <a:xfrm>
+            <a:off x="1341120" y="3429000"/>
+            <a:ext cx="2708366" cy="646331"/>
+          </a:xfrm>
+          <a:prstGeom prst="rect">
+            <a:avLst/>
+          </a:prstGeom>
+          <a:noFill/>
+        </p:spPr>
+        <p:txBody>
+          <a:bodyPr wrap="square" rtlCol="0">
+            <a:spAutoFit/>
+          </a:bodyPr>
+          <a:lstStyle/>
+          <a:p>
+            <a:r>
+              <a:rPr lang="en-US" dirty="0"/>
+              <a:t>Receive the updated data from the Store</a:t>
+            </a:r>
+          </a:p>
+        </p:txBody>
+      </p:sp>
+      <p:sp>
+        <p:nvSpPr>
+          <p:cNvPr id="23" name="TextBox 22">
+            <a:extLst>
+              <a:ext uri="{FF2B5EF4-FFF2-40B4-BE49-F238E27FC236}">
+                <a16:creationId xmlns:a16="http://schemas.microsoft.com/office/drawing/2014/main" id="{E0305173-A4DD-3840-832C-C8CC56D1078E}"/>
+              </a:ext>
+            </a:extLst>
+          </p:cNvPr>
+          <p:cNvSpPr txBox="1"/>
+          <p:nvPr/>
+        </p:nvSpPr>
+        <p:spPr>
+          <a:xfrm>
+            <a:off x="4720043" y="2194560"/>
+            <a:ext cx="1672047" cy="369332"/>
+          </a:xfrm>
+          <a:prstGeom prst="rect">
+            <a:avLst/>
+          </a:prstGeom>
+          <a:noFill/>
+        </p:spPr>
+        <p:txBody>
+          <a:bodyPr wrap="square" rtlCol="0">
+            <a:spAutoFit/>
+          </a:bodyPr>
+          <a:lstStyle/>
+          <a:p>
+            <a:r>
+              <a:rPr lang="en-US" dirty="0" err="1"/>
+              <a:t>useDispatcher</a:t>
+            </a:r>
+            <a:r>
+              <a:rPr lang="en-US" dirty="0"/>
+              <a:t>()</a:t>
+            </a:r>
+          </a:p>
+        </p:txBody>
+      </p:sp>
+    </p:spTree>
+    <p:extLst>
+      <p:ext uri="{BB962C8B-B14F-4D97-AF65-F5344CB8AC3E}">
+        <p14:creationId xmlns:p14="http://schemas.microsoft.com/office/powerpoint/2010/main" val="1026523224"/>
+      </p:ext>
+    </p:extLst>
+  </p:cSld>
+  <p:clrMapOvr>
+    <a:masterClrMapping/>
+  </p:clrMapOvr>
+</p:sld>
+</file>
+
+<file path=ppt/slides/slide64.xml><?xml version="1.0" encoding="utf-8"?>
+<p:sld xmlns:a="http://schemas.openxmlformats.org/drawingml/2006/main" xmlns:r="http://schemas.openxmlformats.org/officeDocument/2006/relationships" xmlns:p="http://schemas.openxmlformats.org/presentationml/2006/main">
+  <p:cSld>
+    <p:spTree>
+      <p:nvGrpSpPr>
+        <p:cNvPr id="1" name=""/>
+        <p:cNvGrpSpPr/>
+        <p:nvPr/>
+      </p:nvGrpSpPr>
+      <p:grpSpPr>
+        <a:xfrm>
+          <a:off x="0" y="0"/>
+          <a:ext cx="0" cy="0"/>
+          <a:chOff x="0" y="0"/>
+          <a:chExt cx="0" cy="0"/>
+        </a:xfrm>
+      </p:grpSpPr>
+      <p:sp>
+        <p:nvSpPr>
+          <p:cNvPr id="2" name="Rectangle 1">
+            <a:extLst>
+              <a:ext uri="{FF2B5EF4-FFF2-40B4-BE49-F238E27FC236}">
+                <a16:creationId xmlns:a16="http://schemas.microsoft.com/office/drawing/2014/main" id="{53F43664-7719-8642-B5F2-51FD9172BA10}"/>
+              </a:ext>
+            </a:extLst>
+          </p:cNvPr>
+          <p:cNvSpPr/>
+          <p:nvPr/>
+        </p:nvSpPr>
+        <p:spPr>
+          <a:xfrm>
+            <a:off x="670560" y="1689463"/>
+            <a:ext cx="1706880" cy="801188"/>
+          </a:xfrm>
+          <a:prstGeom prst="rect">
+            <a:avLst/>
+          </a:prstGeom>
+        </p:spPr>
+        <p:style>
+          <a:lnRef idx="2">
+            <a:schemeClr val="accent1">
+              <a:shade val="50000"/>
+            </a:schemeClr>
+          </a:lnRef>
+          <a:fillRef idx="1">
+            <a:schemeClr val="accent1"/>
+          </a:fillRef>
+          <a:effectRef idx="0">
+            <a:schemeClr val="accent1"/>
+          </a:effectRef>
+          <a:fontRef idx="minor">
+            <a:schemeClr val="lt1"/>
+          </a:fontRef>
+        </p:style>
+        <p:txBody>
+          <a:bodyPr rtlCol="0" anchor="ctr"/>
+          <a:lstStyle/>
+          <a:p>
+            <a:pPr algn="ctr"/>
+            <a:r>
+              <a:rPr lang="en-US" dirty="0"/>
+              <a:t>Components</a:t>
+            </a:r>
+          </a:p>
+        </p:txBody>
+      </p:sp>
+      <p:sp>
+        <p:nvSpPr>
+          <p:cNvPr id="3" name="Rectangle 2">
+            <a:extLst>
+              <a:ext uri="{FF2B5EF4-FFF2-40B4-BE49-F238E27FC236}">
+                <a16:creationId xmlns:a16="http://schemas.microsoft.com/office/drawing/2014/main" id="{12B1A75B-A7F1-7342-A725-2341EBEAD0BD}"/>
+              </a:ext>
+            </a:extLst>
+          </p:cNvPr>
+          <p:cNvSpPr/>
+          <p:nvPr/>
+        </p:nvSpPr>
+        <p:spPr>
+          <a:xfrm>
+            <a:off x="3426823" y="1689463"/>
+            <a:ext cx="1706880" cy="801188"/>
+          </a:xfrm>
+          <a:prstGeom prst="rect">
+            <a:avLst/>
+          </a:prstGeom>
+        </p:spPr>
+        <p:style>
+          <a:lnRef idx="2">
+            <a:schemeClr val="accent1">
+              <a:shade val="50000"/>
+            </a:schemeClr>
+          </a:lnRef>
+          <a:fillRef idx="1">
+            <a:schemeClr val="accent1"/>
+          </a:fillRef>
+          <a:effectRef idx="0">
+            <a:schemeClr val="accent1"/>
+          </a:effectRef>
+          <a:fontRef idx="minor">
+            <a:schemeClr val="lt1"/>
+          </a:fontRef>
+        </p:style>
+        <p:txBody>
+          <a:bodyPr rtlCol="0" anchor="ctr"/>
+          <a:lstStyle/>
+          <a:p>
+            <a:pPr algn="ctr"/>
+            <a:r>
+              <a:rPr lang="en-US" dirty="0"/>
+              <a:t>Actions</a:t>
+            </a:r>
+          </a:p>
+          <a:p>
+            <a:pPr algn="ctr"/>
+            <a:r>
+              <a:rPr lang="en-US" dirty="0"/>
+              <a:t>Creator</a:t>
+            </a:r>
+          </a:p>
+        </p:txBody>
+      </p:sp>
+      <p:sp>
+        <p:nvSpPr>
+          <p:cNvPr id="4" name="Right Arrow 3">
+            <a:extLst>
+              <a:ext uri="{FF2B5EF4-FFF2-40B4-BE49-F238E27FC236}">
+                <a16:creationId xmlns:a16="http://schemas.microsoft.com/office/drawing/2014/main" id="{931CDC24-FB47-3C4C-87BD-83BA36B5D26C}"/>
+              </a:ext>
+            </a:extLst>
+          </p:cNvPr>
+          <p:cNvSpPr/>
+          <p:nvPr/>
+        </p:nvSpPr>
+        <p:spPr>
+          <a:xfrm>
+            <a:off x="2377440" y="1994263"/>
+            <a:ext cx="1049383" cy="182880"/>
+          </a:xfrm>
+          <a:prstGeom prst="rightArrow">
+            <a:avLst/>
+          </a:prstGeom>
+          <a:solidFill>
+            <a:srgbClr val="FFFF00"/>
+          </a:solidFill>
+        </p:spPr>
+        <p:style>
+          <a:lnRef idx="2">
+            <a:schemeClr val="accent1">
+              <a:shade val="50000"/>
+            </a:schemeClr>
+          </a:lnRef>
+          <a:fillRef idx="1">
+            <a:schemeClr val="accent1"/>
+          </a:fillRef>
+          <a:effectRef idx="0">
+            <a:schemeClr val="accent1"/>
+          </a:effectRef>
+          <a:fontRef idx="minor">
+            <a:schemeClr val="lt1"/>
+          </a:fontRef>
+        </p:style>
+        <p:txBody>
+          <a:bodyPr rtlCol="0" anchor="ctr"/>
+          <a:lstStyle/>
+          <a:p>
+            <a:pPr algn="ctr"/>
+            <a:endParaRPr lang="en-US"/>
+          </a:p>
+        </p:txBody>
+      </p:sp>
+      <p:sp>
+        <p:nvSpPr>
+          <p:cNvPr id="5" name="Rectangle 4">
+            <a:extLst>
+              <a:ext uri="{FF2B5EF4-FFF2-40B4-BE49-F238E27FC236}">
+                <a16:creationId xmlns:a16="http://schemas.microsoft.com/office/drawing/2014/main" id="{497F4955-7072-F447-A003-0345D014F181}"/>
+              </a:ext>
+            </a:extLst>
+          </p:cNvPr>
+          <p:cNvSpPr/>
+          <p:nvPr/>
+        </p:nvSpPr>
+        <p:spPr>
+          <a:xfrm>
+            <a:off x="3439886" y="3339738"/>
+            <a:ext cx="1706880" cy="801188"/>
+          </a:xfrm>
+          <a:prstGeom prst="rect">
+            <a:avLst/>
+          </a:prstGeom>
+        </p:spPr>
+        <p:style>
+          <a:lnRef idx="2">
+            <a:schemeClr val="accent1">
+              <a:shade val="50000"/>
+            </a:schemeClr>
+          </a:lnRef>
+          <a:fillRef idx="1">
+            <a:schemeClr val="accent1"/>
+          </a:fillRef>
+          <a:effectRef idx="0">
+            <a:schemeClr val="accent1"/>
+          </a:effectRef>
+          <a:fontRef idx="minor">
+            <a:schemeClr val="lt1"/>
+          </a:fontRef>
+        </p:style>
+        <p:txBody>
+          <a:bodyPr rtlCol="0" anchor="ctr"/>
+          <a:lstStyle/>
+          <a:p>
+            <a:pPr algn="ctr"/>
+            <a:r>
+              <a:rPr lang="en-US" dirty="0"/>
+              <a:t>Reducers</a:t>
+            </a:r>
+          </a:p>
+        </p:txBody>
+      </p:sp>
+      <p:sp>
+        <p:nvSpPr>
+          <p:cNvPr id="6" name="Down Arrow 5">
+            <a:extLst>
+              <a:ext uri="{FF2B5EF4-FFF2-40B4-BE49-F238E27FC236}">
+                <a16:creationId xmlns:a16="http://schemas.microsoft.com/office/drawing/2014/main" id="{AD725C83-727F-FE4A-B50A-12AEF88469E1}"/>
+              </a:ext>
+            </a:extLst>
+          </p:cNvPr>
+          <p:cNvSpPr/>
+          <p:nvPr/>
+        </p:nvSpPr>
+        <p:spPr>
+          <a:xfrm>
+            <a:off x="4223657" y="2490651"/>
+            <a:ext cx="148046" cy="849087"/>
+          </a:xfrm>
+          <a:prstGeom prst="downArrow">
+            <a:avLst/>
+          </a:prstGeom>
+          <a:solidFill>
+            <a:srgbClr val="FFFF00"/>
+          </a:solidFill>
+        </p:spPr>
+        <p:style>
+          <a:lnRef idx="2">
+            <a:schemeClr val="accent1">
+              <a:shade val="50000"/>
+            </a:schemeClr>
+          </a:lnRef>
+          <a:fillRef idx="1">
+            <a:schemeClr val="accent1"/>
+          </a:fillRef>
+          <a:effectRef idx="0">
+            <a:schemeClr val="accent1"/>
+          </a:effectRef>
+          <a:fontRef idx="minor">
+            <a:schemeClr val="lt1"/>
+          </a:fontRef>
+        </p:style>
+        <p:txBody>
+          <a:bodyPr rtlCol="0" anchor="ctr"/>
+          <a:lstStyle/>
+          <a:p>
+            <a:pPr algn="ctr"/>
+            <a:endParaRPr lang="en-US"/>
+          </a:p>
+        </p:txBody>
+      </p:sp>
+      <p:sp>
+        <p:nvSpPr>
+          <p:cNvPr id="7" name="Curved Down Arrow 6">
+            <a:extLst>
+              <a:ext uri="{FF2B5EF4-FFF2-40B4-BE49-F238E27FC236}">
+                <a16:creationId xmlns:a16="http://schemas.microsoft.com/office/drawing/2014/main" id="{5ECBBA1E-7028-5E46-A8DC-74EC03B4B585}"/>
+              </a:ext>
+            </a:extLst>
+          </p:cNvPr>
+          <p:cNvSpPr/>
+          <p:nvPr/>
+        </p:nvSpPr>
+        <p:spPr>
+          <a:xfrm>
+            <a:off x="4929051" y="1063674"/>
+            <a:ext cx="2664823" cy="730292"/>
           </a:xfrm>
           <a:prstGeom prst="curvedDownArrow">
             <a:avLst/>
@@ -50986,10 +51697,10 @@
       </p:sp>
       <p:sp>
         <p:nvSpPr>
-          <p:cNvPr id="14" name="TextBox 13">
-            <a:extLst>
-              <a:ext uri="{FF2B5EF4-FFF2-40B4-BE49-F238E27FC236}">
-                <a16:creationId xmlns:a16="http://schemas.microsoft.com/office/drawing/2014/main" id="{B129B2C7-A844-2147-AB87-8AE9988EB80B}"/>
+          <p:cNvPr id="8" name="TextBox 7">
+            <a:extLst>
+              <a:ext uri="{FF2B5EF4-FFF2-40B4-BE49-F238E27FC236}">
+                <a16:creationId xmlns:a16="http://schemas.microsoft.com/office/drawing/2014/main" id="{47A788D0-E295-BA4D-A544-72CB8077CEF9}"/>
               </a:ext>
             </a:extLst>
           </p:cNvPr>
@@ -50998,8 +51709,8 @@
         </p:nvSpPr>
         <p:spPr>
           <a:xfrm>
-            <a:off x="7985760" y="3429000"/>
-            <a:ext cx="2656114" cy="2031325"/>
+            <a:off x="5268686" y="1811383"/>
+            <a:ext cx="1219200" cy="646331"/>
           </a:xfrm>
           <a:prstGeom prst="rect">
             <a:avLst/>
@@ -51014,29 +51725,134 @@
           <a:p>
             <a:r>
               <a:rPr lang="en-US" dirty="0"/>
-              <a:t>The Promise based Call will be managed by the Middleware based on Action Dispatched by subscribing to Resolve (Success) or Reject (Error)</a:t>
-            </a:r>
-          </a:p>
-        </p:txBody>
-      </p:sp>
-      <p:sp>
-        <p:nvSpPr>
-          <p:cNvPr id="15" name="Bent Arrow 14">
-            <a:extLst>
-              <a:ext uri="{FF2B5EF4-FFF2-40B4-BE49-F238E27FC236}">
-                <a16:creationId xmlns:a16="http://schemas.microsoft.com/office/drawing/2014/main" id="{119DD92D-7F06-4D45-ADD6-05E3F1203B84}"/>
-              </a:ext>
-            </a:extLst>
-          </p:cNvPr>
-          <p:cNvSpPr/>
-          <p:nvPr/>
-        </p:nvSpPr>
-        <p:spPr>
-          <a:xfrm rot="10800000">
-            <a:off x="5177248" y="2558755"/>
-            <a:ext cx="2259872" cy="1582169"/>
-          </a:xfrm>
-          <a:prstGeom prst="bentArrow">
+              <a:t>Initiate Async Call</a:t>
+            </a:r>
+          </a:p>
+        </p:txBody>
+      </p:sp>
+      <p:sp>
+        <p:nvSpPr>
+          <p:cNvPr id="9" name="Rectangle 8">
+            <a:extLst>
+              <a:ext uri="{FF2B5EF4-FFF2-40B4-BE49-F238E27FC236}">
+                <a16:creationId xmlns:a16="http://schemas.microsoft.com/office/drawing/2014/main" id="{E1EAC8EE-7D27-9C45-B8B9-D489756F9249}"/>
+              </a:ext>
+            </a:extLst>
+          </p:cNvPr>
+          <p:cNvSpPr/>
+          <p:nvPr/>
+        </p:nvSpPr>
+        <p:spPr>
+          <a:xfrm>
+            <a:off x="9022080" y="1776549"/>
+            <a:ext cx="1706880" cy="801188"/>
+          </a:xfrm>
+          <a:prstGeom prst="rect">
+            <a:avLst/>
+          </a:prstGeom>
+        </p:spPr>
+        <p:style>
+          <a:lnRef idx="2">
+            <a:schemeClr val="accent1">
+              <a:shade val="50000"/>
+            </a:schemeClr>
+          </a:lnRef>
+          <a:fillRef idx="1">
+            <a:schemeClr val="accent1"/>
+          </a:fillRef>
+          <a:effectRef idx="0">
+            <a:schemeClr val="accent1"/>
+          </a:effectRef>
+          <a:fontRef idx="minor">
+            <a:schemeClr val="lt1"/>
+          </a:fontRef>
+        </p:style>
+        <p:txBody>
+          <a:bodyPr rtlCol="0" anchor="ctr"/>
+          <a:lstStyle/>
+          <a:p>
+            <a:pPr algn="ctr"/>
+            <a:r>
+              <a:rPr lang="en-US" dirty="0"/>
+              <a:t>Http</a:t>
+            </a:r>
+          </a:p>
+          <a:p>
+            <a:pPr algn="ctr"/>
+            <a:r>
+              <a:rPr lang="en-US" dirty="0"/>
+              <a:t>Service / Promise</a:t>
+            </a:r>
+          </a:p>
+        </p:txBody>
+      </p:sp>
+      <p:sp>
+        <p:nvSpPr>
+          <p:cNvPr id="10" name="Rounded Rectangle 9">
+            <a:extLst>
+              <a:ext uri="{FF2B5EF4-FFF2-40B4-BE49-F238E27FC236}">
+                <a16:creationId xmlns:a16="http://schemas.microsoft.com/office/drawing/2014/main" id="{4E1BFEEC-FF88-E449-8AE8-C21AB3308F4E}"/>
+              </a:ext>
+            </a:extLst>
+          </p:cNvPr>
+          <p:cNvSpPr/>
+          <p:nvPr/>
+        </p:nvSpPr>
+        <p:spPr>
+          <a:xfrm>
+            <a:off x="6662057" y="1811383"/>
+            <a:ext cx="1741714" cy="766354"/>
+          </a:xfrm>
+          <a:prstGeom prst="roundRect">
+            <a:avLst/>
+          </a:prstGeom>
+        </p:spPr>
+        <p:style>
+          <a:lnRef idx="2">
+            <a:schemeClr val="accent1">
+              <a:shade val="50000"/>
+            </a:schemeClr>
+          </a:lnRef>
+          <a:fillRef idx="1">
+            <a:schemeClr val="accent1"/>
+          </a:fillRef>
+          <a:effectRef idx="0">
+            <a:schemeClr val="accent1"/>
+          </a:effectRef>
+          <a:fontRef idx="minor">
+            <a:schemeClr val="lt1"/>
+          </a:fontRef>
+        </p:style>
+        <p:txBody>
+          <a:bodyPr rtlCol="0" anchor="ctr"/>
+          <a:lstStyle/>
+          <a:p>
+            <a:pPr algn="ctr"/>
+            <a:r>
+              <a:rPr lang="en-US" dirty="0"/>
+              <a:t>Middleware</a:t>
+            </a:r>
+          </a:p>
+        </p:txBody>
+      </p:sp>
+      <p:sp>
+        <p:nvSpPr>
+          <p:cNvPr id="12" name="Curved Down Arrow 11">
+            <a:extLst>
+              <a:ext uri="{FF2B5EF4-FFF2-40B4-BE49-F238E27FC236}">
+                <a16:creationId xmlns:a16="http://schemas.microsoft.com/office/drawing/2014/main" id="{21F523F9-4206-714A-A6BD-E680B2171D34}"/>
+              </a:ext>
+            </a:extLst>
+          </p:cNvPr>
+          <p:cNvSpPr/>
+          <p:nvPr/>
+        </p:nvSpPr>
+        <p:spPr>
+          <a:xfrm>
+            <a:off x="7916092" y="1063674"/>
+            <a:ext cx="2098765" cy="747709"/>
+          </a:xfrm>
+          <a:prstGeom prst="curvedDownArrow">
             <a:avLst/>
           </a:prstGeom>
           <a:solidFill>
@@ -51074,100 +51890,10 @@
       </p:sp>
       <p:sp>
         <p:nvSpPr>
-          <p:cNvPr id="16" name="TextBox 15">
-            <a:extLst>
-              <a:ext uri="{FF2B5EF4-FFF2-40B4-BE49-F238E27FC236}">
-                <a16:creationId xmlns:a16="http://schemas.microsoft.com/office/drawing/2014/main" id="{D68397D6-EB10-C340-991C-D8C2C635A745}"/>
-              </a:ext>
-            </a:extLst>
-          </p:cNvPr>
-          <p:cNvSpPr txBox="1"/>
-          <p:nvPr/>
-        </p:nvSpPr>
-        <p:spPr>
-          <a:xfrm>
-            <a:off x="5599611" y="4140925"/>
-            <a:ext cx="2146663" cy="1754326"/>
-          </a:xfrm>
-          <a:prstGeom prst="rect">
-            <a:avLst/>
-          </a:prstGeom>
-          <a:noFill/>
-        </p:spPr>
-        <p:txBody>
-          <a:bodyPr wrap="square" rtlCol="0">
-            <a:spAutoFit/>
-          </a:bodyPr>
-          <a:lstStyle/>
-          <a:p>
-            <a:r>
-              <a:rPr lang="en-US" dirty="0"/>
-              <a:t>The Middleware will dispatch the output action</a:t>
-            </a:r>
-          </a:p>
-          <a:p>
-            <a:r>
-              <a:rPr lang="en-US" dirty="0"/>
-              <a:t>ACTION_SUCCESS OR ACTION_FAILED </a:t>
-            </a:r>
-          </a:p>
-        </p:txBody>
-      </p:sp>
-      <p:sp>
-        <p:nvSpPr>
-          <p:cNvPr id="17" name="Can 16">
-            <a:extLst>
-              <a:ext uri="{FF2B5EF4-FFF2-40B4-BE49-F238E27FC236}">
-                <a16:creationId xmlns:a16="http://schemas.microsoft.com/office/drawing/2014/main" id="{AD521AD9-1463-7947-91D0-E2BAF4C4F711}"/>
-              </a:ext>
-            </a:extLst>
-          </p:cNvPr>
-          <p:cNvSpPr/>
-          <p:nvPr/>
-        </p:nvSpPr>
-        <p:spPr>
-          <a:xfrm>
-            <a:off x="396240" y="4615543"/>
-            <a:ext cx="3135086" cy="931817"/>
-          </a:xfrm>
-          <a:prstGeom prst="can">
-            <a:avLst/>
-          </a:prstGeom>
-        </p:spPr>
-        <p:style>
-          <a:lnRef idx="2">
-            <a:schemeClr val="accent1">
-              <a:shade val="50000"/>
-            </a:schemeClr>
-          </a:lnRef>
-          <a:fillRef idx="1">
-            <a:schemeClr val="accent1"/>
-          </a:fillRef>
-          <a:effectRef idx="0">
-            <a:schemeClr val="accent1"/>
-          </a:effectRef>
-          <a:fontRef idx="minor">
-            <a:schemeClr val="lt1"/>
-          </a:fontRef>
-        </p:style>
-        <p:txBody>
-          <a:bodyPr rtlCol="0" anchor="ctr"/>
-          <a:lstStyle/>
-          <a:p>
-            <a:pPr algn="ctr"/>
-            <a:r>
-              <a:rPr lang="en-US" dirty="0"/>
-              <a:t>Store</a:t>
-            </a:r>
-          </a:p>
-        </p:txBody>
-      </p:sp>
-      <p:sp>
-        <p:nvSpPr>
-          <p:cNvPr id="18" name="Bent Arrow 17">
-            <a:extLst>
-              <a:ext uri="{FF2B5EF4-FFF2-40B4-BE49-F238E27FC236}">
-                <a16:creationId xmlns:a16="http://schemas.microsoft.com/office/drawing/2014/main" id="{D1CE752C-5A0A-A447-B01B-98BF7F78FB3B}"/>
+          <p:cNvPr id="13" name="Curved Down Arrow 12">
+            <a:extLst>
+              <a:ext uri="{FF2B5EF4-FFF2-40B4-BE49-F238E27FC236}">
+                <a16:creationId xmlns:a16="http://schemas.microsoft.com/office/drawing/2014/main" id="{3D4228E5-C371-9D47-8480-338B782CD9B0}"/>
               </a:ext>
             </a:extLst>
           </p:cNvPr>
@@ -51176,10 +51902,10 @@
         </p:nvSpPr>
         <p:spPr>
           <a:xfrm rot="10800000">
-            <a:off x="3561806" y="4140924"/>
-            <a:ext cx="1227909" cy="1119052"/>
-          </a:xfrm>
-          <a:prstGeom prst="bentArrow">
+            <a:off x="7820299" y="2558756"/>
+            <a:ext cx="2146663" cy="712875"/>
+          </a:xfrm>
+          <a:prstGeom prst="curvedDownArrow">
             <a:avLst/>
           </a:prstGeom>
           <a:solidFill>
@@ -51217,6 +51943,237 @@
       </p:sp>
       <p:sp>
         <p:nvSpPr>
+          <p:cNvPr id="14" name="TextBox 13">
+            <a:extLst>
+              <a:ext uri="{FF2B5EF4-FFF2-40B4-BE49-F238E27FC236}">
+                <a16:creationId xmlns:a16="http://schemas.microsoft.com/office/drawing/2014/main" id="{B129B2C7-A844-2147-AB87-8AE9988EB80B}"/>
+              </a:ext>
+            </a:extLst>
+          </p:cNvPr>
+          <p:cNvSpPr txBox="1"/>
+          <p:nvPr/>
+        </p:nvSpPr>
+        <p:spPr>
+          <a:xfrm>
+            <a:off x="7985760" y="3429000"/>
+            <a:ext cx="2656114" cy="2031325"/>
+          </a:xfrm>
+          <a:prstGeom prst="rect">
+            <a:avLst/>
+          </a:prstGeom>
+          <a:noFill/>
+        </p:spPr>
+        <p:txBody>
+          <a:bodyPr wrap="square" rtlCol="0">
+            <a:spAutoFit/>
+          </a:bodyPr>
+          <a:lstStyle/>
+          <a:p>
+            <a:r>
+              <a:rPr lang="en-US" dirty="0"/>
+              <a:t>The Promise based Call will be managed by the Middleware based on Action Dispatched by subscribing to Resolve (Success) or Reject (Error)</a:t>
+            </a:r>
+          </a:p>
+        </p:txBody>
+      </p:sp>
+      <p:sp>
+        <p:nvSpPr>
+          <p:cNvPr id="15" name="Bent Arrow 14">
+            <a:extLst>
+              <a:ext uri="{FF2B5EF4-FFF2-40B4-BE49-F238E27FC236}">
+                <a16:creationId xmlns:a16="http://schemas.microsoft.com/office/drawing/2014/main" id="{119DD92D-7F06-4D45-ADD6-05E3F1203B84}"/>
+              </a:ext>
+            </a:extLst>
+          </p:cNvPr>
+          <p:cNvSpPr/>
+          <p:nvPr/>
+        </p:nvSpPr>
+        <p:spPr>
+          <a:xfrm rot="10800000">
+            <a:off x="5177248" y="2558755"/>
+            <a:ext cx="2259872" cy="1582169"/>
+          </a:xfrm>
+          <a:prstGeom prst="bentArrow">
+            <a:avLst/>
+          </a:prstGeom>
+          <a:solidFill>
+            <a:srgbClr val="FFFF00"/>
+          </a:solidFill>
+        </p:spPr>
+        <p:style>
+          <a:lnRef idx="2">
+            <a:schemeClr val="accent1">
+              <a:shade val="50000"/>
+            </a:schemeClr>
+          </a:lnRef>
+          <a:fillRef idx="1">
+            <a:schemeClr val="accent1"/>
+          </a:fillRef>
+          <a:effectRef idx="0">
+            <a:schemeClr val="accent1"/>
+          </a:effectRef>
+          <a:fontRef idx="minor">
+            <a:schemeClr val="lt1"/>
+          </a:fontRef>
+        </p:style>
+        <p:txBody>
+          <a:bodyPr rtlCol="0" anchor="ctr"/>
+          <a:lstStyle/>
+          <a:p>
+            <a:pPr algn="ctr"/>
+            <a:endParaRPr lang="en-US">
+              <a:solidFill>
+                <a:schemeClr val="tx1"/>
+              </a:solidFill>
+            </a:endParaRPr>
+          </a:p>
+        </p:txBody>
+      </p:sp>
+      <p:sp>
+        <p:nvSpPr>
+          <p:cNvPr id="16" name="TextBox 15">
+            <a:extLst>
+              <a:ext uri="{FF2B5EF4-FFF2-40B4-BE49-F238E27FC236}">
+                <a16:creationId xmlns:a16="http://schemas.microsoft.com/office/drawing/2014/main" id="{D68397D6-EB10-C340-991C-D8C2C635A745}"/>
+              </a:ext>
+            </a:extLst>
+          </p:cNvPr>
+          <p:cNvSpPr txBox="1"/>
+          <p:nvPr/>
+        </p:nvSpPr>
+        <p:spPr>
+          <a:xfrm>
+            <a:off x="5599611" y="4140925"/>
+            <a:ext cx="2146663" cy="1754326"/>
+          </a:xfrm>
+          <a:prstGeom prst="rect">
+            <a:avLst/>
+          </a:prstGeom>
+          <a:noFill/>
+        </p:spPr>
+        <p:txBody>
+          <a:bodyPr wrap="square" rtlCol="0">
+            <a:spAutoFit/>
+          </a:bodyPr>
+          <a:lstStyle/>
+          <a:p>
+            <a:r>
+              <a:rPr lang="en-US" dirty="0"/>
+              <a:t>The Middleware will dispatch the output action</a:t>
+            </a:r>
+          </a:p>
+          <a:p>
+            <a:r>
+              <a:rPr lang="en-US" dirty="0"/>
+              <a:t>ACTION_SUCCESS OR ACTION_FAILED </a:t>
+            </a:r>
+          </a:p>
+        </p:txBody>
+      </p:sp>
+      <p:sp>
+        <p:nvSpPr>
+          <p:cNvPr id="17" name="Can 16">
+            <a:extLst>
+              <a:ext uri="{FF2B5EF4-FFF2-40B4-BE49-F238E27FC236}">
+                <a16:creationId xmlns:a16="http://schemas.microsoft.com/office/drawing/2014/main" id="{AD521AD9-1463-7947-91D0-E2BAF4C4F711}"/>
+              </a:ext>
+            </a:extLst>
+          </p:cNvPr>
+          <p:cNvSpPr/>
+          <p:nvPr/>
+        </p:nvSpPr>
+        <p:spPr>
+          <a:xfrm>
+            <a:off x="396240" y="4615543"/>
+            <a:ext cx="3135086" cy="931817"/>
+          </a:xfrm>
+          <a:prstGeom prst="can">
+            <a:avLst/>
+          </a:prstGeom>
+        </p:spPr>
+        <p:style>
+          <a:lnRef idx="2">
+            <a:schemeClr val="accent1">
+              <a:shade val="50000"/>
+            </a:schemeClr>
+          </a:lnRef>
+          <a:fillRef idx="1">
+            <a:schemeClr val="accent1"/>
+          </a:fillRef>
+          <a:effectRef idx="0">
+            <a:schemeClr val="accent1"/>
+          </a:effectRef>
+          <a:fontRef idx="minor">
+            <a:schemeClr val="lt1"/>
+          </a:fontRef>
+        </p:style>
+        <p:txBody>
+          <a:bodyPr rtlCol="0" anchor="ctr"/>
+          <a:lstStyle/>
+          <a:p>
+            <a:pPr algn="ctr"/>
+            <a:r>
+              <a:rPr lang="en-US" dirty="0"/>
+              <a:t>Store</a:t>
+            </a:r>
+          </a:p>
+        </p:txBody>
+      </p:sp>
+      <p:sp>
+        <p:nvSpPr>
+          <p:cNvPr id="18" name="Bent Arrow 17">
+            <a:extLst>
+              <a:ext uri="{FF2B5EF4-FFF2-40B4-BE49-F238E27FC236}">
+                <a16:creationId xmlns:a16="http://schemas.microsoft.com/office/drawing/2014/main" id="{D1CE752C-5A0A-A447-B01B-98BF7F78FB3B}"/>
+              </a:ext>
+            </a:extLst>
+          </p:cNvPr>
+          <p:cNvSpPr/>
+          <p:nvPr/>
+        </p:nvSpPr>
+        <p:spPr>
+          <a:xfrm rot="10800000">
+            <a:off x="3561806" y="4140924"/>
+            <a:ext cx="1227909" cy="1119052"/>
+          </a:xfrm>
+          <a:prstGeom prst="bentArrow">
+            <a:avLst/>
+          </a:prstGeom>
+          <a:solidFill>
+            <a:srgbClr val="FFFF00"/>
+          </a:solidFill>
+        </p:spPr>
+        <p:style>
+          <a:lnRef idx="2">
+            <a:schemeClr val="accent1">
+              <a:shade val="50000"/>
+            </a:schemeClr>
+          </a:lnRef>
+          <a:fillRef idx="1">
+            <a:schemeClr val="accent1"/>
+          </a:fillRef>
+          <a:effectRef idx="0">
+            <a:schemeClr val="accent1"/>
+          </a:effectRef>
+          <a:fontRef idx="minor">
+            <a:schemeClr val="lt1"/>
+          </a:fontRef>
+        </p:style>
+        <p:txBody>
+          <a:bodyPr rtlCol="0" anchor="ctr"/>
+          <a:lstStyle/>
+          <a:p>
+            <a:pPr algn="ctr"/>
+            <a:endParaRPr lang="en-US">
+              <a:solidFill>
+                <a:schemeClr val="tx1"/>
+              </a:solidFill>
+            </a:endParaRPr>
+          </a:p>
+        </p:txBody>
+      </p:sp>
+      <p:sp>
+        <p:nvSpPr>
           <p:cNvPr id="19" name="TextBox 18">
             <a:extLst>
               <a:ext uri="{FF2B5EF4-FFF2-40B4-BE49-F238E27FC236}">
@@ -51408,6 +52365,2942 @@
     <p:extLst>
       <p:ext uri="{BB962C8B-B14F-4D97-AF65-F5344CB8AC3E}">
         <p14:creationId xmlns:p14="http://schemas.microsoft.com/office/powerpoint/2010/main" val="33919128"/>
+      </p:ext>
+    </p:extLst>
+  </p:cSld>
+  <p:clrMapOvr>
+    <a:masterClrMapping/>
+  </p:clrMapOvr>
+</p:sld>
+</file>
+
+<file path=ppt/slides/slide65.xml><?xml version="1.0" encoding="utf-8"?>
+<p:sld xmlns:a="http://schemas.openxmlformats.org/drawingml/2006/main" xmlns:r="http://schemas.openxmlformats.org/officeDocument/2006/relationships" xmlns:p="http://schemas.openxmlformats.org/presentationml/2006/main">
+  <p:cSld>
+    <p:spTree>
+      <p:nvGrpSpPr>
+        <p:cNvPr id="1" name=""/>
+        <p:cNvGrpSpPr/>
+        <p:nvPr/>
+      </p:nvGrpSpPr>
+      <p:grpSpPr>
+        <a:xfrm>
+          <a:off x="0" y="0"/>
+          <a:ext cx="0" cy="0"/>
+          <a:chOff x="0" y="0"/>
+          <a:chExt cx="0" cy="0"/>
+        </a:xfrm>
+      </p:grpSpPr>
+      <p:sp>
+        <p:nvSpPr>
+          <p:cNvPr id="2" name="Rectangle 1">
+            <a:extLst>
+              <a:ext uri="{FF2B5EF4-FFF2-40B4-BE49-F238E27FC236}">
+                <a16:creationId xmlns:a16="http://schemas.microsoft.com/office/drawing/2014/main" id="{010F5850-E134-8541-92C1-2D3A4C7BEF40}"/>
+              </a:ext>
+            </a:extLst>
+          </p:cNvPr>
+          <p:cNvSpPr/>
+          <p:nvPr/>
+        </p:nvSpPr>
+        <p:spPr>
+          <a:xfrm>
+            <a:off x="9614263" y="748937"/>
+            <a:ext cx="2185851" cy="4798423"/>
+          </a:xfrm>
+          <a:prstGeom prst="rect">
+            <a:avLst/>
+          </a:prstGeom>
+        </p:spPr>
+        <p:style>
+          <a:lnRef idx="2">
+            <a:schemeClr val="accent1">
+              <a:shade val="50000"/>
+            </a:schemeClr>
+          </a:lnRef>
+          <a:fillRef idx="1">
+            <a:schemeClr val="accent1"/>
+          </a:fillRef>
+          <a:effectRef idx="0">
+            <a:schemeClr val="accent1"/>
+          </a:effectRef>
+          <a:fontRef idx="minor">
+            <a:schemeClr val="lt1"/>
+          </a:fontRef>
+        </p:style>
+        <p:txBody>
+          <a:bodyPr rtlCol="0" anchor="ctr"/>
+          <a:lstStyle/>
+          <a:p>
+            <a:pPr algn="ctr"/>
+            <a:r>
+              <a:rPr lang="en-US" dirty="0"/>
+              <a:t>Server</a:t>
+            </a:r>
+          </a:p>
+        </p:txBody>
+      </p:sp>
+      <p:graphicFrame>
+        <p:nvGraphicFramePr>
+          <p:cNvPr id="3" name="Table 3">
+            <a:extLst>
+              <a:ext uri="{FF2B5EF4-FFF2-40B4-BE49-F238E27FC236}">
+                <a16:creationId xmlns:a16="http://schemas.microsoft.com/office/drawing/2014/main" id="{777C6B66-4A0F-2B40-8A35-9AB83F99DD01}"/>
+              </a:ext>
+            </a:extLst>
+          </p:cNvPr>
+          <p:cNvGraphicFramePr>
+            <a:graphicFrameLocks noGrp="1"/>
+          </p:cNvGraphicFramePr>
+          <p:nvPr>
+            <p:extLst>
+              <p:ext uri="{D42A27DB-BD31-4B8C-83A1-F6EECF244321}">
+                <p14:modId xmlns:p14="http://schemas.microsoft.com/office/powerpoint/2010/main" val="2159296392"/>
+              </p:ext>
+            </p:extLst>
+          </p:nvPr>
+        </p:nvGraphicFramePr>
+        <p:xfrm>
+          <a:off x="6499498" y="2208832"/>
+          <a:ext cx="2252616" cy="4023360"/>
+        </p:xfrm>
+        <a:graphic>
+          <a:graphicData uri="http://schemas.openxmlformats.org/drawingml/2006/table">
+            <a:tbl>
+              <a:tblPr firstRow="1" bandRow="1">
+                <a:tableStyleId>{5C22544A-7EE6-4342-B048-85BDC9FD1C3A}</a:tableStyleId>
+              </a:tblPr>
+              <a:tblGrid>
+                <a:gridCol w="563154">
+                  <a:extLst>
+                    <a:ext uri="{9D8B030D-6E8A-4147-A177-3AD203B41FA5}">
+                      <a16:colId xmlns:a16="http://schemas.microsoft.com/office/drawing/2014/main" val="351560522"/>
+                    </a:ext>
+                  </a:extLst>
+                </a:gridCol>
+                <a:gridCol w="563154">
+                  <a:extLst>
+                    <a:ext uri="{9D8B030D-6E8A-4147-A177-3AD203B41FA5}">
+                      <a16:colId xmlns:a16="http://schemas.microsoft.com/office/drawing/2014/main" val="590622630"/>
+                    </a:ext>
+                  </a:extLst>
+                </a:gridCol>
+                <a:gridCol w="563154">
+                  <a:extLst>
+                    <a:ext uri="{9D8B030D-6E8A-4147-A177-3AD203B41FA5}">
+                      <a16:colId xmlns:a16="http://schemas.microsoft.com/office/drawing/2014/main" val="1986847620"/>
+                    </a:ext>
+                  </a:extLst>
+                </a:gridCol>
+                <a:gridCol w="563154">
+                  <a:extLst>
+                    <a:ext uri="{9D8B030D-6E8A-4147-A177-3AD203B41FA5}">
+                      <a16:colId xmlns:a16="http://schemas.microsoft.com/office/drawing/2014/main" val="195475044"/>
+                    </a:ext>
+                  </a:extLst>
+                </a:gridCol>
+              </a:tblGrid>
+              <a:tr h="237502">
+                <a:tc>
+                  <a:txBody>
+                    <a:bodyPr/>
+                    <a:lstStyle/>
+                    <a:p>
+                      <a:endParaRPr lang="en-US"/>
+                    </a:p>
+                  </a:txBody>
+                  <a:tcPr/>
+                </a:tc>
+                <a:tc>
+                  <a:txBody>
+                    <a:bodyPr/>
+                    <a:lstStyle/>
+                    <a:p>
+                      <a:endParaRPr lang="en-US"/>
+                    </a:p>
+                  </a:txBody>
+                  <a:tcPr/>
+                </a:tc>
+                <a:tc>
+                  <a:txBody>
+                    <a:bodyPr/>
+                    <a:lstStyle/>
+                    <a:p>
+                      <a:endParaRPr lang="en-US"/>
+                    </a:p>
+                  </a:txBody>
+                  <a:tcPr/>
+                </a:tc>
+                <a:tc>
+                  <a:txBody>
+                    <a:bodyPr/>
+                    <a:lstStyle/>
+                    <a:p>
+                      <a:endParaRPr lang="en-US"/>
+                    </a:p>
+                  </a:txBody>
+                  <a:tcPr/>
+                </a:tc>
+                <a:extLst>
+                  <a:ext uri="{0D108BD9-81ED-4DB2-BD59-A6C34878D82A}">
+                    <a16:rowId xmlns:a16="http://schemas.microsoft.com/office/drawing/2014/main" val="831316806"/>
+                  </a:ext>
+                </a:extLst>
+              </a:tr>
+              <a:tr h="237502">
+                <a:tc>
+                  <a:txBody>
+                    <a:bodyPr/>
+                    <a:lstStyle/>
+                    <a:p>
+                      <a:r>
+                        <a:rPr lang="en-US" dirty="0"/>
+                        <a:t>1</a:t>
+                      </a:r>
+                    </a:p>
+                  </a:txBody>
+                  <a:tcPr/>
+                </a:tc>
+                <a:tc>
+                  <a:txBody>
+                    <a:bodyPr/>
+                    <a:lstStyle/>
+                    <a:p>
+                      <a:endParaRPr lang="en-US"/>
+                    </a:p>
+                  </a:txBody>
+                  <a:tcPr/>
+                </a:tc>
+                <a:tc>
+                  <a:txBody>
+                    <a:bodyPr/>
+                    <a:lstStyle/>
+                    <a:p>
+                      <a:endParaRPr lang="en-US"/>
+                    </a:p>
+                  </a:txBody>
+                  <a:tcPr/>
+                </a:tc>
+                <a:tc>
+                  <a:txBody>
+                    <a:bodyPr/>
+                    <a:lstStyle/>
+                    <a:p>
+                      <a:endParaRPr lang="en-US"/>
+                    </a:p>
+                  </a:txBody>
+                  <a:tcPr/>
+                </a:tc>
+                <a:extLst>
+                  <a:ext uri="{0D108BD9-81ED-4DB2-BD59-A6C34878D82A}">
+                    <a16:rowId xmlns:a16="http://schemas.microsoft.com/office/drawing/2014/main" val="3189793975"/>
+                  </a:ext>
+                </a:extLst>
+              </a:tr>
+              <a:tr h="237502">
+                <a:tc>
+                  <a:txBody>
+                    <a:bodyPr/>
+                    <a:lstStyle/>
+                    <a:p>
+                      <a:r>
+                        <a:rPr lang="en-US" dirty="0"/>
+                        <a:t>2</a:t>
+                      </a:r>
+                    </a:p>
+                  </a:txBody>
+                  <a:tcPr/>
+                </a:tc>
+                <a:tc>
+                  <a:txBody>
+                    <a:bodyPr/>
+                    <a:lstStyle/>
+                    <a:p>
+                      <a:endParaRPr lang="en-US"/>
+                    </a:p>
+                  </a:txBody>
+                  <a:tcPr/>
+                </a:tc>
+                <a:tc>
+                  <a:txBody>
+                    <a:bodyPr/>
+                    <a:lstStyle/>
+                    <a:p>
+                      <a:endParaRPr lang="en-US"/>
+                    </a:p>
+                  </a:txBody>
+                  <a:tcPr/>
+                </a:tc>
+                <a:tc>
+                  <a:txBody>
+                    <a:bodyPr/>
+                    <a:lstStyle/>
+                    <a:p>
+                      <a:endParaRPr lang="en-US"/>
+                    </a:p>
+                  </a:txBody>
+                  <a:tcPr/>
+                </a:tc>
+                <a:extLst>
+                  <a:ext uri="{0D108BD9-81ED-4DB2-BD59-A6C34878D82A}">
+                    <a16:rowId xmlns:a16="http://schemas.microsoft.com/office/drawing/2014/main" val="92831308"/>
+                  </a:ext>
+                </a:extLst>
+              </a:tr>
+              <a:tr h="237502">
+                <a:tc>
+                  <a:txBody>
+                    <a:bodyPr/>
+                    <a:lstStyle/>
+                    <a:p>
+                      <a:r>
+                        <a:rPr lang="en-US" dirty="0"/>
+                        <a:t>3</a:t>
+                      </a:r>
+                    </a:p>
+                  </a:txBody>
+                  <a:tcPr/>
+                </a:tc>
+                <a:tc>
+                  <a:txBody>
+                    <a:bodyPr/>
+                    <a:lstStyle/>
+                    <a:p>
+                      <a:endParaRPr lang="en-US"/>
+                    </a:p>
+                  </a:txBody>
+                  <a:tcPr/>
+                </a:tc>
+                <a:tc>
+                  <a:txBody>
+                    <a:bodyPr/>
+                    <a:lstStyle/>
+                    <a:p>
+                      <a:endParaRPr lang="en-US"/>
+                    </a:p>
+                  </a:txBody>
+                  <a:tcPr/>
+                </a:tc>
+                <a:tc>
+                  <a:txBody>
+                    <a:bodyPr/>
+                    <a:lstStyle/>
+                    <a:p>
+                      <a:endParaRPr lang="en-US"/>
+                    </a:p>
+                  </a:txBody>
+                  <a:tcPr/>
+                </a:tc>
+                <a:extLst>
+                  <a:ext uri="{0D108BD9-81ED-4DB2-BD59-A6C34878D82A}">
+                    <a16:rowId xmlns:a16="http://schemas.microsoft.com/office/drawing/2014/main" val="4281748372"/>
+                  </a:ext>
+                </a:extLst>
+              </a:tr>
+              <a:tr h="237502">
+                <a:tc>
+                  <a:txBody>
+                    <a:bodyPr/>
+                    <a:lstStyle/>
+                    <a:p>
+                      <a:r>
+                        <a:rPr lang="en-US" dirty="0"/>
+                        <a:t>4</a:t>
+                      </a:r>
+                    </a:p>
+                  </a:txBody>
+                  <a:tcPr/>
+                </a:tc>
+                <a:tc>
+                  <a:txBody>
+                    <a:bodyPr/>
+                    <a:lstStyle/>
+                    <a:p>
+                      <a:endParaRPr lang="en-US" dirty="0"/>
+                    </a:p>
+                  </a:txBody>
+                  <a:tcPr/>
+                </a:tc>
+                <a:tc>
+                  <a:txBody>
+                    <a:bodyPr/>
+                    <a:lstStyle/>
+                    <a:p>
+                      <a:endParaRPr lang="en-US" dirty="0"/>
+                    </a:p>
+                  </a:txBody>
+                  <a:tcPr/>
+                </a:tc>
+                <a:tc>
+                  <a:txBody>
+                    <a:bodyPr/>
+                    <a:lstStyle/>
+                    <a:p>
+                      <a:endParaRPr lang="en-US" dirty="0"/>
+                    </a:p>
+                  </a:txBody>
+                  <a:tcPr/>
+                </a:tc>
+                <a:extLst>
+                  <a:ext uri="{0D108BD9-81ED-4DB2-BD59-A6C34878D82A}">
+                    <a16:rowId xmlns:a16="http://schemas.microsoft.com/office/drawing/2014/main" val="2208882031"/>
+                  </a:ext>
+                </a:extLst>
+              </a:tr>
+              <a:tr h="237502">
+                <a:tc>
+                  <a:txBody>
+                    <a:bodyPr/>
+                    <a:lstStyle/>
+                    <a:p>
+                      <a:r>
+                        <a:rPr lang="en-US" dirty="0"/>
+                        <a:t>5</a:t>
+                      </a:r>
+                    </a:p>
+                  </a:txBody>
+                  <a:tcPr/>
+                </a:tc>
+                <a:tc>
+                  <a:txBody>
+                    <a:bodyPr/>
+                    <a:lstStyle/>
+                    <a:p>
+                      <a:endParaRPr lang="en-US" dirty="0"/>
+                    </a:p>
+                  </a:txBody>
+                  <a:tcPr/>
+                </a:tc>
+                <a:tc>
+                  <a:txBody>
+                    <a:bodyPr/>
+                    <a:lstStyle/>
+                    <a:p>
+                      <a:endParaRPr lang="en-US" dirty="0"/>
+                    </a:p>
+                  </a:txBody>
+                  <a:tcPr/>
+                </a:tc>
+                <a:tc>
+                  <a:txBody>
+                    <a:bodyPr/>
+                    <a:lstStyle/>
+                    <a:p>
+                      <a:endParaRPr lang="en-US" dirty="0"/>
+                    </a:p>
+                  </a:txBody>
+                  <a:tcPr/>
+                </a:tc>
+                <a:extLst>
+                  <a:ext uri="{0D108BD9-81ED-4DB2-BD59-A6C34878D82A}">
+                    <a16:rowId xmlns:a16="http://schemas.microsoft.com/office/drawing/2014/main" val="1772651889"/>
+                  </a:ext>
+                </a:extLst>
+              </a:tr>
+              <a:tr h="237502">
+                <a:tc>
+                  <a:txBody>
+                    <a:bodyPr/>
+                    <a:lstStyle/>
+                    <a:p>
+                      <a:endParaRPr lang="en-US" dirty="0"/>
+                    </a:p>
+                  </a:txBody>
+                  <a:tcPr/>
+                </a:tc>
+                <a:tc>
+                  <a:txBody>
+                    <a:bodyPr/>
+                    <a:lstStyle/>
+                    <a:p>
+                      <a:endParaRPr lang="en-US" dirty="0"/>
+                    </a:p>
+                  </a:txBody>
+                  <a:tcPr/>
+                </a:tc>
+                <a:tc>
+                  <a:txBody>
+                    <a:bodyPr/>
+                    <a:lstStyle/>
+                    <a:p>
+                      <a:endParaRPr lang="en-US" dirty="0"/>
+                    </a:p>
+                  </a:txBody>
+                  <a:tcPr/>
+                </a:tc>
+                <a:tc>
+                  <a:txBody>
+                    <a:bodyPr/>
+                    <a:lstStyle/>
+                    <a:p>
+                      <a:endParaRPr lang="en-US" dirty="0"/>
+                    </a:p>
+                  </a:txBody>
+                  <a:tcPr/>
+                </a:tc>
+                <a:extLst>
+                  <a:ext uri="{0D108BD9-81ED-4DB2-BD59-A6C34878D82A}">
+                    <a16:rowId xmlns:a16="http://schemas.microsoft.com/office/drawing/2014/main" val="88704463"/>
+                  </a:ext>
+                </a:extLst>
+              </a:tr>
+              <a:tr h="237502">
+                <a:tc>
+                  <a:txBody>
+                    <a:bodyPr/>
+                    <a:lstStyle/>
+                    <a:p>
+                      <a:endParaRPr lang="en-US" dirty="0"/>
+                    </a:p>
+                  </a:txBody>
+                  <a:tcPr/>
+                </a:tc>
+                <a:tc>
+                  <a:txBody>
+                    <a:bodyPr/>
+                    <a:lstStyle/>
+                    <a:p>
+                      <a:endParaRPr lang="en-US" dirty="0"/>
+                    </a:p>
+                  </a:txBody>
+                  <a:tcPr/>
+                </a:tc>
+                <a:tc>
+                  <a:txBody>
+                    <a:bodyPr/>
+                    <a:lstStyle/>
+                    <a:p>
+                      <a:endParaRPr lang="en-US" dirty="0"/>
+                    </a:p>
+                  </a:txBody>
+                  <a:tcPr/>
+                </a:tc>
+                <a:tc>
+                  <a:txBody>
+                    <a:bodyPr/>
+                    <a:lstStyle/>
+                    <a:p>
+                      <a:endParaRPr lang="en-US" dirty="0"/>
+                    </a:p>
+                  </a:txBody>
+                  <a:tcPr/>
+                </a:tc>
+                <a:extLst>
+                  <a:ext uri="{0D108BD9-81ED-4DB2-BD59-A6C34878D82A}">
+                    <a16:rowId xmlns:a16="http://schemas.microsoft.com/office/drawing/2014/main" val="3839340719"/>
+                  </a:ext>
+                </a:extLst>
+              </a:tr>
+              <a:tr h="237502">
+                <a:tc>
+                  <a:txBody>
+                    <a:bodyPr/>
+                    <a:lstStyle/>
+                    <a:p>
+                      <a:endParaRPr lang="en-US" dirty="0"/>
+                    </a:p>
+                  </a:txBody>
+                  <a:tcPr/>
+                </a:tc>
+                <a:tc>
+                  <a:txBody>
+                    <a:bodyPr/>
+                    <a:lstStyle/>
+                    <a:p>
+                      <a:endParaRPr lang="en-US" dirty="0"/>
+                    </a:p>
+                  </a:txBody>
+                  <a:tcPr/>
+                </a:tc>
+                <a:tc>
+                  <a:txBody>
+                    <a:bodyPr/>
+                    <a:lstStyle/>
+                    <a:p>
+                      <a:endParaRPr lang="en-US" dirty="0"/>
+                    </a:p>
+                  </a:txBody>
+                  <a:tcPr/>
+                </a:tc>
+                <a:tc>
+                  <a:txBody>
+                    <a:bodyPr/>
+                    <a:lstStyle/>
+                    <a:p>
+                      <a:endParaRPr lang="en-US" dirty="0"/>
+                    </a:p>
+                  </a:txBody>
+                  <a:tcPr/>
+                </a:tc>
+                <a:extLst>
+                  <a:ext uri="{0D108BD9-81ED-4DB2-BD59-A6C34878D82A}">
+                    <a16:rowId xmlns:a16="http://schemas.microsoft.com/office/drawing/2014/main" val="655671380"/>
+                  </a:ext>
+                </a:extLst>
+              </a:tr>
+              <a:tr h="237502">
+                <a:tc>
+                  <a:txBody>
+                    <a:bodyPr/>
+                    <a:lstStyle/>
+                    <a:p>
+                      <a:endParaRPr lang="en-US" dirty="0"/>
+                    </a:p>
+                  </a:txBody>
+                  <a:tcPr/>
+                </a:tc>
+                <a:tc>
+                  <a:txBody>
+                    <a:bodyPr/>
+                    <a:lstStyle/>
+                    <a:p>
+                      <a:endParaRPr lang="en-US" dirty="0"/>
+                    </a:p>
+                  </a:txBody>
+                  <a:tcPr/>
+                </a:tc>
+                <a:tc>
+                  <a:txBody>
+                    <a:bodyPr/>
+                    <a:lstStyle/>
+                    <a:p>
+                      <a:endParaRPr lang="en-US" dirty="0"/>
+                    </a:p>
+                  </a:txBody>
+                  <a:tcPr/>
+                </a:tc>
+                <a:tc>
+                  <a:txBody>
+                    <a:bodyPr/>
+                    <a:lstStyle/>
+                    <a:p>
+                      <a:endParaRPr lang="en-US" dirty="0"/>
+                    </a:p>
+                  </a:txBody>
+                  <a:tcPr/>
+                </a:tc>
+                <a:extLst>
+                  <a:ext uri="{0D108BD9-81ED-4DB2-BD59-A6C34878D82A}">
+                    <a16:rowId xmlns:a16="http://schemas.microsoft.com/office/drawing/2014/main" val="61068707"/>
+                  </a:ext>
+                </a:extLst>
+              </a:tr>
+              <a:tr h="237502">
+                <a:tc>
+                  <a:txBody>
+                    <a:bodyPr/>
+                    <a:lstStyle/>
+                    <a:p>
+                      <a:r>
+                        <a:rPr lang="en-US" dirty="0"/>
+                        <a:t>n</a:t>
+                      </a:r>
+                    </a:p>
+                  </a:txBody>
+                  <a:tcPr/>
+                </a:tc>
+                <a:tc>
+                  <a:txBody>
+                    <a:bodyPr/>
+                    <a:lstStyle/>
+                    <a:p>
+                      <a:endParaRPr lang="en-US" dirty="0"/>
+                    </a:p>
+                  </a:txBody>
+                  <a:tcPr/>
+                </a:tc>
+                <a:tc>
+                  <a:txBody>
+                    <a:bodyPr/>
+                    <a:lstStyle/>
+                    <a:p>
+                      <a:endParaRPr lang="en-US" dirty="0"/>
+                    </a:p>
+                  </a:txBody>
+                  <a:tcPr/>
+                </a:tc>
+                <a:tc>
+                  <a:txBody>
+                    <a:bodyPr/>
+                    <a:lstStyle/>
+                    <a:p>
+                      <a:endParaRPr lang="en-US" dirty="0"/>
+                    </a:p>
+                  </a:txBody>
+                  <a:tcPr/>
+                </a:tc>
+                <a:extLst>
+                  <a:ext uri="{0D108BD9-81ED-4DB2-BD59-A6C34878D82A}">
+                    <a16:rowId xmlns:a16="http://schemas.microsoft.com/office/drawing/2014/main" val="4205487819"/>
+                  </a:ext>
+                </a:extLst>
+              </a:tr>
+            </a:tbl>
+          </a:graphicData>
+        </a:graphic>
+      </p:graphicFrame>
+      <p:sp>
+        <p:nvSpPr>
+          <p:cNvPr id="4" name="TextBox 3">
+            <a:extLst>
+              <a:ext uri="{FF2B5EF4-FFF2-40B4-BE49-F238E27FC236}">
+                <a16:creationId xmlns:a16="http://schemas.microsoft.com/office/drawing/2014/main" id="{D3711552-E748-D044-8772-EA2E906BB491}"/>
+              </a:ext>
+            </a:extLst>
+          </p:cNvPr>
+          <p:cNvSpPr txBox="1"/>
+          <p:nvPr/>
+        </p:nvSpPr>
+        <p:spPr>
+          <a:xfrm>
+            <a:off x="6499498" y="1285502"/>
+            <a:ext cx="1959429" cy="923330"/>
+          </a:xfrm>
+          <a:prstGeom prst="rect">
+            <a:avLst/>
+          </a:prstGeom>
+          <a:noFill/>
+        </p:spPr>
+        <p:txBody>
+          <a:bodyPr wrap="square" rtlCol="0">
+            <a:spAutoFit/>
+          </a:bodyPr>
+          <a:lstStyle/>
+          <a:p>
+            <a:r>
+              <a:rPr lang="en-US" dirty="0"/>
+              <a:t>Collection Received from REST Calls</a:t>
+            </a:r>
+          </a:p>
+        </p:txBody>
+      </p:sp>
+      <p:sp>
+        <p:nvSpPr>
+          <p:cNvPr id="5" name="Rounded Rectangle 4">
+            <a:extLst>
+              <a:ext uri="{FF2B5EF4-FFF2-40B4-BE49-F238E27FC236}">
+                <a16:creationId xmlns:a16="http://schemas.microsoft.com/office/drawing/2014/main" id="{A1230C91-44E9-9D4F-9788-47783D1328C3}"/>
+              </a:ext>
+            </a:extLst>
+          </p:cNvPr>
+          <p:cNvSpPr/>
+          <p:nvPr/>
+        </p:nvSpPr>
+        <p:spPr>
+          <a:xfrm>
+            <a:off x="391886" y="748936"/>
+            <a:ext cx="1820091" cy="4859383"/>
+          </a:xfrm>
+          <a:prstGeom prst="roundRect">
+            <a:avLst/>
+          </a:prstGeom>
+        </p:spPr>
+        <p:style>
+          <a:lnRef idx="2">
+            <a:schemeClr val="accent1">
+              <a:shade val="50000"/>
+            </a:schemeClr>
+          </a:lnRef>
+          <a:fillRef idx="1">
+            <a:schemeClr val="accent1"/>
+          </a:fillRef>
+          <a:effectRef idx="0">
+            <a:schemeClr val="accent1"/>
+          </a:effectRef>
+          <a:fontRef idx="minor">
+            <a:schemeClr val="lt1"/>
+          </a:fontRef>
+        </p:style>
+        <p:txBody>
+          <a:bodyPr rtlCol="0" anchor="ctr"/>
+          <a:lstStyle/>
+          <a:p>
+            <a:pPr algn="ctr"/>
+            <a:r>
+              <a:rPr lang="en-US" dirty="0"/>
+              <a:t>React App</a:t>
+            </a:r>
+          </a:p>
+        </p:txBody>
+      </p:sp>
+      <p:sp>
+        <p:nvSpPr>
+          <p:cNvPr id="6" name="Right Arrow 5">
+            <a:extLst>
+              <a:ext uri="{FF2B5EF4-FFF2-40B4-BE49-F238E27FC236}">
+                <a16:creationId xmlns:a16="http://schemas.microsoft.com/office/drawing/2014/main" id="{FCFD4C46-3633-8246-8C5A-18EEC290A7C9}"/>
+              </a:ext>
+            </a:extLst>
+          </p:cNvPr>
+          <p:cNvSpPr/>
+          <p:nvPr/>
+        </p:nvSpPr>
+        <p:spPr>
+          <a:xfrm>
+            <a:off x="2211977" y="966651"/>
+            <a:ext cx="7402286" cy="200298"/>
+          </a:xfrm>
+          <a:prstGeom prst="rightArrow">
+            <a:avLst/>
+          </a:prstGeom>
+        </p:spPr>
+        <p:style>
+          <a:lnRef idx="2">
+            <a:schemeClr val="accent1">
+              <a:shade val="50000"/>
+            </a:schemeClr>
+          </a:lnRef>
+          <a:fillRef idx="1">
+            <a:schemeClr val="accent1"/>
+          </a:fillRef>
+          <a:effectRef idx="0">
+            <a:schemeClr val="accent1"/>
+          </a:effectRef>
+          <a:fontRef idx="minor">
+            <a:schemeClr val="lt1"/>
+          </a:fontRef>
+        </p:style>
+        <p:txBody>
+          <a:bodyPr rtlCol="0" anchor="ctr"/>
+          <a:lstStyle/>
+          <a:p>
+            <a:pPr algn="ctr"/>
+            <a:endParaRPr lang="en-US"/>
+          </a:p>
+        </p:txBody>
+      </p:sp>
+      <p:sp>
+        <p:nvSpPr>
+          <p:cNvPr id="7" name="TextBox 6">
+            <a:extLst>
+              <a:ext uri="{FF2B5EF4-FFF2-40B4-BE49-F238E27FC236}">
+                <a16:creationId xmlns:a16="http://schemas.microsoft.com/office/drawing/2014/main" id="{C5223C0C-EF41-204F-BA97-D32C6153CD8F}"/>
+              </a:ext>
+            </a:extLst>
+          </p:cNvPr>
+          <p:cNvSpPr txBox="1"/>
+          <p:nvPr/>
+        </p:nvSpPr>
+        <p:spPr>
+          <a:xfrm>
+            <a:off x="2635793" y="369166"/>
+            <a:ext cx="3831771" cy="646331"/>
+          </a:xfrm>
+          <a:prstGeom prst="rect">
+            <a:avLst/>
+          </a:prstGeom>
+          <a:noFill/>
+        </p:spPr>
+        <p:txBody>
+          <a:bodyPr wrap="square" rtlCol="0">
+            <a:spAutoFit/>
+          </a:bodyPr>
+          <a:lstStyle/>
+          <a:p>
+            <a:r>
+              <a:rPr lang="en-US" dirty="0"/>
+              <a:t>HTTP Async </a:t>
+            </a:r>
+          </a:p>
+          <a:p>
+            <a:r>
+              <a:rPr lang="en-US" dirty="0"/>
+              <a:t>Request</a:t>
+            </a:r>
+          </a:p>
+        </p:txBody>
+      </p:sp>
+      <p:sp>
+        <p:nvSpPr>
+          <p:cNvPr id="8" name="Left Arrow 7">
+            <a:extLst>
+              <a:ext uri="{FF2B5EF4-FFF2-40B4-BE49-F238E27FC236}">
+                <a16:creationId xmlns:a16="http://schemas.microsoft.com/office/drawing/2014/main" id="{498E7521-68AE-A44A-9010-7A4692044137}"/>
+              </a:ext>
+            </a:extLst>
+          </p:cNvPr>
+          <p:cNvSpPr/>
+          <p:nvPr/>
+        </p:nvSpPr>
+        <p:spPr>
+          <a:xfrm>
+            <a:off x="8752114" y="2882537"/>
+            <a:ext cx="862149" cy="240695"/>
+          </a:xfrm>
+          <a:prstGeom prst="leftArrow">
+            <a:avLst/>
+          </a:prstGeom>
+        </p:spPr>
+        <p:style>
+          <a:lnRef idx="2">
+            <a:schemeClr val="accent1">
+              <a:shade val="50000"/>
+            </a:schemeClr>
+          </a:lnRef>
+          <a:fillRef idx="1">
+            <a:schemeClr val="accent1"/>
+          </a:fillRef>
+          <a:effectRef idx="0">
+            <a:schemeClr val="accent1"/>
+          </a:effectRef>
+          <a:fontRef idx="minor">
+            <a:schemeClr val="lt1"/>
+          </a:fontRef>
+        </p:style>
+        <p:txBody>
+          <a:bodyPr rtlCol="0" anchor="ctr"/>
+          <a:lstStyle/>
+          <a:p>
+            <a:pPr algn="ctr"/>
+            <a:endParaRPr lang="en-US"/>
+          </a:p>
+        </p:txBody>
+      </p:sp>
+      <p:sp>
+        <p:nvSpPr>
+          <p:cNvPr id="9" name="Left Arrow 8">
+            <a:extLst>
+              <a:ext uri="{FF2B5EF4-FFF2-40B4-BE49-F238E27FC236}">
+                <a16:creationId xmlns:a16="http://schemas.microsoft.com/office/drawing/2014/main" id="{1E6725AD-7546-9042-BB19-7838507C3957}"/>
+              </a:ext>
+            </a:extLst>
+          </p:cNvPr>
+          <p:cNvSpPr/>
+          <p:nvPr/>
+        </p:nvSpPr>
+        <p:spPr>
+          <a:xfrm>
+            <a:off x="3936274" y="2656114"/>
+            <a:ext cx="2563224" cy="365760"/>
+          </a:xfrm>
+          <a:prstGeom prst="leftArrow">
+            <a:avLst/>
+          </a:prstGeom>
+        </p:spPr>
+        <p:style>
+          <a:lnRef idx="2">
+            <a:schemeClr val="accent1">
+              <a:shade val="50000"/>
+            </a:schemeClr>
+          </a:lnRef>
+          <a:fillRef idx="1">
+            <a:schemeClr val="accent1"/>
+          </a:fillRef>
+          <a:effectRef idx="0">
+            <a:schemeClr val="accent1"/>
+          </a:effectRef>
+          <a:fontRef idx="minor">
+            <a:schemeClr val="lt1"/>
+          </a:fontRef>
+        </p:style>
+        <p:txBody>
+          <a:bodyPr rtlCol="0" anchor="ctr"/>
+          <a:lstStyle/>
+          <a:p>
+            <a:pPr algn="ctr"/>
+            <a:endParaRPr lang="en-US"/>
+          </a:p>
+        </p:txBody>
+      </p:sp>
+      <p:sp>
+        <p:nvSpPr>
+          <p:cNvPr id="10" name="TextBox 9">
+            <a:extLst>
+              <a:ext uri="{FF2B5EF4-FFF2-40B4-BE49-F238E27FC236}">
+                <a16:creationId xmlns:a16="http://schemas.microsoft.com/office/drawing/2014/main" id="{6705A990-E3BB-CE47-81A1-BD7173F7155A}"/>
+              </a:ext>
+            </a:extLst>
+          </p:cNvPr>
+          <p:cNvSpPr txBox="1"/>
+          <p:nvPr/>
+        </p:nvSpPr>
+        <p:spPr>
+          <a:xfrm>
+            <a:off x="4040777" y="3123232"/>
+            <a:ext cx="2133600" cy="646331"/>
+          </a:xfrm>
+          <a:prstGeom prst="rect">
+            <a:avLst/>
+          </a:prstGeom>
+          <a:noFill/>
+        </p:spPr>
+        <p:txBody>
+          <a:bodyPr wrap="square" rtlCol="0">
+            <a:spAutoFit/>
+          </a:bodyPr>
+          <a:lstStyle/>
+          <a:p>
+            <a:r>
+              <a:rPr lang="en-US" dirty="0"/>
+              <a:t>Collection must be shown on UI</a:t>
+            </a:r>
+          </a:p>
+        </p:txBody>
+      </p:sp>
+      <p:sp>
+        <p:nvSpPr>
+          <p:cNvPr id="11" name="Right Brace 10">
+            <a:extLst>
+              <a:ext uri="{FF2B5EF4-FFF2-40B4-BE49-F238E27FC236}">
+                <a16:creationId xmlns:a16="http://schemas.microsoft.com/office/drawing/2014/main" id="{041CCB9E-033B-FB45-A417-28F1C69B0AAA}"/>
+              </a:ext>
+            </a:extLst>
+          </p:cNvPr>
+          <p:cNvSpPr/>
+          <p:nvPr/>
+        </p:nvSpPr>
+        <p:spPr>
+          <a:xfrm rot="5400000">
+            <a:off x="4203336" y="2803920"/>
+            <a:ext cx="200300" cy="2667726"/>
+          </a:xfrm>
+          <a:prstGeom prst="rightBrace">
+            <a:avLst/>
+          </a:prstGeom>
+        </p:spPr>
+        <p:style>
+          <a:lnRef idx="1">
+            <a:schemeClr val="accent1"/>
+          </a:lnRef>
+          <a:fillRef idx="0">
+            <a:schemeClr val="accent1"/>
+          </a:fillRef>
+          <a:effectRef idx="0">
+            <a:schemeClr val="accent1"/>
+          </a:effectRef>
+          <a:fontRef idx="minor">
+            <a:schemeClr val="tx1"/>
+          </a:fontRef>
+        </p:style>
+        <p:txBody>
+          <a:bodyPr rtlCol="0" anchor="ctr"/>
+          <a:lstStyle/>
+          <a:p>
+            <a:pPr algn="ctr"/>
+            <a:endParaRPr lang="en-US"/>
+          </a:p>
+        </p:txBody>
+      </p:sp>
+      <p:sp>
+        <p:nvSpPr>
+          <p:cNvPr id="12" name="Rectangle 11">
+            <a:extLst>
+              <a:ext uri="{FF2B5EF4-FFF2-40B4-BE49-F238E27FC236}">
+                <a16:creationId xmlns:a16="http://schemas.microsoft.com/office/drawing/2014/main" id="{20FED21C-28C1-274A-85F0-1F1475EB514C}"/>
+              </a:ext>
+            </a:extLst>
+          </p:cNvPr>
+          <p:cNvSpPr/>
+          <p:nvPr/>
+        </p:nvSpPr>
+        <p:spPr>
+          <a:xfrm>
+            <a:off x="2885441" y="2208832"/>
+            <a:ext cx="1068250" cy="1300722"/>
+          </a:xfrm>
+          <a:prstGeom prst="rect">
+            <a:avLst/>
+          </a:prstGeom>
+        </p:spPr>
+        <p:style>
+          <a:lnRef idx="2">
+            <a:schemeClr val="accent1">
+              <a:shade val="50000"/>
+            </a:schemeClr>
+          </a:lnRef>
+          <a:fillRef idx="1">
+            <a:schemeClr val="accent1"/>
+          </a:fillRef>
+          <a:effectRef idx="0">
+            <a:schemeClr val="accent1"/>
+          </a:effectRef>
+          <a:fontRef idx="minor">
+            <a:schemeClr val="lt1"/>
+          </a:fontRef>
+        </p:style>
+        <p:txBody>
+          <a:bodyPr rtlCol="0" anchor="ctr"/>
+          <a:lstStyle/>
+          <a:p>
+            <a:pPr algn="ctr"/>
+            <a:r>
+              <a:rPr lang="en-US" dirty="0"/>
+              <a:t>Promise</a:t>
+            </a:r>
+          </a:p>
+        </p:txBody>
+      </p:sp>
+      <p:sp>
+        <p:nvSpPr>
+          <p:cNvPr id="13" name="Right Arrow 12">
+            <a:extLst>
+              <a:ext uri="{FF2B5EF4-FFF2-40B4-BE49-F238E27FC236}">
+                <a16:creationId xmlns:a16="http://schemas.microsoft.com/office/drawing/2014/main" id="{FD61F706-13AF-4240-95EF-BA58804D8B5A}"/>
+              </a:ext>
+            </a:extLst>
+          </p:cNvPr>
+          <p:cNvSpPr/>
+          <p:nvPr/>
+        </p:nvSpPr>
+        <p:spPr>
+          <a:xfrm>
+            <a:off x="2211977" y="2368731"/>
+            <a:ext cx="673464" cy="287383"/>
+          </a:xfrm>
+          <a:prstGeom prst="rightArrow">
+            <a:avLst/>
+          </a:prstGeom>
+        </p:spPr>
+        <p:style>
+          <a:lnRef idx="2">
+            <a:schemeClr val="accent1">
+              <a:shade val="50000"/>
+            </a:schemeClr>
+          </a:lnRef>
+          <a:fillRef idx="1">
+            <a:schemeClr val="accent1"/>
+          </a:fillRef>
+          <a:effectRef idx="0">
+            <a:schemeClr val="accent1"/>
+          </a:effectRef>
+          <a:fontRef idx="minor">
+            <a:schemeClr val="lt1"/>
+          </a:fontRef>
+        </p:style>
+        <p:txBody>
+          <a:bodyPr rtlCol="0" anchor="ctr"/>
+          <a:lstStyle/>
+          <a:p>
+            <a:pPr algn="ctr"/>
+            <a:endParaRPr lang="en-US"/>
+          </a:p>
+        </p:txBody>
+      </p:sp>
+      <p:sp>
+        <p:nvSpPr>
+          <p:cNvPr id="14" name="Left Arrow 13">
+            <a:extLst>
+              <a:ext uri="{FF2B5EF4-FFF2-40B4-BE49-F238E27FC236}">
+                <a16:creationId xmlns:a16="http://schemas.microsoft.com/office/drawing/2014/main" id="{71095643-56AD-C348-9230-C66B2FDE46A8}"/>
+              </a:ext>
+            </a:extLst>
+          </p:cNvPr>
+          <p:cNvSpPr/>
+          <p:nvPr/>
+        </p:nvSpPr>
+        <p:spPr>
+          <a:xfrm>
+            <a:off x="2211977" y="2952206"/>
+            <a:ext cx="673464" cy="296091"/>
+          </a:xfrm>
+          <a:prstGeom prst="leftArrow">
+            <a:avLst/>
+          </a:prstGeom>
+        </p:spPr>
+        <p:style>
+          <a:lnRef idx="2">
+            <a:schemeClr val="accent1">
+              <a:shade val="50000"/>
+            </a:schemeClr>
+          </a:lnRef>
+          <a:fillRef idx="1">
+            <a:schemeClr val="accent1"/>
+          </a:fillRef>
+          <a:effectRef idx="0">
+            <a:schemeClr val="accent1"/>
+          </a:effectRef>
+          <a:fontRef idx="minor">
+            <a:schemeClr val="lt1"/>
+          </a:fontRef>
+        </p:style>
+        <p:txBody>
+          <a:bodyPr rtlCol="0" anchor="ctr"/>
+          <a:lstStyle/>
+          <a:p>
+            <a:pPr algn="ctr"/>
+            <a:endParaRPr lang="en-US"/>
+          </a:p>
+        </p:txBody>
+      </p:sp>
+      <p:sp>
+        <p:nvSpPr>
+          <p:cNvPr id="15" name="TextBox 14">
+            <a:extLst>
+              <a:ext uri="{FF2B5EF4-FFF2-40B4-BE49-F238E27FC236}">
+                <a16:creationId xmlns:a16="http://schemas.microsoft.com/office/drawing/2014/main" id="{0AD1D8CE-7D12-C240-8FB6-4BB3A61D1911}"/>
+              </a:ext>
+            </a:extLst>
+          </p:cNvPr>
+          <p:cNvSpPr txBox="1"/>
+          <p:nvPr/>
+        </p:nvSpPr>
+        <p:spPr>
+          <a:xfrm>
+            <a:off x="2290354" y="1541417"/>
+            <a:ext cx="1576252" cy="646331"/>
+          </a:xfrm>
+          <a:prstGeom prst="rect">
+            <a:avLst/>
+          </a:prstGeom>
+          <a:noFill/>
+        </p:spPr>
+        <p:txBody>
+          <a:bodyPr wrap="square" rtlCol="0">
+            <a:spAutoFit/>
+          </a:bodyPr>
+          <a:lstStyle/>
+          <a:p>
+            <a:r>
+              <a:rPr lang="en-US" dirty="0"/>
+              <a:t>Subscribe to Promise</a:t>
+            </a:r>
+          </a:p>
+        </p:txBody>
+      </p:sp>
+      <p:cxnSp>
+        <p:nvCxnSpPr>
+          <p:cNvPr id="17" name="Straight Arrow Connector 16">
+            <a:extLst>
+              <a:ext uri="{FF2B5EF4-FFF2-40B4-BE49-F238E27FC236}">
+                <a16:creationId xmlns:a16="http://schemas.microsoft.com/office/drawing/2014/main" id="{D8C483D7-3B3D-0E4C-B966-CE221DE5B6DA}"/>
+              </a:ext>
+            </a:extLst>
+          </p:cNvPr>
+          <p:cNvCxnSpPr/>
+          <p:nvPr/>
+        </p:nvCxnSpPr>
+        <p:spPr>
+          <a:xfrm flipH="1">
+            <a:off x="2481943" y="2090057"/>
+            <a:ext cx="243840" cy="357052"/>
+          </a:xfrm>
+          <a:prstGeom prst="straightConnector1">
+            <a:avLst/>
+          </a:prstGeom>
+          <a:ln>
+            <a:tailEnd type="triangle"/>
+          </a:ln>
+        </p:spPr>
+        <p:style>
+          <a:lnRef idx="1">
+            <a:schemeClr val="accent1"/>
+          </a:lnRef>
+          <a:fillRef idx="0">
+            <a:schemeClr val="accent1"/>
+          </a:fillRef>
+          <a:effectRef idx="0">
+            <a:schemeClr val="accent1"/>
+          </a:effectRef>
+          <a:fontRef idx="minor">
+            <a:schemeClr val="tx1"/>
+          </a:fontRef>
+        </p:style>
+      </p:cxnSp>
+      <p:sp>
+        <p:nvSpPr>
+          <p:cNvPr id="18" name="TextBox 17">
+            <a:extLst>
+              <a:ext uri="{FF2B5EF4-FFF2-40B4-BE49-F238E27FC236}">
+                <a16:creationId xmlns:a16="http://schemas.microsoft.com/office/drawing/2014/main" id="{69C26FF6-1E67-C141-B79A-CD4A0CF1DF78}"/>
+              </a:ext>
+            </a:extLst>
+          </p:cNvPr>
+          <p:cNvSpPr txBox="1"/>
+          <p:nvPr/>
+        </p:nvSpPr>
+        <p:spPr>
+          <a:xfrm>
+            <a:off x="2290354" y="3509554"/>
+            <a:ext cx="1018903" cy="646331"/>
+          </a:xfrm>
+          <a:prstGeom prst="rect">
+            <a:avLst/>
+          </a:prstGeom>
+          <a:noFill/>
+        </p:spPr>
+        <p:txBody>
+          <a:bodyPr wrap="square" rtlCol="0">
+            <a:spAutoFit/>
+          </a:bodyPr>
+          <a:lstStyle/>
+          <a:p>
+            <a:r>
+              <a:rPr lang="en-US" dirty="0"/>
+              <a:t>Data to UI</a:t>
+            </a:r>
+          </a:p>
+        </p:txBody>
+      </p:sp>
+      <p:cxnSp>
+        <p:nvCxnSpPr>
+          <p:cNvPr id="20" name="Straight Arrow Connector 19">
+            <a:extLst>
+              <a:ext uri="{FF2B5EF4-FFF2-40B4-BE49-F238E27FC236}">
+                <a16:creationId xmlns:a16="http://schemas.microsoft.com/office/drawing/2014/main" id="{C42B4CB6-2380-244D-BF5F-D0CE179D7089}"/>
+              </a:ext>
+            </a:extLst>
+          </p:cNvPr>
+          <p:cNvCxnSpPr>
+            <a:cxnSpLocks/>
+          </p:cNvCxnSpPr>
+          <p:nvPr/>
+        </p:nvCxnSpPr>
+        <p:spPr>
+          <a:xfrm flipV="1">
+            <a:off x="2635793" y="3123232"/>
+            <a:ext cx="0" cy="386322"/>
+          </a:xfrm>
+          <a:prstGeom prst="straightConnector1">
+            <a:avLst/>
+          </a:prstGeom>
+          <a:ln>
+            <a:tailEnd type="triangle"/>
+          </a:ln>
+        </p:spPr>
+        <p:style>
+          <a:lnRef idx="1">
+            <a:schemeClr val="accent1"/>
+          </a:lnRef>
+          <a:fillRef idx="0">
+            <a:schemeClr val="accent1"/>
+          </a:fillRef>
+          <a:effectRef idx="0">
+            <a:schemeClr val="accent1"/>
+          </a:effectRef>
+          <a:fontRef idx="minor">
+            <a:schemeClr val="tx1"/>
+          </a:fontRef>
+        </p:style>
+      </p:cxnSp>
+      <p:sp>
+        <p:nvSpPr>
+          <p:cNvPr id="22" name="TextBox 21">
+            <a:extLst>
+              <a:ext uri="{FF2B5EF4-FFF2-40B4-BE49-F238E27FC236}">
+                <a16:creationId xmlns:a16="http://schemas.microsoft.com/office/drawing/2014/main" id="{EF5D5240-1D75-124A-B32D-00A66F65839E}"/>
+              </a:ext>
+            </a:extLst>
+          </p:cNvPr>
+          <p:cNvSpPr txBox="1"/>
+          <p:nvPr/>
+        </p:nvSpPr>
+        <p:spPr>
+          <a:xfrm>
+            <a:off x="5916024" y="87086"/>
+            <a:ext cx="2891245" cy="646331"/>
+          </a:xfrm>
+          <a:prstGeom prst="rect">
+            <a:avLst/>
+          </a:prstGeom>
+          <a:noFill/>
+        </p:spPr>
+        <p:txBody>
+          <a:bodyPr wrap="square" rtlCol="0">
+            <a:spAutoFit/>
+          </a:bodyPr>
+          <a:lstStyle/>
+          <a:p>
+            <a:r>
+              <a:rPr lang="en-US" dirty="0"/>
+              <a:t>ASYNC Responses with Promises</a:t>
+            </a:r>
+          </a:p>
+        </p:txBody>
+      </p:sp>
+    </p:spTree>
+    <p:extLst>
+      <p:ext uri="{BB962C8B-B14F-4D97-AF65-F5344CB8AC3E}">
+        <p14:creationId xmlns:p14="http://schemas.microsoft.com/office/powerpoint/2010/main" val="3945022710"/>
+      </p:ext>
+    </p:extLst>
+  </p:cSld>
+  <p:clrMapOvr>
+    <a:masterClrMapping/>
+  </p:clrMapOvr>
+</p:sld>
+</file>
+
+<file path=ppt/slides/slide66.xml><?xml version="1.0" encoding="utf-8"?>
+<p:sld xmlns:a="http://schemas.openxmlformats.org/drawingml/2006/main" xmlns:r="http://schemas.openxmlformats.org/officeDocument/2006/relationships" xmlns:p="http://schemas.openxmlformats.org/presentationml/2006/main">
+  <p:cSld>
+    <p:spTree>
+      <p:nvGrpSpPr>
+        <p:cNvPr id="1" name=""/>
+        <p:cNvGrpSpPr/>
+        <p:nvPr/>
+      </p:nvGrpSpPr>
+      <p:grpSpPr>
+        <a:xfrm>
+          <a:off x="0" y="0"/>
+          <a:ext cx="0" cy="0"/>
+          <a:chOff x="0" y="0"/>
+          <a:chExt cx="0" cy="0"/>
+        </a:xfrm>
+      </p:grpSpPr>
+      <p:sp>
+        <p:nvSpPr>
+          <p:cNvPr id="2" name="Rectangle 1">
+            <a:extLst>
+              <a:ext uri="{FF2B5EF4-FFF2-40B4-BE49-F238E27FC236}">
+                <a16:creationId xmlns:a16="http://schemas.microsoft.com/office/drawing/2014/main" id="{010F5850-E134-8541-92C1-2D3A4C7BEF40}"/>
+              </a:ext>
+            </a:extLst>
+          </p:cNvPr>
+          <p:cNvSpPr/>
+          <p:nvPr/>
+        </p:nvSpPr>
+        <p:spPr>
+          <a:xfrm>
+            <a:off x="9614263" y="748937"/>
+            <a:ext cx="2185851" cy="4798423"/>
+          </a:xfrm>
+          <a:prstGeom prst="rect">
+            <a:avLst/>
+          </a:prstGeom>
+        </p:spPr>
+        <p:style>
+          <a:lnRef idx="2">
+            <a:schemeClr val="accent1">
+              <a:shade val="50000"/>
+            </a:schemeClr>
+          </a:lnRef>
+          <a:fillRef idx="1">
+            <a:schemeClr val="accent1"/>
+          </a:fillRef>
+          <a:effectRef idx="0">
+            <a:schemeClr val="accent1"/>
+          </a:effectRef>
+          <a:fontRef idx="minor">
+            <a:schemeClr val="lt1"/>
+          </a:fontRef>
+        </p:style>
+        <p:txBody>
+          <a:bodyPr rtlCol="0" anchor="ctr"/>
+          <a:lstStyle/>
+          <a:p>
+            <a:pPr algn="ctr"/>
+            <a:r>
+              <a:rPr lang="en-US" dirty="0"/>
+              <a:t>Server</a:t>
+            </a:r>
+          </a:p>
+        </p:txBody>
+      </p:sp>
+      <p:graphicFrame>
+        <p:nvGraphicFramePr>
+          <p:cNvPr id="3" name="Table 3">
+            <a:extLst>
+              <a:ext uri="{FF2B5EF4-FFF2-40B4-BE49-F238E27FC236}">
+                <a16:creationId xmlns:a16="http://schemas.microsoft.com/office/drawing/2014/main" id="{777C6B66-4A0F-2B40-8A35-9AB83F99DD01}"/>
+              </a:ext>
+            </a:extLst>
+          </p:cNvPr>
+          <p:cNvGraphicFramePr>
+            <a:graphicFrameLocks noGrp="1"/>
+          </p:cNvGraphicFramePr>
+          <p:nvPr>
+            <p:extLst>
+              <p:ext uri="{D42A27DB-BD31-4B8C-83A1-F6EECF244321}">
+                <p14:modId xmlns:p14="http://schemas.microsoft.com/office/powerpoint/2010/main" val="1490880399"/>
+              </p:ext>
+            </p:extLst>
+          </p:nvPr>
+        </p:nvGraphicFramePr>
+        <p:xfrm>
+          <a:off x="6499498" y="2208832"/>
+          <a:ext cx="2275840" cy="2560320"/>
+        </p:xfrm>
+        <a:graphic>
+          <a:graphicData uri="http://schemas.openxmlformats.org/drawingml/2006/table">
+            <a:tbl>
+              <a:tblPr firstRow="1" bandRow="1">
+                <a:tableStyleId>{5C22544A-7EE6-4342-B048-85BDC9FD1C3A}</a:tableStyleId>
+              </a:tblPr>
+              <a:tblGrid>
+                <a:gridCol w="568960">
+                  <a:extLst>
+                    <a:ext uri="{9D8B030D-6E8A-4147-A177-3AD203B41FA5}">
+                      <a16:colId xmlns:a16="http://schemas.microsoft.com/office/drawing/2014/main" val="351560522"/>
+                    </a:ext>
+                  </a:extLst>
+                </a:gridCol>
+                <a:gridCol w="568960">
+                  <a:extLst>
+                    <a:ext uri="{9D8B030D-6E8A-4147-A177-3AD203B41FA5}">
+                      <a16:colId xmlns:a16="http://schemas.microsoft.com/office/drawing/2014/main" val="590622630"/>
+                    </a:ext>
+                  </a:extLst>
+                </a:gridCol>
+                <a:gridCol w="568960">
+                  <a:extLst>
+                    <a:ext uri="{9D8B030D-6E8A-4147-A177-3AD203B41FA5}">
+                      <a16:colId xmlns:a16="http://schemas.microsoft.com/office/drawing/2014/main" val="1986847620"/>
+                    </a:ext>
+                  </a:extLst>
+                </a:gridCol>
+                <a:gridCol w="568960">
+                  <a:extLst>
+                    <a:ext uri="{9D8B030D-6E8A-4147-A177-3AD203B41FA5}">
+                      <a16:colId xmlns:a16="http://schemas.microsoft.com/office/drawing/2014/main" val="195475044"/>
+                    </a:ext>
+                  </a:extLst>
+                </a:gridCol>
+              </a:tblGrid>
+              <a:tr h="201375">
+                <a:tc>
+                  <a:txBody>
+                    <a:bodyPr/>
+                    <a:lstStyle/>
+                    <a:p>
+                      <a:endParaRPr lang="en-US"/>
+                    </a:p>
+                  </a:txBody>
+                  <a:tcPr/>
+                </a:tc>
+                <a:tc>
+                  <a:txBody>
+                    <a:bodyPr/>
+                    <a:lstStyle/>
+                    <a:p>
+                      <a:endParaRPr lang="en-US"/>
+                    </a:p>
+                  </a:txBody>
+                  <a:tcPr/>
+                </a:tc>
+                <a:tc>
+                  <a:txBody>
+                    <a:bodyPr/>
+                    <a:lstStyle/>
+                    <a:p>
+                      <a:endParaRPr lang="en-US"/>
+                    </a:p>
+                  </a:txBody>
+                  <a:tcPr/>
+                </a:tc>
+                <a:tc>
+                  <a:txBody>
+                    <a:bodyPr/>
+                    <a:lstStyle/>
+                    <a:p>
+                      <a:endParaRPr lang="en-US"/>
+                    </a:p>
+                  </a:txBody>
+                  <a:tcPr/>
+                </a:tc>
+                <a:extLst>
+                  <a:ext uri="{0D108BD9-81ED-4DB2-BD59-A6C34878D82A}">
+                    <a16:rowId xmlns:a16="http://schemas.microsoft.com/office/drawing/2014/main" val="831316806"/>
+                  </a:ext>
+                </a:extLst>
+              </a:tr>
+              <a:tr h="201375">
+                <a:tc>
+                  <a:txBody>
+                    <a:bodyPr/>
+                    <a:lstStyle/>
+                    <a:p>
+                      <a:r>
+                        <a:rPr lang="en-US" dirty="0"/>
+                        <a:t>1</a:t>
+                      </a:r>
+                    </a:p>
+                  </a:txBody>
+                  <a:tcPr/>
+                </a:tc>
+                <a:tc>
+                  <a:txBody>
+                    <a:bodyPr/>
+                    <a:lstStyle/>
+                    <a:p>
+                      <a:endParaRPr lang="en-US"/>
+                    </a:p>
+                  </a:txBody>
+                  <a:tcPr/>
+                </a:tc>
+                <a:tc>
+                  <a:txBody>
+                    <a:bodyPr/>
+                    <a:lstStyle/>
+                    <a:p>
+                      <a:endParaRPr lang="en-US"/>
+                    </a:p>
+                  </a:txBody>
+                  <a:tcPr/>
+                </a:tc>
+                <a:tc>
+                  <a:txBody>
+                    <a:bodyPr/>
+                    <a:lstStyle/>
+                    <a:p>
+                      <a:endParaRPr lang="en-US"/>
+                    </a:p>
+                  </a:txBody>
+                  <a:tcPr/>
+                </a:tc>
+                <a:extLst>
+                  <a:ext uri="{0D108BD9-81ED-4DB2-BD59-A6C34878D82A}">
+                    <a16:rowId xmlns:a16="http://schemas.microsoft.com/office/drawing/2014/main" val="3189793975"/>
+                  </a:ext>
+                </a:extLst>
+              </a:tr>
+              <a:tr h="201375">
+                <a:tc>
+                  <a:txBody>
+                    <a:bodyPr/>
+                    <a:lstStyle/>
+                    <a:p>
+                      <a:r>
+                        <a:rPr lang="en-US" dirty="0"/>
+                        <a:t>2</a:t>
+                      </a:r>
+                    </a:p>
+                  </a:txBody>
+                  <a:tcPr/>
+                </a:tc>
+                <a:tc>
+                  <a:txBody>
+                    <a:bodyPr/>
+                    <a:lstStyle/>
+                    <a:p>
+                      <a:endParaRPr lang="en-US"/>
+                    </a:p>
+                  </a:txBody>
+                  <a:tcPr/>
+                </a:tc>
+                <a:tc>
+                  <a:txBody>
+                    <a:bodyPr/>
+                    <a:lstStyle/>
+                    <a:p>
+                      <a:endParaRPr lang="en-US"/>
+                    </a:p>
+                  </a:txBody>
+                  <a:tcPr/>
+                </a:tc>
+                <a:tc>
+                  <a:txBody>
+                    <a:bodyPr/>
+                    <a:lstStyle/>
+                    <a:p>
+                      <a:endParaRPr lang="en-US"/>
+                    </a:p>
+                  </a:txBody>
+                  <a:tcPr/>
+                </a:tc>
+                <a:extLst>
+                  <a:ext uri="{0D108BD9-81ED-4DB2-BD59-A6C34878D82A}">
+                    <a16:rowId xmlns:a16="http://schemas.microsoft.com/office/drawing/2014/main" val="92831308"/>
+                  </a:ext>
+                </a:extLst>
+              </a:tr>
+              <a:tr h="201375">
+                <a:tc>
+                  <a:txBody>
+                    <a:bodyPr/>
+                    <a:lstStyle/>
+                    <a:p>
+                      <a:r>
+                        <a:rPr lang="en-US" dirty="0"/>
+                        <a:t>3</a:t>
+                      </a:r>
+                    </a:p>
+                  </a:txBody>
+                  <a:tcPr/>
+                </a:tc>
+                <a:tc>
+                  <a:txBody>
+                    <a:bodyPr/>
+                    <a:lstStyle/>
+                    <a:p>
+                      <a:endParaRPr lang="en-US"/>
+                    </a:p>
+                  </a:txBody>
+                  <a:tcPr/>
+                </a:tc>
+                <a:tc>
+                  <a:txBody>
+                    <a:bodyPr/>
+                    <a:lstStyle/>
+                    <a:p>
+                      <a:endParaRPr lang="en-US"/>
+                    </a:p>
+                  </a:txBody>
+                  <a:tcPr/>
+                </a:tc>
+                <a:tc>
+                  <a:txBody>
+                    <a:bodyPr/>
+                    <a:lstStyle/>
+                    <a:p>
+                      <a:endParaRPr lang="en-US"/>
+                    </a:p>
+                  </a:txBody>
+                  <a:tcPr/>
+                </a:tc>
+                <a:extLst>
+                  <a:ext uri="{0D108BD9-81ED-4DB2-BD59-A6C34878D82A}">
+                    <a16:rowId xmlns:a16="http://schemas.microsoft.com/office/drawing/2014/main" val="4281748372"/>
+                  </a:ext>
+                </a:extLst>
+              </a:tr>
+              <a:tr h="201375">
+                <a:tc>
+                  <a:txBody>
+                    <a:bodyPr/>
+                    <a:lstStyle/>
+                    <a:p>
+                      <a:r>
+                        <a:rPr lang="en-US" dirty="0"/>
+                        <a:t>4</a:t>
+                      </a:r>
+                    </a:p>
+                  </a:txBody>
+                  <a:tcPr/>
+                </a:tc>
+                <a:tc>
+                  <a:txBody>
+                    <a:bodyPr/>
+                    <a:lstStyle/>
+                    <a:p>
+                      <a:endParaRPr lang="en-US" dirty="0"/>
+                    </a:p>
+                  </a:txBody>
+                  <a:tcPr/>
+                </a:tc>
+                <a:tc>
+                  <a:txBody>
+                    <a:bodyPr/>
+                    <a:lstStyle/>
+                    <a:p>
+                      <a:endParaRPr lang="en-US" dirty="0"/>
+                    </a:p>
+                  </a:txBody>
+                  <a:tcPr/>
+                </a:tc>
+                <a:tc>
+                  <a:txBody>
+                    <a:bodyPr/>
+                    <a:lstStyle/>
+                    <a:p>
+                      <a:endParaRPr lang="en-US" dirty="0"/>
+                    </a:p>
+                  </a:txBody>
+                  <a:tcPr/>
+                </a:tc>
+                <a:extLst>
+                  <a:ext uri="{0D108BD9-81ED-4DB2-BD59-A6C34878D82A}">
+                    <a16:rowId xmlns:a16="http://schemas.microsoft.com/office/drawing/2014/main" val="2208882031"/>
+                  </a:ext>
+                </a:extLst>
+              </a:tr>
+              <a:tr h="201375">
+                <a:tc>
+                  <a:txBody>
+                    <a:bodyPr/>
+                    <a:lstStyle/>
+                    <a:p>
+                      <a:r>
+                        <a:rPr lang="en-US" dirty="0"/>
+                        <a:t>5</a:t>
+                      </a:r>
+                    </a:p>
+                  </a:txBody>
+                  <a:tcPr/>
+                </a:tc>
+                <a:tc>
+                  <a:txBody>
+                    <a:bodyPr/>
+                    <a:lstStyle/>
+                    <a:p>
+                      <a:endParaRPr lang="en-US" dirty="0"/>
+                    </a:p>
+                  </a:txBody>
+                  <a:tcPr/>
+                </a:tc>
+                <a:tc>
+                  <a:txBody>
+                    <a:bodyPr/>
+                    <a:lstStyle/>
+                    <a:p>
+                      <a:endParaRPr lang="en-US" dirty="0"/>
+                    </a:p>
+                  </a:txBody>
+                  <a:tcPr/>
+                </a:tc>
+                <a:tc>
+                  <a:txBody>
+                    <a:bodyPr/>
+                    <a:lstStyle/>
+                    <a:p>
+                      <a:endParaRPr lang="en-US" dirty="0"/>
+                    </a:p>
+                  </a:txBody>
+                  <a:tcPr/>
+                </a:tc>
+                <a:extLst>
+                  <a:ext uri="{0D108BD9-81ED-4DB2-BD59-A6C34878D82A}">
+                    <a16:rowId xmlns:a16="http://schemas.microsoft.com/office/drawing/2014/main" val="1772651889"/>
+                  </a:ext>
+                </a:extLst>
+              </a:tr>
+              <a:tr h="201375">
+                <a:tc>
+                  <a:txBody>
+                    <a:bodyPr/>
+                    <a:lstStyle/>
+                    <a:p>
+                      <a:endParaRPr lang="en-US" dirty="0"/>
+                    </a:p>
+                  </a:txBody>
+                  <a:tcPr/>
+                </a:tc>
+                <a:tc>
+                  <a:txBody>
+                    <a:bodyPr/>
+                    <a:lstStyle/>
+                    <a:p>
+                      <a:endParaRPr lang="en-US" dirty="0"/>
+                    </a:p>
+                  </a:txBody>
+                  <a:tcPr/>
+                </a:tc>
+                <a:tc>
+                  <a:txBody>
+                    <a:bodyPr/>
+                    <a:lstStyle/>
+                    <a:p>
+                      <a:endParaRPr lang="en-US" dirty="0"/>
+                    </a:p>
+                  </a:txBody>
+                  <a:tcPr/>
+                </a:tc>
+                <a:tc>
+                  <a:txBody>
+                    <a:bodyPr/>
+                    <a:lstStyle/>
+                    <a:p>
+                      <a:endParaRPr lang="en-US" dirty="0"/>
+                    </a:p>
+                  </a:txBody>
+                  <a:tcPr/>
+                </a:tc>
+                <a:extLst>
+                  <a:ext uri="{0D108BD9-81ED-4DB2-BD59-A6C34878D82A}">
+                    <a16:rowId xmlns:a16="http://schemas.microsoft.com/office/drawing/2014/main" val="88704463"/>
+                  </a:ext>
+                </a:extLst>
+              </a:tr>
+            </a:tbl>
+          </a:graphicData>
+        </a:graphic>
+      </p:graphicFrame>
+      <p:sp>
+        <p:nvSpPr>
+          <p:cNvPr id="4" name="TextBox 3">
+            <a:extLst>
+              <a:ext uri="{FF2B5EF4-FFF2-40B4-BE49-F238E27FC236}">
+                <a16:creationId xmlns:a16="http://schemas.microsoft.com/office/drawing/2014/main" id="{D3711552-E748-D044-8772-EA2E906BB491}"/>
+              </a:ext>
+            </a:extLst>
+          </p:cNvPr>
+          <p:cNvSpPr txBox="1"/>
+          <p:nvPr/>
+        </p:nvSpPr>
+        <p:spPr>
+          <a:xfrm>
+            <a:off x="6972936" y="3286296"/>
+            <a:ext cx="1959429" cy="923330"/>
+          </a:xfrm>
+          <a:prstGeom prst="rect">
+            <a:avLst/>
+          </a:prstGeom>
+          <a:noFill/>
+        </p:spPr>
+        <p:txBody>
+          <a:bodyPr wrap="square" rtlCol="0">
+            <a:spAutoFit/>
+          </a:bodyPr>
+          <a:lstStyle/>
+          <a:p>
+            <a:r>
+              <a:rPr lang="en-US" dirty="0"/>
+              <a:t>Collection Received from REST Calls</a:t>
+            </a:r>
+          </a:p>
+        </p:txBody>
+      </p:sp>
+      <p:sp>
+        <p:nvSpPr>
+          <p:cNvPr id="5" name="Rounded Rectangle 4">
+            <a:extLst>
+              <a:ext uri="{FF2B5EF4-FFF2-40B4-BE49-F238E27FC236}">
+                <a16:creationId xmlns:a16="http://schemas.microsoft.com/office/drawing/2014/main" id="{A1230C91-44E9-9D4F-9788-47783D1328C3}"/>
+              </a:ext>
+            </a:extLst>
+          </p:cNvPr>
+          <p:cNvSpPr/>
+          <p:nvPr/>
+        </p:nvSpPr>
+        <p:spPr>
+          <a:xfrm>
+            <a:off x="391886" y="748936"/>
+            <a:ext cx="1820091" cy="4859383"/>
+          </a:xfrm>
+          <a:prstGeom prst="roundRect">
+            <a:avLst/>
+          </a:prstGeom>
+        </p:spPr>
+        <p:style>
+          <a:lnRef idx="2">
+            <a:schemeClr val="accent1">
+              <a:shade val="50000"/>
+            </a:schemeClr>
+          </a:lnRef>
+          <a:fillRef idx="1">
+            <a:schemeClr val="accent1"/>
+          </a:fillRef>
+          <a:effectRef idx="0">
+            <a:schemeClr val="accent1"/>
+          </a:effectRef>
+          <a:fontRef idx="minor">
+            <a:schemeClr val="lt1"/>
+          </a:fontRef>
+        </p:style>
+        <p:txBody>
+          <a:bodyPr rtlCol="0" anchor="ctr"/>
+          <a:lstStyle/>
+          <a:p>
+            <a:pPr algn="ctr"/>
+            <a:r>
+              <a:rPr lang="en-US" dirty="0"/>
+              <a:t>React App</a:t>
+            </a:r>
+          </a:p>
+        </p:txBody>
+      </p:sp>
+      <p:sp>
+        <p:nvSpPr>
+          <p:cNvPr id="6" name="Right Arrow 5">
+            <a:extLst>
+              <a:ext uri="{FF2B5EF4-FFF2-40B4-BE49-F238E27FC236}">
+                <a16:creationId xmlns:a16="http://schemas.microsoft.com/office/drawing/2014/main" id="{FCFD4C46-3633-8246-8C5A-18EEC290A7C9}"/>
+              </a:ext>
+            </a:extLst>
+          </p:cNvPr>
+          <p:cNvSpPr/>
+          <p:nvPr/>
+        </p:nvSpPr>
+        <p:spPr>
+          <a:xfrm>
+            <a:off x="2211977" y="966650"/>
+            <a:ext cx="862149" cy="318851"/>
+          </a:xfrm>
+          <a:prstGeom prst="rightArrow">
+            <a:avLst/>
+          </a:prstGeom>
+        </p:spPr>
+        <p:style>
+          <a:lnRef idx="2">
+            <a:schemeClr val="accent1">
+              <a:shade val="50000"/>
+            </a:schemeClr>
+          </a:lnRef>
+          <a:fillRef idx="1">
+            <a:schemeClr val="accent1"/>
+          </a:fillRef>
+          <a:effectRef idx="0">
+            <a:schemeClr val="accent1"/>
+          </a:effectRef>
+          <a:fontRef idx="minor">
+            <a:schemeClr val="lt1"/>
+          </a:fontRef>
+        </p:style>
+        <p:txBody>
+          <a:bodyPr rtlCol="0" anchor="ctr"/>
+          <a:lstStyle/>
+          <a:p>
+            <a:pPr algn="ctr"/>
+            <a:endParaRPr lang="en-US"/>
+          </a:p>
+        </p:txBody>
+      </p:sp>
+      <p:sp>
+        <p:nvSpPr>
+          <p:cNvPr id="7" name="TextBox 6">
+            <a:extLst>
+              <a:ext uri="{FF2B5EF4-FFF2-40B4-BE49-F238E27FC236}">
+                <a16:creationId xmlns:a16="http://schemas.microsoft.com/office/drawing/2014/main" id="{C5223C0C-EF41-204F-BA97-D32C6153CD8F}"/>
+              </a:ext>
+            </a:extLst>
+          </p:cNvPr>
+          <p:cNvSpPr txBox="1"/>
+          <p:nvPr/>
+        </p:nvSpPr>
+        <p:spPr>
+          <a:xfrm>
+            <a:off x="7220857" y="622005"/>
+            <a:ext cx="2185852" cy="246221"/>
+          </a:xfrm>
+          <a:prstGeom prst="rect">
+            <a:avLst/>
+          </a:prstGeom>
+          <a:noFill/>
+        </p:spPr>
+        <p:txBody>
+          <a:bodyPr wrap="square" rtlCol="0">
+            <a:spAutoFit/>
+          </a:bodyPr>
+          <a:lstStyle/>
+          <a:p>
+            <a:r>
+              <a:rPr lang="en-US" sz="1000" dirty="0"/>
+              <a:t>3. HTTP Async Request</a:t>
+            </a:r>
+          </a:p>
+        </p:txBody>
+      </p:sp>
+      <p:sp>
+        <p:nvSpPr>
+          <p:cNvPr id="22" name="TextBox 21">
+            <a:extLst>
+              <a:ext uri="{FF2B5EF4-FFF2-40B4-BE49-F238E27FC236}">
+                <a16:creationId xmlns:a16="http://schemas.microsoft.com/office/drawing/2014/main" id="{EF5D5240-1D75-124A-B32D-00A66F65839E}"/>
+              </a:ext>
+            </a:extLst>
+          </p:cNvPr>
+          <p:cNvSpPr txBox="1"/>
+          <p:nvPr/>
+        </p:nvSpPr>
+        <p:spPr>
+          <a:xfrm>
+            <a:off x="4329612" y="10445"/>
+            <a:ext cx="2891245" cy="646331"/>
+          </a:xfrm>
+          <a:prstGeom prst="rect">
+            <a:avLst/>
+          </a:prstGeom>
+          <a:noFill/>
+        </p:spPr>
+        <p:txBody>
+          <a:bodyPr wrap="square" rtlCol="0">
+            <a:spAutoFit/>
+          </a:bodyPr>
+          <a:lstStyle/>
+          <a:p>
+            <a:r>
+              <a:rPr lang="en-US" dirty="0"/>
+              <a:t>ASYNC Responses with Promises using Middlewares</a:t>
+            </a:r>
+          </a:p>
+        </p:txBody>
+      </p:sp>
+      <p:sp>
+        <p:nvSpPr>
+          <p:cNvPr id="16" name="Can 15">
+            <a:extLst>
+              <a:ext uri="{FF2B5EF4-FFF2-40B4-BE49-F238E27FC236}">
+                <a16:creationId xmlns:a16="http://schemas.microsoft.com/office/drawing/2014/main" id="{A3409488-574C-F740-88A2-0018520C8827}"/>
+              </a:ext>
+            </a:extLst>
+          </p:cNvPr>
+          <p:cNvSpPr/>
+          <p:nvPr/>
+        </p:nvSpPr>
+        <p:spPr>
+          <a:xfrm>
+            <a:off x="2821577" y="5024846"/>
+            <a:ext cx="3187337" cy="992777"/>
+          </a:xfrm>
+          <a:prstGeom prst="can">
+            <a:avLst/>
+          </a:prstGeom>
+        </p:spPr>
+        <p:style>
+          <a:lnRef idx="2">
+            <a:schemeClr val="accent1">
+              <a:shade val="50000"/>
+            </a:schemeClr>
+          </a:lnRef>
+          <a:fillRef idx="1">
+            <a:schemeClr val="accent1"/>
+          </a:fillRef>
+          <a:effectRef idx="0">
+            <a:schemeClr val="accent1"/>
+          </a:effectRef>
+          <a:fontRef idx="minor">
+            <a:schemeClr val="lt1"/>
+          </a:fontRef>
+        </p:style>
+        <p:txBody>
+          <a:bodyPr rtlCol="0" anchor="ctr"/>
+          <a:lstStyle/>
+          <a:p>
+            <a:pPr algn="ctr"/>
+            <a:r>
+              <a:rPr lang="en-US" dirty="0"/>
+              <a:t>Store</a:t>
+            </a:r>
+          </a:p>
+        </p:txBody>
+      </p:sp>
+      <p:sp>
+        <p:nvSpPr>
+          <p:cNvPr id="23" name="Bent Arrow 22">
+            <a:extLst>
+              <a:ext uri="{FF2B5EF4-FFF2-40B4-BE49-F238E27FC236}">
+                <a16:creationId xmlns:a16="http://schemas.microsoft.com/office/drawing/2014/main" id="{ABC8CA76-CAE4-4548-91E4-EE0043D8C509}"/>
+              </a:ext>
+            </a:extLst>
+          </p:cNvPr>
+          <p:cNvSpPr/>
+          <p:nvPr/>
+        </p:nvSpPr>
+        <p:spPr>
+          <a:xfrm flipH="1">
+            <a:off x="2205386" y="4069209"/>
+            <a:ext cx="1071154" cy="1065591"/>
+          </a:xfrm>
+          <a:prstGeom prst="bentArrow">
+            <a:avLst>
+              <a:gd name="adj1" fmla="val 25000"/>
+              <a:gd name="adj2" fmla="val 16827"/>
+              <a:gd name="adj3" fmla="val 25000"/>
+              <a:gd name="adj4" fmla="val 43750"/>
+            </a:avLst>
+          </a:prstGeom>
+        </p:spPr>
+        <p:style>
+          <a:lnRef idx="2">
+            <a:schemeClr val="accent1">
+              <a:shade val="50000"/>
+            </a:schemeClr>
+          </a:lnRef>
+          <a:fillRef idx="1">
+            <a:schemeClr val="accent1"/>
+          </a:fillRef>
+          <a:effectRef idx="0">
+            <a:schemeClr val="accent1"/>
+          </a:effectRef>
+          <a:fontRef idx="minor">
+            <a:schemeClr val="lt1"/>
+          </a:fontRef>
+        </p:style>
+        <p:txBody>
+          <a:bodyPr rtlCol="0" anchor="ctr"/>
+          <a:lstStyle/>
+          <a:p>
+            <a:pPr algn="ctr"/>
+            <a:endParaRPr lang="en-US">
+              <a:solidFill>
+                <a:schemeClr val="tx1"/>
+              </a:solidFill>
+            </a:endParaRPr>
+          </a:p>
+        </p:txBody>
+      </p:sp>
+      <p:sp>
+        <p:nvSpPr>
+          <p:cNvPr id="24" name="TextBox 23">
+            <a:extLst>
+              <a:ext uri="{FF2B5EF4-FFF2-40B4-BE49-F238E27FC236}">
+                <a16:creationId xmlns:a16="http://schemas.microsoft.com/office/drawing/2014/main" id="{95C965C0-1FE0-384F-9636-F2C96E0AB5C9}"/>
+              </a:ext>
+            </a:extLst>
+          </p:cNvPr>
+          <p:cNvSpPr txBox="1"/>
+          <p:nvPr/>
+        </p:nvSpPr>
+        <p:spPr>
+          <a:xfrm>
+            <a:off x="4981303" y="3587931"/>
+            <a:ext cx="1358537" cy="646331"/>
+          </a:xfrm>
+          <a:prstGeom prst="rect">
+            <a:avLst/>
+          </a:prstGeom>
+          <a:noFill/>
+        </p:spPr>
+        <p:txBody>
+          <a:bodyPr wrap="square" rtlCol="0">
+            <a:spAutoFit/>
+          </a:bodyPr>
+          <a:lstStyle/>
+          <a:p>
+            <a:r>
+              <a:rPr lang="en-US" dirty="0"/>
+              <a:t>6. Put data in store</a:t>
+            </a:r>
+          </a:p>
+        </p:txBody>
+      </p:sp>
+      <p:sp>
+        <p:nvSpPr>
+          <p:cNvPr id="25" name="TextBox 24">
+            <a:extLst>
+              <a:ext uri="{FF2B5EF4-FFF2-40B4-BE49-F238E27FC236}">
+                <a16:creationId xmlns:a16="http://schemas.microsoft.com/office/drawing/2014/main" id="{4CBCCBA2-1689-A744-8CE2-AA2E1C8A9EA2}"/>
+              </a:ext>
+            </a:extLst>
+          </p:cNvPr>
+          <p:cNvSpPr txBox="1"/>
+          <p:nvPr/>
+        </p:nvSpPr>
+        <p:spPr>
+          <a:xfrm>
+            <a:off x="2306593" y="3429000"/>
+            <a:ext cx="1358537" cy="646331"/>
+          </a:xfrm>
+          <a:prstGeom prst="rect">
+            <a:avLst/>
+          </a:prstGeom>
+          <a:noFill/>
+        </p:spPr>
+        <p:txBody>
+          <a:bodyPr wrap="square" rtlCol="0">
+            <a:spAutoFit/>
+          </a:bodyPr>
+          <a:lstStyle/>
+          <a:p>
+            <a:r>
+              <a:rPr lang="en-US" dirty="0"/>
+              <a:t>7. Notify data to UI</a:t>
+            </a:r>
+          </a:p>
+        </p:txBody>
+      </p:sp>
+      <p:sp>
+        <p:nvSpPr>
+          <p:cNvPr id="26" name="Rounded Rectangle 25">
+            <a:extLst>
+              <a:ext uri="{FF2B5EF4-FFF2-40B4-BE49-F238E27FC236}">
+                <a16:creationId xmlns:a16="http://schemas.microsoft.com/office/drawing/2014/main" id="{9B36B30B-6777-C346-8F8F-D58314EFD3E1}"/>
+              </a:ext>
+            </a:extLst>
+          </p:cNvPr>
+          <p:cNvSpPr/>
+          <p:nvPr/>
+        </p:nvSpPr>
+        <p:spPr>
+          <a:xfrm>
+            <a:off x="3074126" y="840377"/>
+            <a:ext cx="1323702" cy="666206"/>
+          </a:xfrm>
+          <a:prstGeom prst="roundRect">
+            <a:avLst/>
+          </a:prstGeom>
+        </p:spPr>
+        <p:style>
+          <a:lnRef idx="2">
+            <a:schemeClr val="accent1">
+              <a:shade val="50000"/>
+            </a:schemeClr>
+          </a:lnRef>
+          <a:fillRef idx="1">
+            <a:schemeClr val="accent1"/>
+          </a:fillRef>
+          <a:effectRef idx="0">
+            <a:schemeClr val="accent1"/>
+          </a:effectRef>
+          <a:fontRef idx="minor">
+            <a:schemeClr val="lt1"/>
+          </a:fontRef>
+        </p:style>
+        <p:txBody>
+          <a:bodyPr rtlCol="0" anchor="ctr"/>
+          <a:lstStyle/>
+          <a:p>
+            <a:pPr algn="ctr"/>
+            <a:r>
+              <a:rPr lang="en-US" dirty="0"/>
+              <a:t>Action</a:t>
+            </a:r>
+          </a:p>
+          <a:p>
+            <a:pPr algn="ctr"/>
+            <a:r>
+              <a:rPr lang="en-US" dirty="0"/>
+              <a:t>Creator</a:t>
+            </a:r>
+          </a:p>
+        </p:txBody>
+      </p:sp>
+      <p:sp>
+        <p:nvSpPr>
+          <p:cNvPr id="27" name="TextBox 26">
+            <a:extLst>
+              <a:ext uri="{FF2B5EF4-FFF2-40B4-BE49-F238E27FC236}">
+                <a16:creationId xmlns:a16="http://schemas.microsoft.com/office/drawing/2014/main" id="{8E5AEF75-CCBF-7148-B722-B7F9CD0F01DF}"/>
+              </a:ext>
+            </a:extLst>
+          </p:cNvPr>
+          <p:cNvSpPr txBox="1"/>
+          <p:nvPr/>
+        </p:nvSpPr>
+        <p:spPr>
+          <a:xfrm>
+            <a:off x="2088879" y="427668"/>
+            <a:ext cx="1593668" cy="369332"/>
+          </a:xfrm>
+          <a:prstGeom prst="rect">
+            <a:avLst/>
+          </a:prstGeom>
+          <a:noFill/>
+        </p:spPr>
+        <p:txBody>
+          <a:bodyPr wrap="square" rtlCol="0">
+            <a:spAutoFit/>
+          </a:bodyPr>
+          <a:lstStyle/>
+          <a:p>
+            <a:r>
+              <a:rPr lang="en-US" dirty="0"/>
+              <a:t>1. Dispatched</a:t>
+            </a:r>
+          </a:p>
+        </p:txBody>
+      </p:sp>
+      <p:sp>
+        <p:nvSpPr>
+          <p:cNvPr id="28" name="TextBox 27">
+            <a:extLst>
+              <a:ext uri="{FF2B5EF4-FFF2-40B4-BE49-F238E27FC236}">
+                <a16:creationId xmlns:a16="http://schemas.microsoft.com/office/drawing/2014/main" id="{21B24CE7-3271-0C40-B7F5-97AA1A6A16A6}"/>
+              </a:ext>
+            </a:extLst>
+          </p:cNvPr>
+          <p:cNvSpPr txBox="1"/>
+          <p:nvPr/>
+        </p:nvSpPr>
+        <p:spPr>
+          <a:xfrm>
+            <a:off x="2377440" y="1584198"/>
+            <a:ext cx="1717041" cy="400110"/>
+          </a:xfrm>
+          <a:prstGeom prst="rect">
+            <a:avLst/>
+          </a:prstGeom>
+          <a:noFill/>
+        </p:spPr>
+        <p:txBody>
+          <a:bodyPr wrap="square" rtlCol="0">
+            <a:spAutoFit/>
+          </a:bodyPr>
+          <a:lstStyle/>
+          <a:p>
+            <a:r>
+              <a:rPr lang="en-US" sz="1000" dirty="0"/>
+              <a:t>UI does not know if the action is Sync /Async</a:t>
+            </a:r>
+          </a:p>
+        </p:txBody>
+      </p:sp>
+      <p:sp>
+        <p:nvSpPr>
+          <p:cNvPr id="29" name="Rounded Rectangle 28">
+            <a:extLst>
+              <a:ext uri="{FF2B5EF4-FFF2-40B4-BE49-F238E27FC236}">
+                <a16:creationId xmlns:a16="http://schemas.microsoft.com/office/drawing/2014/main" id="{A95D9319-39B8-9C43-8923-0FBEC517AB2F}"/>
+              </a:ext>
+            </a:extLst>
+          </p:cNvPr>
+          <p:cNvSpPr/>
+          <p:nvPr/>
+        </p:nvSpPr>
+        <p:spPr>
+          <a:xfrm>
+            <a:off x="5004524" y="833454"/>
+            <a:ext cx="1494974" cy="735251"/>
+          </a:xfrm>
+          <a:prstGeom prst="roundRect">
+            <a:avLst/>
+          </a:prstGeom>
+        </p:spPr>
+        <p:style>
+          <a:lnRef idx="2">
+            <a:schemeClr val="accent1">
+              <a:shade val="50000"/>
+            </a:schemeClr>
+          </a:lnRef>
+          <a:fillRef idx="1">
+            <a:schemeClr val="accent1"/>
+          </a:fillRef>
+          <a:effectRef idx="0">
+            <a:schemeClr val="accent1"/>
+          </a:effectRef>
+          <a:fontRef idx="minor">
+            <a:schemeClr val="lt1"/>
+          </a:fontRef>
+        </p:style>
+        <p:txBody>
+          <a:bodyPr rtlCol="0" anchor="ctr"/>
+          <a:lstStyle/>
+          <a:p>
+            <a:pPr algn="ctr"/>
+            <a:r>
+              <a:rPr lang="en-US" dirty="0"/>
+              <a:t>Middleware</a:t>
+            </a:r>
+          </a:p>
+        </p:txBody>
+      </p:sp>
+      <p:sp>
+        <p:nvSpPr>
+          <p:cNvPr id="30" name="Right Arrow 29">
+            <a:extLst>
+              <a:ext uri="{FF2B5EF4-FFF2-40B4-BE49-F238E27FC236}">
+                <a16:creationId xmlns:a16="http://schemas.microsoft.com/office/drawing/2014/main" id="{07759602-8380-734C-958A-1B3CA557A002}"/>
+              </a:ext>
+            </a:extLst>
+          </p:cNvPr>
+          <p:cNvSpPr/>
+          <p:nvPr/>
+        </p:nvSpPr>
+        <p:spPr>
+          <a:xfrm>
+            <a:off x="4397828" y="1062446"/>
+            <a:ext cx="583475" cy="223055"/>
+          </a:xfrm>
+          <a:prstGeom prst="rightArrow">
+            <a:avLst/>
+          </a:prstGeom>
+        </p:spPr>
+        <p:style>
+          <a:lnRef idx="2">
+            <a:schemeClr val="accent1">
+              <a:shade val="50000"/>
+            </a:schemeClr>
+          </a:lnRef>
+          <a:fillRef idx="1">
+            <a:schemeClr val="accent1"/>
+          </a:fillRef>
+          <a:effectRef idx="0">
+            <a:schemeClr val="accent1"/>
+          </a:effectRef>
+          <a:fontRef idx="minor">
+            <a:schemeClr val="lt1"/>
+          </a:fontRef>
+        </p:style>
+        <p:txBody>
+          <a:bodyPr rtlCol="0" anchor="ctr"/>
+          <a:lstStyle/>
+          <a:p>
+            <a:pPr algn="ctr"/>
+            <a:endParaRPr lang="en-US"/>
+          </a:p>
+        </p:txBody>
+      </p:sp>
+      <p:sp>
+        <p:nvSpPr>
+          <p:cNvPr id="31" name="TextBox 30">
+            <a:extLst>
+              <a:ext uri="{FF2B5EF4-FFF2-40B4-BE49-F238E27FC236}">
+                <a16:creationId xmlns:a16="http://schemas.microsoft.com/office/drawing/2014/main" id="{6758FD11-4B08-A342-BDD2-9E6026917EB5}"/>
+              </a:ext>
+            </a:extLst>
+          </p:cNvPr>
+          <p:cNvSpPr txBox="1"/>
+          <p:nvPr/>
+        </p:nvSpPr>
+        <p:spPr>
+          <a:xfrm>
+            <a:off x="4394924" y="1299169"/>
+            <a:ext cx="1518196" cy="246221"/>
+          </a:xfrm>
+          <a:prstGeom prst="rect">
+            <a:avLst/>
+          </a:prstGeom>
+          <a:noFill/>
+        </p:spPr>
+        <p:txBody>
+          <a:bodyPr wrap="square" rtlCol="0">
+            <a:spAutoFit/>
+          </a:bodyPr>
+          <a:lstStyle/>
+          <a:p>
+            <a:r>
+              <a:rPr lang="en-US" sz="1000" dirty="0"/>
+              <a:t>2. Listen Action</a:t>
+            </a:r>
+          </a:p>
+        </p:txBody>
+      </p:sp>
+      <p:sp>
+        <p:nvSpPr>
+          <p:cNvPr id="32" name="Right Arrow 31">
+            <a:extLst>
+              <a:ext uri="{FF2B5EF4-FFF2-40B4-BE49-F238E27FC236}">
+                <a16:creationId xmlns:a16="http://schemas.microsoft.com/office/drawing/2014/main" id="{9DF33CDB-51D1-B04B-B105-A6DE0E77E5D9}"/>
+              </a:ext>
+            </a:extLst>
+          </p:cNvPr>
+          <p:cNvSpPr/>
+          <p:nvPr/>
+        </p:nvSpPr>
+        <p:spPr>
+          <a:xfrm>
+            <a:off x="6499498" y="886349"/>
+            <a:ext cx="3114765" cy="176097"/>
+          </a:xfrm>
+          <a:prstGeom prst="rightArrow">
+            <a:avLst/>
+          </a:prstGeom>
+        </p:spPr>
+        <p:style>
+          <a:lnRef idx="2">
+            <a:schemeClr val="accent1">
+              <a:shade val="50000"/>
+            </a:schemeClr>
+          </a:lnRef>
+          <a:fillRef idx="1">
+            <a:schemeClr val="accent1"/>
+          </a:fillRef>
+          <a:effectRef idx="0">
+            <a:schemeClr val="accent1"/>
+          </a:effectRef>
+          <a:fontRef idx="minor">
+            <a:schemeClr val="lt1"/>
+          </a:fontRef>
+        </p:style>
+        <p:txBody>
+          <a:bodyPr rtlCol="0" anchor="ctr"/>
+          <a:lstStyle/>
+          <a:p>
+            <a:pPr algn="ctr"/>
+            <a:endParaRPr lang="en-US"/>
+          </a:p>
+        </p:txBody>
+      </p:sp>
+      <p:sp>
+        <p:nvSpPr>
+          <p:cNvPr id="33" name="Left Arrow 32">
+            <a:extLst>
+              <a:ext uri="{FF2B5EF4-FFF2-40B4-BE49-F238E27FC236}">
+                <a16:creationId xmlns:a16="http://schemas.microsoft.com/office/drawing/2014/main" id="{7031D12E-A831-B844-958C-33C3E6498CBD}"/>
+              </a:ext>
+            </a:extLst>
+          </p:cNvPr>
+          <p:cNvSpPr/>
+          <p:nvPr/>
+        </p:nvSpPr>
+        <p:spPr>
+          <a:xfrm>
+            <a:off x="6522719" y="1173480"/>
+            <a:ext cx="3091544" cy="118539"/>
+          </a:xfrm>
+          <a:prstGeom prst="leftArrow">
+            <a:avLst/>
+          </a:prstGeom>
+        </p:spPr>
+        <p:style>
+          <a:lnRef idx="2">
+            <a:schemeClr val="accent1">
+              <a:shade val="50000"/>
+            </a:schemeClr>
+          </a:lnRef>
+          <a:fillRef idx="1">
+            <a:schemeClr val="accent1"/>
+          </a:fillRef>
+          <a:effectRef idx="0">
+            <a:schemeClr val="accent1"/>
+          </a:effectRef>
+          <a:fontRef idx="minor">
+            <a:schemeClr val="lt1"/>
+          </a:fontRef>
+        </p:style>
+        <p:txBody>
+          <a:bodyPr rtlCol="0" anchor="ctr"/>
+          <a:lstStyle/>
+          <a:p>
+            <a:pPr algn="ctr"/>
+            <a:endParaRPr lang="en-US"/>
+          </a:p>
+        </p:txBody>
+      </p:sp>
+      <p:sp>
+        <p:nvSpPr>
+          <p:cNvPr id="34" name="TextBox 33">
+            <a:extLst>
+              <a:ext uri="{FF2B5EF4-FFF2-40B4-BE49-F238E27FC236}">
+                <a16:creationId xmlns:a16="http://schemas.microsoft.com/office/drawing/2014/main" id="{848C8ABB-033B-D142-971E-AE058E75BEAC}"/>
+              </a:ext>
+            </a:extLst>
+          </p:cNvPr>
+          <p:cNvSpPr txBox="1"/>
+          <p:nvPr/>
+        </p:nvSpPr>
+        <p:spPr>
+          <a:xfrm>
+            <a:off x="6859724" y="1356675"/>
+            <a:ext cx="2185852" cy="246221"/>
+          </a:xfrm>
+          <a:prstGeom prst="rect">
+            <a:avLst/>
+          </a:prstGeom>
+          <a:noFill/>
+        </p:spPr>
+        <p:txBody>
+          <a:bodyPr wrap="square" rtlCol="0">
+            <a:spAutoFit/>
+          </a:bodyPr>
+          <a:lstStyle/>
+          <a:p>
+            <a:r>
+              <a:rPr lang="en-US" sz="1000" dirty="0"/>
+              <a:t>4. Promise Response</a:t>
+            </a:r>
+          </a:p>
+        </p:txBody>
+      </p:sp>
+      <p:sp>
+        <p:nvSpPr>
+          <p:cNvPr id="35" name="Rectangle 34">
+            <a:extLst>
+              <a:ext uri="{FF2B5EF4-FFF2-40B4-BE49-F238E27FC236}">
+                <a16:creationId xmlns:a16="http://schemas.microsoft.com/office/drawing/2014/main" id="{A996F168-D1CA-2249-A5B0-E321348D9BB0}"/>
+              </a:ext>
+            </a:extLst>
+          </p:cNvPr>
+          <p:cNvSpPr/>
+          <p:nvPr/>
+        </p:nvSpPr>
+        <p:spPr>
+          <a:xfrm>
+            <a:off x="3013166" y="2200449"/>
+            <a:ext cx="3082833" cy="802435"/>
+          </a:xfrm>
+          <a:prstGeom prst="rect">
+            <a:avLst/>
+          </a:prstGeom>
+        </p:spPr>
+        <p:style>
+          <a:lnRef idx="2">
+            <a:schemeClr val="accent1">
+              <a:shade val="50000"/>
+            </a:schemeClr>
+          </a:lnRef>
+          <a:fillRef idx="1">
+            <a:schemeClr val="accent1"/>
+          </a:fillRef>
+          <a:effectRef idx="0">
+            <a:schemeClr val="accent1"/>
+          </a:effectRef>
+          <a:fontRef idx="minor">
+            <a:schemeClr val="lt1"/>
+          </a:fontRef>
+        </p:style>
+        <p:txBody>
+          <a:bodyPr rtlCol="0" anchor="ctr"/>
+          <a:lstStyle/>
+          <a:p>
+            <a:pPr algn="ctr"/>
+            <a:r>
+              <a:rPr lang="en-US" dirty="0"/>
+              <a:t>Reducer</a:t>
+            </a:r>
+          </a:p>
+        </p:txBody>
+      </p:sp>
+      <p:sp>
+        <p:nvSpPr>
+          <p:cNvPr id="36" name="Down Arrow 35">
+            <a:extLst>
+              <a:ext uri="{FF2B5EF4-FFF2-40B4-BE49-F238E27FC236}">
+                <a16:creationId xmlns:a16="http://schemas.microsoft.com/office/drawing/2014/main" id="{AC88C852-A9A8-4E47-BA46-28819DBE38DE}"/>
+              </a:ext>
+            </a:extLst>
+          </p:cNvPr>
+          <p:cNvSpPr/>
+          <p:nvPr/>
+        </p:nvSpPr>
+        <p:spPr>
+          <a:xfrm>
+            <a:off x="5692503" y="1568705"/>
+            <a:ext cx="72571" cy="640127"/>
+          </a:xfrm>
+          <a:prstGeom prst="downArrow">
+            <a:avLst/>
+          </a:prstGeom>
+        </p:spPr>
+        <p:style>
+          <a:lnRef idx="2">
+            <a:schemeClr val="accent1">
+              <a:shade val="50000"/>
+            </a:schemeClr>
+          </a:lnRef>
+          <a:fillRef idx="1">
+            <a:schemeClr val="accent1"/>
+          </a:fillRef>
+          <a:effectRef idx="0">
+            <a:schemeClr val="accent1"/>
+          </a:effectRef>
+          <a:fontRef idx="minor">
+            <a:schemeClr val="lt1"/>
+          </a:fontRef>
+        </p:style>
+        <p:txBody>
+          <a:bodyPr rtlCol="0" anchor="ctr"/>
+          <a:lstStyle/>
+          <a:p>
+            <a:pPr algn="ctr"/>
+            <a:endParaRPr lang="en-US"/>
+          </a:p>
+        </p:txBody>
+      </p:sp>
+      <p:sp>
+        <p:nvSpPr>
+          <p:cNvPr id="37" name="TextBox 36">
+            <a:extLst>
+              <a:ext uri="{FF2B5EF4-FFF2-40B4-BE49-F238E27FC236}">
+                <a16:creationId xmlns:a16="http://schemas.microsoft.com/office/drawing/2014/main" id="{9821A2E3-FA33-A645-8BCB-4051353FD58A}"/>
+              </a:ext>
+            </a:extLst>
+          </p:cNvPr>
+          <p:cNvSpPr txBox="1"/>
+          <p:nvPr/>
+        </p:nvSpPr>
+        <p:spPr>
+          <a:xfrm>
+            <a:off x="5692503" y="1657650"/>
+            <a:ext cx="2185852" cy="400110"/>
+          </a:xfrm>
+          <a:prstGeom prst="rect">
+            <a:avLst/>
+          </a:prstGeom>
+          <a:noFill/>
+        </p:spPr>
+        <p:txBody>
+          <a:bodyPr wrap="square" rtlCol="0">
+            <a:spAutoFit/>
+          </a:bodyPr>
+          <a:lstStyle/>
+          <a:p>
+            <a:r>
+              <a:rPr lang="en-US" sz="1000" dirty="0"/>
+              <a:t>5. Output Action (Success / Error) is given to Reducer</a:t>
+            </a:r>
+          </a:p>
+        </p:txBody>
+      </p:sp>
+      <p:sp>
+        <p:nvSpPr>
+          <p:cNvPr id="38" name="Down Arrow 37">
+            <a:extLst>
+              <a:ext uri="{FF2B5EF4-FFF2-40B4-BE49-F238E27FC236}">
+                <a16:creationId xmlns:a16="http://schemas.microsoft.com/office/drawing/2014/main" id="{49877192-570B-E441-8BC8-930CA4D7033E}"/>
+              </a:ext>
+            </a:extLst>
+          </p:cNvPr>
+          <p:cNvSpPr/>
+          <p:nvPr/>
+        </p:nvSpPr>
+        <p:spPr>
+          <a:xfrm>
+            <a:off x="4747896" y="3002884"/>
+            <a:ext cx="76653" cy="2131916"/>
+          </a:xfrm>
+          <a:prstGeom prst="downArrow">
+            <a:avLst/>
+          </a:prstGeom>
+        </p:spPr>
+        <p:style>
+          <a:lnRef idx="2">
+            <a:schemeClr val="accent1">
+              <a:shade val="50000"/>
+            </a:schemeClr>
+          </a:lnRef>
+          <a:fillRef idx="1">
+            <a:schemeClr val="accent1"/>
+          </a:fillRef>
+          <a:effectRef idx="0">
+            <a:schemeClr val="accent1"/>
+          </a:effectRef>
+          <a:fontRef idx="minor">
+            <a:schemeClr val="lt1"/>
+          </a:fontRef>
+        </p:style>
+        <p:txBody>
+          <a:bodyPr rtlCol="0" anchor="ctr"/>
+          <a:lstStyle/>
+          <a:p>
+            <a:pPr algn="ctr"/>
+            <a:endParaRPr lang="en-US"/>
+          </a:p>
+        </p:txBody>
+      </p:sp>
+      <p:sp>
+        <p:nvSpPr>
+          <p:cNvPr id="39" name="TextBox 38">
+            <a:extLst>
+              <a:ext uri="{FF2B5EF4-FFF2-40B4-BE49-F238E27FC236}">
+                <a16:creationId xmlns:a16="http://schemas.microsoft.com/office/drawing/2014/main" id="{F99198F5-FE30-E848-9258-0C4A6AE4D9A1}"/>
+              </a:ext>
+            </a:extLst>
+          </p:cNvPr>
+          <p:cNvSpPr txBox="1"/>
+          <p:nvPr/>
+        </p:nvSpPr>
+        <p:spPr>
+          <a:xfrm>
+            <a:off x="6499498" y="4963886"/>
+            <a:ext cx="2809965" cy="1200329"/>
+          </a:xfrm>
+          <a:prstGeom prst="rect">
+            <a:avLst/>
+          </a:prstGeom>
+          <a:noFill/>
+        </p:spPr>
+        <p:txBody>
+          <a:bodyPr wrap="square" rtlCol="0">
+            <a:spAutoFit/>
+          </a:bodyPr>
+          <a:lstStyle/>
+          <a:p>
+            <a:r>
+              <a:rPr lang="en-US" dirty="0"/>
+              <a:t>Middleware will read data from collection using generators where each row will be read and returned </a:t>
+            </a:r>
+          </a:p>
+        </p:txBody>
+      </p:sp>
+      <p:sp>
+        <p:nvSpPr>
+          <p:cNvPr id="40" name="Up Arrow 39">
+            <a:extLst>
+              <a:ext uri="{FF2B5EF4-FFF2-40B4-BE49-F238E27FC236}">
+                <a16:creationId xmlns:a16="http://schemas.microsoft.com/office/drawing/2014/main" id="{DF56C253-5611-D744-B802-92DC9B504B96}"/>
+              </a:ext>
+            </a:extLst>
+          </p:cNvPr>
+          <p:cNvSpPr/>
+          <p:nvPr/>
+        </p:nvSpPr>
+        <p:spPr>
+          <a:xfrm>
+            <a:off x="7376160" y="1872343"/>
+            <a:ext cx="95794" cy="328106"/>
+          </a:xfrm>
+          <a:prstGeom prst="upArrow">
+            <a:avLst/>
+          </a:prstGeom>
+        </p:spPr>
+        <p:style>
+          <a:lnRef idx="2">
+            <a:schemeClr val="accent1">
+              <a:shade val="50000"/>
+            </a:schemeClr>
+          </a:lnRef>
+          <a:fillRef idx="1">
+            <a:schemeClr val="accent1"/>
+          </a:fillRef>
+          <a:effectRef idx="0">
+            <a:schemeClr val="accent1"/>
+          </a:effectRef>
+          <a:fontRef idx="minor">
+            <a:schemeClr val="lt1"/>
+          </a:fontRef>
+        </p:style>
+        <p:txBody>
+          <a:bodyPr rtlCol="0" anchor="ctr"/>
+          <a:lstStyle/>
+          <a:p>
+            <a:pPr algn="ctr"/>
+            <a:endParaRPr lang="en-US"/>
+          </a:p>
+        </p:txBody>
+      </p:sp>
+      <p:sp>
+        <p:nvSpPr>
+          <p:cNvPr id="41" name="Bent Arrow 40">
+            <a:extLst>
+              <a:ext uri="{FF2B5EF4-FFF2-40B4-BE49-F238E27FC236}">
+                <a16:creationId xmlns:a16="http://schemas.microsoft.com/office/drawing/2014/main" id="{C2973780-03EE-2145-893F-14A2F7895E31}"/>
+              </a:ext>
+            </a:extLst>
+          </p:cNvPr>
+          <p:cNvSpPr/>
+          <p:nvPr/>
+        </p:nvSpPr>
+        <p:spPr>
+          <a:xfrm flipV="1">
+            <a:off x="1301931" y="5582154"/>
+            <a:ext cx="1519646" cy="309196"/>
+          </a:xfrm>
+          <a:prstGeom prst="bentArrow">
+            <a:avLst/>
+          </a:prstGeom>
+        </p:spPr>
+        <p:style>
+          <a:lnRef idx="2">
+            <a:schemeClr val="accent1">
+              <a:shade val="50000"/>
+            </a:schemeClr>
+          </a:lnRef>
+          <a:fillRef idx="1">
+            <a:schemeClr val="accent1"/>
+          </a:fillRef>
+          <a:effectRef idx="0">
+            <a:schemeClr val="accent1"/>
+          </a:effectRef>
+          <a:fontRef idx="minor">
+            <a:schemeClr val="lt1"/>
+          </a:fontRef>
+        </p:style>
+        <p:txBody>
+          <a:bodyPr rtlCol="0" anchor="ctr"/>
+          <a:lstStyle/>
+          <a:p>
+            <a:pPr algn="ctr"/>
+            <a:endParaRPr lang="en-US">
+              <a:solidFill>
+                <a:schemeClr val="tx1"/>
+              </a:solidFill>
+            </a:endParaRPr>
+          </a:p>
+        </p:txBody>
+      </p:sp>
+      <p:sp>
+        <p:nvSpPr>
+          <p:cNvPr id="42" name="TextBox 41">
+            <a:extLst>
+              <a:ext uri="{FF2B5EF4-FFF2-40B4-BE49-F238E27FC236}">
+                <a16:creationId xmlns:a16="http://schemas.microsoft.com/office/drawing/2014/main" id="{51DA4989-67E9-D743-89FF-763E78D24178}"/>
+              </a:ext>
+            </a:extLst>
+          </p:cNvPr>
+          <p:cNvSpPr txBox="1"/>
+          <p:nvPr/>
+        </p:nvSpPr>
+        <p:spPr>
+          <a:xfrm>
+            <a:off x="1001486" y="5925384"/>
+            <a:ext cx="1820091" cy="646331"/>
+          </a:xfrm>
+          <a:prstGeom prst="rect">
+            <a:avLst/>
+          </a:prstGeom>
+          <a:noFill/>
+        </p:spPr>
+        <p:txBody>
+          <a:bodyPr wrap="square" rtlCol="0">
+            <a:spAutoFit/>
+          </a:bodyPr>
+          <a:lstStyle/>
+          <a:p>
+            <a:r>
+              <a:rPr lang="en-US" dirty="0"/>
+              <a:t>Subscription </a:t>
+            </a:r>
+            <a:r>
+              <a:rPr lang="en-US"/>
+              <a:t>to Store</a:t>
+            </a:r>
+          </a:p>
+        </p:txBody>
+      </p:sp>
+    </p:spTree>
+    <p:extLst>
+      <p:ext uri="{BB962C8B-B14F-4D97-AF65-F5344CB8AC3E}">
+        <p14:creationId xmlns:p14="http://schemas.microsoft.com/office/powerpoint/2010/main" val="567897094"/>
       </p:ext>
     </p:extLst>
   </p:cSld>

--- a/Training_Notes_PPTs.pptx
+++ b/Training_Notes_PPTs.pptx
@@ -53781,7 +53781,29 @@
             <a:pPr algn="ctr"/>
             <a:r>
               <a:rPr lang="en-US" dirty="0"/>
+              <a:t>Application </a:t>
+            </a:r>
+          </a:p>
+          <a:p>
+            <a:pPr algn="ctr"/>
+            <a:r>
+              <a:rPr lang="en-US" dirty="0"/>
               <a:t>Server</a:t>
+            </a:r>
+          </a:p>
+          <a:p>
+            <a:pPr algn="ctr"/>
+            <a:r>
+              <a:rPr lang="en-US" dirty="0"/>
+              <a:t>e.g. Node.js / .NET </a:t>
+            </a:r>
+            <a:r>
+              <a:rPr lang="en-US" dirty="0" err="1"/>
+              <a:t>Frwk</a:t>
+            </a:r>
+            <a:r>
+              <a:rPr lang="en-US" dirty="0"/>
+              <a:t> / JRE</a:t>
             </a:r>
           </a:p>
         </p:txBody>
@@ -54231,55 +54253,6 @@
       </p:sp>
       <p:sp>
         <p:nvSpPr>
-          <p:cNvPr id="5" name="Rounded Rectangle 4">
-            <a:extLst>
-              <a:ext uri="{FF2B5EF4-FFF2-40B4-BE49-F238E27FC236}">
-                <a16:creationId xmlns:a16="http://schemas.microsoft.com/office/drawing/2014/main" id="{A1230C91-44E9-9D4F-9788-47783D1328C3}"/>
-              </a:ext>
-            </a:extLst>
-          </p:cNvPr>
-          <p:cNvSpPr/>
-          <p:nvPr/>
-        </p:nvSpPr>
-        <p:spPr>
-          <a:xfrm>
-            <a:off x="391886" y="748936"/>
-            <a:ext cx="1820091" cy="4859383"/>
-          </a:xfrm>
-          <a:prstGeom prst="roundRect">
-            <a:avLst/>
-          </a:prstGeom>
-        </p:spPr>
-        <p:style>
-          <a:lnRef idx="2">
-            <a:schemeClr val="accent1">
-              <a:shade val="50000"/>
-            </a:schemeClr>
-          </a:lnRef>
-          <a:fillRef idx="1">
-            <a:schemeClr val="accent1"/>
-          </a:fillRef>
-          <a:effectRef idx="0">
-            <a:schemeClr val="accent1"/>
-          </a:effectRef>
-          <a:fontRef idx="minor">
-            <a:schemeClr val="lt1"/>
-          </a:fontRef>
-        </p:style>
-        <p:txBody>
-          <a:bodyPr rtlCol="0" anchor="ctr"/>
-          <a:lstStyle/>
-          <a:p>
-            <a:pPr algn="ctr"/>
-            <a:r>
-              <a:rPr lang="en-US" dirty="0"/>
-              <a:t>React App</a:t>
-            </a:r>
-          </a:p>
-        </p:txBody>
-      </p:sp>
-      <p:sp>
-        <p:nvSpPr>
           <p:cNvPr id="6" name="Right Arrow 5">
             <a:extLst>
               <a:ext uri="{FF2B5EF4-FFF2-40B4-BE49-F238E27FC236}">
@@ -54457,8 +54430,8 @@
         </p:nvSpPr>
         <p:spPr>
           <a:xfrm flipH="1">
-            <a:off x="2205386" y="4069209"/>
-            <a:ext cx="1071154" cy="1065591"/>
+            <a:off x="2278742" y="4069209"/>
+            <a:ext cx="997798" cy="1065591"/>
           </a:xfrm>
           <a:prstGeom prst="bentArrow">
             <a:avLst>
@@ -55288,11 +55261,213 @@
           <a:p>
             <a:r>
               <a:rPr lang="en-US" dirty="0"/>
-              <a:t>Subscription </a:t>
-            </a:r>
-            <a:r>
-              <a:rPr lang="en-US"/>
-              <a:t>to Store</a:t>
+              <a:t>Subscription to Store</a:t>
+            </a:r>
+          </a:p>
+        </p:txBody>
+      </p:sp>
+      <p:sp>
+        <p:nvSpPr>
+          <p:cNvPr id="46" name="Rectangle 45">
+            <a:extLst>
+              <a:ext uri="{FF2B5EF4-FFF2-40B4-BE49-F238E27FC236}">
+                <a16:creationId xmlns:a16="http://schemas.microsoft.com/office/drawing/2014/main" id="{E9D7B40F-BCA1-1B4F-A5AF-F45D20D4D65F}"/>
+              </a:ext>
+            </a:extLst>
+          </p:cNvPr>
+          <p:cNvSpPr/>
+          <p:nvPr/>
+        </p:nvSpPr>
+        <p:spPr>
+          <a:xfrm>
+            <a:off x="264159" y="612334"/>
+            <a:ext cx="2014583" cy="5083072"/>
+          </a:xfrm>
+          <a:prstGeom prst="rect">
+            <a:avLst/>
+          </a:prstGeom>
+        </p:spPr>
+        <p:style>
+          <a:lnRef idx="2">
+            <a:schemeClr val="accent1">
+              <a:shade val="50000"/>
+            </a:schemeClr>
+          </a:lnRef>
+          <a:fillRef idx="1">
+            <a:schemeClr val="accent1"/>
+          </a:fillRef>
+          <a:effectRef idx="0">
+            <a:schemeClr val="accent1"/>
+          </a:effectRef>
+          <a:fontRef idx="minor">
+            <a:schemeClr val="lt1"/>
+          </a:fontRef>
+        </p:style>
+        <p:txBody>
+          <a:bodyPr rtlCol="0" anchor="ctr"/>
+          <a:lstStyle/>
+          <a:p>
+            <a:pPr algn="ctr"/>
+            <a:endParaRPr lang="en-US"/>
+          </a:p>
+        </p:txBody>
+      </p:sp>
+      <p:sp>
+        <p:nvSpPr>
+          <p:cNvPr id="47" name="Rounded Rectangle 46">
+            <a:extLst>
+              <a:ext uri="{FF2B5EF4-FFF2-40B4-BE49-F238E27FC236}">
+                <a16:creationId xmlns:a16="http://schemas.microsoft.com/office/drawing/2014/main" id="{51E8499C-FE5D-274D-82DD-59CFC70B2322}"/>
+              </a:ext>
+            </a:extLst>
+          </p:cNvPr>
+          <p:cNvSpPr/>
+          <p:nvPr/>
+        </p:nvSpPr>
+        <p:spPr>
+          <a:xfrm>
+            <a:off x="391886" y="748936"/>
+            <a:ext cx="1820091" cy="2039855"/>
+          </a:xfrm>
+          <a:prstGeom prst="roundRect">
+            <a:avLst/>
+          </a:prstGeom>
+          <a:solidFill>
+            <a:srgbClr val="FFFF00"/>
+          </a:solidFill>
+        </p:spPr>
+        <p:style>
+          <a:lnRef idx="2">
+            <a:schemeClr val="accent1">
+              <a:shade val="50000"/>
+            </a:schemeClr>
+          </a:lnRef>
+          <a:fillRef idx="1">
+            <a:schemeClr val="accent1"/>
+          </a:fillRef>
+          <a:effectRef idx="0">
+            <a:schemeClr val="accent1"/>
+          </a:effectRef>
+          <a:fontRef idx="minor">
+            <a:schemeClr val="lt1"/>
+          </a:fontRef>
+        </p:style>
+        <p:txBody>
+          <a:bodyPr rtlCol="0" anchor="ctr"/>
+          <a:lstStyle/>
+          <a:p>
+            <a:pPr algn="ctr"/>
+            <a:r>
+              <a:rPr lang="en-US" dirty="0" err="1">
+                <a:ln w="0"/>
+                <a:solidFill>
+                  <a:schemeClr val="accent1"/>
+                </a:solidFill>
+                <a:effectLst>
+                  <a:outerShdw blurRad="38100" dist="25400" dir="5400000" algn="ctr" rotWithShape="0">
+                    <a:srgbClr val="6E747A">
+                      <a:alpha val="43000"/>
+                    </a:srgbClr>
+                  </a:outerShdw>
+                </a:effectLst>
+              </a:rPr>
+              <a:t>ReadWrite</a:t>
+            </a:r>
+            <a:r>
+              <a:rPr lang="en-US" dirty="0">
+                <a:ln w="0"/>
+                <a:solidFill>
+                  <a:schemeClr val="accent1"/>
+                </a:solidFill>
+                <a:effectLst>
+                  <a:outerShdw blurRad="38100" dist="25400" dir="5400000" algn="ctr" rotWithShape="0">
+                    <a:srgbClr val="6E747A">
+                      <a:alpha val="43000"/>
+                    </a:srgbClr>
+                  </a:outerShdw>
+                </a:effectLst>
+              </a:rPr>
+              <a:t> Component </a:t>
+            </a:r>
+          </a:p>
+        </p:txBody>
+      </p:sp>
+      <p:sp>
+        <p:nvSpPr>
+          <p:cNvPr id="48" name="Rounded Rectangle 47">
+            <a:extLst>
+              <a:ext uri="{FF2B5EF4-FFF2-40B4-BE49-F238E27FC236}">
+                <a16:creationId xmlns:a16="http://schemas.microsoft.com/office/drawing/2014/main" id="{6E3F53D1-EF66-C440-A042-4A3F344D7345}"/>
+              </a:ext>
+            </a:extLst>
+          </p:cNvPr>
+          <p:cNvSpPr/>
+          <p:nvPr/>
+        </p:nvSpPr>
+        <p:spPr>
+          <a:xfrm>
+            <a:off x="385295" y="3286296"/>
+            <a:ext cx="1820091" cy="2039855"/>
+          </a:xfrm>
+          <a:prstGeom prst="roundRect">
+            <a:avLst/>
+          </a:prstGeom>
+          <a:solidFill>
+            <a:srgbClr val="FFFF00"/>
+          </a:solidFill>
+        </p:spPr>
+        <p:style>
+          <a:lnRef idx="2">
+            <a:schemeClr val="accent1">
+              <a:shade val="50000"/>
+            </a:schemeClr>
+          </a:lnRef>
+          <a:fillRef idx="1">
+            <a:schemeClr val="accent1"/>
+          </a:fillRef>
+          <a:effectRef idx="0">
+            <a:schemeClr val="accent1"/>
+          </a:effectRef>
+          <a:fontRef idx="minor">
+            <a:schemeClr val="lt1"/>
+          </a:fontRef>
+        </p:style>
+        <p:txBody>
+          <a:bodyPr rtlCol="0" anchor="ctr"/>
+          <a:lstStyle/>
+          <a:p>
+            <a:pPr algn="ctr"/>
+            <a:r>
+              <a:rPr lang="en-US" dirty="0" err="1">
+                <a:ln w="0"/>
+                <a:solidFill>
+                  <a:schemeClr val="accent1"/>
+                </a:solidFill>
+                <a:effectLst>
+                  <a:outerShdw blurRad="38100" dist="25400" dir="5400000" algn="ctr" rotWithShape="0">
+                    <a:srgbClr val="6E747A">
+                      <a:alpha val="43000"/>
+                    </a:srgbClr>
+                  </a:outerShdw>
+                </a:effectLst>
+              </a:rPr>
+              <a:t>ListData</a:t>
+            </a:r>
+            <a:r>
+              <a:rPr lang="en-US" dirty="0">
+                <a:ln w="0"/>
+                <a:solidFill>
+                  <a:schemeClr val="accent1"/>
+                </a:solidFill>
+                <a:effectLst>
+                  <a:outerShdw blurRad="38100" dist="25400" dir="5400000" algn="ctr" rotWithShape="0">
+                    <a:srgbClr val="6E747A">
+                      <a:alpha val="43000"/>
+                    </a:srgbClr>
+                  </a:outerShdw>
+                </a:effectLst>
+              </a:rPr>
+              <a:t> Component </a:t>
             </a:r>
           </a:p>
         </p:txBody>

--- a/Training_Notes_PPTs.pptx
+++ b/Training_Notes_PPTs.pptx
@@ -71,6 +71,12 @@
     <p:sldId id="318" r:id="rId65"/>
     <p:sldId id="320" r:id="rId66"/>
     <p:sldId id="321" r:id="rId67"/>
+    <p:sldId id="322" r:id="rId68"/>
+    <p:sldId id="323" r:id="rId69"/>
+    <p:sldId id="324" r:id="rId70"/>
+    <p:sldId id="325" r:id="rId71"/>
+    <p:sldId id="326" r:id="rId72"/>
+    <p:sldId id="327" r:id="rId73"/>
   </p:sldIdLst>
   <p:sldSz cx="12192000" cy="6858000"/>
   <p:notesSz cx="6858000" cy="9144000"/>
@@ -316,7 +322,7 @@
           <a:p>
             <a:fld id="{587FB2BA-09D0-1840-B49D-E4BDDD8ED284}" type="datetimeFigureOut">
               <a:rPr lang="en-US" smtClean="0"/>
-              <a:t>1/27/21</a:t>
+              <a:t>1/28/21</a:t>
             </a:fld>
             <a:endParaRPr lang="en-US"/>
           </a:p>
@@ -527,7 +533,7 @@
           <a:p>
             <a:fld id="{587FB2BA-09D0-1840-B49D-E4BDDD8ED284}" type="datetimeFigureOut">
               <a:rPr lang="en-US" smtClean="0"/>
-              <a:t>1/27/21</a:t>
+              <a:t>1/28/21</a:t>
             </a:fld>
             <a:endParaRPr lang="en-US"/>
           </a:p>
@@ -742,7 +748,7 @@
           <a:p>
             <a:fld id="{587FB2BA-09D0-1840-B49D-E4BDDD8ED284}" type="datetimeFigureOut">
               <a:rPr lang="en-US" smtClean="0"/>
-              <a:t>1/27/21</a:t>
+              <a:t>1/28/21</a:t>
             </a:fld>
             <a:endParaRPr lang="en-US"/>
           </a:p>
@@ -943,7 +949,7 @@
           <a:p>
             <a:fld id="{587FB2BA-09D0-1840-B49D-E4BDDD8ED284}" type="datetimeFigureOut">
               <a:rPr lang="en-US" smtClean="0"/>
-              <a:t>1/27/21</a:t>
+              <a:t>1/28/21</a:t>
             </a:fld>
             <a:endParaRPr lang="en-US"/>
           </a:p>
@@ -1222,7 +1228,7 @@
           <a:p>
             <a:fld id="{587FB2BA-09D0-1840-B49D-E4BDDD8ED284}" type="datetimeFigureOut">
               <a:rPr lang="en-US" smtClean="0"/>
-              <a:t>1/27/21</a:t>
+              <a:t>1/28/21</a:t>
             </a:fld>
             <a:endParaRPr lang="en-US"/>
           </a:p>
@@ -1490,7 +1496,7 @@
           <a:p>
             <a:fld id="{587FB2BA-09D0-1840-B49D-E4BDDD8ED284}" type="datetimeFigureOut">
               <a:rPr lang="en-US" smtClean="0"/>
-              <a:t>1/27/21</a:t>
+              <a:t>1/28/21</a:t>
             </a:fld>
             <a:endParaRPr lang="en-US"/>
           </a:p>
@@ -1906,7 +1912,7 @@
           <a:p>
             <a:fld id="{587FB2BA-09D0-1840-B49D-E4BDDD8ED284}" type="datetimeFigureOut">
               <a:rPr lang="en-US" smtClean="0"/>
-              <a:t>1/27/21</a:t>
+              <a:t>1/28/21</a:t>
             </a:fld>
             <a:endParaRPr lang="en-US"/>
           </a:p>
@@ -2055,7 +2061,7 @@
           <a:p>
             <a:fld id="{587FB2BA-09D0-1840-B49D-E4BDDD8ED284}" type="datetimeFigureOut">
               <a:rPr lang="en-US" smtClean="0"/>
-              <a:t>1/27/21</a:t>
+              <a:t>1/28/21</a:t>
             </a:fld>
             <a:endParaRPr lang="en-US"/>
           </a:p>
@@ -2181,7 +2187,7 @@
           <a:p>
             <a:fld id="{587FB2BA-09D0-1840-B49D-E4BDDD8ED284}" type="datetimeFigureOut">
               <a:rPr lang="en-US" smtClean="0"/>
-              <a:t>1/27/21</a:t>
+              <a:t>1/28/21</a:t>
             </a:fld>
             <a:endParaRPr lang="en-US"/>
           </a:p>
@@ -2432,7 +2438,7 @@
           <a:p>
             <a:fld id="{587FB2BA-09D0-1840-B49D-E4BDDD8ED284}" type="datetimeFigureOut">
               <a:rPr lang="en-US" smtClean="0"/>
-              <a:t>1/27/21</a:t>
+              <a:t>1/28/21</a:t>
             </a:fld>
             <a:endParaRPr lang="en-US"/>
           </a:p>
@@ -2877,7 +2883,7 @@
           <a:p>
             <a:fld id="{587FB2BA-09D0-1840-B49D-E4BDDD8ED284}" type="datetimeFigureOut">
               <a:rPr lang="en-US" smtClean="0"/>
-              <a:t>1/27/21</a:t>
+              <a:t>1/28/21</a:t>
             </a:fld>
             <a:endParaRPr lang="en-US"/>
           </a:p>
@@ -3204,7 +3210,7 @@
           <a:p>
             <a:fld id="{587FB2BA-09D0-1840-B49D-E4BDDD8ED284}" type="datetimeFigureOut">
               <a:rPr lang="en-US" smtClean="0"/>
-              <a:t>1/27/21</a:t>
+              <a:t>1/28/21</a:t>
             </a:fld>
             <a:endParaRPr lang="en-US"/>
           </a:p>
@@ -55485,6 +55491,2141 @@
 </p:sld>
 </file>
 
+<file path=ppt/slides/slide67.xml><?xml version="1.0" encoding="utf-8"?>
+<p:sld xmlns:a="http://schemas.openxmlformats.org/drawingml/2006/main" xmlns:r="http://schemas.openxmlformats.org/officeDocument/2006/relationships" xmlns:p="http://schemas.openxmlformats.org/presentationml/2006/main">
+  <p:cSld>
+    <p:spTree>
+      <p:nvGrpSpPr>
+        <p:cNvPr id="1" name=""/>
+        <p:cNvGrpSpPr/>
+        <p:nvPr/>
+      </p:nvGrpSpPr>
+      <p:grpSpPr>
+        <a:xfrm>
+          <a:off x="0" y="0"/>
+          <a:ext cx="0" cy="0"/>
+          <a:chOff x="0" y="0"/>
+          <a:chExt cx="0" cy="0"/>
+        </a:xfrm>
+      </p:grpSpPr>
+      <p:sp>
+        <p:nvSpPr>
+          <p:cNvPr id="2" name="Rectangle 1">
+            <a:extLst>
+              <a:ext uri="{FF2B5EF4-FFF2-40B4-BE49-F238E27FC236}">
+                <a16:creationId xmlns:a16="http://schemas.microsoft.com/office/drawing/2014/main" id="{6B7CF047-E2CE-274C-BE06-A488DA14B19E}"/>
+              </a:ext>
+            </a:extLst>
+          </p:cNvPr>
+          <p:cNvSpPr/>
+          <p:nvPr/>
+        </p:nvSpPr>
+        <p:spPr>
+          <a:xfrm>
+            <a:off x="348343" y="400594"/>
+            <a:ext cx="5660571" cy="5373189"/>
+          </a:xfrm>
+          <a:prstGeom prst="rect">
+            <a:avLst/>
+          </a:prstGeom>
+        </p:spPr>
+        <p:style>
+          <a:lnRef idx="0">
+            <a:schemeClr val="accent5"/>
+          </a:lnRef>
+          <a:fillRef idx="3">
+            <a:schemeClr val="accent5"/>
+          </a:fillRef>
+          <a:effectRef idx="3">
+            <a:schemeClr val="accent5"/>
+          </a:effectRef>
+          <a:fontRef idx="minor">
+            <a:schemeClr val="lt1"/>
+          </a:fontRef>
+        </p:style>
+        <p:txBody>
+          <a:bodyPr rtlCol="0" anchor="ctr"/>
+          <a:lstStyle/>
+          <a:p>
+            <a:pPr algn="ctr"/>
+            <a:endParaRPr lang="en-US"/>
+          </a:p>
+        </p:txBody>
+      </p:sp>
+      <p:sp>
+        <p:nvSpPr>
+          <p:cNvPr id="3" name="Rectangle 2">
+            <a:extLst>
+              <a:ext uri="{FF2B5EF4-FFF2-40B4-BE49-F238E27FC236}">
+                <a16:creationId xmlns:a16="http://schemas.microsoft.com/office/drawing/2014/main" id="{7AF7C0C3-4AD4-2C4C-B905-DBA7DF4DED5D}"/>
+              </a:ext>
+            </a:extLst>
+          </p:cNvPr>
+          <p:cNvSpPr/>
+          <p:nvPr/>
+        </p:nvSpPr>
+        <p:spPr>
+          <a:xfrm>
+            <a:off x="583474" y="705394"/>
+            <a:ext cx="1550126" cy="1288869"/>
+          </a:xfrm>
+          <a:prstGeom prst="rect">
+            <a:avLst/>
+          </a:prstGeom>
+        </p:spPr>
+        <p:style>
+          <a:lnRef idx="2">
+            <a:schemeClr val="accent1">
+              <a:shade val="50000"/>
+            </a:schemeClr>
+          </a:lnRef>
+          <a:fillRef idx="1">
+            <a:schemeClr val="accent1"/>
+          </a:fillRef>
+          <a:effectRef idx="0">
+            <a:schemeClr val="accent1"/>
+          </a:effectRef>
+          <a:fontRef idx="minor">
+            <a:schemeClr val="lt1"/>
+          </a:fontRef>
+        </p:style>
+        <p:txBody>
+          <a:bodyPr rtlCol="0" anchor="ctr"/>
+          <a:lstStyle/>
+          <a:p>
+            <a:pPr algn="ctr"/>
+            <a:r>
+              <a:rPr lang="en-US" dirty="0"/>
+              <a:t>Account Info</a:t>
+            </a:r>
+          </a:p>
+        </p:txBody>
+      </p:sp>
+      <p:sp>
+        <p:nvSpPr>
+          <p:cNvPr id="4" name="Rectangle 3">
+            <a:extLst>
+              <a:ext uri="{FF2B5EF4-FFF2-40B4-BE49-F238E27FC236}">
+                <a16:creationId xmlns:a16="http://schemas.microsoft.com/office/drawing/2014/main" id="{756AA949-8268-BE40-8437-295E100EB0B8}"/>
+              </a:ext>
+            </a:extLst>
+          </p:cNvPr>
+          <p:cNvSpPr/>
+          <p:nvPr/>
+        </p:nvSpPr>
+        <p:spPr>
+          <a:xfrm>
+            <a:off x="2690948" y="705394"/>
+            <a:ext cx="1550126" cy="1288869"/>
+          </a:xfrm>
+          <a:prstGeom prst="rect">
+            <a:avLst/>
+          </a:prstGeom>
+        </p:spPr>
+        <p:style>
+          <a:lnRef idx="2">
+            <a:schemeClr val="accent1">
+              <a:shade val="50000"/>
+            </a:schemeClr>
+          </a:lnRef>
+          <a:fillRef idx="1">
+            <a:schemeClr val="accent1"/>
+          </a:fillRef>
+          <a:effectRef idx="0">
+            <a:schemeClr val="accent1"/>
+          </a:effectRef>
+          <a:fontRef idx="minor">
+            <a:schemeClr val="lt1"/>
+          </a:fontRef>
+        </p:style>
+        <p:txBody>
+          <a:bodyPr rtlCol="0" anchor="ctr"/>
+          <a:lstStyle/>
+          <a:p>
+            <a:pPr algn="ctr"/>
+            <a:r>
+              <a:rPr lang="en-US" dirty="0"/>
+              <a:t>Transactions</a:t>
+            </a:r>
+          </a:p>
+        </p:txBody>
+      </p:sp>
+      <p:sp>
+        <p:nvSpPr>
+          <p:cNvPr id="5" name="Rectangle 4">
+            <a:extLst>
+              <a:ext uri="{FF2B5EF4-FFF2-40B4-BE49-F238E27FC236}">
+                <a16:creationId xmlns:a16="http://schemas.microsoft.com/office/drawing/2014/main" id="{64B99C21-3B12-B44A-82EB-4E16DC76DD4E}"/>
+              </a:ext>
+            </a:extLst>
+          </p:cNvPr>
+          <p:cNvSpPr/>
+          <p:nvPr/>
+        </p:nvSpPr>
+        <p:spPr>
+          <a:xfrm>
+            <a:off x="583474" y="2503714"/>
+            <a:ext cx="1550126" cy="1288869"/>
+          </a:xfrm>
+          <a:prstGeom prst="rect">
+            <a:avLst/>
+          </a:prstGeom>
+        </p:spPr>
+        <p:style>
+          <a:lnRef idx="2">
+            <a:schemeClr val="accent1">
+              <a:shade val="50000"/>
+            </a:schemeClr>
+          </a:lnRef>
+          <a:fillRef idx="1">
+            <a:schemeClr val="accent1"/>
+          </a:fillRef>
+          <a:effectRef idx="0">
+            <a:schemeClr val="accent1"/>
+          </a:effectRef>
+          <a:fontRef idx="minor">
+            <a:schemeClr val="lt1"/>
+          </a:fontRef>
+        </p:style>
+        <p:txBody>
+          <a:bodyPr rtlCol="0" anchor="ctr"/>
+          <a:lstStyle/>
+          <a:p>
+            <a:pPr algn="ctr"/>
+            <a:r>
+              <a:rPr lang="en-US" dirty="0"/>
+              <a:t>Payments</a:t>
+            </a:r>
+          </a:p>
+          <a:p>
+            <a:pPr algn="ctr"/>
+            <a:r>
+              <a:rPr lang="en-US" dirty="0"/>
+              <a:t>Bill</a:t>
+            </a:r>
+          </a:p>
+        </p:txBody>
+      </p:sp>
+      <p:sp>
+        <p:nvSpPr>
+          <p:cNvPr id="6" name="Rectangle 5">
+            <a:extLst>
+              <a:ext uri="{FF2B5EF4-FFF2-40B4-BE49-F238E27FC236}">
+                <a16:creationId xmlns:a16="http://schemas.microsoft.com/office/drawing/2014/main" id="{753E7434-08DC-154C-9BF4-AD2FDBE18AE8}"/>
+              </a:ext>
+            </a:extLst>
+          </p:cNvPr>
+          <p:cNvSpPr/>
+          <p:nvPr/>
+        </p:nvSpPr>
+        <p:spPr>
+          <a:xfrm>
+            <a:off x="2690948" y="2503714"/>
+            <a:ext cx="1550126" cy="1288869"/>
+          </a:xfrm>
+          <a:prstGeom prst="rect">
+            <a:avLst/>
+          </a:prstGeom>
+        </p:spPr>
+        <p:style>
+          <a:lnRef idx="2">
+            <a:schemeClr val="accent1">
+              <a:shade val="50000"/>
+            </a:schemeClr>
+          </a:lnRef>
+          <a:fillRef idx="1">
+            <a:schemeClr val="accent1"/>
+          </a:fillRef>
+          <a:effectRef idx="0">
+            <a:schemeClr val="accent1"/>
+          </a:effectRef>
+          <a:fontRef idx="minor">
+            <a:schemeClr val="lt1"/>
+          </a:fontRef>
+        </p:style>
+        <p:txBody>
+          <a:bodyPr rtlCol="0" anchor="ctr"/>
+          <a:lstStyle/>
+          <a:p>
+            <a:pPr algn="ctr"/>
+            <a:r>
+              <a:rPr lang="en-US" dirty="0"/>
+              <a:t>Tax</a:t>
+            </a:r>
+          </a:p>
+        </p:txBody>
+      </p:sp>
+      <p:sp>
+        <p:nvSpPr>
+          <p:cNvPr id="7" name="Rectangle 6">
+            <a:extLst>
+              <a:ext uri="{FF2B5EF4-FFF2-40B4-BE49-F238E27FC236}">
+                <a16:creationId xmlns:a16="http://schemas.microsoft.com/office/drawing/2014/main" id="{8885BE26-3D80-0947-8B42-961AE8A7257D}"/>
+              </a:ext>
+            </a:extLst>
+          </p:cNvPr>
+          <p:cNvSpPr/>
+          <p:nvPr/>
+        </p:nvSpPr>
+        <p:spPr>
+          <a:xfrm>
+            <a:off x="583474" y="4138748"/>
+            <a:ext cx="1550126" cy="1288869"/>
+          </a:xfrm>
+          <a:prstGeom prst="rect">
+            <a:avLst/>
+          </a:prstGeom>
+        </p:spPr>
+        <p:style>
+          <a:lnRef idx="2">
+            <a:schemeClr val="accent1">
+              <a:shade val="50000"/>
+            </a:schemeClr>
+          </a:lnRef>
+          <a:fillRef idx="1">
+            <a:schemeClr val="accent1"/>
+          </a:fillRef>
+          <a:effectRef idx="0">
+            <a:schemeClr val="accent1"/>
+          </a:effectRef>
+          <a:fontRef idx="minor">
+            <a:schemeClr val="lt1"/>
+          </a:fontRef>
+        </p:style>
+        <p:txBody>
+          <a:bodyPr rtlCol="0" anchor="ctr"/>
+          <a:lstStyle/>
+          <a:p>
+            <a:pPr algn="ctr"/>
+            <a:r>
+              <a:rPr lang="en-US" dirty="0"/>
+              <a:t>Mutual Funds</a:t>
+            </a:r>
+          </a:p>
+        </p:txBody>
+      </p:sp>
+      <p:sp>
+        <p:nvSpPr>
+          <p:cNvPr id="8" name="Rectangle 7">
+            <a:extLst>
+              <a:ext uri="{FF2B5EF4-FFF2-40B4-BE49-F238E27FC236}">
+                <a16:creationId xmlns:a16="http://schemas.microsoft.com/office/drawing/2014/main" id="{600C6598-F386-744A-AE78-EB0F759AD5FC}"/>
+              </a:ext>
+            </a:extLst>
+          </p:cNvPr>
+          <p:cNvSpPr/>
+          <p:nvPr/>
+        </p:nvSpPr>
+        <p:spPr>
+          <a:xfrm>
+            <a:off x="2690948" y="4138748"/>
+            <a:ext cx="1550126" cy="1288869"/>
+          </a:xfrm>
+          <a:prstGeom prst="rect">
+            <a:avLst/>
+          </a:prstGeom>
+        </p:spPr>
+        <p:style>
+          <a:lnRef idx="2">
+            <a:schemeClr val="accent1">
+              <a:shade val="50000"/>
+            </a:schemeClr>
+          </a:lnRef>
+          <a:fillRef idx="1">
+            <a:schemeClr val="accent1"/>
+          </a:fillRef>
+          <a:effectRef idx="0">
+            <a:schemeClr val="accent1"/>
+          </a:effectRef>
+          <a:fontRef idx="minor">
+            <a:schemeClr val="lt1"/>
+          </a:fontRef>
+        </p:style>
+        <p:txBody>
+          <a:bodyPr rtlCol="0" anchor="ctr"/>
+          <a:lstStyle/>
+          <a:p>
+            <a:pPr algn="ctr"/>
+            <a:r>
+              <a:rPr lang="en-US" dirty="0"/>
+              <a:t>FDs</a:t>
+            </a:r>
+          </a:p>
+        </p:txBody>
+      </p:sp>
+      <p:sp>
+        <p:nvSpPr>
+          <p:cNvPr id="9" name="TextBox 8">
+            <a:extLst>
+              <a:ext uri="{FF2B5EF4-FFF2-40B4-BE49-F238E27FC236}">
+                <a16:creationId xmlns:a16="http://schemas.microsoft.com/office/drawing/2014/main" id="{30A9E8A7-D23F-6148-8090-26E42CACADE6}"/>
+              </a:ext>
+            </a:extLst>
+          </p:cNvPr>
+          <p:cNvSpPr txBox="1"/>
+          <p:nvPr/>
+        </p:nvSpPr>
+        <p:spPr>
+          <a:xfrm>
+            <a:off x="5560423" y="0"/>
+            <a:ext cx="4106091" cy="646331"/>
+          </a:xfrm>
+          <a:prstGeom prst="rect">
+            <a:avLst/>
+          </a:prstGeom>
+          <a:noFill/>
+        </p:spPr>
+        <p:txBody>
+          <a:bodyPr wrap="square" rtlCol="0">
+            <a:spAutoFit/>
+          </a:bodyPr>
+          <a:lstStyle/>
+          <a:p>
+            <a:r>
+              <a:rPr lang="en-US" dirty="0"/>
+              <a:t>Account-No, </a:t>
+            </a:r>
+            <a:r>
+              <a:rPr lang="en-US" b="1" dirty="0" err="1"/>
+              <a:t>CustomerId</a:t>
+            </a:r>
+            <a:r>
+              <a:rPr lang="en-US" dirty="0"/>
+              <a:t>, Banking, Loans, Investments, Tax, Cards</a:t>
+            </a:r>
+          </a:p>
+        </p:txBody>
+      </p:sp>
+      <p:sp>
+        <p:nvSpPr>
+          <p:cNvPr id="10" name="Rectangle 9">
+            <a:extLst>
+              <a:ext uri="{FF2B5EF4-FFF2-40B4-BE49-F238E27FC236}">
+                <a16:creationId xmlns:a16="http://schemas.microsoft.com/office/drawing/2014/main" id="{6E99F128-93A1-BA49-A3D9-6E4C382AE58C}"/>
+              </a:ext>
+            </a:extLst>
+          </p:cNvPr>
+          <p:cNvSpPr/>
+          <p:nvPr/>
+        </p:nvSpPr>
+        <p:spPr>
+          <a:xfrm>
+            <a:off x="4349931" y="4138748"/>
+            <a:ext cx="1550126" cy="1288869"/>
+          </a:xfrm>
+          <a:prstGeom prst="rect">
+            <a:avLst/>
+          </a:prstGeom>
+        </p:spPr>
+        <p:style>
+          <a:lnRef idx="2">
+            <a:schemeClr val="accent1">
+              <a:shade val="50000"/>
+            </a:schemeClr>
+          </a:lnRef>
+          <a:fillRef idx="1">
+            <a:schemeClr val="accent1"/>
+          </a:fillRef>
+          <a:effectRef idx="0">
+            <a:schemeClr val="accent1"/>
+          </a:effectRef>
+          <a:fontRef idx="minor">
+            <a:schemeClr val="lt1"/>
+          </a:fontRef>
+        </p:style>
+        <p:txBody>
+          <a:bodyPr rtlCol="0" anchor="ctr"/>
+          <a:lstStyle/>
+          <a:p>
+            <a:pPr algn="ctr"/>
+            <a:r>
+              <a:rPr lang="en-US" dirty="0"/>
+              <a:t>Loans</a:t>
+            </a:r>
+          </a:p>
+        </p:txBody>
+      </p:sp>
+      <p:sp>
+        <p:nvSpPr>
+          <p:cNvPr id="11" name="Can 10">
+            <a:extLst>
+              <a:ext uri="{FF2B5EF4-FFF2-40B4-BE49-F238E27FC236}">
+                <a16:creationId xmlns:a16="http://schemas.microsoft.com/office/drawing/2014/main" id="{317F2C4B-5CEA-1E44-B03C-73E1AAD023F9}"/>
+              </a:ext>
+            </a:extLst>
+          </p:cNvPr>
+          <p:cNvSpPr/>
+          <p:nvPr/>
+        </p:nvSpPr>
+        <p:spPr>
+          <a:xfrm>
+            <a:off x="9666514" y="672741"/>
+            <a:ext cx="1950720" cy="870857"/>
+          </a:xfrm>
+          <a:prstGeom prst="can">
+            <a:avLst/>
+          </a:prstGeom>
+        </p:spPr>
+        <p:style>
+          <a:lnRef idx="2">
+            <a:schemeClr val="accent1">
+              <a:shade val="50000"/>
+            </a:schemeClr>
+          </a:lnRef>
+          <a:fillRef idx="1">
+            <a:schemeClr val="accent1"/>
+          </a:fillRef>
+          <a:effectRef idx="0">
+            <a:schemeClr val="accent1"/>
+          </a:effectRef>
+          <a:fontRef idx="minor">
+            <a:schemeClr val="lt1"/>
+          </a:fontRef>
+        </p:style>
+        <p:txBody>
+          <a:bodyPr rtlCol="0" anchor="ctr"/>
+          <a:lstStyle/>
+          <a:p>
+            <a:pPr algn="ctr"/>
+            <a:r>
+              <a:rPr lang="en-US" dirty="0"/>
+              <a:t>Account</a:t>
+            </a:r>
+          </a:p>
+        </p:txBody>
+      </p:sp>
+      <p:sp>
+        <p:nvSpPr>
+          <p:cNvPr id="12" name="Can 11">
+            <a:extLst>
+              <a:ext uri="{FF2B5EF4-FFF2-40B4-BE49-F238E27FC236}">
+                <a16:creationId xmlns:a16="http://schemas.microsoft.com/office/drawing/2014/main" id="{FB92A431-987E-014F-847F-F72A800C04A7}"/>
+              </a:ext>
+            </a:extLst>
+          </p:cNvPr>
+          <p:cNvSpPr/>
+          <p:nvPr/>
+        </p:nvSpPr>
+        <p:spPr>
+          <a:xfrm>
+            <a:off x="9657806" y="2510247"/>
+            <a:ext cx="1950720" cy="870857"/>
+          </a:xfrm>
+          <a:prstGeom prst="can">
+            <a:avLst/>
+          </a:prstGeom>
+        </p:spPr>
+        <p:style>
+          <a:lnRef idx="2">
+            <a:schemeClr val="accent1">
+              <a:shade val="50000"/>
+            </a:schemeClr>
+          </a:lnRef>
+          <a:fillRef idx="1">
+            <a:schemeClr val="accent1"/>
+          </a:fillRef>
+          <a:effectRef idx="0">
+            <a:schemeClr val="accent1"/>
+          </a:effectRef>
+          <a:fontRef idx="minor">
+            <a:schemeClr val="lt1"/>
+          </a:fontRef>
+        </p:style>
+        <p:txBody>
+          <a:bodyPr rtlCol="0" anchor="ctr"/>
+          <a:lstStyle/>
+          <a:p>
+            <a:pPr algn="ctr"/>
+            <a:r>
+              <a:rPr lang="en-US" dirty="0"/>
+              <a:t>Mutual Funds / Investment</a:t>
+            </a:r>
+          </a:p>
+        </p:txBody>
+      </p:sp>
+      <p:sp>
+        <p:nvSpPr>
+          <p:cNvPr id="13" name="Can 12">
+            <a:extLst>
+              <a:ext uri="{FF2B5EF4-FFF2-40B4-BE49-F238E27FC236}">
+                <a16:creationId xmlns:a16="http://schemas.microsoft.com/office/drawing/2014/main" id="{D8EA0DF3-E44C-2543-9852-666705F28A55}"/>
+              </a:ext>
+            </a:extLst>
+          </p:cNvPr>
+          <p:cNvSpPr/>
+          <p:nvPr/>
+        </p:nvSpPr>
+        <p:spPr>
+          <a:xfrm>
+            <a:off x="9666514" y="4347753"/>
+            <a:ext cx="1950720" cy="870857"/>
+          </a:xfrm>
+          <a:prstGeom prst="can">
+            <a:avLst/>
+          </a:prstGeom>
+        </p:spPr>
+        <p:style>
+          <a:lnRef idx="2">
+            <a:schemeClr val="accent1">
+              <a:shade val="50000"/>
+            </a:schemeClr>
+          </a:lnRef>
+          <a:fillRef idx="1">
+            <a:schemeClr val="accent1"/>
+          </a:fillRef>
+          <a:effectRef idx="0">
+            <a:schemeClr val="accent1"/>
+          </a:effectRef>
+          <a:fontRef idx="minor">
+            <a:schemeClr val="lt1"/>
+          </a:fontRef>
+        </p:style>
+        <p:txBody>
+          <a:bodyPr rtlCol="0" anchor="ctr"/>
+          <a:lstStyle/>
+          <a:p>
+            <a:pPr algn="ctr"/>
+            <a:r>
+              <a:rPr lang="en-US" dirty="0"/>
+              <a:t>Loans</a:t>
+            </a:r>
+          </a:p>
+        </p:txBody>
+      </p:sp>
+      <p:sp>
+        <p:nvSpPr>
+          <p:cNvPr id="15" name="Left-right Arrow 14">
+            <a:extLst>
+              <a:ext uri="{FF2B5EF4-FFF2-40B4-BE49-F238E27FC236}">
+                <a16:creationId xmlns:a16="http://schemas.microsoft.com/office/drawing/2014/main" id="{3794FA4B-AFBF-3C47-BCB3-0B21EF87119A}"/>
+              </a:ext>
+            </a:extLst>
+          </p:cNvPr>
+          <p:cNvSpPr/>
+          <p:nvPr/>
+        </p:nvSpPr>
+        <p:spPr>
+          <a:xfrm>
+            <a:off x="6000206" y="887589"/>
+            <a:ext cx="3657600" cy="513805"/>
+          </a:xfrm>
+          <a:prstGeom prst="leftRightArrow">
+            <a:avLst/>
+          </a:prstGeom>
+          <a:solidFill>
+            <a:srgbClr val="FFFF00"/>
+          </a:solidFill>
+        </p:spPr>
+        <p:style>
+          <a:lnRef idx="2">
+            <a:schemeClr val="accent1">
+              <a:shade val="50000"/>
+            </a:schemeClr>
+          </a:lnRef>
+          <a:fillRef idx="1">
+            <a:schemeClr val="accent1"/>
+          </a:fillRef>
+          <a:effectRef idx="0">
+            <a:schemeClr val="accent1"/>
+          </a:effectRef>
+          <a:fontRef idx="minor">
+            <a:schemeClr val="lt1"/>
+          </a:fontRef>
+        </p:style>
+        <p:txBody>
+          <a:bodyPr rtlCol="0" anchor="ctr"/>
+          <a:lstStyle/>
+          <a:p>
+            <a:pPr algn="ctr"/>
+            <a:r>
+              <a:rPr lang="en-US" dirty="0">
+                <a:ln w="0"/>
+                <a:solidFill>
+                  <a:schemeClr val="accent1"/>
+                </a:solidFill>
+                <a:effectLst>
+                  <a:outerShdw blurRad="38100" dist="25400" dir="5400000" algn="ctr" rotWithShape="0">
+                    <a:srgbClr val="6E747A">
+                      <a:alpha val="43000"/>
+                    </a:srgbClr>
+                  </a:outerShdw>
+                </a:effectLst>
+              </a:rPr>
+              <a:t>Accounts, Bank Transactions</a:t>
+            </a:r>
+            <a:endParaRPr lang="en-US" dirty="0"/>
+          </a:p>
+        </p:txBody>
+      </p:sp>
+      <p:sp>
+        <p:nvSpPr>
+          <p:cNvPr id="16" name="Left-right Arrow 15">
+            <a:extLst>
+              <a:ext uri="{FF2B5EF4-FFF2-40B4-BE49-F238E27FC236}">
+                <a16:creationId xmlns:a16="http://schemas.microsoft.com/office/drawing/2014/main" id="{09E703E7-D8F9-5446-9405-4E8E8538416E}"/>
+              </a:ext>
+            </a:extLst>
+          </p:cNvPr>
+          <p:cNvSpPr/>
+          <p:nvPr/>
+        </p:nvSpPr>
+        <p:spPr>
+          <a:xfrm>
+            <a:off x="5991498" y="2685909"/>
+            <a:ext cx="3657600" cy="513805"/>
+          </a:xfrm>
+          <a:prstGeom prst="leftRightArrow">
+            <a:avLst/>
+          </a:prstGeom>
+          <a:solidFill>
+            <a:srgbClr val="FFFF00"/>
+          </a:solidFill>
+        </p:spPr>
+        <p:style>
+          <a:lnRef idx="2">
+            <a:schemeClr val="accent1">
+              <a:shade val="50000"/>
+            </a:schemeClr>
+          </a:lnRef>
+          <a:fillRef idx="1">
+            <a:schemeClr val="accent1"/>
+          </a:fillRef>
+          <a:effectRef idx="0">
+            <a:schemeClr val="accent1"/>
+          </a:effectRef>
+          <a:fontRef idx="minor">
+            <a:schemeClr val="lt1"/>
+          </a:fontRef>
+        </p:style>
+        <p:txBody>
+          <a:bodyPr rtlCol="0" anchor="ctr"/>
+          <a:lstStyle/>
+          <a:p>
+            <a:pPr algn="ctr"/>
+            <a:r>
+              <a:rPr lang="en-US" dirty="0">
+                <a:ln w="0"/>
+                <a:solidFill>
+                  <a:schemeClr val="accent1"/>
+                </a:solidFill>
+                <a:effectLst>
+                  <a:outerShdw blurRad="38100" dist="25400" dir="5400000" algn="ctr" rotWithShape="0">
+                    <a:srgbClr val="6E747A">
+                      <a:alpha val="43000"/>
+                    </a:srgbClr>
+                  </a:outerShdw>
+                </a:effectLst>
+              </a:rPr>
+              <a:t>Mutual Funds and investment</a:t>
+            </a:r>
+          </a:p>
+        </p:txBody>
+      </p:sp>
+      <p:sp>
+        <p:nvSpPr>
+          <p:cNvPr id="17" name="Left-right Arrow 16">
+            <a:extLst>
+              <a:ext uri="{FF2B5EF4-FFF2-40B4-BE49-F238E27FC236}">
+                <a16:creationId xmlns:a16="http://schemas.microsoft.com/office/drawing/2014/main" id="{5F4B7E38-6518-DF4E-A6FB-1D9207CA02CF}"/>
+              </a:ext>
+            </a:extLst>
+          </p:cNvPr>
+          <p:cNvSpPr/>
+          <p:nvPr/>
+        </p:nvSpPr>
+        <p:spPr>
+          <a:xfrm>
+            <a:off x="5991498" y="4504913"/>
+            <a:ext cx="3657600" cy="513805"/>
+          </a:xfrm>
+          <a:prstGeom prst="leftRightArrow">
+            <a:avLst/>
+          </a:prstGeom>
+          <a:solidFill>
+            <a:srgbClr val="FFFF00"/>
+          </a:solidFill>
+        </p:spPr>
+        <p:style>
+          <a:lnRef idx="2">
+            <a:schemeClr val="accent1">
+              <a:shade val="50000"/>
+            </a:schemeClr>
+          </a:lnRef>
+          <a:fillRef idx="1">
+            <a:schemeClr val="accent1"/>
+          </a:fillRef>
+          <a:effectRef idx="0">
+            <a:schemeClr val="accent1"/>
+          </a:effectRef>
+          <a:fontRef idx="minor">
+            <a:schemeClr val="lt1"/>
+          </a:fontRef>
+        </p:style>
+        <p:txBody>
+          <a:bodyPr rtlCol="0" anchor="ctr"/>
+          <a:lstStyle/>
+          <a:p>
+            <a:pPr algn="ctr"/>
+            <a:r>
+              <a:rPr lang="en-US" dirty="0">
+                <a:ln w="0"/>
+                <a:solidFill>
+                  <a:schemeClr val="accent1"/>
+                </a:solidFill>
+                <a:effectLst>
+                  <a:outerShdw blurRad="38100" dist="25400" dir="5400000" algn="ctr" rotWithShape="0">
+                    <a:srgbClr val="6E747A">
+                      <a:alpha val="43000"/>
+                    </a:srgbClr>
+                  </a:outerShdw>
+                </a:effectLst>
+              </a:rPr>
+              <a:t>Various Loans</a:t>
+            </a:r>
+          </a:p>
+        </p:txBody>
+      </p:sp>
+    </p:spTree>
+    <p:extLst>
+      <p:ext uri="{BB962C8B-B14F-4D97-AF65-F5344CB8AC3E}">
+        <p14:creationId xmlns:p14="http://schemas.microsoft.com/office/powerpoint/2010/main" val="2473780146"/>
+      </p:ext>
+    </p:extLst>
+  </p:cSld>
+  <p:clrMapOvr>
+    <a:masterClrMapping/>
+  </p:clrMapOvr>
+</p:sld>
+</file>
+
+<file path=ppt/slides/slide68.xml><?xml version="1.0" encoding="utf-8"?>
+<p:sld xmlns:a="http://schemas.openxmlformats.org/drawingml/2006/main" xmlns:r="http://schemas.openxmlformats.org/officeDocument/2006/relationships" xmlns:p="http://schemas.openxmlformats.org/presentationml/2006/main">
+  <p:cSld>
+    <p:spTree>
+      <p:nvGrpSpPr>
+        <p:cNvPr id="1" name=""/>
+        <p:cNvGrpSpPr/>
+        <p:nvPr/>
+      </p:nvGrpSpPr>
+      <p:grpSpPr>
+        <a:xfrm>
+          <a:off x="0" y="0"/>
+          <a:ext cx="0" cy="0"/>
+          <a:chOff x="0" y="0"/>
+          <a:chExt cx="0" cy="0"/>
+        </a:xfrm>
+      </p:grpSpPr>
+      <p:sp>
+        <p:nvSpPr>
+          <p:cNvPr id="2" name="TextBox 1">
+            <a:extLst>
+              <a:ext uri="{FF2B5EF4-FFF2-40B4-BE49-F238E27FC236}">
+                <a16:creationId xmlns:a16="http://schemas.microsoft.com/office/drawing/2014/main" id="{71DD59BF-822A-D441-BD9F-543A5D689F00}"/>
+              </a:ext>
+            </a:extLst>
+          </p:cNvPr>
+          <p:cNvSpPr txBox="1"/>
+          <p:nvPr/>
+        </p:nvSpPr>
+        <p:spPr>
+          <a:xfrm>
+            <a:off x="269966" y="182880"/>
+            <a:ext cx="11747863" cy="5909310"/>
+          </a:xfrm>
+          <a:prstGeom prst="rect">
+            <a:avLst/>
+          </a:prstGeom>
+          <a:noFill/>
+        </p:spPr>
+        <p:txBody>
+          <a:bodyPr wrap="square" rtlCol="0">
+            <a:spAutoFit/>
+          </a:bodyPr>
+          <a:lstStyle/>
+          <a:p>
+            <a:r>
+              <a:rPr lang="en-US" dirty="0"/>
+              <a:t>I want Banking App</a:t>
+            </a:r>
+          </a:p>
+          <a:p>
+            <a:pPr marL="342900" indent="-342900">
+              <a:buAutoNum type="arabicPeriod"/>
+            </a:pPr>
+            <a:r>
+              <a:rPr lang="en-US" dirty="0"/>
+              <a:t>Manage Customers</a:t>
+            </a:r>
+          </a:p>
+          <a:p>
+            <a:pPr marL="342900" indent="-342900">
+              <a:buAutoNum type="arabicPeriod"/>
+            </a:pPr>
+            <a:r>
+              <a:rPr lang="en-US" dirty="0"/>
+              <a:t>Manage Accounts</a:t>
+            </a:r>
+          </a:p>
+          <a:p>
+            <a:pPr marL="800100" lvl="1" indent="-342900">
+              <a:buAutoNum type="arabicPeriod"/>
+            </a:pPr>
+            <a:r>
+              <a:rPr lang="en-US" dirty="0"/>
+              <a:t>Transactions</a:t>
+            </a:r>
+          </a:p>
+          <a:p>
+            <a:pPr marL="800100" lvl="1" indent="-342900">
+              <a:buAutoNum type="arabicPeriod"/>
+            </a:pPr>
+            <a:r>
+              <a:rPr lang="en-US" dirty="0"/>
+              <a:t>Statements</a:t>
+            </a:r>
+          </a:p>
+          <a:p>
+            <a:pPr marL="800100" lvl="1" indent="-342900">
+              <a:buAutoNum type="arabicPeriod"/>
+            </a:pPr>
+            <a:r>
+              <a:rPr lang="en-US" dirty="0"/>
+              <a:t>Bills</a:t>
+            </a:r>
+          </a:p>
+          <a:p>
+            <a:pPr marL="342900" indent="-342900">
+              <a:buAutoNum type="arabicPeriod"/>
+            </a:pPr>
+            <a:r>
+              <a:rPr lang="en-US" dirty="0"/>
+              <a:t>Investment</a:t>
+            </a:r>
+          </a:p>
+          <a:p>
+            <a:pPr marL="800100" lvl="1" indent="-342900">
+              <a:buAutoNum type="arabicPeriod"/>
+            </a:pPr>
+            <a:r>
+              <a:rPr lang="en-US" dirty="0"/>
+              <a:t>PPF</a:t>
+            </a:r>
+          </a:p>
+          <a:p>
+            <a:pPr marL="800100" lvl="1" indent="-342900">
+              <a:buAutoNum type="arabicPeriod"/>
+            </a:pPr>
+            <a:r>
+              <a:rPr lang="en-US" dirty="0"/>
+              <a:t>RD</a:t>
+            </a:r>
+          </a:p>
+          <a:p>
+            <a:pPr marL="800100" lvl="1" indent="-342900">
+              <a:buAutoNum type="arabicPeriod"/>
+            </a:pPr>
+            <a:r>
+              <a:rPr lang="en-US" dirty="0"/>
+              <a:t>FD</a:t>
+            </a:r>
+          </a:p>
+          <a:p>
+            <a:pPr marL="800100" lvl="1" indent="-342900">
+              <a:buAutoNum type="arabicPeriod"/>
+            </a:pPr>
+            <a:r>
+              <a:rPr lang="en-US" dirty="0"/>
+              <a:t>Mutual Funds</a:t>
+            </a:r>
+          </a:p>
+          <a:p>
+            <a:pPr marL="342900" indent="-342900">
+              <a:buAutoNum type="arabicPeriod"/>
+            </a:pPr>
+            <a:r>
+              <a:rPr lang="en-US" dirty="0"/>
+              <a:t>Loans</a:t>
+            </a:r>
+          </a:p>
+          <a:p>
+            <a:pPr marL="800100" lvl="1" indent="-342900">
+              <a:buAutoNum type="arabicPeriod"/>
+            </a:pPr>
+            <a:r>
+              <a:rPr lang="en-US" dirty="0"/>
+              <a:t>Home</a:t>
+            </a:r>
+          </a:p>
+          <a:p>
+            <a:pPr marL="800100" lvl="1" indent="-342900">
+              <a:buAutoNum type="arabicPeriod"/>
+            </a:pPr>
+            <a:r>
+              <a:rPr lang="en-US" dirty="0"/>
+              <a:t>Personal</a:t>
+            </a:r>
+          </a:p>
+          <a:p>
+            <a:pPr marL="800100" lvl="1" indent="-342900">
+              <a:buAutoNum type="arabicPeriod"/>
+            </a:pPr>
+            <a:r>
+              <a:rPr lang="en-US" dirty="0"/>
+              <a:t>Gold</a:t>
+            </a:r>
+          </a:p>
+          <a:p>
+            <a:pPr marL="800100" lvl="1" indent="-342900">
+              <a:buAutoNum type="arabicPeriod"/>
+            </a:pPr>
+            <a:r>
+              <a:rPr lang="en-US" dirty="0"/>
+              <a:t>Festival</a:t>
+            </a:r>
+          </a:p>
+          <a:p>
+            <a:pPr marL="800100" lvl="1" indent="-342900">
+              <a:buAutoNum type="arabicPeriod"/>
+            </a:pPr>
+            <a:r>
+              <a:rPr lang="en-US" dirty="0" err="1"/>
+              <a:t>Leasure</a:t>
+            </a:r>
+            <a:r>
+              <a:rPr lang="en-US" dirty="0"/>
+              <a:t> / Tourist</a:t>
+            </a:r>
+          </a:p>
+          <a:p>
+            <a:pPr marL="342900" indent="-342900">
+              <a:buAutoNum type="arabicPeriod"/>
+            </a:pPr>
+            <a:r>
+              <a:rPr lang="en-US" dirty="0"/>
+              <a:t>Tax</a:t>
+            </a:r>
+          </a:p>
+          <a:p>
+            <a:pPr marL="800100" lvl="1" indent="-342900">
+              <a:buAutoNum type="arabicPeriod"/>
+            </a:pPr>
+            <a:r>
+              <a:rPr lang="en-US" dirty="0"/>
+              <a:t>Sales Tax</a:t>
+            </a:r>
+          </a:p>
+          <a:p>
+            <a:pPr marL="800100" lvl="1" indent="-342900">
+              <a:buAutoNum type="arabicPeriod"/>
+            </a:pPr>
+            <a:r>
+              <a:rPr lang="en-US" dirty="0"/>
+              <a:t>I-T</a:t>
+            </a:r>
+          </a:p>
+          <a:p>
+            <a:pPr marL="800100" lvl="1" indent="-342900">
+              <a:buAutoNum type="arabicPeriod"/>
+            </a:pPr>
+            <a:r>
+              <a:rPr lang="en-US" dirty="0"/>
+              <a:t>GST</a:t>
+            </a:r>
+          </a:p>
+        </p:txBody>
+      </p:sp>
+    </p:spTree>
+    <p:extLst>
+      <p:ext uri="{BB962C8B-B14F-4D97-AF65-F5344CB8AC3E}">
+        <p14:creationId xmlns:p14="http://schemas.microsoft.com/office/powerpoint/2010/main" val="3505998372"/>
+      </p:ext>
+    </p:extLst>
+  </p:cSld>
+  <p:clrMapOvr>
+    <a:masterClrMapping/>
+  </p:clrMapOvr>
+</p:sld>
+</file>
+
+<file path=ppt/slides/slide69.xml><?xml version="1.0" encoding="utf-8"?>
+<p:sld xmlns:a="http://schemas.openxmlformats.org/drawingml/2006/main" xmlns:r="http://schemas.openxmlformats.org/officeDocument/2006/relationships" xmlns:p="http://schemas.openxmlformats.org/presentationml/2006/main">
+  <p:cSld>
+    <p:spTree>
+      <p:nvGrpSpPr>
+        <p:cNvPr id="1" name=""/>
+        <p:cNvGrpSpPr/>
+        <p:nvPr/>
+      </p:nvGrpSpPr>
+      <p:grpSpPr>
+        <a:xfrm>
+          <a:off x="0" y="0"/>
+          <a:ext cx="0" cy="0"/>
+          <a:chOff x="0" y="0"/>
+          <a:chExt cx="0" cy="0"/>
+        </a:xfrm>
+      </p:grpSpPr>
+      <p:sp>
+        <p:nvSpPr>
+          <p:cNvPr id="2" name="Can 1">
+            <a:extLst>
+              <a:ext uri="{FF2B5EF4-FFF2-40B4-BE49-F238E27FC236}">
+                <a16:creationId xmlns:a16="http://schemas.microsoft.com/office/drawing/2014/main" id="{5B39EC62-41B9-124F-9FC4-8D200FA4FF4D}"/>
+              </a:ext>
+            </a:extLst>
+          </p:cNvPr>
+          <p:cNvSpPr/>
+          <p:nvPr/>
+        </p:nvSpPr>
+        <p:spPr>
+          <a:xfrm>
+            <a:off x="9666514" y="666213"/>
+            <a:ext cx="1950720" cy="870857"/>
+          </a:xfrm>
+          <a:prstGeom prst="can">
+            <a:avLst/>
+          </a:prstGeom>
+        </p:spPr>
+        <p:style>
+          <a:lnRef idx="2">
+            <a:schemeClr val="accent1">
+              <a:shade val="50000"/>
+            </a:schemeClr>
+          </a:lnRef>
+          <a:fillRef idx="1">
+            <a:schemeClr val="accent1"/>
+          </a:fillRef>
+          <a:effectRef idx="0">
+            <a:schemeClr val="accent1"/>
+          </a:effectRef>
+          <a:fontRef idx="minor">
+            <a:schemeClr val="lt1"/>
+          </a:fontRef>
+        </p:style>
+        <p:txBody>
+          <a:bodyPr rtlCol="0" anchor="ctr"/>
+          <a:lstStyle/>
+          <a:p>
+            <a:pPr algn="ctr"/>
+            <a:r>
+              <a:rPr lang="en-US" dirty="0"/>
+              <a:t>RD</a:t>
+            </a:r>
+          </a:p>
+        </p:txBody>
+      </p:sp>
+      <p:sp>
+        <p:nvSpPr>
+          <p:cNvPr id="3" name="Can 2">
+            <a:extLst>
+              <a:ext uri="{FF2B5EF4-FFF2-40B4-BE49-F238E27FC236}">
+                <a16:creationId xmlns:a16="http://schemas.microsoft.com/office/drawing/2014/main" id="{E0399542-95B8-CA4E-AE67-412370A4972C}"/>
+              </a:ext>
+            </a:extLst>
+          </p:cNvPr>
+          <p:cNvSpPr/>
+          <p:nvPr/>
+        </p:nvSpPr>
+        <p:spPr>
+          <a:xfrm>
+            <a:off x="9742714" y="3772986"/>
+            <a:ext cx="1950720" cy="870857"/>
+          </a:xfrm>
+          <a:prstGeom prst="can">
+            <a:avLst/>
+          </a:prstGeom>
+        </p:spPr>
+        <p:style>
+          <a:lnRef idx="2">
+            <a:schemeClr val="accent1">
+              <a:shade val="50000"/>
+            </a:schemeClr>
+          </a:lnRef>
+          <a:fillRef idx="1">
+            <a:schemeClr val="accent1"/>
+          </a:fillRef>
+          <a:effectRef idx="0">
+            <a:schemeClr val="accent1"/>
+          </a:effectRef>
+          <a:fontRef idx="minor">
+            <a:schemeClr val="lt1"/>
+          </a:fontRef>
+        </p:style>
+        <p:txBody>
+          <a:bodyPr rtlCol="0" anchor="ctr"/>
+          <a:lstStyle/>
+          <a:p>
+            <a:pPr algn="ctr"/>
+            <a:r>
+              <a:rPr lang="en-US" dirty="0"/>
+              <a:t>Account</a:t>
+            </a:r>
+          </a:p>
+        </p:txBody>
+      </p:sp>
+      <p:sp>
+        <p:nvSpPr>
+          <p:cNvPr id="4" name="Can 3">
+            <a:extLst>
+              <a:ext uri="{FF2B5EF4-FFF2-40B4-BE49-F238E27FC236}">
+                <a16:creationId xmlns:a16="http://schemas.microsoft.com/office/drawing/2014/main" id="{FF0DA136-16E6-6346-9E51-B5A30BF73055}"/>
+              </a:ext>
+            </a:extLst>
+          </p:cNvPr>
+          <p:cNvSpPr/>
+          <p:nvPr/>
+        </p:nvSpPr>
+        <p:spPr>
+          <a:xfrm>
+            <a:off x="9742714" y="2391592"/>
+            <a:ext cx="1950720" cy="870857"/>
+          </a:xfrm>
+          <a:prstGeom prst="can">
+            <a:avLst/>
+          </a:prstGeom>
+        </p:spPr>
+        <p:style>
+          <a:lnRef idx="2">
+            <a:schemeClr val="accent1">
+              <a:shade val="50000"/>
+            </a:schemeClr>
+          </a:lnRef>
+          <a:fillRef idx="1">
+            <a:schemeClr val="accent1"/>
+          </a:fillRef>
+          <a:effectRef idx="0">
+            <a:schemeClr val="accent1"/>
+          </a:effectRef>
+          <a:fontRef idx="minor">
+            <a:schemeClr val="lt1"/>
+          </a:fontRef>
+        </p:style>
+        <p:txBody>
+          <a:bodyPr rtlCol="0" anchor="ctr"/>
+          <a:lstStyle/>
+          <a:p>
+            <a:pPr algn="ctr"/>
+            <a:r>
+              <a:rPr lang="en-US" dirty="0"/>
+              <a:t>FD</a:t>
+            </a:r>
+          </a:p>
+        </p:txBody>
+      </p:sp>
+      <p:sp>
+        <p:nvSpPr>
+          <p:cNvPr id="5" name="Can 4">
+            <a:extLst>
+              <a:ext uri="{FF2B5EF4-FFF2-40B4-BE49-F238E27FC236}">
+                <a16:creationId xmlns:a16="http://schemas.microsoft.com/office/drawing/2014/main" id="{29DE9CE5-B5C2-704A-A6B6-9C72E64BA382}"/>
+              </a:ext>
+            </a:extLst>
+          </p:cNvPr>
+          <p:cNvSpPr/>
+          <p:nvPr/>
+        </p:nvSpPr>
+        <p:spPr>
+          <a:xfrm>
+            <a:off x="6975565" y="672741"/>
+            <a:ext cx="1950720" cy="870857"/>
+          </a:xfrm>
+          <a:prstGeom prst="can">
+            <a:avLst/>
+          </a:prstGeom>
+        </p:spPr>
+        <p:style>
+          <a:lnRef idx="2">
+            <a:schemeClr val="accent1">
+              <a:shade val="50000"/>
+            </a:schemeClr>
+          </a:lnRef>
+          <a:fillRef idx="1">
+            <a:schemeClr val="accent1"/>
+          </a:fillRef>
+          <a:effectRef idx="0">
+            <a:schemeClr val="accent1"/>
+          </a:effectRef>
+          <a:fontRef idx="minor">
+            <a:schemeClr val="lt1"/>
+          </a:fontRef>
+        </p:style>
+        <p:txBody>
+          <a:bodyPr rtlCol="0" anchor="ctr"/>
+          <a:lstStyle/>
+          <a:p>
+            <a:pPr algn="ctr"/>
+            <a:r>
+              <a:rPr lang="en-US" dirty="0"/>
+              <a:t>MF</a:t>
+            </a:r>
+          </a:p>
+        </p:txBody>
+      </p:sp>
+      <p:sp>
+        <p:nvSpPr>
+          <p:cNvPr id="6" name="Can 5">
+            <a:extLst>
+              <a:ext uri="{FF2B5EF4-FFF2-40B4-BE49-F238E27FC236}">
+                <a16:creationId xmlns:a16="http://schemas.microsoft.com/office/drawing/2014/main" id="{EF44D61E-9EEA-4047-A0D9-5A6337FF8DCA}"/>
+              </a:ext>
+            </a:extLst>
+          </p:cNvPr>
+          <p:cNvSpPr/>
+          <p:nvPr/>
+        </p:nvSpPr>
+        <p:spPr>
+          <a:xfrm>
+            <a:off x="4145280" y="638997"/>
+            <a:ext cx="1950720" cy="870857"/>
+          </a:xfrm>
+          <a:prstGeom prst="can">
+            <a:avLst/>
+          </a:prstGeom>
+        </p:spPr>
+        <p:style>
+          <a:lnRef idx="2">
+            <a:schemeClr val="accent1">
+              <a:shade val="50000"/>
+            </a:schemeClr>
+          </a:lnRef>
+          <a:fillRef idx="1">
+            <a:schemeClr val="accent1"/>
+          </a:fillRef>
+          <a:effectRef idx="0">
+            <a:schemeClr val="accent1"/>
+          </a:effectRef>
+          <a:fontRef idx="minor">
+            <a:schemeClr val="lt1"/>
+          </a:fontRef>
+        </p:style>
+        <p:txBody>
+          <a:bodyPr rtlCol="0" anchor="ctr"/>
+          <a:lstStyle/>
+          <a:p>
+            <a:pPr algn="ctr"/>
+            <a:r>
+              <a:rPr lang="en-US" dirty="0"/>
+              <a:t>PPF</a:t>
+            </a:r>
+          </a:p>
+        </p:txBody>
+      </p:sp>
+      <p:sp>
+        <p:nvSpPr>
+          <p:cNvPr id="7" name="Can 6">
+            <a:extLst>
+              <a:ext uri="{FF2B5EF4-FFF2-40B4-BE49-F238E27FC236}">
+                <a16:creationId xmlns:a16="http://schemas.microsoft.com/office/drawing/2014/main" id="{35E4BF25-02C5-DA44-B180-03FA848C7E13}"/>
+              </a:ext>
+            </a:extLst>
+          </p:cNvPr>
+          <p:cNvSpPr/>
+          <p:nvPr/>
+        </p:nvSpPr>
+        <p:spPr>
+          <a:xfrm>
+            <a:off x="1454331" y="638998"/>
+            <a:ext cx="1950720" cy="870857"/>
+          </a:xfrm>
+          <a:prstGeom prst="can">
+            <a:avLst/>
+          </a:prstGeom>
+        </p:spPr>
+        <p:style>
+          <a:lnRef idx="2">
+            <a:schemeClr val="accent1">
+              <a:shade val="50000"/>
+            </a:schemeClr>
+          </a:lnRef>
+          <a:fillRef idx="1">
+            <a:schemeClr val="accent1"/>
+          </a:fillRef>
+          <a:effectRef idx="0">
+            <a:schemeClr val="accent1"/>
+          </a:effectRef>
+          <a:fontRef idx="minor">
+            <a:schemeClr val="lt1"/>
+          </a:fontRef>
+        </p:style>
+        <p:txBody>
+          <a:bodyPr rtlCol="0" anchor="ctr"/>
+          <a:lstStyle/>
+          <a:p>
+            <a:pPr algn="ctr"/>
+            <a:r>
+              <a:rPr lang="en-US" dirty="0"/>
+              <a:t>Account</a:t>
+            </a:r>
+          </a:p>
+        </p:txBody>
+      </p:sp>
+      <p:sp>
+        <p:nvSpPr>
+          <p:cNvPr id="8" name="Can 7">
+            <a:extLst>
+              <a:ext uri="{FF2B5EF4-FFF2-40B4-BE49-F238E27FC236}">
+                <a16:creationId xmlns:a16="http://schemas.microsoft.com/office/drawing/2014/main" id="{67078AC2-695D-2145-A159-14D91AE6AFE6}"/>
+              </a:ext>
+            </a:extLst>
+          </p:cNvPr>
+          <p:cNvSpPr/>
+          <p:nvPr/>
+        </p:nvSpPr>
+        <p:spPr>
+          <a:xfrm>
+            <a:off x="1454331" y="2671358"/>
+            <a:ext cx="1950720" cy="870857"/>
+          </a:xfrm>
+          <a:prstGeom prst="can">
+            <a:avLst/>
+          </a:prstGeom>
+        </p:spPr>
+        <p:style>
+          <a:lnRef idx="2">
+            <a:schemeClr val="accent1">
+              <a:shade val="50000"/>
+            </a:schemeClr>
+          </a:lnRef>
+          <a:fillRef idx="1">
+            <a:schemeClr val="accent1"/>
+          </a:fillRef>
+          <a:effectRef idx="0">
+            <a:schemeClr val="accent1"/>
+          </a:effectRef>
+          <a:fontRef idx="minor">
+            <a:schemeClr val="lt1"/>
+          </a:fontRef>
+        </p:style>
+        <p:txBody>
+          <a:bodyPr rtlCol="0" anchor="ctr"/>
+          <a:lstStyle/>
+          <a:p>
+            <a:pPr algn="ctr"/>
+            <a:r>
+              <a:rPr lang="en-US" dirty="0"/>
+              <a:t>Home Loan</a:t>
+            </a:r>
+          </a:p>
+        </p:txBody>
+      </p:sp>
+      <p:sp>
+        <p:nvSpPr>
+          <p:cNvPr id="9" name="Can 8">
+            <a:extLst>
+              <a:ext uri="{FF2B5EF4-FFF2-40B4-BE49-F238E27FC236}">
+                <a16:creationId xmlns:a16="http://schemas.microsoft.com/office/drawing/2014/main" id="{D3096C3D-8EA3-B747-8F1D-82EAB495B53F}"/>
+              </a:ext>
+            </a:extLst>
+          </p:cNvPr>
+          <p:cNvSpPr/>
+          <p:nvPr/>
+        </p:nvSpPr>
+        <p:spPr>
+          <a:xfrm>
+            <a:off x="1454331" y="4994365"/>
+            <a:ext cx="1950720" cy="870857"/>
+          </a:xfrm>
+          <a:prstGeom prst="can">
+            <a:avLst/>
+          </a:prstGeom>
+        </p:spPr>
+        <p:style>
+          <a:lnRef idx="2">
+            <a:schemeClr val="accent1">
+              <a:shade val="50000"/>
+            </a:schemeClr>
+          </a:lnRef>
+          <a:fillRef idx="1">
+            <a:schemeClr val="accent1"/>
+          </a:fillRef>
+          <a:effectRef idx="0">
+            <a:schemeClr val="accent1"/>
+          </a:effectRef>
+          <a:fontRef idx="minor">
+            <a:schemeClr val="lt1"/>
+          </a:fontRef>
+        </p:style>
+        <p:txBody>
+          <a:bodyPr rtlCol="0" anchor="ctr"/>
+          <a:lstStyle/>
+          <a:p>
+            <a:pPr algn="ctr"/>
+            <a:r>
+              <a:rPr lang="en-US" dirty="0"/>
+              <a:t>Vehicle Loan</a:t>
+            </a:r>
+          </a:p>
+        </p:txBody>
+      </p:sp>
+      <p:sp>
+        <p:nvSpPr>
+          <p:cNvPr id="10" name="Can 9">
+            <a:extLst>
+              <a:ext uri="{FF2B5EF4-FFF2-40B4-BE49-F238E27FC236}">
+                <a16:creationId xmlns:a16="http://schemas.microsoft.com/office/drawing/2014/main" id="{33AEBF1B-312C-9141-BDEF-A52602E77AC2}"/>
+              </a:ext>
+            </a:extLst>
+          </p:cNvPr>
+          <p:cNvSpPr/>
+          <p:nvPr/>
+        </p:nvSpPr>
+        <p:spPr>
+          <a:xfrm>
+            <a:off x="9742714" y="4987830"/>
+            <a:ext cx="1950720" cy="870857"/>
+          </a:xfrm>
+          <a:prstGeom prst="can">
+            <a:avLst/>
+          </a:prstGeom>
+        </p:spPr>
+        <p:style>
+          <a:lnRef idx="2">
+            <a:schemeClr val="accent1">
+              <a:shade val="50000"/>
+            </a:schemeClr>
+          </a:lnRef>
+          <a:fillRef idx="1">
+            <a:schemeClr val="accent1"/>
+          </a:fillRef>
+          <a:effectRef idx="0">
+            <a:schemeClr val="accent1"/>
+          </a:effectRef>
+          <a:fontRef idx="minor">
+            <a:schemeClr val="lt1"/>
+          </a:fontRef>
+        </p:style>
+        <p:txBody>
+          <a:bodyPr rtlCol="0" anchor="ctr"/>
+          <a:lstStyle/>
+          <a:p>
+            <a:pPr algn="ctr"/>
+            <a:r>
+              <a:rPr lang="en-US" dirty="0"/>
+              <a:t>Account</a:t>
+            </a:r>
+          </a:p>
+        </p:txBody>
+      </p:sp>
+      <p:sp>
+        <p:nvSpPr>
+          <p:cNvPr id="11" name="Can 10">
+            <a:extLst>
+              <a:ext uri="{FF2B5EF4-FFF2-40B4-BE49-F238E27FC236}">
+                <a16:creationId xmlns:a16="http://schemas.microsoft.com/office/drawing/2014/main" id="{FCF5E989-9A21-0A40-BEC7-EAFCD3F29980}"/>
+              </a:ext>
+            </a:extLst>
+          </p:cNvPr>
+          <p:cNvSpPr/>
+          <p:nvPr/>
+        </p:nvSpPr>
+        <p:spPr>
+          <a:xfrm>
+            <a:off x="6905896" y="4994365"/>
+            <a:ext cx="1950720" cy="870857"/>
+          </a:xfrm>
+          <a:prstGeom prst="can">
+            <a:avLst/>
+          </a:prstGeom>
+        </p:spPr>
+        <p:style>
+          <a:lnRef idx="2">
+            <a:schemeClr val="accent1">
+              <a:shade val="50000"/>
+            </a:schemeClr>
+          </a:lnRef>
+          <a:fillRef idx="1">
+            <a:schemeClr val="accent1"/>
+          </a:fillRef>
+          <a:effectRef idx="0">
+            <a:schemeClr val="accent1"/>
+          </a:effectRef>
+          <a:fontRef idx="minor">
+            <a:schemeClr val="lt1"/>
+          </a:fontRef>
+        </p:style>
+        <p:txBody>
+          <a:bodyPr rtlCol="0" anchor="ctr"/>
+          <a:lstStyle/>
+          <a:p>
+            <a:pPr algn="ctr"/>
+            <a:r>
+              <a:rPr lang="en-US" dirty="0"/>
+              <a:t>Account</a:t>
+            </a:r>
+          </a:p>
+        </p:txBody>
+      </p:sp>
+      <p:sp>
+        <p:nvSpPr>
+          <p:cNvPr id="12" name="Can 11">
+            <a:extLst>
+              <a:ext uri="{FF2B5EF4-FFF2-40B4-BE49-F238E27FC236}">
+                <a16:creationId xmlns:a16="http://schemas.microsoft.com/office/drawing/2014/main" id="{1B102F9E-CD5F-D34D-9196-73B04EEFF54E}"/>
+              </a:ext>
+            </a:extLst>
+          </p:cNvPr>
+          <p:cNvSpPr/>
+          <p:nvPr/>
+        </p:nvSpPr>
+        <p:spPr>
+          <a:xfrm>
+            <a:off x="4145280" y="4994365"/>
+            <a:ext cx="1950720" cy="870857"/>
+          </a:xfrm>
+          <a:prstGeom prst="can">
+            <a:avLst/>
+          </a:prstGeom>
+        </p:spPr>
+        <p:style>
+          <a:lnRef idx="2">
+            <a:schemeClr val="accent1">
+              <a:shade val="50000"/>
+            </a:schemeClr>
+          </a:lnRef>
+          <a:fillRef idx="1">
+            <a:schemeClr val="accent1"/>
+          </a:fillRef>
+          <a:effectRef idx="0">
+            <a:schemeClr val="accent1"/>
+          </a:effectRef>
+          <a:fontRef idx="minor">
+            <a:schemeClr val="lt1"/>
+          </a:fontRef>
+        </p:style>
+        <p:txBody>
+          <a:bodyPr rtlCol="0" anchor="ctr"/>
+          <a:lstStyle/>
+          <a:p>
+            <a:pPr algn="ctr"/>
+            <a:r>
+              <a:rPr lang="en-US" dirty="0"/>
+              <a:t>Account</a:t>
+            </a:r>
+          </a:p>
+        </p:txBody>
+      </p:sp>
+      <p:sp>
+        <p:nvSpPr>
+          <p:cNvPr id="13" name="Oval 12">
+            <a:extLst>
+              <a:ext uri="{FF2B5EF4-FFF2-40B4-BE49-F238E27FC236}">
+                <a16:creationId xmlns:a16="http://schemas.microsoft.com/office/drawing/2014/main" id="{8DDED6FC-4550-CD43-8557-8076AC6E0B16}"/>
+              </a:ext>
+            </a:extLst>
+          </p:cNvPr>
+          <p:cNvSpPr/>
+          <p:nvPr/>
+        </p:nvSpPr>
+        <p:spPr>
+          <a:xfrm>
+            <a:off x="5259977" y="2464526"/>
+            <a:ext cx="2220686" cy="1524000"/>
+          </a:xfrm>
+          <a:prstGeom prst="ellipse">
+            <a:avLst/>
+          </a:prstGeom>
+        </p:spPr>
+        <p:style>
+          <a:lnRef idx="2">
+            <a:schemeClr val="accent1">
+              <a:shade val="50000"/>
+            </a:schemeClr>
+          </a:lnRef>
+          <a:fillRef idx="1">
+            <a:schemeClr val="accent1"/>
+          </a:fillRef>
+          <a:effectRef idx="0">
+            <a:schemeClr val="accent1"/>
+          </a:effectRef>
+          <a:fontRef idx="minor">
+            <a:schemeClr val="lt1"/>
+          </a:fontRef>
+        </p:style>
+        <p:txBody>
+          <a:bodyPr rtlCol="0" anchor="ctr"/>
+          <a:lstStyle/>
+          <a:p>
+            <a:pPr algn="ctr"/>
+            <a:r>
+              <a:rPr lang="en-US" dirty="0"/>
+              <a:t>Software App</a:t>
+            </a:r>
+          </a:p>
+        </p:txBody>
+      </p:sp>
+      <p:cxnSp>
+        <p:nvCxnSpPr>
+          <p:cNvPr id="15" name="Straight Arrow Connector 14">
+            <a:extLst>
+              <a:ext uri="{FF2B5EF4-FFF2-40B4-BE49-F238E27FC236}">
+                <a16:creationId xmlns:a16="http://schemas.microsoft.com/office/drawing/2014/main" id="{4883FDC1-616A-BC4E-B0A4-9EC7181B032B}"/>
+              </a:ext>
+            </a:extLst>
+          </p:cNvPr>
+          <p:cNvCxnSpPr>
+            <a:cxnSpLocks/>
+            <a:stCxn id="13" idx="2"/>
+            <a:endCxn id="8" idx="4"/>
+          </p:cNvCxnSpPr>
+          <p:nvPr/>
+        </p:nvCxnSpPr>
+        <p:spPr>
+          <a:xfrm flipH="1" flipV="1">
+            <a:off x="3405051" y="3106787"/>
+            <a:ext cx="1854926" cy="119739"/>
+          </a:xfrm>
+          <a:prstGeom prst="straightConnector1">
+            <a:avLst/>
+          </a:prstGeom>
+          <a:ln>
+            <a:tailEnd type="triangle"/>
+          </a:ln>
+        </p:spPr>
+        <p:style>
+          <a:lnRef idx="1">
+            <a:schemeClr val="accent1"/>
+          </a:lnRef>
+          <a:fillRef idx="0">
+            <a:schemeClr val="accent1"/>
+          </a:fillRef>
+          <a:effectRef idx="0">
+            <a:schemeClr val="accent1"/>
+          </a:effectRef>
+          <a:fontRef idx="minor">
+            <a:schemeClr val="tx1"/>
+          </a:fontRef>
+        </p:style>
+      </p:cxnSp>
+      <p:cxnSp>
+        <p:nvCxnSpPr>
+          <p:cNvPr id="18" name="Straight Arrow Connector 17">
+            <a:extLst>
+              <a:ext uri="{FF2B5EF4-FFF2-40B4-BE49-F238E27FC236}">
+                <a16:creationId xmlns:a16="http://schemas.microsoft.com/office/drawing/2014/main" id="{CA663C8C-D613-CE4F-BA25-262B1429DD88}"/>
+              </a:ext>
+            </a:extLst>
+          </p:cNvPr>
+          <p:cNvCxnSpPr>
+            <a:stCxn id="13" idx="1"/>
+            <a:endCxn id="7" idx="3"/>
+          </p:cNvCxnSpPr>
+          <p:nvPr/>
+        </p:nvCxnSpPr>
+        <p:spPr>
+          <a:xfrm flipH="1" flipV="1">
+            <a:off x="2429691" y="1509855"/>
+            <a:ext cx="3155498" cy="1177856"/>
+          </a:xfrm>
+          <a:prstGeom prst="straightConnector1">
+            <a:avLst/>
+          </a:prstGeom>
+          <a:ln>
+            <a:tailEnd type="triangle"/>
+          </a:ln>
+        </p:spPr>
+        <p:style>
+          <a:lnRef idx="1">
+            <a:schemeClr val="accent1"/>
+          </a:lnRef>
+          <a:fillRef idx="0">
+            <a:schemeClr val="accent1"/>
+          </a:fillRef>
+          <a:effectRef idx="0">
+            <a:schemeClr val="accent1"/>
+          </a:effectRef>
+          <a:fontRef idx="minor">
+            <a:schemeClr val="tx1"/>
+          </a:fontRef>
+        </p:style>
+      </p:cxnSp>
+      <p:cxnSp>
+        <p:nvCxnSpPr>
+          <p:cNvPr id="20" name="Straight Arrow Connector 19">
+            <a:extLst>
+              <a:ext uri="{FF2B5EF4-FFF2-40B4-BE49-F238E27FC236}">
+                <a16:creationId xmlns:a16="http://schemas.microsoft.com/office/drawing/2014/main" id="{6E4CD8B2-6F07-AF4C-8E39-4A824FF58862}"/>
+              </a:ext>
+            </a:extLst>
+          </p:cNvPr>
+          <p:cNvCxnSpPr>
+            <a:stCxn id="13" idx="0"/>
+            <a:endCxn id="6" idx="3"/>
+          </p:cNvCxnSpPr>
+          <p:nvPr/>
+        </p:nvCxnSpPr>
+        <p:spPr>
+          <a:xfrm flipH="1" flipV="1">
+            <a:off x="5120640" y="1509854"/>
+            <a:ext cx="1249680" cy="954672"/>
+          </a:xfrm>
+          <a:prstGeom prst="straightConnector1">
+            <a:avLst/>
+          </a:prstGeom>
+          <a:ln>
+            <a:tailEnd type="triangle"/>
+          </a:ln>
+        </p:spPr>
+        <p:style>
+          <a:lnRef idx="1">
+            <a:schemeClr val="accent1"/>
+          </a:lnRef>
+          <a:fillRef idx="0">
+            <a:schemeClr val="accent1"/>
+          </a:fillRef>
+          <a:effectRef idx="0">
+            <a:schemeClr val="accent1"/>
+          </a:effectRef>
+          <a:fontRef idx="minor">
+            <a:schemeClr val="tx1"/>
+          </a:fontRef>
+        </p:style>
+      </p:cxnSp>
+      <p:cxnSp>
+        <p:nvCxnSpPr>
+          <p:cNvPr id="22" name="Straight Arrow Connector 21">
+            <a:extLst>
+              <a:ext uri="{FF2B5EF4-FFF2-40B4-BE49-F238E27FC236}">
+                <a16:creationId xmlns:a16="http://schemas.microsoft.com/office/drawing/2014/main" id="{179EB498-1ED5-B449-9BEB-055D916C49C1}"/>
+              </a:ext>
+            </a:extLst>
+          </p:cNvPr>
+          <p:cNvCxnSpPr>
+            <a:cxnSpLocks/>
+            <a:stCxn id="13" idx="7"/>
+            <a:endCxn id="5" idx="3"/>
+          </p:cNvCxnSpPr>
+          <p:nvPr/>
+        </p:nvCxnSpPr>
+        <p:spPr>
+          <a:xfrm flipV="1">
+            <a:off x="7155451" y="1543598"/>
+            <a:ext cx="795474" cy="1144113"/>
+          </a:xfrm>
+          <a:prstGeom prst="straightConnector1">
+            <a:avLst/>
+          </a:prstGeom>
+          <a:ln>
+            <a:tailEnd type="triangle"/>
+          </a:ln>
+        </p:spPr>
+        <p:style>
+          <a:lnRef idx="1">
+            <a:schemeClr val="accent1"/>
+          </a:lnRef>
+          <a:fillRef idx="0">
+            <a:schemeClr val="accent1"/>
+          </a:fillRef>
+          <a:effectRef idx="0">
+            <a:schemeClr val="accent1"/>
+          </a:effectRef>
+          <a:fontRef idx="minor">
+            <a:schemeClr val="tx1"/>
+          </a:fontRef>
+        </p:style>
+      </p:cxnSp>
+      <p:cxnSp>
+        <p:nvCxnSpPr>
+          <p:cNvPr id="25" name="Straight Arrow Connector 24">
+            <a:extLst>
+              <a:ext uri="{FF2B5EF4-FFF2-40B4-BE49-F238E27FC236}">
+                <a16:creationId xmlns:a16="http://schemas.microsoft.com/office/drawing/2014/main" id="{A0773A62-F6BC-2040-B3A8-3B6BCEA44EE9}"/>
+              </a:ext>
+            </a:extLst>
+          </p:cNvPr>
+          <p:cNvCxnSpPr>
+            <a:stCxn id="13" idx="6"/>
+            <a:endCxn id="2" idx="2"/>
+          </p:cNvCxnSpPr>
+          <p:nvPr/>
+        </p:nvCxnSpPr>
+        <p:spPr>
+          <a:xfrm flipV="1">
+            <a:off x="7480663" y="1101642"/>
+            <a:ext cx="2185851" cy="2124884"/>
+          </a:xfrm>
+          <a:prstGeom prst="straightConnector1">
+            <a:avLst/>
+          </a:prstGeom>
+          <a:ln>
+            <a:tailEnd type="triangle"/>
+          </a:ln>
+        </p:spPr>
+        <p:style>
+          <a:lnRef idx="1">
+            <a:schemeClr val="accent1"/>
+          </a:lnRef>
+          <a:fillRef idx="0">
+            <a:schemeClr val="accent1"/>
+          </a:fillRef>
+          <a:effectRef idx="0">
+            <a:schemeClr val="accent1"/>
+          </a:effectRef>
+          <a:fontRef idx="minor">
+            <a:schemeClr val="tx1"/>
+          </a:fontRef>
+        </p:style>
+      </p:cxnSp>
+      <p:cxnSp>
+        <p:nvCxnSpPr>
+          <p:cNvPr id="27" name="Straight Arrow Connector 26">
+            <a:extLst>
+              <a:ext uri="{FF2B5EF4-FFF2-40B4-BE49-F238E27FC236}">
+                <a16:creationId xmlns:a16="http://schemas.microsoft.com/office/drawing/2014/main" id="{617834D4-D0CA-2A42-839F-EBD59299150F}"/>
+              </a:ext>
+            </a:extLst>
+          </p:cNvPr>
+          <p:cNvCxnSpPr>
+            <a:stCxn id="13" idx="3"/>
+            <a:endCxn id="9" idx="1"/>
+          </p:cNvCxnSpPr>
+          <p:nvPr/>
+        </p:nvCxnSpPr>
+        <p:spPr>
+          <a:xfrm flipH="1">
+            <a:off x="2429691" y="3765341"/>
+            <a:ext cx="3155498" cy="1229024"/>
+          </a:xfrm>
+          <a:prstGeom prst="straightConnector1">
+            <a:avLst/>
+          </a:prstGeom>
+          <a:ln>
+            <a:tailEnd type="triangle"/>
+          </a:ln>
+        </p:spPr>
+        <p:style>
+          <a:lnRef idx="1">
+            <a:schemeClr val="accent1"/>
+          </a:lnRef>
+          <a:fillRef idx="0">
+            <a:schemeClr val="accent1"/>
+          </a:fillRef>
+          <a:effectRef idx="0">
+            <a:schemeClr val="accent1"/>
+          </a:effectRef>
+          <a:fontRef idx="minor">
+            <a:schemeClr val="tx1"/>
+          </a:fontRef>
+        </p:style>
+      </p:cxnSp>
+      <p:cxnSp>
+        <p:nvCxnSpPr>
+          <p:cNvPr id="29" name="Straight Arrow Connector 28">
+            <a:extLst>
+              <a:ext uri="{FF2B5EF4-FFF2-40B4-BE49-F238E27FC236}">
+                <a16:creationId xmlns:a16="http://schemas.microsoft.com/office/drawing/2014/main" id="{C363F745-4900-4C46-BCE8-0BB461857E0D}"/>
+              </a:ext>
+            </a:extLst>
+          </p:cNvPr>
+          <p:cNvCxnSpPr>
+            <a:stCxn id="13" idx="4"/>
+            <a:endCxn id="12" idx="1"/>
+          </p:cNvCxnSpPr>
+          <p:nvPr/>
+        </p:nvCxnSpPr>
+        <p:spPr>
+          <a:xfrm flipH="1">
+            <a:off x="5120640" y="3988526"/>
+            <a:ext cx="1249680" cy="1005839"/>
+          </a:xfrm>
+          <a:prstGeom prst="straightConnector1">
+            <a:avLst/>
+          </a:prstGeom>
+          <a:ln>
+            <a:tailEnd type="triangle"/>
+          </a:ln>
+        </p:spPr>
+        <p:style>
+          <a:lnRef idx="1">
+            <a:schemeClr val="accent1"/>
+          </a:lnRef>
+          <a:fillRef idx="0">
+            <a:schemeClr val="accent1"/>
+          </a:fillRef>
+          <a:effectRef idx="0">
+            <a:schemeClr val="accent1"/>
+          </a:effectRef>
+          <a:fontRef idx="minor">
+            <a:schemeClr val="tx1"/>
+          </a:fontRef>
+        </p:style>
+      </p:cxnSp>
+      <p:cxnSp>
+        <p:nvCxnSpPr>
+          <p:cNvPr id="31" name="Straight Arrow Connector 30">
+            <a:extLst>
+              <a:ext uri="{FF2B5EF4-FFF2-40B4-BE49-F238E27FC236}">
+                <a16:creationId xmlns:a16="http://schemas.microsoft.com/office/drawing/2014/main" id="{6216400F-5EE4-B84F-BDDC-57B3F23D6549}"/>
+              </a:ext>
+            </a:extLst>
+          </p:cNvPr>
+          <p:cNvCxnSpPr>
+            <a:stCxn id="13" idx="5"/>
+            <a:endCxn id="11" idx="1"/>
+          </p:cNvCxnSpPr>
+          <p:nvPr/>
+        </p:nvCxnSpPr>
+        <p:spPr>
+          <a:xfrm>
+            <a:off x="7155451" y="3765341"/>
+            <a:ext cx="725805" cy="1229024"/>
+          </a:xfrm>
+          <a:prstGeom prst="straightConnector1">
+            <a:avLst/>
+          </a:prstGeom>
+          <a:ln>
+            <a:tailEnd type="triangle"/>
+          </a:ln>
+        </p:spPr>
+        <p:style>
+          <a:lnRef idx="1">
+            <a:schemeClr val="accent1"/>
+          </a:lnRef>
+          <a:fillRef idx="0">
+            <a:schemeClr val="accent1"/>
+          </a:fillRef>
+          <a:effectRef idx="0">
+            <a:schemeClr val="accent1"/>
+          </a:effectRef>
+          <a:fontRef idx="minor">
+            <a:schemeClr val="tx1"/>
+          </a:fontRef>
+        </p:style>
+      </p:cxnSp>
+      <p:cxnSp>
+        <p:nvCxnSpPr>
+          <p:cNvPr id="33" name="Straight Arrow Connector 32">
+            <a:extLst>
+              <a:ext uri="{FF2B5EF4-FFF2-40B4-BE49-F238E27FC236}">
+                <a16:creationId xmlns:a16="http://schemas.microsoft.com/office/drawing/2014/main" id="{7C39991C-FFB1-984A-B77F-C9D0790EB2AD}"/>
+              </a:ext>
+            </a:extLst>
+          </p:cNvPr>
+          <p:cNvCxnSpPr>
+            <a:endCxn id="4" idx="2"/>
+          </p:cNvCxnSpPr>
+          <p:nvPr/>
+        </p:nvCxnSpPr>
+        <p:spPr>
+          <a:xfrm flipV="1">
+            <a:off x="7480663" y="2827021"/>
+            <a:ext cx="2262051" cy="601979"/>
+          </a:xfrm>
+          <a:prstGeom prst="straightConnector1">
+            <a:avLst/>
+          </a:prstGeom>
+          <a:ln>
+            <a:tailEnd type="triangle"/>
+          </a:ln>
+        </p:spPr>
+        <p:style>
+          <a:lnRef idx="1">
+            <a:schemeClr val="accent1"/>
+          </a:lnRef>
+          <a:fillRef idx="0">
+            <a:schemeClr val="accent1"/>
+          </a:fillRef>
+          <a:effectRef idx="0">
+            <a:schemeClr val="accent1"/>
+          </a:effectRef>
+          <a:fontRef idx="minor">
+            <a:schemeClr val="tx1"/>
+          </a:fontRef>
+        </p:style>
+      </p:cxnSp>
+      <p:cxnSp>
+        <p:nvCxnSpPr>
+          <p:cNvPr id="35" name="Straight Arrow Connector 34">
+            <a:extLst>
+              <a:ext uri="{FF2B5EF4-FFF2-40B4-BE49-F238E27FC236}">
+                <a16:creationId xmlns:a16="http://schemas.microsoft.com/office/drawing/2014/main" id="{6EBD884B-F305-7B44-A552-F7BA11A34A31}"/>
+              </a:ext>
+            </a:extLst>
+          </p:cNvPr>
+          <p:cNvCxnSpPr>
+            <a:endCxn id="10" idx="2"/>
+          </p:cNvCxnSpPr>
+          <p:nvPr/>
+        </p:nvCxnSpPr>
+        <p:spPr>
+          <a:xfrm>
+            <a:off x="7350034" y="3606436"/>
+            <a:ext cx="2392680" cy="1816823"/>
+          </a:xfrm>
+          <a:prstGeom prst="straightConnector1">
+            <a:avLst/>
+          </a:prstGeom>
+          <a:ln>
+            <a:tailEnd type="triangle"/>
+          </a:ln>
+        </p:spPr>
+        <p:style>
+          <a:lnRef idx="1">
+            <a:schemeClr val="accent1"/>
+          </a:lnRef>
+          <a:fillRef idx="0">
+            <a:schemeClr val="accent1"/>
+          </a:fillRef>
+          <a:effectRef idx="0">
+            <a:schemeClr val="accent1"/>
+          </a:effectRef>
+          <a:fontRef idx="minor">
+            <a:schemeClr val="tx1"/>
+          </a:fontRef>
+        </p:style>
+      </p:cxnSp>
+      <p:cxnSp>
+        <p:nvCxnSpPr>
+          <p:cNvPr id="37" name="Straight Arrow Connector 36">
+            <a:extLst>
+              <a:ext uri="{FF2B5EF4-FFF2-40B4-BE49-F238E27FC236}">
+                <a16:creationId xmlns:a16="http://schemas.microsoft.com/office/drawing/2014/main" id="{6B408EC0-7AF0-9D4D-B935-7CB51B971B61}"/>
+              </a:ext>
+            </a:extLst>
+          </p:cNvPr>
+          <p:cNvCxnSpPr>
+            <a:endCxn id="3" idx="2"/>
+          </p:cNvCxnSpPr>
+          <p:nvPr/>
+        </p:nvCxnSpPr>
+        <p:spPr>
+          <a:xfrm>
+            <a:off x="7440115" y="3542215"/>
+            <a:ext cx="2302599" cy="666200"/>
+          </a:xfrm>
+          <a:prstGeom prst="straightConnector1">
+            <a:avLst/>
+          </a:prstGeom>
+          <a:ln>
+            <a:tailEnd type="triangle"/>
+          </a:ln>
+        </p:spPr>
+        <p:style>
+          <a:lnRef idx="1">
+            <a:schemeClr val="accent1"/>
+          </a:lnRef>
+          <a:fillRef idx="0">
+            <a:schemeClr val="accent1"/>
+          </a:fillRef>
+          <a:effectRef idx="0">
+            <a:schemeClr val="accent1"/>
+          </a:effectRef>
+          <a:fontRef idx="minor">
+            <a:schemeClr val="tx1"/>
+          </a:fontRef>
+        </p:style>
+      </p:cxnSp>
+    </p:spTree>
+    <p:extLst>
+      <p:ext uri="{BB962C8B-B14F-4D97-AF65-F5344CB8AC3E}">
+        <p14:creationId xmlns:p14="http://schemas.microsoft.com/office/powerpoint/2010/main" val="2888863360"/>
+      </p:ext>
+    </p:extLst>
+  </p:cSld>
+  <p:clrMapOvr>
+    <a:masterClrMapping/>
+  </p:clrMapOvr>
+</p:sld>
+</file>
+
 <file path=ppt/slides/slide7.xml><?xml version="1.0" encoding="utf-8"?>
 <p:sld xmlns:a="http://schemas.openxmlformats.org/drawingml/2006/main" xmlns:r="http://schemas.openxmlformats.org/officeDocument/2006/relationships" xmlns:p="http://schemas.openxmlformats.org/presentationml/2006/main">
   <p:cSld>
@@ -55618,6 +57759,2936 @@
     <p:extLst>
       <p:ext uri="{BB962C8B-B14F-4D97-AF65-F5344CB8AC3E}">
         <p14:creationId xmlns:p14="http://schemas.microsoft.com/office/powerpoint/2010/main" val="110124225"/>
+      </p:ext>
+    </p:extLst>
+  </p:cSld>
+  <p:clrMapOvr>
+    <a:masterClrMapping/>
+  </p:clrMapOvr>
+</p:sld>
+</file>
+
+<file path=ppt/slides/slide70.xml><?xml version="1.0" encoding="utf-8"?>
+<p:sld xmlns:a="http://schemas.openxmlformats.org/drawingml/2006/main" xmlns:r="http://schemas.openxmlformats.org/officeDocument/2006/relationships" xmlns:p="http://schemas.openxmlformats.org/presentationml/2006/main">
+  <p:cSld>
+    <p:spTree>
+      <p:nvGrpSpPr>
+        <p:cNvPr id="1" name=""/>
+        <p:cNvGrpSpPr/>
+        <p:nvPr/>
+      </p:nvGrpSpPr>
+      <p:grpSpPr>
+        <a:xfrm>
+          <a:off x="0" y="0"/>
+          <a:ext cx="0" cy="0"/>
+          <a:chOff x="0" y="0"/>
+          <a:chExt cx="0" cy="0"/>
+        </a:xfrm>
+      </p:grpSpPr>
+      <p:sp>
+        <p:nvSpPr>
+          <p:cNvPr id="2" name="TextBox 1">
+            <a:extLst>
+              <a:ext uri="{FF2B5EF4-FFF2-40B4-BE49-F238E27FC236}">
+                <a16:creationId xmlns:a16="http://schemas.microsoft.com/office/drawing/2014/main" id="{B9E0195E-D8FF-3F4B-82F8-DCCEA45137D9}"/>
+              </a:ext>
+            </a:extLst>
+          </p:cNvPr>
+          <p:cNvSpPr txBox="1"/>
+          <p:nvPr/>
+        </p:nvSpPr>
+        <p:spPr>
+          <a:xfrm>
+            <a:off x="461554" y="165463"/>
+            <a:ext cx="3648892" cy="369332"/>
+          </a:xfrm>
+          <a:prstGeom prst="rect">
+            <a:avLst/>
+          </a:prstGeom>
+          <a:noFill/>
+        </p:spPr>
+        <p:txBody>
+          <a:bodyPr wrap="square" rtlCol="0">
+            <a:spAutoFit/>
+          </a:bodyPr>
+          <a:lstStyle/>
+          <a:p>
+            <a:r>
+              <a:rPr lang="en-US" dirty="0"/>
+              <a:t>Monolithic</a:t>
+            </a:r>
+          </a:p>
+        </p:txBody>
+      </p:sp>
+      <p:sp>
+        <p:nvSpPr>
+          <p:cNvPr id="4" name="Can 3">
+            <a:extLst>
+              <a:ext uri="{FF2B5EF4-FFF2-40B4-BE49-F238E27FC236}">
+                <a16:creationId xmlns:a16="http://schemas.microsoft.com/office/drawing/2014/main" id="{B505DBD6-2C51-3949-B073-95C569D97810}"/>
+              </a:ext>
+            </a:extLst>
+          </p:cNvPr>
+          <p:cNvSpPr/>
+          <p:nvPr/>
+        </p:nvSpPr>
+        <p:spPr>
+          <a:xfrm>
+            <a:off x="252548" y="5399314"/>
+            <a:ext cx="2978331" cy="574766"/>
+          </a:xfrm>
+          <a:prstGeom prst="can">
+            <a:avLst/>
+          </a:prstGeom>
+        </p:spPr>
+        <p:style>
+          <a:lnRef idx="2">
+            <a:schemeClr val="accent1">
+              <a:shade val="50000"/>
+            </a:schemeClr>
+          </a:lnRef>
+          <a:fillRef idx="1">
+            <a:schemeClr val="accent1"/>
+          </a:fillRef>
+          <a:effectRef idx="0">
+            <a:schemeClr val="accent1"/>
+          </a:effectRef>
+          <a:fontRef idx="minor">
+            <a:schemeClr val="lt1"/>
+          </a:fontRef>
+        </p:style>
+        <p:txBody>
+          <a:bodyPr rtlCol="0" anchor="ctr"/>
+          <a:lstStyle/>
+          <a:p>
+            <a:pPr algn="ctr"/>
+            <a:r>
+              <a:rPr lang="en-US" dirty="0"/>
+              <a:t>Enterprise Database</a:t>
+            </a:r>
+          </a:p>
+        </p:txBody>
+      </p:sp>
+      <p:sp>
+        <p:nvSpPr>
+          <p:cNvPr id="7" name="Rounded Rectangle 6">
+            <a:extLst>
+              <a:ext uri="{FF2B5EF4-FFF2-40B4-BE49-F238E27FC236}">
+                <a16:creationId xmlns:a16="http://schemas.microsoft.com/office/drawing/2014/main" id="{AC515527-FB90-A64C-BBED-890E451E0BDE}"/>
+              </a:ext>
+            </a:extLst>
+          </p:cNvPr>
+          <p:cNvSpPr/>
+          <p:nvPr/>
+        </p:nvSpPr>
+        <p:spPr>
+          <a:xfrm>
+            <a:off x="252548" y="2690949"/>
+            <a:ext cx="3056709" cy="2447108"/>
+          </a:xfrm>
+          <a:prstGeom prst="roundRect">
+            <a:avLst/>
+          </a:prstGeom>
+        </p:spPr>
+        <p:style>
+          <a:lnRef idx="2">
+            <a:schemeClr val="accent6"/>
+          </a:lnRef>
+          <a:fillRef idx="1">
+            <a:schemeClr val="lt1"/>
+          </a:fillRef>
+          <a:effectRef idx="0">
+            <a:schemeClr val="accent6"/>
+          </a:effectRef>
+          <a:fontRef idx="minor">
+            <a:schemeClr val="dk1"/>
+          </a:fontRef>
+        </p:style>
+        <p:txBody>
+          <a:bodyPr rtlCol="0" anchor="ctr"/>
+          <a:lstStyle/>
+          <a:p>
+            <a:pPr algn="ctr"/>
+            <a:endParaRPr lang="en-US"/>
+          </a:p>
+        </p:txBody>
+      </p:sp>
+      <p:sp>
+        <p:nvSpPr>
+          <p:cNvPr id="8" name="Right Brace 7">
+            <a:extLst>
+              <a:ext uri="{FF2B5EF4-FFF2-40B4-BE49-F238E27FC236}">
+                <a16:creationId xmlns:a16="http://schemas.microsoft.com/office/drawing/2014/main" id="{9CE54C97-C7CD-6346-96D4-C653BA7EF7F5}"/>
+              </a:ext>
+            </a:extLst>
+          </p:cNvPr>
+          <p:cNvSpPr/>
+          <p:nvPr/>
+        </p:nvSpPr>
+        <p:spPr>
+          <a:xfrm>
+            <a:off x="3622766" y="2708366"/>
+            <a:ext cx="487680" cy="2525485"/>
+          </a:xfrm>
+          <a:prstGeom prst="rightBrace">
+            <a:avLst/>
+          </a:prstGeom>
+        </p:spPr>
+        <p:style>
+          <a:lnRef idx="1">
+            <a:schemeClr val="accent1"/>
+          </a:lnRef>
+          <a:fillRef idx="0">
+            <a:schemeClr val="accent1"/>
+          </a:fillRef>
+          <a:effectRef idx="0">
+            <a:schemeClr val="accent1"/>
+          </a:effectRef>
+          <a:fontRef idx="minor">
+            <a:schemeClr val="tx1"/>
+          </a:fontRef>
+        </p:style>
+        <p:txBody>
+          <a:bodyPr rtlCol="0" anchor="ctr"/>
+          <a:lstStyle/>
+          <a:p>
+            <a:pPr algn="ctr"/>
+            <a:endParaRPr lang="en-US"/>
+          </a:p>
+        </p:txBody>
+      </p:sp>
+      <p:sp>
+        <p:nvSpPr>
+          <p:cNvPr id="9" name="TextBox 8">
+            <a:extLst>
+              <a:ext uri="{FF2B5EF4-FFF2-40B4-BE49-F238E27FC236}">
+                <a16:creationId xmlns:a16="http://schemas.microsoft.com/office/drawing/2014/main" id="{0D0D5973-4035-C040-B6B5-6C536EA19B4F}"/>
+              </a:ext>
+            </a:extLst>
+          </p:cNvPr>
+          <p:cNvSpPr txBox="1"/>
+          <p:nvPr/>
+        </p:nvSpPr>
+        <p:spPr>
+          <a:xfrm>
+            <a:off x="4232366" y="3657600"/>
+            <a:ext cx="2168434" cy="646331"/>
+          </a:xfrm>
+          <a:prstGeom prst="rect">
+            <a:avLst/>
+          </a:prstGeom>
+          <a:noFill/>
+        </p:spPr>
+        <p:txBody>
+          <a:bodyPr wrap="square" rtlCol="0">
+            <a:spAutoFit/>
+          </a:bodyPr>
+          <a:lstStyle/>
+          <a:p>
+            <a:r>
+              <a:rPr lang="en-US" dirty="0"/>
+              <a:t>Application Layer on App Server</a:t>
+            </a:r>
+          </a:p>
+        </p:txBody>
+      </p:sp>
+      <p:sp>
+        <p:nvSpPr>
+          <p:cNvPr id="10" name="Rectangle 9">
+            <a:extLst>
+              <a:ext uri="{FF2B5EF4-FFF2-40B4-BE49-F238E27FC236}">
+                <a16:creationId xmlns:a16="http://schemas.microsoft.com/office/drawing/2014/main" id="{4BB35684-8C66-E744-8FDD-BB8520BFCA13}"/>
+              </a:ext>
+            </a:extLst>
+          </p:cNvPr>
+          <p:cNvSpPr/>
+          <p:nvPr/>
+        </p:nvSpPr>
+        <p:spPr>
+          <a:xfrm>
+            <a:off x="461554" y="4511040"/>
+            <a:ext cx="2542903" cy="435429"/>
+          </a:xfrm>
+          <a:prstGeom prst="rect">
+            <a:avLst/>
+          </a:prstGeom>
+        </p:spPr>
+        <p:style>
+          <a:lnRef idx="2">
+            <a:schemeClr val="accent1">
+              <a:shade val="50000"/>
+            </a:schemeClr>
+          </a:lnRef>
+          <a:fillRef idx="1">
+            <a:schemeClr val="accent1"/>
+          </a:fillRef>
+          <a:effectRef idx="0">
+            <a:schemeClr val="accent1"/>
+          </a:effectRef>
+          <a:fontRef idx="minor">
+            <a:schemeClr val="lt1"/>
+          </a:fontRef>
+        </p:style>
+        <p:txBody>
+          <a:bodyPr rtlCol="0" anchor="ctr"/>
+          <a:lstStyle/>
+          <a:p>
+            <a:pPr algn="ctr"/>
+            <a:r>
+              <a:rPr lang="en-US" dirty="0"/>
+              <a:t>Data Access Layer</a:t>
+            </a:r>
+          </a:p>
+        </p:txBody>
+      </p:sp>
+      <p:sp>
+        <p:nvSpPr>
+          <p:cNvPr id="11" name="Rectangle 10">
+            <a:extLst>
+              <a:ext uri="{FF2B5EF4-FFF2-40B4-BE49-F238E27FC236}">
+                <a16:creationId xmlns:a16="http://schemas.microsoft.com/office/drawing/2014/main" id="{73A7C87C-839E-AB4D-99DF-7DB0ACDA8E15}"/>
+              </a:ext>
+            </a:extLst>
+          </p:cNvPr>
+          <p:cNvSpPr/>
+          <p:nvPr/>
+        </p:nvSpPr>
+        <p:spPr>
+          <a:xfrm>
+            <a:off x="470261" y="3914503"/>
+            <a:ext cx="2542903" cy="435429"/>
+          </a:xfrm>
+          <a:prstGeom prst="rect">
+            <a:avLst/>
+          </a:prstGeom>
+        </p:spPr>
+        <p:style>
+          <a:lnRef idx="2">
+            <a:schemeClr val="accent1">
+              <a:shade val="50000"/>
+            </a:schemeClr>
+          </a:lnRef>
+          <a:fillRef idx="1">
+            <a:schemeClr val="accent1"/>
+          </a:fillRef>
+          <a:effectRef idx="0">
+            <a:schemeClr val="accent1"/>
+          </a:effectRef>
+          <a:fontRef idx="minor">
+            <a:schemeClr val="lt1"/>
+          </a:fontRef>
+        </p:style>
+        <p:txBody>
+          <a:bodyPr rtlCol="0" anchor="ctr"/>
+          <a:lstStyle/>
+          <a:p>
+            <a:pPr algn="ctr"/>
+            <a:r>
+              <a:rPr lang="en-US" dirty="0"/>
+              <a:t>Business Logic Layer</a:t>
+            </a:r>
+          </a:p>
+        </p:txBody>
+      </p:sp>
+      <p:sp>
+        <p:nvSpPr>
+          <p:cNvPr id="12" name="Rectangle 11">
+            <a:extLst>
+              <a:ext uri="{FF2B5EF4-FFF2-40B4-BE49-F238E27FC236}">
+                <a16:creationId xmlns:a16="http://schemas.microsoft.com/office/drawing/2014/main" id="{0B71E276-07C4-C14D-91D1-F6F0D8A12F21}"/>
+              </a:ext>
+            </a:extLst>
+          </p:cNvPr>
+          <p:cNvSpPr/>
+          <p:nvPr/>
+        </p:nvSpPr>
+        <p:spPr>
+          <a:xfrm>
+            <a:off x="461553" y="3348445"/>
+            <a:ext cx="2542903" cy="435429"/>
+          </a:xfrm>
+          <a:prstGeom prst="rect">
+            <a:avLst/>
+          </a:prstGeom>
+        </p:spPr>
+        <p:style>
+          <a:lnRef idx="2">
+            <a:schemeClr val="accent1">
+              <a:shade val="50000"/>
+            </a:schemeClr>
+          </a:lnRef>
+          <a:fillRef idx="1">
+            <a:schemeClr val="accent1"/>
+          </a:fillRef>
+          <a:effectRef idx="0">
+            <a:schemeClr val="accent1"/>
+          </a:effectRef>
+          <a:fontRef idx="minor">
+            <a:schemeClr val="lt1"/>
+          </a:fontRef>
+        </p:style>
+        <p:txBody>
+          <a:bodyPr rtlCol="0" anchor="ctr"/>
+          <a:lstStyle/>
+          <a:p>
+            <a:pPr algn="ctr"/>
+            <a:r>
+              <a:rPr lang="en-US" dirty="0"/>
+              <a:t>Domain Workflows</a:t>
+            </a:r>
+          </a:p>
+        </p:txBody>
+      </p:sp>
+      <p:sp>
+        <p:nvSpPr>
+          <p:cNvPr id="13" name="Rectangle 12">
+            <a:extLst>
+              <a:ext uri="{FF2B5EF4-FFF2-40B4-BE49-F238E27FC236}">
+                <a16:creationId xmlns:a16="http://schemas.microsoft.com/office/drawing/2014/main" id="{C9462EF3-5E9E-5B42-88DB-3549FE9A9973}"/>
+              </a:ext>
+            </a:extLst>
+          </p:cNvPr>
+          <p:cNvSpPr/>
+          <p:nvPr/>
+        </p:nvSpPr>
+        <p:spPr>
+          <a:xfrm>
+            <a:off x="470261" y="2847701"/>
+            <a:ext cx="2542903" cy="435429"/>
+          </a:xfrm>
+          <a:prstGeom prst="rect">
+            <a:avLst/>
+          </a:prstGeom>
+        </p:spPr>
+        <p:style>
+          <a:lnRef idx="2">
+            <a:schemeClr val="accent1">
+              <a:shade val="50000"/>
+            </a:schemeClr>
+          </a:lnRef>
+          <a:fillRef idx="1">
+            <a:schemeClr val="accent1"/>
+          </a:fillRef>
+          <a:effectRef idx="0">
+            <a:schemeClr val="accent1"/>
+          </a:effectRef>
+          <a:fontRef idx="minor">
+            <a:schemeClr val="lt1"/>
+          </a:fontRef>
+        </p:style>
+        <p:txBody>
+          <a:bodyPr rtlCol="0" anchor="ctr"/>
+          <a:lstStyle/>
+          <a:p>
+            <a:pPr algn="ctr"/>
+            <a:r>
+              <a:rPr lang="en-US" dirty="0"/>
+              <a:t>REST APIs</a:t>
+            </a:r>
+          </a:p>
+        </p:txBody>
+      </p:sp>
+      <p:sp>
+        <p:nvSpPr>
+          <p:cNvPr id="14" name="Rounded Rectangle 13">
+            <a:extLst>
+              <a:ext uri="{FF2B5EF4-FFF2-40B4-BE49-F238E27FC236}">
+                <a16:creationId xmlns:a16="http://schemas.microsoft.com/office/drawing/2014/main" id="{37F983C1-5690-094A-BA32-710C4F1CEE9A}"/>
+              </a:ext>
+            </a:extLst>
+          </p:cNvPr>
+          <p:cNvSpPr/>
+          <p:nvPr/>
+        </p:nvSpPr>
+        <p:spPr>
+          <a:xfrm>
+            <a:off x="252548" y="792480"/>
+            <a:ext cx="3152503" cy="1611086"/>
+          </a:xfrm>
+          <a:prstGeom prst="roundRect">
+            <a:avLst/>
+          </a:prstGeom>
+        </p:spPr>
+        <p:style>
+          <a:lnRef idx="2">
+            <a:schemeClr val="accent1">
+              <a:shade val="50000"/>
+            </a:schemeClr>
+          </a:lnRef>
+          <a:fillRef idx="1">
+            <a:schemeClr val="accent1"/>
+          </a:fillRef>
+          <a:effectRef idx="0">
+            <a:schemeClr val="accent1"/>
+          </a:effectRef>
+          <a:fontRef idx="minor">
+            <a:schemeClr val="lt1"/>
+          </a:fontRef>
+        </p:style>
+        <p:txBody>
+          <a:bodyPr rtlCol="0" anchor="ctr"/>
+          <a:lstStyle/>
+          <a:p>
+            <a:pPr algn="ctr"/>
+            <a:r>
+              <a:rPr lang="en-US" dirty="0"/>
+              <a:t>Presentation Layer </a:t>
+            </a:r>
+          </a:p>
+          <a:p>
+            <a:pPr algn="ctr"/>
+            <a:r>
+              <a:rPr lang="en-US" dirty="0"/>
+              <a:t>React / Angular / Vue / Ember</a:t>
+            </a:r>
+          </a:p>
+        </p:txBody>
+      </p:sp>
+      <p:sp>
+        <p:nvSpPr>
+          <p:cNvPr id="15" name="Right Brace 14">
+            <a:extLst>
+              <a:ext uri="{FF2B5EF4-FFF2-40B4-BE49-F238E27FC236}">
+                <a16:creationId xmlns:a16="http://schemas.microsoft.com/office/drawing/2014/main" id="{7AA20892-811C-C24F-8002-A2B2048508F1}"/>
+              </a:ext>
+            </a:extLst>
+          </p:cNvPr>
+          <p:cNvSpPr/>
+          <p:nvPr/>
+        </p:nvSpPr>
+        <p:spPr>
+          <a:xfrm>
+            <a:off x="3622766" y="822960"/>
+            <a:ext cx="487680" cy="1580606"/>
+          </a:xfrm>
+          <a:prstGeom prst="rightBrace">
+            <a:avLst/>
+          </a:prstGeom>
+        </p:spPr>
+        <p:style>
+          <a:lnRef idx="1">
+            <a:schemeClr val="accent1"/>
+          </a:lnRef>
+          <a:fillRef idx="0">
+            <a:schemeClr val="accent1"/>
+          </a:fillRef>
+          <a:effectRef idx="0">
+            <a:schemeClr val="accent1"/>
+          </a:effectRef>
+          <a:fontRef idx="minor">
+            <a:schemeClr val="tx1"/>
+          </a:fontRef>
+        </p:style>
+        <p:txBody>
+          <a:bodyPr rtlCol="0" anchor="ctr"/>
+          <a:lstStyle/>
+          <a:p>
+            <a:pPr algn="ctr"/>
+            <a:endParaRPr lang="en-US"/>
+          </a:p>
+        </p:txBody>
+      </p:sp>
+      <p:sp>
+        <p:nvSpPr>
+          <p:cNvPr id="16" name="Down Arrow 15">
+            <a:extLst>
+              <a:ext uri="{FF2B5EF4-FFF2-40B4-BE49-F238E27FC236}">
+                <a16:creationId xmlns:a16="http://schemas.microsoft.com/office/drawing/2014/main" id="{A3B04B93-F2CA-F546-90CF-AD4FC9323F11}"/>
+              </a:ext>
+            </a:extLst>
+          </p:cNvPr>
+          <p:cNvSpPr/>
+          <p:nvPr/>
+        </p:nvSpPr>
+        <p:spPr>
+          <a:xfrm>
+            <a:off x="853440" y="2333897"/>
+            <a:ext cx="148046" cy="374469"/>
+          </a:xfrm>
+          <a:prstGeom prst="downArrow">
+            <a:avLst/>
+          </a:prstGeom>
+          <a:solidFill>
+            <a:srgbClr val="FFFF00"/>
+          </a:solidFill>
+        </p:spPr>
+        <p:style>
+          <a:lnRef idx="2">
+            <a:schemeClr val="accent1">
+              <a:shade val="50000"/>
+            </a:schemeClr>
+          </a:lnRef>
+          <a:fillRef idx="1">
+            <a:schemeClr val="accent1"/>
+          </a:fillRef>
+          <a:effectRef idx="0">
+            <a:schemeClr val="accent1"/>
+          </a:effectRef>
+          <a:fontRef idx="minor">
+            <a:schemeClr val="lt1"/>
+          </a:fontRef>
+        </p:style>
+        <p:txBody>
+          <a:bodyPr rtlCol="0" anchor="ctr"/>
+          <a:lstStyle/>
+          <a:p>
+            <a:pPr algn="ctr"/>
+            <a:endParaRPr lang="en-US"/>
+          </a:p>
+        </p:txBody>
+      </p:sp>
+      <p:sp>
+        <p:nvSpPr>
+          <p:cNvPr id="17" name="Up Arrow 16">
+            <a:extLst>
+              <a:ext uri="{FF2B5EF4-FFF2-40B4-BE49-F238E27FC236}">
+                <a16:creationId xmlns:a16="http://schemas.microsoft.com/office/drawing/2014/main" id="{3F056D49-FBBA-1247-B19B-20C8D0014783}"/>
+              </a:ext>
+            </a:extLst>
+          </p:cNvPr>
+          <p:cNvSpPr/>
+          <p:nvPr/>
+        </p:nvSpPr>
+        <p:spPr>
+          <a:xfrm>
+            <a:off x="2286000" y="2331719"/>
+            <a:ext cx="204651" cy="376647"/>
+          </a:xfrm>
+          <a:prstGeom prst="upArrow">
+            <a:avLst/>
+          </a:prstGeom>
+          <a:solidFill>
+            <a:srgbClr val="FFFF00"/>
+          </a:solidFill>
+        </p:spPr>
+        <p:style>
+          <a:lnRef idx="2">
+            <a:schemeClr val="accent1">
+              <a:shade val="50000"/>
+            </a:schemeClr>
+          </a:lnRef>
+          <a:fillRef idx="1">
+            <a:schemeClr val="accent1"/>
+          </a:fillRef>
+          <a:effectRef idx="0">
+            <a:schemeClr val="accent1"/>
+          </a:effectRef>
+          <a:fontRef idx="minor">
+            <a:schemeClr val="lt1"/>
+          </a:fontRef>
+        </p:style>
+        <p:txBody>
+          <a:bodyPr rtlCol="0" anchor="ctr"/>
+          <a:lstStyle/>
+          <a:p>
+            <a:pPr algn="ctr"/>
+            <a:endParaRPr lang="en-US"/>
+          </a:p>
+        </p:txBody>
+      </p:sp>
+      <p:sp>
+        <p:nvSpPr>
+          <p:cNvPr id="18" name="Down Arrow 17">
+            <a:extLst>
+              <a:ext uri="{FF2B5EF4-FFF2-40B4-BE49-F238E27FC236}">
+                <a16:creationId xmlns:a16="http://schemas.microsoft.com/office/drawing/2014/main" id="{F41C340F-6EFD-C843-98ED-6BF2435A2A46}"/>
+              </a:ext>
+            </a:extLst>
+          </p:cNvPr>
+          <p:cNvSpPr/>
+          <p:nvPr/>
+        </p:nvSpPr>
+        <p:spPr>
+          <a:xfrm>
+            <a:off x="853440" y="5074920"/>
+            <a:ext cx="148046" cy="374469"/>
+          </a:xfrm>
+          <a:prstGeom prst="downArrow">
+            <a:avLst/>
+          </a:prstGeom>
+          <a:solidFill>
+            <a:srgbClr val="FFFF00"/>
+          </a:solidFill>
+        </p:spPr>
+        <p:style>
+          <a:lnRef idx="2">
+            <a:schemeClr val="accent1">
+              <a:shade val="50000"/>
+            </a:schemeClr>
+          </a:lnRef>
+          <a:fillRef idx="1">
+            <a:schemeClr val="accent1"/>
+          </a:fillRef>
+          <a:effectRef idx="0">
+            <a:schemeClr val="accent1"/>
+          </a:effectRef>
+          <a:fontRef idx="minor">
+            <a:schemeClr val="lt1"/>
+          </a:fontRef>
+        </p:style>
+        <p:txBody>
+          <a:bodyPr rtlCol="0" anchor="ctr"/>
+          <a:lstStyle/>
+          <a:p>
+            <a:pPr algn="ctr"/>
+            <a:endParaRPr lang="en-US"/>
+          </a:p>
+        </p:txBody>
+      </p:sp>
+      <p:sp>
+        <p:nvSpPr>
+          <p:cNvPr id="19" name="Up Arrow 18">
+            <a:extLst>
+              <a:ext uri="{FF2B5EF4-FFF2-40B4-BE49-F238E27FC236}">
+                <a16:creationId xmlns:a16="http://schemas.microsoft.com/office/drawing/2014/main" id="{D0B90474-2354-5249-9627-92E6A882E8E8}"/>
+              </a:ext>
+            </a:extLst>
+          </p:cNvPr>
+          <p:cNvSpPr/>
+          <p:nvPr/>
+        </p:nvSpPr>
+        <p:spPr>
+          <a:xfrm>
+            <a:off x="2286000" y="5072742"/>
+            <a:ext cx="204651" cy="376647"/>
+          </a:xfrm>
+          <a:prstGeom prst="upArrow">
+            <a:avLst/>
+          </a:prstGeom>
+          <a:solidFill>
+            <a:srgbClr val="FFFF00"/>
+          </a:solidFill>
+        </p:spPr>
+        <p:style>
+          <a:lnRef idx="2">
+            <a:schemeClr val="accent1">
+              <a:shade val="50000"/>
+            </a:schemeClr>
+          </a:lnRef>
+          <a:fillRef idx="1">
+            <a:schemeClr val="accent1"/>
+          </a:fillRef>
+          <a:effectRef idx="0">
+            <a:schemeClr val="accent1"/>
+          </a:effectRef>
+          <a:fontRef idx="minor">
+            <a:schemeClr val="lt1"/>
+          </a:fontRef>
+        </p:style>
+        <p:txBody>
+          <a:bodyPr rtlCol="0" anchor="ctr"/>
+          <a:lstStyle/>
+          <a:p>
+            <a:pPr algn="ctr"/>
+            <a:endParaRPr lang="en-US"/>
+          </a:p>
+        </p:txBody>
+      </p:sp>
+      <p:sp>
+        <p:nvSpPr>
+          <p:cNvPr id="20" name="TextBox 19">
+            <a:extLst>
+              <a:ext uri="{FF2B5EF4-FFF2-40B4-BE49-F238E27FC236}">
+                <a16:creationId xmlns:a16="http://schemas.microsoft.com/office/drawing/2014/main" id="{E6A473B2-4361-1E46-8715-21C6DABB3217}"/>
+              </a:ext>
+            </a:extLst>
+          </p:cNvPr>
+          <p:cNvSpPr txBox="1"/>
+          <p:nvPr/>
+        </p:nvSpPr>
+        <p:spPr>
+          <a:xfrm>
+            <a:off x="6522720" y="119385"/>
+            <a:ext cx="4885508" cy="4462760"/>
+          </a:xfrm>
+          <a:prstGeom prst="rect">
+            <a:avLst/>
+          </a:prstGeom>
+          <a:noFill/>
+        </p:spPr>
+        <p:txBody>
+          <a:bodyPr wrap="square" rtlCol="0">
+            <a:spAutoFit/>
+          </a:bodyPr>
+          <a:lstStyle/>
+          <a:p>
+            <a:r>
+              <a:rPr lang="en-US" sz="1400" dirty="0"/>
+              <a:t>Challenges</a:t>
+            </a:r>
+          </a:p>
+          <a:p>
+            <a:pPr marL="342900" indent="-342900">
+              <a:buFont typeface="+mj-lt"/>
+              <a:buAutoNum type="arabicPeriod"/>
+            </a:pPr>
+            <a:r>
+              <a:rPr lang="en-US" sz="1400" dirty="0"/>
+              <a:t>Each layer is dependent on other layer, hence if any layer is modified it will impact the stability of entire app.</a:t>
+            </a:r>
+          </a:p>
+          <a:p>
+            <a:pPr marL="342900" indent="-342900">
+              <a:buFont typeface="+mj-lt"/>
+              <a:buAutoNum type="arabicPeriod"/>
+            </a:pPr>
+            <a:r>
+              <a:rPr lang="en-US" sz="1400" dirty="0"/>
+              <a:t>Scalability Challenges</a:t>
+            </a:r>
+          </a:p>
+          <a:p>
+            <a:pPr marL="800100" lvl="1" indent="-342900">
+              <a:buFont typeface="+mj-lt"/>
+              <a:buAutoNum type="arabicPeriod"/>
+            </a:pPr>
+            <a:r>
+              <a:rPr lang="en-US" sz="1400" dirty="0"/>
+              <a:t>Limited Databases</a:t>
+            </a:r>
+          </a:p>
+          <a:p>
+            <a:pPr marL="800100" lvl="1" indent="-342900">
+              <a:buFont typeface="+mj-lt"/>
+              <a:buAutoNum type="arabicPeriod"/>
+            </a:pPr>
+            <a:r>
+              <a:rPr lang="en-US" sz="1400" dirty="0"/>
+              <a:t>All app data is stored in single DB will limit number of concurrent requests to database</a:t>
+            </a:r>
+          </a:p>
+          <a:p>
+            <a:pPr marL="800100" lvl="1" indent="-342900">
+              <a:buFont typeface="+mj-lt"/>
+              <a:buAutoNum type="arabicPeriod"/>
+            </a:pPr>
+            <a:r>
+              <a:rPr lang="en-US" sz="1400" dirty="0"/>
+              <a:t>Redundancy of the data in Database</a:t>
+            </a:r>
+          </a:p>
+          <a:p>
+            <a:pPr marL="342900" indent="-342900">
+              <a:buFont typeface="+mj-lt"/>
+              <a:buAutoNum type="arabicPeriod"/>
+            </a:pPr>
+            <a:r>
+              <a:rPr lang="en-US" sz="1400" dirty="0"/>
+              <a:t>Business Logic Modifications or Domain Workflow Modifications</a:t>
+            </a:r>
+          </a:p>
+          <a:p>
+            <a:pPr marL="342900" indent="-342900">
+              <a:buFont typeface="+mj-lt"/>
+              <a:buAutoNum type="arabicPeriod"/>
+            </a:pPr>
+            <a:r>
+              <a:rPr lang="en-US" sz="1400" dirty="0"/>
+              <a:t>Security</a:t>
+            </a:r>
+          </a:p>
+          <a:p>
+            <a:pPr marL="800100" lvl="1" indent="-342900">
+              <a:buFont typeface="+mj-lt"/>
+              <a:buAutoNum type="arabicPeriod"/>
+            </a:pPr>
+            <a:r>
+              <a:rPr lang="en-US" sz="1400" dirty="0"/>
+              <a:t>User Name and Password (Basic Auth)</a:t>
+            </a:r>
+          </a:p>
+          <a:p>
+            <a:pPr marL="800100" lvl="1" indent="-342900">
+              <a:buFont typeface="+mj-lt"/>
+              <a:buAutoNum type="arabicPeriod"/>
+            </a:pPr>
+            <a:r>
+              <a:rPr lang="en-US" sz="1400" dirty="0"/>
+              <a:t>Platform Specific Auth Providers</a:t>
+            </a:r>
+          </a:p>
+          <a:p>
+            <a:pPr marL="1257300" lvl="2" indent="-342900">
+              <a:buFont typeface="+mj-lt"/>
+              <a:buAutoNum type="arabicPeriod"/>
+            </a:pPr>
+            <a:r>
+              <a:rPr lang="en-US" sz="1400" dirty="0"/>
+              <a:t>Windows Server, Active Directory</a:t>
+            </a:r>
+          </a:p>
+          <a:p>
+            <a:pPr marL="1714500" lvl="3" indent="-342900">
+              <a:buFont typeface="+mj-lt"/>
+              <a:buAutoNum type="arabicPeriod"/>
+            </a:pPr>
+            <a:r>
+              <a:rPr lang="en-US" sz="1400" dirty="0"/>
+              <a:t>Contains User Identity Info e.g. Credentials, roles, claims, etc.</a:t>
+            </a:r>
+          </a:p>
+          <a:p>
+            <a:pPr marL="1257300" lvl="2" indent="-342900">
+              <a:buFont typeface="+mj-lt"/>
+              <a:buAutoNum type="arabicPeriod"/>
+            </a:pPr>
+            <a:r>
+              <a:rPr lang="en-US" sz="1400" dirty="0"/>
+              <a:t>Third-Party Auth Providers</a:t>
+            </a:r>
+          </a:p>
+          <a:p>
+            <a:pPr marL="800100" lvl="1" indent="-342900">
+              <a:buFont typeface="+mj-lt"/>
+              <a:buAutoNum type="arabicPeriod"/>
+            </a:pPr>
+            <a:r>
+              <a:rPr lang="en-US" sz="1400" dirty="0"/>
+              <a:t>Token Based Authentication </a:t>
+            </a:r>
+          </a:p>
+          <a:p>
+            <a:pPr marL="1257300" lvl="2" indent="-342900">
+              <a:buFont typeface="+mj-lt"/>
+              <a:buAutoNum type="arabicPeriod"/>
+            </a:pPr>
+            <a:r>
+              <a:rPr lang="en-US" sz="1400" dirty="0"/>
+              <a:t>JSON WEB TOKENS (JWT)</a:t>
+            </a:r>
+          </a:p>
+          <a:p>
+            <a:pPr marL="1257300" lvl="2" indent="-342900">
+              <a:buFont typeface="+mj-lt"/>
+              <a:buAutoNum type="arabicPeriod"/>
+            </a:pPr>
+            <a:endParaRPr lang="en-US" dirty="0"/>
+          </a:p>
+        </p:txBody>
+      </p:sp>
+    </p:spTree>
+    <p:extLst>
+      <p:ext uri="{BB962C8B-B14F-4D97-AF65-F5344CB8AC3E}">
+        <p14:creationId xmlns:p14="http://schemas.microsoft.com/office/powerpoint/2010/main" val="525603510"/>
+      </p:ext>
+    </p:extLst>
+  </p:cSld>
+  <p:clrMapOvr>
+    <a:masterClrMapping/>
+  </p:clrMapOvr>
+</p:sld>
+</file>
+
+<file path=ppt/slides/slide71.xml><?xml version="1.0" encoding="utf-8"?>
+<p:sld xmlns:a="http://schemas.openxmlformats.org/drawingml/2006/main" xmlns:r="http://schemas.openxmlformats.org/officeDocument/2006/relationships" xmlns:p="http://schemas.openxmlformats.org/presentationml/2006/main">
+  <p:cSld>
+    <p:spTree>
+      <p:nvGrpSpPr>
+        <p:cNvPr id="1" name=""/>
+        <p:cNvGrpSpPr/>
+        <p:nvPr/>
+      </p:nvGrpSpPr>
+      <p:grpSpPr>
+        <a:xfrm>
+          <a:off x="0" y="0"/>
+          <a:ext cx="0" cy="0"/>
+          <a:chOff x="0" y="0"/>
+          <a:chExt cx="0" cy="0"/>
+        </a:xfrm>
+      </p:grpSpPr>
+      <p:sp>
+        <p:nvSpPr>
+          <p:cNvPr id="2" name="TextBox 1">
+            <a:extLst>
+              <a:ext uri="{FF2B5EF4-FFF2-40B4-BE49-F238E27FC236}">
+                <a16:creationId xmlns:a16="http://schemas.microsoft.com/office/drawing/2014/main" id="{BC4582B9-5061-CC42-888E-4CF88712D31A}"/>
+              </a:ext>
+            </a:extLst>
+          </p:cNvPr>
+          <p:cNvSpPr txBox="1"/>
+          <p:nvPr/>
+        </p:nvSpPr>
+        <p:spPr>
+          <a:xfrm>
+            <a:off x="3648891" y="95794"/>
+            <a:ext cx="5277395" cy="369332"/>
+          </a:xfrm>
+          <a:prstGeom prst="rect">
+            <a:avLst/>
+          </a:prstGeom>
+          <a:noFill/>
+        </p:spPr>
+        <p:txBody>
+          <a:bodyPr wrap="square" rtlCol="0">
+            <a:spAutoFit/>
+          </a:bodyPr>
+          <a:lstStyle/>
+          <a:p>
+            <a:r>
+              <a:rPr lang="en-US" dirty="0"/>
+              <a:t>Session</a:t>
+            </a:r>
+          </a:p>
+        </p:txBody>
+      </p:sp>
+      <p:sp>
+        <p:nvSpPr>
+          <p:cNvPr id="3" name="Rectangle 2">
+            <a:extLst>
+              <a:ext uri="{FF2B5EF4-FFF2-40B4-BE49-F238E27FC236}">
+                <a16:creationId xmlns:a16="http://schemas.microsoft.com/office/drawing/2014/main" id="{90DB0F4F-5297-4444-9627-9400420E4965}"/>
+              </a:ext>
+            </a:extLst>
+          </p:cNvPr>
+          <p:cNvSpPr/>
+          <p:nvPr/>
+        </p:nvSpPr>
+        <p:spPr>
+          <a:xfrm>
+            <a:off x="6836229" y="465126"/>
+            <a:ext cx="3910148" cy="4881937"/>
+          </a:xfrm>
+          <a:prstGeom prst="rect">
+            <a:avLst/>
+          </a:prstGeom>
+        </p:spPr>
+        <p:style>
+          <a:lnRef idx="1">
+            <a:schemeClr val="accent2"/>
+          </a:lnRef>
+          <a:fillRef idx="2">
+            <a:schemeClr val="accent2"/>
+          </a:fillRef>
+          <a:effectRef idx="1">
+            <a:schemeClr val="accent2"/>
+          </a:effectRef>
+          <a:fontRef idx="minor">
+            <a:schemeClr val="dk1"/>
+          </a:fontRef>
+        </p:style>
+        <p:txBody>
+          <a:bodyPr rtlCol="0" anchor="ctr"/>
+          <a:lstStyle/>
+          <a:p>
+            <a:pPr algn="ctr"/>
+            <a:endParaRPr lang="en-US"/>
+          </a:p>
+        </p:txBody>
+      </p:sp>
+      <p:sp>
+        <p:nvSpPr>
+          <p:cNvPr id="4" name="TextBox 3">
+            <a:extLst>
+              <a:ext uri="{FF2B5EF4-FFF2-40B4-BE49-F238E27FC236}">
+                <a16:creationId xmlns:a16="http://schemas.microsoft.com/office/drawing/2014/main" id="{61CB059B-BCA6-944C-835C-C25DA7AE52E4}"/>
+              </a:ext>
+            </a:extLst>
+          </p:cNvPr>
+          <p:cNvSpPr txBox="1"/>
+          <p:nvPr/>
+        </p:nvSpPr>
+        <p:spPr>
+          <a:xfrm>
+            <a:off x="7846424" y="574766"/>
+            <a:ext cx="2952205" cy="369332"/>
+          </a:xfrm>
+          <a:prstGeom prst="rect">
+            <a:avLst/>
+          </a:prstGeom>
+          <a:noFill/>
+        </p:spPr>
+        <p:txBody>
+          <a:bodyPr wrap="square" rtlCol="0">
+            <a:spAutoFit/>
+          </a:bodyPr>
+          <a:lstStyle/>
+          <a:p>
+            <a:r>
+              <a:rPr lang="en-US" dirty="0" err="1"/>
+              <a:t>WebServer</a:t>
+            </a:r>
+            <a:endParaRPr lang="en-US" dirty="0"/>
+          </a:p>
+        </p:txBody>
+      </p:sp>
+      <p:sp>
+        <p:nvSpPr>
+          <p:cNvPr id="5" name="Right Arrow 4">
+            <a:extLst>
+              <a:ext uri="{FF2B5EF4-FFF2-40B4-BE49-F238E27FC236}">
+                <a16:creationId xmlns:a16="http://schemas.microsoft.com/office/drawing/2014/main" id="{7B1A09AA-2409-4C47-8136-CE3931775E4F}"/>
+              </a:ext>
+            </a:extLst>
+          </p:cNvPr>
+          <p:cNvSpPr/>
+          <p:nvPr/>
+        </p:nvSpPr>
+        <p:spPr>
+          <a:xfrm>
+            <a:off x="566057" y="574766"/>
+            <a:ext cx="6270172" cy="513805"/>
+          </a:xfrm>
+          <a:prstGeom prst="rightArrow">
+            <a:avLst/>
+          </a:prstGeom>
+        </p:spPr>
+        <p:style>
+          <a:lnRef idx="2">
+            <a:schemeClr val="accent1">
+              <a:shade val="50000"/>
+            </a:schemeClr>
+          </a:lnRef>
+          <a:fillRef idx="1">
+            <a:schemeClr val="accent1"/>
+          </a:fillRef>
+          <a:effectRef idx="0">
+            <a:schemeClr val="accent1"/>
+          </a:effectRef>
+          <a:fontRef idx="minor">
+            <a:schemeClr val="lt1"/>
+          </a:fontRef>
+        </p:style>
+        <p:txBody>
+          <a:bodyPr rtlCol="0" anchor="ctr"/>
+          <a:lstStyle/>
+          <a:p>
+            <a:pPr algn="ctr"/>
+            <a:r>
+              <a:rPr lang="en-US" dirty="0"/>
+              <a:t>HTTP REQUEST No. 1</a:t>
+            </a:r>
+          </a:p>
+        </p:txBody>
+      </p:sp>
+      <p:sp>
+        <p:nvSpPr>
+          <p:cNvPr id="6" name="Bent Arrow 5">
+            <a:extLst>
+              <a:ext uri="{FF2B5EF4-FFF2-40B4-BE49-F238E27FC236}">
+                <a16:creationId xmlns:a16="http://schemas.microsoft.com/office/drawing/2014/main" id="{5BF3D0ED-9E56-6F42-A532-B9A04958DA9C}"/>
+              </a:ext>
+            </a:extLst>
+          </p:cNvPr>
+          <p:cNvSpPr/>
+          <p:nvPr/>
+        </p:nvSpPr>
+        <p:spPr>
+          <a:xfrm rot="5400000">
+            <a:off x="5834742" y="1813172"/>
+            <a:ext cx="2525490" cy="418009"/>
+          </a:xfrm>
+          <a:prstGeom prst="bentArrow">
+            <a:avLst/>
+          </a:prstGeom>
+        </p:spPr>
+        <p:style>
+          <a:lnRef idx="2">
+            <a:schemeClr val="accent1">
+              <a:shade val="50000"/>
+            </a:schemeClr>
+          </a:lnRef>
+          <a:fillRef idx="1">
+            <a:schemeClr val="accent1"/>
+          </a:fillRef>
+          <a:effectRef idx="0">
+            <a:schemeClr val="accent1"/>
+          </a:effectRef>
+          <a:fontRef idx="minor">
+            <a:schemeClr val="lt1"/>
+          </a:fontRef>
+        </p:style>
+        <p:txBody>
+          <a:bodyPr rtlCol="0" anchor="ctr"/>
+          <a:lstStyle/>
+          <a:p>
+            <a:pPr algn="ctr"/>
+            <a:endParaRPr lang="en-US">
+              <a:solidFill>
+                <a:schemeClr val="tx1"/>
+              </a:solidFill>
+            </a:endParaRPr>
+          </a:p>
+        </p:txBody>
+      </p:sp>
+      <p:sp>
+        <p:nvSpPr>
+          <p:cNvPr id="7" name="Rectangle 6">
+            <a:extLst>
+              <a:ext uri="{FF2B5EF4-FFF2-40B4-BE49-F238E27FC236}">
+                <a16:creationId xmlns:a16="http://schemas.microsoft.com/office/drawing/2014/main" id="{638638AA-D45D-5F4B-B596-CE6BE505C12C}"/>
+              </a:ext>
+            </a:extLst>
+          </p:cNvPr>
+          <p:cNvSpPr/>
+          <p:nvPr/>
+        </p:nvSpPr>
+        <p:spPr>
+          <a:xfrm>
+            <a:off x="6888481" y="3284920"/>
+            <a:ext cx="3675017" cy="1661549"/>
+          </a:xfrm>
+          <a:prstGeom prst="rect">
+            <a:avLst/>
+          </a:prstGeom>
+          <a:solidFill>
+            <a:schemeClr val="accent4">
+              <a:lumMod val="60000"/>
+              <a:lumOff val="40000"/>
+            </a:schemeClr>
+          </a:solidFill>
+        </p:spPr>
+        <p:style>
+          <a:lnRef idx="2">
+            <a:schemeClr val="accent1">
+              <a:shade val="50000"/>
+            </a:schemeClr>
+          </a:lnRef>
+          <a:fillRef idx="1">
+            <a:schemeClr val="accent1"/>
+          </a:fillRef>
+          <a:effectRef idx="0">
+            <a:schemeClr val="accent1"/>
+          </a:effectRef>
+          <a:fontRef idx="minor">
+            <a:schemeClr val="lt1"/>
+          </a:fontRef>
+        </p:style>
+        <p:txBody>
+          <a:bodyPr rtlCol="0" anchor="ctr"/>
+          <a:lstStyle/>
+          <a:p>
+            <a:pPr algn="ctr"/>
+            <a:r>
+              <a:rPr lang="en-US" dirty="0"/>
+              <a:t>Application Runtime</a:t>
+            </a:r>
+          </a:p>
+          <a:p>
+            <a:pPr algn="ctr"/>
+            <a:r>
+              <a:rPr lang="en-US" dirty="0"/>
+              <a:t>ASP.NET App, JSP, Sprint-Boot, Node.js</a:t>
+            </a:r>
+          </a:p>
+          <a:p>
+            <a:pPr algn="ctr"/>
+            <a:r>
+              <a:rPr lang="en-US" dirty="0"/>
+              <a:t>Express.js </a:t>
+            </a:r>
+          </a:p>
+          <a:p>
+            <a:pPr algn="ctr"/>
+            <a:r>
+              <a:rPr lang="en-US" dirty="0"/>
+              <a:t>REST API + STATIC PAGES</a:t>
+            </a:r>
+          </a:p>
+        </p:txBody>
+      </p:sp>
+      <p:sp>
+        <p:nvSpPr>
+          <p:cNvPr id="8" name="Rectangle 7">
+            <a:extLst>
+              <a:ext uri="{FF2B5EF4-FFF2-40B4-BE49-F238E27FC236}">
+                <a16:creationId xmlns:a16="http://schemas.microsoft.com/office/drawing/2014/main" id="{58CEF74D-C647-D247-93A0-2867828FCC2F}"/>
+              </a:ext>
+            </a:extLst>
+          </p:cNvPr>
+          <p:cNvSpPr/>
+          <p:nvPr/>
+        </p:nvSpPr>
+        <p:spPr>
+          <a:xfrm>
+            <a:off x="7559040" y="1689463"/>
+            <a:ext cx="3004458" cy="1471748"/>
+          </a:xfrm>
+          <a:prstGeom prst="rect">
+            <a:avLst/>
+          </a:prstGeom>
+        </p:spPr>
+        <p:style>
+          <a:lnRef idx="2">
+            <a:schemeClr val="accent3"/>
+          </a:lnRef>
+          <a:fillRef idx="1">
+            <a:schemeClr val="lt1"/>
+          </a:fillRef>
+          <a:effectRef idx="0">
+            <a:schemeClr val="accent3"/>
+          </a:effectRef>
+          <a:fontRef idx="minor">
+            <a:schemeClr val="dk1"/>
+          </a:fontRef>
+        </p:style>
+        <p:txBody>
+          <a:bodyPr rtlCol="0" anchor="ctr"/>
+          <a:lstStyle/>
+          <a:p>
+            <a:pPr algn="ctr"/>
+            <a:r>
+              <a:rPr lang="en-US" dirty="0" err="1"/>
+              <a:t>Metabase</a:t>
+            </a:r>
+            <a:endParaRPr lang="en-US" dirty="0"/>
+          </a:p>
+          <a:p>
+            <a:pPr algn="ctr"/>
+            <a:r>
+              <a:rPr lang="en-US" dirty="0"/>
+              <a:t>Create and maintain Session Information inside the servers Process</a:t>
+            </a:r>
+          </a:p>
+        </p:txBody>
+      </p:sp>
+      <p:sp>
+        <p:nvSpPr>
+          <p:cNvPr id="9" name="Up Arrow 8">
+            <a:extLst>
+              <a:ext uri="{FF2B5EF4-FFF2-40B4-BE49-F238E27FC236}">
+                <a16:creationId xmlns:a16="http://schemas.microsoft.com/office/drawing/2014/main" id="{44E4AB11-11F3-2B49-B7D5-CA6A1751479A}"/>
+              </a:ext>
+            </a:extLst>
+          </p:cNvPr>
+          <p:cNvSpPr/>
+          <p:nvPr/>
+        </p:nvSpPr>
+        <p:spPr>
+          <a:xfrm>
+            <a:off x="9831977" y="2990615"/>
+            <a:ext cx="182880" cy="579899"/>
+          </a:xfrm>
+          <a:prstGeom prst="upArrow">
+            <a:avLst/>
+          </a:prstGeom>
+        </p:spPr>
+        <p:style>
+          <a:lnRef idx="2">
+            <a:schemeClr val="accent1">
+              <a:shade val="50000"/>
+            </a:schemeClr>
+          </a:lnRef>
+          <a:fillRef idx="1">
+            <a:schemeClr val="accent1"/>
+          </a:fillRef>
+          <a:effectRef idx="0">
+            <a:schemeClr val="accent1"/>
+          </a:effectRef>
+          <a:fontRef idx="minor">
+            <a:schemeClr val="lt1"/>
+          </a:fontRef>
+        </p:style>
+        <p:txBody>
+          <a:bodyPr rtlCol="0" anchor="ctr"/>
+          <a:lstStyle/>
+          <a:p>
+            <a:pPr algn="ctr"/>
+            <a:endParaRPr lang="en-US"/>
+          </a:p>
+        </p:txBody>
+      </p:sp>
+      <p:cxnSp>
+        <p:nvCxnSpPr>
+          <p:cNvPr id="11" name="Straight Arrow Connector 10">
+            <a:extLst>
+              <a:ext uri="{FF2B5EF4-FFF2-40B4-BE49-F238E27FC236}">
+                <a16:creationId xmlns:a16="http://schemas.microsoft.com/office/drawing/2014/main" id="{2AD5E468-8492-4143-92AA-D446B7157E6E}"/>
+              </a:ext>
+            </a:extLst>
+          </p:cNvPr>
+          <p:cNvCxnSpPr/>
+          <p:nvPr/>
+        </p:nvCxnSpPr>
+        <p:spPr>
+          <a:xfrm>
+            <a:off x="9988731" y="3161211"/>
+            <a:ext cx="1132115" cy="123709"/>
+          </a:xfrm>
+          <a:prstGeom prst="straightConnector1">
+            <a:avLst/>
+          </a:prstGeom>
+          <a:ln>
+            <a:tailEnd type="triangle"/>
+          </a:ln>
+        </p:spPr>
+        <p:style>
+          <a:lnRef idx="3">
+            <a:schemeClr val="dk1"/>
+          </a:lnRef>
+          <a:fillRef idx="0">
+            <a:schemeClr val="dk1"/>
+          </a:fillRef>
+          <a:effectRef idx="2">
+            <a:schemeClr val="dk1"/>
+          </a:effectRef>
+          <a:fontRef idx="minor">
+            <a:schemeClr val="tx1"/>
+          </a:fontRef>
+        </p:style>
+      </p:cxnSp>
+      <p:sp>
+        <p:nvSpPr>
+          <p:cNvPr id="12" name="TextBox 11">
+            <a:extLst>
+              <a:ext uri="{FF2B5EF4-FFF2-40B4-BE49-F238E27FC236}">
+                <a16:creationId xmlns:a16="http://schemas.microsoft.com/office/drawing/2014/main" id="{9D9AA1BE-F459-3548-8FDC-DA02A9A98A58}"/>
+              </a:ext>
+            </a:extLst>
+          </p:cNvPr>
+          <p:cNvSpPr txBox="1"/>
+          <p:nvPr/>
+        </p:nvSpPr>
+        <p:spPr>
+          <a:xfrm>
+            <a:off x="11016344" y="1088571"/>
+            <a:ext cx="1105989" cy="3416320"/>
+          </a:xfrm>
+          <a:prstGeom prst="rect">
+            <a:avLst/>
+          </a:prstGeom>
+          <a:noFill/>
+        </p:spPr>
+        <p:txBody>
+          <a:bodyPr wrap="square" rtlCol="0">
+            <a:spAutoFit/>
+          </a:bodyPr>
+          <a:lstStyle/>
+          <a:p>
+            <a:r>
+              <a:rPr lang="en-US" dirty="0"/>
+              <a:t>If the server does not see session info in header it ask the </a:t>
+            </a:r>
+            <a:r>
+              <a:rPr lang="en-US" dirty="0" err="1"/>
+              <a:t>metabase</a:t>
+            </a:r>
+            <a:r>
+              <a:rPr lang="en-US" dirty="0"/>
+              <a:t> for new Session Info</a:t>
+            </a:r>
+          </a:p>
+        </p:txBody>
+      </p:sp>
+      <p:sp>
+        <p:nvSpPr>
+          <p:cNvPr id="13" name="Down Arrow 12">
+            <a:extLst>
+              <a:ext uri="{FF2B5EF4-FFF2-40B4-BE49-F238E27FC236}">
+                <a16:creationId xmlns:a16="http://schemas.microsoft.com/office/drawing/2014/main" id="{48BC6B3F-9D28-C149-A87F-634B4CEE6AD3}"/>
+              </a:ext>
+            </a:extLst>
+          </p:cNvPr>
+          <p:cNvSpPr/>
+          <p:nvPr/>
+        </p:nvSpPr>
+        <p:spPr>
+          <a:xfrm>
+            <a:off x="7846424" y="2990615"/>
+            <a:ext cx="191587" cy="579899"/>
+          </a:xfrm>
+          <a:prstGeom prst="downArrow">
+            <a:avLst/>
+          </a:prstGeom>
+        </p:spPr>
+        <p:style>
+          <a:lnRef idx="2">
+            <a:schemeClr val="accent1">
+              <a:shade val="50000"/>
+            </a:schemeClr>
+          </a:lnRef>
+          <a:fillRef idx="1">
+            <a:schemeClr val="accent1"/>
+          </a:fillRef>
+          <a:effectRef idx="0">
+            <a:schemeClr val="accent1"/>
+          </a:effectRef>
+          <a:fontRef idx="minor">
+            <a:schemeClr val="lt1"/>
+          </a:fontRef>
+        </p:style>
+        <p:txBody>
+          <a:bodyPr rtlCol="0" anchor="ctr"/>
+          <a:lstStyle/>
+          <a:p>
+            <a:pPr algn="ctr"/>
+            <a:endParaRPr lang="en-US"/>
+          </a:p>
+        </p:txBody>
+      </p:sp>
+      <p:cxnSp>
+        <p:nvCxnSpPr>
+          <p:cNvPr id="15" name="Straight Arrow Connector 14">
+            <a:extLst>
+              <a:ext uri="{FF2B5EF4-FFF2-40B4-BE49-F238E27FC236}">
+                <a16:creationId xmlns:a16="http://schemas.microsoft.com/office/drawing/2014/main" id="{9D5654A2-E099-CA4B-A815-470CC8AB0AFC}"/>
+              </a:ext>
+            </a:extLst>
+          </p:cNvPr>
+          <p:cNvCxnSpPr>
+            <a:cxnSpLocks/>
+            <a:endCxn id="16" idx="3"/>
+          </p:cNvCxnSpPr>
+          <p:nvPr/>
+        </p:nvCxnSpPr>
+        <p:spPr>
+          <a:xfrm flipH="1" flipV="1">
+            <a:off x="6396446" y="3324279"/>
+            <a:ext cx="1524002" cy="124430"/>
+          </a:xfrm>
+          <a:prstGeom prst="straightConnector1">
+            <a:avLst/>
+          </a:prstGeom>
+          <a:ln>
+            <a:tailEnd type="triangle"/>
+          </a:ln>
+        </p:spPr>
+        <p:style>
+          <a:lnRef idx="3">
+            <a:schemeClr val="dk1"/>
+          </a:lnRef>
+          <a:fillRef idx="0">
+            <a:schemeClr val="dk1"/>
+          </a:fillRef>
+          <a:effectRef idx="2">
+            <a:schemeClr val="dk1"/>
+          </a:effectRef>
+          <a:fontRef idx="minor">
+            <a:schemeClr val="tx1"/>
+          </a:fontRef>
+        </p:style>
+      </p:cxnSp>
+      <p:sp>
+        <p:nvSpPr>
+          <p:cNvPr id="16" name="TextBox 15">
+            <a:extLst>
+              <a:ext uri="{FF2B5EF4-FFF2-40B4-BE49-F238E27FC236}">
+                <a16:creationId xmlns:a16="http://schemas.microsoft.com/office/drawing/2014/main" id="{E645BF22-D9DC-614A-BFFD-41E1287F20B0}"/>
+              </a:ext>
+            </a:extLst>
+          </p:cNvPr>
+          <p:cNvSpPr txBox="1"/>
+          <p:nvPr/>
+        </p:nvSpPr>
+        <p:spPr>
+          <a:xfrm>
+            <a:off x="4236723" y="3001113"/>
+            <a:ext cx="2159723" cy="646331"/>
+          </a:xfrm>
+          <a:prstGeom prst="rect">
+            <a:avLst/>
+          </a:prstGeom>
+          <a:noFill/>
+        </p:spPr>
+        <p:txBody>
+          <a:bodyPr wrap="square" rtlCol="0">
+            <a:spAutoFit/>
+          </a:bodyPr>
+          <a:lstStyle/>
+          <a:p>
+            <a:r>
+              <a:rPr lang="en-US" sz="1200" dirty="0"/>
+              <a:t>Session Info</a:t>
+            </a:r>
+          </a:p>
+          <a:p>
+            <a:r>
+              <a:rPr lang="en-US" sz="1200" dirty="0"/>
+              <a:t>Secret, save, cookies info, </a:t>
+            </a:r>
+            <a:r>
+              <a:rPr lang="en-US" sz="1200" dirty="0" err="1"/>
+              <a:t>saveUnInitialized</a:t>
+            </a:r>
+            <a:r>
+              <a:rPr lang="en-US" sz="1200" dirty="0"/>
+              <a:t>, etc.</a:t>
+            </a:r>
+          </a:p>
+        </p:txBody>
+      </p:sp>
+      <p:sp>
+        <p:nvSpPr>
+          <p:cNvPr id="18" name="Left Arrow 17">
+            <a:extLst>
+              <a:ext uri="{FF2B5EF4-FFF2-40B4-BE49-F238E27FC236}">
+                <a16:creationId xmlns:a16="http://schemas.microsoft.com/office/drawing/2014/main" id="{B0EABC01-50D5-5A43-944F-9E70FFE8A2EA}"/>
+              </a:ext>
+            </a:extLst>
+          </p:cNvPr>
+          <p:cNvSpPr/>
+          <p:nvPr/>
+        </p:nvSpPr>
+        <p:spPr>
+          <a:xfrm>
+            <a:off x="461554" y="3849664"/>
+            <a:ext cx="6426926" cy="560921"/>
+          </a:xfrm>
+          <a:prstGeom prst="leftArrow">
+            <a:avLst/>
+          </a:prstGeom>
+        </p:spPr>
+        <p:style>
+          <a:lnRef idx="2">
+            <a:schemeClr val="accent1">
+              <a:shade val="50000"/>
+            </a:schemeClr>
+          </a:lnRef>
+          <a:fillRef idx="1">
+            <a:schemeClr val="accent1"/>
+          </a:fillRef>
+          <a:effectRef idx="0">
+            <a:schemeClr val="accent1"/>
+          </a:effectRef>
+          <a:fontRef idx="minor">
+            <a:schemeClr val="lt1"/>
+          </a:fontRef>
+        </p:style>
+        <p:txBody>
+          <a:bodyPr rtlCol="0" anchor="ctr"/>
+          <a:lstStyle/>
+          <a:p>
+            <a:pPr algn="ctr"/>
+            <a:r>
+              <a:rPr lang="en-US" dirty="0"/>
+              <a:t>HTTP Response No. 1 with Session Info in Response Header</a:t>
+            </a:r>
+          </a:p>
+        </p:txBody>
+      </p:sp>
+      <p:sp>
+        <p:nvSpPr>
+          <p:cNvPr id="19" name="Rectangle 18">
+            <a:extLst>
+              <a:ext uri="{FF2B5EF4-FFF2-40B4-BE49-F238E27FC236}">
+                <a16:creationId xmlns:a16="http://schemas.microsoft.com/office/drawing/2014/main" id="{97246DDE-6C72-6543-A30B-0B0339841DB6}"/>
+              </a:ext>
+            </a:extLst>
+          </p:cNvPr>
+          <p:cNvSpPr/>
+          <p:nvPr/>
+        </p:nvSpPr>
+        <p:spPr>
+          <a:xfrm>
+            <a:off x="165463" y="1232265"/>
+            <a:ext cx="1367246" cy="2421989"/>
+          </a:xfrm>
+          <a:prstGeom prst="rect">
+            <a:avLst/>
+          </a:prstGeom>
+        </p:spPr>
+        <p:style>
+          <a:lnRef idx="2">
+            <a:schemeClr val="accent1">
+              <a:shade val="50000"/>
+            </a:schemeClr>
+          </a:lnRef>
+          <a:fillRef idx="1">
+            <a:schemeClr val="accent1"/>
+          </a:fillRef>
+          <a:effectRef idx="0">
+            <a:schemeClr val="accent1"/>
+          </a:effectRef>
+          <a:fontRef idx="minor">
+            <a:schemeClr val="lt1"/>
+          </a:fontRef>
+        </p:style>
+        <p:txBody>
+          <a:bodyPr rtlCol="0" anchor="ctr"/>
+          <a:lstStyle/>
+          <a:p>
+            <a:pPr algn="ctr"/>
+            <a:r>
+              <a:rPr lang="en-US" dirty="0"/>
+              <a:t>Client</a:t>
+            </a:r>
+          </a:p>
+          <a:p>
+            <a:pPr algn="ctr"/>
+            <a:r>
+              <a:rPr lang="en-US" dirty="0"/>
+              <a:t>With Cookie with Session Info e.g. </a:t>
+            </a:r>
+            <a:r>
+              <a:rPr lang="en-US" dirty="0" err="1"/>
+              <a:t>SessionID</a:t>
+            </a:r>
+            <a:r>
+              <a:rPr lang="en-US" dirty="0"/>
+              <a:t>, Session name, </a:t>
+            </a:r>
+            <a:r>
+              <a:rPr lang="en-US" dirty="0" err="1"/>
+              <a:t>etc</a:t>
+            </a:r>
+            <a:endParaRPr lang="en-US" dirty="0"/>
+          </a:p>
+        </p:txBody>
+      </p:sp>
+      <p:sp>
+        <p:nvSpPr>
+          <p:cNvPr id="20" name="Rectangle 19">
+            <a:extLst>
+              <a:ext uri="{FF2B5EF4-FFF2-40B4-BE49-F238E27FC236}">
+                <a16:creationId xmlns:a16="http://schemas.microsoft.com/office/drawing/2014/main" id="{505322B5-6BFC-704B-95DF-6A77CD3C33E9}"/>
+              </a:ext>
+            </a:extLst>
+          </p:cNvPr>
+          <p:cNvSpPr/>
+          <p:nvPr/>
+        </p:nvSpPr>
+        <p:spPr>
+          <a:xfrm>
+            <a:off x="3248299" y="1127928"/>
+            <a:ext cx="2847701" cy="561535"/>
+          </a:xfrm>
+          <a:prstGeom prst="rect">
+            <a:avLst/>
+          </a:prstGeom>
+          <a:solidFill>
+            <a:schemeClr val="accent6">
+              <a:lumMod val="60000"/>
+              <a:lumOff val="40000"/>
+            </a:schemeClr>
+          </a:solidFill>
+        </p:spPr>
+        <p:style>
+          <a:lnRef idx="2">
+            <a:schemeClr val="accent1">
+              <a:shade val="50000"/>
+            </a:schemeClr>
+          </a:lnRef>
+          <a:fillRef idx="1">
+            <a:schemeClr val="accent1"/>
+          </a:fillRef>
+          <a:effectRef idx="0">
+            <a:schemeClr val="accent1"/>
+          </a:effectRef>
+          <a:fontRef idx="minor">
+            <a:schemeClr val="lt1"/>
+          </a:fontRef>
+        </p:style>
+        <p:txBody>
+          <a:bodyPr rtlCol="0" anchor="ctr"/>
+          <a:lstStyle/>
+          <a:p>
+            <a:pPr algn="ctr"/>
+            <a:endParaRPr lang="en-US"/>
+          </a:p>
+        </p:txBody>
+      </p:sp>
+      <p:sp>
+        <p:nvSpPr>
+          <p:cNvPr id="22" name="Rectangle 21">
+            <a:extLst>
+              <a:ext uri="{FF2B5EF4-FFF2-40B4-BE49-F238E27FC236}">
+                <a16:creationId xmlns:a16="http://schemas.microsoft.com/office/drawing/2014/main" id="{65E4B5B1-B14F-4E42-91E7-7C2BB573020B}"/>
+              </a:ext>
+            </a:extLst>
+          </p:cNvPr>
+          <p:cNvSpPr/>
+          <p:nvPr/>
+        </p:nvSpPr>
+        <p:spPr>
+          <a:xfrm>
+            <a:off x="4014651" y="1127927"/>
+            <a:ext cx="69668" cy="561535"/>
+          </a:xfrm>
+          <a:prstGeom prst="rect">
+            <a:avLst/>
+          </a:prstGeom>
+        </p:spPr>
+        <p:style>
+          <a:lnRef idx="2">
+            <a:schemeClr val="accent1">
+              <a:shade val="50000"/>
+            </a:schemeClr>
+          </a:lnRef>
+          <a:fillRef idx="1">
+            <a:schemeClr val="accent1"/>
+          </a:fillRef>
+          <a:effectRef idx="0">
+            <a:schemeClr val="accent1"/>
+          </a:effectRef>
+          <a:fontRef idx="minor">
+            <a:schemeClr val="lt1"/>
+          </a:fontRef>
+        </p:style>
+        <p:txBody>
+          <a:bodyPr rtlCol="0" anchor="ctr"/>
+          <a:lstStyle/>
+          <a:p>
+            <a:pPr algn="ctr"/>
+            <a:endParaRPr lang="en-US"/>
+          </a:p>
+        </p:txBody>
+      </p:sp>
+      <p:sp>
+        <p:nvSpPr>
+          <p:cNvPr id="23" name="TextBox 22">
+            <a:extLst>
+              <a:ext uri="{FF2B5EF4-FFF2-40B4-BE49-F238E27FC236}">
+                <a16:creationId xmlns:a16="http://schemas.microsoft.com/office/drawing/2014/main" id="{8490E0A1-A08F-0C4B-B94B-5308EA637F3B}"/>
+              </a:ext>
+            </a:extLst>
+          </p:cNvPr>
+          <p:cNvSpPr txBox="1"/>
+          <p:nvPr/>
+        </p:nvSpPr>
+        <p:spPr>
+          <a:xfrm>
+            <a:off x="3248299" y="1220678"/>
+            <a:ext cx="618308" cy="380497"/>
+          </a:xfrm>
+          <a:prstGeom prst="rect">
+            <a:avLst/>
+          </a:prstGeom>
+          <a:noFill/>
+        </p:spPr>
+        <p:txBody>
+          <a:bodyPr wrap="square" rtlCol="0">
+            <a:spAutoFit/>
+          </a:bodyPr>
+          <a:lstStyle/>
+          <a:p>
+            <a:r>
+              <a:rPr lang="en-US" dirty="0"/>
+              <a:t>URL</a:t>
+            </a:r>
+          </a:p>
+        </p:txBody>
+      </p:sp>
+      <p:sp>
+        <p:nvSpPr>
+          <p:cNvPr id="24" name="TextBox 23">
+            <a:extLst>
+              <a:ext uri="{FF2B5EF4-FFF2-40B4-BE49-F238E27FC236}">
+                <a16:creationId xmlns:a16="http://schemas.microsoft.com/office/drawing/2014/main" id="{03F8EBB8-A8A2-1042-94A9-44520ED2A7A1}"/>
+              </a:ext>
+            </a:extLst>
+          </p:cNvPr>
+          <p:cNvSpPr txBox="1"/>
+          <p:nvPr/>
+        </p:nvSpPr>
+        <p:spPr>
+          <a:xfrm>
+            <a:off x="4149635" y="1198211"/>
+            <a:ext cx="1528354" cy="369332"/>
+          </a:xfrm>
+          <a:prstGeom prst="rect">
+            <a:avLst/>
+          </a:prstGeom>
+          <a:noFill/>
+        </p:spPr>
+        <p:txBody>
+          <a:bodyPr wrap="square" rtlCol="0">
+            <a:spAutoFit/>
+          </a:bodyPr>
+          <a:lstStyle/>
+          <a:p>
+            <a:r>
+              <a:rPr lang="en-US" dirty="0"/>
+              <a:t>Session Info</a:t>
+            </a:r>
+          </a:p>
+        </p:txBody>
+      </p:sp>
+      <p:sp>
+        <p:nvSpPr>
+          <p:cNvPr id="25" name="Right Arrow 24">
+            <a:extLst>
+              <a:ext uri="{FF2B5EF4-FFF2-40B4-BE49-F238E27FC236}">
+                <a16:creationId xmlns:a16="http: